--- a/EscapeJail/Assets/기획/스테이지1기획.pptx
+++ b/EscapeJail/Assets/기획/스테이지1기획.pptx
@@ -10,6 +10,7 @@
     <p:sldId id="258" r:id="rId4"/>
     <p:sldId id="259" r:id="rId5"/>
     <p:sldId id="260" r:id="rId6"/>
+    <p:sldId id="261" r:id="rId7"/>
   </p:sldIdLst>
   <p:sldSz cx="9144000" cy="6858000" type="screen4x3"/>
   <p:notesSz cx="6858000" cy="9144000"/>
@@ -292,7 +293,7 @@
           <a:p>
             <a:fld id="{75C3E87A-1EF5-4BC0-A34A-1B32DEFB2AF0}" type="datetimeFigureOut">
               <a:rPr lang="ko-KR" altLang="en-US" smtClean="0"/>
-              <a:t>2017-08-15</a:t>
+              <a:t>2017-08-18</a:t>
             </a:fld>
             <a:endParaRPr lang="ko-KR" altLang="en-US"/>
           </a:p>
@@ -462,7 +463,7 @@
           <a:p>
             <a:fld id="{75C3E87A-1EF5-4BC0-A34A-1B32DEFB2AF0}" type="datetimeFigureOut">
               <a:rPr lang="ko-KR" altLang="en-US" smtClean="0"/>
-              <a:t>2017-08-15</a:t>
+              <a:t>2017-08-18</a:t>
             </a:fld>
             <a:endParaRPr lang="ko-KR" altLang="en-US"/>
           </a:p>
@@ -642,7 +643,7 @@
           <a:p>
             <a:fld id="{75C3E87A-1EF5-4BC0-A34A-1B32DEFB2AF0}" type="datetimeFigureOut">
               <a:rPr lang="ko-KR" altLang="en-US" smtClean="0"/>
-              <a:t>2017-08-15</a:t>
+              <a:t>2017-08-18</a:t>
             </a:fld>
             <a:endParaRPr lang="ko-KR" altLang="en-US"/>
           </a:p>
@@ -812,7 +813,7 @@
           <a:p>
             <a:fld id="{75C3E87A-1EF5-4BC0-A34A-1B32DEFB2AF0}" type="datetimeFigureOut">
               <a:rPr lang="ko-KR" altLang="en-US" smtClean="0"/>
-              <a:t>2017-08-15</a:t>
+              <a:t>2017-08-18</a:t>
             </a:fld>
             <a:endParaRPr lang="ko-KR" altLang="en-US"/>
           </a:p>
@@ -1058,7 +1059,7 @@
           <a:p>
             <a:fld id="{75C3E87A-1EF5-4BC0-A34A-1B32DEFB2AF0}" type="datetimeFigureOut">
               <a:rPr lang="ko-KR" altLang="en-US" smtClean="0"/>
-              <a:t>2017-08-15</a:t>
+              <a:t>2017-08-18</a:t>
             </a:fld>
             <a:endParaRPr lang="ko-KR" altLang="en-US"/>
           </a:p>
@@ -1346,7 +1347,7 @@
           <a:p>
             <a:fld id="{75C3E87A-1EF5-4BC0-A34A-1B32DEFB2AF0}" type="datetimeFigureOut">
               <a:rPr lang="ko-KR" altLang="en-US" smtClean="0"/>
-              <a:t>2017-08-15</a:t>
+              <a:t>2017-08-18</a:t>
             </a:fld>
             <a:endParaRPr lang="ko-KR" altLang="en-US"/>
           </a:p>
@@ -1768,7 +1769,7 @@
           <a:p>
             <a:fld id="{75C3E87A-1EF5-4BC0-A34A-1B32DEFB2AF0}" type="datetimeFigureOut">
               <a:rPr lang="ko-KR" altLang="en-US" smtClean="0"/>
-              <a:t>2017-08-15</a:t>
+              <a:t>2017-08-18</a:t>
             </a:fld>
             <a:endParaRPr lang="ko-KR" altLang="en-US"/>
           </a:p>
@@ -1886,7 +1887,7 @@
           <a:p>
             <a:fld id="{75C3E87A-1EF5-4BC0-A34A-1B32DEFB2AF0}" type="datetimeFigureOut">
               <a:rPr lang="ko-KR" altLang="en-US" smtClean="0"/>
-              <a:t>2017-08-15</a:t>
+              <a:t>2017-08-18</a:t>
             </a:fld>
             <a:endParaRPr lang="ko-KR" altLang="en-US"/>
           </a:p>
@@ -1981,7 +1982,7 @@
           <a:p>
             <a:fld id="{75C3E87A-1EF5-4BC0-A34A-1B32DEFB2AF0}" type="datetimeFigureOut">
               <a:rPr lang="ko-KR" altLang="en-US" smtClean="0"/>
-              <a:t>2017-08-15</a:t>
+              <a:t>2017-08-18</a:t>
             </a:fld>
             <a:endParaRPr lang="ko-KR" altLang="en-US"/>
           </a:p>
@@ -2258,7 +2259,7 @@
           <a:p>
             <a:fld id="{75C3E87A-1EF5-4BC0-A34A-1B32DEFB2AF0}" type="datetimeFigureOut">
               <a:rPr lang="ko-KR" altLang="en-US" smtClean="0"/>
-              <a:t>2017-08-15</a:t>
+              <a:t>2017-08-18</a:t>
             </a:fld>
             <a:endParaRPr lang="ko-KR" altLang="en-US"/>
           </a:p>
@@ -2511,7 +2512,7 @@
           <a:p>
             <a:fld id="{75C3E87A-1EF5-4BC0-A34A-1B32DEFB2AF0}" type="datetimeFigureOut">
               <a:rPr lang="ko-KR" altLang="en-US" smtClean="0"/>
-              <a:t>2017-08-15</a:t>
+              <a:t>2017-08-18</a:t>
             </a:fld>
             <a:endParaRPr lang="ko-KR" altLang="en-US"/>
           </a:p>
@@ -2724,7 +2725,7 @@
           <a:p>
             <a:fld id="{75C3E87A-1EF5-4BC0-A34A-1B32DEFB2AF0}" type="datetimeFigureOut">
               <a:rPr lang="ko-KR" altLang="en-US" smtClean="0"/>
-              <a:t>2017-08-15</a:t>
+              <a:t>2017-08-18</a:t>
             </a:fld>
             <a:endParaRPr lang="ko-KR" altLang="en-US"/>
           </a:p>
@@ -3964,11 +3965,7 @@
             </a:r>
             <a:r>
               <a:rPr lang="ko-KR" altLang="en-US" dirty="0" smtClean="0"/>
-              <a:t> </a:t>
-            </a:r>
-            <a:r>
-              <a:rPr lang="ko-KR" altLang="en-US" dirty="0" smtClean="0"/>
-              <a:t>타임</a:t>
+              <a:t> 타임</a:t>
             </a:r>
             <a:endParaRPr lang="en-US" altLang="ko-KR" dirty="0" smtClean="0"/>
           </a:p>
@@ -4121,6 +4118,74 @@
     <p:extLst>
       <p:ext uri="{BB962C8B-B14F-4D97-AF65-F5344CB8AC3E}">
         <p14:creationId xmlns:p14="http://schemas.microsoft.com/office/powerpoint/2010/main" val="2674251076"/>
+      </p:ext>
+    </p:extLst>
+  </p:cSld>
+  <p:clrMapOvr>
+    <a:masterClrMapping/>
+  </p:clrMapOvr>
+</p:sld>
+</file>
+
+<file path=ppt/slides/slide6.xml><?xml version="1.0" encoding="utf-8"?>
+<p:sld xmlns:a="http://schemas.openxmlformats.org/drawingml/2006/main" xmlns:r="http://schemas.openxmlformats.org/officeDocument/2006/relationships" xmlns:p="http://schemas.openxmlformats.org/presentationml/2006/main">
+  <p:cSld>
+    <p:spTree>
+      <p:nvGrpSpPr>
+        <p:cNvPr id="1" name=""/>
+        <p:cNvGrpSpPr/>
+        <p:nvPr/>
+      </p:nvGrpSpPr>
+      <p:grpSpPr>
+        <a:xfrm>
+          <a:off x="0" y="0"/>
+          <a:ext cx="0" cy="0"/>
+          <a:chOff x="0" y="0"/>
+          <a:chExt cx="0" cy="0"/>
+        </a:xfrm>
+      </p:grpSpPr>
+      <p:sp>
+        <p:nvSpPr>
+          <p:cNvPr id="2" name="제목 1"/>
+          <p:cNvSpPr>
+            <a:spLocks noGrp="1"/>
+          </p:cNvSpPr>
+          <p:nvPr>
+            <p:ph type="title"/>
+          </p:nvPr>
+        </p:nvSpPr>
+        <p:spPr/>
+        <p:txBody>
+          <a:bodyPr/>
+          <a:lstStyle/>
+          <a:p>
+            <a:endParaRPr lang="ko-KR" altLang="en-US"/>
+          </a:p>
+        </p:txBody>
+      </p:sp>
+      <p:sp>
+        <p:nvSpPr>
+          <p:cNvPr id="3" name="내용 개체 틀 2"/>
+          <p:cNvSpPr>
+            <a:spLocks noGrp="1"/>
+          </p:cNvSpPr>
+          <p:nvPr>
+            <p:ph idx="1"/>
+          </p:nvPr>
+        </p:nvSpPr>
+        <p:spPr/>
+        <p:txBody>
+          <a:bodyPr/>
+          <a:lstStyle/>
+          <a:p>
+            <a:endParaRPr lang="ko-KR" altLang="en-US"/>
+          </a:p>
+        </p:txBody>
+      </p:sp>
+    </p:spTree>
+    <p:extLst>
+      <p:ext uri="{BB962C8B-B14F-4D97-AF65-F5344CB8AC3E}">
+        <p14:creationId xmlns:p14="http://schemas.microsoft.com/office/powerpoint/2010/main" val="2777531142"/>
       </p:ext>
     </p:extLst>
   </p:cSld>

--- a/EscapeJail/Assets/기획/스테이지1기획.pptx
+++ b/EscapeJail/Assets/기획/스테이지1기획.pptx
@@ -293,7 +293,7 @@
           <a:p>
             <a:fld id="{75C3E87A-1EF5-4BC0-A34A-1B32DEFB2AF0}" type="datetimeFigureOut">
               <a:rPr lang="ko-KR" altLang="en-US" smtClean="0"/>
-              <a:t>2017-08-18</a:t>
+              <a:t>2017-09-11</a:t>
             </a:fld>
             <a:endParaRPr lang="ko-KR" altLang="en-US"/>
           </a:p>
@@ -463,7 +463,7 @@
           <a:p>
             <a:fld id="{75C3E87A-1EF5-4BC0-A34A-1B32DEFB2AF0}" type="datetimeFigureOut">
               <a:rPr lang="ko-KR" altLang="en-US" smtClean="0"/>
-              <a:t>2017-08-18</a:t>
+              <a:t>2017-09-11</a:t>
             </a:fld>
             <a:endParaRPr lang="ko-KR" altLang="en-US"/>
           </a:p>
@@ -643,7 +643,7 @@
           <a:p>
             <a:fld id="{75C3E87A-1EF5-4BC0-A34A-1B32DEFB2AF0}" type="datetimeFigureOut">
               <a:rPr lang="ko-KR" altLang="en-US" smtClean="0"/>
-              <a:t>2017-08-18</a:t>
+              <a:t>2017-09-11</a:t>
             </a:fld>
             <a:endParaRPr lang="ko-KR" altLang="en-US"/>
           </a:p>
@@ -813,7 +813,7 @@
           <a:p>
             <a:fld id="{75C3E87A-1EF5-4BC0-A34A-1B32DEFB2AF0}" type="datetimeFigureOut">
               <a:rPr lang="ko-KR" altLang="en-US" smtClean="0"/>
-              <a:t>2017-08-18</a:t>
+              <a:t>2017-09-11</a:t>
             </a:fld>
             <a:endParaRPr lang="ko-KR" altLang="en-US"/>
           </a:p>
@@ -1059,7 +1059,7 @@
           <a:p>
             <a:fld id="{75C3E87A-1EF5-4BC0-A34A-1B32DEFB2AF0}" type="datetimeFigureOut">
               <a:rPr lang="ko-KR" altLang="en-US" smtClean="0"/>
-              <a:t>2017-08-18</a:t>
+              <a:t>2017-09-11</a:t>
             </a:fld>
             <a:endParaRPr lang="ko-KR" altLang="en-US"/>
           </a:p>
@@ -1347,7 +1347,7 @@
           <a:p>
             <a:fld id="{75C3E87A-1EF5-4BC0-A34A-1B32DEFB2AF0}" type="datetimeFigureOut">
               <a:rPr lang="ko-KR" altLang="en-US" smtClean="0"/>
-              <a:t>2017-08-18</a:t>
+              <a:t>2017-09-11</a:t>
             </a:fld>
             <a:endParaRPr lang="ko-KR" altLang="en-US"/>
           </a:p>
@@ -1769,7 +1769,7 @@
           <a:p>
             <a:fld id="{75C3E87A-1EF5-4BC0-A34A-1B32DEFB2AF0}" type="datetimeFigureOut">
               <a:rPr lang="ko-KR" altLang="en-US" smtClean="0"/>
-              <a:t>2017-08-18</a:t>
+              <a:t>2017-09-11</a:t>
             </a:fld>
             <a:endParaRPr lang="ko-KR" altLang="en-US"/>
           </a:p>
@@ -1887,7 +1887,7 @@
           <a:p>
             <a:fld id="{75C3E87A-1EF5-4BC0-A34A-1B32DEFB2AF0}" type="datetimeFigureOut">
               <a:rPr lang="ko-KR" altLang="en-US" smtClean="0"/>
-              <a:t>2017-08-18</a:t>
+              <a:t>2017-09-11</a:t>
             </a:fld>
             <a:endParaRPr lang="ko-KR" altLang="en-US"/>
           </a:p>
@@ -1982,7 +1982,7 @@
           <a:p>
             <a:fld id="{75C3E87A-1EF5-4BC0-A34A-1B32DEFB2AF0}" type="datetimeFigureOut">
               <a:rPr lang="ko-KR" altLang="en-US" smtClean="0"/>
-              <a:t>2017-08-18</a:t>
+              <a:t>2017-09-11</a:t>
             </a:fld>
             <a:endParaRPr lang="ko-KR" altLang="en-US"/>
           </a:p>
@@ -2259,7 +2259,7 @@
           <a:p>
             <a:fld id="{75C3E87A-1EF5-4BC0-A34A-1B32DEFB2AF0}" type="datetimeFigureOut">
               <a:rPr lang="ko-KR" altLang="en-US" smtClean="0"/>
-              <a:t>2017-08-18</a:t>
+              <a:t>2017-09-11</a:t>
             </a:fld>
             <a:endParaRPr lang="ko-KR" altLang="en-US"/>
           </a:p>
@@ -2512,7 +2512,7 @@
           <a:p>
             <a:fld id="{75C3E87A-1EF5-4BC0-A34A-1B32DEFB2AF0}" type="datetimeFigureOut">
               <a:rPr lang="ko-KR" altLang="en-US" smtClean="0"/>
-              <a:t>2017-08-18</a:t>
+              <a:t>2017-09-11</a:t>
             </a:fld>
             <a:endParaRPr lang="ko-KR" altLang="en-US"/>
           </a:p>
@@ -2725,7 +2725,7 @@
           <a:p>
             <a:fld id="{75C3E87A-1EF5-4BC0-A34A-1B32DEFB2AF0}" type="datetimeFigureOut">
               <a:rPr lang="ko-KR" altLang="en-US" smtClean="0"/>
-              <a:t>2017-08-18</a:t>
+              <a:t>2017-09-11</a:t>
             </a:fld>
             <a:endParaRPr lang="ko-KR" altLang="en-US"/>
           </a:p>
@@ -3286,7 +3286,7 @@
         </p:nvSpPr>
         <p:spPr>
           <a:xfrm>
-            <a:off x="683568" y="4221088"/>
+            <a:off x="817348" y="4215451"/>
             <a:ext cx="5328592" cy="646331"/>
           </a:xfrm>
           <a:prstGeom prst="rect">
@@ -4159,7 +4159,11 @@
           <a:bodyPr/>
           <a:lstStyle/>
           <a:p>
-            <a:endParaRPr lang="ko-KR" altLang="en-US"/>
+            <a:r>
+              <a:rPr lang="ko-KR" altLang="en-US" dirty="0" smtClean="0"/>
+              <a:t>스테이지</a:t>
+            </a:r>
+            <a:endParaRPr lang="ko-KR" altLang="en-US" dirty="0"/>
           </a:p>
         </p:txBody>
       </p:sp>
@@ -4175,10 +4179,170 @@
         </p:nvSpPr>
         <p:spPr/>
         <p:txBody>
-          <a:bodyPr/>
-          <a:lstStyle/>
-          <a:p>
-            <a:endParaRPr lang="ko-KR" altLang="en-US"/>
+          <a:bodyPr>
+            <a:normAutofit fontScale="92500" lnSpcReduction="10000"/>
+          </a:bodyPr>
+          <a:lstStyle/>
+          <a:p>
+            <a:r>
+              <a:rPr lang="en-US" altLang="ko-KR" dirty="0" smtClean="0"/>
+              <a:t>1.</a:t>
+            </a:r>
+            <a:r>
+              <a:rPr lang="ko-KR" altLang="en-US" dirty="0" smtClean="0"/>
+              <a:t>보스가 과학자</a:t>
+            </a:r>
+            <a:r>
+              <a:rPr lang="en-US" altLang="ko-KR" dirty="0" smtClean="0"/>
+              <a:t>. </a:t>
+            </a:r>
+            <a:r>
+              <a:rPr lang="ko-KR" altLang="en-US" dirty="0" err="1" smtClean="0"/>
+              <a:t>몬스터들이</a:t>
+            </a:r>
+            <a:r>
+              <a:rPr lang="ko-KR" altLang="en-US" dirty="0" smtClean="0"/>
+              <a:t> </a:t>
+            </a:r>
+            <a:r>
+              <a:rPr lang="en-US" altLang="ko-KR" dirty="0" smtClean="0"/>
+              <a:t>=&gt; </a:t>
+            </a:r>
+            <a:r>
+              <a:rPr lang="ko-KR" altLang="en-US" dirty="0" smtClean="0"/>
+              <a:t>과학자가 감옥 쥐들로 실험해서 이상해진 애들</a:t>
+            </a:r>
+            <a:r>
+              <a:rPr lang="en-US" altLang="ko-KR" dirty="0" smtClean="0"/>
+              <a:t>.</a:t>
+            </a:r>
+          </a:p>
+          <a:p>
+            <a:r>
+              <a:rPr lang="en-US" altLang="ko-KR" dirty="0" smtClean="0"/>
+              <a:t>2. </a:t>
+            </a:r>
+            <a:r>
+              <a:rPr lang="ko-KR" altLang="en-US" dirty="0" smtClean="0"/>
+              <a:t>보스는 </a:t>
+            </a:r>
+            <a:r>
+              <a:rPr lang="ko-KR" altLang="en-US" dirty="0" err="1" smtClean="0"/>
+              <a:t>죄수들중에</a:t>
+            </a:r>
+            <a:r>
+              <a:rPr lang="ko-KR" altLang="en-US" dirty="0" smtClean="0"/>
+              <a:t> </a:t>
+            </a:r>
+            <a:r>
+              <a:rPr lang="ko-KR" altLang="en-US" dirty="0" err="1" smtClean="0"/>
+              <a:t>대빵</a:t>
+            </a:r>
+            <a:r>
+              <a:rPr lang="ko-KR" altLang="en-US" dirty="0" smtClean="0"/>
+              <a:t> 죄수들만 나오는 스테이지</a:t>
+            </a:r>
+            <a:r>
+              <a:rPr lang="en-US" altLang="ko-KR" dirty="0" smtClean="0"/>
+              <a:t>.</a:t>
+            </a:r>
+          </a:p>
+          <a:p>
+            <a:r>
+              <a:rPr lang="en-US" altLang="ko-KR" dirty="0" smtClean="0"/>
+              <a:t>3. </a:t>
+            </a:r>
+            <a:r>
+              <a:rPr lang="ko-KR" altLang="en-US" dirty="0" smtClean="0"/>
+              <a:t>로봇스테이지</a:t>
+            </a:r>
+            <a:r>
+              <a:rPr lang="en-US" altLang="ko-KR" dirty="0" smtClean="0"/>
+              <a:t>. (</a:t>
+            </a:r>
+            <a:r>
+              <a:rPr lang="ko-KR" altLang="en-US" dirty="0" err="1" smtClean="0"/>
+              <a:t>어려운스테이지</a:t>
+            </a:r>
+            <a:r>
+              <a:rPr lang="en-US" altLang="ko-KR" dirty="0" smtClean="0"/>
+              <a:t>) </a:t>
+            </a:r>
+            <a:r>
+              <a:rPr lang="ko-KR" altLang="en-US" dirty="0" smtClean="0"/>
+              <a:t>보안로봇들</a:t>
+            </a:r>
+            <a:r>
+              <a:rPr lang="en-US" altLang="ko-KR" dirty="0" smtClean="0"/>
+              <a:t>.</a:t>
+            </a:r>
+          </a:p>
+          <a:p>
+            <a:r>
+              <a:rPr lang="en-US" altLang="ko-KR" dirty="0" smtClean="0"/>
+              <a:t>4.</a:t>
+            </a:r>
+            <a:r>
+              <a:rPr lang="ko-KR" altLang="en-US" dirty="0" smtClean="0"/>
+              <a:t>무장한 경비원들 나오는 스테이지</a:t>
+            </a:r>
+            <a:r>
+              <a:rPr lang="en-US" altLang="ko-KR" dirty="0" smtClean="0"/>
+              <a:t>.</a:t>
+            </a:r>
+          </a:p>
+          <a:p>
+            <a:pPr marL="0" indent="0">
+              <a:buNone/>
+            </a:pPr>
+            <a:r>
+              <a:rPr lang="en-US" altLang="ko-KR" dirty="0" smtClean="0"/>
+              <a:t>5. </a:t>
+            </a:r>
+            <a:r>
+              <a:rPr lang="ko-KR" altLang="en-US" dirty="0" smtClean="0"/>
+              <a:t>부자들 갇힌 감옥</a:t>
+            </a:r>
+            <a:r>
+              <a:rPr lang="en-US" altLang="ko-KR" dirty="0" smtClean="0"/>
+              <a:t>(</a:t>
+            </a:r>
+            <a:r>
+              <a:rPr lang="ko-KR" altLang="en-US" dirty="0" err="1" smtClean="0"/>
+              <a:t>밝은느낌</a:t>
+            </a:r>
+            <a:r>
+              <a:rPr lang="en-US" altLang="ko-KR" dirty="0" smtClean="0"/>
+              <a:t>,</a:t>
+            </a:r>
+            <a:r>
+              <a:rPr lang="ko-KR" altLang="en-US" dirty="0" err="1" smtClean="0"/>
+              <a:t>아이템잘나옴</a:t>
+            </a:r>
+            <a:r>
+              <a:rPr lang="en-US" altLang="ko-KR" dirty="0" smtClean="0"/>
+              <a:t>)</a:t>
+            </a:r>
+          </a:p>
+          <a:p>
+            <a:pPr marL="0" indent="0">
+              <a:buNone/>
+            </a:pPr>
+            <a:r>
+              <a:rPr lang="en-US" altLang="ko-KR" dirty="0" smtClean="0"/>
+              <a:t>6.</a:t>
+            </a:r>
+            <a:r>
+              <a:rPr lang="ko-KR" altLang="en-US" dirty="0" smtClean="0"/>
+              <a:t>최종보스</a:t>
+            </a:r>
+            <a:r>
+              <a:rPr lang="en-US" altLang="ko-KR" dirty="0" smtClean="0"/>
+              <a:t>. </a:t>
+            </a:r>
+          </a:p>
+          <a:p>
+            <a:endParaRPr lang="ko-KR" altLang="en-US" dirty="0"/>
           </a:p>
         </p:txBody>
       </p:sp>

--- a/EscapeJail/Assets/기획/스테이지1기획.pptx
+++ b/EscapeJail/Assets/기획/스테이지1기획.pptx
@@ -293,7 +293,7 @@
           <a:p>
             <a:fld id="{75C3E87A-1EF5-4BC0-A34A-1B32DEFB2AF0}" type="datetimeFigureOut">
               <a:rPr lang="ko-KR" altLang="en-US" smtClean="0"/>
-              <a:t>2017-09-11</a:t>
+              <a:t>2017-09-15</a:t>
             </a:fld>
             <a:endParaRPr lang="ko-KR" altLang="en-US"/>
           </a:p>
@@ -463,7 +463,7 @@
           <a:p>
             <a:fld id="{75C3E87A-1EF5-4BC0-A34A-1B32DEFB2AF0}" type="datetimeFigureOut">
               <a:rPr lang="ko-KR" altLang="en-US" smtClean="0"/>
-              <a:t>2017-09-11</a:t>
+              <a:t>2017-09-15</a:t>
             </a:fld>
             <a:endParaRPr lang="ko-KR" altLang="en-US"/>
           </a:p>
@@ -643,7 +643,7 @@
           <a:p>
             <a:fld id="{75C3E87A-1EF5-4BC0-A34A-1B32DEFB2AF0}" type="datetimeFigureOut">
               <a:rPr lang="ko-KR" altLang="en-US" smtClean="0"/>
-              <a:t>2017-09-11</a:t>
+              <a:t>2017-09-15</a:t>
             </a:fld>
             <a:endParaRPr lang="ko-KR" altLang="en-US"/>
           </a:p>
@@ -813,7 +813,7 @@
           <a:p>
             <a:fld id="{75C3E87A-1EF5-4BC0-A34A-1B32DEFB2AF0}" type="datetimeFigureOut">
               <a:rPr lang="ko-KR" altLang="en-US" smtClean="0"/>
-              <a:t>2017-09-11</a:t>
+              <a:t>2017-09-15</a:t>
             </a:fld>
             <a:endParaRPr lang="ko-KR" altLang="en-US"/>
           </a:p>
@@ -1059,7 +1059,7 @@
           <a:p>
             <a:fld id="{75C3E87A-1EF5-4BC0-A34A-1B32DEFB2AF0}" type="datetimeFigureOut">
               <a:rPr lang="ko-KR" altLang="en-US" smtClean="0"/>
-              <a:t>2017-09-11</a:t>
+              <a:t>2017-09-15</a:t>
             </a:fld>
             <a:endParaRPr lang="ko-KR" altLang="en-US"/>
           </a:p>
@@ -1347,7 +1347,7 @@
           <a:p>
             <a:fld id="{75C3E87A-1EF5-4BC0-A34A-1B32DEFB2AF0}" type="datetimeFigureOut">
               <a:rPr lang="ko-KR" altLang="en-US" smtClean="0"/>
-              <a:t>2017-09-11</a:t>
+              <a:t>2017-09-15</a:t>
             </a:fld>
             <a:endParaRPr lang="ko-KR" altLang="en-US"/>
           </a:p>
@@ -1769,7 +1769,7 @@
           <a:p>
             <a:fld id="{75C3E87A-1EF5-4BC0-A34A-1B32DEFB2AF0}" type="datetimeFigureOut">
               <a:rPr lang="ko-KR" altLang="en-US" smtClean="0"/>
-              <a:t>2017-09-11</a:t>
+              <a:t>2017-09-15</a:t>
             </a:fld>
             <a:endParaRPr lang="ko-KR" altLang="en-US"/>
           </a:p>
@@ -1887,7 +1887,7 @@
           <a:p>
             <a:fld id="{75C3E87A-1EF5-4BC0-A34A-1B32DEFB2AF0}" type="datetimeFigureOut">
               <a:rPr lang="ko-KR" altLang="en-US" smtClean="0"/>
-              <a:t>2017-09-11</a:t>
+              <a:t>2017-09-15</a:t>
             </a:fld>
             <a:endParaRPr lang="ko-KR" altLang="en-US"/>
           </a:p>
@@ -1982,7 +1982,7 @@
           <a:p>
             <a:fld id="{75C3E87A-1EF5-4BC0-A34A-1B32DEFB2AF0}" type="datetimeFigureOut">
               <a:rPr lang="ko-KR" altLang="en-US" smtClean="0"/>
-              <a:t>2017-09-11</a:t>
+              <a:t>2017-09-15</a:t>
             </a:fld>
             <a:endParaRPr lang="ko-KR" altLang="en-US"/>
           </a:p>
@@ -2259,7 +2259,7 @@
           <a:p>
             <a:fld id="{75C3E87A-1EF5-4BC0-A34A-1B32DEFB2AF0}" type="datetimeFigureOut">
               <a:rPr lang="ko-KR" altLang="en-US" smtClean="0"/>
-              <a:t>2017-09-11</a:t>
+              <a:t>2017-09-15</a:t>
             </a:fld>
             <a:endParaRPr lang="ko-KR" altLang="en-US"/>
           </a:p>
@@ -2512,7 +2512,7 @@
           <a:p>
             <a:fld id="{75C3E87A-1EF5-4BC0-A34A-1B32DEFB2AF0}" type="datetimeFigureOut">
               <a:rPr lang="ko-KR" altLang="en-US" smtClean="0"/>
-              <a:t>2017-09-11</a:t>
+              <a:t>2017-09-15</a:t>
             </a:fld>
             <a:endParaRPr lang="ko-KR" altLang="en-US"/>
           </a:p>
@@ -2725,7 +2725,7 @@
           <a:p>
             <a:fld id="{75C3E87A-1EF5-4BC0-A34A-1B32DEFB2AF0}" type="datetimeFigureOut">
               <a:rPr lang="ko-KR" altLang="en-US" smtClean="0"/>
-              <a:t>2017-09-11</a:t>
+              <a:t>2017-09-15</a:t>
             </a:fld>
             <a:endParaRPr lang="ko-KR" altLang="en-US"/>
           </a:p>
@@ -4180,7 +4180,7 @@
         <p:spPr/>
         <p:txBody>
           <a:bodyPr>
-            <a:normAutofit fontScale="92500" lnSpcReduction="10000"/>
+            <a:normAutofit fontScale="92500" lnSpcReduction="20000"/>
           </a:bodyPr>
           <a:lstStyle/>
           <a:p>
@@ -4339,6 +4339,47 @@
             <a:r>
               <a:rPr lang="en-US" altLang="ko-KR" dirty="0" smtClean="0"/>
               <a:t>. </a:t>
+            </a:r>
+          </a:p>
+          <a:p>
+            <a:pPr marL="0" indent="0">
+              <a:buNone/>
+            </a:pPr>
+            <a:r>
+              <a:rPr lang="en-US" altLang="ko-KR" dirty="0" smtClean="0"/>
+              <a:t>7. </a:t>
+            </a:r>
+            <a:r>
+              <a:rPr lang="ko-KR" altLang="en-US" dirty="0" err="1" smtClean="0"/>
+              <a:t>군범죄자</a:t>
+            </a:r>
+            <a:r>
+              <a:rPr lang="ko-KR" altLang="en-US" dirty="0" smtClean="0"/>
+              <a:t> </a:t>
+            </a:r>
+            <a:r>
+              <a:rPr lang="en-US" altLang="ko-KR" dirty="0" smtClean="0"/>
+              <a:t>(</a:t>
+            </a:r>
+            <a:r>
+              <a:rPr lang="ko-KR" altLang="en-US" dirty="0" err="1" smtClean="0"/>
+              <a:t>여러가지총을씀</a:t>
+            </a:r>
+            <a:r>
+              <a:rPr lang="en-US" altLang="ko-KR" dirty="0" smtClean="0"/>
+              <a:t>,</a:t>
+            </a:r>
+            <a:r>
+              <a:rPr lang="ko-KR" altLang="en-US" dirty="0" err="1" smtClean="0"/>
+              <a:t>전략</a:t>
+            </a:r>
+            <a:r>
+              <a:rPr lang="ko-KR" altLang="en-US" dirty="0" err="1"/>
+              <a:t>씀</a:t>
+            </a:r>
+            <a:r>
+              <a:rPr lang="en-US" altLang="ko-KR" dirty="0" smtClean="0"/>
+              <a:t>)</a:t>
             </a:r>
           </a:p>
           <a:p>

--- a/EscapeJail/Assets/기획/스테이지1기획.pptx
+++ b/EscapeJail/Assets/기획/스테이지1기획.pptx
@@ -11,6 +11,7 @@
     <p:sldId id="259" r:id="rId5"/>
     <p:sldId id="260" r:id="rId6"/>
     <p:sldId id="261" r:id="rId7"/>
+    <p:sldId id="262" r:id="rId8"/>
   </p:sldIdLst>
   <p:sldSz cx="9144000" cy="6858000" type="screen4x3"/>
   <p:notesSz cx="6858000" cy="9144000"/>
@@ -293,7 +294,7 @@
           <a:p>
             <a:fld id="{75C3E87A-1EF5-4BC0-A34A-1B32DEFB2AF0}" type="datetimeFigureOut">
               <a:rPr lang="ko-KR" altLang="en-US" smtClean="0"/>
-              <a:t>2017-09-15</a:t>
+              <a:t>2017-09-25</a:t>
             </a:fld>
             <a:endParaRPr lang="ko-KR" altLang="en-US"/>
           </a:p>
@@ -463,7 +464,7 @@
           <a:p>
             <a:fld id="{75C3E87A-1EF5-4BC0-A34A-1B32DEFB2AF0}" type="datetimeFigureOut">
               <a:rPr lang="ko-KR" altLang="en-US" smtClean="0"/>
-              <a:t>2017-09-15</a:t>
+              <a:t>2017-09-25</a:t>
             </a:fld>
             <a:endParaRPr lang="ko-KR" altLang="en-US"/>
           </a:p>
@@ -643,7 +644,7 @@
           <a:p>
             <a:fld id="{75C3E87A-1EF5-4BC0-A34A-1B32DEFB2AF0}" type="datetimeFigureOut">
               <a:rPr lang="ko-KR" altLang="en-US" smtClean="0"/>
-              <a:t>2017-09-15</a:t>
+              <a:t>2017-09-25</a:t>
             </a:fld>
             <a:endParaRPr lang="ko-KR" altLang="en-US"/>
           </a:p>
@@ -813,7 +814,7 @@
           <a:p>
             <a:fld id="{75C3E87A-1EF5-4BC0-A34A-1B32DEFB2AF0}" type="datetimeFigureOut">
               <a:rPr lang="ko-KR" altLang="en-US" smtClean="0"/>
-              <a:t>2017-09-15</a:t>
+              <a:t>2017-09-25</a:t>
             </a:fld>
             <a:endParaRPr lang="ko-KR" altLang="en-US"/>
           </a:p>
@@ -1059,7 +1060,7 @@
           <a:p>
             <a:fld id="{75C3E87A-1EF5-4BC0-A34A-1B32DEFB2AF0}" type="datetimeFigureOut">
               <a:rPr lang="ko-KR" altLang="en-US" smtClean="0"/>
-              <a:t>2017-09-15</a:t>
+              <a:t>2017-09-25</a:t>
             </a:fld>
             <a:endParaRPr lang="ko-KR" altLang="en-US"/>
           </a:p>
@@ -1347,7 +1348,7 @@
           <a:p>
             <a:fld id="{75C3E87A-1EF5-4BC0-A34A-1B32DEFB2AF0}" type="datetimeFigureOut">
               <a:rPr lang="ko-KR" altLang="en-US" smtClean="0"/>
-              <a:t>2017-09-15</a:t>
+              <a:t>2017-09-25</a:t>
             </a:fld>
             <a:endParaRPr lang="ko-KR" altLang="en-US"/>
           </a:p>
@@ -1769,7 +1770,7 @@
           <a:p>
             <a:fld id="{75C3E87A-1EF5-4BC0-A34A-1B32DEFB2AF0}" type="datetimeFigureOut">
               <a:rPr lang="ko-KR" altLang="en-US" smtClean="0"/>
-              <a:t>2017-09-15</a:t>
+              <a:t>2017-09-25</a:t>
             </a:fld>
             <a:endParaRPr lang="ko-KR" altLang="en-US"/>
           </a:p>
@@ -1887,7 +1888,7 @@
           <a:p>
             <a:fld id="{75C3E87A-1EF5-4BC0-A34A-1B32DEFB2AF0}" type="datetimeFigureOut">
               <a:rPr lang="ko-KR" altLang="en-US" smtClean="0"/>
-              <a:t>2017-09-15</a:t>
+              <a:t>2017-09-25</a:t>
             </a:fld>
             <a:endParaRPr lang="ko-KR" altLang="en-US"/>
           </a:p>
@@ -1982,7 +1983,7 @@
           <a:p>
             <a:fld id="{75C3E87A-1EF5-4BC0-A34A-1B32DEFB2AF0}" type="datetimeFigureOut">
               <a:rPr lang="ko-KR" altLang="en-US" smtClean="0"/>
-              <a:t>2017-09-15</a:t>
+              <a:t>2017-09-25</a:t>
             </a:fld>
             <a:endParaRPr lang="ko-KR" altLang="en-US"/>
           </a:p>
@@ -2259,7 +2260,7 @@
           <a:p>
             <a:fld id="{75C3E87A-1EF5-4BC0-A34A-1B32DEFB2AF0}" type="datetimeFigureOut">
               <a:rPr lang="ko-KR" altLang="en-US" smtClean="0"/>
-              <a:t>2017-09-15</a:t>
+              <a:t>2017-09-25</a:t>
             </a:fld>
             <a:endParaRPr lang="ko-KR" altLang="en-US"/>
           </a:p>
@@ -2512,7 +2513,7 @@
           <a:p>
             <a:fld id="{75C3E87A-1EF5-4BC0-A34A-1B32DEFB2AF0}" type="datetimeFigureOut">
               <a:rPr lang="ko-KR" altLang="en-US" smtClean="0"/>
-              <a:t>2017-09-15</a:t>
+              <a:t>2017-09-25</a:t>
             </a:fld>
             <a:endParaRPr lang="ko-KR" altLang="en-US"/>
           </a:p>
@@ -2725,7 +2726,7 @@
           <a:p>
             <a:fld id="{75C3E87A-1EF5-4BC0-A34A-1B32DEFB2AF0}" type="datetimeFigureOut">
               <a:rPr lang="ko-KR" altLang="en-US" smtClean="0"/>
-              <a:t>2017-09-15</a:t>
+              <a:t>2017-09-25</a:t>
             </a:fld>
             <a:endParaRPr lang="ko-KR" altLang="en-US"/>
           </a:p>
@@ -4383,7 +4384,7 @@
             </a:r>
           </a:p>
           <a:p>
-            <a:endParaRPr lang="ko-KR" altLang="en-US" dirty="0"/>
+            <a:endParaRPr lang="ko-KR" altLang="en-US" b="1" dirty="0"/>
           </a:p>
         </p:txBody>
       </p:sp>
@@ -4391,6 +4392,120 @@
     <p:extLst>
       <p:ext uri="{BB962C8B-B14F-4D97-AF65-F5344CB8AC3E}">
         <p14:creationId xmlns:p14="http://schemas.microsoft.com/office/powerpoint/2010/main" val="2777531142"/>
+      </p:ext>
+    </p:extLst>
+  </p:cSld>
+  <p:clrMapOvr>
+    <a:masterClrMapping/>
+  </p:clrMapOvr>
+</p:sld>
+</file>
+
+<file path=ppt/slides/slide7.xml><?xml version="1.0" encoding="utf-8"?>
+<p:sld xmlns:a="http://schemas.openxmlformats.org/drawingml/2006/main" xmlns:r="http://schemas.openxmlformats.org/officeDocument/2006/relationships" xmlns:p="http://schemas.openxmlformats.org/presentationml/2006/main">
+  <p:cSld>
+    <p:spTree>
+      <p:nvGrpSpPr>
+        <p:cNvPr id="1" name=""/>
+        <p:cNvGrpSpPr/>
+        <p:nvPr/>
+      </p:nvGrpSpPr>
+      <p:grpSpPr>
+        <a:xfrm>
+          <a:off x="0" y="0"/>
+          <a:ext cx="0" cy="0"/>
+          <a:chOff x="0" y="0"/>
+          <a:chExt cx="0" cy="0"/>
+        </a:xfrm>
+      </p:grpSpPr>
+      <p:sp>
+        <p:nvSpPr>
+          <p:cNvPr id="2" name="제목 1"/>
+          <p:cNvSpPr>
+            <a:spLocks noGrp="1"/>
+          </p:cNvSpPr>
+          <p:nvPr>
+            <p:ph type="title"/>
+          </p:nvPr>
+        </p:nvSpPr>
+        <p:spPr/>
+        <p:txBody>
+          <a:bodyPr/>
+          <a:lstStyle/>
+          <a:p>
+            <a:r>
+              <a:rPr lang="ko-KR" altLang="en-US" dirty="0" err="1" smtClean="0"/>
+              <a:t>아잉템</a:t>
+            </a:r>
+            <a:endParaRPr lang="ko-KR" altLang="en-US" dirty="0"/>
+          </a:p>
+        </p:txBody>
+      </p:sp>
+      <p:sp>
+        <p:nvSpPr>
+          <p:cNvPr id="3" name="내용 개체 틀 2"/>
+          <p:cNvSpPr>
+            <a:spLocks noGrp="1"/>
+          </p:cNvSpPr>
+          <p:nvPr>
+            <p:ph idx="1"/>
+          </p:nvPr>
+        </p:nvSpPr>
+        <p:spPr/>
+        <p:txBody>
+          <a:bodyPr>
+            <a:normAutofit/>
+          </a:bodyPr>
+          <a:lstStyle/>
+          <a:p>
+            <a:r>
+              <a:rPr lang="ko-KR" altLang="en-US" b="1" dirty="0" smtClean="0"/>
+              <a:t>지뢰</a:t>
+            </a:r>
+            <a:endParaRPr lang="en-US" altLang="ko-KR" b="1" dirty="0" smtClean="0"/>
+          </a:p>
+          <a:p>
+            <a:r>
+              <a:rPr lang="ko-KR" altLang="en-US" b="1" dirty="0" err="1" smtClean="0"/>
+              <a:t>터렛</a:t>
+            </a:r>
+            <a:r>
+              <a:rPr lang="ko-KR" altLang="en-US" b="1" dirty="0" smtClean="0"/>
+              <a:t> </a:t>
+            </a:r>
+            <a:r>
+              <a:rPr lang="ko-KR" altLang="en-US" b="1" dirty="0" err="1" smtClean="0"/>
+              <a:t>총쏘는거</a:t>
+            </a:r>
+            <a:endParaRPr lang="en-US" altLang="ko-KR" b="1" dirty="0" smtClean="0"/>
+          </a:p>
+          <a:p>
+            <a:r>
+              <a:rPr lang="ko-KR" altLang="en-US" b="1" dirty="0" err="1" smtClean="0"/>
+              <a:t>회복약</a:t>
+            </a:r>
+            <a:endParaRPr lang="en-US" altLang="ko-KR" b="1" dirty="0" smtClean="0"/>
+          </a:p>
+          <a:p>
+            <a:r>
+              <a:rPr lang="ko-KR" altLang="en-US" b="1" dirty="0" smtClean="0"/>
+              <a:t>갑옷 </a:t>
+            </a:r>
+            <a:r>
+              <a:rPr lang="en-US" altLang="ko-KR" b="1" dirty="0" smtClean="0"/>
+              <a:t>(1,2,3)</a:t>
+            </a:r>
+            <a:endParaRPr lang="en-US" altLang="ko-KR" b="1" dirty="0" smtClean="0"/>
+          </a:p>
+          <a:p>
+            <a:endParaRPr lang="ko-KR" altLang="en-US" b="1" dirty="0"/>
+          </a:p>
+        </p:txBody>
+      </p:sp>
+    </p:spTree>
+    <p:extLst>
+      <p:ext uri="{BB962C8B-B14F-4D97-AF65-F5344CB8AC3E}">
+        <p14:creationId xmlns:p14="http://schemas.microsoft.com/office/powerpoint/2010/main" val="1748764365"/>
       </p:ext>
     </p:extLst>
   </p:cSld>

--- a/EscapeJail/Assets/기획/스테이지1기획.pptx
+++ b/EscapeJail/Assets/기획/스테이지1기획.pptx
@@ -12,6 +12,7 @@
     <p:sldId id="260" r:id="rId6"/>
     <p:sldId id="261" r:id="rId7"/>
     <p:sldId id="262" r:id="rId8"/>
+    <p:sldId id="263" r:id="rId9"/>
   </p:sldIdLst>
   <p:sldSz cx="9144000" cy="6858000" type="screen4x3"/>
   <p:notesSz cx="6858000" cy="9144000"/>
@@ -294,7 +295,7 @@
           <a:p>
             <a:fld id="{75C3E87A-1EF5-4BC0-A34A-1B32DEFB2AF0}" type="datetimeFigureOut">
               <a:rPr lang="ko-KR" altLang="en-US" smtClean="0"/>
-              <a:t>2017-09-25</a:t>
+              <a:t>2017-10-06</a:t>
             </a:fld>
             <a:endParaRPr lang="ko-KR" altLang="en-US"/>
           </a:p>
@@ -464,7 +465,7 @@
           <a:p>
             <a:fld id="{75C3E87A-1EF5-4BC0-A34A-1B32DEFB2AF0}" type="datetimeFigureOut">
               <a:rPr lang="ko-KR" altLang="en-US" smtClean="0"/>
-              <a:t>2017-09-25</a:t>
+              <a:t>2017-10-06</a:t>
             </a:fld>
             <a:endParaRPr lang="ko-KR" altLang="en-US"/>
           </a:p>
@@ -644,7 +645,7 @@
           <a:p>
             <a:fld id="{75C3E87A-1EF5-4BC0-A34A-1B32DEFB2AF0}" type="datetimeFigureOut">
               <a:rPr lang="ko-KR" altLang="en-US" smtClean="0"/>
-              <a:t>2017-09-25</a:t>
+              <a:t>2017-10-06</a:t>
             </a:fld>
             <a:endParaRPr lang="ko-KR" altLang="en-US"/>
           </a:p>
@@ -814,7 +815,7 @@
           <a:p>
             <a:fld id="{75C3E87A-1EF5-4BC0-A34A-1B32DEFB2AF0}" type="datetimeFigureOut">
               <a:rPr lang="ko-KR" altLang="en-US" smtClean="0"/>
-              <a:t>2017-09-25</a:t>
+              <a:t>2017-10-06</a:t>
             </a:fld>
             <a:endParaRPr lang="ko-KR" altLang="en-US"/>
           </a:p>
@@ -1060,7 +1061,7 @@
           <a:p>
             <a:fld id="{75C3E87A-1EF5-4BC0-A34A-1B32DEFB2AF0}" type="datetimeFigureOut">
               <a:rPr lang="ko-KR" altLang="en-US" smtClean="0"/>
-              <a:t>2017-09-25</a:t>
+              <a:t>2017-10-06</a:t>
             </a:fld>
             <a:endParaRPr lang="ko-KR" altLang="en-US"/>
           </a:p>
@@ -1348,7 +1349,7 @@
           <a:p>
             <a:fld id="{75C3E87A-1EF5-4BC0-A34A-1B32DEFB2AF0}" type="datetimeFigureOut">
               <a:rPr lang="ko-KR" altLang="en-US" smtClean="0"/>
-              <a:t>2017-09-25</a:t>
+              <a:t>2017-10-06</a:t>
             </a:fld>
             <a:endParaRPr lang="ko-KR" altLang="en-US"/>
           </a:p>
@@ -1770,7 +1771,7 @@
           <a:p>
             <a:fld id="{75C3E87A-1EF5-4BC0-A34A-1B32DEFB2AF0}" type="datetimeFigureOut">
               <a:rPr lang="ko-KR" altLang="en-US" smtClean="0"/>
-              <a:t>2017-09-25</a:t>
+              <a:t>2017-10-06</a:t>
             </a:fld>
             <a:endParaRPr lang="ko-KR" altLang="en-US"/>
           </a:p>
@@ -1888,7 +1889,7 @@
           <a:p>
             <a:fld id="{75C3E87A-1EF5-4BC0-A34A-1B32DEFB2AF0}" type="datetimeFigureOut">
               <a:rPr lang="ko-KR" altLang="en-US" smtClean="0"/>
-              <a:t>2017-09-25</a:t>
+              <a:t>2017-10-06</a:t>
             </a:fld>
             <a:endParaRPr lang="ko-KR" altLang="en-US"/>
           </a:p>
@@ -1983,7 +1984,7 @@
           <a:p>
             <a:fld id="{75C3E87A-1EF5-4BC0-A34A-1B32DEFB2AF0}" type="datetimeFigureOut">
               <a:rPr lang="ko-KR" altLang="en-US" smtClean="0"/>
-              <a:t>2017-09-25</a:t>
+              <a:t>2017-10-06</a:t>
             </a:fld>
             <a:endParaRPr lang="ko-KR" altLang="en-US"/>
           </a:p>
@@ -2260,7 +2261,7 @@
           <a:p>
             <a:fld id="{75C3E87A-1EF5-4BC0-A34A-1B32DEFB2AF0}" type="datetimeFigureOut">
               <a:rPr lang="ko-KR" altLang="en-US" smtClean="0"/>
-              <a:t>2017-09-25</a:t>
+              <a:t>2017-10-06</a:t>
             </a:fld>
             <a:endParaRPr lang="ko-KR" altLang="en-US"/>
           </a:p>
@@ -2513,7 +2514,7 @@
           <a:p>
             <a:fld id="{75C3E87A-1EF5-4BC0-A34A-1B32DEFB2AF0}" type="datetimeFigureOut">
               <a:rPr lang="ko-KR" altLang="en-US" smtClean="0"/>
-              <a:t>2017-09-25</a:t>
+              <a:t>2017-10-06</a:t>
             </a:fld>
             <a:endParaRPr lang="ko-KR" altLang="en-US"/>
           </a:p>
@@ -2726,7 +2727,7 @@
           <a:p>
             <a:fld id="{75C3E87A-1EF5-4BC0-A34A-1B32DEFB2AF0}" type="datetimeFigureOut">
               <a:rPr lang="ko-KR" altLang="en-US" smtClean="0"/>
-              <a:t>2017-09-25</a:t>
+              <a:t>2017-10-06</a:t>
             </a:fld>
             <a:endParaRPr lang="ko-KR" altLang="en-US"/>
           </a:p>
@@ -4493,7 +4494,29 @@
             </a:r>
             <a:r>
               <a:rPr lang="en-US" altLang="ko-KR" b="1" dirty="0" smtClean="0"/>
-              <a:t>(1,2,3)</a:t>
+              <a:t>(1,2,3</a:t>
+            </a:r>
+            <a:r>
+              <a:rPr lang="en-US" altLang="ko-KR" b="1" dirty="0" smtClean="0"/>
+              <a:t>)</a:t>
+            </a:r>
+          </a:p>
+          <a:p>
+            <a:r>
+              <a:rPr lang="ko-KR" altLang="en-US" b="1" dirty="0" smtClean="0"/>
+              <a:t>총알 </a:t>
+            </a:r>
+            <a:r>
+              <a:rPr lang="en-US" altLang="ko-KR" b="1" dirty="0" smtClean="0"/>
+              <a:t>(1,2,3 </a:t>
+            </a:r>
+            <a:r>
+              <a:rPr lang="ko-KR" altLang="en-US" b="1" dirty="0" smtClean="0"/>
+              <a:t>단계</a:t>
+            </a:r>
+            <a:r>
+              <a:rPr lang="en-US" altLang="ko-KR" b="1" dirty="0" smtClean="0"/>
+              <a:t>)</a:t>
             </a:r>
             <a:endParaRPr lang="en-US" altLang="ko-KR" b="1" dirty="0" smtClean="0"/>
           </a:p>
@@ -4506,6 +4529,104 @@
     <p:extLst>
       <p:ext uri="{BB962C8B-B14F-4D97-AF65-F5344CB8AC3E}">
         <p14:creationId xmlns:p14="http://schemas.microsoft.com/office/powerpoint/2010/main" val="1748764365"/>
+      </p:ext>
+    </p:extLst>
+  </p:cSld>
+  <p:clrMapOvr>
+    <a:masterClrMapping/>
+  </p:clrMapOvr>
+</p:sld>
+</file>
+
+<file path=ppt/slides/slide8.xml><?xml version="1.0" encoding="utf-8"?>
+<p:sld xmlns:a="http://schemas.openxmlformats.org/drawingml/2006/main" xmlns:r="http://schemas.openxmlformats.org/officeDocument/2006/relationships" xmlns:p="http://schemas.openxmlformats.org/presentationml/2006/main">
+  <p:cSld>
+    <p:spTree>
+      <p:nvGrpSpPr>
+        <p:cNvPr id="1" name=""/>
+        <p:cNvGrpSpPr/>
+        <p:nvPr/>
+      </p:nvGrpSpPr>
+      <p:grpSpPr>
+        <a:xfrm>
+          <a:off x="0" y="0"/>
+          <a:ext cx="0" cy="0"/>
+          <a:chOff x="0" y="0"/>
+          <a:chExt cx="0" cy="0"/>
+        </a:xfrm>
+      </p:grpSpPr>
+      <p:sp>
+        <p:nvSpPr>
+          <p:cNvPr id="2" name="제목 1"/>
+          <p:cNvSpPr>
+            <a:spLocks noGrp="1"/>
+          </p:cNvSpPr>
+          <p:nvPr>
+            <p:ph type="title"/>
+          </p:nvPr>
+        </p:nvSpPr>
+        <p:spPr/>
+        <p:txBody>
+          <a:bodyPr/>
+          <a:lstStyle/>
+          <a:p>
+            <a:r>
+              <a:rPr lang="ko-KR" altLang="en-US" dirty="0" smtClean="0"/>
+              <a:t>기타</a:t>
+            </a:r>
+            <a:endParaRPr lang="ko-KR" altLang="en-US" dirty="0"/>
+          </a:p>
+        </p:txBody>
+      </p:sp>
+      <p:sp>
+        <p:nvSpPr>
+          <p:cNvPr id="3" name="내용 개체 틀 2"/>
+          <p:cNvSpPr>
+            <a:spLocks noGrp="1"/>
+          </p:cNvSpPr>
+          <p:nvPr>
+            <p:ph idx="1"/>
+          </p:nvPr>
+        </p:nvSpPr>
+        <p:spPr/>
+        <p:txBody>
+          <a:bodyPr>
+            <a:normAutofit/>
+          </a:bodyPr>
+          <a:lstStyle/>
+          <a:p>
+            <a:r>
+              <a:rPr lang="ko-KR" altLang="en-US" b="1" dirty="0" smtClean="0"/>
+              <a:t>총 </a:t>
+            </a:r>
+            <a:r>
+              <a:rPr lang="ko-KR" altLang="en-US" b="1" dirty="0" err="1" smtClean="0"/>
+              <a:t>맞았을때</a:t>
+            </a:r>
+            <a:r>
+              <a:rPr lang="ko-KR" altLang="en-US" b="1" dirty="0" smtClean="0"/>
+              <a:t> 잠시 무적 필요 </a:t>
+            </a:r>
+            <a:r>
+              <a:rPr lang="en-US" altLang="ko-KR" b="1" dirty="0" smtClean="0"/>
+              <a:t>(0.5</a:t>
+            </a:r>
+            <a:r>
+              <a:rPr lang="ko-KR" altLang="en-US" b="1" dirty="0" smtClean="0"/>
+              <a:t>초 정도</a:t>
+            </a:r>
+            <a:r>
+              <a:rPr lang="en-US" altLang="ko-KR" b="1" dirty="0" smtClean="0"/>
+              <a:t>)</a:t>
+            </a:r>
+            <a:endParaRPr lang="ko-KR" altLang="en-US" b="1" dirty="0"/>
+          </a:p>
+        </p:txBody>
+      </p:sp>
+    </p:spTree>
+    <p:extLst>
+      <p:ext uri="{BB962C8B-B14F-4D97-AF65-F5344CB8AC3E}">
+        <p14:creationId xmlns:p14="http://schemas.microsoft.com/office/powerpoint/2010/main" val="26445271"/>
       </p:ext>
     </p:extLst>
   </p:cSld>

--- a/EscapeJail/Assets/기획/스테이지1기획.pptx
+++ b/EscapeJail/Assets/기획/스테이지1기획.pptx
@@ -13,6 +13,7 @@
     <p:sldId id="261" r:id="rId7"/>
     <p:sldId id="262" r:id="rId8"/>
     <p:sldId id="263" r:id="rId9"/>
+    <p:sldId id="264" r:id="rId10"/>
   </p:sldIdLst>
   <p:sldSz cx="9144000" cy="6858000" type="screen4x3"/>
   <p:notesSz cx="6858000" cy="9144000"/>
@@ -295,7 +296,7 @@
           <a:p>
             <a:fld id="{75C3E87A-1EF5-4BC0-A34A-1B32DEFB2AF0}" type="datetimeFigureOut">
               <a:rPr lang="ko-KR" altLang="en-US" smtClean="0"/>
-              <a:t>2017-10-06</a:t>
+              <a:t>2017-10-08</a:t>
             </a:fld>
             <a:endParaRPr lang="ko-KR" altLang="en-US"/>
           </a:p>
@@ -465,7 +466,7 @@
           <a:p>
             <a:fld id="{75C3E87A-1EF5-4BC0-A34A-1B32DEFB2AF0}" type="datetimeFigureOut">
               <a:rPr lang="ko-KR" altLang="en-US" smtClean="0"/>
-              <a:t>2017-10-06</a:t>
+              <a:t>2017-10-08</a:t>
             </a:fld>
             <a:endParaRPr lang="ko-KR" altLang="en-US"/>
           </a:p>
@@ -645,7 +646,7 @@
           <a:p>
             <a:fld id="{75C3E87A-1EF5-4BC0-A34A-1B32DEFB2AF0}" type="datetimeFigureOut">
               <a:rPr lang="ko-KR" altLang="en-US" smtClean="0"/>
-              <a:t>2017-10-06</a:t>
+              <a:t>2017-10-08</a:t>
             </a:fld>
             <a:endParaRPr lang="ko-KR" altLang="en-US"/>
           </a:p>
@@ -815,7 +816,7 @@
           <a:p>
             <a:fld id="{75C3E87A-1EF5-4BC0-A34A-1B32DEFB2AF0}" type="datetimeFigureOut">
               <a:rPr lang="ko-KR" altLang="en-US" smtClean="0"/>
-              <a:t>2017-10-06</a:t>
+              <a:t>2017-10-08</a:t>
             </a:fld>
             <a:endParaRPr lang="ko-KR" altLang="en-US"/>
           </a:p>
@@ -1061,7 +1062,7 @@
           <a:p>
             <a:fld id="{75C3E87A-1EF5-4BC0-A34A-1B32DEFB2AF0}" type="datetimeFigureOut">
               <a:rPr lang="ko-KR" altLang="en-US" smtClean="0"/>
-              <a:t>2017-10-06</a:t>
+              <a:t>2017-10-08</a:t>
             </a:fld>
             <a:endParaRPr lang="ko-KR" altLang="en-US"/>
           </a:p>
@@ -1349,7 +1350,7 @@
           <a:p>
             <a:fld id="{75C3E87A-1EF5-4BC0-A34A-1B32DEFB2AF0}" type="datetimeFigureOut">
               <a:rPr lang="ko-KR" altLang="en-US" smtClean="0"/>
-              <a:t>2017-10-06</a:t>
+              <a:t>2017-10-08</a:t>
             </a:fld>
             <a:endParaRPr lang="ko-KR" altLang="en-US"/>
           </a:p>
@@ -1771,7 +1772,7 @@
           <a:p>
             <a:fld id="{75C3E87A-1EF5-4BC0-A34A-1B32DEFB2AF0}" type="datetimeFigureOut">
               <a:rPr lang="ko-KR" altLang="en-US" smtClean="0"/>
-              <a:t>2017-10-06</a:t>
+              <a:t>2017-10-08</a:t>
             </a:fld>
             <a:endParaRPr lang="ko-KR" altLang="en-US"/>
           </a:p>
@@ -1889,7 +1890,7 @@
           <a:p>
             <a:fld id="{75C3E87A-1EF5-4BC0-A34A-1B32DEFB2AF0}" type="datetimeFigureOut">
               <a:rPr lang="ko-KR" altLang="en-US" smtClean="0"/>
-              <a:t>2017-10-06</a:t>
+              <a:t>2017-10-08</a:t>
             </a:fld>
             <a:endParaRPr lang="ko-KR" altLang="en-US"/>
           </a:p>
@@ -1984,7 +1985,7 @@
           <a:p>
             <a:fld id="{75C3E87A-1EF5-4BC0-A34A-1B32DEFB2AF0}" type="datetimeFigureOut">
               <a:rPr lang="ko-KR" altLang="en-US" smtClean="0"/>
-              <a:t>2017-10-06</a:t>
+              <a:t>2017-10-08</a:t>
             </a:fld>
             <a:endParaRPr lang="ko-KR" altLang="en-US"/>
           </a:p>
@@ -2261,7 +2262,7 @@
           <a:p>
             <a:fld id="{75C3E87A-1EF5-4BC0-A34A-1B32DEFB2AF0}" type="datetimeFigureOut">
               <a:rPr lang="ko-KR" altLang="en-US" smtClean="0"/>
-              <a:t>2017-10-06</a:t>
+              <a:t>2017-10-08</a:t>
             </a:fld>
             <a:endParaRPr lang="ko-KR" altLang="en-US"/>
           </a:p>
@@ -2514,7 +2515,7 @@
           <a:p>
             <a:fld id="{75C3E87A-1EF5-4BC0-A34A-1B32DEFB2AF0}" type="datetimeFigureOut">
               <a:rPr lang="ko-KR" altLang="en-US" smtClean="0"/>
-              <a:t>2017-10-06</a:t>
+              <a:t>2017-10-08</a:t>
             </a:fld>
             <a:endParaRPr lang="ko-KR" altLang="en-US"/>
           </a:p>
@@ -2727,7 +2728,7 @@
           <a:p>
             <a:fld id="{75C3E87A-1EF5-4BC0-A34A-1B32DEFB2AF0}" type="datetimeFigureOut">
               <a:rPr lang="ko-KR" altLang="en-US" smtClean="0"/>
-              <a:t>2017-10-06</a:t>
+              <a:t>2017-10-08</a:t>
             </a:fld>
             <a:endParaRPr lang="ko-KR" altLang="en-US"/>
           </a:p>
@@ -4494,31 +4495,26 @@
             </a:r>
             <a:r>
               <a:rPr lang="en-US" altLang="ko-KR" b="1" dirty="0" smtClean="0"/>
-              <a:t>(1,2,3</a:t>
+              <a:t>(1,2,3)</a:t>
+            </a:r>
+          </a:p>
+          <a:p>
+            <a:r>
+              <a:rPr lang="ko-KR" altLang="en-US" b="1" dirty="0" smtClean="0"/>
+              <a:t>총알 </a:t>
+            </a:r>
+            <a:r>
+              <a:rPr lang="en-US" altLang="ko-KR" b="1" dirty="0" smtClean="0"/>
+              <a:t>(1,2,3 </a:t>
+            </a:r>
+            <a:r>
+              <a:rPr lang="ko-KR" altLang="en-US" b="1" dirty="0" smtClean="0"/>
+              <a:t>단계</a:t>
             </a:r>
             <a:r>
               <a:rPr lang="en-US" altLang="ko-KR" b="1" dirty="0" smtClean="0"/>
               <a:t>)</a:t>
             </a:r>
-          </a:p>
-          <a:p>
-            <a:r>
-              <a:rPr lang="ko-KR" altLang="en-US" b="1" dirty="0" smtClean="0"/>
-              <a:t>총알 </a:t>
-            </a:r>
-            <a:r>
-              <a:rPr lang="en-US" altLang="ko-KR" b="1" dirty="0" smtClean="0"/>
-              <a:t>(1,2,3 </a:t>
-            </a:r>
-            <a:r>
-              <a:rPr lang="ko-KR" altLang="en-US" b="1" dirty="0" smtClean="0"/>
-              <a:t>단계</a:t>
-            </a:r>
-            <a:r>
-              <a:rPr lang="en-US" altLang="ko-KR" b="1" dirty="0" smtClean="0"/>
-              <a:t>)</a:t>
-            </a:r>
-            <a:endParaRPr lang="en-US" altLang="ko-KR" b="1" dirty="0" smtClean="0"/>
           </a:p>
           <a:p>
             <a:endParaRPr lang="ko-KR" altLang="en-US" b="1" dirty="0"/>
@@ -4627,6 +4623,188 @@
     <p:extLst>
       <p:ext uri="{BB962C8B-B14F-4D97-AF65-F5344CB8AC3E}">
         <p14:creationId xmlns:p14="http://schemas.microsoft.com/office/powerpoint/2010/main" val="26445271"/>
+      </p:ext>
+    </p:extLst>
+  </p:cSld>
+  <p:clrMapOvr>
+    <a:masterClrMapping/>
+  </p:clrMapOvr>
+</p:sld>
+</file>
+
+<file path=ppt/slides/slide9.xml><?xml version="1.0" encoding="utf-8"?>
+<p:sld xmlns:a="http://schemas.openxmlformats.org/drawingml/2006/main" xmlns:r="http://schemas.openxmlformats.org/officeDocument/2006/relationships" xmlns:p="http://schemas.openxmlformats.org/presentationml/2006/main">
+  <p:cSld>
+    <p:spTree>
+      <p:nvGrpSpPr>
+        <p:cNvPr id="1" name=""/>
+        <p:cNvGrpSpPr/>
+        <p:nvPr/>
+      </p:nvGrpSpPr>
+      <p:grpSpPr>
+        <a:xfrm>
+          <a:off x="0" y="0"/>
+          <a:ext cx="0" cy="0"/>
+          <a:chOff x="0" y="0"/>
+          <a:chExt cx="0" cy="0"/>
+        </a:xfrm>
+      </p:grpSpPr>
+      <p:sp>
+        <p:nvSpPr>
+          <p:cNvPr id="2" name="제목 1"/>
+          <p:cNvSpPr>
+            <a:spLocks noGrp="1"/>
+          </p:cNvSpPr>
+          <p:nvPr>
+            <p:ph type="title"/>
+          </p:nvPr>
+        </p:nvSpPr>
+        <p:spPr/>
+        <p:txBody>
+          <a:bodyPr/>
+          <a:lstStyle/>
+          <a:p>
+            <a:r>
+              <a:rPr lang="ko-KR" altLang="en-US" dirty="0" err="1" smtClean="0"/>
+              <a:t>몬스터</a:t>
+            </a:r>
+            <a:endParaRPr lang="ko-KR" altLang="en-US" dirty="0"/>
+          </a:p>
+        </p:txBody>
+      </p:sp>
+      <p:sp>
+        <p:nvSpPr>
+          <p:cNvPr id="3" name="내용 개체 틀 2"/>
+          <p:cNvSpPr>
+            <a:spLocks noGrp="1"/>
+          </p:cNvSpPr>
+          <p:nvPr>
+            <p:ph idx="1"/>
+          </p:nvPr>
+        </p:nvSpPr>
+        <p:spPr/>
+        <p:txBody>
+          <a:bodyPr>
+            <a:normAutofit/>
+          </a:bodyPr>
+          <a:lstStyle/>
+          <a:p>
+            <a:r>
+              <a:rPr lang="ko-KR" altLang="en-US" b="1" dirty="0" smtClean="0"/>
+              <a:t>도둑스테이지</a:t>
+            </a:r>
+            <a:endParaRPr lang="en-US" altLang="ko-KR" b="1" dirty="0" smtClean="0"/>
+          </a:p>
+          <a:p>
+            <a:r>
+              <a:rPr lang="ko-KR" altLang="en-US" b="1" dirty="0" smtClean="0"/>
+              <a:t>투명</a:t>
+            </a:r>
+            <a:r>
+              <a:rPr lang="en-US" altLang="ko-KR" b="1" dirty="0" smtClean="0"/>
+              <a:t>,</a:t>
+            </a:r>
+            <a:r>
+              <a:rPr lang="ko-KR" altLang="en-US" b="1" dirty="0" smtClean="0"/>
+              <a:t>순간이동</a:t>
+            </a:r>
+            <a:r>
+              <a:rPr lang="en-US" altLang="ko-KR" b="1" dirty="0" smtClean="0"/>
+              <a:t>, </a:t>
+            </a:r>
+            <a:r>
+              <a:rPr lang="ko-KR" altLang="en-US" b="1" dirty="0" smtClean="0"/>
+              <a:t>맞으면 아이템  훔침</a:t>
+            </a:r>
+            <a:endParaRPr lang="en-US" altLang="ko-KR" b="1" dirty="0" smtClean="0"/>
+          </a:p>
+          <a:p>
+            <a:endParaRPr lang="en-US" altLang="ko-KR" b="1" dirty="0"/>
+          </a:p>
+          <a:p>
+            <a:r>
+              <a:rPr lang="ko-KR" altLang="en-US" b="1" dirty="0" smtClean="0"/>
+              <a:t>과학자 스테이지</a:t>
+            </a:r>
+            <a:endParaRPr lang="en-US" altLang="ko-KR" b="1" dirty="0" smtClean="0"/>
+          </a:p>
+          <a:p>
+            <a:r>
+              <a:rPr lang="ko-KR" altLang="en-US" b="1" dirty="0" err="1" smtClean="0"/>
+              <a:t>포탑형</a:t>
+            </a:r>
+            <a:r>
+              <a:rPr lang="en-US" altLang="ko-KR" b="1" dirty="0" smtClean="0"/>
+              <a:t>(</a:t>
+            </a:r>
+            <a:r>
+              <a:rPr lang="ko-KR" altLang="en-US" b="1" dirty="0" err="1" smtClean="0"/>
+              <a:t>토르비온</a:t>
+            </a:r>
+            <a:r>
+              <a:rPr lang="en-US" altLang="ko-KR" b="1" dirty="0" smtClean="0"/>
+              <a:t>),</a:t>
+            </a:r>
+            <a:r>
+              <a:rPr lang="ko-KR" altLang="en-US" b="1" dirty="0" smtClean="0"/>
+              <a:t>유전자조작</a:t>
+            </a:r>
+            <a:r>
+              <a:rPr lang="en-US" altLang="ko-KR" b="1" dirty="0" smtClean="0"/>
+              <a:t>(</a:t>
+            </a:r>
+            <a:r>
+              <a:rPr lang="ko-KR" altLang="en-US" b="1" dirty="0" err="1" smtClean="0"/>
+              <a:t>헐크</a:t>
+            </a:r>
+            <a:r>
+              <a:rPr lang="en-US" altLang="ko-KR" b="1" dirty="0" smtClean="0"/>
+              <a:t>,</a:t>
+            </a:r>
+            <a:r>
+              <a:rPr lang="ko-KR" altLang="en-US" b="1" dirty="0" err="1" smtClean="0"/>
+              <a:t>변신할동안</a:t>
+            </a:r>
+            <a:r>
+              <a:rPr lang="ko-KR" altLang="en-US" b="1" dirty="0" smtClean="0"/>
+              <a:t> </a:t>
+            </a:r>
+            <a:r>
+              <a:rPr lang="ko-KR" altLang="en-US" b="1" dirty="0" err="1" smtClean="0"/>
+              <a:t>못잡으면</a:t>
+            </a:r>
+            <a:r>
+              <a:rPr lang="ko-KR" altLang="en-US" b="1" dirty="0" smtClean="0"/>
+              <a:t> 변신함</a:t>
+            </a:r>
+            <a:r>
+              <a:rPr lang="en-US" altLang="ko-KR" b="1" dirty="0" smtClean="0"/>
+              <a:t>),</a:t>
+            </a:r>
+            <a:r>
+              <a:rPr lang="ko-KR" altLang="en-US" b="1" dirty="0" smtClean="0"/>
+              <a:t>화학무기</a:t>
+            </a:r>
+            <a:r>
+              <a:rPr lang="en-US" altLang="ko-KR" b="1" dirty="0" smtClean="0"/>
+              <a:t>(</a:t>
+            </a:r>
+            <a:r>
+              <a:rPr lang="ko-KR" altLang="en-US" b="1" dirty="0" err="1" smtClean="0"/>
+              <a:t>가스류</a:t>
+            </a:r>
+            <a:r>
+              <a:rPr lang="en-US" altLang="ko-KR" b="1" dirty="0" smtClean="0"/>
+              <a:t>)</a:t>
+            </a:r>
+            <a:endParaRPr lang="ko-KR" altLang="en-US" b="1" dirty="0"/>
+          </a:p>
+        </p:txBody>
+      </p:sp>
+    </p:spTree>
+    <p:extLst>
+      <p:ext uri="{BB962C8B-B14F-4D97-AF65-F5344CB8AC3E}">
+        <p14:creationId xmlns:p14="http://schemas.microsoft.com/office/powerpoint/2010/main" val="1149286554"/>
       </p:ext>
     </p:extLst>
   </p:cSld>

--- a/EscapeJail/Assets/기획/스테이지1기획.pptx
+++ b/EscapeJail/Assets/기획/스테이지1기획.pptx
@@ -12,8 +12,10 @@
     <p:sldId id="260" r:id="rId6"/>
     <p:sldId id="261" r:id="rId7"/>
     <p:sldId id="262" r:id="rId8"/>
-    <p:sldId id="263" r:id="rId9"/>
-    <p:sldId id="264" r:id="rId10"/>
+    <p:sldId id="265" r:id="rId9"/>
+    <p:sldId id="266" r:id="rId10"/>
+    <p:sldId id="263" r:id="rId11"/>
+    <p:sldId id="264" r:id="rId12"/>
   </p:sldIdLst>
   <p:sldSz cx="9144000" cy="6858000" type="screen4x3"/>
   <p:notesSz cx="6858000" cy="9144000"/>
@@ -296,7 +298,7 @@
           <a:p>
             <a:fld id="{75C3E87A-1EF5-4BC0-A34A-1B32DEFB2AF0}" type="datetimeFigureOut">
               <a:rPr lang="ko-KR" altLang="en-US" smtClean="0"/>
-              <a:t>2017-10-08</a:t>
+              <a:t>2017-10-09</a:t>
             </a:fld>
             <a:endParaRPr lang="ko-KR" altLang="en-US"/>
           </a:p>
@@ -466,7 +468,7 @@
           <a:p>
             <a:fld id="{75C3E87A-1EF5-4BC0-A34A-1B32DEFB2AF0}" type="datetimeFigureOut">
               <a:rPr lang="ko-KR" altLang="en-US" smtClean="0"/>
-              <a:t>2017-10-08</a:t>
+              <a:t>2017-10-09</a:t>
             </a:fld>
             <a:endParaRPr lang="ko-KR" altLang="en-US"/>
           </a:p>
@@ -646,7 +648,7 @@
           <a:p>
             <a:fld id="{75C3E87A-1EF5-4BC0-A34A-1B32DEFB2AF0}" type="datetimeFigureOut">
               <a:rPr lang="ko-KR" altLang="en-US" smtClean="0"/>
-              <a:t>2017-10-08</a:t>
+              <a:t>2017-10-09</a:t>
             </a:fld>
             <a:endParaRPr lang="ko-KR" altLang="en-US"/>
           </a:p>
@@ -816,7 +818,7 @@
           <a:p>
             <a:fld id="{75C3E87A-1EF5-4BC0-A34A-1B32DEFB2AF0}" type="datetimeFigureOut">
               <a:rPr lang="ko-KR" altLang="en-US" smtClean="0"/>
-              <a:t>2017-10-08</a:t>
+              <a:t>2017-10-09</a:t>
             </a:fld>
             <a:endParaRPr lang="ko-KR" altLang="en-US"/>
           </a:p>
@@ -1062,7 +1064,7 @@
           <a:p>
             <a:fld id="{75C3E87A-1EF5-4BC0-A34A-1B32DEFB2AF0}" type="datetimeFigureOut">
               <a:rPr lang="ko-KR" altLang="en-US" smtClean="0"/>
-              <a:t>2017-10-08</a:t>
+              <a:t>2017-10-09</a:t>
             </a:fld>
             <a:endParaRPr lang="ko-KR" altLang="en-US"/>
           </a:p>
@@ -1350,7 +1352,7 @@
           <a:p>
             <a:fld id="{75C3E87A-1EF5-4BC0-A34A-1B32DEFB2AF0}" type="datetimeFigureOut">
               <a:rPr lang="ko-KR" altLang="en-US" smtClean="0"/>
-              <a:t>2017-10-08</a:t>
+              <a:t>2017-10-09</a:t>
             </a:fld>
             <a:endParaRPr lang="ko-KR" altLang="en-US"/>
           </a:p>
@@ -1772,7 +1774,7 @@
           <a:p>
             <a:fld id="{75C3E87A-1EF5-4BC0-A34A-1B32DEFB2AF0}" type="datetimeFigureOut">
               <a:rPr lang="ko-KR" altLang="en-US" smtClean="0"/>
-              <a:t>2017-10-08</a:t>
+              <a:t>2017-10-09</a:t>
             </a:fld>
             <a:endParaRPr lang="ko-KR" altLang="en-US"/>
           </a:p>
@@ -1890,7 +1892,7 @@
           <a:p>
             <a:fld id="{75C3E87A-1EF5-4BC0-A34A-1B32DEFB2AF0}" type="datetimeFigureOut">
               <a:rPr lang="ko-KR" altLang="en-US" smtClean="0"/>
-              <a:t>2017-10-08</a:t>
+              <a:t>2017-10-09</a:t>
             </a:fld>
             <a:endParaRPr lang="ko-KR" altLang="en-US"/>
           </a:p>
@@ -1985,7 +1987,7 @@
           <a:p>
             <a:fld id="{75C3E87A-1EF5-4BC0-A34A-1B32DEFB2AF0}" type="datetimeFigureOut">
               <a:rPr lang="ko-KR" altLang="en-US" smtClean="0"/>
-              <a:t>2017-10-08</a:t>
+              <a:t>2017-10-09</a:t>
             </a:fld>
             <a:endParaRPr lang="ko-KR" altLang="en-US"/>
           </a:p>
@@ -2262,7 +2264,7 @@
           <a:p>
             <a:fld id="{75C3E87A-1EF5-4BC0-A34A-1B32DEFB2AF0}" type="datetimeFigureOut">
               <a:rPr lang="ko-KR" altLang="en-US" smtClean="0"/>
-              <a:t>2017-10-08</a:t>
+              <a:t>2017-10-09</a:t>
             </a:fld>
             <a:endParaRPr lang="ko-KR" altLang="en-US"/>
           </a:p>
@@ -2515,7 +2517,7 @@
           <a:p>
             <a:fld id="{75C3E87A-1EF5-4BC0-A34A-1B32DEFB2AF0}" type="datetimeFigureOut">
               <a:rPr lang="ko-KR" altLang="en-US" smtClean="0"/>
-              <a:t>2017-10-08</a:t>
+              <a:t>2017-10-09</a:t>
             </a:fld>
             <a:endParaRPr lang="ko-KR" altLang="en-US"/>
           </a:p>
@@ -2728,7 +2730,7 @@
           <a:p>
             <a:fld id="{75C3E87A-1EF5-4BC0-A34A-1B32DEFB2AF0}" type="datetimeFigureOut">
               <a:rPr lang="ko-KR" altLang="en-US" smtClean="0"/>
-              <a:t>2017-10-08</a:t>
+              <a:t>2017-10-09</a:t>
             </a:fld>
             <a:endParaRPr lang="ko-KR" altLang="en-US"/>
           </a:p>
@@ -3157,6 +3159,286 @@
 </p:sld>
 </file>
 
+<file path=ppt/slides/slide10.xml><?xml version="1.0" encoding="utf-8"?>
+<p:sld xmlns:a="http://schemas.openxmlformats.org/drawingml/2006/main" xmlns:r="http://schemas.openxmlformats.org/officeDocument/2006/relationships" xmlns:p="http://schemas.openxmlformats.org/presentationml/2006/main">
+  <p:cSld>
+    <p:spTree>
+      <p:nvGrpSpPr>
+        <p:cNvPr id="1" name=""/>
+        <p:cNvGrpSpPr/>
+        <p:nvPr/>
+      </p:nvGrpSpPr>
+      <p:grpSpPr>
+        <a:xfrm>
+          <a:off x="0" y="0"/>
+          <a:ext cx="0" cy="0"/>
+          <a:chOff x="0" y="0"/>
+          <a:chExt cx="0" cy="0"/>
+        </a:xfrm>
+      </p:grpSpPr>
+      <p:sp>
+        <p:nvSpPr>
+          <p:cNvPr id="2" name="제목 1"/>
+          <p:cNvSpPr>
+            <a:spLocks noGrp="1"/>
+          </p:cNvSpPr>
+          <p:nvPr>
+            <p:ph type="title"/>
+          </p:nvPr>
+        </p:nvSpPr>
+        <p:spPr/>
+        <p:txBody>
+          <a:bodyPr/>
+          <a:lstStyle/>
+          <a:p>
+            <a:r>
+              <a:rPr lang="ko-KR" altLang="en-US" dirty="0" smtClean="0"/>
+              <a:t>기타</a:t>
+            </a:r>
+            <a:endParaRPr lang="ko-KR" altLang="en-US" dirty="0"/>
+          </a:p>
+        </p:txBody>
+      </p:sp>
+      <p:sp>
+        <p:nvSpPr>
+          <p:cNvPr id="3" name="내용 개체 틀 2"/>
+          <p:cNvSpPr>
+            <a:spLocks noGrp="1"/>
+          </p:cNvSpPr>
+          <p:nvPr>
+            <p:ph idx="1"/>
+          </p:nvPr>
+        </p:nvSpPr>
+        <p:spPr/>
+        <p:txBody>
+          <a:bodyPr>
+            <a:normAutofit/>
+          </a:bodyPr>
+          <a:lstStyle/>
+          <a:p>
+            <a:r>
+              <a:rPr lang="ko-KR" altLang="en-US" b="1" dirty="0" smtClean="0"/>
+              <a:t>총 </a:t>
+            </a:r>
+            <a:r>
+              <a:rPr lang="ko-KR" altLang="en-US" b="1" dirty="0" err="1" smtClean="0"/>
+              <a:t>맞았을때</a:t>
+            </a:r>
+            <a:r>
+              <a:rPr lang="ko-KR" altLang="en-US" b="1" dirty="0" smtClean="0"/>
+              <a:t> 잠시 무적 필요 </a:t>
+            </a:r>
+            <a:r>
+              <a:rPr lang="en-US" altLang="ko-KR" b="1" dirty="0" smtClean="0"/>
+              <a:t>(0.5</a:t>
+            </a:r>
+            <a:r>
+              <a:rPr lang="ko-KR" altLang="en-US" b="1" dirty="0" smtClean="0"/>
+              <a:t>초 정도</a:t>
+            </a:r>
+            <a:r>
+              <a:rPr lang="en-US" altLang="ko-KR" b="1" dirty="0" smtClean="0"/>
+              <a:t>)</a:t>
+            </a:r>
+            <a:endParaRPr lang="ko-KR" altLang="en-US" b="1" dirty="0"/>
+          </a:p>
+        </p:txBody>
+      </p:sp>
+    </p:spTree>
+    <p:extLst>
+      <p:ext uri="{BB962C8B-B14F-4D97-AF65-F5344CB8AC3E}">
+        <p14:creationId xmlns:p14="http://schemas.microsoft.com/office/powerpoint/2010/main" val="26445271"/>
+      </p:ext>
+    </p:extLst>
+  </p:cSld>
+  <p:clrMapOvr>
+    <a:masterClrMapping/>
+  </p:clrMapOvr>
+</p:sld>
+</file>
+
+<file path=ppt/slides/slide11.xml><?xml version="1.0" encoding="utf-8"?>
+<p:sld xmlns:a="http://schemas.openxmlformats.org/drawingml/2006/main" xmlns:r="http://schemas.openxmlformats.org/officeDocument/2006/relationships" xmlns:p="http://schemas.openxmlformats.org/presentationml/2006/main">
+  <p:cSld>
+    <p:spTree>
+      <p:nvGrpSpPr>
+        <p:cNvPr id="1" name=""/>
+        <p:cNvGrpSpPr/>
+        <p:nvPr/>
+      </p:nvGrpSpPr>
+      <p:grpSpPr>
+        <a:xfrm>
+          <a:off x="0" y="0"/>
+          <a:ext cx="0" cy="0"/>
+          <a:chOff x="0" y="0"/>
+          <a:chExt cx="0" cy="0"/>
+        </a:xfrm>
+      </p:grpSpPr>
+      <p:sp>
+        <p:nvSpPr>
+          <p:cNvPr id="2" name="제목 1"/>
+          <p:cNvSpPr>
+            <a:spLocks noGrp="1"/>
+          </p:cNvSpPr>
+          <p:nvPr>
+            <p:ph type="title"/>
+          </p:nvPr>
+        </p:nvSpPr>
+        <p:spPr/>
+        <p:txBody>
+          <a:bodyPr/>
+          <a:lstStyle/>
+          <a:p>
+            <a:r>
+              <a:rPr lang="ko-KR" altLang="en-US" dirty="0" err="1" smtClean="0"/>
+              <a:t>몬스터</a:t>
+            </a:r>
+            <a:endParaRPr lang="ko-KR" altLang="en-US" dirty="0"/>
+          </a:p>
+        </p:txBody>
+      </p:sp>
+      <p:sp>
+        <p:nvSpPr>
+          <p:cNvPr id="3" name="내용 개체 틀 2"/>
+          <p:cNvSpPr>
+            <a:spLocks noGrp="1"/>
+          </p:cNvSpPr>
+          <p:nvPr>
+            <p:ph idx="1"/>
+          </p:nvPr>
+        </p:nvSpPr>
+        <p:spPr/>
+        <p:txBody>
+          <a:bodyPr>
+            <a:normAutofit/>
+          </a:bodyPr>
+          <a:lstStyle/>
+          <a:p>
+            <a:r>
+              <a:rPr lang="ko-KR" altLang="en-US" b="1" dirty="0" smtClean="0"/>
+              <a:t>도둑스테이지</a:t>
+            </a:r>
+            <a:endParaRPr lang="en-US" altLang="ko-KR" b="1" dirty="0" smtClean="0"/>
+          </a:p>
+          <a:p>
+            <a:r>
+              <a:rPr lang="ko-KR" altLang="en-US" b="1" dirty="0" smtClean="0"/>
+              <a:t>투명</a:t>
+            </a:r>
+            <a:r>
+              <a:rPr lang="en-US" altLang="ko-KR" b="1" dirty="0" smtClean="0"/>
+              <a:t>,</a:t>
+            </a:r>
+            <a:r>
+              <a:rPr lang="ko-KR" altLang="en-US" b="1" dirty="0" smtClean="0"/>
+              <a:t>순간이동</a:t>
+            </a:r>
+            <a:r>
+              <a:rPr lang="en-US" altLang="ko-KR" b="1" dirty="0" smtClean="0"/>
+              <a:t>, </a:t>
+            </a:r>
+            <a:r>
+              <a:rPr lang="ko-KR" altLang="en-US" b="1" dirty="0" smtClean="0"/>
+              <a:t>맞으면 아이템  훔침</a:t>
+            </a:r>
+            <a:endParaRPr lang="en-US" altLang="ko-KR" b="1" dirty="0" smtClean="0"/>
+          </a:p>
+          <a:p>
+            <a:endParaRPr lang="en-US" altLang="ko-KR" b="1" dirty="0"/>
+          </a:p>
+          <a:p>
+            <a:r>
+              <a:rPr lang="ko-KR" altLang="en-US" b="1" dirty="0" smtClean="0"/>
+              <a:t>과학자 스테이지</a:t>
+            </a:r>
+            <a:endParaRPr lang="en-US" altLang="ko-KR" b="1" dirty="0" smtClean="0"/>
+          </a:p>
+          <a:p>
+            <a:r>
+              <a:rPr lang="ko-KR" altLang="en-US" b="1" dirty="0" err="1" smtClean="0"/>
+              <a:t>포탑형</a:t>
+            </a:r>
+            <a:r>
+              <a:rPr lang="en-US" altLang="ko-KR" b="1" dirty="0" smtClean="0"/>
+              <a:t>(</a:t>
+            </a:r>
+            <a:r>
+              <a:rPr lang="ko-KR" altLang="en-US" b="1" dirty="0" err="1" smtClean="0"/>
+              <a:t>토르비온</a:t>
+            </a:r>
+            <a:r>
+              <a:rPr lang="en-US" altLang="ko-KR" b="1" dirty="0" smtClean="0"/>
+              <a:t>),</a:t>
+            </a:r>
+            <a:r>
+              <a:rPr lang="ko-KR" altLang="en-US" b="1" dirty="0" smtClean="0"/>
+              <a:t>유전자조작</a:t>
+            </a:r>
+            <a:r>
+              <a:rPr lang="en-US" altLang="ko-KR" b="1" dirty="0" smtClean="0"/>
+              <a:t>(</a:t>
+            </a:r>
+            <a:r>
+              <a:rPr lang="ko-KR" altLang="en-US" b="1" dirty="0" err="1" smtClean="0"/>
+              <a:t>헐크</a:t>
+            </a:r>
+            <a:r>
+              <a:rPr lang="en-US" altLang="ko-KR" b="1" dirty="0" smtClean="0"/>
+              <a:t>,</a:t>
+            </a:r>
+            <a:r>
+              <a:rPr lang="ko-KR" altLang="en-US" b="1" dirty="0" err="1" smtClean="0"/>
+              <a:t>변신할동안</a:t>
+            </a:r>
+            <a:r>
+              <a:rPr lang="ko-KR" altLang="en-US" b="1" dirty="0" smtClean="0"/>
+              <a:t> </a:t>
+            </a:r>
+            <a:r>
+              <a:rPr lang="ko-KR" altLang="en-US" b="1" dirty="0" err="1" smtClean="0"/>
+              <a:t>못잡으면</a:t>
+            </a:r>
+            <a:r>
+              <a:rPr lang="ko-KR" altLang="en-US" b="1" dirty="0" smtClean="0"/>
+              <a:t> 변신함</a:t>
+            </a:r>
+            <a:r>
+              <a:rPr lang="en-US" altLang="ko-KR" b="1" dirty="0" smtClean="0"/>
+              <a:t>),</a:t>
+            </a:r>
+            <a:r>
+              <a:rPr lang="ko-KR" altLang="en-US" b="1" dirty="0" smtClean="0"/>
+              <a:t>화학무기</a:t>
+            </a:r>
+            <a:r>
+              <a:rPr lang="en-US" altLang="ko-KR" b="1" dirty="0" smtClean="0"/>
+              <a:t>(</a:t>
+            </a:r>
+            <a:r>
+              <a:rPr lang="ko-KR" altLang="en-US" b="1" dirty="0" err="1" smtClean="0"/>
+              <a:t>가스류</a:t>
+            </a:r>
+            <a:r>
+              <a:rPr lang="en-US" altLang="ko-KR" b="1" dirty="0" smtClean="0"/>
+              <a:t>)</a:t>
+            </a:r>
+            <a:endParaRPr lang="ko-KR" altLang="en-US" b="1" dirty="0"/>
+          </a:p>
+        </p:txBody>
+      </p:sp>
+    </p:spTree>
+    <p:extLst>
+      <p:ext uri="{BB962C8B-B14F-4D97-AF65-F5344CB8AC3E}">
+        <p14:creationId xmlns:p14="http://schemas.microsoft.com/office/powerpoint/2010/main" val="1149286554"/>
+      </p:ext>
+    </p:extLst>
+  </p:cSld>
+  <p:clrMapOvr>
+    <a:masterClrMapping/>
+  </p:clrMapOvr>
+</p:sld>
+</file>
+
 <file path=ppt/slides/slide2.xml><?xml version="1.0" encoding="utf-8"?>
 <p:sld xmlns:a="http://schemas.openxmlformats.org/drawingml/2006/main" xmlns:r="http://schemas.openxmlformats.org/officeDocument/2006/relationships" xmlns:p="http://schemas.openxmlformats.org/presentationml/2006/main">
   <p:cSld>
@@ -4567,62 +4849,1870 @@
           <a:lstStyle/>
           <a:p>
             <a:r>
-              <a:rPr lang="ko-KR" altLang="en-US" dirty="0" smtClean="0"/>
-              <a:t>기타</a:t>
+              <a:rPr lang="ko-KR" altLang="en-US" dirty="0" err="1" smtClean="0"/>
+              <a:t>아</a:t>
+            </a:r>
+            <a:r>
+              <a:rPr lang="ko-KR" altLang="en-US" dirty="0" err="1" smtClean="0"/>
+              <a:t>이</a:t>
+            </a:r>
+            <a:r>
+              <a:rPr lang="ko-KR" altLang="en-US" dirty="0" err="1" smtClean="0"/>
+              <a:t>템표</a:t>
             </a:r>
             <a:endParaRPr lang="ko-KR" altLang="en-US" dirty="0"/>
           </a:p>
         </p:txBody>
       </p:sp>
-      <p:sp>
-        <p:nvSpPr>
-          <p:cNvPr id="3" name="내용 개체 틀 2"/>
-          <p:cNvSpPr>
-            <a:spLocks noGrp="1"/>
-          </p:cNvSpPr>
-          <p:nvPr>
-            <p:ph idx="1"/>
-          </p:nvPr>
-        </p:nvSpPr>
-        <p:spPr/>
-        <p:txBody>
-          <a:bodyPr>
-            <a:normAutofit/>
-          </a:bodyPr>
-          <a:lstStyle/>
-          <a:p>
-            <a:r>
-              <a:rPr lang="ko-KR" altLang="en-US" b="1" dirty="0" smtClean="0"/>
-              <a:t>총 </a:t>
-            </a:r>
-            <a:r>
-              <a:rPr lang="ko-KR" altLang="en-US" b="1" dirty="0" err="1" smtClean="0"/>
-              <a:t>맞았을때</a:t>
-            </a:r>
-            <a:r>
-              <a:rPr lang="ko-KR" altLang="en-US" b="1" dirty="0" smtClean="0"/>
-              <a:t> 잠시 무적 필요 </a:t>
-            </a:r>
-            <a:r>
-              <a:rPr lang="en-US" altLang="ko-KR" b="1" dirty="0" smtClean="0"/>
-              <a:t>(0.5</a:t>
-            </a:r>
-            <a:r>
-              <a:rPr lang="ko-KR" altLang="en-US" b="1" dirty="0" smtClean="0"/>
-              <a:t>초 정도</a:t>
-            </a:r>
-            <a:r>
-              <a:rPr lang="en-US" altLang="ko-KR" b="1" dirty="0" smtClean="0"/>
-              <a:t>)</a:t>
-            </a:r>
-            <a:endParaRPr lang="ko-KR" altLang="en-US" b="1" dirty="0"/>
-          </a:p>
-        </p:txBody>
-      </p:sp>
+      <p:graphicFrame>
+        <p:nvGraphicFramePr>
+          <p:cNvPr id="4" name="표 3"/>
+          <p:cNvGraphicFramePr>
+            <a:graphicFrameLocks noGrp="1"/>
+          </p:cNvGraphicFramePr>
+          <p:nvPr>
+            <p:extLst>
+              <p:ext uri="{D42A27DB-BD31-4B8C-83A1-F6EECF244321}">
+                <p14:modId xmlns:p14="http://schemas.microsoft.com/office/powerpoint/2010/main" val="856118369"/>
+              </p:ext>
+            </p:extLst>
+          </p:nvPr>
+        </p:nvGraphicFramePr>
+        <p:xfrm>
+          <a:off x="1524000" y="1397000"/>
+          <a:ext cx="6648400" cy="5120640"/>
+        </p:xfrm>
+        <a:graphic>
+          <a:graphicData uri="http://schemas.openxmlformats.org/drawingml/2006/table">
+            <a:tbl>
+              <a:tblPr firstRow="1" bandRow="1">
+                <a:tableStyleId>{7E9639D4-E3E2-4D34-9284-5A2195B3D0D7}</a:tableStyleId>
+              </a:tblPr>
+              <a:tblGrid>
+                <a:gridCol w="1662100"/>
+                <a:gridCol w="1662100"/>
+                <a:gridCol w="1662100"/>
+                <a:gridCol w="1662100"/>
+              </a:tblGrid>
+              <a:tr h="370840">
+                <a:tc>
+                  <a:txBody>
+                    <a:bodyPr/>
+                    <a:lstStyle/>
+                    <a:p>
+                      <a:pPr latinLnBrk="1"/>
+                      <a:r>
+                        <a:rPr lang="ko-KR" altLang="en-US" sz="1000" dirty="0" smtClean="0"/>
+                        <a:t>아이콘</a:t>
+                      </a:r>
+                      <a:endParaRPr lang="ko-KR" altLang="en-US" sz="1000" dirty="0"/>
+                    </a:p>
+                  </a:txBody>
+                  <a:tcPr>
+                    <a:lnB w="12700" cap="flat" cmpd="sng" algn="ctr">
+                      <a:solidFill>
+                        <a:schemeClr val="tx1"/>
+                      </a:solidFill>
+                      <a:prstDash val="solid"/>
+                      <a:round/>
+                      <a:headEnd type="none" w="med" len="med"/>
+                      <a:tailEnd type="none" w="med" len="med"/>
+                    </a:lnB>
+                  </a:tcPr>
+                </a:tc>
+                <a:tc>
+                  <a:txBody>
+                    <a:bodyPr/>
+                    <a:lstStyle/>
+                    <a:p>
+                      <a:pPr latinLnBrk="1"/>
+                      <a:r>
+                        <a:rPr lang="ko-KR" altLang="en-US" sz="1000" dirty="0" smtClean="0"/>
+                        <a:t>이름</a:t>
+                      </a:r>
+                      <a:endParaRPr lang="ko-KR" altLang="en-US" sz="1000" dirty="0"/>
+                    </a:p>
+                  </a:txBody>
+                  <a:tcPr>
+                    <a:lnB w="12700" cap="flat" cmpd="sng" algn="ctr">
+                      <a:solidFill>
+                        <a:schemeClr val="tx1"/>
+                      </a:solidFill>
+                      <a:prstDash val="solid"/>
+                      <a:round/>
+                      <a:headEnd type="none" w="med" len="med"/>
+                      <a:tailEnd type="none" w="med" len="med"/>
+                    </a:lnB>
+                  </a:tcPr>
+                </a:tc>
+                <a:tc>
+                  <a:txBody>
+                    <a:bodyPr/>
+                    <a:lstStyle/>
+                    <a:p>
+                      <a:pPr latinLnBrk="1"/>
+                      <a:r>
+                        <a:rPr lang="ko-KR" altLang="en-US" sz="1000" dirty="0" smtClean="0"/>
+                        <a:t>설명</a:t>
+                      </a:r>
+                      <a:endParaRPr lang="ko-KR" altLang="en-US" sz="1000" dirty="0"/>
+                    </a:p>
+                  </a:txBody>
+                  <a:tcPr/>
+                </a:tc>
+                <a:tc>
+                  <a:txBody>
+                    <a:bodyPr/>
+                    <a:lstStyle/>
+                    <a:p>
+                      <a:pPr latinLnBrk="1"/>
+                      <a:r>
+                        <a:rPr lang="ko-KR" altLang="en-US" sz="1000" dirty="0" smtClean="0"/>
+                        <a:t>지속시간 </a:t>
+                      </a:r>
+                      <a:endParaRPr lang="ko-KR" altLang="en-US" sz="1000" dirty="0"/>
+                    </a:p>
+                  </a:txBody>
+                  <a:tcPr/>
+                </a:tc>
+              </a:tr>
+              <a:tr h="370840">
+                <a:tc>
+                  <a:txBody>
+                    <a:bodyPr/>
+                    <a:lstStyle/>
+                    <a:p>
+                      <a:pPr latinLnBrk="1"/>
+                      <a:endParaRPr lang="ko-KR" altLang="en-US" sz="1000" dirty="0"/>
+                    </a:p>
+                  </a:txBody>
+                  <a:tcPr>
+                    <a:lnL w="12700" cap="flat" cmpd="sng" algn="ctr">
+                      <a:solidFill>
+                        <a:schemeClr val="tx1"/>
+                      </a:solidFill>
+                      <a:prstDash val="solid"/>
+                      <a:round/>
+                      <a:headEnd type="none" w="med" len="med"/>
+                      <a:tailEnd type="none" w="med" len="med"/>
+                    </a:lnL>
+                    <a:lnR w="12700" cap="flat" cmpd="sng" algn="ctr">
+                      <a:solidFill>
+                        <a:schemeClr val="tx1"/>
+                      </a:solidFill>
+                      <a:prstDash val="solid"/>
+                      <a:round/>
+                      <a:headEnd type="none" w="med" len="med"/>
+                      <a:tailEnd type="none" w="med" len="med"/>
+                    </a:lnR>
+                    <a:lnT w="12700" cap="flat" cmpd="sng" algn="ctr">
+                      <a:solidFill>
+                        <a:schemeClr val="tx1"/>
+                      </a:solidFill>
+                      <a:prstDash val="solid"/>
+                      <a:round/>
+                      <a:headEnd type="none" w="med" len="med"/>
+                      <a:tailEnd type="none" w="med" len="med"/>
+                    </a:lnT>
+                    <a:lnB w="12700" cap="flat" cmpd="sng" algn="ctr">
+                      <a:solidFill>
+                        <a:schemeClr val="tx1"/>
+                      </a:solidFill>
+                      <a:prstDash val="solid"/>
+                      <a:round/>
+                      <a:headEnd type="none" w="med" len="med"/>
+                      <a:tailEnd type="none" w="med" len="med"/>
+                    </a:lnB>
+                  </a:tcPr>
+                </a:tc>
+                <a:tc>
+                  <a:txBody>
+                    <a:bodyPr/>
+                    <a:lstStyle/>
+                    <a:p>
+                      <a:pPr latinLnBrk="1"/>
+                      <a:r>
+                        <a:rPr lang="ko-KR" altLang="en-US" sz="1000" dirty="0" smtClean="0"/>
+                        <a:t>권총탄약</a:t>
+                      </a:r>
+                      <a:endParaRPr lang="ko-KR" altLang="en-US" sz="1000" dirty="0"/>
+                    </a:p>
+                  </a:txBody>
+                  <a:tcPr>
+                    <a:lnL w="12700" cap="flat" cmpd="sng" algn="ctr">
+                      <a:solidFill>
+                        <a:schemeClr val="tx1"/>
+                      </a:solidFill>
+                      <a:prstDash val="solid"/>
+                      <a:round/>
+                      <a:headEnd type="none" w="med" len="med"/>
+                      <a:tailEnd type="none" w="med" len="med"/>
+                    </a:lnL>
+                    <a:lnR w="12700" cap="flat" cmpd="sng" algn="ctr">
+                      <a:solidFill>
+                        <a:schemeClr val="tx1"/>
+                      </a:solidFill>
+                      <a:prstDash val="solid"/>
+                      <a:round/>
+                      <a:headEnd type="none" w="med" len="med"/>
+                      <a:tailEnd type="none" w="med" len="med"/>
+                    </a:lnR>
+                    <a:lnT w="12700" cap="flat" cmpd="sng" algn="ctr">
+                      <a:solidFill>
+                        <a:schemeClr val="tx1"/>
+                      </a:solidFill>
+                      <a:prstDash val="solid"/>
+                      <a:round/>
+                      <a:headEnd type="none" w="med" len="med"/>
+                      <a:tailEnd type="none" w="med" len="med"/>
+                    </a:lnT>
+                    <a:lnB w="12700" cap="flat" cmpd="sng" algn="ctr">
+                      <a:solidFill>
+                        <a:schemeClr val="tx1"/>
+                      </a:solidFill>
+                      <a:prstDash val="solid"/>
+                      <a:round/>
+                      <a:headEnd type="none" w="med" len="med"/>
+                      <a:tailEnd type="none" w="med" len="med"/>
+                    </a:lnB>
+                  </a:tcPr>
+                </a:tc>
+                <a:tc>
+                  <a:txBody>
+                    <a:bodyPr/>
+                    <a:lstStyle/>
+                    <a:p>
+                      <a:pPr latinLnBrk="1"/>
+                      <a:r>
+                        <a:rPr lang="ko-KR" altLang="en-US" sz="1000" dirty="0" smtClean="0"/>
+                        <a:t>권총탄약</a:t>
+                      </a:r>
+                      <a:r>
+                        <a:rPr lang="en-US" altLang="ko-KR" sz="1000" dirty="0" smtClean="0"/>
+                        <a:t>10</a:t>
+                      </a:r>
+                      <a:r>
+                        <a:rPr lang="ko-KR" altLang="en-US" sz="1000" dirty="0" smtClean="0"/>
+                        <a:t>개</a:t>
+                      </a:r>
+                      <a:r>
+                        <a:rPr lang="en-US" altLang="ko-KR" sz="1000" dirty="0" smtClean="0"/>
+                        <a:t>(</a:t>
+                      </a:r>
+                      <a:r>
+                        <a:rPr lang="ko-KR" altLang="en-US" sz="1000" dirty="0" smtClean="0"/>
+                        <a:t>기관단총에도 사용</a:t>
+                      </a:r>
+                      <a:r>
+                        <a:rPr lang="en-US" altLang="ko-KR" sz="1000" dirty="0" smtClean="0"/>
+                        <a:t>)</a:t>
+                      </a:r>
+                      <a:endParaRPr lang="ko-KR" altLang="en-US" sz="1000" dirty="0"/>
+                    </a:p>
+                  </a:txBody>
+                  <a:tcPr>
+                    <a:lnL w="12700" cap="flat" cmpd="sng" algn="ctr">
+                      <a:solidFill>
+                        <a:schemeClr val="tx1"/>
+                      </a:solidFill>
+                      <a:prstDash val="solid"/>
+                      <a:round/>
+                      <a:headEnd type="none" w="med" len="med"/>
+                      <a:tailEnd type="none" w="med" len="med"/>
+                    </a:lnL>
+                    <a:lnR w="12700" cap="flat" cmpd="sng" algn="ctr">
+                      <a:solidFill>
+                        <a:schemeClr val="tx1"/>
+                      </a:solidFill>
+                      <a:prstDash val="solid"/>
+                      <a:round/>
+                      <a:headEnd type="none" w="med" len="med"/>
+                      <a:tailEnd type="none" w="med" len="med"/>
+                    </a:lnR>
+                  </a:tcPr>
+                </a:tc>
+                <a:tc>
+                  <a:txBody>
+                    <a:bodyPr/>
+                    <a:lstStyle/>
+                    <a:p>
+                      <a:pPr latinLnBrk="1"/>
+                      <a:endParaRPr lang="ko-KR" altLang="en-US" sz="1000" dirty="0"/>
+                    </a:p>
+                  </a:txBody>
+                  <a:tcPr>
+                    <a:lnL w="12700" cap="flat" cmpd="sng" algn="ctr">
+                      <a:solidFill>
+                        <a:schemeClr val="tx1"/>
+                      </a:solidFill>
+                      <a:prstDash val="solid"/>
+                      <a:round/>
+                      <a:headEnd type="none" w="med" len="med"/>
+                      <a:tailEnd type="none" w="med" len="med"/>
+                    </a:lnL>
+                  </a:tcPr>
+                </a:tc>
+              </a:tr>
+              <a:tr h="370840">
+                <a:tc>
+                  <a:txBody>
+                    <a:bodyPr/>
+                    <a:lstStyle/>
+                    <a:p>
+                      <a:pPr latinLnBrk="1"/>
+                      <a:endParaRPr lang="ko-KR" altLang="en-US" sz="1000" dirty="0"/>
+                    </a:p>
+                  </a:txBody>
+                  <a:tcPr>
+                    <a:lnL w="12700" cap="flat" cmpd="sng" algn="ctr">
+                      <a:solidFill>
+                        <a:schemeClr val="tx1"/>
+                      </a:solidFill>
+                      <a:prstDash val="solid"/>
+                      <a:round/>
+                      <a:headEnd type="none" w="med" len="med"/>
+                      <a:tailEnd type="none" w="med" len="med"/>
+                    </a:lnL>
+                    <a:lnR w="12700" cap="flat" cmpd="sng" algn="ctr">
+                      <a:solidFill>
+                        <a:schemeClr val="tx1"/>
+                      </a:solidFill>
+                      <a:prstDash val="solid"/>
+                      <a:round/>
+                      <a:headEnd type="none" w="med" len="med"/>
+                      <a:tailEnd type="none" w="med" len="med"/>
+                    </a:lnR>
+                    <a:lnT w="12700" cap="flat" cmpd="sng" algn="ctr">
+                      <a:solidFill>
+                        <a:schemeClr val="tx1"/>
+                      </a:solidFill>
+                      <a:prstDash val="solid"/>
+                      <a:round/>
+                      <a:headEnd type="none" w="med" len="med"/>
+                      <a:tailEnd type="none" w="med" len="med"/>
+                    </a:lnT>
+                    <a:lnB w="12700" cap="flat" cmpd="sng" algn="ctr">
+                      <a:solidFill>
+                        <a:schemeClr val="tx1"/>
+                      </a:solidFill>
+                      <a:prstDash val="solid"/>
+                      <a:round/>
+                      <a:headEnd type="none" w="med" len="med"/>
+                      <a:tailEnd type="none" w="med" len="med"/>
+                    </a:lnB>
+                  </a:tcPr>
+                </a:tc>
+                <a:tc>
+                  <a:txBody>
+                    <a:bodyPr/>
+                    <a:lstStyle/>
+                    <a:p>
+                      <a:pPr latinLnBrk="1"/>
+                      <a:r>
+                        <a:rPr lang="ko-KR" altLang="en-US" sz="1000" dirty="0" err="1" smtClean="0"/>
+                        <a:t>샷건탄약</a:t>
+                      </a:r>
+                      <a:endParaRPr lang="ko-KR" altLang="en-US" sz="1000" dirty="0"/>
+                    </a:p>
+                  </a:txBody>
+                  <a:tcPr>
+                    <a:lnL w="12700" cap="flat" cmpd="sng" algn="ctr">
+                      <a:solidFill>
+                        <a:schemeClr val="tx1"/>
+                      </a:solidFill>
+                      <a:prstDash val="solid"/>
+                      <a:round/>
+                      <a:headEnd type="none" w="med" len="med"/>
+                      <a:tailEnd type="none" w="med" len="med"/>
+                    </a:lnL>
+                    <a:lnR w="12700" cap="flat" cmpd="sng" algn="ctr">
+                      <a:solidFill>
+                        <a:schemeClr val="tx1"/>
+                      </a:solidFill>
+                      <a:prstDash val="solid"/>
+                      <a:round/>
+                      <a:headEnd type="none" w="med" len="med"/>
+                      <a:tailEnd type="none" w="med" len="med"/>
+                    </a:lnR>
+                    <a:lnT w="12700" cap="flat" cmpd="sng" algn="ctr">
+                      <a:solidFill>
+                        <a:schemeClr val="tx1"/>
+                      </a:solidFill>
+                      <a:prstDash val="solid"/>
+                      <a:round/>
+                      <a:headEnd type="none" w="med" len="med"/>
+                      <a:tailEnd type="none" w="med" len="med"/>
+                    </a:lnT>
+                    <a:lnB w="12700" cap="flat" cmpd="sng" algn="ctr">
+                      <a:solidFill>
+                        <a:schemeClr val="tx1"/>
+                      </a:solidFill>
+                      <a:prstDash val="solid"/>
+                      <a:round/>
+                      <a:headEnd type="none" w="med" len="med"/>
+                      <a:tailEnd type="none" w="med" len="med"/>
+                    </a:lnB>
+                  </a:tcPr>
+                </a:tc>
+                <a:tc>
+                  <a:txBody>
+                    <a:bodyPr/>
+                    <a:lstStyle/>
+                    <a:p>
+                      <a:pPr latinLnBrk="1"/>
+                      <a:r>
+                        <a:rPr lang="ko-KR" altLang="en-US" sz="1000" dirty="0" err="1" smtClean="0"/>
+                        <a:t>샷건탄약</a:t>
+                      </a:r>
+                      <a:r>
+                        <a:rPr lang="en-US" altLang="ko-KR" sz="1000" dirty="0" smtClean="0"/>
+                        <a:t>10</a:t>
+                      </a:r>
+                      <a:r>
+                        <a:rPr lang="ko-KR" altLang="en-US" sz="1000" dirty="0" smtClean="0"/>
+                        <a:t>개</a:t>
+                      </a:r>
+                      <a:endParaRPr lang="ko-KR" altLang="en-US" sz="1000" dirty="0"/>
+                    </a:p>
+                  </a:txBody>
+                  <a:tcPr>
+                    <a:lnL w="12700" cap="flat" cmpd="sng" algn="ctr">
+                      <a:solidFill>
+                        <a:schemeClr val="tx1"/>
+                      </a:solidFill>
+                      <a:prstDash val="solid"/>
+                      <a:round/>
+                      <a:headEnd type="none" w="med" len="med"/>
+                      <a:tailEnd type="none" w="med" len="med"/>
+                    </a:lnL>
+                    <a:lnR w="12700" cap="flat" cmpd="sng" algn="ctr">
+                      <a:solidFill>
+                        <a:schemeClr val="tx1"/>
+                      </a:solidFill>
+                      <a:prstDash val="solid"/>
+                      <a:round/>
+                      <a:headEnd type="none" w="med" len="med"/>
+                      <a:tailEnd type="none" w="med" len="med"/>
+                    </a:lnR>
+                  </a:tcPr>
+                </a:tc>
+                <a:tc>
+                  <a:txBody>
+                    <a:bodyPr/>
+                    <a:lstStyle/>
+                    <a:p>
+                      <a:pPr latinLnBrk="1"/>
+                      <a:endParaRPr lang="ko-KR" altLang="en-US" sz="1000" dirty="0"/>
+                    </a:p>
+                  </a:txBody>
+                  <a:tcPr>
+                    <a:lnL w="12700" cap="flat" cmpd="sng" algn="ctr">
+                      <a:solidFill>
+                        <a:schemeClr val="tx1"/>
+                      </a:solidFill>
+                      <a:prstDash val="solid"/>
+                      <a:round/>
+                      <a:headEnd type="none" w="med" len="med"/>
+                      <a:tailEnd type="none" w="med" len="med"/>
+                    </a:lnL>
+                  </a:tcPr>
+                </a:tc>
+              </a:tr>
+              <a:tr h="370840">
+                <a:tc>
+                  <a:txBody>
+                    <a:bodyPr/>
+                    <a:lstStyle/>
+                    <a:p>
+                      <a:pPr latinLnBrk="1"/>
+                      <a:endParaRPr lang="ko-KR" altLang="en-US" sz="1000" dirty="0"/>
+                    </a:p>
+                  </a:txBody>
+                  <a:tcPr>
+                    <a:lnL w="12700" cap="flat" cmpd="sng" algn="ctr">
+                      <a:solidFill>
+                        <a:schemeClr val="tx1"/>
+                      </a:solidFill>
+                      <a:prstDash val="solid"/>
+                      <a:round/>
+                      <a:headEnd type="none" w="med" len="med"/>
+                      <a:tailEnd type="none" w="med" len="med"/>
+                    </a:lnL>
+                    <a:lnR w="12700" cap="flat" cmpd="sng" algn="ctr">
+                      <a:solidFill>
+                        <a:schemeClr val="tx1"/>
+                      </a:solidFill>
+                      <a:prstDash val="solid"/>
+                      <a:round/>
+                      <a:headEnd type="none" w="med" len="med"/>
+                      <a:tailEnd type="none" w="med" len="med"/>
+                    </a:lnR>
+                    <a:lnT w="12700" cap="flat" cmpd="sng" algn="ctr">
+                      <a:solidFill>
+                        <a:schemeClr val="tx1"/>
+                      </a:solidFill>
+                      <a:prstDash val="solid"/>
+                      <a:round/>
+                      <a:headEnd type="none" w="med" len="med"/>
+                      <a:tailEnd type="none" w="med" len="med"/>
+                    </a:lnT>
+                    <a:lnB w="12700" cap="flat" cmpd="sng" algn="ctr">
+                      <a:solidFill>
+                        <a:schemeClr val="tx1"/>
+                      </a:solidFill>
+                      <a:prstDash val="solid"/>
+                      <a:round/>
+                      <a:headEnd type="none" w="med" len="med"/>
+                      <a:tailEnd type="none" w="med" len="med"/>
+                    </a:lnB>
+                  </a:tcPr>
+                </a:tc>
+                <a:tc>
+                  <a:txBody>
+                    <a:bodyPr/>
+                    <a:lstStyle/>
+                    <a:p>
+                      <a:pPr latinLnBrk="1"/>
+                      <a:r>
+                        <a:rPr lang="ko-KR" altLang="en-US" sz="1000" dirty="0" smtClean="0"/>
+                        <a:t>소총탄약</a:t>
+                      </a:r>
+                      <a:endParaRPr lang="ko-KR" altLang="en-US" sz="1000" dirty="0"/>
+                    </a:p>
+                  </a:txBody>
+                  <a:tcPr>
+                    <a:lnL w="12700" cap="flat" cmpd="sng" algn="ctr">
+                      <a:solidFill>
+                        <a:schemeClr val="tx1"/>
+                      </a:solidFill>
+                      <a:prstDash val="solid"/>
+                      <a:round/>
+                      <a:headEnd type="none" w="med" len="med"/>
+                      <a:tailEnd type="none" w="med" len="med"/>
+                    </a:lnL>
+                    <a:lnR w="12700" cap="flat" cmpd="sng" algn="ctr">
+                      <a:solidFill>
+                        <a:schemeClr val="tx1"/>
+                      </a:solidFill>
+                      <a:prstDash val="solid"/>
+                      <a:round/>
+                      <a:headEnd type="none" w="med" len="med"/>
+                      <a:tailEnd type="none" w="med" len="med"/>
+                    </a:lnR>
+                    <a:lnT w="12700" cap="flat" cmpd="sng" algn="ctr">
+                      <a:solidFill>
+                        <a:schemeClr val="tx1"/>
+                      </a:solidFill>
+                      <a:prstDash val="solid"/>
+                      <a:round/>
+                      <a:headEnd type="none" w="med" len="med"/>
+                      <a:tailEnd type="none" w="med" len="med"/>
+                    </a:lnT>
+                    <a:lnB w="12700" cap="flat" cmpd="sng" algn="ctr">
+                      <a:solidFill>
+                        <a:schemeClr val="tx1"/>
+                      </a:solidFill>
+                      <a:prstDash val="solid"/>
+                      <a:round/>
+                      <a:headEnd type="none" w="med" len="med"/>
+                      <a:tailEnd type="none" w="med" len="med"/>
+                    </a:lnB>
+                  </a:tcPr>
+                </a:tc>
+                <a:tc>
+                  <a:txBody>
+                    <a:bodyPr/>
+                    <a:lstStyle/>
+                    <a:p>
+                      <a:pPr latinLnBrk="1"/>
+                      <a:r>
+                        <a:rPr lang="ko-KR" altLang="en-US" sz="1000" dirty="0" smtClean="0"/>
+                        <a:t>소총탄약</a:t>
+                      </a:r>
+                      <a:r>
+                        <a:rPr lang="en-US" altLang="ko-KR" sz="1000" dirty="0" smtClean="0"/>
+                        <a:t>10</a:t>
+                      </a:r>
+                      <a:r>
+                        <a:rPr lang="ko-KR" altLang="en-US" sz="1000" dirty="0" smtClean="0"/>
+                        <a:t>개</a:t>
+                      </a:r>
+                      <a:endParaRPr lang="ko-KR" altLang="en-US" sz="1000" dirty="0"/>
+                    </a:p>
+                  </a:txBody>
+                  <a:tcPr>
+                    <a:lnL w="12700" cap="flat" cmpd="sng" algn="ctr">
+                      <a:solidFill>
+                        <a:schemeClr val="tx1"/>
+                      </a:solidFill>
+                      <a:prstDash val="solid"/>
+                      <a:round/>
+                      <a:headEnd type="none" w="med" len="med"/>
+                      <a:tailEnd type="none" w="med" len="med"/>
+                    </a:lnL>
+                    <a:lnR w="12700" cap="flat" cmpd="sng" algn="ctr">
+                      <a:solidFill>
+                        <a:schemeClr val="tx1"/>
+                      </a:solidFill>
+                      <a:prstDash val="solid"/>
+                      <a:round/>
+                      <a:headEnd type="none" w="med" len="med"/>
+                      <a:tailEnd type="none" w="med" len="med"/>
+                    </a:lnR>
+                  </a:tcPr>
+                </a:tc>
+                <a:tc>
+                  <a:txBody>
+                    <a:bodyPr/>
+                    <a:lstStyle/>
+                    <a:p>
+                      <a:pPr latinLnBrk="1"/>
+                      <a:endParaRPr lang="ko-KR" altLang="en-US" sz="1000" dirty="0"/>
+                    </a:p>
+                  </a:txBody>
+                  <a:tcPr>
+                    <a:lnL w="12700" cap="flat" cmpd="sng" algn="ctr">
+                      <a:solidFill>
+                        <a:schemeClr val="tx1"/>
+                      </a:solidFill>
+                      <a:prstDash val="solid"/>
+                      <a:round/>
+                      <a:headEnd type="none" w="med" len="med"/>
+                      <a:tailEnd type="none" w="med" len="med"/>
+                    </a:lnL>
+                  </a:tcPr>
+                </a:tc>
+              </a:tr>
+              <a:tr h="370840">
+                <a:tc>
+                  <a:txBody>
+                    <a:bodyPr/>
+                    <a:lstStyle/>
+                    <a:p>
+                      <a:pPr latinLnBrk="1"/>
+                      <a:endParaRPr lang="ko-KR" altLang="en-US" sz="1000" dirty="0"/>
+                    </a:p>
+                  </a:txBody>
+                  <a:tcPr>
+                    <a:lnL w="12700" cap="flat" cmpd="sng" algn="ctr">
+                      <a:solidFill>
+                        <a:schemeClr val="tx1"/>
+                      </a:solidFill>
+                      <a:prstDash val="solid"/>
+                      <a:round/>
+                      <a:headEnd type="none" w="med" len="med"/>
+                      <a:tailEnd type="none" w="med" len="med"/>
+                    </a:lnL>
+                    <a:lnR w="12700" cap="flat" cmpd="sng" algn="ctr">
+                      <a:solidFill>
+                        <a:schemeClr val="tx1"/>
+                      </a:solidFill>
+                      <a:prstDash val="solid"/>
+                      <a:round/>
+                      <a:headEnd type="none" w="med" len="med"/>
+                      <a:tailEnd type="none" w="med" len="med"/>
+                    </a:lnR>
+                    <a:lnT w="12700" cap="flat" cmpd="sng" algn="ctr">
+                      <a:solidFill>
+                        <a:schemeClr val="tx1"/>
+                      </a:solidFill>
+                      <a:prstDash val="solid"/>
+                      <a:round/>
+                      <a:headEnd type="none" w="med" len="med"/>
+                      <a:tailEnd type="none" w="med" len="med"/>
+                    </a:lnT>
+                    <a:lnB w="12700" cap="flat" cmpd="sng" algn="ctr">
+                      <a:solidFill>
+                        <a:schemeClr val="tx1"/>
+                      </a:solidFill>
+                      <a:prstDash val="solid"/>
+                      <a:round/>
+                      <a:headEnd type="none" w="med" len="med"/>
+                      <a:tailEnd type="none" w="med" len="med"/>
+                    </a:lnB>
+                  </a:tcPr>
+                </a:tc>
+                <a:tc>
+                  <a:txBody>
+                    <a:bodyPr/>
+                    <a:lstStyle/>
+                    <a:p>
+                      <a:pPr latinLnBrk="1"/>
+                      <a:r>
+                        <a:rPr lang="ko-KR" altLang="en-US" sz="1000" dirty="0" smtClean="0"/>
+                        <a:t>폭발탄약</a:t>
+                      </a:r>
+                      <a:endParaRPr lang="ko-KR" altLang="en-US" sz="1000" dirty="0"/>
+                    </a:p>
+                  </a:txBody>
+                  <a:tcPr>
+                    <a:lnL w="12700" cap="flat" cmpd="sng" algn="ctr">
+                      <a:solidFill>
+                        <a:schemeClr val="tx1"/>
+                      </a:solidFill>
+                      <a:prstDash val="solid"/>
+                      <a:round/>
+                      <a:headEnd type="none" w="med" len="med"/>
+                      <a:tailEnd type="none" w="med" len="med"/>
+                    </a:lnL>
+                    <a:lnR w="12700" cap="flat" cmpd="sng" algn="ctr">
+                      <a:solidFill>
+                        <a:schemeClr val="tx1"/>
+                      </a:solidFill>
+                      <a:prstDash val="solid"/>
+                      <a:round/>
+                      <a:headEnd type="none" w="med" len="med"/>
+                      <a:tailEnd type="none" w="med" len="med"/>
+                    </a:lnR>
+                    <a:lnT w="12700" cap="flat" cmpd="sng" algn="ctr">
+                      <a:solidFill>
+                        <a:schemeClr val="tx1"/>
+                      </a:solidFill>
+                      <a:prstDash val="solid"/>
+                      <a:round/>
+                      <a:headEnd type="none" w="med" len="med"/>
+                      <a:tailEnd type="none" w="med" len="med"/>
+                    </a:lnT>
+                    <a:lnB w="12700" cap="flat" cmpd="sng" algn="ctr">
+                      <a:solidFill>
+                        <a:schemeClr val="tx1"/>
+                      </a:solidFill>
+                      <a:prstDash val="solid"/>
+                      <a:round/>
+                      <a:headEnd type="none" w="med" len="med"/>
+                      <a:tailEnd type="none" w="med" len="med"/>
+                    </a:lnB>
+                  </a:tcPr>
+                </a:tc>
+                <a:tc>
+                  <a:txBody>
+                    <a:bodyPr/>
+                    <a:lstStyle/>
+                    <a:p>
+                      <a:pPr latinLnBrk="1"/>
+                      <a:r>
+                        <a:rPr lang="ko-KR" altLang="en-US" sz="1000" dirty="0" err="1" smtClean="0"/>
+                        <a:t>폭탄발사류무기탄약</a:t>
+                      </a:r>
+                      <a:r>
+                        <a:rPr lang="ko-KR" altLang="en-US" sz="1000" dirty="0" smtClean="0"/>
+                        <a:t> </a:t>
+                      </a:r>
+                      <a:r>
+                        <a:rPr lang="en-US" altLang="ko-KR" sz="1000" dirty="0" smtClean="0"/>
+                        <a:t>10</a:t>
+                      </a:r>
+                      <a:r>
+                        <a:rPr lang="ko-KR" altLang="en-US" sz="1000" dirty="0" smtClean="0"/>
+                        <a:t>개</a:t>
+                      </a:r>
+                      <a:endParaRPr lang="ko-KR" altLang="en-US" sz="1000" dirty="0"/>
+                    </a:p>
+                  </a:txBody>
+                  <a:tcPr>
+                    <a:lnL w="12700" cap="flat" cmpd="sng" algn="ctr">
+                      <a:solidFill>
+                        <a:schemeClr val="tx1"/>
+                      </a:solidFill>
+                      <a:prstDash val="solid"/>
+                      <a:round/>
+                      <a:headEnd type="none" w="med" len="med"/>
+                      <a:tailEnd type="none" w="med" len="med"/>
+                    </a:lnL>
+                    <a:lnR w="12700" cap="flat" cmpd="sng" algn="ctr">
+                      <a:solidFill>
+                        <a:schemeClr val="tx1"/>
+                      </a:solidFill>
+                      <a:prstDash val="solid"/>
+                      <a:round/>
+                      <a:headEnd type="none" w="med" len="med"/>
+                      <a:tailEnd type="none" w="med" len="med"/>
+                    </a:lnR>
+                  </a:tcPr>
+                </a:tc>
+                <a:tc>
+                  <a:txBody>
+                    <a:bodyPr/>
+                    <a:lstStyle/>
+                    <a:p>
+                      <a:pPr latinLnBrk="1"/>
+                      <a:endParaRPr lang="ko-KR" altLang="en-US" sz="1000" dirty="0"/>
+                    </a:p>
+                  </a:txBody>
+                  <a:tcPr>
+                    <a:lnL w="12700" cap="flat" cmpd="sng" algn="ctr">
+                      <a:solidFill>
+                        <a:schemeClr val="tx1"/>
+                      </a:solidFill>
+                      <a:prstDash val="solid"/>
+                      <a:round/>
+                      <a:headEnd type="none" w="med" len="med"/>
+                      <a:tailEnd type="none" w="med" len="med"/>
+                    </a:lnL>
+                  </a:tcPr>
+                </a:tc>
+              </a:tr>
+              <a:tr h="370840">
+                <a:tc>
+                  <a:txBody>
+                    <a:bodyPr/>
+                    <a:lstStyle/>
+                    <a:p>
+                      <a:pPr latinLnBrk="1"/>
+                      <a:endParaRPr lang="ko-KR" altLang="en-US" sz="1000" dirty="0"/>
+                    </a:p>
+                  </a:txBody>
+                  <a:tcPr>
+                    <a:lnL w="12700" cap="flat" cmpd="sng" algn="ctr">
+                      <a:solidFill>
+                        <a:schemeClr val="tx1"/>
+                      </a:solidFill>
+                      <a:prstDash val="solid"/>
+                      <a:round/>
+                      <a:headEnd type="none" w="med" len="med"/>
+                      <a:tailEnd type="none" w="med" len="med"/>
+                    </a:lnL>
+                    <a:lnR w="12700" cap="flat" cmpd="sng" algn="ctr">
+                      <a:solidFill>
+                        <a:schemeClr val="tx1"/>
+                      </a:solidFill>
+                      <a:prstDash val="solid"/>
+                      <a:round/>
+                      <a:headEnd type="none" w="med" len="med"/>
+                      <a:tailEnd type="none" w="med" len="med"/>
+                    </a:lnR>
+                    <a:lnT w="12700" cap="flat" cmpd="sng" algn="ctr">
+                      <a:solidFill>
+                        <a:schemeClr val="tx1"/>
+                      </a:solidFill>
+                      <a:prstDash val="solid"/>
+                      <a:round/>
+                      <a:headEnd type="none" w="med" len="med"/>
+                      <a:tailEnd type="none" w="med" len="med"/>
+                    </a:lnT>
+                    <a:lnB w="12700" cap="flat" cmpd="sng" algn="ctr">
+                      <a:solidFill>
+                        <a:schemeClr val="tx1"/>
+                      </a:solidFill>
+                      <a:prstDash val="solid"/>
+                      <a:round/>
+                      <a:headEnd type="none" w="med" len="med"/>
+                      <a:tailEnd type="none" w="med" len="med"/>
+                    </a:lnB>
+                  </a:tcPr>
+                </a:tc>
+                <a:tc>
+                  <a:txBody>
+                    <a:bodyPr/>
+                    <a:lstStyle/>
+                    <a:p>
+                      <a:pPr latinLnBrk="1"/>
+                      <a:r>
+                        <a:rPr lang="ko-KR" altLang="en-US" sz="1000" dirty="0" smtClean="0"/>
+                        <a:t>방어막</a:t>
+                      </a:r>
+                      <a:endParaRPr lang="ko-KR" altLang="en-US" sz="1000" dirty="0"/>
+                    </a:p>
+                  </a:txBody>
+                  <a:tcPr>
+                    <a:lnL w="12700" cap="flat" cmpd="sng" algn="ctr">
+                      <a:solidFill>
+                        <a:schemeClr val="tx1"/>
+                      </a:solidFill>
+                      <a:prstDash val="solid"/>
+                      <a:round/>
+                      <a:headEnd type="none" w="med" len="med"/>
+                      <a:tailEnd type="none" w="med" len="med"/>
+                    </a:lnL>
+                    <a:lnR w="12700" cap="flat" cmpd="sng" algn="ctr">
+                      <a:solidFill>
+                        <a:schemeClr val="tx1"/>
+                      </a:solidFill>
+                      <a:prstDash val="solid"/>
+                      <a:round/>
+                      <a:headEnd type="none" w="med" len="med"/>
+                      <a:tailEnd type="none" w="med" len="med"/>
+                    </a:lnR>
+                    <a:lnT w="12700" cap="flat" cmpd="sng" algn="ctr">
+                      <a:solidFill>
+                        <a:schemeClr val="tx1"/>
+                      </a:solidFill>
+                      <a:prstDash val="solid"/>
+                      <a:round/>
+                      <a:headEnd type="none" w="med" len="med"/>
+                      <a:tailEnd type="none" w="med" len="med"/>
+                    </a:lnT>
+                    <a:lnB w="12700" cap="flat" cmpd="sng" algn="ctr">
+                      <a:solidFill>
+                        <a:schemeClr val="tx1"/>
+                      </a:solidFill>
+                      <a:prstDash val="solid"/>
+                      <a:round/>
+                      <a:headEnd type="none" w="med" len="med"/>
+                      <a:tailEnd type="none" w="med" len="med"/>
+                    </a:lnB>
+                  </a:tcPr>
+                </a:tc>
+                <a:tc>
+                  <a:txBody>
+                    <a:bodyPr/>
+                    <a:lstStyle/>
+                    <a:p>
+                      <a:pPr latinLnBrk="1"/>
+                      <a:r>
+                        <a:rPr lang="ko-KR" altLang="en-US" sz="1000" dirty="0" err="1" smtClean="0"/>
+                        <a:t>일정시간동안</a:t>
+                      </a:r>
+                      <a:r>
+                        <a:rPr lang="ko-KR" altLang="en-US" sz="1000" dirty="0" smtClean="0"/>
+                        <a:t> 플레이어가 입는 </a:t>
+                      </a:r>
+                      <a:r>
+                        <a:rPr lang="ko-KR" altLang="en-US" sz="1000" dirty="0" err="1" smtClean="0"/>
+                        <a:t>데미지를</a:t>
+                      </a:r>
+                      <a:r>
+                        <a:rPr lang="ko-KR" altLang="en-US" sz="1000" dirty="0" smtClean="0"/>
+                        <a:t> 보호해줌</a:t>
+                      </a:r>
+                      <a:endParaRPr lang="en-US" altLang="ko-KR" sz="1000" dirty="0" smtClean="0"/>
+                    </a:p>
+                    <a:p>
+                      <a:pPr latinLnBrk="1"/>
+                      <a:r>
+                        <a:rPr lang="ko-KR" altLang="en-US" sz="1000" dirty="0" err="1" smtClean="0"/>
+                        <a:t>데미지</a:t>
+                      </a:r>
+                      <a:r>
+                        <a:rPr lang="ko-KR" altLang="en-US" sz="1000" dirty="0" smtClean="0"/>
+                        <a:t> 입으면 </a:t>
+                      </a:r>
+                      <a:r>
+                        <a:rPr lang="ko-KR" altLang="en-US" sz="1000" dirty="0" err="1" smtClean="0"/>
+                        <a:t>빨리깨짐</a:t>
+                      </a:r>
+                      <a:endParaRPr lang="ko-KR" altLang="en-US" sz="1000" dirty="0"/>
+                    </a:p>
+                  </a:txBody>
+                  <a:tcPr>
+                    <a:lnL w="12700" cap="flat" cmpd="sng" algn="ctr">
+                      <a:solidFill>
+                        <a:schemeClr val="tx1"/>
+                      </a:solidFill>
+                      <a:prstDash val="solid"/>
+                      <a:round/>
+                      <a:headEnd type="none" w="med" len="med"/>
+                      <a:tailEnd type="none" w="med" len="med"/>
+                    </a:lnL>
+                    <a:lnR w="12700" cap="flat" cmpd="sng" algn="ctr">
+                      <a:solidFill>
+                        <a:schemeClr val="tx1"/>
+                      </a:solidFill>
+                      <a:prstDash val="solid"/>
+                      <a:round/>
+                      <a:headEnd type="none" w="med" len="med"/>
+                      <a:tailEnd type="none" w="med" len="med"/>
+                    </a:lnR>
+                  </a:tcPr>
+                </a:tc>
+                <a:tc>
+                  <a:txBody>
+                    <a:bodyPr/>
+                    <a:lstStyle/>
+                    <a:p>
+                      <a:pPr latinLnBrk="1"/>
+                      <a:r>
+                        <a:rPr lang="en-US" altLang="ko-KR" sz="1000" dirty="0" smtClean="0"/>
+                        <a:t>??</a:t>
+                      </a:r>
+                      <a:endParaRPr lang="ko-KR" altLang="en-US" sz="1000" dirty="0"/>
+                    </a:p>
+                  </a:txBody>
+                  <a:tcPr>
+                    <a:lnL w="12700" cap="flat" cmpd="sng" algn="ctr">
+                      <a:solidFill>
+                        <a:schemeClr val="tx1"/>
+                      </a:solidFill>
+                      <a:prstDash val="solid"/>
+                      <a:round/>
+                      <a:headEnd type="none" w="med" len="med"/>
+                      <a:tailEnd type="none" w="med" len="med"/>
+                    </a:lnL>
+                  </a:tcPr>
+                </a:tc>
+              </a:tr>
+              <a:tr h="370840">
+                <a:tc>
+                  <a:txBody>
+                    <a:bodyPr/>
+                    <a:lstStyle/>
+                    <a:p>
+                      <a:pPr latinLnBrk="1"/>
+                      <a:endParaRPr lang="ko-KR" altLang="en-US" sz="1000" dirty="0"/>
+                    </a:p>
+                  </a:txBody>
+                  <a:tcPr>
+                    <a:lnL w="12700" cap="flat" cmpd="sng" algn="ctr">
+                      <a:solidFill>
+                        <a:schemeClr val="tx1"/>
+                      </a:solidFill>
+                      <a:prstDash val="solid"/>
+                      <a:round/>
+                      <a:headEnd type="none" w="med" len="med"/>
+                      <a:tailEnd type="none" w="med" len="med"/>
+                    </a:lnL>
+                    <a:lnR w="12700" cap="flat" cmpd="sng" algn="ctr">
+                      <a:solidFill>
+                        <a:schemeClr val="tx1"/>
+                      </a:solidFill>
+                      <a:prstDash val="solid"/>
+                      <a:round/>
+                      <a:headEnd type="none" w="med" len="med"/>
+                      <a:tailEnd type="none" w="med" len="med"/>
+                    </a:lnR>
+                    <a:lnT w="12700" cap="flat" cmpd="sng" algn="ctr">
+                      <a:solidFill>
+                        <a:schemeClr val="tx1"/>
+                      </a:solidFill>
+                      <a:prstDash val="solid"/>
+                      <a:round/>
+                      <a:headEnd type="none" w="med" len="med"/>
+                      <a:tailEnd type="none" w="med" len="med"/>
+                    </a:lnT>
+                    <a:lnB w="12700" cap="flat" cmpd="sng" algn="ctr">
+                      <a:solidFill>
+                        <a:schemeClr val="tx1"/>
+                      </a:solidFill>
+                      <a:prstDash val="solid"/>
+                      <a:round/>
+                      <a:headEnd type="none" w="med" len="med"/>
+                      <a:tailEnd type="none" w="med" len="med"/>
+                    </a:lnB>
+                  </a:tcPr>
+                </a:tc>
+                <a:tc>
+                  <a:txBody>
+                    <a:bodyPr/>
+                    <a:lstStyle/>
+                    <a:p>
+                      <a:pPr latinLnBrk="1"/>
+                      <a:r>
+                        <a:rPr lang="ko-KR" altLang="en-US" sz="1000" dirty="0" smtClean="0"/>
+                        <a:t>구급상자</a:t>
+                      </a:r>
+                      <a:endParaRPr lang="ko-KR" altLang="en-US" sz="1000" dirty="0"/>
+                    </a:p>
+                  </a:txBody>
+                  <a:tcPr>
+                    <a:lnL w="12700" cap="flat" cmpd="sng" algn="ctr">
+                      <a:solidFill>
+                        <a:schemeClr val="tx1"/>
+                      </a:solidFill>
+                      <a:prstDash val="solid"/>
+                      <a:round/>
+                      <a:headEnd type="none" w="med" len="med"/>
+                      <a:tailEnd type="none" w="med" len="med"/>
+                    </a:lnL>
+                    <a:lnR w="12700" cap="flat" cmpd="sng" algn="ctr">
+                      <a:solidFill>
+                        <a:schemeClr val="tx1"/>
+                      </a:solidFill>
+                      <a:prstDash val="solid"/>
+                      <a:round/>
+                      <a:headEnd type="none" w="med" len="med"/>
+                      <a:tailEnd type="none" w="med" len="med"/>
+                    </a:lnR>
+                    <a:lnT w="12700" cap="flat" cmpd="sng" algn="ctr">
+                      <a:solidFill>
+                        <a:schemeClr val="tx1"/>
+                      </a:solidFill>
+                      <a:prstDash val="solid"/>
+                      <a:round/>
+                      <a:headEnd type="none" w="med" len="med"/>
+                      <a:tailEnd type="none" w="med" len="med"/>
+                    </a:lnT>
+                    <a:lnB w="12700" cap="flat" cmpd="sng" algn="ctr">
+                      <a:solidFill>
+                        <a:schemeClr val="tx1"/>
+                      </a:solidFill>
+                      <a:prstDash val="solid"/>
+                      <a:round/>
+                      <a:headEnd type="none" w="med" len="med"/>
+                      <a:tailEnd type="none" w="med" len="med"/>
+                    </a:lnB>
+                  </a:tcPr>
+                </a:tc>
+                <a:tc>
+                  <a:txBody>
+                    <a:bodyPr/>
+                    <a:lstStyle/>
+                    <a:p>
+                      <a:pPr latinLnBrk="1"/>
+                      <a:r>
+                        <a:rPr lang="ko-KR" altLang="en-US" sz="1000" dirty="0" err="1" smtClean="0"/>
+                        <a:t>체력두칸회복</a:t>
+                      </a:r>
+                      <a:endParaRPr lang="ko-KR" altLang="en-US" sz="1000" dirty="0"/>
+                    </a:p>
+                  </a:txBody>
+                  <a:tcPr>
+                    <a:lnL w="12700" cap="flat" cmpd="sng" algn="ctr">
+                      <a:solidFill>
+                        <a:schemeClr val="tx1"/>
+                      </a:solidFill>
+                      <a:prstDash val="solid"/>
+                      <a:round/>
+                      <a:headEnd type="none" w="med" len="med"/>
+                      <a:tailEnd type="none" w="med" len="med"/>
+                    </a:lnL>
+                    <a:lnR w="12700" cap="flat" cmpd="sng" algn="ctr">
+                      <a:solidFill>
+                        <a:schemeClr val="tx1"/>
+                      </a:solidFill>
+                      <a:prstDash val="solid"/>
+                      <a:round/>
+                      <a:headEnd type="none" w="med" len="med"/>
+                      <a:tailEnd type="none" w="med" len="med"/>
+                    </a:lnR>
+                  </a:tcPr>
+                </a:tc>
+                <a:tc>
+                  <a:txBody>
+                    <a:bodyPr/>
+                    <a:lstStyle/>
+                    <a:p>
+                      <a:pPr latinLnBrk="1"/>
+                      <a:endParaRPr lang="ko-KR" altLang="en-US" sz="1000" dirty="0"/>
+                    </a:p>
+                  </a:txBody>
+                  <a:tcPr>
+                    <a:lnL w="12700" cap="flat" cmpd="sng" algn="ctr">
+                      <a:solidFill>
+                        <a:schemeClr val="tx1"/>
+                      </a:solidFill>
+                      <a:prstDash val="solid"/>
+                      <a:round/>
+                      <a:headEnd type="none" w="med" len="med"/>
+                      <a:tailEnd type="none" w="med" len="med"/>
+                    </a:lnL>
+                  </a:tcPr>
+                </a:tc>
+              </a:tr>
+              <a:tr h="370840">
+                <a:tc>
+                  <a:txBody>
+                    <a:bodyPr/>
+                    <a:lstStyle/>
+                    <a:p>
+                      <a:pPr latinLnBrk="1"/>
+                      <a:endParaRPr lang="ko-KR" altLang="en-US" sz="1000" dirty="0"/>
+                    </a:p>
+                  </a:txBody>
+                  <a:tcPr>
+                    <a:lnL w="12700" cap="flat" cmpd="sng" algn="ctr">
+                      <a:solidFill>
+                        <a:schemeClr val="tx1"/>
+                      </a:solidFill>
+                      <a:prstDash val="solid"/>
+                      <a:round/>
+                      <a:headEnd type="none" w="med" len="med"/>
+                      <a:tailEnd type="none" w="med" len="med"/>
+                    </a:lnL>
+                    <a:lnR w="12700" cap="flat" cmpd="sng" algn="ctr">
+                      <a:solidFill>
+                        <a:schemeClr val="tx1"/>
+                      </a:solidFill>
+                      <a:prstDash val="solid"/>
+                      <a:round/>
+                      <a:headEnd type="none" w="med" len="med"/>
+                      <a:tailEnd type="none" w="med" len="med"/>
+                    </a:lnR>
+                    <a:lnT w="12700" cap="flat" cmpd="sng" algn="ctr">
+                      <a:solidFill>
+                        <a:schemeClr val="tx1"/>
+                      </a:solidFill>
+                      <a:prstDash val="solid"/>
+                      <a:round/>
+                      <a:headEnd type="none" w="med" len="med"/>
+                      <a:tailEnd type="none" w="med" len="med"/>
+                    </a:lnT>
+                    <a:lnB w="12700" cap="flat" cmpd="sng" algn="ctr">
+                      <a:solidFill>
+                        <a:schemeClr val="tx1"/>
+                      </a:solidFill>
+                      <a:prstDash val="solid"/>
+                      <a:round/>
+                      <a:headEnd type="none" w="med" len="med"/>
+                      <a:tailEnd type="none" w="med" len="med"/>
+                    </a:lnB>
+                  </a:tcPr>
+                </a:tc>
+                <a:tc>
+                  <a:txBody>
+                    <a:bodyPr/>
+                    <a:lstStyle/>
+                    <a:p>
+                      <a:pPr latinLnBrk="1"/>
+                      <a:r>
+                        <a:rPr lang="ko-KR" altLang="en-US" sz="1000" dirty="0" smtClean="0"/>
+                        <a:t>알약</a:t>
+                      </a:r>
+                      <a:endParaRPr lang="ko-KR" altLang="en-US" sz="1000" dirty="0"/>
+                    </a:p>
+                  </a:txBody>
+                  <a:tcPr>
+                    <a:lnL w="12700" cap="flat" cmpd="sng" algn="ctr">
+                      <a:solidFill>
+                        <a:schemeClr val="tx1"/>
+                      </a:solidFill>
+                      <a:prstDash val="solid"/>
+                      <a:round/>
+                      <a:headEnd type="none" w="med" len="med"/>
+                      <a:tailEnd type="none" w="med" len="med"/>
+                    </a:lnL>
+                    <a:lnR w="12700" cap="flat" cmpd="sng" algn="ctr">
+                      <a:solidFill>
+                        <a:schemeClr val="tx1"/>
+                      </a:solidFill>
+                      <a:prstDash val="solid"/>
+                      <a:round/>
+                      <a:headEnd type="none" w="med" len="med"/>
+                      <a:tailEnd type="none" w="med" len="med"/>
+                    </a:lnR>
+                    <a:lnT w="12700" cap="flat" cmpd="sng" algn="ctr">
+                      <a:solidFill>
+                        <a:schemeClr val="tx1"/>
+                      </a:solidFill>
+                      <a:prstDash val="solid"/>
+                      <a:round/>
+                      <a:headEnd type="none" w="med" len="med"/>
+                      <a:tailEnd type="none" w="med" len="med"/>
+                    </a:lnT>
+                    <a:lnB w="12700" cap="flat" cmpd="sng" algn="ctr">
+                      <a:solidFill>
+                        <a:schemeClr val="tx1"/>
+                      </a:solidFill>
+                      <a:prstDash val="solid"/>
+                      <a:round/>
+                      <a:headEnd type="none" w="med" len="med"/>
+                      <a:tailEnd type="none" w="med" len="med"/>
+                    </a:lnB>
+                  </a:tcPr>
+                </a:tc>
+                <a:tc>
+                  <a:txBody>
+                    <a:bodyPr/>
+                    <a:lstStyle/>
+                    <a:p>
+                      <a:pPr latinLnBrk="1"/>
+                      <a:r>
+                        <a:rPr lang="ko-KR" altLang="en-US" sz="1000" dirty="0" err="1" smtClean="0"/>
+                        <a:t>체력한칸회복</a:t>
+                      </a:r>
+                      <a:endParaRPr lang="ko-KR" altLang="en-US" sz="1000" dirty="0"/>
+                    </a:p>
+                  </a:txBody>
+                  <a:tcPr>
+                    <a:lnL w="12700" cap="flat" cmpd="sng" algn="ctr">
+                      <a:solidFill>
+                        <a:schemeClr val="tx1"/>
+                      </a:solidFill>
+                      <a:prstDash val="solid"/>
+                      <a:round/>
+                      <a:headEnd type="none" w="med" len="med"/>
+                      <a:tailEnd type="none" w="med" len="med"/>
+                    </a:lnL>
+                    <a:lnR w="12700" cap="flat" cmpd="sng" algn="ctr">
+                      <a:solidFill>
+                        <a:schemeClr val="tx1"/>
+                      </a:solidFill>
+                      <a:prstDash val="solid"/>
+                      <a:round/>
+                      <a:headEnd type="none" w="med" len="med"/>
+                      <a:tailEnd type="none" w="med" len="med"/>
+                    </a:lnR>
+                  </a:tcPr>
+                </a:tc>
+                <a:tc>
+                  <a:txBody>
+                    <a:bodyPr/>
+                    <a:lstStyle/>
+                    <a:p>
+                      <a:pPr latinLnBrk="1"/>
+                      <a:endParaRPr lang="ko-KR" altLang="en-US" sz="1000" dirty="0"/>
+                    </a:p>
+                  </a:txBody>
+                  <a:tcPr>
+                    <a:lnL w="12700" cap="flat" cmpd="sng" algn="ctr">
+                      <a:solidFill>
+                        <a:schemeClr val="tx1"/>
+                      </a:solidFill>
+                      <a:prstDash val="solid"/>
+                      <a:round/>
+                      <a:headEnd type="none" w="med" len="med"/>
+                      <a:tailEnd type="none" w="med" len="med"/>
+                    </a:lnL>
+                  </a:tcPr>
+                </a:tc>
+              </a:tr>
+              <a:tr h="370840">
+                <a:tc>
+                  <a:txBody>
+                    <a:bodyPr/>
+                    <a:lstStyle/>
+                    <a:p>
+                      <a:pPr latinLnBrk="1"/>
+                      <a:endParaRPr lang="ko-KR" altLang="en-US" sz="1000" dirty="0"/>
+                    </a:p>
+                  </a:txBody>
+                  <a:tcPr>
+                    <a:lnL w="12700" cap="flat" cmpd="sng" algn="ctr">
+                      <a:solidFill>
+                        <a:schemeClr val="tx1"/>
+                      </a:solidFill>
+                      <a:prstDash val="solid"/>
+                      <a:round/>
+                      <a:headEnd type="none" w="med" len="med"/>
+                      <a:tailEnd type="none" w="med" len="med"/>
+                    </a:lnL>
+                    <a:lnR w="12700" cap="flat" cmpd="sng" algn="ctr">
+                      <a:solidFill>
+                        <a:schemeClr val="tx1"/>
+                      </a:solidFill>
+                      <a:prstDash val="solid"/>
+                      <a:round/>
+                      <a:headEnd type="none" w="med" len="med"/>
+                      <a:tailEnd type="none" w="med" len="med"/>
+                    </a:lnR>
+                    <a:lnT w="12700" cap="flat" cmpd="sng" algn="ctr">
+                      <a:solidFill>
+                        <a:schemeClr val="tx1"/>
+                      </a:solidFill>
+                      <a:prstDash val="solid"/>
+                      <a:round/>
+                      <a:headEnd type="none" w="med" len="med"/>
+                      <a:tailEnd type="none" w="med" len="med"/>
+                    </a:lnT>
+                    <a:lnB w="12700" cap="flat" cmpd="sng" algn="ctr">
+                      <a:solidFill>
+                        <a:schemeClr val="tx1"/>
+                      </a:solidFill>
+                      <a:prstDash val="solid"/>
+                      <a:round/>
+                      <a:headEnd type="none" w="med" len="med"/>
+                      <a:tailEnd type="none" w="med" len="med"/>
+                    </a:lnB>
+                  </a:tcPr>
+                </a:tc>
+                <a:tc>
+                  <a:txBody>
+                    <a:bodyPr/>
+                    <a:lstStyle/>
+                    <a:p>
+                      <a:pPr latinLnBrk="1"/>
+                      <a:r>
+                        <a:rPr lang="ko-KR" altLang="en-US" sz="1000" dirty="0" err="1" smtClean="0"/>
+                        <a:t>터렛</a:t>
+                      </a:r>
+                      <a:endParaRPr lang="ko-KR" altLang="en-US" sz="1000" dirty="0"/>
+                    </a:p>
+                  </a:txBody>
+                  <a:tcPr>
+                    <a:lnL w="12700" cap="flat" cmpd="sng" algn="ctr">
+                      <a:solidFill>
+                        <a:schemeClr val="tx1"/>
+                      </a:solidFill>
+                      <a:prstDash val="solid"/>
+                      <a:round/>
+                      <a:headEnd type="none" w="med" len="med"/>
+                      <a:tailEnd type="none" w="med" len="med"/>
+                    </a:lnL>
+                    <a:lnR w="12700" cap="flat" cmpd="sng" algn="ctr">
+                      <a:solidFill>
+                        <a:schemeClr val="tx1"/>
+                      </a:solidFill>
+                      <a:prstDash val="solid"/>
+                      <a:round/>
+                      <a:headEnd type="none" w="med" len="med"/>
+                      <a:tailEnd type="none" w="med" len="med"/>
+                    </a:lnR>
+                    <a:lnT w="12700" cap="flat" cmpd="sng" algn="ctr">
+                      <a:solidFill>
+                        <a:schemeClr val="tx1"/>
+                      </a:solidFill>
+                      <a:prstDash val="solid"/>
+                      <a:round/>
+                      <a:headEnd type="none" w="med" len="med"/>
+                      <a:tailEnd type="none" w="med" len="med"/>
+                    </a:lnT>
+                    <a:lnB w="12700" cap="flat" cmpd="sng" algn="ctr">
+                      <a:solidFill>
+                        <a:schemeClr val="tx1"/>
+                      </a:solidFill>
+                      <a:prstDash val="solid"/>
+                      <a:round/>
+                      <a:headEnd type="none" w="med" len="med"/>
+                      <a:tailEnd type="none" w="med" len="med"/>
+                    </a:lnB>
+                  </a:tcPr>
+                </a:tc>
+                <a:tc>
+                  <a:txBody>
+                    <a:bodyPr/>
+                    <a:lstStyle/>
+                    <a:p>
+                      <a:pPr latinLnBrk="1"/>
+                      <a:r>
+                        <a:rPr lang="ko-KR" altLang="en-US" sz="1000" dirty="0" err="1" smtClean="0"/>
+                        <a:t>일정시간동안</a:t>
+                      </a:r>
+                      <a:r>
+                        <a:rPr lang="ko-KR" altLang="en-US" sz="1000" dirty="0" smtClean="0"/>
+                        <a:t> </a:t>
+                      </a:r>
+                      <a:r>
+                        <a:rPr lang="ko-KR" altLang="en-US" sz="1000" dirty="0" err="1" smtClean="0"/>
+                        <a:t>터렛이</a:t>
+                      </a:r>
+                      <a:r>
+                        <a:rPr lang="ko-KR" altLang="en-US" sz="1000" dirty="0" smtClean="0"/>
+                        <a:t> 설치된 자리 주변에 있는 적을 공격함 시간 다 되면 알아서 깨짐</a:t>
+                      </a:r>
+                      <a:endParaRPr lang="ko-KR" altLang="en-US" sz="1000" dirty="0"/>
+                    </a:p>
+                  </a:txBody>
+                  <a:tcPr>
+                    <a:lnL w="12700" cap="flat" cmpd="sng" algn="ctr">
+                      <a:solidFill>
+                        <a:schemeClr val="tx1"/>
+                      </a:solidFill>
+                      <a:prstDash val="solid"/>
+                      <a:round/>
+                      <a:headEnd type="none" w="med" len="med"/>
+                      <a:tailEnd type="none" w="med" len="med"/>
+                    </a:lnL>
+                    <a:lnR w="12700" cap="flat" cmpd="sng" algn="ctr">
+                      <a:solidFill>
+                        <a:schemeClr val="tx1"/>
+                      </a:solidFill>
+                      <a:prstDash val="solid"/>
+                      <a:round/>
+                      <a:headEnd type="none" w="med" len="med"/>
+                      <a:tailEnd type="none" w="med" len="med"/>
+                    </a:lnR>
+                  </a:tcPr>
+                </a:tc>
+                <a:tc>
+                  <a:txBody>
+                    <a:bodyPr/>
+                    <a:lstStyle/>
+                    <a:p>
+                      <a:pPr latinLnBrk="1"/>
+                      <a:r>
+                        <a:rPr lang="en-US" altLang="ko-KR" sz="1000" dirty="0" smtClean="0"/>
+                        <a:t>??</a:t>
+                      </a:r>
+                      <a:endParaRPr lang="ko-KR" altLang="en-US" sz="1000" dirty="0"/>
+                    </a:p>
+                  </a:txBody>
+                  <a:tcPr>
+                    <a:lnL w="12700" cap="flat" cmpd="sng" algn="ctr">
+                      <a:solidFill>
+                        <a:schemeClr val="tx1"/>
+                      </a:solidFill>
+                      <a:prstDash val="solid"/>
+                      <a:round/>
+                      <a:headEnd type="none" w="med" len="med"/>
+                      <a:tailEnd type="none" w="med" len="med"/>
+                    </a:lnL>
+                  </a:tcPr>
+                </a:tc>
+              </a:tr>
+              <a:tr h="370840">
+                <a:tc>
+                  <a:txBody>
+                    <a:bodyPr/>
+                    <a:lstStyle/>
+                    <a:p>
+                      <a:pPr latinLnBrk="1"/>
+                      <a:endParaRPr lang="ko-KR" altLang="en-US" sz="1000" dirty="0"/>
+                    </a:p>
+                  </a:txBody>
+                  <a:tcPr>
+                    <a:lnL w="12700" cap="flat" cmpd="sng" algn="ctr">
+                      <a:solidFill>
+                        <a:schemeClr val="tx1"/>
+                      </a:solidFill>
+                      <a:prstDash val="solid"/>
+                      <a:round/>
+                      <a:headEnd type="none" w="med" len="med"/>
+                      <a:tailEnd type="none" w="med" len="med"/>
+                    </a:lnL>
+                    <a:lnR w="12700" cap="flat" cmpd="sng" algn="ctr">
+                      <a:solidFill>
+                        <a:schemeClr val="tx1"/>
+                      </a:solidFill>
+                      <a:prstDash val="solid"/>
+                      <a:round/>
+                      <a:headEnd type="none" w="med" len="med"/>
+                      <a:tailEnd type="none" w="med" len="med"/>
+                    </a:lnR>
+                    <a:lnT w="12700" cap="flat" cmpd="sng" algn="ctr">
+                      <a:solidFill>
+                        <a:schemeClr val="tx1"/>
+                      </a:solidFill>
+                      <a:prstDash val="solid"/>
+                      <a:round/>
+                      <a:headEnd type="none" w="med" len="med"/>
+                      <a:tailEnd type="none" w="med" len="med"/>
+                    </a:lnT>
+                    <a:lnB w="12700" cap="flat" cmpd="sng" algn="ctr">
+                      <a:solidFill>
+                        <a:schemeClr val="tx1"/>
+                      </a:solidFill>
+                      <a:prstDash val="solid"/>
+                      <a:round/>
+                      <a:headEnd type="none" w="med" len="med"/>
+                      <a:tailEnd type="none" w="med" len="med"/>
+                    </a:lnB>
+                  </a:tcPr>
+                </a:tc>
+                <a:tc>
+                  <a:txBody>
+                    <a:bodyPr/>
+                    <a:lstStyle/>
+                    <a:p>
+                      <a:pPr latinLnBrk="1"/>
+                      <a:r>
+                        <a:rPr lang="ko-KR" altLang="en-US" sz="1000" dirty="0" smtClean="0"/>
+                        <a:t>다이너마이트 폭탄</a:t>
+                      </a:r>
+                      <a:endParaRPr lang="ko-KR" altLang="en-US" sz="1000" dirty="0"/>
+                    </a:p>
+                  </a:txBody>
+                  <a:tcPr>
+                    <a:lnL w="12700" cap="flat" cmpd="sng" algn="ctr">
+                      <a:solidFill>
+                        <a:schemeClr val="tx1"/>
+                      </a:solidFill>
+                      <a:prstDash val="solid"/>
+                      <a:round/>
+                      <a:headEnd type="none" w="med" len="med"/>
+                      <a:tailEnd type="none" w="med" len="med"/>
+                    </a:lnL>
+                    <a:lnR w="12700" cap="flat" cmpd="sng" algn="ctr">
+                      <a:solidFill>
+                        <a:schemeClr val="tx1"/>
+                      </a:solidFill>
+                      <a:prstDash val="solid"/>
+                      <a:round/>
+                      <a:headEnd type="none" w="med" len="med"/>
+                      <a:tailEnd type="none" w="med" len="med"/>
+                    </a:lnR>
+                    <a:lnT w="12700" cap="flat" cmpd="sng" algn="ctr">
+                      <a:solidFill>
+                        <a:schemeClr val="tx1"/>
+                      </a:solidFill>
+                      <a:prstDash val="solid"/>
+                      <a:round/>
+                      <a:headEnd type="none" w="med" len="med"/>
+                      <a:tailEnd type="none" w="med" len="med"/>
+                    </a:lnT>
+                    <a:lnB w="12700" cap="flat" cmpd="sng" algn="ctr">
+                      <a:solidFill>
+                        <a:schemeClr val="tx1"/>
+                      </a:solidFill>
+                      <a:prstDash val="solid"/>
+                      <a:round/>
+                      <a:headEnd type="none" w="med" len="med"/>
+                      <a:tailEnd type="none" w="med" len="med"/>
+                    </a:lnB>
+                  </a:tcPr>
+                </a:tc>
+                <a:tc>
+                  <a:txBody>
+                    <a:bodyPr/>
+                    <a:lstStyle/>
+                    <a:p>
+                      <a:pPr latinLnBrk="1"/>
+                      <a:r>
+                        <a:rPr lang="ko-KR" altLang="en-US" sz="1000" dirty="0" smtClean="0"/>
+                        <a:t>강력한 </a:t>
+                      </a:r>
+                      <a:r>
+                        <a:rPr lang="ko-KR" altLang="en-US" sz="1000" dirty="0" err="1" smtClean="0"/>
+                        <a:t>데미지와</a:t>
+                      </a:r>
+                      <a:r>
+                        <a:rPr lang="ko-KR" altLang="en-US" sz="1000" dirty="0" smtClean="0"/>
+                        <a:t> 넓은 공격범위</a:t>
+                      </a:r>
+                      <a:r>
+                        <a:rPr lang="en-US" altLang="ko-KR" sz="1000" dirty="0" smtClean="0"/>
+                        <a:t>, </a:t>
+                      </a:r>
+                      <a:r>
+                        <a:rPr lang="ko-KR" altLang="en-US" sz="1000" dirty="0" smtClean="0"/>
+                        <a:t>설치된 자리 주변에 넓은 범위의 적들에게 상당한 </a:t>
+                      </a:r>
+                      <a:r>
+                        <a:rPr lang="ko-KR" altLang="en-US" sz="1000" dirty="0" err="1" smtClean="0"/>
+                        <a:t>데미지를</a:t>
+                      </a:r>
+                      <a:r>
+                        <a:rPr lang="ko-KR" altLang="en-US" sz="1000" dirty="0" smtClean="0"/>
+                        <a:t> 줌</a:t>
+                      </a:r>
+                      <a:r>
+                        <a:rPr lang="en-US" altLang="ko-KR" sz="1000" dirty="0" smtClean="0"/>
+                        <a:t>.</a:t>
+                      </a:r>
+                    </a:p>
+                  </a:txBody>
+                  <a:tcPr>
+                    <a:lnL w="12700" cap="flat" cmpd="sng" algn="ctr">
+                      <a:solidFill>
+                        <a:schemeClr val="tx1"/>
+                      </a:solidFill>
+                      <a:prstDash val="solid"/>
+                      <a:round/>
+                      <a:headEnd type="none" w="med" len="med"/>
+                      <a:tailEnd type="none" w="med" len="med"/>
+                    </a:lnL>
+                    <a:lnR w="12700" cap="flat" cmpd="sng" algn="ctr">
+                      <a:solidFill>
+                        <a:schemeClr val="tx1"/>
+                      </a:solidFill>
+                      <a:prstDash val="solid"/>
+                      <a:round/>
+                      <a:headEnd type="none" w="med" len="med"/>
+                      <a:tailEnd type="none" w="med" len="med"/>
+                    </a:lnR>
+                  </a:tcPr>
+                </a:tc>
+                <a:tc>
+                  <a:txBody>
+                    <a:bodyPr/>
+                    <a:lstStyle/>
+                    <a:p>
+                      <a:pPr latinLnBrk="1"/>
+                      <a:r>
+                        <a:rPr lang="ko-KR" altLang="en-US" sz="1000" dirty="0" smtClean="0"/>
+                        <a:t>일회성</a:t>
+                      </a:r>
+                      <a:endParaRPr lang="ko-KR" altLang="en-US" sz="1000" dirty="0"/>
+                    </a:p>
+                  </a:txBody>
+                  <a:tcPr>
+                    <a:lnL w="12700" cap="flat" cmpd="sng" algn="ctr">
+                      <a:solidFill>
+                        <a:schemeClr val="tx1"/>
+                      </a:solidFill>
+                      <a:prstDash val="solid"/>
+                      <a:round/>
+                      <a:headEnd type="none" w="med" len="med"/>
+                      <a:tailEnd type="none" w="med" len="med"/>
+                    </a:lnL>
+                  </a:tcPr>
+                </a:tc>
+              </a:tr>
+              <a:tr h="370840">
+                <a:tc>
+                  <a:txBody>
+                    <a:bodyPr/>
+                    <a:lstStyle/>
+                    <a:p>
+                      <a:pPr latinLnBrk="1"/>
+                      <a:endParaRPr lang="ko-KR" altLang="en-US" sz="1000" dirty="0"/>
+                    </a:p>
+                  </a:txBody>
+                  <a:tcPr>
+                    <a:lnL w="12700" cap="flat" cmpd="sng" algn="ctr">
+                      <a:solidFill>
+                        <a:schemeClr val="tx1"/>
+                      </a:solidFill>
+                      <a:prstDash val="solid"/>
+                      <a:round/>
+                      <a:headEnd type="none" w="med" len="med"/>
+                      <a:tailEnd type="none" w="med" len="med"/>
+                    </a:lnL>
+                    <a:lnR w="12700" cap="flat" cmpd="sng" algn="ctr">
+                      <a:solidFill>
+                        <a:schemeClr val="tx1"/>
+                      </a:solidFill>
+                      <a:prstDash val="solid"/>
+                      <a:round/>
+                      <a:headEnd type="none" w="med" len="med"/>
+                      <a:tailEnd type="none" w="med" len="med"/>
+                    </a:lnR>
+                    <a:lnT w="12700" cap="flat" cmpd="sng" algn="ctr">
+                      <a:solidFill>
+                        <a:schemeClr val="tx1"/>
+                      </a:solidFill>
+                      <a:prstDash val="solid"/>
+                      <a:round/>
+                      <a:headEnd type="none" w="med" len="med"/>
+                      <a:tailEnd type="none" w="med" len="med"/>
+                    </a:lnT>
+                    <a:lnB w="12700" cap="flat" cmpd="sng" algn="ctr">
+                      <a:solidFill>
+                        <a:schemeClr val="tx1"/>
+                      </a:solidFill>
+                      <a:prstDash val="solid"/>
+                      <a:round/>
+                      <a:headEnd type="none" w="med" len="med"/>
+                      <a:tailEnd type="none" w="med" len="med"/>
+                    </a:lnB>
+                  </a:tcPr>
+                </a:tc>
+                <a:tc>
+                  <a:txBody>
+                    <a:bodyPr/>
+                    <a:lstStyle/>
+                    <a:p>
+                      <a:pPr latinLnBrk="1"/>
+                      <a:r>
+                        <a:rPr lang="ko-KR" altLang="en-US" sz="1000" dirty="0" smtClean="0"/>
+                        <a:t>방탄테이프</a:t>
+                      </a:r>
+                      <a:endParaRPr lang="ko-KR" altLang="en-US" sz="1000" dirty="0"/>
+                    </a:p>
+                  </a:txBody>
+                  <a:tcPr>
+                    <a:lnL w="12700" cap="flat" cmpd="sng" algn="ctr">
+                      <a:solidFill>
+                        <a:schemeClr val="tx1"/>
+                      </a:solidFill>
+                      <a:prstDash val="solid"/>
+                      <a:round/>
+                      <a:headEnd type="none" w="med" len="med"/>
+                      <a:tailEnd type="none" w="med" len="med"/>
+                    </a:lnL>
+                    <a:lnR w="12700" cap="flat" cmpd="sng" algn="ctr">
+                      <a:solidFill>
+                        <a:schemeClr val="tx1"/>
+                      </a:solidFill>
+                      <a:prstDash val="solid"/>
+                      <a:round/>
+                      <a:headEnd type="none" w="med" len="med"/>
+                      <a:tailEnd type="none" w="med" len="med"/>
+                    </a:lnR>
+                    <a:lnT w="12700" cap="flat" cmpd="sng" algn="ctr">
+                      <a:solidFill>
+                        <a:schemeClr val="tx1"/>
+                      </a:solidFill>
+                      <a:prstDash val="solid"/>
+                      <a:round/>
+                      <a:headEnd type="none" w="med" len="med"/>
+                      <a:tailEnd type="none" w="med" len="med"/>
+                    </a:lnT>
+                    <a:lnB w="12700" cap="flat" cmpd="sng" algn="ctr">
+                      <a:solidFill>
+                        <a:schemeClr val="tx1"/>
+                      </a:solidFill>
+                      <a:prstDash val="solid"/>
+                      <a:round/>
+                      <a:headEnd type="none" w="med" len="med"/>
+                      <a:tailEnd type="none" w="med" len="med"/>
+                    </a:lnB>
+                  </a:tcPr>
+                </a:tc>
+                <a:tc>
+                  <a:txBody>
+                    <a:bodyPr/>
+                    <a:lstStyle/>
+                    <a:p>
+                      <a:pPr latinLnBrk="1"/>
+                      <a:r>
+                        <a:rPr lang="ko-KR" altLang="en-US" sz="1000" dirty="0" err="1" smtClean="0"/>
+                        <a:t>특수테입으로</a:t>
+                      </a:r>
+                      <a:r>
+                        <a:rPr lang="ko-KR" altLang="en-US" sz="1000" dirty="0" smtClean="0"/>
+                        <a:t> </a:t>
+                      </a:r>
+                      <a:r>
+                        <a:rPr lang="ko-KR" altLang="en-US" sz="1000" dirty="0" err="1" smtClean="0"/>
+                        <a:t>아머를</a:t>
+                      </a:r>
+                      <a:r>
+                        <a:rPr lang="ko-KR" altLang="en-US" sz="1000" dirty="0" smtClean="0"/>
+                        <a:t> 한 칸</a:t>
+                      </a:r>
+                      <a:r>
+                        <a:rPr lang="ko-KR" altLang="en-US" sz="1000" baseline="0" dirty="0" smtClean="0"/>
+                        <a:t> 치료 해줌</a:t>
+                      </a:r>
+                      <a:r>
+                        <a:rPr lang="en-US" altLang="ko-KR" sz="1000" baseline="0" dirty="0" smtClean="0"/>
+                        <a:t>. </a:t>
+                      </a:r>
+                      <a:r>
+                        <a:rPr lang="ko-KR" altLang="en-US" sz="1000" baseline="0" dirty="0" smtClean="0"/>
+                        <a:t>레벨 </a:t>
+                      </a:r>
+                      <a:r>
+                        <a:rPr lang="en-US" altLang="ko-KR" sz="1000" baseline="0" dirty="0" smtClean="0"/>
+                        <a:t>2 </a:t>
+                      </a:r>
+                      <a:r>
+                        <a:rPr lang="ko-KR" altLang="en-US" sz="1000" baseline="0" dirty="0" smtClean="0"/>
+                        <a:t>방탄부터 수리가능</a:t>
+                      </a:r>
+                      <a:endParaRPr lang="en-US" altLang="ko-KR" sz="1000" dirty="0" smtClean="0"/>
+                    </a:p>
+                  </a:txBody>
+                  <a:tcPr>
+                    <a:lnL w="12700" cap="flat" cmpd="sng" algn="ctr">
+                      <a:solidFill>
+                        <a:schemeClr val="tx1"/>
+                      </a:solidFill>
+                      <a:prstDash val="solid"/>
+                      <a:round/>
+                      <a:headEnd type="none" w="med" len="med"/>
+                      <a:tailEnd type="none" w="med" len="med"/>
+                    </a:lnL>
+                    <a:lnR w="12700" cap="flat" cmpd="sng" algn="ctr">
+                      <a:solidFill>
+                        <a:schemeClr val="tx1"/>
+                      </a:solidFill>
+                      <a:prstDash val="solid"/>
+                      <a:round/>
+                      <a:headEnd type="none" w="med" len="med"/>
+                      <a:tailEnd type="none" w="med" len="med"/>
+                    </a:lnR>
+                  </a:tcPr>
+                </a:tc>
+                <a:tc>
+                  <a:txBody>
+                    <a:bodyPr/>
+                    <a:lstStyle/>
+                    <a:p>
+                      <a:pPr latinLnBrk="1"/>
+                      <a:endParaRPr lang="ko-KR" altLang="en-US" sz="1000" dirty="0"/>
+                    </a:p>
+                  </a:txBody>
+                  <a:tcPr>
+                    <a:lnL w="12700" cap="flat" cmpd="sng" algn="ctr">
+                      <a:solidFill>
+                        <a:schemeClr val="tx1"/>
+                      </a:solidFill>
+                      <a:prstDash val="solid"/>
+                      <a:round/>
+                      <a:headEnd type="none" w="med" len="med"/>
+                      <a:tailEnd type="none" w="med" len="med"/>
+                    </a:lnL>
+                  </a:tcPr>
+                </a:tc>
+              </a:tr>
+            </a:tbl>
+          </a:graphicData>
+        </a:graphic>
+      </p:graphicFrame>
     </p:spTree>
     <p:extLst>
       <p:ext uri="{BB962C8B-B14F-4D97-AF65-F5344CB8AC3E}">
-        <p14:creationId xmlns:p14="http://schemas.microsoft.com/office/powerpoint/2010/main" val="26445271"/>
+        <p14:creationId xmlns:p14="http://schemas.microsoft.com/office/powerpoint/2010/main" val="3468807832"/>
       </p:ext>
     </p:extLst>
   </p:cSld>
@@ -4666,145 +6756,659 @@
           <a:p>
             <a:r>
               <a:rPr lang="ko-KR" altLang="en-US" dirty="0" err="1" smtClean="0"/>
-              <a:t>몬스터</a:t>
+              <a:t>아</a:t>
+            </a:r>
+            <a:r>
+              <a:rPr lang="ko-KR" altLang="en-US" dirty="0" err="1" smtClean="0"/>
+              <a:t>이</a:t>
+            </a:r>
+            <a:r>
+              <a:rPr lang="ko-KR" altLang="en-US" dirty="0" err="1" smtClean="0"/>
+              <a:t>템표</a:t>
             </a:r>
             <a:endParaRPr lang="ko-KR" altLang="en-US" dirty="0"/>
           </a:p>
         </p:txBody>
       </p:sp>
-      <p:sp>
-        <p:nvSpPr>
-          <p:cNvPr id="3" name="내용 개체 틀 2"/>
-          <p:cNvSpPr>
-            <a:spLocks noGrp="1"/>
-          </p:cNvSpPr>
-          <p:nvPr>
-            <p:ph idx="1"/>
-          </p:nvPr>
-        </p:nvSpPr>
-        <p:spPr/>
-        <p:txBody>
-          <a:bodyPr>
-            <a:normAutofit/>
-          </a:bodyPr>
-          <a:lstStyle/>
-          <a:p>
-            <a:r>
-              <a:rPr lang="ko-KR" altLang="en-US" b="1" dirty="0" smtClean="0"/>
-              <a:t>도둑스테이지</a:t>
-            </a:r>
-            <a:endParaRPr lang="en-US" altLang="ko-KR" b="1" dirty="0" smtClean="0"/>
-          </a:p>
-          <a:p>
-            <a:r>
-              <a:rPr lang="ko-KR" altLang="en-US" b="1" dirty="0" smtClean="0"/>
-              <a:t>투명</a:t>
-            </a:r>
-            <a:r>
-              <a:rPr lang="en-US" altLang="ko-KR" b="1" dirty="0" smtClean="0"/>
-              <a:t>,</a:t>
-            </a:r>
-            <a:r>
-              <a:rPr lang="ko-KR" altLang="en-US" b="1" dirty="0" smtClean="0"/>
-              <a:t>순간이동</a:t>
-            </a:r>
-            <a:r>
-              <a:rPr lang="en-US" altLang="ko-KR" b="1" dirty="0" smtClean="0"/>
-              <a:t>, </a:t>
-            </a:r>
-            <a:r>
-              <a:rPr lang="ko-KR" altLang="en-US" b="1" dirty="0" smtClean="0"/>
-              <a:t>맞으면 아이템  훔침</a:t>
-            </a:r>
-            <a:endParaRPr lang="en-US" altLang="ko-KR" b="1" dirty="0" smtClean="0"/>
-          </a:p>
-          <a:p>
-            <a:endParaRPr lang="en-US" altLang="ko-KR" b="1" dirty="0"/>
-          </a:p>
-          <a:p>
-            <a:r>
-              <a:rPr lang="ko-KR" altLang="en-US" b="1" dirty="0" smtClean="0"/>
-              <a:t>과학자 스테이지</a:t>
-            </a:r>
-            <a:endParaRPr lang="en-US" altLang="ko-KR" b="1" dirty="0" smtClean="0"/>
-          </a:p>
-          <a:p>
-            <a:r>
-              <a:rPr lang="ko-KR" altLang="en-US" b="1" dirty="0" err="1" smtClean="0"/>
-              <a:t>포탑형</a:t>
-            </a:r>
-            <a:r>
-              <a:rPr lang="en-US" altLang="ko-KR" b="1" dirty="0" smtClean="0"/>
-              <a:t>(</a:t>
-            </a:r>
-            <a:r>
-              <a:rPr lang="ko-KR" altLang="en-US" b="1" dirty="0" err="1" smtClean="0"/>
-              <a:t>토르비온</a:t>
-            </a:r>
-            <a:r>
-              <a:rPr lang="en-US" altLang="ko-KR" b="1" dirty="0" smtClean="0"/>
-              <a:t>),</a:t>
-            </a:r>
-            <a:r>
-              <a:rPr lang="ko-KR" altLang="en-US" b="1" dirty="0" smtClean="0"/>
-              <a:t>유전자조작</a:t>
-            </a:r>
-            <a:r>
-              <a:rPr lang="en-US" altLang="ko-KR" b="1" dirty="0" smtClean="0"/>
-              <a:t>(</a:t>
-            </a:r>
-            <a:r>
-              <a:rPr lang="ko-KR" altLang="en-US" b="1" dirty="0" err="1" smtClean="0"/>
-              <a:t>헐크</a:t>
-            </a:r>
-            <a:r>
-              <a:rPr lang="en-US" altLang="ko-KR" b="1" dirty="0" smtClean="0"/>
-              <a:t>,</a:t>
-            </a:r>
-            <a:r>
-              <a:rPr lang="ko-KR" altLang="en-US" b="1" dirty="0" err="1" smtClean="0"/>
-              <a:t>변신할동안</a:t>
-            </a:r>
-            <a:r>
-              <a:rPr lang="ko-KR" altLang="en-US" b="1" dirty="0" smtClean="0"/>
-              <a:t> </a:t>
-            </a:r>
-            <a:r>
-              <a:rPr lang="ko-KR" altLang="en-US" b="1" dirty="0" err="1" smtClean="0"/>
-              <a:t>못잡으면</a:t>
-            </a:r>
-            <a:r>
-              <a:rPr lang="ko-KR" altLang="en-US" b="1" dirty="0" smtClean="0"/>
-              <a:t> 변신함</a:t>
-            </a:r>
-            <a:r>
-              <a:rPr lang="en-US" altLang="ko-KR" b="1" dirty="0" smtClean="0"/>
-              <a:t>),</a:t>
-            </a:r>
-            <a:r>
-              <a:rPr lang="ko-KR" altLang="en-US" b="1" dirty="0" smtClean="0"/>
-              <a:t>화학무기</a:t>
-            </a:r>
-            <a:r>
-              <a:rPr lang="en-US" altLang="ko-KR" b="1" dirty="0" smtClean="0"/>
-              <a:t>(</a:t>
-            </a:r>
-            <a:r>
-              <a:rPr lang="ko-KR" altLang="en-US" b="1" dirty="0" err="1" smtClean="0"/>
-              <a:t>가스류</a:t>
-            </a:r>
-            <a:r>
-              <a:rPr lang="en-US" altLang="ko-KR" b="1" dirty="0" smtClean="0"/>
-              <a:t>)</a:t>
-            </a:r>
-            <a:endParaRPr lang="ko-KR" altLang="en-US" b="1" dirty="0"/>
-          </a:p>
-        </p:txBody>
-      </p:sp>
+      <p:graphicFrame>
+        <p:nvGraphicFramePr>
+          <p:cNvPr id="3" name="표 2"/>
+          <p:cNvGraphicFramePr>
+            <a:graphicFrameLocks noGrp="1"/>
+          </p:cNvGraphicFramePr>
+          <p:nvPr>
+            <p:extLst>
+              <p:ext uri="{D42A27DB-BD31-4B8C-83A1-F6EECF244321}">
+                <p14:modId xmlns:p14="http://schemas.microsoft.com/office/powerpoint/2010/main" val="3506624783"/>
+              </p:ext>
+            </p:extLst>
+          </p:nvPr>
+        </p:nvGraphicFramePr>
+        <p:xfrm>
+          <a:off x="1331640" y="1556792"/>
+          <a:ext cx="6648400" cy="2016760"/>
+        </p:xfrm>
+        <a:graphic>
+          <a:graphicData uri="http://schemas.openxmlformats.org/drawingml/2006/table">
+            <a:tbl>
+              <a:tblPr firstRow="1" bandRow="1">
+                <a:tableStyleId>{7E9639D4-E3E2-4D34-9284-5A2195B3D0D7}</a:tableStyleId>
+              </a:tblPr>
+              <a:tblGrid>
+                <a:gridCol w="1662100"/>
+                <a:gridCol w="1662100"/>
+                <a:gridCol w="1662100"/>
+                <a:gridCol w="1662100"/>
+              </a:tblGrid>
+              <a:tr h="370840">
+                <a:tc>
+                  <a:txBody>
+                    <a:bodyPr/>
+                    <a:lstStyle/>
+                    <a:p>
+                      <a:pPr latinLnBrk="1"/>
+                      <a:r>
+                        <a:rPr lang="ko-KR" altLang="en-US" sz="1000" dirty="0" smtClean="0"/>
+                        <a:t>아이콘</a:t>
+                      </a:r>
+                      <a:endParaRPr lang="ko-KR" altLang="en-US" sz="1000" dirty="0"/>
+                    </a:p>
+                  </a:txBody>
+                  <a:tcPr>
+                    <a:lnB w="12700" cap="flat" cmpd="sng" algn="ctr">
+                      <a:solidFill>
+                        <a:schemeClr val="tx1"/>
+                      </a:solidFill>
+                      <a:prstDash val="solid"/>
+                      <a:round/>
+                      <a:headEnd type="none" w="med" len="med"/>
+                      <a:tailEnd type="none" w="med" len="med"/>
+                    </a:lnB>
+                  </a:tcPr>
+                </a:tc>
+                <a:tc>
+                  <a:txBody>
+                    <a:bodyPr/>
+                    <a:lstStyle/>
+                    <a:p>
+                      <a:pPr latinLnBrk="1"/>
+                      <a:r>
+                        <a:rPr lang="ko-KR" altLang="en-US" sz="1000" dirty="0" smtClean="0"/>
+                        <a:t>이름</a:t>
+                      </a:r>
+                      <a:endParaRPr lang="ko-KR" altLang="en-US" sz="1000" dirty="0"/>
+                    </a:p>
+                  </a:txBody>
+                  <a:tcPr>
+                    <a:lnB w="12700" cap="flat" cmpd="sng" algn="ctr">
+                      <a:solidFill>
+                        <a:schemeClr val="tx1"/>
+                      </a:solidFill>
+                      <a:prstDash val="solid"/>
+                      <a:round/>
+                      <a:headEnd type="none" w="med" len="med"/>
+                      <a:tailEnd type="none" w="med" len="med"/>
+                    </a:lnB>
+                  </a:tcPr>
+                </a:tc>
+                <a:tc>
+                  <a:txBody>
+                    <a:bodyPr/>
+                    <a:lstStyle/>
+                    <a:p>
+                      <a:pPr latinLnBrk="1"/>
+                      <a:r>
+                        <a:rPr lang="ko-KR" altLang="en-US" sz="1000" dirty="0" smtClean="0"/>
+                        <a:t>설명</a:t>
+                      </a:r>
+                      <a:endParaRPr lang="ko-KR" altLang="en-US" sz="1000" dirty="0"/>
+                    </a:p>
+                  </a:txBody>
+                  <a:tcPr/>
+                </a:tc>
+                <a:tc>
+                  <a:txBody>
+                    <a:bodyPr/>
+                    <a:lstStyle/>
+                    <a:p>
+                      <a:pPr latinLnBrk="1"/>
+                      <a:r>
+                        <a:rPr lang="ko-KR" altLang="en-US" sz="1000" dirty="0" smtClean="0"/>
+                        <a:t>지속시간 </a:t>
+                      </a:r>
+                      <a:endParaRPr lang="ko-KR" altLang="en-US" sz="1000" dirty="0"/>
+                    </a:p>
+                  </a:txBody>
+                  <a:tcPr/>
+                </a:tc>
+              </a:tr>
+              <a:tr h="370840">
+                <a:tc>
+                  <a:txBody>
+                    <a:bodyPr/>
+                    <a:lstStyle/>
+                    <a:p>
+                      <a:pPr latinLnBrk="1"/>
+                      <a:endParaRPr lang="ko-KR" altLang="en-US" sz="1000" dirty="0"/>
+                    </a:p>
+                  </a:txBody>
+                  <a:tcPr>
+                    <a:lnL w="12700" cap="flat" cmpd="sng" algn="ctr">
+                      <a:solidFill>
+                        <a:schemeClr val="tx1"/>
+                      </a:solidFill>
+                      <a:prstDash val="solid"/>
+                      <a:round/>
+                      <a:headEnd type="none" w="med" len="med"/>
+                      <a:tailEnd type="none" w="med" len="med"/>
+                    </a:lnL>
+                    <a:lnR w="12700" cap="flat" cmpd="sng" algn="ctr">
+                      <a:solidFill>
+                        <a:schemeClr val="tx1"/>
+                      </a:solidFill>
+                      <a:prstDash val="solid"/>
+                      <a:round/>
+                      <a:headEnd type="none" w="med" len="med"/>
+                      <a:tailEnd type="none" w="med" len="med"/>
+                    </a:lnR>
+                    <a:lnT w="12700" cap="flat" cmpd="sng" algn="ctr">
+                      <a:solidFill>
+                        <a:schemeClr val="tx1"/>
+                      </a:solidFill>
+                      <a:prstDash val="solid"/>
+                      <a:round/>
+                      <a:headEnd type="none" w="med" len="med"/>
+                      <a:tailEnd type="none" w="med" len="med"/>
+                    </a:lnT>
+                    <a:lnB w="12700" cap="flat" cmpd="sng" algn="ctr">
+                      <a:solidFill>
+                        <a:schemeClr val="tx1"/>
+                      </a:solidFill>
+                      <a:prstDash val="solid"/>
+                      <a:round/>
+                      <a:headEnd type="none" w="med" len="med"/>
+                      <a:tailEnd type="none" w="med" len="med"/>
+                    </a:lnB>
+                  </a:tcPr>
+                </a:tc>
+                <a:tc>
+                  <a:txBody>
+                    <a:bodyPr/>
+                    <a:lstStyle/>
+                    <a:p>
+                      <a:pPr latinLnBrk="1"/>
+                      <a:r>
+                        <a:rPr lang="ko-KR" altLang="en-US" sz="1000" dirty="0" smtClean="0"/>
+                        <a:t>투명망토</a:t>
+                      </a:r>
+                      <a:endParaRPr lang="ko-KR" altLang="en-US" sz="1000" dirty="0"/>
+                    </a:p>
+                  </a:txBody>
+                  <a:tcPr>
+                    <a:lnL w="12700" cap="flat" cmpd="sng" algn="ctr">
+                      <a:solidFill>
+                        <a:schemeClr val="tx1"/>
+                      </a:solidFill>
+                      <a:prstDash val="solid"/>
+                      <a:round/>
+                      <a:headEnd type="none" w="med" len="med"/>
+                      <a:tailEnd type="none" w="med" len="med"/>
+                    </a:lnL>
+                    <a:lnR w="12700" cap="flat" cmpd="sng" algn="ctr">
+                      <a:solidFill>
+                        <a:schemeClr val="tx1"/>
+                      </a:solidFill>
+                      <a:prstDash val="solid"/>
+                      <a:round/>
+                      <a:headEnd type="none" w="med" len="med"/>
+                      <a:tailEnd type="none" w="med" len="med"/>
+                    </a:lnR>
+                    <a:lnT w="12700" cap="flat" cmpd="sng" algn="ctr">
+                      <a:solidFill>
+                        <a:schemeClr val="tx1"/>
+                      </a:solidFill>
+                      <a:prstDash val="solid"/>
+                      <a:round/>
+                      <a:headEnd type="none" w="med" len="med"/>
+                      <a:tailEnd type="none" w="med" len="med"/>
+                    </a:lnT>
+                    <a:lnB w="12700" cap="flat" cmpd="sng" algn="ctr">
+                      <a:solidFill>
+                        <a:schemeClr val="tx1"/>
+                      </a:solidFill>
+                      <a:prstDash val="solid"/>
+                      <a:round/>
+                      <a:headEnd type="none" w="med" len="med"/>
+                      <a:tailEnd type="none" w="med" len="med"/>
+                    </a:lnB>
+                  </a:tcPr>
+                </a:tc>
+                <a:tc>
+                  <a:txBody>
+                    <a:bodyPr/>
+                    <a:lstStyle/>
+                    <a:p>
+                      <a:pPr latinLnBrk="1"/>
+                      <a:r>
+                        <a:rPr lang="ko-KR" altLang="en-US" sz="1000" dirty="0" err="1" smtClean="0"/>
+                        <a:t>일정시간동안</a:t>
+                      </a:r>
+                      <a:r>
+                        <a:rPr lang="ko-KR" altLang="en-US" sz="1000" dirty="0" smtClean="0"/>
+                        <a:t> 적에게 보이지 않으며 투명상태로  공격하거나</a:t>
+                      </a:r>
+                      <a:r>
+                        <a:rPr lang="ko-KR" altLang="en-US" sz="1000" baseline="0" dirty="0" smtClean="0"/>
+                        <a:t> 아이템을 몰래 먹을 수 있음</a:t>
+                      </a:r>
+                      <a:endParaRPr lang="ko-KR" altLang="en-US" sz="1000" dirty="0"/>
+                    </a:p>
+                  </a:txBody>
+                  <a:tcPr>
+                    <a:lnL w="12700" cap="flat" cmpd="sng" algn="ctr">
+                      <a:solidFill>
+                        <a:schemeClr val="tx1"/>
+                      </a:solidFill>
+                      <a:prstDash val="solid"/>
+                      <a:round/>
+                      <a:headEnd type="none" w="med" len="med"/>
+                      <a:tailEnd type="none" w="med" len="med"/>
+                    </a:lnL>
+                    <a:lnR w="12700" cap="flat" cmpd="sng" algn="ctr">
+                      <a:solidFill>
+                        <a:schemeClr val="tx1"/>
+                      </a:solidFill>
+                      <a:prstDash val="solid"/>
+                      <a:round/>
+                      <a:headEnd type="none" w="med" len="med"/>
+                      <a:tailEnd type="none" w="med" len="med"/>
+                    </a:lnR>
+                  </a:tcPr>
+                </a:tc>
+                <a:tc>
+                  <a:txBody>
+                    <a:bodyPr/>
+                    <a:lstStyle/>
+                    <a:p>
+                      <a:pPr latinLnBrk="1"/>
+                      <a:endParaRPr lang="ko-KR" altLang="en-US" sz="1000" dirty="0"/>
+                    </a:p>
+                  </a:txBody>
+                  <a:tcPr>
+                    <a:lnL w="12700" cap="flat" cmpd="sng" algn="ctr">
+                      <a:solidFill>
+                        <a:schemeClr val="tx1"/>
+                      </a:solidFill>
+                      <a:prstDash val="solid"/>
+                      <a:round/>
+                      <a:headEnd type="none" w="med" len="med"/>
+                      <a:tailEnd type="none" w="med" len="med"/>
+                    </a:lnL>
+                  </a:tcPr>
+                </a:tc>
+              </a:tr>
+              <a:tr h="370840">
+                <a:tc>
+                  <a:txBody>
+                    <a:bodyPr/>
+                    <a:lstStyle/>
+                    <a:p>
+                      <a:pPr latinLnBrk="1"/>
+                      <a:endParaRPr lang="ko-KR" altLang="en-US" sz="1000" dirty="0"/>
+                    </a:p>
+                  </a:txBody>
+                  <a:tcPr>
+                    <a:lnL w="12700" cap="flat" cmpd="sng" algn="ctr">
+                      <a:solidFill>
+                        <a:schemeClr val="tx1"/>
+                      </a:solidFill>
+                      <a:prstDash val="solid"/>
+                      <a:round/>
+                      <a:headEnd type="none" w="med" len="med"/>
+                      <a:tailEnd type="none" w="med" len="med"/>
+                    </a:lnL>
+                    <a:lnR w="12700" cap="flat" cmpd="sng" algn="ctr">
+                      <a:solidFill>
+                        <a:schemeClr val="tx1"/>
+                      </a:solidFill>
+                      <a:prstDash val="solid"/>
+                      <a:round/>
+                      <a:headEnd type="none" w="med" len="med"/>
+                      <a:tailEnd type="none" w="med" len="med"/>
+                    </a:lnR>
+                    <a:lnT w="12700" cap="flat" cmpd="sng" algn="ctr">
+                      <a:solidFill>
+                        <a:schemeClr val="tx1"/>
+                      </a:solidFill>
+                      <a:prstDash val="solid"/>
+                      <a:round/>
+                      <a:headEnd type="none" w="med" len="med"/>
+                      <a:tailEnd type="none" w="med" len="med"/>
+                    </a:lnT>
+                    <a:lnB w="12700" cap="flat" cmpd="sng" algn="ctr">
+                      <a:solidFill>
+                        <a:schemeClr val="tx1"/>
+                      </a:solidFill>
+                      <a:prstDash val="solid"/>
+                      <a:round/>
+                      <a:headEnd type="none" w="med" len="med"/>
+                      <a:tailEnd type="none" w="med" len="med"/>
+                    </a:lnB>
+                  </a:tcPr>
+                </a:tc>
+                <a:tc>
+                  <a:txBody>
+                    <a:bodyPr/>
+                    <a:lstStyle/>
+                    <a:p>
+                      <a:pPr latinLnBrk="1"/>
+                      <a:r>
+                        <a:rPr lang="ko-KR" altLang="en-US" sz="1000" dirty="0" smtClean="0"/>
+                        <a:t>탄약박스</a:t>
+                      </a:r>
+                      <a:endParaRPr lang="ko-KR" altLang="en-US" sz="1000" dirty="0"/>
+                    </a:p>
+                  </a:txBody>
+                  <a:tcPr>
+                    <a:lnL w="12700" cap="flat" cmpd="sng" algn="ctr">
+                      <a:solidFill>
+                        <a:schemeClr val="tx1"/>
+                      </a:solidFill>
+                      <a:prstDash val="solid"/>
+                      <a:round/>
+                      <a:headEnd type="none" w="med" len="med"/>
+                      <a:tailEnd type="none" w="med" len="med"/>
+                    </a:lnL>
+                    <a:lnR w="12700" cap="flat" cmpd="sng" algn="ctr">
+                      <a:solidFill>
+                        <a:schemeClr val="tx1"/>
+                      </a:solidFill>
+                      <a:prstDash val="solid"/>
+                      <a:round/>
+                      <a:headEnd type="none" w="med" len="med"/>
+                      <a:tailEnd type="none" w="med" len="med"/>
+                    </a:lnR>
+                    <a:lnT w="12700" cap="flat" cmpd="sng" algn="ctr">
+                      <a:solidFill>
+                        <a:schemeClr val="tx1"/>
+                      </a:solidFill>
+                      <a:prstDash val="solid"/>
+                      <a:round/>
+                      <a:headEnd type="none" w="med" len="med"/>
+                      <a:tailEnd type="none" w="med" len="med"/>
+                    </a:lnT>
+                    <a:lnB w="12700" cap="flat" cmpd="sng" algn="ctr">
+                      <a:solidFill>
+                        <a:schemeClr val="tx1"/>
+                      </a:solidFill>
+                      <a:prstDash val="solid"/>
+                      <a:round/>
+                      <a:headEnd type="none" w="med" len="med"/>
+                      <a:tailEnd type="none" w="med" len="med"/>
+                    </a:lnB>
+                  </a:tcPr>
+                </a:tc>
+                <a:tc>
+                  <a:txBody>
+                    <a:bodyPr/>
+                    <a:lstStyle/>
+                    <a:p>
+                      <a:pPr latinLnBrk="1"/>
+                      <a:r>
+                        <a:rPr lang="ko-KR" altLang="en-US" sz="1000" dirty="0" smtClean="0"/>
+                        <a:t>현재 소지한 무기의 탄약 다 채워줌</a:t>
+                      </a:r>
+                      <a:endParaRPr lang="ko-KR" altLang="en-US" sz="1000" dirty="0"/>
+                    </a:p>
+                  </a:txBody>
+                  <a:tcPr>
+                    <a:lnL w="12700" cap="flat" cmpd="sng" algn="ctr">
+                      <a:solidFill>
+                        <a:schemeClr val="tx1"/>
+                      </a:solidFill>
+                      <a:prstDash val="solid"/>
+                      <a:round/>
+                      <a:headEnd type="none" w="med" len="med"/>
+                      <a:tailEnd type="none" w="med" len="med"/>
+                    </a:lnL>
+                    <a:lnR w="12700" cap="flat" cmpd="sng" algn="ctr">
+                      <a:solidFill>
+                        <a:schemeClr val="tx1"/>
+                      </a:solidFill>
+                      <a:prstDash val="solid"/>
+                      <a:round/>
+                      <a:headEnd type="none" w="med" len="med"/>
+                      <a:tailEnd type="none" w="med" len="med"/>
+                    </a:lnR>
+                  </a:tcPr>
+                </a:tc>
+                <a:tc>
+                  <a:txBody>
+                    <a:bodyPr/>
+                    <a:lstStyle/>
+                    <a:p>
+                      <a:pPr latinLnBrk="1"/>
+                      <a:r>
+                        <a:rPr lang="ko-KR" altLang="en-US" sz="1000" dirty="0" smtClean="0"/>
+                        <a:t>일회성</a:t>
+                      </a:r>
+                      <a:endParaRPr lang="ko-KR" altLang="en-US" sz="1000" dirty="0"/>
+                    </a:p>
+                  </a:txBody>
+                  <a:tcPr>
+                    <a:lnL w="12700" cap="flat" cmpd="sng" algn="ctr">
+                      <a:solidFill>
+                        <a:schemeClr val="tx1"/>
+                      </a:solidFill>
+                      <a:prstDash val="solid"/>
+                      <a:round/>
+                      <a:headEnd type="none" w="med" len="med"/>
+                      <a:tailEnd type="none" w="med" len="med"/>
+                    </a:lnL>
+                  </a:tcPr>
+                </a:tc>
+              </a:tr>
+              <a:tr h="370840">
+                <a:tc>
+                  <a:txBody>
+                    <a:bodyPr/>
+                    <a:lstStyle/>
+                    <a:p>
+                      <a:pPr latinLnBrk="1"/>
+                      <a:endParaRPr lang="ko-KR" altLang="en-US" sz="1000" dirty="0"/>
+                    </a:p>
+                  </a:txBody>
+                  <a:tcPr>
+                    <a:lnL w="12700" cap="flat" cmpd="sng" algn="ctr">
+                      <a:solidFill>
+                        <a:schemeClr val="tx1"/>
+                      </a:solidFill>
+                      <a:prstDash val="solid"/>
+                      <a:round/>
+                      <a:headEnd type="none" w="med" len="med"/>
+                      <a:tailEnd type="none" w="med" len="med"/>
+                    </a:lnL>
+                    <a:lnR w="12700" cap="flat" cmpd="sng" algn="ctr">
+                      <a:solidFill>
+                        <a:schemeClr val="tx1"/>
+                      </a:solidFill>
+                      <a:prstDash val="solid"/>
+                      <a:round/>
+                      <a:headEnd type="none" w="med" len="med"/>
+                      <a:tailEnd type="none" w="med" len="med"/>
+                    </a:lnR>
+                    <a:lnT w="12700" cap="flat" cmpd="sng" algn="ctr">
+                      <a:solidFill>
+                        <a:schemeClr val="tx1"/>
+                      </a:solidFill>
+                      <a:prstDash val="solid"/>
+                      <a:round/>
+                      <a:headEnd type="none" w="med" len="med"/>
+                      <a:tailEnd type="none" w="med" len="med"/>
+                    </a:lnT>
+                    <a:lnB w="12700" cap="flat" cmpd="sng" algn="ctr">
+                      <a:solidFill>
+                        <a:schemeClr val="tx1"/>
+                      </a:solidFill>
+                      <a:prstDash val="solid"/>
+                      <a:round/>
+                      <a:headEnd type="none" w="med" len="med"/>
+                      <a:tailEnd type="none" w="med" len="med"/>
+                    </a:lnB>
+                  </a:tcPr>
+                </a:tc>
+                <a:tc>
+                  <a:txBody>
+                    <a:bodyPr/>
+                    <a:lstStyle/>
+                    <a:p>
+                      <a:pPr latinLnBrk="1"/>
+                      <a:r>
+                        <a:rPr lang="ko-KR" altLang="en-US" sz="1000" dirty="0" err="1" smtClean="0"/>
+                        <a:t>섬광탄</a:t>
+                      </a:r>
+                      <a:endParaRPr lang="ko-KR" altLang="en-US" sz="1000" dirty="0"/>
+                    </a:p>
+                  </a:txBody>
+                  <a:tcPr>
+                    <a:lnL w="12700" cap="flat" cmpd="sng" algn="ctr">
+                      <a:solidFill>
+                        <a:schemeClr val="tx1"/>
+                      </a:solidFill>
+                      <a:prstDash val="solid"/>
+                      <a:round/>
+                      <a:headEnd type="none" w="med" len="med"/>
+                      <a:tailEnd type="none" w="med" len="med"/>
+                    </a:lnL>
+                    <a:lnR w="12700" cap="flat" cmpd="sng" algn="ctr">
+                      <a:solidFill>
+                        <a:schemeClr val="tx1"/>
+                      </a:solidFill>
+                      <a:prstDash val="solid"/>
+                      <a:round/>
+                      <a:headEnd type="none" w="med" len="med"/>
+                      <a:tailEnd type="none" w="med" len="med"/>
+                    </a:lnR>
+                    <a:lnT w="12700" cap="flat" cmpd="sng" algn="ctr">
+                      <a:solidFill>
+                        <a:schemeClr val="tx1"/>
+                      </a:solidFill>
+                      <a:prstDash val="solid"/>
+                      <a:round/>
+                      <a:headEnd type="none" w="med" len="med"/>
+                      <a:tailEnd type="none" w="med" len="med"/>
+                    </a:lnT>
+                    <a:lnB w="12700" cap="flat" cmpd="sng" algn="ctr">
+                      <a:solidFill>
+                        <a:schemeClr val="tx1"/>
+                      </a:solidFill>
+                      <a:prstDash val="solid"/>
+                      <a:round/>
+                      <a:headEnd type="none" w="med" len="med"/>
+                      <a:tailEnd type="none" w="med" len="med"/>
+                    </a:lnB>
+                  </a:tcPr>
+                </a:tc>
+                <a:tc>
+                  <a:txBody>
+                    <a:bodyPr/>
+                    <a:lstStyle/>
+                    <a:p>
+                      <a:pPr latinLnBrk="1"/>
+                      <a:r>
+                        <a:rPr lang="ko-KR" altLang="en-US" sz="1000" dirty="0" smtClean="0"/>
+                        <a:t>현재 필드에 있는 </a:t>
+                      </a:r>
+                      <a:r>
+                        <a:rPr lang="ko-KR" altLang="en-US" sz="1000" dirty="0" err="1" smtClean="0"/>
+                        <a:t>몬스터들을</a:t>
+                      </a:r>
+                      <a:r>
+                        <a:rPr lang="ko-KR" altLang="en-US" sz="1000" dirty="0" smtClean="0"/>
+                        <a:t> 일시적으로 행동불능 상태로 </a:t>
+                      </a:r>
+                      <a:r>
+                        <a:rPr lang="ko-KR" altLang="en-US" sz="1000" dirty="0" err="1" smtClean="0"/>
+                        <a:t>만듬</a:t>
+                      </a:r>
+                      <a:r>
+                        <a:rPr lang="en-US" altLang="ko-KR" sz="1000" dirty="0" smtClean="0"/>
+                        <a:t>(</a:t>
+                      </a:r>
+                      <a:r>
+                        <a:rPr lang="ko-KR" altLang="en-US" sz="1000" dirty="0" smtClean="0"/>
+                        <a:t>가만있음</a:t>
+                      </a:r>
+                      <a:r>
+                        <a:rPr lang="en-US" altLang="ko-KR" sz="1000" dirty="0" smtClean="0"/>
+                        <a:t>)</a:t>
+                      </a:r>
+                      <a:endParaRPr lang="ko-KR" altLang="en-US" sz="1000" dirty="0"/>
+                    </a:p>
+                  </a:txBody>
+                  <a:tcPr>
+                    <a:lnL w="12700" cap="flat" cmpd="sng" algn="ctr">
+                      <a:solidFill>
+                        <a:schemeClr val="tx1"/>
+                      </a:solidFill>
+                      <a:prstDash val="solid"/>
+                      <a:round/>
+                      <a:headEnd type="none" w="med" len="med"/>
+                      <a:tailEnd type="none" w="med" len="med"/>
+                    </a:lnL>
+                    <a:lnR w="12700" cap="flat" cmpd="sng" algn="ctr">
+                      <a:solidFill>
+                        <a:schemeClr val="tx1"/>
+                      </a:solidFill>
+                      <a:prstDash val="solid"/>
+                      <a:round/>
+                      <a:headEnd type="none" w="med" len="med"/>
+                      <a:tailEnd type="none" w="med" len="med"/>
+                    </a:lnR>
+                  </a:tcPr>
+                </a:tc>
+                <a:tc>
+                  <a:txBody>
+                    <a:bodyPr/>
+                    <a:lstStyle/>
+                    <a:p>
+                      <a:pPr latinLnBrk="1"/>
+                      <a:r>
+                        <a:rPr lang="ko-KR" altLang="en-US" sz="1000" smtClean="0"/>
+                        <a:t>마비 지속시간 </a:t>
+                      </a:r>
+                      <a:r>
+                        <a:rPr lang="en-US" altLang="ko-KR" sz="1000" dirty="0" smtClean="0"/>
+                        <a:t>5</a:t>
+                      </a:r>
+                      <a:r>
+                        <a:rPr lang="ko-KR" altLang="en-US" sz="1000" dirty="0" smtClean="0"/>
+                        <a:t>초</a:t>
+                      </a:r>
+                      <a:endParaRPr lang="ko-KR" altLang="en-US" sz="1000" dirty="0"/>
+                    </a:p>
+                  </a:txBody>
+                  <a:tcPr>
+                    <a:lnL w="12700" cap="flat" cmpd="sng" algn="ctr">
+                      <a:solidFill>
+                        <a:schemeClr val="tx1"/>
+                      </a:solidFill>
+                      <a:prstDash val="solid"/>
+                      <a:round/>
+                      <a:headEnd type="none" w="med" len="med"/>
+                      <a:tailEnd type="none" w="med" len="med"/>
+                    </a:lnL>
+                  </a:tcPr>
+                </a:tc>
+              </a:tr>
+            </a:tbl>
+          </a:graphicData>
+        </a:graphic>
+      </p:graphicFrame>
     </p:spTree>
     <p:extLst>
       <p:ext uri="{BB962C8B-B14F-4D97-AF65-F5344CB8AC3E}">
-        <p14:creationId xmlns:p14="http://schemas.microsoft.com/office/powerpoint/2010/main" val="1149286554"/>
+        <p14:creationId xmlns:p14="http://schemas.microsoft.com/office/powerpoint/2010/main" val="1091562578"/>
       </p:ext>
     </p:extLst>
   </p:cSld>

--- a/EscapeJail/Assets/기획/스테이지1기획.pptx
+++ b/EscapeJail/Assets/기획/스테이지1기획.pptx
@@ -13,9 +13,11 @@
     <p:sldId id="261" r:id="rId7"/>
     <p:sldId id="262" r:id="rId8"/>
     <p:sldId id="265" r:id="rId9"/>
-    <p:sldId id="266" r:id="rId10"/>
-    <p:sldId id="263" r:id="rId11"/>
-    <p:sldId id="264" r:id="rId12"/>
+    <p:sldId id="267" r:id="rId10"/>
+    <p:sldId id="268" r:id="rId11"/>
+    <p:sldId id="269" r:id="rId12"/>
+    <p:sldId id="263" r:id="rId13"/>
+    <p:sldId id="264" r:id="rId14"/>
   </p:sldIdLst>
   <p:sldSz cx="9144000" cy="6858000" type="screen4x3"/>
   <p:notesSz cx="6858000" cy="9144000"/>
@@ -3192,62 +3194,2178 @@
           <a:lstStyle/>
           <a:p>
             <a:r>
-              <a:rPr lang="ko-KR" altLang="en-US" dirty="0" smtClean="0"/>
-              <a:t>기타</a:t>
+              <a:rPr lang="ko-KR" altLang="en-US" dirty="0" err="1" smtClean="0"/>
+              <a:t>유틸</a:t>
             </a:r>
             <a:endParaRPr lang="ko-KR" altLang="en-US" dirty="0"/>
           </a:p>
         </p:txBody>
       </p:sp>
-      <p:sp>
-        <p:nvSpPr>
-          <p:cNvPr id="3" name="내용 개체 틀 2"/>
-          <p:cNvSpPr>
-            <a:spLocks noGrp="1"/>
-          </p:cNvSpPr>
+      <p:graphicFrame>
+        <p:nvGraphicFramePr>
+          <p:cNvPr id="4" name="표 3"/>
+          <p:cNvGraphicFramePr>
+            <a:graphicFrameLocks noGrp="1"/>
+          </p:cNvGraphicFramePr>
           <p:nvPr>
-            <p:ph idx="1"/>
+            <p:extLst>
+              <p:ext uri="{D42A27DB-BD31-4B8C-83A1-F6EECF244321}">
+                <p14:modId xmlns:p14="http://schemas.microsoft.com/office/powerpoint/2010/main" val="1424096574"/>
+              </p:ext>
+            </p:extLst>
           </p:nvPr>
-        </p:nvSpPr>
-        <p:spPr/>
-        <p:txBody>
-          <a:bodyPr>
-            <a:normAutofit/>
-          </a:bodyPr>
-          <a:lstStyle/>
-          <a:p>
-            <a:r>
-              <a:rPr lang="ko-KR" altLang="en-US" b="1" dirty="0" smtClean="0"/>
-              <a:t>총 </a:t>
-            </a:r>
-            <a:r>
-              <a:rPr lang="ko-KR" altLang="en-US" b="1" dirty="0" err="1" smtClean="0"/>
-              <a:t>맞았을때</a:t>
-            </a:r>
-            <a:r>
-              <a:rPr lang="ko-KR" altLang="en-US" b="1" dirty="0" smtClean="0"/>
-              <a:t> 잠시 무적 필요 </a:t>
-            </a:r>
-            <a:r>
-              <a:rPr lang="en-US" altLang="ko-KR" b="1" dirty="0" smtClean="0"/>
-              <a:t>(0.5</a:t>
-            </a:r>
-            <a:r>
-              <a:rPr lang="ko-KR" altLang="en-US" b="1" dirty="0" smtClean="0"/>
-              <a:t>초 정도</a:t>
-            </a:r>
-            <a:r>
-              <a:rPr lang="en-US" altLang="ko-KR" b="1" dirty="0" smtClean="0"/>
-              <a:t>)</a:t>
-            </a:r>
-            <a:endParaRPr lang="ko-KR" altLang="en-US" b="1" dirty="0"/>
-          </a:p>
-        </p:txBody>
-      </p:sp>
+        </p:nvGraphicFramePr>
+        <p:xfrm>
+          <a:off x="395536" y="1412776"/>
+          <a:ext cx="8136904" cy="4384040"/>
+        </p:xfrm>
+        <a:graphic>
+          <a:graphicData uri="http://schemas.openxmlformats.org/drawingml/2006/table">
+            <a:tbl>
+              <a:tblPr firstRow="1" bandRow="1">
+                <a:tableStyleId>{7E9639D4-E3E2-4D34-9284-5A2195B3D0D7}</a:tableStyleId>
+              </a:tblPr>
+              <a:tblGrid>
+                <a:gridCol w="1329680"/>
+                <a:gridCol w="1329680"/>
+                <a:gridCol w="2165176"/>
+                <a:gridCol w="2232248"/>
+                <a:gridCol w="1080120"/>
+              </a:tblGrid>
+              <a:tr h="370840">
+                <a:tc>
+                  <a:txBody>
+                    <a:bodyPr/>
+                    <a:lstStyle/>
+                    <a:p>
+                      <a:pPr latinLnBrk="1"/>
+                      <a:r>
+                        <a:rPr lang="ko-KR" altLang="en-US" sz="1000" dirty="0" smtClean="0"/>
+                        <a:t>아이콘</a:t>
+                      </a:r>
+                      <a:endParaRPr lang="ko-KR" altLang="en-US" sz="1000" dirty="0"/>
+                    </a:p>
+                  </a:txBody>
+                  <a:tcPr>
+                    <a:lnB w="12700" cap="flat" cmpd="sng" algn="ctr">
+                      <a:solidFill>
+                        <a:schemeClr val="tx1"/>
+                      </a:solidFill>
+                      <a:prstDash val="solid"/>
+                      <a:round/>
+                      <a:headEnd type="none" w="med" len="med"/>
+                      <a:tailEnd type="none" w="med" len="med"/>
+                    </a:lnB>
+                  </a:tcPr>
+                </a:tc>
+                <a:tc>
+                  <a:txBody>
+                    <a:bodyPr/>
+                    <a:lstStyle/>
+                    <a:p>
+                      <a:pPr latinLnBrk="1"/>
+                      <a:r>
+                        <a:rPr lang="ko-KR" altLang="en-US" sz="1000" dirty="0" smtClean="0"/>
+                        <a:t>이름</a:t>
+                      </a:r>
+                      <a:endParaRPr lang="ko-KR" altLang="en-US" sz="1000" dirty="0"/>
+                    </a:p>
+                  </a:txBody>
+                  <a:tcPr>
+                    <a:lnB w="12700" cap="flat" cmpd="sng" algn="ctr">
+                      <a:solidFill>
+                        <a:schemeClr val="tx1"/>
+                      </a:solidFill>
+                      <a:prstDash val="solid"/>
+                      <a:round/>
+                      <a:headEnd type="none" w="med" len="med"/>
+                      <a:tailEnd type="none" w="med" len="med"/>
+                    </a:lnB>
+                  </a:tcPr>
+                </a:tc>
+                <a:tc>
+                  <a:txBody>
+                    <a:bodyPr/>
+                    <a:lstStyle/>
+                    <a:p>
+                      <a:pPr latinLnBrk="1"/>
+                      <a:r>
+                        <a:rPr lang="ko-KR" altLang="en-US" sz="1000" dirty="0" smtClean="0"/>
+                        <a:t>설명</a:t>
+                      </a:r>
+                      <a:endParaRPr lang="ko-KR" altLang="en-US" sz="1000" dirty="0"/>
+                    </a:p>
+                  </a:txBody>
+                  <a:tcPr/>
+                </a:tc>
+                <a:tc>
+                  <a:txBody>
+                    <a:bodyPr/>
+                    <a:lstStyle/>
+                    <a:p>
+                      <a:pPr latinLnBrk="1"/>
+                      <a:r>
+                        <a:rPr lang="ko-KR" altLang="en-US" sz="1000" dirty="0" smtClean="0"/>
+                        <a:t>지속시간 </a:t>
+                      </a:r>
+                      <a:endParaRPr lang="ko-KR" altLang="en-US" sz="1000" dirty="0"/>
+                    </a:p>
+                  </a:txBody>
+                  <a:tcPr/>
+                </a:tc>
+                <a:tc>
+                  <a:txBody>
+                    <a:bodyPr/>
+                    <a:lstStyle/>
+                    <a:p>
+                      <a:pPr latinLnBrk="1"/>
+                      <a:r>
+                        <a:rPr lang="ko-KR" altLang="en-US" sz="1000" dirty="0" smtClean="0"/>
+                        <a:t>기타의견</a:t>
+                      </a:r>
+                      <a:endParaRPr lang="ko-KR" altLang="en-US" sz="1000" dirty="0"/>
+                    </a:p>
+                  </a:txBody>
+                  <a:tcPr/>
+                </a:tc>
+              </a:tr>
+              <a:tr h="370840">
+                <a:tc>
+                  <a:txBody>
+                    <a:bodyPr/>
+                    <a:lstStyle/>
+                    <a:p>
+                      <a:pPr latinLnBrk="1"/>
+                      <a:endParaRPr lang="ko-KR" altLang="en-US" sz="1000" dirty="0"/>
+                    </a:p>
+                  </a:txBody>
+                  <a:tcPr>
+                    <a:lnL w="12700" cap="flat" cmpd="sng" algn="ctr">
+                      <a:solidFill>
+                        <a:schemeClr val="tx1"/>
+                      </a:solidFill>
+                      <a:prstDash val="solid"/>
+                      <a:round/>
+                      <a:headEnd type="none" w="med" len="med"/>
+                      <a:tailEnd type="none" w="med" len="med"/>
+                    </a:lnL>
+                    <a:lnR w="12700" cap="flat" cmpd="sng" algn="ctr">
+                      <a:solidFill>
+                        <a:schemeClr val="tx1"/>
+                      </a:solidFill>
+                      <a:prstDash val="solid"/>
+                      <a:round/>
+                      <a:headEnd type="none" w="med" len="med"/>
+                      <a:tailEnd type="none" w="med" len="med"/>
+                    </a:lnR>
+                    <a:lnT w="12700" cap="flat" cmpd="sng" algn="ctr">
+                      <a:solidFill>
+                        <a:schemeClr val="tx1"/>
+                      </a:solidFill>
+                      <a:prstDash val="solid"/>
+                      <a:round/>
+                      <a:headEnd type="none" w="med" len="med"/>
+                      <a:tailEnd type="none" w="med" len="med"/>
+                    </a:lnT>
+                    <a:lnB w="12700" cap="flat" cmpd="sng" algn="ctr">
+                      <a:solidFill>
+                        <a:schemeClr val="tx1"/>
+                      </a:solidFill>
+                      <a:prstDash val="solid"/>
+                      <a:round/>
+                      <a:headEnd type="none" w="med" len="med"/>
+                      <a:tailEnd type="none" w="med" len="med"/>
+                    </a:lnB>
+                  </a:tcPr>
+                </a:tc>
+                <a:tc>
+                  <a:txBody>
+                    <a:bodyPr/>
+                    <a:lstStyle/>
+                    <a:p>
+                      <a:pPr latinLnBrk="1"/>
+                      <a:r>
+                        <a:rPr lang="ko-KR" altLang="en-US" sz="1000" dirty="0" smtClean="0"/>
+                        <a:t>방탄테이프</a:t>
+                      </a:r>
+                      <a:endParaRPr lang="ko-KR" altLang="en-US" sz="1000" dirty="0"/>
+                    </a:p>
+                  </a:txBody>
+                  <a:tcPr>
+                    <a:lnL w="12700" cap="flat" cmpd="sng" algn="ctr">
+                      <a:solidFill>
+                        <a:schemeClr val="tx1"/>
+                      </a:solidFill>
+                      <a:prstDash val="solid"/>
+                      <a:round/>
+                      <a:headEnd type="none" w="med" len="med"/>
+                      <a:tailEnd type="none" w="med" len="med"/>
+                    </a:lnL>
+                    <a:lnR w="12700" cap="flat" cmpd="sng" algn="ctr">
+                      <a:solidFill>
+                        <a:schemeClr val="tx1"/>
+                      </a:solidFill>
+                      <a:prstDash val="solid"/>
+                      <a:round/>
+                      <a:headEnd type="none" w="med" len="med"/>
+                      <a:tailEnd type="none" w="med" len="med"/>
+                    </a:lnR>
+                    <a:lnT w="12700" cap="flat" cmpd="sng" algn="ctr">
+                      <a:solidFill>
+                        <a:schemeClr val="tx1"/>
+                      </a:solidFill>
+                      <a:prstDash val="solid"/>
+                      <a:round/>
+                      <a:headEnd type="none" w="med" len="med"/>
+                      <a:tailEnd type="none" w="med" len="med"/>
+                    </a:lnT>
+                    <a:lnB w="12700" cap="flat" cmpd="sng" algn="ctr">
+                      <a:solidFill>
+                        <a:schemeClr val="tx1"/>
+                      </a:solidFill>
+                      <a:prstDash val="solid"/>
+                      <a:round/>
+                      <a:headEnd type="none" w="med" len="med"/>
+                      <a:tailEnd type="none" w="med" len="med"/>
+                    </a:lnB>
+                    <a:solidFill>
+                      <a:schemeClr val="bg1"/>
+                    </a:solidFill>
+                  </a:tcPr>
+                </a:tc>
+                <a:tc>
+                  <a:txBody>
+                    <a:bodyPr/>
+                    <a:lstStyle/>
+                    <a:p>
+                      <a:pPr latinLnBrk="1"/>
+                      <a:r>
+                        <a:rPr lang="ko-KR" altLang="en-US" sz="1000" dirty="0" err="1" smtClean="0"/>
+                        <a:t>특수테입으로</a:t>
+                      </a:r>
+                      <a:r>
+                        <a:rPr lang="ko-KR" altLang="en-US" sz="1000" dirty="0" smtClean="0"/>
+                        <a:t> </a:t>
+                      </a:r>
+                      <a:r>
+                        <a:rPr lang="ko-KR" altLang="en-US" sz="1000" dirty="0" err="1" smtClean="0"/>
+                        <a:t>아머를</a:t>
+                      </a:r>
+                      <a:r>
+                        <a:rPr lang="ko-KR" altLang="en-US" sz="1000" dirty="0" smtClean="0"/>
+                        <a:t> 한 칸</a:t>
+                      </a:r>
+                      <a:r>
+                        <a:rPr lang="ko-KR" altLang="en-US" sz="1000" baseline="0" dirty="0" smtClean="0"/>
+                        <a:t> 치료 해줌</a:t>
+                      </a:r>
+                      <a:r>
+                        <a:rPr lang="en-US" altLang="ko-KR" sz="1000" baseline="0" dirty="0" smtClean="0"/>
+                        <a:t>. </a:t>
+                      </a:r>
+                      <a:r>
+                        <a:rPr lang="ko-KR" altLang="en-US" sz="1000" baseline="0" dirty="0" smtClean="0"/>
+                        <a:t>레벨 </a:t>
+                      </a:r>
+                      <a:r>
+                        <a:rPr lang="en-US" altLang="ko-KR" sz="1000" baseline="0" dirty="0" smtClean="0"/>
+                        <a:t>2 </a:t>
+                      </a:r>
+                      <a:r>
+                        <a:rPr lang="ko-KR" altLang="en-US" sz="1000" baseline="0" dirty="0" smtClean="0"/>
+                        <a:t>방탄부터 수리가능</a:t>
+                      </a:r>
+                      <a:endParaRPr lang="en-US" altLang="ko-KR" sz="1000" dirty="0" smtClean="0"/>
+                    </a:p>
+                  </a:txBody>
+                  <a:tcPr>
+                    <a:lnL w="12700" cap="flat" cmpd="sng" algn="ctr">
+                      <a:solidFill>
+                        <a:schemeClr val="tx1"/>
+                      </a:solidFill>
+                      <a:prstDash val="solid"/>
+                      <a:round/>
+                      <a:headEnd type="none" w="med" len="med"/>
+                      <a:tailEnd type="none" w="med" len="med"/>
+                    </a:lnL>
+                    <a:lnR w="12700" cap="flat" cmpd="sng" algn="ctr">
+                      <a:solidFill>
+                        <a:schemeClr val="tx1"/>
+                      </a:solidFill>
+                      <a:prstDash val="solid"/>
+                      <a:round/>
+                      <a:headEnd type="none" w="med" len="med"/>
+                      <a:tailEnd type="none" w="med" len="med"/>
+                    </a:lnR>
+                    <a:solidFill>
+                      <a:schemeClr val="bg1"/>
+                    </a:solidFill>
+                  </a:tcPr>
+                </a:tc>
+                <a:tc>
+                  <a:txBody>
+                    <a:bodyPr/>
+                    <a:lstStyle/>
+                    <a:p>
+                      <a:pPr latinLnBrk="1"/>
+                      <a:endParaRPr lang="ko-KR" altLang="en-US" sz="1000" dirty="0"/>
+                    </a:p>
+                  </a:txBody>
+                  <a:tcPr>
+                    <a:lnL w="12700" cap="flat" cmpd="sng" algn="ctr">
+                      <a:solidFill>
+                        <a:schemeClr val="tx1"/>
+                      </a:solidFill>
+                      <a:prstDash val="solid"/>
+                      <a:round/>
+                      <a:headEnd type="none" w="med" len="med"/>
+                      <a:tailEnd type="none" w="med" len="med"/>
+                    </a:lnL>
+                    <a:lnR w="12700" cap="flat" cmpd="sng" algn="ctr">
+                      <a:solidFill>
+                        <a:schemeClr val="tx1"/>
+                      </a:solidFill>
+                      <a:prstDash val="solid"/>
+                      <a:round/>
+                      <a:headEnd type="none" w="med" len="med"/>
+                      <a:tailEnd type="none" w="med" len="med"/>
+                    </a:lnR>
+                  </a:tcPr>
+                </a:tc>
+                <a:tc>
+                  <a:txBody>
+                    <a:bodyPr/>
+                    <a:lstStyle/>
+                    <a:p>
+                      <a:pPr latinLnBrk="1"/>
+                      <a:endParaRPr lang="ko-KR" altLang="en-US" sz="1000" dirty="0"/>
+                    </a:p>
+                  </a:txBody>
+                  <a:tcPr>
+                    <a:lnL w="12700" cap="flat" cmpd="sng" algn="ctr">
+                      <a:solidFill>
+                        <a:schemeClr val="tx1"/>
+                      </a:solidFill>
+                      <a:prstDash val="solid"/>
+                      <a:round/>
+                      <a:headEnd type="none" w="med" len="med"/>
+                      <a:tailEnd type="none" w="med" len="med"/>
+                    </a:lnL>
+                  </a:tcPr>
+                </a:tc>
+              </a:tr>
+              <a:tr h="370840">
+                <a:tc>
+                  <a:txBody>
+                    <a:bodyPr/>
+                    <a:lstStyle/>
+                    <a:p>
+                      <a:pPr latinLnBrk="1"/>
+                      <a:endParaRPr lang="ko-KR" altLang="en-US" sz="1000" dirty="0"/>
+                    </a:p>
+                  </a:txBody>
+                  <a:tcPr>
+                    <a:lnL w="12700" cap="flat" cmpd="sng" algn="ctr">
+                      <a:solidFill>
+                        <a:schemeClr val="tx1"/>
+                      </a:solidFill>
+                      <a:prstDash val="solid"/>
+                      <a:round/>
+                      <a:headEnd type="none" w="med" len="med"/>
+                      <a:tailEnd type="none" w="med" len="med"/>
+                    </a:lnL>
+                    <a:lnR w="12700" cap="flat" cmpd="sng" algn="ctr">
+                      <a:solidFill>
+                        <a:schemeClr val="tx1"/>
+                      </a:solidFill>
+                      <a:prstDash val="solid"/>
+                      <a:round/>
+                      <a:headEnd type="none" w="med" len="med"/>
+                      <a:tailEnd type="none" w="med" len="med"/>
+                    </a:lnR>
+                    <a:lnT w="12700" cap="flat" cmpd="sng" algn="ctr">
+                      <a:solidFill>
+                        <a:schemeClr val="tx1"/>
+                      </a:solidFill>
+                      <a:prstDash val="solid"/>
+                      <a:round/>
+                      <a:headEnd type="none" w="med" len="med"/>
+                      <a:tailEnd type="none" w="med" len="med"/>
+                    </a:lnT>
+                    <a:lnB w="12700" cap="flat" cmpd="sng" algn="ctr">
+                      <a:solidFill>
+                        <a:schemeClr val="tx1"/>
+                      </a:solidFill>
+                      <a:prstDash val="solid"/>
+                      <a:round/>
+                      <a:headEnd type="none" w="med" len="med"/>
+                      <a:tailEnd type="none" w="med" len="med"/>
+                    </a:lnB>
+                  </a:tcPr>
+                </a:tc>
+                <a:tc>
+                  <a:txBody>
+                    <a:bodyPr/>
+                    <a:lstStyle/>
+                    <a:p>
+                      <a:pPr latinLnBrk="1"/>
+                      <a:r>
+                        <a:rPr lang="ko-KR" altLang="en-US" sz="1000" dirty="0" smtClean="0"/>
+                        <a:t>투명망토</a:t>
+                      </a:r>
+                      <a:endParaRPr lang="ko-KR" altLang="en-US" sz="1000" dirty="0"/>
+                    </a:p>
+                  </a:txBody>
+                  <a:tcPr>
+                    <a:lnL w="12700" cap="flat" cmpd="sng" algn="ctr">
+                      <a:solidFill>
+                        <a:schemeClr val="tx1"/>
+                      </a:solidFill>
+                      <a:prstDash val="solid"/>
+                      <a:round/>
+                      <a:headEnd type="none" w="med" len="med"/>
+                      <a:tailEnd type="none" w="med" len="med"/>
+                    </a:lnL>
+                    <a:lnR w="12700" cap="flat" cmpd="sng" algn="ctr">
+                      <a:solidFill>
+                        <a:schemeClr val="tx1"/>
+                      </a:solidFill>
+                      <a:prstDash val="solid"/>
+                      <a:round/>
+                      <a:headEnd type="none" w="med" len="med"/>
+                      <a:tailEnd type="none" w="med" len="med"/>
+                    </a:lnR>
+                    <a:lnT w="12700" cap="flat" cmpd="sng" algn="ctr">
+                      <a:solidFill>
+                        <a:schemeClr val="tx1"/>
+                      </a:solidFill>
+                      <a:prstDash val="solid"/>
+                      <a:round/>
+                      <a:headEnd type="none" w="med" len="med"/>
+                      <a:tailEnd type="none" w="med" len="med"/>
+                    </a:lnT>
+                    <a:lnB w="12700" cap="flat" cmpd="sng" algn="ctr">
+                      <a:solidFill>
+                        <a:schemeClr val="tx1"/>
+                      </a:solidFill>
+                      <a:prstDash val="solid"/>
+                      <a:round/>
+                      <a:headEnd type="none" w="med" len="med"/>
+                      <a:tailEnd type="none" w="med" len="med"/>
+                    </a:lnB>
+                    <a:solidFill>
+                      <a:schemeClr val="bg1"/>
+                    </a:solidFill>
+                  </a:tcPr>
+                </a:tc>
+                <a:tc>
+                  <a:txBody>
+                    <a:bodyPr/>
+                    <a:lstStyle/>
+                    <a:p>
+                      <a:pPr latinLnBrk="1"/>
+                      <a:r>
+                        <a:rPr lang="ko-KR" altLang="en-US" sz="1000" dirty="0" err="1" smtClean="0"/>
+                        <a:t>일정시간동안</a:t>
+                      </a:r>
+                      <a:r>
+                        <a:rPr lang="ko-KR" altLang="en-US" sz="1000" dirty="0" smtClean="0"/>
+                        <a:t> 적에게 보이지 않으며 투명상태로  공격하거나</a:t>
+                      </a:r>
+                      <a:r>
+                        <a:rPr lang="ko-KR" altLang="en-US" sz="1000" baseline="0" dirty="0" smtClean="0"/>
+                        <a:t> 아이템을 몰래 먹을 수 있음</a:t>
+                      </a:r>
+                      <a:endParaRPr lang="ko-KR" altLang="en-US" sz="1000" dirty="0"/>
+                    </a:p>
+                  </a:txBody>
+                  <a:tcPr>
+                    <a:lnL w="12700" cap="flat" cmpd="sng" algn="ctr">
+                      <a:solidFill>
+                        <a:schemeClr val="tx1"/>
+                      </a:solidFill>
+                      <a:prstDash val="solid"/>
+                      <a:round/>
+                      <a:headEnd type="none" w="med" len="med"/>
+                      <a:tailEnd type="none" w="med" len="med"/>
+                    </a:lnL>
+                    <a:lnR w="12700" cap="flat" cmpd="sng" algn="ctr">
+                      <a:solidFill>
+                        <a:schemeClr val="tx1"/>
+                      </a:solidFill>
+                      <a:prstDash val="solid"/>
+                      <a:round/>
+                      <a:headEnd type="none" w="med" len="med"/>
+                      <a:tailEnd type="none" w="med" len="med"/>
+                    </a:lnR>
+                    <a:solidFill>
+                      <a:schemeClr val="bg1"/>
+                    </a:solidFill>
+                  </a:tcPr>
+                </a:tc>
+                <a:tc>
+                  <a:txBody>
+                    <a:bodyPr/>
+                    <a:lstStyle/>
+                    <a:p>
+                      <a:pPr latinLnBrk="1"/>
+                      <a:endParaRPr lang="ko-KR" altLang="en-US" sz="1000" dirty="0"/>
+                    </a:p>
+                  </a:txBody>
+                  <a:tcPr>
+                    <a:lnL w="12700" cap="flat" cmpd="sng" algn="ctr">
+                      <a:solidFill>
+                        <a:schemeClr val="tx1"/>
+                      </a:solidFill>
+                      <a:prstDash val="solid"/>
+                      <a:round/>
+                      <a:headEnd type="none" w="med" len="med"/>
+                      <a:tailEnd type="none" w="med" len="med"/>
+                    </a:lnL>
+                    <a:lnR w="12700" cap="flat" cmpd="sng" algn="ctr">
+                      <a:solidFill>
+                        <a:schemeClr val="tx1"/>
+                      </a:solidFill>
+                      <a:prstDash val="solid"/>
+                      <a:round/>
+                      <a:headEnd type="none" w="med" len="med"/>
+                      <a:tailEnd type="none" w="med" len="med"/>
+                    </a:lnR>
+                  </a:tcPr>
+                </a:tc>
+                <a:tc>
+                  <a:txBody>
+                    <a:bodyPr/>
+                    <a:lstStyle/>
+                    <a:p>
+                      <a:pPr latinLnBrk="1"/>
+                      <a:endParaRPr lang="ko-KR" altLang="en-US" sz="1000" dirty="0"/>
+                    </a:p>
+                  </a:txBody>
+                  <a:tcPr>
+                    <a:lnL w="12700" cap="flat" cmpd="sng" algn="ctr">
+                      <a:solidFill>
+                        <a:schemeClr val="tx1"/>
+                      </a:solidFill>
+                      <a:prstDash val="solid"/>
+                      <a:round/>
+                      <a:headEnd type="none" w="med" len="med"/>
+                      <a:tailEnd type="none" w="med" len="med"/>
+                    </a:lnL>
+                  </a:tcPr>
+                </a:tc>
+              </a:tr>
+              <a:tr h="370840">
+                <a:tc>
+                  <a:txBody>
+                    <a:bodyPr/>
+                    <a:lstStyle/>
+                    <a:p>
+                      <a:pPr latinLnBrk="1"/>
+                      <a:endParaRPr lang="ko-KR" altLang="en-US" sz="1000" dirty="0"/>
+                    </a:p>
+                  </a:txBody>
+                  <a:tcPr>
+                    <a:lnL w="12700" cap="flat" cmpd="sng" algn="ctr">
+                      <a:solidFill>
+                        <a:schemeClr val="tx1"/>
+                      </a:solidFill>
+                      <a:prstDash val="solid"/>
+                      <a:round/>
+                      <a:headEnd type="none" w="med" len="med"/>
+                      <a:tailEnd type="none" w="med" len="med"/>
+                    </a:lnL>
+                    <a:lnR w="12700" cap="flat" cmpd="sng" algn="ctr">
+                      <a:solidFill>
+                        <a:schemeClr val="tx1"/>
+                      </a:solidFill>
+                      <a:prstDash val="solid"/>
+                      <a:round/>
+                      <a:headEnd type="none" w="med" len="med"/>
+                      <a:tailEnd type="none" w="med" len="med"/>
+                    </a:lnR>
+                    <a:lnT w="12700" cap="flat" cmpd="sng" algn="ctr">
+                      <a:solidFill>
+                        <a:schemeClr val="tx1"/>
+                      </a:solidFill>
+                      <a:prstDash val="solid"/>
+                      <a:round/>
+                      <a:headEnd type="none" w="med" len="med"/>
+                      <a:tailEnd type="none" w="med" len="med"/>
+                    </a:lnT>
+                    <a:lnB w="12700" cap="flat" cmpd="sng" algn="ctr">
+                      <a:solidFill>
+                        <a:schemeClr val="tx1"/>
+                      </a:solidFill>
+                      <a:prstDash val="solid"/>
+                      <a:round/>
+                      <a:headEnd type="none" w="med" len="med"/>
+                      <a:tailEnd type="none" w="med" len="med"/>
+                    </a:lnB>
+                  </a:tcPr>
+                </a:tc>
+                <a:tc>
+                  <a:txBody>
+                    <a:bodyPr/>
+                    <a:lstStyle/>
+                    <a:p>
+                      <a:pPr latinLnBrk="1"/>
+                      <a:r>
+                        <a:rPr lang="ko-KR" altLang="en-US" sz="1000" dirty="0" smtClean="0"/>
+                        <a:t>탄약박스</a:t>
+                      </a:r>
+                      <a:endParaRPr lang="ko-KR" altLang="en-US" sz="1000" dirty="0"/>
+                    </a:p>
+                  </a:txBody>
+                  <a:tcPr>
+                    <a:lnL w="12700" cap="flat" cmpd="sng" algn="ctr">
+                      <a:solidFill>
+                        <a:schemeClr val="tx1"/>
+                      </a:solidFill>
+                      <a:prstDash val="solid"/>
+                      <a:round/>
+                      <a:headEnd type="none" w="med" len="med"/>
+                      <a:tailEnd type="none" w="med" len="med"/>
+                    </a:lnL>
+                    <a:lnR w="12700" cap="flat" cmpd="sng" algn="ctr">
+                      <a:solidFill>
+                        <a:schemeClr val="tx1"/>
+                      </a:solidFill>
+                      <a:prstDash val="solid"/>
+                      <a:round/>
+                      <a:headEnd type="none" w="med" len="med"/>
+                      <a:tailEnd type="none" w="med" len="med"/>
+                    </a:lnR>
+                    <a:lnT w="12700" cap="flat" cmpd="sng" algn="ctr">
+                      <a:solidFill>
+                        <a:schemeClr val="tx1"/>
+                      </a:solidFill>
+                      <a:prstDash val="solid"/>
+                      <a:round/>
+                      <a:headEnd type="none" w="med" len="med"/>
+                      <a:tailEnd type="none" w="med" len="med"/>
+                    </a:lnT>
+                    <a:lnB w="12700" cap="flat" cmpd="sng" algn="ctr">
+                      <a:solidFill>
+                        <a:schemeClr val="tx1"/>
+                      </a:solidFill>
+                      <a:prstDash val="solid"/>
+                      <a:round/>
+                      <a:headEnd type="none" w="med" len="med"/>
+                      <a:tailEnd type="none" w="med" len="med"/>
+                    </a:lnB>
+                    <a:solidFill>
+                      <a:schemeClr val="bg1"/>
+                    </a:solidFill>
+                  </a:tcPr>
+                </a:tc>
+                <a:tc>
+                  <a:txBody>
+                    <a:bodyPr/>
+                    <a:lstStyle/>
+                    <a:p>
+                      <a:pPr latinLnBrk="1"/>
+                      <a:r>
+                        <a:rPr lang="ko-KR" altLang="en-US" sz="1000" dirty="0" smtClean="0"/>
+                        <a:t>현재 소지한 무기의 탄약 다 채워줌</a:t>
+                      </a:r>
+                      <a:endParaRPr lang="ko-KR" altLang="en-US" sz="1000" dirty="0"/>
+                    </a:p>
+                  </a:txBody>
+                  <a:tcPr>
+                    <a:lnL w="12700" cap="flat" cmpd="sng" algn="ctr">
+                      <a:solidFill>
+                        <a:schemeClr val="tx1"/>
+                      </a:solidFill>
+                      <a:prstDash val="solid"/>
+                      <a:round/>
+                      <a:headEnd type="none" w="med" len="med"/>
+                      <a:tailEnd type="none" w="med" len="med"/>
+                    </a:lnL>
+                    <a:lnR w="12700" cap="flat" cmpd="sng" algn="ctr">
+                      <a:solidFill>
+                        <a:schemeClr val="tx1"/>
+                      </a:solidFill>
+                      <a:prstDash val="solid"/>
+                      <a:round/>
+                      <a:headEnd type="none" w="med" len="med"/>
+                      <a:tailEnd type="none" w="med" len="med"/>
+                    </a:lnR>
+                    <a:solidFill>
+                      <a:schemeClr val="bg1"/>
+                    </a:solidFill>
+                  </a:tcPr>
+                </a:tc>
+                <a:tc>
+                  <a:txBody>
+                    <a:bodyPr/>
+                    <a:lstStyle/>
+                    <a:p>
+                      <a:pPr latinLnBrk="1"/>
+                      <a:r>
+                        <a:rPr lang="ko-KR" altLang="en-US" sz="1000" dirty="0" smtClean="0"/>
+                        <a:t>일회성</a:t>
+                      </a:r>
+                      <a:endParaRPr lang="ko-KR" altLang="en-US" sz="1000" dirty="0"/>
+                    </a:p>
+                  </a:txBody>
+                  <a:tcPr>
+                    <a:lnL w="12700" cap="flat" cmpd="sng" algn="ctr">
+                      <a:solidFill>
+                        <a:schemeClr val="tx1"/>
+                      </a:solidFill>
+                      <a:prstDash val="solid"/>
+                      <a:round/>
+                      <a:headEnd type="none" w="med" len="med"/>
+                      <a:tailEnd type="none" w="med" len="med"/>
+                    </a:lnL>
+                    <a:lnR w="12700" cap="flat" cmpd="sng" algn="ctr">
+                      <a:solidFill>
+                        <a:schemeClr val="tx1"/>
+                      </a:solidFill>
+                      <a:prstDash val="solid"/>
+                      <a:round/>
+                      <a:headEnd type="none" w="med" len="med"/>
+                      <a:tailEnd type="none" w="med" len="med"/>
+                    </a:lnR>
+                  </a:tcPr>
+                </a:tc>
+                <a:tc>
+                  <a:txBody>
+                    <a:bodyPr/>
+                    <a:lstStyle/>
+                    <a:p>
+                      <a:pPr latinLnBrk="1"/>
+                      <a:endParaRPr lang="ko-KR" altLang="en-US" sz="1000" dirty="0"/>
+                    </a:p>
+                  </a:txBody>
+                  <a:tcPr>
+                    <a:lnL w="12700" cap="flat" cmpd="sng" algn="ctr">
+                      <a:solidFill>
+                        <a:schemeClr val="tx1"/>
+                      </a:solidFill>
+                      <a:prstDash val="solid"/>
+                      <a:round/>
+                      <a:headEnd type="none" w="med" len="med"/>
+                      <a:tailEnd type="none" w="med" len="med"/>
+                    </a:lnL>
+                  </a:tcPr>
+                </a:tc>
+              </a:tr>
+              <a:tr h="370840">
+                <a:tc>
+                  <a:txBody>
+                    <a:bodyPr/>
+                    <a:lstStyle/>
+                    <a:p>
+                      <a:pPr latinLnBrk="1"/>
+                      <a:endParaRPr lang="ko-KR" altLang="en-US" sz="1000" dirty="0"/>
+                    </a:p>
+                  </a:txBody>
+                  <a:tcPr>
+                    <a:lnL w="12700" cap="flat" cmpd="sng" algn="ctr">
+                      <a:solidFill>
+                        <a:schemeClr val="tx1"/>
+                      </a:solidFill>
+                      <a:prstDash val="solid"/>
+                      <a:round/>
+                      <a:headEnd type="none" w="med" len="med"/>
+                      <a:tailEnd type="none" w="med" len="med"/>
+                    </a:lnL>
+                    <a:lnR w="12700" cap="flat" cmpd="sng" algn="ctr">
+                      <a:solidFill>
+                        <a:schemeClr val="tx1"/>
+                      </a:solidFill>
+                      <a:prstDash val="solid"/>
+                      <a:round/>
+                      <a:headEnd type="none" w="med" len="med"/>
+                      <a:tailEnd type="none" w="med" len="med"/>
+                    </a:lnR>
+                    <a:lnT w="12700" cap="flat" cmpd="sng" algn="ctr">
+                      <a:solidFill>
+                        <a:schemeClr val="tx1"/>
+                      </a:solidFill>
+                      <a:prstDash val="solid"/>
+                      <a:round/>
+                      <a:headEnd type="none" w="med" len="med"/>
+                      <a:tailEnd type="none" w="med" len="med"/>
+                    </a:lnT>
+                    <a:lnB w="12700" cap="flat" cmpd="sng" algn="ctr">
+                      <a:solidFill>
+                        <a:schemeClr val="tx1"/>
+                      </a:solidFill>
+                      <a:prstDash val="solid"/>
+                      <a:round/>
+                      <a:headEnd type="none" w="med" len="med"/>
+                      <a:tailEnd type="none" w="med" len="med"/>
+                    </a:lnB>
+                  </a:tcPr>
+                </a:tc>
+                <a:tc>
+                  <a:txBody>
+                    <a:bodyPr/>
+                    <a:lstStyle/>
+                    <a:p>
+                      <a:pPr latinLnBrk="1"/>
+                      <a:r>
+                        <a:rPr lang="ko-KR" altLang="en-US" sz="1000" dirty="0" smtClean="0"/>
+                        <a:t>에너지드링크</a:t>
+                      </a:r>
+                      <a:endParaRPr lang="ko-KR" altLang="en-US" sz="1000" dirty="0"/>
+                    </a:p>
+                  </a:txBody>
+                  <a:tcPr>
+                    <a:lnL w="12700" cap="flat" cmpd="sng" algn="ctr">
+                      <a:solidFill>
+                        <a:schemeClr val="tx1"/>
+                      </a:solidFill>
+                      <a:prstDash val="solid"/>
+                      <a:round/>
+                      <a:headEnd type="none" w="med" len="med"/>
+                      <a:tailEnd type="none" w="med" len="med"/>
+                    </a:lnL>
+                    <a:lnR w="12700" cap="flat" cmpd="sng" algn="ctr">
+                      <a:solidFill>
+                        <a:schemeClr val="tx1"/>
+                      </a:solidFill>
+                      <a:prstDash val="solid"/>
+                      <a:round/>
+                      <a:headEnd type="none" w="med" len="med"/>
+                      <a:tailEnd type="none" w="med" len="med"/>
+                    </a:lnR>
+                    <a:lnT w="12700" cap="flat" cmpd="sng" algn="ctr">
+                      <a:solidFill>
+                        <a:schemeClr val="tx1"/>
+                      </a:solidFill>
+                      <a:prstDash val="solid"/>
+                      <a:round/>
+                      <a:headEnd type="none" w="med" len="med"/>
+                      <a:tailEnd type="none" w="med" len="med"/>
+                    </a:lnT>
+                    <a:lnB w="12700" cap="flat" cmpd="sng" algn="ctr">
+                      <a:solidFill>
+                        <a:schemeClr val="tx1"/>
+                      </a:solidFill>
+                      <a:prstDash val="solid"/>
+                      <a:round/>
+                      <a:headEnd type="none" w="med" len="med"/>
+                      <a:tailEnd type="none" w="med" len="med"/>
+                    </a:lnB>
+                    <a:solidFill>
+                      <a:schemeClr val="bg1"/>
+                    </a:solidFill>
+                  </a:tcPr>
+                </a:tc>
+                <a:tc>
+                  <a:txBody>
+                    <a:bodyPr/>
+                    <a:lstStyle/>
+                    <a:p>
+                      <a:pPr latinLnBrk="1"/>
+                      <a:r>
+                        <a:rPr lang="ko-KR" altLang="en-US" sz="1000" dirty="0" smtClean="0"/>
+                        <a:t>서서히 체력을 상승시킴</a:t>
+                      </a:r>
+                      <a:endParaRPr lang="en-US" altLang="ko-KR" sz="1000" dirty="0" smtClean="0"/>
+                    </a:p>
+                    <a:p>
+                      <a:pPr latinLnBrk="1"/>
+                      <a:r>
+                        <a:rPr lang="en-US" altLang="ko-KR" sz="1000" dirty="0" smtClean="0"/>
+                        <a:t>(ex 20</a:t>
+                      </a:r>
+                      <a:r>
+                        <a:rPr lang="ko-KR" altLang="en-US" sz="1000" dirty="0" smtClean="0"/>
+                        <a:t>초간 체력 </a:t>
+                      </a:r>
+                      <a:r>
+                        <a:rPr lang="en-US" altLang="ko-KR" sz="1000" dirty="0" smtClean="0"/>
+                        <a:t>10</a:t>
+                      </a:r>
+                      <a:r>
+                        <a:rPr lang="ko-KR" altLang="en-US" sz="1000" dirty="0" smtClean="0"/>
+                        <a:t>상승</a:t>
+                      </a:r>
+                      <a:r>
+                        <a:rPr lang="en-US" altLang="ko-KR" sz="1000" dirty="0" smtClean="0"/>
+                        <a:t>)</a:t>
+                      </a:r>
+                      <a:endParaRPr lang="ko-KR" altLang="en-US" sz="1000" dirty="0"/>
+                    </a:p>
+                  </a:txBody>
+                  <a:tcPr>
+                    <a:lnL w="12700" cap="flat" cmpd="sng" algn="ctr">
+                      <a:solidFill>
+                        <a:schemeClr val="tx1"/>
+                      </a:solidFill>
+                      <a:prstDash val="solid"/>
+                      <a:round/>
+                      <a:headEnd type="none" w="med" len="med"/>
+                      <a:tailEnd type="none" w="med" len="med"/>
+                    </a:lnL>
+                    <a:lnR w="12700" cap="flat" cmpd="sng" algn="ctr">
+                      <a:solidFill>
+                        <a:schemeClr val="tx1"/>
+                      </a:solidFill>
+                      <a:prstDash val="solid"/>
+                      <a:round/>
+                      <a:headEnd type="none" w="med" len="med"/>
+                      <a:tailEnd type="none" w="med" len="med"/>
+                    </a:lnR>
+                    <a:solidFill>
+                      <a:schemeClr val="bg1"/>
+                    </a:solidFill>
+                  </a:tcPr>
+                </a:tc>
+                <a:tc>
+                  <a:txBody>
+                    <a:bodyPr/>
+                    <a:lstStyle/>
+                    <a:p>
+                      <a:pPr latinLnBrk="1"/>
+                      <a:endParaRPr lang="ko-KR" altLang="en-US" sz="1000" dirty="0"/>
+                    </a:p>
+                  </a:txBody>
+                  <a:tcPr>
+                    <a:lnL w="12700" cap="flat" cmpd="sng" algn="ctr">
+                      <a:solidFill>
+                        <a:schemeClr val="tx1"/>
+                      </a:solidFill>
+                      <a:prstDash val="solid"/>
+                      <a:round/>
+                      <a:headEnd type="none" w="med" len="med"/>
+                      <a:tailEnd type="none" w="med" len="med"/>
+                    </a:lnL>
+                    <a:lnR w="12700" cap="flat" cmpd="sng" algn="ctr">
+                      <a:solidFill>
+                        <a:schemeClr val="tx1"/>
+                      </a:solidFill>
+                      <a:prstDash val="solid"/>
+                      <a:round/>
+                      <a:headEnd type="none" w="med" len="med"/>
+                      <a:tailEnd type="none" w="med" len="med"/>
+                    </a:lnR>
+                  </a:tcPr>
+                </a:tc>
+                <a:tc>
+                  <a:txBody>
+                    <a:bodyPr/>
+                    <a:lstStyle/>
+                    <a:p>
+                      <a:pPr latinLnBrk="1"/>
+                      <a:endParaRPr lang="ko-KR" altLang="en-US" sz="1000" dirty="0"/>
+                    </a:p>
+                  </a:txBody>
+                  <a:tcPr>
+                    <a:lnL w="12700" cap="flat" cmpd="sng" algn="ctr">
+                      <a:solidFill>
+                        <a:schemeClr val="tx1"/>
+                      </a:solidFill>
+                      <a:prstDash val="solid"/>
+                      <a:round/>
+                      <a:headEnd type="none" w="med" len="med"/>
+                      <a:tailEnd type="none" w="med" len="med"/>
+                    </a:lnL>
+                  </a:tcPr>
+                </a:tc>
+              </a:tr>
+              <a:tr h="370840">
+                <a:tc>
+                  <a:txBody>
+                    <a:bodyPr/>
+                    <a:lstStyle/>
+                    <a:p>
+                      <a:pPr latinLnBrk="1"/>
+                      <a:endParaRPr lang="ko-KR" altLang="en-US" sz="1000" dirty="0"/>
+                    </a:p>
+                  </a:txBody>
+                  <a:tcPr>
+                    <a:lnL w="12700" cap="flat" cmpd="sng" algn="ctr">
+                      <a:solidFill>
+                        <a:schemeClr val="tx1"/>
+                      </a:solidFill>
+                      <a:prstDash val="solid"/>
+                      <a:round/>
+                      <a:headEnd type="none" w="med" len="med"/>
+                      <a:tailEnd type="none" w="med" len="med"/>
+                    </a:lnL>
+                    <a:lnR w="12700" cap="flat" cmpd="sng" algn="ctr">
+                      <a:solidFill>
+                        <a:schemeClr val="tx1"/>
+                      </a:solidFill>
+                      <a:prstDash val="solid"/>
+                      <a:round/>
+                      <a:headEnd type="none" w="med" len="med"/>
+                      <a:tailEnd type="none" w="med" len="med"/>
+                    </a:lnR>
+                    <a:lnT w="12700" cap="flat" cmpd="sng" algn="ctr">
+                      <a:solidFill>
+                        <a:schemeClr val="tx1"/>
+                      </a:solidFill>
+                      <a:prstDash val="solid"/>
+                      <a:round/>
+                      <a:headEnd type="none" w="med" len="med"/>
+                      <a:tailEnd type="none" w="med" len="med"/>
+                    </a:lnT>
+                    <a:lnB w="12700" cap="flat" cmpd="sng" algn="ctr">
+                      <a:solidFill>
+                        <a:schemeClr val="tx1"/>
+                      </a:solidFill>
+                      <a:prstDash val="solid"/>
+                      <a:round/>
+                      <a:headEnd type="none" w="med" len="med"/>
+                      <a:tailEnd type="none" w="med" len="med"/>
+                    </a:lnB>
+                  </a:tcPr>
+                </a:tc>
+                <a:tc>
+                  <a:txBody>
+                    <a:bodyPr/>
+                    <a:lstStyle/>
+                    <a:p>
+                      <a:pPr latinLnBrk="1"/>
+                      <a:r>
+                        <a:rPr lang="ko-KR" altLang="en-US" sz="1000" dirty="0" smtClean="0"/>
+                        <a:t>각성제</a:t>
+                      </a:r>
+                      <a:r>
+                        <a:rPr lang="en-US" altLang="ko-KR" sz="1000" dirty="0" smtClean="0"/>
+                        <a:t>1</a:t>
+                      </a:r>
+                      <a:endParaRPr lang="ko-KR" altLang="en-US" sz="1000" dirty="0"/>
+                    </a:p>
+                  </a:txBody>
+                  <a:tcPr>
+                    <a:lnL w="12700" cap="flat" cmpd="sng" algn="ctr">
+                      <a:solidFill>
+                        <a:schemeClr val="tx1"/>
+                      </a:solidFill>
+                      <a:prstDash val="solid"/>
+                      <a:round/>
+                      <a:headEnd type="none" w="med" len="med"/>
+                      <a:tailEnd type="none" w="med" len="med"/>
+                    </a:lnL>
+                    <a:lnR w="12700" cap="flat" cmpd="sng" algn="ctr">
+                      <a:solidFill>
+                        <a:schemeClr val="tx1"/>
+                      </a:solidFill>
+                      <a:prstDash val="solid"/>
+                      <a:round/>
+                      <a:headEnd type="none" w="med" len="med"/>
+                      <a:tailEnd type="none" w="med" len="med"/>
+                    </a:lnR>
+                    <a:lnT w="12700" cap="flat" cmpd="sng" algn="ctr">
+                      <a:solidFill>
+                        <a:schemeClr val="tx1"/>
+                      </a:solidFill>
+                      <a:prstDash val="solid"/>
+                      <a:round/>
+                      <a:headEnd type="none" w="med" len="med"/>
+                      <a:tailEnd type="none" w="med" len="med"/>
+                    </a:lnT>
+                    <a:lnB w="12700" cap="flat" cmpd="sng" algn="ctr">
+                      <a:solidFill>
+                        <a:schemeClr val="tx1"/>
+                      </a:solidFill>
+                      <a:prstDash val="solid"/>
+                      <a:round/>
+                      <a:headEnd type="none" w="med" len="med"/>
+                      <a:tailEnd type="none" w="med" len="med"/>
+                    </a:lnB>
+                  </a:tcPr>
+                </a:tc>
+                <a:tc>
+                  <a:txBody>
+                    <a:bodyPr/>
+                    <a:lstStyle/>
+                    <a:p>
+                      <a:pPr latinLnBrk="1"/>
+                      <a:r>
+                        <a:rPr lang="ko-KR" altLang="en-US" sz="1000" dirty="0" err="1" smtClean="0"/>
+                        <a:t>일정시간동안</a:t>
+                      </a:r>
+                      <a:r>
+                        <a:rPr lang="ko-KR" altLang="en-US" sz="1000" dirty="0" smtClean="0"/>
+                        <a:t> 공격속도를 상승시켜줌</a:t>
+                      </a:r>
+                      <a:endParaRPr lang="en-US" altLang="ko-KR" sz="1000" dirty="0" smtClean="0"/>
+                    </a:p>
+                  </a:txBody>
+                  <a:tcPr>
+                    <a:lnL w="12700" cap="flat" cmpd="sng" algn="ctr">
+                      <a:solidFill>
+                        <a:schemeClr val="tx1"/>
+                      </a:solidFill>
+                      <a:prstDash val="solid"/>
+                      <a:round/>
+                      <a:headEnd type="none" w="med" len="med"/>
+                      <a:tailEnd type="none" w="med" len="med"/>
+                    </a:lnL>
+                    <a:lnR w="12700" cap="flat" cmpd="sng" algn="ctr">
+                      <a:solidFill>
+                        <a:schemeClr val="tx1"/>
+                      </a:solidFill>
+                      <a:prstDash val="solid"/>
+                      <a:round/>
+                      <a:headEnd type="none" w="med" len="med"/>
+                      <a:tailEnd type="none" w="med" len="med"/>
+                    </a:lnR>
+                  </a:tcPr>
+                </a:tc>
+                <a:tc>
+                  <a:txBody>
+                    <a:bodyPr/>
+                    <a:lstStyle/>
+                    <a:p>
+                      <a:pPr latinLnBrk="1"/>
+                      <a:r>
+                        <a:rPr lang="ko-KR" altLang="en-US" sz="1000" dirty="0" smtClean="0"/>
+                        <a:t>공격속도 </a:t>
+                      </a:r>
+                      <a:r>
+                        <a:rPr lang="en-US" altLang="ko-KR" sz="1000" dirty="0" smtClean="0"/>
+                        <a:t>1,.2</a:t>
+                      </a:r>
+                      <a:r>
+                        <a:rPr lang="ko-KR" altLang="en-US" sz="1000" dirty="0" smtClean="0"/>
+                        <a:t>배</a:t>
+                      </a:r>
+                      <a:endParaRPr lang="ko-KR" altLang="en-US" sz="1000" dirty="0"/>
+                    </a:p>
+                  </a:txBody>
+                  <a:tcPr>
+                    <a:lnL w="12700" cap="flat" cmpd="sng" algn="ctr">
+                      <a:solidFill>
+                        <a:schemeClr val="tx1"/>
+                      </a:solidFill>
+                      <a:prstDash val="solid"/>
+                      <a:round/>
+                      <a:headEnd type="none" w="med" len="med"/>
+                      <a:tailEnd type="none" w="med" len="med"/>
+                    </a:lnL>
+                    <a:lnR w="12700" cap="flat" cmpd="sng" algn="ctr">
+                      <a:solidFill>
+                        <a:schemeClr val="tx1"/>
+                      </a:solidFill>
+                      <a:prstDash val="solid"/>
+                      <a:round/>
+                      <a:headEnd type="none" w="med" len="med"/>
+                      <a:tailEnd type="none" w="med" len="med"/>
+                    </a:lnR>
+                  </a:tcPr>
+                </a:tc>
+                <a:tc>
+                  <a:txBody>
+                    <a:bodyPr/>
+                    <a:lstStyle/>
+                    <a:p>
+                      <a:pPr latinLnBrk="1"/>
+                      <a:endParaRPr lang="ko-KR" altLang="en-US" sz="1000" dirty="0"/>
+                    </a:p>
+                  </a:txBody>
+                  <a:tcPr>
+                    <a:lnL w="12700" cap="flat" cmpd="sng" algn="ctr">
+                      <a:solidFill>
+                        <a:schemeClr val="tx1"/>
+                      </a:solidFill>
+                      <a:prstDash val="solid"/>
+                      <a:round/>
+                      <a:headEnd type="none" w="med" len="med"/>
+                      <a:tailEnd type="none" w="med" len="med"/>
+                    </a:lnL>
+                  </a:tcPr>
+                </a:tc>
+              </a:tr>
+              <a:tr h="370840">
+                <a:tc>
+                  <a:txBody>
+                    <a:bodyPr/>
+                    <a:lstStyle/>
+                    <a:p>
+                      <a:pPr latinLnBrk="1"/>
+                      <a:endParaRPr lang="ko-KR" altLang="en-US" sz="1000" dirty="0"/>
+                    </a:p>
+                  </a:txBody>
+                  <a:tcPr>
+                    <a:lnL w="12700" cap="flat" cmpd="sng" algn="ctr">
+                      <a:solidFill>
+                        <a:schemeClr val="tx1"/>
+                      </a:solidFill>
+                      <a:prstDash val="solid"/>
+                      <a:round/>
+                      <a:headEnd type="none" w="med" len="med"/>
+                      <a:tailEnd type="none" w="med" len="med"/>
+                    </a:lnL>
+                    <a:lnR w="12700" cap="flat" cmpd="sng" algn="ctr">
+                      <a:solidFill>
+                        <a:schemeClr val="tx1"/>
+                      </a:solidFill>
+                      <a:prstDash val="solid"/>
+                      <a:round/>
+                      <a:headEnd type="none" w="med" len="med"/>
+                      <a:tailEnd type="none" w="med" len="med"/>
+                    </a:lnR>
+                    <a:lnT w="12700" cap="flat" cmpd="sng" algn="ctr">
+                      <a:solidFill>
+                        <a:schemeClr val="tx1"/>
+                      </a:solidFill>
+                      <a:prstDash val="solid"/>
+                      <a:round/>
+                      <a:headEnd type="none" w="med" len="med"/>
+                      <a:tailEnd type="none" w="med" len="med"/>
+                    </a:lnT>
+                    <a:lnB w="12700" cap="flat" cmpd="sng" algn="ctr">
+                      <a:solidFill>
+                        <a:schemeClr val="tx1"/>
+                      </a:solidFill>
+                      <a:prstDash val="solid"/>
+                      <a:round/>
+                      <a:headEnd type="none" w="med" len="med"/>
+                      <a:tailEnd type="none" w="med" len="med"/>
+                    </a:lnB>
+                  </a:tcPr>
+                </a:tc>
+                <a:tc>
+                  <a:txBody>
+                    <a:bodyPr/>
+                    <a:lstStyle/>
+                    <a:p>
+                      <a:pPr latinLnBrk="1"/>
+                      <a:r>
+                        <a:rPr lang="ko-KR" altLang="en-US" sz="1000" dirty="0" smtClean="0"/>
+                        <a:t>각성제</a:t>
+                      </a:r>
+                      <a:r>
+                        <a:rPr lang="en-US" altLang="ko-KR" sz="1000" dirty="0" smtClean="0"/>
+                        <a:t>2</a:t>
+                      </a:r>
+                      <a:endParaRPr lang="ko-KR" altLang="en-US" sz="1000" dirty="0"/>
+                    </a:p>
+                  </a:txBody>
+                  <a:tcPr>
+                    <a:lnL w="12700" cap="flat" cmpd="sng" algn="ctr">
+                      <a:solidFill>
+                        <a:schemeClr val="tx1"/>
+                      </a:solidFill>
+                      <a:prstDash val="solid"/>
+                      <a:round/>
+                      <a:headEnd type="none" w="med" len="med"/>
+                      <a:tailEnd type="none" w="med" len="med"/>
+                    </a:lnL>
+                    <a:lnR w="12700" cap="flat" cmpd="sng" algn="ctr">
+                      <a:solidFill>
+                        <a:schemeClr val="tx1"/>
+                      </a:solidFill>
+                      <a:prstDash val="solid"/>
+                      <a:round/>
+                      <a:headEnd type="none" w="med" len="med"/>
+                      <a:tailEnd type="none" w="med" len="med"/>
+                    </a:lnR>
+                    <a:lnT w="12700" cap="flat" cmpd="sng" algn="ctr">
+                      <a:solidFill>
+                        <a:schemeClr val="tx1"/>
+                      </a:solidFill>
+                      <a:prstDash val="solid"/>
+                      <a:round/>
+                      <a:headEnd type="none" w="med" len="med"/>
+                      <a:tailEnd type="none" w="med" len="med"/>
+                    </a:lnT>
+                    <a:lnB w="12700" cap="flat" cmpd="sng" algn="ctr">
+                      <a:solidFill>
+                        <a:schemeClr val="tx1"/>
+                      </a:solidFill>
+                      <a:prstDash val="solid"/>
+                      <a:round/>
+                      <a:headEnd type="none" w="med" len="med"/>
+                      <a:tailEnd type="none" w="med" len="med"/>
+                    </a:lnB>
+                  </a:tcPr>
+                </a:tc>
+                <a:tc>
+                  <a:txBody>
+                    <a:bodyPr/>
+                    <a:lstStyle/>
+                    <a:p>
+                      <a:pPr latinLnBrk="1"/>
+                      <a:endParaRPr lang="ko-KR" altLang="en-US" sz="1000" dirty="0"/>
+                    </a:p>
+                  </a:txBody>
+                  <a:tcPr>
+                    <a:lnL w="12700" cap="flat" cmpd="sng" algn="ctr">
+                      <a:solidFill>
+                        <a:schemeClr val="tx1"/>
+                      </a:solidFill>
+                      <a:prstDash val="solid"/>
+                      <a:round/>
+                      <a:headEnd type="none" w="med" len="med"/>
+                      <a:tailEnd type="none" w="med" len="med"/>
+                    </a:lnL>
+                    <a:lnR w="12700" cap="flat" cmpd="sng" algn="ctr">
+                      <a:solidFill>
+                        <a:schemeClr val="tx1"/>
+                      </a:solidFill>
+                      <a:prstDash val="solid"/>
+                      <a:round/>
+                      <a:headEnd type="none" w="med" len="med"/>
+                      <a:tailEnd type="none" w="med" len="med"/>
+                    </a:lnR>
+                  </a:tcPr>
+                </a:tc>
+                <a:tc>
+                  <a:txBody>
+                    <a:bodyPr/>
+                    <a:lstStyle/>
+                    <a:p>
+                      <a:pPr latinLnBrk="1"/>
+                      <a:r>
+                        <a:rPr lang="ko-KR" altLang="en-US" sz="1000" dirty="0" smtClean="0"/>
+                        <a:t>공격속도 </a:t>
+                      </a:r>
+                      <a:r>
+                        <a:rPr lang="en-US" altLang="ko-KR" sz="1000" dirty="0" smtClean="0"/>
+                        <a:t>1.5</a:t>
+                      </a:r>
+                      <a:r>
+                        <a:rPr lang="ko-KR" altLang="en-US" sz="1000" dirty="0" smtClean="0"/>
+                        <a:t>배</a:t>
+                      </a:r>
+                      <a:endParaRPr lang="ko-KR" altLang="en-US" sz="1000" dirty="0"/>
+                    </a:p>
+                  </a:txBody>
+                  <a:tcPr>
+                    <a:lnL w="12700" cap="flat" cmpd="sng" algn="ctr">
+                      <a:solidFill>
+                        <a:schemeClr val="tx1"/>
+                      </a:solidFill>
+                      <a:prstDash val="solid"/>
+                      <a:round/>
+                      <a:headEnd type="none" w="med" len="med"/>
+                      <a:tailEnd type="none" w="med" len="med"/>
+                    </a:lnL>
+                    <a:lnR w="12700" cap="flat" cmpd="sng" algn="ctr">
+                      <a:solidFill>
+                        <a:schemeClr val="tx1"/>
+                      </a:solidFill>
+                      <a:prstDash val="solid"/>
+                      <a:round/>
+                      <a:headEnd type="none" w="med" len="med"/>
+                      <a:tailEnd type="none" w="med" len="med"/>
+                    </a:lnR>
+                  </a:tcPr>
+                </a:tc>
+                <a:tc>
+                  <a:txBody>
+                    <a:bodyPr/>
+                    <a:lstStyle/>
+                    <a:p>
+                      <a:pPr latinLnBrk="1"/>
+                      <a:endParaRPr lang="ko-KR" altLang="en-US" sz="1000" dirty="0"/>
+                    </a:p>
+                  </a:txBody>
+                  <a:tcPr>
+                    <a:lnL w="12700" cap="flat" cmpd="sng" algn="ctr">
+                      <a:solidFill>
+                        <a:schemeClr val="tx1"/>
+                      </a:solidFill>
+                      <a:prstDash val="solid"/>
+                      <a:round/>
+                      <a:headEnd type="none" w="med" len="med"/>
+                      <a:tailEnd type="none" w="med" len="med"/>
+                    </a:lnL>
+                  </a:tcPr>
+                </a:tc>
+              </a:tr>
+              <a:tr h="370840">
+                <a:tc>
+                  <a:txBody>
+                    <a:bodyPr/>
+                    <a:lstStyle/>
+                    <a:p>
+                      <a:pPr latinLnBrk="1"/>
+                      <a:endParaRPr lang="ko-KR" altLang="en-US" sz="1000" dirty="0"/>
+                    </a:p>
+                  </a:txBody>
+                  <a:tcPr>
+                    <a:lnL w="12700" cap="flat" cmpd="sng" algn="ctr">
+                      <a:solidFill>
+                        <a:schemeClr val="tx1"/>
+                      </a:solidFill>
+                      <a:prstDash val="solid"/>
+                      <a:round/>
+                      <a:headEnd type="none" w="med" len="med"/>
+                      <a:tailEnd type="none" w="med" len="med"/>
+                    </a:lnL>
+                    <a:lnR w="12700" cap="flat" cmpd="sng" algn="ctr">
+                      <a:solidFill>
+                        <a:schemeClr val="tx1"/>
+                      </a:solidFill>
+                      <a:prstDash val="solid"/>
+                      <a:round/>
+                      <a:headEnd type="none" w="med" len="med"/>
+                      <a:tailEnd type="none" w="med" len="med"/>
+                    </a:lnR>
+                    <a:lnT w="12700" cap="flat" cmpd="sng" algn="ctr">
+                      <a:solidFill>
+                        <a:schemeClr val="tx1"/>
+                      </a:solidFill>
+                      <a:prstDash val="solid"/>
+                      <a:round/>
+                      <a:headEnd type="none" w="med" len="med"/>
+                      <a:tailEnd type="none" w="med" len="med"/>
+                    </a:lnT>
+                    <a:lnB w="12700" cap="flat" cmpd="sng" algn="ctr">
+                      <a:solidFill>
+                        <a:schemeClr val="tx1"/>
+                      </a:solidFill>
+                      <a:prstDash val="solid"/>
+                      <a:round/>
+                      <a:headEnd type="none" w="med" len="med"/>
+                      <a:tailEnd type="none" w="med" len="med"/>
+                    </a:lnB>
+                  </a:tcPr>
+                </a:tc>
+                <a:tc>
+                  <a:txBody>
+                    <a:bodyPr/>
+                    <a:lstStyle/>
+                    <a:p>
+                      <a:pPr latinLnBrk="1"/>
+                      <a:r>
+                        <a:rPr lang="ko-KR" altLang="en-US" sz="1000" dirty="0" smtClean="0"/>
+                        <a:t>각성제</a:t>
+                      </a:r>
+                      <a:r>
+                        <a:rPr lang="en-US" altLang="ko-KR" sz="1000" dirty="0" smtClean="0"/>
+                        <a:t>3</a:t>
+                      </a:r>
+                      <a:endParaRPr lang="ko-KR" altLang="en-US" sz="1000" dirty="0"/>
+                    </a:p>
+                  </a:txBody>
+                  <a:tcPr>
+                    <a:lnL w="12700" cap="flat" cmpd="sng" algn="ctr">
+                      <a:solidFill>
+                        <a:schemeClr val="tx1"/>
+                      </a:solidFill>
+                      <a:prstDash val="solid"/>
+                      <a:round/>
+                      <a:headEnd type="none" w="med" len="med"/>
+                      <a:tailEnd type="none" w="med" len="med"/>
+                    </a:lnL>
+                    <a:lnR w="12700" cap="flat" cmpd="sng" algn="ctr">
+                      <a:solidFill>
+                        <a:schemeClr val="tx1"/>
+                      </a:solidFill>
+                      <a:prstDash val="solid"/>
+                      <a:round/>
+                      <a:headEnd type="none" w="med" len="med"/>
+                      <a:tailEnd type="none" w="med" len="med"/>
+                    </a:lnR>
+                    <a:lnT w="12700" cap="flat" cmpd="sng" algn="ctr">
+                      <a:solidFill>
+                        <a:schemeClr val="tx1"/>
+                      </a:solidFill>
+                      <a:prstDash val="solid"/>
+                      <a:round/>
+                      <a:headEnd type="none" w="med" len="med"/>
+                      <a:tailEnd type="none" w="med" len="med"/>
+                    </a:lnT>
+                    <a:lnB w="12700" cap="flat" cmpd="sng" algn="ctr">
+                      <a:solidFill>
+                        <a:schemeClr val="tx1"/>
+                      </a:solidFill>
+                      <a:prstDash val="solid"/>
+                      <a:round/>
+                      <a:headEnd type="none" w="med" len="med"/>
+                      <a:tailEnd type="none" w="med" len="med"/>
+                    </a:lnB>
+                  </a:tcPr>
+                </a:tc>
+                <a:tc>
+                  <a:txBody>
+                    <a:bodyPr/>
+                    <a:lstStyle/>
+                    <a:p>
+                      <a:pPr latinLnBrk="1"/>
+                      <a:endParaRPr lang="ko-KR" altLang="en-US" sz="1000" dirty="0"/>
+                    </a:p>
+                  </a:txBody>
+                  <a:tcPr>
+                    <a:lnL w="12700" cap="flat" cmpd="sng" algn="ctr">
+                      <a:solidFill>
+                        <a:schemeClr val="tx1"/>
+                      </a:solidFill>
+                      <a:prstDash val="solid"/>
+                      <a:round/>
+                      <a:headEnd type="none" w="med" len="med"/>
+                      <a:tailEnd type="none" w="med" len="med"/>
+                    </a:lnL>
+                    <a:lnR w="12700" cap="flat" cmpd="sng" algn="ctr">
+                      <a:solidFill>
+                        <a:schemeClr val="tx1"/>
+                      </a:solidFill>
+                      <a:prstDash val="solid"/>
+                      <a:round/>
+                      <a:headEnd type="none" w="med" len="med"/>
+                      <a:tailEnd type="none" w="med" len="med"/>
+                    </a:lnR>
+                  </a:tcPr>
+                </a:tc>
+                <a:tc>
+                  <a:txBody>
+                    <a:bodyPr/>
+                    <a:lstStyle/>
+                    <a:p>
+                      <a:pPr marL="0" marR="0" indent="0" algn="l" defTabSz="914400" rtl="0" eaLnBrk="1" fontAlgn="auto" latinLnBrk="1" hangingPunct="1">
+                        <a:lnSpc>
+                          <a:spcPct val="100000"/>
+                        </a:lnSpc>
+                        <a:spcBef>
+                          <a:spcPts val="0"/>
+                        </a:spcBef>
+                        <a:spcAft>
+                          <a:spcPts val="0"/>
+                        </a:spcAft>
+                        <a:buClrTx/>
+                        <a:buSzTx/>
+                        <a:buFontTx/>
+                        <a:buNone/>
+                        <a:tabLst/>
+                        <a:defRPr/>
+                      </a:pPr>
+                      <a:r>
+                        <a:rPr lang="ko-KR" altLang="en-US" sz="1000" dirty="0" smtClean="0"/>
+                        <a:t>공격속도 </a:t>
+                      </a:r>
+                      <a:r>
+                        <a:rPr lang="en-US" altLang="ko-KR" sz="1000" dirty="0" smtClean="0"/>
+                        <a:t>2</a:t>
+                      </a:r>
+                      <a:r>
+                        <a:rPr lang="ko-KR" altLang="en-US" sz="1000" dirty="0" smtClean="0"/>
+                        <a:t>배</a:t>
+                      </a:r>
+                      <a:endParaRPr lang="en-US" altLang="ko-KR" sz="1000" dirty="0" smtClean="0"/>
+                    </a:p>
+                    <a:p>
+                      <a:pPr marL="0" marR="0" indent="0" algn="l" defTabSz="914400" rtl="0" eaLnBrk="1" fontAlgn="auto" latinLnBrk="1" hangingPunct="1">
+                        <a:lnSpc>
+                          <a:spcPct val="100000"/>
+                        </a:lnSpc>
+                        <a:spcBef>
+                          <a:spcPts val="0"/>
+                        </a:spcBef>
+                        <a:spcAft>
+                          <a:spcPts val="0"/>
+                        </a:spcAft>
+                        <a:buClrTx/>
+                        <a:buSzTx/>
+                        <a:buFontTx/>
+                        <a:buNone/>
+                        <a:tabLst/>
+                        <a:defRPr/>
+                      </a:pPr>
+                      <a:r>
+                        <a:rPr lang="ko-KR" altLang="en-US" sz="1000" dirty="0" smtClean="0"/>
+                        <a:t>대신 </a:t>
+                      </a:r>
+                      <a:r>
+                        <a:rPr lang="ko-KR" altLang="en-US" sz="1000" dirty="0" err="1" smtClean="0"/>
+                        <a:t>맞았을때</a:t>
+                      </a:r>
+                      <a:r>
+                        <a:rPr lang="ko-KR" altLang="en-US" sz="1000" dirty="0" smtClean="0"/>
+                        <a:t> </a:t>
+                      </a:r>
+                      <a:r>
+                        <a:rPr lang="en-US" altLang="ko-KR" sz="1000" dirty="0" smtClean="0"/>
+                        <a:t>2</a:t>
+                      </a:r>
+                      <a:r>
+                        <a:rPr lang="ko-KR" altLang="en-US" sz="1000" dirty="0" smtClean="0"/>
+                        <a:t>배의 피해를 입음</a:t>
+                      </a:r>
+                    </a:p>
+                  </a:txBody>
+                  <a:tcPr>
+                    <a:lnL w="12700" cap="flat" cmpd="sng" algn="ctr">
+                      <a:solidFill>
+                        <a:schemeClr val="tx1"/>
+                      </a:solidFill>
+                      <a:prstDash val="solid"/>
+                      <a:round/>
+                      <a:headEnd type="none" w="med" len="med"/>
+                      <a:tailEnd type="none" w="med" len="med"/>
+                    </a:lnL>
+                    <a:lnR w="12700" cap="flat" cmpd="sng" algn="ctr">
+                      <a:solidFill>
+                        <a:schemeClr val="tx1"/>
+                      </a:solidFill>
+                      <a:prstDash val="solid"/>
+                      <a:round/>
+                      <a:headEnd type="none" w="med" len="med"/>
+                      <a:tailEnd type="none" w="med" len="med"/>
+                    </a:lnR>
+                  </a:tcPr>
+                </a:tc>
+                <a:tc>
+                  <a:txBody>
+                    <a:bodyPr/>
+                    <a:lstStyle/>
+                    <a:p>
+                      <a:pPr latinLnBrk="1"/>
+                      <a:endParaRPr lang="ko-KR" altLang="en-US" sz="1000" dirty="0"/>
+                    </a:p>
+                  </a:txBody>
+                  <a:tcPr>
+                    <a:lnL w="12700" cap="flat" cmpd="sng" algn="ctr">
+                      <a:solidFill>
+                        <a:schemeClr val="tx1"/>
+                      </a:solidFill>
+                      <a:prstDash val="solid"/>
+                      <a:round/>
+                      <a:headEnd type="none" w="med" len="med"/>
+                      <a:tailEnd type="none" w="med" len="med"/>
+                    </a:lnL>
+                  </a:tcPr>
+                </a:tc>
+              </a:tr>
+              <a:tr h="370840">
+                <a:tc>
+                  <a:txBody>
+                    <a:bodyPr/>
+                    <a:lstStyle/>
+                    <a:p>
+                      <a:pPr latinLnBrk="1"/>
+                      <a:endParaRPr lang="ko-KR" altLang="en-US" sz="1000" dirty="0"/>
+                    </a:p>
+                  </a:txBody>
+                  <a:tcPr>
+                    <a:lnL w="12700" cap="flat" cmpd="sng" algn="ctr">
+                      <a:solidFill>
+                        <a:schemeClr val="tx1"/>
+                      </a:solidFill>
+                      <a:prstDash val="solid"/>
+                      <a:round/>
+                      <a:headEnd type="none" w="med" len="med"/>
+                      <a:tailEnd type="none" w="med" len="med"/>
+                    </a:lnL>
+                    <a:lnR w="12700" cap="flat" cmpd="sng" algn="ctr">
+                      <a:solidFill>
+                        <a:schemeClr val="tx1"/>
+                      </a:solidFill>
+                      <a:prstDash val="solid"/>
+                      <a:round/>
+                      <a:headEnd type="none" w="med" len="med"/>
+                      <a:tailEnd type="none" w="med" len="med"/>
+                    </a:lnR>
+                    <a:lnT w="12700" cap="flat" cmpd="sng" algn="ctr">
+                      <a:solidFill>
+                        <a:schemeClr val="tx1"/>
+                      </a:solidFill>
+                      <a:prstDash val="solid"/>
+                      <a:round/>
+                      <a:headEnd type="none" w="med" len="med"/>
+                      <a:tailEnd type="none" w="med" len="med"/>
+                    </a:lnT>
+                    <a:lnB w="12700" cap="flat" cmpd="sng" algn="ctr">
+                      <a:solidFill>
+                        <a:schemeClr val="tx1"/>
+                      </a:solidFill>
+                      <a:prstDash val="solid"/>
+                      <a:round/>
+                      <a:headEnd type="none" w="med" len="med"/>
+                      <a:tailEnd type="none" w="med" len="med"/>
+                    </a:lnB>
+                  </a:tcPr>
+                </a:tc>
+                <a:tc>
+                  <a:txBody>
+                    <a:bodyPr/>
+                    <a:lstStyle/>
+                    <a:p>
+                      <a:pPr latinLnBrk="1"/>
+                      <a:endParaRPr lang="ko-KR" altLang="en-US" sz="1000" dirty="0"/>
+                    </a:p>
+                  </a:txBody>
+                  <a:tcPr>
+                    <a:lnL w="12700" cap="flat" cmpd="sng" algn="ctr">
+                      <a:solidFill>
+                        <a:schemeClr val="tx1"/>
+                      </a:solidFill>
+                      <a:prstDash val="solid"/>
+                      <a:round/>
+                      <a:headEnd type="none" w="med" len="med"/>
+                      <a:tailEnd type="none" w="med" len="med"/>
+                    </a:lnL>
+                    <a:lnR w="12700" cap="flat" cmpd="sng" algn="ctr">
+                      <a:solidFill>
+                        <a:schemeClr val="tx1"/>
+                      </a:solidFill>
+                      <a:prstDash val="solid"/>
+                      <a:round/>
+                      <a:headEnd type="none" w="med" len="med"/>
+                      <a:tailEnd type="none" w="med" len="med"/>
+                    </a:lnR>
+                    <a:lnT w="12700" cap="flat" cmpd="sng" algn="ctr">
+                      <a:solidFill>
+                        <a:schemeClr val="tx1"/>
+                      </a:solidFill>
+                      <a:prstDash val="solid"/>
+                      <a:round/>
+                      <a:headEnd type="none" w="med" len="med"/>
+                      <a:tailEnd type="none" w="med" len="med"/>
+                    </a:lnT>
+                    <a:lnB w="12700" cap="flat" cmpd="sng" algn="ctr">
+                      <a:solidFill>
+                        <a:schemeClr val="tx1"/>
+                      </a:solidFill>
+                      <a:prstDash val="solid"/>
+                      <a:round/>
+                      <a:headEnd type="none" w="med" len="med"/>
+                      <a:tailEnd type="none" w="med" len="med"/>
+                    </a:lnB>
+                  </a:tcPr>
+                </a:tc>
+                <a:tc>
+                  <a:txBody>
+                    <a:bodyPr/>
+                    <a:lstStyle/>
+                    <a:p>
+                      <a:pPr latinLnBrk="1"/>
+                      <a:endParaRPr lang="ko-KR" altLang="en-US" sz="1000" dirty="0"/>
+                    </a:p>
+                  </a:txBody>
+                  <a:tcPr>
+                    <a:lnL w="12700" cap="flat" cmpd="sng" algn="ctr">
+                      <a:solidFill>
+                        <a:schemeClr val="tx1"/>
+                      </a:solidFill>
+                      <a:prstDash val="solid"/>
+                      <a:round/>
+                      <a:headEnd type="none" w="med" len="med"/>
+                      <a:tailEnd type="none" w="med" len="med"/>
+                    </a:lnL>
+                    <a:lnR w="12700" cap="flat" cmpd="sng" algn="ctr">
+                      <a:solidFill>
+                        <a:schemeClr val="tx1"/>
+                      </a:solidFill>
+                      <a:prstDash val="solid"/>
+                      <a:round/>
+                      <a:headEnd type="none" w="med" len="med"/>
+                      <a:tailEnd type="none" w="med" len="med"/>
+                    </a:lnR>
+                  </a:tcPr>
+                </a:tc>
+                <a:tc>
+                  <a:txBody>
+                    <a:bodyPr/>
+                    <a:lstStyle/>
+                    <a:p>
+                      <a:pPr latinLnBrk="1"/>
+                      <a:endParaRPr lang="ko-KR" altLang="en-US" sz="1000" dirty="0"/>
+                    </a:p>
+                  </a:txBody>
+                  <a:tcPr>
+                    <a:lnL w="12700" cap="flat" cmpd="sng" algn="ctr">
+                      <a:solidFill>
+                        <a:schemeClr val="tx1"/>
+                      </a:solidFill>
+                      <a:prstDash val="solid"/>
+                      <a:round/>
+                      <a:headEnd type="none" w="med" len="med"/>
+                      <a:tailEnd type="none" w="med" len="med"/>
+                    </a:lnL>
+                    <a:lnR w="12700" cap="flat" cmpd="sng" algn="ctr">
+                      <a:solidFill>
+                        <a:schemeClr val="tx1"/>
+                      </a:solidFill>
+                      <a:prstDash val="solid"/>
+                      <a:round/>
+                      <a:headEnd type="none" w="med" len="med"/>
+                      <a:tailEnd type="none" w="med" len="med"/>
+                    </a:lnR>
+                  </a:tcPr>
+                </a:tc>
+                <a:tc>
+                  <a:txBody>
+                    <a:bodyPr/>
+                    <a:lstStyle/>
+                    <a:p>
+                      <a:pPr latinLnBrk="1"/>
+                      <a:endParaRPr lang="ko-KR" altLang="en-US" sz="1000" dirty="0"/>
+                    </a:p>
+                  </a:txBody>
+                  <a:tcPr>
+                    <a:lnL w="12700" cap="flat" cmpd="sng" algn="ctr">
+                      <a:solidFill>
+                        <a:schemeClr val="tx1"/>
+                      </a:solidFill>
+                      <a:prstDash val="solid"/>
+                      <a:round/>
+                      <a:headEnd type="none" w="med" len="med"/>
+                      <a:tailEnd type="none" w="med" len="med"/>
+                    </a:lnL>
+                  </a:tcPr>
+                </a:tc>
+              </a:tr>
+              <a:tr h="370840">
+                <a:tc>
+                  <a:txBody>
+                    <a:bodyPr/>
+                    <a:lstStyle/>
+                    <a:p>
+                      <a:pPr latinLnBrk="1"/>
+                      <a:endParaRPr lang="ko-KR" altLang="en-US" sz="1000" dirty="0"/>
+                    </a:p>
+                  </a:txBody>
+                  <a:tcPr>
+                    <a:lnL w="12700" cap="flat" cmpd="sng" algn="ctr">
+                      <a:solidFill>
+                        <a:schemeClr val="tx1"/>
+                      </a:solidFill>
+                      <a:prstDash val="solid"/>
+                      <a:round/>
+                      <a:headEnd type="none" w="med" len="med"/>
+                      <a:tailEnd type="none" w="med" len="med"/>
+                    </a:lnL>
+                    <a:lnR w="12700" cap="flat" cmpd="sng" algn="ctr">
+                      <a:solidFill>
+                        <a:schemeClr val="tx1"/>
+                      </a:solidFill>
+                      <a:prstDash val="solid"/>
+                      <a:round/>
+                      <a:headEnd type="none" w="med" len="med"/>
+                      <a:tailEnd type="none" w="med" len="med"/>
+                    </a:lnR>
+                    <a:lnT w="12700" cap="flat" cmpd="sng" algn="ctr">
+                      <a:solidFill>
+                        <a:schemeClr val="tx1"/>
+                      </a:solidFill>
+                      <a:prstDash val="solid"/>
+                      <a:round/>
+                      <a:headEnd type="none" w="med" len="med"/>
+                      <a:tailEnd type="none" w="med" len="med"/>
+                    </a:lnT>
+                    <a:lnB w="12700" cap="flat" cmpd="sng" algn="ctr">
+                      <a:solidFill>
+                        <a:schemeClr val="tx1"/>
+                      </a:solidFill>
+                      <a:prstDash val="solid"/>
+                      <a:round/>
+                      <a:headEnd type="none" w="med" len="med"/>
+                      <a:tailEnd type="none" w="med" len="med"/>
+                    </a:lnB>
+                  </a:tcPr>
+                </a:tc>
+                <a:tc>
+                  <a:txBody>
+                    <a:bodyPr/>
+                    <a:lstStyle/>
+                    <a:p>
+                      <a:endParaRPr lang="ko-KR" altLang="en-US"/>
+                    </a:p>
+                  </a:txBody>
+                  <a:tcPr>
+                    <a:lnL w="12700" cap="flat" cmpd="sng" algn="ctr">
+                      <a:solidFill>
+                        <a:schemeClr val="tx1"/>
+                      </a:solidFill>
+                      <a:prstDash val="solid"/>
+                      <a:round/>
+                      <a:headEnd type="none" w="med" len="med"/>
+                      <a:tailEnd type="none" w="med" len="med"/>
+                    </a:lnL>
+                    <a:lnR w="12700" cap="flat" cmpd="sng" algn="ctr">
+                      <a:solidFill>
+                        <a:schemeClr val="tx1"/>
+                      </a:solidFill>
+                      <a:prstDash val="solid"/>
+                      <a:round/>
+                      <a:headEnd type="none" w="med" len="med"/>
+                      <a:tailEnd type="none" w="med" len="med"/>
+                    </a:lnR>
+                    <a:lnT w="12700" cap="flat" cmpd="sng" algn="ctr">
+                      <a:solidFill>
+                        <a:schemeClr val="tx1"/>
+                      </a:solidFill>
+                      <a:prstDash val="solid"/>
+                      <a:round/>
+                      <a:headEnd type="none" w="med" len="med"/>
+                      <a:tailEnd type="none" w="med" len="med"/>
+                    </a:lnT>
+                    <a:lnB w="12700" cap="flat" cmpd="sng" algn="ctr">
+                      <a:solidFill>
+                        <a:schemeClr val="tx1"/>
+                      </a:solidFill>
+                      <a:prstDash val="solid"/>
+                      <a:round/>
+                      <a:headEnd type="none" w="med" len="med"/>
+                      <a:tailEnd type="none" w="med" len="med"/>
+                    </a:lnB>
+                  </a:tcPr>
+                </a:tc>
+                <a:tc>
+                  <a:txBody>
+                    <a:bodyPr/>
+                    <a:lstStyle/>
+                    <a:p>
+                      <a:endParaRPr lang="ko-KR" altLang="en-US"/>
+                    </a:p>
+                  </a:txBody>
+                  <a:tcPr>
+                    <a:lnL w="12700" cap="flat" cmpd="sng" algn="ctr">
+                      <a:solidFill>
+                        <a:schemeClr val="tx1"/>
+                      </a:solidFill>
+                      <a:prstDash val="solid"/>
+                      <a:round/>
+                      <a:headEnd type="none" w="med" len="med"/>
+                      <a:tailEnd type="none" w="med" len="med"/>
+                    </a:lnL>
+                    <a:lnR w="12700" cap="flat" cmpd="sng" algn="ctr">
+                      <a:solidFill>
+                        <a:schemeClr val="tx1"/>
+                      </a:solidFill>
+                      <a:prstDash val="solid"/>
+                      <a:round/>
+                      <a:headEnd type="none" w="med" len="med"/>
+                      <a:tailEnd type="none" w="med" len="med"/>
+                    </a:lnR>
+                  </a:tcPr>
+                </a:tc>
+                <a:tc>
+                  <a:txBody>
+                    <a:bodyPr/>
+                    <a:lstStyle/>
+                    <a:p>
+                      <a:endParaRPr lang="ko-KR" altLang="en-US"/>
+                    </a:p>
+                  </a:txBody>
+                  <a:tcPr>
+                    <a:lnL w="12700" cap="flat" cmpd="sng" algn="ctr">
+                      <a:solidFill>
+                        <a:schemeClr val="tx1"/>
+                      </a:solidFill>
+                      <a:prstDash val="solid"/>
+                      <a:round/>
+                      <a:headEnd type="none" w="med" len="med"/>
+                      <a:tailEnd type="none" w="med" len="med"/>
+                    </a:lnL>
+                    <a:lnR w="12700" cap="flat" cmpd="sng" algn="ctr">
+                      <a:solidFill>
+                        <a:schemeClr val="tx1"/>
+                      </a:solidFill>
+                      <a:prstDash val="solid"/>
+                      <a:round/>
+                      <a:headEnd type="none" w="med" len="med"/>
+                      <a:tailEnd type="none" w="med" len="med"/>
+                    </a:lnR>
+                  </a:tcPr>
+                </a:tc>
+                <a:tc>
+                  <a:txBody>
+                    <a:bodyPr/>
+                    <a:lstStyle/>
+                    <a:p>
+                      <a:endParaRPr lang="ko-KR" altLang="en-US"/>
+                    </a:p>
+                  </a:txBody>
+                  <a:tcPr>
+                    <a:lnL w="12700" cap="flat" cmpd="sng" algn="ctr">
+                      <a:solidFill>
+                        <a:schemeClr val="tx1"/>
+                      </a:solidFill>
+                      <a:prstDash val="solid"/>
+                      <a:round/>
+                      <a:headEnd type="none" w="med" len="med"/>
+                      <a:tailEnd type="none" w="med" len="med"/>
+                    </a:lnL>
+                  </a:tcPr>
+                </a:tc>
+              </a:tr>
+              <a:tr h="370840">
+                <a:tc>
+                  <a:txBody>
+                    <a:bodyPr/>
+                    <a:lstStyle/>
+                    <a:p>
+                      <a:pPr latinLnBrk="1"/>
+                      <a:endParaRPr lang="ko-KR" altLang="en-US" sz="1000" dirty="0"/>
+                    </a:p>
+                  </a:txBody>
+                  <a:tcPr>
+                    <a:lnL w="12700" cap="flat" cmpd="sng" algn="ctr">
+                      <a:solidFill>
+                        <a:schemeClr val="tx1"/>
+                      </a:solidFill>
+                      <a:prstDash val="solid"/>
+                      <a:round/>
+                      <a:headEnd type="none" w="med" len="med"/>
+                      <a:tailEnd type="none" w="med" len="med"/>
+                    </a:lnL>
+                    <a:lnR w="12700" cap="flat" cmpd="sng" algn="ctr">
+                      <a:solidFill>
+                        <a:schemeClr val="tx1"/>
+                      </a:solidFill>
+                      <a:prstDash val="solid"/>
+                      <a:round/>
+                      <a:headEnd type="none" w="med" len="med"/>
+                      <a:tailEnd type="none" w="med" len="med"/>
+                    </a:lnR>
+                    <a:lnT w="12700" cap="flat" cmpd="sng" algn="ctr">
+                      <a:solidFill>
+                        <a:schemeClr val="tx1"/>
+                      </a:solidFill>
+                      <a:prstDash val="solid"/>
+                      <a:round/>
+                      <a:headEnd type="none" w="med" len="med"/>
+                      <a:tailEnd type="none" w="med" len="med"/>
+                    </a:lnT>
+                    <a:lnB w="12700" cap="flat" cmpd="sng" algn="ctr">
+                      <a:solidFill>
+                        <a:schemeClr val="tx1"/>
+                      </a:solidFill>
+                      <a:prstDash val="solid"/>
+                      <a:round/>
+                      <a:headEnd type="none" w="med" len="med"/>
+                      <a:tailEnd type="none" w="med" len="med"/>
+                    </a:lnB>
+                  </a:tcPr>
+                </a:tc>
+                <a:tc>
+                  <a:txBody>
+                    <a:bodyPr/>
+                    <a:lstStyle/>
+                    <a:p>
+                      <a:endParaRPr lang="ko-KR" altLang="en-US"/>
+                    </a:p>
+                  </a:txBody>
+                  <a:tcPr>
+                    <a:lnL w="12700" cap="flat" cmpd="sng" algn="ctr">
+                      <a:solidFill>
+                        <a:schemeClr val="tx1"/>
+                      </a:solidFill>
+                      <a:prstDash val="solid"/>
+                      <a:round/>
+                      <a:headEnd type="none" w="med" len="med"/>
+                      <a:tailEnd type="none" w="med" len="med"/>
+                    </a:lnL>
+                    <a:lnR w="12700" cap="flat" cmpd="sng" algn="ctr">
+                      <a:solidFill>
+                        <a:schemeClr val="tx1"/>
+                      </a:solidFill>
+                      <a:prstDash val="solid"/>
+                      <a:round/>
+                      <a:headEnd type="none" w="med" len="med"/>
+                      <a:tailEnd type="none" w="med" len="med"/>
+                    </a:lnR>
+                    <a:lnT w="12700" cap="flat" cmpd="sng" algn="ctr">
+                      <a:solidFill>
+                        <a:schemeClr val="tx1"/>
+                      </a:solidFill>
+                      <a:prstDash val="solid"/>
+                      <a:round/>
+                      <a:headEnd type="none" w="med" len="med"/>
+                      <a:tailEnd type="none" w="med" len="med"/>
+                    </a:lnT>
+                    <a:lnB w="12700" cap="flat" cmpd="sng" algn="ctr">
+                      <a:solidFill>
+                        <a:schemeClr val="tx1"/>
+                      </a:solidFill>
+                      <a:prstDash val="solid"/>
+                      <a:round/>
+                      <a:headEnd type="none" w="med" len="med"/>
+                      <a:tailEnd type="none" w="med" len="med"/>
+                    </a:lnB>
+                  </a:tcPr>
+                </a:tc>
+                <a:tc>
+                  <a:txBody>
+                    <a:bodyPr/>
+                    <a:lstStyle/>
+                    <a:p>
+                      <a:endParaRPr lang="ko-KR" altLang="en-US"/>
+                    </a:p>
+                  </a:txBody>
+                  <a:tcPr>
+                    <a:lnL w="12700" cap="flat" cmpd="sng" algn="ctr">
+                      <a:solidFill>
+                        <a:schemeClr val="tx1"/>
+                      </a:solidFill>
+                      <a:prstDash val="solid"/>
+                      <a:round/>
+                      <a:headEnd type="none" w="med" len="med"/>
+                      <a:tailEnd type="none" w="med" len="med"/>
+                    </a:lnL>
+                    <a:lnR w="12700" cap="flat" cmpd="sng" algn="ctr">
+                      <a:solidFill>
+                        <a:schemeClr val="tx1"/>
+                      </a:solidFill>
+                      <a:prstDash val="solid"/>
+                      <a:round/>
+                      <a:headEnd type="none" w="med" len="med"/>
+                      <a:tailEnd type="none" w="med" len="med"/>
+                    </a:lnR>
+                  </a:tcPr>
+                </a:tc>
+                <a:tc>
+                  <a:txBody>
+                    <a:bodyPr/>
+                    <a:lstStyle/>
+                    <a:p>
+                      <a:endParaRPr lang="ko-KR" altLang="en-US" dirty="0"/>
+                    </a:p>
+                  </a:txBody>
+                  <a:tcPr>
+                    <a:lnL w="12700" cap="flat" cmpd="sng" algn="ctr">
+                      <a:solidFill>
+                        <a:schemeClr val="tx1"/>
+                      </a:solidFill>
+                      <a:prstDash val="solid"/>
+                      <a:round/>
+                      <a:headEnd type="none" w="med" len="med"/>
+                      <a:tailEnd type="none" w="med" len="med"/>
+                    </a:lnL>
+                    <a:lnR w="12700" cap="flat" cmpd="sng" algn="ctr">
+                      <a:solidFill>
+                        <a:schemeClr val="tx1"/>
+                      </a:solidFill>
+                      <a:prstDash val="solid"/>
+                      <a:round/>
+                      <a:headEnd type="none" w="med" len="med"/>
+                      <a:tailEnd type="none" w="med" len="med"/>
+                    </a:lnR>
+                  </a:tcPr>
+                </a:tc>
+                <a:tc>
+                  <a:txBody>
+                    <a:bodyPr/>
+                    <a:lstStyle/>
+                    <a:p>
+                      <a:endParaRPr lang="ko-KR" altLang="en-US" dirty="0"/>
+                    </a:p>
+                  </a:txBody>
+                  <a:tcPr>
+                    <a:lnL w="12700" cap="flat" cmpd="sng" algn="ctr">
+                      <a:solidFill>
+                        <a:schemeClr val="tx1"/>
+                      </a:solidFill>
+                      <a:prstDash val="solid"/>
+                      <a:round/>
+                      <a:headEnd type="none" w="med" len="med"/>
+                      <a:tailEnd type="none" w="med" len="med"/>
+                    </a:lnL>
+                  </a:tcPr>
+                </a:tc>
+              </a:tr>
+            </a:tbl>
+          </a:graphicData>
+        </a:graphic>
+      </p:graphicFrame>
     </p:spTree>
     <p:extLst>
       <p:ext uri="{BB962C8B-B14F-4D97-AF65-F5344CB8AC3E}">
-        <p14:creationId xmlns:p14="http://schemas.microsoft.com/office/powerpoint/2010/main" val="26445271"/>
+        <p14:creationId xmlns:p14="http://schemas.microsoft.com/office/powerpoint/2010/main" val="723897033"/>
       </p:ext>
     </p:extLst>
   </p:cSld>
@@ -3291,7 +5409,2144 @@
           <a:p>
             <a:r>
               <a:rPr lang="ko-KR" altLang="en-US" dirty="0" err="1" smtClean="0"/>
-              <a:t>몬스터</a:t>
+              <a:t>수류탄류</a:t>
+            </a:r>
+            <a:endParaRPr lang="ko-KR" altLang="en-US" dirty="0"/>
+          </a:p>
+        </p:txBody>
+      </p:sp>
+      <p:graphicFrame>
+        <p:nvGraphicFramePr>
+          <p:cNvPr id="4" name="표 3"/>
+          <p:cNvGraphicFramePr>
+            <a:graphicFrameLocks noGrp="1"/>
+          </p:cNvGraphicFramePr>
+          <p:nvPr>
+            <p:extLst>
+              <p:ext uri="{D42A27DB-BD31-4B8C-83A1-F6EECF244321}">
+                <p14:modId xmlns:p14="http://schemas.microsoft.com/office/powerpoint/2010/main" val="2535358602"/>
+              </p:ext>
+            </p:extLst>
+          </p:nvPr>
+        </p:nvGraphicFramePr>
+        <p:xfrm>
+          <a:off x="395536" y="1412776"/>
+          <a:ext cx="8136904" cy="4460240"/>
+        </p:xfrm>
+        <a:graphic>
+          <a:graphicData uri="http://schemas.openxmlformats.org/drawingml/2006/table">
+            <a:tbl>
+              <a:tblPr firstRow="1" bandRow="1">
+                <a:tableStyleId>{7E9639D4-E3E2-4D34-9284-5A2195B3D0D7}</a:tableStyleId>
+              </a:tblPr>
+              <a:tblGrid>
+                <a:gridCol w="1329680"/>
+                <a:gridCol w="1329680"/>
+                <a:gridCol w="2165176"/>
+                <a:gridCol w="936104"/>
+                <a:gridCol w="2376264"/>
+              </a:tblGrid>
+              <a:tr h="370840">
+                <a:tc>
+                  <a:txBody>
+                    <a:bodyPr/>
+                    <a:lstStyle/>
+                    <a:p>
+                      <a:pPr latinLnBrk="1"/>
+                      <a:r>
+                        <a:rPr lang="ko-KR" altLang="en-US" sz="1000" dirty="0" smtClean="0"/>
+                        <a:t>아이콘</a:t>
+                      </a:r>
+                      <a:endParaRPr lang="ko-KR" altLang="en-US" sz="1000" dirty="0"/>
+                    </a:p>
+                  </a:txBody>
+                  <a:tcPr>
+                    <a:lnB w="12700" cap="flat" cmpd="sng" algn="ctr">
+                      <a:solidFill>
+                        <a:schemeClr val="tx1"/>
+                      </a:solidFill>
+                      <a:prstDash val="solid"/>
+                      <a:round/>
+                      <a:headEnd type="none" w="med" len="med"/>
+                      <a:tailEnd type="none" w="med" len="med"/>
+                    </a:lnB>
+                  </a:tcPr>
+                </a:tc>
+                <a:tc>
+                  <a:txBody>
+                    <a:bodyPr/>
+                    <a:lstStyle/>
+                    <a:p>
+                      <a:pPr latinLnBrk="1"/>
+                      <a:r>
+                        <a:rPr lang="ko-KR" altLang="en-US" sz="1000" dirty="0" smtClean="0"/>
+                        <a:t>이름</a:t>
+                      </a:r>
+                      <a:endParaRPr lang="ko-KR" altLang="en-US" sz="1000" dirty="0"/>
+                    </a:p>
+                  </a:txBody>
+                  <a:tcPr>
+                    <a:lnB w="12700" cap="flat" cmpd="sng" algn="ctr">
+                      <a:solidFill>
+                        <a:schemeClr val="tx1"/>
+                      </a:solidFill>
+                      <a:prstDash val="solid"/>
+                      <a:round/>
+                      <a:headEnd type="none" w="med" len="med"/>
+                      <a:tailEnd type="none" w="med" len="med"/>
+                    </a:lnB>
+                  </a:tcPr>
+                </a:tc>
+                <a:tc>
+                  <a:txBody>
+                    <a:bodyPr/>
+                    <a:lstStyle/>
+                    <a:p>
+                      <a:pPr latinLnBrk="1"/>
+                      <a:r>
+                        <a:rPr lang="ko-KR" altLang="en-US" sz="1000" dirty="0" smtClean="0"/>
+                        <a:t>설명</a:t>
+                      </a:r>
+                      <a:endParaRPr lang="ko-KR" altLang="en-US" sz="1000" dirty="0"/>
+                    </a:p>
+                  </a:txBody>
+                  <a:tcPr/>
+                </a:tc>
+                <a:tc>
+                  <a:txBody>
+                    <a:bodyPr/>
+                    <a:lstStyle/>
+                    <a:p>
+                      <a:pPr latinLnBrk="1"/>
+                      <a:r>
+                        <a:rPr lang="ko-KR" altLang="en-US" sz="1000" dirty="0" smtClean="0"/>
+                        <a:t>지속시간 </a:t>
+                      </a:r>
+                      <a:endParaRPr lang="ko-KR" altLang="en-US" sz="1000" dirty="0"/>
+                    </a:p>
+                  </a:txBody>
+                  <a:tcPr/>
+                </a:tc>
+                <a:tc>
+                  <a:txBody>
+                    <a:bodyPr/>
+                    <a:lstStyle/>
+                    <a:p>
+                      <a:pPr latinLnBrk="1"/>
+                      <a:r>
+                        <a:rPr lang="ko-KR" altLang="en-US" sz="1000" dirty="0" smtClean="0"/>
+                        <a:t>기타의견</a:t>
+                      </a:r>
+                      <a:endParaRPr lang="ko-KR" altLang="en-US" sz="1000" dirty="0"/>
+                    </a:p>
+                  </a:txBody>
+                  <a:tcPr/>
+                </a:tc>
+              </a:tr>
+              <a:tr h="370840">
+                <a:tc>
+                  <a:txBody>
+                    <a:bodyPr/>
+                    <a:lstStyle/>
+                    <a:p>
+                      <a:pPr latinLnBrk="1"/>
+                      <a:endParaRPr lang="ko-KR" altLang="en-US" sz="1000" dirty="0"/>
+                    </a:p>
+                  </a:txBody>
+                  <a:tcPr>
+                    <a:lnL w="12700" cap="flat" cmpd="sng" algn="ctr">
+                      <a:solidFill>
+                        <a:schemeClr val="tx1"/>
+                      </a:solidFill>
+                      <a:prstDash val="solid"/>
+                      <a:round/>
+                      <a:headEnd type="none" w="med" len="med"/>
+                      <a:tailEnd type="none" w="med" len="med"/>
+                    </a:lnL>
+                    <a:lnR w="12700" cap="flat" cmpd="sng" algn="ctr">
+                      <a:solidFill>
+                        <a:schemeClr val="tx1"/>
+                      </a:solidFill>
+                      <a:prstDash val="solid"/>
+                      <a:round/>
+                      <a:headEnd type="none" w="med" len="med"/>
+                      <a:tailEnd type="none" w="med" len="med"/>
+                    </a:lnR>
+                    <a:lnT w="12700" cap="flat" cmpd="sng" algn="ctr">
+                      <a:solidFill>
+                        <a:schemeClr val="tx1"/>
+                      </a:solidFill>
+                      <a:prstDash val="solid"/>
+                      <a:round/>
+                      <a:headEnd type="none" w="med" len="med"/>
+                      <a:tailEnd type="none" w="med" len="med"/>
+                    </a:lnT>
+                    <a:lnB w="12700" cap="flat" cmpd="sng" algn="ctr">
+                      <a:solidFill>
+                        <a:schemeClr val="tx1"/>
+                      </a:solidFill>
+                      <a:prstDash val="solid"/>
+                      <a:round/>
+                      <a:headEnd type="none" w="med" len="med"/>
+                      <a:tailEnd type="none" w="med" len="med"/>
+                    </a:lnB>
+                  </a:tcPr>
+                </a:tc>
+                <a:tc>
+                  <a:txBody>
+                    <a:bodyPr/>
+                    <a:lstStyle/>
+                    <a:p>
+                      <a:pPr latinLnBrk="1"/>
+                      <a:r>
+                        <a:rPr lang="ko-KR" altLang="en-US" sz="1000" dirty="0" smtClean="0"/>
+                        <a:t>다이너마이트 폭탄</a:t>
+                      </a:r>
+                      <a:endParaRPr lang="ko-KR" altLang="en-US" sz="1000" dirty="0"/>
+                    </a:p>
+                  </a:txBody>
+                  <a:tcPr>
+                    <a:lnL w="12700" cap="flat" cmpd="sng" algn="ctr">
+                      <a:solidFill>
+                        <a:schemeClr val="tx1"/>
+                      </a:solidFill>
+                      <a:prstDash val="solid"/>
+                      <a:round/>
+                      <a:headEnd type="none" w="med" len="med"/>
+                      <a:tailEnd type="none" w="med" len="med"/>
+                    </a:lnL>
+                    <a:lnR w="12700" cap="flat" cmpd="sng" algn="ctr">
+                      <a:solidFill>
+                        <a:schemeClr val="tx1"/>
+                      </a:solidFill>
+                      <a:prstDash val="solid"/>
+                      <a:round/>
+                      <a:headEnd type="none" w="med" len="med"/>
+                      <a:tailEnd type="none" w="med" len="med"/>
+                    </a:lnR>
+                    <a:lnT w="12700" cap="flat" cmpd="sng" algn="ctr">
+                      <a:solidFill>
+                        <a:schemeClr val="tx1"/>
+                      </a:solidFill>
+                      <a:prstDash val="solid"/>
+                      <a:round/>
+                      <a:headEnd type="none" w="med" len="med"/>
+                      <a:tailEnd type="none" w="med" len="med"/>
+                    </a:lnT>
+                    <a:lnB w="12700" cap="flat" cmpd="sng" algn="ctr">
+                      <a:solidFill>
+                        <a:schemeClr val="tx1"/>
+                      </a:solidFill>
+                      <a:prstDash val="solid"/>
+                      <a:round/>
+                      <a:headEnd type="none" w="med" len="med"/>
+                      <a:tailEnd type="none" w="med" len="med"/>
+                    </a:lnB>
+                    <a:solidFill>
+                      <a:schemeClr val="bg1"/>
+                    </a:solidFill>
+                  </a:tcPr>
+                </a:tc>
+                <a:tc>
+                  <a:txBody>
+                    <a:bodyPr/>
+                    <a:lstStyle/>
+                    <a:p>
+                      <a:pPr latinLnBrk="1"/>
+                      <a:r>
+                        <a:rPr lang="ko-KR" altLang="en-US" sz="1000" dirty="0" smtClean="0"/>
+                        <a:t>강력한 </a:t>
+                      </a:r>
+                      <a:r>
+                        <a:rPr lang="ko-KR" altLang="en-US" sz="1000" dirty="0" err="1" smtClean="0"/>
+                        <a:t>데미지와</a:t>
+                      </a:r>
+                      <a:r>
+                        <a:rPr lang="ko-KR" altLang="en-US" sz="1000" dirty="0" smtClean="0"/>
+                        <a:t> 넓은 공격범위</a:t>
+                      </a:r>
+                      <a:r>
+                        <a:rPr lang="en-US" altLang="ko-KR" sz="1000" dirty="0" smtClean="0"/>
+                        <a:t>, </a:t>
+                      </a:r>
+                      <a:r>
+                        <a:rPr lang="ko-KR" altLang="en-US" sz="1000" dirty="0" smtClean="0"/>
+                        <a:t>설치된 자리 주변에 넓은 범위의 적들에게 상당한 </a:t>
+                      </a:r>
+                      <a:r>
+                        <a:rPr lang="ko-KR" altLang="en-US" sz="1000" dirty="0" err="1" smtClean="0"/>
+                        <a:t>데미지를</a:t>
+                      </a:r>
+                      <a:r>
+                        <a:rPr lang="ko-KR" altLang="en-US" sz="1000" dirty="0" smtClean="0"/>
+                        <a:t> 줌</a:t>
+                      </a:r>
+                      <a:r>
+                        <a:rPr lang="en-US" altLang="ko-KR" sz="1000" dirty="0" smtClean="0"/>
+                        <a:t>.</a:t>
+                      </a:r>
+                    </a:p>
+                  </a:txBody>
+                  <a:tcPr>
+                    <a:lnL w="12700" cap="flat" cmpd="sng" algn="ctr">
+                      <a:solidFill>
+                        <a:schemeClr val="tx1"/>
+                      </a:solidFill>
+                      <a:prstDash val="solid"/>
+                      <a:round/>
+                      <a:headEnd type="none" w="med" len="med"/>
+                      <a:tailEnd type="none" w="med" len="med"/>
+                    </a:lnL>
+                    <a:lnR w="12700" cap="flat" cmpd="sng" algn="ctr">
+                      <a:solidFill>
+                        <a:schemeClr val="tx1"/>
+                      </a:solidFill>
+                      <a:prstDash val="solid"/>
+                      <a:round/>
+                      <a:headEnd type="none" w="med" len="med"/>
+                      <a:tailEnd type="none" w="med" len="med"/>
+                    </a:lnR>
+                    <a:solidFill>
+                      <a:schemeClr val="bg1"/>
+                    </a:solidFill>
+                  </a:tcPr>
+                </a:tc>
+                <a:tc>
+                  <a:txBody>
+                    <a:bodyPr/>
+                    <a:lstStyle/>
+                    <a:p>
+                      <a:pPr latinLnBrk="1"/>
+                      <a:r>
+                        <a:rPr lang="ko-KR" altLang="en-US" sz="1000" dirty="0" smtClean="0"/>
+                        <a:t>일회성</a:t>
+                      </a:r>
+                      <a:endParaRPr lang="ko-KR" altLang="en-US" sz="1000" dirty="0"/>
+                    </a:p>
+                  </a:txBody>
+                  <a:tcPr>
+                    <a:lnL w="12700" cap="flat" cmpd="sng" algn="ctr">
+                      <a:solidFill>
+                        <a:schemeClr val="tx1"/>
+                      </a:solidFill>
+                      <a:prstDash val="solid"/>
+                      <a:round/>
+                      <a:headEnd type="none" w="med" len="med"/>
+                      <a:tailEnd type="none" w="med" len="med"/>
+                    </a:lnL>
+                    <a:lnR w="12700" cap="flat" cmpd="sng" algn="ctr">
+                      <a:solidFill>
+                        <a:schemeClr val="tx1"/>
+                      </a:solidFill>
+                      <a:prstDash val="solid"/>
+                      <a:round/>
+                      <a:headEnd type="none" w="med" len="med"/>
+                      <a:tailEnd type="none" w="med" len="med"/>
+                    </a:lnR>
+                  </a:tcPr>
+                </a:tc>
+                <a:tc>
+                  <a:txBody>
+                    <a:bodyPr/>
+                    <a:lstStyle/>
+                    <a:p>
+                      <a:pPr latinLnBrk="1"/>
+                      <a:endParaRPr lang="ko-KR" altLang="en-US" sz="1000" dirty="0"/>
+                    </a:p>
+                  </a:txBody>
+                  <a:tcPr>
+                    <a:lnL w="12700" cap="flat" cmpd="sng" algn="ctr">
+                      <a:solidFill>
+                        <a:schemeClr val="tx1"/>
+                      </a:solidFill>
+                      <a:prstDash val="solid"/>
+                      <a:round/>
+                      <a:headEnd type="none" w="med" len="med"/>
+                      <a:tailEnd type="none" w="med" len="med"/>
+                    </a:lnL>
+                  </a:tcPr>
+                </a:tc>
+              </a:tr>
+              <a:tr h="370840">
+                <a:tc>
+                  <a:txBody>
+                    <a:bodyPr/>
+                    <a:lstStyle/>
+                    <a:p>
+                      <a:pPr latinLnBrk="1"/>
+                      <a:endParaRPr lang="ko-KR" altLang="en-US" sz="1000" dirty="0"/>
+                    </a:p>
+                  </a:txBody>
+                  <a:tcPr>
+                    <a:lnL w="12700" cap="flat" cmpd="sng" algn="ctr">
+                      <a:solidFill>
+                        <a:schemeClr val="tx1"/>
+                      </a:solidFill>
+                      <a:prstDash val="solid"/>
+                      <a:round/>
+                      <a:headEnd type="none" w="med" len="med"/>
+                      <a:tailEnd type="none" w="med" len="med"/>
+                    </a:lnL>
+                    <a:lnR w="12700" cap="flat" cmpd="sng" algn="ctr">
+                      <a:solidFill>
+                        <a:schemeClr val="tx1"/>
+                      </a:solidFill>
+                      <a:prstDash val="solid"/>
+                      <a:round/>
+                      <a:headEnd type="none" w="med" len="med"/>
+                      <a:tailEnd type="none" w="med" len="med"/>
+                    </a:lnR>
+                    <a:lnT w="12700" cap="flat" cmpd="sng" algn="ctr">
+                      <a:solidFill>
+                        <a:schemeClr val="tx1"/>
+                      </a:solidFill>
+                      <a:prstDash val="solid"/>
+                      <a:round/>
+                      <a:headEnd type="none" w="med" len="med"/>
+                      <a:tailEnd type="none" w="med" len="med"/>
+                    </a:lnT>
+                    <a:lnB w="12700" cap="flat" cmpd="sng" algn="ctr">
+                      <a:solidFill>
+                        <a:schemeClr val="tx1"/>
+                      </a:solidFill>
+                      <a:prstDash val="solid"/>
+                      <a:round/>
+                      <a:headEnd type="none" w="med" len="med"/>
+                      <a:tailEnd type="none" w="med" len="med"/>
+                    </a:lnB>
+                  </a:tcPr>
+                </a:tc>
+                <a:tc>
+                  <a:txBody>
+                    <a:bodyPr/>
+                    <a:lstStyle/>
+                    <a:p>
+                      <a:pPr latinLnBrk="1"/>
+                      <a:r>
+                        <a:rPr lang="ko-KR" altLang="en-US" sz="1000" dirty="0" err="1" smtClean="0"/>
+                        <a:t>섬광탄</a:t>
+                      </a:r>
+                      <a:endParaRPr lang="ko-KR" altLang="en-US" sz="1000" dirty="0"/>
+                    </a:p>
+                  </a:txBody>
+                  <a:tcPr>
+                    <a:lnL w="12700" cap="flat" cmpd="sng" algn="ctr">
+                      <a:solidFill>
+                        <a:schemeClr val="tx1"/>
+                      </a:solidFill>
+                      <a:prstDash val="solid"/>
+                      <a:round/>
+                      <a:headEnd type="none" w="med" len="med"/>
+                      <a:tailEnd type="none" w="med" len="med"/>
+                    </a:lnL>
+                    <a:lnR w="12700" cap="flat" cmpd="sng" algn="ctr">
+                      <a:solidFill>
+                        <a:schemeClr val="tx1"/>
+                      </a:solidFill>
+                      <a:prstDash val="solid"/>
+                      <a:round/>
+                      <a:headEnd type="none" w="med" len="med"/>
+                      <a:tailEnd type="none" w="med" len="med"/>
+                    </a:lnR>
+                    <a:lnT w="12700" cap="flat" cmpd="sng" algn="ctr">
+                      <a:solidFill>
+                        <a:schemeClr val="tx1"/>
+                      </a:solidFill>
+                      <a:prstDash val="solid"/>
+                      <a:round/>
+                      <a:headEnd type="none" w="med" len="med"/>
+                      <a:tailEnd type="none" w="med" len="med"/>
+                    </a:lnT>
+                    <a:lnB w="12700" cap="flat" cmpd="sng" algn="ctr">
+                      <a:solidFill>
+                        <a:schemeClr val="tx1"/>
+                      </a:solidFill>
+                      <a:prstDash val="solid"/>
+                      <a:round/>
+                      <a:headEnd type="none" w="med" len="med"/>
+                      <a:tailEnd type="none" w="med" len="med"/>
+                    </a:lnB>
+                    <a:solidFill>
+                      <a:schemeClr val="bg1"/>
+                    </a:solidFill>
+                  </a:tcPr>
+                </a:tc>
+                <a:tc>
+                  <a:txBody>
+                    <a:bodyPr/>
+                    <a:lstStyle/>
+                    <a:p>
+                      <a:pPr latinLnBrk="1"/>
+                      <a:r>
+                        <a:rPr lang="ko-KR" altLang="en-US" sz="1000" dirty="0" smtClean="0"/>
+                        <a:t>현재 필드에 있는 </a:t>
+                      </a:r>
+                      <a:r>
+                        <a:rPr lang="ko-KR" altLang="en-US" sz="1000" dirty="0" err="1" smtClean="0"/>
+                        <a:t>몬스터들을</a:t>
+                      </a:r>
+                      <a:r>
+                        <a:rPr lang="ko-KR" altLang="en-US" sz="1000" dirty="0" smtClean="0"/>
+                        <a:t> 일시적으로 행동불능 상태로 </a:t>
+                      </a:r>
+                      <a:r>
+                        <a:rPr lang="ko-KR" altLang="en-US" sz="1000" dirty="0" err="1" smtClean="0"/>
+                        <a:t>만듬</a:t>
+                      </a:r>
+                      <a:r>
+                        <a:rPr lang="en-US" altLang="ko-KR" sz="1000" dirty="0" smtClean="0"/>
+                        <a:t>(</a:t>
+                      </a:r>
+                      <a:r>
+                        <a:rPr lang="ko-KR" altLang="en-US" sz="1000" dirty="0" smtClean="0"/>
+                        <a:t>가만있음</a:t>
+                      </a:r>
+                      <a:r>
+                        <a:rPr lang="en-US" altLang="ko-KR" sz="1000" dirty="0" smtClean="0"/>
+                        <a:t>)</a:t>
+                      </a:r>
+                      <a:endParaRPr lang="ko-KR" altLang="en-US" sz="1000" dirty="0"/>
+                    </a:p>
+                  </a:txBody>
+                  <a:tcPr>
+                    <a:lnL w="12700" cap="flat" cmpd="sng" algn="ctr">
+                      <a:solidFill>
+                        <a:schemeClr val="tx1"/>
+                      </a:solidFill>
+                      <a:prstDash val="solid"/>
+                      <a:round/>
+                      <a:headEnd type="none" w="med" len="med"/>
+                      <a:tailEnd type="none" w="med" len="med"/>
+                    </a:lnL>
+                    <a:lnR w="12700" cap="flat" cmpd="sng" algn="ctr">
+                      <a:solidFill>
+                        <a:schemeClr val="tx1"/>
+                      </a:solidFill>
+                      <a:prstDash val="solid"/>
+                      <a:round/>
+                      <a:headEnd type="none" w="med" len="med"/>
+                      <a:tailEnd type="none" w="med" len="med"/>
+                    </a:lnR>
+                    <a:solidFill>
+                      <a:schemeClr val="bg1"/>
+                    </a:solidFill>
+                  </a:tcPr>
+                </a:tc>
+                <a:tc>
+                  <a:txBody>
+                    <a:bodyPr/>
+                    <a:lstStyle/>
+                    <a:p>
+                      <a:pPr latinLnBrk="1"/>
+                      <a:r>
+                        <a:rPr lang="ko-KR" altLang="en-US" sz="1000" dirty="0" smtClean="0"/>
+                        <a:t>마비 지속시간 </a:t>
+                      </a:r>
+                      <a:r>
+                        <a:rPr lang="en-US" altLang="ko-KR" sz="1000" dirty="0" smtClean="0"/>
+                        <a:t>5</a:t>
+                      </a:r>
+                      <a:r>
+                        <a:rPr lang="ko-KR" altLang="en-US" sz="1000" dirty="0" smtClean="0"/>
+                        <a:t>초</a:t>
+                      </a:r>
+                      <a:endParaRPr lang="ko-KR" altLang="en-US" sz="1000" dirty="0"/>
+                    </a:p>
+                  </a:txBody>
+                  <a:tcPr>
+                    <a:lnL w="12700" cap="flat" cmpd="sng" algn="ctr">
+                      <a:solidFill>
+                        <a:schemeClr val="tx1"/>
+                      </a:solidFill>
+                      <a:prstDash val="solid"/>
+                      <a:round/>
+                      <a:headEnd type="none" w="med" len="med"/>
+                      <a:tailEnd type="none" w="med" len="med"/>
+                    </a:lnL>
+                    <a:lnR w="12700" cap="flat" cmpd="sng" algn="ctr">
+                      <a:solidFill>
+                        <a:schemeClr val="tx1"/>
+                      </a:solidFill>
+                      <a:prstDash val="solid"/>
+                      <a:round/>
+                      <a:headEnd type="none" w="med" len="med"/>
+                      <a:tailEnd type="none" w="med" len="med"/>
+                    </a:lnR>
+                  </a:tcPr>
+                </a:tc>
+                <a:tc>
+                  <a:txBody>
+                    <a:bodyPr/>
+                    <a:lstStyle/>
+                    <a:p>
+                      <a:pPr latinLnBrk="1"/>
+                      <a:r>
+                        <a:rPr lang="ko-KR" altLang="en-US" sz="1000" dirty="0" smtClean="0"/>
+                        <a:t>플레이어도 </a:t>
+                      </a:r>
+                      <a:r>
+                        <a:rPr lang="ko-KR" altLang="en-US" sz="1000" dirty="0" err="1" smtClean="0"/>
+                        <a:t>맞았을때</a:t>
+                      </a:r>
+                      <a:r>
+                        <a:rPr lang="ko-KR" altLang="en-US" sz="1000" dirty="0" smtClean="0"/>
+                        <a:t> </a:t>
+                      </a:r>
+                      <a:r>
+                        <a:rPr lang="ko-KR" altLang="en-US" sz="1000" dirty="0" err="1" smtClean="0"/>
+                        <a:t>섬광효과주면</a:t>
+                      </a:r>
+                      <a:r>
+                        <a:rPr lang="ko-KR" altLang="en-US" sz="1000" dirty="0" smtClean="0"/>
+                        <a:t> </a:t>
+                      </a:r>
+                      <a:r>
+                        <a:rPr lang="ko-KR" altLang="en-US" sz="1000" dirty="0" err="1" smtClean="0"/>
+                        <a:t>재미있을듯</a:t>
+                      </a:r>
+                      <a:endParaRPr lang="ko-KR" altLang="en-US" sz="1000" dirty="0"/>
+                    </a:p>
+                  </a:txBody>
+                  <a:tcPr>
+                    <a:lnL w="12700" cap="flat" cmpd="sng" algn="ctr">
+                      <a:solidFill>
+                        <a:schemeClr val="tx1"/>
+                      </a:solidFill>
+                      <a:prstDash val="solid"/>
+                      <a:round/>
+                      <a:headEnd type="none" w="med" len="med"/>
+                      <a:tailEnd type="none" w="med" len="med"/>
+                    </a:lnL>
+                  </a:tcPr>
+                </a:tc>
+              </a:tr>
+              <a:tr h="370840">
+                <a:tc>
+                  <a:txBody>
+                    <a:bodyPr/>
+                    <a:lstStyle/>
+                    <a:p>
+                      <a:pPr latinLnBrk="1"/>
+                      <a:endParaRPr lang="ko-KR" altLang="en-US" sz="1000" dirty="0"/>
+                    </a:p>
+                  </a:txBody>
+                  <a:tcPr>
+                    <a:lnL w="12700" cap="flat" cmpd="sng" algn="ctr">
+                      <a:solidFill>
+                        <a:schemeClr val="tx1"/>
+                      </a:solidFill>
+                      <a:prstDash val="solid"/>
+                      <a:round/>
+                      <a:headEnd type="none" w="med" len="med"/>
+                      <a:tailEnd type="none" w="med" len="med"/>
+                    </a:lnL>
+                    <a:lnR w="12700" cap="flat" cmpd="sng" algn="ctr">
+                      <a:solidFill>
+                        <a:schemeClr val="tx1"/>
+                      </a:solidFill>
+                      <a:prstDash val="solid"/>
+                      <a:round/>
+                      <a:headEnd type="none" w="med" len="med"/>
+                      <a:tailEnd type="none" w="med" len="med"/>
+                    </a:lnR>
+                    <a:lnT w="12700" cap="flat" cmpd="sng" algn="ctr">
+                      <a:solidFill>
+                        <a:schemeClr val="tx1"/>
+                      </a:solidFill>
+                      <a:prstDash val="solid"/>
+                      <a:round/>
+                      <a:headEnd type="none" w="med" len="med"/>
+                      <a:tailEnd type="none" w="med" len="med"/>
+                    </a:lnT>
+                    <a:lnB w="12700" cap="flat" cmpd="sng" algn="ctr">
+                      <a:solidFill>
+                        <a:schemeClr val="tx1"/>
+                      </a:solidFill>
+                      <a:prstDash val="solid"/>
+                      <a:round/>
+                      <a:headEnd type="none" w="med" len="med"/>
+                      <a:tailEnd type="none" w="med" len="med"/>
+                    </a:lnB>
+                  </a:tcPr>
+                </a:tc>
+                <a:tc>
+                  <a:txBody>
+                    <a:bodyPr/>
+                    <a:lstStyle/>
+                    <a:p>
+                      <a:pPr latinLnBrk="1"/>
+                      <a:r>
+                        <a:rPr lang="ko-KR" altLang="en-US" sz="1000" dirty="0" smtClean="0"/>
+                        <a:t>화염병</a:t>
+                      </a:r>
+                      <a:endParaRPr lang="ko-KR" altLang="en-US" sz="1000" dirty="0"/>
+                    </a:p>
+                  </a:txBody>
+                  <a:tcPr>
+                    <a:lnL w="12700" cap="flat" cmpd="sng" algn="ctr">
+                      <a:solidFill>
+                        <a:schemeClr val="tx1"/>
+                      </a:solidFill>
+                      <a:prstDash val="solid"/>
+                      <a:round/>
+                      <a:headEnd type="none" w="med" len="med"/>
+                      <a:tailEnd type="none" w="med" len="med"/>
+                    </a:lnL>
+                    <a:lnR w="12700" cap="flat" cmpd="sng" algn="ctr">
+                      <a:solidFill>
+                        <a:schemeClr val="tx1"/>
+                      </a:solidFill>
+                      <a:prstDash val="solid"/>
+                      <a:round/>
+                      <a:headEnd type="none" w="med" len="med"/>
+                      <a:tailEnd type="none" w="med" len="med"/>
+                    </a:lnR>
+                    <a:lnT w="12700" cap="flat" cmpd="sng" algn="ctr">
+                      <a:solidFill>
+                        <a:schemeClr val="tx1"/>
+                      </a:solidFill>
+                      <a:prstDash val="solid"/>
+                      <a:round/>
+                      <a:headEnd type="none" w="med" len="med"/>
+                      <a:tailEnd type="none" w="med" len="med"/>
+                    </a:lnT>
+                    <a:lnB w="12700" cap="flat" cmpd="sng" algn="ctr">
+                      <a:solidFill>
+                        <a:schemeClr val="tx1"/>
+                      </a:solidFill>
+                      <a:prstDash val="solid"/>
+                      <a:round/>
+                      <a:headEnd type="none" w="med" len="med"/>
+                      <a:tailEnd type="none" w="med" len="med"/>
+                    </a:lnB>
+                    <a:solidFill>
+                      <a:schemeClr val="bg1"/>
+                    </a:solidFill>
+                  </a:tcPr>
+                </a:tc>
+                <a:tc>
+                  <a:txBody>
+                    <a:bodyPr/>
+                    <a:lstStyle/>
+                    <a:p>
+                      <a:pPr latinLnBrk="1"/>
+                      <a:r>
+                        <a:rPr lang="ko-KR" altLang="en-US" sz="1000" dirty="0" smtClean="0"/>
+                        <a:t>바닥에 불을 깔아서 적이 </a:t>
+                      </a:r>
+                      <a:r>
+                        <a:rPr lang="ko-KR" altLang="en-US" sz="1000" dirty="0" err="1" smtClean="0"/>
+                        <a:t>오래머물경우</a:t>
+                      </a:r>
+                      <a:r>
+                        <a:rPr lang="ko-KR" altLang="en-US" sz="1000" dirty="0" smtClean="0"/>
+                        <a:t> 지속적으로 </a:t>
+                      </a:r>
+                      <a:r>
+                        <a:rPr lang="ko-KR" altLang="en-US" sz="1000" dirty="0" err="1" smtClean="0"/>
+                        <a:t>피해를줌</a:t>
+                      </a:r>
+                      <a:endParaRPr lang="ko-KR" altLang="en-US" sz="1000" dirty="0"/>
+                    </a:p>
+                  </a:txBody>
+                  <a:tcPr>
+                    <a:lnL w="12700" cap="flat" cmpd="sng" algn="ctr">
+                      <a:solidFill>
+                        <a:schemeClr val="tx1"/>
+                      </a:solidFill>
+                      <a:prstDash val="solid"/>
+                      <a:round/>
+                      <a:headEnd type="none" w="med" len="med"/>
+                      <a:tailEnd type="none" w="med" len="med"/>
+                    </a:lnL>
+                    <a:lnR w="12700" cap="flat" cmpd="sng" algn="ctr">
+                      <a:solidFill>
+                        <a:schemeClr val="tx1"/>
+                      </a:solidFill>
+                      <a:prstDash val="solid"/>
+                      <a:round/>
+                      <a:headEnd type="none" w="med" len="med"/>
+                      <a:tailEnd type="none" w="med" len="med"/>
+                    </a:lnR>
+                    <a:solidFill>
+                      <a:schemeClr val="bg1"/>
+                    </a:solidFill>
+                  </a:tcPr>
+                </a:tc>
+                <a:tc>
+                  <a:txBody>
+                    <a:bodyPr/>
+                    <a:lstStyle/>
+                    <a:p>
+                      <a:pPr latinLnBrk="1"/>
+                      <a:endParaRPr lang="ko-KR" altLang="en-US" sz="1000" dirty="0"/>
+                    </a:p>
+                  </a:txBody>
+                  <a:tcPr>
+                    <a:lnL w="12700" cap="flat" cmpd="sng" algn="ctr">
+                      <a:solidFill>
+                        <a:schemeClr val="tx1"/>
+                      </a:solidFill>
+                      <a:prstDash val="solid"/>
+                      <a:round/>
+                      <a:headEnd type="none" w="med" len="med"/>
+                      <a:tailEnd type="none" w="med" len="med"/>
+                    </a:lnL>
+                    <a:lnR w="12700" cap="flat" cmpd="sng" algn="ctr">
+                      <a:solidFill>
+                        <a:schemeClr val="tx1"/>
+                      </a:solidFill>
+                      <a:prstDash val="solid"/>
+                      <a:round/>
+                      <a:headEnd type="none" w="med" len="med"/>
+                      <a:tailEnd type="none" w="med" len="med"/>
+                    </a:lnR>
+                  </a:tcPr>
+                </a:tc>
+                <a:tc>
+                  <a:txBody>
+                    <a:bodyPr/>
+                    <a:lstStyle/>
+                    <a:p>
+                      <a:pPr latinLnBrk="1"/>
+                      <a:endParaRPr lang="ko-KR" altLang="en-US" sz="1000" dirty="0"/>
+                    </a:p>
+                  </a:txBody>
+                  <a:tcPr>
+                    <a:lnL w="12700" cap="flat" cmpd="sng" algn="ctr">
+                      <a:solidFill>
+                        <a:schemeClr val="tx1"/>
+                      </a:solidFill>
+                      <a:prstDash val="solid"/>
+                      <a:round/>
+                      <a:headEnd type="none" w="med" len="med"/>
+                      <a:tailEnd type="none" w="med" len="med"/>
+                    </a:lnL>
+                  </a:tcPr>
+                </a:tc>
+              </a:tr>
+              <a:tr h="370840">
+                <a:tc>
+                  <a:txBody>
+                    <a:bodyPr/>
+                    <a:lstStyle/>
+                    <a:p>
+                      <a:pPr latinLnBrk="1"/>
+                      <a:endParaRPr lang="ko-KR" altLang="en-US" sz="1000" dirty="0"/>
+                    </a:p>
+                  </a:txBody>
+                  <a:tcPr>
+                    <a:lnL w="12700" cap="flat" cmpd="sng" algn="ctr">
+                      <a:solidFill>
+                        <a:schemeClr val="tx1"/>
+                      </a:solidFill>
+                      <a:prstDash val="solid"/>
+                      <a:round/>
+                      <a:headEnd type="none" w="med" len="med"/>
+                      <a:tailEnd type="none" w="med" len="med"/>
+                    </a:lnL>
+                    <a:lnR w="12700" cap="flat" cmpd="sng" algn="ctr">
+                      <a:solidFill>
+                        <a:schemeClr val="tx1"/>
+                      </a:solidFill>
+                      <a:prstDash val="solid"/>
+                      <a:round/>
+                      <a:headEnd type="none" w="med" len="med"/>
+                      <a:tailEnd type="none" w="med" len="med"/>
+                    </a:lnR>
+                    <a:lnT w="12700" cap="flat" cmpd="sng" algn="ctr">
+                      <a:solidFill>
+                        <a:schemeClr val="tx1"/>
+                      </a:solidFill>
+                      <a:prstDash val="solid"/>
+                      <a:round/>
+                      <a:headEnd type="none" w="med" len="med"/>
+                      <a:tailEnd type="none" w="med" len="med"/>
+                    </a:lnT>
+                    <a:lnB w="12700" cap="flat" cmpd="sng" algn="ctr">
+                      <a:solidFill>
+                        <a:schemeClr val="tx1"/>
+                      </a:solidFill>
+                      <a:prstDash val="solid"/>
+                      <a:round/>
+                      <a:headEnd type="none" w="med" len="med"/>
+                      <a:tailEnd type="none" w="med" len="med"/>
+                    </a:lnB>
+                  </a:tcPr>
+                </a:tc>
+                <a:tc>
+                  <a:txBody>
+                    <a:bodyPr/>
+                    <a:lstStyle/>
+                    <a:p>
+                      <a:pPr latinLnBrk="1"/>
+                      <a:endParaRPr lang="ko-KR" altLang="en-US" sz="1000" dirty="0"/>
+                    </a:p>
+                  </a:txBody>
+                  <a:tcPr>
+                    <a:lnL w="12700" cap="flat" cmpd="sng" algn="ctr">
+                      <a:solidFill>
+                        <a:schemeClr val="tx1"/>
+                      </a:solidFill>
+                      <a:prstDash val="solid"/>
+                      <a:round/>
+                      <a:headEnd type="none" w="med" len="med"/>
+                      <a:tailEnd type="none" w="med" len="med"/>
+                    </a:lnL>
+                    <a:lnR w="12700" cap="flat" cmpd="sng" algn="ctr">
+                      <a:solidFill>
+                        <a:schemeClr val="tx1"/>
+                      </a:solidFill>
+                      <a:prstDash val="solid"/>
+                      <a:round/>
+                      <a:headEnd type="none" w="med" len="med"/>
+                      <a:tailEnd type="none" w="med" len="med"/>
+                    </a:lnR>
+                    <a:lnT w="12700" cap="flat" cmpd="sng" algn="ctr">
+                      <a:solidFill>
+                        <a:schemeClr val="tx1"/>
+                      </a:solidFill>
+                      <a:prstDash val="solid"/>
+                      <a:round/>
+                      <a:headEnd type="none" w="med" len="med"/>
+                      <a:tailEnd type="none" w="med" len="med"/>
+                    </a:lnT>
+                    <a:lnB w="12700" cap="flat" cmpd="sng" algn="ctr">
+                      <a:solidFill>
+                        <a:schemeClr val="tx1"/>
+                      </a:solidFill>
+                      <a:prstDash val="solid"/>
+                      <a:round/>
+                      <a:headEnd type="none" w="med" len="med"/>
+                      <a:tailEnd type="none" w="med" len="med"/>
+                    </a:lnB>
+                    <a:solidFill>
+                      <a:schemeClr val="bg1"/>
+                    </a:solidFill>
+                  </a:tcPr>
+                </a:tc>
+                <a:tc>
+                  <a:txBody>
+                    <a:bodyPr/>
+                    <a:lstStyle/>
+                    <a:p>
+                      <a:pPr latinLnBrk="1"/>
+                      <a:endParaRPr lang="ko-KR" altLang="en-US" sz="1000" dirty="0"/>
+                    </a:p>
+                  </a:txBody>
+                  <a:tcPr>
+                    <a:lnL w="12700" cap="flat" cmpd="sng" algn="ctr">
+                      <a:solidFill>
+                        <a:schemeClr val="tx1"/>
+                      </a:solidFill>
+                      <a:prstDash val="solid"/>
+                      <a:round/>
+                      <a:headEnd type="none" w="med" len="med"/>
+                      <a:tailEnd type="none" w="med" len="med"/>
+                    </a:lnL>
+                    <a:lnR w="12700" cap="flat" cmpd="sng" algn="ctr">
+                      <a:solidFill>
+                        <a:schemeClr val="tx1"/>
+                      </a:solidFill>
+                      <a:prstDash val="solid"/>
+                      <a:round/>
+                      <a:headEnd type="none" w="med" len="med"/>
+                      <a:tailEnd type="none" w="med" len="med"/>
+                    </a:lnR>
+                    <a:solidFill>
+                      <a:schemeClr val="bg1"/>
+                    </a:solidFill>
+                  </a:tcPr>
+                </a:tc>
+                <a:tc>
+                  <a:txBody>
+                    <a:bodyPr/>
+                    <a:lstStyle/>
+                    <a:p>
+                      <a:pPr latinLnBrk="1"/>
+                      <a:endParaRPr lang="ko-KR" altLang="en-US" sz="1000" dirty="0"/>
+                    </a:p>
+                  </a:txBody>
+                  <a:tcPr>
+                    <a:lnL w="12700" cap="flat" cmpd="sng" algn="ctr">
+                      <a:solidFill>
+                        <a:schemeClr val="tx1"/>
+                      </a:solidFill>
+                      <a:prstDash val="solid"/>
+                      <a:round/>
+                      <a:headEnd type="none" w="med" len="med"/>
+                      <a:tailEnd type="none" w="med" len="med"/>
+                    </a:lnL>
+                    <a:lnR w="12700" cap="flat" cmpd="sng" algn="ctr">
+                      <a:solidFill>
+                        <a:schemeClr val="tx1"/>
+                      </a:solidFill>
+                      <a:prstDash val="solid"/>
+                      <a:round/>
+                      <a:headEnd type="none" w="med" len="med"/>
+                      <a:tailEnd type="none" w="med" len="med"/>
+                    </a:lnR>
+                  </a:tcPr>
+                </a:tc>
+                <a:tc>
+                  <a:txBody>
+                    <a:bodyPr/>
+                    <a:lstStyle/>
+                    <a:p>
+                      <a:pPr latinLnBrk="1"/>
+                      <a:endParaRPr lang="ko-KR" altLang="en-US" sz="1000" dirty="0"/>
+                    </a:p>
+                  </a:txBody>
+                  <a:tcPr>
+                    <a:lnL w="12700" cap="flat" cmpd="sng" algn="ctr">
+                      <a:solidFill>
+                        <a:schemeClr val="tx1"/>
+                      </a:solidFill>
+                      <a:prstDash val="solid"/>
+                      <a:round/>
+                      <a:headEnd type="none" w="med" len="med"/>
+                      <a:tailEnd type="none" w="med" len="med"/>
+                    </a:lnL>
+                  </a:tcPr>
+                </a:tc>
+              </a:tr>
+              <a:tr h="370840">
+                <a:tc>
+                  <a:txBody>
+                    <a:bodyPr/>
+                    <a:lstStyle/>
+                    <a:p>
+                      <a:pPr latinLnBrk="1"/>
+                      <a:endParaRPr lang="ko-KR" altLang="en-US" sz="1000" dirty="0"/>
+                    </a:p>
+                  </a:txBody>
+                  <a:tcPr>
+                    <a:lnL w="12700" cap="flat" cmpd="sng" algn="ctr">
+                      <a:solidFill>
+                        <a:schemeClr val="tx1"/>
+                      </a:solidFill>
+                      <a:prstDash val="solid"/>
+                      <a:round/>
+                      <a:headEnd type="none" w="med" len="med"/>
+                      <a:tailEnd type="none" w="med" len="med"/>
+                    </a:lnL>
+                    <a:lnR w="12700" cap="flat" cmpd="sng" algn="ctr">
+                      <a:solidFill>
+                        <a:schemeClr val="tx1"/>
+                      </a:solidFill>
+                      <a:prstDash val="solid"/>
+                      <a:round/>
+                      <a:headEnd type="none" w="med" len="med"/>
+                      <a:tailEnd type="none" w="med" len="med"/>
+                    </a:lnR>
+                    <a:lnT w="12700" cap="flat" cmpd="sng" algn="ctr">
+                      <a:solidFill>
+                        <a:schemeClr val="tx1"/>
+                      </a:solidFill>
+                      <a:prstDash val="solid"/>
+                      <a:round/>
+                      <a:headEnd type="none" w="med" len="med"/>
+                      <a:tailEnd type="none" w="med" len="med"/>
+                    </a:lnT>
+                    <a:lnB w="12700" cap="flat" cmpd="sng" algn="ctr">
+                      <a:solidFill>
+                        <a:schemeClr val="tx1"/>
+                      </a:solidFill>
+                      <a:prstDash val="solid"/>
+                      <a:round/>
+                      <a:headEnd type="none" w="med" len="med"/>
+                      <a:tailEnd type="none" w="med" len="med"/>
+                    </a:lnB>
+                  </a:tcPr>
+                </a:tc>
+                <a:tc>
+                  <a:txBody>
+                    <a:bodyPr/>
+                    <a:lstStyle/>
+                    <a:p>
+                      <a:endParaRPr lang="ko-KR" altLang="en-US"/>
+                    </a:p>
+                  </a:txBody>
+                  <a:tcPr>
+                    <a:lnL w="12700" cap="flat" cmpd="sng" algn="ctr">
+                      <a:solidFill>
+                        <a:schemeClr val="tx1"/>
+                      </a:solidFill>
+                      <a:prstDash val="solid"/>
+                      <a:round/>
+                      <a:headEnd type="none" w="med" len="med"/>
+                      <a:tailEnd type="none" w="med" len="med"/>
+                    </a:lnL>
+                    <a:lnR w="12700" cap="flat" cmpd="sng" algn="ctr">
+                      <a:solidFill>
+                        <a:schemeClr val="tx1"/>
+                      </a:solidFill>
+                      <a:prstDash val="solid"/>
+                      <a:round/>
+                      <a:headEnd type="none" w="med" len="med"/>
+                      <a:tailEnd type="none" w="med" len="med"/>
+                    </a:lnR>
+                    <a:lnT w="12700" cap="flat" cmpd="sng" algn="ctr">
+                      <a:solidFill>
+                        <a:schemeClr val="tx1"/>
+                      </a:solidFill>
+                      <a:prstDash val="solid"/>
+                      <a:round/>
+                      <a:headEnd type="none" w="med" len="med"/>
+                      <a:tailEnd type="none" w="med" len="med"/>
+                    </a:lnT>
+                    <a:lnB w="12700" cap="flat" cmpd="sng" algn="ctr">
+                      <a:solidFill>
+                        <a:schemeClr val="tx1"/>
+                      </a:solidFill>
+                      <a:prstDash val="solid"/>
+                      <a:round/>
+                      <a:headEnd type="none" w="med" len="med"/>
+                      <a:tailEnd type="none" w="med" len="med"/>
+                    </a:lnB>
+                  </a:tcPr>
+                </a:tc>
+                <a:tc>
+                  <a:txBody>
+                    <a:bodyPr/>
+                    <a:lstStyle/>
+                    <a:p>
+                      <a:endParaRPr lang="ko-KR" altLang="en-US"/>
+                    </a:p>
+                  </a:txBody>
+                  <a:tcPr>
+                    <a:lnL w="12700" cap="flat" cmpd="sng" algn="ctr">
+                      <a:solidFill>
+                        <a:schemeClr val="tx1"/>
+                      </a:solidFill>
+                      <a:prstDash val="solid"/>
+                      <a:round/>
+                      <a:headEnd type="none" w="med" len="med"/>
+                      <a:tailEnd type="none" w="med" len="med"/>
+                    </a:lnL>
+                    <a:lnR w="12700" cap="flat" cmpd="sng" algn="ctr">
+                      <a:solidFill>
+                        <a:schemeClr val="tx1"/>
+                      </a:solidFill>
+                      <a:prstDash val="solid"/>
+                      <a:round/>
+                      <a:headEnd type="none" w="med" len="med"/>
+                      <a:tailEnd type="none" w="med" len="med"/>
+                    </a:lnR>
+                  </a:tcPr>
+                </a:tc>
+                <a:tc>
+                  <a:txBody>
+                    <a:bodyPr/>
+                    <a:lstStyle/>
+                    <a:p>
+                      <a:endParaRPr lang="ko-KR" altLang="en-US" dirty="0"/>
+                    </a:p>
+                  </a:txBody>
+                  <a:tcPr>
+                    <a:lnL w="12700" cap="flat" cmpd="sng" algn="ctr">
+                      <a:solidFill>
+                        <a:schemeClr val="tx1"/>
+                      </a:solidFill>
+                      <a:prstDash val="solid"/>
+                      <a:round/>
+                      <a:headEnd type="none" w="med" len="med"/>
+                      <a:tailEnd type="none" w="med" len="med"/>
+                    </a:lnL>
+                    <a:lnR w="12700" cap="flat" cmpd="sng" algn="ctr">
+                      <a:solidFill>
+                        <a:schemeClr val="tx1"/>
+                      </a:solidFill>
+                      <a:prstDash val="solid"/>
+                      <a:round/>
+                      <a:headEnd type="none" w="med" len="med"/>
+                      <a:tailEnd type="none" w="med" len="med"/>
+                    </a:lnR>
+                  </a:tcPr>
+                </a:tc>
+                <a:tc>
+                  <a:txBody>
+                    <a:bodyPr/>
+                    <a:lstStyle/>
+                    <a:p>
+                      <a:pPr latinLnBrk="1"/>
+                      <a:endParaRPr lang="ko-KR" altLang="en-US" sz="1000" dirty="0"/>
+                    </a:p>
+                  </a:txBody>
+                  <a:tcPr>
+                    <a:lnL w="12700" cap="flat" cmpd="sng" algn="ctr">
+                      <a:solidFill>
+                        <a:schemeClr val="tx1"/>
+                      </a:solidFill>
+                      <a:prstDash val="solid"/>
+                      <a:round/>
+                      <a:headEnd type="none" w="med" len="med"/>
+                      <a:tailEnd type="none" w="med" len="med"/>
+                    </a:lnL>
+                  </a:tcPr>
+                </a:tc>
+              </a:tr>
+              <a:tr h="370840">
+                <a:tc>
+                  <a:txBody>
+                    <a:bodyPr/>
+                    <a:lstStyle/>
+                    <a:p>
+                      <a:pPr latinLnBrk="1"/>
+                      <a:endParaRPr lang="ko-KR" altLang="en-US" sz="1000" dirty="0"/>
+                    </a:p>
+                  </a:txBody>
+                  <a:tcPr>
+                    <a:lnL w="12700" cap="flat" cmpd="sng" algn="ctr">
+                      <a:solidFill>
+                        <a:schemeClr val="tx1"/>
+                      </a:solidFill>
+                      <a:prstDash val="solid"/>
+                      <a:round/>
+                      <a:headEnd type="none" w="med" len="med"/>
+                      <a:tailEnd type="none" w="med" len="med"/>
+                    </a:lnL>
+                    <a:lnR w="12700" cap="flat" cmpd="sng" algn="ctr">
+                      <a:solidFill>
+                        <a:schemeClr val="tx1"/>
+                      </a:solidFill>
+                      <a:prstDash val="solid"/>
+                      <a:round/>
+                      <a:headEnd type="none" w="med" len="med"/>
+                      <a:tailEnd type="none" w="med" len="med"/>
+                    </a:lnR>
+                    <a:lnT w="12700" cap="flat" cmpd="sng" algn="ctr">
+                      <a:solidFill>
+                        <a:schemeClr val="tx1"/>
+                      </a:solidFill>
+                      <a:prstDash val="solid"/>
+                      <a:round/>
+                      <a:headEnd type="none" w="med" len="med"/>
+                      <a:tailEnd type="none" w="med" len="med"/>
+                    </a:lnT>
+                    <a:lnB w="12700" cap="flat" cmpd="sng" algn="ctr">
+                      <a:solidFill>
+                        <a:schemeClr val="tx1"/>
+                      </a:solidFill>
+                      <a:prstDash val="solid"/>
+                      <a:round/>
+                      <a:headEnd type="none" w="med" len="med"/>
+                      <a:tailEnd type="none" w="med" len="med"/>
+                    </a:lnB>
+                  </a:tcPr>
+                </a:tc>
+                <a:tc>
+                  <a:txBody>
+                    <a:bodyPr/>
+                    <a:lstStyle/>
+                    <a:p>
+                      <a:pPr latinLnBrk="1"/>
+                      <a:endParaRPr lang="ko-KR" altLang="en-US" sz="1000" dirty="0"/>
+                    </a:p>
+                  </a:txBody>
+                  <a:tcPr>
+                    <a:lnL w="12700" cap="flat" cmpd="sng" algn="ctr">
+                      <a:solidFill>
+                        <a:schemeClr val="tx1"/>
+                      </a:solidFill>
+                      <a:prstDash val="solid"/>
+                      <a:round/>
+                      <a:headEnd type="none" w="med" len="med"/>
+                      <a:tailEnd type="none" w="med" len="med"/>
+                    </a:lnL>
+                    <a:lnR w="12700" cap="flat" cmpd="sng" algn="ctr">
+                      <a:solidFill>
+                        <a:schemeClr val="tx1"/>
+                      </a:solidFill>
+                      <a:prstDash val="solid"/>
+                      <a:round/>
+                      <a:headEnd type="none" w="med" len="med"/>
+                      <a:tailEnd type="none" w="med" len="med"/>
+                    </a:lnR>
+                    <a:lnT w="12700" cap="flat" cmpd="sng" algn="ctr">
+                      <a:solidFill>
+                        <a:schemeClr val="tx1"/>
+                      </a:solidFill>
+                      <a:prstDash val="solid"/>
+                      <a:round/>
+                      <a:headEnd type="none" w="med" len="med"/>
+                      <a:tailEnd type="none" w="med" len="med"/>
+                    </a:lnT>
+                    <a:lnB w="12700" cap="flat" cmpd="sng" algn="ctr">
+                      <a:solidFill>
+                        <a:schemeClr val="tx1"/>
+                      </a:solidFill>
+                      <a:prstDash val="solid"/>
+                      <a:round/>
+                      <a:headEnd type="none" w="med" len="med"/>
+                      <a:tailEnd type="none" w="med" len="med"/>
+                    </a:lnB>
+                  </a:tcPr>
+                </a:tc>
+                <a:tc>
+                  <a:txBody>
+                    <a:bodyPr/>
+                    <a:lstStyle/>
+                    <a:p>
+                      <a:pPr latinLnBrk="1"/>
+                      <a:endParaRPr lang="ko-KR" altLang="en-US" sz="1000" dirty="0"/>
+                    </a:p>
+                  </a:txBody>
+                  <a:tcPr>
+                    <a:lnL w="12700" cap="flat" cmpd="sng" algn="ctr">
+                      <a:solidFill>
+                        <a:schemeClr val="tx1"/>
+                      </a:solidFill>
+                      <a:prstDash val="solid"/>
+                      <a:round/>
+                      <a:headEnd type="none" w="med" len="med"/>
+                      <a:tailEnd type="none" w="med" len="med"/>
+                    </a:lnL>
+                    <a:lnR w="12700" cap="flat" cmpd="sng" algn="ctr">
+                      <a:solidFill>
+                        <a:schemeClr val="tx1"/>
+                      </a:solidFill>
+                      <a:prstDash val="solid"/>
+                      <a:round/>
+                      <a:headEnd type="none" w="med" len="med"/>
+                      <a:tailEnd type="none" w="med" len="med"/>
+                    </a:lnR>
+                  </a:tcPr>
+                </a:tc>
+                <a:tc>
+                  <a:txBody>
+                    <a:bodyPr/>
+                    <a:lstStyle/>
+                    <a:p>
+                      <a:pPr latinLnBrk="1"/>
+                      <a:endParaRPr lang="ko-KR" altLang="en-US" sz="1000" dirty="0"/>
+                    </a:p>
+                  </a:txBody>
+                  <a:tcPr>
+                    <a:lnL w="12700" cap="flat" cmpd="sng" algn="ctr">
+                      <a:solidFill>
+                        <a:schemeClr val="tx1"/>
+                      </a:solidFill>
+                      <a:prstDash val="solid"/>
+                      <a:round/>
+                      <a:headEnd type="none" w="med" len="med"/>
+                      <a:tailEnd type="none" w="med" len="med"/>
+                    </a:lnL>
+                    <a:lnR w="12700" cap="flat" cmpd="sng" algn="ctr">
+                      <a:solidFill>
+                        <a:schemeClr val="tx1"/>
+                      </a:solidFill>
+                      <a:prstDash val="solid"/>
+                      <a:round/>
+                      <a:headEnd type="none" w="med" len="med"/>
+                      <a:tailEnd type="none" w="med" len="med"/>
+                    </a:lnR>
+                  </a:tcPr>
+                </a:tc>
+                <a:tc>
+                  <a:txBody>
+                    <a:bodyPr/>
+                    <a:lstStyle/>
+                    <a:p>
+                      <a:pPr latinLnBrk="1"/>
+                      <a:endParaRPr lang="ko-KR" altLang="en-US" sz="1000" dirty="0"/>
+                    </a:p>
+                  </a:txBody>
+                  <a:tcPr>
+                    <a:lnL w="12700" cap="flat" cmpd="sng" algn="ctr">
+                      <a:solidFill>
+                        <a:schemeClr val="tx1"/>
+                      </a:solidFill>
+                      <a:prstDash val="solid"/>
+                      <a:round/>
+                      <a:headEnd type="none" w="med" len="med"/>
+                      <a:tailEnd type="none" w="med" len="med"/>
+                    </a:lnL>
+                  </a:tcPr>
+                </a:tc>
+              </a:tr>
+              <a:tr h="370840">
+                <a:tc>
+                  <a:txBody>
+                    <a:bodyPr/>
+                    <a:lstStyle/>
+                    <a:p>
+                      <a:pPr latinLnBrk="1"/>
+                      <a:endParaRPr lang="ko-KR" altLang="en-US" sz="1000" dirty="0"/>
+                    </a:p>
+                  </a:txBody>
+                  <a:tcPr>
+                    <a:lnL w="12700" cap="flat" cmpd="sng" algn="ctr">
+                      <a:solidFill>
+                        <a:schemeClr val="tx1"/>
+                      </a:solidFill>
+                      <a:prstDash val="solid"/>
+                      <a:round/>
+                      <a:headEnd type="none" w="med" len="med"/>
+                      <a:tailEnd type="none" w="med" len="med"/>
+                    </a:lnL>
+                    <a:lnR w="12700" cap="flat" cmpd="sng" algn="ctr">
+                      <a:solidFill>
+                        <a:schemeClr val="tx1"/>
+                      </a:solidFill>
+                      <a:prstDash val="solid"/>
+                      <a:round/>
+                      <a:headEnd type="none" w="med" len="med"/>
+                      <a:tailEnd type="none" w="med" len="med"/>
+                    </a:lnR>
+                    <a:lnT w="12700" cap="flat" cmpd="sng" algn="ctr">
+                      <a:solidFill>
+                        <a:schemeClr val="tx1"/>
+                      </a:solidFill>
+                      <a:prstDash val="solid"/>
+                      <a:round/>
+                      <a:headEnd type="none" w="med" len="med"/>
+                      <a:tailEnd type="none" w="med" len="med"/>
+                    </a:lnT>
+                    <a:lnB w="12700" cap="flat" cmpd="sng" algn="ctr">
+                      <a:solidFill>
+                        <a:schemeClr val="tx1"/>
+                      </a:solidFill>
+                      <a:prstDash val="solid"/>
+                      <a:round/>
+                      <a:headEnd type="none" w="med" len="med"/>
+                      <a:tailEnd type="none" w="med" len="med"/>
+                    </a:lnB>
+                  </a:tcPr>
+                </a:tc>
+                <a:tc>
+                  <a:txBody>
+                    <a:bodyPr/>
+                    <a:lstStyle/>
+                    <a:p>
+                      <a:pPr latinLnBrk="1"/>
+                      <a:endParaRPr lang="ko-KR" altLang="en-US" sz="1000" dirty="0"/>
+                    </a:p>
+                  </a:txBody>
+                  <a:tcPr>
+                    <a:lnL w="12700" cap="flat" cmpd="sng" algn="ctr">
+                      <a:solidFill>
+                        <a:schemeClr val="tx1"/>
+                      </a:solidFill>
+                      <a:prstDash val="solid"/>
+                      <a:round/>
+                      <a:headEnd type="none" w="med" len="med"/>
+                      <a:tailEnd type="none" w="med" len="med"/>
+                    </a:lnL>
+                    <a:lnR w="12700" cap="flat" cmpd="sng" algn="ctr">
+                      <a:solidFill>
+                        <a:schemeClr val="tx1"/>
+                      </a:solidFill>
+                      <a:prstDash val="solid"/>
+                      <a:round/>
+                      <a:headEnd type="none" w="med" len="med"/>
+                      <a:tailEnd type="none" w="med" len="med"/>
+                    </a:lnR>
+                    <a:lnT w="12700" cap="flat" cmpd="sng" algn="ctr">
+                      <a:solidFill>
+                        <a:schemeClr val="tx1"/>
+                      </a:solidFill>
+                      <a:prstDash val="solid"/>
+                      <a:round/>
+                      <a:headEnd type="none" w="med" len="med"/>
+                      <a:tailEnd type="none" w="med" len="med"/>
+                    </a:lnT>
+                    <a:lnB w="12700" cap="flat" cmpd="sng" algn="ctr">
+                      <a:solidFill>
+                        <a:schemeClr val="tx1"/>
+                      </a:solidFill>
+                      <a:prstDash val="solid"/>
+                      <a:round/>
+                      <a:headEnd type="none" w="med" len="med"/>
+                      <a:tailEnd type="none" w="med" len="med"/>
+                    </a:lnB>
+                  </a:tcPr>
+                </a:tc>
+                <a:tc>
+                  <a:txBody>
+                    <a:bodyPr/>
+                    <a:lstStyle/>
+                    <a:p>
+                      <a:pPr latinLnBrk="1"/>
+                      <a:endParaRPr lang="en-US" altLang="ko-KR" sz="1000" dirty="0" smtClean="0"/>
+                    </a:p>
+                  </a:txBody>
+                  <a:tcPr>
+                    <a:lnL w="12700" cap="flat" cmpd="sng" algn="ctr">
+                      <a:solidFill>
+                        <a:schemeClr val="tx1"/>
+                      </a:solidFill>
+                      <a:prstDash val="solid"/>
+                      <a:round/>
+                      <a:headEnd type="none" w="med" len="med"/>
+                      <a:tailEnd type="none" w="med" len="med"/>
+                    </a:lnL>
+                    <a:lnR w="12700" cap="flat" cmpd="sng" algn="ctr">
+                      <a:solidFill>
+                        <a:schemeClr val="tx1"/>
+                      </a:solidFill>
+                      <a:prstDash val="solid"/>
+                      <a:round/>
+                      <a:headEnd type="none" w="med" len="med"/>
+                      <a:tailEnd type="none" w="med" len="med"/>
+                    </a:lnR>
+                  </a:tcPr>
+                </a:tc>
+                <a:tc>
+                  <a:txBody>
+                    <a:bodyPr/>
+                    <a:lstStyle/>
+                    <a:p>
+                      <a:pPr latinLnBrk="1"/>
+                      <a:endParaRPr lang="ko-KR" altLang="en-US" sz="1000" dirty="0"/>
+                    </a:p>
+                  </a:txBody>
+                  <a:tcPr>
+                    <a:lnL w="12700" cap="flat" cmpd="sng" algn="ctr">
+                      <a:solidFill>
+                        <a:schemeClr val="tx1"/>
+                      </a:solidFill>
+                      <a:prstDash val="solid"/>
+                      <a:round/>
+                      <a:headEnd type="none" w="med" len="med"/>
+                      <a:tailEnd type="none" w="med" len="med"/>
+                    </a:lnL>
+                    <a:lnR w="12700" cap="flat" cmpd="sng" algn="ctr">
+                      <a:solidFill>
+                        <a:schemeClr val="tx1"/>
+                      </a:solidFill>
+                      <a:prstDash val="solid"/>
+                      <a:round/>
+                      <a:headEnd type="none" w="med" len="med"/>
+                      <a:tailEnd type="none" w="med" len="med"/>
+                    </a:lnR>
+                  </a:tcPr>
+                </a:tc>
+                <a:tc>
+                  <a:txBody>
+                    <a:bodyPr/>
+                    <a:lstStyle/>
+                    <a:p>
+                      <a:pPr latinLnBrk="1"/>
+                      <a:endParaRPr lang="ko-KR" altLang="en-US" sz="1000" dirty="0"/>
+                    </a:p>
+                  </a:txBody>
+                  <a:tcPr>
+                    <a:lnL w="12700" cap="flat" cmpd="sng" algn="ctr">
+                      <a:solidFill>
+                        <a:schemeClr val="tx1"/>
+                      </a:solidFill>
+                      <a:prstDash val="solid"/>
+                      <a:round/>
+                      <a:headEnd type="none" w="med" len="med"/>
+                      <a:tailEnd type="none" w="med" len="med"/>
+                    </a:lnL>
+                  </a:tcPr>
+                </a:tc>
+              </a:tr>
+              <a:tr h="370840">
+                <a:tc>
+                  <a:txBody>
+                    <a:bodyPr/>
+                    <a:lstStyle/>
+                    <a:p>
+                      <a:pPr latinLnBrk="1"/>
+                      <a:endParaRPr lang="ko-KR" altLang="en-US" sz="1000" dirty="0"/>
+                    </a:p>
+                  </a:txBody>
+                  <a:tcPr>
+                    <a:lnL w="12700" cap="flat" cmpd="sng" algn="ctr">
+                      <a:solidFill>
+                        <a:schemeClr val="tx1"/>
+                      </a:solidFill>
+                      <a:prstDash val="solid"/>
+                      <a:round/>
+                      <a:headEnd type="none" w="med" len="med"/>
+                      <a:tailEnd type="none" w="med" len="med"/>
+                    </a:lnL>
+                    <a:lnR w="12700" cap="flat" cmpd="sng" algn="ctr">
+                      <a:solidFill>
+                        <a:schemeClr val="tx1"/>
+                      </a:solidFill>
+                      <a:prstDash val="solid"/>
+                      <a:round/>
+                      <a:headEnd type="none" w="med" len="med"/>
+                      <a:tailEnd type="none" w="med" len="med"/>
+                    </a:lnR>
+                    <a:lnT w="12700" cap="flat" cmpd="sng" algn="ctr">
+                      <a:solidFill>
+                        <a:schemeClr val="tx1"/>
+                      </a:solidFill>
+                      <a:prstDash val="solid"/>
+                      <a:round/>
+                      <a:headEnd type="none" w="med" len="med"/>
+                      <a:tailEnd type="none" w="med" len="med"/>
+                    </a:lnT>
+                    <a:lnB w="12700" cap="flat" cmpd="sng" algn="ctr">
+                      <a:solidFill>
+                        <a:schemeClr val="tx1"/>
+                      </a:solidFill>
+                      <a:prstDash val="solid"/>
+                      <a:round/>
+                      <a:headEnd type="none" w="med" len="med"/>
+                      <a:tailEnd type="none" w="med" len="med"/>
+                    </a:lnB>
+                  </a:tcPr>
+                </a:tc>
+                <a:tc>
+                  <a:txBody>
+                    <a:bodyPr/>
+                    <a:lstStyle/>
+                    <a:p>
+                      <a:pPr latinLnBrk="1"/>
+                      <a:endParaRPr lang="ko-KR" altLang="en-US" sz="1000" dirty="0"/>
+                    </a:p>
+                  </a:txBody>
+                  <a:tcPr>
+                    <a:lnL w="12700" cap="flat" cmpd="sng" algn="ctr">
+                      <a:solidFill>
+                        <a:schemeClr val="tx1"/>
+                      </a:solidFill>
+                      <a:prstDash val="solid"/>
+                      <a:round/>
+                      <a:headEnd type="none" w="med" len="med"/>
+                      <a:tailEnd type="none" w="med" len="med"/>
+                    </a:lnL>
+                    <a:lnR w="12700" cap="flat" cmpd="sng" algn="ctr">
+                      <a:solidFill>
+                        <a:schemeClr val="tx1"/>
+                      </a:solidFill>
+                      <a:prstDash val="solid"/>
+                      <a:round/>
+                      <a:headEnd type="none" w="med" len="med"/>
+                      <a:tailEnd type="none" w="med" len="med"/>
+                    </a:lnR>
+                    <a:lnT w="12700" cap="flat" cmpd="sng" algn="ctr">
+                      <a:solidFill>
+                        <a:schemeClr val="tx1"/>
+                      </a:solidFill>
+                      <a:prstDash val="solid"/>
+                      <a:round/>
+                      <a:headEnd type="none" w="med" len="med"/>
+                      <a:tailEnd type="none" w="med" len="med"/>
+                    </a:lnT>
+                    <a:lnB w="12700" cap="flat" cmpd="sng" algn="ctr">
+                      <a:solidFill>
+                        <a:schemeClr val="tx1"/>
+                      </a:solidFill>
+                      <a:prstDash val="solid"/>
+                      <a:round/>
+                      <a:headEnd type="none" w="med" len="med"/>
+                      <a:tailEnd type="none" w="med" len="med"/>
+                    </a:lnB>
+                  </a:tcPr>
+                </a:tc>
+                <a:tc>
+                  <a:txBody>
+                    <a:bodyPr/>
+                    <a:lstStyle/>
+                    <a:p>
+                      <a:pPr latinLnBrk="1"/>
+                      <a:endParaRPr lang="ko-KR" altLang="en-US" sz="1000" dirty="0"/>
+                    </a:p>
+                  </a:txBody>
+                  <a:tcPr>
+                    <a:lnL w="12700" cap="flat" cmpd="sng" algn="ctr">
+                      <a:solidFill>
+                        <a:schemeClr val="tx1"/>
+                      </a:solidFill>
+                      <a:prstDash val="solid"/>
+                      <a:round/>
+                      <a:headEnd type="none" w="med" len="med"/>
+                      <a:tailEnd type="none" w="med" len="med"/>
+                    </a:lnL>
+                    <a:lnR w="12700" cap="flat" cmpd="sng" algn="ctr">
+                      <a:solidFill>
+                        <a:schemeClr val="tx1"/>
+                      </a:solidFill>
+                      <a:prstDash val="solid"/>
+                      <a:round/>
+                      <a:headEnd type="none" w="med" len="med"/>
+                      <a:tailEnd type="none" w="med" len="med"/>
+                    </a:lnR>
+                  </a:tcPr>
+                </a:tc>
+                <a:tc>
+                  <a:txBody>
+                    <a:bodyPr/>
+                    <a:lstStyle/>
+                    <a:p>
+                      <a:pPr latinLnBrk="1"/>
+                      <a:endParaRPr lang="ko-KR" altLang="en-US" sz="1000" dirty="0"/>
+                    </a:p>
+                  </a:txBody>
+                  <a:tcPr>
+                    <a:lnL w="12700" cap="flat" cmpd="sng" algn="ctr">
+                      <a:solidFill>
+                        <a:schemeClr val="tx1"/>
+                      </a:solidFill>
+                      <a:prstDash val="solid"/>
+                      <a:round/>
+                      <a:headEnd type="none" w="med" len="med"/>
+                      <a:tailEnd type="none" w="med" len="med"/>
+                    </a:lnL>
+                    <a:lnR w="12700" cap="flat" cmpd="sng" algn="ctr">
+                      <a:solidFill>
+                        <a:schemeClr val="tx1"/>
+                      </a:solidFill>
+                      <a:prstDash val="solid"/>
+                      <a:round/>
+                      <a:headEnd type="none" w="med" len="med"/>
+                      <a:tailEnd type="none" w="med" len="med"/>
+                    </a:lnR>
+                  </a:tcPr>
+                </a:tc>
+                <a:tc>
+                  <a:txBody>
+                    <a:bodyPr/>
+                    <a:lstStyle/>
+                    <a:p>
+                      <a:pPr latinLnBrk="1"/>
+                      <a:endParaRPr lang="ko-KR" altLang="en-US" sz="1000" dirty="0"/>
+                    </a:p>
+                  </a:txBody>
+                  <a:tcPr>
+                    <a:lnL w="12700" cap="flat" cmpd="sng" algn="ctr">
+                      <a:solidFill>
+                        <a:schemeClr val="tx1"/>
+                      </a:solidFill>
+                      <a:prstDash val="solid"/>
+                      <a:round/>
+                      <a:headEnd type="none" w="med" len="med"/>
+                      <a:tailEnd type="none" w="med" len="med"/>
+                    </a:lnL>
+                  </a:tcPr>
+                </a:tc>
+              </a:tr>
+              <a:tr h="370840">
+                <a:tc>
+                  <a:txBody>
+                    <a:bodyPr/>
+                    <a:lstStyle/>
+                    <a:p>
+                      <a:pPr latinLnBrk="1"/>
+                      <a:endParaRPr lang="ko-KR" altLang="en-US" sz="1000" dirty="0"/>
+                    </a:p>
+                  </a:txBody>
+                  <a:tcPr>
+                    <a:lnL w="12700" cap="flat" cmpd="sng" algn="ctr">
+                      <a:solidFill>
+                        <a:schemeClr val="tx1"/>
+                      </a:solidFill>
+                      <a:prstDash val="solid"/>
+                      <a:round/>
+                      <a:headEnd type="none" w="med" len="med"/>
+                      <a:tailEnd type="none" w="med" len="med"/>
+                    </a:lnL>
+                    <a:lnR w="12700" cap="flat" cmpd="sng" algn="ctr">
+                      <a:solidFill>
+                        <a:schemeClr val="tx1"/>
+                      </a:solidFill>
+                      <a:prstDash val="solid"/>
+                      <a:round/>
+                      <a:headEnd type="none" w="med" len="med"/>
+                      <a:tailEnd type="none" w="med" len="med"/>
+                    </a:lnR>
+                    <a:lnT w="12700" cap="flat" cmpd="sng" algn="ctr">
+                      <a:solidFill>
+                        <a:schemeClr val="tx1"/>
+                      </a:solidFill>
+                      <a:prstDash val="solid"/>
+                      <a:round/>
+                      <a:headEnd type="none" w="med" len="med"/>
+                      <a:tailEnd type="none" w="med" len="med"/>
+                    </a:lnT>
+                    <a:lnB w="12700" cap="flat" cmpd="sng" algn="ctr">
+                      <a:solidFill>
+                        <a:schemeClr val="tx1"/>
+                      </a:solidFill>
+                      <a:prstDash val="solid"/>
+                      <a:round/>
+                      <a:headEnd type="none" w="med" len="med"/>
+                      <a:tailEnd type="none" w="med" len="med"/>
+                    </a:lnB>
+                  </a:tcPr>
+                </a:tc>
+                <a:tc>
+                  <a:txBody>
+                    <a:bodyPr/>
+                    <a:lstStyle/>
+                    <a:p>
+                      <a:pPr latinLnBrk="1"/>
+                      <a:endParaRPr lang="ko-KR" altLang="en-US" sz="1000" dirty="0"/>
+                    </a:p>
+                  </a:txBody>
+                  <a:tcPr>
+                    <a:lnL w="12700" cap="flat" cmpd="sng" algn="ctr">
+                      <a:solidFill>
+                        <a:schemeClr val="tx1"/>
+                      </a:solidFill>
+                      <a:prstDash val="solid"/>
+                      <a:round/>
+                      <a:headEnd type="none" w="med" len="med"/>
+                      <a:tailEnd type="none" w="med" len="med"/>
+                    </a:lnL>
+                    <a:lnR w="12700" cap="flat" cmpd="sng" algn="ctr">
+                      <a:solidFill>
+                        <a:schemeClr val="tx1"/>
+                      </a:solidFill>
+                      <a:prstDash val="solid"/>
+                      <a:round/>
+                      <a:headEnd type="none" w="med" len="med"/>
+                      <a:tailEnd type="none" w="med" len="med"/>
+                    </a:lnR>
+                    <a:lnT w="12700" cap="flat" cmpd="sng" algn="ctr">
+                      <a:solidFill>
+                        <a:schemeClr val="tx1"/>
+                      </a:solidFill>
+                      <a:prstDash val="solid"/>
+                      <a:round/>
+                      <a:headEnd type="none" w="med" len="med"/>
+                      <a:tailEnd type="none" w="med" len="med"/>
+                    </a:lnT>
+                    <a:lnB w="12700" cap="flat" cmpd="sng" algn="ctr">
+                      <a:solidFill>
+                        <a:schemeClr val="tx1"/>
+                      </a:solidFill>
+                      <a:prstDash val="solid"/>
+                      <a:round/>
+                      <a:headEnd type="none" w="med" len="med"/>
+                      <a:tailEnd type="none" w="med" len="med"/>
+                    </a:lnB>
+                  </a:tcPr>
+                </a:tc>
+                <a:tc>
+                  <a:txBody>
+                    <a:bodyPr/>
+                    <a:lstStyle/>
+                    <a:p>
+                      <a:pPr latinLnBrk="1"/>
+                      <a:endParaRPr lang="ko-KR" altLang="en-US" sz="1000" dirty="0"/>
+                    </a:p>
+                  </a:txBody>
+                  <a:tcPr>
+                    <a:lnL w="12700" cap="flat" cmpd="sng" algn="ctr">
+                      <a:solidFill>
+                        <a:schemeClr val="tx1"/>
+                      </a:solidFill>
+                      <a:prstDash val="solid"/>
+                      <a:round/>
+                      <a:headEnd type="none" w="med" len="med"/>
+                      <a:tailEnd type="none" w="med" len="med"/>
+                    </a:lnL>
+                    <a:lnR w="12700" cap="flat" cmpd="sng" algn="ctr">
+                      <a:solidFill>
+                        <a:schemeClr val="tx1"/>
+                      </a:solidFill>
+                      <a:prstDash val="solid"/>
+                      <a:round/>
+                      <a:headEnd type="none" w="med" len="med"/>
+                      <a:tailEnd type="none" w="med" len="med"/>
+                    </a:lnR>
+                  </a:tcPr>
+                </a:tc>
+                <a:tc>
+                  <a:txBody>
+                    <a:bodyPr/>
+                    <a:lstStyle/>
+                    <a:p>
+                      <a:pPr marL="0" marR="0" indent="0" algn="l" defTabSz="914400" rtl="0" eaLnBrk="1" fontAlgn="auto" latinLnBrk="1" hangingPunct="1">
+                        <a:lnSpc>
+                          <a:spcPct val="100000"/>
+                        </a:lnSpc>
+                        <a:spcBef>
+                          <a:spcPts val="0"/>
+                        </a:spcBef>
+                        <a:spcAft>
+                          <a:spcPts val="0"/>
+                        </a:spcAft>
+                        <a:buClrTx/>
+                        <a:buSzTx/>
+                        <a:buFontTx/>
+                        <a:buNone/>
+                        <a:tabLst/>
+                        <a:defRPr/>
+                      </a:pPr>
+                      <a:endParaRPr lang="ko-KR" altLang="en-US" sz="1000" dirty="0" smtClean="0"/>
+                    </a:p>
+                  </a:txBody>
+                  <a:tcPr>
+                    <a:lnL w="12700" cap="flat" cmpd="sng" algn="ctr">
+                      <a:solidFill>
+                        <a:schemeClr val="tx1"/>
+                      </a:solidFill>
+                      <a:prstDash val="solid"/>
+                      <a:round/>
+                      <a:headEnd type="none" w="med" len="med"/>
+                      <a:tailEnd type="none" w="med" len="med"/>
+                    </a:lnL>
+                    <a:lnR w="12700" cap="flat" cmpd="sng" algn="ctr">
+                      <a:solidFill>
+                        <a:schemeClr val="tx1"/>
+                      </a:solidFill>
+                      <a:prstDash val="solid"/>
+                      <a:round/>
+                      <a:headEnd type="none" w="med" len="med"/>
+                      <a:tailEnd type="none" w="med" len="med"/>
+                    </a:lnR>
+                  </a:tcPr>
+                </a:tc>
+                <a:tc>
+                  <a:txBody>
+                    <a:bodyPr/>
+                    <a:lstStyle/>
+                    <a:p>
+                      <a:endParaRPr lang="ko-KR" altLang="en-US"/>
+                    </a:p>
+                  </a:txBody>
+                  <a:tcPr>
+                    <a:lnL w="12700" cap="flat" cmpd="sng" algn="ctr">
+                      <a:solidFill>
+                        <a:schemeClr val="tx1"/>
+                      </a:solidFill>
+                      <a:prstDash val="solid"/>
+                      <a:round/>
+                      <a:headEnd type="none" w="med" len="med"/>
+                      <a:tailEnd type="none" w="med" len="med"/>
+                    </a:lnL>
+                  </a:tcPr>
+                </a:tc>
+              </a:tr>
+              <a:tr h="370840">
+                <a:tc>
+                  <a:txBody>
+                    <a:bodyPr/>
+                    <a:lstStyle/>
+                    <a:p>
+                      <a:pPr latinLnBrk="1"/>
+                      <a:endParaRPr lang="ko-KR" altLang="en-US" sz="1000" dirty="0"/>
+                    </a:p>
+                  </a:txBody>
+                  <a:tcPr>
+                    <a:lnL w="12700" cap="flat" cmpd="sng" algn="ctr">
+                      <a:solidFill>
+                        <a:schemeClr val="tx1"/>
+                      </a:solidFill>
+                      <a:prstDash val="solid"/>
+                      <a:round/>
+                      <a:headEnd type="none" w="med" len="med"/>
+                      <a:tailEnd type="none" w="med" len="med"/>
+                    </a:lnL>
+                    <a:lnR w="12700" cap="flat" cmpd="sng" algn="ctr">
+                      <a:solidFill>
+                        <a:schemeClr val="tx1"/>
+                      </a:solidFill>
+                      <a:prstDash val="solid"/>
+                      <a:round/>
+                      <a:headEnd type="none" w="med" len="med"/>
+                      <a:tailEnd type="none" w="med" len="med"/>
+                    </a:lnR>
+                    <a:lnT w="12700" cap="flat" cmpd="sng" algn="ctr">
+                      <a:solidFill>
+                        <a:schemeClr val="tx1"/>
+                      </a:solidFill>
+                      <a:prstDash val="solid"/>
+                      <a:round/>
+                      <a:headEnd type="none" w="med" len="med"/>
+                      <a:tailEnd type="none" w="med" len="med"/>
+                    </a:lnT>
+                    <a:lnB w="12700" cap="flat" cmpd="sng" algn="ctr">
+                      <a:solidFill>
+                        <a:schemeClr val="tx1"/>
+                      </a:solidFill>
+                      <a:prstDash val="solid"/>
+                      <a:round/>
+                      <a:headEnd type="none" w="med" len="med"/>
+                      <a:tailEnd type="none" w="med" len="med"/>
+                    </a:lnB>
+                  </a:tcPr>
+                </a:tc>
+                <a:tc>
+                  <a:txBody>
+                    <a:bodyPr/>
+                    <a:lstStyle/>
+                    <a:p>
+                      <a:pPr latinLnBrk="1"/>
+                      <a:endParaRPr lang="ko-KR" altLang="en-US" sz="1000" dirty="0"/>
+                    </a:p>
+                  </a:txBody>
+                  <a:tcPr>
+                    <a:lnL w="12700" cap="flat" cmpd="sng" algn="ctr">
+                      <a:solidFill>
+                        <a:schemeClr val="tx1"/>
+                      </a:solidFill>
+                      <a:prstDash val="solid"/>
+                      <a:round/>
+                      <a:headEnd type="none" w="med" len="med"/>
+                      <a:tailEnd type="none" w="med" len="med"/>
+                    </a:lnL>
+                    <a:lnR w="12700" cap="flat" cmpd="sng" algn="ctr">
+                      <a:solidFill>
+                        <a:schemeClr val="tx1"/>
+                      </a:solidFill>
+                      <a:prstDash val="solid"/>
+                      <a:round/>
+                      <a:headEnd type="none" w="med" len="med"/>
+                      <a:tailEnd type="none" w="med" len="med"/>
+                    </a:lnR>
+                    <a:lnT w="12700" cap="flat" cmpd="sng" algn="ctr">
+                      <a:solidFill>
+                        <a:schemeClr val="tx1"/>
+                      </a:solidFill>
+                      <a:prstDash val="solid"/>
+                      <a:round/>
+                      <a:headEnd type="none" w="med" len="med"/>
+                      <a:tailEnd type="none" w="med" len="med"/>
+                    </a:lnT>
+                    <a:lnB w="12700" cap="flat" cmpd="sng" algn="ctr">
+                      <a:solidFill>
+                        <a:schemeClr val="tx1"/>
+                      </a:solidFill>
+                      <a:prstDash val="solid"/>
+                      <a:round/>
+                      <a:headEnd type="none" w="med" len="med"/>
+                      <a:tailEnd type="none" w="med" len="med"/>
+                    </a:lnB>
+                  </a:tcPr>
+                </a:tc>
+                <a:tc>
+                  <a:txBody>
+                    <a:bodyPr/>
+                    <a:lstStyle/>
+                    <a:p>
+                      <a:pPr latinLnBrk="1"/>
+                      <a:endParaRPr lang="ko-KR" altLang="en-US" sz="1000" dirty="0"/>
+                    </a:p>
+                  </a:txBody>
+                  <a:tcPr>
+                    <a:lnL w="12700" cap="flat" cmpd="sng" algn="ctr">
+                      <a:solidFill>
+                        <a:schemeClr val="tx1"/>
+                      </a:solidFill>
+                      <a:prstDash val="solid"/>
+                      <a:round/>
+                      <a:headEnd type="none" w="med" len="med"/>
+                      <a:tailEnd type="none" w="med" len="med"/>
+                    </a:lnL>
+                    <a:lnR w="12700" cap="flat" cmpd="sng" algn="ctr">
+                      <a:solidFill>
+                        <a:schemeClr val="tx1"/>
+                      </a:solidFill>
+                      <a:prstDash val="solid"/>
+                      <a:round/>
+                      <a:headEnd type="none" w="med" len="med"/>
+                      <a:tailEnd type="none" w="med" len="med"/>
+                    </a:lnR>
+                  </a:tcPr>
+                </a:tc>
+                <a:tc>
+                  <a:txBody>
+                    <a:bodyPr/>
+                    <a:lstStyle/>
+                    <a:p>
+                      <a:pPr latinLnBrk="1"/>
+                      <a:endParaRPr lang="ko-KR" altLang="en-US" sz="1000" dirty="0"/>
+                    </a:p>
+                  </a:txBody>
+                  <a:tcPr>
+                    <a:lnL w="12700" cap="flat" cmpd="sng" algn="ctr">
+                      <a:solidFill>
+                        <a:schemeClr val="tx1"/>
+                      </a:solidFill>
+                      <a:prstDash val="solid"/>
+                      <a:round/>
+                      <a:headEnd type="none" w="med" len="med"/>
+                      <a:tailEnd type="none" w="med" len="med"/>
+                    </a:lnL>
+                    <a:lnR w="12700" cap="flat" cmpd="sng" algn="ctr">
+                      <a:solidFill>
+                        <a:schemeClr val="tx1"/>
+                      </a:solidFill>
+                      <a:prstDash val="solid"/>
+                      <a:round/>
+                      <a:headEnd type="none" w="med" len="med"/>
+                      <a:tailEnd type="none" w="med" len="med"/>
+                    </a:lnR>
+                  </a:tcPr>
+                </a:tc>
+                <a:tc>
+                  <a:txBody>
+                    <a:bodyPr/>
+                    <a:lstStyle/>
+                    <a:p>
+                      <a:endParaRPr lang="ko-KR" altLang="en-US" dirty="0"/>
+                    </a:p>
+                  </a:txBody>
+                  <a:tcPr>
+                    <a:lnL w="12700" cap="flat" cmpd="sng" algn="ctr">
+                      <a:solidFill>
+                        <a:schemeClr val="tx1"/>
+                      </a:solidFill>
+                      <a:prstDash val="solid"/>
+                      <a:round/>
+                      <a:headEnd type="none" w="med" len="med"/>
+                      <a:tailEnd type="none" w="med" len="med"/>
+                    </a:lnL>
+                  </a:tcPr>
+                </a:tc>
+              </a:tr>
+            </a:tbl>
+          </a:graphicData>
+        </a:graphic>
+      </p:graphicFrame>
+    </p:spTree>
+    <p:extLst>
+      <p:ext uri="{BB962C8B-B14F-4D97-AF65-F5344CB8AC3E}">
+        <p14:creationId xmlns:p14="http://schemas.microsoft.com/office/powerpoint/2010/main" val="458207860"/>
+      </p:ext>
+    </p:extLst>
+  </p:cSld>
+  <p:clrMapOvr>
+    <a:masterClrMapping/>
+  </p:clrMapOvr>
+</p:sld>
+</file>
+
+<file path=ppt/slides/slide12.xml><?xml version="1.0" encoding="utf-8"?>
+<p:sld xmlns:a="http://schemas.openxmlformats.org/drawingml/2006/main" xmlns:r="http://schemas.openxmlformats.org/officeDocument/2006/relationships" xmlns:p="http://schemas.openxmlformats.org/presentationml/2006/main">
+  <p:cSld>
+    <p:spTree>
+      <p:nvGrpSpPr>
+        <p:cNvPr id="1" name=""/>
+        <p:cNvGrpSpPr/>
+        <p:nvPr/>
+      </p:nvGrpSpPr>
+      <p:grpSpPr>
+        <a:xfrm>
+          <a:off x="0" y="0"/>
+          <a:ext cx="0" cy="0"/>
+          <a:chOff x="0" y="0"/>
+          <a:chExt cx="0" cy="0"/>
+        </a:xfrm>
+      </p:grpSpPr>
+      <p:sp>
+        <p:nvSpPr>
+          <p:cNvPr id="2" name="제목 1"/>
+          <p:cNvSpPr>
+            <a:spLocks noGrp="1"/>
+          </p:cNvSpPr>
+          <p:nvPr>
+            <p:ph type="title"/>
+          </p:nvPr>
+        </p:nvSpPr>
+        <p:spPr/>
+        <p:txBody>
+          <a:bodyPr/>
+          <a:lstStyle/>
+          <a:p>
+            <a:r>
+              <a:rPr lang="ko-KR" altLang="en-US" dirty="0" smtClean="0"/>
+              <a:t>기타의견</a:t>
             </a:r>
             <a:endParaRPr lang="ko-KR" altLang="en-US" dirty="0"/>
           </a:p>
@@ -3315,6 +7570,255 @@
           <a:lstStyle/>
           <a:p>
             <a:r>
+              <a:rPr lang="ko-KR" altLang="en-US" sz="2000" b="1" dirty="0" smtClean="0"/>
+              <a:t>총 </a:t>
+            </a:r>
+            <a:r>
+              <a:rPr lang="ko-KR" altLang="en-US" sz="2000" b="1" dirty="0" err="1" smtClean="0"/>
+              <a:t>맞았을때</a:t>
+            </a:r>
+            <a:r>
+              <a:rPr lang="ko-KR" altLang="en-US" sz="2000" b="1" dirty="0" smtClean="0"/>
+              <a:t> 잠시 무적 필요 </a:t>
+            </a:r>
+            <a:r>
+              <a:rPr lang="en-US" altLang="ko-KR" sz="2000" b="1" dirty="0" smtClean="0"/>
+              <a:t>(0.5</a:t>
+            </a:r>
+            <a:r>
+              <a:rPr lang="ko-KR" altLang="en-US" sz="2000" b="1" dirty="0" smtClean="0"/>
+              <a:t>초 정도</a:t>
+            </a:r>
+            <a:r>
+              <a:rPr lang="en-US" altLang="ko-KR" sz="2000" b="1" dirty="0" smtClean="0"/>
+              <a:t>)</a:t>
+            </a:r>
+          </a:p>
+          <a:p>
+            <a:r>
+              <a:rPr lang="ko-KR" altLang="en-US" sz="2000" b="1" dirty="0" smtClean="0"/>
+              <a:t>아이템들 아이콘이 아주 간단했으면 좋겠음</a:t>
+            </a:r>
+            <a:r>
+              <a:rPr lang="en-US" altLang="ko-KR" sz="2000" b="1" dirty="0" smtClean="0"/>
+              <a:t>.(</a:t>
+            </a:r>
+            <a:r>
+              <a:rPr lang="ko-KR" altLang="en-US" sz="2000" b="1" dirty="0" smtClean="0"/>
+              <a:t>바로 </a:t>
+            </a:r>
+            <a:r>
+              <a:rPr lang="ko-KR" altLang="en-US" sz="2000" b="1" dirty="0" err="1" smtClean="0"/>
+              <a:t>봤을때</a:t>
+            </a:r>
+            <a:r>
+              <a:rPr lang="ko-KR" altLang="en-US" sz="2000" b="1" dirty="0" smtClean="0"/>
+              <a:t> 효과를 알 수 있을 정도로</a:t>
+            </a:r>
+            <a:r>
+              <a:rPr lang="en-US" altLang="ko-KR" sz="2000" b="1" dirty="0" smtClean="0"/>
+              <a:t>), </a:t>
+            </a:r>
+            <a:r>
+              <a:rPr lang="ko-KR" altLang="en-US" sz="2000" b="1" dirty="0" smtClean="0"/>
+              <a:t>근처에 </a:t>
+            </a:r>
+            <a:r>
+              <a:rPr lang="ko-KR" altLang="en-US" sz="2000" b="1" dirty="0" err="1" smtClean="0"/>
+              <a:t>갔을때</a:t>
+            </a:r>
+            <a:r>
+              <a:rPr lang="ko-KR" altLang="en-US" sz="2000" b="1" dirty="0" smtClean="0"/>
+              <a:t> 설명을 </a:t>
+            </a:r>
+            <a:r>
+              <a:rPr lang="ko-KR" altLang="en-US" sz="2000" b="1" dirty="0" err="1" smtClean="0"/>
+              <a:t>달아주는것도</a:t>
+            </a:r>
+            <a:r>
+              <a:rPr lang="ko-KR" altLang="en-US" sz="2000" b="1" dirty="0" smtClean="0"/>
+              <a:t> 좋지만 바로 한눈에 느낌으로 알게 </a:t>
+            </a:r>
+            <a:r>
+              <a:rPr lang="ko-KR" altLang="en-US" sz="2000" b="1" dirty="0" err="1" smtClean="0"/>
+              <a:t>하는것이</a:t>
+            </a:r>
+            <a:r>
+              <a:rPr lang="ko-KR" altLang="en-US" sz="2000" b="1" dirty="0" smtClean="0"/>
+              <a:t> 훨씬 </a:t>
+            </a:r>
+            <a:r>
+              <a:rPr lang="ko-KR" altLang="en-US" sz="2000" b="1" dirty="0" err="1" smtClean="0"/>
+              <a:t>좋을듯</a:t>
+            </a:r>
+            <a:endParaRPr lang="en-US" altLang="ko-KR" sz="2000" b="1" dirty="0" smtClean="0"/>
+          </a:p>
+          <a:p>
+            <a:r>
+              <a:rPr lang="en-US" altLang="ko-KR" sz="2000" b="1" dirty="0" smtClean="0"/>
+              <a:t>(ex </a:t>
+            </a:r>
+            <a:r>
+              <a:rPr lang="ko-KR" altLang="en-US" sz="2000" b="1" dirty="0" smtClean="0"/>
+              <a:t>건전의 체력회복용 하트는 반쪽</a:t>
+            </a:r>
+            <a:r>
+              <a:rPr lang="en-US" altLang="ko-KR" sz="2000" b="1" dirty="0" smtClean="0"/>
+              <a:t>,</a:t>
+            </a:r>
+            <a:r>
+              <a:rPr lang="ko-KR" altLang="en-US" sz="2000" b="1" dirty="0" smtClean="0"/>
+              <a:t>한 개 라서 정확히 체력이 몇 오를지 직관적으로 </a:t>
+            </a:r>
+            <a:r>
+              <a:rPr lang="ko-KR" altLang="en-US" sz="2000" b="1" dirty="0" err="1" smtClean="0"/>
+              <a:t>알수있음</a:t>
+            </a:r>
+            <a:r>
+              <a:rPr lang="en-US" altLang="ko-KR" sz="2000" b="1" dirty="0" smtClean="0"/>
+              <a:t>)</a:t>
+            </a:r>
+          </a:p>
+          <a:p>
+            <a:r>
+              <a:rPr lang="ko-KR" altLang="en-US" sz="2000" b="1" dirty="0" err="1" smtClean="0"/>
+              <a:t>배그의</a:t>
+            </a:r>
+            <a:r>
+              <a:rPr lang="ko-KR" altLang="en-US" sz="2000" b="1" dirty="0" smtClean="0"/>
+              <a:t> 가방</a:t>
+            </a:r>
+            <a:r>
+              <a:rPr lang="en-US" altLang="ko-KR" sz="2000" b="1" dirty="0" smtClean="0"/>
+              <a:t>,</a:t>
+            </a:r>
+            <a:r>
+              <a:rPr lang="ko-KR" altLang="en-US" sz="2000" b="1" dirty="0" err="1" smtClean="0"/>
+              <a:t>아머도</a:t>
+            </a:r>
+            <a:r>
+              <a:rPr lang="ko-KR" altLang="en-US" sz="2000" b="1" dirty="0" smtClean="0"/>
+              <a:t> </a:t>
+            </a:r>
+            <a:r>
+              <a:rPr lang="ko-KR" altLang="en-US" sz="2000" b="1" dirty="0" err="1" smtClean="0"/>
+              <a:t>봤을때</a:t>
+            </a:r>
+            <a:r>
+              <a:rPr lang="ko-KR" altLang="en-US" sz="2000" b="1" dirty="0" smtClean="0"/>
+              <a:t> </a:t>
+            </a:r>
+            <a:r>
+              <a:rPr lang="ko-KR" altLang="en-US" sz="2000" b="1" dirty="0" err="1" smtClean="0"/>
+              <a:t>가방같은</a:t>
+            </a:r>
+            <a:r>
+              <a:rPr lang="ko-KR" altLang="en-US" sz="2000" b="1" dirty="0" smtClean="0"/>
+              <a:t> 경우는 </a:t>
+            </a:r>
+            <a:r>
+              <a:rPr lang="ko-KR" altLang="en-US" sz="2000" b="1" dirty="0" err="1" smtClean="0"/>
+              <a:t>세개의</a:t>
+            </a:r>
+            <a:r>
+              <a:rPr lang="ko-KR" altLang="en-US" sz="2000" b="1" dirty="0" smtClean="0"/>
+              <a:t> 크기가 다 달라서 </a:t>
+            </a:r>
+            <a:r>
+              <a:rPr lang="ko-KR" altLang="en-US" sz="2000" b="1" dirty="0" err="1" smtClean="0"/>
+              <a:t>어떤게</a:t>
+            </a:r>
+            <a:r>
+              <a:rPr lang="ko-KR" altLang="en-US" sz="2000" b="1" dirty="0" smtClean="0"/>
+              <a:t> 더 많이 </a:t>
+            </a:r>
+            <a:r>
+              <a:rPr lang="ko-KR" altLang="en-US" sz="2000" b="1" dirty="0" err="1" smtClean="0"/>
+              <a:t>담을수</a:t>
+            </a:r>
+            <a:r>
+              <a:rPr lang="ko-KR" altLang="en-US" sz="2000" b="1" dirty="0" smtClean="0"/>
+              <a:t> 있는 가방인지 한눈에 구별 가능</a:t>
+            </a:r>
+            <a:r>
+              <a:rPr lang="en-US" altLang="ko-KR" sz="2000" b="1" dirty="0" smtClean="0"/>
+              <a:t>)</a:t>
+            </a:r>
+            <a:endParaRPr lang="ko-KR" altLang="en-US" sz="2000" b="1" dirty="0"/>
+          </a:p>
+        </p:txBody>
+      </p:sp>
+    </p:spTree>
+    <p:extLst>
+      <p:ext uri="{BB962C8B-B14F-4D97-AF65-F5344CB8AC3E}">
+        <p14:creationId xmlns:p14="http://schemas.microsoft.com/office/powerpoint/2010/main" val="26445271"/>
+      </p:ext>
+    </p:extLst>
+  </p:cSld>
+  <p:clrMapOvr>
+    <a:masterClrMapping/>
+  </p:clrMapOvr>
+</p:sld>
+</file>
+
+<file path=ppt/slides/slide13.xml><?xml version="1.0" encoding="utf-8"?>
+<p:sld xmlns:a="http://schemas.openxmlformats.org/drawingml/2006/main" xmlns:r="http://schemas.openxmlformats.org/officeDocument/2006/relationships" xmlns:p="http://schemas.openxmlformats.org/presentationml/2006/main">
+  <p:cSld>
+    <p:spTree>
+      <p:nvGrpSpPr>
+        <p:cNvPr id="1" name=""/>
+        <p:cNvGrpSpPr/>
+        <p:nvPr/>
+      </p:nvGrpSpPr>
+      <p:grpSpPr>
+        <a:xfrm>
+          <a:off x="0" y="0"/>
+          <a:ext cx="0" cy="0"/>
+          <a:chOff x="0" y="0"/>
+          <a:chExt cx="0" cy="0"/>
+        </a:xfrm>
+      </p:grpSpPr>
+      <p:sp>
+        <p:nvSpPr>
+          <p:cNvPr id="2" name="제목 1"/>
+          <p:cNvSpPr>
+            <a:spLocks noGrp="1"/>
+          </p:cNvSpPr>
+          <p:nvPr>
+            <p:ph type="title"/>
+          </p:nvPr>
+        </p:nvSpPr>
+        <p:spPr/>
+        <p:txBody>
+          <a:bodyPr/>
+          <a:lstStyle/>
+          <a:p>
+            <a:r>
+              <a:rPr lang="ko-KR" altLang="en-US" dirty="0" err="1" smtClean="0"/>
+              <a:t>몬스터</a:t>
+            </a:r>
+            <a:endParaRPr lang="ko-KR" altLang="en-US" dirty="0"/>
+          </a:p>
+        </p:txBody>
+      </p:sp>
+      <p:sp>
+        <p:nvSpPr>
+          <p:cNvPr id="3" name="내용 개체 틀 2"/>
+          <p:cNvSpPr>
+            <a:spLocks noGrp="1"/>
+          </p:cNvSpPr>
+          <p:nvPr>
+            <p:ph idx="1"/>
+          </p:nvPr>
+        </p:nvSpPr>
+        <p:spPr/>
+        <p:txBody>
+          <a:bodyPr>
+            <a:normAutofit/>
+          </a:bodyPr>
+          <a:lstStyle/>
+          <a:p>
+            <a:r>
               <a:rPr lang="ko-KR" altLang="en-US" b="1" dirty="0" smtClean="0"/>
               <a:t>도둑스테이지</a:t>
             </a:r>
@@ -3339,7 +7843,34 @@
             </a:r>
             <a:r>
               <a:rPr lang="ko-KR" altLang="en-US" b="1" dirty="0" smtClean="0"/>
-              <a:t>맞으면 아이템  훔침</a:t>
+              <a:t>맞으면 아이템  </a:t>
+            </a:r>
+            <a:r>
+              <a:rPr lang="ko-KR" altLang="en-US" b="1" dirty="0" smtClean="0"/>
+              <a:t>훔침</a:t>
+            </a:r>
+            <a:endParaRPr lang="en-US" altLang="ko-KR" b="1" dirty="0" smtClean="0"/>
+          </a:p>
+          <a:p>
+            <a:r>
+              <a:rPr lang="en-US" altLang="ko-KR" b="1" dirty="0" smtClean="0"/>
+              <a:t>(</a:t>
+            </a:r>
+            <a:r>
+              <a:rPr lang="ko-KR" altLang="en-US" b="1" dirty="0" smtClean="0"/>
+              <a:t>건전의 </a:t>
+            </a:r>
+            <a:r>
+              <a:rPr lang="ko-KR" altLang="en-US" b="1" dirty="0" err="1" smtClean="0"/>
+              <a:t>유령몬스터</a:t>
+            </a:r>
+            <a:r>
+              <a:rPr lang="ko-KR" altLang="en-US" b="1" dirty="0" smtClean="0"/>
+              <a:t> 같은 패턴</a:t>
+            </a:r>
+            <a:r>
+              <a:rPr lang="en-US" altLang="ko-KR" b="1" dirty="0" smtClean="0"/>
+              <a:t>)</a:t>
             </a:r>
             <a:endParaRPr lang="en-US" altLang="ko-KR" b="1" dirty="0" smtClean="0"/>
           </a:p>
@@ -4850,15 +9381,7 @@
           <a:p>
             <a:r>
               <a:rPr lang="ko-KR" altLang="en-US" dirty="0" err="1" smtClean="0"/>
-              <a:t>아</a:t>
-            </a:r>
-            <a:r>
-              <a:rPr lang="ko-KR" altLang="en-US" dirty="0" err="1" smtClean="0"/>
-              <a:t>이</a:t>
-            </a:r>
-            <a:r>
-              <a:rPr lang="ko-KR" altLang="en-US" dirty="0" err="1" smtClean="0"/>
-              <a:t>템표</a:t>
+              <a:t>회복류</a:t>
             </a:r>
             <a:endParaRPr lang="ko-KR" altLang="en-US" dirty="0"/>
           </a:p>
@@ -4873,14 +9396,14 @@
           <p:nvPr>
             <p:extLst>
               <p:ext uri="{D42A27DB-BD31-4B8C-83A1-F6EECF244321}">
-                <p14:modId xmlns:p14="http://schemas.microsoft.com/office/powerpoint/2010/main" val="856118369"/>
+                <p14:modId xmlns:p14="http://schemas.microsoft.com/office/powerpoint/2010/main" val="976719616"/>
               </p:ext>
             </p:extLst>
           </p:nvPr>
         </p:nvGraphicFramePr>
         <p:xfrm>
-          <a:off x="1524000" y="1397000"/>
-          <a:ext cx="6648400" cy="5120640"/>
+          <a:off x="395536" y="1412776"/>
+          <a:ext cx="8136904" cy="4282440"/>
         </p:xfrm>
         <a:graphic>
           <a:graphicData uri="http://schemas.openxmlformats.org/drawingml/2006/table">
@@ -4889,10 +9412,11 @@
                 <a:tableStyleId>{7E9639D4-E3E2-4D34-9284-5A2195B3D0D7}</a:tableStyleId>
               </a:tblPr>
               <a:tblGrid>
-                <a:gridCol w="1662100"/>
-                <a:gridCol w="1662100"/>
-                <a:gridCol w="1662100"/>
-                <a:gridCol w="1662100"/>
+                <a:gridCol w="1329680"/>
+                <a:gridCol w="1329680"/>
+                <a:gridCol w="2165176"/>
+                <a:gridCol w="936104"/>
+                <a:gridCol w="2376264"/>
               </a:tblGrid>
               <a:tr h="370840">
                 <a:tc>
@@ -4975,6 +9499,21 @@
                   </a:txBody>
                   <a:tcPr/>
                 </a:tc>
+                <a:tc>
+                  <a:txBody>
+                    <a:bodyPr/>
+                    <a:lstStyle/>
+                    <a:p>
+                      <a:pPr latinLnBrk="1"/>
+                      <a:r>
+                        <a:rPr lang="ko-KR" altLang="en-US" sz="1000" dirty="0" smtClean="0"/>
+                        <a:t>기타의견</a:t>
+                      </a:r>
+                      <a:endParaRPr lang="ko-KR" altLang="en-US" sz="1000" dirty="0"/>
+                    </a:p>
+                  </a:txBody>
+                  <a:tcPr/>
+                </a:tc>
               </a:tr>
               <a:tr h="370840">
                 <a:tc>
@@ -5033,7 +9572,7 @@
                       <a:pPr latinLnBrk="1"/>
                       <a:r>
                         <a:rPr lang="ko-KR" altLang="en-US" sz="1000" dirty="0" smtClean="0"/>
-                        <a:t>권총탄약</a:t>
+                        <a:t>방어막</a:t>
                       </a:r>
                       <a:endParaRPr lang="ko-KR" altLang="en-US" sz="1000" dirty="0"/>
                     </a:p>
@@ -5075,38 +9614,82 @@
                       <a:headEnd type="none" w="med" len="med"/>
                       <a:tailEnd type="none" w="med" len="med"/>
                     </a:lnB>
-                  </a:tcPr>
-                </a:tc>
-                <a:tc>
-                  <a:txBody>
-                    <a:bodyPr/>
-                    <a:lstStyle/>
-                    <a:p>
-                      <a:pPr latinLnBrk="1"/>
+                    <a:solidFill>
+                      <a:srgbClr val="FFFF00"/>
+                    </a:solidFill>
+                  </a:tcPr>
+                </a:tc>
+                <a:tc>
+                  <a:txBody>
+                    <a:bodyPr/>
+                    <a:lstStyle/>
+                    <a:p>
+                      <a:pPr latinLnBrk="1"/>
+                      <a:r>
+                        <a:rPr lang="ko-KR" altLang="en-US" sz="1000" dirty="0" err="1" smtClean="0"/>
+                        <a:t>일정시간동안</a:t>
+                      </a:r>
                       <a:r>
                         <a:rPr lang="ko-KR" altLang="en-US" sz="1000" dirty="0" smtClean="0"/>
-                        <a:t>권총탄약</a:t>
-                      </a:r>
-                      <a:r>
-                        <a:rPr lang="en-US" altLang="ko-KR" sz="1000" dirty="0" smtClean="0"/>
-                        <a:t>10</a:t>
+                        <a:t> 플레이어가 입는 </a:t>
+                      </a:r>
+                      <a:r>
+                        <a:rPr lang="ko-KR" altLang="en-US" sz="1000" dirty="0" err="1" smtClean="0"/>
+                        <a:t>데미지를</a:t>
                       </a:r>
                       <a:r>
                         <a:rPr lang="ko-KR" altLang="en-US" sz="1000" dirty="0" smtClean="0"/>
-                        <a:t>개</a:t>
-                      </a:r>
-                      <a:r>
-                        <a:rPr lang="en-US" altLang="ko-KR" sz="1000" dirty="0" smtClean="0"/>
-                        <a:t>(</a:t>
+                        <a:t> 보호해줌</a:t>
+                      </a:r>
+                      <a:endParaRPr lang="en-US" altLang="ko-KR" sz="1000" dirty="0" smtClean="0"/>
+                    </a:p>
+                    <a:p>
+                      <a:pPr latinLnBrk="1"/>
+                      <a:r>
+                        <a:rPr lang="ko-KR" altLang="en-US" sz="1000" dirty="0" err="1" smtClean="0"/>
+                        <a:t>데미지</a:t>
                       </a:r>
                       <a:r>
                         <a:rPr lang="ko-KR" altLang="en-US" sz="1000" dirty="0" smtClean="0"/>
-                        <a:t>기관단총에도 사용</a:t>
-                      </a:r>
-                      <a:r>
-                        <a:rPr lang="en-US" altLang="ko-KR" sz="1000" dirty="0" smtClean="0"/>
-                        <a:t>)</a:t>
-                      </a:r>
+                        <a:t> 입으면 </a:t>
+                      </a:r>
+                      <a:r>
+                        <a:rPr lang="ko-KR" altLang="en-US" sz="1000" dirty="0" err="1" smtClean="0"/>
+                        <a:t>빨리깨짐</a:t>
+                      </a:r>
+                      <a:endParaRPr lang="ko-KR" altLang="en-US" sz="1000" dirty="0"/>
+                    </a:p>
+                  </a:txBody>
+                  <a:tcPr>
+                    <a:lnL w="12700" cap="flat" cmpd="sng" algn="ctr">
+                      <a:solidFill>
+                        <a:schemeClr val="tx1"/>
+                      </a:solidFill>
+                      <a:prstDash val="solid"/>
+                      <a:round/>
+                      <a:headEnd type="none" w="med" len="med"/>
+                      <a:tailEnd type="none" w="med" len="med"/>
+                    </a:lnL>
+                    <a:lnR w="12700" cap="flat" cmpd="sng" algn="ctr">
+                      <a:solidFill>
+                        <a:schemeClr val="tx1"/>
+                      </a:solidFill>
+                      <a:prstDash val="solid"/>
+                      <a:round/>
+                      <a:headEnd type="none" w="med" len="med"/>
+                      <a:tailEnd type="none" w="med" len="med"/>
+                    </a:lnR>
+                    <a:solidFill>
+                      <a:srgbClr val="FFFF00"/>
+                    </a:solidFill>
+                  </a:tcPr>
+                </a:tc>
+                <a:tc>
+                  <a:txBody>
+                    <a:bodyPr/>
+                    <a:lstStyle/>
+                    <a:p>
+                      <a:pPr latinLnBrk="1"/>
                       <a:endParaRPr lang="ko-KR" altLang="en-US" sz="1000" dirty="0"/>
                     </a:p>
                   </a:txBody>
@@ -5209,8 +9792,8 @@
                     <a:p>
                       <a:pPr latinLnBrk="1"/>
                       <a:r>
-                        <a:rPr lang="ko-KR" altLang="en-US" sz="1000" dirty="0" err="1" smtClean="0"/>
-                        <a:t>샷건탄약</a:t>
+                        <a:rPr lang="ko-KR" altLang="en-US" sz="1000" dirty="0" smtClean="0"/>
+                        <a:t>구급상자</a:t>
                       </a:r>
                       <a:endParaRPr lang="ko-KR" altLang="en-US" sz="1000" dirty="0"/>
                     </a:p>
@@ -5252,6 +9835,9 @@
                       <a:headEnd type="none" w="med" len="med"/>
                       <a:tailEnd type="none" w="med" len="med"/>
                     </a:lnB>
+                    <a:solidFill>
+                      <a:srgbClr val="FFFF00"/>
+                    </a:solidFill>
                   </a:tcPr>
                 </a:tc>
                 <a:tc>
@@ -5262,16 +9848,41 @@
                       <a:pPr latinLnBrk="1"/>
                       <a:r>
                         <a:rPr lang="ko-KR" altLang="en-US" sz="1000" dirty="0" err="1" smtClean="0"/>
-                        <a:t>샷건탄약</a:t>
-                      </a:r>
-                      <a:r>
-                        <a:rPr lang="en-US" altLang="ko-KR" sz="1000" dirty="0" smtClean="0"/>
-                        <a:t>10</a:t>
-                      </a:r>
-                      <a:r>
-                        <a:rPr lang="ko-KR" altLang="en-US" sz="1000" dirty="0" smtClean="0"/>
-                        <a:t>개</a:t>
-                      </a:r>
+                        <a:t>체력두칸회복</a:t>
+                      </a:r>
+                      <a:endParaRPr lang="ko-KR" altLang="en-US" sz="1000" dirty="0"/>
+                    </a:p>
+                  </a:txBody>
+                  <a:tcPr>
+                    <a:lnL w="12700" cap="flat" cmpd="sng" algn="ctr">
+                      <a:solidFill>
+                        <a:schemeClr val="tx1"/>
+                      </a:solidFill>
+                      <a:prstDash val="solid"/>
+                      <a:round/>
+                      <a:headEnd type="none" w="med" len="med"/>
+                      <a:tailEnd type="none" w="med" len="med"/>
+                    </a:lnL>
+                    <a:lnR w="12700" cap="flat" cmpd="sng" algn="ctr">
+                      <a:solidFill>
+                        <a:schemeClr val="tx1"/>
+                      </a:solidFill>
+                      <a:prstDash val="solid"/>
+                      <a:round/>
+                      <a:headEnd type="none" w="med" len="med"/>
+                      <a:tailEnd type="none" w="med" len="med"/>
+                    </a:lnR>
+                    <a:solidFill>
+                      <a:srgbClr val="FFFF00"/>
+                    </a:solidFill>
+                  </a:tcPr>
+                </a:tc>
+                <a:tc>
+                  <a:txBody>
+                    <a:bodyPr/>
+                    <a:lstStyle/>
+                    <a:p>
+                      <a:pPr latinLnBrk="1"/>
                       <a:endParaRPr lang="ko-KR" altLang="en-US" sz="1000" dirty="0"/>
                     </a:p>
                   </a:txBody>
@@ -5375,7 +9986,7 @@
                       <a:pPr latinLnBrk="1"/>
                       <a:r>
                         <a:rPr lang="ko-KR" altLang="en-US" sz="1000" dirty="0" smtClean="0"/>
-                        <a:t>소총탄약</a:t>
+                        <a:t>알약</a:t>
                       </a:r>
                       <a:endParaRPr lang="ko-KR" altLang="en-US" sz="1000" dirty="0"/>
                     </a:p>
@@ -5417,26 +10028,54 @@
                       <a:headEnd type="none" w="med" len="med"/>
                       <a:tailEnd type="none" w="med" len="med"/>
                     </a:lnB>
-                  </a:tcPr>
-                </a:tc>
-                <a:tc>
-                  <a:txBody>
-                    <a:bodyPr/>
-                    <a:lstStyle/>
-                    <a:p>
-                      <a:pPr latinLnBrk="1"/>
-                      <a:r>
-                        <a:rPr lang="ko-KR" altLang="en-US" sz="1000" dirty="0" smtClean="0"/>
-                        <a:t>소총탄약</a:t>
-                      </a:r>
-                      <a:r>
-                        <a:rPr lang="en-US" altLang="ko-KR" sz="1000" dirty="0" smtClean="0"/>
-                        <a:t>10</a:t>
-                      </a:r>
-                      <a:r>
-                        <a:rPr lang="ko-KR" altLang="en-US" sz="1000" dirty="0" smtClean="0"/>
-                        <a:t>개</a:t>
-                      </a:r>
+                    <a:solidFill>
+                      <a:srgbClr val="FFFF00"/>
+                    </a:solidFill>
+                  </a:tcPr>
+                </a:tc>
+                <a:tc>
+                  <a:txBody>
+                    <a:bodyPr/>
+                    <a:lstStyle/>
+                    <a:p>
+                      <a:pPr latinLnBrk="1"/>
+                      <a:r>
+                        <a:rPr lang="ko-KR" altLang="en-US" sz="1000" dirty="0" err="1" smtClean="0"/>
+                        <a:t>체력한칸회복</a:t>
+                      </a:r>
+                      <a:endParaRPr lang="ko-KR" altLang="en-US" sz="1000" dirty="0"/>
+                    </a:p>
+                  </a:txBody>
+                  <a:tcPr>
+                    <a:lnL w="12700" cap="flat" cmpd="sng" algn="ctr">
+                      <a:solidFill>
+                        <a:schemeClr val="tx1"/>
+                      </a:solidFill>
+                      <a:prstDash val="solid"/>
+                      <a:round/>
+                      <a:headEnd type="none" w="med" len="med"/>
+                      <a:tailEnd type="none" w="med" len="med"/>
+                    </a:lnL>
+                    <a:lnR w="12700" cap="flat" cmpd="sng" algn="ctr">
+                      <a:solidFill>
+                        <a:schemeClr val="tx1"/>
+                      </a:solidFill>
+                      <a:prstDash val="solid"/>
+                      <a:round/>
+                      <a:headEnd type="none" w="med" len="med"/>
+                      <a:tailEnd type="none" w="med" len="med"/>
+                    </a:lnR>
+                    <a:solidFill>
+                      <a:srgbClr val="FFFF00"/>
+                    </a:solidFill>
+                  </a:tcPr>
+                </a:tc>
+                <a:tc>
+                  <a:txBody>
+                    <a:bodyPr/>
+                    <a:lstStyle/>
+                    <a:p>
+                      <a:pPr latinLnBrk="1"/>
                       <a:endParaRPr lang="ko-KR" altLang="en-US" sz="1000" dirty="0"/>
                     </a:p>
                   </a:txBody>
@@ -5540,7 +10179,7 @@
                       <a:pPr latinLnBrk="1"/>
                       <a:r>
                         <a:rPr lang="ko-KR" altLang="en-US" sz="1000" dirty="0" smtClean="0"/>
-                        <a:t>폭발탄약</a:t>
+                        <a:t>방탄테이프</a:t>
                       </a:r>
                       <a:endParaRPr lang="ko-KR" altLang="en-US" sz="1000" dirty="0"/>
                     </a:p>
@@ -5582,6 +10221,9 @@
                       <a:headEnd type="none" w="med" len="med"/>
                       <a:tailEnd type="none" w="med" len="med"/>
                     </a:lnB>
+                    <a:solidFill>
+                      <a:srgbClr val="FFFF00"/>
+                    </a:solidFill>
                   </a:tcPr>
                 </a:tc>
                 <a:tc>
@@ -5592,50 +10234,115 @@
                       <a:pPr latinLnBrk="1"/>
                       <a:r>
                         <a:rPr lang="ko-KR" altLang="en-US" sz="1000" dirty="0" err="1" smtClean="0"/>
-                        <a:t>폭탄발사류무기탄약</a:t>
+                        <a:t>특수테입으로</a:t>
                       </a:r>
                       <a:r>
                         <a:rPr lang="ko-KR" altLang="en-US" sz="1000" dirty="0" smtClean="0"/>
                         <a:t> </a:t>
                       </a:r>
                       <a:r>
-                        <a:rPr lang="en-US" altLang="ko-KR" sz="1000" dirty="0" smtClean="0"/>
-                        <a:t>10</a:t>
+                        <a:rPr lang="ko-KR" altLang="en-US" sz="1000" dirty="0" err="1" smtClean="0"/>
+                        <a:t>아머를</a:t>
                       </a:r>
                       <a:r>
                         <a:rPr lang="ko-KR" altLang="en-US" sz="1000" dirty="0" smtClean="0"/>
-                        <a:t>개</a:t>
-                      </a:r>
-                      <a:endParaRPr lang="ko-KR" altLang="en-US" sz="1000" dirty="0"/>
-                    </a:p>
-                  </a:txBody>
-                  <a:tcPr>
-                    <a:lnL w="12700" cap="flat" cmpd="sng" algn="ctr">
-                      <a:solidFill>
-                        <a:schemeClr val="tx1"/>
-                      </a:solidFill>
-                      <a:prstDash val="solid"/>
-                      <a:round/>
-                      <a:headEnd type="none" w="med" len="med"/>
-                      <a:tailEnd type="none" w="med" len="med"/>
-                    </a:lnL>
-                    <a:lnR w="12700" cap="flat" cmpd="sng" algn="ctr">
-                      <a:solidFill>
-                        <a:schemeClr val="tx1"/>
-                      </a:solidFill>
-                      <a:prstDash val="solid"/>
-                      <a:round/>
-                      <a:headEnd type="none" w="med" len="med"/>
-                      <a:tailEnd type="none" w="med" len="med"/>
-                    </a:lnR>
-                  </a:tcPr>
-                </a:tc>
-                <a:tc>
-                  <a:txBody>
-                    <a:bodyPr/>
-                    <a:lstStyle/>
-                    <a:p>
-                      <a:pPr latinLnBrk="1"/>
+                        <a:t> 한 칸</a:t>
+                      </a:r>
+                      <a:r>
+                        <a:rPr lang="ko-KR" altLang="en-US" sz="1000" baseline="0" dirty="0" smtClean="0"/>
+                        <a:t> 치료 해줌</a:t>
+                      </a:r>
+                      <a:r>
+                        <a:rPr lang="en-US" altLang="ko-KR" sz="1000" baseline="0" dirty="0" smtClean="0"/>
+                        <a:t>. </a:t>
+                      </a:r>
+                      <a:r>
+                        <a:rPr lang="ko-KR" altLang="en-US" sz="1000" baseline="0" dirty="0" smtClean="0"/>
+                        <a:t>레벨 </a:t>
+                      </a:r>
+                      <a:r>
+                        <a:rPr lang="en-US" altLang="ko-KR" sz="1000" baseline="0" dirty="0" smtClean="0"/>
+                        <a:t>2 </a:t>
+                      </a:r>
+                      <a:r>
+                        <a:rPr lang="ko-KR" altLang="en-US" sz="1000" baseline="0" dirty="0" smtClean="0"/>
+                        <a:t>방탄부터 수리가능</a:t>
+                      </a:r>
+                      <a:endParaRPr lang="en-US" altLang="ko-KR" sz="1000" dirty="0" smtClean="0"/>
+                    </a:p>
+                  </a:txBody>
+                  <a:tcPr>
+                    <a:lnL w="12700" cap="flat" cmpd="sng" algn="ctr">
+                      <a:solidFill>
+                        <a:schemeClr val="tx1"/>
+                      </a:solidFill>
+                      <a:prstDash val="solid"/>
+                      <a:round/>
+                      <a:headEnd type="none" w="med" len="med"/>
+                      <a:tailEnd type="none" w="med" len="med"/>
+                    </a:lnL>
+                    <a:lnR w="12700" cap="flat" cmpd="sng" algn="ctr">
+                      <a:solidFill>
+                        <a:schemeClr val="tx1"/>
+                      </a:solidFill>
+                      <a:prstDash val="solid"/>
+                      <a:round/>
+                      <a:headEnd type="none" w="med" len="med"/>
+                      <a:tailEnd type="none" w="med" len="med"/>
+                    </a:lnR>
+                    <a:solidFill>
+                      <a:srgbClr val="FFFF00"/>
+                    </a:solidFill>
+                  </a:tcPr>
+                </a:tc>
+                <a:tc>
+                  <a:txBody>
+                    <a:bodyPr/>
+                    <a:lstStyle/>
+                    <a:p>
+                      <a:pPr latinLnBrk="1"/>
+                      <a:endParaRPr lang="ko-KR" altLang="en-US" sz="1000" dirty="0"/>
+                    </a:p>
+                  </a:txBody>
+                  <a:tcPr>
+                    <a:lnL w="12700" cap="flat" cmpd="sng" algn="ctr">
+                      <a:solidFill>
+                        <a:schemeClr val="tx1"/>
+                      </a:solidFill>
+                      <a:prstDash val="solid"/>
+                      <a:round/>
+                      <a:headEnd type="none" w="med" len="med"/>
+                      <a:tailEnd type="none" w="med" len="med"/>
+                    </a:lnL>
+                    <a:lnR w="12700" cap="flat" cmpd="sng" algn="ctr">
+                      <a:solidFill>
+                        <a:schemeClr val="tx1"/>
+                      </a:solidFill>
+                      <a:prstDash val="solid"/>
+                      <a:round/>
+                      <a:headEnd type="none" w="med" len="med"/>
+                      <a:tailEnd type="none" w="med" len="med"/>
+                    </a:lnR>
+                  </a:tcPr>
+                </a:tc>
+                <a:tc>
+                  <a:txBody>
+                    <a:bodyPr/>
+                    <a:lstStyle/>
+                    <a:p>
+                      <a:pPr latinLnBrk="1"/>
+                      <a:r>
+                        <a:rPr lang="ko-KR" altLang="en-US" sz="1000" dirty="0" err="1" smtClean="0"/>
+                        <a:t>아머를</a:t>
+                      </a:r>
+                      <a:r>
+                        <a:rPr lang="ko-KR" altLang="en-US" sz="1000" dirty="0" smtClean="0"/>
+                        <a:t> 어떤 방식으로 할지 </a:t>
+                      </a:r>
+                      <a:r>
+                        <a:rPr lang="ko-KR" altLang="en-US" sz="1000" dirty="0" err="1" smtClean="0"/>
+                        <a:t>정해야함</a:t>
+                      </a:r>
                       <a:endParaRPr lang="ko-KR" altLang="en-US" sz="1000" dirty="0"/>
                     </a:p>
                   </a:txBody>
@@ -5706,12 +10413,7 @@
                     <a:bodyPr/>
                     <a:lstStyle/>
                     <a:p>
-                      <a:pPr latinLnBrk="1"/>
-                      <a:r>
-                        <a:rPr lang="ko-KR" altLang="en-US" sz="1000" dirty="0" smtClean="0"/>
-                        <a:t>방어막</a:t>
-                      </a:r>
-                      <a:endParaRPr lang="ko-KR" altLang="en-US" sz="1000" dirty="0"/>
+                      <a:endParaRPr lang="ko-KR" altLang="en-US" dirty="0"/>
                     </a:p>
                   </a:txBody>
                   <a:tcPr>
@@ -5758,73 +10460,65 @@
                     <a:bodyPr/>
                     <a:lstStyle/>
                     <a:p>
-                      <a:pPr latinLnBrk="1"/>
-                      <a:r>
-                        <a:rPr lang="ko-KR" altLang="en-US" sz="1000" dirty="0" err="1" smtClean="0"/>
-                        <a:t>일정시간동안</a:t>
-                      </a:r>
-                      <a:r>
-                        <a:rPr lang="ko-KR" altLang="en-US" sz="1000" dirty="0" smtClean="0"/>
-                        <a:t> 플레이어가 입는 </a:t>
-                      </a:r>
-                      <a:r>
-                        <a:rPr lang="ko-KR" altLang="en-US" sz="1000" dirty="0" err="1" smtClean="0"/>
-                        <a:t>데미지를</a:t>
-                      </a:r>
-                      <a:r>
-                        <a:rPr lang="ko-KR" altLang="en-US" sz="1000" dirty="0" smtClean="0"/>
-                        <a:t> 보호해줌</a:t>
-                      </a:r>
-                      <a:endParaRPr lang="en-US" altLang="ko-KR" sz="1000" dirty="0" smtClean="0"/>
-                    </a:p>
-                    <a:p>
-                      <a:pPr latinLnBrk="1"/>
-                      <a:r>
-                        <a:rPr lang="ko-KR" altLang="en-US" sz="1000" dirty="0" err="1" smtClean="0"/>
-                        <a:t>데미지</a:t>
-                      </a:r>
-                      <a:r>
-                        <a:rPr lang="ko-KR" altLang="en-US" sz="1000" dirty="0" smtClean="0"/>
-                        <a:t> 입으면 </a:t>
-                      </a:r>
-                      <a:r>
-                        <a:rPr lang="ko-KR" altLang="en-US" sz="1000" dirty="0" err="1" smtClean="0"/>
-                        <a:t>빨리깨짐</a:t>
-                      </a:r>
-                      <a:endParaRPr lang="ko-KR" altLang="en-US" sz="1000" dirty="0"/>
-                    </a:p>
-                  </a:txBody>
-                  <a:tcPr>
-                    <a:lnL w="12700" cap="flat" cmpd="sng" algn="ctr">
-                      <a:solidFill>
-                        <a:schemeClr val="tx1"/>
-                      </a:solidFill>
-                      <a:prstDash val="solid"/>
-                      <a:round/>
-                      <a:headEnd type="none" w="med" len="med"/>
-                      <a:tailEnd type="none" w="med" len="med"/>
-                    </a:lnL>
-                    <a:lnR w="12700" cap="flat" cmpd="sng" algn="ctr">
-                      <a:solidFill>
-                        <a:schemeClr val="tx1"/>
-                      </a:solidFill>
-                      <a:prstDash val="solid"/>
-                      <a:round/>
-                      <a:headEnd type="none" w="med" len="med"/>
-                      <a:tailEnd type="none" w="med" len="med"/>
-                    </a:lnR>
-                  </a:tcPr>
-                </a:tc>
-                <a:tc>
-                  <a:txBody>
-                    <a:bodyPr/>
-                    <a:lstStyle/>
-                    <a:p>
-                      <a:pPr latinLnBrk="1"/>
-                      <a:r>
-                        <a:rPr lang="en-US" altLang="ko-KR" sz="1000" dirty="0" smtClean="0"/>
-                        <a:t>??</a:t>
-                      </a:r>
+                      <a:endParaRPr lang="ko-KR" altLang="en-US" dirty="0"/>
+                    </a:p>
+                  </a:txBody>
+                  <a:tcPr>
+                    <a:lnL w="12700" cap="flat" cmpd="sng" algn="ctr">
+                      <a:solidFill>
+                        <a:schemeClr val="tx1"/>
+                      </a:solidFill>
+                      <a:prstDash val="solid"/>
+                      <a:round/>
+                      <a:headEnd type="none" w="med" len="med"/>
+                      <a:tailEnd type="none" w="med" len="med"/>
+                    </a:lnL>
+                    <a:lnR w="12700" cap="flat" cmpd="sng" algn="ctr">
+                      <a:solidFill>
+                        <a:schemeClr val="tx1"/>
+                      </a:solidFill>
+                      <a:prstDash val="solid"/>
+                      <a:round/>
+                      <a:headEnd type="none" w="med" len="med"/>
+                      <a:tailEnd type="none" w="med" len="med"/>
+                    </a:lnR>
+                  </a:tcPr>
+                </a:tc>
+                <a:tc>
+                  <a:txBody>
+                    <a:bodyPr/>
+                    <a:lstStyle/>
+                    <a:p>
+                      <a:endParaRPr lang="ko-KR" altLang="en-US" dirty="0"/>
+                    </a:p>
+                  </a:txBody>
+                  <a:tcPr>
+                    <a:lnL w="12700" cap="flat" cmpd="sng" algn="ctr">
+                      <a:solidFill>
+                        <a:schemeClr val="tx1"/>
+                      </a:solidFill>
+                      <a:prstDash val="solid"/>
+                      <a:round/>
+                      <a:headEnd type="none" w="med" len="med"/>
+                      <a:tailEnd type="none" w="med" len="med"/>
+                    </a:lnL>
+                    <a:lnR w="12700" cap="flat" cmpd="sng" algn="ctr">
+                      <a:solidFill>
+                        <a:schemeClr val="tx1"/>
+                      </a:solidFill>
+                      <a:prstDash val="solid"/>
+                      <a:round/>
+                      <a:headEnd type="none" w="med" len="med"/>
+                      <a:tailEnd type="none" w="med" len="med"/>
+                    </a:lnR>
+                  </a:tcPr>
+                </a:tc>
+                <a:tc>
+                  <a:txBody>
+                    <a:bodyPr/>
+                    <a:lstStyle/>
+                    <a:p>
+                      <a:pPr latinLnBrk="1"/>
                       <a:endParaRPr lang="ko-KR" altLang="en-US" sz="1000" dirty="0"/>
                     </a:p>
                   </a:txBody>
@@ -5895,12 +10589,7 @@
                     <a:bodyPr/>
                     <a:lstStyle/>
                     <a:p>
-                      <a:pPr latinLnBrk="1"/>
-                      <a:r>
-                        <a:rPr lang="ko-KR" altLang="en-US" sz="1000" dirty="0" smtClean="0"/>
-                        <a:t>구급상자</a:t>
-                      </a:r>
-                      <a:endParaRPr lang="ko-KR" altLang="en-US" sz="1000" dirty="0"/>
+                      <a:endParaRPr lang="ko-KR" altLang="en-US" dirty="0"/>
                     </a:p>
                   </a:txBody>
                   <a:tcPr>
@@ -5947,11 +10636,36 @@
                     <a:bodyPr/>
                     <a:lstStyle/>
                     <a:p>
-                      <a:pPr latinLnBrk="1"/>
-                      <a:r>
-                        <a:rPr lang="ko-KR" altLang="en-US" sz="1000" dirty="0" err="1" smtClean="0"/>
-                        <a:t>체력두칸회복</a:t>
-                      </a:r>
+                      <a:endParaRPr lang="ko-KR" altLang="en-US"/>
+                    </a:p>
+                  </a:txBody>
+                  <a:tcPr>
+                    <a:lnL w="12700" cap="flat" cmpd="sng" algn="ctr">
+                      <a:solidFill>
+                        <a:schemeClr val="tx1"/>
+                      </a:solidFill>
+                      <a:prstDash val="solid"/>
+                      <a:round/>
+                      <a:headEnd type="none" w="med" len="med"/>
+                      <a:tailEnd type="none" w="med" len="med"/>
+                    </a:lnL>
+                    <a:lnR w="12700" cap="flat" cmpd="sng" algn="ctr">
+                      <a:solidFill>
+                        <a:schemeClr val="tx1"/>
+                      </a:solidFill>
+                      <a:prstDash val="solid"/>
+                      <a:round/>
+                      <a:headEnd type="none" w="med" len="med"/>
+                      <a:tailEnd type="none" w="med" len="med"/>
+                    </a:lnR>
+                  </a:tcPr>
+                </a:tc>
+                <a:tc>
+                  <a:txBody>
+                    <a:bodyPr/>
+                    <a:lstStyle/>
+                    <a:p>
+                      <a:pPr latinLnBrk="1"/>
                       <a:endParaRPr lang="ko-KR" altLang="en-US" sz="1000" dirty="0"/>
                     </a:p>
                   </a:txBody>
@@ -6052,12 +10766,7 @@
                     <a:bodyPr/>
                     <a:lstStyle/>
                     <a:p>
-                      <a:pPr latinLnBrk="1"/>
-                      <a:r>
-                        <a:rPr lang="ko-KR" altLang="en-US" sz="1000" dirty="0" smtClean="0"/>
-                        <a:t>알약</a:t>
-                      </a:r>
-                      <a:endParaRPr lang="ko-KR" altLang="en-US" sz="1000" dirty="0"/>
+                      <a:endParaRPr lang="ko-KR" altLang="en-US" dirty="0"/>
                     </a:p>
                   </a:txBody>
                   <a:tcPr>
@@ -6104,11 +10813,36 @@
                     <a:bodyPr/>
                     <a:lstStyle/>
                     <a:p>
-                      <a:pPr latinLnBrk="1"/>
-                      <a:r>
-                        <a:rPr lang="ko-KR" altLang="en-US" sz="1000" dirty="0" err="1" smtClean="0"/>
-                        <a:t>체력한칸회복</a:t>
-                      </a:r>
+                      <a:endParaRPr lang="ko-KR" altLang="en-US" dirty="0"/>
+                    </a:p>
+                  </a:txBody>
+                  <a:tcPr>
+                    <a:lnL w="12700" cap="flat" cmpd="sng" algn="ctr">
+                      <a:solidFill>
+                        <a:schemeClr val="tx1"/>
+                      </a:solidFill>
+                      <a:prstDash val="solid"/>
+                      <a:round/>
+                      <a:headEnd type="none" w="med" len="med"/>
+                      <a:tailEnd type="none" w="med" len="med"/>
+                    </a:lnL>
+                    <a:lnR w="12700" cap="flat" cmpd="sng" algn="ctr">
+                      <a:solidFill>
+                        <a:schemeClr val="tx1"/>
+                      </a:solidFill>
+                      <a:prstDash val="solid"/>
+                      <a:round/>
+                      <a:headEnd type="none" w="med" len="med"/>
+                      <a:tailEnd type="none" w="med" len="med"/>
+                    </a:lnR>
+                  </a:tcPr>
+                </a:tc>
+                <a:tc>
+                  <a:txBody>
+                    <a:bodyPr/>
+                    <a:lstStyle/>
+                    <a:p>
+                      <a:pPr latinLnBrk="1"/>
                       <a:endParaRPr lang="ko-KR" altLang="en-US" sz="1000" dirty="0"/>
                     </a:p>
                   </a:txBody>
@@ -6210,10 +10944,6 @@
                     <a:lstStyle/>
                     <a:p>
                       <a:pPr latinLnBrk="1"/>
-                      <a:r>
-                        <a:rPr lang="ko-KR" altLang="en-US" sz="1000" dirty="0" err="1" smtClean="0"/>
-                        <a:t>터렛</a:t>
-                      </a:r>
                       <a:endParaRPr lang="ko-KR" altLang="en-US" sz="1000" dirty="0"/>
                     </a:p>
                   </a:txBody>
@@ -6262,56 +10992,66 @@
                     <a:lstStyle/>
                     <a:p>
                       <a:pPr latinLnBrk="1"/>
-                      <a:r>
-                        <a:rPr lang="ko-KR" altLang="en-US" sz="1000" dirty="0" err="1" smtClean="0"/>
-                        <a:t>일정시간동안</a:t>
-                      </a:r>
-                      <a:r>
-                        <a:rPr lang="ko-KR" altLang="en-US" sz="1000" dirty="0" smtClean="0"/>
-                        <a:t> </a:t>
-                      </a:r>
-                      <a:r>
-                        <a:rPr lang="ko-KR" altLang="en-US" sz="1000" dirty="0" err="1" smtClean="0"/>
-                        <a:t>터렛이</a:t>
-                      </a:r>
-                      <a:r>
-                        <a:rPr lang="ko-KR" altLang="en-US" sz="1000" dirty="0" smtClean="0"/>
-                        <a:t> 설치된 자리 주변에 있는 적을 공격함 시간 다 되면 알아서 깨짐</a:t>
-                      </a:r>
-                      <a:endParaRPr lang="ko-KR" altLang="en-US" sz="1000" dirty="0"/>
-                    </a:p>
-                  </a:txBody>
-                  <a:tcPr>
-                    <a:lnL w="12700" cap="flat" cmpd="sng" algn="ctr">
-                      <a:solidFill>
-                        <a:schemeClr val="tx1"/>
-                      </a:solidFill>
-                      <a:prstDash val="solid"/>
-                      <a:round/>
-                      <a:headEnd type="none" w="med" len="med"/>
-                      <a:tailEnd type="none" w="med" len="med"/>
-                    </a:lnL>
-                    <a:lnR w="12700" cap="flat" cmpd="sng" algn="ctr">
-                      <a:solidFill>
-                        <a:schemeClr val="tx1"/>
-                      </a:solidFill>
-                      <a:prstDash val="solid"/>
-                      <a:round/>
-                      <a:headEnd type="none" w="med" len="med"/>
-                      <a:tailEnd type="none" w="med" len="med"/>
-                    </a:lnR>
-                  </a:tcPr>
-                </a:tc>
-                <a:tc>
-                  <a:txBody>
-                    <a:bodyPr/>
-                    <a:lstStyle/>
-                    <a:p>
-                      <a:pPr latinLnBrk="1"/>
-                      <a:r>
-                        <a:rPr lang="en-US" altLang="ko-KR" sz="1000" dirty="0" smtClean="0"/>
-                        <a:t>??</a:t>
-                      </a:r>
+                      <a:endParaRPr lang="ko-KR" altLang="en-US" sz="1000" dirty="0"/>
+                    </a:p>
+                  </a:txBody>
+                  <a:tcPr>
+                    <a:lnL w="12700" cap="flat" cmpd="sng" algn="ctr">
+                      <a:solidFill>
+                        <a:schemeClr val="tx1"/>
+                      </a:solidFill>
+                      <a:prstDash val="solid"/>
+                      <a:round/>
+                      <a:headEnd type="none" w="med" len="med"/>
+                      <a:tailEnd type="none" w="med" len="med"/>
+                    </a:lnL>
+                    <a:lnR w="12700" cap="flat" cmpd="sng" algn="ctr">
+                      <a:solidFill>
+                        <a:schemeClr val="tx1"/>
+                      </a:solidFill>
+                      <a:prstDash val="solid"/>
+                      <a:round/>
+                      <a:headEnd type="none" w="med" len="med"/>
+                      <a:tailEnd type="none" w="med" len="med"/>
+                    </a:lnR>
+                  </a:tcPr>
+                </a:tc>
+                <a:tc>
+                  <a:txBody>
+                    <a:bodyPr/>
+                    <a:lstStyle/>
+                    <a:p>
+                      <a:pPr latinLnBrk="1"/>
+                      <a:endParaRPr lang="ko-KR" altLang="en-US" sz="1000" dirty="0"/>
+                    </a:p>
+                  </a:txBody>
+                  <a:tcPr>
+                    <a:lnL w="12700" cap="flat" cmpd="sng" algn="ctr">
+                      <a:solidFill>
+                        <a:schemeClr val="tx1"/>
+                      </a:solidFill>
+                      <a:prstDash val="solid"/>
+                      <a:round/>
+                      <a:headEnd type="none" w="med" len="med"/>
+                      <a:tailEnd type="none" w="med" len="med"/>
+                    </a:lnL>
+                    <a:lnR w="12700" cap="flat" cmpd="sng" algn="ctr">
+                      <a:solidFill>
+                        <a:schemeClr val="tx1"/>
+                      </a:solidFill>
+                      <a:prstDash val="solid"/>
+                      <a:round/>
+                      <a:headEnd type="none" w="med" len="med"/>
+                      <a:tailEnd type="none" w="med" len="med"/>
+                    </a:lnR>
+                  </a:tcPr>
+                </a:tc>
+                <a:tc>
+                  <a:txBody>
+                    <a:bodyPr/>
+                    <a:lstStyle/>
+                    <a:p>
+                      <a:pPr latinLnBrk="1"/>
                       <a:endParaRPr lang="ko-KR" altLang="en-US" sz="1000" dirty="0"/>
                     </a:p>
                   </a:txBody>
@@ -6383,10 +11123,6 @@
                     <a:lstStyle/>
                     <a:p>
                       <a:pPr latinLnBrk="1"/>
-                      <a:r>
-                        <a:rPr lang="ko-KR" altLang="en-US" sz="1000" dirty="0" smtClean="0"/>
-                        <a:t>다이너마이트 폭탄</a:t>
-                      </a:r>
                       <a:endParaRPr lang="ko-KR" altLang="en-US" sz="1000" dirty="0"/>
                     </a:p>
                   </a:txBody>
@@ -6435,71 +11171,66 @@
                     <a:lstStyle/>
                     <a:p>
                       <a:pPr latinLnBrk="1"/>
-                      <a:r>
-                        <a:rPr lang="ko-KR" altLang="en-US" sz="1000" dirty="0" smtClean="0"/>
-                        <a:t>강력한 </a:t>
-                      </a:r>
-                      <a:r>
-                        <a:rPr lang="ko-KR" altLang="en-US" sz="1000" dirty="0" err="1" smtClean="0"/>
-                        <a:t>데미지와</a:t>
-                      </a:r>
-                      <a:r>
-                        <a:rPr lang="ko-KR" altLang="en-US" sz="1000" dirty="0" smtClean="0"/>
-                        <a:t> 넓은 공격범위</a:t>
-                      </a:r>
-                      <a:r>
-                        <a:rPr lang="en-US" altLang="ko-KR" sz="1000" dirty="0" smtClean="0"/>
-                        <a:t>, </a:t>
-                      </a:r>
-                      <a:r>
-                        <a:rPr lang="ko-KR" altLang="en-US" sz="1000" dirty="0" smtClean="0"/>
-                        <a:t>설치된 자리 주변에 넓은 범위의 적들에게 상당한 </a:t>
-                      </a:r>
-                      <a:r>
-                        <a:rPr lang="ko-KR" altLang="en-US" sz="1000" dirty="0" err="1" smtClean="0"/>
-                        <a:t>데미지를</a:t>
-                      </a:r>
-                      <a:r>
-                        <a:rPr lang="ko-KR" altLang="en-US" sz="1000" dirty="0" smtClean="0"/>
-                        <a:t> 줌</a:t>
-                      </a:r>
-                      <a:r>
-                        <a:rPr lang="en-US" altLang="ko-KR" sz="1000" dirty="0" smtClean="0"/>
-                        <a:t>.</a:t>
-                      </a:r>
-                    </a:p>
-                  </a:txBody>
-                  <a:tcPr>
-                    <a:lnL w="12700" cap="flat" cmpd="sng" algn="ctr">
-                      <a:solidFill>
-                        <a:schemeClr val="tx1"/>
-                      </a:solidFill>
-                      <a:prstDash val="solid"/>
-                      <a:round/>
-                      <a:headEnd type="none" w="med" len="med"/>
-                      <a:tailEnd type="none" w="med" len="med"/>
-                    </a:lnL>
-                    <a:lnR w="12700" cap="flat" cmpd="sng" algn="ctr">
-                      <a:solidFill>
-                        <a:schemeClr val="tx1"/>
-                      </a:solidFill>
-                      <a:prstDash val="solid"/>
-                      <a:round/>
-                      <a:headEnd type="none" w="med" len="med"/>
-                      <a:tailEnd type="none" w="med" len="med"/>
-                    </a:lnR>
-                  </a:tcPr>
-                </a:tc>
-                <a:tc>
-                  <a:txBody>
-                    <a:bodyPr/>
-                    <a:lstStyle/>
-                    <a:p>
-                      <a:pPr latinLnBrk="1"/>
-                      <a:r>
-                        <a:rPr lang="ko-KR" altLang="en-US" sz="1000" dirty="0" smtClean="0"/>
-                        <a:t>일회성</a:t>
-                      </a:r>
+                      <a:endParaRPr lang="en-US" altLang="ko-KR" sz="1000" dirty="0" smtClean="0"/>
+                    </a:p>
+                  </a:txBody>
+                  <a:tcPr>
+                    <a:lnL w="12700" cap="flat" cmpd="sng" algn="ctr">
+                      <a:solidFill>
+                        <a:schemeClr val="tx1"/>
+                      </a:solidFill>
+                      <a:prstDash val="solid"/>
+                      <a:round/>
+                      <a:headEnd type="none" w="med" len="med"/>
+                      <a:tailEnd type="none" w="med" len="med"/>
+                    </a:lnL>
+                    <a:lnR w="12700" cap="flat" cmpd="sng" algn="ctr">
+                      <a:solidFill>
+                        <a:schemeClr val="tx1"/>
+                      </a:solidFill>
+                      <a:prstDash val="solid"/>
+                      <a:round/>
+                      <a:headEnd type="none" w="med" len="med"/>
+                      <a:tailEnd type="none" w="med" len="med"/>
+                    </a:lnR>
+                  </a:tcPr>
+                </a:tc>
+                <a:tc>
+                  <a:txBody>
+                    <a:bodyPr/>
+                    <a:lstStyle/>
+                    <a:p>
+                      <a:pPr latinLnBrk="1"/>
+                      <a:endParaRPr lang="ko-KR" altLang="en-US" sz="1000" dirty="0"/>
+                    </a:p>
+                  </a:txBody>
+                  <a:tcPr>
+                    <a:lnL w="12700" cap="flat" cmpd="sng" algn="ctr">
+                      <a:solidFill>
+                        <a:schemeClr val="tx1"/>
+                      </a:solidFill>
+                      <a:prstDash val="solid"/>
+                      <a:round/>
+                      <a:headEnd type="none" w="med" len="med"/>
+                      <a:tailEnd type="none" w="med" len="med"/>
+                    </a:lnL>
+                    <a:lnR w="12700" cap="flat" cmpd="sng" algn="ctr">
+                      <a:solidFill>
+                        <a:schemeClr val="tx1"/>
+                      </a:solidFill>
+                      <a:prstDash val="solid"/>
+                      <a:round/>
+                      <a:headEnd type="none" w="med" len="med"/>
+                      <a:tailEnd type="none" w="med" len="med"/>
+                    </a:lnR>
+                  </a:tcPr>
+                </a:tc>
+                <a:tc>
+                  <a:txBody>
+                    <a:bodyPr/>
+                    <a:lstStyle/>
+                    <a:p>
+                      <a:pPr latinLnBrk="1"/>
                       <a:endParaRPr lang="ko-KR" altLang="en-US" sz="1000" dirty="0"/>
                     </a:p>
                   </a:txBody>
@@ -6570,12 +11301,7 @@
                     <a:bodyPr/>
                     <a:lstStyle/>
                     <a:p>
-                      <a:pPr latinLnBrk="1"/>
-                      <a:r>
-                        <a:rPr lang="ko-KR" altLang="en-US" sz="1000" dirty="0" smtClean="0"/>
-                        <a:t>방탄테이프</a:t>
-                      </a:r>
-                      <a:endParaRPr lang="ko-KR" altLang="en-US" sz="1000" dirty="0"/>
+                      <a:endParaRPr lang="ko-KR" altLang="en-US"/>
                     </a:p>
                   </a:txBody>
                   <a:tcPr>
@@ -6622,44 +11348,37 @@
                     <a:bodyPr/>
                     <a:lstStyle/>
                     <a:p>
-                      <a:pPr latinLnBrk="1"/>
-                      <a:r>
-                        <a:rPr lang="ko-KR" altLang="en-US" sz="1000" dirty="0" err="1" smtClean="0"/>
-                        <a:t>특수테입으로</a:t>
-                      </a:r>
-                      <a:r>
-                        <a:rPr lang="ko-KR" altLang="en-US" sz="1000" dirty="0" smtClean="0"/>
-                        <a:t> </a:t>
-                      </a:r>
-                      <a:r>
-                        <a:rPr lang="ko-KR" altLang="en-US" sz="1000" dirty="0" err="1" smtClean="0"/>
-                        <a:t>아머를</a:t>
-                      </a:r>
-                      <a:r>
-                        <a:rPr lang="ko-KR" altLang="en-US" sz="1000" dirty="0" smtClean="0"/>
-                        <a:t> 한 칸</a:t>
-                      </a:r>
-                      <a:r>
-                        <a:rPr lang="ko-KR" altLang="en-US" sz="1000" baseline="0" dirty="0" smtClean="0"/>
-                        <a:t> 치료 해줌</a:t>
-                      </a:r>
-                      <a:r>
-                        <a:rPr lang="en-US" altLang="ko-KR" sz="1000" baseline="0" dirty="0" smtClean="0"/>
-                        <a:t>. </a:t>
-                      </a:r>
-                      <a:r>
-                        <a:rPr lang="ko-KR" altLang="en-US" sz="1000" baseline="0" dirty="0" smtClean="0"/>
-                        <a:t>레벨 </a:t>
-                      </a:r>
-                      <a:r>
-                        <a:rPr lang="en-US" altLang="ko-KR" sz="1000" baseline="0" dirty="0" smtClean="0"/>
-                        <a:t>2 </a:t>
-                      </a:r>
-                      <a:r>
-                        <a:rPr lang="ko-KR" altLang="en-US" sz="1000" baseline="0" dirty="0" smtClean="0"/>
-                        <a:t>방탄부터 수리가능</a:t>
-                      </a:r>
-                      <a:endParaRPr lang="en-US" altLang="ko-KR" sz="1000" dirty="0" smtClean="0"/>
+                      <a:endParaRPr lang="ko-KR" altLang="en-US" dirty="0"/>
+                    </a:p>
+                  </a:txBody>
+                  <a:tcPr>
+                    <a:lnL w="12700" cap="flat" cmpd="sng" algn="ctr">
+                      <a:solidFill>
+                        <a:schemeClr val="tx1"/>
+                      </a:solidFill>
+                      <a:prstDash val="solid"/>
+                      <a:round/>
+                      <a:headEnd type="none" w="med" len="med"/>
+                      <a:tailEnd type="none" w="med" len="med"/>
+                    </a:lnL>
+                    <a:lnR w="12700" cap="flat" cmpd="sng" algn="ctr">
+                      <a:solidFill>
+                        <a:schemeClr val="tx1"/>
+                      </a:solidFill>
+                      <a:prstDash val="solid"/>
+                      <a:round/>
+                      <a:headEnd type="none" w="med" len="med"/>
+                      <a:tailEnd type="none" w="med" len="med"/>
+                    </a:lnR>
+                  </a:tcPr>
+                </a:tc>
+                <a:tc>
+                  <a:txBody>
+                    <a:bodyPr/>
+                    <a:lstStyle/>
+                    <a:p>
+                      <a:pPr latinLnBrk="1"/>
+                      <a:endParaRPr lang="ko-KR" altLang="en-US" sz="1000" dirty="0"/>
                     </a:p>
                   </a:txBody>
                   <a:tcPr>
@@ -6756,15 +11475,7 @@
           <a:p>
             <a:r>
               <a:rPr lang="ko-KR" altLang="en-US" dirty="0" err="1" smtClean="0"/>
-              <a:t>아</a:t>
-            </a:r>
-            <a:r>
-              <a:rPr lang="ko-KR" altLang="en-US" dirty="0" err="1" smtClean="0"/>
-              <a:t>이</a:t>
-            </a:r>
-            <a:r>
-              <a:rPr lang="ko-KR" altLang="en-US" dirty="0" err="1" smtClean="0"/>
-              <a:t>템표</a:t>
+              <a:t>탄약류</a:t>
             </a:r>
             <a:endParaRPr lang="ko-KR" altLang="en-US" dirty="0"/>
           </a:p>
@@ -6772,21 +11483,21 @@
       </p:sp>
       <p:graphicFrame>
         <p:nvGraphicFramePr>
-          <p:cNvPr id="3" name="표 2"/>
+          <p:cNvPr id="4" name="표 3"/>
           <p:cNvGraphicFramePr>
             <a:graphicFrameLocks noGrp="1"/>
           </p:cNvGraphicFramePr>
           <p:nvPr>
             <p:extLst>
               <p:ext uri="{D42A27DB-BD31-4B8C-83A1-F6EECF244321}">
-                <p14:modId xmlns:p14="http://schemas.microsoft.com/office/powerpoint/2010/main" val="3506624783"/>
+                <p14:modId xmlns:p14="http://schemas.microsoft.com/office/powerpoint/2010/main" val="1575791936"/>
               </p:ext>
             </p:extLst>
           </p:nvPr>
         </p:nvGraphicFramePr>
         <p:xfrm>
-          <a:off x="1331640" y="1556792"/>
-          <a:ext cx="6648400" cy="2016760"/>
+          <a:off x="395536" y="1412776"/>
+          <a:ext cx="8136904" cy="4130040"/>
         </p:xfrm>
         <a:graphic>
           <a:graphicData uri="http://schemas.openxmlformats.org/drawingml/2006/table">
@@ -6795,10 +11506,11 @@
                 <a:tableStyleId>{7E9639D4-E3E2-4D34-9284-5A2195B3D0D7}</a:tableStyleId>
               </a:tblPr>
               <a:tblGrid>
-                <a:gridCol w="1662100"/>
-                <a:gridCol w="1662100"/>
-                <a:gridCol w="1662100"/>
-                <a:gridCol w="1662100"/>
+                <a:gridCol w="1329680"/>
+                <a:gridCol w="1329680"/>
+                <a:gridCol w="2165176"/>
+                <a:gridCol w="936104"/>
+                <a:gridCol w="2376264"/>
               </a:tblGrid>
               <a:tr h="370840">
                 <a:tc>
@@ -6881,6 +11593,21 @@
                   </a:txBody>
                   <a:tcPr/>
                 </a:tc>
+                <a:tc>
+                  <a:txBody>
+                    <a:bodyPr/>
+                    <a:lstStyle/>
+                    <a:p>
+                      <a:pPr latinLnBrk="1"/>
+                      <a:r>
+                        <a:rPr lang="ko-KR" altLang="en-US" sz="1000" dirty="0" smtClean="0"/>
+                        <a:t>기타의견</a:t>
+                      </a:r>
+                      <a:endParaRPr lang="ko-KR" altLang="en-US" sz="1000" dirty="0"/>
+                    </a:p>
+                  </a:txBody>
+                  <a:tcPr/>
+                </a:tc>
               </a:tr>
               <a:tr h="370840">
                 <a:tc>
@@ -6939,7 +11666,7 @@
                       <a:pPr latinLnBrk="1"/>
                       <a:r>
                         <a:rPr lang="ko-KR" altLang="en-US" sz="1000" dirty="0" smtClean="0"/>
-                        <a:t>투명망토</a:t>
+                        <a:t>권총탄약</a:t>
                       </a:r>
                       <a:endParaRPr lang="ko-KR" altLang="en-US" sz="1000" dirty="0"/>
                     </a:p>
@@ -6981,6 +11708,96 @@
                       <a:headEnd type="none" w="med" len="med"/>
                       <a:tailEnd type="none" w="med" len="med"/>
                     </a:lnB>
+                    <a:solidFill>
+                      <a:srgbClr val="FFFF00"/>
+                    </a:solidFill>
+                  </a:tcPr>
+                </a:tc>
+                <a:tc>
+                  <a:txBody>
+                    <a:bodyPr/>
+                    <a:lstStyle/>
+                    <a:p>
+                      <a:pPr latinLnBrk="1"/>
+                      <a:r>
+                        <a:rPr lang="ko-KR" altLang="en-US" sz="1000" dirty="0" smtClean="0"/>
+                        <a:t>권총탄약</a:t>
+                      </a:r>
+                      <a:r>
+                        <a:rPr lang="en-US" altLang="ko-KR" sz="1000" dirty="0" smtClean="0"/>
+                        <a:t>10</a:t>
+                      </a:r>
+                      <a:r>
+                        <a:rPr lang="ko-KR" altLang="en-US" sz="1000" dirty="0" smtClean="0"/>
+                        <a:t>개</a:t>
+                      </a:r>
+                      <a:r>
+                        <a:rPr lang="en-US" altLang="ko-KR" sz="1000" dirty="0" smtClean="0"/>
+                        <a:t>(</a:t>
+                      </a:r>
+                      <a:r>
+                        <a:rPr lang="ko-KR" altLang="en-US" sz="1000" dirty="0" smtClean="0"/>
+                        <a:t>기관단총에도 사용</a:t>
+                      </a:r>
+                      <a:r>
+                        <a:rPr lang="en-US" altLang="ko-KR" sz="1000" dirty="0" smtClean="0"/>
+                        <a:t>)</a:t>
+                      </a:r>
+                      <a:endParaRPr lang="ko-KR" altLang="en-US" sz="1000" dirty="0"/>
+                    </a:p>
+                  </a:txBody>
+                  <a:tcPr>
+                    <a:lnL w="12700" cap="flat" cmpd="sng" algn="ctr">
+                      <a:solidFill>
+                        <a:schemeClr val="tx1"/>
+                      </a:solidFill>
+                      <a:prstDash val="solid"/>
+                      <a:round/>
+                      <a:headEnd type="none" w="med" len="med"/>
+                      <a:tailEnd type="none" w="med" len="med"/>
+                    </a:lnL>
+                    <a:lnR w="12700" cap="flat" cmpd="sng" algn="ctr">
+                      <a:solidFill>
+                        <a:schemeClr val="tx1"/>
+                      </a:solidFill>
+                      <a:prstDash val="solid"/>
+                      <a:round/>
+                      <a:headEnd type="none" w="med" len="med"/>
+                      <a:tailEnd type="none" w="med" len="med"/>
+                    </a:lnR>
+                    <a:solidFill>
+                      <a:srgbClr val="FFFF00"/>
+                    </a:solidFill>
+                  </a:tcPr>
+                </a:tc>
+                <a:tc>
+                  <a:txBody>
+                    <a:bodyPr/>
+                    <a:lstStyle/>
+                    <a:p>
+                      <a:pPr latinLnBrk="1"/>
+                      <a:endParaRPr lang="ko-KR" altLang="en-US" sz="1000" dirty="0"/>
+                    </a:p>
+                  </a:txBody>
+                  <a:tcPr>
+                    <a:lnL w="12700" cap="flat" cmpd="sng" algn="ctr">
+                      <a:solidFill>
+                        <a:schemeClr val="tx1"/>
+                      </a:solidFill>
+                      <a:prstDash val="solid"/>
+                      <a:round/>
+                      <a:headEnd type="none" w="med" len="med"/>
+                      <a:tailEnd type="none" w="med" len="med"/>
+                    </a:lnL>
+                    <a:lnR w="12700" cap="flat" cmpd="sng" algn="ctr">
+                      <a:solidFill>
+                        <a:schemeClr val="tx1"/>
+                      </a:solidFill>
+                      <a:prstDash val="solid"/>
+                      <a:round/>
+                      <a:headEnd type="none" w="med" len="med"/>
+                      <a:tailEnd type="none" w="med" len="med"/>
+                    </a:lnR>
                   </a:tcPr>
                 </a:tc>
                 <a:tc>
@@ -6991,46 +11808,24 @@
                       <a:pPr latinLnBrk="1"/>
                       <a:r>
                         <a:rPr lang="ko-KR" altLang="en-US" sz="1000" dirty="0" err="1" smtClean="0"/>
-                        <a:t>일정시간동안</a:t>
+                        <a:t>권총탄을</a:t>
                       </a:r>
                       <a:r>
                         <a:rPr lang="ko-KR" altLang="en-US" sz="1000" dirty="0" smtClean="0"/>
-                        <a:t> 적에게 보이지 않으며 투명상태로  공격하거나</a:t>
-                      </a:r>
-                      <a:r>
-                        <a:rPr lang="ko-KR" altLang="en-US" sz="1000" baseline="0" dirty="0" smtClean="0"/>
-                        <a:t> 아이템을 몰래 먹을 수 있음</a:t>
-                      </a:r>
-                      <a:endParaRPr lang="ko-KR" altLang="en-US" sz="1000" dirty="0"/>
-                    </a:p>
-                  </a:txBody>
-                  <a:tcPr>
-                    <a:lnL w="12700" cap="flat" cmpd="sng" algn="ctr">
-                      <a:solidFill>
-                        <a:schemeClr val="tx1"/>
-                      </a:solidFill>
-                      <a:prstDash val="solid"/>
-                      <a:round/>
-                      <a:headEnd type="none" w="med" len="med"/>
-                      <a:tailEnd type="none" w="med" len="med"/>
-                    </a:lnL>
-                    <a:lnR w="12700" cap="flat" cmpd="sng" algn="ctr">
-                      <a:solidFill>
-                        <a:schemeClr val="tx1"/>
-                      </a:solidFill>
-                      <a:prstDash val="solid"/>
-                      <a:round/>
-                      <a:headEnd type="none" w="med" len="med"/>
-                      <a:tailEnd type="none" w="med" len="med"/>
-                    </a:lnR>
-                  </a:tcPr>
-                </a:tc>
-                <a:tc>
-                  <a:txBody>
-                    <a:bodyPr/>
-                    <a:lstStyle/>
-                    <a:p>
-                      <a:pPr latinLnBrk="1"/>
+                        <a:t> 기관단총에도 </a:t>
+                      </a:r>
+                      <a:r>
+                        <a:rPr lang="ko-KR" altLang="en-US" sz="1000" dirty="0" err="1" smtClean="0"/>
+                        <a:t>쓴다는게</a:t>
+                      </a:r>
+                      <a:endParaRPr lang="en-US" altLang="ko-KR" sz="1000" dirty="0" smtClean="0"/>
+                    </a:p>
+                    <a:p>
+                      <a:pPr latinLnBrk="1"/>
+                      <a:r>
+                        <a:rPr lang="ko-KR" altLang="en-US" sz="1000" dirty="0" err="1" smtClean="0"/>
+                        <a:t>이상한듯</a:t>
+                      </a:r>
                       <a:endParaRPr lang="ko-KR" altLang="en-US" sz="1000" dirty="0"/>
                     </a:p>
                   </a:txBody>
@@ -7103,8 +11898,8 @@
                     <a:p>
                       <a:pPr latinLnBrk="1"/>
                       <a:r>
-                        <a:rPr lang="ko-KR" altLang="en-US" sz="1000" dirty="0" smtClean="0"/>
-                        <a:t>탄약박스</a:t>
+                        <a:rPr lang="ko-KR" altLang="en-US" sz="1000" dirty="0" err="1" smtClean="0"/>
+                        <a:t>샷건탄약</a:t>
                       </a:r>
                       <a:endParaRPr lang="ko-KR" altLang="en-US" sz="1000" dirty="0"/>
                     </a:p>
@@ -7146,52 +11941,92 @@
                       <a:headEnd type="none" w="med" len="med"/>
                       <a:tailEnd type="none" w="med" len="med"/>
                     </a:lnB>
-                  </a:tcPr>
-                </a:tc>
-                <a:tc>
-                  <a:txBody>
-                    <a:bodyPr/>
-                    <a:lstStyle/>
-                    <a:p>
-                      <a:pPr latinLnBrk="1"/>
+                    <a:solidFill>
+                      <a:srgbClr val="FFFF00"/>
+                    </a:solidFill>
+                  </a:tcPr>
+                </a:tc>
+                <a:tc>
+                  <a:txBody>
+                    <a:bodyPr/>
+                    <a:lstStyle/>
+                    <a:p>
+                      <a:pPr latinLnBrk="1"/>
+                      <a:r>
+                        <a:rPr lang="ko-KR" altLang="en-US" sz="1000" dirty="0" err="1" smtClean="0"/>
+                        <a:t>샷건탄약</a:t>
+                      </a:r>
+                      <a:r>
+                        <a:rPr lang="en-US" altLang="ko-KR" sz="1000" dirty="0" smtClean="0"/>
+                        <a:t>10</a:t>
+                      </a:r>
                       <a:r>
                         <a:rPr lang="ko-KR" altLang="en-US" sz="1000" dirty="0" smtClean="0"/>
-                        <a:t>현재 소지한 무기의 탄약 다 채워줌</a:t>
-                      </a:r>
-                      <a:endParaRPr lang="ko-KR" altLang="en-US" sz="1000" dirty="0"/>
-                    </a:p>
-                  </a:txBody>
-                  <a:tcPr>
-                    <a:lnL w="12700" cap="flat" cmpd="sng" algn="ctr">
-                      <a:solidFill>
-                        <a:schemeClr val="tx1"/>
-                      </a:solidFill>
-                      <a:prstDash val="solid"/>
-                      <a:round/>
-                      <a:headEnd type="none" w="med" len="med"/>
-                      <a:tailEnd type="none" w="med" len="med"/>
-                    </a:lnL>
-                    <a:lnR w="12700" cap="flat" cmpd="sng" algn="ctr">
-                      <a:solidFill>
-                        <a:schemeClr val="tx1"/>
-                      </a:solidFill>
-                      <a:prstDash val="solid"/>
-                      <a:round/>
-                      <a:headEnd type="none" w="med" len="med"/>
-                      <a:tailEnd type="none" w="med" len="med"/>
-                    </a:lnR>
-                  </a:tcPr>
-                </a:tc>
-                <a:tc>
-                  <a:txBody>
-                    <a:bodyPr/>
-                    <a:lstStyle/>
-                    <a:p>
-                      <a:pPr latinLnBrk="1"/>
-                      <a:r>
-                        <a:rPr lang="ko-KR" altLang="en-US" sz="1000" dirty="0" smtClean="0"/>
-                        <a:t>일회성</a:t>
-                      </a:r>
+                        <a:t>개</a:t>
+                      </a:r>
+                      <a:endParaRPr lang="ko-KR" altLang="en-US" sz="1000" dirty="0"/>
+                    </a:p>
+                  </a:txBody>
+                  <a:tcPr>
+                    <a:lnL w="12700" cap="flat" cmpd="sng" algn="ctr">
+                      <a:solidFill>
+                        <a:schemeClr val="tx1"/>
+                      </a:solidFill>
+                      <a:prstDash val="solid"/>
+                      <a:round/>
+                      <a:headEnd type="none" w="med" len="med"/>
+                      <a:tailEnd type="none" w="med" len="med"/>
+                    </a:lnL>
+                    <a:lnR w="12700" cap="flat" cmpd="sng" algn="ctr">
+                      <a:solidFill>
+                        <a:schemeClr val="tx1"/>
+                      </a:solidFill>
+                      <a:prstDash val="solid"/>
+                      <a:round/>
+                      <a:headEnd type="none" w="med" len="med"/>
+                      <a:tailEnd type="none" w="med" len="med"/>
+                    </a:lnR>
+                    <a:solidFill>
+                      <a:srgbClr val="FFFF00"/>
+                    </a:solidFill>
+                  </a:tcPr>
+                </a:tc>
+                <a:tc>
+                  <a:txBody>
+                    <a:bodyPr/>
+                    <a:lstStyle/>
+                    <a:p>
+                      <a:pPr latinLnBrk="1"/>
+                      <a:endParaRPr lang="ko-KR" altLang="en-US" sz="1000" dirty="0"/>
+                    </a:p>
+                  </a:txBody>
+                  <a:tcPr>
+                    <a:lnL w="12700" cap="flat" cmpd="sng" algn="ctr">
+                      <a:solidFill>
+                        <a:schemeClr val="tx1"/>
+                      </a:solidFill>
+                      <a:prstDash val="solid"/>
+                      <a:round/>
+                      <a:headEnd type="none" w="med" len="med"/>
+                      <a:tailEnd type="none" w="med" len="med"/>
+                    </a:lnL>
+                    <a:lnR w="12700" cap="flat" cmpd="sng" algn="ctr">
+                      <a:solidFill>
+                        <a:schemeClr val="tx1"/>
+                      </a:solidFill>
+                      <a:prstDash val="solid"/>
+                      <a:round/>
+                      <a:headEnd type="none" w="med" len="med"/>
+                      <a:tailEnd type="none" w="med" len="med"/>
+                    </a:lnR>
+                  </a:tcPr>
+                </a:tc>
+                <a:tc>
+                  <a:txBody>
+                    <a:bodyPr/>
+                    <a:lstStyle/>
+                    <a:p>
+                      <a:pPr latinLnBrk="1"/>
                       <a:endParaRPr lang="ko-KR" altLang="en-US" sz="1000" dirty="0"/>
                     </a:p>
                   </a:txBody>
@@ -7264,8 +12099,8 @@
                     <a:p>
                       <a:pPr latinLnBrk="1"/>
                       <a:r>
-                        <a:rPr lang="ko-KR" altLang="en-US" sz="1000" dirty="0" err="1" smtClean="0"/>
-                        <a:t>섬광탄</a:t>
+                        <a:rPr lang="ko-KR" altLang="en-US" sz="1000" dirty="0" smtClean="0"/>
+                        <a:t>소총탄약</a:t>
                       </a:r>
                       <a:endParaRPr lang="ko-KR" altLang="en-US" sz="1000" dirty="0"/>
                     </a:p>
@@ -7307,6 +12142,9 @@
                       <a:headEnd type="none" w="med" len="med"/>
                       <a:tailEnd type="none" w="med" len="med"/>
                     </a:lnB>
+                    <a:solidFill>
+                      <a:srgbClr val="FFFF00"/>
+                    </a:solidFill>
                   </a:tcPr>
                 </a:tc>
                 <a:tc>
@@ -7317,74 +12155,1394 @@
                       <a:pPr latinLnBrk="1"/>
                       <a:r>
                         <a:rPr lang="ko-KR" altLang="en-US" sz="1000" dirty="0" smtClean="0"/>
-                        <a:t>현재 필드에 있는 </a:t>
-                      </a:r>
+                        <a:t>소총탄약</a:t>
+                      </a:r>
+                      <a:r>
+                        <a:rPr lang="en-US" altLang="ko-KR" sz="1000" dirty="0" smtClean="0"/>
+                        <a:t>10</a:t>
+                      </a:r>
+                      <a:r>
+                        <a:rPr lang="ko-KR" altLang="en-US" sz="1000" dirty="0" smtClean="0"/>
+                        <a:t>개</a:t>
+                      </a:r>
+                      <a:endParaRPr lang="ko-KR" altLang="en-US" sz="1000" dirty="0"/>
+                    </a:p>
+                  </a:txBody>
+                  <a:tcPr>
+                    <a:lnL w="12700" cap="flat" cmpd="sng" algn="ctr">
+                      <a:solidFill>
+                        <a:schemeClr val="tx1"/>
+                      </a:solidFill>
+                      <a:prstDash val="solid"/>
+                      <a:round/>
+                      <a:headEnd type="none" w="med" len="med"/>
+                      <a:tailEnd type="none" w="med" len="med"/>
+                    </a:lnL>
+                    <a:lnR w="12700" cap="flat" cmpd="sng" algn="ctr">
+                      <a:solidFill>
+                        <a:schemeClr val="tx1"/>
+                      </a:solidFill>
+                      <a:prstDash val="solid"/>
+                      <a:round/>
+                      <a:headEnd type="none" w="med" len="med"/>
+                      <a:tailEnd type="none" w="med" len="med"/>
+                    </a:lnR>
+                    <a:solidFill>
+                      <a:srgbClr val="FFFF00"/>
+                    </a:solidFill>
+                  </a:tcPr>
+                </a:tc>
+                <a:tc>
+                  <a:txBody>
+                    <a:bodyPr/>
+                    <a:lstStyle/>
+                    <a:p>
+                      <a:pPr latinLnBrk="1"/>
+                      <a:endParaRPr lang="ko-KR" altLang="en-US" sz="1000" dirty="0"/>
+                    </a:p>
+                  </a:txBody>
+                  <a:tcPr>
+                    <a:lnL w="12700" cap="flat" cmpd="sng" algn="ctr">
+                      <a:solidFill>
+                        <a:schemeClr val="tx1"/>
+                      </a:solidFill>
+                      <a:prstDash val="solid"/>
+                      <a:round/>
+                      <a:headEnd type="none" w="med" len="med"/>
+                      <a:tailEnd type="none" w="med" len="med"/>
+                    </a:lnL>
+                    <a:lnR w="12700" cap="flat" cmpd="sng" algn="ctr">
+                      <a:solidFill>
+                        <a:schemeClr val="tx1"/>
+                      </a:solidFill>
+                      <a:prstDash val="solid"/>
+                      <a:round/>
+                      <a:headEnd type="none" w="med" len="med"/>
+                      <a:tailEnd type="none" w="med" len="med"/>
+                    </a:lnR>
+                  </a:tcPr>
+                </a:tc>
+                <a:tc>
+                  <a:txBody>
+                    <a:bodyPr/>
+                    <a:lstStyle/>
+                    <a:p>
+                      <a:pPr latinLnBrk="1"/>
+                      <a:endParaRPr lang="ko-KR" altLang="en-US" sz="1000" dirty="0"/>
+                    </a:p>
+                  </a:txBody>
+                  <a:tcPr>
+                    <a:lnL w="12700" cap="flat" cmpd="sng" algn="ctr">
+                      <a:solidFill>
+                        <a:schemeClr val="tx1"/>
+                      </a:solidFill>
+                      <a:prstDash val="solid"/>
+                      <a:round/>
+                      <a:headEnd type="none" w="med" len="med"/>
+                      <a:tailEnd type="none" w="med" len="med"/>
+                    </a:lnL>
+                  </a:tcPr>
+                </a:tc>
+              </a:tr>
+              <a:tr h="370840">
+                <a:tc>
+                  <a:txBody>
+                    <a:bodyPr/>
+                    <a:lstStyle/>
+                    <a:p>
+                      <a:pPr latinLnBrk="1"/>
+                      <a:endParaRPr lang="ko-KR" altLang="en-US" sz="1000" dirty="0"/>
+                    </a:p>
+                  </a:txBody>
+                  <a:tcPr>
+                    <a:lnL w="12700" cap="flat" cmpd="sng" algn="ctr">
+                      <a:solidFill>
+                        <a:schemeClr val="tx1"/>
+                      </a:solidFill>
+                      <a:prstDash val="solid"/>
+                      <a:round/>
+                      <a:headEnd type="none" w="med" len="med"/>
+                      <a:tailEnd type="none" w="med" len="med"/>
+                    </a:lnL>
+                    <a:lnR w="12700" cap="flat" cmpd="sng" algn="ctr">
+                      <a:solidFill>
+                        <a:schemeClr val="tx1"/>
+                      </a:solidFill>
+                      <a:prstDash val="solid"/>
+                      <a:round/>
+                      <a:headEnd type="none" w="med" len="med"/>
+                      <a:tailEnd type="none" w="med" len="med"/>
+                    </a:lnR>
+                    <a:lnT w="12700" cap="flat" cmpd="sng" algn="ctr">
+                      <a:solidFill>
+                        <a:schemeClr val="tx1"/>
+                      </a:solidFill>
+                      <a:prstDash val="solid"/>
+                      <a:round/>
+                      <a:headEnd type="none" w="med" len="med"/>
+                      <a:tailEnd type="none" w="med" len="med"/>
+                    </a:lnT>
+                    <a:lnB w="12700" cap="flat" cmpd="sng" algn="ctr">
+                      <a:solidFill>
+                        <a:schemeClr val="tx1"/>
+                      </a:solidFill>
+                      <a:prstDash val="solid"/>
+                      <a:round/>
+                      <a:headEnd type="none" w="med" len="med"/>
+                      <a:tailEnd type="none" w="med" len="med"/>
+                    </a:lnB>
+                  </a:tcPr>
+                </a:tc>
+                <a:tc>
+                  <a:txBody>
+                    <a:bodyPr/>
+                    <a:lstStyle/>
+                    <a:p>
+                      <a:pPr latinLnBrk="1"/>
+                      <a:r>
+                        <a:rPr lang="ko-KR" altLang="en-US" sz="1000" dirty="0" smtClean="0"/>
+                        <a:t>폭발탄약</a:t>
+                      </a:r>
+                      <a:endParaRPr lang="ko-KR" altLang="en-US" sz="1000" dirty="0"/>
+                    </a:p>
+                  </a:txBody>
+                  <a:tcPr>
+                    <a:lnL w="12700" cap="flat" cmpd="sng" algn="ctr">
+                      <a:solidFill>
+                        <a:schemeClr val="tx1"/>
+                      </a:solidFill>
+                      <a:prstDash val="solid"/>
+                      <a:round/>
+                      <a:headEnd type="none" w="med" len="med"/>
+                      <a:tailEnd type="none" w="med" len="med"/>
+                    </a:lnL>
+                    <a:lnR w="12700" cap="flat" cmpd="sng" algn="ctr">
+                      <a:solidFill>
+                        <a:schemeClr val="tx1"/>
+                      </a:solidFill>
+                      <a:prstDash val="solid"/>
+                      <a:round/>
+                      <a:headEnd type="none" w="med" len="med"/>
+                      <a:tailEnd type="none" w="med" len="med"/>
+                    </a:lnR>
+                    <a:lnT w="12700" cap="flat" cmpd="sng" algn="ctr">
+                      <a:solidFill>
+                        <a:schemeClr val="tx1"/>
+                      </a:solidFill>
+                      <a:prstDash val="solid"/>
+                      <a:round/>
+                      <a:headEnd type="none" w="med" len="med"/>
+                      <a:tailEnd type="none" w="med" len="med"/>
+                    </a:lnT>
+                    <a:lnB w="12700" cap="flat" cmpd="sng" algn="ctr">
+                      <a:solidFill>
+                        <a:schemeClr val="tx1"/>
+                      </a:solidFill>
+                      <a:prstDash val="solid"/>
+                      <a:round/>
+                      <a:headEnd type="none" w="med" len="med"/>
+                      <a:tailEnd type="none" w="med" len="med"/>
+                    </a:lnB>
+                    <a:solidFill>
+                      <a:srgbClr val="FFFF00"/>
+                    </a:solidFill>
+                  </a:tcPr>
+                </a:tc>
+                <a:tc>
+                  <a:txBody>
+                    <a:bodyPr/>
+                    <a:lstStyle/>
+                    <a:p>
+                      <a:pPr latinLnBrk="1"/>
                       <a:r>
                         <a:rPr lang="ko-KR" altLang="en-US" sz="1000" dirty="0" err="1" smtClean="0"/>
-                        <a:t>몬스터들을</a:t>
+                        <a:t>폭탄발사류무기탄약</a:t>
                       </a:r>
                       <a:r>
                         <a:rPr lang="ko-KR" altLang="en-US" sz="1000" dirty="0" smtClean="0"/>
-                        <a:t> 일시적으로 행동불능 상태로 </a:t>
-                      </a:r>
-                      <a:r>
-                        <a:rPr lang="ko-KR" altLang="en-US" sz="1000" dirty="0" err="1" smtClean="0"/>
-                        <a:t>만듬</a:t>
+                        <a:t> </a:t>
                       </a:r>
                       <a:r>
                         <a:rPr lang="en-US" altLang="ko-KR" sz="1000" dirty="0" smtClean="0"/>
-                        <a:t>(</a:t>
+                        <a:t>10</a:t>
                       </a:r>
                       <a:r>
                         <a:rPr lang="ko-KR" altLang="en-US" sz="1000" dirty="0" smtClean="0"/>
-                        <a:t>가만있음</a:t>
-                      </a:r>
-                      <a:r>
-                        <a:rPr lang="en-US" altLang="ko-KR" sz="1000" dirty="0" smtClean="0"/>
-                        <a:t>)</a:t>
-                      </a:r>
-                      <a:endParaRPr lang="ko-KR" altLang="en-US" sz="1000" dirty="0"/>
-                    </a:p>
-                  </a:txBody>
-                  <a:tcPr>
-                    <a:lnL w="12700" cap="flat" cmpd="sng" algn="ctr">
-                      <a:solidFill>
-                        <a:schemeClr val="tx1"/>
-                      </a:solidFill>
-                      <a:prstDash val="solid"/>
-                      <a:round/>
-                      <a:headEnd type="none" w="med" len="med"/>
-                      <a:tailEnd type="none" w="med" len="med"/>
-                    </a:lnL>
-                    <a:lnR w="12700" cap="flat" cmpd="sng" algn="ctr">
-                      <a:solidFill>
-                        <a:schemeClr val="tx1"/>
-                      </a:solidFill>
-                      <a:prstDash val="solid"/>
-                      <a:round/>
-                      <a:headEnd type="none" w="med" len="med"/>
-                      <a:tailEnd type="none" w="med" len="med"/>
-                    </a:lnR>
-                  </a:tcPr>
-                </a:tc>
-                <a:tc>
-                  <a:txBody>
-                    <a:bodyPr/>
-                    <a:lstStyle/>
-                    <a:p>
-                      <a:pPr latinLnBrk="1"/>
-                      <a:r>
-                        <a:rPr lang="ko-KR" altLang="en-US" sz="1000" smtClean="0"/>
-                        <a:t>마비 지속시간 </a:t>
-                      </a:r>
-                      <a:r>
-                        <a:rPr lang="en-US" altLang="ko-KR" sz="1000" dirty="0" smtClean="0"/>
-                        <a:t>5</a:t>
-                      </a:r>
+                        <a:t>개</a:t>
+                      </a:r>
+                      <a:endParaRPr lang="ko-KR" altLang="en-US" sz="1000" dirty="0"/>
+                    </a:p>
+                  </a:txBody>
+                  <a:tcPr>
+                    <a:lnL w="12700" cap="flat" cmpd="sng" algn="ctr">
+                      <a:solidFill>
+                        <a:schemeClr val="tx1"/>
+                      </a:solidFill>
+                      <a:prstDash val="solid"/>
+                      <a:round/>
+                      <a:headEnd type="none" w="med" len="med"/>
+                      <a:tailEnd type="none" w="med" len="med"/>
+                    </a:lnL>
+                    <a:lnR w="12700" cap="flat" cmpd="sng" algn="ctr">
+                      <a:solidFill>
+                        <a:schemeClr val="tx1"/>
+                      </a:solidFill>
+                      <a:prstDash val="solid"/>
+                      <a:round/>
+                      <a:headEnd type="none" w="med" len="med"/>
+                      <a:tailEnd type="none" w="med" len="med"/>
+                    </a:lnR>
+                    <a:solidFill>
+                      <a:srgbClr val="FFFF00"/>
+                    </a:solidFill>
+                  </a:tcPr>
+                </a:tc>
+                <a:tc>
+                  <a:txBody>
+                    <a:bodyPr/>
+                    <a:lstStyle/>
+                    <a:p>
+                      <a:pPr latinLnBrk="1"/>
+                      <a:endParaRPr lang="ko-KR" altLang="en-US" sz="1000" dirty="0"/>
+                    </a:p>
+                  </a:txBody>
+                  <a:tcPr>
+                    <a:lnL w="12700" cap="flat" cmpd="sng" algn="ctr">
+                      <a:solidFill>
+                        <a:schemeClr val="tx1"/>
+                      </a:solidFill>
+                      <a:prstDash val="solid"/>
+                      <a:round/>
+                      <a:headEnd type="none" w="med" len="med"/>
+                      <a:tailEnd type="none" w="med" len="med"/>
+                    </a:lnL>
+                    <a:lnR w="12700" cap="flat" cmpd="sng" algn="ctr">
+                      <a:solidFill>
+                        <a:schemeClr val="tx1"/>
+                      </a:solidFill>
+                      <a:prstDash val="solid"/>
+                      <a:round/>
+                      <a:headEnd type="none" w="med" len="med"/>
+                      <a:tailEnd type="none" w="med" len="med"/>
+                    </a:lnR>
+                  </a:tcPr>
+                </a:tc>
+                <a:tc>
+                  <a:txBody>
+                    <a:bodyPr/>
+                    <a:lstStyle/>
+                    <a:p>
+                      <a:pPr latinLnBrk="1"/>
                       <a:r>
                         <a:rPr lang="ko-KR" altLang="en-US" sz="1000" dirty="0" smtClean="0"/>
-                        <a:t>초</a:t>
-                      </a:r>
+                        <a:t>총알은 여러 개 만들지 말죠</a:t>
+                      </a:r>
+                      <a:endParaRPr lang="en-US" altLang="ko-KR" sz="1000" dirty="0" smtClean="0"/>
+                    </a:p>
+                    <a:p>
+                      <a:pPr latinLnBrk="1"/>
+                      <a:r>
+                        <a:rPr lang="ko-KR" altLang="en-US" sz="1000" dirty="0" smtClean="0"/>
+                        <a:t>건전방식</a:t>
+                      </a:r>
+                      <a:r>
+                        <a:rPr lang="ko-KR" altLang="en-US" sz="1000" baseline="0" dirty="0" smtClean="0"/>
+                        <a:t> </a:t>
+                      </a:r>
+                      <a:r>
+                        <a:rPr lang="ko-KR" altLang="en-US" sz="1000" baseline="0" dirty="0" err="1" smtClean="0"/>
+                        <a:t>하는게</a:t>
+                      </a:r>
+                      <a:r>
+                        <a:rPr lang="ko-KR" altLang="en-US" sz="1000" baseline="0" dirty="0" smtClean="0"/>
+                        <a:t> </a:t>
+                      </a:r>
+                      <a:r>
+                        <a:rPr lang="ko-KR" altLang="en-US" sz="1000" baseline="0" dirty="0" err="1" smtClean="0"/>
+                        <a:t>좋을듯</a:t>
+                      </a:r>
+                      <a:r>
+                        <a:rPr lang="ko-KR" altLang="en-US" sz="1000" baseline="0" dirty="0" smtClean="0"/>
+                        <a:t> </a:t>
+                      </a:r>
+                      <a:r>
+                        <a:rPr lang="ko-KR" altLang="en-US" sz="1000" baseline="0" dirty="0" err="1" smtClean="0"/>
+                        <a:t>너무복잡</a:t>
+                      </a:r>
+                      <a:endParaRPr lang="ko-KR" altLang="en-US" sz="1000" dirty="0"/>
+                    </a:p>
+                  </a:txBody>
+                  <a:tcPr>
+                    <a:lnL w="12700" cap="flat" cmpd="sng" algn="ctr">
+                      <a:solidFill>
+                        <a:schemeClr val="tx1"/>
+                      </a:solidFill>
+                      <a:prstDash val="solid"/>
+                      <a:round/>
+                      <a:headEnd type="none" w="med" len="med"/>
+                      <a:tailEnd type="none" w="med" len="med"/>
+                    </a:lnL>
+                  </a:tcPr>
+                </a:tc>
+              </a:tr>
+              <a:tr h="370840">
+                <a:tc>
+                  <a:txBody>
+                    <a:bodyPr/>
+                    <a:lstStyle/>
+                    <a:p>
+                      <a:pPr latinLnBrk="1"/>
+                      <a:endParaRPr lang="ko-KR" altLang="en-US" sz="1000" dirty="0"/>
+                    </a:p>
+                  </a:txBody>
+                  <a:tcPr>
+                    <a:lnL w="12700" cap="flat" cmpd="sng" algn="ctr">
+                      <a:solidFill>
+                        <a:schemeClr val="tx1"/>
+                      </a:solidFill>
+                      <a:prstDash val="solid"/>
+                      <a:round/>
+                      <a:headEnd type="none" w="med" len="med"/>
+                      <a:tailEnd type="none" w="med" len="med"/>
+                    </a:lnL>
+                    <a:lnR w="12700" cap="flat" cmpd="sng" algn="ctr">
+                      <a:solidFill>
+                        <a:schemeClr val="tx1"/>
+                      </a:solidFill>
+                      <a:prstDash val="solid"/>
+                      <a:round/>
+                      <a:headEnd type="none" w="med" len="med"/>
+                      <a:tailEnd type="none" w="med" len="med"/>
+                    </a:lnR>
+                    <a:lnT w="12700" cap="flat" cmpd="sng" algn="ctr">
+                      <a:solidFill>
+                        <a:schemeClr val="tx1"/>
+                      </a:solidFill>
+                      <a:prstDash val="solid"/>
+                      <a:round/>
+                      <a:headEnd type="none" w="med" len="med"/>
+                      <a:tailEnd type="none" w="med" len="med"/>
+                    </a:lnT>
+                    <a:lnB w="12700" cap="flat" cmpd="sng" algn="ctr">
+                      <a:solidFill>
+                        <a:schemeClr val="tx1"/>
+                      </a:solidFill>
+                      <a:prstDash val="solid"/>
+                      <a:round/>
+                      <a:headEnd type="none" w="med" len="med"/>
+                      <a:tailEnd type="none" w="med" len="med"/>
+                    </a:lnB>
+                  </a:tcPr>
+                </a:tc>
+                <a:tc>
+                  <a:txBody>
+                    <a:bodyPr/>
+                    <a:lstStyle/>
+                    <a:p>
+                      <a:pPr latinLnBrk="1"/>
+                      <a:endParaRPr lang="ko-KR" altLang="en-US" sz="1000" dirty="0"/>
+                    </a:p>
+                  </a:txBody>
+                  <a:tcPr>
+                    <a:lnL w="12700" cap="flat" cmpd="sng" algn="ctr">
+                      <a:solidFill>
+                        <a:schemeClr val="tx1"/>
+                      </a:solidFill>
+                      <a:prstDash val="solid"/>
+                      <a:round/>
+                      <a:headEnd type="none" w="med" len="med"/>
+                      <a:tailEnd type="none" w="med" len="med"/>
+                    </a:lnL>
+                    <a:lnR w="12700" cap="flat" cmpd="sng" algn="ctr">
+                      <a:solidFill>
+                        <a:schemeClr val="tx1"/>
+                      </a:solidFill>
+                      <a:prstDash val="solid"/>
+                      <a:round/>
+                      <a:headEnd type="none" w="med" len="med"/>
+                      <a:tailEnd type="none" w="med" len="med"/>
+                    </a:lnR>
+                    <a:lnT w="12700" cap="flat" cmpd="sng" algn="ctr">
+                      <a:solidFill>
+                        <a:schemeClr val="tx1"/>
+                      </a:solidFill>
+                      <a:prstDash val="solid"/>
+                      <a:round/>
+                      <a:headEnd type="none" w="med" len="med"/>
+                      <a:tailEnd type="none" w="med" len="med"/>
+                    </a:lnT>
+                    <a:lnB w="12700" cap="flat" cmpd="sng" algn="ctr">
+                      <a:solidFill>
+                        <a:schemeClr val="tx1"/>
+                      </a:solidFill>
+                      <a:prstDash val="solid"/>
+                      <a:round/>
+                      <a:headEnd type="none" w="med" len="med"/>
+                      <a:tailEnd type="none" w="med" len="med"/>
+                    </a:lnB>
+                  </a:tcPr>
+                </a:tc>
+                <a:tc>
+                  <a:txBody>
+                    <a:bodyPr/>
+                    <a:lstStyle/>
+                    <a:p>
+                      <a:pPr latinLnBrk="1"/>
+                      <a:endParaRPr lang="ko-KR" altLang="en-US" sz="1000" dirty="0"/>
+                    </a:p>
+                  </a:txBody>
+                  <a:tcPr>
+                    <a:lnL w="12700" cap="flat" cmpd="sng" algn="ctr">
+                      <a:solidFill>
+                        <a:schemeClr val="tx1"/>
+                      </a:solidFill>
+                      <a:prstDash val="solid"/>
+                      <a:round/>
+                      <a:headEnd type="none" w="med" len="med"/>
+                      <a:tailEnd type="none" w="med" len="med"/>
+                    </a:lnL>
+                    <a:lnR w="12700" cap="flat" cmpd="sng" algn="ctr">
+                      <a:solidFill>
+                        <a:schemeClr val="tx1"/>
+                      </a:solidFill>
+                      <a:prstDash val="solid"/>
+                      <a:round/>
+                      <a:headEnd type="none" w="med" len="med"/>
+                      <a:tailEnd type="none" w="med" len="med"/>
+                    </a:lnR>
+                  </a:tcPr>
+                </a:tc>
+                <a:tc>
+                  <a:txBody>
+                    <a:bodyPr/>
+                    <a:lstStyle/>
+                    <a:p>
+                      <a:pPr latinLnBrk="1"/>
+                      <a:endParaRPr lang="ko-KR" altLang="en-US" sz="1000" dirty="0"/>
+                    </a:p>
+                  </a:txBody>
+                  <a:tcPr>
+                    <a:lnL w="12700" cap="flat" cmpd="sng" algn="ctr">
+                      <a:solidFill>
+                        <a:schemeClr val="tx1"/>
+                      </a:solidFill>
+                      <a:prstDash val="solid"/>
+                      <a:round/>
+                      <a:headEnd type="none" w="med" len="med"/>
+                      <a:tailEnd type="none" w="med" len="med"/>
+                    </a:lnL>
+                    <a:lnR w="12700" cap="flat" cmpd="sng" algn="ctr">
+                      <a:solidFill>
+                        <a:schemeClr val="tx1"/>
+                      </a:solidFill>
+                      <a:prstDash val="solid"/>
+                      <a:round/>
+                      <a:headEnd type="none" w="med" len="med"/>
+                      <a:tailEnd type="none" w="med" len="med"/>
+                    </a:lnR>
+                  </a:tcPr>
+                </a:tc>
+                <a:tc>
+                  <a:txBody>
+                    <a:bodyPr/>
+                    <a:lstStyle/>
+                    <a:p>
+                      <a:pPr latinLnBrk="1"/>
+                      <a:endParaRPr lang="ko-KR" altLang="en-US" sz="1000" dirty="0"/>
+                    </a:p>
+                  </a:txBody>
+                  <a:tcPr>
+                    <a:lnL w="12700" cap="flat" cmpd="sng" algn="ctr">
+                      <a:solidFill>
+                        <a:schemeClr val="tx1"/>
+                      </a:solidFill>
+                      <a:prstDash val="solid"/>
+                      <a:round/>
+                      <a:headEnd type="none" w="med" len="med"/>
+                      <a:tailEnd type="none" w="med" len="med"/>
+                    </a:lnL>
+                  </a:tcPr>
+                </a:tc>
+              </a:tr>
+              <a:tr h="370840">
+                <a:tc>
+                  <a:txBody>
+                    <a:bodyPr/>
+                    <a:lstStyle/>
+                    <a:p>
+                      <a:pPr latinLnBrk="1"/>
+                      <a:endParaRPr lang="ko-KR" altLang="en-US" sz="1000" dirty="0"/>
+                    </a:p>
+                  </a:txBody>
+                  <a:tcPr>
+                    <a:lnL w="12700" cap="flat" cmpd="sng" algn="ctr">
+                      <a:solidFill>
+                        <a:schemeClr val="tx1"/>
+                      </a:solidFill>
+                      <a:prstDash val="solid"/>
+                      <a:round/>
+                      <a:headEnd type="none" w="med" len="med"/>
+                      <a:tailEnd type="none" w="med" len="med"/>
+                    </a:lnL>
+                    <a:lnR w="12700" cap="flat" cmpd="sng" algn="ctr">
+                      <a:solidFill>
+                        <a:schemeClr val="tx1"/>
+                      </a:solidFill>
+                      <a:prstDash val="solid"/>
+                      <a:round/>
+                      <a:headEnd type="none" w="med" len="med"/>
+                      <a:tailEnd type="none" w="med" len="med"/>
+                    </a:lnR>
+                    <a:lnT w="12700" cap="flat" cmpd="sng" algn="ctr">
+                      <a:solidFill>
+                        <a:schemeClr val="tx1"/>
+                      </a:solidFill>
+                      <a:prstDash val="solid"/>
+                      <a:round/>
+                      <a:headEnd type="none" w="med" len="med"/>
+                      <a:tailEnd type="none" w="med" len="med"/>
+                    </a:lnT>
+                    <a:lnB w="12700" cap="flat" cmpd="sng" algn="ctr">
+                      <a:solidFill>
+                        <a:schemeClr val="tx1"/>
+                      </a:solidFill>
+                      <a:prstDash val="solid"/>
+                      <a:round/>
+                      <a:headEnd type="none" w="med" len="med"/>
+                      <a:tailEnd type="none" w="med" len="med"/>
+                    </a:lnB>
+                  </a:tcPr>
+                </a:tc>
+                <a:tc>
+                  <a:txBody>
+                    <a:bodyPr/>
+                    <a:lstStyle/>
+                    <a:p>
+                      <a:pPr latinLnBrk="1"/>
+                      <a:endParaRPr lang="ko-KR" altLang="en-US" sz="1000" dirty="0"/>
+                    </a:p>
+                  </a:txBody>
+                  <a:tcPr>
+                    <a:lnL w="12700" cap="flat" cmpd="sng" algn="ctr">
+                      <a:solidFill>
+                        <a:schemeClr val="tx1"/>
+                      </a:solidFill>
+                      <a:prstDash val="solid"/>
+                      <a:round/>
+                      <a:headEnd type="none" w="med" len="med"/>
+                      <a:tailEnd type="none" w="med" len="med"/>
+                    </a:lnL>
+                    <a:lnR w="12700" cap="flat" cmpd="sng" algn="ctr">
+                      <a:solidFill>
+                        <a:schemeClr val="tx1"/>
+                      </a:solidFill>
+                      <a:prstDash val="solid"/>
+                      <a:round/>
+                      <a:headEnd type="none" w="med" len="med"/>
+                      <a:tailEnd type="none" w="med" len="med"/>
+                    </a:lnR>
+                    <a:lnT w="12700" cap="flat" cmpd="sng" algn="ctr">
+                      <a:solidFill>
+                        <a:schemeClr val="tx1"/>
+                      </a:solidFill>
+                      <a:prstDash val="solid"/>
+                      <a:round/>
+                      <a:headEnd type="none" w="med" len="med"/>
+                      <a:tailEnd type="none" w="med" len="med"/>
+                    </a:lnT>
+                    <a:lnB w="12700" cap="flat" cmpd="sng" algn="ctr">
+                      <a:solidFill>
+                        <a:schemeClr val="tx1"/>
+                      </a:solidFill>
+                      <a:prstDash val="solid"/>
+                      <a:round/>
+                      <a:headEnd type="none" w="med" len="med"/>
+                      <a:tailEnd type="none" w="med" len="med"/>
+                    </a:lnB>
+                  </a:tcPr>
+                </a:tc>
+                <a:tc>
+                  <a:txBody>
+                    <a:bodyPr/>
+                    <a:lstStyle/>
+                    <a:p>
+                      <a:pPr latinLnBrk="1"/>
+                      <a:endParaRPr lang="ko-KR" altLang="en-US" sz="1000" dirty="0"/>
+                    </a:p>
+                  </a:txBody>
+                  <a:tcPr>
+                    <a:lnL w="12700" cap="flat" cmpd="sng" algn="ctr">
+                      <a:solidFill>
+                        <a:schemeClr val="tx1"/>
+                      </a:solidFill>
+                      <a:prstDash val="solid"/>
+                      <a:round/>
+                      <a:headEnd type="none" w="med" len="med"/>
+                      <a:tailEnd type="none" w="med" len="med"/>
+                    </a:lnL>
+                    <a:lnR w="12700" cap="flat" cmpd="sng" algn="ctr">
+                      <a:solidFill>
+                        <a:schemeClr val="tx1"/>
+                      </a:solidFill>
+                      <a:prstDash val="solid"/>
+                      <a:round/>
+                      <a:headEnd type="none" w="med" len="med"/>
+                      <a:tailEnd type="none" w="med" len="med"/>
+                    </a:lnR>
+                  </a:tcPr>
+                </a:tc>
+                <a:tc>
+                  <a:txBody>
+                    <a:bodyPr/>
+                    <a:lstStyle/>
+                    <a:p>
+                      <a:pPr latinLnBrk="1"/>
+                      <a:endParaRPr lang="ko-KR" altLang="en-US" sz="1000" dirty="0"/>
+                    </a:p>
+                  </a:txBody>
+                  <a:tcPr>
+                    <a:lnL w="12700" cap="flat" cmpd="sng" algn="ctr">
+                      <a:solidFill>
+                        <a:schemeClr val="tx1"/>
+                      </a:solidFill>
+                      <a:prstDash val="solid"/>
+                      <a:round/>
+                      <a:headEnd type="none" w="med" len="med"/>
+                      <a:tailEnd type="none" w="med" len="med"/>
+                    </a:lnL>
+                    <a:lnR w="12700" cap="flat" cmpd="sng" algn="ctr">
+                      <a:solidFill>
+                        <a:schemeClr val="tx1"/>
+                      </a:solidFill>
+                      <a:prstDash val="solid"/>
+                      <a:round/>
+                      <a:headEnd type="none" w="med" len="med"/>
+                      <a:tailEnd type="none" w="med" len="med"/>
+                    </a:lnR>
+                  </a:tcPr>
+                </a:tc>
+                <a:tc>
+                  <a:txBody>
+                    <a:bodyPr/>
+                    <a:lstStyle/>
+                    <a:p>
+                      <a:pPr latinLnBrk="1"/>
+                      <a:endParaRPr lang="ko-KR" altLang="en-US" sz="1000" dirty="0"/>
+                    </a:p>
+                  </a:txBody>
+                  <a:tcPr>
+                    <a:lnL w="12700" cap="flat" cmpd="sng" algn="ctr">
+                      <a:solidFill>
+                        <a:schemeClr val="tx1"/>
+                      </a:solidFill>
+                      <a:prstDash val="solid"/>
+                      <a:round/>
+                      <a:headEnd type="none" w="med" len="med"/>
+                      <a:tailEnd type="none" w="med" len="med"/>
+                    </a:lnL>
+                  </a:tcPr>
+                </a:tc>
+              </a:tr>
+              <a:tr h="370840">
+                <a:tc>
+                  <a:txBody>
+                    <a:bodyPr/>
+                    <a:lstStyle/>
+                    <a:p>
+                      <a:pPr latinLnBrk="1"/>
+                      <a:endParaRPr lang="ko-KR" altLang="en-US" sz="1000" dirty="0"/>
+                    </a:p>
+                  </a:txBody>
+                  <a:tcPr>
+                    <a:lnL w="12700" cap="flat" cmpd="sng" algn="ctr">
+                      <a:solidFill>
+                        <a:schemeClr val="tx1"/>
+                      </a:solidFill>
+                      <a:prstDash val="solid"/>
+                      <a:round/>
+                      <a:headEnd type="none" w="med" len="med"/>
+                      <a:tailEnd type="none" w="med" len="med"/>
+                    </a:lnL>
+                    <a:lnR w="12700" cap="flat" cmpd="sng" algn="ctr">
+                      <a:solidFill>
+                        <a:schemeClr val="tx1"/>
+                      </a:solidFill>
+                      <a:prstDash val="solid"/>
+                      <a:round/>
+                      <a:headEnd type="none" w="med" len="med"/>
+                      <a:tailEnd type="none" w="med" len="med"/>
+                    </a:lnR>
+                    <a:lnT w="12700" cap="flat" cmpd="sng" algn="ctr">
+                      <a:solidFill>
+                        <a:schemeClr val="tx1"/>
+                      </a:solidFill>
+                      <a:prstDash val="solid"/>
+                      <a:round/>
+                      <a:headEnd type="none" w="med" len="med"/>
+                      <a:tailEnd type="none" w="med" len="med"/>
+                    </a:lnT>
+                    <a:lnB w="12700" cap="flat" cmpd="sng" algn="ctr">
+                      <a:solidFill>
+                        <a:schemeClr val="tx1"/>
+                      </a:solidFill>
+                      <a:prstDash val="solid"/>
+                      <a:round/>
+                      <a:headEnd type="none" w="med" len="med"/>
+                      <a:tailEnd type="none" w="med" len="med"/>
+                    </a:lnB>
+                  </a:tcPr>
+                </a:tc>
+                <a:tc>
+                  <a:txBody>
+                    <a:bodyPr/>
+                    <a:lstStyle/>
+                    <a:p>
+                      <a:pPr latinLnBrk="1"/>
+                      <a:endParaRPr lang="ko-KR" altLang="en-US" sz="1000" dirty="0"/>
+                    </a:p>
+                  </a:txBody>
+                  <a:tcPr>
+                    <a:lnL w="12700" cap="flat" cmpd="sng" algn="ctr">
+                      <a:solidFill>
+                        <a:schemeClr val="tx1"/>
+                      </a:solidFill>
+                      <a:prstDash val="solid"/>
+                      <a:round/>
+                      <a:headEnd type="none" w="med" len="med"/>
+                      <a:tailEnd type="none" w="med" len="med"/>
+                    </a:lnL>
+                    <a:lnR w="12700" cap="flat" cmpd="sng" algn="ctr">
+                      <a:solidFill>
+                        <a:schemeClr val="tx1"/>
+                      </a:solidFill>
+                      <a:prstDash val="solid"/>
+                      <a:round/>
+                      <a:headEnd type="none" w="med" len="med"/>
+                      <a:tailEnd type="none" w="med" len="med"/>
+                    </a:lnR>
+                    <a:lnT w="12700" cap="flat" cmpd="sng" algn="ctr">
+                      <a:solidFill>
+                        <a:schemeClr val="tx1"/>
+                      </a:solidFill>
+                      <a:prstDash val="solid"/>
+                      <a:round/>
+                      <a:headEnd type="none" w="med" len="med"/>
+                      <a:tailEnd type="none" w="med" len="med"/>
+                    </a:lnT>
+                    <a:lnB w="12700" cap="flat" cmpd="sng" algn="ctr">
+                      <a:solidFill>
+                        <a:schemeClr val="tx1"/>
+                      </a:solidFill>
+                      <a:prstDash val="solid"/>
+                      <a:round/>
+                      <a:headEnd type="none" w="med" len="med"/>
+                      <a:tailEnd type="none" w="med" len="med"/>
+                    </a:lnB>
+                  </a:tcPr>
+                </a:tc>
+                <a:tc>
+                  <a:txBody>
+                    <a:bodyPr/>
+                    <a:lstStyle/>
+                    <a:p>
+                      <a:pPr latinLnBrk="1"/>
+                      <a:endParaRPr lang="ko-KR" altLang="en-US" sz="1000" dirty="0"/>
+                    </a:p>
+                  </a:txBody>
+                  <a:tcPr>
+                    <a:lnL w="12700" cap="flat" cmpd="sng" algn="ctr">
+                      <a:solidFill>
+                        <a:schemeClr val="tx1"/>
+                      </a:solidFill>
+                      <a:prstDash val="solid"/>
+                      <a:round/>
+                      <a:headEnd type="none" w="med" len="med"/>
+                      <a:tailEnd type="none" w="med" len="med"/>
+                    </a:lnL>
+                    <a:lnR w="12700" cap="flat" cmpd="sng" algn="ctr">
+                      <a:solidFill>
+                        <a:schemeClr val="tx1"/>
+                      </a:solidFill>
+                      <a:prstDash val="solid"/>
+                      <a:round/>
+                      <a:headEnd type="none" w="med" len="med"/>
+                      <a:tailEnd type="none" w="med" len="med"/>
+                    </a:lnR>
+                  </a:tcPr>
+                </a:tc>
+                <a:tc>
+                  <a:txBody>
+                    <a:bodyPr/>
+                    <a:lstStyle/>
+                    <a:p>
+                      <a:pPr latinLnBrk="1"/>
+                      <a:endParaRPr lang="ko-KR" altLang="en-US" sz="1000" dirty="0"/>
+                    </a:p>
+                  </a:txBody>
+                  <a:tcPr>
+                    <a:lnL w="12700" cap="flat" cmpd="sng" algn="ctr">
+                      <a:solidFill>
+                        <a:schemeClr val="tx1"/>
+                      </a:solidFill>
+                      <a:prstDash val="solid"/>
+                      <a:round/>
+                      <a:headEnd type="none" w="med" len="med"/>
+                      <a:tailEnd type="none" w="med" len="med"/>
+                    </a:lnL>
+                    <a:lnR w="12700" cap="flat" cmpd="sng" algn="ctr">
+                      <a:solidFill>
+                        <a:schemeClr val="tx1"/>
+                      </a:solidFill>
+                      <a:prstDash val="solid"/>
+                      <a:round/>
+                      <a:headEnd type="none" w="med" len="med"/>
+                      <a:tailEnd type="none" w="med" len="med"/>
+                    </a:lnR>
+                  </a:tcPr>
+                </a:tc>
+                <a:tc>
+                  <a:txBody>
+                    <a:bodyPr/>
+                    <a:lstStyle/>
+                    <a:p>
+                      <a:pPr latinLnBrk="1"/>
+                      <a:endParaRPr lang="ko-KR" altLang="en-US" sz="1000" dirty="0"/>
+                    </a:p>
+                  </a:txBody>
+                  <a:tcPr>
+                    <a:lnL w="12700" cap="flat" cmpd="sng" algn="ctr">
+                      <a:solidFill>
+                        <a:schemeClr val="tx1"/>
+                      </a:solidFill>
+                      <a:prstDash val="solid"/>
+                      <a:round/>
+                      <a:headEnd type="none" w="med" len="med"/>
+                      <a:tailEnd type="none" w="med" len="med"/>
+                    </a:lnL>
+                  </a:tcPr>
+                </a:tc>
+              </a:tr>
+              <a:tr h="370840">
+                <a:tc>
+                  <a:txBody>
+                    <a:bodyPr/>
+                    <a:lstStyle/>
+                    <a:p>
+                      <a:pPr latinLnBrk="1"/>
+                      <a:endParaRPr lang="ko-KR" altLang="en-US" sz="1000" dirty="0"/>
+                    </a:p>
+                  </a:txBody>
+                  <a:tcPr>
+                    <a:lnL w="12700" cap="flat" cmpd="sng" algn="ctr">
+                      <a:solidFill>
+                        <a:schemeClr val="tx1"/>
+                      </a:solidFill>
+                      <a:prstDash val="solid"/>
+                      <a:round/>
+                      <a:headEnd type="none" w="med" len="med"/>
+                      <a:tailEnd type="none" w="med" len="med"/>
+                    </a:lnL>
+                    <a:lnR w="12700" cap="flat" cmpd="sng" algn="ctr">
+                      <a:solidFill>
+                        <a:schemeClr val="tx1"/>
+                      </a:solidFill>
+                      <a:prstDash val="solid"/>
+                      <a:round/>
+                      <a:headEnd type="none" w="med" len="med"/>
+                      <a:tailEnd type="none" w="med" len="med"/>
+                    </a:lnR>
+                    <a:lnT w="12700" cap="flat" cmpd="sng" algn="ctr">
+                      <a:solidFill>
+                        <a:schemeClr val="tx1"/>
+                      </a:solidFill>
+                      <a:prstDash val="solid"/>
+                      <a:round/>
+                      <a:headEnd type="none" w="med" len="med"/>
+                      <a:tailEnd type="none" w="med" len="med"/>
+                    </a:lnT>
+                    <a:lnB w="12700" cap="flat" cmpd="sng" algn="ctr">
+                      <a:solidFill>
+                        <a:schemeClr val="tx1"/>
+                      </a:solidFill>
+                      <a:prstDash val="solid"/>
+                      <a:round/>
+                      <a:headEnd type="none" w="med" len="med"/>
+                      <a:tailEnd type="none" w="med" len="med"/>
+                    </a:lnB>
+                  </a:tcPr>
+                </a:tc>
+                <a:tc>
+                  <a:txBody>
+                    <a:bodyPr/>
+                    <a:lstStyle/>
+                    <a:p>
+                      <a:pPr latinLnBrk="1"/>
+                      <a:endParaRPr lang="ko-KR" altLang="en-US" sz="1000" dirty="0"/>
+                    </a:p>
+                  </a:txBody>
+                  <a:tcPr>
+                    <a:lnL w="12700" cap="flat" cmpd="sng" algn="ctr">
+                      <a:solidFill>
+                        <a:schemeClr val="tx1"/>
+                      </a:solidFill>
+                      <a:prstDash val="solid"/>
+                      <a:round/>
+                      <a:headEnd type="none" w="med" len="med"/>
+                      <a:tailEnd type="none" w="med" len="med"/>
+                    </a:lnL>
+                    <a:lnR w="12700" cap="flat" cmpd="sng" algn="ctr">
+                      <a:solidFill>
+                        <a:schemeClr val="tx1"/>
+                      </a:solidFill>
+                      <a:prstDash val="solid"/>
+                      <a:round/>
+                      <a:headEnd type="none" w="med" len="med"/>
+                      <a:tailEnd type="none" w="med" len="med"/>
+                    </a:lnR>
+                    <a:lnT w="12700" cap="flat" cmpd="sng" algn="ctr">
+                      <a:solidFill>
+                        <a:schemeClr val="tx1"/>
+                      </a:solidFill>
+                      <a:prstDash val="solid"/>
+                      <a:round/>
+                      <a:headEnd type="none" w="med" len="med"/>
+                      <a:tailEnd type="none" w="med" len="med"/>
+                    </a:lnT>
+                    <a:lnB w="12700" cap="flat" cmpd="sng" algn="ctr">
+                      <a:solidFill>
+                        <a:schemeClr val="tx1"/>
+                      </a:solidFill>
+                      <a:prstDash val="solid"/>
+                      <a:round/>
+                      <a:headEnd type="none" w="med" len="med"/>
+                      <a:tailEnd type="none" w="med" len="med"/>
+                    </a:lnB>
+                  </a:tcPr>
+                </a:tc>
+                <a:tc>
+                  <a:txBody>
+                    <a:bodyPr/>
+                    <a:lstStyle/>
+                    <a:p>
+                      <a:pPr latinLnBrk="1"/>
+                      <a:endParaRPr lang="ko-KR" altLang="en-US" sz="1000" dirty="0"/>
+                    </a:p>
+                  </a:txBody>
+                  <a:tcPr>
+                    <a:lnL w="12700" cap="flat" cmpd="sng" algn="ctr">
+                      <a:solidFill>
+                        <a:schemeClr val="tx1"/>
+                      </a:solidFill>
+                      <a:prstDash val="solid"/>
+                      <a:round/>
+                      <a:headEnd type="none" w="med" len="med"/>
+                      <a:tailEnd type="none" w="med" len="med"/>
+                    </a:lnL>
+                    <a:lnR w="12700" cap="flat" cmpd="sng" algn="ctr">
+                      <a:solidFill>
+                        <a:schemeClr val="tx1"/>
+                      </a:solidFill>
+                      <a:prstDash val="solid"/>
+                      <a:round/>
+                      <a:headEnd type="none" w="med" len="med"/>
+                      <a:tailEnd type="none" w="med" len="med"/>
+                    </a:lnR>
+                  </a:tcPr>
+                </a:tc>
+                <a:tc>
+                  <a:txBody>
+                    <a:bodyPr/>
+                    <a:lstStyle/>
+                    <a:p>
+                      <a:pPr latinLnBrk="1"/>
+                      <a:endParaRPr lang="ko-KR" altLang="en-US" sz="1000" dirty="0"/>
+                    </a:p>
+                  </a:txBody>
+                  <a:tcPr>
+                    <a:lnL w="12700" cap="flat" cmpd="sng" algn="ctr">
+                      <a:solidFill>
+                        <a:schemeClr val="tx1"/>
+                      </a:solidFill>
+                      <a:prstDash val="solid"/>
+                      <a:round/>
+                      <a:headEnd type="none" w="med" len="med"/>
+                      <a:tailEnd type="none" w="med" len="med"/>
+                    </a:lnL>
+                    <a:lnR w="12700" cap="flat" cmpd="sng" algn="ctr">
+                      <a:solidFill>
+                        <a:schemeClr val="tx1"/>
+                      </a:solidFill>
+                      <a:prstDash val="solid"/>
+                      <a:round/>
+                      <a:headEnd type="none" w="med" len="med"/>
+                      <a:tailEnd type="none" w="med" len="med"/>
+                    </a:lnR>
+                  </a:tcPr>
+                </a:tc>
+                <a:tc>
+                  <a:txBody>
+                    <a:bodyPr/>
+                    <a:lstStyle/>
+                    <a:p>
+                      <a:pPr latinLnBrk="1"/>
+                      <a:endParaRPr lang="ko-KR" altLang="en-US" sz="1000" dirty="0"/>
+                    </a:p>
+                  </a:txBody>
+                  <a:tcPr>
+                    <a:lnL w="12700" cap="flat" cmpd="sng" algn="ctr">
+                      <a:solidFill>
+                        <a:schemeClr val="tx1"/>
+                      </a:solidFill>
+                      <a:prstDash val="solid"/>
+                      <a:round/>
+                      <a:headEnd type="none" w="med" len="med"/>
+                      <a:tailEnd type="none" w="med" len="med"/>
+                    </a:lnL>
+                  </a:tcPr>
+                </a:tc>
+              </a:tr>
+              <a:tr h="370840">
+                <a:tc>
+                  <a:txBody>
+                    <a:bodyPr/>
+                    <a:lstStyle/>
+                    <a:p>
+                      <a:pPr latinLnBrk="1"/>
+                      <a:endParaRPr lang="ko-KR" altLang="en-US" sz="1000" dirty="0"/>
+                    </a:p>
+                  </a:txBody>
+                  <a:tcPr>
+                    <a:lnL w="12700" cap="flat" cmpd="sng" algn="ctr">
+                      <a:solidFill>
+                        <a:schemeClr val="tx1"/>
+                      </a:solidFill>
+                      <a:prstDash val="solid"/>
+                      <a:round/>
+                      <a:headEnd type="none" w="med" len="med"/>
+                      <a:tailEnd type="none" w="med" len="med"/>
+                    </a:lnL>
+                    <a:lnR w="12700" cap="flat" cmpd="sng" algn="ctr">
+                      <a:solidFill>
+                        <a:schemeClr val="tx1"/>
+                      </a:solidFill>
+                      <a:prstDash val="solid"/>
+                      <a:round/>
+                      <a:headEnd type="none" w="med" len="med"/>
+                      <a:tailEnd type="none" w="med" len="med"/>
+                    </a:lnR>
+                    <a:lnT w="12700" cap="flat" cmpd="sng" algn="ctr">
+                      <a:solidFill>
+                        <a:schemeClr val="tx1"/>
+                      </a:solidFill>
+                      <a:prstDash val="solid"/>
+                      <a:round/>
+                      <a:headEnd type="none" w="med" len="med"/>
+                      <a:tailEnd type="none" w="med" len="med"/>
+                    </a:lnT>
+                    <a:lnB w="12700" cap="flat" cmpd="sng" algn="ctr">
+                      <a:solidFill>
+                        <a:schemeClr val="tx1"/>
+                      </a:solidFill>
+                      <a:prstDash val="solid"/>
+                      <a:round/>
+                      <a:headEnd type="none" w="med" len="med"/>
+                      <a:tailEnd type="none" w="med" len="med"/>
+                    </a:lnB>
+                  </a:tcPr>
+                </a:tc>
+                <a:tc>
+                  <a:txBody>
+                    <a:bodyPr/>
+                    <a:lstStyle/>
+                    <a:p>
+                      <a:pPr latinLnBrk="1"/>
+                      <a:endParaRPr lang="ko-KR" altLang="en-US" sz="1000" dirty="0"/>
+                    </a:p>
+                  </a:txBody>
+                  <a:tcPr>
+                    <a:lnL w="12700" cap="flat" cmpd="sng" algn="ctr">
+                      <a:solidFill>
+                        <a:schemeClr val="tx1"/>
+                      </a:solidFill>
+                      <a:prstDash val="solid"/>
+                      <a:round/>
+                      <a:headEnd type="none" w="med" len="med"/>
+                      <a:tailEnd type="none" w="med" len="med"/>
+                    </a:lnL>
+                    <a:lnR w="12700" cap="flat" cmpd="sng" algn="ctr">
+                      <a:solidFill>
+                        <a:schemeClr val="tx1"/>
+                      </a:solidFill>
+                      <a:prstDash val="solid"/>
+                      <a:round/>
+                      <a:headEnd type="none" w="med" len="med"/>
+                      <a:tailEnd type="none" w="med" len="med"/>
+                    </a:lnR>
+                    <a:lnT w="12700" cap="flat" cmpd="sng" algn="ctr">
+                      <a:solidFill>
+                        <a:schemeClr val="tx1"/>
+                      </a:solidFill>
+                      <a:prstDash val="solid"/>
+                      <a:round/>
+                      <a:headEnd type="none" w="med" len="med"/>
+                      <a:tailEnd type="none" w="med" len="med"/>
+                    </a:lnT>
+                    <a:lnB w="12700" cap="flat" cmpd="sng" algn="ctr">
+                      <a:solidFill>
+                        <a:schemeClr val="tx1"/>
+                      </a:solidFill>
+                      <a:prstDash val="solid"/>
+                      <a:round/>
+                      <a:headEnd type="none" w="med" len="med"/>
+                      <a:tailEnd type="none" w="med" len="med"/>
+                    </a:lnB>
+                  </a:tcPr>
+                </a:tc>
+                <a:tc>
+                  <a:txBody>
+                    <a:bodyPr/>
+                    <a:lstStyle/>
+                    <a:p>
+                      <a:pPr latinLnBrk="1"/>
+                      <a:endParaRPr lang="en-US" altLang="ko-KR" sz="1000" dirty="0" smtClean="0"/>
+                    </a:p>
+                  </a:txBody>
+                  <a:tcPr>
+                    <a:lnL w="12700" cap="flat" cmpd="sng" algn="ctr">
+                      <a:solidFill>
+                        <a:schemeClr val="tx1"/>
+                      </a:solidFill>
+                      <a:prstDash val="solid"/>
+                      <a:round/>
+                      <a:headEnd type="none" w="med" len="med"/>
+                      <a:tailEnd type="none" w="med" len="med"/>
+                    </a:lnL>
+                    <a:lnR w="12700" cap="flat" cmpd="sng" algn="ctr">
+                      <a:solidFill>
+                        <a:schemeClr val="tx1"/>
+                      </a:solidFill>
+                      <a:prstDash val="solid"/>
+                      <a:round/>
+                      <a:headEnd type="none" w="med" len="med"/>
+                      <a:tailEnd type="none" w="med" len="med"/>
+                    </a:lnR>
+                  </a:tcPr>
+                </a:tc>
+                <a:tc>
+                  <a:txBody>
+                    <a:bodyPr/>
+                    <a:lstStyle/>
+                    <a:p>
+                      <a:pPr latinLnBrk="1"/>
+                      <a:endParaRPr lang="ko-KR" altLang="en-US" sz="1000" dirty="0"/>
+                    </a:p>
+                  </a:txBody>
+                  <a:tcPr>
+                    <a:lnL w="12700" cap="flat" cmpd="sng" algn="ctr">
+                      <a:solidFill>
+                        <a:schemeClr val="tx1"/>
+                      </a:solidFill>
+                      <a:prstDash val="solid"/>
+                      <a:round/>
+                      <a:headEnd type="none" w="med" len="med"/>
+                      <a:tailEnd type="none" w="med" len="med"/>
+                    </a:lnL>
+                    <a:lnR w="12700" cap="flat" cmpd="sng" algn="ctr">
+                      <a:solidFill>
+                        <a:schemeClr val="tx1"/>
+                      </a:solidFill>
+                      <a:prstDash val="solid"/>
+                      <a:round/>
+                      <a:headEnd type="none" w="med" len="med"/>
+                      <a:tailEnd type="none" w="med" len="med"/>
+                    </a:lnR>
+                  </a:tcPr>
+                </a:tc>
+                <a:tc>
+                  <a:txBody>
+                    <a:bodyPr/>
+                    <a:lstStyle/>
+                    <a:p>
+                      <a:pPr latinLnBrk="1"/>
+                      <a:endParaRPr lang="ko-KR" altLang="en-US" sz="1000" dirty="0"/>
+                    </a:p>
+                  </a:txBody>
+                  <a:tcPr>
+                    <a:lnL w="12700" cap="flat" cmpd="sng" algn="ctr">
+                      <a:solidFill>
+                        <a:schemeClr val="tx1"/>
+                      </a:solidFill>
+                      <a:prstDash val="solid"/>
+                      <a:round/>
+                      <a:headEnd type="none" w="med" len="med"/>
+                      <a:tailEnd type="none" w="med" len="med"/>
+                    </a:lnL>
+                  </a:tcPr>
+                </a:tc>
+              </a:tr>
+              <a:tr h="370840">
+                <a:tc>
+                  <a:txBody>
+                    <a:bodyPr/>
+                    <a:lstStyle/>
+                    <a:p>
+                      <a:pPr latinLnBrk="1"/>
+                      <a:endParaRPr lang="ko-KR" altLang="en-US" sz="1000" dirty="0"/>
+                    </a:p>
+                  </a:txBody>
+                  <a:tcPr>
+                    <a:lnL w="12700" cap="flat" cmpd="sng" algn="ctr">
+                      <a:solidFill>
+                        <a:schemeClr val="tx1"/>
+                      </a:solidFill>
+                      <a:prstDash val="solid"/>
+                      <a:round/>
+                      <a:headEnd type="none" w="med" len="med"/>
+                      <a:tailEnd type="none" w="med" len="med"/>
+                    </a:lnL>
+                    <a:lnR w="12700" cap="flat" cmpd="sng" algn="ctr">
+                      <a:solidFill>
+                        <a:schemeClr val="tx1"/>
+                      </a:solidFill>
+                      <a:prstDash val="solid"/>
+                      <a:round/>
+                      <a:headEnd type="none" w="med" len="med"/>
+                      <a:tailEnd type="none" w="med" len="med"/>
+                    </a:lnR>
+                    <a:lnT w="12700" cap="flat" cmpd="sng" algn="ctr">
+                      <a:solidFill>
+                        <a:schemeClr val="tx1"/>
+                      </a:solidFill>
+                      <a:prstDash val="solid"/>
+                      <a:round/>
+                      <a:headEnd type="none" w="med" len="med"/>
+                      <a:tailEnd type="none" w="med" len="med"/>
+                    </a:lnT>
+                    <a:lnB w="12700" cap="flat" cmpd="sng" algn="ctr">
+                      <a:solidFill>
+                        <a:schemeClr val="tx1"/>
+                      </a:solidFill>
+                      <a:prstDash val="solid"/>
+                      <a:round/>
+                      <a:headEnd type="none" w="med" len="med"/>
+                      <a:tailEnd type="none" w="med" len="med"/>
+                    </a:lnB>
+                  </a:tcPr>
+                </a:tc>
+                <a:tc>
+                  <a:txBody>
+                    <a:bodyPr/>
+                    <a:lstStyle/>
+                    <a:p>
+                      <a:pPr latinLnBrk="1"/>
+                      <a:endParaRPr lang="ko-KR" altLang="en-US" sz="1000" dirty="0"/>
+                    </a:p>
+                  </a:txBody>
+                  <a:tcPr>
+                    <a:lnL w="12700" cap="flat" cmpd="sng" algn="ctr">
+                      <a:solidFill>
+                        <a:schemeClr val="tx1"/>
+                      </a:solidFill>
+                      <a:prstDash val="solid"/>
+                      <a:round/>
+                      <a:headEnd type="none" w="med" len="med"/>
+                      <a:tailEnd type="none" w="med" len="med"/>
+                    </a:lnL>
+                    <a:lnR w="12700" cap="flat" cmpd="sng" algn="ctr">
+                      <a:solidFill>
+                        <a:schemeClr val="tx1"/>
+                      </a:solidFill>
+                      <a:prstDash val="solid"/>
+                      <a:round/>
+                      <a:headEnd type="none" w="med" len="med"/>
+                      <a:tailEnd type="none" w="med" len="med"/>
+                    </a:lnR>
+                    <a:lnT w="12700" cap="flat" cmpd="sng" algn="ctr">
+                      <a:solidFill>
+                        <a:schemeClr val="tx1"/>
+                      </a:solidFill>
+                      <a:prstDash val="solid"/>
+                      <a:round/>
+                      <a:headEnd type="none" w="med" len="med"/>
+                      <a:tailEnd type="none" w="med" len="med"/>
+                    </a:lnT>
+                    <a:lnB w="12700" cap="flat" cmpd="sng" algn="ctr">
+                      <a:solidFill>
+                        <a:schemeClr val="tx1"/>
+                      </a:solidFill>
+                      <a:prstDash val="solid"/>
+                      <a:round/>
+                      <a:headEnd type="none" w="med" len="med"/>
+                      <a:tailEnd type="none" w="med" len="med"/>
+                    </a:lnB>
+                  </a:tcPr>
+                </a:tc>
+                <a:tc>
+                  <a:txBody>
+                    <a:bodyPr/>
+                    <a:lstStyle/>
+                    <a:p>
+                      <a:pPr latinLnBrk="1"/>
+                      <a:endParaRPr lang="en-US" altLang="ko-KR" sz="1000" dirty="0" smtClean="0"/>
+                    </a:p>
+                  </a:txBody>
+                  <a:tcPr>
+                    <a:lnL w="12700" cap="flat" cmpd="sng" algn="ctr">
+                      <a:solidFill>
+                        <a:schemeClr val="tx1"/>
+                      </a:solidFill>
+                      <a:prstDash val="solid"/>
+                      <a:round/>
+                      <a:headEnd type="none" w="med" len="med"/>
+                      <a:tailEnd type="none" w="med" len="med"/>
+                    </a:lnL>
+                    <a:lnR w="12700" cap="flat" cmpd="sng" algn="ctr">
+                      <a:solidFill>
+                        <a:schemeClr val="tx1"/>
+                      </a:solidFill>
+                      <a:prstDash val="solid"/>
+                      <a:round/>
+                      <a:headEnd type="none" w="med" len="med"/>
+                      <a:tailEnd type="none" w="med" len="med"/>
+                    </a:lnR>
+                  </a:tcPr>
+                </a:tc>
+                <a:tc>
+                  <a:txBody>
+                    <a:bodyPr/>
+                    <a:lstStyle/>
+                    <a:p>
+                      <a:pPr latinLnBrk="1"/>
+                      <a:endParaRPr lang="ko-KR" altLang="en-US" sz="1000" dirty="0"/>
+                    </a:p>
+                  </a:txBody>
+                  <a:tcPr>
+                    <a:lnL w="12700" cap="flat" cmpd="sng" algn="ctr">
+                      <a:solidFill>
+                        <a:schemeClr val="tx1"/>
+                      </a:solidFill>
+                      <a:prstDash val="solid"/>
+                      <a:round/>
+                      <a:headEnd type="none" w="med" len="med"/>
+                      <a:tailEnd type="none" w="med" len="med"/>
+                    </a:lnL>
+                    <a:lnR w="12700" cap="flat" cmpd="sng" algn="ctr">
+                      <a:solidFill>
+                        <a:schemeClr val="tx1"/>
+                      </a:solidFill>
+                      <a:prstDash val="solid"/>
+                      <a:round/>
+                      <a:headEnd type="none" w="med" len="med"/>
+                      <a:tailEnd type="none" w="med" len="med"/>
+                    </a:lnR>
+                  </a:tcPr>
+                </a:tc>
+                <a:tc>
+                  <a:txBody>
+                    <a:bodyPr/>
+                    <a:lstStyle/>
+                    <a:p>
+                      <a:pPr latinLnBrk="1"/>
                       <a:endParaRPr lang="ko-KR" altLang="en-US" sz="1000" dirty="0"/>
                     </a:p>
                   </a:txBody>
@@ -7408,7 +13566,7 @@
     </p:spTree>
     <p:extLst>
       <p:ext uri="{BB962C8B-B14F-4D97-AF65-F5344CB8AC3E}">
-        <p14:creationId xmlns:p14="http://schemas.microsoft.com/office/powerpoint/2010/main" val="1091562578"/>
+        <p14:creationId xmlns:p14="http://schemas.microsoft.com/office/powerpoint/2010/main" val="3858178307"/>
       </p:ext>
     </p:extLst>
   </p:cSld>

--- a/EscapeJail/Assets/기획/스테이지1기획.pptx
+++ b/EscapeJail/Assets/기획/스테이지1기획.pptx
@@ -3217,7 +3217,7 @@
         </p:nvGraphicFramePr>
         <p:xfrm>
           <a:off x="395536" y="1412776"/>
-          <a:ext cx="8136904" cy="4384040"/>
+          <a:ext cx="8136904" cy="4358640"/>
         </p:xfrm>
         <a:graphic>
           <a:graphicData uri="http://schemas.openxmlformats.org/drawingml/2006/table">
@@ -4006,12 +4006,7 @@
                     <a:bodyPr/>
                     <a:lstStyle/>
                     <a:p>
-                      <a:pPr latinLnBrk="1"/>
-                      <a:r>
-                        <a:rPr lang="ko-KR" altLang="en-US" sz="1000" dirty="0" smtClean="0"/>
-                        <a:t>에너지드링크</a:t>
-                      </a:r>
-                      <a:endParaRPr lang="ko-KR" altLang="en-US" sz="1000" dirty="0"/>
+                      <a:endParaRPr lang="ko-KR" altLang="en-US"/>
                     </a:p>
                   </a:txBody>
                   <a:tcPr>
@@ -4061,36 +4056,7 @@
                     <a:bodyPr/>
                     <a:lstStyle/>
                     <a:p>
-                      <a:pPr latinLnBrk="1"/>
-                      <a:r>
-                        <a:rPr lang="ko-KR" altLang="en-US" sz="1000" dirty="0" smtClean="0"/>
-                        <a:t>서서히 체력을 상승시킴</a:t>
-                      </a:r>
-                      <a:endParaRPr lang="en-US" altLang="ko-KR" sz="1000" dirty="0" smtClean="0"/>
-                    </a:p>
-                    <a:p>
-                      <a:pPr latinLnBrk="1"/>
-                      <a:r>
-                        <a:rPr lang="en-US" altLang="ko-KR" sz="1000" dirty="0" smtClean="0"/>
-                        <a:t>(ex 20</a:t>
-                      </a:r>
-                      <a:r>
-                        <a:rPr lang="ko-KR" altLang="en-US" sz="1000" dirty="0" smtClean="0"/>
-                        <a:t>초간 체력 </a:t>
-                      </a:r>
-                      <a:r>
-                        <a:rPr lang="en-US" altLang="ko-KR" sz="1000" dirty="0" smtClean="0"/>
-                        <a:t>10</a:t>
-                      </a:r>
-                      <a:r>
-                        <a:rPr lang="ko-KR" altLang="en-US" sz="1000" dirty="0" smtClean="0"/>
-                        <a:t>상승</a:t>
-                      </a:r>
-                      <a:r>
-                        <a:rPr lang="en-US" altLang="ko-KR" sz="1000" dirty="0" smtClean="0"/>
-                        <a:t>)</a:t>
-                      </a:r>
-                      <a:endParaRPr lang="ko-KR" altLang="en-US" sz="1000" dirty="0"/>
+                      <a:endParaRPr lang="ko-KR" altLang="en-US" dirty="0"/>
                     </a:p>
                   </a:txBody>
                   <a:tcPr>
@@ -7843,11 +7809,7 @@
             </a:r>
             <a:r>
               <a:rPr lang="ko-KR" altLang="en-US" b="1" dirty="0" smtClean="0"/>
-              <a:t>맞으면 아이템  </a:t>
-            </a:r>
-            <a:r>
-              <a:rPr lang="ko-KR" altLang="en-US" b="1" dirty="0" smtClean="0"/>
-              <a:t>훔침</a:t>
+              <a:t>맞으면 아이템  훔침</a:t>
             </a:r>
             <a:endParaRPr lang="en-US" altLang="ko-KR" b="1" dirty="0" smtClean="0"/>
           </a:p>
@@ -7872,7 +7834,6 @@
               <a:rPr lang="en-US" altLang="ko-KR" b="1" dirty="0" smtClean="0"/>
               <a:t>)</a:t>
             </a:r>
-            <a:endParaRPr lang="en-US" altLang="ko-KR" b="1" dirty="0" smtClean="0"/>
           </a:p>
           <a:p>
             <a:endParaRPr lang="en-US" altLang="ko-KR" b="1" dirty="0"/>
@@ -9396,14 +9357,14 @@
           <p:nvPr>
             <p:extLst>
               <p:ext uri="{D42A27DB-BD31-4B8C-83A1-F6EECF244321}">
-                <p14:modId xmlns:p14="http://schemas.microsoft.com/office/powerpoint/2010/main" val="976719616"/>
+                <p14:modId xmlns:p14="http://schemas.microsoft.com/office/powerpoint/2010/main" val="3885633940"/>
               </p:ext>
             </p:extLst>
           </p:nvPr>
         </p:nvGraphicFramePr>
         <p:xfrm>
           <a:off x="395536" y="1412776"/>
-          <a:ext cx="8136904" cy="4282440"/>
+          <a:ext cx="8136904" cy="4307840"/>
         </p:xfrm>
         <a:graphic>
           <a:graphicData uri="http://schemas.openxmlformats.org/drawingml/2006/table">
@@ -10337,11 +10298,11 @@
                       </a:r>
                       <a:r>
                         <a:rPr lang="ko-KR" altLang="en-US" sz="1000" dirty="0" smtClean="0"/>
-                        <a:t> 어떤 방식으로 할지 </a:t>
-                      </a:r>
-                      <a:r>
-                        <a:rPr lang="ko-KR" altLang="en-US" sz="1000" dirty="0" err="1" smtClean="0"/>
-                        <a:t>정해야함</a:t>
+                        <a:t> 어떤 방식으로 </a:t>
+                      </a:r>
+                      <a:r>
+                        <a:rPr lang="ko-KR" altLang="en-US" sz="1000" dirty="0" smtClean="0"/>
+                        <a:t>고민</a:t>
                       </a:r>
                       <a:endParaRPr lang="ko-KR" altLang="en-US" sz="1000" dirty="0"/>
                     </a:p>
@@ -10413,7 +10374,12 @@
                     <a:bodyPr/>
                     <a:lstStyle/>
                     <a:p>
-                      <a:endParaRPr lang="ko-KR" altLang="en-US" dirty="0"/>
+                      <a:pPr latinLnBrk="1"/>
+                      <a:r>
+                        <a:rPr lang="ko-KR" altLang="en-US" sz="1000" dirty="0" smtClean="0"/>
+                        <a:t>에너지드링크</a:t>
+                      </a:r>
+                      <a:endParaRPr lang="ko-KR" altLang="en-US" sz="1000" dirty="0"/>
                     </a:p>
                   </a:txBody>
                   <a:tcPr>
@@ -10460,6 +10426,64 @@
                     <a:bodyPr/>
                     <a:lstStyle/>
                     <a:p>
+                      <a:pPr latinLnBrk="1"/>
+                      <a:r>
+                        <a:rPr lang="ko-KR" altLang="en-US" sz="1000" dirty="0" smtClean="0"/>
+                        <a:t>서서히 체력을 상승시킴</a:t>
+                      </a:r>
+                      <a:endParaRPr lang="en-US" altLang="ko-KR" sz="1000" dirty="0" smtClean="0"/>
+                    </a:p>
+                    <a:p>
+                      <a:pPr latinLnBrk="1"/>
+                      <a:r>
+                        <a:rPr lang="en-US" altLang="ko-KR" sz="1000" dirty="0" smtClean="0"/>
+                        <a:t>(ex 20</a:t>
+                      </a:r>
+                      <a:r>
+                        <a:rPr lang="ko-KR" altLang="en-US" sz="1000" dirty="0" smtClean="0"/>
+                        <a:t>초간 체력 </a:t>
+                      </a:r>
+                      <a:r>
+                        <a:rPr lang="en-US" altLang="ko-KR" sz="1000" dirty="0" smtClean="0"/>
+                        <a:t>10</a:t>
+                      </a:r>
+                      <a:r>
+                        <a:rPr lang="ko-KR" altLang="en-US" sz="1000" dirty="0" smtClean="0"/>
+                        <a:t>상승</a:t>
+                      </a:r>
+                      <a:r>
+                        <a:rPr lang="en-US" altLang="ko-KR" sz="1000" dirty="0" smtClean="0"/>
+                        <a:t>)</a:t>
+                      </a:r>
+                      <a:endParaRPr lang="ko-KR" altLang="en-US" sz="1000" dirty="0"/>
+                    </a:p>
+                  </a:txBody>
+                  <a:tcPr>
+                    <a:lnL w="12700" cap="flat" cmpd="sng" algn="ctr">
+                      <a:solidFill>
+                        <a:schemeClr val="tx1"/>
+                      </a:solidFill>
+                      <a:prstDash val="solid"/>
+                      <a:round/>
+                      <a:headEnd type="none" w="med" len="med"/>
+                      <a:tailEnd type="none" w="med" len="med"/>
+                    </a:lnL>
+                    <a:lnR w="12700" cap="flat" cmpd="sng" algn="ctr">
+                      <a:solidFill>
+                        <a:schemeClr val="tx1"/>
+                      </a:solidFill>
+                      <a:prstDash val="solid"/>
+                      <a:round/>
+                      <a:headEnd type="none" w="med" len="med"/>
+                      <a:tailEnd type="none" w="med" len="med"/>
+                    </a:lnR>
+                  </a:tcPr>
+                </a:tc>
+                <a:tc>
+                  <a:txBody>
+                    <a:bodyPr/>
+                    <a:lstStyle/>
+                    <a:p>
                       <a:endParaRPr lang="ko-KR" altLang="en-US" dirty="0"/>
                     </a:p>
                   </a:txBody>
@@ -10489,36 +10513,39 @@
                     <a:bodyPr/>
                     <a:lstStyle/>
                     <a:p>
-                      <a:endParaRPr lang="ko-KR" altLang="en-US" dirty="0"/>
-                    </a:p>
-                  </a:txBody>
-                  <a:tcPr>
-                    <a:lnL w="12700" cap="flat" cmpd="sng" algn="ctr">
-                      <a:solidFill>
-                        <a:schemeClr val="tx1"/>
-                      </a:solidFill>
-                      <a:prstDash val="solid"/>
-                      <a:round/>
-                      <a:headEnd type="none" w="med" len="med"/>
-                      <a:tailEnd type="none" w="med" len="med"/>
-                    </a:lnL>
-                    <a:lnR w="12700" cap="flat" cmpd="sng" algn="ctr">
-                      <a:solidFill>
-                        <a:schemeClr val="tx1"/>
-                      </a:solidFill>
-                      <a:prstDash val="solid"/>
-                      <a:round/>
-                      <a:headEnd type="none" w="med" len="med"/>
-                      <a:tailEnd type="none" w="med" len="med"/>
-                    </a:lnR>
-                  </a:tcPr>
-                </a:tc>
-                <a:tc>
-                  <a:txBody>
-                    <a:bodyPr/>
-                    <a:lstStyle/>
-                    <a:p>
-                      <a:pPr latinLnBrk="1"/>
+                      <a:pPr latinLnBrk="1"/>
+                      <a:r>
+                        <a:rPr lang="ko-KR" altLang="en-US" sz="1000" dirty="0" err="1" smtClean="0"/>
+                        <a:t>배그에서의</a:t>
+                      </a:r>
+                      <a:r>
+                        <a:rPr lang="ko-KR" altLang="en-US" sz="1000" dirty="0" smtClean="0"/>
+                        <a:t> 효과와 </a:t>
+                      </a:r>
+                      <a:r>
+                        <a:rPr lang="ko-KR" altLang="en-US" sz="1000" dirty="0" err="1" smtClean="0"/>
+                        <a:t>비슷</a:t>
+                      </a:r>
+                      <a:endParaRPr lang="en-US" altLang="ko-KR" sz="1000" dirty="0" smtClean="0"/>
+                    </a:p>
+                    <a:p>
+                      <a:pPr latinLnBrk="1"/>
+                      <a:r>
+                        <a:rPr lang="en-US" altLang="ko-KR" sz="1000" dirty="0" smtClean="0"/>
+                        <a:t>(</a:t>
+                      </a:r>
+                      <a:r>
+                        <a:rPr lang="ko-KR" altLang="en-US" sz="1000" dirty="0" err="1" smtClean="0"/>
+                        <a:t>전투중에</a:t>
+                      </a:r>
+                      <a:r>
+                        <a:rPr lang="ko-KR" altLang="en-US" sz="1000" dirty="0" smtClean="0"/>
+                        <a:t> 체력을 서서히 채워줌</a:t>
+                      </a:r>
+                      <a:r>
+                        <a:rPr lang="en-US" altLang="ko-KR" sz="1000" dirty="0" smtClean="0"/>
+                        <a:t>)</a:t>
+                      </a:r>
                       <a:endParaRPr lang="ko-KR" altLang="en-US" sz="1000" dirty="0"/>
                     </a:p>
                   </a:txBody>
@@ -10636,7 +10663,7 @@
                     <a:bodyPr/>
                     <a:lstStyle/>
                     <a:p>
-                      <a:endParaRPr lang="ko-KR" altLang="en-US"/>
+                      <a:endParaRPr lang="ko-KR" altLang="en-US" dirty="0"/>
                     </a:p>
                   </a:txBody>
                   <a:tcPr>
@@ -11490,14 +11517,14 @@
           <p:nvPr>
             <p:extLst>
               <p:ext uri="{D42A27DB-BD31-4B8C-83A1-F6EECF244321}">
-                <p14:modId xmlns:p14="http://schemas.microsoft.com/office/powerpoint/2010/main" val="1575791936"/>
+                <p14:modId xmlns:p14="http://schemas.microsoft.com/office/powerpoint/2010/main" val="259351062"/>
               </p:ext>
             </p:extLst>
           </p:nvPr>
         </p:nvGraphicFramePr>
         <p:xfrm>
           <a:off x="395536" y="1412776"/>
-          <a:ext cx="8136904" cy="4130040"/>
+          <a:ext cx="8136904" cy="4079240"/>
         </p:xfrm>
         <a:graphic>
           <a:graphicData uri="http://schemas.openxmlformats.org/drawingml/2006/table">
@@ -11806,26 +11833,6 @@
                     <a:lstStyle/>
                     <a:p>
                       <a:pPr latinLnBrk="1"/>
-                      <a:r>
-                        <a:rPr lang="ko-KR" altLang="en-US" sz="1000" dirty="0" err="1" smtClean="0"/>
-                        <a:t>권총탄을</a:t>
-                      </a:r>
-                      <a:r>
-                        <a:rPr lang="ko-KR" altLang="en-US" sz="1000" dirty="0" smtClean="0"/>
-                        <a:t> 기관단총에도 </a:t>
-                      </a:r>
-                      <a:r>
-                        <a:rPr lang="ko-KR" altLang="en-US" sz="1000" dirty="0" err="1" smtClean="0"/>
-                        <a:t>쓴다는게</a:t>
-                      </a:r>
-                      <a:endParaRPr lang="en-US" altLang="ko-KR" sz="1000" dirty="0" smtClean="0"/>
-                    </a:p>
-                    <a:p>
-                      <a:pPr latinLnBrk="1"/>
-                      <a:r>
-                        <a:rPr lang="ko-KR" altLang="en-US" sz="1000" dirty="0" err="1" smtClean="0"/>
-                        <a:t>이상한듯</a:t>
-                      </a:r>
                       <a:endParaRPr lang="ko-KR" altLang="en-US" sz="1000" dirty="0"/>
                     </a:p>
                   </a:txBody>
@@ -12434,40 +12441,12 @@
                     <a:p>
                       <a:pPr latinLnBrk="1"/>
                       <a:r>
+                        <a:rPr lang="ko-KR" altLang="en-US" sz="1000" dirty="0" err="1" smtClean="0"/>
+                        <a:t>총알어떻게할지</a:t>
+                      </a:r>
+                      <a:r>
                         <a:rPr lang="ko-KR" altLang="en-US" sz="1000" dirty="0" smtClean="0"/>
-                        <a:t>총알은 여러 개 만들지 말죠</a:t>
-                      </a:r>
-                      <a:endParaRPr lang="en-US" altLang="ko-KR" sz="1000" dirty="0" smtClean="0"/>
-                    </a:p>
-                    <a:p>
-                      <a:pPr latinLnBrk="1"/>
-                      <a:r>
-                        <a:rPr lang="ko-KR" altLang="en-US" sz="1000" dirty="0" smtClean="0"/>
-                        <a:t>건전방식</a:t>
-                      </a:r>
-                      <a:r>
-                        <a:rPr lang="ko-KR" altLang="en-US" sz="1000" baseline="0" dirty="0" smtClean="0"/>
-                        <a:t> </a:t>
-                      </a:r>
-                      <a:r>
-                        <a:rPr lang="ko-KR" altLang="en-US" sz="1000" baseline="0" dirty="0" err="1" smtClean="0"/>
-                        <a:t>하는게</a:t>
-                      </a:r>
-                      <a:r>
-                        <a:rPr lang="ko-KR" altLang="en-US" sz="1000" baseline="0" dirty="0" smtClean="0"/>
-                        <a:t> </a:t>
-                      </a:r>
-                      <a:r>
-                        <a:rPr lang="ko-KR" altLang="en-US" sz="1000" baseline="0" dirty="0" err="1" smtClean="0"/>
-                        <a:t>좋을듯</a:t>
-                      </a:r>
-                      <a:r>
-                        <a:rPr lang="ko-KR" altLang="en-US" sz="1000" baseline="0" dirty="0" smtClean="0"/>
-                        <a:t> </a:t>
-                      </a:r>
-                      <a:r>
-                        <a:rPr lang="ko-KR" altLang="en-US" sz="1000" baseline="0" dirty="0" err="1" smtClean="0"/>
-                        <a:t>너무복잡</a:t>
+                        <a:t> 고민</a:t>
                       </a:r>
                       <a:endParaRPr lang="ko-KR" altLang="en-US" sz="1000" dirty="0"/>
                     </a:p>

--- a/EscapeJail/Assets/기획/스테이지1기획.pptx
+++ b/EscapeJail/Assets/기획/스테이지1기획.pptx
@@ -18,6 +18,7 @@
     <p:sldId id="269" r:id="rId12"/>
     <p:sldId id="263" r:id="rId13"/>
     <p:sldId id="264" r:id="rId14"/>
+    <p:sldId id="270" r:id="rId15"/>
   </p:sldIdLst>
   <p:sldSz cx="9144000" cy="6858000" type="screen4x3"/>
   <p:notesSz cx="6858000" cy="9144000"/>
@@ -300,7 +301,7 @@
           <a:p>
             <a:fld id="{75C3E87A-1EF5-4BC0-A34A-1B32DEFB2AF0}" type="datetimeFigureOut">
               <a:rPr lang="ko-KR" altLang="en-US" smtClean="0"/>
-              <a:t>2017-10-09</a:t>
+              <a:t>2017-10-10</a:t>
             </a:fld>
             <a:endParaRPr lang="ko-KR" altLang="en-US"/>
           </a:p>
@@ -470,7 +471,7 @@
           <a:p>
             <a:fld id="{75C3E87A-1EF5-4BC0-A34A-1B32DEFB2AF0}" type="datetimeFigureOut">
               <a:rPr lang="ko-KR" altLang="en-US" smtClean="0"/>
-              <a:t>2017-10-09</a:t>
+              <a:t>2017-10-10</a:t>
             </a:fld>
             <a:endParaRPr lang="ko-KR" altLang="en-US"/>
           </a:p>
@@ -650,7 +651,7 @@
           <a:p>
             <a:fld id="{75C3E87A-1EF5-4BC0-A34A-1B32DEFB2AF0}" type="datetimeFigureOut">
               <a:rPr lang="ko-KR" altLang="en-US" smtClean="0"/>
-              <a:t>2017-10-09</a:t>
+              <a:t>2017-10-10</a:t>
             </a:fld>
             <a:endParaRPr lang="ko-KR" altLang="en-US"/>
           </a:p>
@@ -820,7 +821,7 @@
           <a:p>
             <a:fld id="{75C3E87A-1EF5-4BC0-A34A-1B32DEFB2AF0}" type="datetimeFigureOut">
               <a:rPr lang="ko-KR" altLang="en-US" smtClean="0"/>
-              <a:t>2017-10-09</a:t>
+              <a:t>2017-10-10</a:t>
             </a:fld>
             <a:endParaRPr lang="ko-KR" altLang="en-US"/>
           </a:p>
@@ -1066,7 +1067,7 @@
           <a:p>
             <a:fld id="{75C3E87A-1EF5-4BC0-A34A-1B32DEFB2AF0}" type="datetimeFigureOut">
               <a:rPr lang="ko-KR" altLang="en-US" smtClean="0"/>
-              <a:t>2017-10-09</a:t>
+              <a:t>2017-10-10</a:t>
             </a:fld>
             <a:endParaRPr lang="ko-KR" altLang="en-US"/>
           </a:p>
@@ -1354,7 +1355,7 @@
           <a:p>
             <a:fld id="{75C3E87A-1EF5-4BC0-A34A-1B32DEFB2AF0}" type="datetimeFigureOut">
               <a:rPr lang="ko-KR" altLang="en-US" smtClean="0"/>
-              <a:t>2017-10-09</a:t>
+              <a:t>2017-10-10</a:t>
             </a:fld>
             <a:endParaRPr lang="ko-KR" altLang="en-US"/>
           </a:p>
@@ -1776,7 +1777,7 @@
           <a:p>
             <a:fld id="{75C3E87A-1EF5-4BC0-A34A-1B32DEFB2AF0}" type="datetimeFigureOut">
               <a:rPr lang="ko-KR" altLang="en-US" smtClean="0"/>
-              <a:t>2017-10-09</a:t>
+              <a:t>2017-10-10</a:t>
             </a:fld>
             <a:endParaRPr lang="ko-KR" altLang="en-US"/>
           </a:p>
@@ -1894,7 +1895,7 @@
           <a:p>
             <a:fld id="{75C3E87A-1EF5-4BC0-A34A-1B32DEFB2AF0}" type="datetimeFigureOut">
               <a:rPr lang="ko-KR" altLang="en-US" smtClean="0"/>
-              <a:t>2017-10-09</a:t>
+              <a:t>2017-10-10</a:t>
             </a:fld>
             <a:endParaRPr lang="ko-KR" altLang="en-US"/>
           </a:p>
@@ -1989,7 +1990,7 @@
           <a:p>
             <a:fld id="{75C3E87A-1EF5-4BC0-A34A-1B32DEFB2AF0}" type="datetimeFigureOut">
               <a:rPr lang="ko-KR" altLang="en-US" smtClean="0"/>
-              <a:t>2017-10-09</a:t>
+              <a:t>2017-10-10</a:t>
             </a:fld>
             <a:endParaRPr lang="ko-KR" altLang="en-US"/>
           </a:p>
@@ -2266,7 +2267,7 @@
           <a:p>
             <a:fld id="{75C3E87A-1EF5-4BC0-A34A-1B32DEFB2AF0}" type="datetimeFigureOut">
               <a:rPr lang="ko-KR" altLang="en-US" smtClean="0"/>
-              <a:t>2017-10-09</a:t>
+              <a:t>2017-10-10</a:t>
             </a:fld>
             <a:endParaRPr lang="ko-KR" altLang="en-US"/>
           </a:p>
@@ -2519,7 +2520,7 @@
           <a:p>
             <a:fld id="{75C3E87A-1EF5-4BC0-A34A-1B32DEFB2AF0}" type="datetimeFigureOut">
               <a:rPr lang="ko-KR" altLang="en-US" smtClean="0"/>
-              <a:t>2017-10-09</a:t>
+              <a:t>2017-10-10</a:t>
             </a:fld>
             <a:endParaRPr lang="ko-KR" altLang="en-US"/>
           </a:p>
@@ -2732,7 +2733,7 @@
           <a:p>
             <a:fld id="{75C3E87A-1EF5-4BC0-A34A-1B32DEFB2AF0}" type="datetimeFigureOut">
               <a:rPr lang="ko-KR" altLang="en-US" smtClean="0"/>
-              <a:t>2017-10-09</a:t>
+              <a:t>2017-10-10</a:t>
             </a:fld>
             <a:endParaRPr lang="ko-KR" altLang="en-US"/>
           </a:p>
@@ -7931,6 +7932,84 @@
 </p:sld>
 </file>
 
+<file path=ppt/slides/slide14.xml><?xml version="1.0" encoding="utf-8"?>
+<p:sld xmlns:a="http://schemas.openxmlformats.org/drawingml/2006/main" xmlns:r="http://schemas.openxmlformats.org/officeDocument/2006/relationships" xmlns:p="http://schemas.openxmlformats.org/presentationml/2006/main">
+  <p:cSld>
+    <p:spTree>
+      <p:nvGrpSpPr>
+        <p:cNvPr id="1" name=""/>
+        <p:cNvGrpSpPr/>
+        <p:nvPr/>
+      </p:nvGrpSpPr>
+      <p:grpSpPr>
+        <a:xfrm>
+          <a:off x="0" y="0"/>
+          <a:ext cx="0" cy="0"/>
+          <a:chOff x="0" y="0"/>
+          <a:chExt cx="0" cy="0"/>
+        </a:xfrm>
+      </p:grpSpPr>
+      <p:sp>
+        <p:nvSpPr>
+          <p:cNvPr id="2" name="제목 1"/>
+          <p:cNvSpPr>
+            <a:spLocks noGrp="1"/>
+          </p:cNvSpPr>
+          <p:nvPr>
+            <p:ph type="title"/>
+          </p:nvPr>
+        </p:nvSpPr>
+        <p:spPr/>
+        <p:txBody>
+          <a:bodyPr/>
+          <a:lstStyle/>
+          <a:p>
+            <a:r>
+              <a:rPr lang="ko-KR" altLang="en-US" dirty="0" smtClean="0"/>
+              <a:t>무기</a:t>
+            </a:r>
+            <a:endParaRPr lang="ko-KR" altLang="en-US" dirty="0"/>
+          </a:p>
+        </p:txBody>
+      </p:sp>
+      <p:sp>
+        <p:nvSpPr>
+          <p:cNvPr id="3" name="내용 개체 틀 2"/>
+          <p:cNvSpPr>
+            <a:spLocks noGrp="1"/>
+          </p:cNvSpPr>
+          <p:nvPr>
+            <p:ph idx="1"/>
+          </p:nvPr>
+        </p:nvSpPr>
+        <p:spPr/>
+        <p:txBody>
+          <a:bodyPr>
+            <a:normAutofit/>
+          </a:bodyPr>
+          <a:lstStyle/>
+          <a:p>
+            <a:r>
+              <a:rPr lang="ko-KR" altLang="en-US" b="1" dirty="0" err="1" smtClean="0"/>
+              <a:t>저격총</a:t>
+            </a:r>
+            <a:endParaRPr lang="ko-KR" altLang="en-US" b="1" dirty="0"/>
+          </a:p>
+        </p:txBody>
+      </p:sp>
+    </p:spTree>
+    <p:extLst>
+      <p:ext uri="{BB962C8B-B14F-4D97-AF65-F5344CB8AC3E}">
+        <p14:creationId xmlns:p14="http://schemas.microsoft.com/office/powerpoint/2010/main" val="2860067830"/>
+      </p:ext>
+    </p:extLst>
+  </p:cSld>
+  <p:clrMapOvr>
+    <a:masterClrMapping/>
+  </p:clrMapOvr>
+</p:sld>
+</file>
+
 <file path=ppt/slides/slide2.xml><?xml version="1.0" encoding="utf-8"?>
 <p:sld xmlns:a="http://schemas.openxmlformats.org/drawingml/2006/main" xmlns:r="http://schemas.openxmlformats.org/officeDocument/2006/relationships" xmlns:p="http://schemas.openxmlformats.org/presentationml/2006/main">
   <p:cSld>
@@ -10298,11 +10377,7 @@
                       </a:r>
                       <a:r>
                         <a:rPr lang="ko-KR" altLang="en-US" sz="1000" dirty="0" smtClean="0"/>
-                        <a:t> 어떤 방식으로 </a:t>
-                      </a:r>
-                      <a:r>
-                        <a:rPr lang="ko-KR" altLang="en-US" sz="1000" dirty="0" smtClean="0"/>
-                        <a:t>고민</a:t>
+                        <a:t> 어떤 방식으로 고민</a:t>
                       </a:r>
                       <a:endParaRPr lang="ko-KR" altLang="en-US" sz="1000" dirty="0"/>
                     </a:p>

--- a/EscapeJail/Assets/기획/스테이지1기획.pptx
+++ b/EscapeJail/Assets/기획/스테이지1기획.pptx
@@ -18,7 +18,13 @@
     <p:sldId id="269" r:id="rId12"/>
     <p:sldId id="263" r:id="rId13"/>
     <p:sldId id="264" r:id="rId14"/>
-    <p:sldId id="270" r:id="rId15"/>
+    <p:sldId id="272" r:id="rId15"/>
+    <p:sldId id="273" r:id="rId16"/>
+    <p:sldId id="275" r:id="rId17"/>
+    <p:sldId id="279" r:id="rId18"/>
+    <p:sldId id="276" r:id="rId19"/>
+    <p:sldId id="278" r:id="rId20"/>
+    <p:sldId id="280" r:id="rId21"/>
   </p:sldIdLst>
   <p:sldSz cx="9144000" cy="6858000" type="screen4x3"/>
   <p:notesSz cx="6858000" cy="9144000"/>
@@ -7785,58 +7791,6 @@
           </a:bodyPr>
           <a:lstStyle/>
           <a:p>
-            <a:r>
-              <a:rPr lang="ko-KR" altLang="en-US" b="1" dirty="0" smtClean="0"/>
-              <a:t>도둑스테이지</a:t>
-            </a:r>
-            <a:endParaRPr lang="en-US" altLang="ko-KR" b="1" dirty="0" smtClean="0"/>
-          </a:p>
-          <a:p>
-            <a:r>
-              <a:rPr lang="ko-KR" altLang="en-US" b="1" dirty="0" smtClean="0"/>
-              <a:t>투명</a:t>
-            </a:r>
-            <a:r>
-              <a:rPr lang="en-US" altLang="ko-KR" b="1" dirty="0" smtClean="0"/>
-              <a:t>,</a:t>
-            </a:r>
-            <a:r>
-              <a:rPr lang="ko-KR" altLang="en-US" b="1" dirty="0" smtClean="0"/>
-              <a:t>순간이동</a:t>
-            </a:r>
-            <a:r>
-              <a:rPr lang="en-US" altLang="ko-KR" b="1" dirty="0" smtClean="0"/>
-              <a:t>, </a:t>
-            </a:r>
-            <a:r>
-              <a:rPr lang="ko-KR" altLang="en-US" b="1" dirty="0" smtClean="0"/>
-              <a:t>맞으면 아이템  훔침</a:t>
-            </a:r>
-            <a:endParaRPr lang="en-US" altLang="ko-KR" b="1" dirty="0" smtClean="0"/>
-          </a:p>
-          <a:p>
-            <a:r>
-              <a:rPr lang="en-US" altLang="ko-KR" b="1" dirty="0" smtClean="0"/>
-              <a:t>(</a:t>
-            </a:r>
-            <a:r>
-              <a:rPr lang="ko-KR" altLang="en-US" b="1" dirty="0" smtClean="0"/>
-              <a:t>건전의 </a:t>
-            </a:r>
-            <a:r>
-              <a:rPr lang="ko-KR" altLang="en-US" b="1" dirty="0" err="1" smtClean="0"/>
-              <a:t>유령몬스터</a:t>
-            </a:r>
-            <a:r>
-              <a:rPr lang="ko-KR" altLang="en-US" b="1" dirty="0" smtClean="0"/>
-              <a:t> 같은 패턴</a:t>
-            </a:r>
-            <a:r>
-              <a:rPr lang="en-US" altLang="ko-KR" b="1" dirty="0" smtClean="0"/>
-              <a:t>)</a:t>
-            </a:r>
-          </a:p>
-          <a:p>
             <a:endParaRPr lang="en-US" altLang="ko-KR" b="1" dirty="0"/>
           </a:p>
           <a:p>
@@ -7965,8 +7919,567 @@
           <a:lstStyle/>
           <a:p>
             <a:r>
-              <a:rPr lang="ko-KR" altLang="en-US" dirty="0" smtClean="0"/>
-              <a:t>무기</a:t>
+              <a:rPr lang="ko-KR" altLang="en-US" dirty="0"/>
+              <a:t>암살자스테이지</a:t>
+            </a:r>
+            <a:endParaRPr lang="ko-KR" altLang="en-US" dirty="0"/>
+          </a:p>
+        </p:txBody>
+      </p:sp>
+      <p:sp>
+        <p:nvSpPr>
+          <p:cNvPr id="3" name="내용 개체 틀 2"/>
+          <p:cNvSpPr>
+            <a:spLocks noGrp="1"/>
+          </p:cNvSpPr>
+          <p:nvPr>
+            <p:ph idx="1"/>
+          </p:nvPr>
+        </p:nvSpPr>
+        <p:spPr/>
+        <p:txBody>
+          <a:bodyPr>
+            <a:normAutofit fontScale="92500" lnSpcReduction="10000"/>
+          </a:bodyPr>
+          <a:lstStyle/>
+          <a:p>
+            <a:r>
+              <a:rPr lang="en-US" altLang="ko-KR" b="1" dirty="0" smtClean="0"/>
+              <a:t>1. </a:t>
+            </a:r>
+            <a:r>
+              <a:rPr lang="ko-KR" altLang="en-US" b="1" dirty="0" smtClean="0"/>
+              <a:t>은신</a:t>
+            </a:r>
+            <a:endParaRPr lang="en-US" altLang="ko-KR" b="1" dirty="0" smtClean="0"/>
+          </a:p>
+          <a:p>
+            <a:r>
+              <a:rPr lang="ko-KR" altLang="en-US" b="1" dirty="0" err="1" smtClean="0"/>
+              <a:t>컨셉</a:t>
+            </a:r>
+            <a:r>
+              <a:rPr lang="ko-KR" altLang="en-US" b="1" dirty="0" smtClean="0"/>
+              <a:t>          </a:t>
+            </a:r>
+            <a:r>
+              <a:rPr lang="ko-KR" altLang="en-US" b="1" dirty="0" err="1" smtClean="0"/>
+              <a:t>루팡같이생김</a:t>
+            </a:r>
+            <a:endParaRPr lang="en-US" altLang="ko-KR" b="1" dirty="0" smtClean="0"/>
+          </a:p>
+          <a:p>
+            <a:endParaRPr lang="en-US" altLang="ko-KR" b="1" dirty="0"/>
+          </a:p>
+          <a:p>
+            <a:endParaRPr lang="en-US" altLang="ko-KR" b="1" dirty="0" smtClean="0"/>
+          </a:p>
+          <a:p>
+            <a:endParaRPr lang="en-US" altLang="ko-KR" b="1" dirty="0"/>
+          </a:p>
+          <a:p>
+            <a:endParaRPr lang="en-US" altLang="ko-KR" b="1" dirty="0" smtClean="0"/>
+          </a:p>
+          <a:p>
+            <a:r>
+              <a:rPr lang="ko-KR" altLang="en-US" b="1" dirty="0" smtClean="0"/>
+              <a:t>필요한 애니메이션 </a:t>
+            </a:r>
+            <a:r>
+              <a:rPr lang="en-US" altLang="ko-KR" b="1" dirty="0" smtClean="0"/>
+              <a:t>: </a:t>
+            </a:r>
+          </a:p>
+          <a:p>
+            <a:pPr marL="0" indent="0">
+              <a:buNone/>
+            </a:pPr>
+            <a:r>
+              <a:rPr lang="en-US" altLang="ko-KR" b="1" dirty="0" err="1" smtClean="0"/>
+              <a:t>idle,walk</a:t>
+            </a:r>
+            <a:r>
+              <a:rPr lang="en-US" altLang="ko-KR" b="1" dirty="0" smtClean="0"/>
+              <a:t>,</a:t>
+            </a:r>
+            <a:r>
+              <a:rPr lang="ko-KR" altLang="en-US" b="1" dirty="0" err="1" smtClean="0"/>
+              <a:t>투명해질때</a:t>
+            </a:r>
+            <a:r>
+              <a:rPr lang="en-US" altLang="ko-KR" b="1" dirty="0" smtClean="0"/>
+              <a:t>,</a:t>
+            </a:r>
+            <a:r>
+              <a:rPr lang="ko-KR" altLang="en-US" b="1" dirty="0" smtClean="0"/>
+              <a:t>근접공격</a:t>
+            </a:r>
+            <a:r>
+              <a:rPr lang="en-US" altLang="ko-KR" b="1" dirty="0" smtClean="0"/>
+              <a:t>(</a:t>
+            </a:r>
+            <a:r>
+              <a:rPr lang="ko-KR" altLang="en-US" b="1" dirty="0" smtClean="0"/>
+              <a:t>무기는 지팡이</a:t>
+            </a:r>
+            <a:r>
+              <a:rPr lang="en-US" altLang="ko-KR" b="1" dirty="0" smtClean="0"/>
+              <a:t>? </a:t>
+            </a:r>
+            <a:r>
+              <a:rPr lang="ko-KR" altLang="en-US" b="1" dirty="0" smtClean="0"/>
+              <a:t>나 권총</a:t>
+            </a:r>
+            <a:r>
+              <a:rPr lang="en-US" altLang="ko-KR" b="1" dirty="0" smtClean="0"/>
+              <a:t>)</a:t>
+            </a:r>
+            <a:endParaRPr lang="ko-KR" altLang="en-US" b="1" dirty="0"/>
+          </a:p>
+        </p:txBody>
+      </p:sp>
+      <p:pic>
+        <p:nvPicPr>
+          <p:cNvPr id="1026" name="Picture 2"/>
+          <p:cNvPicPr>
+            <a:picLocks noChangeAspect="1" noChangeArrowheads="1"/>
+          </p:cNvPicPr>
+          <p:nvPr/>
+        </p:nvPicPr>
+        <p:blipFill>
+          <a:blip r:embed="rId2">
+            <a:extLst>
+              <a:ext uri="{28A0092B-C50C-407E-A947-70E740481C1C}">
+                <a14:useLocalDpi xmlns:a14="http://schemas.microsoft.com/office/drawing/2010/main" val="0"/>
+              </a:ext>
+            </a:extLst>
+          </a:blip>
+          <a:srcRect/>
+          <a:stretch>
+            <a:fillRect/>
+          </a:stretch>
+        </p:blipFill>
+        <p:spPr bwMode="auto">
+          <a:xfrm>
+            <a:off x="1979712" y="2348880"/>
+            <a:ext cx="1080120" cy="2106569"/>
+          </a:xfrm>
+          <a:prstGeom prst="rect">
+            <a:avLst/>
+          </a:prstGeom>
+          <a:noFill/>
+          <a:ln>
+            <a:noFill/>
+          </a:ln>
+          <a:extLst>
+            <a:ext uri="{909E8E84-426E-40DD-AFC4-6F175D3DCCD1}">
+              <a14:hiddenFill xmlns:a14="http://schemas.microsoft.com/office/drawing/2010/main">
+                <a:solidFill>
+                  <a:schemeClr val="accent1"/>
+                </a:solidFill>
+              </a14:hiddenFill>
+            </a:ext>
+            <a:ext uri="{91240B29-F687-4F45-9708-019B960494DF}">
+              <a14:hiddenLine xmlns:a14="http://schemas.microsoft.com/office/drawing/2010/main" w="9525">
+                <a:solidFill>
+                  <a:schemeClr val="tx1"/>
+                </a:solidFill>
+                <a:miter lim="800000"/>
+                <a:headEnd/>
+                <a:tailEnd/>
+              </a14:hiddenLine>
+            </a:ext>
+          </a:extLst>
+        </p:spPr>
+      </p:pic>
+      <p:pic>
+        <p:nvPicPr>
+          <p:cNvPr id="3073" name="Picture 1"/>
+          <p:cNvPicPr>
+            <a:picLocks noChangeAspect="1" noChangeArrowheads="1"/>
+          </p:cNvPicPr>
+          <p:nvPr/>
+        </p:nvPicPr>
+        <p:blipFill>
+          <a:blip r:embed="rId3">
+            <a:extLst>
+              <a:ext uri="{28A0092B-C50C-407E-A947-70E740481C1C}">
+                <a14:useLocalDpi xmlns:a14="http://schemas.microsoft.com/office/drawing/2010/main" val="0"/>
+              </a:ext>
+            </a:extLst>
+          </a:blip>
+          <a:srcRect/>
+          <a:stretch>
+            <a:fillRect/>
+          </a:stretch>
+        </p:blipFill>
+        <p:spPr bwMode="auto">
+          <a:xfrm>
+            <a:off x="3347864" y="2826674"/>
+            <a:ext cx="1762125" cy="1628775"/>
+          </a:xfrm>
+          <a:prstGeom prst="rect">
+            <a:avLst/>
+          </a:prstGeom>
+          <a:noFill/>
+          <a:ln>
+            <a:noFill/>
+          </a:ln>
+          <a:extLst>
+            <a:ext uri="{909E8E84-426E-40DD-AFC4-6F175D3DCCD1}">
+              <a14:hiddenFill xmlns:a14="http://schemas.microsoft.com/office/drawing/2010/main">
+                <a:solidFill>
+                  <a:schemeClr val="accent1"/>
+                </a:solidFill>
+              </a14:hiddenFill>
+            </a:ext>
+            <a:ext uri="{91240B29-F687-4F45-9708-019B960494DF}">
+              <a14:hiddenLine xmlns:a14="http://schemas.microsoft.com/office/drawing/2010/main" w="9525">
+                <a:solidFill>
+                  <a:schemeClr val="tx1"/>
+                </a:solidFill>
+                <a:miter lim="800000"/>
+                <a:headEnd/>
+                <a:tailEnd/>
+              </a14:hiddenLine>
+            </a:ext>
+          </a:extLst>
+        </p:spPr>
+      </p:pic>
+      <p:pic>
+        <p:nvPicPr>
+          <p:cNvPr id="3074" name="Picture 2"/>
+          <p:cNvPicPr>
+            <a:picLocks noChangeAspect="1" noChangeArrowheads="1"/>
+          </p:cNvPicPr>
+          <p:nvPr/>
+        </p:nvPicPr>
+        <p:blipFill>
+          <a:blip r:embed="rId4">
+            <a:extLst>
+              <a:ext uri="{28A0092B-C50C-407E-A947-70E740481C1C}">
+                <a14:useLocalDpi xmlns:a14="http://schemas.microsoft.com/office/drawing/2010/main" val="0"/>
+              </a:ext>
+            </a:extLst>
+          </a:blip>
+          <a:srcRect/>
+          <a:stretch>
+            <a:fillRect/>
+          </a:stretch>
+        </p:blipFill>
+        <p:spPr bwMode="auto">
+          <a:xfrm>
+            <a:off x="5580112" y="3110911"/>
+            <a:ext cx="838200" cy="1333500"/>
+          </a:xfrm>
+          <a:prstGeom prst="rect">
+            <a:avLst/>
+          </a:prstGeom>
+          <a:noFill/>
+          <a:ln>
+            <a:noFill/>
+          </a:ln>
+          <a:extLst>
+            <a:ext uri="{909E8E84-426E-40DD-AFC4-6F175D3DCCD1}">
+              <a14:hiddenFill xmlns:a14="http://schemas.microsoft.com/office/drawing/2010/main">
+                <a:solidFill>
+                  <a:schemeClr val="accent1"/>
+                </a:solidFill>
+              </a14:hiddenFill>
+            </a:ext>
+            <a:ext uri="{91240B29-F687-4F45-9708-019B960494DF}">
+              <a14:hiddenLine xmlns:a14="http://schemas.microsoft.com/office/drawing/2010/main" w="9525">
+                <a:solidFill>
+                  <a:schemeClr val="tx1"/>
+                </a:solidFill>
+                <a:miter lim="800000"/>
+                <a:headEnd/>
+                <a:tailEnd/>
+              </a14:hiddenLine>
+            </a:ext>
+          </a:extLst>
+        </p:spPr>
+      </p:pic>
+    </p:spTree>
+    <p:extLst>
+      <p:ext uri="{BB962C8B-B14F-4D97-AF65-F5344CB8AC3E}">
+        <p14:creationId xmlns:p14="http://schemas.microsoft.com/office/powerpoint/2010/main" val="1839143379"/>
+      </p:ext>
+    </p:extLst>
+  </p:cSld>
+  <p:clrMapOvr>
+    <a:masterClrMapping/>
+  </p:clrMapOvr>
+</p:sld>
+</file>
+
+<file path=ppt/slides/slide15.xml><?xml version="1.0" encoding="utf-8"?>
+<p:sld xmlns:a="http://schemas.openxmlformats.org/drawingml/2006/main" xmlns:r="http://schemas.openxmlformats.org/officeDocument/2006/relationships" xmlns:p="http://schemas.openxmlformats.org/presentationml/2006/main">
+  <p:cSld>
+    <p:spTree>
+      <p:nvGrpSpPr>
+        <p:cNvPr id="1" name=""/>
+        <p:cNvGrpSpPr/>
+        <p:nvPr/>
+      </p:nvGrpSpPr>
+      <p:grpSpPr>
+        <a:xfrm>
+          <a:off x="0" y="0"/>
+          <a:ext cx="0" cy="0"/>
+          <a:chOff x="0" y="0"/>
+          <a:chExt cx="0" cy="0"/>
+        </a:xfrm>
+      </p:grpSpPr>
+      <p:sp>
+        <p:nvSpPr>
+          <p:cNvPr id="2" name="제목 1"/>
+          <p:cNvSpPr>
+            <a:spLocks noGrp="1"/>
+          </p:cNvSpPr>
+          <p:nvPr>
+            <p:ph type="title"/>
+          </p:nvPr>
+        </p:nvSpPr>
+        <p:spPr/>
+        <p:txBody>
+          <a:bodyPr/>
+          <a:lstStyle/>
+          <a:p>
+            <a:r>
+              <a:rPr lang="ko-KR" altLang="en-US" dirty="0"/>
+              <a:t>암살자스테이지</a:t>
+            </a:r>
+            <a:endParaRPr lang="ko-KR" altLang="en-US" dirty="0"/>
+          </a:p>
+        </p:txBody>
+      </p:sp>
+      <p:sp>
+        <p:nvSpPr>
+          <p:cNvPr id="3" name="내용 개체 틀 2"/>
+          <p:cNvSpPr>
+            <a:spLocks noGrp="1"/>
+          </p:cNvSpPr>
+          <p:nvPr>
+            <p:ph idx="1"/>
+          </p:nvPr>
+        </p:nvSpPr>
+        <p:spPr/>
+        <p:txBody>
+          <a:bodyPr>
+            <a:normAutofit lnSpcReduction="10000"/>
+          </a:bodyPr>
+          <a:lstStyle/>
+          <a:p>
+            <a:r>
+              <a:rPr lang="en-US" altLang="ko-KR" b="1" dirty="0"/>
+              <a:t>2</a:t>
+            </a:r>
+            <a:r>
+              <a:rPr lang="en-US" altLang="ko-KR" b="1" dirty="0" smtClean="0"/>
+              <a:t>. </a:t>
+            </a:r>
+            <a:r>
+              <a:rPr lang="ko-KR" altLang="en-US" b="1" dirty="0" err="1" smtClean="0"/>
+              <a:t>두건쓴</a:t>
+            </a:r>
+            <a:r>
+              <a:rPr lang="ko-KR" altLang="en-US" b="1" dirty="0" smtClean="0"/>
+              <a:t> </a:t>
+            </a:r>
+            <a:r>
+              <a:rPr lang="ko-KR" altLang="en-US" b="1" dirty="0" err="1" smtClean="0"/>
+              <a:t>빠른애</a:t>
+            </a:r>
+            <a:r>
+              <a:rPr lang="en-US" altLang="ko-KR" b="1" dirty="0" smtClean="0"/>
+              <a:t>(</a:t>
+            </a:r>
+            <a:r>
+              <a:rPr lang="ko-KR" altLang="en-US" b="1" dirty="0" smtClean="0"/>
+              <a:t>근접</a:t>
+            </a:r>
+            <a:r>
+              <a:rPr lang="en-US" altLang="ko-KR" b="1" dirty="0" smtClean="0"/>
+              <a:t>)</a:t>
+            </a:r>
+          </a:p>
+          <a:p>
+            <a:r>
+              <a:rPr lang="ko-KR" altLang="en-US" b="1" dirty="0" err="1" smtClean="0"/>
+              <a:t>컨셉</a:t>
+            </a:r>
+            <a:r>
+              <a:rPr lang="ko-KR" altLang="en-US" b="1" dirty="0" smtClean="0"/>
+              <a:t>                              </a:t>
+            </a:r>
+            <a:endParaRPr lang="en-US" altLang="ko-KR" b="1" dirty="0" smtClean="0"/>
+          </a:p>
+          <a:p>
+            <a:endParaRPr lang="en-US" altLang="ko-KR" b="1" dirty="0"/>
+          </a:p>
+          <a:p>
+            <a:endParaRPr lang="en-US" altLang="ko-KR" b="1" dirty="0" smtClean="0"/>
+          </a:p>
+          <a:p>
+            <a:endParaRPr lang="en-US" altLang="ko-KR" b="1" dirty="0"/>
+          </a:p>
+          <a:p>
+            <a:r>
+              <a:rPr lang="ko-KR" altLang="en-US" b="1" dirty="0" smtClean="0"/>
+              <a:t>필요한 애니메이션 </a:t>
+            </a:r>
+            <a:r>
+              <a:rPr lang="en-US" altLang="ko-KR" b="1" dirty="0" smtClean="0"/>
+              <a:t>: </a:t>
+            </a:r>
+            <a:r>
+              <a:rPr lang="en-US" altLang="ko-KR" b="1" dirty="0"/>
+              <a:t>: </a:t>
+            </a:r>
+            <a:r>
+              <a:rPr lang="en-US" altLang="ko-KR" b="1" dirty="0" err="1" smtClean="0"/>
+              <a:t>idle,walk</a:t>
+            </a:r>
+            <a:endParaRPr lang="en-US" altLang="ko-KR" b="1" dirty="0" smtClean="0"/>
+          </a:p>
+          <a:p>
+            <a:r>
+              <a:rPr lang="ko-KR" altLang="en-US" b="1" dirty="0" smtClean="0"/>
+              <a:t>근접공격 </a:t>
+            </a:r>
+            <a:r>
+              <a:rPr lang="en-US" altLang="ko-KR" b="1" dirty="0" smtClean="0"/>
+              <a:t>(</a:t>
+            </a:r>
+            <a:r>
+              <a:rPr lang="ko-KR" altLang="en-US" b="1" dirty="0" smtClean="0"/>
+              <a:t>달리면서 공격</a:t>
+            </a:r>
+            <a:endParaRPr lang="en-US" altLang="ko-KR" b="1" dirty="0" smtClean="0"/>
+          </a:p>
+          <a:p>
+            <a:r>
+              <a:rPr lang="en-US" altLang="ko-KR" b="1" dirty="0" smtClean="0"/>
+              <a:t>(</a:t>
+            </a:r>
+            <a:r>
+              <a:rPr lang="ko-KR" altLang="en-US" b="1" dirty="0" smtClean="0"/>
+              <a:t>겐지 </a:t>
+            </a:r>
+            <a:r>
+              <a:rPr lang="ko-KR" altLang="en-US" b="1" dirty="0" err="1" smtClean="0"/>
+              <a:t>질풍참같은느낌</a:t>
+            </a:r>
+            <a:r>
+              <a:rPr lang="en-US" altLang="ko-KR" b="1" dirty="0" smtClean="0"/>
+              <a:t>))</a:t>
+            </a:r>
+            <a:endParaRPr lang="en-US" altLang="ko-KR" b="1" dirty="0"/>
+          </a:p>
+        </p:txBody>
+      </p:sp>
+      <p:pic>
+        <p:nvPicPr>
+          <p:cNvPr id="2052" name="Picture 4"/>
+          <p:cNvPicPr>
+            <a:picLocks noChangeAspect="1" noChangeArrowheads="1"/>
+          </p:cNvPicPr>
+          <p:nvPr/>
+        </p:nvPicPr>
+        <p:blipFill>
+          <a:blip r:embed="rId2">
+            <a:extLst>
+              <a:ext uri="{28A0092B-C50C-407E-A947-70E740481C1C}">
+                <a14:useLocalDpi xmlns:a14="http://schemas.microsoft.com/office/drawing/2010/main" val="0"/>
+              </a:ext>
+            </a:extLst>
+          </a:blip>
+          <a:srcRect/>
+          <a:stretch>
+            <a:fillRect/>
+          </a:stretch>
+        </p:blipFill>
+        <p:spPr bwMode="auto">
+          <a:xfrm>
+            <a:off x="2051720" y="2204864"/>
+            <a:ext cx="2438400" cy="1828800"/>
+          </a:xfrm>
+          <a:prstGeom prst="rect">
+            <a:avLst/>
+          </a:prstGeom>
+          <a:noFill/>
+          <a:ln>
+            <a:noFill/>
+          </a:ln>
+          <a:extLst>
+            <a:ext uri="{909E8E84-426E-40DD-AFC4-6F175D3DCCD1}">
+              <a14:hiddenFill xmlns:a14="http://schemas.microsoft.com/office/drawing/2010/main">
+                <a:solidFill>
+                  <a:schemeClr val="accent1"/>
+                </a:solidFill>
+              </a14:hiddenFill>
+            </a:ext>
+            <a:ext uri="{91240B29-F687-4F45-9708-019B960494DF}">
+              <a14:hiddenLine xmlns:a14="http://schemas.microsoft.com/office/drawing/2010/main" w="9525">
+                <a:solidFill>
+                  <a:schemeClr val="tx1"/>
+                </a:solidFill>
+                <a:miter lim="800000"/>
+                <a:headEnd/>
+                <a:tailEnd/>
+              </a14:hiddenLine>
+            </a:ext>
+          </a:extLst>
+        </p:spPr>
+      </p:pic>
+    </p:spTree>
+    <p:extLst>
+      <p:ext uri="{BB962C8B-B14F-4D97-AF65-F5344CB8AC3E}">
+        <p14:creationId xmlns:p14="http://schemas.microsoft.com/office/powerpoint/2010/main" val="3861753724"/>
+      </p:ext>
+    </p:extLst>
+  </p:cSld>
+  <p:clrMapOvr>
+    <a:masterClrMapping/>
+  </p:clrMapOvr>
+</p:sld>
+</file>
+
+<file path=ppt/slides/slide16.xml><?xml version="1.0" encoding="utf-8"?>
+<p:sld xmlns:a="http://schemas.openxmlformats.org/drawingml/2006/main" xmlns:r="http://schemas.openxmlformats.org/officeDocument/2006/relationships" xmlns:p="http://schemas.openxmlformats.org/presentationml/2006/main">
+  <p:cSld>
+    <p:spTree>
+      <p:nvGrpSpPr>
+        <p:cNvPr id="1" name=""/>
+        <p:cNvGrpSpPr/>
+        <p:nvPr/>
+      </p:nvGrpSpPr>
+      <p:grpSpPr>
+        <a:xfrm>
+          <a:off x="0" y="0"/>
+          <a:ext cx="0" cy="0"/>
+          <a:chOff x="0" y="0"/>
+          <a:chExt cx="0" cy="0"/>
+        </a:xfrm>
+      </p:grpSpPr>
+      <p:sp>
+        <p:nvSpPr>
+          <p:cNvPr id="2" name="제목 1"/>
+          <p:cNvSpPr>
+            <a:spLocks noGrp="1"/>
+          </p:cNvSpPr>
+          <p:nvPr>
+            <p:ph type="title"/>
+          </p:nvPr>
+        </p:nvSpPr>
+        <p:spPr/>
+        <p:txBody>
+          <a:bodyPr/>
+          <a:lstStyle/>
+          <a:p>
+            <a:r>
+              <a:rPr lang="ko-KR" altLang="en-US" dirty="0"/>
+              <a:t>암살자스테이지</a:t>
             </a:r>
             <a:endParaRPr lang="ko-KR" altLang="en-US" dirty="0"/>
           </a:p>
@@ -7990,17 +8503,670 @@
           <a:lstStyle/>
           <a:p>
             <a:r>
+              <a:rPr lang="en-US" altLang="ko-KR" b="1" dirty="0"/>
+              <a:t>3</a:t>
+            </a:r>
+            <a:r>
+              <a:rPr lang="en-US" altLang="ko-KR" b="1" dirty="0" smtClean="0"/>
+              <a:t>. </a:t>
+            </a:r>
+            <a:r>
               <a:rPr lang="ko-KR" altLang="en-US" b="1" dirty="0" err="1" smtClean="0"/>
-              <a:t>저격총</a:t>
-            </a:r>
-            <a:endParaRPr lang="ko-KR" altLang="en-US" b="1" dirty="0"/>
+              <a:t>두건쓴</a:t>
+            </a:r>
+            <a:r>
+              <a:rPr lang="ko-KR" altLang="en-US" b="1" dirty="0" smtClean="0"/>
+              <a:t> 원거리</a:t>
+            </a:r>
+            <a:endParaRPr lang="en-US" altLang="ko-KR" b="1" dirty="0" smtClean="0"/>
+          </a:p>
+          <a:p>
+            <a:r>
+              <a:rPr lang="ko-KR" altLang="en-US" b="1" dirty="0" err="1" smtClean="0"/>
+              <a:t>컨셉</a:t>
+            </a:r>
+            <a:r>
+              <a:rPr lang="ko-KR" altLang="en-US" b="1" dirty="0" smtClean="0"/>
+              <a:t>                              </a:t>
+            </a:r>
+            <a:endParaRPr lang="en-US" altLang="ko-KR" b="1" dirty="0" smtClean="0"/>
+          </a:p>
+          <a:p>
+            <a:endParaRPr lang="en-US" altLang="ko-KR" b="1" dirty="0"/>
+          </a:p>
+          <a:p>
+            <a:endParaRPr lang="en-US" altLang="ko-KR" b="1" dirty="0" smtClean="0"/>
+          </a:p>
+          <a:p>
+            <a:endParaRPr lang="en-US" altLang="ko-KR" b="1" dirty="0"/>
+          </a:p>
+          <a:p>
+            <a:r>
+              <a:rPr lang="ko-KR" altLang="en-US" b="1" dirty="0" smtClean="0"/>
+              <a:t>필요한 애니메이션 </a:t>
+            </a:r>
+            <a:r>
+              <a:rPr lang="en-US" altLang="ko-KR" b="1" dirty="0" smtClean="0"/>
+              <a:t>: </a:t>
+            </a:r>
+            <a:r>
+              <a:rPr lang="en-US" altLang="ko-KR" b="1" dirty="0"/>
+              <a:t>: </a:t>
+            </a:r>
+            <a:r>
+              <a:rPr lang="en-US" altLang="ko-KR" b="1" dirty="0" err="1" smtClean="0"/>
+              <a:t>idle,walk</a:t>
+            </a:r>
+            <a:endParaRPr lang="en-US" altLang="ko-KR" b="1" dirty="0" smtClean="0"/>
+          </a:p>
+          <a:p>
+            <a:r>
+              <a:rPr lang="en-US" altLang="ko-KR" b="1" dirty="0" smtClean="0"/>
+              <a:t>+</a:t>
+            </a:r>
+            <a:r>
+              <a:rPr lang="ko-KR" altLang="en-US" b="1" dirty="0" smtClean="0"/>
+              <a:t>총</a:t>
+            </a:r>
+            <a:r>
+              <a:rPr lang="en-US" altLang="ko-KR" b="1" dirty="0" smtClean="0"/>
+              <a:t>(</a:t>
+            </a:r>
+            <a:r>
+              <a:rPr lang="ko-KR" altLang="en-US" b="1" dirty="0" smtClean="0"/>
+              <a:t>권총</a:t>
+            </a:r>
+            <a:r>
+              <a:rPr lang="en-US" altLang="ko-KR" b="1" dirty="0" smtClean="0"/>
+              <a:t>)</a:t>
+            </a:r>
+          </a:p>
+        </p:txBody>
+      </p:sp>
+      <p:pic>
+        <p:nvPicPr>
+          <p:cNvPr id="5124" name="Picture 4"/>
+          <p:cNvPicPr>
+            <a:picLocks noChangeAspect="1" noChangeArrowheads="1"/>
+          </p:cNvPicPr>
+          <p:nvPr/>
+        </p:nvPicPr>
+        <p:blipFill>
+          <a:blip r:embed="rId2">
+            <a:extLst>
+              <a:ext uri="{28A0092B-C50C-407E-A947-70E740481C1C}">
+                <a14:useLocalDpi xmlns:a14="http://schemas.microsoft.com/office/drawing/2010/main" val="0"/>
+              </a:ext>
+            </a:extLst>
+          </a:blip>
+          <a:srcRect/>
+          <a:stretch>
+            <a:fillRect/>
+          </a:stretch>
+        </p:blipFill>
+        <p:spPr bwMode="auto">
+          <a:xfrm>
+            <a:off x="2339752" y="2348880"/>
+            <a:ext cx="2121024" cy="2121024"/>
+          </a:xfrm>
+          <a:prstGeom prst="rect">
+            <a:avLst/>
+          </a:prstGeom>
+          <a:noFill/>
+          <a:ln>
+            <a:noFill/>
+          </a:ln>
+          <a:extLst>
+            <a:ext uri="{909E8E84-426E-40DD-AFC4-6F175D3DCCD1}">
+              <a14:hiddenFill xmlns:a14="http://schemas.microsoft.com/office/drawing/2010/main">
+                <a:solidFill>
+                  <a:schemeClr val="accent1"/>
+                </a:solidFill>
+              </a14:hiddenFill>
+            </a:ext>
+            <a:ext uri="{91240B29-F687-4F45-9708-019B960494DF}">
+              <a14:hiddenLine xmlns:a14="http://schemas.microsoft.com/office/drawing/2010/main" w="9525">
+                <a:solidFill>
+                  <a:schemeClr val="tx1"/>
+                </a:solidFill>
+                <a:miter lim="800000"/>
+                <a:headEnd/>
+                <a:tailEnd/>
+              </a14:hiddenLine>
+            </a:ext>
+          </a:extLst>
+        </p:spPr>
+      </p:pic>
+    </p:spTree>
+    <p:extLst>
+      <p:ext uri="{BB962C8B-B14F-4D97-AF65-F5344CB8AC3E}">
+        <p14:creationId xmlns:p14="http://schemas.microsoft.com/office/powerpoint/2010/main" val="1235012164"/>
+      </p:ext>
+    </p:extLst>
+  </p:cSld>
+  <p:clrMapOvr>
+    <a:masterClrMapping/>
+  </p:clrMapOvr>
+</p:sld>
+</file>
+
+<file path=ppt/slides/slide17.xml><?xml version="1.0" encoding="utf-8"?>
+<p:sld xmlns:a="http://schemas.openxmlformats.org/drawingml/2006/main" xmlns:r="http://schemas.openxmlformats.org/officeDocument/2006/relationships" xmlns:p="http://schemas.openxmlformats.org/presentationml/2006/main">
+  <p:cSld>
+    <p:spTree>
+      <p:nvGrpSpPr>
+        <p:cNvPr id="1" name=""/>
+        <p:cNvGrpSpPr/>
+        <p:nvPr/>
+      </p:nvGrpSpPr>
+      <p:grpSpPr>
+        <a:xfrm>
+          <a:off x="0" y="0"/>
+          <a:ext cx="0" cy="0"/>
+          <a:chOff x="0" y="0"/>
+          <a:chExt cx="0" cy="0"/>
+        </a:xfrm>
+      </p:grpSpPr>
+      <p:sp>
+        <p:nvSpPr>
+          <p:cNvPr id="2" name="제목 1"/>
+          <p:cNvSpPr>
+            <a:spLocks noGrp="1"/>
+          </p:cNvSpPr>
+          <p:nvPr>
+            <p:ph type="title"/>
+          </p:nvPr>
+        </p:nvSpPr>
+        <p:spPr/>
+        <p:txBody>
+          <a:bodyPr/>
+          <a:lstStyle/>
+          <a:p>
+            <a:r>
+              <a:rPr lang="ko-KR" altLang="en-US" dirty="0" smtClean="0"/>
+              <a:t>암살자</a:t>
+            </a:r>
+            <a:endParaRPr lang="ko-KR" altLang="en-US" dirty="0"/>
+          </a:p>
+        </p:txBody>
+      </p:sp>
+      <p:sp>
+        <p:nvSpPr>
+          <p:cNvPr id="3" name="내용 개체 틀 2"/>
+          <p:cNvSpPr>
+            <a:spLocks noGrp="1"/>
+          </p:cNvSpPr>
+          <p:nvPr>
+            <p:ph idx="1"/>
+          </p:nvPr>
+        </p:nvSpPr>
+        <p:spPr/>
+        <p:txBody>
+          <a:bodyPr>
+            <a:normAutofit/>
+          </a:bodyPr>
+          <a:lstStyle/>
+          <a:p>
+            <a:r>
+              <a:rPr lang="en-US" altLang="ko-KR" b="1" dirty="0" smtClean="0"/>
+              <a:t>4. </a:t>
+            </a:r>
+            <a:r>
+              <a:rPr lang="ko-KR" altLang="en-US" b="1" dirty="0" err="1" smtClean="0"/>
+              <a:t>탱커형</a:t>
+            </a:r>
+            <a:r>
+              <a:rPr lang="ko-KR" altLang="en-US" b="1" dirty="0" smtClean="0"/>
+              <a:t>                              </a:t>
+            </a:r>
+            <a:endParaRPr lang="en-US" altLang="ko-KR" b="1" dirty="0" smtClean="0"/>
+          </a:p>
+          <a:p>
+            <a:endParaRPr lang="en-US" altLang="ko-KR" b="1" dirty="0"/>
+          </a:p>
+          <a:p>
+            <a:r>
+              <a:rPr lang="en-US" altLang="ko-KR" b="1" dirty="0" smtClean="0"/>
+              <a:t>??</a:t>
+            </a:r>
+          </a:p>
+          <a:p>
+            <a:endParaRPr lang="en-US" altLang="ko-KR" b="1" dirty="0"/>
           </a:p>
         </p:txBody>
       </p:sp>
     </p:spTree>
     <p:extLst>
       <p:ext uri="{BB962C8B-B14F-4D97-AF65-F5344CB8AC3E}">
-        <p14:creationId xmlns:p14="http://schemas.microsoft.com/office/powerpoint/2010/main" val="2860067830"/>
+        <p14:creationId xmlns:p14="http://schemas.microsoft.com/office/powerpoint/2010/main" val="439147761"/>
+      </p:ext>
+    </p:extLst>
+  </p:cSld>
+  <p:clrMapOvr>
+    <a:masterClrMapping/>
+  </p:clrMapOvr>
+</p:sld>
+</file>
+
+<file path=ppt/slides/slide18.xml><?xml version="1.0" encoding="utf-8"?>
+<p:sld xmlns:a="http://schemas.openxmlformats.org/drawingml/2006/main" xmlns:r="http://schemas.openxmlformats.org/officeDocument/2006/relationships" xmlns:p="http://schemas.openxmlformats.org/presentationml/2006/main">
+  <p:cSld>
+    <p:spTree>
+      <p:nvGrpSpPr>
+        <p:cNvPr id="1" name=""/>
+        <p:cNvGrpSpPr/>
+        <p:nvPr/>
+      </p:nvGrpSpPr>
+      <p:grpSpPr>
+        <a:xfrm>
+          <a:off x="0" y="0"/>
+          <a:ext cx="0" cy="0"/>
+          <a:chOff x="0" y="0"/>
+          <a:chExt cx="0" cy="0"/>
+        </a:xfrm>
+      </p:grpSpPr>
+      <p:sp>
+        <p:nvSpPr>
+          <p:cNvPr id="2" name="제목 1"/>
+          <p:cNvSpPr>
+            <a:spLocks noGrp="1"/>
+          </p:cNvSpPr>
+          <p:nvPr>
+            <p:ph type="title"/>
+          </p:nvPr>
+        </p:nvSpPr>
+        <p:spPr/>
+        <p:txBody>
+          <a:bodyPr/>
+          <a:lstStyle/>
+          <a:p>
+            <a:r>
+              <a:rPr lang="ko-KR" altLang="en-US" dirty="0" smtClean="0"/>
+              <a:t>과학자 스테이지</a:t>
+            </a:r>
+            <a:endParaRPr lang="ko-KR" altLang="en-US" dirty="0"/>
+          </a:p>
+        </p:txBody>
+      </p:sp>
+      <p:sp>
+        <p:nvSpPr>
+          <p:cNvPr id="3" name="내용 개체 틀 2"/>
+          <p:cNvSpPr>
+            <a:spLocks noGrp="1"/>
+          </p:cNvSpPr>
+          <p:nvPr>
+            <p:ph idx="1"/>
+          </p:nvPr>
+        </p:nvSpPr>
+        <p:spPr/>
+        <p:txBody>
+          <a:bodyPr>
+            <a:normAutofit lnSpcReduction="10000"/>
+          </a:bodyPr>
+          <a:lstStyle/>
+          <a:p>
+            <a:r>
+              <a:rPr lang="en-US" altLang="ko-KR" b="1" dirty="0" smtClean="0"/>
+              <a:t>1. </a:t>
+            </a:r>
+            <a:r>
+              <a:rPr lang="ko-KR" altLang="en-US" b="1" dirty="0" smtClean="0"/>
+              <a:t>화학무기 </a:t>
+            </a:r>
+            <a:r>
+              <a:rPr lang="ko-KR" altLang="en-US" b="1" dirty="0" err="1" smtClean="0"/>
+              <a:t>쓰는애</a:t>
+            </a:r>
+            <a:endParaRPr lang="en-US" altLang="ko-KR" b="1" dirty="0" smtClean="0"/>
+          </a:p>
+          <a:p>
+            <a:r>
+              <a:rPr lang="ko-KR" altLang="en-US" b="1" dirty="0" err="1" smtClean="0"/>
+              <a:t>컨셉</a:t>
+            </a:r>
+            <a:endParaRPr lang="en-US" altLang="ko-KR" b="1" dirty="0"/>
+          </a:p>
+          <a:p>
+            <a:endParaRPr lang="en-US" altLang="ko-KR" b="1" dirty="0" smtClean="0"/>
+          </a:p>
+          <a:p>
+            <a:endParaRPr lang="en-US" altLang="ko-KR" b="1" dirty="0" smtClean="0"/>
+          </a:p>
+          <a:p>
+            <a:endParaRPr lang="en-US" altLang="ko-KR" b="1" dirty="0" smtClean="0"/>
+          </a:p>
+          <a:p>
+            <a:r>
+              <a:rPr lang="ko-KR" altLang="en-US" b="1" dirty="0" smtClean="0"/>
+              <a:t>필요한 애니메이션 </a:t>
+            </a:r>
+            <a:r>
+              <a:rPr lang="en-US" altLang="ko-KR" b="1" dirty="0" smtClean="0"/>
+              <a:t>: </a:t>
+            </a:r>
+          </a:p>
+          <a:p>
+            <a:pPr marL="0" indent="0">
+              <a:buNone/>
+            </a:pPr>
+            <a:r>
+              <a:rPr lang="en-US" altLang="ko-KR" b="1" dirty="0" err="1" smtClean="0"/>
+              <a:t>idle,walk</a:t>
+            </a:r>
+            <a:r>
+              <a:rPr lang="en-US" altLang="ko-KR" b="1" dirty="0" smtClean="0"/>
+              <a:t>,</a:t>
+            </a:r>
+            <a:r>
+              <a:rPr lang="ko-KR" altLang="en-US" b="1" dirty="0" err="1" smtClean="0"/>
+              <a:t>투명해질때</a:t>
+            </a:r>
+            <a:r>
+              <a:rPr lang="en-US" altLang="ko-KR" b="1" dirty="0" smtClean="0"/>
+              <a:t>,</a:t>
+            </a:r>
+            <a:r>
+              <a:rPr lang="ko-KR" altLang="en-US" b="1" dirty="0" smtClean="0"/>
+              <a:t>근접공격</a:t>
+            </a:r>
+            <a:r>
+              <a:rPr lang="en-US" altLang="ko-KR" b="1" dirty="0" smtClean="0"/>
+              <a:t>(</a:t>
+            </a:r>
+            <a:r>
+              <a:rPr lang="ko-KR" altLang="en-US" b="1" dirty="0" smtClean="0"/>
+              <a:t>무기는 지팡이</a:t>
+            </a:r>
+            <a:r>
+              <a:rPr lang="en-US" altLang="ko-KR" b="1" dirty="0" smtClean="0"/>
+              <a:t>? </a:t>
+            </a:r>
+            <a:r>
+              <a:rPr lang="ko-KR" altLang="en-US" b="1" dirty="0" smtClean="0"/>
+              <a:t>나 권총</a:t>
+            </a:r>
+            <a:r>
+              <a:rPr lang="en-US" altLang="ko-KR" b="1" dirty="0" smtClean="0"/>
+              <a:t>)</a:t>
+            </a:r>
+            <a:endParaRPr lang="ko-KR" altLang="en-US" b="1" dirty="0"/>
+          </a:p>
+        </p:txBody>
+      </p:sp>
+      <p:pic>
+        <p:nvPicPr>
+          <p:cNvPr id="6146" name="Picture 2"/>
+          <p:cNvPicPr>
+            <a:picLocks noChangeAspect="1" noChangeArrowheads="1"/>
+          </p:cNvPicPr>
+          <p:nvPr/>
+        </p:nvPicPr>
+        <p:blipFill>
+          <a:blip r:embed="rId2" cstate="print">
+            <a:extLst>
+              <a:ext uri="{28A0092B-C50C-407E-A947-70E740481C1C}">
+                <a14:useLocalDpi xmlns:a14="http://schemas.microsoft.com/office/drawing/2010/main" val="0"/>
+              </a:ext>
+            </a:extLst>
+          </a:blip>
+          <a:srcRect/>
+          <a:stretch>
+            <a:fillRect/>
+          </a:stretch>
+        </p:blipFill>
+        <p:spPr bwMode="auto">
+          <a:xfrm>
+            <a:off x="2339752" y="2276872"/>
+            <a:ext cx="1536997" cy="1643405"/>
+          </a:xfrm>
+          <a:prstGeom prst="rect">
+            <a:avLst/>
+          </a:prstGeom>
+          <a:noFill/>
+          <a:ln>
+            <a:noFill/>
+          </a:ln>
+          <a:extLst>
+            <a:ext uri="{909E8E84-426E-40DD-AFC4-6F175D3DCCD1}">
+              <a14:hiddenFill xmlns:a14="http://schemas.microsoft.com/office/drawing/2010/main">
+                <a:solidFill>
+                  <a:schemeClr val="accent1"/>
+                </a:solidFill>
+              </a14:hiddenFill>
+            </a:ext>
+            <a:ext uri="{91240B29-F687-4F45-9708-019B960494DF}">
+              <a14:hiddenLine xmlns:a14="http://schemas.microsoft.com/office/drawing/2010/main" w="9525">
+                <a:solidFill>
+                  <a:schemeClr val="tx1"/>
+                </a:solidFill>
+                <a:miter lim="800000"/>
+                <a:headEnd/>
+                <a:tailEnd/>
+              </a14:hiddenLine>
+            </a:ext>
+          </a:extLst>
+        </p:spPr>
+      </p:pic>
+    </p:spTree>
+    <p:extLst>
+      <p:ext uri="{BB962C8B-B14F-4D97-AF65-F5344CB8AC3E}">
+        <p14:creationId xmlns:p14="http://schemas.microsoft.com/office/powerpoint/2010/main" val="2464376121"/>
+      </p:ext>
+    </p:extLst>
+  </p:cSld>
+  <p:clrMapOvr>
+    <a:masterClrMapping/>
+  </p:clrMapOvr>
+</p:sld>
+</file>
+
+<file path=ppt/slides/slide19.xml><?xml version="1.0" encoding="utf-8"?>
+<p:sld xmlns:a="http://schemas.openxmlformats.org/drawingml/2006/main" xmlns:r="http://schemas.openxmlformats.org/officeDocument/2006/relationships" xmlns:p="http://schemas.openxmlformats.org/presentationml/2006/main">
+  <p:cSld>
+    <p:spTree>
+      <p:nvGrpSpPr>
+        <p:cNvPr id="1" name=""/>
+        <p:cNvGrpSpPr/>
+        <p:nvPr/>
+      </p:nvGrpSpPr>
+      <p:grpSpPr>
+        <a:xfrm>
+          <a:off x="0" y="0"/>
+          <a:ext cx="0" cy="0"/>
+          <a:chOff x="0" y="0"/>
+          <a:chExt cx="0" cy="0"/>
+        </a:xfrm>
+      </p:grpSpPr>
+      <p:sp>
+        <p:nvSpPr>
+          <p:cNvPr id="2" name="제목 1"/>
+          <p:cNvSpPr>
+            <a:spLocks noGrp="1"/>
+          </p:cNvSpPr>
+          <p:nvPr>
+            <p:ph type="title"/>
+          </p:nvPr>
+        </p:nvSpPr>
+        <p:spPr/>
+        <p:txBody>
+          <a:bodyPr/>
+          <a:lstStyle/>
+          <a:p>
+            <a:r>
+              <a:rPr lang="ko-KR" altLang="en-US" dirty="0" smtClean="0"/>
+              <a:t>과학자 스테이지</a:t>
+            </a:r>
+            <a:endParaRPr lang="ko-KR" altLang="en-US" dirty="0"/>
+          </a:p>
+        </p:txBody>
+      </p:sp>
+      <p:sp>
+        <p:nvSpPr>
+          <p:cNvPr id="3" name="내용 개체 틀 2"/>
+          <p:cNvSpPr>
+            <a:spLocks noGrp="1"/>
+          </p:cNvSpPr>
+          <p:nvPr>
+            <p:ph idx="1"/>
+          </p:nvPr>
+        </p:nvSpPr>
+        <p:spPr/>
+        <p:txBody>
+          <a:bodyPr>
+            <a:normAutofit lnSpcReduction="10000"/>
+          </a:bodyPr>
+          <a:lstStyle/>
+          <a:p>
+            <a:r>
+              <a:rPr lang="en-US" altLang="ko-KR" b="1" dirty="0"/>
+              <a:t>2</a:t>
+            </a:r>
+            <a:r>
+              <a:rPr lang="en-US" altLang="ko-KR" b="1" dirty="0" smtClean="0"/>
+              <a:t>. </a:t>
+            </a:r>
+            <a:r>
+              <a:rPr lang="ko-KR" altLang="en-US" b="1" dirty="0" smtClean="0"/>
+              <a:t>그냥 </a:t>
+            </a:r>
+            <a:r>
+              <a:rPr lang="ko-KR" altLang="en-US" b="1" dirty="0" err="1" smtClean="0"/>
+              <a:t>총쏘는애</a:t>
+            </a:r>
+            <a:endParaRPr lang="en-US" altLang="ko-KR" b="1" dirty="0" smtClean="0"/>
+          </a:p>
+          <a:p>
+            <a:r>
+              <a:rPr lang="ko-KR" altLang="en-US" b="1" dirty="0" err="1" smtClean="0"/>
+              <a:t>컨셉</a:t>
+            </a:r>
+            <a:endParaRPr lang="ko-KR" altLang="en-US" dirty="0"/>
+          </a:p>
+          <a:p>
+            <a:endParaRPr lang="en-US" altLang="ko-KR" b="1" dirty="0" smtClean="0"/>
+          </a:p>
+          <a:p>
+            <a:endParaRPr lang="en-US" altLang="ko-KR" b="1" dirty="0" smtClean="0"/>
+          </a:p>
+          <a:p>
+            <a:endParaRPr lang="en-US" altLang="ko-KR" b="1" dirty="0" smtClean="0"/>
+          </a:p>
+          <a:p>
+            <a:r>
+              <a:rPr lang="ko-KR" altLang="en-US" b="1" dirty="0" smtClean="0"/>
+              <a:t>필요한 애니메이션 </a:t>
+            </a:r>
+            <a:r>
+              <a:rPr lang="en-US" altLang="ko-KR" b="1" dirty="0" smtClean="0"/>
+              <a:t>: </a:t>
+            </a:r>
+          </a:p>
+          <a:p>
+            <a:pPr marL="0" indent="0">
+              <a:buNone/>
+            </a:pPr>
+            <a:r>
+              <a:rPr lang="en-US" altLang="ko-KR" b="1" dirty="0" err="1" smtClean="0"/>
+              <a:t>idle,walk</a:t>
+            </a:r>
+            <a:r>
+              <a:rPr lang="en-US" altLang="ko-KR" b="1" dirty="0" smtClean="0"/>
+              <a:t>,</a:t>
+            </a:r>
+            <a:r>
+              <a:rPr lang="ko-KR" altLang="en-US" b="1" dirty="0" err="1" smtClean="0"/>
+              <a:t>투명해질때</a:t>
+            </a:r>
+            <a:r>
+              <a:rPr lang="en-US" altLang="ko-KR" b="1" dirty="0" smtClean="0"/>
+              <a:t>,</a:t>
+            </a:r>
+            <a:r>
+              <a:rPr lang="ko-KR" altLang="en-US" b="1" dirty="0" smtClean="0"/>
+              <a:t>근접공격</a:t>
+            </a:r>
+            <a:r>
+              <a:rPr lang="en-US" altLang="ko-KR" b="1" dirty="0" smtClean="0"/>
+              <a:t>(</a:t>
+            </a:r>
+            <a:r>
+              <a:rPr lang="ko-KR" altLang="en-US" b="1" dirty="0" smtClean="0"/>
+              <a:t>무기는 지팡이</a:t>
+            </a:r>
+            <a:r>
+              <a:rPr lang="en-US" altLang="ko-KR" b="1" dirty="0" smtClean="0"/>
+              <a:t>? </a:t>
+            </a:r>
+            <a:r>
+              <a:rPr lang="ko-KR" altLang="en-US" b="1" dirty="0" smtClean="0"/>
+              <a:t>나 권총</a:t>
+            </a:r>
+            <a:r>
+              <a:rPr lang="en-US" altLang="ko-KR" b="1" dirty="0" smtClean="0"/>
+              <a:t>)</a:t>
+            </a:r>
+            <a:endParaRPr lang="ko-KR" altLang="en-US" b="1" dirty="0"/>
+          </a:p>
+        </p:txBody>
+      </p:sp>
+      <p:pic>
+        <p:nvPicPr>
+          <p:cNvPr id="7170" name="Picture 2"/>
+          <p:cNvPicPr>
+            <a:picLocks noChangeAspect="1" noChangeArrowheads="1"/>
+          </p:cNvPicPr>
+          <p:nvPr/>
+        </p:nvPicPr>
+        <p:blipFill>
+          <a:blip r:embed="rId2">
+            <a:extLst>
+              <a:ext uri="{28A0092B-C50C-407E-A947-70E740481C1C}">
+                <a14:useLocalDpi xmlns:a14="http://schemas.microsoft.com/office/drawing/2010/main" val="0"/>
+              </a:ext>
+            </a:extLst>
+          </a:blip>
+          <a:srcRect/>
+          <a:stretch>
+            <a:fillRect/>
+          </a:stretch>
+        </p:blipFill>
+        <p:spPr bwMode="auto">
+          <a:xfrm>
+            <a:off x="2915816" y="2276872"/>
+            <a:ext cx="1783085" cy="1783085"/>
+          </a:xfrm>
+          <a:prstGeom prst="rect">
+            <a:avLst/>
+          </a:prstGeom>
+          <a:noFill/>
+          <a:ln>
+            <a:noFill/>
+          </a:ln>
+          <a:extLst>
+            <a:ext uri="{909E8E84-426E-40DD-AFC4-6F175D3DCCD1}">
+              <a14:hiddenFill xmlns:a14="http://schemas.microsoft.com/office/drawing/2010/main">
+                <a:solidFill>
+                  <a:schemeClr val="accent1"/>
+                </a:solidFill>
+              </a14:hiddenFill>
+            </a:ext>
+            <a:ext uri="{91240B29-F687-4F45-9708-019B960494DF}">
+              <a14:hiddenLine xmlns:a14="http://schemas.microsoft.com/office/drawing/2010/main" w="9525">
+                <a:solidFill>
+                  <a:schemeClr val="tx1"/>
+                </a:solidFill>
+                <a:miter lim="800000"/>
+                <a:headEnd/>
+                <a:tailEnd/>
+              </a14:hiddenLine>
+            </a:ext>
+          </a:extLst>
+        </p:spPr>
+      </p:pic>
+    </p:spTree>
+    <p:extLst>
+      <p:ext uri="{BB962C8B-B14F-4D97-AF65-F5344CB8AC3E}">
+        <p14:creationId xmlns:p14="http://schemas.microsoft.com/office/powerpoint/2010/main" val="2901946570"/>
       </p:ext>
     </p:extLst>
   </p:cSld>
@@ -8453,6 +9619,90 @@
     <p:extLst>
       <p:ext uri="{BB962C8B-B14F-4D97-AF65-F5344CB8AC3E}">
         <p14:creationId xmlns:p14="http://schemas.microsoft.com/office/powerpoint/2010/main" val="2907875393"/>
+      </p:ext>
+    </p:extLst>
+  </p:cSld>
+  <p:clrMapOvr>
+    <a:masterClrMapping/>
+  </p:clrMapOvr>
+</p:sld>
+</file>
+
+<file path=ppt/slides/slide20.xml><?xml version="1.0" encoding="utf-8"?>
+<p:sld xmlns:a="http://schemas.openxmlformats.org/drawingml/2006/main" xmlns:r="http://schemas.openxmlformats.org/officeDocument/2006/relationships" xmlns:p="http://schemas.openxmlformats.org/presentationml/2006/main">
+  <p:cSld>
+    <p:spTree>
+      <p:nvGrpSpPr>
+        <p:cNvPr id="1" name=""/>
+        <p:cNvGrpSpPr/>
+        <p:nvPr/>
+      </p:nvGrpSpPr>
+      <p:grpSpPr>
+        <a:xfrm>
+          <a:off x="0" y="0"/>
+          <a:ext cx="0" cy="0"/>
+          <a:chOff x="0" y="0"/>
+          <a:chExt cx="0" cy="0"/>
+        </a:xfrm>
+      </p:grpSpPr>
+      <p:sp>
+        <p:nvSpPr>
+          <p:cNvPr id="2" name="제목 1"/>
+          <p:cNvSpPr>
+            <a:spLocks noGrp="1"/>
+          </p:cNvSpPr>
+          <p:nvPr>
+            <p:ph type="title"/>
+          </p:nvPr>
+        </p:nvSpPr>
+        <p:spPr/>
+        <p:txBody>
+          <a:bodyPr/>
+          <a:lstStyle/>
+          <a:p>
+            <a:r>
+              <a:rPr lang="ko-KR" altLang="en-US" dirty="0" smtClean="0"/>
+              <a:t>과학자 스테이지</a:t>
+            </a:r>
+            <a:endParaRPr lang="ko-KR" altLang="en-US" dirty="0"/>
+          </a:p>
+        </p:txBody>
+      </p:sp>
+      <p:sp>
+        <p:nvSpPr>
+          <p:cNvPr id="3" name="내용 개체 틀 2"/>
+          <p:cNvSpPr>
+            <a:spLocks noGrp="1"/>
+          </p:cNvSpPr>
+          <p:nvPr>
+            <p:ph idx="1"/>
+          </p:nvPr>
+        </p:nvSpPr>
+        <p:spPr/>
+        <p:txBody>
+          <a:bodyPr>
+            <a:normAutofit/>
+          </a:bodyPr>
+          <a:lstStyle/>
+          <a:p>
+            <a:r>
+              <a:rPr lang="en-US" altLang="ko-KR" b="1" dirty="0" smtClean="0"/>
+              <a:t>3.??</a:t>
+            </a:r>
+            <a:endParaRPr lang="en-US" altLang="ko-KR" b="1" dirty="0" smtClean="0"/>
+          </a:p>
+          <a:p>
+            <a:endParaRPr lang="en-US" altLang="ko-KR" b="1" dirty="0" smtClean="0"/>
+          </a:p>
+          <a:p>
+            <a:endParaRPr lang="en-US" altLang="ko-KR" b="1" dirty="0" smtClean="0"/>
+          </a:p>
+        </p:txBody>
+      </p:sp>
+    </p:spTree>
+    <p:extLst>
+      <p:ext uri="{BB962C8B-B14F-4D97-AF65-F5344CB8AC3E}">
+        <p14:creationId xmlns:p14="http://schemas.microsoft.com/office/powerpoint/2010/main" val="2039195237"/>
       </p:ext>
     </p:extLst>
   </p:cSld>

--- a/EscapeJail/Assets/기획/스테이지1기획.pptx
+++ b/EscapeJail/Assets/기획/스테이지1기획.pptx
@@ -7922,7 +7922,6 @@
               <a:rPr lang="ko-KR" altLang="en-US" dirty="0"/>
               <a:t>암살자스테이지</a:t>
             </a:r>
-            <a:endParaRPr lang="ko-KR" altLang="en-US" dirty="0"/>
           </a:p>
         </p:txBody>
       </p:sp>
@@ -8246,8 +8245,8 @@
           <a:lstStyle/>
           <a:p>
             <a:r>
-              <a:rPr lang="ko-KR" altLang="en-US" dirty="0"/>
-              <a:t>암살자스테이지</a:t>
+              <a:rPr lang="ko-KR" altLang="en-US" dirty="0" smtClean="0"/>
+              <a:t>요원스테이지</a:t>
             </a:r>
             <a:endParaRPr lang="ko-KR" altLang="en-US" dirty="0"/>
           </a:p>
@@ -8478,8 +8477,16 @@
           <a:lstStyle/>
           <a:p>
             <a:r>
-              <a:rPr lang="ko-KR" altLang="en-US" dirty="0"/>
-              <a:t>암살자스테이지</a:t>
+              <a:rPr lang="ko-KR" altLang="en-US" dirty="0" err="1" smtClean="0"/>
+              <a:t>요</a:t>
+            </a:r>
+            <a:r>
+              <a:rPr lang="ko-KR" altLang="en-US" dirty="0" err="1"/>
+              <a:t>원</a:t>
+            </a:r>
+            <a:r>
+              <a:rPr lang="ko-KR" altLang="en-US" dirty="0" err="1" smtClean="0"/>
+              <a:t>자스테이지</a:t>
             </a:r>
             <a:endParaRPr lang="ko-KR" altLang="en-US" dirty="0"/>
           </a:p>
@@ -8684,7 +8691,7 @@
           <a:p>
             <a:r>
               <a:rPr lang="ko-KR" altLang="en-US" dirty="0" smtClean="0"/>
-              <a:t>암살자</a:t>
+              <a:t>요원</a:t>
             </a:r>
             <a:endParaRPr lang="ko-KR" altLang="en-US" dirty="0"/>
           </a:p>
@@ -8726,9 +8733,38 @@
           </a:p>
           <a:p>
             <a:r>
+              <a:rPr lang="ko-KR" altLang="en-US" b="1" dirty="0" err="1" smtClean="0"/>
+              <a:t>메트릭스풍</a:t>
+            </a:r>
+            <a:r>
               <a:rPr lang="en-US" altLang="ko-KR" b="1" dirty="0" smtClean="0"/>
-              <a:t>??</a:t>
-            </a:r>
+              <a:t>, </a:t>
+            </a:r>
+            <a:r>
+              <a:rPr lang="ko-KR" altLang="en-US" b="1" dirty="0" err="1" smtClean="0"/>
+              <a:t>검은정장풍</a:t>
+            </a:r>
+            <a:r>
+              <a:rPr lang="en-US" altLang="ko-KR" b="1" dirty="0" smtClean="0"/>
+              <a:t>, </a:t>
+            </a:r>
+            <a:r>
+              <a:rPr lang="ko-KR" altLang="en-US" b="1" dirty="0" err="1" smtClean="0"/>
+              <a:t>마피아풍</a:t>
+            </a:r>
+            <a:r>
+              <a:rPr lang="en-US" altLang="ko-KR" b="1" dirty="0" smtClean="0"/>
+              <a:t>,</a:t>
+            </a:r>
+            <a:r>
+              <a:rPr lang="ko-KR" altLang="en-US" b="1" dirty="0"/>
+              <a:t> </a:t>
+            </a:r>
+            <a:r>
+              <a:rPr lang="ko-KR" altLang="en-US" b="1" dirty="0" err="1" smtClean="0"/>
+              <a:t>전문요원풍</a:t>
+            </a:r>
+            <a:endParaRPr lang="en-US" altLang="ko-KR" b="1" dirty="0" smtClean="0"/>
           </a:p>
           <a:p>
             <a:endParaRPr lang="en-US" altLang="ko-KR" b="1" dirty="0"/>
@@ -9687,7 +9723,19 @@
           <a:p>
             <a:r>
               <a:rPr lang="en-US" altLang="ko-KR" b="1" dirty="0" smtClean="0"/>
-              <a:t>3.??</a:t>
+              <a:t>3.</a:t>
+            </a:r>
+            <a:r>
+              <a:rPr lang="ko-KR" altLang="en-US" b="1" dirty="0" err="1" smtClean="0"/>
+              <a:t>좀비</a:t>
+            </a:r>
+            <a:r>
+              <a:rPr lang="en-US" altLang="ko-KR" b="1" dirty="0" smtClean="0"/>
+              <a:t>,</a:t>
+            </a:r>
+            <a:r>
+              <a:rPr lang="ko-KR" altLang="en-US" b="1" dirty="0" smtClean="0"/>
+              <a:t>프랑켄슈타인</a:t>
             </a:r>
             <a:endParaRPr lang="en-US" altLang="ko-KR" b="1" dirty="0" smtClean="0"/>
           </a:p>

--- a/EscapeJail/Assets/기획/스테이지1기획.pptx
+++ b/EscapeJail/Assets/기획/스테이지1기획.pptx
@@ -307,7 +307,7 @@
           <a:p>
             <a:fld id="{75C3E87A-1EF5-4BC0-A34A-1B32DEFB2AF0}" type="datetimeFigureOut">
               <a:rPr lang="ko-KR" altLang="en-US" smtClean="0"/>
-              <a:t>2017-10-10</a:t>
+              <a:t>2017-10-12</a:t>
             </a:fld>
             <a:endParaRPr lang="ko-KR" altLang="en-US"/>
           </a:p>
@@ -477,7 +477,7 @@
           <a:p>
             <a:fld id="{75C3E87A-1EF5-4BC0-A34A-1B32DEFB2AF0}" type="datetimeFigureOut">
               <a:rPr lang="ko-KR" altLang="en-US" smtClean="0"/>
-              <a:t>2017-10-10</a:t>
+              <a:t>2017-10-12</a:t>
             </a:fld>
             <a:endParaRPr lang="ko-KR" altLang="en-US"/>
           </a:p>
@@ -657,7 +657,7 @@
           <a:p>
             <a:fld id="{75C3E87A-1EF5-4BC0-A34A-1B32DEFB2AF0}" type="datetimeFigureOut">
               <a:rPr lang="ko-KR" altLang="en-US" smtClean="0"/>
-              <a:t>2017-10-10</a:t>
+              <a:t>2017-10-12</a:t>
             </a:fld>
             <a:endParaRPr lang="ko-KR" altLang="en-US"/>
           </a:p>
@@ -827,7 +827,7 @@
           <a:p>
             <a:fld id="{75C3E87A-1EF5-4BC0-A34A-1B32DEFB2AF0}" type="datetimeFigureOut">
               <a:rPr lang="ko-KR" altLang="en-US" smtClean="0"/>
-              <a:t>2017-10-10</a:t>
+              <a:t>2017-10-12</a:t>
             </a:fld>
             <a:endParaRPr lang="ko-KR" altLang="en-US"/>
           </a:p>
@@ -1073,7 +1073,7 @@
           <a:p>
             <a:fld id="{75C3E87A-1EF5-4BC0-A34A-1B32DEFB2AF0}" type="datetimeFigureOut">
               <a:rPr lang="ko-KR" altLang="en-US" smtClean="0"/>
-              <a:t>2017-10-10</a:t>
+              <a:t>2017-10-12</a:t>
             </a:fld>
             <a:endParaRPr lang="ko-KR" altLang="en-US"/>
           </a:p>
@@ -1361,7 +1361,7 @@
           <a:p>
             <a:fld id="{75C3E87A-1EF5-4BC0-A34A-1B32DEFB2AF0}" type="datetimeFigureOut">
               <a:rPr lang="ko-KR" altLang="en-US" smtClean="0"/>
-              <a:t>2017-10-10</a:t>
+              <a:t>2017-10-12</a:t>
             </a:fld>
             <a:endParaRPr lang="ko-KR" altLang="en-US"/>
           </a:p>
@@ -1783,7 +1783,7 @@
           <a:p>
             <a:fld id="{75C3E87A-1EF5-4BC0-A34A-1B32DEFB2AF0}" type="datetimeFigureOut">
               <a:rPr lang="ko-KR" altLang="en-US" smtClean="0"/>
-              <a:t>2017-10-10</a:t>
+              <a:t>2017-10-12</a:t>
             </a:fld>
             <a:endParaRPr lang="ko-KR" altLang="en-US"/>
           </a:p>
@@ -1901,7 +1901,7 @@
           <a:p>
             <a:fld id="{75C3E87A-1EF5-4BC0-A34A-1B32DEFB2AF0}" type="datetimeFigureOut">
               <a:rPr lang="ko-KR" altLang="en-US" smtClean="0"/>
-              <a:t>2017-10-10</a:t>
+              <a:t>2017-10-12</a:t>
             </a:fld>
             <a:endParaRPr lang="ko-KR" altLang="en-US"/>
           </a:p>
@@ -1996,7 +1996,7 @@
           <a:p>
             <a:fld id="{75C3E87A-1EF5-4BC0-A34A-1B32DEFB2AF0}" type="datetimeFigureOut">
               <a:rPr lang="ko-KR" altLang="en-US" smtClean="0"/>
-              <a:t>2017-10-10</a:t>
+              <a:t>2017-10-12</a:t>
             </a:fld>
             <a:endParaRPr lang="ko-KR" altLang="en-US"/>
           </a:p>
@@ -2273,7 +2273,7 @@
           <a:p>
             <a:fld id="{75C3E87A-1EF5-4BC0-A34A-1B32DEFB2AF0}" type="datetimeFigureOut">
               <a:rPr lang="ko-KR" altLang="en-US" smtClean="0"/>
-              <a:t>2017-10-10</a:t>
+              <a:t>2017-10-12</a:t>
             </a:fld>
             <a:endParaRPr lang="ko-KR" altLang="en-US"/>
           </a:p>
@@ -2526,7 +2526,7 @@
           <a:p>
             <a:fld id="{75C3E87A-1EF5-4BC0-A34A-1B32DEFB2AF0}" type="datetimeFigureOut">
               <a:rPr lang="ko-KR" altLang="en-US" smtClean="0"/>
-              <a:t>2017-10-10</a:t>
+              <a:t>2017-10-12</a:t>
             </a:fld>
             <a:endParaRPr lang="ko-KR" altLang="en-US"/>
           </a:p>
@@ -2739,7 +2739,7 @@
           <a:p>
             <a:fld id="{75C3E87A-1EF5-4BC0-A34A-1B32DEFB2AF0}" type="datetimeFigureOut">
               <a:rPr lang="ko-KR" altLang="en-US" smtClean="0"/>
-              <a:t>2017-10-10</a:t>
+              <a:t>2017-10-12</a:t>
             </a:fld>
             <a:endParaRPr lang="ko-KR" altLang="en-US"/>
           </a:p>
@@ -3217,14 +3217,14 @@
           <p:nvPr>
             <p:extLst>
               <p:ext uri="{D42A27DB-BD31-4B8C-83A1-F6EECF244321}">
-                <p14:modId xmlns:p14="http://schemas.microsoft.com/office/powerpoint/2010/main" val="1424096574"/>
+                <p14:modId xmlns:p14="http://schemas.microsoft.com/office/powerpoint/2010/main" val="1351748244"/>
               </p:ext>
             </p:extLst>
           </p:nvPr>
         </p:nvGraphicFramePr>
         <p:xfrm>
           <a:off x="395536" y="1412776"/>
-          <a:ext cx="8136904" cy="4358640"/>
+          <a:ext cx="8136904" cy="4333240"/>
         </p:xfrm>
         <a:graphic>
           <a:graphicData uri="http://schemas.openxmlformats.org/drawingml/2006/table">
@@ -3391,10 +3391,6 @@
                     <a:lstStyle/>
                     <a:p>
                       <a:pPr latinLnBrk="1"/>
-                      <a:r>
-                        <a:rPr lang="ko-KR" altLang="en-US" sz="1000" dirty="0" smtClean="0"/>
-                        <a:t>방탄테이프</a:t>
-                      </a:r>
                       <a:endParaRPr lang="ko-KR" altLang="en-US" sz="1000" dirty="0"/>
                     </a:p>
                   </a:txBody>
@@ -3446,42 +3442,6 @@
                     <a:lstStyle/>
                     <a:p>
                       <a:pPr latinLnBrk="1"/>
-                      <a:r>
-                        <a:rPr lang="ko-KR" altLang="en-US" sz="1000" dirty="0" err="1" smtClean="0"/>
-                        <a:t>특수테입으로</a:t>
-                      </a:r>
-                      <a:r>
-                        <a:rPr lang="ko-KR" altLang="en-US" sz="1000" dirty="0" smtClean="0"/>
-                        <a:t> </a:t>
-                      </a:r>
-                      <a:r>
-                        <a:rPr lang="ko-KR" altLang="en-US" sz="1000" dirty="0" err="1" smtClean="0"/>
-                        <a:t>아머를</a:t>
-                      </a:r>
-                      <a:r>
-                        <a:rPr lang="ko-KR" altLang="en-US" sz="1000" dirty="0" smtClean="0"/>
-                        <a:t> 한 칸</a:t>
-                      </a:r>
-                      <a:r>
-                        <a:rPr lang="ko-KR" altLang="en-US" sz="1000" baseline="0" dirty="0" smtClean="0"/>
-                        <a:t> 치료 해줌</a:t>
-                      </a:r>
-                      <a:r>
-                        <a:rPr lang="en-US" altLang="ko-KR" sz="1000" baseline="0" dirty="0" smtClean="0"/>
-                        <a:t>. </a:t>
-                      </a:r>
-                      <a:r>
-                        <a:rPr lang="ko-KR" altLang="en-US" sz="1000" baseline="0" dirty="0" smtClean="0"/>
-                        <a:t>레벨 </a:t>
-                      </a:r>
-                      <a:r>
-                        <a:rPr lang="en-US" altLang="ko-KR" sz="1000" baseline="0" dirty="0" smtClean="0"/>
-                        <a:t>2 </a:t>
-                      </a:r>
-                      <a:r>
-                        <a:rPr lang="ko-KR" altLang="en-US" sz="1000" baseline="0" dirty="0" smtClean="0"/>
-                        <a:t>방탄부터 수리가능</a:t>
-                      </a:r>
                       <a:endParaRPr lang="en-US" altLang="ko-KR" sz="1000" dirty="0" smtClean="0"/>
                     </a:p>
                   </a:txBody>
@@ -5397,14 +5357,14 @@
           <p:nvPr>
             <p:extLst>
               <p:ext uri="{D42A27DB-BD31-4B8C-83A1-F6EECF244321}">
-                <p14:modId xmlns:p14="http://schemas.microsoft.com/office/powerpoint/2010/main" val="2535358602"/>
+                <p14:modId xmlns:p14="http://schemas.microsoft.com/office/powerpoint/2010/main" val="3673881581"/>
               </p:ext>
             </p:extLst>
           </p:nvPr>
         </p:nvGraphicFramePr>
         <p:xfrm>
           <a:off x="395536" y="1412776"/>
-          <a:ext cx="8136904" cy="4460240"/>
+          <a:ext cx="8136904" cy="4612640"/>
         </p:xfrm>
         <a:graphic>
           <a:graphicData uri="http://schemas.openxmlformats.org/drawingml/2006/table">
@@ -5977,6 +5937,26 @@
                         <a:rPr lang="ko-KR" altLang="en-US" sz="1000" dirty="0" err="1" smtClean="0"/>
                         <a:t>재미있을듯</a:t>
                       </a:r>
+                      <a:r>
+                        <a:rPr lang="en-US" altLang="ko-KR" sz="1000" dirty="0" smtClean="0"/>
+                        <a:t>(</a:t>
+                      </a:r>
+                      <a:r>
+                        <a:rPr lang="ko-KR" altLang="en-US" sz="1000" dirty="0" smtClean="0"/>
+                        <a:t>이것도 생각해봤지만 결국 플레이어의 불편함을 만들기 보다 위기돌파용으로만</a:t>
+                      </a:r>
+                      <a:r>
+                        <a:rPr lang="ko-KR" altLang="en-US" sz="1000" baseline="0" dirty="0" smtClean="0"/>
+                        <a:t> 사용 </a:t>
+                      </a:r>
+                      <a:r>
+                        <a:rPr lang="ko-KR" altLang="en-US" sz="1000" baseline="0" dirty="0" err="1" smtClean="0"/>
+                        <a:t>되어야함</a:t>
+                      </a:r>
+                      <a:r>
+                        <a:rPr lang="en-US" altLang="ko-KR" sz="1000" baseline="0" dirty="0" smtClean="0"/>
+                        <a:t>.)</a:t>
+                      </a:r>
                       <a:endParaRPr lang="ko-KR" altLang="en-US" sz="1000" dirty="0"/>
                     </a:p>
                   </a:txBody>
@@ -6182,6 +6162,10 @@
                     <a:lstStyle/>
                     <a:p>
                       <a:pPr latinLnBrk="1"/>
+                      <a:r>
+                        <a:rPr lang="ko-KR" altLang="en-US" sz="1000" dirty="0" smtClean="0"/>
+                        <a:t>화염 효과 필요</a:t>
+                      </a:r>
                       <a:endParaRPr lang="ko-KR" altLang="en-US" sz="1000" dirty="0"/>
                     </a:p>
                   </a:txBody>
@@ -7623,6 +7607,19 @@
             <a:r>
               <a:rPr lang="ko-KR" altLang="en-US" sz="2000" b="1" dirty="0" err="1" smtClean="0"/>
               <a:t>좋을듯</a:t>
+            </a:r>
+            <a:r>
+              <a:rPr lang="en-US" altLang="ko-KR" sz="2000" b="1" dirty="0" smtClean="0"/>
+              <a:t>, </a:t>
+            </a:r>
+          </a:p>
+          <a:p>
+            <a:pPr marL="0" indent="0">
+              <a:buNone/>
+            </a:pPr>
+            <a:r>
+              <a:rPr lang="ko-KR" altLang="en-US" sz="2000" b="1" dirty="0" smtClean="0"/>
+              <a:t>   </a:t>
             </a:r>
             <a:endParaRPr lang="en-US" altLang="ko-KR" sz="2000" b="1" dirty="0" smtClean="0"/>
           </a:p>
@@ -10734,14 +10731,14 @@
           <p:nvPr>
             <p:extLst>
               <p:ext uri="{D42A27DB-BD31-4B8C-83A1-F6EECF244321}">
-                <p14:modId xmlns:p14="http://schemas.microsoft.com/office/powerpoint/2010/main" val="3885633940"/>
+                <p14:modId xmlns:p14="http://schemas.microsoft.com/office/powerpoint/2010/main" val="1478524961"/>
               </p:ext>
             </p:extLst>
           </p:nvPr>
         </p:nvGraphicFramePr>
         <p:xfrm>
           <a:off x="395536" y="1412776"/>
-          <a:ext cx="8136904" cy="4307840"/>
+          <a:ext cx="8136904" cy="4434840"/>
         </p:xfrm>
         <a:graphic>
           <a:graphicData uri="http://schemas.openxmlformats.org/drawingml/2006/table">
@@ -11466,8 +11463,7 @@
                     <a:bodyPr/>
                     <a:lstStyle/>
                     <a:p>
-                      <a:pPr latinLnBrk="1"/>
-                      <a:endParaRPr lang="ko-KR" altLang="en-US" sz="1000" dirty="0"/>
+                      <a:endParaRPr lang="ko-KR" altLang="en-US" dirty="0"/>
                     </a:p>
                   </a:txBody>
                   <a:tcPr>
@@ -11514,12 +11510,7 @@
                     <a:bodyPr/>
                     <a:lstStyle/>
                     <a:p>
-                      <a:pPr latinLnBrk="1"/>
-                      <a:r>
-                        <a:rPr lang="ko-KR" altLang="en-US" sz="1000" dirty="0" smtClean="0"/>
-                        <a:t>방탄테이프</a:t>
-                      </a:r>
-                      <a:endParaRPr lang="ko-KR" altLang="en-US" sz="1000" dirty="0"/>
+                      <a:endParaRPr lang="ko-KR" altLang="en-US" dirty="0"/>
                     </a:p>
                   </a:txBody>
                   <a:tcPr>
@@ -11570,42 +11561,6 @@
                     <a:lstStyle/>
                     <a:p>
                       <a:pPr latinLnBrk="1"/>
-                      <a:r>
-                        <a:rPr lang="ko-KR" altLang="en-US" sz="1000" dirty="0" err="1" smtClean="0"/>
-                        <a:t>특수테입으로</a:t>
-                      </a:r>
-                      <a:r>
-                        <a:rPr lang="ko-KR" altLang="en-US" sz="1000" dirty="0" smtClean="0"/>
-                        <a:t> </a:t>
-                      </a:r>
-                      <a:r>
-                        <a:rPr lang="ko-KR" altLang="en-US" sz="1000" dirty="0" err="1" smtClean="0"/>
-                        <a:t>아머를</a:t>
-                      </a:r>
-                      <a:r>
-                        <a:rPr lang="ko-KR" altLang="en-US" sz="1000" dirty="0" smtClean="0"/>
-                        <a:t> 한 칸</a:t>
-                      </a:r>
-                      <a:r>
-                        <a:rPr lang="ko-KR" altLang="en-US" sz="1000" baseline="0" dirty="0" smtClean="0"/>
-                        <a:t> 치료 해줌</a:t>
-                      </a:r>
-                      <a:r>
-                        <a:rPr lang="en-US" altLang="ko-KR" sz="1000" baseline="0" dirty="0" smtClean="0"/>
-                        <a:t>. </a:t>
-                      </a:r>
-                      <a:r>
-                        <a:rPr lang="ko-KR" altLang="en-US" sz="1000" baseline="0" dirty="0" smtClean="0"/>
-                        <a:t>레벨 </a:t>
-                      </a:r>
-                      <a:r>
-                        <a:rPr lang="en-US" altLang="ko-KR" sz="1000" baseline="0" dirty="0" smtClean="0"/>
-                        <a:t>2 </a:t>
-                      </a:r>
-                      <a:r>
-                        <a:rPr lang="ko-KR" altLang="en-US" sz="1000" baseline="0" dirty="0" smtClean="0"/>
-                        <a:t>방탄부터 수리가능</a:t>
-                      </a:r>
                       <a:endParaRPr lang="en-US" altLang="ko-KR" sz="1000" dirty="0" smtClean="0"/>
                     </a:p>
                   </a:txBody>
@@ -11669,14 +11624,6 @@
                     <a:lstStyle/>
                     <a:p>
                       <a:pPr latinLnBrk="1"/>
-                      <a:r>
-                        <a:rPr lang="ko-KR" altLang="en-US" sz="1000" dirty="0" err="1" smtClean="0"/>
-                        <a:t>아머를</a:t>
-                      </a:r>
-                      <a:r>
-                        <a:rPr lang="ko-KR" altLang="en-US" sz="1000" dirty="0" smtClean="0"/>
-                        <a:t> 어떤 방식으로 고민</a:t>
-                      </a:r>
                       <a:endParaRPr lang="ko-KR" altLang="en-US" sz="1000" dirty="0"/>
                     </a:p>
                   </a:txBody>
@@ -11913,8 +11860,16 @@
                       </a:r>
                       <a:r>
                         <a:rPr lang="ko-KR" altLang="en-US" sz="1000" dirty="0" smtClean="0"/>
-                        <a:t> 체력을 서서히 채워줌</a:t>
+                        <a:t> 체력을 서서히 </a:t>
                       </a:r>
+                      <a:r>
+                        <a:rPr lang="ko-KR" altLang="en-US" sz="1000" dirty="0" smtClean="0"/>
+                        <a:t>채워줌</a:t>
+                      </a:r>
+                      <a:endParaRPr lang="en-US" altLang="ko-KR" sz="1000" dirty="0" smtClean="0"/>
+                    </a:p>
+                    <a:p>
+                      <a:pPr latinLnBrk="1"/>
                       <a:r>
                         <a:rPr lang="en-US" altLang="ko-KR" sz="1000" dirty="0" smtClean="0"/>
                         <a:t>)</a:t>

--- a/EscapeJail/Assets/기획/스테이지1기획.pptx
+++ b/EscapeJail/Assets/기획/스테이지1기획.pptx
@@ -7714,6 +7714,39 @@
               <a:rPr lang="en-US" altLang="ko-KR" sz="2000" b="1" dirty="0" smtClean="0"/>
               <a:t>)</a:t>
             </a:r>
+          </a:p>
+          <a:p>
+            <a:endParaRPr lang="en-US" altLang="ko-KR" sz="2000" b="1" dirty="0"/>
+          </a:p>
+          <a:p>
+            <a:r>
+              <a:rPr lang="ko-KR" altLang="en-US" sz="2000" b="1" dirty="0" err="1" smtClean="0"/>
+              <a:t>멀리있는적</a:t>
+            </a:r>
+            <a:r>
+              <a:rPr lang="ko-KR" altLang="en-US" sz="2000" b="1" dirty="0" smtClean="0"/>
+              <a:t> </a:t>
+            </a:r>
+            <a:r>
+              <a:rPr lang="ko-KR" altLang="en-US" sz="2000" b="1" dirty="0" err="1" smtClean="0"/>
+              <a:t>때릴경우는</a:t>
+            </a:r>
+            <a:r>
+              <a:rPr lang="ko-KR" altLang="en-US" sz="2000" b="1" dirty="0" smtClean="0"/>
+              <a:t> </a:t>
+            </a:r>
+            <a:r>
+              <a:rPr lang="ko-KR" altLang="en-US" sz="2000" b="1" dirty="0" err="1" smtClean="0"/>
+              <a:t>데미지</a:t>
+            </a:r>
+            <a:r>
+              <a:rPr lang="ko-KR" altLang="en-US" sz="2000" b="1" dirty="0" smtClean="0"/>
+              <a:t> 감소</a:t>
+            </a:r>
+            <a:r>
+              <a:rPr lang="en-US" altLang="ko-KR" sz="2000" b="1" dirty="0" smtClean="0"/>
+              <a:t>?</a:t>
+            </a:r>
             <a:endParaRPr lang="ko-KR" altLang="en-US" sz="2000" b="1" dirty="0"/>
           </a:p>
         </p:txBody>
@@ -11860,11 +11893,7 @@
                       </a:r>
                       <a:r>
                         <a:rPr lang="ko-KR" altLang="en-US" sz="1000" dirty="0" smtClean="0"/>
-                        <a:t> 체력을 서서히 </a:t>
-                      </a:r>
-                      <a:r>
-                        <a:rPr lang="ko-KR" altLang="en-US" sz="1000" dirty="0" smtClean="0"/>
-                        <a:t>채워줌</a:t>
+                        <a:t> 체력을 서서히 채워줌</a:t>
                       </a:r>
                       <a:endParaRPr lang="en-US" altLang="ko-KR" sz="1000" dirty="0" smtClean="0"/>
                     </a:p>

--- a/EscapeJail/Assets/기획/스테이지1기획.pptx
+++ b/EscapeJail/Assets/기획/스테이지1기획.pptx
@@ -17,14 +17,15 @@
     <p:sldId id="268" r:id="rId11"/>
     <p:sldId id="269" r:id="rId12"/>
     <p:sldId id="263" r:id="rId13"/>
-    <p:sldId id="264" r:id="rId14"/>
-    <p:sldId id="272" r:id="rId15"/>
-    <p:sldId id="273" r:id="rId16"/>
-    <p:sldId id="275" r:id="rId17"/>
-    <p:sldId id="279" r:id="rId18"/>
-    <p:sldId id="276" r:id="rId19"/>
-    <p:sldId id="278" r:id="rId20"/>
-    <p:sldId id="280" r:id="rId21"/>
+    <p:sldId id="281" r:id="rId14"/>
+    <p:sldId id="264" r:id="rId15"/>
+    <p:sldId id="272" r:id="rId16"/>
+    <p:sldId id="273" r:id="rId17"/>
+    <p:sldId id="275" r:id="rId18"/>
+    <p:sldId id="279" r:id="rId19"/>
+    <p:sldId id="276" r:id="rId20"/>
+    <p:sldId id="278" r:id="rId21"/>
+    <p:sldId id="280" r:id="rId22"/>
   </p:sldIdLst>
   <p:sldSz cx="9144000" cy="6858000" type="screen4x3"/>
   <p:notesSz cx="6858000" cy="9144000"/>
@@ -307,7 +308,7 @@
           <a:p>
             <a:fld id="{75C3E87A-1EF5-4BC0-A34A-1B32DEFB2AF0}" type="datetimeFigureOut">
               <a:rPr lang="ko-KR" altLang="en-US" smtClean="0"/>
-              <a:t>2017-10-12</a:t>
+              <a:t>2017-10-13</a:t>
             </a:fld>
             <a:endParaRPr lang="ko-KR" altLang="en-US"/>
           </a:p>
@@ -477,7 +478,7 @@
           <a:p>
             <a:fld id="{75C3E87A-1EF5-4BC0-A34A-1B32DEFB2AF0}" type="datetimeFigureOut">
               <a:rPr lang="ko-KR" altLang="en-US" smtClean="0"/>
-              <a:t>2017-10-12</a:t>
+              <a:t>2017-10-13</a:t>
             </a:fld>
             <a:endParaRPr lang="ko-KR" altLang="en-US"/>
           </a:p>
@@ -657,7 +658,7 @@
           <a:p>
             <a:fld id="{75C3E87A-1EF5-4BC0-A34A-1B32DEFB2AF0}" type="datetimeFigureOut">
               <a:rPr lang="ko-KR" altLang="en-US" smtClean="0"/>
-              <a:t>2017-10-12</a:t>
+              <a:t>2017-10-13</a:t>
             </a:fld>
             <a:endParaRPr lang="ko-KR" altLang="en-US"/>
           </a:p>
@@ -827,7 +828,7 @@
           <a:p>
             <a:fld id="{75C3E87A-1EF5-4BC0-A34A-1B32DEFB2AF0}" type="datetimeFigureOut">
               <a:rPr lang="ko-KR" altLang="en-US" smtClean="0"/>
-              <a:t>2017-10-12</a:t>
+              <a:t>2017-10-13</a:t>
             </a:fld>
             <a:endParaRPr lang="ko-KR" altLang="en-US"/>
           </a:p>
@@ -1073,7 +1074,7 @@
           <a:p>
             <a:fld id="{75C3E87A-1EF5-4BC0-A34A-1B32DEFB2AF0}" type="datetimeFigureOut">
               <a:rPr lang="ko-KR" altLang="en-US" smtClean="0"/>
-              <a:t>2017-10-12</a:t>
+              <a:t>2017-10-13</a:t>
             </a:fld>
             <a:endParaRPr lang="ko-KR" altLang="en-US"/>
           </a:p>
@@ -1361,7 +1362,7 @@
           <a:p>
             <a:fld id="{75C3E87A-1EF5-4BC0-A34A-1B32DEFB2AF0}" type="datetimeFigureOut">
               <a:rPr lang="ko-KR" altLang="en-US" smtClean="0"/>
-              <a:t>2017-10-12</a:t>
+              <a:t>2017-10-13</a:t>
             </a:fld>
             <a:endParaRPr lang="ko-KR" altLang="en-US"/>
           </a:p>
@@ -1783,7 +1784,7 @@
           <a:p>
             <a:fld id="{75C3E87A-1EF5-4BC0-A34A-1B32DEFB2AF0}" type="datetimeFigureOut">
               <a:rPr lang="ko-KR" altLang="en-US" smtClean="0"/>
-              <a:t>2017-10-12</a:t>
+              <a:t>2017-10-13</a:t>
             </a:fld>
             <a:endParaRPr lang="ko-KR" altLang="en-US"/>
           </a:p>
@@ -1901,7 +1902,7 @@
           <a:p>
             <a:fld id="{75C3E87A-1EF5-4BC0-A34A-1B32DEFB2AF0}" type="datetimeFigureOut">
               <a:rPr lang="ko-KR" altLang="en-US" smtClean="0"/>
-              <a:t>2017-10-12</a:t>
+              <a:t>2017-10-13</a:t>
             </a:fld>
             <a:endParaRPr lang="ko-KR" altLang="en-US"/>
           </a:p>
@@ -1996,7 +1997,7 @@
           <a:p>
             <a:fld id="{75C3E87A-1EF5-4BC0-A34A-1B32DEFB2AF0}" type="datetimeFigureOut">
               <a:rPr lang="ko-KR" altLang="en-US" smtClean="0"/>
-              <a:t>2017-10-12</a:t>
+              <a:t>2017-10-13</a:t>
             </a:fld>
             <a:endParaRPr lang="ko-KR" altLang="en-US"/>
           </a:p>
@@ -2273,7 +2274,7 @@
           <a:p>
             <a:fld id="{75C3E87A-1EF5-4BC0-A34A-1B32DEFB2AF0}" type="datetimeFigureOut">
               <a:rPr lang="ko-KR" altLang="en-US" smtClean="0"/>
-              <a:t>2017-10-12</a:t>
+              <a:t>2017-10-13</a:t>
             </a:fld>
             <a:endParaRPr lang="ko-KR" altLang="en-US"/>
           </a:p>
@@ -2526,7 +2527,7 @@
           <a:p>
             <a:fld id="{75C3E87A-1EF5-4BC0-A34A-1B32DEFB2AF0}" type="datetimeFigureOut">
               <a:rPr lang="ko-KR" altLang="en-US" smtClean="0"/>
-              <a:t>2017-10-12</a:t>
+              <a:t>2017-10-13</a:t>
             </a:fld>
             <a:endParaRPr lang="ko-KR" altLang="en-US"/>
           </a:p>
@@ -2739,7 +2740,7 @@
           <a:p>
             <a:fld id="{75C3E87A-1EF5-4BC0-A34A-1B32DEFB2AF0}" type="datetimeFigureOut">
               <a:rPr lang="ko-KR" altLang="en-US" smtClean="0"/>
-              <a:t>2017-10-12</a:t>
+              <a:t>2017-10-13</a:t>
             </a:fld>
             <a:endParaRPr lang="ko-KR" altLang="en-US"/>
           </a:p>
@@ -7797,6 +7798,198 @@
           <a:lstStyle/>
           <a:p>
             <a:r>
+              <a:rPr lang="ko-KR" altLang="en-US" dirty="0" smtClean="0"/>
+              <a:t>기타아이디어</a:t>
+            </a:r>
+            <a:endParaRPr lang="ko-KR" altLang="en-US" dirty="0"/>
+          </a:p>
+        </p:txBody>
+      </p:sp>
+      <p:sp>
+        <p:nvSpPr>
+          <p:cNvPr id="3" name="내용 개체 틀 2"/>
+          <p:cNvSpPr>
+            <a:spLocks noGrp="1"/>
+          </p:cNvSpPr>
+          <p:nvPr>
+            <p:ph idx="1"/>
+          </p:nvPr>
+        </p:nvSpPr>
+        <p:spPr>
+          <a:xfrm>
+            <a:off x="457200" y="1628800"/>
+            <a:ext cx="8147248" cy="4497363"/>
+          </a:xfrm>
+        </p:spPr>
+        <p:txBody>
+          <a:bodyPr>
+            <a:normAutofit/>
+          </a:bodyPr>
+          <a:lstStyle/>
+          <a:p>
+            <a:r>
+              <a:rPr lang="ko-KR" altLang="en-US" sz="2000" b="1" dirty="0" smtClean="0"/>
+              <a:t>플레이어가 </a:t>
+            </a:r>
+            <a:r>
+              <a:rPr lang="ko-KR" altLang="en-US" sz="2000" b="1" dirty="0" err="1" smtClean="0"/>
+              <a:t>시작할때</a:t>
+            </a:r>
+            <a:r>
+              <a:rPr lang="ko-KR" altLang="en-US" sz="2000" b="1" dirty="0" smtClean="0"/>
+              <a:t> 방 수를 정할 수 있게 해줌</a:t>
+            </a:r>
+            <a:r>
+              <a:rPr lang="en-US" altLang="ko-KR" sz="2000" b="1" dirty="0" smtClean="0"/>
+              <a:t>. (</a:t>
+            </a:r>
+            <a:r>
+              <a:rPr lang="ko-KR" altLang="en-US" sz="2000" b="1" dirty="0" smtClean="0"/>
+              <a:t>알아서 난이도조절</a:t>
+            </a:r>
+            <a:r>
+              <a:rPr lang="en-US" altLang="ko-KR" sz="2000" b="1" dirty="0" smtClean="0"/>
+              <a:t>)</a:t>
+            </a:r>
+          </a:p>
+          <a:p>
+            <a:r>
+              <a:rPr lang="ko-KR" altLang="en-US" sz="2000" b="1" dirty="0" smtClean="0"/>
+              <a:t>근데 </a:t>
+            </a:r>
+            <a:r>
+              <a:rPr lang="en-US" altLang="ko-KR" sz="2000" b="1" dirty="0" smtClean="0"/>
+              <a:t>1</a:t>
+            </a:r>
+            <a:r>
+              <a:rPr lang="ko-KR" altLang="en-US" sz="2000" b="1" dirty="0" smtClean="0"/>
+              <a:t>탄이 </a:t>
+            </a:r>
+            <a:r>
+              <a:rPr lang="ko-KR" altLang="en-US" sz="2000" b="1" dirty="0" err="1" smtClean="0"/>
+              <a:t>쉬울경우에</a:t>
+            </a:r>
+            <a:r>
+              <a:rPr lang="ko-KR" altLang="en-US" sz="2000" b="1" dirty="0" smtClean="0"/>
+              <a:t> </a:t>
+            </a:r>
+            <a:r>
+              <a:rPr lang="en-US" altLang="ko-KR" sz="2000" b="1" dirty="0" smtClean="0"/>
+              <a:t>1</a:t>
+            </a:r>
+            <a:r>
+              <a:rPr lang="ko-KR" altLang="en-US" sz="2000" b="1" dirty="0" err="1" smtClean="0"/>
+              <a:t>탄방크기를</a:t>
+            </a:r>
+            <a:r>
+              <a:rPr lang="ko-KR" altLang="en-US" sz="2000" b="1" dirty="0" smtClean="0"/>
+              <a:t> 늘려서 </a:t>
+            </a:r>
+            <a:r>
+              <a:rPr lang="ko-KR" altLang="en-US" sz="2000" b="1" dirty="0" err="1" smtClean="0"/>
+              <a:t>파밍을</a:t>
+            </a:r>
+            <a:r>
+              <a:rPr lang="ko-KR" altLang="en-US" sz="2000" b="1" dirty="0" smtClean="0"/>
+              <a:t> </a:t>
+            </a:r>
+            <a:r>
+              <a:rPr lang="ko-KR" altLang="en-US" sz="2000" b="1" dirty="0" err="1" smtClean="0"/>
+              <a:t>많이할수도</a:t>
+            </a:r>
+            <a:r>
+              <a:rPr lang="ko-KR" altLang="en-US" sz="2000" b="1" dirty="0" smtClean="0"/>
+              <a:t> 있으니 난이도를 </a:t>
+            </a:r>
+            <a:r>
+              <a:rPr lang="ko-KR" altLang="en-US" sz="2000" b="1" dirty="0" err="1" smtClean="0"/>
+              <a:t>스테이지별로</a:t>
+            </a:r>
+            <a:r>
+              <a:rPr lang="ko-KR" altLang="en-US" sz="2000" b="1" dirty="0" smtClean="0"/>
+              <a:t> 거의 비슷하게 </a:t>
+            </a:r>
+            <a:r>
+              <a:rPr lang="ko-KR" altLang="en-US" sz="2000" b="1" dirty="0" err="1" smtClean="0"/>
+              <a:t>해야할듯</a:t>
+            </a:r>
+            <a:endParaRPr lang="en-US" altLang="ko-KR" sz="2000" b="1" dirty="0" smtClean="0"/>
+          </a:p>
+          <a:p>
+            <a:r>
+              <a:rPr lang="ko-KR" altLang="en-US" sz="2000" b="1" dirty="0" smtClean="0"/>
+              <a:t>아니면 </a:t>
+            </a:r>
+            <a:r>
+              <a:rPr lang="ko-KR" altLang="en-US" sz="2000" b="1" dirty="0" err="1" smtClean="0"/>
+              <a:t>스테이지별로</a:t>
+            </a:r>
+            <a:r>
+              <a:rPr lang="ko-KR" altLang="en-US" sz="2000" b="1" dirty="0" smtClean="0"/>
+              <a:t> 아이템 </a:t>
+            </a:r>
+            <a:r>
+              <a:rPr lang="ko-KR" altLang="en-US" sz="2000" b="1" dirty="0" err="1" smtClean="0"/>
+              <a:t>드랍확률을</a:t>
+            </a:r>
+            <a:r>
+              <a:rPr lang="ko-KR" altLang="en-US" sz="2000" b="1" dirty="0" smtClean="0"/>
+              <a:t> 다르게 </a:t>
+            </a:r>
+            <a:r>
+              <a:rPr lang="ko-KR" altLang="en-US" sz="2000" b="1" dirty="0" err="1" smtClean="0"/>
+              <a:t>해야할듯</a:t>
+            </a:r>
+            <a:endParaRPr lang="ko-KR" altLang="en-US" sz="2000" b="1" dirty="0"/>
+          </a:p>
+        </p:txBody>
+      </p:sp>
+    </p:spTree>
+    <p:extLst>
+      <p:ext uri="{BB962C8B-B14F-4D97-AF65-F5344CB8AC3E}">
+        <p14:creationId xmlns:p14="http://schemas.microsoft.com/office/powerpoint/2010/main" val="2532138403"/>
+      </p:ext>
+    </p:extLst>
+  </p:cSld>
+  <p:clrMapOvr>
+    <a:masterClrMapping/>
+  </p:clrMapOvr>
+</p:sld>
+</file>
+
+<file path=ppt/slides/slide14.xml><?xml version="1.0" encoding="utf-8"?>
+<p:sld xmlns:a="http://schemas.openxmlformats.org/drawingml/2006/main" xmlns:r="http://schemas.openxmlformats.org/officeDocument/2006/relationships" xmlns:p="http://schemas.openxmlformats.org/presentationml/2006/main">
+  <p:cSld>
+    <p:spTree>
+      <p:nvGrpSpPr>
+        <p:cNvPr id="1" name=""/>
+        <p:cNvGrpSpPr/>
+        <p:nvPr/>
+      </p:nvGrpSpPr>
+      <p:grpSpPr>
+        <a:xfrm>
+          <a:off x="0" y="0"/>
+          <a:ext cx="0" cy="0"/>
+          <a:chOff x="0" y="0"/>
+          <a:chExt cx="0" cy="0"/>
+        </a:xfrm>
+      </p:grpSpPr>
+      <p:sp>
+        <p:nvSpPr>
+          <p:cNvPr id="2" name="제목 1"/>
+          <p:cNvSpPr>
+            <a:spLocks noGrp="1"/>
+          </p:cNvSpPr>
+          <p:nvPr>
+            <p:ph type="title"/>
+          </p:nvPr>
+        </p:nvSpPr>
+        <p:spPr/>
+        <p:txBody>
+          <a:bodyPr/>
+          <a:lstStyle/>
+          <a:p>
+            <a:r>
               <a:rPr lang="ko-KR" altLang="en-US" dirty="0" err="1" smtClean="0"/>
               <a:t>몬스터</a:t>
             </a:r>
@@ -7916,7 +8109,7 @@
 </p:sld>
 </file>
 
-<file path=ppt/slides/slide14.xml><?xml version="1.0" encoding="utf-8"?>
+<file path=ppt/slides/slide15.xml><?xml version="1.0" encoding="utf-8"?>
 <p:sld xmlns:a="http://schemas.openxmlformats.org/drawingml/2006/main" xmlns:r="http://schemas.openxmlformats.org/officeDocument/2006/relationships" xmlns:p="http://schemas.openxmlformats.org/presentationml/2006/main">
   <p:cSld>
     <p:spTree>
@@ -8242,7 +8435,7 @@
 </p:sld>
 </file>
 
-<file path=ppt/slides/slide15.xml><?xml version="1.0" encoding="utf-8"?>
+<file path=ppt/slides/slide16.xml><?xml version="1.0" encoding="utf-8"?>
 <p:sld xmlns:a="http://schemas.openxmlformats.org/drawingml/2006/main" xmlns:r="http://schemas.openxmlformats.org/officeDocument/2006/relationships" xmlns:p="http://schemas.openxmlformats.org/presentationml/2006/main">
   <p:cSld>
     <p:spTree>
@@ -8474,7 +8667,7 @@
 </p:sld>
 </file>
 
-<file path=ppt/slides/slide16.xml><?xml version="1.0" encoding="utf-8"?>
+<file path=ppt/slides/slide17.xml><?xml version="1.0" encoding="utf-8"?>
 <p:sld xmlns:a="http://schemas.openxmlformats.org/drawingml/2006/main" xmlns:r="http://schemas.openxmlformats.org/officeDocument/2006/relationships" xmlns:p="http://schemas.openxmlformats.org/presentationml/2006/main">
   <p:cSld>
     <p:spTree>
@@ -8687,7 +8880,7 @@
 </p:sld>
 </file>
 
-<file path=ppt/slides/slide17.xml><?xml version="1.0" encoding="utf-8"?>
+<file path=ppt/slides/slide18.xml><?xml version="1.0" encoding="utf-8"?>
 <p:sld xmlns:a="http://schemas.openxmlformats.org/drawingml/2006/main" xmlns:r="http://schemas.openxmlformats.org/officeDocument/2006/relationships" xmlns:p="http://schemas.openxmlformats.org/presentationml/2006/main">
   <p:cSld>
     <p:spTree>
@@ -8814,7 +9007,7 @@
 </p:sld>
 </file>
 
-<file path=ppt/slides/slide18.xml><?xml version="1.0" encoding="utf-8"?>
+<file path=ppt/slides/slide19.xml><?xml version="1.0" encoding="utf-8"?>
 <p:sld xmlns:a="http://schemas.openxmlformats.org/drawingml/2006/main" xmlns:r="http://schemas.openxmlformats.org/officeDocument/2006/relationships" xmlns:p="http://schemas.openxmlformats.org/presentationml/2006/main">
   <p:cSld>
     <p:spTree>
@@ -9017,222 +9210,6 @@
     <p:extLst>
       <p:ext uri="{BB962C8B-B14F-4D97-AF65-F5344CB8AC3E}">
         <p14:creationId xmlns:p14="http://schemas.microsoft.com/office/powerpoint/2010/main" val="2464376121"/>
-      </p:ext>
-    </p:extLst>
-  </p:cSld>
-  <p:clrMapOvr>
-    <a:masterClrMapping/>
-  </p:clrMapOvr>
-</p:sld>
-</file>
-
-<file path=ppt/slides/slide19.xml><?xml version="1.0" encoding="utf-8"?>
-<p:sld xmlns:a="http://schemas.openxmlformats.org/drawingml/2006/main" xmlns:r="http://schemas.openxmlformats.org/officeDocument/2006/relationships" xmlns:p="http://schemas.openxmlformats.org/presentationml/2006/main">
-  <p:cSld>
-    <p:spTree>
-      <p:nvGrpSpPr>
-        <p:cNvPr id="1" name=""/>
-        <p:cNvGrpSpPr/>
-        <p:nvPr/>
-      </p:nvGrpSpPr>
-      <p:grpSpPr>
-        <a:xfrm>
-          <a:off x="0" y="0"/>
-          <a:ext cx="0" cy="0"/>
-          <a:chOff x="0" y="0"/>
-          <a:chExt cx="0" cy="0"/>
-        </a:xfrm>
-      </p:grpSpPr>
-      <p:sp>
-        <p:nvSpPr>
-          <p:cNvPr id="2" name="제목 1"/>
-          <p:cNvSpPr>
-            <a:spLocks noGrp="1"/>
-          </p:cNvSpPr>
-          <p:nvPr>
-            <p:ph type="title"/>
-          </p:nvPr>
-        </p:nvSpPr>
-        <p:spPr/>
-        <p:txBody>
-          <a:bodyPr/>
-          <a:lstStyle/>
-          <a:p>
-            <a:r>
-              <a:rPr lang="ko-KR" altLang="en-US" dirty="0" smtClean="0"/>
-              <a:t>과학자 스테이지</a:t>
-            </a:r>
-            <a:endParaRPr lang="ko-KR" altLang="en-US" dirty="0"/>
-          </a:p>
-        </p:txBody>
-      </p:sp>
-      <p:sp>
-        <p:nvSpPr>
-          <p:cNvPr id="3" name="내용 개체 틀 2"/>
-          <p:cNvSpPr>
-            <a:spLocks noGrp="1"/>
-          </p:cNvSpPr>
-          <p:nvPr>
-            <p:ph idx="1"/>
-          </p:nvPr>
-        </p:nvSpPr>
-        <p:spPr/>
-        <p:txBody>
-          <a:bodyPr>
-            <a:normAutofit lnSpcReduction="10000"/>
-          </a:bodyPr>
-          <a:lstStyle/>
-          <a:p>
-            <a:r>
-              <a:rPr lang="en-US" altLang="ko-KR" b="1" dirty="0"/>
-              <a:t>2</a:t>
-            </a:r>
-            <a:r>
-              <a:rPr lang="en-US" altLang="ko-KR" b="1" dirty="0" smtClean="0"/>
-              <a:t>. </a:t>
-            </a:r>
-            <a:r>
-              <a:rPr lang="ko-KR" altLang="en-US" b="1" dirty="0" smtClean="0"/>
-              <a:t>그냥 </a:t>
-            </a:r>
-            <a:r>
-              <a:rPr lang="ko-KR" altLang="en-US" b="1" dirty="0" err="1" smtClean="0"/>
-              <a:t>총쏘는애</a:t>
-            </a:r>
-            <a:endParaRPr lang="en-US" altLang="ko-KR" b="1" dirty="0" smtClean="0"/>
-          </a:p>
-          <a:p>
-            <a:r>
-              <a:rPr lang="ko-KR" altLang="en-US" b="1" dirty="0" err="1" smtClean="0"/>
-              <a:t>컨셉</a:t>
-            </a:r>
-            <a:endParaRPr lang="ko-KR" altLang="en-US" dirty="0"/>
-          </a:p>
-          <a:p>
-            <a:endParaRPr lang="en-US" altLang="ko-KR" b="1" dirty="0" smtClean="0"/>
-          </a:p>
-          <a:p>
-            <a:endParaRPr lang="en-US" altLang="ko-KR" b="1" dirty="0" smtClean="0"/>
-          </a:p>
-          <a:p>
-            <a:endParaRPr lang="en-US" altLang="ko-KR" b="1" dirty="0" smtClean="0"/>
-          </a:p>
-          <a:p>
-            <a:r>
-              <a:rPr lang="ko-KR" altLang="en-US" b="1" dirty="0" smtClean="0"/>
-              <a:t>필요한 애니메이션 </a:t>
-            </a:r>
-            <a:r>
-              <a:rPr lang="en-US" altLang="ko-KR" b="1" dirty="0" smtClean="0"/>
-              <a:t>: </a:t>
-            </a:r>
-          </a:p>
-          <a:p>
-            <a:pPr marL="0" indent="0">
-              <a:buNone/>
-            </a:pPr>
-            <a:r>
-              <a:rPr lang="en-US" altLang="ko-KR" b="1" dirty="0" err="1" smtClean="0"/>
-              <a:t>idle,walk</a:t>
-            </a:r>
-            <a:r>
-              <a:rPr lang="en-US" altLang="ko-KR" b="1" dirty="0" smtClean="0"/>
-              <a:t>,</a:t>
-            </a:r>
-            <a:r>
-              <a:rPr lang="ko-KR" altLang="en-US" b="1" dirty="0" err="1" smtClean="0"/>
-              <a:t>투명해질때</a:t>
-            </a:r>
-            <a:r>
-              <a:rPr lang="en-US" altLang="ko-KR" b="1" dirty="0" smtClean="0"/>
-              <a:t>,</a:t>
-            </a:r>
-            <a:r>
-              <a:rPr lang="ko-KR" altLang="en-US" b="1" dirty="0" smtClean="0"/>
-              <a:t>근접공격</a:t>
-            </a:r>
-            <a:r>
-              <a:rPr lang="en-US" altLang="ko-KR" b="1" dirty="0" smtClean="0"/>
-              <a:t>(</a:t>
-            </a:r>
-            <a:r>
-              <a:rPr lang="ko-KR" altLang="en-US" b="1" dirty="0" smtClean="0"/>
-              <a:t>무기는 지팡이</a:t>
-            </a:r>
-            <a:r>
-              <a:rPr lang="en-US" altLang="ko-KR" b="1" dirty="0" smtClean="0"/>
-              <a:t>? </a:t>
-            </a:r>
-            <a:r>
-              <a:rPr lang="ko-KR" altLang="en-US" b="1" dirty="0" smtClean="0"/>
-              <a:t>나 권총</a:t>
-            </a:r>
-            <a:r>
-              <a:rPr lang="en-US" altLang="ko-KR" b="1" dirty="0" smtClean="0"/>
-              <a:t>)</a:t>
-            </a:r>
-            <a:endParaRPr lang="ko-KR" altLang="en-US" b="1" dirty="0"/>
-          </a:p>
-        </p:txBody>
-      </p:sp>
-      <p:pic>
-        <p:nvPicPr>
-          <p:cNvPr id="7170" name="Picture 2"/>
-          <p:cNvPicPr>
-            <a:picLocks noChangeAspect="1" noChangeArrowheads="1"/>
-          </p:cNvPicPr>
-          <p:nvPr/>
-        </p:nvPicPr>
-        <p:blipFill>
-          <a:blip r:embed="rId2">
-            <a:extLst>
-              <a:ext uri="{28A0092B-C50C-407E-A947-70E740481C1C}">
-                <a14:useLocalDpi xmlns:a14="http://schemas.microsoft.com/office/drawing/2010/main" val="0"/>
-              </a:ext>
-            </a:extLst>
-          </a:blip>
-          <a:srcRect/>
-          <a:stretch>
-            <a:fillRect/>
-          </a:stretch>
-        </p:blipFill>
-        <p:spPr bwMode="auto">
-          <a:xfrm>
-            <a:off x="2915816" y="2276872"/>
-            <a:ext cx="1783085" cy="1783085"/>
-          </a:xfrm>
-          <a:prstGeom prst="rect">
-            <a:avLst/>
-          </a:prstGeom>
-          <a:noFill/>
-          <a:ln>
-            <a:noFill/>
-          </a:ln>
-          <a:extLst>
-            <a:ext uri="{909E8E84-426E-40DD-AFC4-6F175D3DCCD1}">
-              <a14:hiddenFill xmlns:a14="http://schemas.microsoft.com/office/drawing/2010/main">
-                <a:solidFill>
-                  <a:schemeClr val="accent1"/>
-                </a:solidFill>
-              </a14:hiddenFill>
-            </a:ext>
-            <a:ext uri="{91240B29-F687-4F45-9708-019B960494DF}">
-              <a14:hiddenLine xmlns:a14="http://schemas.microsoft.com/office/drawing/2010/main" w="9525">
-                <a:solidFill>
-                  <a:schemeClr val="tx1"/>
-                </a:solidFill>
-                <a:miter lim="800000"/>
-                <a:headEnd/>
-                <a:tailEnd/>
-              </a14:hiddenLine>
-            </a:ext>
-          </a:extLst>
-        </p:spPr>
-      </p:pic>
-    </p:spTree>
-    <p:extLst>
-      <p:ext uri="{BB962C8B-B14F-4D97-AF65-F5344CB8AC3E}">
-        <p14:creationId xmlns:p14="http://schemas.microsoft.com/office/powerpoint/2010/main" val="2901946570"/>
       </p:ext>
     </p:extLst>
   </p:cSld>
@@ -9695,6 +9672,222 @@
 </file>
 
 <file path=ppt/slides/slide20.xml><?xml version="1.0" encoding="utf-8"?>
+<p:sld xmlns:a="http://schemas.openxmlformats.org/drawingml/2006/main" xmlns:r="http://schemas.openxmlformats.org/officeDocument/2006/relationships" xmlns:p="http://schemas.openxmlformats.org/presentationml/2006/main">
+  <p:cSld>
+    <p:spTree>
+      <p:nvGrpSpPr>
+        <p:cNvPr id="1" name=""/>
+        <p:cNvGrpSpPr/>
+        <p:nvPr/>
+      </p:nvGrpSpPr>
+      <p:grpSpPr>
+        <a:xfrm>
+          <a:off x="0" y="0"/>
+          <a:ext cx="0" cy="0"/>
+          <a:chOff x="0" y="0"/>
+          <a:chExt cx="0" cy="0"/>
+        </a:xfrm>
+      </p:grpSpPr>
+      <p:sp>
+        <p:nvSpPr>
+          <p:cNvPr id="2" name="제목 1"/>
+          <p:cNvSpPr>
+            <a:spLocks noGrp="1"/>
+          </p:cNvSpPr>
+          <p:nvPr>
+            <p:ph type="title"/>
+          </p:nvPr>
+        </p:nvSpPr>
+        <p:spPr/>
+        <p:txBody>
+          <a:bodyPr/>
+          <a:lstStyle/>
+          <a:p>
+            <a:r>
+              <a:rPr lang="ko-KR" altLang="en-US" dirty="0" smtClean="0"/>
+              <a:t>과학자 스테이지</a:t>
+            </a:r>
+            <a:endParaRPr lang="ko-KR" altLang="en-US" dirty="0"/>
+          </a:p>
+        </p:txBody>
+      </p:sp>
+      <p:sp>
+        <p:nvSpPr>
+          <p:cNvPr id="3" name="내용 개체 틀 2"/>
+          <p:cNvSpPr>
+            <a:spLocks noGrp="1"/>
+          </p:cNvSpPr>
+          <p:nvPr>
+            <p:ph idx="1"/>
+          </p:nvPr>
+        </p:nvSpPr>
+        <p:spPr/>
+        <p:txBody>
+          <a:bodyPr>
+            <a:normAutofit lnSpcReduction="10000"/>
+          </a:bodyPr>
+          <a:lstStyle/>
+          <a:p>
+            <a:r>
+              <a:rPr lang="en-US" altLang="ko-KR" b="1" dirty="0"/>
+              <a:t>2</a:t>
+            </a:r>
+            <a:r>
+              <a:rPr lang="en-US" altLang="ko-KR" b="1" dirty="0" smtClean="0"/>
+              <a:t>. </a:t>
+            </a:r>
+            <a:r>
+              <a:rPr lang="ko-KR" altLang="en-US" b="1" dirty="0" smtClean="0"/>
+              <a:t>그냥 </a:t>
+            </a:r>
+            <a:r>
+              <a:rPr lang="ko-KR" altLang="en-US" b="1" dirty="0" err="1" smtClean="0"/>
+              <a:t>총쏘는애</a:t>
+            </a:r>
+            <a:endParaRPr lang="en-US" altLang="ko-KR" b="1" dirty="0" smtClean="0"/>
+          </a:p>
+          <a:p>
+            <a:r>
+              <a:rPr lang="ko-KR" altLang="en-US" b="1" dirty="0" err="1" smtClean="0"/>
+              <a:t>컨셉</a:t>
+            </a:r>
+            <a:endParaRPr lang="ko-KR" altLang="en-US" dirty="0"/>
+          </a:p>
+          <a:p>
+            <a:endParaRPr lang="en-US" altLang="ko-KR" b="1" dirty="0" smtClean="0"/>
+          </a:p>
+          <a:p>
+            <a:endParaRPr lang="en-US" altLang="ko-KR" b="1" dirty="0" smtClean="0"/>
+          </a:p>
+          <a:p>
+            <a:endParaRPr lang="en-US" altLang="ko-KR" b="1" dirty="0" smtClean="0"/>
+          </a:p>
+          <a:p>
+            <a:r>
+              <a:rPr lang="ko-KR" altLang="en-US" b="1" dirty="0" smtClean="0"/>
+              <a:t>필요한 애니메이션 </a:t>
+            </a:r>
+            <a:r>
+              <a:rPr lang="en-US" altLang="ko-KR" b="1" dirty="0" smtClean="0"/>
+              <a:t>: </a:t>
+            </a:r>
+          </a:p>
+          <a:p>
+            <a:pPr marL="0" indent="0">
+              <a:buNone/>
+            </a:pPr>
+            <a:r>
+              <a:rPr lang="en-US" altLang="ko-KR" b="1" dirty="0" err="1" smtClean="0"/>
+              <a:t>idle,walk</a:t>
+            </a:r>
+            <a:r>
+              <a:rPr lang="en-US" altLang="ko-KR" b="1" dirty="0" smtClean="0"/>
+              <a:t>,</a:t>
+            </a:r>
+            <a:r>
+              <a:rPr lang="ko-KR" altLang="en-US" b="1" dirty="0" err="1" smtClean="0"/>
+              <a:t>투명해질때</a:t>
+            </a:r>
+            <a:r>
+              <a:rPr lang="en-US" altLang="ko-KR" b="1" dirty="0" smtClean="0"/>
+              <a:t>,</a:t>
+            </a:r>
+            <a:r>
+              <a:rPr lang="ko-KR" altLang="en-US" b="1" dirty="0" smtClean="0"/>
+              <a:t>근접공격</a:t>
+            </a:r>
+            <a:r>
+              <a:rPr lang="en-US" altLang="ko-KR" b="1" dirty="0" smtClean="0"/>
+              <a:t>(</a:t>
+            </a:r>
+            <a:r>
+              <a:rPr lang="ko-KR" altLang="en-US" b="1" dirty="0" smtClean="0"/>
+              <a:t>무기는 지팡이</a:t>
+            </a:r>
+            <a:r>
+              <a:rPr lang="en-US" altLang="ko-KR" b="1" dirty="0" smtClean="0"/>
+              <a:t>? </a:t>
+            </a:r>
+            <a:r>
+              <a:rPr lang="ko-KR" altLang="en-US" b="1" dirty="0" smtClean="0"/>
+              <a:t>나 권총</a:t>
+            </a:r>
+            <a:r>
+              <a:rPr lang="en-US" altLang="ko-KR" b="1" dirty="0" smtClean="0"/>
+              <a:t>)</a:t>
+            </a:r>
+            <a:endParaRPr lang="ko-KR" altLang="en-US" b="1" dirty="0"/>
+          </a:p>
+        </p:txBody>
+      </p:sp>
+      <p:pic>
+        <p:nvPicPr>
+          <p:cNvPr id="7170" name="Picture 2"/>
+          <p:cNvPicPr>
+            <a:picLocks noChangeAspect="1" noChangeArrowheads="1"/>
+          </p:cNvPicPr>
+          <p:nvPr/>
+        </p:nvPicPr>
+        <p:blipFill>
+          <a:blip r:embed="rId2">
+            <a:extLst>
+              <a:ext uri="{28A0092B-C50C-407E-A947-70E740481C1C}">
+                <a14:useLocalDpi xmlns:a14="http://schemas.microsoft.com/office/drawing/2010/main" val="0"/>
+              </a:ext>
+            </a:extLst>
+          </a:blip>
+          <a:srcRect/>
+          <a:stretch>
+            <a:fillRect/>
+          </a:stretch>
+        </p:blipFill>
+        <p:spPr bwMode="auto">
+          <a:xfrm>
+            <a:off x="2915816" y="2276872"/>
+            <a:ext cx="1783085" cy="1783085"/>
+          </a:xfrm>
+          <a:prstGeom prst="rect">
+            <a:avLst/>
+          </a:prstGeom>
+          <a:noFill/>
+          <a:ln>
+            <a:noFill/>
+          </a:ln>
+          <a:extLst>
+            <a:ext uri="{909E8E84-426E-40DD-AFC4-6F175D3DCCD1}">
+              <a14:hiddenFill xmlns:a14="http://schemas.microsoft.com/office/drawing/2010/main">
+                <a:solidFill>
+                  <a:schemeClr val="accent1"/>
+                </a:solidFill>
+              </a14:hiddenFill>
+            </a:ext>
+            <a:ext uri="{91240B29-F687-4F45-9708-019B960494DF}">
+              <a14:hiddenLine xmlns:a14="http://schemas.microsoft.com/office/drawing/2010/main" w="9525">
+                <a:solidFill>
+                  <a:schemeClr val="tx1"/>
+                </a:solidFill>
+                <a:miter lim="800000"/>
+                <a:headEnd/>
+                <a:tailEnd/>
+              </a14:hiddenLine>
+            </a:ext>
+          </a:extLst>
+        </p:spPr>
+      </p:pic>
+    </p:spTree>
+    <p:extLst>
+      <p:ext uri="{BB962C8B-B14F-4D97-AF65-F5344CB8AC3E}">
+        <p14:creationId xmlns:p14="http://schemas.microsoft.com/office/powerpoint/2010/main" val="2901946570"/>
+      </p:ext>
+    </p:extLst>
+  </p:cSld>
+  <p:clrMapOvr>
+    <a:masterClrMapping/>
+  </p:clrMapOvr>
+</p:sld>
+</file>
+
+<file path=ppt/slides/slide21.xml><?xml version="1.0" encoding="utf-8"?>
 <p:sld xmlns:a="http://schemas.openxmlformats.org/drawingml/2006/main" xmlns:r="http://schemas.openxmlformats.org/officeDocument/2006/relationships" xmlns:p="http://schemas.openxmlformats.org/presentationml/2006/main">
   <p:cSld>
     <p:spTree>

--- a/EscapeJail/Assets/기획/스테이지1기획.pptx
+++ b/EscapeJail/Assets/기획/스테이지1기획.pptx
@@ -7940,6 +7940,43 @@
               <a:rPr lang="ko-KR" altLang="en-US" sz="2000" b="1" dirty="0" err="1" smtClean="0"/>
               <a:t>해야할듯</a:t>
             </a:r>
+            <a:endParaRPr lang="en-US" altLang="ko-KR" sz="2000" b="1" dirty="0" smtClean="0"/>
+          </a:p>
+          <a:p>
+            <a:endParaRPr lang="en-US" altLang="ko-KR" sz="2000" b="1" dirty="0"/>
+          </a:p>
+          <a:p>
+            <a:endParaRPr lang="en-US" altLang="ko-KR" sz="2000" b="1" dirty="0" smtClean="0"/>
+          </a:p>
+          <a:p>
+            <a:r>
+              <a:rPr lang="ko-KR" altLang="en-US" sz="2000" b="1" dirty="0" smtClean="0"/>
+              <a:t>죄수</a:t>
+            </a:r>
+            <a:r>
+              <a:rPr lang="en-US" altLang="ko-KR" sz="2000" b="1" dirty="0" smtClean="0"/>
+              <a:t>4(</a:t>
+            </a:r>
+            <a:r>
+              <a:rPr lang="ko-KR" altLang="en-US" sz="2000" b="1" dirty="0" err="1" smtClean="0"/>
+              <a:t>수류탄맨</a:t>
+            </a:r>
+            <a:r>
+              <a:rPr lang="en-US" altLang="ko-KR" sz="2000" b="1" dirty="0" smtClean="0"/>
+              <a:t>) </a:t>
+            </a:r>
+            <a:r>
+              <a:rPr lang="ko-KR" altLang="en-US" sz="2000" b="1" dirty="0" err="1" smtClean="0"/>
+              <a:t>너무약함</a:t>
+            </a:r>
+            <a:r>
+              <a:rPr lang="ko-KR" altLang="en-US" sz="2000" b="1" dirty="0" smtClean="0"/>
+              <a:t> 폭발범위 </a:t>
+            </a:r>
+            <a:r>
+              <a:rPr lang="ko-KR" altLang="en-US" sz="2000" b="1" dirty="0" err="1" smtClean="0"/>
+              <a:t>엄청크게하면어떨지</a:t>
+            </a:r>
             <a:endParaRPr lang="ko-KR" altLang="en-US" sz="2000" b="1" dirty="0"/>
           </a:p>
         </p:txBody>

--- a/EscapeJail/Assets/기획/스테이지1기획.pptx
+++ b/EscapeJail/Assets/기획/스테이지1기획.pptx
@@ -7823,7 +7823,7 @@
         </p:spPr>
         <p:txBody>
           <a:bodyPr>
-            <a:normAutofit/>
+            <a:normAutofit lnSpcReduction="10000"/>
           </a:bodyPr>
           <a:lstStyle/>
           <a:p>
@@ -7916,6 +7916,48 @@
             <a:endParaRPr lang="en-US" altLang="ko-KR" sz="2000" b="1" dirty="0" smtClean="0"/>
           </a:p>
           <a:p>
+            <a:pPr marL="0" indent="0">
+              <a:buNone/>
+            </a:pPr>
+            <a:r>
+              <a:rPr lang="en-US" altLang="ko-KR" sz="2000" b="1" dirty="0" smtClean="0"/>
+              <a:t>-&gt;</a:t>
+            </a:r>
+            <a:r>
+              <a:rPr lang="ko-KR" altLang="en-US" sz="2000" b="1" dirty="0" smtClean="0"/>
+              <a:t>최소 </a:t>
+            </a:r>
+            <a:r>
+              <a:rPr lang="ko-KR" altLang="en-US" sz="2000" b="1" dirty="0" err="1" smtClean="0"/>
+              <a:t>방개수를</a:t>
+            </a:r>
+            <a:r>
+              <a:rPr lang="ko-KR" altLang="en-US" sz="2000" b="1" dirty="0" smtClean="0"/>
+              <a:t> </a:t>
+            </a:r>
+            <a:r>
+              <a:rPr lang="en-US" altLang="ko-KR" sz="2000" b="1" dirty="0" smtClean="0"/>
+              <a:t>5~10</a:t>
+            </a:r>
+            <a:r>
+              <a:rPr lang="ko-KR" altLang="en-US" sz="2000" b="1" dirty="0" smtClean="0"/>
+              <a:t>개 이상으로 하게 </a:t>
+            </a:r>
+            <a:r>
+              <a:rPr lang="ko-KR" altLang="en-US" sz="2000" b="1" dirty="0" err="1" smtClean="0"/>
+              <a:t>하는게</a:t>
+            </a:r>
+            <a:r>
+              <a:rPr lang="ko-KR" altLang="en-US" sz="2000" b="1" dirty="0" smtClean="0"/>
+              <a:t> </a:t>
+            </a:r>
+            <a:r>
+              <a:rPr lang="ko-KR" altLang="en-US" sz="2000" b="1" dirty="0" err="1" smtClean="0"/>
+              <a:t>나을듯</a:t>
+            </a:r>
+            <a:endParaRPr lang="en-US" altLang="ko-KR" sz="2000" b="1" dirty="0" smtClean="0"/>
+          </a:p>
+          <a:p>
             <a:r>
               <a:rPr lang="ko-KR" altLang="en-US" sz="2000" b="1" dirty="0" smtClean="0"/>
               <a:t>아니면 </a:t>
@@ -7943,7 +7985,38 @@
             <a:endParaRPr lang="en-US" altLang="ko-KR" sz="2000" b="1" dirty="0" smtClean="0"/>
           </a:p>
           <a:p>
-            <a:endParaRPr lang="en-US" altLang="ko-KR" sz="2000" b="1" dirty="0"/>
+            <a:pPr marL="0" indent="0">
+              <a:buNone/>
+            </a:pPr>
+            <a:r>
+              <a:rPr lang="en-US" altLang="ko-KR" sz="2000" b="1" dirty="0" smtClean="0"/>
+              <a:t>-&gt;</a:t>
+            </a:r>
+            <a:r>
+              <a:rPr lang="ko-KR" altLang="en-US" sz="2000" b="1" dirty="0" smtClean="0"/>
+              <a:t>아이템 </a:t>
+            </a:r>
+            <a:r>
+              <a:rPr lang="ko-KR" altLang="en-US" sz="2000" b="1" dirty="0" err="1" smtClean="0"/>
+              <a:t>드랍확률은</a:t>
+            </a:r>
+            <a:r>
+              <a:rPr lang="ko-KR" altLang="en-US" sz="2000" b="1" dirty="0" smtClean="0"/>
+              <a:t> 모든 스테이지 랜덤으로 </a:t>
+            </a:r>
+            <a:r>
+              <a:rPr lang="ko-KR" altLang="en-US" sz="2000" b="1" dirty="0" err="1" smtClean="0"/>
+              <a:t>하는게</a:t>
+            </a:r>
+            <a:r>
+              <a:rPr lang="ko-KR" altLang="en-US" sz="2000" b="1" dirty="0" smtClean="0"/>
+              <a:t> </a:t>
+            </a:r>
+            <a:r>
+              <a:rPr lang="ko-KR" altLang="en-US" sz="2000" b="1" dirty="0" err="1" smtClean="0"/>
+              <a:t>나을듯</a:t>
+            </a:r>
+            <a:endParaRPr lang="en-US" altLang="ko-KR" sz="2000" b="1" dirty="0" smtClean="0"/>
           </a:p>
           <a:p>
             <a:endParaRPr lang="en-US" altLang="ko-KR" sz="2000" b="1" dirty="0" smtClean="0"/>
@@ -7976,6 +8049,63 @@
             <a:r>
               <a:rPr lang="ko-KR" altLang="en-US" sz="2000" b="1" dirty="0" err="1" smtClean="0"/>
               <a:t>엄청크게하면어떨지</a:t>
+            </a:r>
+            <a:endParaRPr lang="en-US" altLang="ko-KR" sz="2000" b="1" dirty="0" smtClean="0"/>
+          </a:p>
+          <a:p>
+            <a:endParaRPr lang="en-US" altLang="ko-KR" sz="2000" b="1" dirty="0"/>
+          </a:p>
+          <a:p>
+            <a:r>
+              <a:rPr lang="ko-KR" altLang="en-US" sz="2000" b="1" dirty="0" smtClean="0"/>
+              <a:t>총알수가 나오는 적들에 비해 부족한 느낌이 들어 </a:t>
+            </a:r>
+            <a:r>
+              <a:rPr lang="ko-KR" altLang="en-US" sz="2000" b="1" dirty="0" err="1" smtClean="0"/>
+              <a:t>액션성이</a:t>
+            </a:r>
+            <a:r>
+              <a:rPr lang="ko-KR" altLang="en-US" sz="2000" b="1" dirty="0" smtClean="0"/>
+              <a:t> 살짝 김빠질 수도</a:t>
+            </a:r>
+            <a:endParaRPr lang="en-US" altLang="ko-KR" sz="2000" b="1" dirty="0" smtClean="0"/>
+          </a:p>
+          <a:p>
+            <a:r>
+              <a:rPr lang="ko-KR" altLang="en-US" sz="2000" b="1" dirty="0" err="1" smtClean="0"/>
+              <a:t>소울나이트</a:t>
+            </a:r>
+            <a:r>
+              <a:rPr lang="ko-KR" altLang="en-US" sz="2000" b="1" dirty="0" smtClean="0"/>
+              <a:t> </a:t>
+            </a:r>
+            <a:r>
+              <a:rPr lang="ko-KR" altLang="en-US" sz="2000" b="1" dirty="0" err="1" smtClean="0"/>
+              <a:t>처럼</a:t>
+            </a:r>
+            <a:r>
+              <a:rPr lang="ko-KR" altLang="en-US" sz="2000" b="1" dirty="0" smtClean="0"/>
+              <a:t> 총알 </a:t>
+            </a:r>
+            <a:r>
+              <a:rPr lang="ko-KR" altLang="en-US" sz="2000" b="1" dirty="0" err="1" smtClean="0"/>
+              <a:t>다쓰면</a:t>
+            </a:r>
+            <a:r>
+              <a:rPr lang="ko-KR" altLang="en-US" sz="2000" b="1" dirty="0" smtClean="0"/>
+              <a:t> 근접공격 따로 </a:t>
+            </a:r>
+            <a:r>
+              <a:rPr lang="ko-KR" altLang="en-US" sz="2000" b="1" dirty="0" err="1" smtClean="0"/>
+              <a:t>두는건</a:t>
+            </a:r>
+            <a:r>
+              <a:rPr lang="ko-KR" altLang="en-US" sz="2000" b="1" dirty="0" smtClean="0"/>
+              <a:t> 어떨지</a:t>
+            </a:r>
+            <a:r>
+              <a:rPr lang="en-US" altLang="ko-KR" sz="2000" b="1" smtClean="0"/>
+              <a:t>?</a:t>
             </a:r>
             <a:endParaRPr lang="ko-KR" altLang="en-US" sz="2000" b="1" dirty="0"/>
           </a:p>
@@ -13104,14 +13234,14 @@
           <p:nvPr>
             <p:extLst>
               <p:ext uri="{D42A27DB-BD31-4B8C-83A1-F6EECF244321}">
-                <p14:modId xmlns:p14="http://schemas.microsoft.com/office/powerpoint/2010/main" val="259351062"/>
+                <p14:modId xmlns:p14="http://schemas.microsoft.com/office/powerpoint/2010/main" val="806779484"/>
               </p:ext>
             </p:extLst>
           </p:nvPr>
         </p:nvGraphicFramePr>
         <p:xfrm>
           <a:off x="395536" y="1412776"/>
-          <a:ext cx="8136904" cy="4079240"/>
+          <a:ext cx="8136904" cy="4307840"/>
         </p:xfrm>
         <a:graphic>
           <a:graphicData uri="http://schemas.openxmlformats.org/drawingml/2006/table">
@@ -13419,6 +13549,58 @@
                     <a:bodyPr/>
                     <a:lstStyle/>
                     <a:p>
+                      <a:pPr marL="0" marR="0" indent="0" algn="l" defTabSz="914400" rtl="0" eaLnBrk="1" fontAlgn="auto" latinLnBrk="1" hangingPunct="1">
+                        <a:lnSpc>
+                          <a:spcPct val="100000"/>
+                        </a:lnSpc>
+                        <a:spcBef>
+                          <a:spcPts val="0"/>
+                        </a:spcBef>
+                        <a:spcAft>
+                          <a:spcPts val="0"/>
+                        </a:spcAft>
+                        <a:buClrTx/>
+                        <a:buSzTx/>
+                        <a:buFontTx/>
+                        <a:buNone/>
+                        <a:tabLst/>
+                        <a:defRPr/>
+                      </a:pPr>
+                      <a:r>
+                        <a:rPr lang="en-US" altLang="ko-KR" sz="1000" dirty="0" smtClean="0"/>
+                        <a:t>30</a:t>
+                      </a:r>
+                      <a:r>
+                        <a:rPr lang="ko-KR" altLang="en-US" sz="1000" dirty="0" smtClean="0"/>
+                        <a:t>발로 할지 </a:t>
+                      </a:r>
+                      <a:r>
+                        <a:rPr lang="ko-KR" altLang="en-US" sz="1000" dirty="0" err="1" smtClean="0"/>
+                        <a:t>고민중</a:t>
+                      </a:r>
+                      <a:r>
+                        <a:rPr lang="en-US" altLang="ko-KR" sz="1000" dirty="0" smtClean="0"/>
+                        <a:t>(</a:t>
+                      </a:r>
+                      <a:r>
+                        <a:rPr lang="ko-KR" altLang="en-US" sz="1000" dirty="0" smtClean="0"/>
+                        <a:t>등장하는 적들에 비해 </a:t>
+                      </a:r>
+                      <a:r>
+                        <a:rPr lang="ko-KR" altLang="en-US" sz="1000" dirty="0" err="1" smtClean="0"/>
+                        <a:t>총알수</a:t>
+                      </a:r>
+                      <a:r>
+                        <a:rPr lang="ko-KR" altLang="en-US" sz="1000" dirty="0" smtClean="0"/>
+                        <a:t> 너무 적음</a:t>
+                      </a:r>
+                      <a:r>
+                        <a:rPr lang="en-US" altLang="ko-KR" sz="1000" dirty="0" smtClean="0"/>
+                        <a:t>)</a:t>
+                      </a:r>
+                      <a:endParaRPr lang="ko-KR" altLang="en-US" sz="1000" dirty="0" smtClean="0"/>
+                    </a:p>
+                    <a:p>
                       <a:pPr latinLnBrk="1"/>
                       <a:endParaRPr lang="ko-KR" altLang="en-US" sz="1000" dirty="0"/>
                     </a:p>
@@ -13620,8 +13802,56 @@
                     <a:bodyPr/>
                     <a:lstStyle/>
                     <a:p>
-                      <a:pPr latinLnBrk="1"/>
-                      <a:endParaRPr lang="ko-KR" altLang="en-US" sz="1000" dirty="0"/>
+                      <a:pPr marL="0" marR="0" indent="0" algn="l" defTabSz="914400" rtl="0" eaLnBrk="1" fontAlgn="auto" latinLnBrk="1" hangingPunct="1">
+                        <a:lnSpc>
+                          <a:spcPct val="100000"/>
+                        </a:lnSpc>
+                        <a:spcBef>
+                          <a:spcPts val="0"/>
+                        </a:spcBef>
+                        <a:spcAft>
+                          <a:spcPts val="0"/>
+                        </a:spcAft>
+                        <a:buClrTx/>
+                        <a:buSzTx/>
+                        <a:buFontTx/>
+                        <a:buNone/>
+                        <a:tabLst/>
+                        <a:defRPr/>
+                      </a:pPr>
+                      <a:r>
+                        <a:rPr lang="en-US" altLang="ko-KR" sz="1000" dirty="0" smtClean="0"/>
+                        <a:t>30</a:t>
+                      </a:r>
+                      <a:r>
+                        <a:rPr lang="ko-KR" altLang="en-US" sz="1000" dirty="0" smtClean="0"/>
+                        <a:t>발로 할지 </a:t>
+                      </a:r>
+                      <a:r>
+                        <a:rPr lang="ko-KR" altLang="en-US" sz="1000" dirty="0" err="1" smtClean="0"/>
+                        <a:t>고민중</a:t>
+                      </a:r>
+                      <a:r>
+                        <a:rPr lang="en-US" altLang="ko-KR" sz="1000" dirty="0" smtClean="0"/>
+                        <a:t>(</a:t>
+                      </a:r>
+                      <a:r>
+                        <a:rPr lang="ko-KR" altLang="en-US" sz="1000" dirty="0" smtClean="0"/>
+                        <a:t>등장하는 적들에 비해 </a:t>
+                      </a:r>
+                      <a:r>
+                        <a:rPr lang="ko-KR" altLang="en-US" sz="1000" dirty="0" err="1" smtClean="0"/>
+                        <a:t>총알수</a:t>
+                      </a:r>
+                      <a:r>
+                        <a:rPr lang="ko-KR" altLang="en-US" sz="1000" dirty="0" smtClean="0"/>
+                        <a:t> 너무 적음</a:t>
+                      </a:r>
+                      <a:r>
+                        <a:rPr lang="en-US" altLang="ko-KR" sz="1000" dirty="0" smtClean="0"/>
+                        <a:t>)</a:t>
+                      </a:r>
+                      <a:endParaRPr lang="ko-KR" altLang="en-US" sz="1000" dirty="0" smtClean="0"/>
                     </a:p>
                   </a:txBody>
                   <a:tcPr>
@@ -13821,8 +14051,56 @@
                     <a:bodyPr/>
                     <a:lstStyle/>
                     <a:p>
-                      <a:pPr latinLnBrk="1"/>
-                      <a:endParaRPr lang="ko-KR" altLang="en-US" sz="1000" dirty="0"/>
+                      <a:pPr marL="0" marR="0" indent="0" algn="l" defTabSz="914400" rtl="0" eaLnBrk="1" fontAlgn="auto" latinLnBrk="1" hangingPunct="1">
+                        <a:lnSpc>
+                          <a:spcPct val="100000"/>
+                        </a:lnSpc>
+                        <a:spcBef>
+                          <a:spcPts val="0"/>
+                        </a:spcBef>
+                        <a:spcAft>
+                          <a:spcPts val="0"/>
+                        </a:spcAft>
+                        <a:buClrTx/>
+                        <a:buSzTx/>
+                        <a:buFontTx/>
+                        <a:buNone/>
+                        <a:tabLst/>
+                        <a:defRPr/>
+                      </a:pPr>
+                      <a:r>
+                        <a:rPr lang="en-US" altLang="ko-KR" sz="1000" dirty="0" smtClean="0"/>
+                        <a:t>30</a:t>
+                      </a:r>
+                      <a:r>
+                        <a:rPr lang="ko-KR" altLang="en-US" sz="1000" dirty="0" smtClean="0"/>
+                        <a:t>발로 할지 </a:t>
+                      </a:r>
+                      <a:r>
+                        <a:rPr lang="ko-KR" altLang="en-US" sz="1000" dirty="0" err="1" smtClean="0"/>
+                        <a:t>고민중</a:t>
+                      </a:r>
+                      <a:r>
+                        <a:rPr lang="en-US" altLang="ko-KR" sz="1000" dirty="0" smtClean="0"/>
+                        <a:t>(</a:t>
+                      </a:r>
+                      <a:r>
+                        <a:rPr lang="ko-KR" altLang="en-US" sz="1000" dirty="0" smtClean="0"/>
+                        <a:t>등장하는 적들에 비해 </a:t>
+                      </a:r>
+                      <a:r>
+                        <a:rPr lang="ko-KR" altLang="en-US" sz="1000" dirty="0" err="1" smtClean="0"/>
+                        <a:t>총알수</a:t>
+                      </a:r>
+                      <a:r>
+                        <a:rPr lang="ko-KR" altLang="en-US" sz="1000" dirty="0" smtClean="0"/>
+                        <a:t> 너무 적음</a:t>
+                      </a:r>
+                      <a:r>
+                        <a:rPr lang="en-US" altLang="ko-KR" sz="1000" dirty="0" smtClean="0"/>
+                        <a:t>)</a:t>
+                      </a:r>
+                      <a:endParaRPr lang="ko-KR" altLang="en-US" sz="1000" dirty="0" smtClean="0"/>
                     </a:p>
                   </a:txBody>
                   <a:tcPr>
@@ -13949,12 +14227,16 @@
                     <a:p>
                       <a:pPr latinLnBrk="1"/>
                       <a:r>
+                        <a:rPr lang="ko-KR" altLang="en-US" sz="1000" dirty="0" smtClean="0"/>
+                        <a:t>폭탄 </a:t>
+                      </a:r>
+                      <a:r>
                         <a:rPr lang="ko-KR" altLang="en-US" sz="1000" dirty="0" err="1" smtClean="0"/>
-                        <a:t>폭탄발사류무기탄약</a:t>
+                        <a:t>발사류</a:t>
                       </a:r>
                       <a:r>
                         <a:rPr lang="ko-KR" altLang="en-US" sz="1000" dirty="0" smtClean="0"/>
-                        <a:t> </a:t>
+                        <a:t> 무기탄약 </a:t>
                       </a:r>
                       <a:r>
                         <a:rPr lang="en-US" altLang="ko-KR" sz="1000" dirty="0" smtClean="0"/>
@@ -14028,12 +14310,20 @@
                     <a:p>
                       <a:pPr latinLnBrk="1"/>
                       <a:r>
+                        <a:rPr lang="ko-KR" altLang="en-US" sz="1000" dirty="0" smtClean="0"/>
+                        <a:t>총알 </a:t>
+                      </a:r>
+                      <a:r>
                         <a:rPr lang="ko-KR" altLang="en-US" sz="1000" dirty="0" err="1" smtClean="0"/>
-                        <a:t>총알어떻게할지</a:t>
+                        <a:t>어떻게할지</a:t>
                       </a:r>
                       <a:r>
                         <a:rPr lang="ko-KR" altLang="en-US" sz="1000" dirty="0" smtClean="0"/>
-                        <a:t> 고민</a:t>
+                        <a:t> </a:t>
+                      </a:r>
+                      <a:r>
+                        <a:rPr lang="ko-KR" altLang="en-US" sz="1000" dirty="0" smtClean="0"/>
+                        <a:t>고민</a:t>
                       </a:r>
                       <a:endParaRPr lang="ko-KR" altLang="en-US" sz="1000" dirty="0"/>
                     </a:p>

--- a/EscapeJail/Assets/기획/스테이지1기획.pptx
+++ b/EscapeJail/Assets/기획/스테이지1기획.pptx
@@ -14319,11 +14319,7 @@
                       </a:r>
                       <a:r>
                         <a:rPr lang="ko-KR" altLang="en-US" sz="1000" dirty="0" smtClean="0"/>
-                        <a:t> </a:t>
-                      </a:r>
-                      <a:r>
-                        <a:rPr lang="ko-KR" altLang="en-US" sz="1000" dirty="0" smtClean="0"/>
-                        <a:t>고민</a:t>
+                        <a:t> 고민</a:t>
                       </a:r>
                       <a:endParaRPr lang="ko-KR" altLang="en-US" sz="1000" dirty="0"/>
                     </a:p>

--- a/EscapeJail/Assets/기획/스테이지1기획.pptx
+++ b/EscapeJail/Assets/기획/스테이지1기획.pptx
@@ -18,14 +18,15 @@
     <p:sldId id="269" r:id="rId12"/>
     <p:sldId id="263" r:id="rId13"/>
     <p:sldId id="281" r:id="rId14"/>
-    <p:sldId id="264" r:id="rId15"/>
-    <p:sldId id="272" r:id="rId16"/>
-    <p:sldId id="273" r:id="rId17"/>
-    <p:sldId id="275" r:id="rId18"/>
-    <p:sldId id="279" r:id="rId19"/>
-    <p:sldId id="276" r:id="rId20"/>
-    <p:sldId id="278" r:id="rId21"/>
-    <p:sldId id="280" r:id="rId22"/>
+    <p:sldId id="282" r:id="rId15"/>
+    <p:sldId id="264" r:id="rId16"/>
+    <p:sldId id="272" r:id="rId17"/>
+    <p:sldId id="273" r:id="rId18"/>
+    <p:sldId id="275" r:id="rId19"/>
+    <p:sldId id="279" r:id="rId20"/>
+    <p:sldId id="276" r:id="rId21"/>
+    <p:sldId id="278" r:id="rId22"/>
+    <p:sldId id="280" r:id="rId23"/>
   </p:sldIdLst>
   <p:sldSz cx="9144000" cy="6858000" type="screen4x3"/>
   <p:notesSz cx="6858000" cy="9144000"/>
@@ -308,7 +309,7 @@
           <a:p>
             <a:fld id="{75C3E87A-1EF5-4BC0-A34A-1B32DEFB2AF0}" type="datetimeFigureOut">
               <a:rPr lang="ko-KR" altLang="en-US" smtClean="0"/>
-              <a:t>2017-10-13</a:t>
+              <a:t>2017-10-14</a:t>
             </a:fld>
             <a:endParaRPr lang="ko-KR" altLang="en-US"/>
           </a:p>
@@ -478,7 +479,7 @@
           <a:p>
             <a:fld id="{75C3E87A-1EF5-4BC0-A34A-1B32DEFB2AF0}" type="datetimeFigureOut">
               <a:rPr lang="ko-KR" altLang="en-US" smtClean="0"/>
-              <a:t>2017-10-13</a:t>
+              <a:t>2017-10-14</a:t>
             </a:fld>
             <a:endParaRPr lang="ko-KR" altLang="en-US"/>
           </a:p>
@@ -658,7 +659,7 @@
           <a:p>
             <a:fld id="{75C3E87A-1EF5-4BC0-A34A-1B32DEFB2AF0}" type="datetimeFigureOut">
               <a:rPr lang="ko-KR" altLang="en-US" smtClean="0"/>
-              <a:t>2017-10-13</a:t>
+              <a:t>2017-10-14</a:t>
             </a:fld>
             <a:endParaRPr lang="ko-KR" altLang="en-US"/>
           </a:p>
@@ -828,7 +829,7 @@
           <a:p>
             <a:fld id="{75C3E87A-1EF5-4BC0-A34A-1B32DEFB2AF0}" type="datetimeFigureOut">
               <a:rPr lang="ko-KR" altLang="en-US" smtClean="0"/>
-              <a:t>2017-10-13</a:t>
+              <a:t>2017-10-14</a:t>
             </a:fld>
             <a:endParaRPr lang="ko-KR" altLang="en-US"/>
           </a:p>
@@ -1074,7 +1075,7 @@
           <a:p>
             <a:fld id="{75C3E87A-1EF5-4BC0-A34A-1B32DEFB2AF0}" type="datetimeFigureOut">
               <a:rPr lang="ko-KR" altLang="en-US" smtClean="0"/>
-              <a:t>2017-10-13</a:t>
+              <a:t>2017-10-14</a:t>
             </a:fld>
             <a:endParaRPr lang="ko-KR" altLang="en-US"/>
           </a:p>
@@ -1362,7 +1363,7 @@
           <a:p>
             <a:fld id="{75C3E87A-1EF5-4BC0-A34A-1B32DEFB2AF0}" type="datetimeFigureOut">
               <a:rPr lang="ko-KR" altLang="en-US" smtClean="0"/>
-              <a:t>2017-10-13</a:t>
+              <a:t>2017-10-14</a:t>
             </a:fld>
             <a:endParaRPr lang="ko-KR" altLang="en-US"/>
           </a:p>
@@ -1784,7 +1785,7 @@
           <a:p>
             <a:fld id="{75C3E87A-1EF5-4BC0-A34A-1B32DEFB2AF0}" type="datetimeFigureOut">
               <a:rPr lang="ko-KR" altLang="en-US" smtClean="0"/>
-              <a:t>2017-10-13</a:t>
+              <a:t>2017-10-14</a:t>
             </a:fld>
             <a:endParaRPr lang="ko-KR" altLang="en-US"/>
           </a:p>
@@ -1902,7 +1903,7 @@
           <a:p>
             <a:fld id="{75C3E87A-1EF5-4BC0-A34A-1B32DEFB2AF0}" type="datetimeFigureOut">
               <a:rPr lang="ko-KR" altLang="en-US" smtClean="0"/>
-              <a:t>2017-10-13</a:t>
+              <a:t>2017-10-14</a:t>
             </a:fld>
             <a:endParaRPr lang="ko-KR" altLang="en-US"/>
           </a:p>
@@ -1997,7 +1998,7 @@
           <a:p>
             <a:fld id="{75C3E87A-1EF5-4BC0-A34A-1B32DEFB2AF0}" type="datetimeFigureOut">
               <a:rPr lang="ko-KR" altLang="en-US" smtClean="0"/>
-              <a:t>2017-10-13</a:t>
+              <a:t>2017-10-14</a:t>
             </a:fld>
             <a:endParaRPr lang="ko-KR" altLang="en-US"/>
           </a:p>
@@ -2274,7 +2275,7 @@
           <a:p>
             <a:fld id="{75C3E87A-1EF5-4BC0-A34A-1B32DEFB2AF0}" type="datetimeFigureOut">
               <a:rPr lang="ko-KR" altLang="en-US" smtClean="0"/>
-              <a:t>2017-10-13</a:t>
+              <a:t>2017-10-14</a:t>
             </a:fld>
             <a:endParaRPr lang="ko-KR" altLang="en-US"/>
           </a:p>
@@ -2527,7 +2528,7 @@
           <a:p>
             <a:fld id="{75C3E87A-1EF5-4BC0-A34A-1B32DEFB2AF0}" type="datetimeFigureOut">
               <a:rPr lang="ko-KR" altLang="en-US" smtClean="0"/>
-              <a:t>2017-10-13</a:t>
+              <a:t>2017-10-14</a:t>
             </a:fld>
             <a:endParaRPr lang="ko-KR" altLang="en-US"/>
           </a:p>
@@ -2740,7 +2741,7 @@
           <a:p>
             <a:fld id="{75C3E87A-1EF5-4BC0-A34A-1B32DEFB2AF0}" type="datetimeFigureOut">
               <a:rPr lang="ko-KR" altLang="en-US" smtClean="0"/>
-              <a:t>2017-10-13</a:t>
+              <a:t>2017-10-14</a:t>
             </a:fld>
             <a:endParaRPr lang="ko-KR" altLang="en-US"/>
           </a:p>
@@ -8157,6 +8158,139 @@
           <a:lstStyle/>
           <a:p>
             <a:r>
+              <a:rPr lang="ko-KR" altLang="en-US" dirty="0" smtClean="0"/>
+              <a:t>기타아이디어</a:t>
+            </a:r>
+            <a:endParaRPr lang="ko-KR" altLang="en-US" dirty="0"/>
+          </a:p>
+        </p:txBody>
+      </p:sp>
+      <p:sp>
+        <p:nvSpPr>
+          <p:cNvPr id="3" name="내용 개체 틀 2"/>
+          <p:cNvSpPr>
+            <a:spLocks noGrp="1"/>
+          </p:cNvSpPr>
+          <p:nvPr>
+            <p:ph idx="1"/>
+          </p:nvPr>
+        </p:nvSpPr>
+        <p:spPr>
+          <a:xfrm>
+            <a:off x="457200" y="1628800"/>
+            <a:ext cx="8147248" cy="4497363"/>
+          </a:xfrm>
+        </p:spPr>
+        <p:txBody>
+          <a:bodyPr>
+            <a:normAutofit/>
+          </a:bodyPr>
+          <a:lstStyle/>
+          <a:p>
+            <a:r>
+              <a:rPr lang="ko-KR" altLang="en-US" sz="2000" b="1" dirty="0" smtClean="0"/>
+              <a:t>근접무기의 기본특징 </a:t>
+            </a:r>
+            <a:r>
+              <a:rPr lang="en-US" altLang="ko-KR" sz="2000" b="1" dirty="0" smtClean="0"/>
+              <a:t>(</a:t>
+            </a:r>
+            <a:r>
+              <a:rPr lang="ko-KR" altLang="en-US" sz="2000" b="1" dirty="0" smtClean="0"/>
+              <a:t>총알 </a:t>
+            </a:r>
+            <a:r>
+              <a:rPr lang="ko-KR" altLang="en-US" sz="2000" b="1" dirty="0" err="1" smtClean="0"/>
+              <a:t>없애는거</a:t>
+            </a:r>
+            <a:r>
+              <a:rPr lang="ko-KR" altLang="en-US" sz="2000" b="1" dirty="0" smtClean="0"/>
+              <a:t> 가능</a:t>
+            </a:r>
+            <a:r>
+              <a:rPr lang="en-US" altLang="ko-KR" sz="2000" b="1" dirty="0" smtClean="0"/>
+              <a:t>),</a:t>
+            </a:r>
+            <a:r>
+              <a:rPr lang="ko-KR" altLang="en-US" sz="2000" b="1" dirty="0" smtClean="0"/>
+              <a:t>좋은 근접무기일수록</a:t>
+            </a:r>
+            <a:endParaRPr lang="en-US" altLang="ko-KR" sz="2000" b="1" dirty="0" smtClean="0"/>
+          </a:p>
+          <a:p>
+            <a:r>
+              <a:rPr lang="ko-KR" altLang="en-US" sz="2000" b="1" dirty="0" smtClean="0"/>
+              <a:t>공격속도가 빨라짐 </a:t>
+            </a:r>
+            <a:r>
+              <a:rPr lang="en-US" altLang="ko-KR" sz="2000" b="1" dirty="0" smtClean="0"/>
+              <a:t>(</a:t>
+            </a:r>
+            <a:r>
+              <a:rPr lang="ko-KR" altLang="en-US" sz="2000" b="1" dirty="0" err="1" smtClean="0"/>
+              <a:t>좋은근접무기는</a:t>
+            </a:r>
+            <a:r>
+              <a:rPr lang="ko-KR" altLang="en-US" sz="2000" b="1" smtClean="0"/>
+              <a:t>  총알회피용으로 </a:t>
+            </a:r>
+            <a:r>
+              <a:rPr lang="ko-KR" altLang="en-US" sz="2000" b="1" dirty="0" smtClean="0"/>
+              <a:t>사용가능</a:t>
+            </a:r>
+            <a:r>
+              <a:rPr lang="en-US" altLang="ko-KR" sz="2000" b="1" dirty="0" smtClean="0"/>
+              <a:t>)</a:t>
+            </a:r>
+          </a:p>
+        </p:txBody>
+      </p:sp>
+    </p:spTree>
+    <p:extLst>
+      <p:ext uri="{BB962C8B-B14F-4D97-AF65-F5344CB8AC3E}">
+        <p14:creationId xmlns:p14="http://schemas.microsoft.com/office/powerpoint/2010/main" val="1973085333"/>
+      </p:ext>
+    </p:extLst>
+  </p:cSld>
+  <p:clrMapOvr>
+    <a:masterClrMapping/>
+  </p:clrMapOvr>
+</p:sld>
+</file>
+
+<file path=ppt/slides/slide15.xml><?xml version="1.0" encoding="utf-8"?>
+<p:sld xmlns:a="http://schemas.openxmlformats.org/drawingml/2006/main" xmlns:r="http://schemas.openxmlformats.org/officeDocument/2006/relationships" xmlns:p="http://schemas.openxmlformats.org/presentationml/2006/main">
+  <p:cSld>
+    <p:spTree>
+      <p:nvGrpSpPr>
+        <p:cNvPr id="1" name=""/>
+        <p:cNvGrpSpPr/>
+        <p:nvPr/>
+      </p:nvGrpSpPr>
+      <p:grpSpPr>
+        <a:xfrm>
+          <a:off x="0" y="0"/>
+          <a:ext cx="0" cy="0"/>
+          <a:chOff x="0" y="0"/>
+          <a:chExt cx="0" cy="0"/>
+        </a:xfrm>
+      </p:grpSpPr>
+      <p:sp>
+        <p:nvSpPr>
+          <p:cNvPr id="2" name="제목 1"/>
+          <p:cNvSpPr>
+            <a:spLocks noGrp="1"/>
+          </p:cNvSpPr>
+          <p:nvPr>
+            <p:ph type="title"/>
+          </p:nvPr>
+        </p:nvSpPr>
+        <p:spPr/>
+        <p:txBody>
+          <a:bodyPr/>
+          <a:lstStyle/>
+          <a:p>
+            <a:r>
               <a:rPr lang="ko-KR" altLang="en-US" dirty="0" err="1" smtClean="0"/>
               <a:t>몬스터</a:t>
             </a:r>
@@ -8276,7 +8410,7 @@
 </p:sld>
 </file>
 
-<file path=ppt/slides/slide15.xml><?xml version="1.0" encoding="utf-8"?>
+<file path=ppt/slides/slide16.xml><?xml version="1.0" encoding="utf-8"?>
 <p:sld xmlns:a="http://schemas.openxmlformats.org/drawingml/2006/main" xmlns:r="http://schemas.openxmlformats.org/officeDocument/2006/relationships" xmlns:p="http://schemas.openxmlformats.org/presentationml/2006/main">
   <p:cSld>
     <p:spTree>
@@ -8602,7 +8736,7 @@
 </p:sld>
 </file>
 
-<file path=ppt/slides/slide16.xml><?xml version="1.0" encoding="utf-8"?>
+<file path=ppt/slides/slide17.xml><?xml version="1.0" encoding="utf-8"?>
 <p:sld xmlns:a="http://schemas.openxmlformats.org/drawingml/2006/main" xmlns:r="http://schemas.openxmlformats.org/officeDocument/2006/relationships" xmlns:p="http://schemas.openxmlformats.org/presentationml/2006/main">
   <p:cSld>
     <p:spTree>
@@ -8834,7 +8968,7 @@
 </p:sld>
 </file>
 
-<file path=ppt/slides/slide17.xml><?xml version="1.0" encoding="utf-8"?>
+<file path=ppt/slides/slide18.xml><?xml version="1.0" encoding="utf-8"?>
 <p:sld xmlns:a="http://schemas.openxmlformats.org/drawingml/2006/main" xmlns:r="http://schemas.openxmlformats.org/officeDocument/2006/relationships" xmlns:p="http://schemas.openxmlformats.org/presentationml/2006/main">
   <p:cSld>
     <p:spTree>
@@ -9047,133 +9181,6 @@
 </p:sld>
 </file>
 
-<file path=ppt/slides/slide18.xml><?xml version="1.0" encoding="utf-8"?>
-<p:sld xmlns:a="http://schemas.openxmlformats.org/drawingml/2006/main" xmlns:r="http://schemas.openxmlformats.org/officeDocument/2006/relationships" xmlns:p="http://schemas.openxmlformats.org/presentationml/2006/main">
-  <p:cSld>
-    <p:spTree>
-      <p:nvGrpSpPr>
-        <p:cNvPr id="1" name=""/>
-        <p:cNvGrpSpPr/>
-        <p:nvPr/>
-      </p:nvGrpSpPr>
-      <p:grpSpPr>
-        <a:xfrm>
-          <a:off x="0" y="0"/>
-          <a:ext cx="0" cy="0"/>
-          <a:chOff x="0" y="0"/>
-          <a:chExt cx="0" cy="0"/>
-        </a:xfrm>
-      </p:grpSpPr>
-      <p:sp>
-        <p:nvSpPr>
-          <p:cNvPr id="2" name="제목 1"/>
-          <p:cNvSpPr>
-            <a:spLocks noGrp="1"/>
-          </p:cNvSpPr>
-          <p:nvPr>
-            <p:ph type="title"/>
-          </p:nvPr>
-        </p:nvSpPr>
-        <p:spPr/>
-        <p:txBody>
-          <a:bodyPr/>
-          <a:lstStyle/>
-          <a:p>
-            <a:r>
-              <a:rPr lang="ko-KR" altLang="en-US" dirty="0" smtClean="0"/>
-              <a:t>요원</a:t>
-            </a:r>
-            <a:endParaRPr lang="ko-KR" altLang="en-US" dirty="0"/>
-          </a:p>
-        </p:txBody>
-      </p:sp>
-      <p:sp>
-        <p:nvSpPr>
-          <p:cNvPr id="3" name="내용 개체 틀 2"/>
-          <p:cNvSpPr>
-            <a:spLocks noGrp="1"/>
-          </p:cNvSpPr>
-          <p:nvPr>
-            <p:ph idx="1"/>
-          </p:nvPr>
-        </p:nvSpPr>
-        <p:spPr/>
-        <p:txBody>
-          <a:bodyPr>
-            <a:normAutofit/>
-          </a:bodyPr>
-          <a:lstStyle/>
-          <a:p>
-            <a:r>
-              <a:rPr lang="en-US" altLang="ko-KR" b="1" dirty="0" smtClean="0"/>
-              <a:t>4. </a:t>
-            </a:r>
-            <a:r>
-              <a:rPr lang="ko-KR" altLang="en-US" b="1" dirty="0" err="1" smtClean="0"/>
-              <a:t>탱커형</a:t>
-            </a:r>
-            <a:r>
-              <a:rPr lang="ko-KR" altLang="en-US" b="1" dirty="0" smtClean="0"/>
-              <a:t>                              </a:t>
-            </a:r>
-            <a:endParaRPr lang="en-US" altLang="ko-KR" b="1" dirty="0" smtClean="0"/>
-          </a:p>
-          <a:p>
-            <a:endParaRPr lang="en-US" altLang="ko-KR" b="1" dirty="0"/>
-          </a:p>
-          <a:p>
-            <a:r>
-              <a:rPr lang="ko-KR" altLang="en-US" b="1" dirty="0" err="1" smtClean="0"/>
-              <a:t>메트릭스풍</a:t>
-            </a:r>
-            <a:r>
-              <a:rPr lang="en-US" altLang="ko-KR" b="1" dirty="0" smtClean="0"/>
-              <a:t>, </a:t>
-            </a:r>
-            <a:r>
-              <a:rPr lang="ko-KR" altLang="en-US" b="1" dirty="0" err="1" smtClean="0"/>
-              <a:t>검은정장풍</a:t>
-            </a:r>
-            <a:r>
-              <a:rPr lang="en-US" altLang="ko-KR" b="1" dirty="0" smtClean="0"/>
-              <a:t>, </a:t>
-            </a:r>
-            <a:r>
-              <a:rPr lang="ko-KR" altLang="en-US" b="1" dirty="0" err="1" smtClean="0"/>
-              <a:t>마피아풍</a:t>
-            </a:r>
-            <a:r>
-              <a:rPr lang="en-US" altLang="ko-KR" b="1" dirty="0" smtClean="0"/>
-              <a:t>,</a:t>
-            </a:r>
-            <a:r>
-              <a:rPr lang="ko-KR" altLang="en-US" b="1" dirty="0"/>
-              <a:t> </a:t>
-            </a:r>
-            <a:r>
-              <a:rPr lang="ko-KR" altLang="en-US" b="1" dirty="0" err="1" smtClean="0"/>
-              <a:t>전문요원풍</a:t>
-            </a:r>
-            <a:endParaRPr lang="en-US" altLang="ko-KR" b="1" dirty="0" smtClean="0"/>
-          </a:p>
-          <a:p>
-            <a:endParaRPr lang="en-US" altLang="ko-KR" b="1" dirty="0"/>
-          </a:p>
-        </p:txBody>
-      </p:sp>
-    </p:spTree>
-    <p:extLst>
-      <p:ext uri="{BB962C8B-B14F-4D97-AF65-F5344CB8AC3E}">
-        <p14:creationId xmlns:p14="http://schemas.microsoft.com/office/powerpoint/2010/main" val="439147761"/>
-      </p:ext>
-    </p:extLst>
-  </p:cSld>
-  <p:clrMapOvr>
-    <a:masterClrMapping/>
-  </p:clrMapOvr>
-</p:sld>
-</file>
-
 <file path=ppt/slides/slide19.xml><?xml version="1.0" encoding="utf-8"?>
 <p:sld xmlns:a="http://schemas.openxmlformats.org/drawingml/2006/main" xmlns:r="http://schemas.openxmlformats.org/officeDocument/2006/relationships" xmlns:p="http://schemas.openxmlformats.org/presentationml/2006/main">
   <p:cSld>
@@ -9208,7 +9215,7 @@
           <a:p>
             <a:r>
               <a:rPr lang="ko-KR" altLang="en-US" dirty="0" smtClean="0"/>
-              <a:t>과학자 스테이지</a:t>
+              <a:t>요원</a:t>
             </a:r>
             <a:endParaRPr lang="ko-KR" altLang="en-US" dirty="0"/>
           </a:p>
@@ -9227,156 +9234,71 @@
         <p:spPr/>
         <p:txBody>
           <a:bodyPr>
-            <a:normAutofit lnSpcReduction="10000"/>
+            <a:normAutofit/>
           </a:bodyPr>
           <a:lstStyle/>
           <a:p>
             <a:r>
               <a:rPr lang="en-US" altLang="ko-KR" b="1" dirty="0" smtClean="0"/>
-              <a:t>1. </a:t>
+              <a:t>4. </a:t>
+            </a:r>
+            <a:r>
+              <a:rPr lang="ko-KR" altLang="en-US" b="1" dirty="0" err="1" smtClean="0"/>
+              <a:t>탱커형</a:t>
             </a:r>
             <a:r>
               <a:rPr lang="ko-KR" altLang="en-US" b="1" dirty="0" smtClean="0"/>
-              <a:t>화학무기 </a:t>
-            </a:r>
+              <a:t>                              </a:t>
+            </a:r>
+            <a:endParaRPr lang="en-US" altLang="ko-KR" b="1" dirty="0" smtClean="0"/>
+          </a:p>
+          <a:p>
+            <a:endParaRPr lang="en-US" altLang="ko-KR" b="1" dirty="0"/>
+          </a:p>
+          <a:p>
             <a:r>
               <a:rPr lang="ko-KR" altLang="en-US" b="1" dirty="0" err="1" smtClean="0"/>
-              <a:t>쓰는애</a:t>
-            </a:r>
-            <a:endParaRPr lang="en-US" altLang="ko-KR" b="1" dirty="0" smtClean="0"/>
-          </a:p>
-          <a:p>
+              <a:t>메트릭스풍</a:t>
+            </a:r>
+            <a:r>
+              <a:rPr lang="en-US" altLang="ko-KR" b="1" dirty="0" smtClean="0"/>
+              <a:t>, </a:t>
+            </a:r>
             <a:r>
               <a:rPr lang="ko-KR" altLang="en-US" b="1" dirty="0" err="1" smtClean="0"/>
-              <a:t>컨셉</a:t>
-            </a:r>
-            <a:endParaRPr lang="en-US" altLang="ko-KR" b="1" dirty="0"/>
-          </a:p>
-          <a:p>
-            <a:endParaRPr lang="en-US" altLang="ko-KR" b="1" dirty="0" smtClean="0"/>
-          </a:p>
-          <a:p>
-            <a:endParaRPr lang="en-US" altLang="ko-KR" b="1" dirty="0" smtClean="0"/>
-          </a:p>
-          <a:p>
-            <a:endParaRPr lang="en-US" altLang="ko-KR" b="1" dirty="0" smtClean="0"/>
-          </a:p>
-          <a:p>
-            <a:r>
-              <a:rPr lang="ko-KR" altLang="en-US" b="1" dirty="0" smtClean="0"/>
-              <a:t>필요한 애니메이션 </a:t>
+              <a:t>검은정장풍</a:t>
             </a:r>
             <a:r>
               <a:rPr lang="en-US" altLang="ko-KR" b="1" dirty="0" smtClean="0"/>
-              <a:t>: </a:t>
-            </a:r>
-          </a:p>
-          <a:p>
-            <a:pPr marL="0" indent="0">
-              <a:buNone/>
-            </a:pPr>
-            <a:r>
-              <a:rPr lang="en-US" altLang="ko-KR" b="1" dirty="0" err="1" smtClean="0"/>
-              <a:t>idle,walk</a:t>
+              <a:t>, </a:t>
+            </a:r>
+            <a:r>
+              <a:rPr lang="ko-KR" altLang="en-US" b="1" dirty="0" err="1" smtClean="0"/>
+              <a:t>마피아풍</a:t>
             </a:r>
             <a:r>
               <a:rPr lang="en-US" altLang="ko-KR" b="1" dirty="0" smtClean="0"/>
               <a:t>,</a:t>
             </a:r>
             <a:r>
+              <a:rPr lang="ko-KR" altLang="en-US" b="1" dirty="0"/>
+              <a:t> </a:t>
+            </a:r>
+            <a:r>
               <a:rPr lang="ko-KR" altLang="en-US" b="1" dirty="0" err="1" smtClean="0"/>
-              <a:t>투명해질때</a:t>
-            </a:r>
-            <a:r>
-              <a:rPr lang="en-US" altLang="ko-KR" b="1" dirty="0" smtClean="0"/>
-              <a:t>,</a:t>
-            </a:r>
-            <a:r>
-              <a:rPr lang="ko-KR" altLang="en-US" b="1" dirty="0" smtClean="0"/>
-              <a:t>근접공격</a:t>
-            </a:r>
-            <a:r>
-              <a:rPr lang="en-US" altLang="ko-KR" b="1" dirty="0" smtClean="0"/>
-              <a:t>(</a:t>
-            </a:r>
-            <a:r>
-              <a:rPr lang="ko-KR" altLang="en-US" b="1" dirty="0" smtClean="0"/>
-              <a:t>무기는 지팡이</a:t>
-            </a:r>
-            <a:r>
-              <a:rPr lang="en-US" altLang="ko-KR" b="1" dirty="0" smtClean="0"/>
-              <a:t>? </a:t>
-            </a:r>
-            <a:r>
-              <a:rPr lang="ko-KR" altLang="en-US" b="1" dirty="0" smtClean="0"/>
-              <a:t>나 권총</a:t>
-            </a:r>
-            <a:r>
-              <a:rPr lang="en-US" altLang="ko-KR" b="1" dirty="0" smtClean="0"/>
-              <a:t>)</a:t>
-            </a:r>
-            <a:endParaRPr lang="ko-KR" altLang="en-US" b="1" dirty="0"/>
+              <a:t>전문요원풍</a:t>
+            </a:r>
+            <a:endParaRPr lang="en-US" altLang="ko-KR" b="1" dirty="0" smtClean="0"/>
+          </a:p>
+          <a:p>
+            <a:endParaRPr lang="en-US" altLang="ko-KR" b="1" dirty="0"/>
           </a:p>
         </p:txBody>
       </p:sp>
-      <p:pic>
-        <p:nvPicPr>
-          <p:cNvPr id="6146" name="Picture 2"/>
-          <p:cNvPicPr>
-            <a:picLocks noChangeAspect="1" noChangeArrowheads="1"/>
-          </p:cNvPicPr>
-          <p:nvPr/>
-        </p:nvPicPr>
-        <p:blipFill>
-          <a:blip r:embed="rId2" cstate="print">
-            <a:extLst>
-              <a:ext uri="{28A0092B-C50C-407E-A947-70E740481C1C}">
-                <a14:useLocalDpi xmlns:a14="http://schemas.microsoft.com/office/drawing/2010/main" val="0"/>
-              </a:ext>
-            </a:extLst>
-          </a:blip>
-          <a:srcRect/>
-          <a:stretch>
-            <a:fillRect/>
-          </a:stretch>
-        </p:blipFill>
-        <p:spPr bwMode="auto">
-          <a:xfrm>
-            <a:off x="2339752" y="2276872"/>
-            <a:ext cx="1536997" cy="1643405"/>
-          </a:xfrm>
-          <a:prstGeom prst="rect">
-            <a:avLst/>
-          </a:prstGeom>
-          <a:noFill/>
-          <a:ln>
-            <a:noFill/>
-          </a:ln>
-          <a:extLst>
-            <a:ext uri="{909E8E84-426E-40DD-AFC4-6F175D3DCCD1}">
-              <a14:hiddenFill xmlns:a14="http://schemas.microsoft.com/office/drawing/2010/main">
-                <a:solidFill>
-                  <a:schemeClr val="accent1"/>
-                </a:solidFill>
-              </a14:hiddenFill>
-            </a:ext>
-            <a:ext uri="{91240B29-F687-4F45-9708-019B960494DF}">
-              <a14:hiddenLine xmlns:a14="http://schemas.microsoft.com/office/drawing/2010/main" w="9525">
-                <a:solidFill>
-                  <a:schemeClr val="tx1"/>
-                </a:solidFill>
-                <a:miter lim="800000"/>
-                <a:headEnd/>
-                <a:tailEnd/>
-              </a14:hiddenLine>
-            </a:ext>
-          </a:extLst>
-        </p:spPr>
-      </p:pic>
     </p:spTree>
     <p:extLst>
       <p:ext uri="{BB962C8B-B14F-4D97-AF65-F5344CB8AC3E}">
-        <p14:creationId xmlns:p14="http://schemas.microsoft.com/office/powerpoint/2010/main" val="2464376121"/>
+        <p14:creationId xmlns:p14="http://schemas.microsoft.com/office/powerpoint/2010/main" val="439147761"/>
       </p:ext>
     </p:extLst>
   </p:cSld>
@@ -9896,6 +9818,218 @@
           <a:lstStyle/>
           <a:p>
             <a:r>
+              <a:rPr lang="en-US" altLang="ko-KR" b="1" dirty="0" smtClean="0"/>
+              <a:t>1. </a:t>
+            </a:r>
+            <a:r>
+              <a:rPr lang="ko-KR" altLang="en-US" b="1" dirty="0" smtClean="0"/>
+              <a:t>화학무기 </a:t>
+            </a:r>
+            <a:r>
+              <a:rPr lang="ko-KR" altLang="en-US" b="1" dirty="0" err="1" smtClean="0"/>
+              <a:t>쓰는애</a:t>
+            </a:r>
+            <a:endParaRPr lang="en-US" altLang="ko-KR" b="1" dirty="0" smtClean="0"/>
+          </a:p>
+          <a:p>
+            <a:r>
+              <a:rPr lang="ko-KR" altLang="en-US" b="1" dirty="0" err="1" smtClean="0"/>
+              <a:t>컨셉</a:t>
+            </a:r>
+            <a:endParaRPr lang="en-US" altLang="ko-KR" b="1" dirty="0"/>
+          </a:p>
+          <a:p>
+            <a:endParaRPr lang="en-US" altLang="ko-KR" b="1" dirty="0" smtClean="0"/>
+          </a:p>
+          <a:p>
+            <a:endParaRPr lang="en-US" altLang="ko-KR" b="1" dirty="0" smtClean="0"/>
+          </a:p>
+          <a:p>
+            <a:endParaRPr lang="en-US" altLang="ko-KR" b="1" dirty="0" smtClean="0"/>
+          </a:p>
+          <a:p>
+            <a:r>
+              <a:rPr lang="ko-KR" altLang="en-US" b="1" dirty="0" smtClean="0"/>
+              <a:t>필요한 애니메이션 </a:t>
+            </a:r>
+            <a:r>
+              <a:rPr lang="en-US" altLang="ko-KR" b="1" dirty="0" smtClean="0"/>
+              <a:t>: </a:t>
+            </a:r>
+          </a:p>
+          <a:p>
+            <a:pPr marL="0" indent="0">
+              <a:buNone/>
+            </a:pPr>
+            <a:r>
+              <a:rPr lang="en-US" altLang="ko-KR" b="1" dirty="0" err="1" smtClean="0"/>
+              <a:t>idle,walk</a:t>
+            </a:r>
+            <a:r>
+              <a:rPr lang="en-US" altLang="ko-KR" b="1" dirty="0" smtClean="0"/>
+              <a:t>,</a:t>
+            </a:r>
+            <a:r>
+              <a:rPr lang="ko-KR" altLang="en-US" b="1" dirty="0" err="1" smtClean="0"/>
+              <a:t>투명해질때</a:t>
+            </a:r>
+            <a:r>
+              <a:rPr lang="en-US" altLang="ko-KR" b="1" dirty="0" smtClean="0"/>
+              <a:t>,</a:t>
+            </a:r>
+            <a:r>
+              <a:rPr lang="ko-KR" altLang="en-US" b="1" dirty="0" smtClean="0"/>
+              <a:t>근접공격</a:t>
+            </a:r>
+            <a:r>
+              <a:rPr lang="en-US" altLang="ko-KR" b="1" dirty="0" smtClean="0"/>
+              <a:t>(</a:t>
+            </a:r>
+            <a:r>
+              <a:rPr lang="ko-KR" altLang="en-US" b="1" dirty="0" smtClean="0"/>
+              <a:t>무기는 지팡이</a:t>
+            </a:r>
+            <a:r>
+              <a:rPr lang="en-US" altLang="ko-KR" b="1" dirty="0" smtClean="0"/>
+              <a:t>? </a:t>
+            </a:r>
+            <a:r>
+              <a:rPr lang="ko-KR" altLang="en-US" b="1" dirty="0" smtClean="0"/>
+              <a:t>나 권총</a:t>
+            </a:r>
+            <a:r>
+              <a:rPr lang="en-US" altLang="ko-KR" b="1" dirty="0" smtClean="0"/>
+              <a:t>)</a:t>
+            </a:r>
+            <a:endParaRPr lang="ko-KR" altLang="en-US" b="1" dirty="0"/>
+          </a:p>
+        </p:txBody>
+      </p:sp>
+      <p:pic>
+        <p:nvPicPr>
+          <p:cNvPr id="6146" name="Picture 2"/>
+          <p:cNvPicPr>
+            <a:picLocks noChangeAspect="1" noChangeArrowheads="1"/>
+          </p:cNvPicPr>
+          <p:nvPr/>
+        </p:nvPicPr>
+        <p:blipFill>
+          <a:blip r:embed="rId2" cstate="print">
+            <a:extLst>
+              <a:ext uri="{28A0092B-C50C-407E-A947-70E740481C1C}">
+                <a14:useLocalDpi xmlns:a14="http://schemas.microsoft.com/office/drawing/2010/main" val="0"/>
+              </a:ext>
+            </a:extLst>
+          </a:blip>
+          <a:srcRect/>
+          <a:stretch>
+            <a:fillRect/>
+          </a:stretch>
+        </p:blipFill>
+        <p:spPr bwMode="auto">
+          <a:xfrm>
+            <a:off x="2339752" y="2276872"/>
+            <a:ext cx="1536997" cy="1643405"/>
+          </a:xfrm>
+          <a:prstGeom prst="rect">
+            <a:avLst/>
+          </a:prstGeom>
+          <a:noFill/>
+          <a:ln>
+            <a:noFill/>
+          </a:ln>
+          <a:extLst>
+            <a:ext uri="{909E8E84-426E-40DD-AFC4-6F175D3DCCD1}">
+              <a14:hiddenFill xmlns:a14="http://schemas.microsoft.com/office/drawing/2010/main">
+                <a:solidFill>
+                  <a:schemeClr val="accent1"/>
+                </a:solidFill>
+              </a14:hiddenFill>
+            </a:ext>
+            <a:ext uri="{91240B29-F687-4F45-9708-019B960494DF}">
+              <a14:hiddenLine xmlns:a14="http://schemas.microsoft.com/office/drawing/2010/main" w="9525">
+                <a:solidFill>
+                  <a:schemeClr val="tx1"/>
+                </a:solidFill>
+                <a:miter lim="800000"/>
+                <a:headEnd/>
+                <a:tailEnd/>
+              </a14:hiddenLine>
+            </a:ext>
+          </a:extLst>
+        </p:spPr>
+      </p:pic>
+    </p:spTree>
+    <p:extLst>
+      <p:ext uri="{BB962C8B-B14F-4D97-AF65-F5344CB8AC3E}">
+        <p14:creationId xmlns:p14="http://schemas.microsoft.com/office/powerpoint/2010/main" val="2464376121"/>
+      </p:ext>
+    </p:extLst>
+  </p:cSld>
+  <p:clrMapOvr>
+    <a:masterClrMapping/>
+  </p:clrMapOvr>
+</p:sld>
+</file>
+
+<file path=ppt/slides/slide21.xml><?xml version="1.0" encoding="utf-8"?>
+<p:sld xmlns:a="http://schemas.openxmlformats.org/drawingml/2006/main" xmlns:r="http://schemas.openxmlformats.org/officeDocument/2006/relationships" xmlns:p="http://schemas.openxmlformats.org/presentationml/2006/main">
+  <p:cSld>
+    <p:spTree>
+      <p:nvGrpSpPr>
+        <p:cNvPr id="1" name=""/>
+        <p:cNvGrpSpPr/>
+        <p:nvPr/>
+      </p:nvGrpSpPr>
+      <p:grpSpPr>
+        <a:xfrm>
+          <a:off x="0" y="0"/>
+          <a:ext cx="0" cy="0"/>
+          <a:chOff x="0" y="0"/>
+          <a:chExt cx="0" cy="0"/>
+        </a:xfrm>
+      </p:grpSpPr>
+      <p:sp>
+        <p:nvSpPr>
+          <p:cNvPr id="2" name="제목 1"/>
+          <p:cNvSpPr>
+            <a:spLocks noGrp="1"/>
+          </p:cNvSpPr>
+          <p:nvPr>
+            <p:ph type="title"/>
+          </p:nvPr>
+        </p:nvSpPr>
+        <p:spPr/>
+        <p:txBody>
+          <a:bodyPr/>
+          <a:lstStyle/>
+          <a:p>
+            <a:r>
+              <a:rPr lang="ko-KR" altLang="en-US" dirty="0" smtClean="0"/>
+              <a:t>과학자 스테이지</a:t>
+            </a:r>
+            <a:endParaRPr lang="ko-KR" altLang="en-US" dirty="0"/>
+          </a:p>
+        </p:txBody>
+      </p:sp>
+      <p:sp>
+        <p:nvSpPr>
+          <p:cNvPr id="3" name="내용 개체 틀 2"/>
+          <p:cNvSpPr>
+            <a:spLocks noGrp="1"/>
+          </p:cNvSpPr>
+          <p:nvPr>
+            <p:ph idx="1"/>
+          </p:nvPr>
+        </p:nvSpPr>
+        <p:spPr/>
+        <p:txBody>
+          <a:bodyPr>
+            <a:normAutofit lnSpcReduction="10000"/>
+          </a:bodyPr>
+          <a:lstStyle/>
+          <a:p>
+            <a:r>
               <a:rPr lang="en-US" altLang="ko-KR" b="1" dirty="0"/>
               <a:t>2</a:t>
             </a:r>
@@ -10054,7 +10188,7 @@
 </p:sld>
 </file>
 
-<file path=ppt/slides/slide21.xml><?xml version="1.0" encoding="utf-8"?>
+<file path=ppt/slides/slide22.xml><?xml version="1.0" encoding="utf-8"?>
 <p:sld xmlns:a="http://schemas.openxmlformats.org/drawingml/2006/main" xmlns:r="http://schemas.openxmlformats.org/officeDocument/2006/relationships" xmlns:p="http://schemas.openxmlformats.org/presentationml/2006/main">
   <p:cSld>
     <p:spTree>

--- a/EscapeJail/Assets/기획/스테이지1기획.pptx
+++ b/EscapeJail/Assets/기획/스테이지1기획.pptx
@@ -3218,14 +3218,14 @@
           <p:nvPr>
             <p:extLst>
               <p:ext uri="{D42A27DB-BD31-4B8C-83A1-F6EECF244321}">
-                <p14:modId xmlns:p14="http://schemas.microsoft.com/office/powerpoint/2010/main" val="1351748244"/>
+                <p14:modId xmlns:p14="http://schemas.microsoft.com/office/powerpoint/2010/main" val="152789968"/>
               </p:ext>
             </p:extLst>
           </p:nvPr>
         </p:nvGraphicFramePr>
         <p:xfrm>
           <a:off x="395536" y="1412776"/>
-          <a:ext cx="8136904" cy="4333240"/>
+          <a:ext cx="8136904" cy="4358640"/>
         </p:xfrm>
         <a:graphic>
           <a:graphicData uri="http://schemas.openxmlformats.org/drawingml/2006/table">
@@ -3391,6 +3391,30 @@
                     <a:bodyPr/>
                     <a:lstStyle/>
                     <a:p>
+                      <a:pPr marL="0" marR="0" indent="0" algn="l" defTabSz="914400" rtl="0" eaLnBrk="1" fontAlgn="auto" latinLnBrk="1" hangingPunct="1">
+                        <a:lnSpc>
+                          <a:spcPct val="100000"/>
+                        </a:lnSpc>
+                        <a:spcBef>
+                          <a:spcPts val="0"/>
+                        </a:spcBef>
+                        <a:spcAft>
+                          <a:spcPts val="0"/>
+                        </a:spcAft>
+                        <a:buClrTx/>
+                        <a:buSzTx/>
+                        <a:buFontTx/>
+                        <a:buNone/>
+                        <a:tabLst/>
+                        <a:defRPr/>
+                      </a:pPr>
+                      <a:r>
+                        <a:rPr lang="ko-KR" altLang="en-US" sz="1000" dirty="0" err="1" smtClean="0"/>
+                        <a:t>터렛</a:t>
+                      </a:r>
+                      <a:endParaRPr lang="ko-KR" altLang="en-US" sz="1000" dirty="0" smtClean="0"/>
+                    </a:p>
+                    <a:p>
                       <a:pPr latinLnBrk="1"/>
                       <a:endParaRPr lang="ko-KR" altLang="en-US" sz="1000" dirty="0"/>
                     </a:p>
@@ -3904,7 +3928,15 @@
                     <a:lstStyle/>
                     <a:p>
                       <a:pPr latinLnBrk="1"/>
-                      <a:endParaRPr lang="ko-KR" altLang="en-US" sz="1000" dirty="0"/>
+                      <a:r>
+                        <a:rPr lang="ko-KR" altLang="en-US" sz="1000" dirty="0" err="1" smtClean="0"/>
+                        <a:t>폭발성무기들</a:t>
+                      </a:r>
+                      <a:r>
+                        <a:rPr lang="ko-KR" altLang="en-US" sz="1000" dirty="0" smtClean="0"/>
+                        <a:t> 또한 채워줌</a:t>
+                      </a:r>
+                      <a:endParaRPr lang="en-US" altLang="ko-KR" sz="1000" dirty="0" smtClean="0"/>
                     </a:p>
                   </a:txBody>
                   <a:tcPr>
@@ -13234,14 +13266,14 @@
           <p:nvPr>
             <p:extLst>
               <p:ext uri="{D42A27DB-BD31-4B8C-83A1-F6EECF244321}">
-                <p14:modId xmlns:p14="http://schemas.microsoft.com/office/powerpoint/2010/main" val="806779484"/>
+                <p14:modId xmlns:p14="http://schemas.microsoft.com/office/powerpoint/2010/main" val="3548392885"/>
               </p:ext>
             </p:extLst>
           </p:nvPr>
         </p:nvGraphicFramePr>
         <p:xfrm>
           <a:off x="395536" y="1412776"/>
-          <a:ext cx="8136904" cy="4307840"/>
+          <a:ext cx="8136904" cy="4790440"/>
         </p:xfrm>
         <a:graphic>
           <a:graphicData uri="http://schemas.openxmlformats.org/drawingml/2006/table">
@@ -14319,7 +14351,47 @@
                       </a:r>
                       <a:r>
                         <a:rPr lang="ko-KR" altLang="en-US" sz="1000" dirty="0" smtClean="0"/>
-                        <a:t> 고민</a:t>
+                        <a:t> </a:t>
+                      </a:r>
+                      <a:r>
+                        <a:rPr lang="ko-KR" altLang="en-US" sz="1000" dirty="0" smtClean="0"/>
+                        <a:t>고민</a:t>
+                      </a:r>
+                      <a:endParaRPr lang="en-US" altLang="ko-KR" sz="1000" dirty="0" smtClean="0"/>
+                    </a:p>
+                    <a:p>
+                      <a:pPr latinLnBrk="1"/>
+                      <a:r>
+                        <a:rPr lang="en-US" altLang="ko-KR" sz="1000" dirty="0" smtClean="0"/>
+                        <a:t>(</a:t>
+                      </a:r>
+                      <a:r>
+                        <a:rPr lang="ko-KR" altLang="en-US" sz="1000" dirty="0" smtClean="0"/>
+                        <a:t>폭발무기들은 따로 탄약 </a:t>
+                      </a:r>
+                      <a:r>
+                        <a:rPr lang="ko-KR" altLang="en-US" sz="1000" dirty="0" err="1" smtClean="0"/>
+                        <a:t>없는게</a:t>
+                      </a:r>
+                      <a:r>
+                        <a:rPr lang="ko-KR" altLang="en-US" sz="1000" dirty="0" smtClean="0"/>
+                        <a:t> </a:t>
+                      </a:r>
+                      <a:r>
+                        <a:rPr lang="ko-KR" altLang="en-US" sz="1000" dirty="0" err="1" smtClean="0"/>
+                        <a:t>나을듯</a:t>
+                      </a:r>
+                      <a:r>
+                        <a:rPr lang="ko-KR" altLang="en-US" sz="1000" dirty="0" smtClean="0"/>
+                        <a:t> 바주카는 탄약박스라는 아이템으로만 채울 수 있게 나머지</a:t>
+                      </a:r>
+                      <a:r>
+                        <a:rPr lang="ko-KR" altLang="en-US" sz="1000" baseline="0" dirty="0" smtClean="0"/>
+                        <a:t> 폭발무기들은 일회용</a:t>
+                      </a:r>
+                      <a:r>
+                        <a:rPr lang="en-US" altLang="ko-KR" sz="1000" dirty="0" smtClean="0"/>
+                        <a:t>)</a:t>
                       </a:r>
                       <a:endParaRPr lang="ko-KR" altLang="en-US" sz="1000" dirty="0"/>
                     </a:p>

--- a/EscapeJail/Assets/기획/스테이지1기획.pptx
+++ b/EscapeJail/Assets/기획/스테이지1기획.pptx
@@ -309,7 +309,7 @@
           <a:p>
             <a:fld id="{75C3E87A-1EF5-4BC0-A34A-1B32DEFB2AF0}" type="datetimeFigureOut">
               <a:rPr lang="ko-KR" altLang="en-US" smtClean="0"/>
-              <a:t>2017-10-14</a:t>
+              <a:t>2017-10-15</a:t>
             </a:fld>
             <a:endParaRPr lang="ko-KR" altLang="en-US"/>
           </a:p>
@@ -479,7 +479,7 @@
           <a:p>
             <a:fld id="{75C3E87A-1EF5-4BC0-A34A-1B32DEFB2AF0}" type="datetimeFigureOut">
               <a:rPr lang="ko-KR" altLang="en-US" smtClean="0"/>
-              <a:t>2017-10-14</a:t>
+              <a:t>2017-10-15</a:t>
             </a:fld>
             <a:endParaRPr lang="ko-KR" altLang="en-US"/>
           </a:p>
@@ -659,7 +659,7 @@
           <a:p>
             <a:fld id="{75C3E87A-1EF5-4BC0-A34A-1B32DEFB2AF0}" type="datetimeFigureOut">
               <a:rPr lang="ko-KR" altLang="en-US" smtClean="0"/>
-              <a:t>2017-10-14</a:t>
+              <a:t>2017-10-15</a:t>
             </a:fld>
             <a:endParaRPr lang="ko-KR" altLang="en-US"/>
           </a:p>
@@ -829,7 +829,7 @@
           <a:p>
             <a:fld id="{75C3E87A-1EF5-4BC0-A34A-1B32DEFB2AF0}" type="datetimeFigureOut">
               <a:rPr lang="ko-KR" altLang="en-US" smtClean="0"/>
-              <a:t>2017-10-14</a:t>
+              <a:t>2017-10-15</a:t>
             </a:fld>
             <a:endParaRPr lang="ko-KR" altLang="en-US"/>
           </a:p>
@@ -1075,7 +1075,7 @@
           <a:p>
             <a:fld id="{75C3E87A-1EF5-4BC0-A34A-1B32DEFB2AF0}" type="datetimeFigureOut">
               <a:rPr lang="ko-KR" altLang="en-US" smtClean="0"/>
-              <a:t>2017-10-14</a:t>
+              <a:t>2017-10-15</a:t>
             </a:fld>
             <a:endParaRPr lang="ko-KR" altLang="en-US"/>
           </a:p>
@@ -1363,7 +1363,7 @@
           <a:p>
             <a:fld id="{75C3E87A-1EF5-4BC0-A34A-1B32DEFB2AF0}" type="datetimeFigureOut">
               <a:rPr lang="ko-KR" altLang="en-US" smtClean="0"/>
-              <a:t>2017-10-14</a:t>
+              <a:t>2017-10-15</a:t>
             </a:fld>
             <a:endParaRPr lang="ko-KR" altLang="en-US"/>
           </a:p>
@@ -1785,7 +1785,7 @@
           <a:p>
             <a:fld id="{75C3E87A-1EF5-4BC0-A34A-1B32DEFB2AF0}" type="datetimeFigureOut">
               <a:rPr lang="ko-KR" altLang="en-US" smtClean="0"/>
-              <a:t>2017-10-14</a:t>
+              <a:t>2017-10-15</a:t>
             </a:fld>
             <a:endParaRPr lang="ko-KR" altLang="en-US"/>
           </a:p>
@@ -1903,7 +1903,7 @@
           <a:p>
             <a:fld id="{75C3E87A-1EF5-4BC0-A34A-1B32DEFB2AF0}" type="datetimeFigureOut">
               <a:rPr lang="ko-KR" altLang="en-US" smtClean="0"/>
-              <a:t>2017-10-14</a:t>
+              <a:t>2017-10-15</a:t>
             </a:fld>
             <a:endParaRPr lang="ko-KR" altLang="en-US"/>
           </a:p>
@@ -1998,7 +1998,7 @@
           <a:p>
             <a:fld id="{75C3E87A-1EF5-4BC0-A34A-1B32DEFB2AF0}" type="datetimeFigureOut">
               <a:rPr lang="ko-KR" altLang="en-US" smtClean="0"/>
-              <a:t>2017-10-14</a:t>
+              <a:t>2017-10-15</a:t>
             </a:fld>
             <a:endParaRPr lang="ko-KR" altLang="en-US"/>
           </a:p>
@@ -2275,7 +2275,7 @@
           <a:p>
             <a:fld id="{75C3E87A-1EF5-4BC0-A34A-1B32DEFB2AF0}" type="datetimeFigureOut">
               <a:rPr lang="ko-KR" altLang="en-US" smtClean="0"/>
-              <a:t>2017-10-14</a:t>
+              <a:t>2017-10-15</a:t>
             </a:fld>
             <a:endParaRPr lang="ko-KR" altLang="en-US"/>
           </a:p>
@@ -2528,7 +2528,7 @@
           <a:p>
             <a:fld id="{75C3E87A-1EF5-4BC0-A34A-1B32DEFB2AF0}" type="datetimeFigureOut">
               <a:rPr lang="ko-KR" altLang="en-US" smtClean="0"/>
-              <a:t>2017-10-14</a:t>
+              <a:t>2017-10-15</a:t>
             </a:fld>
             <a:endParaRPr lang="ko-KR" altLang="en-US"/>
           </a:p>
@@ -2741,7 +2741,7 @@
           <a:p>
             <a:fld id="{75C3E87A-1EF5-4BC0-A34A-1B32DEFB2AF0}" type="datetimeFigureOut">
               <a:rPr lang="ko-KR" altLang="en-US" smtClean="0"/>
-              <a:t>2017-10-14</a:t>
+              <a:t>2017-10-15</a:t>
             </a:fld>
             <a:endParaRPr lang="ko-KR" altLang="en-US"/>
           </a:p>
@@ -3219,7 +3219,7 @@
           <p:nvPr>
             <p:extLst>
               <p:ext uri="{D42A27DB-BD31-4B8C-83A1-F6EECF244321}">
-                <p14:modId xmlns:p14="http://schemas.microsoft.com/office/powerpoint/2010/main" val="1351748244"/>
+                <p14:modId xmlns:p14="http://schemas.microsoft.com/office/powerpoint/2010/main" val="124176167"/>
               </p:ext>
             </p:extLst>
           </p:nvPr>
@@ -3393,6 +3393,10 @@
                     <a:lstStyle/>
                     <a:p>
                       <a:pPr latinLnBrk="1"/>
+                      <a:r>
+                        <a:rPr lang="ko-KR" altLang="en-US" sz="1000" dirty="0" err="1" smtClean="0"/>
+                        <a:t>터렛</a:t>
+                      </a:r>
                       <a:endParaRPr lang="ko-KR" altLang="en-US" sz="1000" dirty="0"/>
                     </a:p>
                   </a:txBody>
@@ -3975,7 +3979,7 @@
                     <a:bodyPr/>
                     <a:lstStyle/>
                     <a:p>
-                      <a:endParaRPr lang="ko-KR" altLang="en-US"/>
+                      <a:endParaRPr lang="ko-KR" altLang="en-US" dirty="0"/>
                     </a:p>
                   </a:txBody>
                   <a:tcPr>
@@ -5359,7 +5363,7 @@
           <p:nvPr>
             <p:extLst>
               <p:ext uri="{D42A27DB-BD31-4B8C-83A1-F6EECF244321}">
-                <p14:modId xmlns:p14="http://schemas.microsoft.com/office/powerpoint/2010/main" val="3673881581"/>
+                <p14:modId xmlns:p14="http://schemas.microsoft.com/office/powerpoint/2010/main" val="4110508989"/>
               </p:ext>
             </p:extLst>
           </p:nvPr>
@@ -6239,6 +6243,10 @@
                     <a:lstStyle/>
                     <a:p>
                       <a:pPr latinLnBrk="1"/>
+                      <a:r>
+                        <a:rPr lang="ko-KR" altLang="en-US" sz="1000" dirty="0" smtClean="0"/>
+                        <a:t>수류탄</a:t>
+                      </a:r>
                       <a:endParaRPr lang="ko-KR" altLang="en-US" sz="1000" dirty="0"/>
                     </a:p>
                   </a:txBody>

--- a/EscapeJail/Assets/기획/스테이지1기획.pptx
+++ b/EscapeJail/Assets/기획/스테이지1기획.pptx
@@ -5301,6 +5301,186 @@
           </a:graphicData>
         </a:graphic>
       </p:graphicFrame>
+      <p:pic>
+        <p:nvPicPr>
+          <p:cNvPr id="5" name="그림 4"/>
+          <p:cNvPicPr>
+            <a:picLocks noChangeAspect="1"/>
+          </p:cNvPicPr>
+          <p:nvPr/>
+        </p:nvPicPr>
+        <p:blipFill>
+          <a:blip r:embed="rId2">
+            <a:extLst>
+              <a:ext uri="{28A0092B-C50C-407E-A947-70E740481C1C}">
+                <a14:useLocalDpi xmlns:a14="http://schemas.microsoft.com/office/drawing/2010/main" val="0"/>
+              </a:ext>
+            </a:extLst>
+          </a:blip>
+          <a:stretch>
+            <a:fillRect/>
+          </a:stretch>
+        </p:blipFill>
+        <p:spPr>
+          <a:xfrm>
+            <a:off x="628850" y="2604900"/>
+            <a:ext cx="609600" cy="609600"/>
+          </a:xfrm>
+          <a:prstGeom prst="rect">
+            <a:avLst/>
+          </a:prstGeom>
+        </p:spPr>
+      </p:pic>
+      <p:pic>
+        <p:nvPicPr>
+          <p:cNvPr id="6" name="그림 5"/>
+          <p:cNvPicPr>
+            <a:picLocks noChangeAspect="1"/>
+          </p:cNvPicPr>
+          <p:nvPr/>
+        </p:nvPicPr>
+        <p:blipFill>
+          <a:blip r:embed="rId3">
+            <a:extLst>
+              <a:ext uri="{28A0092B-C50C-407E-A947-70E740481C1C}">
+                <a14:useLocalDpi xmlns:a14="http://schemas.microsoft.com/office/drawing/2010/main" val="0"/>
+              </a:ext>
+            </a:extLst>
+          </a:blip>
+          <a:stretch>
+            <a:fillRect/>
+          </a:stretch>
+        </p:blipFill>
+        <p:spPr>
+          <a:xfrm>
+            <a:off x="611560" y="1674544"/>
+            <a:ext cx="609600" cy="609600"/>
+          </a:xfrm>
+          <a:prstGeom prst="rect">
+            <a:avLst/>
+          </a:prstGeom>
+        </p:spPr>
+      </p:pic>
+      <p:pic>
+        <p:nvPicPr>
+          <p:cNvPr id="10" name="그림 9"/>
+          <p:cNvPicPr>
+            <a:picLocks noChangeAspect="1"/>
+          </p:cNvPicPr>
+          <p:nvPr/>
+        </p:nvPicPr>
+        <p:blipFill>
+          <a:blip r:embed="rId4">
+            <a:extLst>
+              <a:ext uri="{28A0092B-C50C-407E-A947-70E740481C1C}">
+                <a14:useLocalDpi xmlns:a14="http://schemas.microsoft.com/office/drawing/2010/main" val="0"/>
+              </a:ext>
+            </a:extLst>
+          </a:blip>
+          <a:stretch>
+            <a:fillRect/>
+          </a:stretch>
+        </p:blipFill>
+        <p:spPr>
+          <a:xfrm>
+            <a:off x="628750" y="2105598"/>
+            <a:ext cx="609600" cy="609600"/>
+          </a:xfrm>
+          <a:prstGeom prst="rect">
+            <a:avLst/>
+          </a:prstGeom>
+        </p:spPr>
+      </p:pic>
+      <p:pic>
+        <p:nvPicPr>
+          <p:cNvPr id="12" name="그림 11"/>
+          <p:cNvPicPr>
+            <a:picLocks noChangeAspect="1"/>
+          </p:cNvPicPr>
+          <p:nvPr/>
+        </p:nvPicPr>
+        <p:blipFill>
+          <a:blip r:embed="rId5">
+            <a:extLst>
+              <a:ext uri="{28A0092B-C50C-407E-A947-70E740481C1C}">
+                <a14:useLocalDpi xmlns:a14="http://schemas.microsoft.com/office/drawing/2010/main" val="0"/>
+              </a:ext>
+            </a:extLst>
+          </a:blip>
+          <a:stretch>
+            <a:fillRect/>
+          </a:stretch>
+        </p:blipFill>
+        <p:spPr>
+          <a:xfrm>
+            <a:off x="683568" y="3255254"/>
+            <a:ext cx="609600" cy="609600"/>
+          </a:xfrm>
+          <a:prstGeom prst="rect">
+            <a:avLst/>
+          </a:prstGeom>
+        </p:spPr>
+      </p:pic>
+      <p:pic>
+        <p:nvPicPr>
+          <p:cNvPr id="13" name="그림 12"/>
+          <p:cNvPicPr>
+            <a:picLocks noChangeAspect="1"/>
+          </p:cNvPicPr>
+          <p:nvPr/>
+        </p:nvPicPr>
+        <p:blipFill>
+          <a:blip r:embed="rId6">
+            <a:extLst>
+              <a:ext uri="{28A0092B-C50C-407E-A947-70E740481C1C}">
+                <a14:useLocalDpi xmlns:a14="http://schemas.microsoft.com/office/drawing/2010/main" val="0"/>
+              </a:ext>
+            </a:extLst>
+          </a:blip>
+          <a:stretch>
+            <a:fillRect/>
+          </a:stretch>
+        </p:blipFill>
+        <p:spPr>
+          <a:xfrm>
+            <a:off x="683568" y="3657000"/>
+            <a:ext cx="609600" cy="609600"/>
+          </a:xfrm>
+          <a:prstGeom prst="rect">
+            <a:avLst/>
+          </a:prstGeom>
+        </p:spPr>
+      </p:pic>
+      <p:pic>
+        <p:nvPicPr>
+          <p:cNvPr id="14" name="그림 13"/>
+          <p:cNvPicPr>
+            <a:picLocks noChangeAspect="1"/>
+          </p:cNvPicPr>
+          <p:nvPr/>
+        </p:nvPicPr>
+        <p:blipFill>
+          <a:blip r:embed="rId7">
+            <a:extLst>
+              <a:ext uri="{28A0092B-C50C-407E-A947-70E740481C1C}">
+                <a14:useLocalDpi xmlns:a14="http://schemas.microsoft.com/office/drawing/2010/main" val="0"/>
+              </a:ext>
+            </a:extLst>
+          </a:blip>
+          <a:stretch>
+            <a:fillRect/>
+          </a:stretch>
+        </p:blipFill>
+        <p:spPr>
+          <a:xfrm>
+            <a:off x="683568" y="4060304"/>
+            <a:ext cx="609600" cy="609600"/>
+          </a:xfrm>
+          <a:prstGeom prst="rect">
+            <a:avLst/>
+          </a:prstGeom>
+        </p:spPr>
+      </p:pic>
     </p:spTree>
     <p:extLst>
       <p:ext uri="{BB962C8B-B14F-4D97-AF65-F5344CB8AC3E}">
@@ -7466,6 +7646,126 @@
           </a:graphicData>
         </a:graphic>
       </p:graphicFrame>
+      <p:pic>
+        <p:nvPicPr>
+          <p:cNvPr id="5" name="그림 4"/>
+          <p:cNvPicPr>
+            <a:picLocks noChangeAspect="1"/>
+          </p:cNvPicPr>
+          <p:nvPr/>
+        </p:nvPicPr>
+        <p:blipFill>
+          <a:blip r:embed="rId2">
+            <a:extLst>
+              <a:ext uri="{28A0092B-C50C-407E-A947-70E740481C1C}">
+                <a14:useLocalDpi xmlns:a14="http://schemas.microsoft.com/office/drawing/2010/main" val="0"/>
+              </a:ext>
+            </a:extLst>
+          </a:blip>
+          <a:stretch>
+            <a:fillRect/>
+          </a:stretch>
+        </p:blipFill>
+        <p:spPr>
+          <a:xfrm>
+            <a:off x="807124" y="1811288"/>
+            <a:ext cx="609600" cy="609600"/>
+          </a:xfrm>
+          <a:prstGeom prst="rect">
+            <a:avLst/>
+          </a:prstGeom>
+        </p:spPr>
+      </p:pic>
+      <p:pic>
+        <p:nvPicPr>
+          <p:cNvPr id="6" name="그림 5"/>
+          <p:cNvPicPr>
+            <a:picLocks noChangeAspect="1"/>
+          </p:cNvPicPr>
+          <p:nvPr/>
+        </p:nvPicPr>
+        <p:blipFill>
+          <a:blip r:embed="rId3">
+            <a:extLst>
+              <a:ext uri="{28A0092B-C50C-407E-A947-70E740481C1C}">
+                <a14:useLocalDpi xmlns:a14="http://schemas.microsoft.com/office/drawing/2010/main" val="0"/>
+              </a:ext>
+            </a:extLst>
+          </a:blip>
+          <a:stretch>
+            <a:fillRect/>
+          </a:stretch>
+        </p:blipFill>
+        <p:spPr>
+          <a:xfrm>
+            <a:off x="827584" y="2420888"/>
+            <a:ext cx="609600" cy="609600"/>
+          </a:xfrm>
+          <a:prstGeom prst="rect">
+            <a:avLst/>
+          </a:prstGeom>
+        </p:spPr>
+      </p:pic>
+      <p:pic>
+        <p:nvPicPr>
+          <p:cNvPr id="7" name="그림 6"/>
+          <p:cNvPicPr>
+            <a:picLocks noChangeAspect="1"/>
+          </p:cNvPicPr>
+          <p:nvPr/>
+        </p:nvPicPr>
+        <p:blipFill>
+          <a:blip r:embed="rId4">
+            <a:extLst>
+              <a:ext uri="{28A0092B-C50C-407E-A947-70E740481C1C}">
+                <a14:useLocalDpi xmlns:a14="http://schemas.microsoft.com/office/drawing/2010/main" val="0"/>
+              </a:ext>
+            </a:extLst>
+          </a:blip>
+          <a:stretch>
+            <a:fillRect/>
+          </a:stretch>
+        </p:blipFill>
+        <p:spPr>
+          <a:xfrm>
+            <a:off x="817719" y="3400379"/>
+            <a:ext cx="609600" cy="609600"/>
+          </a:xfrm>
+          <a:prstGeom prst="rect">
+            <a:avLst/>
+          </a:prstGeom>
+        </p:spPr>
+      </p:pic>
+      <p:pic>
+        <p:nvPicPr>
+          <p:cNvPr id="8" name="그림 7"/>
+          <p:cNvPicPr>
+            <a:picLocks noChangeAspect="1"/>
+          </p:cNvPicPr>
+          <p:nvPr/>
+        </p:nvPicPr>
+        <p:blipFill>
+          <a:blip r:embed="rId5">
+            <a:extLst>
+              <a:ext uri="{28A0092B-C50C-407E-A947-70E740481C1C}">
+                <a14:useLocalDpi xmlns:a14="http://schemas.microsoft.com/office/drawing/2010/main" val="0"/>
+              </a:ext>
+            </a:extLst>
+          </a:blip>
+          <a:stretch>
+            <a:fillRect/>
+          </a:stretch>
+        </p:blipFill>
+        <p:spPr>
+          <a:xfrm>
+            <a:off x="817719" y="2924944"/>
+            <a:ext cx="609600" cy="609600"/>
+          </a:xfrm>
+          <a:prstGeom prst="rect">
+            <a:avLst/>
+          </a:prstGeom>
+        </p:spPr>
+      </p:pic>
     </p:spTree>
     <p:extLst>
       <p:ext uri="{BB962C8B-B14F-4D97-AF65-F5344CB8AC3E}">
@@ -13314,6 +13614,126 @@
           </a:graphicData>
         </a:graphic>
       </p:graphicFrame>
+      <p:pic>
+        <p:nvPicPr>
+          <p:cNvPr id="8" name="그림 7"/>
+          <p:cNvPicPr>
+            <a:picLocks noChangeAspect="1"/>
+          </p:cNvPicPr>
+          <p:nvPr/>
+        </p:nvPicPr>
+        <p:blipFill>
+          <a:blip r:embed="rId2">
+            <a:extLst>
+              <a:ext uri="{28A0092B-C50C-407E-A947-70E740481C1C}">
+                <a14:useLocalDpi xmlns:a14="http://schemas.microsoft.com/office/drawing/2010/main" val="0"/>
+              </a:ext>
+            </a:extLst>
+          </a:blip>
+          <a:stretch>
+            <a:fillRect/>
+          </a:stretch>
+        </p:blipFill>
+        <p:spPr>
+          <a:xfrm>
+            <a:off x="773721" y="3335775"/>
+            <a:ext cx="609600" cy="609600"/>
+          </a:xfrm>
+          <a:prstGeom prst="rect">
+            <a:avLst/>
+          </a:prstGeom>
+        </p:spPr>
+      </p:pic>
+      <p:pic>
+        <p:nvPicPr>
+          <p:cNvPr id="12" name="그림 11"/>
+          <p:cNvPicPr>
+            <a:picLocks noChangeAspect="1"/>
+          </p:cNvPicPr>
+          <p:nvPr/>
+        </p:nvPicPr>
+        <p:blipFill>
+          <a:blip r:embed="rId3">
+            <a:extLst>
+              <a:ext uri="{28A0092B-C50C-407E-A947-70E740481C1C}">
+                <a14:useLocalDpi xmlns:a14="http://schemas.microsoft.com/office/drawing/2010/main" val="0"/>
+              </a:ext>
+            </a:extLst>
+          </a:blip>
+          <a:stretch>
+            <a:fillRect/>
+          </a:stretch>
+        </p:blipFill>
+        <p:spPr>
+          <a:xfrm>
+            <a:off x="741199" y="2221679"/>
+            <a:ext cx="569100" cy="569100"/>
+          </a:xfrm>
+          <a:prstGeom prst="rect">
+            <a:avLst/>
+          </a:prstGeom>
+        </p:spPr>
+      </p:pic>
+      <p:pic>
+        <p:nvPicPr>
+          <p:cNvPr id="14" name="그림 13"/>
+          <p:cNvPicPr>
+            <a:picLocks noChangeAspect="1"/>
+          </p:cNvPicPr>
+          <p:nvPr/>
+        </p:nvPicPr>
+        <p:blipFill>
+          <a:blip r:embed="rId4">
+            <a:extLst>
+              <a:ext uri="{28A0092B-C50C-407E-A947-70E740481C1C}">
+                <a14:useLocalDpi xmlns:a14="http://schemas.microsoft.com/office/drawing/2010/main" val="0"/>
+              </a:ext>
+            </a:extLst>
+          </a:blip>
+          <a:stretch>
+            <a:fillRect/>
+          </a:stretch>
+        </p:blipFill>
+        <p:spPr>
+          <a:xfrm>
+            <a:off x="749504" y="2578800"/>
+            <a:ext cx="609600" cy="609600"/>
+          </a:xfrm>
+          <a:prstGeom prst="rect">
+            <a:avLst/>
+          </a:prstGeom>
+        </p:spPr>
+      </p:pic>
+      <p:pic>
+        <p:nvPicPr>
+          <p:cNvPr id="17" name="그림 16"/>
+          <p:cNvPicPr>
+            <a:picLocks noChangeAspect="1"/>
+          </p:cNvPicPr>
+          <p:nvPr/>
+        </p:nvPicPr>
+        <p:blipFill>
+          <a:blip r:embed="rId5">
+            <a:extLst>
+              <a:ext uri="{28A0092B-C50C-407E-A947-70E740481C1C}">
+                <a14:useLocalDpi xmlns:a14="http://schemas.microsoft.com/office/drawing/2010/main" val="0"/>
+              </a:ext>
+            </a:extLst>
+          </a:blip>
+          <a:stretch>
+            <a:fillRect/>
+          </a:stretch>
+        </p:blipFill>
+        <p:spPr>
+          <a:xfrm>
+            <a:off x="773721" y="1800844"/>
+            <a:ext cx="504056" cy="504056"/>
+          </a:xfrm>
+          <a:prstGeom prst="rect">
+            <a:avLst/>
+          </a:prstGeom>
+        </p:spPr>
+      </p:pic>
     </p:spTree>
     <p:extLst>
       <p:ext uri="{BB962C8B-B14F-4D97-AF65-F5344CB8AC3E}">
@@ -13376,7 +13796,7 @@
           <p:nvPr>
             <p:extLst>
               <p:ext uri="{D42A27DB-BD31-4B8C-83A1-F6EECF244321}">
-                <p14:modId xmlns:p14="http://schemas.microsoft.com/office/powerpoint/2010/main" val="806779484"/>
+                <p14:modId xmlns:p14="http://schemas.microsoft.com/office/powerpoint/2010/main" val="2865399345"/>
               </p:ext>
             </p:extLst>
           </p:nvPr>
@@ -14265,6 +14685,10 @@
                     <a:lstStyle/>
                     <a:p>
                       <a:pPr latinLnBrk="1"/>
+                      <a:r>
+                        <a:rPr lang="ko-KR" altLang="en-US" sz="1000" dirty="0" smtClean="0"/>
+                        <a:t>미정</a:t>
+                      </a:r>
                       <a:endParaRPr lang="ko-KR" altLang="en-US" sz="1000" dirty="0"/>
                     </a:p>
                   </a:txBody>
@@ -15557,6 +15981,96 @@
           </a:graphicData>
         </a:graphic>
       </p:graphicFrame>
+      <p:pic>
+        <p:nvPicPr>
+          <p:cNvPr id="12" name="그림 11"/>
+          <p:cNvPicPr>
+            <a:picLocks noChangeAspect="1"/>
+          </p:cNvPicPr>
+          <p:nvPr/>
+        </p:nvPicPr>
+        <p:blipFill>
+          <a:blip r:embed="rId2">
+            <a:extLst>
+              <a:ext uri="{28A0092B-C50C-407E-A947-70E740481C1C}">
+                <a14:useLocalDpi xmlns:a14="http://schemas.microsoft.com/office/drawing/2010/main" val="0"/>
+              </a:ext>
+            </a:extLst>
+          </a:blip>
+          <a:stretch>
+            <a:fillRect/>
+          </a:stretch>
+        </p:blipFill>
+        <p:spPr>
+          <a:xfrm>
+            <a:off x="827584" y="1824000"/>
+            <a:ext cx="609600" cy="609600"/>
+          </a:xfrm>
+          <a:prstGeom prst="rect">
+            <a:avLst/>
+          </a:prstGeom>
+        </p:spPr>
+      </p:pic>
+      <p:pic>
+        <p:nvPicPr>
+          <p:cNvPr id="13" name="그림 12"/>
+          <p:cNvPicPr>
+            <a:picLocks noChangeAspect="1"/>
+          </p:cNvPicPr>
+          <p:nvPr/>
+        </p:nvPicPr>
+        <p:blipFill>
+          <a:blip r:embed="rId3">
+            <a:extLst>
+              <a:ext uri="{28A0092B-C50C-407E-A947-70E740481C1C}">
+                <a14:useLocalDpi xmlns:a14="http://schemas.microsoft.com/office/drawing/2010/main" val="0"/>
+              </a:ext>
+            </a:extLst>
+          </a:blip>
+          <a:stretch>
+            <a:fillRect/>
+          </a:stretch>
+        </p:blipFill>
+        <p:spPr>
+          <a:xfrm>
+            <a:off x="853383" y="2623950"/>
+            <a:ext cx="609600" cy="609600"/>
+          </a:xfrm>
+          <a:prstGeom prst="rect">
+            <a:avLst/>
+          </a:prstGeom>
+        </p:spPr>
+      </p:pic>
+      <p:pic>
+        <p:nvPicPr>
+          <p:cNvPr id="14" name="그림 13"/>
+          <p:cNvPicPr>
+            <a:picLocks noChangeAspect="1"/>
+          </p:cNvPicPr>
+          <p:nvPr/>
+        </p:nvPicPr>
+        <p:blipFill>
+          <a:blip r:embed="rId4">
+            <a:extLst>
+              <a:ext uri="{28A0092B-C50C-407E-A947-70E740481C1C}">
+                <a14:useLocalDpi xmlns:a14="http://schemas.microsoft.com/office/drawing/2010/main" val="0"/>
+              </a:ext>
+            </a:extLst>
+          </a:blip>
+          <a:stretch>
+            <a:fillRect/>
+          </a:stretch>
+        </p:blipFill>
+        <p:spPr>
+          <a:xfrm>
+            <a:off x="827584" y="2181179"/>
+            <a:ext cx="609600" cy="609600"/>
+          </a:xfrm>
+          <a:prstGeom prst="rect">
+            <a:avLst/>
+          </a:prstGeom>
+        </p:spPr>
+      </p:pic>
     </p:spTree>
     <p:extLst>
       <p:ext uri="{BB962C8B-B14F-4D97-AF65-F5344CB8AC3E}">

--- a/EscapeJail/Assets/기획/스테이지1기획.pptx
+++ b/EscapeJail/Assets/기획/스테이지1기획.pptx
@@ -27,6 +27,8 @@
     <p:sldId id="276" r:id="rId21"/>
     <p:sldId id="278" r:id="rId22"/>
     <p:sldId id="280" r:id="rId23"/>
+    <p:sldId id="283" r:id="rId24"/>
+    <p:sldId id="284" r:id="rId25"/>
   </p:sldIdLst>
   <p:sldSz cx="9144000" cy="6858000" type="screen4x3"/>
   <p:notesSz cx="6858000" cy="9144000"/>
@@ -309,7 +311,7 @@
           <a:p>
             <a:fld id="{75C3E87A-1EF5-4BC0-A34A-1B32DEFB2AF0}" type="datetimeFigureOut">
               <a:rPr lang="ko-KR" altLang="en-US" smtClean="0"/>
-              <a:t>2017-10-15</a:t>
+              <a:t>2017-10-16</a:t>
             </a:fld>
             <a:endParaRPr lang="ko-KR" altLang="en-US"/>
           </a:p>
@@ -479,7 +481,7 @@
           <a:p>
             <a:fld id="{75C3E87A-1EF5-4BC0-A34A-1B32DEFB2AF0}" type="datetimeFigureOut">
               <a:rPr lang="ko-KR" altLang="en-US" smtClean="0"/>
-              <a:t>2017-10-15</a:t>
+              <a:t>2017-10-16</a:t>
             </a:fld>
             <a:endParaRPr lang="ko-KR" altLang="en-US"/>
           </a:p>
@@ -659,7 +661,7 @@
           <a:p>
             <a:fld id="{75C3E87A-1EF5-4BC0-A34A-1B32DEFB2AF0}" type="datetimeFigureOut">
               <a:rPr lang="ko-KR" altLang="en-US" smtClean="0"/>
-              <a:t>2017-10-15</a:t>
+              <a:t>2017-10-16</a:t>
             </a:fld>
             <a:endParaRPr lang="ko-KR" altLang="en-US"/>
           </a:p>
@@ -829,7 +831,7 @@
           <a:p>
             <a:fld id="{75C3E87A-1EF5-4BC0-A34A-1B32DEFB2AF0}" type="datetimeFigureOut">
               <a:rPr lang="ko-KR" altLang="en-US" smtClean="0"/>
-              <a:t>2017-10-15</a:t>
+              <a:t>2017-10-16</a:t>
             </a:fld>
             <a:endParaRPr lang="ko-KR" altLang="en-US"/>
           </a:p>
@@ -1075,7 +1077,7 @@
           <a:p>
             <a:fld id="{75C3E87A-1EF5-4BC0-A34A-1B32DEFB2AF0}" type="datetimeFigureOut">
               <a:rPr lang="ko-KR" altLang="en-US" smtClean="0"/>
-              <a:t>2017-10-15</a:t>
+              <a:t>2017-10-16</a:t>
             </a:fld>
             <a:endParaRPr lang="ko-KR" altLang="en-US"/>
           </a:p>
@@ -1363,7 +1365,7 @@
           <a:p>
             <a:fld id="{75C3E87A-1EF5-4BC0-A34A-1B32DEFB2AF0}" type="datetimeFigureOut">
               <a:rPr lang="ko-KR" altLang="en-US" smtClean="0"/>
-              <a:t>2017-10-15</a:t>
+              <a:t>2017-10-16</a:t>
             </a:fld>
             <a:endParaRPr lang="ko-KR" altLang="en-US"/>
           </a:p>
@@ -1785,7 +1787,7 @@
           <a:p>
             <a:fld id="{75C3E87A-1EF5-4BC0-A34A-1B32DEFB2AF0}" type="datetimeFigureOut">
               <a:rPr lang="ko-KR" altLang="en-US" smtClean="0"/>
-              <a:t>2017-10-15</a:t>
+              <a:t>2017-10-16</a:t>
             </a:fld>
             <a:endParaRPr lang="ko-KR" altLang="en-US"/>
           </a:p>
@@ -1903,7 +1905,7 @@
           <a:p>
             <a:fld id="{75C3E87A-1EF5-4BC0-A34A-1B32DEFB2AF0}" type="datetimeFigureOut">
               <a:rPr lang="ko-KR" altLang="en-US" smtClean="0"/>
-              <a:t>2017-10-15</a:t>
+              <a:t>2017-10-16</a:t>
             </a:fld>
             <a:endParaRPr lang="ko-KR" altLang="en-US"/>
           </a:p>
@@ -1998,7 +2000,7 @@
           <a:p>
             <a:fld id="{75C3E87A-1EF5-4BC0-A34A-1B32DEFB2AF0}" type="datetimeFigureOut">
               <a:rPr lang="ko-KR" altLang="en-US" smtClean="0"/>
-              <a:t>2017-10-15</a:t>
+              <a:t>2017-10-16</a:t>
             </a:fld>
             <a:endParaRPr lang="ko-KR" altLang="en-US"/>
           </a:p>
@@ -2275,7 +2277,7 @@
           <a:p>
             <a:fld id="{75C3E87A-1EF5-4BC0-A34A-1B32DEFB2AF0}" type="datetimeFigureOut">
               <a:rPr lang="ko-KR" altLang="en-US" smtClean="0"/>
-              <a:t>2017-10-15</a:t>
+              <a:t>2017-10-16</a:t>
             </a:fld>
             <a:endParaRPr lang="ko-KR" altLang="en-US"/>
           </a:p>
@@ -2528,7 +2530,7 @@
           <a:p>
             <a:fld id="{75C3E87A-1EF5-4BC0-A34A-1B32DEFB2AF0}" type="datetimeFigureOut">
               <a:rPr lang="ko-KR" altLang="en-US" smtClean="0"/>
-              <a:t>2017-10-15</a:t>
+              <a:t>2017-10-16</a:t>
             </a:fld>
             <a:endParaRPr lang="ko-KR" altLang="en-US"/>
           </a:p>
@@ -2741,7 +2743,7 @@
           <a:p>
             <a:fld id="{75C3E87A-1EF5-4BC0-A34A-1B32DEFB2AF0}" type="datetimeFigureOut">
               <a:rPr lang="ko-KR" altLang="en-US" smtClean="0"/>
-              <a:t>2017-10-15</a:t>
+              <a:t>2017-10-16</a:t>
             </a:fld>
             <a:endParaRPr lang="ko-KR" altLang="en-US"/>
           </a:p>
@@ -10583,6 +10585,313 @@
     <p:extLst>
       <p:ext uri="{BB962C8B-B14F-4D97-AF65-F5344CB8AC3E}">
         <p14:creationId xmlns:p14="http://schemas.microsoft.com/office/powerpoint/2010/main" val="2039195237"/>
+      </p:ext>
+    </p:extLst>
+  </p:cSld>
+  <p:clrMapOvr>
+    <a:masterClrMapping/>
+  </p:clrMapOvr>
+</p:sld>
+</file>
+
+<file path=ppt/slides/slide23.xml><?xml version="1.0" encoding="utf-8"?>
+<p:sld xmlns:a="http://schemas.openxmlformats.org/drawingml/2006/main" xmlns:r="http://schemas.openxmlformats.org/officeDocument/2006/relationships" xmlns:p="http://schemas.openxmlformats.org/presentationml/2006/main">
+  <p:cSld>
+    <p:spTree>
+      <p:nvGrpSpPr>
+        <p:cNvPr id="1" name=""/>
+        <p:cNvGrpSpPr/>
+        <p:nvPr/>
+      </p:nvGrpSpPr>
+      <p:grpSpPr>
+        <a:xfrm>
+          <a:off x="0" y="0"/>
+          <a:ext cx="0" cy="0"/>
+          <a:chOff x="0" y="0"/>
+          <a:chExt cx="0" cy="0"/>
+        </a:xfrm>
+      </p:grpSpPr>
+      <p:sp>
+        <p:nvSpPr>
+          <p:cNvPr id="2" name="제목 1"/>
+          <p:cNvSpPr>
+            <a:spLocks noGrp="1"/>
+          </p:cNvSpPr>
+          <p:nvPr>
+            <p:ph type="title"/>
+          </p:nvPr>
+        </p:nvSpPr>
+        <p:spPr/>
+        <p:txBody>
+          <a:bodyPr/>
+          <a:lstStyle/>
+          <a:p>
+            <a:r>
+              <a:rPr lang="ko-KR" altLang="en-US" dirty="0" smtClean="0"/>
+              <a:t>신무기</a:t>
+            </a:r>
+            <a:endParaRPr lang="ko-KR" altLang="en-US" dirty="0"/>
+          </a:p>
+        </p:txBody>
+      </p:sp>
+      <p:sp>
+        <p:nvSpPr>
+          <p:cNvPr id="3" name="내용 개체 틀 2"/>
+          <p:cNvSpPr>
+            <a:spLocks noGrp="1"/>
+          </p:cNvSpPr>
+          <p:nvPr>
+            <p:ph idx="1"/>
+          </p:nvPr>
+        </p:nvSpPr>
+        <p:spPr/>
+        <p:txBody>
+          <a:bodyPr>
+            <a:normAutofit lnSpcReduction="10000"/>
+          </a:bodyPr>
+          <a:lstStyle/>
+          <a:p>
+            <a:endParaRPr lang="en-US" altLang="ko-KR" b="1" dirty="0" smtClean="0"/>
+          </a:p>
+          <a:p>
+            <a:r>
+              <a:rPr lang="ko-KR" altLang="en-US" b="1" dirty="0" smtClean="0"/>
+              <a:t>거울</a:t>
+            </a:r>
+            <a:r>
+              <a:rPr lang="en-US" altLang="ko-KR" b="1" dirty="0" smtClean="0"/>
+              <a:t>()</a:t>
+            </a:r>
+            <a:r>
+              <a:rPr lang="ko-KR" altLang="en-US" b="1" dirty="0" smtClean="0"/>
+              <a:t> </a:t>
+            </a:r>
+            <a:endParaRPr lang="en-US" altLang="ko-KR" b="1" dirty="0" smtClean="0"/>
+          </a:p>
+          <a:p>
+            <a:r>
+              <a:rPr lang="en-US" altLang="ko-KR" b="1" dirty="0" smtClean="0"/>
+              <a:t>(</a:t>
+            </a:r>
+            <a:r>
+              <a:rPr lang="ko-KR" altLang="en-US" b="1" dirty="0" smtClean="0"/>
+              <a:t>상대방 무기 반사시켜서 반대로 </a:t>
+            </a:r>
+            <a:r>
+              <a:rPr lang="ko-KR" altLang="en-US" b="1" dirty="0" err="1" smtClean="0"/>
+              <a:t>데미지줌</a:t>
+            </a:r>
+            <a:r>
+              <a:rPr lang="en-US" altLang="ko-KR" b="1" dirty="0" smtClean="0"/>
+              <a:t>)</a:t>
+            </a:r>
+          </a:p>
+          <a:p>
+            <a:r>
+              <a:rPr lang="ko-KR" altLang="en-US" b="1" dirty="0" err="1" smtClean="0"/>
+              <a:t>저격총</a:t>
+            </a:r>
+            <a:endParaRPr lang="en-US" altLang="ko-KR" b="1" dirty="0" smtClean="0"/>
+          </a:p>
+          <a:p>
+            <a:r>
+              <a:rPr lang="en-US" altLang="ko-KR" b="1" dirty="0" smtClean="0"/>
+              <a:t>(</a:t>
+            </a:r>
+            <a:r>
+              <a:rPr lang="ko-KR" altLang="en-US" b="1" dirty="0" smtClean="0"/>
+              <a:t>장전은 느리나 </a:t>
+            </a:r>
+            <a:r>
+              <a:rPr lang="ko-KR" altLang="en-US" b="1" dirty="0" err="1" smtClean="0"/>
+              <a:t>한발한발데미지가</a:t>
+            </a:r>
+            <a:r>
+              <a:rPr lang="ko-KR" altLang="en-US" b="1" dirty="0" smtClean="0"/>
+              <a:t> 쌔고 반동이 없음</a:t>
+            </a:r>
+            <a:r>
+              <a:rPr lang="en-US" altLang="ko-KR" b="1" dirty="0" smtClean="0"/>
+              <a:t>)</a:t>
+            </a:r>
+          </a:p>
+          <a:p>
+            <a:r>
+              <a:rPr lang="ko-KR" altLang="en-US" b="1" dirty="0" err="1" smtClean="0"/>
+              <a:t>히트스캔류</a:t>
+            </a:r>
+            <a:r>
+              <a:rPr lang="ko-KR" altLang="en-US" b="1" dirty="0" smtClean="0"/>
+              <a:t> 총</a:t>
+            </a:r>
+            <a:r>
+              <a:rPr lang="en-US" altLang="ko-KR" b="1" dirty="0" smtClean="0"/>
+              <a:t>(</a:t>
+            </a:r>
+            <a:r>
+              <a:rPr lang="ko-KR" altLang="en-US" b="1" dirty="0" smtClean="0"/>
+              <a:t>공기총</a:t>
+            </a:r>
+            <a:r>
+              <a:rPr lang="en-US" altLang="ko-KR" b="1" dirty="0" smtClean="0"/>
+              <a:t>?)</a:t>
+            </a:r>
+          </a:p>
+          <a:p>
+            <a:r>
+              <a:rPr lang="ko-KR" altLang="en-US" b="1" dirty="0" smtClean="0"/>
+              <a:t>쌍권총</a:t>
+            </a:r>
+            <a:r>
+              <a:rPr lang="en-US" altLang="ko-KR" b="1" dirty="0" smtClean="0"/>
+              <a:t>(</a:t>
+            </a:r>
+            <a:r>
+              <a:rPr lang="ko-KR" altLang="en-US" b="1" dirty="0" smtClean="0"/>
+              <a:t>두발 </a:t>
+            </a:r>
+            <a:r>
+              <a:rPr lang="ko-KR" altLang="en-US" b="1" dirty="0" err="1" smtClean="0"/>
+              <a:t>한번에쏨</a:t>
+            </a:r>
+            <a:r>
+              <a:rPr lang="en-US" altLang="ko-KR" b="1" dirty="0" smtClean="0"/>
+              <a:t>)</a:t>
+            </a:r>
+            <a:endParaRPr lang="en-US" altLang="ko-KR" b="1" dirty="0" smtClean="0"/>
+          </a:p>
+        </p:txBody>
+      </p:sp>
+    </p:spTree>
+    <p:extLst>
+      <p:ext uri="{BB962C8B-B14F-4D97-AF65-F5344CB8AC3E}">
+        <p14:creationId xmlns:p14="http://schemas.microsoft.com/office/powerpoint/2010/main" val="1478088029"/>
+      </p:ext>
+    </p:extLst>
+  </p:cSld>
+  <p:clrMapOvr>
+    <a:masterClrMapping/>
+  </p:clrMapOvr>
+</p:sld>
+</file>
+
+<file path=ppt/slides/slide24.xml><?xml version="1.0" encoding="utf-8"?>
+<p:sld xmlns:a="http://schemas.openxmlformats.org/drawingml/2006/main" xmlns:r="http://schemas.openxmlformats.org/officeDocument/2006/relationships" xmlns:p="http://schemas.openxmlformats.org/presentationml/2006/main">
+  <p:cSld>
+    <p:spTree>
+      <p:nvGrpSpPr>
+        <p:cNvPr id="1" name=""/>
+        <p:cNvGrpSpPr/>
+        <p:nvPr/>
+      </p:nvGrpSpPr>
+      <p:grpSpPr>
+        <a:xfrm>
+          <a:off x="0" y="0"/>
+          <a:ext cx="0" cy="0"/>
+          <a:chOff x="0" y="0"/>
+          <a:chExt cx="0" cy="0"/>
+        </a:xfrm>
+      </p:grpSpPr>
+      <p:sp>
+        <p:nvSpPr>
+          <p:cNvPr id="2" name="제목 1"/>
+          <p:cNvSpPr>
+            <a:spLocks noGrp="1"/>
+          </p:cNvSpPr>
+          <p:nvPr>
+            <p:ph type="title"/>
+          </p:nvPr>
+        </p:nvSpPr>
+        <p:spPr/>
+        <p:txBody>
+          <a:bodyPr>
+            <a:normAutofit fontScale="90000"/>
+          </a:bodyPr>
+          <a:lstStyle/>
+          <a:p>
+            <a:r>
+              <a:rPr lang="ko-KR" altLang="en-US" dirty="0" err="1" smtClean="0"/>
+              <a:t>패시브</a:t>
+            </a:r>
+            <a:r>
+              <a:rPr lang="ko-KR" altLang="en-US" dirty="0" smtClean="0"/>
+              <a:t> 아이템</a:t>
+            </a:r>
+            <a:r>
+              <a:rPr lang="en-US" altLang="ko-KR" dirty="0" smtClean="0"/>
+              <a:t/>
+            </a:r>
+            <a:br>
+              <a:rPr lang="en-US" altLang="ko-KR" dirty="0" smtClean="0"/>
+            </a:br>
+            <a:r>
+              <a:rPr lang="en-US" altLang="ko-KR" dirty="0" smtClean="0"/>
+              <a:t>(</a:t>
+            </a:r>
+            <a:r>
+              <a:rPr lang="ko-KR" altLang="en-US" dirty="0" smtClean="0"/>
+              <a:t>플레이어마다 </a:t>
+            </a:r>
+            <a:r>
+              <a:rPr lang="en-US" altLang="ko-KR" dirty="0" smtClean="0"/>
+              <a:t>1</a:t>
+            </a:r>
+            <a:r>
+              <a:rPr lang="ko-KR" altLang="en-US" dirty="0" smtClean="0"/>
+              <a:t>개씩 소유 가능</a:t>
+            </a:r>
+            <a:r>
+              <a:rPr lang="en-US" altLang="ko-KR" dirty="0" smtClean="0"/>
+              <a:t>)</a:t>
+            </a:r>
+            <a:endParaRPr lang="ko-KR" altLang="en-US" dirty="0"/>
+          </a:p>
+        </p:txBody>
+      </p:sp>
+      <p:sp>
+        <p:nvSpPr>
+          <p:cNvPr id="3" name="내용 개체 틀 2"/>
+          <p:cNvSpPr>
+            <a:spLocks noGrp="1"/>
+          </p:cNvSpPr>
+          <p:nvPr>
+            <p:ph idx="1"/>
+          </p:nvPr>
+        </p:nvSpPr>
+        <p:spPr/>
+        <p:txBody>
+          <a:bodyPr>
+            <a:normAutofit/>
+          </a:bodyPr>
+          <a:lstStyle/>
+          <a:p>
+            <a:endParaRPr lang="en-US" altLang="ko-KR" b="1" dirty="0" smtClean="0"/>
+          </a:p>
+          <a:p>
+            <a:r>
+              <a:rPr lang="ko-KR" altLang="en-US" b="1" dirty="0" smtClean="0"/>
+              <a:t>안정제 </a:t>
+            </a:r>
+            <a:r>
+              <a:rPr lang="en-US" altLang="ko-KR" b="1" dirty="0" smtClean="0"/>
+              <a:t>( </a:t>
+            </a:r>
+            <a:r>
+              <a:rPr lang="ko-KR" altLang="en-US" b="1" dirty="0" smtClean="0"/>
+              <a:t>총기 반동을 많이 줄여줌</a:t>
+            </a:r>
+            <a:r>
+              <a:rPr lang="en-US" altLang="ko-KR" b="1" dirty="0" smtClean="0"/>
+              <a:t>)</a:t>
+            </a:r>
+            <a:endParaRPr lang="en-US" altLang="ko-KR" b="1" dirty="0" smtClean="0"/>
+          </a:p>
+        </p:txBody>
+      </p:sp>
+    </p:spTree>
+    <p:extLst>
+      <p:ext uri="{BB962C8B-B14F-4D97-AF65-F5344CB8AC3E}">
+        <p14:creationId xmlns:p14="http://schemas.microsoft.com/office/powerpoint/2010/main" val="4072168355"/>
       </p:ext>
     </p:extLst>
   </p:cSld>

--- a/EscapeJail/Assets/기획/스테이지1기획.pptx
+++ b/EscapeJail/Assets/기획/스테이지1기획.pptx
@@ -28,7 +28,9 @@
     <p:sldId id="278" r:id="rId22"/>
     <p:sldId id="280" r:id="rId23"/>
     <p:sldId id="283" r:id="rId24"/>
-    <p:sldId id="284" r:id="rId25"/>
+    <p:sldId id="285" r:id="rId25"/>
+    <p:sldId id="286" r:id="rId26"/>
+    <p:sldId id="284" r:id="rId27"/>
   </p:sldIdLst>
   <p:sldSz cx="9144000" cy="6858000" type="screen4x3"/>
   <p:notesSz cx="6858000" cy="9144000"/>
@@ -311,7 +313,7 @@
           <a:p>
             <a:fld id="{75C3E87A-1EF5-4BC0-A34A-1B32DEFB2AF0}" type="datetimeFigureOut">
               <a:rPr lang="ko-KR" altLang="en-US" smtClean="0"/>
-              <a:t>2017-10-16</a:t>
+              <a:t>2017-10-17</a:t>
             </a:fld>
             <a:endParaRPr lang="ko-KR" altLang="en-US"/>
           </a:p>
@@ -481,7 +483,7 @@
           <a:p>
             <a:fld id="{75C3E87A-1EF5-4BC0-A34A-1B32DEFB2AF0}" type="datetimeFigureOut">
               <a:rPr lang="ko-KR" altLang="en-US" smtClean="0"/>
-              <a:t>2017-10-16</a:t>
+              <a:t>2017-10-17</a:t>
             </a:fld>
             <a:endParaRPr lang="ko-KR" altLang="en-US"/>
           </a:p>
@@ -661,7 +663,7 @@
           <a:p>
             <a:fld id="{75C3E87A-1EF5-4BC0-A34A-1B32DEFB2AF0}" type="datetimeFigureOut">
               <a:rPr lang="ko-KR" altLang="en-US" smtClean="0"/>
-              <a:t>2017-10-16</a:t>
+              <a:t>2017-10-17</a:t>
             </a:fld>
             <a:endParaRPr lang="ko-KR" altLang="en-US"/>
           </a:p>
@@ -831,7 +833,7 @@
           <a:p>
             <a:fld id="{75C3E87A-1EF5-4BC0-A34A-1B32DEFB2AF0}" type="datetimeFigureOut">
               <a:rPr lang="ko-KR" altLang="en-US" smtClean="0"/>
-              <a:t>2017-10-16</a:t>
+              <a:t>2017-10-17</a:t>
             </a:fld>
             <a:endParaRPr lang="ko-KR" altLang="en-US"/>
           </a:p>
@@ -1077,7 +1079,7 @@
           <a:p>
             <a:fld id="{75C3E87A-1EF5-4BC0-A34A-1B32DEFB2AF0}" type="datetimeFigureOut">
               <a:rPr lang="ko-KR" altLang="en-US" smtClean="0"/>
-              <a:t>2017-10-16</a:t>
+              <a:t>2017-10-17</a:t>
             </a:fld>
             <a:endParaRPr lang="ko-KR" altLang="en-US"/>
           </a:p>
@@ -1365,7 +1367,7 @@
           <a:p>
             <a:fld id="{75C3E87A-1EF5-4BC0-A34A-1B32DEFB2AF0}" type="datetimeFigureOut">
               <a:rPr lang="ko-KR" altLang="en-US" smtClean="0"/>
-              <a:t>2017-10-16</a:t>
+              <a:t>2017-10-17</a:t>
             </a:fld>
             <a:endParaRPr lang="ko-KR" altLang="en-US"/>
           </a:p>
@@ -1787,7 +1789,7 @@
           <a:p>
             <a:fld id="{75C3E87A-1EF5-4BC0-A34A-1B32DEFB2AF0}" type="datetimeFigureOut">
               <a:rPr lang="ko-KR" altLang="en-US" smtClean="0"/>
-              <a:t>2017-10-16</a:t>
+              <a:t>2017-10-17</a:t>
             </a:fld>
             <a:endParaRPr lang="ko-KR" altLang="en-US"/>
           </a:p>
@@ -1905,7 +1907,7 @@
           <a:p>
             <a:fld id="{75C3E87A-1EF5-4BC0-A34A-1B32DEFB2AF0}" type="datetimeFigureOut">
               <a:rPr lang="ko-KR" altLang="en-US" smtClean="0"/>
-              <a:t>2017-10-16</a:t>
+              <a:t>2017-10-17</a:t>
             </a:fld>
             <a:endParaRPr lang="ko-KR" altLang="en-US"/>
           </a:p>
@@ -2000,7 +2002,7 @@
           <a:p>
             <a:fld id="{75C3E87A-1EF5-4BC0-A34A-1B32DEFB2AF0}" type="datetimeFigureOut">
               <a:rPr lang="ko-KR" altLang="en-US" smtClean="0"/>
-              <a:t>2017-10-16</a:t>
+              <a:t>2017-10-17</a:t>
             </a:fld>
             <a:endParaRPr lang="ko-KR" altLang="en-US"/>
           </a:p>
@@ -2277,7 +2279,7 @@
           <a:p>
             <a:fld id="{75C3E87A-1EF5-4BC0-A34A-1B32DEFB2AF0}" type="datetimeFigureOut">
               <a:rPr lang="ko-KR" altLang="en-US" smtClean="0"/>
-              <a:t>2017-10-16</a:t>
+              <a:t>2017-10-17</a:t>
             </a:fld>
             <a:endParaRPr lang="ko-KR" altLang="en-US"/>
           </a:p>
@@ -2530,7 +2532,7 @@
           <a:p>
             <a:fld id="{75C3E87A-1EF5-4BC0-A34A-1B32DEFB2AF0}" type="datetimeFigureOut">
               <a:rPr lang="ko-KR" altLang="en-US" smtClean="0"/>
-              <a:t>2017-10-16</a:t>
+              <a:t>2017-10-17</a:t>
             </a:fld>
             <a:endParaRPr lang="ko-KR" altLang="en-US"/>
           </a:p>
@@ -2743,7 +2745,7 @@
           <a:p>
             <a:fld id="{75C3E87A-1EF5-4BC0-A34A-1B32DEFB2AF0}" type="datetimeFigureOut">
               <a:rPr lang="ko-KR" altLang="en-US" smtClean="0"/>
-              <a:t>2017-10-16</a:t>
+              <a:t>2017-10-17</a:t>
             </a:fld>
             <a:endParaRPr lang="ko-KR" altLang="en-US"/>
           </a:p>
@@ -10758,7 +10760,6 @@
               <a:rPr lang="en-US" altLang="ko-KR" b="1" dirty="0" smtClean="0"/>
               <a:t>)</a:t>
             </a:r>
-            <a:endParaRPr lang="en-US" altLang="ko-KR" b="1" dirty="0" smtClean="0"/>
           </a:p>
         </p:txBody>
       </p:sp>
@@ -10804,45 +10805,12 @@
         </p:nvSpPr>
         <p:spPr/>
         <p:txBody>
-          <a:bodyPr>
-            <a:normAutofit fontScale="90000"/>
-          </a:bodyPr>
+          <a:bodyPr/>
           <a:lstStyle/>
           <a:p>
             <a:r>
-              <a:rPr lang="ko-KR" altLang="en-US" dirty="0" err="1" smtClean="0"/>
-              <a:t>패시브</a:t>
-            </a:r>
-            <a:r>
               <a:rPr lang="ko-KR" altLang="en-US" dirty="0" smtClean="0"/>
-              <a:t> 아이템</a:t>
-            </a:r>
-            <a:r>
-              <a:rPr lang="en-US" altLang="ko-KR" dirty="0" smtClean="0"/>
-              <a:t/>
-            </a:r>
-            <a:br>
-              <a:rPr lang="en-US" altLang="ko-KR" dirty="0" smtClean="0"/>
-            </a:br>
-            <a:r>
-              <a:rPr lang="en-US" altLang="ko-KR" dirty="0" smtClean="0"/>
-              <a:t>(</a:t>
-            </a:r>
-            <a:r>
-              <a:rPr lang="ko-KR" altLang="en-US" dirty="0" smtClean="0"/>
-              <a:t>플레이어마다 </a:t>
-            </a:r>
-            <a:r>
-              <a:rPr lang="en-US" altLang="ko-KR" dirty="0" smtClean="0"/>
-              <a:t>1</a:t>
-            </a:r>
-            <a:r>
-              <a:rPr lang="ko-KR" altLang="en-US" dirty="0" smtClean="0"/>
-              <a:t>개씩 소유 가능</a:t>
-            </a:r>
-            <a:r>
-              <a:rPr lang="en-US" altLang="ko-KR" dirty="0" smtClean="0"/>
-              <a:t>)</a:t>
+              <a:t>신무기</a:t>
             </a:r>
             <a:endParaRPr lang="ko-KR" altLang="en-US" dirty="0"/>
           </a:p>
@@ -10865,6 +10833,720 @@
           </a:bodyPr>
           <a:lstStyle/>
           <a:p>
+            <a:r>
+              <a:rPr lang="ko-KR" altLang="en-US" b="1" dirty="0" err="1" smtClean="0"/>
+              <a:t>테니스공</a:t>
+            </a:r>
+            <a:r>
+              <a:rPr lang="ko-KR" altLang="en-US" b="1" dirty="0" smtClean="0"/>
+              <a:t> 발사기 </a:t>
+            </a:r>
+            <a:r>
+              <a:rPr lang="en-US" altLang="ko-KR" b="1" dirty="0" smtClean="0"/>
+              <a:t>(</a:t>
+            </a:r>
+            <a:r>
+              <a:rPr lang="ko-KR" altLang="en-US" b="1" dirty="0" smtClean="0"/>
+              <a:t>총알이 벽에 튕김</a:t>
+            </a:r>
+            <a:r>
+              <a:rPr lang="en-US" altLang="ko-KR" b="1" dirty="0" smtClean="0"/>
+              <a:t>)</a:t>
+            </a:r>
+          </a:p>
+          <a:p>
+            <a:r>
+              <a:rPr lang="ko-KR" altLang="en-US" b="1" dirty="0" smtClean="0"/>
+              <a:t>코끼리 </a:t>
+            </a:r>
+            <a:endParaRPr lang="en-US" altLang="ko-KR" b="1" dirty="0" smtClean="0"/>
+          </a:p>
+          <a:p>
+            <a:r>
+              <a:rPr lang="en-US" altLang="ko-KR" b="1" dirty="0" smtClean="0"/>
+              <a:t>(</a:t>
+            </a:r>
+            <a:r>
+              <a:rPr lang="ko-KR" altLang="en-US" b="1" dirty="0" err="1" smtClean="0"/>
+              <a:t>안고다니면서</a:t>
+            </a:r>
+            <a:r>
+              <a:rPr lang="ko-KR" altLang="en-US" b="1" dirty="0" smtClean="0"/>
+              <a:t> </a:t>
+            </a:r>
+            <a:r>
+              <a:rPr lang="ko-KR" altLang="en-US" b="1" dirty="0" err="1" smtClean="0"/>
+              <a:t>총쏘면</a:t>
+            </a:r>
+            <a:r>
+              <a:rPr lang="ko-KR" altLang="en-US" b="1" dirty="0" smtClean="0"/>
+              <a:t> 코로 </a:t>
+            </a:r>
+            <a:r>
+              <a:rPr lang="ko-KR" altLang="en-US" b="1" dirty="0" err="1" smtClean="0"/>
+              <a:t>물쏨</a:t>
+            </a:r>
+            <a:r>
+              <a:rPr lang="en-US" altLang="ko-KR" b="1" dirty="0" smtClean="0"/>
+              <a:t>)</a:t>
+            </a:r>
+          </a:p>
+          <a:p>
+            <a:r>
+              <a:rPr lang="ko-KR" altLang="en-US" b="1" dirty="0" smtClean="0"/>
+              <a:t>기린 </a:t>
+            </a:r>
+            <a:r>
+              <a:rPr lang="en-US" altLang="ko-KR" b="1" dirty="0" smtClean="0"/>
+              <a:t>(</a:t>
+            </a:r>
+            <a:r>
+              <a:rPr lang="ko-KR" altLang="en-US" b="1" dirty="0" smtClean="0"/>
+              <a:t>근접무기</a:t>
+            </a:r>
+            <a:r>
+              <a:rPr lang="en-US" altLang="ko-KR" b="1" dirty="0" smtClean="0"/>
+              <a:t>) </a:t>
+            </a:r>
+            <a:r>
+              <a:rPr lang="ko-KR" altLang="en-US" b="1" dirty="0" smtClean="0"/>
+              <a:t>목으로 때림</a:t>
+            </a:r>
+            <a:endParaRPr lang="en-US" altLang="ko-KR" b="1" dirty="0" smtClean="0"/>
+          </a:p>
+          <a:p>
+            <a:endParaRPr lang="en-US" altLang="ko-KR" b="1" dirty="0"/>
+          </a:p>
+          <a:p>
+            <a:endParaRPr lang="en-US" altLang="ko-KR" b="1" dirty="0" smtClean="0"/>
+          </a:p>
+          <a:p>
+            <a:r>
+              <a:rPr lang="ko-KR" altLang="en-US" b="1" dirty="0" smtClean="0"/>
+              <a:t>활</a:t>
+            </a:r>
+            <a:endParaRPr lang="en-US" altLang="ko-KR" b="1" dirty="0" smtClean="0"/>
+          </a:p>
+        </p:txBody>
+      </p:sp>
+      <p:pic>
+        <p:nvPicPr>
+          <p:cNvPr id="4" name="Picture 2"/>
+          <p:cNvPicPr>
+            <a:picLocks noChangeAspect="1" noChangeArrowheads="1"/>
+          </p:cNvPicPr>
+          <p:nvPr/>
+        </p:nvPicPr>
+        <p:blipFill>
+          <a:blip r:embed="rId2">
+            <a:extLst>
+              <a:ext uri="{28A0092B-C50C-407E-A947-70E740481C1C}">
+                <a14:useLocalDpi xmlns:a14="http://schemas.microsoft.com/office/drawing/2010/main" val="0"/>
+              </a:ext>
+            </a:extLst>
+          </a:blip>
+          <a:srcRect/>
+          <a:stretch>
+            <a:fillRect/>
+          </a:stretch>
+        </p:blipFill>
+        <p:spPr bwMode="auto">
+          <a:xfrm>
+            <a:off x="7637585" y="901302"/>
+            <a:ext cx="1352550" cy="733425"/>
+          </a:xfrm>
+          <a:prstGeom prst="rect">
+            <a:avLst/>
+          </a:prstGeom>
+          <a:noFill/>
+          <a:ln>
+            <a:noFill/>
+          </a:ln>
+          <a:extLst>
+            <a:ext uri="{909E8E84-426E-40DD-AFC4-6F175D3DCCD1}">
+              <a14:hiddenFill xmlns:a14="http://schemas.microsoft.com/office/drawing/2010/main">
+                <a:solidFill>
+                  <a:schemeClr val="accent1"/>
+                </a:solidFill>
+              </a14:hiddenFill>
+            </a:ext>
+            <a:ext uri="{91240B29-F687-4F45-9708-019B960494DF}">
+              <a14:hiddenLine xmlns:a14="http://schemas.microsoft.com/office/drawing/2010/main" w="9525">
+                <a:solidFill>
+                  <a:schemeClr val="tx1"/>
+                </a:solidFill>
+                <a:miter lim="800000"/>
+                <a:headEnd/>
+                <a:tailEnd/>
+              </a14:hiddenLine>
+            </a:ext>
+          </a:extLst>
+        </p:spPr>
+      </p:pic>
+      <p:pic>
+        <p:nvPicPr>
+          <p:cNvPr id="2050" name="Picture 2" descr="pixel elephant에 대한 이미지 검색결과">
+            <a:hlinkClick r:id="rId3"/>
+          </p:cNvPr>
+          <p:cNvPicPr>
+            <a:picLocks noChangeAspect="1" noChangeArrowheads="1"/>
+          </p:cNvPicPr>
+          <p:nvPr/>
+        </p:nvPicPr>
+        <p:blipFill>
+          <a:blip r:embed="rId4">
+            <a:extLst>
+              <a:ext uri="{28A0092B-C50C-407E-A947-70E740481C1C}">
+                <a14:useLocalDpi xmlns:a14="http://schemas.microsoft.com/office/drawing/2010/main" val="0"/>
+              </a:ext>
+            </a:extLst>
+          </a:blip>
+          <a:srcRect/>
+          <a:stretch>
+            <a:fillRect/>
+          </a:stretch>
+        </p:blipFill>
+        <p:spPr bwMode="auto">
+          <a:xfrm>
+            <a:off x="7071270" y="2126010"/>
+            <a:ext cx="1846709" cy="1413749"/>
+          </a:xfrm>
+          <a:prstGeom prst="rect">
+            <a:avLst/>
+          </a:prstGeom>
+          <a:noFill/>
+          <a:extLst>
+            <a:ext uri="{909E8E84-426E-40DD-AFC4-6F175D3DCCD1}">
+              <a14:hiddenFill xmlns:a14="http://schemas.microsoft.com/office/drawing/2010/main">
+                <a:solidFill>
+                  <a:srgbClr val="FFFFFF"/>
+                </a:solidFill>
+              </a14:hiddenFill>
+            </a:ext>
+          </a:extLst>
+        </p:spPr>
+      </p:pic>
+      <p:pic>
+        <p:nvPicPr>
+          <p:cNvPr id="2051" name="Picture 3"/>
+          <p:cNvPicPr>
+            <a:picLocks noChangeAspect="1" noChangeArrowheads="1"/>
+          </p:cNvPicPr>
+          <p:nvPr/>
+        </p:nvPicPr>
+        <p:blipFill>
+          <a:blip r:embed="rId5">
+            <a:extLst>
+              <a:ext uri="{28A0092B-C50C-407E-A947-70E740481C1C}">
+                <a14:useLocalDpi xmlns:a14="http://schemas.microsoft.com/office/drawing/2010/main" val="0"/>
+              </a:ext>
+            </a:extLst>
+          </a:blip>
+          <a:srcRect/>
+          <a:stretch>
+            <a:fillRect/>
+          </a:stretch>
+        </p:blipFill>
+        <p:spPr bwMode="auto">
+          <a:xfrm>
+            <a:off x="6372919" y="3566771"/>
+            <a:ext cx="1905000" cy="1905000"/>
+          </a:xfrm>
+          <a:prstGeom prst="rect">
+            <a:avLst/>
+          </a:prstGeom>
+          <a:noFill/>
+          <a:ln>
+            <a:noFill/>
+          </a:ln>
+          <a:extLst>
+            <a:ext uri="{909E8E84-426E-40DD-AFC4-6F175D3DCCD1}">
+              <a14:hiddenFill xmlns:a14="http://schemas.microsoft.com/office/drawing/2010/main">
+                <a:solidFill>
+                  <a:schemeClr val="accent1"/>
+                </a:solidFill>
+              </a14:hiddenFill>
+            </a:ext>
+            <a:ext uri="{91240B29-F687-4F45-9708-019B960494DF}">
+              <a14:hiddenLine xmlns:a14="http://schemas.microsoft.com/office/drawing/2010/main" w="9525">
+                <a:solidFill>
+                  <a:schemeClr val="tx1"/>
+                </a:solidFill>
+                <a:miter lim="800000"/>
+                <a:headEnd/>
+                <a:tailEnd/>
+              </a14:hiddenLine>
+            </a:ext>
+          </a:extLst>
+        </p:spPr>
+      </p:pic>
+      <p:pic>
+        <p:nvPicPr>
+          <p:cNvPr id="2053" name="Picture 5"/>
+          <p:cNvPicPr>
+            <a:picLocks noChangeAspect="1" noChangeArrowheads="1"/>
+          </p:cNvPicPr>
+          <p:nvPr/>
+        </p:nvPicPr>
+        <p:blipFill>
+          <a:blip r:embed="rId6">
+            <a:extLst>
+              <a:ext uri="{28A0092B-C50C-407E-A947-70E740481C1C}">
+                <a14:useLocalDpi xmlns:a14="http://schemas.microsoft.com/office/drawing/2010/main" val="0"/>
+              </a:ext>
+            </a:extLst>
+          </a:blip>
+          <a:srcRect/>
+          <a:stretch>
+            <a:fillRect/>
+          </a:stretch>
+        </p:blipFill>
+        <p:spPr bwMode="auto">
+          <a:xfrm>
+            <a:off x="6685085" y="1025127"/>
+            <a:ext cx="952500" cy="609600"/>
+          </a:xfrm>
+          <a:prstGeom prst="rect">
+            <a:avLst/>
+          </a:prstGeom>
+          <a:noFill/>
+          <a:ln>
+            <a:noFill/>
+          </a:ln>
+          <a:extLst>
+            <a:ext uri="{909E8E84-426E-40DD-AFC4-6F175D3DCCD1}">
+              <a14:hiddenFill xmlns:a14="http://schemas.microsoft.com/office/drawing/2010/main">
+                <a:solidFill>
+                  <a:schemeClr val="accent1"/>
+                </a:solidFill>
+              </a14:hiddenFill>
+            </a:ext>
+            <a:ext uri="{91240B29-F687-4F45-9708-019B960494DF}">
+              <a14:hiddenLine xmlns:a14="http://schemas.microsoft.com/office/drawing/2010/main" w="9525">
+                <a:solidFill>
+                  <a:schemeClr val="tx1"/>
+                </a:solidFill>
+                <a:miter lim="800000"/>
+                <a:headEnd/>
+                <a:tailEnd/>
+              </a14:hiddenLine>
+            </a:ext>
+          </a:extLst>
+        </p:spPr>
+      </p:pic>
+    </p:spTree>
+    <p:extLst>
+      <p:ext uri="{BB962C8B-B14F-4D97-AF65-F5344CB8AC3E}">
+        <p14:creationId xmlns:p14="http://schemas.microsoft.com/office/powerpoint/2010/main" val="1613545409"/>
+      </p:ext>
+    </p:extLst>
+  </p:cSld>
+  <p:clrMapOvr>
+    <a:masterClrMapping/>
+  </p:clrMapOvr>
+</p:sld>
+</file>
+
+<file path=ppt/slides/slide25.xml><?xml version="1.0" encoding="utf-8"?>
+<p:sld xmlns:a="http://schemas.openxmlformats.org/drawingml/2006/main" xmlns:r="http://schemas.openxmlformats.org/officeDocument/2006/relationships" xmlns:p="http://schemas.openxmlformats.org/presentationml/2006/main">
+  <p:cSld>
+    <p:spTree>
+      <p:nvGrpSpPr>
+        <p:cNvPr id="1" name=""/>
+        <p:cNvGrpSpPr/>
+        <p:nvPr/>
+      </p:nvGrpSpPr>
+      <p:grpSpPr>
+        <a:xfrm>
+          <a:off x="0" y="0"/>
+          <a:ext cx="0" cy="0"/>
+          <a:chOff x="0" y="0"/>
+          <a:chExt cx="0" cy="0"/>
+        </a:xfrm>
+      </p:grpSpPr>
+      <p:sp>
+        <p:nvSpPr>
+          <p:cNvPr id="2" name="제목 1"/>
+          <p:cNvSpPr>
+            <a:spLocks noGrp="1"/>
+          </p:cNvSpPr>
+          <p:nvPr>
+            <p:ph type="title"/>
+          </p:nvPr>
+        </p:nvSpPr>
+        <p:spPr/>
+        <p:txBody>
+          <a:bodyPr/>
+          <a:lstStyle/>
+          <a:p>
+            <a:r>
+              <a:rPr lang="ko-KR" altLang="en-US" dirty="0" smtClean="0"/>
+              <a:t>신무기</a:t>
+            </a:r>
+            <a:endParaRPr lang="ko-KR" altLang="en-US" dirty="0"/>
+          </a:p>
+        </p:txBody>
+      </p:sp>
+      <p:sp>
+        <p:nvSpPr>
+          <p:cNvPr id="3" name="내용 개체 틀 2"/>
+          <p:cNvSpPr>
+            <a:spLocks noGrp="1"/>
+          </p:cNvSpPr>
+          <p:nvPr>
+            <p:ph idx="1"/>
+          </p:nvPr>
+        </p:nvSpPr>
+        <p:spPr/>
+        <p:txBody>
+          <a:bodyPr>
+            <a:normAutofit/>
+          </a:bodyPr>
+          <a:lstStyle/>
+          <a:p>
+            <a:r>
+              <a:rPr lang="ko-KR" altLang="en-US" b="1" dirty="0" err="1" smtClean="0"/>
+              <a:t>건틀릿</a:t>
+            </a:r>
+            <a:r>
+              <a:rPr lang="ko-KR" altLang="en-US" b="1" dirty="0" smtClean="0"/>
+              <a:t> </a:t>
+            </a:r>
+            <a:r>
+              <a:rPr lang="en-US" altLang="ko-KR" b="1" dirty="0" smtClean="0"/>
+              <a:t>(</a:t>
+            </a:r>
+            <a:r>
+              <a:rPr lang="ko-KR" altLang="en-US" b="1" dirty="0" smtClean="0"/>
+              <a:t>땅을 내려쳐 주변적을 날려버림</a:t>
+            </a:r>
+            <a:r>
+              <a:rPr lang="en-US" altLang="ko-KR" b="1" dirty="0" smtClean="0"/>
+              <a:t>)</a:t>
+            </a:r>
+          </a:p>
+          <a:p>
+            <a:endParaRPr lang="en-US" altLang="ko-KR" b="1" dirty="0"/>
+          </a:p>
+          <a:p>
+            <a:r>
+              <a:rPr lang="ko-KR" altLang="en-US" b="1" dirty="0" smtClean="0"/>
+              <a:t>키보드 </a:t>
+            </a:r>
+            <a:r>
+              <a:rPr lang="en-US" altLang="ko-KR" b="1" dirty="0" smtClean="0"/>
+              <a:t>(</a:t>
+            </a:r>
+            <a:r>
+              <a:rPr lang="ko-KR" altLang="en-US" b="1" dirty="0" err="1" smtClean="0"/>
+              <a:t>샷건</a:t>
+            </a:r>
+            <a:r>
+              <a:rPr lang="ko-KR" altLang="en-US" b="1" dirty="0" smtClean="0"/>
+              <a:t> 나감</a:t>
+            </a:r>
+            <a:r>
+              <a:rPr lang="en-US" altLang="ko-KR" b="1" dirty="0" smtClean="0"/>
+              <a:t>,</a:t>
+            </a:r>
+            <a:r>
+              <a:rPr lang="ko-KR" altLang="en-US" b="1" dirty="0" smtClean="0"/>
+              <a:t>키보드 키 튀기는 모션</a:t>
+            </a:r>
+            <a:r>
+              <a:rPr lang="en-US" altLang="ko-KR" b="1" dirty="0" smtClean="0"/>
+              <a:t>)</a:t>
+            </a:r>
+          </a:p>
+          <a:p>
+            <a:endParaRPr lang="en-US" altLang="ko-KR" b="1" dirty="0"/>
+          </a:p>
+          <a:p>
+            <a:r>
+              <a:rPr lang="ko-KR" altLang="en-US" b="1" dirty="0" smtClean="0"/>
+              <a:t>마우스 </a:t>
+            </a:r>
+            <a:r>
+              <a:rPr lang="en-US" altLang="ko-KR" b="1" dirty="0" smtClean="0"/>
+              <a:t>(</a:t>
+            </a:r>
+            <a:r>
+              <a:rPr lang="ko-KR" altLang="en-US" b="1" dirty="0" smtClean="0"/>
+              <a:t>쥐가 나감</a:t>
+            </a:r>
+            <a:r>
+              <a:rPr lang="en-US" altLang="ko-KR" b="1" smtClean="0"/>
+              <a:t>)</a:t>
+            </a:r>
+            <a:endParaRPr lang="en-US" altLang="ko-KR" b="1" dirty="0" smtClean="0"/>
+          </a:p>
+        </p:txBody>
+      </p:sp>
+      <p:pic>
+        <p:nvPicPr>
+          <p:cNvPr id="2052" name="Picture 4"/>
+          <p:cNvPicPr>
+            <a:picLocks noChangeAspect="1" noChangeArrowheads="1"/>
+          </p:cNvPicPr>
+          <p:nvPr/>
+        </p:nvPicPr>
+        <p:blipFill>
+          <a:blip r:embed="rId2">
+            <a:extLst>
+              <a:ext uri="{28A0092B-C50C-407E-A947-70E740481C1C}">
+                <a14:useLocalDpi xmlns:a14="http://schemas.microsoft.com/office/drawing/2010/main" val="0"/>
+              </a:ext>
+            </a:extLst>
+          </a:blip>
+          <a:srcRect/>
+          <a:stretch>
+            <a:fillRect/>
+          </a:stretch>
+        </p:blipFill>
+        <p:spPr bwMode="auto">
+          <a:xfrm>
+            <a:off x="8460432" y="332656"/>
+            <a:ext cx="2143125" cy="2143125"/>
+          </a:xfrm>
+          <a:prstGeom prst="rect">
+            <a:avLst/>
+          </a:prstGeom>
+          <a:noFill/>
+          <a:ln>
+            <a:noFill/>
+          </a:ln>
+          <a:extLst>
+            <a:ext uri="{909E8E84-426E-40DD-AFC4-6F175D3DCCD1}">
+              <a14:hiddenFill xmlns:a14="http://schemas.microsoft.com/office/drawing/2010/main">
+                <a:solidFill>
+                  <a:schemeClr val="accent1"/>
+                </a:solidFill>
+              </a14:hiddenFill>
+            </a:ext>
+            <a:ext uri="{91240B29-F687-4F45-9708-019B960494DF}">
+              <a14:hiddenLine xmlns:a14="http://schemas.microsoft.com/office/drawing/2010/main" w="9525">
+                <a:solidFill>
+                  <a:schemeClr val="tx1"/>
+                </a:solidFill>
+                <a:miter lim="800000"/>
+                <a:headEnd/>
+                <a:tailEnd/>
+              </a14:hiddenLine>
+            </a:ext>
+          </a:extLst>
+        </p:spPr>
+      </p:pic>
+      <p:pic>
+        <p:nvPicPr>
+          <p:cNvPr id="3074" name="Picture 2"/>
+          <p:cNvPicPr>
+            <a:picLocks noChangeAspect="1" noChangeArrowheads="1"/>
+          </p:cNvPicPr>
+          <p:nvPr/>
+        </p:nvPicPr>
+        <p:blipFill>
+          <a:blip r:embed="rId3">
+            <a:extLst>
+              <a:ext uri="{28A0092B-C50C-407E-A947-70E740481C1C}">
+                <a14:useLocalDpi xmlns:a14="http://schemas.microsoft.com/office/drawing/2010/main" val="0"/>
+              </a:ext>
+            </a:extLst>
+          </a:blip>
+          <a:srcRect/>
+          <a:stretch>
+            <a:fillRect/>
+          </a:stretch>
+        </p:blipFill>
+        <p:spPr bwMode="auto">
+          <a:xfrm>
+            <a:off x="8959451" y="2636912"/>
+            <a:ext cx="1450479" cy="1235593"/>
+          </a:xfrm>
+          <a:prstGeom prst="rect">
+            <a:avLst/>
+          </a:prstGeom>
+          <a:noFill/>
+          <a:ln>
+            <a:noFill/>
+          </a:ln>
+          <a:extLst>
+            <a:ext uri="{909E8E84-426E-40DD-AFC4-6F175D3DCCD1}">
+              <a14:hiddenFill xmlns:a14="http://schemas.microsoft.com/office/drawing/2010/main">
+                <a:solidFill>
+                  <a:schemeClr val="accent1"/>
+                </a:solidFill>
+              </a14:hiddenFill>
+            </a:ext>
+            <a:ext uri="{91240B29-F687-4F45-9708-019B960494DF}">
+              <a14:hiddenLine xmlns:a14="http://schemas.microsoft.com/office/drawing/2010/main" w="9525">
+                <a:solidFill>
+                  <a:schemeClr val="tx1"/>
+                </a:solidFill>
+                <a:miter lim="800000"/>
+                <a:headEnd/>
+                <a:tailEnd/>
+              </a14:hiddenLine>
+            </a:ext>
+          </a:extLst>
+        </p:spPr>
+      </p:pic>
+      <p:pic>
+        <p:nvPicPr>
+          <p:cNvPr id="3075" name="Picture 3"/>
+          <p:cNvPicPr>
+            <a:picLocks noChangeAspect="1" noChangeArrowheads="1"/>
+          </p:cNvPicPr>
+          <p:nvPr/>
+        </p:nvPicPr>
+        <p:blipFill>
+          <a:blip r:embed="rId4">
+            <a:extLst>
+              <a:ext uri="{28A0092B-C50C-407E-A947-70E740481C1C}">
+                <a14:useLocalDpi xmlns:a14="http://schemas.microsoft.com/office/drawing/2010/main" val="0"/>
+              </a:ext>
+            </a:extLst>
+          </a:blip>
+          <a:srcRect/>
+          <a:stretch>
+            <a:fillRect/>
+          </a:stretch>
+        </p:blipFill>
+        <p:spPr bwMode="auto">
+          <a:xfrm>
+            <a:off x="7781030" y="4005064"/>
+            <a:ext cx="2628900" cy="1733550"/>
+          </a:xfrm>
+          <a:prstGeom prst="rect">
+            <a:avLst/>
+          </a:prstGeom>
+          <a:noFill/>
+          <a:ln>
+            <a:noFill/>
+          </a:ln>
+          <a:extLst>
+            <a:ext uri="{909E8E84-426E-40DD-AFC4-6F175D3DCCD1}">
+              <a14:hiddenFill xmlns:a14="http://schemas.microsoft.com/office/drawing/2010/main">
+                <a:solidFill>
+                  <a:schemeClr val="accent1"/>
+                </a:solidFill>
+              </a14:hiddenFill>
+            </a:ext>
+            <a:ext uri="{91240B29-F687-4F45-9708-019B960494DF}">
+              <a14:hiddenLine xmlns:a14="http://schemas.microsoft.com/office/drawing/2010/main" w="9525">
+                <a:solidFill>
+                  <a:schemeClr val="tx1"/>
+                </a:solidFill>
+                <a:miter lim="800000"/>
+                <a:headEnd/>
+                <a:tailEnd/>
+              </a14:hiddenLine>
+            </a:ext>
+          </a:extLst>
+        </p:spPr>
+      </p:pic>
+    </p:spTree>
+    <p:extLst>
+      <p:ext uri="{BB962C8B-B14F-4D97-AF65-F5344CB8AC3E}">
+        <p14:creationId xmlns:p14="http://schemas.microsoft.com/office/powerpoint/2010/main" val="3145133426"/>
+      </p:ext>
+    </p:extLst>
+  </p:cSld>
+  <p:clrMapOvr>
+    <a:masterClrMapping/>
+  </p:clrMapOvr>
+</p:sld>
+</file>
+
+<file path=ppt/slides/slide26.xml><?xml version="1.0" encoding="utf-8"?>
+<p:sld xmlns:a="http://schemas.openxmlformats.org/drawingml/2006/main" xmlns:r="http://schemas.openxmlformats.org/officeDocument/2006/relationships" xmlns:p="http://schemas.openxmlformats.org/presentationml/2006/main">
+  <p:cSld>
+    <p:spTree>
+      <p:nvGrpSpPr>
+        <p:cNvPr id="1" name=""/>
+        <p:cNvGrpSpPr/>
+        <p:nvPr/>
+      </p:nvGrpSpPr>
+      <p:grpSpPr>
+        <a:xfrm>
+          <a:off x="0" y="0"/>
+          <a:ext cx="0" cy="0"/>
+          <a:chOff x="0" y="0"/>
+          <a:chExt cx="0" cy="0"/>
+        </a:xfrm>
+      </p:grpSpPr>
+      <p:sp>
+        <p:nvSpPr>
+          <p:cNvPr id="2" name="제목 1"/>
+          <p:cNvSpPr>
+            <a:spLocks noGrp="1"/>
+          </p:cNvSpPr>
+          <p:nvPr>
+            <p:ph type="title"/>
+          </p:nvPr>
+        </p:nvSpPr>
+        <p:spPr/>
+        <p:txBody>
+          <a:bodyPr>
+            <a:normAutofit fontScale="90000"/>
+          </a:bodyPr>
+          <a:lstStyle/>
+          <a:p>
+            <a:r>
+              <a:rPr lang="ko-KR" altLang="en-US" dirty="0" err="1" smtClean="0"/>
+              <a:t>패시브</a:t>
+            </a:r>
+            <a:r>
+              <a:rPr lang="ko-KR" altLang="en-US" dirty="0" smtClean="0"/>
+              <a:t> 아이템</a:t>
+            </a:r>
+            <a:r>
+              <a:rPr lang="en-US" altLang="ko-KR" dirty="0" smtClean="0"/>
+              <a:t/>
+            </a:r>
+            <a:br>
+              <a:rPr lang="en-US" altLang="ko-KR" dirty="0" smtClean="0"/>
+            </a:br>
+            <a:r>
+              <a:rPr lang="en-US" altLang="ko-KR" dirty="0" smtClean="0"/>
+              <a:t>(</a:t>
+            </a:r>
+            <a:r>
+              <a:rPr lang="ko-KR" altLang="en-US" dirty="0" smtClean="0"/>
+              <a:t>플레이어마다 </a:t>
+            </a:r>
+            <a:r>
+              <a:rPr lang="en-US" altLang="ko-KR" dirty="0" smtClean="0"/>
+              <a:t>1</a:t>
+            </a:r>
+            <a:r>
+              <a:rPr lang="ko-KR" altLang="en-US" dirty="0" smtClean="0"/>
+              <a:t>개씩 소유 가능</a:t>
+            </a:r>
+            <a:r>
+              <a:rPr lang="en-US" altLang="ko-KR" dirty="0" smtClean="0"/>
+              <a:t>)</a:t>
+            </a:r>
+            <a:endParaRPr lang="ko-KR" altLang="en-US" dirty="0"/>
+          </a:p>
+        </p:txBody>
+      </p:sp>
+      <p:sp>
+        <p:nvSpPr>
+          <p:cNvPr id="3" name="내용 개체 틀 2"/>
+          <p:cNvSpPr>
+            <a:spLocks noGrp="1"/>
+          </p:cNvSpPr>
+          <p:nvPr>
+            <p:ph idx="1"/>
+          </p:nvPr>
+        </p:nvSpPr>
+        <p:spPr/>
+        <p:txBody>
+          <a:bodyPr>
+            <a:normAutofit/>
+          </a:bodyPr>
+          <a:lstStyle/>
+          <a:p>
             <a:endParaRPr lang="en-US" altLang="ko-KR" b="1" dirty="0" smtClean="0"/>
           </a:p>
           <a:p>
@@ -10884,7 +11566,6 @@
               <a:rPr lang="en-US" altLang="ko-KR" b="1" dirty="0" smtClean="0"/>
               <a:t>)</a:t>
             </a:r>
-            <a:endParaRPr lang="en-US" altLang="ko-KR" b="1" dirty="0" smtClean="0"/>
           </a:p>
         </p:txBody>
       </p:sp>

--- a/EscapeJail/Assets/기획/스테이지1기획.pptx
+++ b/EscapeJail/Assets/기획/스테이지1기획.pptx
@@ -10859,32 +10859,104 @@
               <a:rPr lang="ko-KR" altLang="en-US" b="1" dirty="0" smtClean="0"/>
               <a:t>코끼리 </a:t>
             </a:r>
-            <a:endParaRPr lang="en-US" altLang="ko-KR" b="1" dirty="0" smtClean="0"/>
-          </a:p>
-          <a:p>
+            <a:r>
+              <a:rPr lang="en-US" altLang="ko-KR" b="1" dirty="0"/>
+              <a:t>(</a:t>
+            </a:r>
+            <a:r>
+              <a:rPr lang="ko-KR" altLang="en-US" b="1" dirty="0" err="1"/>
+              <a:t>안고다니면서</a:t>
+            </a:r>
+            <a:r>
+              <a:rPr lang="ko-KR" altLang="en-US" b="1" dirty="0"/>
+              <a:t> </a:t>
+            </a:r>
+            <a:r>
+              <a:rPr lang="ko-KR" altLang="en-US" b="1" dirty="0" err="1"/>
+              <a:t>총쏘면</a:t>
+            </a:r>
+            <a:r>
+              <a:rPr lang="ko-KR" altLang="en-US" b="1" dirty="0"/>
+              <a:t> 코로 </a:t>
+            </a:r>
+            <a:r>
+              <a:rPr lang="ko-KR" altLang="en-US" b="1" dirty="0" err="1"/>
+              <a:t>물쏨</a:t>
+            </a:r>
+            <a:r>
+              <a:rPr lang="en-US" altLang="ko-KR" b="1" dirty="0" smtClean="0"/>
+              <a:t>)</a:t>
+            </a:r>
+          </a:p>
+          <a:p>
+            <a:r>
+              <a:rPr lang="ko-KR" altLang="en-US" b="1" dirty="0" smtClean="0"/>
+              <a:t>기린 </a:t>
+            </a:r>
             <a:r>
               <a:rPr lang="en-US" altLang="ko-KR" b="1" dirty="0" smtClean="0"/>
               <a:t>(</a:t>
             </a:r>
             <a:r>
+              <a:rPr lang="ko-KR" altLang="en-US" b="1" dirty="0" smtClean="0"/>
+              <a:t>근접무기</a:t>
+            </a:r>
+            <a:r>
+              <a:rPr lang="en-US" altLang="ko-KR" b="1" dirty="0" smtClean="0"/>
+              <a:t>) </a:t>
+            </a:r>
+            <a:r>
+              <a:rPr lang="ko-KR" altLang="en-US" b="1" dirty="0" smtClean="0"/>
+              <a:t>목으로 때림</a:t>
+            </a:r>
+            <a:endParaRPr lang="en-US" altLang="ko-KR" b="1" dirty="0" smtClean="0"/>
+          </a:p>
+          <a:p>
+            <a:endParaRPr lang="en-US" altLang="ko-KR" b="1" dirty="0"/>
+          </a:p>
+          <a:p>
+            <a:endParaRPr lang="en-US" altLang="ko-KR" b="1" dirty="0" smtClean="0"/>
+          </a:p>
+          <a:p>
+            <a:r>
               <a:rPr lang="ko-KR" altLang="en-US" b="1" dirty="0" err="1" smtClean="0"/>
-              <a:t>안고다니면서</a:t>
+              <a:t>활류</a:t>
             </a:r>
             <a:r>
               <a:rPr lang="ko-KR" altLang="en-US" b="1" dirty="0" smtClean="0"/>
               <a:t> </a:t>
             </a:r>
             <a:r>
+              <a:rPr lang="en-US" altLang="ko-KR" b="1" dirty="0" smtClean="0"/>
+              <a:t>(</a:t>
+            </a:r>
+            <a:r>
               <a:rPr lang="ko-KR" altLang="en-US" b="1" dirty="0" err="1" smtClean="0"/>
-              <a:t>총쏘면</a:t>
+              <a:t>한조활</a:t>
             </a:r>
             <a:r>
               <a:rPr lang="ko-KR" altLang="en-US" b="1" dirty="0" smtClean="0"/>
-              <a:t> 코로 </a:t>
+              <a:t> </a:t>
             </a:r>
             <a:r>
               <a:rPr lang="ko-KR" altLang="en-US" b="1" dirty="0" err="1" smtClean="0"/>
-              <a:t>물쏨</a:t>
+              <a:t>패러디해도</a:t>
+            </a:r>
+            <a:r>
+              <a:rPr lang="ko-KR" altLang="en-US" b="1" dirty="0" smtClean="0"/>
+              <a:t> </a:t>
+            </a:r>
+            <a:r>
+              <a:rPr lang="ko-KR" altLang="en-US" b="1" dirty="0" err="1" smtClean="0"/>
+              <a:t>좋을듯</a:t>
+            </a:r>
+            <a:r>
+              <a:rPr lang="ko-KR" altLang="en-US" b="1" dirty="0" smtClean="0"/>
+              <a:t> </a:t>
+            </a:r>
+            <a:r>
+              <a:rPr lang="ko-KR" altLang="en-US" b="1" dirty="0" err="1" smtClean="0"/>
+              <a:t>용나감</a:t>
             </a:r>
             <a:r>
               <a:rPr lang="en-US" altLang="ko-KR" b="1" dirty="0" smtClean="0"/>
@@ -10892,38 +10964,10 @@
             </a:r>
           </a:p>
           <a:p>
-            <a:r>
-              <a:rPr lang="ko-KR" altLang="en-US" b="1" dirty="0" smtClean="0"/>
-              <a:t>기린 </a:t>
-            </a:r>
-            <a:r>
-              <a:rPr lang="en-US" altLang="ko-KR" b="1" dirty="0" smtClean="0"/>
-              <a:t>(</a:t>
-            </a:r>
-            <a:r>
-              <a:rPr lang="ko-KR" altLang="en-US" b="1" dirty="0" smtClean="0"/>
-              <a:t>근접무기</a:t>
-            </a:r>
-            <a:r>
-              <a:rPr lang="en-US" altLang="ko-KR" b="1" dirty="0" smtClean="0"/>
-              <a:t>) </a:t>
-            </a:r>
-            <a:r>
-              <a:rPr lang="ko-KR" altLang="en-US" b="1" dirty="0" smtClean="0"/>
-              <a:t>목으로 때림</a:t>
-            </a:r>
-            <a:endParaRPr lang="en-US" altLang="ko-KR" b="1" dirty="0" smtClean="0"/>
-          </a:p>
-          <a:p>
-            <a:endParaRPr lang="en-US" altLang="ko-KR" b="1" dirty="0"/>
-          </a:p>
-          <a:p>
-            <a:endParaRPr lang="en-US" altLang="ko-KR" b="1" dirty="0" smtClean="0"/>
-          </a:p>
-          <a:p>
-            <a:r>
-              <a:rPr lang="ko-KR" altLang="en-US" b="1" dirty="0" smtClean="0"/>
-              <a:t>활</a:t>
+            <a:pPr lvl="8"/>
+            <a:r>
+              <a:rPr lang="ko-KR" altLang="en-US" b="1" smtClean="0"/>
+              <a:t>              기다란용</a:t>
             </a:r>
             <a:endParaRPr lang="en-US" altLang="ko-KR" b="1" dirty="0" smtClean="0"/>
           </a:p>
@@ -11008,7 +11052,7 @@
         </p:blipFill>
         <p:spPr bwMode="auto">
           <a:xfrm>
-            <a:off x="7071270" y="2126010"/>
+            <a:off x="8681342" y="1634727"/>
             <a:ext cx="1846709" cy="1413749"/>
           </a:xfrm>
           <a:prstGeom prst="rect">
@@ -11049,7 +11093,7 @@
         </p:blipFill>
         <p:spPr bwMode="auto">
           <a:xfrm>
-            <a:off x="6372919" y="3566771"/>
+            <a:off x="8623051" y="3284984"/>
             <a:ext cx="1905000" cy="1905000"/>
           </a:xfrm>
           <a:prstGeom prst="rect">
@@ -11134,6 +11178,270 @@
           </a:extLst>
         </p:spPr>
       </p:pic>
+      <p:pic>
+        <p:nvPicPr>
+          <p:cNvPr id="5" name="Picture 2"/>
+          <p:cNvPicPr>
+            <a:picLocks noChangeAspect="1" noChangeArrowheads="1"/>
+          </p:cNvPicPr>
+          <p:nvPr/>
+        </p:nvPicPr>
+        <p:blipFill>
+          <a:blip r:embed="rId7">
+            <a:extLst>
+              <a:ext uri="{28A0092B-C50C-407E-A947-70E740481C1C}">
+                <a14:useLocalDpi xmlns:a14="http://schemas.microsoft.com/office/drawing/2010/main" val="0"/>
+              </a:ext>
+            </a:extLst>
+          </a:blip>
+          <a:srcRect/>
+          <a:stretch>
+            <a:fillRect/>
+          </a:stretch>
+        </p:blipFill>
+        <p:spPr bwMode="auto">
+          <a:xfrm>
+            <a:off x="-1548680" y="2864395"/>
+            <a:ext cx="1734158" cy="3960441"/>
+          </a:xfrm>
+          <a:prstGeom prst="rect">
+            <a:avLst/>
+          </a:prstGeom>
+          <a:noFill/>
+          <a:ln>
+            <a:noFill/>
+          </a:ln>
+          <a:extLst>
+            <a:ext uri="{909E8E84-426E-40DD-AFC4-6F175D3DCCD1}">
+              <a14:hiddenFill xmlns:a14="http://schemas.microsoft.com/office/drawing/2010/main">
+                <a:solidFill>
+                  <a:schemeClr val="accent1"/>
+                </a:solidFill>
+              </a14:hiddenFill>
+            </a:ext>
+            <a:ext uri="{91240B29-F687-4F45-9708-019B960494DF}">
+              <a14:hiddenLine xmlns:a14="http://schemas.microsoft.com/office/drawing/2010/main" w="9525">
+                <a:solidFill>
+                  <a:schemeClr val="tx1"/>
+                </a:solidFill>
+                <a:miter lim="800000"/>
+                <a:headEnd/>
+                <a:tailEnd/>
+              </a14:hiddenLine>
+            </a:ext>
+          </a:extLst>
+        </p:spPr>
+      </p:pic>
+      <p:cxnSp>
+        <p:nvCxnSpPr>
+          <p:cNvPr id="7" name="직선 화살표 연결선 6"/>
+          <p:cNvCxnSpPr/>
+          <p:nvPr/>
+        </p:nvCxnSpPr>
+        <p:spPr>
+          <a:xfrm>
+            <a:off x="6228184" y="3140968"/>
+            <a:ext cx="2085676" cy="360040"/>
+          </a:xfrm>
+          <a:prstGeom prst="straightConnector1">
+            <a:avLst/>
+          </a:prstGeom>
+          <a:ln w="127000">
+            <a:tailEnd type="arrow"/>
+          </a:ln>
+        </p:spPr>
+        <p:style>
+          <a:lnRef idx="1">
+            <a:schemeClr val="accent1"/>
+          </a:lnRef>
+          <a:fillRef idx="0">
+            <a:schemeClr val="accent1"/>
+          </a:fillRef>
+          <a:effectRef idx="0">
+            <a:schemeClr val="accent1"/>
+          </a:effectRef>
+          <a:fontRef idx="minor">
+            <a:schemeClr val="tx1"/>
+          </a:fontRef>
+        </p:style>
+      </p:cxnSp>
+      <p:cxnSp>
+        <p:nvCxnSpPr>
+          <p:cNvPr id="11" name="직선 화살표 연결선 10"/>
+          <p:cNvCxnSpPr/>
+          <p:nvPr/>
+        </p:nvCxnSpPr>
+        <p:spPr>
+          <a:xfrm>
+            <a:off x="6947146" y="2709713"/>
+            <a:ext cx="2042989" cy="154682"/>
+          </a:xfrm>
+          <a:prstGeom prst="straightConnector1">
+            <a:avLst/>
+          </a:prstGeom>
+          <a:ln w="127000">
+            <a:tailEnd type="arrow"/>
+          </a:ln>
+        </p:spPr>
+        <p:style>
+          <a:lnRef idx="1">
+            <a:schemeClr val="accent1"/>
+          </a:lnRef>
+          <a:fillRef idx="0">
+            <a:schemeClr val="accent1"/>
+          </a:fillRef>
+          <a:effectRef idx="0">
+            <a:schemeClr val="accent1"/>
+          </a:effectRef>
+          <a:fontRef idx="minor">
+            <a:schemeClr val="tx1"/>
+          </a:fontRef>
+        </p:style>
+      </p:cxnSp>
+      <p:cxnSp>
+        <p:nvCxnSpPr>
+          <p:cNvPr id="13" name="직선 화살표 연결선 12"/>
+          <p:cNvCxnSpPr>
+            <a:endCxn id="2053" idx="1"/>
+          </p:cNvCxnSpPr>
+          <p:nvPr/>
+        </p:nvCxnSpPr>
+        <p:spPr>
+          <a:xfrm flipV="1">
+            <a:off x="4176763" y="1329927"/>
+            <a:ext cx="2508322" cy="34863"/>
+          </a:xfrm>
+          <a:prstGeom prst="straightConnector1">
+            <a:avLst/>
+          </a:prstGeom>
+          <a:ln w="127000">
+            <a:tailEnd type="arrow"/>
+          </a:ln>
+        </p:spPr>
+        <p:style>
+          <a:lnRef idx="1">
+            <a:schemeClr val="accent1"/>
+          </a:lnRef>
+          <a:fillRef idx="0">
+            <a:schemeClr val="accent1"/>
+          </a:fillRef>
+          <a:effectRef idx="0">
+            <a:schemeClr val="accent1"/>
+          </a:effectRef>
+          <a:fontRef idx="minor">
+            <a:schemeClr val="tx1"/>
+          </a:fontRef>
+        </p:style>
+      </p:cxnSp>
+      <p:cxnSp>
+        <p:nvCxnSpPr>
+          <p:cNvPr id="15" name="직선 화살표 연결선 14"/>
+          <p:cNvCxnSpPr/>
+          <p:nvPr/>
+        </p:nvCxnSpPr>
+        <p:spPr>
+          <a:xfrm flipH="1">
+            <a:off x="683568" y="5225033"/>
+            <a:ext cx="1800200" cy="652239"/>
+          </a:xfrm>
+          <a:prstGeom prst="straightConnector1">
+            <a:avLst/>
+          </a:prstGeom>
+          <a:ln w="127000">
+            <a:tailEnd type="arrow"/>
+          </a:ln>
+        </p:spPr>
+        <p:style>
+          <a:lnRef idx="1">
+            <a:schemeClr val="accent1"/>
+          </a:lnRef>
+          <a:fillRef idx="0">
+            <a:schemeClr val="accent1"/>
+          </a:fillRef>
+          <a:effectRef idx="0">
+            <a:schemeClr val="accent1"/>
+          </a:effectRef>
+          <a:fontRef idx="minor">
+            <a:schemeClr val="tx1"/>
+          </a:fontRef>
+        </p:style>
+      </p:cxnSp>
+      <p:pic>
+        <p:nvPicPr>
+          <p:cNvPr id="1026" name="Picture 2" descr="pixel dragon에 대한 이미지 검색결과">
+            <a:hlinkClick r:id="rId8"/>
+          </p:cNvPr>
+          <p:cNvPicPr>
+            <a:picLocks noChangeAspect="1" noChangeArrowheads="1" noCrop="1"/>
+          </p:cNvPicPr>
+          <p:nvPr/>
+        </p:nvPicPr>
+        <p:blipFill>
+          <a:blip r:embed="rId9">
+            <a:extLst>
+              <a:ext uri="{28A0092B-C50C-407E-A947-70E740481C1C}">
+                <a14:useLocalDpi xmlns:a14="http://schemas.microsoft.com/office/drawing/2010/main" val="0"/>
+              </a:ext>
+            </a:extLst>
+          </a:blip>
+          <a:srcRect/>
+          <a:stretch>
+            <a:fillRect/>
+          </a:stretch>
+        </p:blipFill>
+        <p:spPr bwMode="auto">
+          <a:xfrm>
+            <a:off x="3784476" y="5650942"/>
+            <a:ext cx="3669455" cy="1207058"/>
+          </a:xfrm>
+          <a:prstGeom prst="rect">
+            <a:avLst/>
+          </a:prstGeom>
+          <a:noFill/>
+          <a:extLst>
+            <a:ext uri="{909E8E84-426E-40DD-AFC4-6F175D3DCCD1}">
+              <a14:hiddenFill xmlns:a14="http://schemas.microsoft.com/office/drawing/2010/main">
+                <a:solidFill>
+                  <a:srgbClr val="FFFFFF"/>
+                </a:solidFill>
+              </a14:hiddenFill>
+            </a:ext>
+          </a:extLst>
+        </p:spPr>
+      </p:pic>
+      <p:cxnSp>
+        <p:nvCxnSpPr>
+          <p:cNvPr id="14" name="직선 화살표 연결선 13"/>
+          <p:cNvCxnSpPr/>
+          <p:nvPr/>
+        </p:nvCxnSpPr>
+        <p:spPr>
+          <a:xfrm flipH="1">
+            <a:off x="4932040" y="5185792"/>
+            <a:ext cx="540431" cy="691480"/>
+          </a:xfrm>
+          <a:prstGeom prst="straightConnector1">
+            <a:avLst/>
+          </a:prstGeom>
+          <a:ln w="127000">
+            <a:tailEnd type="arrow"/>
+          </a:ln>
+        </p:spPr>
+        <p:style>
+          <a:lnRef idx="1">
+            <a:schemeClr val="accent1"/>
+          </a:lnRef>
+          <a:fillRef idx="0">
+            <a:schemeClr val="accent1"/>
+          </a:fillRef>
+          <a:effectRef idx="0">
+            <a:schemeClr val="accent1"/>
+          </a:effectRef>
+          <a:fontRef idx="minor">
+            <a:schemeClr val="tx1"/>
+          </a:fontRef>
+        </p:style>
+      </p:cxnSp>
     </p:spTree>
     <p:extLst>
       <p:ext uri="{BB962C8B-B14F-4D97-AF65-F5344CB8AC3E}">
@@ -11200,7 +11508,7 @@
         <p:spPr/>
         <p:txBody>
           <a:bodyPr>
-            <a:normAutofit/>
+            <a:normAutofit lnSpcReduction="10000"/>
           </a:bodyPr>
           <a:lstStyle/>
           <a:p>
@@ -11218,7 +11526,7 @@
             </a:r>
             <a:r>
               <a:rPr lang="ko-KR" altLang="en-US" b="1" dirty="0" smtClean="0"/>
-              <a:t>땅을 내려쳐 주변적을 날려버림</a:t>
+              <a:t>땅을 내려쳐 주변적을 멀리 날려버림</a:t>
             </a:r>
             <a:r>
               <a:rPr lang="en-US" altLang="ko-KR" b="1" dirty="0" smtClean="0"/>
@@ -11275,10 +11583,30 @@
               <a:t>쥐가 나감</a:t>
             </a:r>
             <a:r>
-              <a:rPr lang="en-US" altLang="ko-KR" b="1" smtClean="0"/>
+              <a:rPr lang="en-US" altLang="ko-KR" b="1" dirty="0" smtClean="0"/>
               <a:t>)</a:t>
             </a:r>
-            <a:endParaRPr lang="en-US" altLang="ko-KR" b="1" dirty="0" smtClean="0"/>
+          </a:p>
+          <a:p>
+            <a:endParaRPr lang="en-US" altLang="ko-KR" b="1" dirty="0"/>
+          </a:p>
+          <a:p>
+            <a:r>
+              <a:rPr lang="ko-KR" altLang="en-US" b="1" dirty="0" smtClean="0"/>
+              <a:t>헤드폰 </a:t>
+            </a:r>
+            <a:r>
+              <a:rPr lang="en-US" altLang="ko-KR" b="1" dirty="0" smtClean="0"/>
+              <a:t>(</a:t>
+            </a:r>
+            <a:r>
+              <a:rPr lang="ko-KR" altLang="en-US" b="1" dirty="0" smtClean="0"/>
+              <a:t>음표가 나감</a:t>
+            </a:r>
+            <a:r>
+              <a:rPr lang="en-US" altLang="ko-KR" b="1" dirty="0" smtClean="0"/>
+              <a:t>)</a:t>
+            </a:r>
           </a:p>
         </p:txBody>
       </p:sp>
@@ -11444,6 +11772,231 @@
           </a:extLst>
         </p:spPr>
       </p:pic>
+      <p:sp>
+        <p:nvSpPr>
+          <p:cNvPr id="4" name="AutoShape 2" descr="pixel headphone에 대한 이미지 검색결과"/>
+          <p:cNvSpPr>
+            <a:spLocks noChangeAspect="1" noChangeArrowheads="1"/>
+          </p:cNvSpPr>
+          <p:nvPr/>
+        </p:nvSpPr>
+        <p:spPr bwMode="auto">
+          <a:xfrm>
+            <a:off x="0" y="-144463"/>
+            <a:ext cx="304800" cy="304801"/>
+          </a:xfrm>
+          <a:prstGeom prst="rect">
+            <a:avLst/>
+          </a:prstGeom>
+          <a:noFill/>
+          <a:extLst>
+            <a:ext uri="{909E8E84-426E-40DD-AFC4-6F175D3DCCD1}">
+              <a14:hiddenFill xmlns:a14="http://schemas.microsoft.com/office/drawing/2010/main">
+                <a:solidFill>
+                  <a:srgbClr val="FFFFFF"/>
+                </a:solidFill>
+              </a14:hiddenFill>
+            </a:ext>
+          </a:extLst>
+        </p:spPr>
+        <p:txBody>
+          <a:bodyPr vert="horz" wrap="square" lIns="91440" tIns="45720" rIns="91440" bIns="45720" numCol="1" anchor="t" anchorCtr="0" compatLnSpc="1">
+            <a:prstTxWarp prst="textNoShape">
+              <a:avLst/>
+            </a:prstTxWarp>
+          </a:bodyPr>
+          <a:lstStyle/>
+          <a:p>
+            <a:endParaRPr lang="ko-KR" altLang="en-US"/>
+          </a:p>
+        </p:txBody>
+      </p:sp>
+      <p:pic>
+        <p:nvPicPr>
+          <p:cNvPr id="1027" name="Picture 3"/>
+          <p:cNvPicPr>
+            <a:picLocks noChangeAspect="1" noChangeArrowheads="1"/>
+          </p:cNvPicPr>
+          <p:nvPr/>
+        </p:nvPicPr>
+        <p:blipFill>
+          <a:blip r:embed="rId5">
+            <a:extLst>
+              <a:ext uri="{28A0092B-C50C-407E-A947-70E740481C1C}">
+                <a14:useLocalDpi xmlns:a14="http://schemas.microsoft.com/office/drawing/2010/main" val="0"/>
+              </a:ext>
+            </a:extLst>
+          </a:blip>
+          <a:srcRect/>
+          <a:stretch>
+            <a:fillRect/>
+          </a:stretch>
+        </p:blipFill>
+        <p:spPr bwMode="auto">
+          <a:xfrm>
+            <a:off x="5796136" y="5301208"/>
+            <a:ext cx="2143125" cy="2143125"/>
+          </a:xfrm>
+          <a:prstGeom prst="rect">
+            <a:avLst/>
+          </a:prstGeom>
+          <a:noFill/>
+          <a:ln>
+            <a:noFill/>
+          </a:ln>
+          <a:extLst>
+            <a:ext uri="{909E8E84-426E-40DD-AFC4-6F175D3DCCD1}">
+              <a14:hiddenFill xmlns:a14="http://schemas.microsoft.com/office/drawing/2010/main">
+                <a:solidFill>
+                  <a:schemeClr val="accent1"/>
+                </a:solidFill>
+              </a14:hiddenFill>
+            </a:ext>
+            <a:ext uri="{91240B29-F687-4F45-9708-019B960494DF}">
+              <a14:hiddenLine xmlns:a14="http://schemas.microsoft.com/office/drawing/2010/main" w="9525">
+                <a:solidFill>
+                  <a:schemeClr val="tx1"/>
+                </a:solidFill>
+                <a:miter lim="800000"/>
+                <a:headEnd/>
+                <a:tailEnd/>
+              </a14:hiddenLine>
+            </a:ext>
+          </a:extLst>
+        </p:spPr>
+      </p:pic>
+      <p:cxnSp>
+        <p:nvCxnSpPr>
+          <p:cNvPr id="9" name="직선 화살표 연결선 8"/>
+          <p:cNvCxnSpPr/>
+          <p:nvPr/>
+        </p:nvCxnSpPr>
+        <p:spPr>
+          <a:xfrm>
+            <a:off x="5792291" y="2295761"/>
+            <a:ext cx="2740149" cy="0"/>
+          </a:xfrm>
+          <a:prstGeom prst="straightConnector1">
+            <a:avLst/>
+          </a:prstGeom>
+          <a:ln w="127000">
+            <a:tailEnd type="arrow"/>
+          </a:ln>
+        </p:spPr>
+        <p:style>
+          <a:lnRef idx="1">
+            <a:schemeClr val="accent1"/>
+          </a:lnRef>
+          <a:fillRef idx="0">
+            <a:schemeClr val="accent1"/>
+          </a:fillRef>
+          <a:effectRef idx="0">
+            <a:schemeClr val="accent1"/>
+          </a:effectRef>
+          <a:fontRef idx="minor">
+            <a:schemeClr val="tx1"/>
+          </a:fontRef>
+        </p:style>
+      </p:cxnSp>
+      <p:cxnSp>
+        <p:nvCxnSpPr>
+          <p:cNvPr id="11" name="직선 화살표 연결선 10"/>
+          <p:cNvCxnSpPr/>
+          <p:nvPr/>
+        </p:nvCxnSpPr>
+        <p:spPr>
+          <a:xfrm flipV="1">
+            <a:off x="5792291" y="3501008"/>
+            <a:ext cx="3028181" cy="144016"/>
+          </a:xfrm>
+          <a:prstGeom prst="straightConnector1">
+            <a:avLst/>
+          </a:prstGeom>
+          <a:ln w="127000">
+            <a:tailEnd type="arrow"/>
+          </a:ln>
+        </p:spPr>
+        <p:style>
+          <a:lnRef idx="1">
+            <a:schemeClr val="accent1"/>
+          </a:lnRef>
+          <a:fillRef idx="0">
+            <a:schemeClr val="accent1"/>
+          </a:fillRef>
+          <a:effectRef idx="0">
+            <a:schemeClr val="accent1"/>
+          </a:effectRef>
+          <a:fontRef idx="minor">
+            <a:schemeClr val="tx1"/>
+          </a:fontRef>
+        </p:style>
+      </p:cxnSp>
+      <p:cxnSp>
+        <p:nvCxnSpPr>
+          <p:cNvPr id="13" name="직선 화살표 연결선 12"/>
+          <p:cNvCxnSpPr/>
+          <p:nvPr/>
+        </p:nvCxnSpPr>
+        <p:spPr>
+          <a:xfrm>
+            <a:off x="4355976" y="4461892"/>
+            <a:ext cx="3024336" cy="119236"/>
+          </a:xfrm>
+          <a:prstGeom prst="straightConnector1">
+            <a:avLst/>
+          </a:prstGeom>
+          <a:ln w="127000">
+            <a:tailEnd type="arrow"/>
+          </a:ln>
+        </p:spPr>
+        <p:style>
+          <a:lnRef idx="1">
+            <a:schemeClr val="accent1"/>
+          </a:lnRef>
+          <a:fillRef idx="0">
+            <a:schemeClr val="accent1"/>
+          </a:fillRef>
+          <a:effectRef idx="0">
+            <a:schemeClr val="accent1"/>
+          </a:effectRef>
+          <a:fontRef idx="minor">
+            <a:schemeClr val="tx1"/>
+          </a:fontRef>
+        </p:style>
+      </p:cxnSp>
+      <p:cxnSp>
+        <p:nvCxnSpPr>
+          <p:cNvPr id="15" name="직선 화살표 연결선 14"/>
+          <p:cNvCxnSpPr/>
+          <p:nvPr/>
+        </p:nvCxnSpPr>
+        <p:spPr>
+          <a:xfrm>
+            <a:off x="3679950" y="5918634"/>
+            <a:ext cx="2085676" cy="360040"/>
+          </a:xfrm>
+          <a:prstGeom prst="straightConnector1">
+            <a:avLst/>
+          </a:prstGeom>
+          <a:ln w="127000">
+            <a:tailEnd type="arrow"/>
+          </a:ln>
+        </p:spPr>
+        <p:style>
+          <a:lnRef idx="1">
+            <a:schemeClr val="accent1"/>
+          </a:lnRef>
+          <a:fillRef idx="0">
+            <a:schemeClr val="accent1"/>
+          </a:fillRef>
+          <a:effectRef idx="0">
+            <a:schemeClr val="accent1"/>
+          </a:effectRef>
+          <a:fontRef idx="minor">
+            <a:schemeClr val="tx1"/>
+          </a:fontRef>
+        </p:style>
+      </p:cxnSp>
     </p:spTree>
     <p:extLst>
       <p:ext uri="{BB962C8B-B14F-4D97-AF65-F5344CB8AC3E}">

--- a/EscapeJail/Assets/기획/스테이지1기획.pptx
+++ b/EscapeJail/Assets/기획/스테이지1기획.pptx
@@ -313,7 +313,7 @@
           <a:p>
             <a:fld id="{75C3E87A-1EF5-4BC0-A34A-1B32DEFB2AF0}" type="datetimeFigureOut">
               <a:rPr lang="ko-KR" altLang="en-US" smtClean="0"/>
-              <a:t>2017-10-17</a:t>
+              <a:t>2017-10-18</a:t>
             </a:fld>
             <a:endParaRPr lang="ko-KR" altLang="en-US"/>
           </a:p>
@@ -483,7 +483,7 @@
           <a:p>
             <a:fld id="{75C3E87A-1EF5-4BC0-A34A-1B32DEFB2AF0}" type="datetimeFigureOut">
               <a:rPr lang="ko-KR" altLang="en-US" smtClean="0"/>
-              <a:t>2017-10-17</a:t>
+              <a:t>2017-10-18</a:t>
             </a:fld>
             <a:endParaRPr lang="ko-KR" altLang="en-US"/>
           </a:p>
@@ -663,7 +663,7 @@
           <a:p>
             <a:fld id="{75C3E87A-1EF5-4BC0-A34A-1B32DEFB2AF0}" type="datetimeFigureOut">
               <a:rPr lang="ko-KR" altLang="en-US" smtClean="0"/>
-              <a:t>2017-10-17</a:t>
+              <a:t>2017-10-18</a:t>
             </a:fld>
             <a:endParaRPr lang="ko-KR" altLang="en-US"/>
           </a:p>
@@ -833,7 +833,7 @@
           <a:p>
             <a:fld id="{75C3E87A-1EF5-4BC0-A34A-1B32DEFB2AF0}" type="datetimeFigureOut">
               <a:rPr lang="ko-KR" altLang="en-US" smtClean="0"/>
-              <a:t>2017-10-17</a:t>
+              <a:t>2017-10-18</a:t>
             </a:fld>
             <a:endParaRPr lang="ko-KR" altLang="en-US"/>
           </a:p>
@@ -1079,7 +1079,7 @@
           <a:p>
             <a:fld id="{75C3E87A-1EF5-4BC0-A34A-1B32DEFB2AF0}" type="datetimeFigureOut">
               <a:rPr lang="ko-KR" altLang="en-US" smtClean="0"/>
-              <a:t>2017-10-17</a:t>
+              <a:t>2017-10-18</a:t>
             </a:fld>
             <a:endParaRPr lang="ko-KR" altLang="en-US"/>
           </a:p>
@@ -1367,7 +1367,7 @@
           <a:p>
             <a:fld id="{75C3E87A-1EF5-4BC0-A34A-1B32DEFB2AF0}" type="datetimeFigureOut">
               <a:rPr lang="ko-KR" altLang="en-US" smtClean="0"/>
-              <a:t>2017-10-17</a:t>
+              <a:t>2017-10-18</a:t>
             </a:fld>
             <a:endParaRPr lang="ko-KR" altLang="en-US"/>
           </a:p>
@@ -1789,7 +1789,7 @@
           <a:p>
             <a:fld id="{75C3E87A-1EF5-4BC0-A34A-1B32DEFB2AF0}" type="datetimeFigureOut">
               <a:rPr lang="ko-KR" altLang="en-US" smtClean="0"/>
-              <a:t>2017-10-17</a:t>
+              <a:t>2017-10-18</a:t>
             </a:fld>
             <a:endParaRPr lang="ko-KR" altLang="en-US"/>
           </a:p>
@@ -1907,7 +1907,7 @@
           <a:p>
             <a:fld id="{75C3E87A-1EF5-4BC0-A34A-1B32DEFB2AF0}" type="datetimeFigureOut">
               <a:rPr lang="ko-KR" altLang="en-US" smtClean="0"/>
-              <a:t>2017-10-17</a:t>
+              <a:t>2017-10-18</a:t>
             </a:fld>
             <a:endParaRPr lang="ko-KR" altLang="en-US"/>
           </a:p>
@@ -2002,7 +2002,7 @@
           <a:p>
             <a:fld id="{75C3E87A-1EF5-4BC0-A34A-1B32DEFB2AF0}" type="datetimeFigureOut">
               <a:rPr lang="ko-KR" altLang="en-US" smtClean="0"/>
-              <a:t>2017-10-17</a:t>
+              <a:t>2017-10-18</a:t>
             </a:fld>
             <a:endParaRPr lang="ko-KR" altLang="en-US"/>
           </a:p>
@@ -2279,7 +2279,7 @@
           <a:p>
             <a:fld id="{75C3E87A-1EF5-4BC0-A34A-1B32DEFB2AF0}" type="datetimeFigureOut">
               <a:rPr lang="ko-KR" altLang="en-US" smtClean="0"/>
-              <a:t>2017-10-17</a:t>
+              <a:t>2017-10-18</a:t>
             </a:fld>
             <a:endParaRPr lang="ko-KR" altLang="en-US"/>
           </a:p>
@@ -2532,7 +2532,7 @@
           <a:p>
             <a:fld id="{75C3E87A-1EF5-4BC0-A34A-1B32DEFB2AF0}" type="datetimeFigureOut">
               <a:rPr lang="ko-KR" altLang="en-US" smtClean="0"/>
-              <a:t>2017-10-17</a:t>
+              <a:t>2017-10-18</a:t>
             </a:fld>
             <a:endParaRPr lang="ko-KR" altLang="en-US"/>
           </a:p>
@@ -2745,7 +2745,7 @@
           <a:p>
             <a:fld id="{75C3E87A-1EF5-4BC0-A34A-1B32DEFB2AF0}" type="datetimeFigureOut">
               <a:rPr lang="ko-KR" altLang="en-US" smtClean="0"/>
-              <a:t>2017-10-17</a:t>
+              <a:t>2017-10-18</a:t>
             </a:fld>
             <a:endParaRPr lang="ko-KR" altLang="en-US"/>
           </a:p>
@@ -8543,17 +8543,35 @@
               <a:t>좋은근접무기는</a:t>
             </a:r>
             <a:r>
-              <a:rPr lang="ko-KR" altLang="en-US" sz="2000" b="1" smtClean="0"/>
-              <a:t>  총알회피용으로 </a:t>
-            </a:r>
-            <a:r>
               <a:rPr lang="ko-KR" altLang="en-US" sz="2000" b="1" dirty="0" smtClean="0"/>
-              <a:t>사용가능</a:t>
+              <a:t>  총알회피용으로 사용가능</a:t>
             </a:r>
             <a:r>
               <a:rPr lang="en-US" altLang="ko-KR" sz="2000" b="1" dirty="0" smtClean="0"/>
               <a:t>)</a:t>
             </a:r>
+          </a:p>
+          <a:p>
+            <a:endParaRPr lang="en-US" altLang="ko-KR" sz="2000" b="1" dirty="0"/>
+          </a:p>
+          <a:p>
+            <a:r>
+              <a:rPr lang="ko-KR" altLang="en-US" sz="2000" b="1" dirty="0" smtClean="0"/>
+              <a:t>야구배트로 </a:t>
+            </a:r>
+            <a:r>
+              <a:rPr lang="ko-KR" altLang="en-US" sz="2000" b="1" dirty="0" err="1" smtClean="0"/>
+              <a:t>쳤을때는</a:t>
+            </a:r>
+            <a:r>
+              <a:rPr lang="ko-KR" altLang="en-US" sz="2000" b="1" dirty="0" smtClean="0"/>
+              <a:t> 총알을 반사하기</a:t>
+            </a:r>
+            <a:r>
+              <a:rPr lang="en-US" altLang="ko-KR" sz="2000" b="1" dirty="0" smtClean="0"/>
+              <a:t>?</a:t>
+            </a:r>
+            <a:endParaRPr lang="en-US" altLang="ko-KR" sz="2000" b="1" dirty="0" smtClean="0"/>
           </a:p>
         </p:txBody>
       </p:sp>

--- a/EscapeJail/Assets/기획/스테이지1기획.pptx
+++ b/EscapeJail/Assets/기획/스테이지1기획.pptx
@@ -8570,6 +8570,31 @@
             <a:r>
               <a:rPr lang="en-US" altLang="ko-KR" sz="2000" b="1" dirty="0" smtClean="0"/>
               <a:t>?</a:t>
+            </a:r>
+          </a:p>
+          <a:p>
+            <a:endParaRPr lang="en-US" altLang="ko-KR" sz="2000" b="1" dirty="0"/>
+          </a:p>
+          <a:p>
+            <a:r>
+              <a:rPr lang="ko-KR" altLang="en-US" sz="2000" b="1" dirty="0" smtClean="0"/>
+              <a:t>무기는 상자에서 </a:t>
+            </a:r>
+            <a:r>
+              <a:rPr lang="ko-KR" altLang="en-US" sz="2000" b="1" dirty="0" err="1" smtClean="0"/>
+              <a:t>뜨는게</a:t>
+            </a:r>
+            <a:r>
+              <a:rPr lang="ko-KR" altLang="en-US" sz="2000" b="1" dirty="0" smtClean="0"/>
+              <a:t> </a:t>
+            </a:r>
+            <a:r>
+              <a:rPr lang="ko-KR" altLang="en-US" sz="2000" b="1" dirty="0" err="1" smtClean="0"/>
+              <a:t>좋을듯</a:t>
+            </a:r>
+            <a:r>
+              <a:rPr lang="ko-KR" altLang="en-US" sz="2000" b="1" dirty="0" smtClean="0"/>
+              <a:t> 하다</a:t>
             </a:r>
             <a:endParaRPr lang="en-US" altLang="ko-KR" sz="2000" b="1" dirty="0" smtClean="0"/>
           </a:p>

--- a/EscapeJail/Assets/기획/스테이지1기획.pptx
+++ b/EscapeJail/Assets/기획/스테이지1기획.pptx
@@ -31,6 +31,7 @@
     <p:sldId id="285" r:id="rId25"/>
     <p:sldId id="286" r:id="rId26"/>
     <p:sldId id="284" r:id="rId27"/>
+    <p:sldId id="287" r:id="rId28"/>
   </p:sldIdLst>
   <p:sldSz cx="9144000" cy="6858000" type="screen4x3"/>
   <p:notesSz cx="6858000" cy="9144000"/>
@@ -313,7 +314,7 @@
           <a:p>
             <a:fld id="{75C3E87A-1EF5-4BC0-A34A-1B32DEFB2AF0}" type="datetimeFigureOut">
               <a:rPr lang="ko-KR" altLang="en-US" smtClean="0"/>
-              <a:t>2017-10-18</a:t>
+              <a:t>2017-10-19</a:t>
             </a:fld>
             <a:endParaRPr lang="ko-KR" altLang="en-US"/>
           </a:p>
@@ -483,7 +484,7 @@
           <a:p>
             <a:fld id="{75C3E87A-1EF5-4BC0-A34A-1B32DEFB2AF0}" type="datetimeFigureOut">
               <a:rPr lang="ko-KR" altLang="en-US" smtClean="0"/>
-              <a:t>2017-10-18</a:t>
+              <a:t>2017-10-19</a:t>
             </a:fld>
             <a:endParaRPr lang="ko-KR" altLang="en-US"/>
           </a:p>
@@ -663,7 +664,7 @@
           <a:p>
             <a:fld id="{75C3E87A-1EF5-4BC0-A34A-1B32DEFB2AF0}" type="datetimeFigureOut">
               <a:rPr lang="ko-KR" altLang="en-US" smtClean="0"/>
-              <a:t>2017-10-18</a:t>
+              <a:t>2017-10-19</a:t>
             </a:fld>
             <a:endParaRPr lang="ko-KR" altLang="en-US"/>
           </a:p>
@@ -833,7 +834,7 @@
           <a:p>
             <a:fld id="{75C3E87A-1EF5-4BC0-A34A-1B32DEFB2AF0}" type="datetimeFigureOut">
               <a:rPr lang="ko-KR" altLang="en-US" smtClean="0"/>
-              <a:t>2017-10-18</a:t>
+              <a:t>2017-10-19</a:t>
             </a:fld>
             <a:endParaRPr lang="ko-KR" altLang="en-US"/>
           </a:p>
@@ -1079,7 +1080,7 @@
           <a:p>
             <a:fld id="{75C3E87A-1EF5-4BC0-A34A-1B32DEFB2AF0}" type="datetimeFigureOut">
               <a:rPr lang="ko-KR" altLang="en-US" smtClean="0"/>
-              <a:t>2017-10-18</a:t>
+              <a:t>2017-10-19</a:t>
             </a:fld>
             <a:endParaRPr lang="ko-KR" altLang="en-US"/>
           </a:p>
@@ -1367,7 +1368,7 @@
           <a:p>
             <a:fld id="{75C3E87A-1EF5-4BC0-A34A-1B32DEFB2AF0}" type="datetimeFigureOut">
               <a:rPr lang="ko-KR" altLang="en-US" smtClean="0"/>
-              <a:t>2017-10-18</a:t>
+              <a:t>2017-10-19</a:t>
             </a:fld>
             <a:endParaRPr lang="ko-KR" altLang="en-US"/>
           </a:p>
@@ -1789,7 +1790,7 @@
           <a:p>
             <a:fld id="{75C3E87A-1EF5-4BC0-A34A-1B32DEFB2AF0}" type="datetimeFigureOut">
               <a:rPr lang="ko-KR" altLang="en-US" smtClean="0"/>
-              <a:t>2017-10-18</a:t>
+              <a:t>2017-10-19</a:t>
             </a:fld>
             <a:endParaRPr lang="ko-KR" altLang="en-US"/>
           </a:p>
@@ -1907,7 +1908,7 @@
           <a:p>
             <a:fld id="{75C3E87A-1EF5-4BC0-A34A-1B32DEFB2AF0}" type="datetimeFigureOut">
               <a:rPr lang="ko-KR" altLang="en-US" smtClean="0"/>
-              <a:t>2017-10-18</a:t>
+              <a:t>2017-10-19</a:t>
             </a:fld>
             <a:endParaRPr lang="ko-KR" altLang="en-US"/>
           </a:p>
@@ -2002,7 +2003,7 @@
           <a:p>
             <a:fld id="{75C3E87A-1EF5-4BC0-A34A-1B32DEFB2AF0}" type="datetimeFigureOut">
               <a:rPr lang="ko-KR" altLang="en-US" smtClean="0"/>
-              <a:t>2017-10-18</a:t>
+              <a:t>2017-10-19</a:t>
             </a:fld>
             <a:endParaRPr lang="ko-KR" altLang="en-US"/>
           </a:p>
@@ -2279,7 +2280,7 @@
           <a:p>
             <a:fld id="{75C3E87A-1EF5-4BC0-A34A-1B32DEFB2AF0}" type="datetimeFigureOut">
               <a:rPr lang="ko-KR" altLang="en-US" smtClean="0"/>
-              <a:t>2017-10-18</a:t>
+              <a:t>2017-10-19</a:t>
             </a:fld>
             <a:endParaRPr lang="ko-KR" altLang="en-US"/>
           </a:p>
@@ -2532,7 +2533,7 @@
           <a:p>
             <a:fld id="{75C3E87A-1EF5-4BC0-A34A-1B32DEFB2AF0}" type="datetimeFigureOut">
               <a:rPr lang="ko-KR" altLang="en-US" smtClean="0"/>
-              <a:t>2017-10-18</a:t>
+              <a:t>2017-10-19</a:t>
             </a:fld>
             <a:endParaRPr lang="ko-KR" altLang="en-US"/>
           </a:p>
@@ -2745,7 +2746,7 @@
           <a:p>
             <a:fld id="{75C3E87A-1EF5-4BC0-A34A-1B32DEFB2AF0}" type="datetimeFigureOut">
               <a:rPr lang="ko-KR" altLang="en-US" smtClean="0"/>
-              <a:t>2017-10-18</a:t>
+              <a:t>2017-10-19</a:t>
             </a:fld>
             <a:endParaRPr lang="ko-KR" altLang="en-US"/>
           </a:p>
@@ -12163,12 +12164,149 @@
               <a:t>)</a:t>
             </a:r>
           </a:p>
+          <a:p>
+            <a:endParaRPr lang="en-US" altLang="ko-KR" b="1" dirty="0"/>
+          </a:p>
+          <a:p>
+            <a:r>
+              <a:rPr lang="ko-KR" altLang="en-US" b="1" dirty="0" smtClean="0"/>
+              <a:t>사정거리 늘어나는 아이템도 </a:t>
+            </a:r>
+            <a:r>
+              <a:rPr lang="ko-KR" altLang="en-US" b="1" dirty="0" err="1" smtClean="0"/>
+              <a:t>필요할수도</a:t>
+            </a:r>
+            <a:r>
+              <a:rPr lang="en-US" altLang="ko-KR" b="1" dirty="0" smtClean="0"/>
+              <a:t>(</a:t>
+            </a:r>
+            <a:r>
+              <a:rPr lang="ko-KR" altLang="en-US" b="1" dirty="0" err="1" smtClean="0"/>
+              <a:t>샷건</a:t>
+            </a:r>
+            <a:r>
+              <a:rPr lang="ko-KR" altLang="en-US" b="1" dirty="0" smtClean="0"/>
+              <a:t> 사정거리</a:t>
+            </a:r>
+            <a:r>
+              <a:rPr lang="en-US" altLang="ko-KR" b="1" dirty="0" smtClean="0"/>
+              <a:t>)</a:t>
+            </a:r>
+            <a:endParaRPr lang="en-US" altLang="ko-KR" b="1" dirty="0" smtClean="0"/>
+          </a:p>
         </p:txBody>
       </p:sp>
     </p:spTree>
     <p:extLst>
       <p:ext uri="{BB962C8B-B14F-4D97-AF65-F5344CB8AC3E}">
         <p14:creationId xmlns:p14="http://schemas.microsoft.com/office/powerpoint/2010/main" val="4072168355"/>
+      </p:ext>
+    </p:extLst>
+  </p:cSld>
+  <p:clrMapOvr>
+    <a:masterClrMapping/>
+  </p:clrMapOvr>
+</p:sld>
+</file>
+
+<file path=ppt/slides/slide27.xml><?xml version="1.0" encoding="utf-8"?>
+<p:sld xmlns:a="http://schemas.openxmlformats.org/drawingml/2006/main" xmlns:r="http://schemas.openxmlformats.org/officeDocument/2006/relationships" xmlns:p="http://schemas.openxmlformats.org/presentationml/2006/main">
+  <p:cSld>
+    <p:spTree>
+      <p:nvGrpSpPr>
+        <p:cNvPr id="1" name=""/>
+        <p:cNvGrpSpPr/>
+        <p:nvPr/>
+      </p:nvGrpSpPr>
+      <p:grpSpPr>
+        <a:xfrm>
+          <a:off x="0" y="0"/>
+          <a:ext cx="0" cy="0"/>
+          <a:chOff x="0" y="0"/>
+          <a:chExt cx="0" cy="0"/>
+        </a:xfrm>
+      </p:grpSpPr>
+      <p:sp>
+        <p:nvSpPr>
+          <p:cNvPr id="2" name="제목 1"/>
+          <p:cNvSpPr>
+            <a:spLocks noGrp="1"/>
+          </p:cNvSpPr>
+          <p:nvPr>
+            <p:ph type="title"/>
+          </p:nvPr>
+        </p:nvSpPr>
+        <p:spPr/>
+        <p:txBody>
+          <a:bodyPr>
+            <a:normAutofit fontScale="90000"/>
+          </a:bodyPr>
+          <a:lstStyle/>
+          <a:p>
+            <a:r>
+              <a:rPr lang="ko-KR" altLang="en-US" dirty="0" smtClean="0"/>
+              <a:t>아이디어 추가</a:t>
+            </a:r>
+            <a:r>
+              <a:rPr lang="en-US" altLang="ko-KR" dirty="0" smtClean="0"/>
+              <a:t/>
+            </a:r>
+            <a:br>
+              <a:rPr lang="en-US" altLang="ko-KR" dirty="0" smtClean="0"/>
+            </a:br>
+            <a:endParaRPr lang="ko-KR" altLang="en-US" dirty="0"/>
+          </a:p>
+        </p:txBody>
+      </p:sp>
+      <p:sp>
+        <p:nvSpPr>
+          <p:cNvPr id="3" name="내용 개체 틀 2"/>
+          <p:cNvSpPr>
+            <a:spLocks noGrp="1"/>
+          </p:cNvSpPr>
+          <p:nvPr>
+            <p:ph idx="1"/>
+          </p:nvPr>
+        </p:nvSpPr>
+        <p:spPr/>
+        <p:txBody>
+          <a:bodyPr>
+            <a:normAutofit/>
+          </a:bodyPr>
+          <a:lstStyle/>
+          <a:p>
+            <a:r>
+              <a:rPr lang="ko-KR" altLang="en-US" b="1" dirty="0" smtClean="0"/>
+              <a:t>처음에는 무기 </a:t>
+            </a:r>
+            <a:r>
+              <a:rPr lang="ko-KR" altLang="en-US" b="1" dirty="0" err="1" smtClean="0"/>
+              <a:t>인벤토리만</a:t>
+            </a:r>
+            <a:r>
+              <a:rPr lang="ko-KR" altLang="en-US" b="1" dirty="0" smtClean="0"/>
+              <a:t> </a:t>
+            </a:r>
+            <a:r>
+              <a:rPr lang="ko-KR" altLang="en-US" b="1" dirty="0" err="1" smtClean="0"/>
+              <a:t>두칸</a:t>
+            </a:r>
+            <a:r>
+              <a:rPr lang="ko-KR" altLang="en-US" b="1" dirty="0" smtClean="0"/>
+              <a:t> </a:t>
+            </a:r>
+            <a:r>
+              <a:rPr lang="ko-KR" altLang="en-US" b="1" smtClean="0"/>
+              <a:t>줄것</a:t>
+            </a:r>
+            <a:endParaRPr lang="en-US" altLang="ko-KR" b="1" dirty="0" smtClean="0"/>
+          </a:p>
+        </p:txBody>
+      </p:sp>
+    </p:spTree>
+    <p:extLst>
+      <p:ext uri="{BB962C8B-B14F-4D97-AF65-F5344CB8AC3E}">
+        <p14:creationId xmlns:p14="http://schemas.microsoft.com/office/powerpoint/2010/main" val="2550670840"/>
       </p:ext>
     </p:extLst>
   </p:cSld>

--- a/EscapeJail/Assets/기획/스테이지1기획.pptx
+++ b/EscapeJail/Assets/기획/스테이지1기획.pptx
@@ -31,7 +31,8 @@
     <p:sldId id="285" r:id="rId25"/>
     <p:sldId id="286" r:id="rId26"/>
     <p:sldId id="284" r:id="rId27"/>
-    <p:sldId id="287" r:id="rId28"/>
+    <p:sldId id="288" r:id="rId28"/>
+    <p:sldId id="287" r:id="rId29"/>
   </p:sldIdLst>
   <p:sldSz cx="9144000" cy="6858000" type="screen4x3"/>
   <p:notesSz cx="6858000" cy="9144000"/>
@@ -12117,7 +12118,26 @@
             </a:r>
             <a:r>
               <a:rPr lang="ko-KR" altLang="en-US" dirty="0" smtClean="0"/>
-              <a:t>개씩 소유 가능</a:t>
+              <a:t>개씩 소유 </a:t>
+            </a:r>
+            <a:r>
+              <a:rPr lang="ko-KR" altLang="en-US" dirty="0" smtClean="0"/>
+              <a:t>가능</a:t>
+            </a:r>
+            <a:r>
+              <a:rPr lang="en-US" altLang="ko-KR" dirty="0" smtClean="0"/>
+              <a:t/>
+            </a:r>
+            <a:br>
+              <a:rPr lang="en-US" altLang="ko-KR" dirty="0" smtClean="0"/>
+            </a:br>
+            <a:r>
+              <a:rPr lang="ko-KR" altLang="en-US" dirty="0" err="1" smtClean="0"/>
+              <a:t>시작시</a:t>
+            </a:r>
+            <a:r>
+              <a:rPr lang="ko-KR" altLang="en-US" dirty="0" smtClean="0"/>
+              <a:t> 선택</a:t>
             </a:r>
             <a:r>
               <a:rPr lang="en-US" altLang="ko-KR" dirty="0" smtClean="0"/>
@@ -12163,8 +12183,6 @@
               <a:rPr lang="en-US" altLang="ko-KR" b="1" dirty="0" smtClean="0"/>
               <a:t>)</a:t>
             </a:r>
-          </a:p>
-          <a:p>
             <a:endParaRPr lang="en-US" altLang="ko-KR" b="1" dirty="0"/>
           </a:p>
           <a:p>
@@ -12192,7 +12210,58 @@
               <a:rPr lang="en-US" altLang="ko-KR" b="1" dirty="0" smtClean="0"/>
               <a:t>)</a:t>
             </a:r>
-            <a:endParaRPr lang="en-US" altLang="ko-KR" b="1" dirty="0" smtClean="0"/>
+          </a:p>
+          <a:p>
+            <a:r>
+              <a:rPr lang="ko-KR" altLang="en-US" b="1" dirty="0" smtClean="0"/>
+              <a:t>전체 무기 </a:t>
+            </a:r>
+            <a:r>
+              <a:rPr lang="ko-KR" altLang="en-US" b="1" dirty="0" err="1" smtClean="0"/>
+              <a:t>총알수</a:t>
+            </a:r>
+            <a:r>
+              <a:rPr lang="ko-KR" altLang="en-US" b="1" dirty="0" smtClean="0"/>
+              <a:t> 증가 </a:t>
+            </a:r>
+            <a:r>
+              <a:rPr lang="en-US" altLang="ko-KR" b="1" dirty="0" smtClean="0"/>
+              <a:t>(</a:t>
+            </a:r>
+            <a:r>
+              <a:rPr lang="ko-KR" altLang="en-US" b="1" dirty="0" smtClean="0"/>
+              <a:t>대용량탄창</a:t>
+            </a:r>
+            <a:r>
+              <a:rPr lang="en-US" altLang="ko-KR" b="1" dirty="0" smtClean="0"/>
+              <a:t>)</a:t>
+            </a:r>
+          </a:p>
+          <a:p>
+            <a:r>
+              <a:rPr lang="ko-KR" altLang="en-US" b="1" dirty="0" err="1" smtClean="0"/>
+              <a:t>흡혈의낫</a:t>
+            </a:r>
+            <a:r>
+              <a:rPr lang="en-US" altLang="ko-KR" b="1" dirty="0" smtClean="0"/>
+              <a:t>(?) (</a:t>
+            </a:r>
+            <a:r>
+              <a:rPr lang="ko-KR" altLang="en-US" b="1" dirty="0" smtClean="0"/>
+              <a:t>일정시간 피해를 입지 않으면 체력 회복</a:t>
+            </a:r>
+            <a:r>
+              <a:rPr lang="en-US" altLang="ko-KR" b="1" dirty="0" smtClean="0"/>
+              <a:t>,</a:t>
+            </a:r>
+            <a:r>
+              <a:rPr lang="ko-KR" altLang="en-US" b="1" dirty="0" smtClean="0"/>
+              <a:t>너무 사긴가</a:t>
+            </a:r>
+            <a:r>
+              <a:rPr lang="en-US" altLang="ko-KR" b="1" dirty="0" smtClean="0"/>
+              <a:t>)</a:t>
+            </a:r>
           </a:p>
         </p:txBody>
       </p:sp>
@@ -12244,8 +12313,12 @@
           <a:lstStyle/>
           <a:p>
             <a:r>
+              <a:rPr lang="ko-KR" altLang="en-US" dirty="0" err="1" smtClean="0"/>
+              <a:t>패시브</a:t>
+            </a:r>
+            <a:r>
               <a:rPr lang="ko-KR" altLang="en-US" dirty="0" smtClean="0"/>
-              <a:t>아이디어 추가</a:t>
+              <a:t> 아이템</a:t>
             </a:r>
             <a:r>
               <a:rPr lang="en-US" altLang="ko-KR" dirty="0" smtClean="0"/>
@@ -12277,6 +12350,112 @@
           <a:p>
             <a:r>
               <a:rPr lang="ko-KR" altLang="en-US" b="1" dirty="0" smtClean="0"/>
+              <a:t>돼지 우상</a:t>
+            </a:r>
+            <a:r>
+              <a:rPr lang="en-US" altLang="ko-KR" b="1" dirty="0" smtClean="0"/>
+              <a:t>(?)</a:t>
+            </a:r>
+            <a:r>
+              <a:rPr lang="ko-KR" altLang="en-US" b="1" dirty="0" smtClean="0"/>
+              <a:t> </a:t>
+            </a:r>
+            <a:r>
+              <a:rPr lang="en-US" altLang="ko-KR" b="1" dirty="0" smtClean="0"/>
+              <a:t>(</a:t>
+            </a:r>
+            <a:r>
+              <a:rPr lang="ko-KR" altLang="en-US" b="1" dirty="0" smtClean="0"/>
+              <a:t>아이템 획득 확률 상승</a:t>
+            </a:r>
+            <a:r>
+              <a:rPr lang="en-US" altLang="ko-KR" b="1" dirty="0" smtClean="0"/>
+              <a:t>)</a:t>
+            </a:r>
+          </a:p>
+        </p:txBody>
+      </p:sp>
+    </p:spTree>
+    <p:extLst>
+      <p:ext uri="{BB962C8B-B14F-4D97-AF65-F5344CB8AC3E}">
+        <p14:creationId xmlns:p14="http://schemas.microsoft.com/office/powerpoint/2010/main" val="251605719"/>
+      </p:ext>
+    </p:extLst>
+  </p:cSld>
+  <p:clrMapOvr>
+    <a:masterClrMapping/>
+  </p:clrMapOvr>
+</p:sld>
+</file>
+
+<file path=ppt/slides/slide28.xml><?xml version="1.0" encoding="utf-8"?>
+<p:sld xmlns:a="http://schemas.openxmlformats.org/drawingml/2006/main" xmlns:r="http://schemas.openxmlformats.org/officeDocument/2006/relationships" xmlns:p="http://schemas.openxmlformats.org/presentationml/2006/main">
+  <p:cSld>
+    <p:spTree>
+      <p:nvGrpSpPr>
+        <p:cNvPr id="1" name=""/>
+        <p:cNvGrpSpPr/>
+        <p:nvPr/>
+      </p:nvGrpSpPr>
+      <p:grpSpPr>
+        <a:xfrm>
+          <a:off x="0" y="0"/>
+          <a:ext cx="0" cy="0"/>
+          <a:chOff x="0" y="0"/>
+          <a:chExt cx="0" cy="0"/>
+        </a:xfrm>
+      </p:grpSpPr>
+      <p:sp>
+        <p:nvSpPr>
+          <p:cNvPr id="2" name="제목 1"/>
+          <p:cNvSpPr>
+            <a:spLocks noGrp="1"/>
+          </p:cNvSpPr>
+          <p:nvPr>
+            <p:ph type="title"/>
+          </p:nvPr>
+        </p:nvSpPr>
+        <p:spPr/>
+        <p:txBody>
+          <a:bodyPr>
+            <a:normAutofit fontScale="90000"/>
+          </a:bodyPr>
+          <a:lstStyle/>
+          <a:p>
+            <a:r>
+              <a:rPr lang="ko-KR" altLang="en-US" dirty="0" smtClean="0"/>
+              <a:t>아이디어 추가</a:t>
+            </a:r>
+            <a:r>
+              <a:rPr lang="en-US" altLang="ko-KR" dirty="0" smtClean="0"/>
+              <a:t/>
+            </a:r>
+            <a:br>
+              <a:rPr lang="en-US" altLang="ko-KR" dirty="0" smtClean="0"/>
+            </a:br>
+            <a:endParaRPr lang="ko-KR" altLang="en-US" dirty="0"/>
+          </a:p>
+        </p:txBody>
+      </p:sp>
+      <p:sp>
+        <p:nvSpPr>
+          <p:cNvPr id="3" name="내용 개체 틀 2"/>
+          <p:cNvSpPr>
+            <a:spLocks noGrp="1"/>
+          </p:cNvSpPr>
+          <p:nvPr>
+            <p:ph idx="1"/>
+          </p:nvPr>
+        </p:nvSpPr>
+        <p:spPr/>
+        <p:txBody>
+          <a:bodyPr>
+            <a:normAutofit/>
+          </a:bodyPr>
+          <a:lstStyle/>
+          <a:p>
+            <a:r>
+              <a:rPr lang="ko-KR" altLang="en-US" b="1" dirty="0" smtClean="0"/>
               <a:t>처음에는 무기 </a:t>
             </a:r>
             <a:r>
@@ -12296,10 +12475,59 @@
               <a:t> </a:t>
             </a:r>
             <a:r>
-              <a:rPr lang="ko-KR" altLang="en-US" b="1" smtClean="0"/>
+              <a:rPr lang="ko-KR" altLang="en-US" b="1" dirty="0" err="1" smtClean="0"/>
               <a:t>줄것</a:t>
             </a:r>
             <a:endParaRPr lang="en-US" altLang="ko-KR" b="1" dirty="0" smtClean="0"/>
+          </a:p>
+          <a:p>
+            <a:r>
+              <a:rPr lang="ko-KR" altLang="en-US" b="1" dirty="0" err="1" smtClean="0"/>
+              <a:t>한판할때마다</a:t>
+            </a:r>
+            <a:r>
+              <a:rPr lang="ko-KR" altLang="en-US" b="1" dirty="0" smtClean="0"/>
+              <a:t> 코인을 줘서 그걸로 </a:t>
+            </a:r>
+            <a:r>
+              <a:rPr lang="ko-KR" altLang="en-US" b="1" dirty="0" err="1" smtClean="0"/>
+              <a:t>패시브</a:t>
+            </a:r>
+            <a:r>
+              <a:rPr lang="ko-KR" altLang="en-US" b="1" dirty="0" smtClean="0"/>
+              <a:t> 아이템 구매</a:t>
+            </a:r>
+            <a:endParaRPr lang="en-US" altLang="ko-KR" b="1" dirty="0" smtClean="0"/>
+          </a:p>
+          <a:p>
+            <a:r>
+              <a:rPr lang="ko-KR" altLang="en-US" b="1" dirty="0" smtClean="0"/>
+              <a:t> </a:t>
+            </a:r>
+            <a:r>
+              <a:rPr lang="en-US" altLang="ko-KR" b="1" dirty="0" smtClean="0"/>
+              <a:t>(</a:t>
+            </a:r>
+            <a:r>
+              <a:rPr lang="ko-KR" altLang="en-US" b="1" dirty="0" err="1" smtClean="0"/>
+              <a:t>패시브</a:t>
+            </a:r>
+            <a:r>
+              <a:rPr lang="ko-KR" altLang="en-US" b="1" dirty="0" smtClean="0"/>
+              <a:t> 아이템은 게임 </a:t>
+            </a:r>
+            <a:r>
+              <a:rPr lang="ko-KR" altLang="en-US" b="1" dirty="0" err="1" smtClean="0"/>
+              <a:t>시작할때</a:t>
+            </a:r>
+            <a:r>
+              <a:rPr lang="ko-KR" altLang="en-US" b="1" dirty="0" smtClean="0"/>
+              <a:t> 한 개 골라서 효과를 받음</a:t>
+            </a:r>
+            <a:r>
+              <a:rPr lang="en-US" altLang="ko-KR" b="1" dirty="0" smtClean="0"/>
+              <a:t>)</a:t>
+            </a:r>
           </a:p>
         </p:txBody>
       </p:sp>

--- a/EscapeJail/Assets/기획/스테이지1기획.pptx
+++ b/EscapeJail/Assets/기획/스테이지1기획.pptx
@@ -27,12 +27,13 @@
     <p:sldId id="276" r:id="rId21"/>
     <p:sldId id="278" r:id="rId22"/>
     <p:sldId id="280" r:id="rId23"/>
-    <p:sldId id="283" r:id="rId24"/>
-    <p:sldId id="285" r:id="rId25"/>
-    <p:sldId id="286" r:id="rId26"/>
-    <p:sldId id="284" r:id="rId27"/>
-    <p:sldId id="288" r:id="rId28"/>
-    <p:sldId id="287" r:id="rId29"/>
+    <p:sldId id="289" r:id="rId24"/>
+    <p:sldId id="283" r:id="rId25"/>
+    <p:sldId id="285" r:id="rId26"/>
+    <p:sldId id="286" r:id="rId27"/>
+    <p:sldId id="284" r:id="rId28"/>
+    <p:sldId id="288" r:id="rId29"/>
+    <p:sldId id="287" r:id="rId30"/>
   </p:sldIdLst>
   <p:sldSz cx="9144000" cy="6858000" type="screen4x3"/>
   <p:notesSz cx="6858000" cy="9144000"/>
@@ -315,7 +316,7 @@
           <a:p>
             <a:fld id="{75C3E87A-1EF5-4BC0-A34A-1B32DEFB2AF0}" type="datetimeFigureOut">
               <a:rPr lang="ko-KR" altLang="en-US" smtClean="0"/>
-              <a:t>2017-10-19</a:t>
+              <a:t>2017-10-20</a:t>
             </a:fld>
             <a:endParaRPr lang="ko-KR" altLang="en-US"/>
           </a:p>
@@ -485,7 +486,7 @@
           <a:p>
             <a:fld id="{75C3E87A-1EF5-4BC0-A34A-1B32DEFB2AF0}" type="datetimeFigureOut">
               <a:rPr lang="ko-KR" altLang="en-US" smtClean="0"/>
-              <a:t>2017-10-19</a:t>
+              <a:t>2017-10-20</a:t>
             </a:fld>
             <a:endParaRPr lang="ko-KR" altLang="en-US"/>
           </a:p>
@@ -665,7 +666,7 @@
           <a:p>
             <a:fld id="{75C3E87A-1EF5-4BC0-A34A-1B32DEFB2AF0}" type="datetimeFigureOut">
               <a:rPr lang="ko-KR" altLang="en-US" smtClean="0"/>
-              <a:t>2017-10-19</a:t>
+              <a:t>2017-10-20</a:t>
             </a:fld>
             <a:endParaRPr lang="ko-KR" altLang="en-US"/>
           </a:p>
@@ -835,7 +836,7 @@
           <a:p>
             <a:fld id="{75C3E87A-1EF5-4BC0-A34A-1B32DEFB2AF0}" type="datetimeFigureOut">
               <a:rPr lang="ko-KR" altLang="en-US" smtClean="0"/>
-              <a:t>2017-10-19</a:t>
+              <a:t>2017-10-20</a:t>
             </a:fld>
             <a:endParaRPr lang="ko-KR" altLang="en-US"/>
           </a:p>
@@ -1081,7 +1082,7 @@
           <a:p>
             <a:fld id="{75C3E87A-1EF5-4BC0-A34A-1B32DEFB2AF0}" type="datetimeFigureOut">
               <a:rPr lang="ko-KR" altLang="en-US" smtClean="0"/>
-              <a:t>2017-10-19</a:t>
+              <a:t>2017-10-20</a:t>
             </a:fld>
             <a:endParaRPr lang="ko-KR" altLang="en-US"/>
           </a:p>
@@ -1369,7 +1370,7 @@
           <a:p>
             <a:fld id="{75C3E87A-1EF5-4BC0-A34A-1B32DEFB2AF0}" type="datetimeFigureOut">
               <a:rPr lang="ko-KR" altLang="en-US" smtClean="0"/>
-              <a:t>2017-10-19</a:t>
+              <a:t>2017-10-20</a:t>
             </a:fld>
             <a:endParaRPr lang="ko-KR" altLang="en-US"/>
           </a:p>
@@ -1791,7 +1792,7 @@
           <a:p>
             <a:fld id="{75C3E87A-1EF5-4BC0-A34A-1B32DEFB2AF0}" type="datetimeFigureOut">
               <a:rPr lang="ko-KR" altLang="en-US" smtClean="0"/>
-              <a:t>2017-10-19</a:t>
+              <a:t>2017-10-20</a:t>
             </a:fld>
             <a:endParaRPr lang="ko-KR" altLang="en-US"/>
           </a:p>
@@ -1909,7 +1910,7 @@
           <a:p>
             <a:fld id="{75C3E87A-1EF5-4BC0-A34A-1B32DEFB2AF0}" type="datetimeFigureOut">
               <a:rPr lang="ko-KR" altLang="en-US" smtClean="0"/>
-              <a:t>2017-10-19</a:t>
+              <a:t>2017-10-20</a:t>
             </a:fld>
             <a:endParaRPr lang="ko-KR" altLang="en-US"/>
           </a:p>
@@ -2004,7 +2005,7 @@
           <a:p>
             <a:fld id="{75C3E87A-1EF5-4BC0-A34A-1B32DEFB2AF0}" type="datetimeFigureOut">
               <a:rPr lang="ko-KR" altLang="en-US" smtClean="0"/>
-              <a:t>2017-10-19</a:t>
+              <a:t>2017-10-20</a:t>
             </a:fld>
             <a:endParaRPr lang="ko-KR" altLang="en-US"/>
           </a:p>
@@ -2281,7 +2282,7 @@
           <a:p>
             <a:fld id="{75C3E87A-1EF5-4BC0-A34A-1B32DEFB2AF0}" type="datetimeFigureOut">
               <a:rPr lang="ko-KR" altLang="en-US" smtClean="0"/>
-              <a:t>2017-10-19</a:t>
+              <a:t>2017-10-20</a:t>
             </a:fld>
             <a:endParaRPr lang="ko-KR" altLang="en-US"/>
           </a:p>
@@ -2534,7 +2535,7 @@
           <a:p>
             <a:fld id="{75C3E87A-1EF5-4BC0-A34A-1B32DEFB2AF0}" type="datetimeFigureOut">
               <a:rPr lang="ko-KR" altLang="en-US" smtClean="0"/>
-              <a:t>2017-10-19</a:t>
+              <a:t>2017-10-20</a:t>
             </a:fld>
             <a:endParaRPr lang="ko-KR" altLang="en-US"/>
           </a:p>
@@ -2747,7 +2748,7 @@
           <a:p>
             <a:fld id="{75C3E87A-1EF5-4BC0-A34A-1B32DEFB2AF0}" type="datetimeFigureOut">
               <a:rPr lang="ko-KR" altLang="en-US" smtClean="0"/>
-              <a:t>2017-10-19</a:t>
+              <a:t>2017-10-20</a:t>
             </a:fld>
             <a:endParaRPr lang="ko-KR" altLang="en-US"/>
           </a:p>
@@ -10670,6 +10671,97 @@
         </p:nvSpPr>
         <p:spPr/>
         <p:txBody>
+          <a:bodyPr>
+            <a:normAutofit fontScale="90000"/>
+          </a:bodyPr>
+          <a:lstStyle/>
+          <a:p>
+            <a:r>
+              <a:rPr lang="ko-KR" altLang="en-US" dirty="0" smtClean="0"/>
+              <a:t>귀여운 애들만 나오는  스테이지</a:t>
+            </a:r>
+            <a:endParaRPr lang="ko-KR" altLang="en-US" dirty="0"/>
+          </a:p>
+        </p:txBody>
+      </p:sp>
+      <p:sp>
+        <p:nvSpPr>
+          <p:cNvPr id="3" name="내용 개체 틀 2"/>
+          <p:cNvSpPr>
+            <a:spLocks noGrp="1"/>
+          </p:cNvSpPr>
+          <p:nvPr>
+            <p:ph idx="1"/>
+          </p:nvPr>
+        </p:nvSpPr>
+        <p:spPr/>
+        <p:txBody>
+          <a:bodyPr>
+            <a:normAutofit/>
+          </a:bodyPr>
+          <a:lstStyle/>
+          <a:p>
+            <a:r>
+              <a:rPr lang="ko-KR" altLang="en-US" b="1" dirty="0" smtClean="0"/>
+              <a:t>귀여워서 </a:t>
+            </a:r>
+            <a:r>
+              <a:rPr lang="ko-KR" altLang="en-US" b="1" dirty="0" err="1" smtClean="0"/>
+              <a:t>우리팀처럼</a:t>
+            </a:r>
+            <a:r>
+              <a:rPr lang="ko-KR" altLang="en-US" b="1" dirty="0" smtClean="0"/>
+              <a:t> 보이는데 실제는 엄청나게 강력</a:t>
+            </a:r>
+            <a:endParaRPr lang="en-US" altLang="ko-KR" b="1" dirty="0" smtClean="0"/>
+          </a:p>
+          <a:p>
+            <a:endParaRPr lang="en-US" altLang="ko-KR" b="1" dirty="0" smtClean="0"/>
+          </a:p>
+        </p:txBody>
+      </p:sp>
+    </p:spTree>
+    <p:extLst>
+      <p:ext uri="{BB962C8B-B14F-4D97-AF65-F5344CB8AC3E}">
+        <p14:creationId xmlns:p14="http://schemas.microsoft.com/office/powerpoint/2010/main" val="991142882"/>
+      </p:ext>
+    </p:extLst>
+  </p:cSld>
+  <p:clrMapOvr>
+    <a:masterClrMapping/>
+  </p:clrMapOvr>
+</p:sld>
+</file>
+
+<file path=ppt/slides/slide24.xml><?xml version="1.0" encoding="utf-8"?>
+<p:sld xmlns:a="http://schemas.openxmlformats.org/drawingml/2006/main" xmlns:r="http://schemas.openxmlformats.org/officeDocument/2006/relationships" xmlns:p="http://schemas.openxmlformats.org/presentationml/2006/main">
+  <p:cSld>
+    <p:spTree>
+      <p:nvGrpSpPr>
+        <p:cNvPr id="1" name=""/>
+        <p:cNvGrpSpPr/>
+        <p:nvPr/>
+      </p:nvGrpSpPr>
+      <p:grpSpPr>
+        <a:xfrm>
+          <a:off x="0" y="0"/>
+          <a:ext cx="0" cy="0"/>
+          <a:chOff x="0" y="0"/>
+          <a:chExt cx="0" cy="0"/>
+        </a:xfrm>
+      </p:grpSpPr>
+      <p:sp>
+        <p:nvSpPr>
+          <p:cNvPr id="2" name="제목 1"/>
+          <p:cNvSpPr>
+            <a:spLocks noGrp="1"/>
+          </p:cNvSpPr>
+          <p:nvPr>
+            <p:ph type="title"/>
+          </p:nvPr>
+        </p:nvSpPr>
+        <p:spPr/>
+        <p:txBody>
           <a:bodyPr/>
           <a:lstStyle/>
           <a:p>
@@ -10821,7 +10913,7 @@
 </p:sld>
 </file>
 
-<file path=ppt/slides/slide24.xml><?xml version="1.0" encoding="utf-8"?>
+<file path=ppt/slides/slide25.xml><?xml version="1.0" encoding="utf-8"?>
 <p:sld xmlns:a="http://schemas.openxmlformats.org/drawingml/2006/main" xmlns:r="http://schemas.openxmlformats.org/officeDocument/2006/relationships" xmlns:p="http://schemas.openxmlformats.org/presentationml/2006/main">
   <p:cSld>
     <p:spTree>
@@ -11500,7 +11592,7 @@
 </p:sld>
 </file>
 
-<file path=ppt/slides/slide25.xml><?xml version="1.0" encoding="utf-8"?>
+<file path=ppt/slides/slide26.xml><?xml version="1.0" encoding="utf-8"?>
 <p:sld xmlns:a="http://schemas.openxmlformats.org/drawingml/2006/main" xmlns:r="http://schemas.openxmlformats.org/officeDocument/2006/relationships" xmlns:p="http://schemas.openxmlformats.org/presentationml/2006/main">
   <p:cSld>
     <p:spTree>
@@ -12055,229 +12147,6 @@
 </p:sld>
 </file>
 
-<file path=ppt/slides/slide26.xml><?xml version="1.0" encoding="utf-8"?>
-<p:sld xmlns:a="http://schemas.openxmlformats.org/drawingml/2006/main" xmlns:r="http://schemas.openxmlformats.org/officeDocument/2006/relationships" xmlns:p="http://schemas.openxmlformats.org/presentationml/2006/main">
-  <p:cSld>
-    <p:spTree>
-      <p:nvGrpSpPr>
-        <p:cNvPr id="1" name=""/>
-        <p:cNvGrpSpPr/>
-        <p:nvPr/>
-      </p:nvGrpSpPr>
-      <p:grpSpPr>
-        <a:xfrm>
-          <a:off x="0" y="0"/>
-          <a:ext cx="0" cy="0"/>
-          <a:chOff x="0" y="0"/>
-          <a:chExt cx="0" cy="0"/>
-        </a:xfrm>
-      </p:grpSpPr>
-      <p:sp>
-        <p:nvSpPr>
-          <p:cNvPr id="2" name="제목 1"/>
-          <p:cNvSpPr>
-            <a:spLocks noGrp="1"/>
-          </p:cNvSpPr>
-          <p:nvPr>
-            <p:ph type="title"/>
-          </p:nvPr>
-        </p:nvSpPr>
-        <p:spPr/>
-        <p:txBody>
-          <a:bodyPr>
-            <a:normAutofit fontScale="90000"/>
-          </a:bodyPr>
-          <a:lstStyle/>
-          <a:p>
-            <a:r>
-              <a:rPr lang="ko-KR" altLang="en-US" dirty="0" err="1" smtClean="0"/>
-              <a:t>패시브</a:t>
-            </a:r>
-            <a:r>
-              <a:rPr lang="ko-KR" altLang="en-US" dirty="0" smtClean="0"/>
-              <a:t> 아이템</a:t>
-            </a:r>
-            <a:r>
-              <a:rPr lang="en-US" altLang="ko-KR" dirty="0" smtClean="0"/>
-              <a:t/>
-            </a:r>
-            <a:br>
-              <a:rPr lang="en-US" altLang="ko-KR" dirty="0" smtClean="0"/>
-            </a:br>
-            <a:r>
-              <a:rPr lang="en-US" altLang="ko-KR" dirty="0" smtClean="0"/>
-              <a:t>(</a:t>
-            </a:r>
-            <a:r>
-              <a:rPr lang="ko-KR" altLang="en-US" dirty="0" smtClean="0"/>
-              <a:t>플레이어마다 </a:t>
-            </a:r>
-            <a:r>
-              <a:rPr lang="en-US" altLang="ko-KR" dirty="0" smtClean="0"/>
-              <a:t>1</a:t>
-            </a:r>
-            <a:r>
-              <a:rPr lang="ko-KR" altLang="en-US" dirty="0" smtClean="0"/>
-              <a:t>개씩 소유 </a:t>
-            </a:r>
-            <a:r>
-              <a:rPr lang="ko-KR" altLang="en-US" dirty="0" smtClean="0"/>
-              <a:t>가능</a:t>
-            </a:r>
-            <a:r>
-              <a:rPr lang="en-US" altLang="ko-KR" dirty="0" smtClean="0"/>
-              <a:t/>
-            </a:r>
-            <a:br>
-              <a:rPr lang="en-US" altLang="ko-KR" dirty="0" smtClean="0"/>
-            </a:br>
-            <a:r>
-              <a:rPr lang="ko-KR" altLang="en-US" dirty="0" err="1" smtClean="0"/>
-              <a:t>시작시</a:t>
-            </a:r>
-            <a:r>
-              <a:rPr lang="ko-KR" altLang="en-US" dirty="0" smtClean="0"/>
-              <a:t> 선택</a:t>
-            </a:r>
-            <a:r>
-              <a:rPr lang="en-US" altLang="ko-KR" dirty="0" smtClean="0"/>
-              <a:t>)</a:t>
-            </a:r>
-            <a:endParaRPr lang="ko-KR" altLang="en-US" dirty="0"/>
-          </a:p>
-        </p:txBody>
-      </p:sp>
-      <p:sp>
-        <p:nvSpPr>
-          <p:cNvPr id="3" name="내용 개체 틀 2"/>
-          <p:cNvSpPr>
-            <a:spLocks noGrp="1"/>
-          </p:cNvSpPr>
-          <p:nvPr>
-            <p:ph idx="1"/>
-          </p:nvPr>
-        </p:nvSpPr>
-        <p:spPr/>
-        <p:txBody>
-          <a:bodyPr>
-            <a:normAutofit/>
-          </a:bodyPr>
-          <a:lstStyle/>
-          <a:p>
-            <a:endParaRPr lang="en-US" altLang="ko-KR" b="1" dirty="0" smtClean="0"/>
-          </a:p>
-          <a:p>
-            <a:r>
-              <a:rPr lang="ko-KR" altLang="en-US" b="1" dirty="0" smtClean="0"/>
-              <a:t>안정제 </a:t>
-            </a:r>
-            <a:r>
-              <a:rPr lang="en-US" altLang="ko-KR" b="1" dirty="0" smtClean="0"/>
-              <a:t>( </a:t>
-            </a:r>
-            <a:r>
-              <a:rPr lang="ko-KR" altLang="en-US" b="1" dirty="0" smtClean="0"/>
-              <a:t>총기 반동을 많이 줄여줌</a:t>
-            </a:r>
-            <a:r>
-              <a:rPr lang="en-US" altLang="ko-KR" b="1" dirty="0" smtClean="0"/>
-              <a:t>)</a:t>
-            </a:r>
-            <a:endParaRPr lang="en-US" altLang="ko-KR" b="1" dirty="0"/>
-          </a:p>
-          <a:p>
-            <a:r>
-              <a:rPr lang="ko-KR" altLang="en-US" b="1" dirty="0" smtClean="0"/>
-              <a:t>사정거리 늘어나는 아이템도 </a:t>
-            </a:r>
-            <a:r>
-              <a:rPr lang="ko-KR" altLang="en-US" b="1" dirty="0" err="1" smtClean="0"/>
-              <a:t>필요할수도</a:t>
-            </a:r>
-            <a:r>
-              <a:rPr lang="en-US" altLang="ko-KR" b="1" dirty="0" smtClean="0"/>
-              <a:t>(</a:t>
-            </a:r>
-            <a:r>
-              <a:rPr lang="ko-KR" altLang="en-US" b="1" dirty="0" err="1" smtClean="0"/>
-              <a:t>샷건</a:t>
-            </a:r>
-            <a:r>
-              <a:rPr lang="ko-KR" altLang="en-US" b="1" dirty="0" smtClean="0"/>
-              <a:t> 사정거리</a:t>
-            </a:r>
-            <a:r>
-              <a:rPr lang="en-US" altLang="ko-KR" b="1" dirty="0" smtClean="0"/>
-              <a:t>)</a:t>
-            </a:r>
-          </a:p>
-          <a:p>
-            <a:r>
-              <a:rPr lang="ko-KR" altLang="en-US" b="1" dirty="0" smtClean="0"/>
-              <a:t>전체 무기 </a:t>
-            </a:r>
-            <a:r>
-              <a:rPr lang="ko-KR" altLang="en-US" b="1" dirty="0" err="1" smtClean="0"/>
-              <a:t>총알수</a:t>
-            </a:r>
-            <a:r>
-              <a:rPr lang="ko-KR" altLang="en-US" b="1" dirty="0" smtClean="0"/>
-              <a:t> 증가 </a:t>
-            </a:r>
-            <a:r>
-              <a:rPr lang="en-US" altLang="ko-KR" b="1" dirty="0" smtClean="0"/>
-              <a:t>(</a:t>
-            </a:r>
-            <a:r>
-              <a:rPr lang="ko-KR" altLang="en-US" b="1" dirty="0" smtClean="0"/>
-              <a:t>대용량탄창</a:t>
-            </a:r>
-            <a:r>
-              <a:rPr lang="en-US" altLang="ko-KR" b="1" dirty="0" smtClean="0"/>
-              <a:t>)</a:t>
-            </a:r>
-          </a:p>
-          <a:p>
-            <a:r>
-              <a:rPr lang="ko-KR" altLang="en-US" b="1" dirty="0" err="1" smtClean="0"/>
-              <a:t>흡혈의낫</a:t>
-            </a:r>
-            <a:r>
-              <a:rPr lang="en-US" altLang="ko-KR" b="1" dirty="0" smtClean="0"/>
-              <a:t>(?) (</a:t>
-            </a:r>
-            <a:r>
-              <a:rPr lang="ko-KR" altLang="en-US" b="1" dirty="0" smtClean="0"/>
-              <a:t>일정시간 피해를 입지 않으면 체력 회복</a:t>
-            </a:r>
-            <a:r>
-              <a:rPr lang="en-US" altLang="ko-KR" b="1" dirty="0" smtClean="0"/>
-              <a:t>,</a:t>
-            </a:r>
-            <a:r>
-              <a:rPr lang="ko-KR" altLang="en-US" b="1" dirty="0" smtClean="0"/>
-              <a:t>너무 사긴가</a:t>
-            </a:r>
-            <a:r>
-              <a:rPr lang="en-US" altLang="ko-KR" b="1" dirty="0" smtClean="0"/>
-              <a:t>)</a:t>
-            </a:r>
-          </a:p>
-        </p:txBody>
-      </p:sp>
-    </p:spTree>
-    <p:extLst>
-      <p:ext uri="{BB962C8B-B14F-4D97-AF65-F5344CB8AC3E}">
-        <p14:creationId xmlns:p14="http://schemas.microsoft.com/office/powerpoint/2010/main" val="4072168355"/>
-      </p:ext>
-    </p:extLst>
-  </p:cSld>
-  <p:clrMapOvr>
-    <a:masterClrMapping/>
-  </p:clrMapOvr>
-</p:sld>
-</file>
-
 <file path=ppt/slides/slide27.xml><?xml version="1.0" encoding="utf-8"?>
 <p:sld xmlns:a="http://schemas.openxmlformats.org/drawingml/2006/main" xmlns:r="http://schemas.openxmlformats.org/officeDocument/2006/relationships" xmlns:p="http://schemas.openxmlformats.org/presentationml/2006/main">
   <p:cSld>
@@ -12327,6 +12196,41 @@
             <a:br>
               <a:rPr lang="en-US" altLang="ko-KR" dirty="0" smtClean="0"/>
             </a:br>
+            <a:r>
+              <a:rPr lang="en-US" altLang="ko-KR" dirty="0" smtClean="0"/>
+              <a:t>(</a:t>
+            </a:r>
+            <a:r>
+              <a:rPr lang="ko-KR" altLang="en-US" dirty="0" smtClean="0"/>
+              <a:t>플레이어마다 </a:t>
+            </a:r>
+            <a:r>
+              <a:rPr lang="en-US" altLang="ko-KR" dirty="0" smtClean="0"/>
+              <a:t>1</a:t>
+            </a:r>
+            <a:r>
+              <a:rPr lang="ko-KR" altLang="en-US" dirty="0" smtClean="0"/>
+              <a:t>개씩 소유 가능</a:t>
+            </a:r>
+            <a:r>
+              <a:rPr lang="en-US" altLang="ko-KR" dirty="0" smtClean="0"/>
+              <a:t/>
+            </a:r>
+            <a:br>
+              <a:rPr lang="en-US" altLang="ko-KR" dirty="0" smtClean="0"/>
+            </a:br>
+            <a:r>
+              <a:rPr lang="ko-KR" altLang="en-US" dirty="0" err="1" smtClean="0"/>
+              <a:t>시작시</a:t>
+            </a:r>
+            <a:r>
+              <a:rPr lang="ko-KR" altLang="en-US" dirty="0" smtClean="0"/>
+              <a:t> 선택</a:t>
+            </a:r>
+            <a:r>
+              <a:rPr lang="en-US" altLang="ko-KR" dirty="0" smtClean="0"/>
+              <a:t>)</a:t>
+            </a:r>
             <a:endParaRPr lang="ko-KR" altLang="en-US" dirty="0"/>
           </a:p>
         </p:txBody>
@@ -12348,6 +12252,190 @@
           </a:bodyPr>
           <a:lstStyle/>
           <a:p>
+            <a:endParaRPr lang="en-US" altLang="ko-KR" b="1" dirty="0" smtClean="0"/>
+          </a:p>
+          <a:p>
+            <a:r>
+              <a:rPr lang="ko-KR" altLang="en-US" b="1" dirty="0" smtClean="0"/>
+              <a:t>안정제 </a:t>
+            </a:r>
+            <a:r>
+              <a:rPr lang="en-US" altLang="ko-KR" b="1" dirty="0" smtClean="0"/>
+              <a:t>( </a:t>
+            </a:r>
+            <a:r>
+              <a:rPr lang="ko-KR" altLang="en-US" b="1" dirty="0" smtClean="0"/>
+              <a:t>총기 반동을 많이 줄여줌</a:t>
+            </a:r>
+            <a:r>
+              <a:rPr lang="en-US" altLang="ko-KR" b="1" dirty="0" smtClean="0"/>
+              <a:t>)</a:t>
+            </a:r>
+            <a:endParaRPr lang="en-US" altLang="ko-KR" b="1" dirty="0"/>
+          </a:p>
+          <a:p>
+            <a:r>
+              <a:rPr lang="ko-KR" altLang="en-US" b="1" dirty="0" smtClean="0"/>
+              <a:t>사정거리 늘어나는 아이템도 </a:t>
+            </a:r>
+            <a:r>
+              <a:rPr lang="ko-KR" altLang="en-US" b="1" dirty="0" err="1" smtClean="0"/>
+              <a:t>필요할수도</a:t>
+            </a:r>
+            <a:r>
+              <a:rPr lang="en-US" altLang="ko-KR" b="1" dirty="0" smtClean="0"/>
+              <a:t>(</a:t>
+            </a:r>
+            <a:r>
+              <a:rPr lang="ko-KR" altLang="en-US" b="1" dirty="0" err="1" smtClean="0"/>
+              <a:t>샷건</a:t>
+            </a:r>
+            <a:r>
+              <a:rPr lang="ko-KR" altLang="en-US" b="1" dirty="0" smtClean="0"/>
+              <a:t> 사정거리</a:t>
+            </a:r>
+            <a:r>
+              <a:rPr lang="en-US" altLang="ko-KR" b="1" dirty="0" smtClean="0"/>
+              <a:t>)</a:t>
+            </a:r>
+          </a:p>
+          <a:p>
+            <a:r>
+              <a:rPr lang="ko-KR" altLang="en-US" b="1" dirty="0" smtClean="0"/>
+              <a:t>전체 무기 </a:t>
+            </a:r>
+            <a:r>
+              <a:rPr lang="ko-KR" altLang="en-US" b="1" dirty="0" err="1" smtClean="0"/>
+              <a:t>총알수</a:t>
+            </a:r>
+            <a:r>
+              <a:rPr lang="ko-KR" altLang="en-US" b="1" dirty="0" smtClean="0"/>
+              <a:t> 증가 </a:t>
+            </a:r>
+            <a:r>
+              <a:rPr lang="en-US" altLang="ko-KR" b="1" dirty="0" smtClean="0"/>
+              <a:t>(</a:t>
+            </a:r>
+            <a:r>
+              <a:rPr lang="ko-KR" altLang="en-US" b="1" dirty="0" smtClean="0"/>
+              <a:t>대용량탄창</a:t>
+            </a:r>
+            <a:r>
+              <a:rPr lang="en-US" altLang="ko-KR" b="1" dirty="0" smtClean="0"/>
+              <a:t>)</a:t>
+            </a:r>
+          </a:p>
+          <a:p>
+            <a:r>
+              <a:rPr lang="ko-KR" altLang="en-US" b="1" dirty="0" err="1" smtClean="0"/>
+              <a:t>흡혈의낫</a:t>
+            </a:r>
+            <a:r>
+              <a:rPr lang="en-US" altLang="ko-KR" b="1" dirty="0" smtClean="0"/>
+              <a:t>(?) (</a:t>
+            </a:r>
+            <a:r>
+              <a:rPr lang="ko-KR" altLang="en-US" b="1" dirty="0" smtClean="0"/>
+              <a:t>일정시간 피해를 입지 않으면 체력 회복</a:t>
+            </a:r>
+            <a:r>
+              <a:rPr lang="en-US" altLang="ko-KR" b="1" dirty="0" smtClean="0"/>
+              <a:t>,</a:t>
+            </a:r>
+            <a:r>
+              <a:rPr lang="ko-KR" altLang="en-US" b="1" dirty="0" smtClean="0"/>
+              <a:t>너무 사긴가</a:t>
+            </a:r>
+            <a:r>
+              <a:rPr lang="en-US" altLang="ko-KR" b="1" dirty="0" smtClean="0"/>
+              <a:t>)</a:t>
+            </a:r>
+          </a:p>
+        </p:txBody>
+      </p:sp>
+    </p:spTree>
+    <p:extLst>
+      <p:ext uri="{BB962C8B-B14F-4D97-AF65-F5344CB8AC3E}">
+        <p14:creationId xmlns:p14="http://schemas.microsoft.com/office/powerpoint/2010/main" val="4072168355"/>
+      </p:ext>
+    </p:extLst>
+  </p:cSld>
+  <p:clrMapOvr>
+    <a:masterClrMapping/>
+  </p:clrMapOvr>
+</p:sld>
+</file>
+
+<file path=ppt/slides/slide28.xml><?xml version="1.0" encoding="utf-8"?>
+<p:sld xmlns:a="http://schemas.openxmlformats.org/drawingml/2006/main" xmlns:r="http://schemas.openxmlformats.org/officeDocument/2006/relationships" xmlns:p="http://schemas.openxmlformats.org/presentationml/2006/main">
+  <p:cSld>
+    <p:spTree>
+      <p:nvGrpSpPr>
+        <p:cNvPr id="1" name=""/>
+        <p:cNvGrpSpPr/>
+        <p:nvPr/>
+      </p:nvGrpSpPr>
+      <p:grpSpPr>
+        <a:xfrm>
+          <a:off x="0" y="0"/>
+          <a:ext cx="0" cy="0"/>
+          <a:chOff x="0" y="0"/>
+          <a:chExt cx="0" cy="0"/>
+        </a:xfrm>
+      </p:grpSpPr>
+      <p:sp>
+        <p:nvSpPr>
+          <p:cNvPr id="2" name="제목 1"/>
+          <p:cNvSpPr>
+            <a:spLocks noGrp="1"/>
+          </p:cNvSpPr>
+          <p:nvPr>
+            <p:ph type="title"/>
+          </p:nvPr>
+        </p:nvSpPr>
+        <p:spPr/>
+        <p:txBody>
+          <a:bodyPr>
+            <a:normAutofit fontScale="90000"/>
+          </a:bodyPr>
+          <a:lstStyle/>
+          <a:p>
+            <a:r>
+              <a:rPr lang="ko-KR" altLang="en-US" dirty="0" err="1" smtClean="0"/>
+              <a:t>패시브</a:t>
+            </a:r>
+            <a:r>
+              <a:rPr lang="ko-KR" altLang="en-US" dirty="0" smtClean="0"/>
+              <a:t> 아이템</a:t>
+            </a:r>
+            <a:r>
+              <a:rPr lang="en-US" altLang="ko-KR" dirty="0" smtClean="0"/>
+              <a:t/>
+            </a:r>
+            <a:br>
+              <a:rPr lang="en-US" altLang="ko-KR" dirty="0" smtClean="0"/>
+            </a:br>
+            <a:endParaRPr lang="ko-KR" altLang="en-US" dirty="0"/>
+          </a:p>
+        </p:txBody>
+      </p:sp>
+      <p:sp>
+        <p:nvSpPr>
+          <p:cNvPr id="3" name="내용 개체 틀 2"/>
+          <p:cNvSpPr>
+            <a:spLocks noGrp="1"/>
+          </p:cNvSpPr>
+          <p:nvPr>
+            <p:ph idx="1"/>
+          </p:nvPr>
+        </p:nvSpPr>
+        <p:spPr/>
+        <p:txBody>
+          <a:bodyPr>
+            <a:normAutofit/>
+          </a:bodyPr>
+          <a:lstStyle/>
+          <a:p>
             <a:r>
               <a:rPr lang="ko-KR" altLang="en-US" b="1" dirty="0" smtClean="0"/>
               <a:t>돼지 우상</a:t>
@@ -12388,7 +12476,7 @@
 </p:sld>
 </file>
 
-<file path=ppt/slides/slide28.xml><?xml version="1.0" encoding="utf-8"?>
+<file path=ppt/slides/slide29.xml><?xml version="1.0" encoding="utf-8"?>
 <p:sld xmlns:a="http://schemas.openxmlformats.org/drawingml/2006/main" xmlns:r="http://schemas.openxmlformats.org/officeDocument/2006/relationships" xmlns:p="http://schemas.openxmlformats.org/presentationml/2006/main">
   <p:cSld>
     <p:spTree>

--- a/EscapeJail/Assets/기획/스테이지1기획.pptx
+++ b/EscapeJail/Assets/기획/스테이지1기획.pptx
@@ -316,7 +316,7 @@
           <a:p>
             <a:fld id="{75C3E87A-1EF5-4BC0-A34A-1B32DEFB2AF0}" type="datetimeFigureOut">
               <a:rPr lang="ko-KR" altLang="en-US" smtClean="0"/>
-              <a:t>2017-10-20</a:t>
+              <a:t>2017-10-24</a:t>
             </a:fld>
             <a:endParaRPr lang="ko-KR" altLang="en-US"/>
           </a:p>
@@ -486,7 +486,7 @@
           <a:p>
             <a:fld id="{75C3E87A-1EF5-4BC0-A34A-1B32DEFB2AF0}" type="datetimeFigureOut">
               <a:rPr lang="ko-KR" altLang="en-US" smtClean="0"/>
-              <a:t>2017-10-20</a:t>
+              <a:t>2017-10-24</a:t>
             </a:fld>
             <a:endParaRPr lang="ko-KR" altLang="en-US"/>
           </a:p>
@@ -666,7 +666,7 @@
           <a:p>
             <a:fld id="{75C3E87A-1EF5-4BC0-A34A-1B32DEFB2AF0}" type="datetimeFigureOut">
               <a:rPr lang="ko-KR" altLang="en-US" smtClean="0"/>
-              <a:t>2017-10-20</a:t>
+              <a:t>2017-10-24</a:t>
             </a:fld>
             <a:endParaRPr lang="ko-KR" altLang="en-US"/>
           </a:p>
@@ -836,7 +836,7 @@
           <a:p>
             <a:fld id="{75C3E87A-1EF5-4BC0-A34A-1B32DEFB2AF0}" type="datetimeFigureOut">
               <a:rPr lang="ko-KR" altLang="en-US" smtClean="0"/>
-              <a:t>2017-10-20</a:t>
+              <a:t>2017-10-24</a:t>
             </a:fld>
             <a:endParaRPr lang="ko-KR" altLang="en-US"/>
           </a:p>
@@ -1082,7 +1082,7 @@
           <a:p>
             <a:fld id="{75C3E87A-1EF5-4BC0-A34A-1B32DEFB2AF0}" type="datetimeFigureOut">
               <a:rPr lang="ko-KR" altLang="en-US" smtClean="0"/>
-              <a:t>2017-10-20</a:t>
+              <a:t>2017-10-24</a:t>
             </a:fld>
             <a:endParaRPr lang="ko-KR" altLang="en-US"/>
           </a:p>
@@ -1370,7 +1370,7 @@
           <a:p>
             <a:fld id="{75C3E87A-1EF5-4BC0-A34A-1B32DEFB2AF0}" type="datetimeFigureOut">
               <a:rPr lang="ko-KR" altLang="en-US" smtClean="0"/>
-              <a:t>2017-10-20</a:t>
+              <a:t>2017-10-24</a:t>
             </a:fld>
             <a:endParaRPr lang="ko-KR" altLang="en-US"/>
           </a:p>
@@ -1792,7 +1792,7 @@
           <a:p>
             <a:fld id="{75C3E87A-1EF5-4BC0-A34A-1B32DEFB2AF0}" type="datetimeFigureOut">
               <a:rPr lang="ko-KR" altLang="en-US" smtClean="0"/>
-              <a:t>2017-10-20</a:t>
+              <a:t>2017-10-24</a:t>
             </a:fld>
             <a:endParaRPr lang="ko-KR" altLang="en-US"/>
           </a:p>
@@ -1910,7 +1910,7 @@
           <a:p>
             <a:fld id="{75C3E87A-1EF5-4BC0-A34A-1B32DEFB2AF0}" type="datetimeFigureOut">
               <a:rPr lang="ko-KR" altLang="en-US" smtClean="0"/>
-              <a:t>2017-10-20</a:t>
+              <a:t>2017-10-24</a:t>
             </a:fld>
             <a:endParaRPr lang="ko-KR" altLang="en-US"/>
           </a:p>
@@ -2005,7 +2005,7 @@
           <a:p>
             <a:fld id="{75C3E87A-1EF5-4BC0-A34A-1B32DEFB2AF0}" type="datetimeFigureOut">
               <a:rPr lang="ko-KR" altLang="en-US" smtClean="0"/>
-              <a:t>2017-10-20</a:t>
+              <a:t>2017-10-24</a:t>
             </a:fld>
             <a:endParaRPr lang="ko-KR" altLang="en-US"/>
           </a:p>
@@ -2282,7 +2282,7 @@
           <a:p>
             <a:fld id="{75C3E87A-1EF5-4BC0-A34A-1B32DEFB2AF0}" type="datetimeFigureOut">
               <a:rPr lang="ko-KR" altLang="en-US" smtClean="0"/>
-              <a:t>2017-10-20</a:t>
+              <a:t>2017-10-24</a:t>
             </a:fld>
             <a:endParaRPr lang="ko-KR" altLang="en-US"/>
           </a:p>
@@ -2535,7 +2535,7 @@
           <a:p>
             <a:fld id="{75C3E87A-1EF5-4BC0-A34A-1B32DEFB2AF0}" type="datetimeFigureOut">
               <a:rPr lang="ko-KR" altLang="en-US" smtClean="0"/>
-              <a:t>2017-10-20</a:t>
+              <a:t>2017-10-24</a:t>
             </a:fld>
             <a:endParaRPr lang="ko-KR" altLang="en-US"/>
           </a:p>
@@ -2748,7 +2748,7 @@
           <a:p>
             <a:fld id="{75C3E87A-1EF5-4BC0-A34A-1B32DEFB2AF0}" type="datetimeFigureOut">
               <a:rPr lang="ko-KR" altLang="en-US" smtClean="0"/>
-              <a:t>2017-10-20</a:t>
+              <a:t>2017-10-24</a:t>
             </a:fld>
             <a:endParaRPr lang="ko-KR" altLang="en-US"/>
           </a:p>
@@ -8597,7 +8597,69 @@
             </a:r>
             <a:r>
               <a:rPr lang="ko-KR" altLang="en-US" sz="2000" b="1" dirty="0" smtClean="0"/>
-              <a:t> 하다</a:t>
+              <a:t> </a:t>
+            </a:r>
+            <a:r>
+              <a:rPr lang="ko-KR" altLang="en-US" sz="2000" b="1" dirty="0" smtClean="0"/>
+              <a:t>하다</a:t>
+            </a:r>
+            <a:endParaRPr lang="en-US" altLang="ko-KR" sz="2000" b="1" dirty="0" smtClean="0"/>
+          </a:p>
+          <a:p>
+            <a:endParaRPr lang="en-US" altLang="ko-KR" sz="2000" b="1" dirty="0"/>
+          </a:p>
+          <a:p>
+            <a:r>
+              <a:rPr lang="en-US" altLang="ko-KR" sz="2000" b="1" dirty="0" smtClean="0"/>
+              <a:t>UI</a:t>
+            </a:r>
+            <a:r>
+              <a:rPr lang="ko-KR" altLang="en-US" sz="2000" b="1" dirty="0" smtClean="0"/>
+              <a:t>중에 </a:t>
+            </a:r>
+            <a:r>
+              <a:rPr lang="ko-KR" altLang="en-US" sz="2000" b="1" dirty="0" err="1" smtClean="0"/>
+              <a:t>아이템줍는</a:t>
+            </a:r>
+            <a:r>
+              <a:rPr lang="ko-KR" altLang="en-US" sz="2000" b="1" dirty="0" smtClean="0"/>
+              <a:t> 버튼 디자인을  만능버튼으로 만들어야 </a:t>
+            </a:r>
+            <a:r>
+              <a:rPr lang="ko-KR" altLang="en-US" sz="2000" b="1" dirty="0" err="1" smtClean="0"/>
+              <a:t>될듯</a:t>
+            </a:r>
+            <a:r>
+              <a:rPr lang="en-US" altLang="ko-KR" sz="2000" b="1" dirty="0" smtClean="0"/>
+              <a:t>(</a:t>
+            </a:r>
+            <a:r>
+              <a:rPr lang="ko-KR" altLang="en-US" sz="2000" b="1" dirty="0" smtClean="0"/>
+              <a:t>상자열기</a:t>
+            </a:r>
+            <a:r>
+              <a:rPr lang="en-US" altLang="ko-KR" sz="2000" b="1" dirty="0" smtClean="0"/>
+              <a:t>,</a:t>
+            </a:r>
+            <a:r>
+              <a:rPr lang="ko-KR" altLang="en-US" sz="2000" b="1" dirty="0" err="1" smtClean="0"/>
+              <a:t>문열기</a:t>
+            </a:r>
+            <a:r>
+              <a:rPr lang="en-US" altLang="ko-KR" sz="2000" b="1" dirty="0" smtClean="0"/>
+              <a:t>,</a:t>
+            </a:r>
+            <a:r>
+              <a:rPr lang="ko-KR" altLang="en-US" sz="2000" b="1" dirty="0" err="1" smtClean="0"/>
+              <a:t>아이템줍기</a:t>
+            </a:r>
+            <a:r>
+              <a:rPr lang="ko-KR" altLang="en-US" sz="2000" b="1" dirty="0" smtClean="0"/>
+              <a:t> 등등에 활용</a:t>
+            </a:r>
+            <a:r>
+              <a:rPr lang="en-US" altLang="ko-KR" sz="2000" b="1" dirty="0" smtClean="0"/>
+              <a:t>)</a:t>
             </a:r>
             <a:endParaRPr lang="en-US" altLang="ko-KR" sz="2000" b="1" dirty="0" smtClean="0"/>
           </a:p>

--- a/EscapeJail/Assets/기획/스테이지1기획.pptx
+++ b/EscapeJail/Assets/기획/스테이지1기획.pptx
@@ -34,6 +34,8 @@
     <p:sldId id="284" r:id="rId28"/>
     <p:sldId id="288" r:id="rId29"/>
     <p:sldId id="287" r:id="rId30"/>
+    <p:sldId id="291" r:id="rId31"/>
+    <p:sldId id="290" r:id="rId32"/>
   </p:sldIdLst>
   <p:sldSz cx="9144000" cy="6858000" type="screen4x3"/>
   <p:notesSz cx="6858000" cy="9144000"/>
@@ -316,7 +318,7 @@
           <a:p>
             <a:fld id="{75C3E87A-1EF5-4BC0-A34A-1B32DEFB2AF0}" type="datetimeFigureOut">
               <a:rPr lang="ko-KR" altLang="en-US" smtClean="0"/>
-              <a:t>2017-10-24</a:t>
+              <a:t>2017-10-26</a:t>
             </a:fld>
             <a:endParaRPr lang="ko-KR" altLang="en-US"/>
           </a:p>
@@ -486,7 +488,7 @@
           <a:p>
             <a:fld id="{75C3E87A-1EF5-4BC0-A34A-1B32DEFB2AF0}" type="datetimeFigureOut">
               <a:rPr lang="ko-KR" altLang="en-US" smtClean="0"/>
-              <a:t>2017-10-24</a:t>
+              <a:t>2017-10-26</a:t>
             </a:fld>
             <a:endParaRPr lang="ko-KR" altLang="en-US"/>
           </a:p>
@@ -666,7 +668,7 @@
           <a:p>
             <a:fld id="{75C3E87A-1EF5-4BC0-A34A-1B32DEFB2AF0}" type="datetimeFigureOut">
               <a:rPr lang="ko-KR" altLang="en-US" smtClean="0"/>
-              <a:t>2017-10-24</a:t>
+              <a:t>2017-10-26</a:t>
             </a:fld>
             <a:endParaRPr lang="ko-KR" altLang="en-US"/>
           </a:p>
@@ -836,7 +838,7 @@
           <a:p>
             <a:fld id="{75C3E87A-1EF5-4BC0-A34A-1B32DEFB2AF0}" type="datetimeFigureOut">
               <a:rPr lang="ko-KR" altLang="en-US" smtClean="0"/>
-              <a:t>2017-10-24</a:t>
+              <a:t>2017-10-26</a:t>
             </a:fld>
             <a:endParaRPr lang="ko-KR" altLang="en-US"/>
           </a:p>
@@ -1082,7 +1084,7 @@
           <a:p>
             <a:fld id="{75C3E87A-1EF5-4BC0-A34A-1B32DEFB2AF0}" type="datetimeFigureOut">
               <a:rPr lang="ko-KR" altLang="en-US" smtClean="0"/>
-              <a:t>2017-10-24</a:t>
+              <a:t>2017-10-26</a:t>
             </a:fld>
             <a:endParaRPr lang="ko-KR" altLang="en-US"/>
           </a:p>
@@ -1370,7 +1372,7 @@
           <a:p>
             <a:fld id="{75C3E87A-1EF5-4BC0-A34A-1B32DEFB2AF0}" type="datetimeFigureOut">
               <a:rPr lang="ko-KR" altLang="en-US" smtClean="0"/>
-              <a:t>2017-10-24</a:t>
+              <a:t>2017-10-26</a:t>
             </a:fld>
             <a:endParaRPr lang="ko-KR" altLang="en-US"/>
           </a:p>
@@ -1792,7 +1794,7 @@
           <a:p>
             <a:fld id="{75C3E87A-1EF5-4BC0-A34A-1B32DEFB2AF0}" type="datetimeFigureOut">
               <a:rPr lang="ko-KR" altLang="en-US" smtClean="0"/>
-              <a:t>2017-10-24</a:t>
+              <a:t>2017-10-26</a:t>
             </a:fld>
             <a:endParaRPr lang="ko-KR" altLang="en-US"/>
           </a:p>
@@ -1910,7 +1912,7 @@
           <a:p>
             <a:fld id="{75C3E87A-1EF5-4BC0-A34A-1B32DEFB2AF0}" type="datetimeFigureOut">
               <a:rPr lang="ko-KR" altLang="en-US" smtClean="0"/>
-              <a:t>2017-10-24</a:t>
+              <a:t>2017-10-26</a:t>
             </a:fld>
             <a:endParaRPr lang="ko-KR" altLang="en-US"/>
           </a:p>
@@ -2005,7 +2007,7 @@
           <a:p>
             <a:fld id="{75C3E87A-1EF5-4BC0-A34A-1B32DEFB2AF0}" type="datetimeFigureOut">
               <a:rPr lang="ko-KR" altLang="en-US" smtClean="0"/>
-              <a:t>2017-10-24</a:t>
+              <a:t>2017-10-26</a:t>
             </a:fld>
             <a:endParaRPr lang="ko-KR" altLang="en-US"/>
           </a:p>
@@ -2282,7 +2284,7 @@
           <a:p>
             <a:fld id="{75C3E87A-1EF5-4BC0-A34A-1B32DEFB2AF0}" type="datetimeFigureOut">
               <a:rPr lang="ko-KR" altLang="en-US" smtClean="0"/>
-              <a:t>2017-10-24</a:t>
+              <a:t>2017-10-26</a:t>
             </a:fld>
             <a:endParaRPr lang="ko-KR" altLang="en-US"/>
           </a:p>
@@ -2535,7 +2537,7 @@
           <a:p>
             <a:fld id="{75C3E87A-1EF5-4BC0-A34A-1B32DEFB2AF0}" type="datetimeFigureOut">
               <a:rPr lang="ko-KR" altLang="en-US" smtClean="0"/>
-              <a:t>2017-10-24</a:t>
+              <a:t>2017-10-26</a:t>
             </a:fld>
             <a:endParaRPr lang="ko-KR" altLang="en-US"/>
           </a:p>
@@ -2748,7 +2750,7 @@
           <a:p>
             <a:fld id="{75C3E87A-1EF5-4BC0-A34A-1B32DEFB2AF0}" type="datetimeFigureOut">
               <a:rPr lang="ko-KR" altLang="en-US" smtClean="0"/>
-              <a:t>2017-10-24</a:t>
+              <a:t>2017-10-26</a:t>
             </a:fld>
             <a:endParaRPr lang="ko-KR" altLang="en-US"/>
           </a:p>
@@ -8597,11 +8599,7 @@
             </a:r>
             <a:r>
               <a:rPr lang="ko-KR" altLang="en-US" sz="2000" b="1" dirty="0" smtClean="0"/>
-              <a:t> </a:t>
-            </a:r>
-            <a:r>
-              <a:rPr lang="ko-KR" altLang="en-US" sz="2000" b="1" dirty="0" smtClean="0"/>
-              <a:t>하다</a:t>
+              <a:t> 하다</a:t>
             </a:r>
             <a:endParaRPr lang="en-US" altLang="ko-KR" sz="2000" b="1" dirty="0" smtClean="0"/>
           </a:p>
@@ -8661,7 +8659,6 @@
               <a:rPr lang="en-US" altLang="ko-KR" sz="2000" b="1" dirty="0" smtClean="0"/>
               <a:t>)</a:t>
             </a:r>
-            <a:endParaRPr lang="en-US" altLang="ko-KR" sz="2000" b="1" dirty="0" smtClean="0"/>
           </a:p>
         </p:txBody>
       </p:sp>
@@ -12851,6 +12848,811 @@
 </p:sld>
 </file>
 
+<file path=ppt/slides/slide30.xml><?xml version="1.0" encoding="utf-8"?>
+<p:sld xmlns:a="http://schemas.openxmlformats.org/drawingml/2006/main" xmlns:r="http://schemas.openxmlformats.org/officeDocument/2006/relationships" xmlns:p="http://schemas.openxmlformats.org/presentationml/2006/main">
+  <p:cSld>
+    <p:spTree>
+      <p:nvGrpSpPr>
+        <p:cNvPr id="1" name=""/>
+        <p:cNvGrpSpPr/>
+        <p:nvPr/>
+      </p:nvGrpSpPr>
+      <p:grpSpPr>
+        <a:xfrm>
+          <a:off x="0" y="0"/>
+          <a:ext cx="0" cy="0"/>
+          <a:chOff x="0" y="0"/>
+          <a:chExt cx="0" cy="0"/>
+        </a:xfrm>
+      </p:grpSpPr>
+      <p:sp>
+        <p:nvSpPr>
+          <p:cNvPr id="2" name="제목 1"/>
+          <p:cNvSpPr>
+            <a:spLocks noGrp="1"/>
+          </p:cNvSpPr>
+          <p:nvPr>
+            <p:ph type="title"/>
+          </p:nvPr>
+        </p:nvSpPr>
+        <p:spPr/>
+        <p:txBody>
+          <a:bodyPr>
+            <a:normAutofit fontScale="90000"/>
+          </a:bodyPr>
+          <a:lstStyle/>
+          <a:p>
+            <a:r>
+              <a:rPr lang="ko-KR" altLang="en-US" dirty="0" smtClean="0"/>
+              <a:t>게임제목 아이디어</a:t>
+            </a:r>
+            <a:r>
+              <a:rPr lang="en-US" altLang="ko-KR" dirty="0" smtClean="0"/>
+              <a:t/>
+            </a:r>
+            <a:br>
+              <a:rPr lang="en-US" altLang="ko-KR" dirty="0" smtClean="0"/>
+            </a:br>
+            <a:endParaRPr lang="ko-KR" altLang="en-US" dirty="0"/>
+          </a:p>
+        </p:txBody>
+      </p:sp>
+      <p:sp>
+        <p:nvSpPr>
+          <p:cNvPr id="3" name="내용 개체 틀 2"/>
+          <p:cNvSpPr>
+            <a:spLocks noGrp="1"/>
+          </p:cNvSpPr>
+          <p:nvPr>
+            <p:ph idx="1"/>
+          </p:nvPr>
+        </p:nvSpPr>
+        <p:spPr/>
+        <p:txBody>
+          <a:bodyPr>
+            <a:normAutofit/>
+          </a:bodyPr>
+          <a:lstStyle/>
+          <a:p>
+            <a:pPr marL="0" indent="0">
+              <a:buNone/>
+            </a:pPr>
+            <a:r>
+              <a:rPr lang="ko-KR" altLang="en-US" b="1" dirty="0" smtClean="0">
+                <a:solidFill>
+                  <a:srgbClr val="FF0000"/>
+                </a:solidFill>
+              </a:rPr>
+              <a:t>건 </a:t>
+            </a:r>
+            <a:r>
+              <a:rPr lang="ko-KR" altLang="en-US" b="1" dirty="0" err="1" smtClean="0">
+                <a:solidFill>
+                  <a:srgbClr val="FF0000"/>
+                </a:solidFill>
+              </a:rPr>
+              <a:t>크러쉬</a:t>
+            </a:r>
+            <a:r>
+              <a:rPr lang="en-US" altLang="ko-KR" b="1" dirty="0" smtClean="0"/>
+              <a:t>(</a:t>
+            </a:r>
+            <a:r>
+              <a:rPr lang="ko-KR" altLang="en-US" b="1" dirty="0" err="1" smtClean="0"/>
+              <a:t>구글에</a:t>
+            </a:r>
+            <a:r>
+              <a:rPr lang="ko-KR" altLang="en-US" b="1" dirty="0" smtClean="0"/>
+              <a:t> 검색하면 걸 </a:t>
+            </a:r>
+            <a:r>
+              <a:rPr lang="ko-KR" altLang="en-US" b="1" dirty="0" err="1" smtClean="0"/>
+              <a:t>크러쉬</a:t>
+            </a:r>
+            <a:r>
+              <a:rPr lang="ko-KR" altLang="en-US" b="1" dirty="0" smtClean="0"/>
+              <a:t> 밖에 </a:t>
+            </a:r>
+            <a:r>
+              <a:rPr lang="ko-KR" altLang="en-US" b="1" dirty="0" err="1" smtClean="0"/>
+              <a:t>안나옴</a:t>
+            </a:r>
+            <a:r>
+              <a:rPr lang="ko-KR" altLang="en-US" b="1" dirty="0" smtClean="0"/>
+              <a:t> 심플하고 적절한 </a:t>
+            </a:r>
+            <a:r>
+              <a:rPr lang="ko-KR" altLang="en-US" b="1" dirty="0" err="1" smtClean="0"/>
+              <a:t>제목인듯</a:t>
+            </a:r>
+            <a:r>
+              <a:rPr lang="en-US" altLang="ko-KR" b="1" dirty="0" smtClean="0"/>
+              <a:t>) </a:t>
+            </a:r>
+          </a:p>
+          <a:p>
+            <a:endParaRPr lang="en-US" altLang="ko-KR" b="1" dirty="0"/>
+          </a:p>
+          <a:p>
+            <a:pPr marL="0" indent="0">
+              <a:buNone/>
+            </a:pPr>
+            <a:r>
+              <a:rPr lang="ko-KR" altLang="en-US" b="1" dirty="0" smtClean="0"/>
+              <a:t>영문으로 검색해도 마찬가지</a:t>
+            </a:r>
+            <a:endParaRPr lang="en-US" altLang="ko-KR" b="1" dirty="0" smtClean="0"/>
+          </a:p>
+        </p:txBody>
+      </p:sp>
+    </p:spTree>
+    <p:extLst>
+      <p:ext uri="{BB962C8B-B14F-4D97-AF65-F5344CB8AC3E}">
+        <p14:creationId xmlns:p14="http://schemas.microsoft.com/office/powerpoint/2010/main" val="1749074872"/>
+      </p:ext>
+    </p:extLst>
+  </p:cSld>
+  <p:clrMapOvr>
+    <a:masterClrMapping/>
+  </p:clrMapOvr>
+</p:sld>
+</file>
+
+<file path=ppt/slides/slide31.xml><?xml version="1.0" encoding="utf-8"?>
+<p:sld xmlns:a="http://schemas.openxmlformats.org/drawingml/2006/main" xmlns:r="http://schemas.openxmlformats.org/officeDocument/2006/relationships" xmlns:p="http://schemas.openxmlformats.org/presentationml/2006/main">
+  <p:cSld>
+    <p:spTree>
+      <p:nvGrpSpPr>
+        <p:cNvPr id="1" name=""/>
+        <p:cNvGrpSpPr/>
+        <p:nvPr/>
+      </p:nvGrpSpPr>
+      <p:grpSpPr>
+        <a:xfrm>
+          <a:off x="0" y="0"/>
+          <a:ext cx="0" cy="0"/>
+          <a:chOff x="0" y="0"/>
+          <a:chExt cx="0" cy="0"/>
+        </a:xfrm>
+      </p:grpSpPr>
+      <p:sp>
+        <p:nvSpPr>
+          <p:cNvPr id="2" name="제목 1"/>
+          <p:cNvSpPr>
+            <a:spLocks noGrp="1"/>
+          </p:cNvSpPr>
+          <p:nvPr>
+            <p:ph type="title"/>
+          </p:nvPr>
+        </p:nvSpPr>
+        <p:spPr/>
+        <p:txBody>
+          <a:bodyPr>
+            <a:normAutofit fontScale="90000"/>
+          </a:bodyPr>
+          <a:lstStyle/>
+          <a:p>
+            <a:r>
+              <a:rPr lang="ko-KR" altLang="en-US" dirty="0" smtClean="0"/>
+              <a:t>캐릭터 </a:t>
+            </a:r>
+            <a:r>
+              <a:rPr lang="ko-KR" altLang="en-US" dirty="0" smtClean="0"/>
+              <a:t>아이디어 </a:t>
+            </a:r>
+            <a:r>
+              <a:rPr lang="ko-KR" altLang="en-US" dirty="0" smtClean="0"/>
+              <a:t>추가</a:t>
+            </a:r>
+            <a:r>
+              <a:rPr lang="en-US" altLang="ko-KR" dirty="0" smtClean="0"/>
+              <a:t/>
+            </a:r>
+            <a:br>
+              <a:rPr lang="en-US" altLang="ko-KR" dirty="0" smtClean="0"/>
+            </a:br>
+            <a:endParaRPr lang="ko-KR" altLang="en-US" dirty="0"/>
+          </a:p>
+        </p:txBody>
+      </p:sp>
+      <p:sp>
+        <p:nvSpPr>
+          <p:cNvPr id="3" name="내용 개체 틀 2"/>
+          <p:cNvSpPr>
+            <a:spLocks noGrp="1"/>
+          </p:cNvSpPr>
+          <p:nvPr>
+            <p:ph idx="1"/>
+          </p:nvPr>
+        </p:nvSpPr>
+        <p:spPr/>
+        <p:txBody>
+          <a:bodyPr>
+            <a:normAutofit fontScale="32500" lnSpcReduction="20000"/>
+          </a:bodyPr>
+          <a:lstStyle/>
+          <a:p>
+            <a:r>
+              <a:rPr lang="ko-KR" altLang="en-US" dirty="0"/>
+              <a:t>상인에게서 파는 기밀문서 </a:t>
+            </a:r>
+            <a:r>
+              <a:rPr lang="en-US" altLang="ko" dirty="0"/>
+              <a:t>3</a:t>
+            </a:r>
+            <a:r>
+              <a:rPr lang="ko-KR" altLang="en-US" dirty="0" smtClean="0"/>
+              <a:t>개</a:t>
+            </a:r>
+            <a:r>
+              <a:rPr lang="en-US" altLang="ko-KR" dirty="0" smtClean="0"/>
+              <a:t>(</a:t>
+            </a:r>
+            <a:r>
+              <a:rPr lang="ko-KR" altLang="en-US" dirty="0" smtClean="0"/>
+              <a:t>개당 </a:t>
+            </a:r>
+            <a:r>
+              <a:rPr lang="en-US" altLang="ko-KR" dirty="0" smtClean="0"/>
+              <a:t>5000</a:t>
+            </a:r>
+            <a:r>
+              <a:rPr lang="ko-KR" altLang="en-US" dirty="0" smtClean="0"/>
+              <a:t>원</a:t>
+            </a:r>
+            <a:r>
+              <a:rPr lang="en-US" altLang="ko-KR" dirty="0" smtClean="0"/>
+              <a:t>)</a:t>
+            </a:r>
+            <a:r>
+              <a:rPr lang="ko-KR" altLang="en-US" dirty="0" smtClean="0"/>
+              <a:t>사면 </a:t>
+            </a:r>
+            <a:r>
+              <a:rPr lang="ko-KR" altLang="en-US" dirty="0" err="1"/>
+              <a:t>캐릭</a:t>
+            </a:r>
+            <a:r>
+              <a:rPr lang="ko-KR" altLang="en-US" dirty="0"/>
+              <a:t> </a:t>
+            </a:r>
+            <a:r>
+              <a:rPr lang="ko-KR" altLang="en-US" dirty="0" smtClean="0"/>
+              <a:t>얻는 </a:t>
+            </a:r>
+            <a:r>
+              <a:rPr lang="ko-KR" altLang="en-US" dirty="0"/>
+              <a:t>힌트 </a:t>
+            </a:r>
+            <a:r>
+              <a:rPr lang="ko-KR" altLang="en-US" dirty="0" smtClean="0"/>
+              <a:t>알려줌 힌트는 </a:t>
+            </a:r>
+            <a:r>
+              <a:rPr lang="ko-KR" altLang="en-US" dirty="0" err="1" smtClean="0"/>
+              <a:t>캐릭</a:t>
+            </a:r>
+            <a:r>
+              <a:rPr lang="ko-KR" altLang="en-US" dirty="0" smtClean="0"/>
+              <a:t> 선택창에서 </a:t>
+            </a:r>
+            <a:r>
+              <a:rPr lang="ko-KR" altLang="en-US" dirty="0" err="1" smtClean="0"/>
+              <a:t>언락가능</a:t>
+            </a:r>
+            <a:endParaRPr lang="en-US" altLang="ko-KR" dirty="0" smtClean="0"/>
+          </a:p>
+          <a:p>
+            <a:endParaRPr lang="ko" altLang="en-US" dirty="0"/>
+          </a:p>
+          <a:p>
+            <a:r>
+              <a:rPr lang="ko-KR" altLang="en-US" dirty="0"/>
+              <a:t>과학자 주인공</a:t>
+            </a:r>
+          </a:p>
+          <a:p>
+            <a:pPr marL="0" indent="0">
+              <a:buNone/>
+            </a:pPr>
+            <a:r>
+              <a:rPr lang="ko-KR" altLang="en-US" dirty="0" smtClean="0"/>
+              <a:t>선택조건</a:t>
+            </a:r>
+            <a:r>
+              <a:rPr lang="en-US" altLang="ko-KR" dirty="0" smtClean="0"/>
+              <a:t>: </a:t>
+            </a:r>
+            <a:r>
+              <a:rPr lang="ko-KR" altLang="en-US" dirty="0" smtClean="0"/>
+              <a:t>과학자스테이지만 </a:t>
+            </a:r>
+            <a:r>
+              <a:rPr lang="ko-KR" altLang="en-US" dirty="0" err="1"/>
+              <a:t>맵</a:t>
+            </a:r>
+            <a:r>
+              <a:rPr lang="ko-KR" altLang="en-US" dirty="0"/>
+              <a:t> 구석에 일정 확률로 </a:t>
+            </a:r>
+            <a:r>
+              <a:rPr lang="ko-KR" altLang="en-US" dirty="0" smtClean="0"/>
+              <a:t>나타남 </a:t>
+            </a:r>
+            <a:r>
+              <a:rPr lang="en-US" altLang="ko-KR" dirty="0" smtClean="0"/>
+              <a:t>3</a:t>
+            </a:r>
+            <a:r>
+              <a:rPr lang="ko-KR" altLang="en-US" dirty="0" smtClean="0"/>
+              <a:t>번째로 만났을 때까지 꾸준히 말 걸면  </a:t>
+            </a:r>
+            <a:r>
+              <a:rPr lang="ko-KR" altLang="en-US" dirty="0" err="1" smtClean="0"/>
+              <a:t>언락</a:t>
+            </a:r>
+            <a:r>
+              <a:rPr lang="ko-KR" altLang="en-US" dirty="0" smtClean="0"/>
+              <a:t> 됨 </a:t>
+            </a:r>
+            <a:endParaRPr lang="ko-KR" altLang="en-US" dirty="0"/>
+          </a:p>
+          <a:p>
+            <a:endParaRPr lang="ko" altLang="en-US" dirty="0"/>
+          </a:p>
+          <a:p>
+            <a:r>
+              <a:rPr lang="ko-KR" altLang="en-US" dirty="0"/>
+              <a:t>엔지니어 주인공</a:t>
+            </a:r>
+            <a:r>
+              <a:rPr lang="en-US" altLang="ko" dirty="0"/>
+              <a:t>(</a:t>
+            </a:r>
+            <a:r>
+              <a:rPr lang="ko-KR" altLang="en-US" dirty="0"/>
+              <a:t>좀 더 센 </a:t>
+            </a:r>
+            <a:r>
+              <a:rPr lang="ko-KR" altLang="en-US" dirty="0" err="1"/>
+              <a:t>터렛</a:t>
+            </a:r>
+            <a:r>
+              <a:rPr lang="ko-KR" altLang="en-US" dirty="0"/>
+              <a:t> 소환</a:t>
+            </a:r>
+            <a:r>
+              <a:rPr lang="en-US" altLang="ko" dirty="0"/>
+              <a:t>)</a:t>
+            </a:r>
+            <a:endParaRPr lang="ko" altLang="en-US" dirty="0"/>
+          </a:p>
+          <a:p>
+            <a:pPr marL="0" indent="0">
+              <a:buNone/>
+            </a:pPr>
+            <a:r>
+              <a:rPr lang="ko-KR" altLang="en-US" dirty="0" smtClean="0"/>
+              <a:t>선택 조건</a:t>
+            </a:r>
+            <a:r>
+              <a:rPr lang="en-US" altLang="ko-KR" dirty="0" smtClean="0"/>
+              <a:t>: </a:t>
+            </a:r>
+            <a:r>
+              <a:rPr lang="ko-KR" altLang="en-US" dirty="0" smtClean="0"/>
+              <a:t>죄수 </a:t>
+            </a:r>
+            <a:r>
+              <a:rPr lang="ko-KR" altLang="en-US" dirty="0"/>
+              <a:t>스테이지에서 일정확률로 </a:t>
+            </a:r>
+            <a:r>
+              <a:rPr lang="ko-KR" altLang="en-US" dirty="0" err="1"/>
+              <a:t>몬스터와</a:t>
+            </a:r>
+            <a:r>
+              <a:rPr lang="ko-KR" altLang="en-US" dirty="0"/>
+              <a:t> 함께 나옴 죽이면 안됨 기다리면 알아서 </a:t>
+            </a:r>
+            <a:r>
+              <a:rPr lang="ko-KR" altLang="en-US" dirty="0" smtClean="0"/>
+              <a:t>사라짐</a:t>
+            </a:r>
+            <a:r>
+              <a:rPr lang="en-US" altLang="ko-KR" dirty="0" smtClean="0"/>
+              <a:t>.</a:t>
+            </a:r>
+            <a:endParaRPr lang="ko-KR" altLang="en-US" dirty="0"/>
+          </a:p>
+          <a:p>
+            <a:endParaRPr lang="ko" altLang="en-US" dirty="0"/>
+          </a:p>
+          <a:p>
+            <a:r>
+              <a:rPr lang="ko-KR" altLang="en-US" dirty="0" err="1"/>
+              <a:t>방패병</a:t>
+            </a:r>
+            <a:r>
+              <a:rPr lang="en-US" altLang="ko" dirty="0"/>
+              <a:t>(</a:t>
+            </a:r>
+            <a:r>
+              <a:rPr lang="ko-KR" altLang="en-US" dirty="0"/>
+              <a:t>방패로 완전방어</a:t>
+            </a:r>
+            <a:r>
+              <a:rPr lang="en-US" altLang="ko" dirty="0"/>
+              <a:t>)</a:t>
+            </a:r>
+            <a:endParaRPr lang="ko" altLang="en-US" dirty="0"/>
+          </a:p>
+          <a:p>
+            <a:pPr marL="0" indent="0">
+              <a:buNone/>
+            </a:pPr>
+            <a:r>
+              <a:rPr lang="ko-KR" altLang="en-US" dirty="0"/>
+              <a:t>중세시대 기사처럼 생김 </a:t>
+            </a:r>
+            <a:r>
+              <a:rPr lang="ko-KR" altLang="en-US" dirty="0" err="1"/>
+              <a:t>동글동글한놈</a:t>
+            </a:r>
+            <a:r>
+              <a:rPr lang="ko-KR" altLang="en-US" dirty="0"/>
+              <a:t> 외계인</a:t>
+            </a:r>
+          </a:p>
+          <a:p>
+            <a:pPr marL="0" indent="0">
+              <a:buNone/>
+            </a:pPr>
+            <a:r>
+              <a:rPr lang="ko-KR" altLang="en-US" dirty="0" smtClean="0"/>
+              <a:t>조건</a:t>
+            </a:r>
+            <a:r>
+              <a:rPr lang="en-US" altLang="ko-KR" dirty="0" smtClean="0"/>
+              <a:t>: </a:t>
+            </a:r>
+            <a:r>
+              <a:rPr lang="ko-KR" altLang="en-US" dirty="0" smtClean="0"/>
+              <a:t>게임오버 </a:t>
+            </a:r>
+            <a:r>
+              <a:rPr lang="en-US" altLang="ko" dirty="0" smtClean="0"/>
+              <a:t>100</a:t>
+            </a:r>
+            <a:r>
+              <a:rPr lang="ko-KR" altLang="en-US" dirty="0" smtClean="0"/>
+              <a:t>번 이상 죽으면 고를 수 있음</a:t>
+            </a:r>
+            <a:endParaRPr lang="ko" altLang="en-US" dirty="0"/>
+          </a:p>
+          <a:p>
+            <a:endParaRPr lang="ko" altLang="en-US" dirty="0"/>
+          </a:p>
+          <a:p>
+            <a:r>
+              <a:rPr lang="ko-KR" altLang="en-US" dirty="0" err="1" smtClean="0"/>
+              <a:t>백색닌자</a:t>
+            </a:r>
+            <a:r>
+              <a:rPr lang="en-US" altLang="ko" dirty="0"/>
+              <a:t>(</a:t>
+            </a:r>
+            <a:r>
+              <a:rPr lang="ko-KR" altLang="en-US" dirty="0" err="1"/>
+              <a:t>패시브로</a:t>
+            </a:r>
+            <a:r>
+              <a:rPr lang="ko-KR" altLang="en-US" dirty="0"/>
+              <a:t> </a:t>
+            </a:r>
+            <a:r>
+              <a:rPr lang="ko-KR" altLang="en-US" dirty="0" err="1" smtClean="0"/>
+              <a:t>데미지</a:t>
+            </a:r>
+            <a:r>
+              <a:rPr lang="ko-KR" altLang="en-US" dirty="0" smtClean="0"/>
+              <a:t> 입으면 사방으로 표창 날라감</a:t>
+            </a:r>
+            <a:r>
+              <a:rPr lang="en-US" altLang="ko" dirty="0" smtClean="0"/>
+              <a:t>) </a:t>
+            </a:r>
+          </a:p>
+          <a:p>
+            <a:pPr marL="0" indent="0">
+              <a:buNone/>
+            </a:pPr>
+            <a:r>
+              <a:rPr lang="ko-KR" altLang="en-US" dirty="0" err="1" smtClean="0"/>
+              <a:t>분신술</a:t>
+            </a:r>
+            <a:r>
+              <a:rPr lang="ko-KR" altLang="en-US" dirty="0" smtClean="0"/>
+              <a:t> </a:t>
+            </a:r>
+            <a:r>
+              <a:rPr lang="ko-KR" altLang="en-US" dirty="0"/>
+              <a:t>스킬 사용 가능 </a:t>
+            </a:r>
+            <a:r>
+              <a:rPr lang="ko-KR" altLang="en-US" dirty="0" err="1" smtClean="0"/>
+              <a:t>또다른</a:t>
+            </a:r>
+            <a:r>
+              <a:rPr lang="ko-KR" altLang="en-US" dirty="0" smtClean="0"/>
+              <a:t> 자기자신의 그림자가 </a:t>
+            </a:r>
+            <a:r>
+              <a:rPr lang="ko-KR" altLang="en-US" dirty="0"/>
+              <a:t>나와서 </a:t>
+            </a:r>
+            <a:r>
+              <a:rPr lang="ko-KR" altLang="en-US" dirty="0" err="1" smtClean="0"/>
+              <a:t>현재들고</a:t>
+            </a:r>
+            <a:r>
+              <a:rPr lang="ko-KR" altLang="en-US" dirty="0" smtClean="0"/>
+              <a:t> 있는 </a:t>
+            </a:r>
+            <a:r>
+              <a:rPr lang="ko-KR" altLang="en-US" dirty="0"/>
+              <a:t>무기로 싸워줌 약물 능력 전혀 적용 안됨</a:t>
+            </a:r>
+          </a:p>
+          <a:p>
+            <a:endParaRPr lang="ko" altLang="en-US" dirty="0"/>
+          </a:p>
+          <a:p>
+            <a:pPr marL="0" indent="0">
+              <a:buNone/>
+            </a:pPr>
+            <a:r>
+              <a:rPr lang="ko-KR" altLang="en-US" dirty="0" err="1"/>
+              <a:t>마지막스테이지</a:t>
+            </a:r>
+            <a:r>
+              <a:rPr lang="ko-KR" altLang="en-US" dirty="0"/>
+              <a:t> </a:t>
+            </a:r>
+            <a:r>
+              <a:rPr lang="ko-KR" altLang="en-US" dirty="0" err="1"/>
+              <a:t>맵밖에서</a:t>
+            </a:r>
+            <a:r>
+              <a:rPr lang="ko-KR" altLang="en-US" dirty="0"/>
+              <a:t> </a:t>
+            </a:r>
+            <a:r>
+              <a:rPr lang="ko-KR" altLang="en-US" dirty="0" err="1"/>
+              <a:t>빠른속도로</a:t>
+            </a:r>
+            <a:r>
+              <a:rPr lang="ko-KR" altLang="en-US" dirty="0"/>
+              <a:t> </a:t>
+            </a:r>
+            <a:r>
+              <a:rPr lang="ko-KR" altLang="en-US" dirty="0" err="1"/>
+              <a:t>일반닌자가</a:t>
+            </a:r>
+            <a:r>
+              <a:rPr lang="ko-KR" altLang="en-US" dirty="0"/>
+              <a:t> 돌아다님 일정시간 지나면 사라짐 따라가서 </a:t>
+            </a:r>
+            <a:r>
+              <a:rPr lang="ko-KR" altLang="en-US" dirty="0" smtClean="0"/>
+              <a:t>잡아야 함</a:t>
+            </a:r>
+            <a:endParaRPr lang="ko-KR" altLang="en-US" dirty="0"/>
+          </a:p>
+          <a:p>
+            <a:endParaRPr lang="ko" altLang="en-US" dirty="0"/>
+          </a:p>
+          <a:p>
+            <a:r>
+              <a:rPr lang="ko-KR" altLang="en-US" dirty="0"/>
+              <a:t>저격수</a:t>
+            </a:r>
+            <a:r>
+              <a:rPr lang="en-US" altLang="ko" dirty="0"/>
+              <a:t>(</a:t>
+            </a:r>
+            <a:r>
+              <a:rPr lang="ko-KR" altLang="en-US" dirty="0" err="1" smtClean="0"/>
+              <a:t>에꾸눈임</a:t>
+            </a:r>
+            <a:r>
+              <a:rPr lang="ko-KR" altLang="en-US" dirty="0" smtClean="0"/>
+              <a:t> </a:t>
+            </a:r>
+            <a:r>
+              <a:rPr lang="en-US" altLang="ko" dirty="0" smtClean="0"/>
+              <a:t>- </a:t>
+            </a:r>
+            <a:r>
+              <a:rPr lang="ko-KR" altLang="en-US" dirty="0" err="1"/>
+              <a:t>스킬을쓰면</a:t>
+            </a:r>
+            <a:r>
+              <a:rPr lang="ko-KR" altLang="en-US" dirty="0"/>
+              <a:t> </a:t>
+            </a:r>
+            <a:r>
+              <a:rPr lang="ko-KR" altLang="en-US" dirty="0" smtClean="0"/>
+              <a:t>시간이 멈추고 </a:t>
+            </a:r>
+            <a:r>
+              <a:rPr lang="ko-KR" altLang="en-US" dirty="0" err="1" smtClean="0"/>
+              <a:t>한명</a:t>
+            </a:r>
+            <a:r>
+              <a:rPr lang="ko-KR" altLang="en-US" dirty="0" smtClean="0"/>
+              <a:t> </a:t>
+            </a:r>
+            <a:r>
+              <a:rPr lang="ko-KR" altLang="en-US" dirty="0"/>
+              <a:t>터치해서 </a:t>
+            </a:r>
+            <a:r>
+              <a:rPr lang="ko-KR" altLang="en-US" dirty="0" smtClean="0"/>
+              <a:t>사격할 수 있음 </a:t>
+            </a:r>
+            <a:r>
+              <a:rPr lang="ko-KR" altLang="en-US" dirty="0" err="1"/>
+              <a:t>데미지</a:t>
+            </a:r>
+            <a:r>
+              <a:rPr lang="ko-KR" altLang="en-US" dirty="0"/>
+              <a:t> </a:t>
+            </a:r>
+            <a:r>
+              <a:rPr lang="ko-KR" altLang="en-US" dirty="0" err="1"/>
+              <a:t>겁나세게</a:t>
+            </a:r>
+            <a:r>
+              <a:rPr lang="ko-KR" altLang="en-US" dirty="0"/>
+              <a:t> 들어감 </a:t>
+            </a:r>
+            <a:r>
+              <a:rPr lang="ko-KR" altLang="en-US" dirty="0" err="1"/>
+              <a:t>쿨타임</a:t>
+            </a:r>
+            <a:r>
+              <a:rPr lang="ko-KR" altLang="en-US" dirty="0"/>
+              <a:t> 길음</a:t>
+            </a:r>
+            <a:r>
+              <a:rPr lang="en-US" altLang="ko" dirty="0"/>
+              <a:t>)</a:t>
+            </a:r>
+            <a:endParaRPr lang="ko" altLang="en-US" dirty="0"/>
+          </a:p>
+          <a:p>
+            <a:pPr marL="0" indent="0">
+              <a:buNone/>
+            </a:pPr>
+            <a:r>
+              <a:rPr lang="en-US" altLang="ko" dirty="0"/>
+              <a:t>)</a:t>
+            </a:r>
+            <a:endParaRPr lang="ko" altLang="en-US" dirty="0"/>
+          </a:p>
+          <a:p>
+            <a:pPr marL="0" indent="0">
+              <a:buNone/>
+            </a:pPr>
+            <a:r>
+              <a:rPr lang="en-US" altLang="ko-KR" dirty="0" smtClean="0"/>
+              <a:t>	</a:t>
+            </a:r>
+            <a:r>
+              <a:rPr lang="ko-KR" altLang="en-US" dirty="0" smtClean="0"/>
+              <a:t>게임을 </a:t>
+            </a:r>
+            <a:r>
+              <a:rPr lang="en-US" altLang="ko-KR" dirty="0" smtClean="0"/>
+              <a:t>2</a:t>
+            </a:r>
+            <a:r>
+              <a:rPr lang="ko-KR" altLang="en-US" dirty="0" smtClean="0"/>
+              <a:t>번 </a:t>
+            </a:r>
+            <a:r>
+              <a:rPr lang="ko-KR" altLang="en-US" dirty="0" err="1" smtClean="0"/>
+              <a:t>클리어</a:t>
+            </a:r>
+            <a:r>
+              <a:rPr lang="ko-KR" altLang="en-US" dirty="0" smtClean="0"/>
+              <a:t> 하면 나옴</a:t>
+            </a:r>
+            <a:endParaRPr lang="ko-KR" altLang="en-US" dirty="0"/>
+          </a:p>
+          <a:p>
+            <a:endParaRPr lang="ko" altLang="en-US" dirty="0"/>
+          </a:p>
+          <a:p>
+            <a:r>
+              <a:rPr lang="ko-KR" altLang="en-US" dirty="0"/>
+              <a:t>보안 로봇</a:t>
+            </a:r>
+            <a:r>
+              <a:rPr lang="en-US" altLang="ko" dirty="0"/>
+              <a:t>(</a:t>
+            </a:r>
+            <a:r>
+              <a:rPr lang="ko-KR" altLang="en-US" dirty="0"/>
+              <a:t>달려가서 자폭하는 로봇들 </a:t>
+            </a:r>
+            <a:r>
+              <a:rPr lang="en-US" altLang="ko" dirty="0"/>
+              <a:t>5</a:t>
+            </a:r>
+            <a:r>
+              <a:rPr lang="ko-KR" altLang="en-US" dirty="0"/>
+              <a:t>마리 </a:t>
+            </a:r>
+            <a:r>
+              <a:rPr lang="ko-KR" altLang="en-US" dirty="0" smtClean="0"/>
+              <a:t>나옴 가방 무게 제한 없음 먹으면 먹을수록 칸이 아래로 쌓임</a:t>
+            </a:r>
+            <a:r>
+              <a:rPr lang="en-US" altLang="ko" dirty="0" smtClean="0"/>
+              <a:t>)</a:t>
+            </a:r>
+          </a:p>
+          <a:p>
+            <a:pPr marL="0" indent="0">
+              <a:buNone/>
+            </a:pPr>
+            <a:r>
+              <a:rPr lang="ko-KR" altLang="en-US" dirty="0" smtClean="0"/>
+              <a:t>게임 누적 플레이 시간 </a:t>
+            </a:r>
+            <a:r>
+              <a:rPr lang="en-US" altLang="ko-KR" dirty="0" smtClean="0"/>
+              <a:t>20</a:t>
+            </a:r>
+            <a:r>
+              <a:rPr lang="ko-KR" altLang="en-US" dirty="0" smtClean="0"/>
+              <a:t>시간 이상이면 </a:t>
+            </a:r>
+            <a:r>
+              <a:rPr lang="ko-KR" altLang="en-US" dirty="0" err="1" smtClean="0"/>
+              <a:t>언락</a:t>
+            </a:r>
+            <a:endParaRPr lang="en-US" altLang="ko" dirty="0" smtClean="0"/>
+          </a:p>
+          <a:p>
+            <a:endParaRPr lang="ko" altLang="en-US" dirty="0"/>
+          </a:p>
+          <a:p>
+            <a:endParaRPr lang="ko" altLang="en-US" dirty="0"/>
+          </a:p>
+          <a:p>
+            <a:endParaRPr lang="ko" altLang="en-US" dirty="0"/>
+          </a:p>
+          <a:p>
+            <a:endParaRPr lang="en-US" altLang="ko-KR" b="1" dirty="0" smtClean="0"/>
+          </a:p>
+        </p:txBody>
+      </p:sp>
+    </p:spTree>
+    <p:extLst>
+      <p:ext uri="{BB962C8B-B14F-4D97-AF65-F5344CB8AC3E}">
+        <p14:creationId xmlns:p14="http://schemas.microsoft.com/office/powerpoint/2010/main" val="2682462336"/>
+      </p:ext>
+    </p:extLst>
+  </p:cSld>
+  <p:clrMapOvr>
+    <a:masterClrMapping/>
+  </p:clrMapOvr>
+</p:sld>
+</file>
+
 <file path=ppt/slides/slide4.xml><?xml version="1.0" encoding="utf-8"?>
 <p:sld xmlns:a="http://schemas.openxmlformats.org/drawingml/2006/main" xmlns:r="http://schemas.openxmlformats.org/officeDocument/2006/relationships" xmlns:p="http://schemas.openxmlformats.org/presentationml/2006/main">
   <p:cSld>

--- a/EscapeJail/Assets/기획/스테이지1기획.pptx
+++ b/EscapeJail/Assets/기획/스테이지1기획.pptx
@@ -318,7 +318,7 @@
           <a:p>
             <a:fld id="{75C3E87A-1EF5-4BC0-A34A-1B32DEFB2AF0}" type="datetimeFigureOut">
               <a:rPr lang="ko-KR" altLang="en-US" smtClean="0"/>
-              <a:t>2017-10-26</a:t>
+              <a:t>2017-10-27</a:t>
             </a:fld>
             <a:endParaRPr lang="ko-KR" altLang="en-US"/>
           </a:p>
@@ -488,7 +488,7 @@
           <a:p>
             <a:fld id="{75C3E87A-1EF5-4BC0-A34A-1B32DEFB2AF0}" type="datetimeFigureOut">
               <a:rPr lang="ko-KR" altLang="en-US" smtClean="0"/>
-              <a:t>2017-10-26</a:t>
+              <a:t>2017-10-27</a:t>
             </a:fld>
             <a:endParaRPr lang="ko-KR" altLang="en-US"/>
           </a:p>
@@ -668,7 +668,7 @@
           <a:p>
             <a:fld id="{75C3E87A-1EF5-4BC0-A34A-1B32DEFB2AF0}" type="datetimeFigureOut">
               <a:rPr lang="ko-KR" altLang="en-US" smtClean="0"/>
-              <a:t>2017-10-26</a:t>
+              <a:t>2017-10-27</a:t>
             </a:fld>
             <a:endParaRPr lang="ko-KR" altLang="en-US"/>
           </a:p>
@@ -838,7 +838,7 @@
           <a:p>
             <a:fld id="{75C3E87A-1EF5-4BC0-A34A-1B32DEFB2AF0}" type="datetimeFigureOut">
               <a:rPr lang="ko-KR" altLang="en-US" smtClean="0"/>
-              <a:t>2017-10-26</a:t>
+              <a:t>2017-10-27</a:t>
             </a:fld>
             <a:endParaRPr lang="ko-KR" altLang="en-US"/>
           </a:p>
@@ -1084,7 +1084,7 @@
           <a:p>
             <a:fld id="{75C3E87A-1EF5-4BC0-A34A-1B32DEFB2AF0}" type="datetimeFigureOut">
               <a:rPr lang="ko-KR" altLang="en-US" smtClean="0"/>
-              <a:t>2017-10-26</a:t>
+              <a:t>2017-10-27</a:t>
             </a:fld>
             <a:endParaRPr lang="ko-KR" altLang="en-US"/>
           </a:p>
@@ -1372,7 +1372,7 @@
           <a:p>
             <a:fld id="{75C3E87A-1EF5-4BC0-A34A-1B32DEFB2AF0}" type="datetimeFigureOut">
               <a:rPr lang="ko-KR" altLang="en-US" smtClean="0"/>
-              <a:t>2017-10-26</a:t>
+              <a:t>2017-10-27</a:t>
             </a:fld>
             <a:endParaRPr lang="ko-KR" altLang="en-US"/>
           </a:p>
@@ -1794,7 +1794,7 @@
           <a:p>
             <a:fld id="{75C3E87A-1EF5-4BC0-A34A-1B32DEFB2AF0}" type="datetimeFigureOut">
               <a:rPr lang="ko-KR" altLang="en-US" smtClean="0"/>
-              <a:t>2017-10-26</a:t>
+              <a:t>2017-10-27</a:t>
             </a:fld>
             <a:endParaRPr lang="ko-KR" altLang="en-US"/>
           </a:p>
@@ -1912,7 +1912,7 @@
           <a:p>
             <a:fld id="{75C3E87A-1EF5-4BC0-A34A-1B32DEFB2AF0}" type="datetimeFigureOut">
               <a:rPr lang="ko-KR" altLang="en-US" smtClean="0"/>
-              <a:t>2017-10-26</a:t>
+              <a:t>2017-10-27</a:t>
             </a:fld>
             <a:endParaRPr lang="ko-KR" altLang="en-US"/>
           </a:p>
@@ -2007,7 +2007,7 @@
           <a:p>
             <a:fld id="{75C3E87A-1EF5-4BC0-A34A-1B32DEFB2AF0}" type="datetimeFigureOut">
               <a:rPr lang="ko-KR" altLang="en-US" smtClean="0"/>
-              <a:t>2017-10-26</a:t>
+              <a:t>2017-10-27</a:t>
             </a:fld>
             <a:endParaRPr lang="ko-KR" altLang="en-US"/>
           </a:p>
@@ -2284,7 +2284,7 @@
           <a:p>
             <a:fld id="{75C3E87A-1EF5-4BC0-A34A-1B32DEFB2AF0}" type="datetimeFigureOut">
               <a:rPr lang="ko-KR" altLang="en-US" smtClean="0"/>
-              <a:t>2017-10-26</a:t>
+              <a:t>2017-10-27</a:t>
             </a:fld>
             <a:endParaRPr lang="ko-KR" altLang="en-US"/>
           </a:p>
@@ -2537,7 +2537,7 @@
           <a:p>
             <a:fld id="{75C3E87A-1EF5-4BC0-A34A-1B32DEFB2AF0}" type="datetimeFigureOut">
               <a:rPr lang="ko-KR" altLang="en-US" smtClean="0"/>
-              <a:t>2017-10-26</a:t>
+              <a:t>2017-10-27</a:t>
             </a:fld>
             <a:endParaRPr lang="ko-KR" altLang="en-US"/>
           </a:p>
@@ -2750,7 +2750,7 @@
           <a:p>
             <a:fld id="{75C3E87A-1EF5-4BC0-A34A-1B32DEFB2AF0}" type="datetimeFigureOut">
               <a:rPr lang="ko-KR" altLang="en-US" smtClean="0"/>
-              <a:t>2017-10-26</a:t>
+              <a:t>2017-10-27</a:t>
             </a:fld>
             <a:endParaRPr lang="ko-KR" altLang="en-US"/>
           </a:p>
@@ -3228,14 +3228,14 @@
           <p:nvPr>
             <p:extLst>
               <p:ext uri="{D42A27DB-BD31-4B8C-83A1-F6EECF244321}">
-                <p14:modId xmlns:p14="http://schemas.microsoft.com/office/powerpoint/2010/main" val="124176167"/>
+                <p14:modId xmlns:p14="http://schemas.microsoft.com/office/powerpoint/2010/main" val="3126717849"/>
               </p:ext>
             </p:extLst>
           </p:nvPr>
         </p:nvGraphicFramePr>
         <p:xfrm>
           <a:off x="395536" y="1412776"/>
-          <a:ext cx="8136904" cy="4333240"/>
+          <a:ext cx="8136904" cy="4358640"/>
         </p:xfrm>
         <a:graphic>
           <a:graphicData uri="http://schemas.openxmlformats.org/drawingml/2006/table">
@@ -4832,6 +4832,14 @@
                     <a:lstStyle/>
                     <a:p>
                       <a:pPr latinLnBrk="1"/>
+                      <a:r>
+                        <a:rPr lang="ko-KR" altLang="en-US" sz="1000" dirty="0" smtClean="0"/>
+                        <a:t>신발</a:t>
+                      </a:r>
+                      <a:r>
+                        <a:rPr lang="en-US" altLang="ko-KR" sz="1000" dirty="0" smtClean="0"/>
+                        <a:t>1</a:t>
+                      </a:r>
                       <a:endParaRPr lang="ko-KR" altLang="en-US" sz="1000" dirty="0"/>
                     </a:p>
                   </a:txBody>
@@ -4880,6 +4888,34 @@
                     <a:lstStyle/>
                     <a:p>
                       <a:pPr latinLnBrk="1"/>
+                      <a:r>
+                        <a:rPr lang="ko-KR" altLang="en-US" sz="1000" dirty="0" err="1" smtClean="0"/>
+                        <a:t>인벤토리에</a:t>
+                      </a:r>
+                      <a:r>
+                        <a:rPr lang="ko-KR" altLang="en-US" sz="1000" dirty="0" smtClean="0"/>
+                        <a:t> </a:t>
+                      </a:r>
+                      <a:r>
+                        <a:rPr lang="ko-KR" altLang="en-US" sz="1000" dirty="0" err="1" smtClean="0"/>
+                        <a:t>있을경우</a:t>
+                      </a:r>
+                      <a:r>
+                        <a:rPr lang="ko-KR" altLang="en-US" sz="1000" dirty="0" smtClean="0"/>
+                        <a:t> 이동속도 상승 </a:t>
+                      </a:r>
+                      <a:r>
+                        <a:rPr lang="en-US" altLang="ko-KR" sz="1000" dirty="0" smtClean="0"/>
+                        <a:t>(</a:t>
+                      </a:r>
+                      <a:r>
+                        <a:rPr lang="ko-KR" altLang="en-US" sz="1000" dirty="0" smtClean="0"/>
+                        <a:t>버리면 다시 감소</a:t>
+                      </a:r>
+                      <a:r>
+                        <a:rPr lang="en-US" altLang="ko-KR" sz="1000" dirty="0" smtClean="0"/>
+                        <a:t>)</a:t>
+                      </a:r>
                       <a:endParaRPr lang="ko-KR" altLang="en-US" sz="1000" dirty="0"/>
                     </a:p>
                   </a:txBody>
@@ -5010,7 +5046,15 @@
                     <a:bodyPr/>
                     <a:lstStyle/>
                     <a:p>
-                      <a:endParaRPr lang="ko-KR" altLang="en-US"/>
+                      <a:r>
+                        <a:rPr lang="ko-KR" altLang="en-US" dirty="0" smtClean="0"/>
+                        <a:t>신발</a:t>
+                      </a:r>
+                      <a:r>
+                        <a:rPr lang="en-US" altLang="ko-KR" dirty="0" smtClean="0"/>
+                        <a:t>2</a:t>
+                      </a:r>
+                      <a:endParaRPr lang="ko-KR" altLang="en-US" dirty="0"/>
                     </a:p>
                   </a:txBody>
                   <a:tcPr>
@@ -5057,7 +5101,7 @@
                     <a:bodyPr/>
                     <a:lstStyle/>
                     <a:p>
-                      <a:endParaRPr lang="ko-KR" altLang="en-US"/>
+                      <a:endParaRPr lang="ko-KR" altLang="en-US" dirty="0"/>
                     </a:p>
                   </a:txBody>
                   <a:tcPr>
@@ -5185,7 +5229,7 @@
                     <a:bodyPr/>
                     <a:lstStyle/>
                     <a:p>
-                      <a:endParaRPr lang="ko-KR" altLang="en-US"/>
+                      <a:endParaRPr lang="ko-KR" altLang="en-US" dirty="0"/>
                     </a:p>
                   </a:txBody>
                   <a:tcPr>
@@ -13034,15 +13078,7 @@
           <a:p>
             <a:r>
               <a:rPr lang="ko-KR" altLang="en-US" dirty="0" smtClean="0"/>
-              <a:t>캐릭터 </a:t>
-            </a:r>
-            <a:r>
-              <a:rPr lang="ko-KR" altLang="en-US" dirty="0" smtClean="0"/>
-              <a:t>아이디어 </a:t>
-            </a:r>
-            <a:r>
-              <a:rPr lang="ko-KR" altLang="en-US" dirty="0" smtClean="0"/>
-              <a:t>추가</a:t>
+              <a:t>캐릭터 아이디어 추가</a:t>
             </a:r>
             <a:r>
               <a:rPr lang="en-US" altLang="ko-KR" dirty="0" smtClean="0"/>

--- a/EscapeJail/Assets/기획/스테이지1기획.pptx
+++ b/EscapeJail/Assets/기획/스테이지1기획.pptx
@@ -36,6 +36,7 @@
     <p:sldId id="287" r:id="rId30"/>
     <p:sldId id="291" r:id="rId31"/>
     <p:sldId id="290" r:id="rId32"/>
+    <p:sldId id="292" r:id="rId33"/>
   </p:sldIdLst>
   <p:sldSz cx="9144000" cy="6858000" type="screen4x3"/>
   <p:notesSz cx="6858000" cy="9144000"/>
@@ -13689,6 +13690,241 @@
 </p:sld>
 </file>
 
+<file path=ppt/slides/slide32.xml><?xml version="1.0" encoding="utf-8"?>
+<p:sld xmlns:a="http://schemas.openxmlformats.org/drawingml/2006/main" xmlns:r="http://schemas.openxmlformats.org/officeDocument/2006/relationships" xmlns:p="http://schemas.openxmlformats.org/presentationml/2006/main">
+  <p:cSld>
+    <p:spTree>
+      <p:nvGrpSpPr>
+        <p:cNvPr id="1" name=""/>
+        <p:cNvGrpSpPr/>
+        <p:nvPr/>
+      </p:nvGrpSpPr>
+      <p:grpSpPr>
+        <a:xfrm>
+          <a:off x="0" y="0"/>
+          <a:ext cx="0" cy="0"/>
+          <a:chOff x="0" y="0"/>
+          <a:chExt cx="0" cy="0"/>
+        </a:xfrm>
+      </p:grpSpPr>
+      <p:sp>
+        <p:nvSpPr>
+          <p:cNvPr id="2" name="제목 1"/>
+          <p:cNvSpPr>
+            <a:spLocks noGrp="1"/>
+          </p:cNvSpPr>
+          <p:nvPr>
+            <p:ph type="title"/>
+          </p:nvPr>
+        </p:nvSpPr>
+        <p:spPr/>
+        <p:txBody>
+          <a:bodyPr>
+            <a:normAutofit/>
+          </a:bodyPr>
+          <a:lstStyle/>
+          <a:p>
+            <a:r>
+              <a:rPr lang="ko-KR" altLang="en-US" dirty="0" smtClean="0"/>
+              <a:t>기타의견</a:t>
+            </a:r>
+            <a:endParaRPr lang="ko-KR" altLang="en-US" dirty="0"/>
+          </a:p>
+        </p:txBody>
+      </p:sp>
+      <p:sp>
+        <p:nvSpPr>
+          <p:cNvPr id="3" name="내용 개체 틀 2"/>
+          <p:cNvSpPr>
+            <a:spLocks noGrp="1"/>
+          </p:cNvSpPr>
+          <p:nvPr>
+            <p:ph idx="1"/>
+          </p:nvPr>
+        </p:nvSpPr>
+        <p:spPr/>
+        <p:txBody>
+          <a:bodyPr>
+            <a:normAutofit/>
+          </a:bodyPr>
+          <a:lstStyle/>
+          <a:p>
+            <a:r>
+              <a:rPr lang="ko-KR" altLang="en-US" sz="1800" b="1" dirty="0" smtClean="0"/>
+              <a:t>마지막 스테이지 </a:t>
+            </a:r>
+            <a:r>
+              <a:rPr lang="ko-KR" altLang="en-US" sz="1800" b="1" dirty="0" err="1" smtClean="0"/>
+              <a:t>몬스터들간의</a:t>
+            </a:r>
+            <a:r>
+              <a:rPr lang="ko-KR" altLang="en-US" sz="1800" b="1" dirty="0" smtClean="0"/>
+              <a:t> 연관성이 별로 없는 것 같음</a:t>
+            </a:r>
+            <a:r>
+              <a:rPr lang="en-US" altLang="ko-KR" sz="1800" b="1" dirty="0" smtClean="0"/>
+              <a:t>.</a:t>
+            </a:r>
+          </a:p>
+          <a:p>
+            <a:r>
+              <a:rPr lang="en-US" altLang="ko-KR" sz="1800" b="1" dirty="0" smtClean="0"/>
+              <a:t>1,2,3,4</a:t>
+            </a:r>
+            <a:r>
+              <a:rPr lang="ko-KR" altLang="en-US" sz="1800" b="1" dirty="0" smtClean="0"/>
+              <a:t>스테이지는 </a:t>
+            </a:r>
+            <a:r>
+              <a:rPr lang="ko-KR" altLang="en-US" sz="1800" b="1" dirty="0" err="1" smtClean="0"/>
+              <a:t>컨셉이</a:t>
+            </a:r>
+            <a:r>
+              <a:rPr lang="ko-KR" altLang="en-US" sz="1800" b="1" dirty="0" smtClean="0"/>
+              <a:t> 서로 맞게 잘 된 것 같은데 마지막 스테이지는 서로 따로 노는 느낌이듬</a:t>
+            </a:r>
+            <a:endParaRPr lang="en-US" altLang="ko-KR" sz="1800" b="1" dirty="0"/>
+          </a:p>
+          <a:p>
+            <a:r>
+              <a:rPr lang="en-US" altLang="ko-KR" sz="1800" b="1" dirty="0" smtClean="0"/>
+              <a:t> </a:t>
+            </a:r>
+            <a:r>
+              <a:rPr lang="ko-KR" altLang="en-US" sz="1800" b="1" dirty="0" smtClean="0"/>
+              <a:t>차라리 요원스테이지 </a:t>
+            </a:r>
+            <a:r>
+              <a:rPr lang="ko-KR" altLang="en-US" sz="1800" b="1" dirty="0" err="1" smtClean="0"/>
+              <a:t>군인스테이지롤</a:t>
+            </a:r>
+            <a:r>
+              <a:rPr lang="ko-KR" altLang="en-US" sz="1800" b="1" dirty="0" smtClean="0"/>
+              <a:t> </a:t>
+            </a:r>
+            <a:r>
+              <a:rPr lang="ko-KR" altLang="en-US" sz="1800" b="1" dirty="0" err="1" smtClean="0"/>
+              <a:t>나누는것이</a:t>
+            </a:r>
+            <a:r>
+              <a:rPr lang="ko-KR" altLang="en-US" sz="1800" b="1" dirty="0" smtClean="0"/>
+              <a:t> </a:t>
+            </a:r>
+            <a:r>
+              <a:rPr lang="ko-KR" altLang="en-US" sz="1800" b="1" dirty="0" err="1" smtClean="0"/>
+              <a:t>좋을것같음</a:t>
+            </a:r>
+            <a:endParaRPr lang="en-US" altLang="ko-KR" sz="1800" b="1" dirty="0" smtClean="0"/>
+          </a:p>
+          <a:p>
+            <a:r>
+              <a:rPr lang="ko-KR" altLang="en-US" sz="1800" b="1" dirty="0" smtClean="0"/>
+              <a:t>군인스테이지에 기본 보병 추가 </a:t>
+            </a:r>
+            <a:r>
+              <a:rPr lang="en-US" altLang="ko-KR" sz="1800" b="1" dirty="0" smtClean="0"/>
+              <a:t>+ </a:t>
+            </a:r>
+            <a:r>
+              <a:rPr lang="ko-KR" altLang="en-US" sz="1800" b="1" dirty="0" err="1" smtClean="0"/>
+              <a:t>기존에있던</a:t>
+            </a:r>
+            <a:r>
+              <a:rPr lang="ko-KR" altLang="en-US" sz="1800" b="1" dirty="0" smtClean="0"/>
+              <a:t> </a:t>
+            </a:r>
+            <a:r>
+              <a:rPr lang="ko-KR" altLang="en-US" sz="1800" b="1" dirty="0" err="1" smtClean="0"/>
+              <a:t>대포병</a:t>
+            </a:r>
+            <a:r>
+              <a:rPr lang="en-US" altLang="ko-KR" sz="1800" b="1" dirty="0" smtClean="0"/>
+              <a:t>,</a:t>
+            </a:r>
+            <a:r>
+              <a:rPr lang="ko-KR" altLang="en-US" sz="1800" b="1" dirty="0" smtClean="0"/>
+              <a:t>저격수</a:t>
+            </a:r>
+            <a:r>
+              <a:rPr lang="en-US" altLang="ko-KR" sz="1800" b="1" dirty="0" smtClean="0"/>
+              <a:t>,</a:t>
+            </a:r>
+            <a:r>
+              <a:rPr lang="ko-KR" altLang="en-US" sz="1800" b="1" dirty="0" err="1" smtClean="0"/>
+              <a:t>포탑짓는애</a:t>
+            </a:r>
+            <a:r>
+              <a:rPr lang="ko-KR" altLang="en-US" sz="1800" b="1" dirty="0" smtClean="0"/>
+              <a:t> 사용</a:t>
+            </a:r>
+            <a:endParaRPr lang="en-US" altLang="ko-KR" sz="1800" b="1" dirty="0" smtClean="0"/>
+          </a:p>
+          <a:p>
+            <a:r>
+              <a:rPr lang="ko-KR" altLang="en-US" sz="1800" b="1" dirty="0" smtClean="0"/>
+              <a:t>요원스테이지에 쌍권총요원 </a:t>
+            </a:r>
+            <a:r>
+              <a:rPr lang="en-US" altLang="ko-KR" sz="1800" b="1" dirty="0" smtClean="0"/>
+              <a:t>+ </a:t>
+            </a:r>
+            <a:r>
+              <a:rPr lang="ko-KR" altLang="en-US" sz="1800" b="1" dirty="0" smtClean="0"/>
+              <a:t>암살자 </a:t>
+            </a:r>
+            <a:r>
+              <a:rPr lang="en-US" altLang="ko-KR" sz="1800" b="1" dirty="0" smtClean="0"/>
+              <a:t>+ </a:t>
+            </a:r>
+            <a:r>
+              <a:rPr lang="ko-KR" altLang="en-US" sz="1800" b="1" dirty="0" smtClean="0"/>
+              <a:t>기타요원</a:t>
+            </a:r>
+            <a:r>
+              <a:rPr lang="en-US" altLang="ko-KR" sz="1800" b="1" dirty="0" smtClean="0"/>
+              <a:t>2</a:t>
+            </a:r>
+            <a:r>
+              <a:rPr lang="ko-KR" altLang="en-US" sz="1800" b="1" dirty="0" smtClean="0"/>
+              <a:t>개 </a:t>
+            </a:r>
+            <a:r>
+              <a:rPr lang="ko-KR" altLang="en-US" sz="1800" b="1" dirty="0" err="1" smtClean="0"/>
+              <a:t>이런식으로</a:t>
+            </a:r>
+            <a:r>
+              <a:rPr lang="ko-KR" altLang="en-US" sz="1800" b="1" dirty="0" smtClean="0"/>
+              <a:t> </a:t>
+            </a:r>
+            <a:r>
+              <a:rPr lang="ko-KR" altLang="en-US" sz="1800" b="1" dirty="0" err="1" smtClean="0"/>
+              <a:t>하는것이</a:t>
+            </a:r>
+            <a:r>
+              <a:rPr lang="ko-KR" altLang="en-US" sz="1800" b="1" dirty="0" smtClean="0"/>
+              <a:t> </a:t>
+            </a:r>
+            <a:r>
+              <a:rPr lang="ko-KR" altLang="en-US" sz="1800" b="1" smtClean="0"/>
+              <a:t>좋아보임</a:t>
+            </a:r>
+            <a:endParaRPr lang="en-US" altLang="ko-KR" sz="1800" b="1" dirty="0" smtClean="0"/>
+          </a:p>
+        </p:txBody>
+      </p:sp>
+    </p:spTree>
+    <p:extLst>
+      <p:ext uri="{BB962C8B-B14F-4D97-AF65-F5344CB8AC3E}">
+        <p14:creationId xmlns:p14="http://schemas.microsoft.com/office/powerpoint/2010/main" val="1552690130"/>
+      </p:ext>
+    </p:extLst>
+  </p:cSld>
+  <p:clrMapOvr>
+    <a:masterClrMapping/>
+  </p:clrMapOvr>
+</p:sld>
+</file>
+
 <file path=ppt/slides/slide4.xml><?xml version="1.0" encoding="utf-8"?>
 <p:sld xmlns:a="http://schemas.openxmlformats.org/drawingml/2006/main" xmlns:r="http://schemas.openxmlformats.org/officeDocument/2006/relationships" xmlns:p="http://schemas.openxmlformats.org/presentationml/2006/main">
   <p:cSld>

--- a/EscapeJail/Assets/기획/스테이지1기획.pptx
+++ b/EscapeJail/Assets/기획/스테이지1기획.pptx
@@ -37,6 +37,7 @@
     <p:sldId id="291" r:id="rId31"/>
     <p:sldId id="290" r:id="rId32"/>
     <p:sldId id="292" r:id="rId33"/>
+    <p:sldId id="293" r:id="rId34"/>
   </p:sldIdLst>
   <p:sldSz cx="9144000" cy="6858000" type="screen4x3"/>
   <p:notesSz cx="6858000" cy="9144000"/>
@@ -13905,7 +13906,7 @@
               <a:t> </a:t>
             </a:r>
             <a:r>
-              <a:rPr lang="ko-KR" altLang="en-US" sz="1800" b="1" smtClean="0"/>
+              <a:rPr lang="ko-KR" altLang="en-US" sz="1800" b="1" dirty="0" err="1" smtClean="0"/>
               <a:t>좋아보임</a:t>
             </a:r>
             <a:endParaRPr lang="en-US" altLang="ko-KR" sz="1800" b="1" dirty="0" smtClean="0"/>
@@ -13916,6 +13917,396 @@
     <p:extLst>
       <p:ext uri="{BB962C8B-B14F-4D97-AF65-F5344CB8AC3E}">
         <p14:creationId xmlns:p14="http://schemas.microsoft.com/office/powerpoint/2010/main" val="1552690130"/>
+      </p:ext>
+    </p:extLst>
+  </p:cSld>
+  <p:clrMapOvr>
+    <a:masterClrMapping/>
+  </p:clrMapOvr>
+</p:sld>
+</file>
+
+<file path=ppt/slides/slide33.xml><?xml version="1.0" encoding="utf-8"?>
+<p:sld xmlns:a="http://schemas.openxmlformats.org/drawingml/2006/main" xmlns:r="http://schemas.openxmlformats.org/officeDocument/2006/relationships" xmlns:p="http://schemas.openxmlformats.org/presentationml/2006/main">
+  <p:cSld>
+    <p:spTree>
+      <p:nvGrpSpPr>
+        <p:cNvPr id="1" name=""/>
+        <p:cNvGrpSpPr/>
+        <p:nvPr/>
+      </p:nvGrpSpPr>
+      <p:grpSpPr>
+        <a:xfrm>
+          <a:off x="0" y="0"/>
+          <a:ext cx="0" cy="0"/>
+          <a:chOff x="0" y="0"/>
+          <a:chExt cx="0" cy="0"/>
+        </a:xfrm>
+      </p:grpSpPr>
+      <p:sp>
+        <p:nvSpPr>
+          <p:cNvPr id="2" name="제목 1"/>
+          <p:cNvSpPr>
+            <a:spLocks noGrp="1"/>
+          </p:cNvSpPr>
+          <p:nvPr>
+            <p:ph type="title"/>
+          </p:nvPr>
+        </p:nvSpPr>
+        <p:spPr/>
+        <p:txBody>
+          <a:bodyPr>
+            <a:normAutofit/>
+          </a:bodyPr>
+          <a:lstStyle/>
+          <a:p>
+            <a:r>
+              <a:rPr lang="ko-KR" altLang="en-US" dirty="0" smtClean="0"/>
+              <a:t>기타의견</a:t>
+            </a:r>
+            <a:endParaRPr lang="ko-KR" altLang="en-US" dirty="0"/>
+          </a:p>
+        </p:txBody>
+      </p:sp>
+      <p:sp>
+        <p:nvSpPr>
+          <p:cNvPr id="3" name="내용 개체 틀 2"/>
+          <p:cNvSpPr>
+            <a:spLocks noGrp="1"/>
+          </p:cNvSpPr>
+          <p:nvPr>
+            <p:ph idx="1"/>
+          </p:nvPr>
+        </p:nvSpPr>
+        <p:spPr>
+          <a:xfrm>
+            <a:off x="-108520" y="1412776"/>
+            <a:ext cx="9613576" cy="5301208"/>
+          </a:xfrm>
+        </p:spPr>
+        <p:txBody>
+          <a:bodyPr>
+            <a:normAutofit/>
+          </a:bodyPr>
+          <a:lstStyle/>
+          <a:p>
+            <a:r>
+              <a:rPr lang="ko-KR" altLang="en-US" sz="1800" b="1" dirty="0" err="1" smtClean="0"/>
+              <a:t>스테이</a:t>
+            </a:r>
+            <a:r>
+              <a:rPr lang="ko-KR" altLang="en-US" sz="1800" b="1" dirty="0" err="1" smtClean="0"/>
+              <a:t>지별</a:t>
+            </a:r>
+            <a:r>
+              <a:rPr lang="ko-KR" altLang="en-US" sz="1800" b="1" dirty="0" smtClean="0"/>
+              <a:t> </a:t>
+            </a:r>
+            <a:r>
+              <a:rPr lang="ko-KR" altLang="en-US" sz="1800" b="1" dirty="0" err="1" smtClean="0"/>
+              <a:t>몬스터</a:t>
+            </a:r>
+            <a:r>
+              <a:rPr lang="ko-KR" altLang="en-US" sz="1800" b="1" dirty="0" smtClean="0"/>
+              <a:t> 기본패턴은 기본적으로 </a:t>
+            </a:r>
+            <a:r>
+              <a:rPr lang="en-US" altLang="ko-KR" sz="1800" b="1" dirty="0" smtClean="0"/>
+              <a:t> </a:t>
+            </a:r>
+          </a:p>
+          <a:p>
+            <a:r>
+              <a:rPr lang="ko-KR" altLang="en-US" sz="1800" b="1" dirty="0" err="1" smtClean="0"/>
+              <a:t>쉬운근접</a:t>
+            </a:r>
+            <a:r>
+              <a:rPr lang="ko-KR" altLang="en-US" sz="1800" b="1" dirty="0" smtClean="0"/>
+              <a:t> </a:t>
+            </a:r>
+            <a:endParaRPr lang="en-US" altLang="ko-KR" sz="1800" b="1" dirty="0" smtClean="0"/>
+          </a:p>
+          <a:p>
+            <a:r>
+              <a:rPr lang="ko-KR" altLang="en-US" sz="1800" b="1" dirty="0" err="1" smtClean="0"/>
+              <a:t>어려운근접</a:t>
+            </a:r>
+            <a:endParaRPr lang="en-US" altLang="ko-KR" sz="1800" b="1" dirty="0" smtClean="0"/>
+          </a:p>
+          <a:p>
+            <a:r>
+              <a:rPr lang="ko-KR" altLang="en-US" sz="1800" b="1" dirty="0" err="1" smtClean="0"/>
+              <a:t>쉬운원거리</a:t>
+            </a:r>
+            <a:endParaRPr lang="en-US" altLang="ko-KR" sz="1800" b="1" dirty="0" smtClean="0"/>
+          </a:p>
+          <a:p>
+            <a:r>
+              <a:rPr lang="ko-KR" altLang="en-US" sz="1800" b="1" dirty="0" err="1" smtClean="0"/>
+              <a:t>어려운원거리로</a:t>
+            </a:r>
+            <a:r>
+              <a:rPr lang="ko-KR" altLang="en-US" sz="1800" b="1" dirty="0" smtClean="0"/>
+              <a:t> 구성</a:t>
+            </a:r>
+            <a:endParaRPr lang="en-US" altLang="ko-KR" sz="1800" b="1" dirty="0" smtClean="0"/>
+          </a:p>
+          <a:p>
+            <a:endParaRPr lang="en-US" altLang="ko-KR" sz="1800" b="1" dirty="0" smtClean="0"/>
+          </a:p>
+          <a:p>
+            <a:r>
+              <a:rPr lang="ko-KR" altLang="en-US" sz="1800" b="1" dirty="0" smtClean="0"/>
+              <a:t>패턴은 스테이지마다 전부 다르게</a:t>
+            </a:r>
+            <a:endParaRPr lang="en-US" altLang="ko-KR" sz="1800" b="1" dirty="0" smtClean="0"/>
+          </a:p>
+          <a:p>
+            <a:endParaRPr lang="en-US" altLang="ko-KR" sz="1800" b="1" dirty="0" smtClean="0"/>
+          </a:p>
+          <a:p>
+            <a:r>
+              <a:rPr lang="ko-KR" altLang="en-US" sz="1800" b="1" dirty="0" err="1" smtClean="0"/>
+              <a:t>쉬운패턴의</a:t>
+            </a:r>
+            <a:r>
+              <a:rPr lang="ko-KR" altLang="en-US" sz="1800" b="1" dirty="0" smtClean="0"/>
+              <a:t> 정도 </a:t>
+            </a:r>
+            <a:endParaRPr lang="en-US" altLang="ko-KR" sz="1800" b="1" dirty="0" smtClean="0"/>
+          </a:p>
+          <a:p>
+            <a:r>
+              <a:rPr lang="en-US" altLang="ko-KR" sz="1800" b="1" dirty="0" smtClean="0"/>
+              <a:t>(</a:t>
+            </a:r>
+            <a:r>
+              <a:rPr lang="ko-KR" altLang="en-US" sz="1800" b="1" dirty="0" smtClean="0"/>
+              <a:t>원거리 </a:t>
+            </a:r>
+            <a:r>
+              <a:rPr lang="en-US" altLang="ko-KR" sz="1800" b="1" dirty="0" smtClean="0"/>
+              <a:t>: </a:t>
+            </a:r>
+            <a:r>
+              <a:rPr lang="ko-KR" altLang="en-US" sz="1800" b="1" dirty="0" smtClean="0"/>
+              <a:t>누구는 총알 빠르게 </a:t>
+            </a:r>
+            <a:r>
+              <a:rPr lang="en-US" altLang="ko-KR" sz="1800" b="1" dirty="0" smtClean="0"/>
+              <a:t>1</a:t>
+            </a:r>
+            <a:r>
+              <a:rPr lang="ko-KR" altLang="en-US" sz="1800" b="1" dirty="0" err="1" smtClean="0"/>
+              <a:t>발씩쏘고</a:t>
+            </a:r>
+            <a:r>
+              <a:rPr lang="ko-KR" altLang="en-US" sz="1800" b="1" dirty="0" smtClean="0"/>
+              <a:t> 누구는 총알 느리게 </a:t>
+            </a:r>
+            <a:r>
+              <a:rPr lang="en-US" altLang="ko-KR" sz="1800" b="1" dirty="0" smtClean="0"/>
+              <a:t>3</a:t>
+            </a:r>
+            <a:r>
+              <a:rPr lang="ko-KR" altLang="en-US" sz="1800" b="1" dirty="0" smtClean="0"/>
+              <a:t>발씩 쏘고 이정도</a:t>
+            </a:r>
+            <a:r>
+              <a:rPr lang="en-US" altLang="ko-KR" sz="1800" b="1" dirty="0" smtClean="0"/>
+              <a:t>)</a:t>
+            </a:r>
+          </a:p>
+          <a:p>
+            <a:r>
+              <a:rPr lang="en-US" altLang="ko-KR" sz="1800" b="1" dirty="0" smtClean="0"/>
+              <a:t>(</a:t>
+            </a:r>
+            <a:r>
+              <a:rPr lang="ko-KR" altLang="en-US" sz="1800" b="1" dirty="0" smtClean="0"/>
+              <a:t>근거리 </a:t>
+            </a:r>
+            <a:r>
+              <a:rPr lang="en-US" altLang="ko-KR" sz="1800" b="1" dirty="0" smtClean="0"/>
+              <a:t>: </a:t>
+            </a:r>
+            <a:r>
+              <a:rPr lang="ko-KR" altLang="en-US" sz="1800" b="1" dirty="0" err="1" smtClean="0"/>
+              <a:t>가까이와서</a:t>
+            </a:r>
+            <a:r>
+              <a:rPr lang="ko-KR" altLang="en-US" sz="1800" b="1" dirty="0" smtClean="0"/>
+              <a:t> 때리기</a:t>
+            </a:r>
+            <a:r>
+              <a:rPr lang="en-US" altLang="ko-KR" sz="1800" b="1" dirty="0" smtClean="0"/>
+              <a:t>,</a:t>
+            </a:r>
+            <a:r>
+              <a:rPr lang="ko-KR" altLang="en-US" sz="1800" b="1" dirty="0"/>
+              <a:t> </a:t>
+            </a:r>
+            <a:r>
+              <a:rPr lang="ko-KR" altLang="en-US" sz="1800" b="1" dirty="0" smtClean="0"/>
+              <a:t>좀더 먼 거리에서 </a:t>
+            </a:r>
+            <a:r>
+              <a:rPr lang="ko-KR" altLang="en-US" sz="1800" b="1" dirty="0" err="1" smtClean="0"/>
+              <a:t>대쉬를</a:t>
+            </a:r>
+            <a:r>
+              <a:rPr lang="ko-KR" altLang="en-US" sz="1800" b="1" dirty="0" smtClean="0"/>
+              <a:t> 해서 공격을 </a:t>
+            </a:r>
+            <a:r>
+              <a:rPr lang="ko-KR" altLang="en-US" sz="1800" b="1" dirty="0" err="1" smtClean="0"/>
+              <a:t>한다던지</a:t>
+            </a:r>
+            <a:r>
+              <a:rPr lang="en-US" altLang="ko-KR" sz="1800" b="1" dirty="0" smtClean="0"/>
+              <a:t>)</a:t>
+            </a:r>
+          </a:p>
+          <a:p>
+            <a:r>
+              <a:rPr lang="ko-KR" altLang="en-US" sz="1800" b="1" dirty="0" err="1" smtClean="0"/>
+              <a:t>어려운패턴의</a:t>
+            </a:r>
+            <a:r>
+              <a:rPr lang="ko-KR" altLang="en-US" sz="1800" b="1" dirty="0" smtClean="0"/>
+              <a:t> 정도</a:t>
+            </a:r>
+            <a:endParaRPr lang="en-US" altLang="ko-KR" sz="1800" b="1" dirty="0" smtClean="0"/>
+          </a:p>
+          <a:p>
+            <a:r>
+              <a:rPr lang="en-US" altLang="ko-KR" sz="1800" b="1" dirty="0" smtClean="0"/>
+              <a:t>(</a:t>
+            </a:r>
+            <a:r>
+              <a:rPr lang="ko-KR" altLang="en-US" sz="1800" b="1" dirty="0" smtClean="0"/>
+              <a:t>원거리 </a:t>
+            </a:r>
+            <a:r>
+              <a:rPr lang="en-US" altLang="ko-KR" sz="1800" b="1" dirty="0" smtClean="0"/>
+              <a:t>:</a:t>
+            </a:r>
+            <a:r>
+              <a:rPr lang="ko-KR" altLang="en-US" sz="1800" b="1" dirty="0" smtClean="0"/>
+              <a:t>총알을 </a:t>
+            </a:r>
+            <a:r>
+              <a:rPr lang="ko-KR" altLang="en-US" sz="1800" b="1" dirty="0" err="1" smtClean="0"/>
+              <a:t>여러방향으로</a:t>
+            </a:r>
+            <a:r>
+              <a:rPr lang="ko-KR" altLang="en-US" sz="1800" b="1" dirty="0" smtClean="0"/>
+              <a:t> </a:t>
+            </a:r>
+            <a:r>
+              <a:rPr lang="ko-KR" altLang="en-US" sz="1800" b="1" dirty="0" err="1" smtClean="0"/>
+              <a:t>쏜다던지</a:t>
+            </a:r>
+            <a:r>
+              <a:rPr lang="ko-KR" altLang="en-US" sz="1800" b="1" dirty="0" smtClean="0"/>
+              <a:t> </a:t>
+            </a:r>
+            <a:r>
+              <a:rPr lang="ko-KR" altLang="en-US" sz="1800" b="1" dirty="0" err="1" smtClean="0"/>
+              <a:t>특수탄</a:t>
+            </a:r>
+            <a:r>
+              <a:rPr lang="en-US" altLang="ko-KR" sz="1800" b="1" dirty="0" smtClean="0"/>
+              <a:t>(</a:t>
+            </a:r>
+            <a:r>
+              <a:rPr lang="ko-KR" altLang="en-US" sz="1800" b="1" dirty="0" err="1" smtClean="0"/>
+              <a:t>벽에맞으면</a:t>
+            </a:r>
+            <a:r>
+              <a:rPr lang="ko-KR" altLang="en-US" sz="1800" b="1" dirty="0" smtClean="0"/>
+              <a:t> 튕기거나 중독</a:t>
+            </a:r>
+            <a:r>
+              <a:rPr lang="en-US" altLang="ko-KR" sz="1800" b="1" dirty="0" smtClean="0"/>
+              <a:t>,</a:t>
+            </a:r>
+            <a:r>
+              <a:rPr lang="ko-KR" altLang="en-US" sz="1800" b="1" dirty="0" smtClean="0"/>
+              <a:t>화상의 효과</a:t>
+            </a:r>
+            <a:r>
+              <a:rPr lang="en-US" altLang="ko-KR" sz="1800" b="1" dirty="0" smtClean="0"/>
+              <a:t>),</a:t>
+            </a:r>
+            <a:r>
+              <a:rPr lang="ko-KR" altLang="en-US" sz="1800" b="1" dirty="0" err="1" smtClean="0"/>
+              <a:t>수류탄등등을</a:t>
+            </a:r>
+            <a:r>
+              <a:rPr lang="ko-KR" altLang="en-US" sz="1800" b="1" dirty="0" smtClean="0"/>
+              <a:t> 사용</a:t>
+            </a:r>
+            <a:r>
+              <a:rPr lang="en-US" altLang="ko-KR" sz="1800" b="1" dirty="0" smtClean="0"/>
+              <a:t>)</a:t>
+            </a:r>
+          </a:p>
+          <a:p>
+            <a:r>
+              <a:rPr lang="en-US" altLang="ko-KR" sz="1800" b="1" dirty="0" smtClean="0"/>
+              <a:t>(</a:t>
+            </a:r>
+            <a:r>
+              <a:rPr lang="ko-KR" altLang="en-US" sz="1800" b="1" dirty="0" smtClean="0"/>
+              <a:t>근거리 </a:t>
+            </a:r>
+            <a:r>
+              <a:rPr lang="en-US" altLang="ko-KR" sz="1800" b="1" dirty="0" smtClean="0"/>
+              <a:t>: </a:t>
+            </a:r>
+            <a:r>
+              <a:rPr lang="ko-KR" altLang="en-US" sz="1800" b="1" dirty="0" smtClean="0"/>
+              <a:t>위장</a:t>
+            </a:r>
+            <a:r>
+              <a:rPr lang="en-US" altLang="ko-KR" sz="1800" b="1" dirty="0" smtClean="0"/>
+              <a:t>,</a:t>
+            </a:r>
+            <a:r>
+              <a:rPr lang="ko-KR" altLang="en-US" sz="1800" b="1" dirty="0" smtClean="0"/>
+              <a:t>은신</a:t>
+            </a:r>
+            <a:r>
+              <a:rPr lang="en-US" altLang="ko-KR" sz="1800" b="1" dirty="0" smtClean="0"/>
+              <a:t>,</a:t>
+            </a:r>
+            <a:r>
+              <a:rPr lang="ko-KR" altLang="en-US" sz="1800" b="1" dirty="0" smtClean="0"/>
+              <a:t>방패사용</a:t>
+            </a:r>
+            <a:r>
+              <a:rPr lang="en-US" altLang="ko-KR" sz="1800" b="1" dirty="0" smtClean="0"/>
+              <a:t>,</a:t>
+            </a:r>
+            <a:r>
+              <a:rPr lang="ko-KR" altLang="en-US" sz="1800" b="1" dirty="0" smtClean="0"/>
+              <a:t>등등 기본근거리 </a:t>
+            </a:r>
+            <a:r>
+              <a:rPr lang="en-US" altLang="ko-KR" sz="1800" b="1" dirty="0" smtClean="0"/>
+              <a:t>+ @)</a:t>
+            </a:r>
+          </a:p>
+          <a:p>
+            <a:endParaRPr lang="en-US" altLang="ko-KR" sz="1800" b="1" dirty="0" smtClean="0"/>
+          </a:p>
+        </p:txBody>
+      </p:sp>
+    </p:spTree>
+    <p:extLst>
+      <p:ext uri="{BB962C8B-B14F-4D97-AF65-F5344CB8AC3E}">
+        <p14:creationId xmlns:p14="http://schemas.microsoft.com/office/powerpoint/2010/main" val="2752374943"/>
       </p:ext>
     </p:extLst>
   </p:cSld>

--- a/EscapeJail/Assets/기획/스테이지1기획.pptx
+++ b/EscapeJail/Assets/기획/스테이지1기획.pptx
@@ -38,6 +38,7 @@
     <p:sldId id="290" r:id="rId32"/>
     <p:sldId id="292" r:id="rId33"/>
     <p:sldId id="293" r:id="rId34"/>
+    <p:sldId id="294" r:id="rId35"/>
   </p:sldIdLst>
   <p:sldSz cx="9144000" cy="6858000" type="screen4x3"/>
   <p:notesSz cx="6858000" cy="9144000"/>
@@ -13992,11 +13993,7 @@
           <a:p>
             <a:r>
               <a:rPr lang="ko-KR" altLang="en-US" sz="1800" b="1" dirty="0" err="1" smtClean="0"/>
-              <a:t>스테이</a:t>
-            </a:r>
-            <a:r>
-              <a:rPr lang="ko-KR" altLang="en-US" sz="1800" b="1" dirty="0" err="1" smtClean="0"/>
-              <a:t>지별</a:t>
+              <a:t>스테이지별</a:t>
             </a:r>
             <a:r>
               <a:rPr lang="ko-KR" altLang="en-US" sz="1800" b="1" dirty="0" smtClean="0"/>
@@ -14307,6 +14304,250 @@
     <p:extLst>
       <p:ext uri="{BB962C8B-B14F-4D97-AF65-F5344CB8AC3E}">
         <p14:creationId xmlns:p14="http://schemas.microsoft.com/office/powerpoint/2010/main" val="2752374943"/>
+      </p:ext>
+    </p:extLst>
+  </p:cSld>
+  <p:clrMapOvr>
+    <a:masterClrMapping/>
+  </p:clrMapOvr>
+</p:sld>
+</file>
+
+<file path=ppt/slides/slide34.xml><?xml version="1.0" encoding="utf-8"?>
+<p:sld xmlns:a="http://schemas.openxmlformats.org/drawingml/2006/main" xmlns:r="http://schemas.openxmlformats.org/officeDocument/2006/relationships" xmlns:p="http://schemas.openxmlformats.org/presentationml/2006/main">
+  <p:cSld>
+    <p:spTree>
+      <p:nvGrpSpPr>
+        <p:cNvPr id="1" name=""/>
+        <p:cNvGrpSpPr/>
+        <p:nvPr/>
+      </p:nvGrpSpPr>
+      <p:grpSpPr>
+        <a:xfrm>
+          <a:off x="0" y="0"/>
+          <a:ext cx="0" cy="0"/>
+          <a:chOff x="0" y="0"/>
+          <a:chExt cx="0" cy="0"/>
+        </a:xfrm>
+      </p:grpSpPr>
+      <p:sp>
+        <p:nvSpPr>
+          <p:cNvPr id="2" name="제목 1"/>
+          <p:cNvSpPr>
+            <a:spLocks noGrp="1"/>
+          </p:cNvSpPr>
+          <p:nvPr>
+            <p:ph type="title"/>
+          </p:nvPr>
+        </p:nvSpPr>
+        <p:spPr/>
+        <p:txBody>
+          <a:bodyPr>
+            <a:normAutofit/>
+          </a:bodyPr>
+          <a:lstStyle/>
+          <a:p>
+            <a:r>
+              <a:rPr lang="ko-KR" altLang="en-US" dirty="0" smtClean="0"/>
+              <a:t>마지막 스테이지 </a:t>
+            </a:r>
+            <a:r>
+              <a:rPr lang="ko-KR" altLang="en-US" dirty="0" smtClean="0"/>
+              <a:t>기타의견</a:t>
+            </a:r>
+            <a:endParaRPr lang="ko-KR" altLang="en-US" dirty="0"/>
+          </a:p>
+        </p:txBody>
+      </p:sp>
+      <p:sp>
+        <p:nvSpPr>
+          <p:cNvPr id="3" name="내용 개체 틀 2"/>
+          <p:cNvSpPr>
+            <a:spLocks noGrp="1"/>
+          </p:cNvSpPr>
+          <p:nvPr>
+            <p:ph idx="1"/>
+          </p:nvPr>
+        </p:nvSpPr>
+        <p:spPr>
+          <a:xfrm>
+            <a:off x="-108520" y="1412776"/>
+            <a:ext cx="9613576" cy="5301208"/>
+          </a:xfrm>
+        </p:spPr>
+        <p:txBody>
+          <a:bodyPr>
+            <a:normAutofit/>
+          </a:bodyPr>
+          <a:lstStyle/>
+          <a:p>
+            <a:r>
+              <a:rPr lang="ko-KR" altLang="en-US" sz="1800" b="1" dirty="0" smtClean="0"/>
+              <a:t>아이디어</a:t>
+            </a:r>
+            <a:r>
+              <a:rPr lang="en-US" altLang="ko-KR" sz="1800" b="1" dirty="0" smtClean="0"/>
+              <a:t>1. </a:t>
+            </a:r>
+            <a:r>
+              <a:rPr lang="ko-KR" altLang="en-US" sz="1800" b="1" dirty="0" err="1" smtClean="0"/>
+              <a:t>닌자는</a:t>
+            </a:r>
+            <a:r>
+              <a:rPr lang="ko-KR" altLang="en-US" sz="1800" b="1" dirty="0" smtClean="0"/>
+              <a:t> 주인공 </a:t>
+            </a:r>
+            <a:r>
+              <a:rPr lang="ko-KR" altLang="en-US" sz="1800" b="1" dirty="0" smtClean="0"/>
+              <a:t>캐릭터로 </a:t>
+            </a:r>
+            <a:r>
+              <a:rPr lang="ko-KR" altLang="en-US" sz="1800" b="1" dirty="0" smtClean="0"/>
+              <a:t>넣고 요원은 </a:t>
+            </a:r>
+            <a:r>
+              <a:rPr lang="ko-KR" altLang="en-US" sz="1800" b="1" dirty="0" smtClean="0"/>
+              <a:t>마지막 </a:t>
+            </a:r>
+            <a:r>
+              <a:rPr lang="ko-KR" altLang="en-US" sz="1800" b="1" dirty="0" err="1" smtClean="0"/>
+              <a:t>보스방에서</a:t>
+            </a:r>
+            <a:r>
+              <a:rPr lang="ko-KR" altLang="en-US" sz="1800" b="1" dirty="0" smtClean="0"/>
+              <a:t> 보스 부하로 나오게 </a:t>
+            </a:r>
+            <a:r>
+              <a:rPr lang="ko-KR" altLang="en-US" sz="1800" b="1" dirty="0" err="1" smtClean="0"/>
+              <a:t>하는게</a:t>
+            </a:r>
+            <a:r>
+              <a:rPr lang="ko-KR" altLang="en-US" sz="1800" b="1" dirty="0" smtClean="0"/>
+              <a:t> </a:t>
+            </a:r>
+            <a:r>
+              <a:rPr lang="ko-KR" altLang="en-US" sz="1800" b="1" dirty="0" smtClean="0"/>
+              <a:t>어떨지</a:t>
+            </a:r>
+            <a:r>
+              <a:rPr lang="en-US" altLang="ko-KR" sz="1800" b="1" dirty="0" smtClean="0"/>
+              <a:t>?</a:t>
+            </a:r>
+            <a:r>
+              <a:rPr lang="ko-KR" altLang="en-US" sz="1800" b="1" dirty="0"/>
+              <a:t> </a:t>
+            </a:r>
+            <a:r>
+              <a:rPr lang="ko-KR" altLang="en-US" sz="1800" b="1" dirty="0" smtClean="0"/>
+              <a:t>두 </a:t>
+            </a:r>
+            <a:r>
+              <a:rPr lang="ko-KR" altLang="en-US" sz="1800" b="1" dirty="0" err="1" smtClean="0"/>
+              <a:t>몬스터의</a:t>
+            </a:r>
+            <a:r>
+              <a:rPr lang="ko-KR" altLang="en-US" sz="1800" b="1" dirty="0" smtClean="0"/>
+              <a:t> 공백은 경찰스테이지에 있는 소총 </a:t>
+            </a:r>
+            <a:r>
+              <a:rPr lang="ko-KR" altLang="en-US" sz="1800" b="1" dirty="0" err="1" smtClean="0"/>
+              <a:t>쓰는애</a:t>
+            </a:r>
+            <a:r>
+              <a:rPr lang="ko-KR" altLang="en-US" sz="1800" b="1" dirty="0" smtClean="0"/>
+              <a:t> 하나하고 </a:t>
+            </a:r>
+            <a:r>
+              <a:rPr lang="ko-KR" altLang="en-US" sz="1800" b="1" dirty="0" err="1" smtClean="0"/>
+              <a:t>권총쏘는애</a:t>
+            </a:r>
+            <a:r>
+              <a:rPr lang="ko-KR" altLang="en-US" sz="1800" b="1" dirty="0" smtClean="0"/>
+              <a:t> 하나로 대체</a:t>
+            </a:r>
+            <a:r>
+              <a:rPr lang="en-US" altLang="ko-KR" sz="1800" b="1" dirty="0" smtClean="0"/>
+              <a:t>.</a:t>
+            </a:r>
+          </a:p>
+          <a:p>
+            <a:endParaRPr lang="en-US" altLang="ko-KR" sz="1800" b="1" dirty="0"/>
+          </a:p>
+          <a:p>
+            <a:r>
+              <a:rPr lang="ko-KR" altLang="en-US" sz="1800" b="1" dirty="0" smtClean="0"/>
+              <a:t>아이디어</a:t>
+            </a:r>
+            <a:r>
+              <a:rPr lang="en-US" altLang="ko-KR" sz="1800" b="1" dirty="0" smtClean="0"/>
+              <a:t>2. </a:t>
+            </a:r>
+            <a:r>
+              <a:rPr lang="ko-KR" altLang="en-US" sz="1800" b="1" dirty="0" err="1" smtClean="0"/>
+              <a:t>마지막탄은</a:t>
+            </a:r>
+            <a:r>
+              <a:rPr lang="ko-KR" altLang="en-US" sz="1800" b="1" dirty="0" smtClean="0"/>
+              <a:t> </a:t>
+            </a:r>
+            <a:r>
+              <a:rPr lang="en-US" altLang="ko-KR" sz="1800" b="1" dirty="0" smtClean="0"/>
+              <a:t>5-1</a:t>
+            </a:r>
+            <a:r>
+              <a:rPr lang="ko-KR" altLang="en-US" sz="1800" b="1" dirty="0" smtClean="0"/>
+              <a:t>탄 </a:t>
+            </a:r>
+            <a:r>
+              <a:rPr lang="en-US" altLang="ko-KR" sz="1800" b="1" dirty="0" smtClean="0"/>
+              <a:t>5-2</a:t>
+            </a:r>
+            <a:r>
+              <a:rPr lang="ko-KR" altLang="en-US" sz="1800" b="1" dirty="0" smtClean="0"/>
+              <a:t>탄으로 나누어서 </a:t>
+            </a:r>
+            <a:r>
+              <a:rPr lang="en-US" altLang="ko-KR" sz="1800" b="1" dirty="0" smtClean="0"/>
+              <a:t>1</a:t>
+            </a:r>
+            <a:r>
+              <a:rPr lang="ko-KR" altLang="en-US" sz="1800" b="1" dirty="0" smtClean="0"/>
+              <a:t>탄은 요원하고 </a:t>
+            </a:r>
+            <a:r>
+              <a:rPr lang="ko-KR" altLang="en-US" sz="1800" b="1" dirty="0" err="1" smtClean="0"/>
+              <a:t>닌자</a:t>
+            </a:r>
+            <a:r>
+              <a:rPr lang="ko-KR" altLang="en-US" sz="1800" b="1" dirty="0" smtClean="0"/>
+              <a:t> </a:t>
+            </a:r>
+            <a:r>
+              <a:rPr lang="ko-KR" altLang="en-US" sz="1800" b="1" dirty="0" err="1" smtClean="0"/>
+              <a:t>나오게하고</a:t>
+            </a:r>
+            <a:endParaRPr lang="en-US" altLang="ko-KR" sz="1800" b="1" dirty="0" smtClean="0"/>
+          </a:p>
+          <a:p>
+            <a:pPr marL="0" indent="0">
+              <a:buNone/>
+            </a:pPr>
+            <a:r>
+              <a:rPr lang="en-US" altLang="ko-KR" sz="1800" b="1" dirty="0" smtClean="0"/>
+              <a:t>    2</a:t>
+            </a:r>
+            <a:r>
+              <a:rPr lang="ko-KR" altLang="en-US" sz="1800" b="1" dirty="0" smtClean="0"/>
+              <a:t>탄은 군인들 나오게 하기</a:t>
+            </a:r>
+            <a:endParaRPr lang="en-US" altLang="ko-KR" sz="1800" b="1" dirty="0" smtClean="0"/>
+          </a:p>
+        </p:txBody>
+      </p:sp>
+    </p:spTree>
+    <p:extLst>
+      <p:ext uri="{BB962C8B-B14F-4D97-AF65-F5344CB8AC3E}">
+        <p14:creationId xmlns:p14="http://schemas.microsoft.com/office/powerpoint/2010/main" val="3036180783"/>
       </p:ext>
     </p:extLst>
   </p:cSld>

--- a/EscapeJail/Assets/기획/스테이지1기획.pptx
+++ b/EscapeJail/Assets/기획/스테이지1기획.pptx
@@ -31,14 +31,15 @@
     <p:sldId id="283" r:id="rId25"/>
     <p:sldId id="285" r:id="rId26"/>
     <p:sldId id="286" r:id="rId27"/>
-    <p:sldId id="284" r:id="rId28"/>
-    <p:sldId id="288" r:id="rId29"/>
-    <p:sldId id="287" r:id="rId30"/>
-    <p:sldId id="291" r:id="rId31"/>
-    <p:sldId id="290" r:id="rId32"/>
-    <p:sldId id="292" r:id="rId33"/>
-    <p:sldId id="293" r:id="rId34"/>
-    <p:sldId id="294" r:id="rId35"/>
+    <p:sldId id="295" r:id="rId28"/>
+    <p:sldId id="284" r:id="rId29"/>
+    <p:sldId id="288" r:id="rId30"/>
+    <p:sldId id="287" r:id="rId31"/>
+    <p:sldId id="291" r:id="rId32"/>
+    <p:sldId id="290" r:id="rId33"/>
+    <p:sldId id="292" r:id="rId34"/>
+    <p:sldId id="293" r:id="rId35"/>
+    <p:sldId id="294" r:id="rId36"/>
   </p:sldIdLst>
   <p:sldSz cx="9144000" cy="6858000" type="screen4x3"/>
   <p:notesSz cx="6858000" cy="9144000"/>
@@ -321,7 +322,7 @@
           <a:p>
             <a:fld id="{75C3E87A-1EF5-4BC0-A34A-1B32DEFB2AF0}" type="datetimeFigureOut">
               <a:rPr lang="ko-KR" altLang="en-US" smtClean="0"/>
-              <a:t>2017-10-27</a:t>
+              <a:t>2017-10-29</a:t>
             </a:fld>
             <a:endParaRPr lang="ko-KR" altLang="en-US"/>
           </a:p>
@@ -491,7 +492,7 @@
           <a:p>
             <a:fld id="{75C3E87A-1EF5-4BC0-A34A-1B32DEFB2AF0}" type="datetimeFigureOut">
               <a:rPr lang="ko-KR" altLang="en-US" smtClean="0"/>
-              <a:t>2017-10-27</a:t>
+              <a:t>2017-10-29</a:t>
             </a:fld>
             <a:endParaRPr lang="ko-KR" altLang="en-US"/>
           </a:p>
@@ -671,7 +672,7 @@
           <a:p>
             <a:fld id="{75C3E87A-1EF5-4BC0-A34A-1B32DEFB2AF0}" type="datetimeFigureOut">
               <a:rPr lang="ko-KR" altLang="en-US" smtClean="0"/>
-              <a:t>2017-10-27</a:t>
+              <a:t>2017-10-29</a:t>
             </a:fld>
             <a:endParaRPr lang="ko-KR" altLang="en-US"/>
           </a:p>
@@ -841,7 +842,7 @@
           <a:p>
             <a:fld id="{75C3E87A-1EF5-4BC0-A34A-1B32DEFB2AF0}" type="datetimeFigureOut">
               <a:rPr lang="ko-KR" altLang="en-US" smtClean="0"/>
-              <a:t>2017-10-27</a:t>
+              <a:t>2017-10-29</a:t>
             </a:fld>
             <a:endParaRPr lang="ko-KR" altLang="en-US"/>
           </a:p>
@@ -1087,7 +1088,7 @@
           <a:p>
             <a:fld id="{75C3E87A-1EF5-4BC0-A34A-1B32DEFB2AF0}" type="datetimeFigureOut">
               <a:rPr lang="ko-KR" altLang="en-US" smtClean="0"/>
-              <a:t>2017-10-27</a:t>
+              <a:t>2017-10-29</a:t>
             </a:fld>
             <a:endParaRPr lang="ko-KR" altLang="en-US"/>
           </a:p>
@@ -1375,7 +1376,7 @@
           <a:p>
             <a:fld id="{75C3E87A-1EF5-4BC0-A34A-1B32DEFB2AF0}" type="datetimeFigureOut">
               <a:rPr lang="ko-KR" altLang="en-US" smtClean="0"/>
-              <a:t>2017-10-27</a:t>
+              <a:t>2017-10-29</a:t>
             </a:fld>
             <a:endParaRPr lang="ko-KR" altLang="en-US"/>
           </a:p>
@@ -1797,7 +1798,7 @@
           <a:p>
             <a:fld id="{75C3E87A-1EF5-4BC0-A34A-1B32DEFB2AF0}" type="datetimeFigureOut">
               <a:rPr lang="ko-KR" altLang="en-US" smtClean="0"/>
-              <a:t>2017-10-27</a:t>
+              <a:t>2017-10-29</a:t>
             </a:fld>
             <a:endParaRPr lang="ko-KR" altLang="en-US"/>
           </a:p>
@@ -1915,7 +1916,7 @@
           <a:p>
             <a:fld id="{75C3E87A-1EF5-4BC0-A34A-1B32DEFB2AF0}" type="datetimeFigureOut">
               <a:rPr lang="ko-KR" altLang="en-US" smtClean="0"/>
-              <a:t>2017-10-27</a:t>
+              <a:t>2017-10-29</a:t>
             </a:fld>
             <a:endParaRPr lang="ko-KR" altLang="en-US"/>
           </a:p>
@@ -2010,7 +2011,7 @@
           <a:p>
             <a:fld id="{75C3E87A-1EF5-4BC0-A34A-1B32DEFB2AF0}" type="datetimeFigureOut">
               <a:rPr lang="ko-KR" altLang="en-US" smtClean="0"/>
-              <a:t>2017-10-27</a:t>
+              <a:t>2017-10-29</a:t>
             </a:fld>
             <a:endParaRPr lang="ko-KR" altLang="en-US"/>
           </a:p>
@@ -2287,7 +2288,7 @@
           <a:p>
             <a:fld id="{75C3E87A-1EF5-4BC0-A34A-1B32DEFB2AF0}" type="datetimeFigureOut">
               <a:rPr lang="ko-KR" altLang="en-US" smtClean="0"/>
-              <a:t>2017-10-27</a:t>
+              <a:t>2017-10-29</a:t>
             </a:fld>
             <a:endParaRPr lang="ko-KR" altLang="en-US"/>
           </a:p>
@@ -2540,7 +2541,7 @@
           <a:p>
             <a:fld id="{75C3E87A-1EF5-4BC0-A34A-1B32DEFB2AF0}" type="datetimeFigureOut">
               <a:rPr lang="ko-KR" altLang="en-US" smtClean="0"/>
-              <a:t>2017-10-27</a:t>
+              <a:t>2017-10-29</a:t>
             </a:fld>
             <a:endParaRPr lang="ko-KR" altLang="en-US"/>
           </a:p>
@@ -2753,7 +2754,7 @@
           <a:p>
             <a:fld id="{75C3E87A-1EF5-4BC0-A34A-1B32DEFB2AF0}" type="datetimeFigureOut">
               <a:rPr lang="ko-KR" altLang="en-US" smtClean="0"/>
-              <a:t>2017-10-27</a:t>
+              <a:t>2017-10-29</a:t>
             </a:fld>
             <a:endParaRPr lang="ko-KR" altLang="en-US"/>
           </a:p>
@@ -12282,60 +12283,12 @@
         </p:nvSpPr>
         <p:spPr/>
         <p:txBody>
-          <a:bodyPr>
-            <a:normAutofit fontScale="90000"/>
-          </a:bodyPr>
+          <a:bodyPr/>
           <a:lstStyle/>
           <a:p>
             <a:r>
-              <a:rPr lang="ko-KR" altLang="en-US" dirty="0" err="1" smtClean="0"/>
-              <a:t>패시브</a:t>
-            </a:r>
-            <a:r>
               <a:rPr lang="ko-KR" altLang="en-US" dirty="0" smtClean="0"/>
-              <a:t> 아이템</a:t>
-            </a:r>
-            <a:r>
-              <a:rPr lang="en-US" altLang="ko-KR" dirty="0" smtClean="0"/>
-              <a:t/>
-            </a:r>
-            <a:br>
-              <a:rPr lang="en-US" altLang="ko-KR" dirty="0" smtClean="0"/>
-            </a:br>
-            <a:r>
-              <a:rPr lang="en-US" altLang="ko-KR" dirty="0" smtClean="0"/>
-              <a:t>(</a:t>
-            </a:r>
-            <a:r>
-              <a:rPr lang="ko-KR" altLang="en-US" dirty="0" smtClean="0"/>
-              <a:t>플레이어마다 </a:t>
-            </a:r>
-            <a:r>
-              <a:rPr lang="en-US" altLang="ko-KR" dirty="0" smtClean="0"/>
-              <a:t>1</a:t>
-            </a:r>
-            <a:r>
-              <a:rPr lang="ko-KR" altLang="en-US" dirty="0" smtClean="0"/>
-              <a:t>개씩 소유 가능</a:t>
-            </a:r>
-            <a:r>
-              <a:rPr lang="en-US" altLang="ko-KR" dirty="0" smtClean="0"/>
-              <a:t/>
-            </a:r>
-            <a:br>
-              <a:rPr lang="en-US" altLang="ko-KR" dirty="0" smtClean="0"/>
-            </a:br>
-            <a:r>
-              <a:rPr lang="ko-KR" altLang="en-US" dirty="0" err="1" smtClean="0"/>
-              <a:t>시작시</a:t>
-            </a:r>
-            <a:r>
-              <a:rPr lang="ko-KR" altLang="en-US" dirty="0" smtClean="0"/>
-              <a:t> 선택</a:t>
-            </a:r>
-            <a:r>
-              <a:rPr lang="en-US" altLang="ko-KR" dirty="0" smtClean="0"/>
-              <a:t>)</a:t>
+              <a:t>신무기</a:t>
             </a:r>
             <a:endParaRPr lang="ko-KR" altLang="en-US" dirty="0"/>
           </a:p>
@@ -12358,111 +12311,134 @@
           </a:bodyPr>
           <a:lstStyle/>
           <a:p>
+            <a:r>
+              <a:rPr lang="ko-KR" altLang="en-US" b="1" dirty="0" err="1" smtClean="0"/>
+              <a:t>알낳는</a:t>
+            </a:r>
+            <a:r>
+              <a:rPr lang="ko-KR" altLang="en-US" b="1" dirty="0" smtClean="0"/>
+              <a:t> 닭이나 거위나 오리 </a:t>
+            </a:r>
             <a:endParaRPr lang="en-US" altLang="ko-KR" b="1" dirty="0" smtClean="0"/>
           </a:p>
           <a:p>
             <a:r>
+              <a:rPr lang="en-US" altLang="ko-KR" b="1" dirty="0" smtClean="0"/>
+              <a:t>(</a:t>
+            </a:r>
+            <a:r>
               <a:rPr lang="ko-KR" altLang="en-US" b="1" dirty="0" smtClean="0"/>
-              <a:t>안정제 </a:t>
-            </a:r>
-            <a:r>
-              <a:rPr lang="en-US" altLang="ko-KR" b="1" dirty="0" smtClean="0"/>
-              <a:t>( </a:t>
-            </a:r>
-            <a:r>
-              <a:rPr lang="ko-KR" altLang="en-US" b="1" dirty="0" smtClean="0"/>
-              <a:t>총기 반동을 많이 줄여줌</a:t>
+              <a:t>알을 땅에 놓음 적이 밟으면 폭발 하거나 오래 지나면 닭으로 부화해서 </a:t>
+            </a:r>
+            <a:r>
+              <a:rPr lang="ko-KR" altLang="en-US" b="1" dirty="0" err="1" smtClean="0"/>
+              <a:t>유도미사일됨</a:t>
             </a:r>
             <a:r>
               <a:rPr lang="en-US" altLang="ko-KR" b="1" dirty="0" smtClean="0"/>
               <a:t>)</a:t>
             </a:r>
-            <a:endParaRPr lang="en-US" altLang="ko-KR" b="1" dirty="0"/>
-          </a:p>
-          <a:p>
-            <a:r>
-              <a:rPr lang="ko-KR" altLang="en-US" b="1" dirty="0" smtClean="0"/>
-              <a:t>사정거리 늘어나는 아이템도 </a:t>
-            </a:r>
-            <a:r>
-              <a:rPr lang="ko-KR" altLang="en-US" b="1" dirty="0" err="1" smtClean="0"/>
-              <a:t>필요할수도</a:t>
-            </a:r>
-            <a:r>
-              <a:rPr lang="en-US" altLang="ko-KR" b="1" dirty="0" smtClean="0"/>
-              <a:t>(</a:t>
-            </a:r>
-            <a:r>
-              <a:rPr lang="ko-KR" altLang="en-US" b="1" dirty="0" err="1" smtClean="0"/>
-              <a:t>샷건</a:t>
-            </a:r>
-            <a:r>
-              <a:rPr lang="ko-KR" altLang="en-US" b="1" dirty="0" smtClean="0"/>
-              <a:t> 사정거리</a:t>
-            </a:r>
-            <a:r>
-              <a:rPr lang="en-US" altLang="ko-KR" b="1" dirty="0" smtClean="0"/>
-              <a:t>)</a:t>
-            </a:r>
-          </a:p>
-          <a:p>
-            <a:r>
-              <a:rPr lang="ko-KR" altLang="en-US" b="1" dirty="0" smtClean="0"/>
-              <a:t>전체 무기 </a:t>
-            </a:r>
-            <a:r>
-              <a:rPr lang="ko-KR" altLang="en-US" b="1" dirty="0" err="1" smtClean="0"/>
-              <a:t>총알수</a:t>
-            </a:r>
-            <a:r>
-              <a:rPr lang="ko-KR" altLang="en-US" b="1" dirty="0" smtClean="0"/>
-              <a:t> 증가 </a:t>
-            </a:r>
-            <a:r>
-              <a:rPr lang="en-US" altLang="ko-KR" b="1" dirty="0" smtClean="0"/>
-              <a:t>(</a:t>
-            </a:r>
-            <a:r>
-              <a:rPr lang="ko-KR" altLang="en-US" b="1" dirty="0" smtClean="0"/>
-              <a:t>대용량탄창</a:t>
-            </a:r>
-            <a:r>
-              <a:rPr lang="en-US" altLang="ko-KR" b="1" dirty="0" smtClean="0"/>
-              <a:t>)</a:t>
-            </a:r>
-          </a:p>
-          <a:p>
-            <a:r>
-              <a:rPr lang="ko-KR" altLang="en-US" b="1" dirty="0" err="1" smtClean="0"/>
-              <a:t>흡혈의낫</a:t>
-            </a:r>
-            <a:r>
-              <a:rPr lang="en-US" altLang="ko-KR" b="1" dirty="0" smtClean="0"/>
-              <a:t>(?) (</a:t>
-            </a:r>
-            <a:r>
-              <a:rPr lang="ko-KR" altLang="en-US" b="1" dirty="0" smtClean="0"/>
-              <a:t>일정시간 피해를 입지 않으면 체력 회복</a:t>
-            </a:r>
-            <a:r>
-              <a:rPr lang="en-US" altLang="ko-KR" b="1" dirty="0" smtClean="0"/>
-              <a:t>,</a:t>
-            </a:r>
-            <a:r>
-              <a:rPr lang="ko-KR" altLang="en-US" b="1" dirty="0" smtClean="0"/>
-              <a:t>너무 사긴가</a:t>
-            </a:r>
-            <a:r>
-              <a:rPr lang="en-US" altLang="ko-KR" b="1" dirty="0" smtClean="0"/>
-              <a:t>)</a:t>
-            </a:r>
+            <a:endParaRPr lang="en-US" altLang="ko-KR" b="1" dirty="0" smtClean="0"/>
           </a:p>
         </p:txBody>
       </p:sp>
+      <p:sp>
+        <p:nvSpPr>
+          <p:cNvPr id="4" name="AutoShape 2" descr="pixel headphone에 대한 이미지 검색결과"/>
+          <p:cNvSpPr>
+            <a:spLocks noChangeAspect="1" noChangeArrowheads="1"/>
+          </p:cNvSpPr>
+          <p:nvPr/>
+        </p:nvSpPr>
+        <p:spPr bwMode="auto">
+          <a:xfrm>
+            <a:off x="0" y="-144463"/>
+            <a:ext cx="304800" cy="304801"/>
+          </a:xfrm>
+          <a:prstGeom prst="rect">
+            <a:avLst/>
+          </a:prstGeom>
+          <a:noFill/>
+          <a:extLst>
+            <a:ext uri="{909E8E84-426E-40DD-AFC4-6F175D3DCCD1}">
+              <a14:hiddenFill xmlns:a14="http://schemas.microsoft.com/office/drawing/2010/main">
+                <a:solidFill>
+                  <a:srgbClr val="FFFFFF"/>
+                </a:solidFill>
+              </a14:hiddenFill>
+            </a:ext>
+          </a:extLst>
+        </p:spPr>
+        <p:txBody>
+          <a:bodyPr vert="horz" wrap="square" lIns="91440" tIns="45720" rIns="91440" bIns="45720" numCol="1" anchor="t" anchorCtr="0" compatLnSpc="1">
+            <a:prstTxWarp prst="textNoShape">
+              <a:avLst/>
+            </a:prstTxWarp>
+          </a:bodyPr>
+          <a:lstStyle/>
+          <a:p>
+            <a:endParaRPr lang="ko-KR" altLang="en-US"/>
+          </a:p>
+        </p:txBody>
+      </p:sp>
+      <p:pic>
+        <p:nvPicPr>
+          <p:cNvPr id="1026" name="Picture 2"/>
+          <p:cNvPicPr>
+            <a:picLocks noChangeAspect="1" noChangeArrowheads="1"/>
+          </p:cNvPicPr>
+          <p:nvPr/>
+        </p:nvPicPr>
+        <p:blipFill>
+          <a:blip r:embed="rId2">
+            <a:extLst>
+              <a:ext uri="{28A0092B-C50C-407E-A947-70E740481C1C}">
+                <a14:useLocalDpi xmlns:a14="http://schemas.microsoft.com/office/drawing/2010/main" val="0"/>
+              </a:ext>
+            </a:extLst>
+          </a:blip>
+          <a:srcRect/>
+          <a:stretch>
+            <a:fillRect/>
+          </a:stretch>
+        </p:blipFill>
+        <p:spPr bwMode="auto">
+          <a:xfrm>
+            <a:off x="8820472" y="1052736"/>
+            <a:ext cx="2143125" cy="2143125"/>
+          </a:xfrm>
+          <a:prstGeom prst="rect">
+            <a:avLst/>
+          </a:prstGeom>
+          <a:noFill/>
+          <a:ln>
+            <a:noFill/>
+          </a:ln>
+          <a:extLst>
+            <a:ext uri="{909E8E84-426E-40DD-AFC4-6F175D3DCCD1}">
+              <a14:hiddenFill xmlns:a14="http://schemas.microsoft.com/office/drawing/2010/main">
+                <a:solidFill>
+                  <a:schemeClr val="accent1"/>
+                </a:solidFill>
+              </a14:hiddenFill>
+            </a:ext>
+            <a:ext uri="{91240B29-F687-4F45-9708-019B960494DF}">
+              <a14:hiddenLine xmlns:a14="http://schemas.microsoft.com/office/drawing/2010/main" w="9525">
+                <a:solidFill>
+                  <a:schemeClr val="tx1"/>
+                </a:solidFill>
+                <a:miter lim="800000"/>
+                <a:headEnd/>
+                <a:tailEnd/>
+              </a14:hiddenLine>
+            </a:ext>
+          </a:extLst>
+        </p:spPr>
+      </p:pic>
     </p:spTree>
     <p:extLst>
       <p:ext uri="{BB962C8B-B14F-4D97-AF65-F5344CB8AC3E}">
-        <p14:creationId xmlns:p14="http://schemas.microsoft.com/office/powerpoint/2010/main" val="4072168355"/>
+        <p14:creationId xmlns:p14="http://schemas.microsoft.com/office/powerpoint/2010/main" val="3718217683"/>
       </p:ext>
     </p:extLst>
   </p:cSld>
@@ -12521,6 +12497,41 @@
             <a:br>
               <a:rPr lang="en-US" altLang="ko-KR" dirty="0" smtClean="0"/>
             </a:br>
+            <a:r>
+              <a:rPr lang="en-US" altLang="ko-KR" dirty="0" smtClean="0"/>
+              <a:t>(</a:t>
+            </a:r>
+            <a:r>
+              <a:rPr lang="ko-KR" altLang="en-US" dirty="0" smtClean="0"/>
+              <a:t>플레이어마다 </a:t>
+            </a:r>
+            <a:r>
+              <a:rPr lang="en-US" altLang="ko-KR" dirty="0" smtClean="0"/>
+              <a:t>1</a:t>
+            </a:r>
+            <a:r>
+              <a:rPr lang="ko-KR" altLang="en-US" dirty="0" smtClean="0"/>
+              <a:t>개씩 소유 가능</a:t>
+            </a:r>
+            <a:r>
+              <a:rPr lang="en-US" altLang="ko-KR" dirty="0" smtClean="0"/>
+              <a:t/>
+            </a:r>
+            <a:br>
+              <a:rPr lang="en-US" altLang="ko-KR" dirty="0" smtClean="0"/>
+            </a:br>
+            <a:r>
+              <a:rPr lang="ko-KR" altLang="en-US" dirty="0" err="1" smtClean="0"/>
+              <a:t>시작시</a:t>
+            </a:r>
+            <a:r>
+              <a:rPr lang="ko-KR" altLang="en-US" dirty="0" smtClean="0"/>
+              <a:t> 선택</a:t>
+            </a:r>
+            <a:r>
+              <a:rPr lang="en-US" altLang="ko-KR" dirty="0" smtClean="0"/>
+              <a:t>)</a:t>
+            </a:r>
             <a:endParaRPr lang="ko-KR" altLang="en-US" dirty="0"/>
           </a:p>
         </p:txBody>
@@ -12542,25 +12553,99 @@
           </a:bodyPr>
           <a:lstStyle/>
           <a:p>
+            <a:endParaRPr lang="en-US" altLang="ko-KR" b="1" dirty="0" smtClean="0"/>
+          </a:p>
+          <a:p>
             <a:r>
               <a:rPr lang="ko-KR" altLang="en-US" b="1" dirty="0" smtClean="0"/>
-              <a:t>돼지 우상</a:t>
+              <a:t>안정제 </a:t>
             </a:r>
             <a:r>
               <a:rPr lang="en-US" altLang="ko-KR" b="1" dirty="0" smtClean="0"/>
-              <a:t>(?)</a:t>
+              <a:t>( </a:t>
             </a:r>
             <a:r>
               <a:rPr lang="ko-KR" altLang="en-US" b="1" dirty="0" smtClean="0"/>
-              <a:t> </a:t>
+              <a:t>총기 반동을 많이 줄여줌</a:t>
+            </a:r>
+            <a:r>
+              <a:rPr lang="en-US" altLang="ko-KR" b="1" dirty="0" smtClean="0"/>
+              <a:t>)</a:t>
+            </a:r>
+            <a:endParaRPr lang="en-US" altLang="ko-KR" b="1" dirty="0"/>
+          </a:p>
+          <a:p>
+            <a:r>
+              <a:rPr lang="ko-KR" altLang="en-US" b="1" dirty="0" smtClean="0"/>
+              <a:t>사정거리 늘어나는 아이템도 </a:t>
+            </a:r>
+            <a:r>
+              <a:rPr lang="ko-KR" altLang="en-US" b="1" dirty="0" err="1" smtClean="0"/>
+              <a:t>필요할수도</a:t>
             </a:r>
             <a:r>
               <a:rPr lang="en-US" altLang="ko-KR" b="1" dirty="0" smtClean="0"/>
               <a:t>(</a:t>
             </a:r>
             <a:r>
+              <a:rPr lang="ko-KR" altLang="en-US" b="1" dirty="0" err="1" smtClean="0"/>
+              <a:t>샷건</a:t>
+            </a:r>
+            <a:r>
               <a:rPr lang="ko-KR" altLang="en-US" b="1" dirty="0" smtClean="0"/>
-              <a:t>아이템 획득 확률 상승</a:t>
+              <a:t> 사정거리</a:t>
+            </a:r>
+            <a:r>
+              <a:rPr lang="en-US" altLang="ko-KR" b="1" dirty="0" smtClean="0"/>
+              <a:t>)</a:t>
+            </a:r>
+          </a:p>
+          <a:p>
+            <a:r>
+              <a:rPr lang="ko-KR" altLang="en-US" b="1" dirty="0" smtClean="0"/>
+              <a:t>전체 무기 </a:t>
+            </a:r>
+            <a:r>
+              <a:rPr lang="ko-KR" altLang="en-US" b="1" dirty="0" err="1" smtClean="0"/>
+              <a:t>총알수</a:t>
+            </a:r>
+            <a:r>
+              <a:rPr lang="ko-KR" altLang="en-US" b="1" dirty="0" smtClean="0"/>
+              <a:t> 증가 </a:t>
+            </a:r>
+            <a:r>
+              <a:rPr lang="en-US" altLang="ko-KR" b="1" dirty="0" smtClean="0"/>
+              <a:t>(</a:t>
+            </a:r>
+            <a:r>
+              <a:rPr lang="ko-KR" altLang="en-US" b="1" dirty="0" smtClean="0"/>
+              <a:t>대용량탄창</a:t>
+            </a:r>
+            <a:r>
+              <a:rPr lang="en-US" altLang="ko-KR" b="1" dirty="0" smtClean="0"/>
+              <a:t>)</a:t>
+            </a:r>
+          </a:p>
+          <a:p>
+            <a:r>
+              <a:rPr lang="ko-KR" altLang="en-US" b="1" dirty="0" err="1" smtClean="0"/>
+              <a:t>흡혈의낫</a:t>
+            </a:r>
+            <a:r>
+              <a:rPr lang="en-US" altLang="ko-KR" b="1" dirty="0" smtClean="0"/>
+              <a:t>(?) (</a:t>
+            </a:r>
+            <a:r>
+              <a:rPr lang="ko-KR" altLang="en-US" b="1" dirty="0" smtClean="0"/>
+              <a:t>일정시간 피해를 입지 않으면 체력 회복</a:t>
+            </a:r>
+            <a:r>
+              <a:rPr lang="en-US" altLang="ko-KR" b="1" dirty="0" smtClean="0"/>
+              <a:t>,</a:t>
+            </a:r>
+            <a:r>
+              <a:rPr lang="ko-KR" altLang="en-US" b="1" dirty="0" smtClean="0"/>
+              <a:t>너무 사긴가</a:t>
             </a:r>
             <a:r>
               <a:rPr lang="en-US" altLang="ko-KR" b="1" dirty="0" smtClean="0"/>
@@ -12572,7 +12657,7 @@
     </p:spTree>
     <p:extLst>
       <p:ext uri="{BB962C8B-B14F-4D97-AF65-F5344CB8AC3E}">
-        <p14:creationId xmlns:p14="http://schemas.microsoft.com/office/powerpoint/2010/main" val="251605719"/>
+        <p14:creationId xmlns:p14="http://schemas.microsoft.com/office/powerpoint/2010/main" val="4072168355"/>
       </p:ext>
     </p:extLst>
   </p:cSld>
@@ -12617,8 +12702,12 @@
           <a:lstStyle/>
           <a:p>
             <a:r>
+              <a:rPr lang="ko-KR" altLang="en-US" dirty="0" err="1" smtClean="0"/>
+              <a:t>패시브</a:t>
+            </a:r>
+            <a:r>
               <a:rPr lang="ko-KR" altLang="en-US" dirty="0" smtClean="0"/>
-              <a:t>아이디어 추가</a:t>
+              <a:t> 아이템</a:t>
             </a:r>
             <a:r>
               <a:rPr lang="en-US" altLang="ko-KR" dirty="0" smtClean="0"/>
@@ -12650,73 +12739,23 @@
           <a:p>
             <a:r>
               <a:rPr lang="ko-KR" altLang="en-US" b="1" dirty="0" smtClean="0"/>
-              <a:t>처음에는 무기 </a:t>
-            </a:r>
-            <a:r>
-              <a:rPr lang="ko-KR" altLang="en-US" b="1" dirty="0" err="1" smtClean="0"/>
-              <a:t>인벤토리만</a:t>
+              <a:t>돼지 우상</a:t>
+            </a:r>
+            <a:r>
+              <a:rPr lang="en-US" altLang="ko-KR" b="1" dirty="0" smtClean="0"/>
+              <a:t>(?)</a:t>
             </a:r>
             <a:r>
               <a:rPr lang="ko-KR" altLang="en-US" b="1" dirty="0" smtClean="0"/>
               <a:t> </a:t>
             </a:r>
             <a:r>
-              <a:rPr lang="ko-KR" altLang="en-US" b="1" dirty="0" err="1" smtClean="0"/>
-              <a:t>두칸</a:t>
-            </a:r>
-            <a:r>
-              <a:rPr lang="ko-KR" altLang="en-US" b="1" dirty="0" smtClean="0"/>
-              <a:t> </a:t>
-            </a:r>
-            <a:r>
-              <a:rPr lang="ko-KR" altLang="en-US" b="1" dirty="0" err="1" smtClean="0"/>
-              <a:t>줄것</a:t>
-            </a:r>
-            <a:endParaRPr lang="en-US" altLang="ko-KR" b="1" dirty="0" smtClean="0"/>
-          </a:p>
-          <a:p>
-            <a:r>
-              <a:rPr lang="ko-KR" altLang="en-US" b="1" dirty="0" err="1" smtClean="0"/>
-              <a:t>한판할때마다</a:t>
-            </a:r>
-            <a:r>
-              <a:rPr lang="ko-KR" altLang="en-US" b="1" dirty="0" smtClean="0"/>
-              <a:t> 코인을 줘서 그걸로 </a:t>
-            </a:r>
-            <a:r>
-              <a:rPr lang="ko-KR" altLang="en-US" b="1" dirty="0" err="1" smtClean="0"/>
-              <a:t>패시브</a:t>
-            </a:r>
-            <a:r>
-              <a:rPr lang="ko-KR" altLang="en-US" b="1" dirty="0" smtClean="0"/>
-              <a:t> 아이템 구매</a:t>
-            </a:r>
-            <a:endParaRPr lang="en-US" altLang="ko-KR" b="1" dirty="0" smtClean="0"/>
-          </a:p>
-          <a:p>
-            <a:r>
-              <a:rPr lang="ko-KR" altLang="en-US" b="1" dirty="0" smtClean="0"/>
-              <a:t> </a:t>
-            </a:r>
-            <a:r>
               <a:rPr lang="en-US" altLang="ko-KR" b="1" dirty="0" smtClean="0"/>
               <a:t>(</a:t>
             </a:r>
             <a:r>
-              <a:rPr lang="ko-KR" altLang="en-US" b="1" dirty="0" err="1" smtClean="0"/>
-              <a:t>패시브</a:t>
-            </a:r>
-            <a:r>
               <a:rPr lang="ko-KR" altLang="en-US" b="1" dirty="0" smtClean="0"/>
-              <a:t> 아이템은 게임 </a:t>
-            </a:r>
-            <a:r>
-              <a:rPr lang="ko-KR" altLang="en-US" b="1" dirty="0" err="1" smtClean="0"/>
-              <a:t>시작할때</a:t>
-            </a:r>
-            <a:r>
-              <a:rPr lang="ko-KR" altLang="en-US" b="1" dirty="0" smtClean="0"/>
-              <a:t> 한 개 골라서 효과를 받음</a:t>
+              <a:t>아이템 획득 확률 상승</a:t>
             </a:r>
             <a:r>
               <a:rPr lang="en-US" altLang="ko-KR" b="1" dirty="0" smtClean="0"/>
@@ -12728,7 +12767,7 @@
     </p:spTree>
     <p:extLst>
       <p:ext uri="{BB962C8B-B14F-4D97-AF65-F5344CB8AC3E}">
-        <p14:creationId xmlns:p14="http://schemas.microsoft.com/office/powerpoint/2010/main" val="2550670840"/>
+        <p14:creationId xmlns:p14="http://schemas.microsoft.com/office/powerpoint/2010/main" val="251605719"/>
       </p:ext>
     </p:extLst>
   </p:cSld>
@@ -12931,7 +12970,7 @@
           <a:p>
             <a:r>
               <a:rPr lang="ko-KR" altLang="en-US" dirty="0" smtClean="0"/>
-              <a:t>게임제목 아이디어</a:t>
+              <a:t>아이디어 추가</a:t>
             </a:r>
             <a:r>
               <a:rPr lang="en-US" altLang="ko-KR" dirty="0" smtClean="0"/>
@@ -12961,24 +13000,55 @@
           </a:bodyPr>
           <a:lstStyle/>
           <a:p>
-            <a:pPr marL="0" indent="0">
-              <a:buNone/>
-            </a:pPr>
-            <a:r>
-              <a:rPr lang="ko-KR" altLang="en-US" b="1" dirty="0" smtClean="0">
-                <a:solidFill>
-                  <a:srgbClr val="FF0000"/>
-                </a:solidFill>
-              </a:rPr>
-              <a:t>건 </a:t>
-            </a:r>
-            <a:r>
-              <a:rPr lang="ko-KR" altLang="en-US" b="1" dirty="0" err="1" smtClean="0">
-                <a:solidFill>
-                  <a:srgbClr val="FF0000"/>
-                </a:solidFill>
-              </a:rPr>
-              <a:t>크러쉬</a:t>
+            <a:r>
+              <a:rPr lang="ko-KR" altLang="en-US" b="1" dirty="0" smtClean="0"/>
+              <a:t>처음에는 무기 </a:t>
+            </a:r>
+            <a:r>
+              <a:rPr lang="ko-KR" altLang="en-US" b="1" dirty="0" err="1" smtClean="0"/>
+              <a:t>인벤토리만</a:t>
+            </a:r>
+            <a:r>
+              <a:rPr lang="ko-KR" altLang="en-US" b="1" dirty="0" smtClean="0"/>
+              <a:t> </a:t>
+            </a:r>
+            <a:r>
+              <a:rPr lang="ko-KR" altLang="en-US" b="1" dirty="0" err="1" smtClean="0"/>
+              <a:t>두칸</a:t>
+            </a:r>
+            <a:r>
+              <a:rPr lang="ko-KR" altLang="en-US" b="1" dirty="0" smtClean="0"/>
+              <a:t> </a:t>
+            </a:r>
+            <a:r>
+              <a:rPr lang="ko-KR" altLang="en-US" b="1" dirty="0" err="1" smtClean="0"/>
+              <a:t>줄것</a:t>
+            </a:r>
+            <a:endParaRPr lang="en-US" altLang="ko-KR" b="1" dirty="0" smtClean="0"/>
+          </a:p>
+          <a:p>
+            <a:r>
+              <a:rPr lang="ko-KR" altLang="en-US" b="1" dirty="0" err="1" smtClean="0"/>
+              <a:t>한판할때마다</a:t>
+            </a:r>
+            <a:r>
+              <a:rPr lang="ko-KR" altLang="en-US" b="1" dirty="0" smtClean="0"/>
+              <a:t> 코인을 줘서 그걸로 </a:t>
+            </a:r>
+            <a:r>
+              <a:rPr lang="ko-KR" altLang="en-US" b="1" dirty="0" err="1" smtClean="0"/>
+              <a:t>패시브</a:t>
+            </a:r>
+            <a:r>
+              <a:rPr lang="ko-KR" altLang="en-US" b="1" dirty="0" smtClean="0"/>
+              <a:t> 아이템 구매</a:t>
+            </a:r>
+            <a:endParaRPr lang="en-US" altLang="ko-KR" b="1" dirty="0" smtClean="0"/>
+          </a:p>
+          <a:p>
+            <a:r>
+              <a:rPr lang="ko-KR" altLang="en-US" b="1" dirty="0" smtClean="0"/>
+              <a:t> </a:t>
             </a:r>
             <a:r>
               <a:rPr lang="en-US" altLang="ko-KR" b="1" dirty="0" smtClean="0"/>
@@ -12986,56 +13056,31 @@
             </a:r>
             <a:r>
               <a:rPr lang="ko-KR" altLang="en-US" b="1" dirty="0" err="1" smtClean="0"/>
-              <a:t>구글에</a:t>
+              <a:t>패시브</a:t>
             </a:r>
             <a:r>
               <a:rPr lang="ko-KR" altLang="en-US" b="1" dirty="0" smtClean="0"/>
-              <a:t> 검색하면 걸 </a:t>
+              <a:t> 아이템은 게임 </a:t>
             </a:r>
             <a:r>
               <a:rPr lang="ko-KR" altLang="en-US" b="1" dirty="0" err="1" smtClean="0"/>
-              <a:t>크러쉬</a:t>
+              <a:t>시작할때</a:t>
             </a:r>
             <a:r>
               <a:rPr lang="ko-KR" altLang="en-US" b="1" dirty="0" smtClean="0"/>
-              <a:t> 밖에 </a:t>
-            </a:r>
-            <a:r>
-              <a:rPr lang="ko-KR" altLang="en-US" b="1" dirty="0" err="1" smtClean="0"/>
-              <a:t>안나옴</a:t>
-            </a:r>
-            <a:r>
-              <a:rPr lang="ko-KR" altLang="en-US" b="1" dirty="0" smtClean="0"/>
-              <a:t> 심플하고 적절한 </a:t>
-            </a:r>
-            <a:r>
-              <a:rPr lang="ko-KR" altLang="en-US" b="1" dirty="0" err="1" smtClean="0"/>
-              <a:t>제목인듯</a:t>
+              <a:t> 한 개 골라서 효과를 받음</a:t>
             </a:r>
             <a:r>
               <a:rPr lang="en-US" altLang="ko-KR" b="1" dirty="0" smtClean="0"/>
-              <a:t>) </a:t>
-            </a:r>
-          </a:p>
-          <a:p>
-            <a:endParaRPr lang="en-US" altLang="ko-KR" b="1" dirty="0"/>
-          </a:p>
-          <a:p>
-            <a:pPr marL="0" indent="0">
-              <a:buNone/>
-            </a:pPr>
-            <a:r>
-              <a:rPr lang="ko-KR" altLang="en-US" b="1" dirty="0" smtClean="0"/>
-              <a:t>영문으로 검색해도 마찬가지</a:t>
-            </a:r>
-            <a:endParaRPr lang="en-US" altLang="ko-KR" b="1" dirty="0" smtClean="0"/>
+              <a:t>)</a:t>
+            </a:r>
           </a:p>
         </p:txBody>
       </p:sp>
     </p:spTree>
     <p:extLst>
       <p:ext uri="{BB962C8B-B14F-4D97-AF65-F5344CB8AC3E}">
-        <p14:creationId xmlns:p14="http://schemas.microsoft.com/office/powerpoint/2010/main" val="1749074872"/>
+        <p14:creationId xmlns:p14="http://schemas.microsoft.com/office/powerpoint/2010/main" val="2550670840"/>
       </p:ext>
     </p:extLst>
   </p:cSld>
@@ -13081,7 +13126,7 @@
           <a:p>
             <a:r>
               <a:rPr lang="ko-KR" altLang="en-US" dirty="0" smtClean="0"/>
-              <a:t>캐릭터 아이디어 추가</a:t>
+              <a:t>게임제목 아이디어</a:t>
             </a:r>
             <a:r>
               <a:rPr lang="en-US" altLang="ko-KR" dirty="0" smtClean="0"/>
@@ -13107,574 +13152,77 @@
         <p:spPr/>
         <p:txBody>
           <a:bodyPr>
-            <a:normAutofit fontScale="32500" lnSpcReduction="20000"/>
+            <a:normAutofit/>
           </a:bodyPr>
           <a:lstStyle/>
-          <a:p>
-            <a:r>
-              <a:rPr lang="ko-KR" altLang="en-US" dirty="0"/>
-              <a:t>상인에게서 파는 기밀문서 </a:t>
-            </a:r>
-            <a:r>
-              <a:rPr lang="en-US" altLang="ko" dirty="0"/>
-              <a:t>3</a:t>
-            </a:r>
-            <a:r>
-              <a:rPr lang="ko-KR" altLang="en-US" dirty="0" smtClean="0"/>
-              <a:t>개</a:t>
-            </a:r>
-            <a:r>
-              <a:rPr lang="en-US" altLang="ko-KR" dirty="0" smtClean="0"/>
-              <a:t>(</a:t>
-            </a:r>
-            <a:r>
-              <a:rPr lang="ko-KR" altLang="en-US" dirty="0" smtClean="0"/>
-              <a:t>개당 </a:t>
-            </a:r>
-            <a:r>
-              <a:rPr lang="en-US" altLang="ko-KR" dirty="0" smtClean="0"/>
-              <a:t>5000</a:t>
-            </a:r>
-            <a:r>
-              <a:rPr lang="ko-KR" altLang="en-US" dirty="0" smtClean="0"/>
-              <a:t>원</a:t>
-            </a:r>
-            <a:r>
-              <a:rPr lang="en-US" altLang="ko-KR" dirty="0" smtClean="0"/>
-              <a:t>)</a:t>
-            </a:r>
-            <a:r>
-              <a:rPr lang="ko-KR" altLang="en-US" dirty="0" smtClean="0"/>
-              <a:t>사면 </a:t>
-            </a:r>
-            <a:r>
-              <a:rPr lang="ko-KR" altLang="en-US" dirty="0" err="1"/>
-              <a:t>캐릭</a:t>
-            </a:r>
-            <a:r>
-              <a:rPr lang="ko-KR" altLang="en-US" dirty="0"/>
-              <a:t> </a:t>
-            </a:r>
-            <a:r>
-              <a:rPr lang="ko-KR" altLang="en-US" dirty="0" smtClean="0"/>
-              <a:t>얻는 </a:t>
-            </a:r>
-            <a:r>
-              <a:rPr lang="ko-KR" altLang="en-US" dirty="0"/>
-              <a:t>힌트 </a:t>
-            </a:r>
-            <a:r>
-              <a:rPr lang="ko-KR" altLang="en-US" dirty="0" smtClean="0"/>
-              <a:t>알려줌 힌트는 </a:t>
-            </a:r>
-            <a:r>
-              <a:rPr lang="ko-KR" altLang="en-US" dirty="0" err="1" smtClean="0"/>
-              <a:t>캐릭</a:t>
-            </a:r>
-            <a:r>
-              <a:rPr lang="ko-KR" altLang="en-US" dirty="0" smtClean="0"/>
-              <a:t> 선택창에서 </a:t>
-            </a:r>
-            <a:r>
-              <a:rPr lang="ko-KR" altLang="en-US" dirty="0" err="1" smtClean="0"/>
-              <a:t>언락가능</a:t>
-            </a:r>
-            <a:endParaRPr lang="en-US" altLang="ko-KR" dirty="0" smtClean="0"/>
-          </a:p>
-          <a:p>
-            <a:endParaRPr lang="ko" altLang="en-US" dirty="0"/>
-          </a:p>
-          <a:p>
-            <a:r>
-              <a:rPr lang="ko-KR" altLang="en-US" dirty="0"/>
-              <a:t>과학자 주인공</a:t>
-            </a:r>
-          </a:p>
           <a:p>
             <a:pPr marL="0" indent="0">
               <a:buNone/>
             </a:pPr>
             <a:r>
-              <a:rPr lang="ko-KR" altLang="en-US" dirty="0" smtClean="0"/>
-              <a:t>선택조건</a:t>
-            </a:r>
-            <a:r>
-              <a:rPr lang="en-US" altLang="ko-KR" dirty="0" smtClean="0"/>
-              <a:t>: </a:t>
-            </a:r>
-            <a:r>
-              <a:rPr lang="ko-KR" altLang="en-US" dirty="0" smtClean="0"/>
-              <a:t>과학자스테이지만 </a:t>
-            </a:r>
-            <a:r>
-              <a:rPr lang="ko-KR" altLang="en-US" dirty="0" err="1"/>
-              <a:t>맵</a:t>
-            </a:r>
-            <a:r>
-              <a:rPr lang="ko-KR" altLang="en-US" dirty="0"/>
-              <a:t> 구석에 일정 확률로 </a:t>
-            </a:r>
-            <a:r>
-              <a:rPr lang="ko-KR" altLang="en-US" dirty="0" smtClean="0"/>
-              <a:t>나타남 </a:t>
-            </a:r>
-            <a:r>
-              <a:rPr lang="en-US" altLang="ko-KR" dirty="0" smtClean="0"/>
-              <a:t>3</a:t>
-            </a:r>
-            <a:r>
-              <a:rPr lang="ko-KR" altLang="en-US" dirty="0" smtClean="0"/>
-              <a:t>번째로 만났을 때까지 꾸준히 말 걸면  </a:t>
-            </a:r>
-            <a:r>
-              <a:rPr lang="ko-KR" altLang="en-US" dirty="0" err="1" smtClean="0"/>
-              <a:t>언락</a:t>
-            </a:r>
-            <a:r>
-              <a:rPr lang="ko-KR" altLang="en-US" dirty="0" smtClean="0"/>
-              <a:t> 됨 </a:t>
-            </a:r>
-            <a:endParaRPr lang="ko-KR" altLang="en-US" dirty="0"/>
-          </a:p>
-          <a:p>
-            <a:endParaRPr lang="ko" altLang="en-US" dirty="0"/>
-          </a:p>
-          <a:p>
-            <a:r>
-              <a:rPr lang="ko-KR" altLang="en-US" dirty="0"/>
-              <a:t>엔지니어 주인공</a:t>
-            </a:r>
-            <a:r>
-              <a:rPr lang="en-US" altLang="ko" dirty="0"/>
+              <a:rPr lang="ko-KR" altLang="en-US" b="1" dirty="0" smtClean="0">
+                <a:solidFill>
+                  <a:srgbClr val="FF0000"/>
+                </a:solidFill>
+              </a:rPr>
+              <a:t>건 </a:t>
+            </a:r>
+            <a:r>
+              <a:rPr lang="ko-KR" altLang="en-US" b="1" dirty="0" err="1" smtClean="0">
+                <a:solidFill>
+                  <a:srgbClr val="FF0000"/>
+                </a:solidFill>
+              </a:rPr>
+              <a:t>크러쉬</a:t>
+            </a:r>
+            <a:r>
+              <a:rPr lang="en-US" altLang="ko-KR" b="1" dirty="0" smtClean="0"/>
               <a:t>(</a:t>
             </a:r>
             <a:r>
-              <a:rPr lang="ko-KR" altLang="en-US" dirty="0"/>
-              <a:t>좀 더 센 </a:t>
-            </a:r>
-            <a:r>
-              <a:rPr lang="ko-KR" altLang="en-US" dirty="0" err="1"/>
-              <a:t>터렛</a:t>
-            </a:r>
-            <a:r>
-              <a:rPr lang="ko-KR" altLang="en-US" dirty="0"/>
-              <a:t> 소환</a:t>
-            </a:r>
-            <a:r>
-              <a:rPr lang="en-US" altLang="ko" dirty="0"/>
-              <a:t>)</a:t>
-            </a:r>
-            <a:endParaRPr lang="ko" altLang="en-US" dirty="0"/>
+              <a:rPr lang="ko-KR" altLang="en-US" b="1" dirty="0" err="1" smtClean="0"/>
+              <a:t>구글에</a:t>
+            </a:r>
+            <a:r>
+              <a:rPr lang="ko-KR" altLang="en-US" b="1" dirty="0" smtClean="0"/>
+              <a:t> 검색하면 걸 </a:t>
+            </a:r>
+            <a:r>
+              <a:rPr lang="ko-KR" altLang="en-US" b="1" dirty="0" err="1" smtClean="0"/>
+              <a:t>크러쉬</a:t>
+            </a:r>
+            <a:r>
+              <a:rPr lang="ko-KR" altLang="en-US" b="1" dirty="0" smtClean="0"/>
+              <a:t> 밖에 </a:t>
+            </a:r>
+            <a:r>
+              <a:rPr lang="ko-KR" altLang="en-US" b="1" dirty="0" err="1" smtClean="0"/>
+              <a:t>안나옴</a:t>
+            </a:r>
+            <a:r>
+              <a:rPr lang="ko-KR" altLang="en-US" b="1" dirty="0" smtClean="0"/>
+              <a:t> 심플하고 적절한 </a:t>
+            </a:r>
+            <a:r>
+              <a:rPr lang="ko-KR" altLang="en-US" b="1" dirty="0" err="1" smtClean="0"/>
+              <a:t>제목인듯</a:t>
+            </a:r>
+            <a:r>
+              <a:rPr lang="en-US" altLang="ko-KR" b="1" dirty="0" smtClean="0"/>
+              <a:t>) </a:t>
+            </a:r>
+          </a:p>
+          <a:p>
+            <a:endParaRPr lang="en-US" altLang="ko-KR" b="1" dirty="0"/>
           </a:p>
           <a:p>
             <a:pPr marL="0" indent="0">
               <a:buNone/>
             </a:pPr>
             <a:r>
-              <a:rPr lang="ko-KR" altLang="en-US" dirty="0" smtClean="0"/>
-              <a:t>선택 조건</a:t>
-            </a:r>
-            <a:r>
-              <a:rPr lang="en-US" altLang="ko-KR" dirty="0" smtClean="0"/>
-              <a:t>: </a:t>
-            </a:r>
-            <a:r>
-              <a:rPr lang="ko-KR" altLang="en-US" dirty="0" smtClean="0"/>
-              <a:t>죄수 </a:t>
-            </a:r>
-            <a:r>
-              <a:rPr lang="ko-KR" altLang="en-US" dirty="0"/>
-              <a:t>스테이지에서 일정확률로 </a:t>
-            </a:r>
-            <a:r>
-              <a:rPr lang="ko-KR" altLang="en-US" dirty="0" err="1"/>
-              <a:t>몬스터와</a:t>
-            </a:r>
-            <a:r>
-              <a:rPr lang="ko-KR" altLang="en-US" dirty="0"/>
-              <a:t> 함께 나옴 죽이면 안됨 기다리면 알아서 </a:t>
-            </a:r>
-            <a:r>
-              <a:rPr lang="ko-KR" altLang="en-US" dirty="0" smtClean="0"/>
-              <a:t>사라짐</a:t>
-            </a:r>
-            <a:r>
-              <a:rPr lang="en-US" altLang="ko-KR" dirty="0" smtClean="0"/>
-              <a:t>.</a:t>
-            </a:r>
-            <a:endParaRPr lang="ko-KR" altLang="en-US" dirty="0"/>
-          </a:p>
-          <a:p>
-            <a:endParaRPr lang="ko" altLang="en-US" dirty="0"/>
-          </a:p>
-          <a:p>
-            <a:r>
-              <a:rPr lang="ko-KR" altLang="en-US" dirty="0" err="1"/>
-              <a:t>방패병</a:t>
-            </a:r>
-            <a:r>
-              <a:rPr lang="en-US" altLang="ko" dirty="0"/>
-              <a:t>(</a:t>
-            </a:r>
-            <a:r>
-              <a:rPr lang="ko-KR" altLang="en-US" dirty="0"/>
-              <a:t>방패로 완전방어</a:t>
-            </a:r>
-            <a:r>
-              <a:rPr lang="en-US" altLang="ko" dirty="0"/>
-              <a:t>)</a:t>
-            </a:r>
-            <a:endParaRPr lang="ko" altLang="en-US" dirty="0"/>
-          </a:p>
-          <a:p>
-            <a:pPr marL="0" indent="0">
-              <a:buNone/>
-            </a:pPr>
-            <a:r>
-              <a:rPr lang="ko-KR" altLang="en-US" dirty="0"/>
-              <a:t>중세시대 기사처럼 생김 </a:t>
-            </a:r>
-            <a:r>
-              <a:rPr lang="ko-KR" altLang="en-US" dirty="0" err="1"/>
-              <a:t>동글동글한놈</a:t>
-            </a:r>
-            <a:r>
-              <a:rPr lang="ko-KR" altLang="en-US" dirty="0"/>
-              <a:t> 외계인</a:t>
-            </a:r>
-          </a:p>
-          <a:p>
-            <a:pPr marL="0" indent="0">
-              <a:buNone/>
-            </a:pPr>
-            <a:r>
-              <a:rPr lang="ko-KR" altLang="en-US" dirty="0" smtClean="0"/>
-              <a:t>조건</a:t>
-            </a:r>
-            <a:r>
-              <a:rPr lang="en-US" altLang="ko-KR" dirty="0" smtClean="0"/>
-              <a:t>: </a:t>
-            </a:r>
-            <a:r>
-              <a:rPr lang="ko-KR" altLang="en-US" dirty="0" smtClean="0"/>
-              <a:t>게임오버 </a:t>
-            </a:r>
-            <a:r>
-              <a:rPr lang="en-US" altLang="ko" dirty="0" smtClean="0"/>
-              <a:t>100</a:t>
-            </a:r>
-            <a:r>
-              <a:rPr lang="ko-KR" altLang="en-US" dirty="0" smtClean="0"/>
-              <a:t>번 이상 죽으면 고를 수 있음</a:t>
-            </a:r>
-            <a:endParaRPr lang="ko" altLang="en-US" dirty="0"/>
-          </a:p>
-          <a:p>
-            <a:endParaRPr lang="ko" altLang="en-US" dirty="0"/>
-          </a:p>
-          <a:p>
-            <a:r>
-              <a:rPr lang="ko-KR" altLang="en-US" dirty="0" err="1" smtClean="0"/>
-              <a:t>백색닌자</a:t>
-            </a:r>
-            <a:r>
-              <a:rPr lang="en-US" altLang="ko" dirty="0"/>
-              <a:t>(</a:t>
-            </a:r>
-            <a:r>
-              <a:rPr lang="ko-KR" altLang="en-US" dirty="0" err="1"/>
-              <a:t>패시브로</a:t>
-            </a:r>
-            <a:r>
-              <a:rPr lang="ko-KR" altLang="en-US" dirty="0"/>
-              <a:t> </a:t>
-            </a:r>
-            <a:r>
-              <a:rPr lang="ko-KR" altLang="en-US" dirty="0" err="1" smtClean="0"/>
-              <a:t>데미지</a:t>
-            </a:r>
-            <a:r>
-              <a:rPr lang="ko-KR" altLang="en-US" dirty="0" smtClean="0"/>
-              <a:t> 입으면 사방으로 표창 날라감</a:t>
-            </a:r>
-            <a:r>
-              <a:rPr lang="en-US" altLang="ko" dirty="0" smtClean="0"/>
-              <a:t>) </a:t>
-            </a:r>
-          </a:p>
-          <a:p>
-            <a:pPr marL="0" indent="0">
-              <a:buNone/>
-            </a:pPr>
-            <a:r>
-              <a:rPr lang="ko-KR" altLang="en-US" dirty="0" err="1" smtClean="0"/>
-              <a:t>분신술</a:t>
-            </a:r>
-            <a:r>
-              <a:rPr lang="ko-KR" altLang="en-US" dirty="0" smtClean="0"/>
-              <a:t> </a:t>
-            </a:r>
-            <a:r>
-              <a:rPr lang="ko-KR" altLang="en-US" dirty="0"/>
-              <a:t>스킬 사용 가능 </a:t>
-            </a:r>
-            <a:r>
-              <a:rPr lang="ko-KR" altLang="en-US" dirty="0" err="1" smtClean="0"/>
-              <a:t>또다른</a:t>
-            </a:r>
-            <a:r>
-              <a:rPr lang="ko-KR" altLang="en-US" dirty="0" smtClean="0"/>
-              <a:t> 자기자신의 그림자가 </a:t>
-            </a:r>
-            <a:r>
-              <a:rPr lang="ko-KR" altLang="en-US" dirty="0"/>
-              <a:t>나와서 </a:t>
-            </a:r>
-            <a:r>
-              <a:rPr lang="ko-KR" altLang="en-US" dirty="0" err="1" smtClean="0"/>
-              <a:t>현재들고</a:t>
-            </a:r>
-            <a:r>
-              <a:rPr lang="ko-KR" altLang="en-US" dirty="0" smtClean="0"/>
-              <a:t> 있는 </a:t>
-            </a:r>
-            <a:r>
-              <a:rPr lang="ko-KR" altLang="en-US" dirty="0"/>
-              <a:t>무기로 싸워줌 약물 능력 전혀 적용 안됨</a:t>
-            </a:r>
-          </a:p>
-          <a:p>
-            <a:endParaRPr lang="ko" altLang="en-US" dirty="0"/>
-          </a:p>
-          <a:p>
-            <a:pPr marL="0" indent="0">
-              <a:buNone/>
-            </a:pPr>
-            <a:r>
-              <a:rPr lang="ko-KR" altLang="en-US" dirty="0" err="1"/>
-              <a:t>마지막스테이지</a:t>
-            </a:r>
-            <a:r>
-              <a:rPr lang="ko-KR" altLang="en-US" dirty="0"/>
-              <a:t> </a:t>
-            </a:r>
-            <a:r>
-              <a:rPr lang="ko-KR" altLang="en-US" dirty="0" err="1"/>
-              <a:t>맵밖에서</a:t>
-            </a:r>
-            <a:r>
-              <a:rPr lang="ko-KR" altLang="en-US" dirty="0"/>
-              <a:t> </a:t>
-            </a:r>
-            <a:r>
-              <a:rPr lang="ko-KR" altLang="en-US" dirty="0" err="1"/>
-              <a:t>빠른속도로</a:t>
-            </a:r>
-            <a:r>
-              <a:rPr lang="ko-KR" altLang="en-US" dirty="0"/>
-              <a:t> </a:t>
-            </a:r>
-            <a:r>
-              <a:rPr lang="ko-KR" altLang="en-US" dirty="0" err="1"/>
-              <a:t>일반닌자가</a:t>
-            </a:r>
-            <a:r>
-              <a:rPr lang="ko-KR" altLang="en-US" dirty="0"/>
-              <a:t> 돌아다님 일정시간 지나면 사라짐 따라가서 </a:t>
-            </a:r>
-            <a:r>
-              <a:rPr lang="ko-KR" altLang="en-US" dirty="0" smtClean="0"/>
-              <a:t>잡아야 함</a:t>
-            </a:r>
-            <a:endParaRPr lang="ko-KR" altLang="en-US" dirty="0"/>
-          </a:p>
-          <a:p>
-            <a:endParaRPr lang="ko" altLang="en-US" dirty="0"/>
-          </a:p>
-          <a:p>
-            <a:r>
-              <a:rPr lang="ko-KR" altLang="en-US" dirty="0"/>
-              <a:t>저격수</a:t>
-            </a:r>
-            <a:r>
-              <a:rPr lang="en-US" altLang="ko" dirty="0"/>
-              <a:t>(</a:t>
-            </a:r>
-            <a:r>
-              <a:rPr lang="ko-KR" altLang="en-US" dirty="0" err="1" smtClean="0"/>
-              <a:t>에꾸눈임</a:t>
-            </a:r>
-            <a:r>
-              <a:rPr lang="ko-KR" altLang="en-US" dirty="0" smtClean="0"/>
-              <a:t> </a:t>
-            </a:r>
-            <a:r>
-              <a:rPr lang="en-US" altLang="ko" dirty="0" smtClean="0"/>
-              <a:t>- </a:t>
-            </a:r>
-            <a:r>
-              <a:rPr lang="ko-KR" altLang="en-US" dirty="0" err="1"/>
-              <a:t>스킬을쓰면</a:t>
-            </a:r>
-            <a:r>
-              <a:rPr lang="ko-KR" altLang="en-US" dirty="0"/>
-              <a:t> </a:t>
-            </a:r>
-            <a:r>
-              <a:rPr lang="ko-KR" altLang="en-US" dirty="0" smtClean="0"/>
-              <a:t>시간이 멈추고 </a:t>
-            </a:r>
-            <a:r>
-              <a:rPr lang="ko-KR" altLang="en-US" dirty="0" err="1" smtClean="0"/>
-              <a:t>한명</a:t>
-            </a:r>
-            <a:r>
-              <a:rPr lang="ko-KR" altLang="en-US" dirty="0" smtClean="0"/>
-              <a:t> </a:t>
-            </a:r>
-            <a:r>
-              <a:rPr lang="ko-KR" altLang="en-US" dirty="0"/>
-              <a:t>터치해서 </a:t>
-            </a:r>
-            <a:r>
-              <a:rPr lang="ko-KR" altLang="en-US" dirty="0" smtClean="0"/>
-              <a:t>사격할 수 있음 </a:t>
-            </a:r>
-            <a:r>
-              <a:rPr lang="ko-KR" altLang="en-US" dirty="0" err="1"/>
-              <a:t>데미지</a:t>
-            </a:r>
-            <a:r>
-              <a:rPr lang="ko-KR" altLang="en-US" dirty="0"/>
-              <a:t> </a:t>
-            </a:r>
-            <a:r>
-              <a:rPr lang="ko-KR" altLang="en-US" dirty="0" err="1"/>
-              <a:t>겁나세게</a:t>
-            </a:r>
-            <a:r>
-              <a:rPr lang="ko-KR" altLang="en-US" dirty="0"/>
-              <a:t> 들어감 </a:t>
-            </a:r>
-            <a:r>
-              <a:rPr lang="ko-KR" altLang="en-US" dirty="0" err="1"/>
-              <a:t>쿨타임</a:t>
-            </a:r>
-            <a:r>
-              <a:rPr lang="ko-KR" altLang="en-US" dirty="0"/>
-              <a:t> 길음</a:t>
-            </a:r>
-            <a:r>
-              <a:rPr lang="en-US" altLang="ko" dirty="0"/>
-              <a:t>)</a:t>
-            </a:r>
-            <a:endParaRPr lang="ko" altLang="en-US" dirty="0"/>
-          </a:p>
-          <a:p>
-            <a:pPr marL="0" indent="0">
-              <a:buNone/>
-            </a:pPr>
-            <a:r>
-              <a:rPr lang="en-US" altLang="ko" dirty="0"/>
-              <a:t>)</a:t>
-            </a:r>
-            <a:endParaRPr lang="ko" altLang="en-US" dirty="0"/>
-          </a:p>
-          <a:p>
-            <a:pPr marL="0" indent="0">
-              <a:buNone/>
-            </a:pPr>
-            <a:r>
-              <a:rPr lang="en-US" altLang="ko-KR" dirty="0" smtClean="0"/>
-              <a:t>	</a:t>
-            </a:r>
-            <a:r>
-              <a:rPr lang="ko-KR" altLang="en-US" dirty="0" smtClean="0"/>
-              <a:t>게임을 </a:t>
-            </a:r>
-            <a:r>
-              <a:rPr lang="en-US" altLang="ko-KR" dirty="0" smtClean="0"/>
-              <a:t>2</a:t>
-            </a:r>
-            <a:r>
-              <a:rPr lang="ko-KR" altLang="en-US" dirty="0" smtClean="0"/>
-              <a:t>번 </a:t>
-            </a:r>
-            <a:r>
-              <a:rPr lang="ko-KR" altLang="en-US" dirty="0" err="1" smtClean="0"/>
-              <a:t>클리어</a:t>
-            </a:r>
-            <a:r>
-              <a:rPr lang="ko-KR" altLang="en-US" dirty="0" smtClean="0"/>
-              <a:t> 하면 나옴</a:t>
-            </a:r>
-            <a:endParaRPr lang="ko-KR" altLang="en-US" dirty="0"/>
-          </a:p>
-          <a:p>
-            <a:endParaRPr lang="ko" altLang="en-US" dirty="0"/>
-          </a:p>
-          <a:p>
-            <a:r>
-              <a:rPr lang="ko-KR" altLang="en-US" dirty="0"/>
-              <a:t>보안 로봇</a:t>
-            </a:r>
-            <a:r>
-              <a:rPr lang="en-US" altLang="ko" dirty="0"/>
-              <a:t>(</a:t>
-            </a:r>
-            <a:r>
-              <a:rPr lang="ko-KR" altLang="en-US" dirty="0"/>
-              <a:t>달려가서 자폭하는 로봇들 </a:t>
-            </a:r>
-            <a:r>
-              <a:rPr lang="en-US" altLang="ko" dirty="0"/>
-              <a:t>5</a:t>
-            </a:r>
-            <a:r>
-              <a:rPr lang="ko-KR" altLang="en-US" dirty="0"/>
-              <a:t>마리 </a:t>
-            </a:r>
-            <a:r>
-              <a:rPr lang="ko-KR" altLang="en-US" dirty="0" smtClean="0"/>
-              <a:t>나옴 가방 무게 제한 없음 먹으면 먹을수록 칸이 아래로 쌓임</a:t>
-            </a:r>
-            <a:r>
-              <a:rPr lang="en-US" altLang="ko" dirty="0" smtClean="0"/>
-              <a:t>)</a:t>
-            </a:r>
-          </a:p>
-          <a:p>
-            <a:pPr marL="0" indent="0">
-              <a:buNone/>
-            </a:pPr>
-            <a:r>
-              <a:rPr lang="ko-KR" altLang="en-US" dirty="0" smtClean="0"/>
-              <a:t>게임 누적 플레이 시간 </a:t>
-            </a:r>
-            <a:r>
-              <a:rPr lang="en-US" altLang="ko-KR" dirty="0" smtClean="0"/>
-              <a:t>20</a:t>
-            </a:r>
-            <a:r>
-              <a:rPr lang="ko-KR" altLang="en-US" dirty="0" smtClean="0"/>
-              <a:t>시간 이상이면 </a:t>
-            </a:r>
-            <a:r>
-              <a:rPr lang="ko-KR" altLang="en-US" dirty="0" err="1" smtClean="0"/>
-              <a:t>언락</a:t>
-            </a:r>
-            <a:endParaRPr lang="en-US" altLang="ko" dirty="0" smtClean="0"/>
-          </a:p>
-          <a:p>
-            <a:endParaRPr lang="ko" altLang="en-US" dirty="0"/>
-          </a:p>
-          <a:p>
-            <a:endParaRPr lang="ko" altLang="en-US" dirty="0"/>
-          </a:p>
-          <a:p>
-            <a:endParaRPr lang="ko" altLang="en-US" dirty="0"/>
-          </a:p>
-          <a:p>
+              <a:rPr lang="ko-KR" altLang="en-US" b="1" dirty="0" smtClean="0"/>
+              <a:t>영문으로 검색해도 마찬가지</a:t>
+            </a:r>
             <a:endParaRPr lang="en-US" altLang="ko-KR" b="1" dirty="0" smtClean="0"/>
           </a:p>
         </p:txBody>
@@ -13682,7 +13230,7 @@
     </p:spTree>
     <p:extLst>
       <p:ext uri="{BB962C8B-B14F-4D97-AF65-F5344CB8AC3E}">
-        <p14:creationId xmlns:p14="http://schemas.microsoft.com/office/powerpoint/2010/main" val="2682462336"/>
+        <p14:creationId xmlns:p14="http://schemas.microsoft.com/office/powerpoint/2010/main" val="1749074872"/>
       </p:ext>
     </p:extLst>
   </p:cSld>
@@ -13722,14 +13270,21 @@
         <p:spPr/>
         <p:txBody>
           <a:bodyPr>
-            <a:normAutofit/>
+            <a:normAutofit fontScale="90000"/>
           </a:bodyPr>
           <a:lstStyle/>
           <a:p>
             <a:r>
               <a:rPr lang="ko-KR" altLang="en-US" dirty="0" smtClean="0"/>
-              <a:t>기타의견</a:t>
-            </a:r>
+              <a:t>캐릭터 아이디어 추가</a:t>
+            </a:r>
+            <a:r>
+              <a:rPr lang="en-US" altLang="ko-KR" dirty="0" smtClean="0"/>
+              <a:t/>
+            </a:r>
+            <a:br>
+              <a:rPr lang="en-US" altLang="ko-KR" dirty="0" smtClean="0"/>
+            </a:br>
             <a:endParaRPr lang="ko-KR" altLang="en-US" dirty="0"/>
           </a:p>
         </p:txBody>
@@ -13747,177 +13302,582 @@
         <p:spPr/>
         <p:txBody>
           <a:bodyPr>
-            <a:normAutofit/>
+            <a:normAutofit fontScale="32500" lnSpcReduction="20000"/>
           </a:bodyPr>
           <a:lstStyle/>
           <a:p>
             <a:r>
-              <a:rPr lang="ko-KR" altLang="en-US" sz="1800" b="1" dirty="0" smtClean="0"/>
-              <a:t>마지막 스테이지 </a:t>
-            </a:r>
-            <a:r>
-              <a:rPr lang="ko-KR" altLang="en-US" sz="1800" b="1" dirty="0" err="1" smtClean="0"/>
-              <a:t>몬스터들간의</a:t>
-            </a:r>
-            <a:r>
-              <a:rPr lang="ko-KR" altLang="en-US" sz="1800" b="1" dirty="0" smtClean="0"/>
-              <a:t> 연관성이 별로 없는 것 같음</a:t>
-            </a:r>
-            <a:r>
-              <a:rPr lang="en-US" altLang="ko-KR" sz="1800" b="1" dirty="0" smtClean="0"/>
+              <a:rPr lang="ko-KR" altLang="en-US" dirty="0"/>
+              <a:t>상인에게서 파는 기밀문서 </a:t>
+            </a:r>
+            <a:r>
+              <a:rPr lang="en-US" altLang="ko" dirty="0"/>
+              <a:t>3</a:t>
+            </a:r>
+            <a:r>
+              <a:rPr lang="ko-KR" altLang="en-US" dirty="0" smtClean="0"/>
+              <a:t>개</a:t>
+            </a:r>
+            <a:r>
+              <a:rPr lang="en-US" altLang="ko-KR" dirty="0" smtClean="0"/>
+              <a:t>(</a:t>
+            </a:r>
+            <a:r>
+              <a:rPr lang="ko-KR" altLang="en-US" dirty="0" smtClean="0"/>
+              <a:t>개당 </a:t>
+            </a:r>
+            <a:r>
+              <a:rPr lang="en-US" altLang="ko-KR" dirty="0" smtClean="0"/>
+              <a:t>5000</a:t>
+            </a:r>
+            <a:r>
+              <a:rPr lang="ko-KR" altLang="en-US" dirty="0" smtClean="0"/>
+              <a:t>원</a:t>
+            </a:r>
+            <a:r>
+              <a:rPr lang="en-US" altLang="ko-KR" dirty="0" smtClean="0"/>
+              <a:t>)</a:t>
+            </a:r>
+            <a:r>
+              <a:rPr lang="ko-KR" altLang="en-US" dirty="0" smtClean="0"/>
+              <a:t>사면 </a:t>
+            </a:r>
+            <a:r>
+              <a:rPr lang="ko-KR" altLang="en-US" dirty="0" err="1"/>
+              <a:t>캐릭</a:t>
+            </a:r>
+            <a:r>
+              <a:rPr lang="ko-KR" altLang="en-US" dirty="0"/>
+              <a:t> </a:t>
+            </a:r>
+            <a:r>
+              <a:rPr lang="ko-KR" altLang="en-US" dirty="0" smtClean="0"/>
+              <a:t>얻는 </a:t>
+            </a:r>
+            <a:r>
+              <a:rPr lang="ko-KR" altLang="en-US" dirty="0"/>
+              <a:t>힌트 </a:t>
+            </a:r>
+            <a:r>
+              <a:rPr lang="ko-KR" altLang="en-US" dirty="0" smtClean="0"/>
+              <a:t>알려줌 힌트는 </a:t>
+            </a:r>
+            <a:r>
+              <a:rPr lang="ko-KR" altLang="en-US" dirty="0" err="1" smtClean="0"/>
+              <a:t>캐릭</a:t>
+            </a:r>
+            <a:r>
+              <a:rPr lang="ko-KR" altLang="en-US" dirty="0" smtClean="0"/>
+              <a:t> 선택창에서 </a:t>
+            </a:r>
+            <a:r>
+              <a:rPr lang="ko-KR" altLang="en-US" dirty="0" err="1" smtClean="0"/>
+              <a:t>언락가능</a:t>
+            </a:r>
+            <a:endParaRPr lang="en-US" altLang="ko-KR" dirty="0" smtClean="0"/>
+          </a:p>
+          <a:p>
+            <a:endParaRPr lang="ko" altLang="en-US" dirty="0"/>
+          </a:p>
+          <a:p>
+            <a:r>
+              <a:rPr lang="ko-KR" altLang="en-US" dirty="0"/>
+              <a:t>과학자 주인공</a:t>
+            </a:r>
+          </a:p>
+          <a:p>
+            <a:pPr marL="0" indent="0">
+              <a:buNone/>
+            </a:pPr>
+            <a:r>
+              <a:rPr lang="ko-KR" altLang="en-US" dirty="0" smtClean="0"/>
+              <a:t>선택조건</a:t>
+            </a:r>
+            <a:r>
+              <a:rPr lang="en-US" altLang="ko-KR" dirty="0" smtClean="0"/>
+              <a:t>: </a:t>
+            </a:r>
+            <a:r>
+              <a:rPr lang="ko-KR" altLang="en-US" dirty="0" smtClean="0"/>
+              <a:t>과학자스테이지만 </a:t>
+            </a:r>
+            <a:r>
+              <a:rPr lang="ko-KR" altLang="en-US" dirty="0" err="1"/>
+              <a:t>맵</a:t>
+            </a:r>
+            <a:r>
+              <a:rPr lang="ko-KR" altLang="en-US" dirty="0"/>
+              <a:t> 구석에 일정 확률로 </a:t>
+            </a:r>
+            <a:r>
+              <a:rPr lang="ko-KR" altLang="en-US" dirty="0" smtClean="0"/>
+              <a:t>나타남 </a:t>
+            </a:r>
+            <a:r>
+              <a:rPr lang="en-US" altLang="ko-KR" dirty="0" smtClean="0"/>
+              <a:t>3</a:t>
+            </a:r>
+            <a:r>
+              <a:rPr lang="ko-KR" altLang="en-US" dirty="0" smtClean="0"/>
+              <a:t>번째로 만났을 때까지 꾸준히 말 걸면  </a:t>
+            </a:r>
+            <a:r>
+              <a:rPr lang="ko-KR" altLang="en-US" dirty="0" err="1" smtClean="0"/>
+              <a:t>언락</a:t>
+            </a:r>
+            <a:r>
+              <a:rPr lang="ko-KR" altLang="en-US" dirty="0" smtClean="0"/>
+              <a:t> 됨 </a:t>
+            </a:r>
+            <a:endParaRPr lang="ko-KR" altLang="en-US" dirty="0"/>
+          </a:p>
+          <a:p>
+            <a:endParaRPr lang="ko" altLang="en-US" dirty="0"/>
+          </a:p>
+          <a:p>
+            <a:r>
+              <a:rPr lang="ko-KR" altLang="en-US" dirty="0"/>
+              <a:t>엔지니어 주인공</a:t>
+            </a:r>
+            <a:r>
+              <a:rPr lang="en-US" altLang="ko" dirty="0"/>
+              <a:t>(</a:t>
+            </a:r>
+            <a:r>
+              <a:rPr lang="ko-KR" altLang="en-US" dirty="0"/>
+              <a:t>좀 더 센 </a:t>
+            </a:r>
+            <a:r>
+              <a:rPr lang="ko-KR" altLang="en-US" dirty="0" err="1"/>
+              <a:t>터렛</a:t>
+            </a:r>
+            <a:r>
+              <a:rPr lang="ko-KR" altLang="en-US" dirty="0"/>
+              <a:t> 소환</a:t>
+            </a:r>
+            <a:r>
+              <a:rPr lang="en-US" altLang="ko" dirty="0"/>
+              <a:t>)</a:t>
+            </a:r>
+            <a:endParaRPr lang="ko" altLang="en-US" dirty="0"/>
+          </a:p>
+          <a:p>
+            <a:pPr marL="0" indent="0">
+              <a:buNone/>
+            </a:pPr>
+            <a:r>
+              <a:rPr lang="ko-KR" altLang="en-US" dirty="0" smtClean="0"/>
+              <a:t>선택 조건</a:t>
+            </a:r>
+            <a:r>
+              <a:rPr lang="en-US" altLang="ko-KR" dirty="0" smtClean="0"/>
+              <a:t>: </a:t>
+            </a:r>
+            <a:r>
+              <a:rPr lang="ko-KR" altLang="en-US" dirty="0" smtClean="0"/>
+              <a:t>죄수 </a:t>
+            </a:r>
+            <a:r>
+              <a:rPr lang="ko-KR" altLang="en-US" dirty="0"/>
+              <a:t>스테이지에서 일정확률로 </a:t>
+            </a:r>
+            <a:r>
+              <a:rPr lang="ko-KR" altLang="en-US" dirty="0" err="1"/>
+              <a:t>몬스터와</a:t>
+            </a:r>
+            <a:r>
+              <a:rPr lang="ko-KR" altLang="en-US" dirty="0"/>
+              <a:t> 함께 나옴 죽이면 안됨 기다리면 알아서 </a:t>
+            </a:r>
+            <a:r>
+              <a:rPr lang="ko-KR" altLang="en-US" dirty="0" smtClean="0"/>
+              <a:t>사라짐</a:t>
+            </a:r>
+            <a:r>
+              <a:rPr lang="en-US" altLang="ko-KR" dirty="0" smtClean="0"/>
               <a:t>.</a:t>
             </a:r>
-          </a:p>
-          <a:p>
-            <a:r>
-              <a:rPr lang="en-US" altLang="ko-KR" sz="1800" b="1" dirty="0" smtClean="0"/>
-              <a:t>1,2,3,4</a:t>
-            </a:r>
-            <a:r>
-              <a:rPr lang="ko-KR" altLang="en-US" sz="1800" b="1" dirty="0" smtClean="0"/>
-              <a:t>스테이지는 </a:t>
-            </a:r>
-            <a:r>
-              <a:rPr lang="ko-KR" altLang="en-US" sz="1800" b="1" dirty="0" err="1" smtClean="0"/>
-              <a:t>컨셉이</a:t>
-            </a:r>
-            <a:r>
-              <a:rPr lang="ko-KR" altLang="en-US" sz="1800" b="1" dirty="0" smtClean="0"/>
-              <a:t> 서로 맞게 잘 된 것 같은데 마지막 스테이지는 서로 따로 노는 느낌이듬</a:t>
-            </a:r>
-            <a:endParaRPr lang="en-US" altLang="ko-KR" sz="1800" b="1" dirty="0"/>
-          </a:p>
-          <a:p>
-            <a:r>
-              <a:rPr lang="en-US" altLang="ko-KR" sz="1800" b="1" dirty="0" smtClean="0"/>
+            <a:endParaRPr lang="ko-KR" altLang="en-US" dirty="0"/>
+          </a:p>
+          <a:p>
+            <a:endParaRPr lang="ko" altLang="en-US" dirty="0"/>
+          </a:p>
+          <a:p>
+            <a:r>
+              <a:rPr lang="ko-KR" altLang="en-US" dirty="0" err="1"/>
+              <a:t>방패병</a:t>
+            </a:r>
+            <a:r>
+              <a:rPr lang="en-US" altLang="ko" dirty="0"/>
+              <a:t>(</a:t>
+            </a:r>
+            <a:r>
+              <a:rPr lang="ko-KR" altLang="en-US" dirty="0"/>
+              <a:t>방패로 완전방어</a:t>
+            </a:r>
+            <a:r>
+              <a:rPr lang="en-US" altLang="ko" dirty="0"/>
+              <a:t>)</a:t>
+            </a:r>
+            <a:endParaRPr lang="ko" altLang="en-US" dirty="0"/>
+          </a:p>
+          <a:p>
+            <a:pPr marL="0" indent="0">
+              <a:buNone/>
+            </a:pPr>
+            <a:r>
+              <a:rPr lang="ko-KR" altLang="en-US" dirty="0"/>
+              <a:t>중세시대 기사처럼 생김 </a:t>
+            </a:r>
+            <a:r>
+              <a:rPr lang="ko-KR" altLang="en-US" dirty="0" err="1"/>
+              <a:t>동글동글한놈</a:t>
+            </a:r>
+            <a:r>
+              <a:rPr lang="ko-KR" altLang="en-US" dirty="0"/>
+              <a:t> 외계인</a:t>
+            </a:r>
+          </a:p>
+          <a:p>
+            <a:pPr marL="0" indent="0">
+              <a:buNone/>
+            </a:pPr>
+            <a:r>
+              <a:rPr lang="ko-KR" altLang="en-US" dirty="0" smtClean="0"/>
+              <a:t>조건</a:t>
+            </a:r>
+            <a:r>
+              <a:rPr lang="en-US" altLang="ko-KR" dirty="0" smtClean="0"/>
+              <a:t>: </a:t>
+            </a:r>
+            <a:r>
+              <a:rPr lang="ko-KR" altLang="en-US" dirty="0" smtClean="0"/>
+              <a:t>게임오버 </a:t>
+            </a:r>
+            <a:r>
+              <a:rPr lang="en-US" altLang="ko" dirty="0" smtClean="0"/>
+              <a:t>100</a:t>
+            </a:r>
+            <a:r>
+              <a:rPr lang="ko-KR" altLang="en-US" dirty="0" smtClean="0"/>
+              <a:t>번 이상 죽으면 고를 수 있음</a:t>
+            </a:r>
+            <a:endParaRPr lang="ko" altLang="en-US" dirty="0"/>
+          </a:p>
+          <a:p>
+            <a:endParaRPr lang="ko" altLang="en-US" dirty="0"/>
+          </a:p>
+          <a:p>
+            <a:r>
+              <a:rPr lang="ko-KR" altLang="en-US" dirty="0" err="1" smtClean="0"/>
+              <a:t>백색닌자</a:t>
+            </a:r>
+            <a:r>
+              <a:rPr lang="en-US" altLang="ko" dirty="0"/>
+              <a:t>(</a:t>
+            </a:r>
+            <a:r>
+              <a:rPr lang="ko-KR" altLang="en-US" dirty="0" err="1"/>
+              <a:t>패시브로</a:t>
+            </a:r>
+            <a:r>
+              <a:rPr lang="ko-KR" altLang="en-US" dirty="0"/>
               <a:t> </a:t>
             </a:r>
             <a:r>
-              <a:rPr lang="ko-KR" altLang="en-US" sz="1800" b="1" dirty="0" smtClean="0"/>
-              <a:t>차라리 요원스테이지 </a:t>
-            </a:r>
-            <a:r>
-              <a:rPr lang="ko-KR" altLang="en-US" sz="1800" b="1" dirty="0" err="1" smtClean="0"/>
-              <a:t>군인스테이지롤</a:t>
-            </a:r>
-            <a:r>
-              <a:rPr lang="ko-KR" altLang="en-US" sz="1800" b="1" dirty="0" smtClean="0"/>
+              <a:rPr lang="ko-KR" altLang="en-US" dirty="0" err="1" smtClean="0"/>
+              <a:t>데미지</a:t>
+            </a:r>
+            <a:r>
+              <a:rPr lang="ko-KR" altLang="en-US" dirty="0" smtClean="0"/>
+              <a:t> 입으면 사방으로 표창 날라감</a:t>
+            </a:r>
+            <a:r>
+              <a:rPr lang="en-US" altLang="ko" dirty="0" smtClean="0"/>
+              <a:t>) </a:t>
+            </a:r>
+          </a:p>
+          <a:p>
+            <a:pPr marL="0" indent="0">
+              <a:buNone/>
+            </a:pPr>
+            <a:r>
+              <a:rPr lang="ko-KR" altLang="en-US" dirty="0" err="1" smtClean="0"/>
+              <a:t>분신술</a:t>
+            </a:r>
+            <a:r>
+              <a:rPr lang="ko-KR" altLang="en-US" dirty="0" smtClean="0"/>
               <a:t> </a:t>
             </a:r>
             <a:r>
-              <a:rPr lang="ko-KR" altLang="en-US" sz="1800" b="1" dirty="0" err="1" smtClean="0"/>
-              <a:t>나누는것이</a:t>
-            </a:r>
-            <a:r>
-              <a:rPr lang="ko-KR" altLang="en-US" sz="1800" b="1" dirty="0" smtClean="0"/>
+              <a:rPr lang="ko-KR" altLang="en-US" dirty="0"/>
+              <a:t>스킬 사용 가능 </a:t>
+            </a:r>
+            <a:r>
+              <a:rPr lang="ko-KR" altLang="en-US" dirty="0" err="1" smtClean="0"/>
+              <a:t>또다른</a:t>
+            </a:r>
+            <a:r>
+              <a:rPr lang="ko-KR" altLang="en-US" dirty="0" smtClean="0"/>
+              <a:t> 자기자신의 그림자가 </a:t>
+            </a:r>
+            <a:r>
+              <a:rPr lang="ko-KR" altLang="en-US" dirty="0"/>
+              <a:t>나와서 </a:t>
+            </a:r>
+            <a:r>
+              <a:rPr lang="ko-KR" altLang="en-US" dirty="0" err="1" smtClean="0"/>
+              <a:t>현재들고</a:t>
+            </a:r>
+            <a:r>
+              <a:rPr lang="ko-KR" altLang="en-US" dirty="0" smtClean="0"/>
+              <a:t> 있는 </a:t>
+            </a:r>
+            <a:r>
+              <a:rPr lang="ko-KR" altLang="en-US" dirty="0"/>
+              <a:t>무기로 싸워줌 약물 능력 전혀 적용 안됨</a:t>
+            </a:r>
+          </a:p>
+          <a:p>
+            <a:endParaRPr lang="ko" altLang="en-US" dirty="0"/>
+          </a:p>
+          <a:p>
+            <a:pPr marL="0" indent="0">
+              <a:buNone/>
+            </a:pPr>
+            <a:r>
+              <a:rPr lang="ko-KR" altLang="en-US" dirty="0" err="1"/>
+              <a:t>마지막스테이지</a:t>
+            </a:r>
+            <a:r>
+              <a:rPr lang="ko-KR" altLang="en-US" dirty="0"/>
               <a:t> </a:t>
             </a:r>
             <a:r>
-              <a:rPr lang="ko-KR" altLang="en-US" sz="1800" b="1" dirty="0" err="1" smtClean="0"/>
-              <a:t>좋을것같음</a:t>
-            </a:r>
-            <a:endParaRPr lang="en-US" altLang="ko-KR" sz="1800" b="1" dirty="0" smtClean="0"/>
-          </a:p>
-          <a:p>
-            <a:r>
-              <a:rPr lang="ko-KR" altLang="en-US" sz="1800" b="1" dirty="0" smtClean="0"/>
-              <a:t>군인스테이지에 기본 보병 추가 </a:t>
-            </a:r>
-            <a:r>
-              <a:rPr lang="en-US" altLang="ko-KR" sz="1800" b="1" dirty="0" smtClean="0"/>
-              <a:t>+ </a:t>
-            </a:r>
-            <a:r>
-              <a:rPr lang="ko-KR" altLang="en-US" sz="1800" b="1" dirty="0" err="1" smtClean="0"/>
-              <a:t>기존에있던</a:t>
-            </a:r>
-            <a:r>
-              <a:rPr lang="ko-KR" altLang="en-US" sz="1800" b="1" dirty="0" smtClean="0"/>
+              <a:rPr lang="ko-KR" altLang="en-US" dirty="0" err="1"/>
+              <a:t>맵밖에서</a:t>
+            </a:r>
+            <a:r>
+              <a:rPr lang="ko-KR" altLang="en-US" dirty="0"/>
               <a:t> </a:t>
             </a:r>
             <a:r>
-              <a:rPr lang="ko-KR" altLang="en-US" sz="1800" b="1" dirty="0" err="1" smtClean="0"/>
-              <a:t>대포병</a:t>
-            </a:r>
-            <a:r>
-              <a:rPr lang="en-US" altLang="ko-KR" sz="1800" b="1" dirty="0" smtClean="0"/>
-              <a:t>,</a:t>
-            </a:r>
-            <a:r>
-              <a:rPr lang="ko-KR" altLang="en-US" sz="1800" b="1" dirty="0" smtClean="0"/>
+              <a:rPr lang="ko-KR" altLang="en-US" dirty="0" err="1"/>
+              <a:t>빠른속도로</a:t>
+            </a:r>
+            <a:r>
+              <a:rPr lang="ko-KR" altLang="en-US" dirty="0"/>
+              <a:t> </a:t>
+            </a:r>
+            <a:r>
+              <a:rPr lang="ko-KR" altLang="en-US" dirty="0" err="1"/>
+              <a:t>일반닌자가</a:t>
+            </a:r>
+            <a:r>
+              <a:rPr lang="ko-KR" altLang="en-US" dirty="0"/>
+              <a:t> 돌아다님 일정시간 지나면 사라짐 따라가서 </a:t>
+            </a:r>
+            <a:r>
+              <a:rPr lang="ko-KR" altLang="en-US" dirty="0" smtClean="0"/>
+              <a:t>잡아야 함</a:t>
+            </a:r>
+            <a:endParaRPr lang="ko-KR" altLang="en-US" dirty="0"/>
+          </a:p>
+          <a:p>
+            <a:endParaRPr lang="ko" altLang="en-US" dirty="0"/>
+          </a:p>
+          <a:p>
+            <a:r>
+              <a:rPr lang="ko-KR" altLang="en-US" dirty="0"/>
               <a:t>저격수</a:t>
             </a:r>
             <a:r>
-              <a:rPr lang="en-US" altLang="ko-KR" sz="1800" b="1" dirty="0" smtClean="0"/>
-              <a:t>,</a:t>
-            </a:r>
-            <a:r>
-              <a:rPr lang="ko-KR" altLang="en-US" sz="1800" b="1" dirty="0" err="1" smtClean="0"/>
-              <a:t>포탑짓는애</a:t>
-            </a:r>
-            <a:r>
-              <a:rPr lang="ko-KR" altLang="en-US" sz="1800" b="1" dirty="0" smtClean="0"/>
-              <a:t> 사용</a:t>
-            </a:r>
-            <a:endParaRPr lang="en-US" altLang="ko-KR" sz="1800" b="1" dirty="0" smtClean="0"/>
-          </a:p>
-          <a:p>
-            <a:r>
-              <a:rPr lang="ko-KR" altLang="en-US" sz="1800" b="1" dirty="0" smtClean="0"/>
-              <a:t>요원스테이지에 쌍권총요원 </a:t>
-            </a:r>
-            <a:r>
-              <a:rPr lang="en-US" altLang="ko-KR" sz="1800" b="1" dirty="0" smtClean="0"/>
-              <a:t>+ </a:t>
-            </a:r>
-            <a:r>
-              <a:rPr lang="ko-KR" altLang="en-US" sz="1800" b="1" dirty="0" smtClean="0"/>
-              <a:t>암살자 </a:t>
-            </a:r>
-            <a:r>
-              <a:rPr lang="en-US" altLang="ko-KR" sz="1800" b="1" dirty="0" smtClean="0"/>
-              <a:t>+ </a:t>
-            </a:r>
-            <a:r>
-              <a:rPr lang="ko-KR" altLang="en-US" sz="1800" b="1" dirty="0" smtClean="0"/>
-              <a:t>기타요원</a:t>
-            </a:r>
-            <a:r>
-              <a:rPr lang="en-US" altLang="ko-KR" sz="1800" b="1" dirty="0" smtClean="0"/>
+              <a:rPr lang="en-US" altLang="ko" dirty="0"/>
+              <a:t>(</a:t>
+            </a:r>
+            <a:r>
+              <a:rPr lang="ko-KR" altLang="en-US" dirty="0" err="1" smtClean="0"/>
+              <a:t>에꾸눈임</a:t>
+            </a:r>
+            <a:r>
+              <a:rPr lang="ko-KR" altLang="en-US" dirty="0" smtClean="0"/>
+              <a:t> </a:t>
+            </a:r>
+            <a:r>
+              <a:rPr lang="en-US" altLang="ko" dirty="0" smtClean="0"/>
+              <a:t>- </a:t>
+            </a:r>
+            <a:r>
+              <a:rPr lang="ko-KR" altLang="en-US" dirty="0" err="1"/>
+              <a:t>스킬을쓰면</a:t>
+            </a:r>
+            <a:r>
+              <a:rPr lang="ko-KR" altLang="en-US" dirty="0"/>
+              <a:t> </a:t>
+            </a:r>
+            <a:r>
+              <a:rPr lang="ko-KR" altLang="en-US" dirty="0" smtClean="0"/>
+              <a:t>시간이 멈추고 </a:t>
+            </a:r>
+            <a:r>
+              <a:rPr lang="ko-KR" altLang="en-US" dirty="0" err="1" smtClean="0"/>
+              <a:t>한명</a:t>
+            </a:r>
+            <a:r>
+              <a:rPr lang="ko-KR" altLang="en-US" dirty="0" smtClean="0"/>
+              <a:t> </a:t>
+            </a:r>
+            <a:r>
+              <a:rPr lang="ko-KR" altLang="en-US" dirty="0"/>
+              <a:t>터치해서 </a:t>
+            </a:r>
+            <a:r>
+              <a:rPr lang="ko-KR" altLang="en-US" dirty="0" smtClean="0"/>
+              <a:t>사격할 수 있음 </a:t>
+            </a:r>
+            <a:r>
+              <a:rPr lang="ko-KR" altLang="en-US" dirty="0" err="1"/>
+              <a:t>데미지</a:t>
+            </a:r>
+            <a:r>
+              <a:rPr lang="ko-KR" altLang="en-US" dirty="0"/>
+              <a:t> </a:t>
+            </a:r>
+            <a:r>
+              <a:rPr lang="ko-KR" altLang="en-US" dirty="0" err="1"/>
+              <a:t>겁나세게</a:t>
+            </a:r>
+            <a:r>
+              <a:rPr lang="ko-KR" altLang="en-US" dirty="0"/>
+              <a:t> 들어감 </a:t>
+            </a:r>
+            <a:r>
+              <a:rPr lang="ko-KR" altLang="en-US" dirty="0" err="1"/>
+              <a:t>쿨타임</a:t>
+            </a:r>
+            <a:r>
+              <a:rPr lang="ko-KR" altLang="en-US" dirty="0"/>
+              <a:t> 길음</a:t>
+            </a:r>
+            <a:r>
+              <a:rPr lang="en-US" altLang="ko" dirty="0"/>
+              <a:t>)</a:t>
+            </a:r>
+            <a:endParaRPr lang="ko" altLang="en-US" dirty="0"/>
+          </a:p>
+          <a:p>
+            <a:pPr marL="0" indent="0">
+              <a:buNone/>
+            </a:pPr>
+            <a:r>
+              <a:rPr lang="en-US" altLang="ko" dirty="0"/>
+              <a:t>)</a:t>
+            </a:r>
+            <a:endParaRPr lang="ko" altLang="en-US" dirty="0"/>
+          </a:p>
+          <a:p>
+            <a:pPr marL="0" indent="0">
+              <a:buNone/>
+            </a:pPr>
+            <a:r>
+              <a:rPr lang="en-US" altLang="ko-KR" dirty="0" smtClean="0"/>
+              <a:t>	</a:t>
+            </a:r>
+            <a:r>
+              <a:rPr lang="ko-KR" altLang="en-US" dirty="0" smtClean="0"/>
+              <a:t>게임을 </a:t>
+            </a:r>
+            <a:r>
+              <a:rPr lang="en-US" altLang="ko-KR" dirty="0" smtClean="0"/>
               <a:t>2</a:t>
             </a:r>
             <a:r>
-              <a:rPr lang="ko-KR" altLang="en-US" sz="1800" b="1" dirty="0" smtClean="0"/>
-              <a:t>개 </a:t>
-            </a:r>
-            <a:r>
-              <a:rPr lang="ko-KR" altLang="en-US" sz="1800" b="1" dirty="0" err="1" smtClean="0"/>
-              <a:t>이런식으로</a:t>
-            </a:r>
-            <a:r>
-              <a:rPr lang="ko-KR" altLang="en-US" sz="1800" b="1" dirty="0" smtClean="0"/>
-              <a:t> </a:t>
-            </a:r>
-            <a:r>
-              <a:rPr lang="ko-KR" altLang="en-US" sz="1800" b="1" dirty="0" err="1" smtClean="0"/>
-              <a:t>하는것이</a:t>
-            </a:r>
-            <a:r>
-              <a:rPr lang="ko-KR" altLang="en-US" sz="1800" b="1" dirty="0" smtClean="0"/>
-              <a:t> </a:t>
-            </a:r>
-            <a:r>
-              <a:rPr lang="ko-KR" altLang="en-US" sz="1800" b="1" dirty="0" err="1" smtClean="0"/>
-              <a:t>좋아보임</a:t>
-            </a:r>
-            <a:endParaRPr lang="en-US" altLang="ko-KR" sz="1800" b="1" dirty="0" smtClean="0"/>
+              <a:rPr lang="ko-KR" altLang="en-US" dirty="0" smtClean="0"/>
+              <a:t>번 </a:t>
+            </a:r>
+            <a:r>
+              <a:rPr lang="ko-KR" altLang="en-US" dirty="0" err="1" smtClean="0"/>
+              <a:t>클리어</a:t>
+            </a:r>
+            <a:r>
+              <a:rPr lang="ko-KR" altLang="en-US" dirty="0" smtClean="0"/>
+              <a:t> 하면 나옴</a:t>
+            </a:r>
+            <a:endParaRPr lang="ko-KR" altLang="en-US" dirty="0"/>
+          </a:p>
+          <a:p>
+            <a:endParaRPr lang="ko" altLang="en-US" dirty="0"/>
+          </a:p>
+          <a:p>
+            <a:r>
+              <a:rPr lang="ko-KR" altLang="en-US" dirty="0"/>
+              <a:t>보안 로봇</a:t>
+            </a:r>
+            <a:r>
+              <a:rPr lang="en-US" altLang="ko" dirty="0"/>
+              <a:t>(</a:t>
+            </a:r>
+            <a:r>
+              <a:rPr lang="ko-KR" altLang="en-US" dirty="0"/>
+              <a:t>달려가서 자폭하는 로봇들 </a:t>
+            </a:r>
+            <a:r>
+              <a:rPr lang="en-US" altLang="ko" dirty="0"/>
+              <a:t>5</a:t>
+            </a:r>
+            <a:r>
+              <a:rPr lang="ko-KR" altLang="en-US" dirty="0"/>
+              <a:t>마리 </a:t>
+            </a:r>
+            <a:r>
+              <a:rPr lang="ko-KR" altLang="en-US" dirty="0" smtClean="0"/>
+              <a:t>나옴 가방 무게 제한 없음 먹으면 먹을수록 칸이 아래로 쌓임</a:t>
+            </a:r>
+            <a:r>
+              <a:rPr lang="en-US" altLang="ko" dirty="0" smtClean="0"/>
+              <a:t>)</a:t>
+            </a:r>
+          </a:p>
+          <a:p>
+            <a:pPr marL="0" indent="0">
+              <a:buNone/>
+            </a:pPr>
+            <a:r>
+              <a:rPr lang="ko-KR" altLang="en-US" dirty="0" smtClean="0"/>
+              <a:t>게임 누적 플레이 시간 </a:t>
+            </a:r>
+            <a:r>
+              <a:rPr lang="en-US" altLang="ko-KR" dirty="0" smtClean="0"/>
+              <a:t>20</a:t>
+            </a:r>
+            <a:r>
+              <a:rPr lang="ko-KR" altLang="en-US" dirty="0" smtClean="0"/>
+              <a:t>시간 이상이면 </a:t>
+            </a:r>
+            <a:r>
+              <a:rPr lang="ko-KR" altLang="en-US" dirty="0" err="1" smtClean="0"/>
+              <a:t>언락</a:t>
+            </a:r>
+            <a:endParaRPr lang="en-US" altLang="ko" dirty="0" smtClean="0"/>
+          </a:p>
+          <a:p>
+            <a:endParaRPr lang="ko" altLang="en-US" dirty="0"/>
+          </a:p>
+          <a:p>
+            <a:endParaRPr lang="ko" altLang="en-US" dirty="0"/>
+          </a:p>
+          <a:p>
+            <a:endParaRPr lang="ko" altLang="en-US" dirty="0"/>
+          </a:p>
+          <a:p>
+            <a:endParaRPr lang="en-US" altLang="ko-KR" b="1" dirty="0" smtClean="0"/>
           </a:p>
         </p:txBody>
       </p:sp>
     </p:spTree>
     <p:extLst>
       <p:ext uri="{BB962C8B-B14F-4D97-AF65-F5344CB8AC3E}">
-        <p14:creationId xmlns:p14="http://schemas.microsoft.com/office/powerpoint/2010/main" val="1552690130"/>
+        <p14:creationId xmlns:p14="http://schemas.microsoft.com/office/powerpoint/2010/main" val="2682462336"/>
       </p:ext>
     </p:extLst>
   </p:cSld>
@@ -13979,12 +13939,7 @@
             <p:ph idx="1"/>
           </p:nvPr>
         </p:nvSpPr>
-        <p:spPr>
-          <a:xfrm>
-            <a:off x="-108520" y="1412776"/>
-            <a:ext cx="9613576" cy="5301208"/>
-          </a:xfrm>
-        </p:spPr>
+        <p:spPr/>
         <p:txBody>
           <a:bodyPr>
             <a:normAutofit/>
@@ -13992,8 +13947,53 @@
           <a:lstStyle/>
           <a:p>
             <a:r>
+              <a:rPr lang="ko-KR" altLang="en-US" sz="1800" b="1" dirty="0" smtClean="0"/>
+              <a:t>마지막 스테이지 </a:t>
+            </a:r>
+            <a:r>
               <a:rPr lang="ko-KR" altLang="en-US" sz="1800" b="1" dirty="0" err="1" smtClean="0"/>
-              <a:t>스테이지별</a:t>
+              <a:t>몬스터들간의</a:t>
+            </a:r>
+            <a:r>
+              <a:rPr lang="ko-KR" altLang="en-US" sz="1800" b="1" dirty="0" smtClean="0"/>
+              <a:t> 연관성이 별로 없는 것 같음</a:t>
+            </a:r>
+            <a:r>
+              <a:rPr lang="en-US" altLang="ko-KR" sz="1800" b="1" dirty="0" smtClean="0"/>
+              <a:t>.</a:t>
+            </a:r>
+          </a:p>
+          <a:p>
+            <a:r>
+              <a:rPr lang="en-US" altLang="ko-KR" sz="1800" b="1" dirty="0" smtClean="0"/>
+              <a:t>1,2,3,4</a:t>
+            </a:r>
+            <a:r>
+              <a:rPr lang="ko-KR" altLang="en-US" sz="1800" b="1" dirty="0" smtClean="0"/>
+              <a:t>스테이지는 </a:t>
+            </a:r>
+            <a:r>
+              <a:rPr lang="ko-KR" altLang="en-US" sz="1800" b="1" dirty="0" err="1" smtClean="0"/>
+              <a:t>컨셉이</a:t>
+            </a:r>
+            <a:r>
+              <a:rPr lang="ko-KR" altLang="en-US" sz="1800" b="1" dirty="0" smtClean="0"/>
+              <a:t> 서로 맞게 잘 된 것 같은데 마지막 스테이지는 서로 따로 노는 느낌이듬</a:t>
+            </a:r>
+            <a:endParaRPr lang="en-US" altLang="ko-KR" sz="1800" b="1" dirty="0"/>
+          </a:p>
+          <a:p>
+            <a:r>
+              <a:rPr lang="en-US" altLang="ko-KR" sz="1800" b="1" dirty="0" smtClean="0"/>
+              <a:t> </a:t>
+            </a:r>
+            <a:r>
+              <a:rPr lang="ko-KR" altLang="en-US" sz="1800" b="1" dirty="0" smtClean="0"/>
+              <a:t>차라리 요원스테이지 </a:t>
+            </a:r>
+            <a:r>
+              <a:rPr lang="ko-KR" altLang="en-US" sz="1800" b="1" dirty="0" err="1" smtClean="0"/>
+              <a:t>군인스테이지롤</a:t>
             </a:r>
             <a:r>
               <a:rPr lang="ko-KR" altLang="en-US" sz="1800" b="1" dirty="0" smtClean="0"/>
@@ -14001,200 +14001,93 @@
             </a:r>
             <a:r>
               <a:rPr lang="ko-KR" altLang="en-US" sz="1800" b="1" dirty="0" err="1" smtClean="0"/>
-              <a:t>몬스터</a:t>
-            </a:r>
-            <a:r>
-              <a:rPr lang="ko-KR" altLang="en-US" sz="1800" b="1" dirty="0" smtClean="0"/>
-              <a:t> 기본패턴은 기본적으로 </a:t>
-            </a:r>
-            <a:r>
-              <a:rPr lang="en-US" altLang="ko-KR" sz="1800" b="1" dirty="0" smtClean="0"/>
-              <a:t> </a:t>
-            </a:r>
-          </a:p>
-          <a:p>
-            <a:r>
-              <a:rPr lang="ko-KR" altLang="en-US" sz="1800" b="1" dirty="0" err="1" smtClean="0"/>
-              <a:t>쉬운근접</a:t>
+              <a:t>나누는것이</a:t>
             </a:r>
             <a:r>
               <a:rPr lang="ko-KR" altLang="en-US" sz="1800" b="1" dirty="0" smtClean="0"/>
               <a:t> </a:t>
             </a:r>
+            <a:r>
+              <a:rPr lang="ko-KR" altLang="en-US" sz="1800" b="1" dirty="0" err="1" smtClean="0"/>
+              <a:t>좋을것같음</a:t>
+            </a:r>
             <a:endParaRPr lang="en-US" altLang="ko-KR" sz="1800" b="1" dirty="0" smtClean="0"/>
           </a:p>
           <a:p>
             <a:r>
+              <a:rPr lang="ko-KR" altLang="en-US" sz="1800" b="1" dirty="0" smtClean="0"/>
+              <a:t>군인스테이지에 기본 보병 추가 </a:t>
+            </a:r>
+            <a:r>
+              <a:rPr lang="en-US" altLang="ko-KR" sz="1800" b="1" dirty="0" smtClean="0"/>
+              <a:t>+ </a:t>
+            </a:r>
+            <a:r>
               <a:rPr lang="ko-KR" altLang="en-US" sz="1800" b="1" dirty="0" err="1" smtClean="0"/>
-              <a:t>어려운근접</a:t>
-            </a:r>
-            <a:endParaRPr lang="en-US" altLang="ko-KR" sz="1800" b="1" dirty="0" smtClean="0"/>
-          </a:p>
-          <a:p>
+              <a:t>기존에있던</a:t>
+            </a:r>
+            <a:r>
+              <a:rPr lang="ko-KR" altLang="en-US" sz="1800" b="1" dirty="0" smtClean="0"/>
+              <a:t> </a:t>
+            </a:r>
             <a:r>
               <a:rPr lang="ko-KR" altLang="en-US" sz="1800" b="1" dirty="0" err="1" smtClean="0"/>
-              <a:t>쉬운원거리</a:t>
-            </a:r>
-            <a:endParaRPr lang="en-US" altLang="ko-KR" sz="1800" b="1" dirty="0" smtClean="0"/>
-          </a:p>
-          <a:p>
-            <a:r>
-              <a:rPr lang="ko-KR" altLang="en-US" sz="1800" b="1" dirty="0" err="1" smtClean="0"/>
-              <a:t>어려운원거리로</a:t>
-            </a:r>
-            <a:r>
-              <a:rPr lang="ko-KR" altLang="en-US" sz="1800" b="1" dirty="0" smtClean="0"/>
-              <a:t> 구성</a:t>
-            </a:r>
-            <a:endParaRPr lang="en-US" altLang="ko-KR" sz="1800" b="1" dirty="0" smtClean="0"/>
-          </a:p>
-          <a:p>
-            <a:endParaRPr lang="en-US" altLang="ko-KR" sz="1800" b="1" dirty="0" smtClean="0"/>
-          </a:p>
-          <a:p>
-            <a:r>
-              <a:rPr lang="ko-KR" altLang="en-US" sz="1800" b="1" dirty="0" smtClean="0"/>
-              <a:t>패턴은 스테이지마다 전부 다르게</a:t>
-            </a:r>
-            <a:endParaRPr lang="en-US" altLang="ko-KR" sz="1800" b="1" dirty="0" smtClean="0"/>
-          </a:p>
-          <a:p>
-            <a:endParaRPr lang="en-US" altLang="ko-KR" sz="1800" b="1" dirty="0" smtClean="0"/>
-          </a:p>
-          <a:p>
-            <a:r>
-              <a:rPr lang="ko-KR" altLang="en-US" sz="1800" b="1" dirty="0" err="1" smtClean="0"/>
-              <a:t>쉬운패턴의</a:t>
-            </a:r>
-            <a:r>
-              <a:rPr lang="ko-KR" altLang="en-US" sz="1800" b="1" dirty="0" smtClean="0"/>
-              <a:t> 정도 </a:t>
-            </a:r>
-            <a:endParaRPr lang="en-US" altLang="ko-KR" sz="1800" b="1" dirty="0" smtClean="0"/>
-          </a:p>
-          <a:p>
-            <a:r>
-              <a:rPr lang="en-US" altLang="ko-KR" sz="1800" b="1" dirty="0" smtClean="0"/>
-              <a:t>(</a:t>
-            </a:r>
-            <a:r>
-              <a:rPr lang="ko-KR" altLang="en-US" sz="1800" b="1" dirty="0" smtClean="0"/>
-              <a:t>원거리 </a:t>
-            </a:r>
-            <a:r>
-              <a:rPr lang="en-US" altLang="ko-KR" sz="1800" b="1" dirty="0" smtClean="0"/>
-              <a:t>: </a:t>
-            </a:r>
-            <a:r>
-              <a:rPr lang="ko-KR" altLang="en-US" sz="1800" b="1" dirty="0" smtClean="0"/>
-              <a:t>누구는 총알 빠르게 </a:t>
-            </a:r>
-            <a:r>
-              <a:rPr lang="en-US" altLang="ko-KR" sz="1800" b="1" dirty="0" smtClean="0"/>
-              <a:t>1</a:t>
-            </a:r>
-            <a:r>
-              <a:rPr lang="ko-KR" altLang="en-US" sz="1800" b="1" dirty="0" err="1" smtClean="0"/>
-              <a:t>발씩쏘고</a:t>
-            </a:r>
-            <a:r>
-              <a:rPr lang="ko-KR" altLang="en-US" sz="1800" b="1" dirty="0" smtClean="0"/>
-              <a:t> 누구는 총알 느리게 </a:t>
-            </a:r>
-            <a:r>
-              <a:rPr lang="en-US" altLang="ko-KR" sz="1800" b="1" dirty="0" smtClean="0"/>
-              <a:t>3</a:t>
-            </a:r>
-            <a:r>
-              <a:rPr lang="ko-KR" altLang="en-US" sz="1800" b="1" dirty="0" smtClean="0"/>
-              <a:t>발씩 쏘고 이정도</a:t>
-            </a:r>
-            <a:r>
-              <a:rPr lang="en-US" altLang="ko-KR" sz="1800" b="1" dirty="0" smtClean="0"/>
-              <a:t>)</a:t>
-            </a:r>
-          </a:p>
-          <a:p>
-            <a:r>
-              <a:rPr lang="en-US" altLang="ko-KR" sz="1800" b="1" dirty="0" smtClean="0"/>
-              <a:t>(</a:t>
-            </a:r>
-            <a:r>
-              <a:rPr lang="ko-KR" altLang="en-US" sz="1800" b="1" dirty="0" smtClean="0"/>
-              <a:t>근거리 </a:t>
-            </a:r>
-            <a:r>
-              <a:rPr lang="en-US" altLang="ko-KR" sz="1800" b="1" dirty="0" smtClean="0"/>
-              <a:t>: </a:t>
-            </a:r>
-            <a:r>
-              <a:rPr lang="ko-KR" altLang="en-US" sz="1800" b="1" dirty="0" err="1" smtClean="0"/>
-              <a:t>가까이와서</a:t>
-            </a:r>
-            <a:r>
-              <a:rPr lang="ko-KR" altLang="en-US" sz="1800" b="1" dirty="0" smtClean="0"/>
-              <a:t> 때리기</a:t>
+              <a:t>대포병</a:t>
             </a:r>
             <a:r>
               <a:rPr lang="en-US" altLang="ko-KR" sz="1800" b="1" dirty="0" smtClean="0"/>
               <a:t>,</a:t>
             </a:r>
             <a:r>
-              <a:rPr lang="ko-KR" altLang="en-US" sz="1800" b="1" dirty="0"/>
-              <a:t> </a:t>
-            </a:r>
-            <a:r>
               <a:rPr lang="ko-KR" altLang="en-US" sz="1800" b="1" dirty="0" smtClean="0"/>
-              <a:t>좀더 먼 거리에서 </a:t>
+              <a:t>저격수</a:t>
+            </a:r>
+            <a:r>
+              <a:rPr lang="en-US" altLang="ko-KR" sz="1800" b="1" dirty="0" smtClean="0"/>
+              <a:t>,</a:t>
             </a:r>
             <a:r>
               <a:rPr lang="ko-KR" altLang="en-US" sz="1800" b="1" dirty="0" err="1" smtClean="0"/>
-              <a:t>대쉬를</a:t>
+              <a:t>포탑짓는애</a:t>
             </a:r>
             <a:r>
               <a:rPr lang="ko-KR" altLang="en-US" sz="1800" b="1" dirty="0" smtClean="0"/>
-              <a:t> 해서 공격을 </a:t>
+              <a:t> 사용</a:t>
+            </a:r>
+            <a:endParaRPr lang="en-US" altLang="ko-KR" sz="1800" b="1" dirty="0" smtClean="0"/>
+          </a:p>
+          <a:p>
+            <a:r>
+              <a:rPr lang="ko-KR" altLang="en-US" sz="1800" b="1" dirty="0" smtClean="0"/>
+              <a:t>요원스테이지에 쌍권총요원 </a:t>
+            </a:r>
+            <a:r>
+              <a:rPr lang="en-US" altLang="ko-KR" sz="1800" b="1" dirty="0" smtClean="0"/>
+              <a:t>+ </a:t>
+            </a:r>
+            <a:r>
+              <a:rPr lang="ko-KR" altLang="en-US" sz="1800" b="1" dirty="0" smtClean="0"/>
+              <a:t>암살자 </a:t>
+            </a:r>
+            <a:r>
+              <a:rPr lang="en-US" altLang="ko-KR" sz="1800" b="1" dirty="0" smtClean="0"/>
+              <a:t>+ </a:t>
+            </a:r>
+            <a:r>
+              <a:rPr lang="ko-KR" altLang="en-US" sz="1800" b="1" dirty="0" smtClean="0"/>
+              <a:t>기타요원</a:t>
+            </a:r>
+            <a:r>
+              <a:rPr lang="en-US" altLang="ko-KR" sz="1800" b="1" dirty="0" smtClean="0"/>
+              <a:t>2</a:t>
+            </a:r>
+            <a:r>
+              <a:rPr lang="ko-KR" altLang="en-US" sz="1800" b="1" dirty="0" smtClean="0"/>
+              <a:t>개 </a:t>
             </a:r>
             <a:r>
               <a:rPr lang="ko-KR" altLang="en-US" sz="1800" b="1" dirty="0" err="1" smtClean="0"/>
-              <a:t>한다던지</a:t>
-            </a:r>
-            <a:r>
-              <a:rPr lang="en-US" altLang="ko-KR" sz="1800" b="1" dirty="0" smtClean="0"/>
-              <a:t>)</a:t>
-            </a:r>
-          </a:p>
-          <a:p>
-            <a:r>
-              <a:rPr lang="ko-KR" altLang="en-US" sz="1800" b="1" dirty="0" err="1" smtClean="0"/>
-              <a:t>어려운패턴의</a:t>
-            </a:r>
-            <a:r>
-              <a:rPr lang="ko-KR" altLang="en-US" sz="1800" b="1" dirty="0" smtClean="0"/>
-              <a:t> 정도</a:t>
-            </a:r>
-            <a:endParaRPr lang="en-US" altLang="ko-KR" sz="1800" b="1" dirty="0" smtClean="0"/>
-          </a:p>
-          <a:p>
-            <a:r>
-              <a:rPr lang="en-US" altLang="ko-KR" sz="1800" b="1" dirty="0" smtClean="0"/>
-              <a:t>(</a:t>
-            </a:r>
-            <a:r>
-              <a:rPr lang="ko-KR" altLang="en-US" sz="1800" b="1" dirty="0" smtClean="0"/>
-              <a:t>원거리 </a:t>
-            </a:r>
-            <a:r>
-              <a:rPr lang="en-US" altLang="ko-KR" sz="1800" b="1" dirty="0" smtClean="0"/>
-              <a:t>:</a:t>
-            </a:r>
-            <a:r>
-              <a:rPr lang="ko-KR" altLang="en-US" sz="1800" b="1" dirty="0" smtClean="0"/>
-              <a:t>총알을 </a:t>
-            </a:r>
-            <a:r>
-              <a:rPr lang="ko-KR" altLang="en-US" sz="1800" b="1" dirty="0" err="1" smtClean="0"/>
-              <a:t>여러방향으로</a:t>
+              <a:t>이런식으로</a:t>
             </a:r>
             <a:r>
               <a:rPr lang="ko-KR" altLang="en-US" sz="1800" b="1" dirty="0" smtClean="0"/>
@@ -14202,7 +14095,7 @@
             </a:r>
             <a:r>
               <a:rPr lang="ko-KR" altLang="en-US" sz="1800" b="1" dirty="0" err="1" smtClean="0"/>
-              <a:t>쏜다던지</a:t>
+              <a:t>하는것이</a:t>
             </a:r>
             <a:r>
               <a:rPr lang="ko-KR" altLang="en-US" sz="1800" b="1" dirty="0" smtClean="0"/>
@@ -14210,92 +14103,8 @@
             </a:r>
             <a:r>
               <a:rPr lang="ko-KR" altLang="en-US" sz="1800" b="1" dirty="0" err="1" smtClean="0"/>
-              <a:t>특수탄</a:t>
-            </a:r>
-            <a:r>
-              <a:rPr lang="en-US" altLang="ko-KR" sz="1800" b="1" dirty="0" smtClean="0"/>
-              <a:t>(</a:t>
-            </a:r>
-            <a:r>
-              <a:rPr lang="ko-KR" altLang="en-US" sz="1800" b="1" dirty="0" err="1" smtClean="0"/>
-              <a:t>벽에맞으면</a:t>
-            </a:r>
-            <a:r>
-              <a:rPr lang="ko-KR" altLang="en-US" sz="1800" b="1" dirty="0" smtClean="0"/>
-              <a:t> 튕기거나 중독</a:t>
-            </a:r>
-            <a:r>
-              <a:rPr lang="en-US" altLang="ko-KR" sz="1800" b="1" dirty="0" smtClean="0"/>
-              <a:t>,</a:t>
-            </a:r>
-            <a:r>
-              <a:rPr lang="ko-KR" altLang="en-US" sz="1800" b="1" dirty="0" smtClean="0"/>
-              <a:t>화상의 효과</a:t>
-            </a:r>
-            <a:r>
-              <a:rPr lang="en-US" altLang="ko-KR" sz="1800" b="1" dirty="0" smtClean="0"/>
-              <a:t>),</a:t>
-            </a:r>
-            <a:r>
-              <a:rPr lang="ko-KR" altLang="en-US" sz="1800" b="1" dirty="0" err="1" smtClean="0"/>
-              <a:t>수류탄등등을</a:t>
-            </a:r>
-            <a:r>
-              <a:rPr lang="ko-KR" altLang="en-US" sz="1800" b="1" dirty="0" smtClean="0"/>
-              <a:t> 사용</a:t>
-            </a:r>
-            <a:r>
-              <a:rPr lang="en-US" altLang="ko-KR" sz="1800" b="1" dirty="0" smtClean="0"/>
-              <a:t>)</a:t>
-            </a:r>
-          </a:p>
-          <a:p>
-            <a:r>
-              <a:rPr lang="en-US" altLang="ko-KR" sz="1800" b="1" dirty="0" smtClean="0"/>
-              <a:t>(</a:t>
-            </a:r>
-            <a:r>
-              <a:rPr lang="ko-KR" altLang="en-US" sz="1800" b="1" dirty="0" smtClean="0"/>
-              <a:t>근거리 </a:t>
-            </a:r>
-            <a:r>
-              <a:rPr lang="en-US" altLang="ko-KR" sz="1800" b="1" dirty="0" smtClean="0"/>
-              <a:t>: </a:t>
-            </a:r>
-            <a:r>
-              <a:rPr lang="ko-KR" altLang="en-US" sz="1800" b="1" dirty="0" smtClean="0"/>
-              <a:t>위장</a:t>
-            </a:r>
-            <a:r>
-              <a:rPr lang="en-US" altLang="ko-KR" sz="1800" b="1" dirty="0" smtClean="0"/>
-              <a:t>,</a:t>
-            </a:r>
-            <a:r>
-              <a:rPr lang="ko-KR" altLang="en-US" sz="1800" b="1" dirty="0" smtClean="0"/>
-              <a:t>은신</a:t>
-            </a:r>
-            <a:r>
-              <a:rPr lang="en-US" altLang="ko-KR" sz="1800" b="1" dirty="0" smtClean="0"/>
-              <a:t>,</a:t>
-            </a:r>
-            <a:r>
-              <a:rPr lang="ko-KR" altLang="en-US" sz="1800" b="1" dirty="0" smtClean="0"/>
-              <a:t>방패사용</a:t>
-            </a:r>
-            <a:r>
-              <a:rPr lang="en-US" altLang="ko-KR" sz="1800" b="1" dirty="0" smtClean="0"/>
-              <a:t>,</a:t>
-            </a:r>
-            <a:r>
-              <a:rPr lang="ko-KR" altLang="en-US" sz="1800" b="1" dirty="0" smtClean="0"/>
-              <a:t>등등 기본근거리 </a:t>
-            </a:r>
-            <a:r>
-              <a:rPr lang="en-US" altLang="ko-KR" sz="1800" b="1" dirty="0" smtClean="0"/>
-              <a:t>+ @)</a:t>
-            </a:r>
-          </a:p>
-          <a:p>
+              <a:t>좋아보임</a:t>
+            </a:r>
             <a:endParaRPr lang="en-US" altLang="ko-KR" sz="1800" b="1" dirty="0" smtClean="0"/>
           </a:p>
         </p:txBody>
@@ -14303,7 +14112,7 @@
     </p:spTree>
     <p:extLst>
       <p:ext uri="{BB962C8B-B14F-4D97-AF65-F5344CB8AC3E}">
-        <p14:creationId xmlns:p14="http://schemas.microsoft.com/office/powerpoint/2010/main" val="2752374943"/>
+        <p14:creationId xmlns:p14="http://schemas.microsoft.com/office/powerpoint/2010/main" val="1552690130"/>
       </p:ext>
     </p:extLst>
   </p:cSld>
@@ -14349,10 +14158,6 @@
           <a:p>
             <a:r>
               <a:rPr lang="ko-KR" altLang="en-US" dirty="0" smtClean="0"/>
-              <a:t>마지막 스테이지 </a:t>
-            </a:r>
-            <a:r>
-              <a:rPr lang="ko-KR" altLang="en-US" dirty="0" smtClean="0"/>
               <a:t>기타의견</a:t>
             </a:r>
             <a:endParaRPr lang="ko-KR" altLang="en-US" dirty="0"/>
@@ -14382,6 +14187,392 @@
           <a:lstStyle/>
           <a:p>
             <a:r>
+              <a:rPr lang="ko-KR" altLang="en-US" sz="1800" b="1" dirty="0" err="1" smtClean="0"/>
+              <a:t>스테이지별</a:t>
+            </a:r>
+            <a:r>
+              <a:rPr lang="ko-KR" altLang="en-US" sz="1800" b="1" dirty="0" smtClean="0"/>
+              <a:t> </a:t>
+            </a:r>
+            <a:r>
+              <a:rPr lang="ko-KR" altLang="en-US" sz="1800" b="1" dirty="0" err="1" smtClean="0"/>
+              <a:t>몬스터</a:t>
+            </a:r>
+            <a:r>
+              <a:rPr lang="ko-KR" altLang="en-US" sz="1800" b="1" dirty="0" smtClean="0"/>
+              <a:t> 기본패턴은 기본적으로 </a:t>
+            </a:r>
+            <a:r>
+              <a:rPr lang="en-US" altLang="ko-KR" sz="1800" b="1" dirty="0" smtClean="0"/>
+              <a:t> </a:t>
+            </a:r>
+          </a:p>
+          <a:p>
+            <a:r>
+              <a:rPr lang="ko-KR" altLang="en-US" sz="1800" b="1" dirty="0" err="1" smtClean="0"/>
+              <a:t>쉬운근접</a:t>
+            </a:r>
+            <a:r>
+              <a:rPr lang="ko-KR" altLang="en-US" sz="1800" b="1" dirty="0" smtClean="0"/>
+              <a:t> </a:t>
+            </a:r>
+            <a:endParaRPr lang="en-US" altLang="ko-KR" sz="1800" b="1" dirty="0" smtClean="0"/>
+          </a:p>
+          <a:p>
+            <a:r>
+              <a:rPr lang="ko-KR" altLang="en-US" sz="1800" b="1" dirty="0" err="1" smtClean="0"/>
+              <a:t>어려운근접</a:t>
+            </a:r>
+            <a:endParaRPr lang="en-US" altLang="ko-KR" sz="1800" b="1" dirty="0" smtClean="0"/>
+          </a:p>
+          <a:p>
+            <a:r>
+              <a:rPr lang="ko-KR" altLang="en-US" sz="1800" b="1" dirty="0" err="1" smtClean="0"/>
+              <a:t>쉬운원거리</a:t>
+            </a:r>
+            <a:endParaRPr lang="en-US" altLang="ko-KR" sz="1800" b="1" dirty="0" smtClean="0"/>
+          </a:p>
+          <a:p>
+            <a:r>
+              <a:rPr lang="ko-KR" altLang="en-US" sz="1800" b="1" dirty="0" err="1" smtClean="0"/>
+              <a:t>어려운원거리로</a:t>
+            </a:r>
+            <a:r>
+              <a:rPr lang="ko-KR" altLang="en-US" sz="1800" b="1" dirty="0" smtClean="0"/>
+              <a:t> 구성</a:t>
+            </a:r>
+            <a:endParaRPr lang="en-US" altLang="ko-KR" sz="1800" b="1" dirty="0" smtClean="0"/>
+          </a:p>
+          <a:p>
+            <a:endParaRPr lang="en-US" altLang="ko-KR" sz="1800" b="1" dirty="0" smtClean="0"/>
+          </a:p>
+          <a:p>
+            <a:r>
+              <a:rPr lang="ko-KR" altLang="en-US" sz="1800" b="1" dirty="0" smtClean="0"/>
+              <a:t>패턴은 스테이지마다 전부 다르게</a:t>
+            </a:r>
+            <a:endParaRPr lang="en-US" altLang="ko-KR" sz="1800" b="1" dirty="0" smtClean="0"/>
+          </a:p>
+          <a:p>
+            <a:endParaRPr lang="en-US" altLang="ko-KR" sz="1800" b="1" dirty="0" smtClean="0"/>
+          </a:p>
+          <a:p>
+            <a:r>
+              <a:rPr lang="ko-KR" altLang="en-US" sz="1800" b="1" dirty="0" err="1" smtClean="0"/>
+              <a:t>쉬운패턴의</a:t>
+            </a:r>
+            <a:r>
+              <a:rPr lang="ko-KR" altLang="en-US" sz="1800" b="1" dirty="0" smtClean="0"/>
+              <a:t> 정도 </a:t>
+            </a:r>
+            <a:endParaRPr lang="en-US" altLang="ko-KR" sz="1800" b="1" dirty="0" smtClean="0"/>
+          </a:p>
+          <a:p>
+            <a:r>
+              <a:rPr lang="en-US" altLang="ko-KR" sz="1800" b="1" dirty="0" smtClean="0"/>
+              <a:t>(</a:t>
+            </a:r>
+            <a:r>
+              <a:rPr lang="ko-KR" altLang="en-US" sz="1800" b="1" dirty="0" smtClean="0"/>
+              <a:t>원거리 </a:t>
+            </a:r>
+            <a:r>
+              <a:rPr lang="en-US" altLang="ko-KR" sz="1800" b="1" dirty="0" smtClean="0"/>
+              <a:t>: </a:t>
+            </a:r>
+            <a:r>
+              <a:rPr lang="ko-KR" altLang="en-US" sz="1800" b="1" dirty="0" smtClean="0"/>
+              <a:t>누구는 총알 빠르게 </a:t>
+            </a:r>
+            <a:r>
+              <a:rPr lang="en-US" altLang="ko-KR" sz="1800" b="1" dirty="0" smtClean="0"/>
+              <a:t>1</a:t>
+            </a:r>
+            <a:r>
+              <a:rPr lang="ko-KR" altLang="en-US" sz="1800" b="1" dirty="0" err="1" smtClean="0"/>
+              <a:t>발씩쏘고</a:t>
+            </a:r>
+            <a:r>
+              <a:rPr lang="ko-KR" altLang="en-US" sz="1800" b="1" dirty="0" smtClean="0"/>
+              <a:t> 누구는 총알 느리게 </a:t>
+            </a:r>
+            <a:r>
+              <a:rPr lang="en-US" altLang="ko-KR" sz="1800" b="1" dirty="0" smtClean="0"/>
+              <a:t>3</a:t>
+            </a:r>
+            <a:r>
+              <a:rPr lang="ko-KR" altLang="en-US" sz="1800" b="1" dirty="0" smtClean="0"/>
+              <a:t>발씩 쏘고 이정도</a:t>
+            </a:r>
+            <a:r>
+              <a:rPr lang="en-US" altLang="ko-KR" sz="1800" b="1" dirty="0" smtClean="0"/>
+              <a:t>)</a:t>
+            </a:r>
+          </a:p>
+          <a:p>
+            <a:r>
+              <a:rPr lang="en-US" altLang="ko-KR" sz="1800" b="1" dirty="0" smtClean="0"/>
+              <a:t>(</a:t>
+            </a:r>
+            <a:r>
+              <a:rPr lang="ko-KR" altLang="en-US" sz="1800" b="1" dirty="0" smtClean="0"/>
+              <a:t>근거리 </a:t>
+            </a:r>
+            <a:r>
+              <a:rPr lang="en-US" altLang="ko-KR" sz="1800" b="1" dirty="0" smtClean="0"/>
+              <a:t>: </a:t>
+            </a:r>
+            <a:r>
+              <a:rPr lang="ko-KR" altLang="en-US" sz="1800" b="1" dirty="0" err="1" smtClean="0"/>
+              <a:t>가까이와서</a:t>
+            </a:r>
+            <a:r>
+              <a:rPr lang="ko-KR" altLang="en-US" sz="1800" b="1" dirty="0" smtClean="0"/>
+              <a:t> 때리기</a:t>
+            </a:r>
+            <a:r>
+              <a:rPr lang="en-US" altLang="ko-KR" sz="1800" b="1" dirty="0" smtClean="0"/>
+              <a:t>,</a:t>
+            </a:r>
+            <a:r>
+              <a:rPr lang="ko-KR" altLang="en-US" sz="1800" b="1" dirty="0"/>
+              <a:t> </a:t>
+            </a:r>
+            <a:r>
+              <a:rPr lang="ko-KR" altLang="en-US" sz="1800" b="1" dirty="0" smtClean="0"/>
+              <a:t>좀더 먼 거리에서 </a:t>
+            </a:r>
+            <a:r>
+              <a:rPr lang="ko-KR" altLang="en-US" sz="1800" b="1" dirty="0" err="1" smtClean="0"/>
+              <a:t>대쉬를</a:t>
+            </a:r>
+            <a:r>
+              <a:rPr lang="ko-KR" altLang="en-US" sz="1800" b="1" dirty="0" smtClean="0"/>
+              <a:t> 해서 공격을 </a:t>
+            </a:r>
+            <a:r>
+              <a:rPr lang="ko-KR" altLang="en-US" sz="1800" b="1" dirty="0" err="1" smtClean="0"/>
+              <a:t>한다던지</a:t>
+            </a:r>
+            <a:r>
+              <a:rPr lang="en-US" altLang="ko-KR" sz="1800" b="1" dirty="0" smtClean="0"/>
+              <a:t>)</a:t>
+            </a:r>
+          </a:p>
+          <a:p>
+            <a:r>
+              <a:rPr lang="ko-KR" altLang="en-US" sz="1800" b="1" dirty="0" err="1" smtClean="0"/>
+              <a:t>어려운패턴의</a:t>
+            </a:r>
+            <a:r>
+              <a:rPr lang="ko-KR" altLang="en-US" sz="1800" b="1" dirty="0" smtClean="0"/>
+              <a:t> 정도</a:t>
+            </a:r>
+            <a:endParaRPr lang="en-US" altLang="ko-KR" sz="1800" b="1" dirty="0" smtClean="0"/>
+          </a:p>
+          <a:p>
+            <a:r>
+              <a:rPr lang="en-US" altLang="ko-KR" sz="1800" b="1" dirty="0" smtClean="0"/>
+              <a:t>(</a:t>
+            </a:r>
+            <a:r>
+              <a:rPr lang="ko-KR" altLang="en-US" sz="1800" b="1" dirty="0" smtClean="0"/>
+              <a:t>원거리 </a:t>
+            </a:r>
+            <a:r>
+              <a:rPr lang="en-US" altLang="ko-KR" sz="1800" b="1" dirty="0" smtClean="0"/>
+              <a:t>:</a:t>
+            </a:r>
+            <a:r>
+              <a:rPr lang="ko-KR" altLang="en-US" sz="1800" b="1" dirty="0" smtClean="0"/>
+              <a:t>총알을 </a:t>
+            </a:r>
+            <a:r>
+              <a:rPr lang="ko-KR" altLang="en-US" sz="1800" b="1" dirty="0" err="1" smtClean="0"/>
+              <a:t>여러방향으로</a:t>
+            </a:r>
+            <a:r>
+              <a:rPr lang="ko-KR" altLang="en-US" sz="1800" b="1" dirty="0" smtClean="0"/>
+              <a:t> </a:t>
+            </a:r>
+            <a:r>
+              <a:rPr lang="ko-KR" altLang="en-US" sz="1800" b="1" dirty="0" err="1" smtClean="0"/>
+              <a:t>쏜다던지</a:t>
+            </a:r>
+            <a:r>
+              <a:rPr lang="ko-KR" altLang="en-US" sz="1800" b="1" dirty="0" smtClean="0"/>
+              <a:t> </a:t>
+            </a:r>
+            <a:r>
+              <a:rPr lang="ko-KR" altLang="en-US" sz="1800" b="1" dirty="0" err="1" smtClean="0"/>
+              <a:t>특수탄</a:t>
+            </a:r>
+            <a:r>
+              <a:rPr lang="en-US" altLang="ko-KR" sz="1800" b="1" dirty="0" smtClean="0"/>
+              <a:t>(</a:t>
+            </a:r>
+            <a:r>
+              <a:rPr lang="ko-KR" altLang="en-US" sz="1800" b="1" dirty="0" err="1" smtClean="0"/>
+              <a:t>벽에맞으면</a:t>
+            </a:r>
+            <a:r>
+              <a:rPr lang="ko-KR" altLang="en-US" sz="1800" b="1" dirty="0" smtClean="0"/>
+              <a:t> 튕기거나 중독</a:t>
+            </a:r>
+            <a:r>
+              <a:rPr lang="en-US" altLang="ko-KR" sz="1800" b="1" dirty="0" smtClean="0"/>
+              <a:t>,</a:t>
+            </a:r>
+            <a:r>
+              <a:rPr lang="ko-KR" altLang="en-US" sz="1800" b="1" dirty="0" smtClean="0"/>
+              <a:t>화상의 효과</a:t>
+            </a:r>
+            <a:r>
+              <a:rPr lang="en-US" altLang="ko-KR" sz="1800" b="1" dirty="0" smtClean="0"/>
+              <a:t>),</a:t>
+            </a:r>
+            <a:r>
+              <a:rPr lang="ko-KR" altLang="en-US" sz="1800" b="1" dirty="0" err="1" smtClean="0"/>
+              <a:t>수류탄등등을</a:t>
+            </a:r>
+            <a:r>
+              <a:rPr lang="ko-KR" altLang="en-US" sz="1800" b="1" dirty="0" smtClean="0"/>
+              <a:t> 사용</a:t>
+            </a:r>
+            <a:r>
+              <a:rPr lang="en-US" altLang="ko-KR" sz="1800" b="1" dirty="0" smtClean="0"/>
+              <a:t>)</a:t>
+            </a:r>
+          </a:p>
+          <a:p>
+            <a:r>
+              <a:rPr lang="en-US" altLang="ko-KR" sz="1800" b="1" dirty="0" smtClean="0"/>
+              <a:t>(</a:t>
+            </a:r>
+            <a:r>
+              <a:rPr lang="ko-KR" altLang="en-US" sz="1800" b="1" dirty="0" smtClean="0"/>
+              <a:t>근거리 </a:t>
+            </a:r>
+            <a:r>
+              <a:rPr lang="en-US" altLang="ko-KR" sz="1800" b="1" dirty="0" smtClean="0"/>
+              <a:t>: </a:t>
+            </a:r>
+            <a:r>
+              <a:rPr lang="ko-KR" altLang="en-US" sz="1800" b="1" dirty="0" smtClean="0"/>
+              <a:t>위장</a:t>
+            </a:r>
+            <a:r>
+              <a:rPr lang="en-US" altLang="ko-KR" sz="1800" b="1" dirty="0" smtClean="0"/>
+              <a:t>,</a:t>
+            </a:r>
+            <a:r>
+              <a:rPr lang="ko-KR" altLang="en-US" sz="1800" b="1" dirty="0" smtClean="0"/>
+              <a:t>은신</a:t>
+            </a:r>
+            <a:r>
+              <a:rPr lang="en-US" altLang="ko-KR" sz="1800" b="1" dirty="0" smtClean="0"/>
+              <a:t>,</a:t>
+            </a:r>
+            <a:r>
+              <a:rPr lang="ko-KR" altLang="en-US" sz="1800" b="1" dirty="0" smtClean="0"/>
+              <a:t>방패사용</a:t>
+            </a:r>
+            <a:r>
+              <a:rPr lang="en-US" altLang="ko-KR" sz="1800" b="1" dirty="0" smtClean="0"/>
+              <a:t>,</a:t>
+            </a:r>
+            <a:r>
+              <a:rPr lang="ko-KR" altLang="en-US" sz="1800" b="1" dirty="0" smtClean="0"/>
+              <a:t>등등 기본근거리 </a:t>
+            </a:r>
+            <a:r>
+              <a:rPr lang="en-US" altLang="ko-KR" sz="1800" b="1" dirty="0" smtClean="0"/>
+              <a:t>+ @)</a:t>
+            </a:r>
+          </a:p>
+          <a:p>
+            <a:endParaRPr lang="en-US" altLang="ko-KR" sz="1800" b="1" dirty="0" smtClean="0"/>
+          </a:p>
+        </p:txBody>
+      </p:sp>
+    </p:spTree>
+    <p:extLst>
+      <p:ext uri="{BB962C8B-B14F-4D97-AF65-F5344CB8AC3E}">
+        <p14:creationId xmlns:p14="http://schemas.microsoft.com/office/powerpoint/2010/main" val="2752374943"/>
+      </p:ext>
+    </p:extLst>
+  </p:cSld>
+  <p:clrMapOvr>
+    <a:masterClrMapping/>
+  </p:clrMapOvr>
+</p:sld>
+</file>
+
+<file path=ppt/slides/slide35.xml><?xml version="1.0" encoding="utf-8"?>
+<p:sld xmlns:a="http://schemas.openxmlformats.org/drawingml/2006/main" xmlns:r="http://schemas.openxmlformats.org/officeDocument/2006/relationships" xmlns:p="http://schemas.openxmlformats.org/presentationml/2006/main">
+  <p:cSld>
+    <p:spTree>
+      <p:nvGrpSpPr>
+        <p:cNvPr id="1" name=""/>
+        <p:cNvGrpSpPr/>
+        <p:nvPr/>
+      </p:nvGrpSpPr>
+      <p:grpSpPr>
+        <a:xfrm>
+          <a:off x="0" y="0"/>
+          <a:ext cx="0" cy="0"/>
+          <a:chOff x="0" y="0"/>
+          <a:chExt cx="0" cy="0"/>
+        </a:xfrm>
+      </p:grpSpPr>
+      <p:sp>
+        <p:nvSpPr>
+          <p:cNvPr id="2" name="제목 1"/>
+          <p:cNvSpPr>
+            <a:spLocks noGrp="1"/>
+          </p:cNvSpPr>
+          <p:nvPr>
+            <p:ph type="title"/>
+          </p:nvPr>
+        </p:nvSpPr>
+        <p:spPr/>
+        <p:txBody>
+          <a:bodyPr>
+            <a:normAutofit/>
+          </a:bodyPr>
+          <a:lstStyle/>
+          <a:p>
+            <a:r>
+              <a:rPr lang="ko-KR" altLang="en-US" dirty="0" smtClean="0"/>
+              <a:t>마지막 스테이지 기타의견</a:t>
+            </a:r>
+            <a:endParaRPr lang="ko-KR" altLang="en-US" dirty="0"/>
+          </a:p>
+        </p:txBody>
+      </p:sp>
+      <p:sp>
+        <p:nvSpPr>
+          <p:cNvPr id="3" name="내용 개체 틀 2"/>
+          <p:cNvSpPr>
+            <a:spLocks noGrp="1"/>
+          </p:cNvSpPr>
+          <p:nvPr>
+            <p:ph idx="1"/>
+          </p:nvPr>
+        </p:nvSpPr>
+        <p:spPr>
+          <a:xfrm>
+            <a:off x="-108520" y="1412776"/>
+            <a:ext cx="9613576" cy="5301208"/>
+          </a:xfrm>
+        </p:spPr>
+        <p:txBody>
+          <a:bodyPr>
+            <a:normAutofit/>
+          </a:bodyPr>
+          <a:lstStyle/>
+          <a:p>
+            <a:r>
               <a:rPr lang="ko-KR" altLang="en-US" sz="1800" b="1" dirty="0" smtClean="0"/>
               <a:t>아이디어</a:t>
             </a:r>
@@ -14395,19 +14586,7 @@
             </a:r>
             <a:r>
               <a:rPr lang="ko-KR" altLang="en-US" sz="1800" b="1" dirty="0" smtClean="0"/>
-              <a:t> 주인공 </a:t>
-            </a:r>
-            <a:r>
-              <a:rPr lang="ko-KR" altLang="en-US" sz="1800" b="1" dirty="0" smtClean="0"/>
-              <a:t>캐릭터로 </a:t>
-            </a:r>
-            <a:r>
-              <a:rPr lang="ko-KR" altLang="en-US" sz="1800" b="1" dirty="0" smtClean="0"/>
-              <a:t>넣고 요원은 </a:t>
-            </a:r>
-            <a:r>
-              <a:rPr lang="ko-KR" altLang="en-US" sz="1800" b="1" dirty="0" smtClean="0"/>
-              <a:t>마지막 </a:t>
+              <a:t> 주인공 캐릭터로 넣고 요원은 마지막 </a:t>
             </a:r>
             <a:r>
               <a:rPr lang="ko-KR" altLang="en-US" sz="1800" b="1" dirty="0" err="1" smtClean="0"/>
@@ -14423,11 +14602,7 @@
             </a:r>
             <a:r>
               <a:rPr lang="ko-KR" altLang="en-US" sz="1800" b="1" dirty="0" smtClean="0"/>
-              <a:t> </a:t>
-            </a:r>
-            <a:r>
-              <a:rPr lang="ko-KR" altLang="en-US" sz="1800" b="1" dirty="0" smtClean="0"/>
-              <a:t>어떨지</a:t>
+              <a:t> 어떨지</a:t>
             </a:r>
             <a:r>
               <a:rPr lang="en-US" altLang="ko-KR" sz="1800" b="1" dirty="0" smtClean="0"/>

--- a/EscapeJail/Assets/기획/스테이지1기획.pptx
+++ b/EscapeJail/Assets/기획/스테이지1기획.pptx
@@ -322,7 +322,7 @@
           <a:p>
             <a:fld id="{75C3E87A-1EF5-4BC0-A34A-1B32DEFB2AF0}" type="datetimeFigureOut">
               <a:rPr lang="ko-KR" altLang="en-US" smtClean="0"/>
-              <a:t>2017-10-29</a:t>
+              <a:t>2017-10-30</a:t>
             </a:fld>
             <a:endParaRPr lang="ko-KR" altLang="en-US"/>
           </a:p>
@@ -492,7 +492,7 @@
           <a:p>
             <a:fld id="{75C3E87A-1EF5-4BC0-A34A-1B32DEFB2AF0}" type="datetimeFigureOut">
               <a:rPr lang="ko-KR" altLang="en-US" smtClean="0"/>
-              <a:t>2017-10-29</a:t>
+              <a:t>2017-10-30</a:t>
             </a:fld>
             <a:endParaRPr lang="ko-KR" altLang="en-US"/>
           </a:p>
@@ -672,7 +672,7 @@
           <a:p>
             <a:fld id="{75C3E87A-1EF5-4BC0-A34A-1B32DEFB2AF0}" type="datetimeFigureOut">
               <a:rPr lang="ko-KR" altLang="en-US" smtClean="0"/>
-              <a:t>2017-10-29</a:t>
+              <a:t>2017-10-30</a:t>
             </a:fld>
             <a:endParaRPr lang="ko-KR" altLang="en-US"/>
           </a:p>
@@ -842,7 +842,7 @@
           <a:p>
             <a:fld id="{75C3E87A-1EF5-4BC0-A34A-1B32DEFB2AF0}" type="datetimeFigureOut">
               <a:rPr lang="ko-KR" altLang="en-US" smtClean="0"/>
-              <a:t>2017-10-29</a:t>
+              <a:t>2017-10-30</a:t>
             </a:fld>
             <a:endParaRPr lang="ko-KR" altLang="en-US"/>
           </a:p>
@@ -1088,7 +1088,7 @@
           <a:p>
             <a:fld id="{75C3E87A-1EF5-4BC0-A34A-1B32DEFB2AF0}" type="datetimeFigureOut">
               <a:rPr lang="ko-KR" altLang="en-US" smtClean="0"/>
-              <a:t>2017-10-29</a:t>
+              <a:t>2017-10-30</a:t>
             </a:fld>
             <a:endParaRPr lang="ko-KR" altLang="en-US"/>
           </a:p>
@@ -1376,7 +1376,7 @@
           <a:p>
             <a:fld id="{75C3E87A-1EF5-4BC0-A34A-1B32DEFB2AF0}" type="datetimeFigureOut">
               <a:rPr lang="ko-KR" altLang="en-US" smtClean="0"/>
-              <a:t>2017-10-29</a:t>
+              <a:t>2017-10-30</a:t>
             </a:fld>
             <a:endParaRPr lang="ko-KR" altLang="en-US"/>
           </a:p>
@@ -1798,7 +1798,7 @@
           <a:p>
             <a:fld id="{75C3E87A-1EF5-4BC0-A34A-1B32DEFB2AF0}" type="datetimeFigureOut">
               <a:rPr lang="ko-KR" altLang="en-US" smtClean="0"/>
-              <a:t>2017-10-29</a:t>
+              <a:t>2017-10-30</a:t>
             </a:fld>
             <a:endParaRPr lang="ko-KR" altLang="en-US"/>
           </a:p>
@@ -1916,7 +1916,7 @@
           <a:p>
             <a:fld id="{75C3E87A-1EF5-4BC0-A34A-1B32DEFB2AF0}" type="datetimeFigureOut">
               <a:rPr lang="ko-KR" altLang="en-US" smtClean="0"/>
-              <a:t>2017-10-29</a:t>
+              <a:t>2017-10-30</a:t>
             </a:fld>
             <a:endParaRPr lang="ko-KR" altLang="en-US"/>
           </a:p>
@@ -2011,7 +2011,7 @@
           <a:p>
             <a:fld id="{75C3E87A-1EF5-4BC0-A34A-1B32DEFB2AF0}" type="datetimeFigureOut">
               <a:rPr lang="ko-KR" altLang="en-US" smtClean="0"/>
-              <a:t>2017-10-29</a:t>
+              <a:t>2017-10-30</a:t>
             </a:fld>
             <a:endParaRPr lang="ko-KR" altLang="en-US"/>
           </a:p>
@@ -2288,7 +2288,7 @@
           <a:p>
             <a:fld id="{75C3E87A-1EF5-4BC0-A34A-1B32DEFB2AF0}" type="datetimeFigureOut">
               <a:rPr lang="ko-KR" altLang="en-US" smtClean="0"/>
-              <a:t>2017-10-29</a:t>
+              <a:t>2017-10-30</a:t>
             </a:fld>
             <a:endParaRPr lang="ko-KR" altLang="en-US"/>
           </a:p>
@@ -2541,7 +2541,7 @@
           <a:p>
             <a:fld id="{75C3E87A-1EF5-4BC0-A34A-1B32DEFB2AF0}" type="datetimeFigureOut">
               <a:rPr lang="ko-KR" altLang="en-US" smtClean="0"/>
-              <a:t>2017-10-29</a:t>
+              <a:t>2017-10-30</a:t>
             </a:fld>
             <a:endParaRPr lang="ko-KR" altLang="en-US"/>
           </a:p>
@@ -2754,7 +2754,7 @@
           <a:p>
             <a:fld id="{75C3E87A-1EF5-4BC0-A34A-1B32DEFB2AF0}" type="datetimeFigureOut">
               <a:rPr lang="ko-KR" altLang="en-US" smtClean="0"/>
-              <a:t>2017-10-29</a:t>
+              <a:t>2017-10-30</a:t>
             </a:fld>
             <a:endParaRPr lang="ko-KR" altLang="en-US"/>
           </a:p>
@@ -12338,7 +12338,6 @@
               <a:rPr lang="en-US" altLang="ko-KR" b="1" dirty="0" smtClean="0"/>
               <a:t>)</a:t>
             </a:r>
-            <a:endParaRPr lang="en-US" altLang="ko-KR" b="1" dirty="0" smtClean="0"/>
           </a:p>
         </p:txBody>
       </p:sp>
@@ -17679,7 +17678,7 @@
         </p:blipFill>
         <p:spPr>
           <a:xfrm>
-            <a:off x="749504" y="2578800"/>
+            <a:off x="773721" y="2636912"/>
             <a:ext cx="609600" cy="609600"/>
           </a:xfrm>
           <a:prstGeom prst="rect">

--- a/EscapeJail/Assets/기획/스테이지1기획.pptx
+++ b/EscapeJail/Assets/기획/스테이지1기획.pptx
@@ -322,7 +322,7 @@
           <a:p>
             <a:fld id="{75C3E87A-1EF5-4BC0-A34A-1B32DEFB2AF0}" type="datetimeFigureOut">
               <a:rPr lang="ko-KR" altLang="en-US" smtClean="0"/>
-              <a:t>2017-10-30</a:t>
+              <a:t>2017-10-31</a:t>
             </a:fld>
             <a:endParaRPr lang="ko-KR" altLang="en-US"/>
           </a:p>
@@ -492,7 +492,7 @@
           <a:p>
             <a:fld id="{75C3E87A-1EF5-4BC0-A34A-1B32DEFB2AF0}" type="datetimeFigureOut">
               <a:rPr lang="ko-KR" altLang="en-US" smtClean="0"/>
-              <a:t>2017-10-30</a:t>
+              <a:t>2017-10-31</a:t>
             </a:fld>
             <a:endParaRPr lang="ko-KR" altLang="en-US"/>
           </a:p>
@@ -672,7 +672,7 @@
           <a:p>
             <a:fld id="{75C3E87A-1EF5-4BC0-A34A-1B32DEFB2AF0}" type="datetimeFigureOut">
               <a:rPr lang="ko-KR" altLang="en-US" smtClean="0"/>
-              <a:t>2017-10-30</a:t>
+              <a:t>2017-10-31</a:t>
             </a:fld>
             <a:endParaRPr lang="ko-KR" altLang="en-US"/>
           </a:p>
@@ -842,7 +842,7 @@
           <a:p>
             <a:fld id="{75C3E87A-1EF5-4BC0-A34A-1B32DEFB2AF0}" type="datetimeFigureOut">
               <a:rPr lang="ko-KR" altLang="en-US" smtClean="0"/>
-              <a:t>2017-10-30</a:t>
+              <a:t>2017-10-31</a:t>
             </a:fld>
             <a:endParaRPr lang="ko-KR" altLang="en-US"/>
           </a:p>
@@ -1088,7 +1088,7 @@
           <a:p>
             <a:fld id="{75C3E87A-1EF5-4BC0-A34A-1B32DEFB2AF0}" type="datetimeFigureOut">
               <a:rPr lang="ko-KR" altLang="en-US" smtClean="0"/>
-              <a:t>2017-10-30</a:t>
+              <a:t>2017-10-31</a:t>
             </a:fld>
             <a:endParaRPr lang="ko-KR" altLang="en-US"/>
           </a:p>
@@ -1376,7 +1376,7 @@
           <a:p>
             <a:fld id="{75C3E87A-1EF5-4BC0-A34A-1B32DEFB2AF0}" type="datetimeFigureOut">
               <a:rPr lang="ko-KR" altLang="en-US" smtClean="0"/>
-              <a:t>2017-10-30</a:t>
+              <a:t>2017-10-31</a:t>
             </a:fld>
             <a:endParaRPr lang="ko-KR" altLang="en-US"/>
           </a:p>
@@ -1798,7 +1798,7 @@
           <a:p>
             <a:fld id="{75C3E87A-1EF5-4BC0-A34A-1B32DEFB2AF0}" type="datetimeFigureOut">
               <a:rPr lang="ko-KR" altLang="en-US" smtClean="0"/>
-              <a:t>2017-10-30</a:t>
+              <a:t>2017-10-31</a:t>
             </a:fld>
             <a:endParaRPr lang="ko-KR" altLang="en-US"/>
           </a:p>
@@ -1916,7 +1916,7 @@
           <a:p>
             <a:fld id="{75C3E87A-1EF5-4BC0-A34A-1B32DEFB2AF0}" type="datetimeFigureOut">
               <a:rPr lang="ko-KR" altLang="en-US" smtClean="0"/>
-              <a:t>2017-10-30</a:t>
+              <a:t>2017-10-31</a:t>
             </a:fld>
             <a:endParaRPr lang="ko-KR" altLang="en-US"/>
           </a:p>
@@ -2011,7 +2011,7 @@
           <a:p>
             <a:fld id="{75C3E87A-1EF5-4BC0-A34A-1B32DEFB2AF0}" type="datetimeFigureOut">
               <a:rPr lang="ko-KR" altLang="en-US" smtClean="0"/>
-              <a:t>2017-10-30</a:t>
+              <a:t>2017-10-31</a:t>
             </a:fld>
             <a:endParaRPr lang="ko-KR" altLang="en-US"/>
           </a:p>
@@ -2288,7 +2288,7 @@
           <a:p>
             <a:fld id="{75C3E87A-1EF5-4BC0-A34A-1B32DEFB2AF0}" type="datetimeFigureOut">
               <a:rPr lang="ko-KR" altLang="en-US" smtClean="0"/>
-              <a:t>2017-10-30</a:t>
+              <a:t>2017-10-31</a:t>
             </a:fld>
             <a:endParaRPr lang="ko-KR" altLang="en-US"/>
           </a:p>
@@ -2541,7 +2541,7 @@
           <a:p>
             <a:fld id="{75C3E87A-1EF5-4BC0-A34A-1B32DEFB2AF0}" type="datetimeFigureOut">
               <a:rPr lang="ko-KR" altLang="en-US" smtClean="0"/>
-              <a:t>2017-10-30</a:t>
+              <a:t>2017-10-31</a:t>
             </a:fld>
             <a:endParaRPr lang="ko-KR" altLang="en-US"/>
           </a:p>
@@ -2754,7 +2754,7 @@
           <a:p>
             <a:fld id="{75C3E87A-1EF5-4BC0-A34A-1B32DEFB2AF0}" type="datetimeFigureOut">
               <a:rPr lang="ko-KR" altLang="en-US" smtClean="0"/>
-              <a:t>2017-10-30</a:t>
+              <a:t>2017-10-31</a:t>
             </a:fld>
             <a:endParaRPr lang="ko-KR" altLang="en-US"/>
           </a:p>
@@ -13379,84 +13379,22 @@
             <a:endParaRPr lang="ko" altLang="en-US" dirty="0"/>
           </a:p>
           <a:p>
-            <a:r>
-              <a:rPr lang="ko-KR" altLang="en-US" dirty="0"/>
-              <a:t>과학자 주인공</a:t>
-            </a:r>
-          </a:p>
-          <a:p>
             <a:pPr marL="0" indent="0">
               <a:buNone/>
             </a:pPr>
+            <a:endParaRPr lang="ko-KR" altLang="en-US" dirty="0"/>
+          </a:p>
+          <a:p>
+            <a:endParaRPr lang="ko" altLang="en-US" dirty="0"/>
+          </a:p>
+          <a:p>
+            <a:r>
+              <a:rPr lang="ko-KR" altLang="en-US" dirty="0"/>
+              <a:t>엔지니어 </a:t>
+            </a:r>
             <a:r>
               <a:rPr lang="ko-KR" altLang="en-US" dirty="0" smtClean="0"/>
-              <a:t>선택조건</a:t>
-            </a:r>
-            <a:r>
-              <a:rPr lang="en-US" altLang="ko-KR" dirty="0" smtClean="0"/>
-              <a:t>: </a:t>
-            </a:r>
-            <a:r>
-              <a:rPr lang="ko-KR" altLang="en-US" dirty="0" smtClean="0"/>
-              <a:t>과학자스테이지만 </a:t>
-            </a:r>
-            <a:r>
-              <a:rPr lang="ko-KR" altLang="en-US" dirty="0" err="1"/>
-              <a:t>맵</a:t>
-            </a:r>
-            <a:r>
-              <a:rPr lang="ko-KR" altLang="en-US" dirty="0"/>
-              <a:t> 구석에 일정 확률로 </a:t>
-            </a:r>
-            <a:r>
-              <a:rPr lang="ko-KR" altLang="en-US" dirty="0" smtClean="0"/>
-              <a:t>나타남 </a:t>
-            </a:r>
-            <a:r>
-              <a:rPr lang="en-US" altLang="ko-KR" dirty="0" smtClean="0"/>
-              <a:t>3</a:t>
-            </a:r>
-            <a:r>
-              <a:rPr lang="ko-KR" altLang="en-US" dirty="0" smtClean="0"/>
-              <a:t>번째로 만났을 때까지 꾸준히 말 걸면  </a:t>
-            </a:r>
-            <a:r>
-              <a:rPr lang="ko-KR" altLang="en-US" dirty="0" err="1" smtClean="0"/>
-              <a:t>언락</a:t>
-            </a:r>
-            <a:r>
-              <a:rPr lang="ko-KR" altLang="en-US" dirty="0" smtClean="0"/>
-              <a:t> 됨 </a:t>
-            </a:r>
-            <a:endParaRPr lang="ko-KR" altLang="en-US" dirty="0"/>
-          </a:p>
-          <a:p>
-            <a:endParaRPr lang="ko" altLang="en-US" dirty="0"/>
-          </a:p>
-          <a:p>
-            <a:r>
-              <a:rPr lang="ko-KR" altLang="en-US" dirty="0"/>
-              <a:t>엔지니어 주인공</a:t>
-            </a:r>
-            <a:r>
-              <a:rPr lang="en-US" altLang="ko" dirty="0"/>
-              <a:t>(</a:t>
-            </a:r>
-            <a:r>
-              <a:rPr lang="ko-KR" altLang="en-US" dirty="0"/>
-              <a:t>좀 더 센 </a:t>
-            </a:r>
-            <a:r>
-              <a:rPr lang="ko-KR" altLang="en-US" dirty="0" err="1"/>
-              <a:t>터렛</a:t>
-            </a:r>
-            <a:r>
-              <a:rPr lang="ko-KR" altLang="en-US" dirty="0"/>
-              <a:t> 소환</a:t>
-            </a:r>
-            <a:r>
-              <a:rPr lang="en-US" altLang="ko" dirty="0"/>
-              <a:t>)</a:t>
+              <a:t>주인공</a:t>
             </a:r>
             <a:endParaRPr lang="ko" altLang="en-US" dirty="0"/>
           </a:p>
@@ -13864,6 +13802,58 @@
           </a:p>
           <a:p>
             <a:endParaRPr lang="ko" altLang="en-US" dirty="0"/>
+          </a:p>
+          <a:p>
+            <a:r>
+              <a:rPr lang="ko-KR" altLang="en-US" dirty="0"/>
+              <a:t>과학자 주인공</a:t>
+            </a:r>
+          </a:p>
+          <a:p>
+            <a:pPr marL="0" indent="0">
+              <a:buNone/>
+            </a:pPr>
+            <a:r>
+              <a:rPr lang="ko-KR" altLang="en-US" dirty="0"/>
+              <a:t>선택조건</a:t>
+            </a:r>
+            <a:r>
+              <a:rPr lang="en-US" altLang="ko-KR" dirty="0"/>
+              <a:t>: </a:t>
+            </a:r>
+            <a:r>
+              <a:rPr lang="ko-KR" altLang="en-US" dirty="0"/>
+              <a:t>과학자스테이지만 </a:t>
+            </a:r>
+            <a:r>
+              <a:rPr lang="ko-KR" altLang="en-US" dirty="0" err="1"/>
+              <a:t>맵</a:t>
+            </a:r>
+            <a:r>
+              <a:rPr lang="ko-KR" altLang="en-US" dirty="0"/>
+              <a:t> 구석에 일정 확률로 나타남 </a:t>
+            </a:r>
+            <a:r>
+              <a:rPr lang="en-US" altLang="ko-KR" dirty="0"/>
+              <a:t>3</a:t>
+            </a:r>
+            <a:r>
+              <a:rPr lang="ko-KR" altLang="en-US" dirty="0"/>
+              <a:t>번째로 만났을 때까지 꾸준히 말 걸면  </a:t>
+            </a:r>
+            <a:r>
+              <a:rPr lang="ko-KR" altLang="en-US" dirty="0" err="1"/>
+              <a:t>언락</a:t>
+            </a:r>
+            <a:r>
+              <a:rPr lang="ko-KR" altLang="en-US" dirty="0"/>
+              <a:t> 됨 </a:t>
+            </a:r>
+            <a:r>
+              <a:rPr lang="ko-KR" altLang="en-US" dirty="0" err="1"/>
+              <a:t>ㅇ</a:t>
+            </a:r>
+            <a:endParaRPr lang="en-US" altLang="ko-KR" dirty="0"/>
           </a:p>
           <a:p>
             <a:endParaRPr lang="ko" altLang="en-US" dirty="0"/>

--- a/EscapeJail/Assets/기획/스테이지1기획.pptx
+++ b/EscapeJail/Assets/기획/스테이지1기획.pptx
@@ -322,7 +322,7 @@
           <a:p>
             <a:fld id="{75C3E87A-1EF5-4BC0-A34A-1B32DEFB2AF0}" type="datetimeFigureOut">
               <a:rPr lang="ko-KR" altLang="en-US" smtClean="0"/>
-              <a:t>2017-10-31</a:t>
+              <a:t>2017-11-01</a:t>
             </a:fld>
             <a:endParaRPr lang="ko-KR" altLang="en-US"/>
           </a:p>
@@ -492,7 +492,7 @@
           <a:p>
             <a:fld id="{75C3E87A-1EF5-4BC0-A34A-1B32DEFB2AF0}" type="datetimeFigureOut">
               <a:rPr lang="ko-KR" altLang="en-US" smtClean="0"/>
-              <a:t>2017-10-31</a:t>
+              <a:t>2017-11-01</a:t>
             </a:fld>
             <a:endParaRPr lang="ko-KR" altLang="en-US"/>
           </a:p>
@@ -672,7 +672,7 @@
           <a:p>
             <a:fld id="{75C3E87A-1EF5-4BC0-A34A-1B32DEFB2AF0}" type="datetimeFigureOut">
               <a:rPr lang="ko-KR" altLang="en-US" smtClean="0"/>
-              <a:t>2017-10-31</a:t>
+              <a:t>2017-11-01</a:t>
             </a:fld>
             <a:endParaRPr lang="ko-KR" altLang="en-US"/>
           </a:p>
@@ -842,7 +842,7 @@
           <a:p>
             <a:fld id="{75C3E87A-1EF5-4BC0-A34A-1B32DEFB2AF0}" type="datetimeFigureOut">
               <a:rPr lang="ko-KR" altLang="en-US" smtClean="0"/>
-              <a:t>2017-10-31</a:t>
+              <a:t>2017-11-01</a:t>
             </a:fld>
             <a:endParaRPr lang="ko-KR" altLang="en-US"/>
           </a:p>
@@ -1088,7 +1088,7 @@
           <a:p>
             <a:fld id="{75C3E87A-1EF5-4BC0-A34A-1B32DEFB2AF0}" type="datetimeFigureOut">
               <a:rPr lang="ko-KR" altLang="en-US" smtClean="0"/>
-              <a:t>2017-10-31</a:t>
+              <a:t>2017-11-01</a:t>
             </a:fld>
             <a:endParaRPr lang="ko-KR" altLang="en-US"/>
           </a:p>
@@ -1376,7 +1376,7 @@
           <a:p>
             <a:fld id="{75C3E87A-1EF5-4BC0-A34A-1B32DEFB2AF0}" type="datetimeFigureOut">
               <a:rPr lang="ko-KR" altLang="en-US" smtClean="0"/>
-              <a:t>2017-10-31</a:t>
+              <a:t>2017-11-01</a:t>
             </a:fld>
             <a:endParaRPr lang="ko-KR" altLang="en-US"/>
           </a:p>
@@ -1798,7 +1798,7 @@
           <a:p>
             <a:fld id="{75C3E87A-1EF5-4BC0-A34A-1B32DEFB2AF0}" type="datetimeFigureOut">
               <a:rPr lang="ko-KR" altLang="en-US" smtClean="0"/>
-              <a:t>2017-10-31</a:t>
+              <a:t>2017-11-01</a:t>
             </a:fld>
             <a:endParaRPr lang="ko-KR" altLang="en-US"/>
           </a:p>
@@ -1916,7 +1916,7 @@
           <a:p>
             <a:fld id="{75C3E87A-1EF5-4BC0-A34A-1B32DEFB2AF0}" type="datetimeFigureOut">
               <a:rPr lang="ko-KR" altLang="en-US" smtClean="0"/>
-              <a:t>2017-10-31</a:t>
+              <a:t>2017-11-01</a:t>
             </a:fld>
             <a:endParaRPr lang="ko-KR" altLang="en-US"/>
           </a:p>
@@ -2011,7 +2011,7 @@
           <a:p>
             <a:fld id="{75C3E87A-1EF5-4BC0-A34A-1B32DEFB2AF0}" type="datetimeFigureOut">
               <a:rPr lang="ko-KR" altLang="en-US" smtClean="0"/>
-              <a:t>2017-10-31</a:t>
+              <a:t>2017-11-01</a:t>
             </a:fld>
             <a:endParaRPr lang="ko-KR" altLang="en-US"/>
           </a:p>
@@ -2288,7 +2288,7 @@
           <a:p>
             <a:fld id="{75C3E87A-1EF5-4BC0-A34A-1B32DEFB2AF0}" type="datetimeFigureOut">
               <a:rPr lang="ko-KR" altLang="en-US" smtClean="0"/>
-              <a:t>2017-10-31</a:t>
+              <a:t>2017-11-01</a:t>
             </a:fld>
             <a:endParaRPr lang="ko-KR" altLang="en-US"/>
           </a:p>
@@ -2541,7 +2541,7 @@
           <a:p>
             <a:fld id="{75C3E87A-1EF5-4BC0-A34A-1B32DEFB2AF0}" type="datetimeFigureOut">
               <a:rPr lang="ko-KR" altLang="en-US" smtClean="0"/>
-              <a:t>2017-10-31</a:t>
+              <a:t>2017-11-01</a:t>
             </a:fld>
             <a:endParaRPr lang="ko-KR" altLang="en-US"/>
           </a:p>
@@ -2754,7 +2754,7 @@
           <a:p>
             <a:fld id="{75C3E87A-1EF5-4BC0-A34A-1B32DEFB2AF0}" type="datetimeFigureOut">
               <a:rPr lang="ko-KR" altLang="en-US" smtClean="0"/>
-              <a:t>2017-10-31</a:t>
+              <a:t>2017-11-01</a:t>
             </a:fld>
             <a:endParaRPr lang="ko-KR" altLang="en-US"/>
           </a:p>
@@ -13220,7 +13220,47 @@
             </a:pPr>
             <a:r>
               <a:rPr lang="ko-KR" altLang="en-US" b="1" dirty="0" smtClean="0"/>
-              <a:t>영문으로 검색해도 마찬가지</a:t>
+              <a:t>영문으로 검색해도 </a:t>
+            </a:r>
+            <a:r>
+              <a:rPr lang="ko-KR" altLang="en-US" b="1" dirty="0" smtClean="0"/>
+              <a:t>마찬가지</a:t>
+            </a:r>
+            <a:endParaRPr lang="en-US" altLang="ko-KR" b="1" dirty="0" smtClean="0"/>
+          </a:p>
+          <a:p>
+            <a:pPr marL="0" indent="0">
+              <a:buNone/>
+            </a:pPr>
+            <a:endParaRPr lang="en-US" altLang="ko-KR" b="1" dirty="0"/>
+          </a:p>
+          <a:p>
+            <a:pPr marL="0" indent="0">
+              <a:buNone/>
+            </a:pPr>
+            <a:r>
+              <a:rPr lang="en-US" altLang="ko-KR" b="1" dirty="0"/>
+              <a:t>strange </a:t>
+            </a:r>
+            <a:r>
+              <a:rPr lang="en-US" altLang="ko-KR" b="1" dirty="0" smtClean="0"/>
+              <a:t>lab (</a:t>
+            </a:r>
+            <a:r>
+              <a:rPr lang="ko-KR" altLang="en-US" b="1" dirty="0" smtClean="0"/>
+              <a:t>이상한 연구실</a:t>
+            </a:r>
+            <a:r>
+              <a:rPr lang="en-US" altLang="ko-KR" b="1" dirty="0" smtClean="0"/>
+              <a:t>) -&gt; </a:t>
+            </a:r>
+            <a:r>
+              <a:rPr lang="ko-KR" altLang="en-US" b="1" dirty="0" smtClean="0"/>
+              <a:t>호기심유</a:t>
+            </a:r>
+            <a:r>
+              <a:rPr lang="ko-KR" altLang="en-US" b="1" dirty="0"/>
+              <a:t>발</a:t>
             </a:r>
             <a:endParaRPr lang="en-US" altLang="ko-KR" b="1" dirty="0" smtClean="0"/>
           </a:p>

--- a/EscapeJail/Assets/기획/스테이지1기획.pptx
+++ b/EscapeJail/Assets/기획/스테이지1기획.pptx
@@ -322,7 +322,7 @@
           <a:p>
             <a:fld id="{75C3E87A-1EF5-4BC0-A34A-1B32DEFB2AF0}" type="datetimeFigureOut">
               <a:rPr lang="ko-KR" altLang="en-US" smtClean="0"/>
-              <a:t>2017-11-01</a:t>
+              <a:t>2017-11-03</a:t>
             </a:fld>
             <a:endParaRPr lang="ko-KR" altLang="en-US"/>
           </a:p>
@@ -492,7 +492,7 @@
           <a:p>
             <a:fld id="{75C3E87A-1EF5-4BC0-A34A-1B32DEFB2AF0}" type="datetimeFigureOut">
               <a:rPr lang="ko-KR" altLang="en-US" smtClean="0"/>
-              <a:t>2017-11-01</a:t>
+              <a:t>2017-11-03</a:t>
             </a:fld>
             <a:endParaRPr lang="ko-KR" altLang="en-US"/>
           </a:p>
@@ -672,7 +672,7 @@
           <a:p>
             <a:fld id="{75C3E87A-1EF5-4BC0-A34A-1B32DEFB2AF0}" type="datetimeFigureOut">
               <a:rPr lang="ko-KR" altLang="en-US" smtClean="0"/>
-              <a:t>2017-11-01</a:t>
+              <a:t>2017-11-03</a:t>
             </a:fld>
             <a:endParaRPr lang="ko-KR" altLang="en-US"/>
           </a:p>
@@ -842,7 +842,7 @@
           <a:p>
             <a:fld id="{75C3E87A-1EF5-4BC0-A34A-1B32DEFB2AF0}" type="datetimeFigureOut">
               <a:rPr lang="ko-KR" altLang="en-US" smtClean="0"/>
-              <a:t>2017-11-01</a:t>
+              <a:t>2017-11-03</a:t>
             </a:fld>
             <a:endParaRPr lang="ko-KR" altLang="en-US"/>
           </a:p>
@@ -1088,7 +1088,7 @@
           <a:p>
             <a:fld id="{75C3E87A-1EF5-4BC0-A34A-1B32DEFB2AF0}" type="datetimeFigureOut">
               <a:rPr lang="ko-KR" altLang="en-US" smtClean="0"/>
-              <a:t>2017-11-01</a:t>
+              <a:t>2017-11-03</a:t>
             </a:fld>
             <a:endParaRPr lang="ko-KR" altLang="en-US"/>
           </a:p>
@@ -1376,7 +1376,7 @@
           <a:p>
             <a:fld id="{75C3E87A-1EF5-4BC0-A34A-1B32DEFB2AF0}" type="datetimeFigureOut">
               <a:rPr lang="ko-KR" altLang="en-US" smtClean="0"/>
-              <a:t>2017-11-01</a:t>
+              <a:t>2017-11-03</a:t>
             </a:fld>
             <a:endParaRPr lang="ko-KR" altLang="en-US"/>
           </a:p>
@@ -1798,7 +1798,7 @@
           <a:p>
             <a:fld id="{75C3E87A-1EF5-4BC0-A34A-1B32DEFB2AF0}" type="datetimeFigureOut">
               <a:rPr lang="ko-KR" altLang="en-US" smtClean="0"/>
-              <a:t>2017-11-01</a:t>
+              <a:t>2017-11-03</a:t>
             </a:fld>
             <a:endParaRPr lang="ko-KR" altLang="en-US"/>
           </a:p>
@@ -1916,7 +1916,7 @@
           <a:p>
             <a:fld id="{75C3E87A-1EF5-4BC0-A34A-1B32DEFB2AF0}" type="datetimeFigureOut">
               <a:rPr lang="ko-KR" altLang="en-US" smtClean="0"/>
-              <a:t>2017-11-01</a:t>
+              <a:t>2017-11-03</a:t>
             </a:fld>
             <a:endParaRPr lang="ko-KR" altLang="en-US"/>
           </a:p>
@@ -2011,7 +2011,7 @@
           <a:p>
             <a:fld id="{75C3E87A-1EF5-4BC0-A34A-1B32DEFB2AF0}" type="datetimeFigureOut">
               <a:rPr lang="ko-KR" altLang="en-US" smtClean="0"/>
-              <a:t>2017-11-01</a:t>
+              <a:t>2017-11-03</a:t>
             </a:fld>
             <a:endParaRPr lang="ko-KR" altLang="en-US"/>
           </a:p>
@@ -2288,7 +2288,7 @@
           <a:p>
             <a:fld id="{75C3E87A-1EF5-4BC0-A34A-1B32DEFB2AF0}" type="datetimeFigureOut">
               <a:rPr lang="ko-KR" altLang="en-US" smtClean="0"/>
-              <a:t>2017-11-01</a:t>
+              <a:t>2017-11-03</a:t>
             </a:fld>
             <a:endParaRPr lang="ko-KR" altLang="en-US"/>
           </a:p>
@@ -2541,7 +2541,7 @@
           <a:p>
             <a:fld id="{75C3E87A-1EF5-4BC0-A34A-1B32DEFB2AF0}" type="datetimeFigureOut">
               <a:rPr lang="ko-KR" altLang="en-US" smtClean="0"/>
-              <a:t>2017-11-01</a:t>
+              <a:t>2017-11-03</a:t>
             </a:fld>
             <a:endParaRPr lang="ko-KR" altLang="en-US"/>
           </a:p>
@@ -2754,7 +2754,7 @@
           <a:p>
             <a:fld id="{75C3E87A-1EF5-4BC0-A34A-1B32DEFB2AF0}" type="datetimeFigureOut">
               <a:rPr lang="ko-KR" altLang="en-US" smtClean="0"/>
-              <a:t>2017-11-01</a:t>
+              <a:t>2017-11-03</a:t>
             </a:fld>
             <a:endParaRPr lang="ko-KR" altLang="en-US"/>
           </a:p>
@@ -11445,7 +11445,7 @@
         </p:blipFill>
         <p:spPr bwMode="auto">
           <a:xfrm>
-            <a:off x="-1548680" y="2864395"/>
+            <a:off x="-972616" y="3320988"/>
             <a:ext cx="1734158" cy="3960441"/>
           </a:xfrm>
           <a:prstGeom prst="rect">
@@ -13220,11 +13220,7 @@
             </a:pPr>
             <a:r>
               <a:rPr lang="ko-KR" altLang="en-US" b="1" dirty="0" smtClean="0"/>
-              <a:t>영문으로 검색해도 </a:t>
-            </a:r>
-            <a:r>
-              <a:rPr lang="ko-KR" altLang="en-US" b="1" dirty="0" smtClean="0"/>
-              <a:t>마찬가지</a:t>
+              <a:t>영문으로 검색해도 마찬가지</a:t>
             </a:r>
             <a:endParaRPr lang="en-US" altLang="ko-KR" b="1" dirty="0" smtClean="0"/>
           </a:p>

--- a/EscapeJail/Assets/기획/스테이지1기획.pptx
+++ b/EscapeJail/Assets/기획/스테이지1기획.pptx
@@ -16,30 +16,31 @@
     <p:sldId id="267" r:id="rId10"/>
     <p:sldId id="268" r:id="rId11"/>
     <p:sldId id="269" r:id="rId12"/>
-    <p:sldId id="263" r:id="rId13"/>
-    <p:sldId id="281" r:id="rId14"/>
-    <p:sldId id="282" r:id="rId15"/>
-    <p:sldId id="264" r:id="rId16"/>
-    <p:sldId id="272" r:id="rId17"/>
-    <p:sldId id="273" r:id="rId18"/>
-    <p:sldId id="275" r:id="rId19"/>
-    <p:sldId id="279" r:id="rId20"/>
-    <p:sldId id="276" r:id="rId21"/>
-    <p:sldId id="278" r:id="rId22"/>
-    <p:sldId id="280" r:id="rId23"/>
-    <p:sldId id="289" r:id="rId24"/>
-    <p:sldId id="283" r:id="rId25"/>
-    <p:sldId id="285" r:id="rId26"/>
-    <p:sldId id="286" r:id="rId27"/>
-    <p:sldId id="295" r:id="rId28"/>
-    <p:sldId id="284" r:id="rId29"/>
-    <p:sldId id="288" r:id="rId30"/>
-    <p:sldId id="287" r:id="rId31"/>
-    <p:sldId id="291" r:id="rId32"/>
-    <p:sldId id="290" r:id="rId33"/>
-    <p:sldId id="292" r:id="rId34"/>
-    <p:sldId id="293" r:id="rId35"/>
-    <p:sldId id="294" r:id="rId36"/>
+    <p:sldId id="296" r:id="rId13"/>
+    <p:sldId id="263" r:id="rId14"/>
+    <p:sldId id="281" r:id="rId15"/>
+    <p:sldId id="282" r:id="rId16"/>
+    <p:sldId id="264" r:id="rId17"/>
+    <p:sldId id="272" r:id="rId18"/>
+    <p:sldId id="273" r:id="rId19"/>
+    <p:sldId id="275" r:id="rId20"/>
+    <p:sldId id="279" r:id="rId21"/>
+    <p:sldId id="276" r:id="rId22"/>
+    <p:sldId id="278" r:id="rId23"/>
+    <p:sldId id="280" r:id="rId24"/>
+    <p:sldId id="289" r:id="rId25"/>
+    <p:sldId id="283" r:id="rId26"/>
+    <p:sldId id="285" r:id="rId27"/>
+    <p:sldId id="286" r:id="rId28"/>
+    <p:sldId id="295" r:id="rId29"/>
+    <p:sldId id="284" r:id="rId30"/>
+    <p:sldId id="288" r:id="rId31"/>
+    <p:sldId id="287" r:id="rId32"/>
+    <p:sldId id="291" r:id="rId33"/>
+    <p:sldId id="290" r:id="rId34"/>
+    <p:sldId id="292" r:id="rId35"/>
+    <p:sldId id="293" r:id="rId36"/>
+    <p:sldId id="294" r:id="rId37"/>
   </p:sldIdLst>
   <p:sldSz cx="9144000" cy="6858000" type="screen4x3"/>
   <p:notesSz cx="6858000" cy="9144000"/>
@@ -7853,9 +7854,2487 @@
           <a:chExt cx="0" cy="0"/>
         </a:xfrm>
       </p:grpSpPr>
+      <p:graphicFrame>
+        <p:nvGraphicFramePr>
+          <p:cNvPr id="4" name="표 3"/>
+          <p:cNvGraphicFramePr>
+            <a:graphicFrameLocks noGrp="1"/>
+          </p:cNvGraphicFramePr>
+          <p:nvPr>
+            <p:extLst>
+              <p:ext uri="{D42A27DB-BD31-4B8C-83A1-F6EECF244321}">
+                <p14:modId xmlns:p14="http://schemas.microsoft.com/office/powerpoint/2010/main" val="1186338215"/>
+              </p:ext>
+            </p:extLst>
+          </p:nvPr>
+        </p:nvGraphicFramePr>
+        <p:xfrm>
+          <a:off x="395536" y="1412776"/>
+          <a:ext cx="8136905" cy="4104640"/>
+        </p:xfrm>
+        <a:graphic>
+          <a:graphicData uri="http://schemas.openxmlformats.org/drawingml/2006/table">
+            <a:tbl>
+              <a:tblPr firstRow="1" bandRow="1">
+                <a:tableStyleId>{7E9639D4-E3E2-4D34-9284-5A2195B3D0D7}</a:tableStyleId>
+              </a:tblPr>
+              <a:tblGrid>
+                <a:gridCol w="1142913"/>
+                <a:gridCol w="1142913"/>
+                <a:gridCol w="1142913"/>
+                <a:gridCol w="1861055"/>
+                <a:gridCol w="804618"/>
+                <a:gridCol w="2042493"/>
+              </a:tblGrid>
+              <a:tr h="370840">
+                <a:tc>
+                  <a:txBody>
+                    <a:bodyPr/>
+                    <a:lstStyle/>
+                    <a:p>
+                      <a:pPr latinLnBrk="1"/>
+                      <a:r>
+                        <a:rPr lang="ko-KR" altLang="en-US" sz="1000" dirty="0" smtClean="0"/>
+                        <a:t>아이콘</a:t>
+                      </a:r>
+                      <a:endParaRPr lang="ko-KR" altLang="en-US" sz="1000" dirty="0"/>
+                    </a:p>
+                  </a:txBody>
+                  <a:tcPr>
+                    <a:lnB w="12700" cap="flat" cmpd="sng" algn="ctr">
+                      <a:solidFill>
+                        <a:schemeClr val="tx1"/>
+                      </a:solidFill>
+                      <a:prstDash val="solid"/>
+                      <a:round/>
+                      <a:headEnd type="none" w="med" len="med"/>
+                      <a:tailEnd type="none" w="med" len="med"/>
+                    </a:lnB>
+                  </a:tcPr>
+                </a:tc>
+                <a:tc>
+                  <a:txBody>
+                    <a:bodyPr/>
+                    <a:lstStyle/>
+                    <a:p>
+                      <a:pPr latinLnBrk="1"/>
+                      <a:r>
+                        <a:rPr lang="ko-KR" altLang="en-US" sz="1000" dirty="0" smtClean="0"/>
+                        <a:t>이름</a:t>
+                      </a:r>
+                      <a:endParaRPr lang="ko-KR" altLang="en-US" sz="1000" dirty="0"/>
+                    </a:p>
+                  </a:txBody>
+                  <a:tcPr>
+                    <a:lnB w="12700" cap="flat" cmpd="sng" algn="ctr">
+                      <a:solidFill>
+                        <a:schemeClr val="tx1"/>
+                      </a:solidFill>
+                      <a:prstDash val="solid"/>
+                      <a:round/>
+                      <a:headEnd type="none" w="med" len="med"/>
+                      <a:tailEnd type="none" w="med" len="med"/>
+                    </a:lnB>
+                  </a:tcPr>
+                </a:tc>
+                <a:tc>
+                  <a:txBody>
+                    <a:bodyPr/>
+                    <a:lstStyle/>
+                    <a:p>
+                      <a:pPr latinLnBrk="1"/>
+                      <a:r>
+                        <a:rPr lang="ko-KR" altLang="en-US" sz="1000" dirty="0" smtClean="0"/>
+                        <a:t> 총알 수</a:t>
+                      </a:r>
+                      <a:endParaRPr lang="ko-KR" altLang="en-US" sz="1000" dirty="0"/>
+                    </a:p>
+                  </a:txBody>
+                  <a:tcPr>
+                    <a:lnB w="12700" cap="flat" cmpd="sng" algn="ctr">
+                      <a:solidFill>
+                        <a:schemeClr val="tx1"/>
+                      </a:solidFill>
+                      <a:prstDash val="solid"/>
+                      <a:round/>
+                      <a:headEnd type="none" w="med" len="med"/>
+                      <a:tailEnd type="none" w="med" len="med"/>
+                    </a:lnB>
+                  </a:tcPr>
+                </a:tc>
+                <a:tc>
+                  <a:txBody>
+                    <a:bodyPr/>
+                    <a:lstStyle/>
+                    <a:p>
+                      <a:pPr latinLnBrk="1"/>
+                      <a:r>
+                        <a:rPr lang="ko-KR" altLang="en-US" sz="1000" dirty="0" smtClean="0"/>
+                        <a:t>설명</a:t>
+                      </a:r>
+                      <a:endParaRPr lang="ko-KR" altLang="en-US" sz="1000" dirty="0"/>
+                    </a:p>
+                  </a:txBody>
+                  <a:tcPr/>
+                </a:tc>
+                <a:tc>
+                  <a:txBody>
+                    <a:bodyPr/>
+                    <a:lstStyle/>
+                    <a:p>
+                      <a:pPr latinLnBrk="1"/>
+                      <a:r>
+                        <a:rPr lang="ko-KR" altLang="en-US" sz="1000" dirty="0" smtClean="0"/>
+                        <a:t>발사 </a:t>
+                      </a:r>
+                      <a:r>
+                        <a:rPr lang="ko-KR" altLang="en-US" sz="1000" dirty="0" err="1" smtClean="0"/>
+                        <a:t>딜레이</a:t>
+                      </a:r>
+                      <a:r>
+                        <a:rPr lang="ko-KR" altLang="en-US" sz="1000" dirty="0" smtClean="0"/>
+                        <a:t> 시간</a:t>
+                      </a:r>
+                      <a:endParaRPr lang="ko-KR" altLang="en-US" sz="1000" dirty="0"/>
+                    </a:p>
+                  </a:txBody>
+                  <a:tcPr/>
+                </a:tc>
+                <a:tc>
+                  <a:txBody>
+                    <a:bodyPr/>
+                    <a:lstStyle/>
+                    <a:p>
+                      <a:pPr latinLnBrk="1"/>
+                      <a:endParaRPr lang="ko-KR" altLang="en-US" sz="1000" dirty="0"/>
+                    </a:p>
+                  </a:txBody>
+                  <a:tcPr/>
+                </a:tc>
+              </a:tr>
+              <a:tr h="370840">
+                <a:tc>
+                  <a:txBody>
+                    <a:bodyPr/>
+                    <a:lstStyle/>
+                    <a:p>
+                      <a:pPr latinLnBrk="1"/>
+                      <a:endParaRPr lang="ko-KR" altLang="en-US" sz="1000" dirty="0"/>
+                    </a:p>
+                  </a:txBody>
+                  <a:tcPr>
+                    <a:lnL w="12700" cap="flat" cmpd="sng" algn="ctr">
+                      <a:solidFill>
+                        <a:schemeClr val="tx1"/>
+                      </a:solidFill>
+                      <a:prstDash val="solid"/>
+                      <a:round/>
+                      <a:headEnd type="none" w="med" len="med"/>
+                      <a:tailEnd type="none" w="med" len="med"/>
+                    </a:lnL>
+                    <a:lnR w="12700" cap="flat" cmpd="sng" algn="ctr">
+                      <a:solidFill>
+                        <a:schemeClr val="tx1"/>
+                      </a:solidFill>
+                      <a:prstDash val="solid"/>
+                      <a:round/>
+                      <a:headEnd type="none" w="med" len="med"/>
+                      <a:tailEnd type="none" w="med" len="med"/>
+                    </a:lnR>
+                    <a:lnT w="12700" cap="flat" cmpd="sng" algn="ctr">
+                      <a:solidFill>
+                        <a:schemeClr val="tx1"/>
+                      </a:solidFill>
+                      <a:prstDash val="solid"/>
+                      <a:round/>
+                      <a:headEnd type="none" w="med" len="med"/>
+                      <a:tailEnd type="none" w="med" len="med"/>
+                    </a:lnT>
+                    <a:lnB w="12700" cap="flat" cmpd="sng" algn="ctr">
+                      <a:solidFill>
+                        <a:schemeClr val="tx1"/>
+                      </a:solidFill>
+                      <a:prstDash val="solid"/>
+                      <a:round/>
+                      <a:headEnd type="none" w="med" len="med"/>
+                      <a:tailEnd type="none" w="med" len="med"/>
+                    </a:lnB>
+                  </a:tcPr>
+                </a:tc>
+                <a:tc>
+                  <a:txBody>
+                    <a:bodyPr/>
+                    <a:lstStyle/>
+                    <a:p>
+                      <a:pPr latinLnBrk="1"/>
+                      <a:endParaRPr lang="ko-KR" altLang="en-US" sz="1000" dirty="0"/>
+                    </a:p>
+                  </a:txBody>
+                  <a:tcPr>
+                    <a:lnL w="12700" cap="flat" cmpd="sng" algn="ctr">
+                      <a:solidFill>
+                        <a:schemeClr val="tx1"/>
+                      </a:solidFill>
+                      <a:prstDash val="solid"/>
+                      <a:round/>
+                      <a:headEnd type="none" w="med" len="med"/>
+                      <a:tailEnd type="none" w="med" len="med"/>
+                    </a:lnL>
+                    <a:lnR w="12700" cap="flat" cmpd="sng" algn="ctr">
+                      <a:solidFill>
+                        <a:schemeClr val="tx1"/>
+                      </a:solidFill>
+                      <a:prstDash val="solid"/>
+                      <a:round/>
+                      <a:headEnd type="none" w="med" len="med"/>
+                      <a:tailEnd type="none" w="med" len="med"/>
+                    </a:lnR>
+                    <a:lnT w="12700" cap="flat" cmpd="sng" algn="ctr">
+                      <a:solidFill>
+                        <a:schemeClr val="tx1"/>
+                      </a:solidFill>
+                      <a:prstDash val="solid"/>
+                      <a:round/>
+                      <a:headEnd type="none" w="med" len="med"/>
+                      <a:tailEnd type="none" w="med" len="med"/>
+                    </a:lnT>
+                    <a:lnB w="12700" cap="flat" cmpd="sng" algn="ctr">
+                      <a:solidFill>
+                        <a:schemeClr val="tx1"/>
+                      </a:solidFill>
+                      <a:prstDash val="solid"/>
+                      <a:round/>
+                      <a:headEnd type="none" w="med" len="med"/>
+                      <a:tailEnd type="none" w="med" len="med"/>
+                    </a:lnB>
+                    <a:solidFill>
+                      <a:schemeClr val="bg1"/>
+                    </a:solidFill>
+                  </a:tcPr>
+                </a:tc>
+                <a:tc>
+                  <a:txBody>
+                    <a:bodyPr/>
+                    <a:lstStyle/>
+                    <a:p>
+                      <a:pPr latinLnBrk="1"/>
+                      <a:endParaRPr lang="ko-KR" altLang="en-US" sz="1000" dirty="0"/>
+                    </a:p>
+                  </a:txBody>
+                  <a:tcPr>
+                    <a:lnL w="12700" cap="flat" cmpd="sng" algn="ctr">
+                      <a:solidFill>
+                        <a:schemeClr val="tx1"/>
+                      </a:solidFill>
+                      <a:prstDash val="solid"/>
+                      <a:round/>
+                      <a:headEnd type="none" w="med" len="med"/>
+                      <a:tailEnd type="none" w="med" len="med"/>
+                    </a:lnL>
+                    <a:lnR w="12700" cap="flat" cmpd="sng" algn="ctr">
+                      <a:solidFill>
+                        <a:schemeClr val="tx1"/>
+                      </a:solidFill>
+                      <a:prstDash val="solid"/>
+                      <a:round/>
+                      <a:headEnd type="none" w="med" len="med"/>
+                      <a:tailEnd type="none" w="med" len="med"/>
+                    </a:lnR>
+                    <a:lnT w="12700" cap="flat" cmpd="sng" algn="ctr">
+                      <a:solidFill>
+                        <a:schemeClr val="tx1"/>
+                      </a:solidFill>
+                      <a:prstDash val="solid"/>
+                      <a:round/>
+                      <a:headEnd type="none" w="med" len="med"/>
+                      <a:tailEnd type="none" w="med" len="med"/>
+                    </a:lnT>
+                    <a:lnB w="12700" cap="flat" cmpd="sng" algn="ctr">
+                      <a:solidFill>
+                        <a:schemeClr val="tx1"/>
+                      </a:solidFill>
+                      <a:prstDash val="solid"/>
+                      <a:round/>
+                      <a:headEnd type="none" w="med" len="med"/>
+                      <a:tailEnd type="none" w="med" len="med"/>
+                    </a:lnB>
+                    <a:solidFill>
+                      <a:schemeClr val="bg1"/>
+                    </a:solidFill>
+                  </a:tcPr>
+                </a:tc>
+                <a:tc>
+                  <a:txBody>
+                    <a:bodyPr/>
+                    <a:lstStyle/>
+                    <a:p>
+                      <a:pPr latinLnBrk="1"/>
+                      <a:endParaRPr lang="en-US" altLang="ko-KR" sz="1000" dirty="0" smtClean="0"/>
+                    </a:p>
+                  </a:txBody>
+                  <a:tcPr>
+                    <a:lnL w="12700" cap="flat" cmpd="sng" algn="ctr">
+                      <a:solidFill>
+                        <a:schemeClr val="tx1"/>
+                      </a:solidFill>
+                      <a:prstDash val="solid"/>
+                      <a:round/>
+                      <a:headEnd type="none" w="med" len="med"/>
+                      <a:tailEnd type="none" w="med" len="med"/>
+                    </a:lnL>
+                    <a:lnR w="12700" cap="flat" cmpd="sng" algn="ctr">
+                      <a:solidFill>
+                        <a:schemeClr val="tx1"/>
+                      </a:solidFill>
+                      <a:prstDash val="solid"/>
+                      <a:round/>
+                      <a:headEnd type="none" w="med" len="med"/>
+                      <a:tailEnd type="none" w="med" len="med"/>
+                    </a:lnR>
+                    <a:solidFill>
+                      <a:schemeClr val="bg1"/>
+                    </a:solidFill>
+                  </a:tcPr>
+                </a:tc>
+                <a:tc>
+                  <a:txBody>
+                    <a:bodyPr/>
+                    <a:lstStyle/>
+                    <a:p>
+                      <a:pPr latinLnBrk="1"/>
+                      <a:endParaRPr lang="ko-KR" altLang="en-US" sz="1000" dirty="0"/>
+                    </a:p>
+                  </a:txBody>
+                  <a:tcPr>
+                    <a:lnL w="12700" cap="flat" cmpd="sng" algn="ctr">
+                      <a:solidFill>
+                        <a:schemeClr val="tx1"/>
+                      </a:solidFill>
+                      <a:prstDash val="solid"/>
+                      <a:round/>
+                      <a:headEnd type="none" w="med" len="med"/>
+                      <a:tailEnd type="none" w="med" len="med"/>
+                    </a:lnL>
+                    <a:lnR w="12700" cap="flat" cmpd="sng" algn="ctr">
+                      <a:solidFill>
+                        <a:schemeClr val="tx1"/>
+                      </a:solidFill>
+                      <a:prstDash val="solid"/>
+                      <a:round/>
+                      <a:headEnd type="none" w="med" len="med"/>
+                      <a:tailEnd type="none" w="med" len="med"/>
+                    </a:lnR>
+                  </a:tcPr>
+                </a:tc>
+                <a:tc>
+                  <a:txBody>
+                    <a:bodyPr/>
+                    <a:lstStyle/>
+                    <a:p>
+                      <a:pPr latinLnBrk="1"/>
+                      <a:endParaRPr lang="ko-KR" altLang="en-US" sz="1000" dirty="0"/>
+                    </a:p>
+                  </a:txBody>
+                  <a:tcPr>
+                    <a:lnL w="12700" cap="flat" cmpd="sng" algn="ctr">
+                      <a:solidFill>
+                        <a:schemeClr val="tx1"/>
+                      </a:solidFill>
+                      <a:prstDash val="solid"/>
+                      <a:round/>
+                      <a:headEnd type="none" w="med" len="med"/>
+                      <a:tailEnd type="none" w="med" len="med"/>
+                    </a:lnL>
+                  </a:tcPr>
+                </a:tc>
+              </a:tr>
+              <a:tr h="370840">
+                <a:tc>
+                  <a:txBody>
+                    <a:bodyPr/>
+                    <a:lstStyle/>
+                    <a:p>
+                      <a:pPr latinLnBrk="1"/>
+                      <a:endParaRPr lang="ko-KR" altLang="en-US" sz="1000" dirty="0"/>
+                    </a:p>
+                  </a:txBody>
+                  <a:tcPr>
+                    <a:lnL w="12700" cap="flat" cmpd="sng" algn="ctr">
+                      <a:solidFill>
+                        <a:schemeClr val="tx1"/>
+                      </a:solidFill>
+                      <a:prstDash val="solid"/>
+                      <a:round/>
+                      <a:headEnd type="none" w="med" len="med"/>
+                      <a:tailEnd type="none" w="med" len="med"/>
+                    </a:lnL>
+                    <a:lnR w="12700" cap="flat" cmpd="sng" algn="ctr">
+                      <a:solidFill>
+                        <a:schemeClr val="tx1"/>
+                      </a:solidFill>
+                      <a:prstDash val="solid"/>
+                      <a:round/>
+                      <a:headEnd type="none" w="med" len="med"/>
+                      <a:tailEnd type="none" w="med" len="med"/>
+                    </a:lnR>
+                    <a:lnT w="12700" cap="flat" cmpd="sng" algn="ctr">
+                      <a:solidFill>
+                        <a:schemeClr val="tx1"/>
+                      </a:solidFill>
+                      <a:prstDash val="solid"/>
+                      <a:round/>
+                      <a:headEnd type="none" w="med" len="med"/>
+                      <a:tailEnd type="none" w="med" len="med"/>
+                    </a:lnT>
+                    <a:lnB w="12700" cap="flat" cmpd="sng" algn="ctr">
+                      <a:solidFill>
+                        <a:schemeClr val="tx1"/>
+                      </a:solidFill>
+                      <a:prstDash val="solid"/>
+                      <a:round/>
+                      <a:headEnd type="none" w="med" len="med"/>
+                      <a:tailEnd type="none" w="med" len="med"/>
+                    </a:lnB>
+                  </a:tcPr>
+                </a:tc>
+                <a:tc>
+                  <a:txBody>
+                    <a:bodyPr/>
+                    <a:lstStyle/>
+                    <a:p>
+                      <a:pPr latinLnBrk="1"/>
+                      <a:endParaRPr lang="ko-KR" altLang="en-US" sz="1000" dirty="0"/>
+                    </a:p>
+                  </a:txBody>
+                  <a:tcPr>
+                    <a:lnL w="12700" cap="flat" cmpd="sng" algn="ctr">
+                      <a:solidFill>
+                        <a:schemeClr val="tx1"/>
+                      </a:solidFill>
+                      <a:prstDash val="solid"/>
+                      <a:round/>
+                      <a:headEnd type="none" w="med" len="med"/>
+                      <a:tailEnd type="none" w="med" len="med"/>
+                    </a:lnL>
+                    <a:lnR w="12700" cap="flat" cmpd="sng" algn="ctr">
+                      <a:solidFill>
+                        <a:schemeClr val="tx1"/>
+                      </a:solidFill>
+                      <a:prstDash val="solid"/>
+                      <a:round/>
+                      <a:headEnd type="none" w="med" len="med"/>
+                      <a:tailEnd type="none" w="med" len="med"/>
+                    </a:lnR>
+                    <a:lnT w="12700" cap="flat" cmpd="sng" algn="ctr">
+                      <a:solidFill>
+                        <a:schemeClr val="tx1"/>
+                      </a:solidFill>
+                      <a:prstDash val="solid"/>
+                      <a:round/>
+                      <a:headEnd type="none" w="med" len="med"/>
+                      <a:tailEnd type="none" w="med" len="med"/>
+                    </a:lnT>
+                    <a:lnB w="12700" cap="flat" cmpd="sng" algn="ctr">
+                      <a:solidFill>
+                        <a:schemeClr val="tx1"/>
+                      </a:solidFill>
+                      <a:prstDash val="solid"/>
+                      <a:round/>
+                      <a:headEnd type="none" w="med" len="med"/>
+                      <a:tailEnd type="none" w="med" len="med"/>
+                    </a:lnB>
+                    <a:solidFill>
+                      <a:schemeClr val="bg1"/>
+                    </a:solidFill>
+                  </a:tcPr>
+                </a:tc>
+                <a:tc>
+                  <a:txBody>
+                    <a:bodyPr/>
+                    <a:lstStyle/>
+                    <a:p>
+                      <a:pPr latinLnBrk="1"/>
+                      <a:endParaRPr lang="ko-KR" altLang="en-US" sz="1000" dirty="0"/>
+                    </a:p>
+                  </a:txBody>
+                  <a:tcPr>
+                    <a:lnL w="12700" cap="flat" cmpd="sng" algn="ctr">
+                      <a:solidFill>
+                        <a:schemeClr val="tx1"/>
+                      </a:solidFill>
+                      <a:prstDash val="solid"/>
+                      <a:round/>
+                      <a:headEnd type="none" w="med" len="med"/>
+                      <a:tailEnd type="none" w="med" len="med"/>
+                    </a:lnL>
+                    <a:lnR w="12700" cap="flat" cmpd="sng" algn="ctr">
+                      <a:solidFill>
+                        <a:schemeClr val="tx1"/>
+                      </a:solidFill>
+                      <a:prstDash val="solid"/>
+                      <a:round/>
+                      <a:headEnd type="none" w="med" len="med"/>
+                      <a:tailEnd type="none" w="med" len="med"/>
+                    </a:lnR>
+                    <a:lnT w="12700" cap="flat" cmpd="sng" algn="ctr">
+                      <a:solidFill>
+                        <a:schemeClr val="tx1"/>
+                      </a:solidFill>
+                      <a:prstDash val="solid"/>
+                      <a:round/>
+                      <a:headEnd type="none" w="med" len="med"/>
+                      <a:tailEnd type="none" w="med" len="med"/>
+                    </a:lnT>
+                    <a:lnB w="12700" cap="flat" cmpd="sng" algn="ctr">
+                      <a:solidFill>
+                        <a:schemeClr val="tx1"/>
+                      </a:solidFill>
+                      <a:prstDash val="solid"/>
+                      <a:round/>
+                      <a:headEnd type="none" w="med" len="med"/>
+                      <a:tailEnd type="none" w="med" len="med"/>
+                    </a:lnB>
+                    <a:solidFill>
+                      <a:schemeClr val="bg1"/>
+                    </a:solidFill>
+                  </a:tcPr>
+                </a:tc>
+                <a:tc>
+                  <a:txBody>
+                    <a:bodyPr/>
+                    <a:lstStyle/>
+                    <a:p>
+                      <a:pPr latinLnBrk="1"/>
+                      <a:endParaRPr lang="ko-KR" altLang="en-US" sz="1000" dirty="0"/>
+                    </a:p>
+                  </a:txBody>
+                  <a:tcPr>
+                    <a:lnL w="12700" cap="flat" cmpd="sng" algn="ctr">
+                      <a:solidFill>
+                        <a:schemeClr val="tx1"/>
+                      </a:solidFill>
+                      <a:prstDash val="solid"/>
+                      <a:round/>
+                      <a:headEnd type="none" w="med" len="med"/>
+                      <a:tailEnd type="none" w="med" len="med"/>
+                    </a:lnL>
+                    <a:lnR w="12700" cap="flat" cmpd="sng" algn="ctr">
+                      <a:solidFill>
+                        <a:schemeClr val="tx1"/>
+                      </a:solidFill>
+                      <a:prstDash val="solid"/>
+                      <a:round/>
+                      <a:headEnd type="none" w="med" len="med"/>
+                      <a:tailEnd type="none" w="med" len="med"/>
+                    </a:lnR>
+                    <a:solidFill>
+                      <a:schemeClr val="bg1"/>
+                    </a:solidFill>
+                  </a:tcPr>
+                </a:tc>
+                <a:tc>
+                  <a:txBody>
+                    <a:bodyPr/>
+                    <a:lstStyle/>
+                    <a:p>
+                      <a:pPr latinLnBrk="1"/>
+                      <a:endParaRPr lang="ko-KR" altLang="en-US" sz="1000" dirty="0"/>
+                    </a:p>
+                  </a:txBody>
+                  <a:tcPr>
+                    <a:lnL w="12700" cap="flat" cmpd="sng" algn="ctr">
+                      <a:solidFill>
+                        <a:schemeClr val="tx1"/>
+                      </a:solidFill>
+                      <a:prstDash val="solid"/>
+                      <a:round/>
+                      <a:headEnd type="none" w="med" len="med"/>
+                      <a:tailEnd type="none" w="med" len="med"/>
+                    </a:lnL>
+                    <a:lnR w="12700" cap="flat" cmpd="sng" algn="ctr">
+                      <a:solidFill>
+                        <a:schemeClr val="tx1"/>
+                      </a:solidFill>
+                      <a:prstDash val="solid"/>
+                      <a:round/>
+                      <a:headEnd type="none" w="med" len="med"/>
+                      <a:tailEnd type="none" w="med" len="med"/>
+                    </a:lnR>
+                  </a:tcPr>
+                </a:tc>
+                <a:tc>
+                  <a:txBody>
+                    <a:bodyPr/>
+                    <a:lstStyle/>
+                    <a:p>
+                      <a:pPr latinLnBrk="1"/>
+                      <a:endParaRPr lang="ko-KR" altLang="en-US" sz="1000" dirty="0"/>
+                    </a:p>
+                  </a:txBody>
+                  <a:tcPr>
+                    <a:lnL w="12700" cap="flat" cmpd="sng" algn="ctr">
+                      <a:solidFill>
+                        <a:schemeClr val="tx1"/>
+                      </a:solidFill>
+                      <a:prstDash val="solid"/>
+                      <a:round/>
+                      <a:headEnd type="none" w="med" len="med"/>
+                      <a:tailEnd type="none" w="med" len="med"/>
+                    </a:lnL>
+                  </a:tcPr>
+                </a:tc>
+              </a:tr>
+              <a:tr h="370840">
+                <a:tc>
+                  <a:txBody>
+                    <a:bodyPr/>
+                    <a:lstStyle/>
+                    <a:p>
+                      <a:pPr latinLnBrk="1"/>
+                      <a:endParaRPr lang="ko-KR" altLang="en-US" sz="1000" dirty="0"/>
+                    </a:p>
+                  </a:txBody>
+                  <a:tcPr>
+                    <a:lnL w="12700" cap="flat" cmpd="sng" algn="ctr">
+                      <a:solidFill>
+                        <a:schemeClr val="tx1"/>
+                      </a:solidFill>
+                      <a:prstDash val="solid"/>
+                      <a:round/>
+                      <a:headEnd type="none" w="med" len="med"/>
+                      <a:tailEnd type="none" w="med" len="med"/>
+                    </a:lnL>
+                    <a:lnR w="12700" cap="flat" cmpd="sng" algn="ctr">
+                      <a:solidFill>
+                        <a:schemeClr val="tx1"/>
+                      </a:solidFill>
+                      <a:prstDash val="solid"/>
+                      <a:round/>
+                      <a:headEnd type="none" w="med" len="med"/>
+                      <a:tailEnd type="none" w="med" len="med"/>
+                    </a:lnR>
+                    <a:lnT w="12700" cap="flat" cmpd="sng" algn="ctr">
+                      <a:solidFill>
+                        <a:schemeClr val="tx1"/>
+                      </a:solidFill>
+                      <a:prstDash val="solid"/>
+                      <a:round/>
+                      <a:headEnd type="none" w="med" len="med"/>
+                      <a:tailEnd type="none" w="med" len="med"/>
+                    </a:lnT>
+                    <a:lnB w="12700" cap="flat" cmpd="sng" algn="ctr">
+                      <a:solidFill>
+                        <a:schemeClr val="tx1"/>
+                      </a:solidFill>
+                      <a:prstDash val="solid"/>
+                      <a:round/>
+                      <a:headEnd type="none" w="med" len="med"/>
+                      <a:tailEnd type="none" w="med" len="med"/>
+                    </a:lnB>
+                  </a:tcPr>
+                </a:tc>
+                <a:tc>
+                  <a:txBody>
+                    <a:bodyPr/>
+                    <a:lstStyle/>
+                    <a:p>
+                      <a:pPr latinLnBrk="1"/>
+                      <a:endParaRPr lang="ko-KR" altLang="en-US" sz="1000" dirty="0"/>
+                    </a:p>
+                  </a:txBody>
+                  <a:tcPr>
+                    <a:lnL w="12700" cap="flat" cmpd="sng" algn="ctr">
+                      <a:solidFill>
+                        <a:schemeClr val="tx1"/>
+                      </a:solidFill>
+                      <a:prstDash val="solid"/>
+                      <a:round/>
+                      <a:headEnd type="none" w="med" len="med"/>
+                      <a:tailEnd type="none" w="med" len="med"/>
+                    </a:lnL>
+                    <a:lnR w="12700" cap="flat" cmpd="sng" algn="ctr">
+                      <a:solidFill>
+                        <a:schemeClr val="tx1"/>
+                      </a:solidFill>
+                      <a:prstDash val="solid"/>
+                      <a:round/>
+                      <a:headEnd type="none" w="med" len="med"/>
+                      <a:tailEnd type="none" w="med" len="med"/>
+                    </a:lnR>
+                    <a:lnT w="12700" cap="flat" cmpd="sng" algn="ctr">
+                      <a:solidFill>
+                        <a:schemeClr val="tx1"/>
+                      </a:solidFill>
+                      <a:prstDash val="solid"/>
+                      <a:round/>
+                      <a:headEnd type="none" w="med" len="med"/>
+                      <a:tailEnd type="none" w="med" len="med"/>
+                    </a:lnT>
+                    <a:lnB w="12700" cap="flat" cmpd="sng" algn="ctr">
+                      <a:solidFill>
+                        <a:schemeClr val="tx1"/>
+                      </a:solidFill>
+                      <a:prstDash val="solid"/>
+                      <a:round/>
+                      <a:headEnd type="none" w="med" len="med"/>
+                      <a:tailEnd type="none" w="med" len="med"/>
+                    </a:lnB>
+                    <a:solidFill>
+                      <a:schemeClr val="bg1"/>
+                    </a:solidFill>
+                  </a:tcPr>
+                </a:tc>
+                <a:tc>
+                  <a:txBody>
+                    <a:bodyPr/>
+                    <a:lstStyle/>
+                    <a:p>
+                      <a:pPr latinLnBrk="1"/>
+                      <a:endParaRPr lang="ko-KR" altLang="en-US" sz="1000" dirty="0"/>
+                    </a:p>
+                  </a:txBody>
+                  <a:tcPr>
+                    <a:lnL w="12700" cap="flat" cmpd="sng" algn="ctr">
+                      <a:solidFill>
+                        <a:schemeClr val="tx1"/>
+                      </a:solidFill>
+                      <a:prstDash val="solid"/>
+                      <a:round/>
+                      <a:headEnd type="none" w="med" len="med"/>
+                      <a:tailEnd type="none" w="med" len="med"/>
+                    </a:lnL>
+                    <a:lnR w="12700" cap="flat" cmpd="sng" algn="ctr">
+                      <a:solidFill>
+                        <a:schemeClr val="tx1"/>
+                      </a:solidFill>
+                      <a:prstDash val="solid"/>
+                      <a:round/>
+                      <a:headEnd type="none" w="med" len="med"/>
+                      <a:tailEnd type="none" w="med" len="med"/>
+                    </a:lnR>
+                    <a:lnT w="12700" cap="flat" cmpd="sng" algn="ctr">
+                      <a:solidFill>
+                        <a:schemeClr val="tx1"/>
+                      </a:solidFill>
+                      <a:prstDash val="solid"/>
+                      <a:round/>
+                      <a:headEnd type="none" w="med" len="med"/>
+                      <a:tailEnd type="none" w="med" len="med"/>
+                    </a:lnT>
+                    <a:lnB w="12700" cap="flat" cmpd="sng" algn="ctr">
+                      <a:solidFill>
+                        <a:schemeClr val="tx1"/>
+                      </a:solidFill>
+                      <a:prstDash val="solid"/>
+                      <a:round/>
+                      <a:headEnd type="none" w="med" len="med"/>
+                      <a:tailEnd type="none" w="med" len="med"/>
+                    </a:lnB>
+                    <a:solidFill>
+                      <a:schemeClr val="bg1"/>
+                    </a:solidFill>
+                  </a:tcPr>
+                </a:tc>
+                <a:tc>
+                  <a:txBody>
+                    <a:bodyPr/>
+                    <a:lstStyle/>
+                    <a:p>
+                      <a:pPr latinLnBrk="1"/>
+                      <a:endParaRPr lang="ko-KR" altLang="en-US" sz="1000" dirty="0"/>
+                    </a:p>
+                  </a:txBody>
+                  <a:tcPr>
+                    <a:lnL w="12700" cap="flat" cmpd="sng" algn="ctr">
+                      <a:solidFill>
+                        <a:schemeClr val="tx1"/>
+                      </a:solidFill>
+                      <a:prstDash val="solid"/>
+                      <a:round/>
+                      <a:headEnd type="none" w="med" len="med"/>
+                      <a:tailEnd type="none" w="med" len="med"/>
+                    </a:lnL>
+                    <a:lnR w="12700" cap="flat" cmpd="sng" algn="ctr">
+                      <a:solidFill>
+                        <a:schemeClr val="tx1"/>
+                      </a:solidFill>
+                      <a:prstDash val="solid"/>
+                      <a:round/>
+                      <a:headEnd type="none" w="med" len="med"/>
+                      <a:tailEnd type="none" w="med" len="med"/>
+                    </a:lnR>
+                    <a:solidFill>
+                      <a:schemeClr val="bg1"/>
+                    </a:solidFill>
+                  </a:tcPr>
+                </a:tc>
+                <a:tc>
+                  <a:txBody>
+                    <a:bodyPr/>
+                    <a:lstStyle/>
+                    <a:p>
+                      <a:pPr latinLnBrk="1"/>
+                      <a:endParaRPr lang="ko-KR" altLang="en-US" sz="1000" dirty="0"/>
+                    </a:p>
+                  </a:txBody>
+                  <a:tcPr>
+                    <a:lnL w="12700" cap="flat" cmpd="sng" algn="ctr">
+                      <a:solidFill>
+                        <a:schemeClr val="tx1"/>
+                      </a:solidFill>
+                      <a:prstDash val="solid"/>
+                      <a:round/>
+                      <a:headEnd type="none" w="med" len="med"/>
+                      <a:tailEnd type="none" w="med" len="med"/>
+                    </a:lnL>
+                    <a:lnR w="12700" cap="flat" cmpd="sng" algn="ctr">
+                      <a:solidFill>
+                        <a:schemeClr val="tx1"/>
+                      </a:solidFill>
+                      <a:prstDash val="solid"/>
+                      <a:round/>
+                      <a:headEnd type="none" w="med" len="med"/>
+                      <a:tailEnd type="none" w="med" len="med"/>
+                    </a:lnR>
+                  </a:tcPr>
+                </a:tc>
+                <a:tc>
+                  <a:txBody>
+                    <a:bodyPr/>
+                    <a:lstStyle/>
+                    <a:p>
+                      <a:pPr latinLnBrk="1"/>
+                      <a:endParaRPr lang="ko-KR" altLang="en-US" sz="1000" dirty="0"/>
+                    </a:p>
+                  </a:txBody>
+                  <a:tcPr>
+                    <a:lnL w="12700" cap="flat" cmpd="sng" algn="ctr">
+                      <a:solidFill>
+                        <a:schemeClr val="tx1"/>
+                      </a:solidFill>
+                      <a:prstDash val="solid"/>
+                      <a:round/>
+                      <a:headEnd type="none" w="med" len="med"/>
+                      <a:tailEnd type="none" w="med" len="med"/>
+                    </a:lnL>
+                  </a:tcPr>
+                </a:tc>
+              </a:tr>
+              <a:tr h="370840">
+                <a:tc>
+                  <a:txBody>
+                    <a:bodyPr/>
+                    <a:lstStyle/>
+                    <a:p>
+                      <a:pPr latinLnBrk="1"/>
+                      <a:endParaRPr lang="ko-KR" altLang="en-US" sz="1000" dirty="0"/>
+                    </a:p>
+                  </a:txBody>
+                  <a:tcPr>
+                    <a:lnL w="12700" cap="flat" cmpd="sng" algn="ctr">
+                      <a:solidFill>
+                        <a:schemeClr val="tx1"/>
+                      </a:solidFill>
+                      <a:prstDash val="solid"/>
+                      <a:round/>
+                      <a:headEnd type="none" w="med" len="med"/>
+                      <a:tailEnd type="none" w="med" len="med"/>
+                    </a:lnL>
+                    <a:lnR w="12700" cap="flat" cmpd="sng" algn="ctr">
+                      <a:solidFill>
+                        <a:schemeClr val="tx1"/>
+                      </a:solidFill>
+                      <a:prstDash val="solid"/>
+                      <a:round/>
+                      <a:headEnd type="none" w="med" len="med"/>
+                      <a:tailEnd type="none" w="med" len="med"/>
+                    </a:lnR>
+                    <a:lnT w="12700" cap="flat" cmpd="sng" algn="ctr">
+                      <a:solidFill>
+                        <a:schemeClr val="tx1"/>
+                      </a:solidFill>
+                      <a:prstDash val="solid"/>
+                      <a:round/>
+                      <a:headEnd type="none" w="med" len="med"/>
+                      <a:tailEnd type="none" w="med" len="med"/>
+                    </a:lnT>
+                    <a:lnB w="12700" cap="flat" cmpd="sng" algn="ctr">
+                      <a:solidFill>
+                        <a:schemeClr val="tx1"/>
+                      </a:solidFill>
+                      <a:prstDash val="solid"/>
+                      <a:round/>
+                      <a:headEnd type="none" w="med" len="med"/>
+                      <a:tailEnd type="none" w="med" len="med"/>
+                    </a:lnB>
+                  </a:tcPr>
+                </a:tc>
+                <a:tc>
+                  <a:txBody>
+                    <a:bodyPr/>
+                    <a:lstStyle/>
+                    <a:p>
+                      <a:pPr latinLnBrk="1"/>
+                      <a:endParaRPr lang="ko-KR" altLang="en-US" sz="1000" dirty="0"/>
+                    </a:p>
+                  </a:txBody>
+                  <a:tcPr>
+                    <a:lnL w="12700" cap="flat" cmpd="sng" algn="ctr">
+                      <a:solidFill>
+                        <a:schemeClr val="tx1"/>
+                      </a:solidFill>
+                      <a:prstDash val="solid"/>
+                      <a:round/>
+                      <a:headEnd type="none" w="med" len="med"/>
+                      <a:tailEnd type="none" w="med" len="med"/>
+                    </a:lnL>
+                    <a:lnR w="12700" cap="flat" cmpd="sng" algn="ctr">
+                      <a:solidFill>
+                        <a:schemeClr val="tx1"/>
+                      </a:solidFill>
+                      <a:prstDash val="solid"/>
+                      <a:round/>
+                      <a:headEnd type="none" w="med" len="med"/>
+                      <a:tailEnd type="none" w="med" len="med"/>
+                    </a:lnR>
+                    <a:lnT w="12700" cap="flat" cmpd="sng" algn="ctr">
+                      <a:solidFill>
+                        <a:schemeClr val="tx1"/>
+                      </a:solidFill>
+                      <a:prstDash val="solid"/>
+                      <a:round/>
+                      <a:headEnd type="none" w="med" len="med"/>
+                      <a:tailEnd type="none" w="med" len="med"/>
+                    </a:lnT>
+                    <a:lnB w="12700" cap="flat" cmpd="sng" algn="ctr">
+                      <a:solidFill>
+                        <a:schemeClr val="tx1"/>
+                      </a:solidFill>
+                      <a:prstDash val="solid"/>
+                      <a:round/>
+                      <a:headEnd type="none" w="med" len="med"/>
+                      <a:tailEnd type="none" w="med" len="med"/>
+                    </a:lnB>
+                    <a:solidFill>
+                      <a:schemeClr val="bg1"/>
+                    </a:solidFill>
+                  </a:tcPr>
+                </a:tc>
+                <a:tc>
+                  <a:txBody>
+                    <a:bodyPr/>
+                    <a:lstStyle/>
+                    <a:p>
+                      <a:pPr latinLnBrk="1"/>
+                      <a:endParaRPr lang="ko-KR" altLang="en-US" sz="1000" dirty="0"/>
+                    </a:p>
+                  </a:txBody>
+                  <a:tcPr>
+                    <a:lnL w="12700" cap="flat" cmpd="sng" algn="ctr">
+                      <a:solidFill>
+                        <a:schemeClr val="tx1"/>
+                      </a:solidFill>
+                      <a:prstDash val="solid"/>
+                      <a:round/>
+                      <a:headEnd type="none" w="med" len="med"/>
+                      <a:tailEnd type="none" w="med" len="med"/>
+                    </a:lnL>
+                    <a:lnR w="12700" cap="flat" cmpd="sng" algn="ctr">
+                      <a:solidFill>
+                        <a:schemeClr val="tx1"/>
+                      </a:solidFill>
+                      <a:prstDash val="solid"/>
+                      <a:round/>
+                      <a:headEnd type="none" w="med" len="med"/>
+                      <a:tailEnd type="none" w="med" len="med"/>
+                    </a:lnR>
+                    <a:lnT w="12700" cap="flat" cmpd="sng" algn="ctr">
+                      <a:solidFill>
+                        <a:schemeClr val="tx1"/>
+                      </a:solidFill>
+                      <a:prstDash val="solid"/>
+                      <a:round/>
+                      <a:headEnd type="none" w="med" len="med"/>
+                      <a:tailEnd type="none" w="med" len="med"/>
+                    </a:lnT>
+                    <a:lnB w="12700" cap="flat" cmpd="sng" algn="ctr">
+                      <a:solidFill>
+                        <a:schemeClr val="tx1"/>
+                      </a:solidFill>
+                      <a:prstDash val="solid"/>
+                      <a:round/>
+                      <a:headEnd type="none" w="med" len="med"/>
+                      <a:tailEnd type="none" w="med" len="med"/>
+                    </a:lnB>
+                    <a:solidFill>
+                      <a:schemeClr val="bg1"/>
+                    </a:solidFill>
+                  </a:tcPr>
+                </a:tc>
+                <a:tc>
+                  <a:txBody>
+                    <a:bodyPr/>
+                    <a:lstStyle/>
+                    <a:p>
+                      <a:pPr latinLnBrk="1"/>
+                      <a:endParaRPr lang="ko-KR" altLang="en-US" sz="1000" dirty="0"/>
+                    </a:p>
+                  </a:txBody>
+                  <a:tcPr>
+                    <a:lnL w="12700" cap="flat" cmpd="sng" algn="ctr">
+                      <a:solidFill>
+                        <a:schemeClr val="tx1"/>
+                      </a:solidFill>
+                      <a:prstDash val="solid"/>
+                      <a:round/>
+                      <a:headEnd type="none" w="med" len="med"/>
+                      <a:tailEnd type="none" w="med" len="med"/>
+                    </a:lnL>
+                    <a:lnR w="12700" cap="flat" cmpd="sng" algn="ctr">
+                      <a:solidFill>
+                        <a:schemeClr val="tx1"/>
+                      </a:solidFill>
+                      <a:prstDash val="solid"/>
+                      <a:round/>
+                      <a:headEnd type="none" w="med" len="med"/>
+                      <a:tailEnd type="none" w="med" len="med"/>
+                    </a:lnR>
+                    <a:solidFill>
+                      <a:schemeClr val="bg1"/>
+                    </a:solidFill>
+                  </a:tcPr>
+                </a:tc>
+                <a:tc>
+                  <a:txBody>
+                    <a:bodyPr/>
+                    <a:lstStyle/>
+                    <a:p>
+                      <a:pPr latinLnBrk="1"/>
+                      <a:endParaRPr lang="ko-KR" altLang="en-US" sz="1000" dirty="0"/>
+                    </a:p>
+                  </a:txBody>
+                  <a:tcPr>
+                    <a:lnL w="12700" cap="flat" cmpd="sng" algn="ctr">
+                      <a:solidFill>
+                        <a:schemeClr val="tx1"/>
+                      </a:solidFill>
+                      <a:prstDash val="solid"/>
+                      <a:round/>
+                      <a:headEnd type="none" w="med" len="med"/>
+                      <a:tailEnd type="none" w="med" len="med"/>
+                    </a:lnL>
+                    <a:lnR w="12700" cap="flat" cmpd="sng" algn="ctr">
+                      <a:solidFill>
+                        <a:schemeClr val="tx1"/>
+                      </a:solidFill>
+                      <a:prstDash val="solid"/>
+                      <a:round/>
+                      <a:headEnd type="none" w="med" len="med"/>
+                      <a:tailEnd type="none" w="med" len="med"/>
+                    </a:lnR>
+                  </a:tcPr>
+                </a:tc>
+                <a:tc>
+                  <a:txBody>
+                    <a:bodyPr/>
+                    <a:lstStyle/>
+                    <a:p>
+                      <a:pPr latinLnBrk="1"/>
+                      <a:endParaRPr lang="ko-KR" altLang="en-US" sz="1000" dirty="0"/>
+                    </a:p>
+                  </a:txBody>
+                  <a:tcPr>
+                    <a:lnL w="12700" cap="flat" cmpd="sng" algn="ctr">
+                      <a:solidFill>
+                        <a:schemeClr val="tx1"/>
+                      </a:solidFill>
+                      <a:prstDash val="solid"/>
+                      <a:round/>
+                      <a:headEnd type="none" w="med" len="med"/>
+                      <a:tailEnd type="none" w="med" len="med"/>
+                    </a:lnL>
+                  </a:tcPr>
+                </a:tc>
+              </a:tr>
+              <a:tr h="370840">
+                <a:tc>
+                  <a:txBody>
+                    <a:bodyPr/>
+                    <a:lstStyle/>
+                    <a:p>
+                      <a:pPr latinLnBrk="1"/>
+                      <a:endParaRPr lang="ko-KR" altLang="en-US" sz="1000" dirty="0"/>
+                    </a:p>
+                  </a:txBody>
+                  <a:tcPr>
+                    <a:lnL w="12700" cap="flat" cmpd="sng" algn="ctr">
+                      <a:solidFill>
+                        <a:schemeClr val="tx1"/>
+                      </a:solidFill>
+                      <a:prstDash val="solid"/>
+                      <a:round/>
+                      <a:headEnd type="none" w="med" len="med"/>
+                      <a:tailEnd type="none" w="med" len="med"/>
+                    </a:lnL>
+                    <a:lnR w="12700" cap="flat" cmpd="sng" algn="ctr">
+                      <a:solidFill>
+                        <a:schemeClr val="tx1"/>
+                      </a:solidFill>
+                      <a:prstDash val="solid"/>
+                      <a:round/>
+                      <a:headEnd type="none" w="med" len="med"/>
+                      <a:tailEnd type="none" w="med" len="med"/>
+                    </a:lnR>
+                    <a:lnT w="12700" cap="flat" cmpd="sng" algn="ctr">
+                      <a:solidFill>
+                        <a:schemeClr val="tx1"/>
+                      </a:solidFill>
+                      <a:prstDash val="solid"/>
+                      <a:round/>
+                      <a:headEnd type="none" w="med" len="med"/>
+                      <a:tailEnd type="none" w="med" len="med"/>
+                    </a:lnT>
+                    <a:lnB w="12700" cap="flat" cmpd="sng" algn="ctr">
+                      <a:solidFill>
+                        <a:schemeClr val="tx1"/>
+                      </a:solidFill>
+                      <a:prstDash val="solid"/>
+                      <a:round/>
+                      <a:headEnd type="none" w="med" len="med"/>
+                      <a:tailEnd type="none" w="med" len="med"/>
+                    </a:lnB>
+                  </a:tcPr>
+                </a:tc>
+                <a:tc>
+                  <a:txBody>
+                    <a:bodyPr/>
+                    <a:lstStyle/>
+                    <a:p>
+                      <a:endParaRPr lang="ko-KR" altLang="en-US"/>
+                    </a:p>
+                  </a:txBody>
+                  <a:tcPr>
+                    <a:lnL w="12700" cap="flat" cmpd="sng" algn="ctr">
+                      <a:solidFill>
+                        <a:schemeClr val="tx1"/>
+                      </a:solidFill>
+                      <a:prstDash val="solid"/>
+                      <a:round/>
+                      <a:headEnd type="none" w="med" len="med"/>
+                      <a:tailEnd type="none" w="med" len="med"/>
+                    </a:lnL>
+                    <a:lnR w="12700" cap="flat" cmpd="sng" algn="ctr">
+                      <a:solidFill>
+                        <a:schemeClr val="tx1"/>
+                      </a:solidFill>
+                      <a:prstDash val="solid"/>
+                      <a:round/>
+                      <a:headEnd type="none" w="med" len="med"/>
+                      <a:tailEnd type="none" w="med" len="med"/>
+                    </a:lnR>
+                    <a:lnT w="12700" cap="flat" cmpd="sng" algn="ctr">
+                      <a:solidFill>
+                        <a:schemeClr val="tx1"/>
+                      </a:solidFill>
+                      <a:prstDash val="solid"/>
+                      <a:round/>
+                      <a:headEnd type="none" w="med" len="med"/>
+                      <a:tailEnd type="none" w="med" len="med"/>
+                    </a:lnT>
+                    <a:lnB w="12700" cap="flat" cmpd="sng" algn="ctr">
+                      <a:solidFill>
+                        <a:schemeClr val="tx1"/>
+                      </a:solidFill>
+                      <a:prstDash val="solid"/>
+                      <a:round/>
+                      <a:headEnd type="none" w="med" len="med"/>
+                      <a:tailEnd type="none" w="med" len="med"/>
+                    </a:lnB>
+                  </a:tcPr>
+                </a:tc>
+                <a:tc>
+                  <a:txBody>
+                    <a:bodyPr/>
+                    <a:lstStyle/>
+                    <a:p>
+                      <a:endParaRPr lang="ko-KR" altLang="en-US"/>
+                    </a:p>
+                  </a:txBody>
+                  <a:tcPr>
+                    <a:lnL w="12700" cap="flat" cmpd="sng" algn="ctr">
+                      <a:solidFill>
+                        <a:schemeClr val="tx1"/>
+                      </a:solidFill>
+                      <a:prstDash val="solid"/>
+                      <a:round/>
+                      <a:headEnd type="none" w="med" len="med"/>
+                      <a:tailEnd type="none" w="med" len="med"/>
+                    </a:lnL>
+                    <a:lnR w="12700" cap="flat" cmpd="sng" algn="ctr">
+                      <a:solidFill>
+                        <a:schemeClr val="tx1"/>
+                      </a:solidFill>
+                      <a:prstDash val="solid"/>
+                      <a:round/>
+                      <a:headEnd type="none" w="med" len="med"/>
+                      <a:tailEnd type="none" w="med" len="med"/>
+                    </a:lnR>
+                    <a:lnT w="12700" cap="flat" cmpd="sng" algn="ctr">
+                      <a:solidFill>
+                        <a:schemeClr val="tx1"/>
+                      </a:solidFill>
+                      <a:prstDash val="solid"/>
+                      <a:round/>
+                      <a:headEnd type="none" w="med" len="med"/>
+                      <a:tailEnd type="none" w="med" len="med"/>
+                    </a:lnT>
+                    <a:lnB w="12700" cap="flat" cmpd="sng" algn="ctr">
+                      <a:solidFill>
+                        <a:schemeClr val="tx1"/>
+                      </a:solidFill>
+                      <a:prstDash val="solid"/>
+                      <a:round/>
+                      <a:headEnd type="none" w="med" len="med"/>
+                      <a:tailEnd type="none" w="med" len="med"/>
+                    </a:lnB>
+                  </a:tcPr>
+                </a:tc>
+                <a:tc>
+                  <a:txBody>
+                    <a:bodyPr/>
+                    <a:lstStyle/>
+                    <a:p>
+                      <a:endParaRPr lang="ko-KR" altLang="en-US"/>
+                    </a:p>
+                  </a:txBody>
+                  <a:tcPr>
+                    <a:lnL w="12700" cap="flat" cmpd="sng" algn="ctr">
+                      <a:solidFill>
+                        <a:schemeClr val="tx1"/>
+                      </a:solidFill>
+                      <a:prstDash val="solid"/>
+                      <a:round/>
+                      <a:headEnd type="none" w="med" len="med"/>
+                      <a:tailEnd type="none" w="med" len="med"/>
+                    </a:lnL>
+                    <a:lnR w="12700" cap="flat" cmpd="sng" algn="ctr">
+                      <a:solidFill>
+                        <a:schemeClr val="tx1"/>
+                      </a:solidFill>
+                      <a:prstDash val="solid"/>
+                      <a:round/>
+                      <a:headEnd type="none" w="med" len="med"/>
+                      <a:tailEnd type="none" w="med" len="med"/>
+                    </a:lnR>
+                  </a:tcPr>
+                </a:tc>
+                <a:tc>
+                  <a:txBody>
+                    <a:bodyPr/>
+                    <a:lstStyle/>
+                    <a:p>
+                      <a:endParaRPr lang="ko-KR" altLang="en-US" dirty="0"/>
+                    </a:p>
+                  </a:txBody>
+                  <a:tcPr>
+                    <a:lnL w="12700" cap="flat" cmpd="sng" algn="ctr">
+                      <a:solidFill>
+                        <a:schemeClr val="tx1"/>
+                      </a:solidFill>
+                      <a:prstDash val="solid"/>
+                      <a:round/>
+                      <a:headEnd type="none" w="med" len="med"/>
+                      <a:tailEnd type="none" w="med" len="med"/>
+                    </a:lnL>
+                    <a:lnR w="12700" cap="flat" cmpd="sng" algn="ctr">
+                      <a:solidFill>
+                        <a:schemeClr val="tx1"/>
+                      </a:solidFill>
+                      <a:prstDash val="solid"/>
+                      <a:round/>
+                      <a:headEnd type="none" w="med" len="med"/>
+                      <a:tailEnd type="none" w="med" len="med"/>
+                    </a:lnR>
+                  </a:tcPr>
+                </a:tc>
+                <a:tc>
+                  <a:txBody>
+                    <a:bodyPr/>
+                    <a:lstStyle/>
+                    <a:p>
+                      <a:pPr latinLnBrk="1"/>
+                      <a:endParaRPr lang="ko-KR" altLang="en-US" sz="1000" dirty="0"/>
+                    </a:p>
+                  </a:txBody>
+                  <a:tcPr>
+                    <a:lnL w="12700" cap="flat" cmpd="sng" algn="ctr">
+                      <a:solidFill>
+                        <a:schemeClr val="tx1"/>
+                      </a:solidFill>
+                      <a:prstDash val="solid"/>
+                      <a:round/>
+                      <a:headEnd type="none" w="med" len="med"/>
+                      <a:tailEnd type="none" w="med" len="med"/>
+                    </a:lnL>
+                  </a:tcPr>
+                </a:tc>
+              </a:tr>
+              <a:tr h="370840">
+                <a:tc>
+                  <a:txBody>
+                    <a:bodyPr/>
+                    <a:lstStyle/>
+                    <a:p>
+                      <a:pPr latinLnBrk="1"/>
+                      <a:endParaRPr lang="ko-KR" altLang="en-US" sz="1000" dirty="0"/>
+                    </a:p>
+                  </a:txBody>
+                  <a:tcPr>
+                    <a:lnL w="12700" cap="flat" cmpd="sng" algn="ctr">
+                      <a:solidFill>
+                        <a:schemeClr val="tx1"/>
+                      </a:solidFill>
+                      <a:prstDash val="solid"/>
+                      <a:round/>
+                      <a:headEnd type="none" w="med" len="med"/>
+                      <a:tailEnd type="none" w="med" len="med"/>
+                    </a:lnL>
+                    <a:lnR w="12700" cap="flat" cmpd="sng" algn="ctr">
+                      <a:solidFill>
+                        <a:schemeClr val="tx1"/>
+                      </a:solidFill>
+                      <a:prstDash val="solid"/>
+                      <a:round/>
+                      <a:headEnd type="none" w="med" len="med"/>
+                      <a:tailEnd type="none" w="med" len="med"/>
+                    </a:lnR>
+                    <a:lnT w="12700" cap="flat" cmpd="sng" algn="ctr">
+                      <a:solidFill>
+                        <a:schemeClr val="tx1"/>
+                      </a:solidFill>
+                      <a:prstDash val="solid"/>
+                      <a:round/>
+                      <a:headEnd type="none" w="med" len="med"/>
+                      <a:tailEnd type="none" w="med" len="med"/>
+                    </a:lnT>
+                    <a:lnB w="12700" cap="flat" cmpd="sng" algn="ctr">
+                      <a:solidFill>
+                        <a:schemeClr val="tx1"/>
+                      </a:solidFill>
+                      <a:prstDash val="solid"/>
+                      <a:round/>
+                      <a:headEnd type="none" w="med" len="med"/>
+                      <a:tailEnd type="none" w="med" len="med"/>
+                    </a:lnB>
+                  </a:tcPr>
+                </a:tc>
+                <a:tc>
+                  <a:txBody>
+                    <a:bodyPr/>
+                    <a:lstStyle/>
+                    <a:p>
+                      <a:pPr latinLnBrk="1"/>
+                      <a:endParaRPr lang="ko-KR" altLang="en-US" sz="1000" dirty="0"/>
+                    </a:p>
+                  </a:txBody>
+                  <a:tcPr>
+                    <a:lnL w="12700" cap="flat" cmpd="sng" algn="ctr">
+                      <a:solidFill>
+                        <a:schemeClr val="tx1"/>
+                      </a:solidFill>
+                      <a:prstDash val="solid"/>
+                      <a:round/>
+                      <a:headEnd type="none" w="med" len="med"/>
+                      <a:tailEnd type="none" w="med" len="med"/>
+                    </a:lnL>
+                    <a:lnR w="12700" cap="flat" cmpd="sng" algn="ctr">
+                      <a:solidFill>
+                        <a:schemeClr val="tx1"/>
+                      </a:solidFill>
+                      <a:prstDash val="solid"/>
+                      <a:round/>
+                      <a:headEnd type="none" w="med" len="med"/>
+                      <a:tailEnd type="none" w="med" len="med"/>
+                    </a:lnR>
+                    <a:lnT w="12700" cap="flat" cmpd="sng" algn="ctr">
+                      <a:solidFill>
+                        <a:schemeClr val="tx1"/>
+                      </a:solidFill>
+                      <a:prstDash val="solid"/>
+                      <a:round/>
+                      <a:headEnd type="none" w="med" len="med"/>
+                      <a:tailEnd type="none" w="med" len="med"/>
+                    </a:lnT>
+                    <a:lnB w="12700" cap="flat" cmpd="sng" algn="ctr">
+                      <a:solidFill>
+                        <a:schemeClr val="tx1"/>
+                      </a:solidFill>
+                      <a:prstDash val="solid"/>
+                      <a:round/>
+                      <a:headEnd type="none" w="med" len="med"/>
+                      <a:tailEnd type="none" w="med" len="med"/>
+                    </a:lnB>
+                  </a:tcPr>
+                </a:tc>
+                <a:tc>
+                  <a:txBody>
+                    <a:bodyPr/>
+                    <a:lstStyle/>
+                    <a:p>
+                      <a:pPr latinLnBrk="1"/>
+                      <a:endParaRPr lang="ko-KR" altLang="en-US" sz="1000" dirty="0"/>
+                    </a:p>
+                  </a:txBody>
+                  <a:tcPr>
+                    <a:lnL w="12700" cap="flat" cmpd="sng" algn="ctr">
+                      <a:solidFill>
+                        <a:schemeClr val="tx1"/>
+                      </a:solidFill>
+                      <a:prstDash val="solid"/>
+                      <a:round/>
+                      <a:headEnd type="none" w="med" len="med"/>
+                      <a:tailEnd type="none" w="med" len="med"/>
+                    </a:lnL>
+                    <a:lnR w="12700" cap="flat" cmpd="sng" algn="ctr">
+                      <a:solidFill>
+                        <a:schemeClr val="tx1"/>
+                      </a:solidFill>
+                      <a:prstDash val="solid"/>
+                      <a:round/>
+                      <a:headEnd type="none" w="med" len="med"/>
+                      <a:tailEnd type="none" w="med" len="med"/>
+                    </a:lnR>
+                    <a:lnT w="12700" cap="flat" cmpd="sng" algn="ctr">
+                      <a:solidFill>
+                        <a:schemeClr val="tx1"/>
+                      </a:solidFill>
+                      <a:prstDash val="solid"/>
+                      <a:round/>
+                      <a:headEnd type="none" w="med" len="med"/>
+                      <a:tailEnd type="none" w="med" len="med"/>
+                    </a:lnT>
+                    <a:lnB w="12700" cap="flat" cmpd="sng" algn="ctr">
+                      <a:solidFill>
+                        <a:schemeClr val="tx1"/>
+                      </a:solidFill>
+                      <a:prstDash val="solid"/>
+                      <a:round/>
+                      <a:headEnd type="none" w="med" len="med"/>
+                      <a:tailEnd type="none" w="med" len="med"/>
+                    </a:lnB>
+                  </a:tcPr>
+                </a:tc>
+                <a:tc>
+                  <a:txBody>
+                    <a:bodyPr/>
+                    <a:lstStyle/>
+                    <a:p>
+                      <a:pPr latinLnBrk="1"/>
+                      <a:endParaRPr lang="ko-KR" altLang="en-US" sz="1000" dirty="0"/>
+                    </a:p>
+                  </a:txBody>
+                  <a:tcPr>
+                    <a:lnL w="12700" cap="flat" cmpd="sng" algn="ctr">
+                      <a:solidFill>
+                        <a:schemeClr val="tx1"/>
+                      </a:solidFill>
+                      <a:prstDash val="solid"/>
+                      <a:round/>
+                      <a:headEnd type="none" w="med" len="med"/>
+                      <a:tailEnd type="none" w="med" len="med"/>
+                    </a:lnL>
+                    <a:lnR w="12700" cap="flat" cmpd="sng" algn="ctr">
+                      <a:solidFill>
+                        <a:schemeClr val="tx1"/>
+                      </a:solidFill>
+                      <a:prstDash val="solid"/>
+                      <a:round/>
+                      <a:headEnd type="none" w="med" len="med"/>
+                      <a:tailEnd type="none" w="med" len="med"/>
+                    </a:lnR>
+                  </a:tcPr>
+                </a:tc>
+                <a:tc>
+                  <a:txBody>
+                    <a:bodyPr/>
+                    <a:lstStyle/>
+                    <a:p>
+                      <a:pPr latinLnBrk="1"/>
+                      <a:endParaRPr lang="ko-KR" altLang="en-US" sz="1000" dirty="0"/>
+                    </a:p>
+                  </a:txBody>
+                  <a:tcPr>
+                    <a:lnL w="12700" cap="flat" cmpd="sng" algn="ctr">
+                      <a:solidFill>
+                        <a:schemeClr val="tx1"/>
+                      </a:solidFill>
+                      <a:prstDash val="solid"/>
+                      <a:round/>
+                      <a:headEnd type="none" w="med" len="med"/>
+                      <a:tailEnd type="none" w="med" len="med"/>
+                    </a:lnL>
+                    <a:lnR w="12700" cap="flat" cmpd="sng" algn="ctr">
+                      <a:solidFill>
+                        <a:schemeClr val="tx1"/>
+                      </a:solidFill>
+                      <a:prstDash val="solid"/>
+                      <a:round/>
+                      <a:headEnd type="none" w="med" len="med"/>
+                      <a:tailEnd type="none" w="med" len="med"/>
+                    </a:lnR>
+                  </a:tcPr>
+                </a:tc>
+                <a:tc>
+                  <a:txBody>
+                    <a:bodyPr/>
+                    <a:lstStyle/>
+                    <a:p>
+                      <a:pPr latinLnBrk="1"/>
+                      <a:endParaRPr lang="ko-KR" altLang="en-US" sz="1000" dirty="0"/>
+                    </a:p>
+                  </a:txBody>
+                  <a:tcPr>
+                    <a:lnL w="12700" cap="flat" cmpd="sng" algn="ctr">
+                      <a:solidFill>
+                        <a:schemeClr val="tx1"/>
+                      </a:solidFill>
+                      <a:prstDash val="solid"/>
+                      <a:round/>
+                      <a:headEnd type="none" w="med" len="med"/>
+                      <a:tailEnd type="none" w="med" len="med"/>
+                    </a:lnL>
+                  </a:tcPr>
+                </a:tc>
+              </a:tr>
+              <a:tr h="370840">
+                <a:tc>
+                  <a:txBody>
+                    <a:bodyPr/>
+                    <a:lstStyle/>
+                    <a:p>
+                      <a:pPr latinLnBrk="1"/>
+                      <a:endParaRPr lang="ko-KR" altLang="en-US" sz="1000" dirty="0"/>
+                    </a:p>
+                  </a:txBody>
+                  <a:tcPr>
+                    <a:lnL w="12700" cap="flat" cmpd="sng" algn="ctr">
+                      <a:solidFill>
+                        <a:schemeClr val="tx1"/>
+                      </a:solidFill>
+                      <a:prstDash val="solid"/>
+                      <a:round/>
+                      <a:headEnd type="none" w="med" len="med"/>
+                      <a:tailEnd type="none" w="med" len="med"/>
+                    </a:lnL>
+                    <a:lnR w="12700" cap="flat" cmpd="sng" algn="ctr">
+                      <a:solidFill>
+                        <a:schemeClr val="tx1"/>
+                      </a:solidFill>
+                      <a:prstDash val="solid"/>
+                      <a:round/>
+                      <a:headEnd type="none" w="med" len="med"/>
+                      <a:tailEnd type="none" w="med" len="med"/>
+                    </a:lnR>
+                    <a:lnT w="12700" cap="flat" cmpd="sng" algn="ctr">
+                      <a:solidFill>
+                        <a:schemeClr val="tx1"/>
+                      </a:solidFill>
+                      <a:prstDash val="solid"/>
+                      <a:round/>
+                      <a:headEnd type="none" w="med" len="med"/>
+                      <a:tailEnd type="none" w="med" len="med"/>
+                    </a:lnT>
+                    <a:lnB w="12700" cap="flat" cmpd="sng" algn="ctr">
+                      <a:solidFill>
+                        <a:schemeClr val="tx1"/>
+                      </a:solidFill>
+                      <a:prstDash val="solid"/>
+                      <a:round/>
+                      <a:headEnd type="none" w="med" len="med"/>
+                      <a:tailEnd type="none" w="med" len="med"/>
+                    </a:lnB>
+                  </a:tcPr>
+                </a:tc>
+                <a:tc>
+                  <a:txBody>
+                    <a:bodyPr/>
+                    <a:lstStyle/>
+                    <a:p>
+                      <a:pPr latinLnBrk="1"/>
+                      <a:endParaRPr lang="ko-KR" altLang="en-US" sz="1000" dirty="0"/>
+                    </a:p>
+                  </a:txBody>
+                  <a:tcPr>
+                    <a:lnL w="12700" cap="flat" cmpd="sng" algn="ctr">
+                      <a:solidFill>
+                        <a:schemeClr val="tx1"/>
+                      </a:solidFill>
+                      <a:prstDash val="solid"/>
+                      <a:round/>
+                      <a:headEnd type="none" w="med" len="med"/>
+                      <a:tailEnd type="none" w="med" len="med"/>
+                    </a:lnL>
+                    <a:lnR w="12700" cap="flat" cmpd="sng" algn="ctr">
+                      <a:solidFill>
+                        <a:schemeClr val="tx1"/>
+                      </a:solidFill>
+                      <a:prstDash val="solid"/>
+                      <a:round/>
+                      <a:headEnd type="none" w="med" len="med"/>
+                      <a:tailEnd type="none" w="med" len="med"/>
+                    </a:lnR>
+                    <a:lnT w="12700" cap="flat" cmpd="sng" algn="ctr">
+                      <a:solidFill>
+                        <a:schemeClr val="tx1"/>
+                      </a:solidFill>
+                      <a:prstDash val="solid"/>
+                      <a:round/>
+                      <a:headEnd type="none" w="med" len="med"/>
+                      <a:tailEnd type="none" w="med" len="med"/>
+                    </a:lnT>
+                    <a:lnB w="12700" cap="flat" cmpd="sng" algn="ctr">
+                      <a:solidFill>
+                        <a:schemeClr val="tx1"/>
+                      </a:solidFill>
+                      <a:prstDash val="solid"/>
+                      <a:round/>
+                      <a:headEnd type="none" w="med" len="med"/>
+                      <a:tailEnd type="none" w="med" len="med"/>
+                    </a:lnB>
+                  </a:tcPr>
+                </a:tc>
+                <a:tc>
+                  <a:txBody>
+                    <a:bodyPr/>
+                    <a:lstStyle/>
+                    <a:p>
+                      <a:pPr latinLnBrk="1"/>
+                      <a:endParaRPr lang="ko-KR" altLang="en-US" sz="1000" dirty="0"/>
+                    </a:p>
+                  </a:txBody>
+                  <a:tcPr>
+                    <a:lnL w="12700" cap="flat" cmpd="sng" algn="ctr">
+                      <a:solidFill>
+                        <a:schemeClr val="tx1"/>
+                      </a:solidFill>
+                      <a:prstDash val="solid"/>
+                      <a:round/>
+                      <a:headEnd type="none" w="med" len="med"/>
+                      <a:tailEnd type="none" w="med" len="med"/>
+                    </a:lnL>
+                    <a:lnR w="12700" cap="flat" cmpd="sng" algn="ctr">
+                      <a:solidFill>
+                        <a:schemeClr val="tx1"/>
+                      </a:solidFill>
+                      <a:prstDash val="solid"/>
+                      <a:round/>
+                      <a:headEnd type="none" w="med" len="med"/>
+                      <a:tailEnd type="none" w="med" len="med"/>
+                    </a:lnR>
+                    <a:lnT w="12700" cap="flat" cmpd="sng" algn="ctr">
+                      <a:solidFill>
+                        <a:schemeClr val="tx1"/>
+                      </a:solidFill>
+                      <a:prstDash val="solid"/>
+                      <a:round/>
+                      <a:headEnd type="none" w="med" len="med"/>
+                      <a:tailEnd type="none" w="med" len="med"/>
+                    </a:lnT>
+                    <a:lnB w="12700" cap="flat" cmpd="sng" algn="ctr">
+                      <a:solidFill>
+                        <a:schemeClr val="tx1"/>
+                      </a:solidFill>
+                      <a:prstDash val="solid"/>
+                      <a:round/>
+                      <a:headEnd type="none" w="med" len="med"/>
+                      <a:tailEnd type="none" w="med" len="med"/>
+                    </a:lnB>
+                  </a:tcPr>
+                </a:tc>
+                <a:tc>
+                  <a:txBody>
+                    <a:bodyPr/>
+                    <a:lstStyle/>
+                    <a:p>
+                      <a:pPr latinLnBrk="1"/>
+                      <a:endParaRPr lang="en-US" altLang="ko-KR" sz="1000" dirty="0" smtClean="0"/>
+                    </a:p>
+                  </a:txBody>
+                  <a:tcPr>
+                    <a:lnL w="12700" cap="flat" cmpd="sng" algn="ctr">
+                      <a:solidFill>
+                        <a:schemeClr val="tx1"/>
+                      </a:solidFill>
+                      <a:prstDash val="solid"/>
+                      <a:round/>
+                      <a:headEnd type="none" w="med" len="med"/>
+                      <a:tailEnd type="none" w="med" len="med"/>
+                    </a:lnL>
+                    <a:lnR w="12700" cap="flat" cmpd="sng" algn="ctr">
+                      <a:solidFill>
+                        <a:schemeClr val="tx1"/>
+                      </a:solidFill>
+                      <a:prstDash val="solid"/>
+                      <a:round/>
+                      <a:headEnd type="none" w="med" len="med"/>
+                      <a:tailEnd type="none" w="med" len="med"/>
+                    </a:lnR>
+                  </a:tcPr>
+                </a:tc>
+                <a:tc>
+                  <a:txBody>
+                    <a:bodyPr/>
+                    <a:lstStyle/>
+                    <a:p>
+                      <a:pPr latinLnBrk="1"/>
+                      <a:endParaRPr lang="ko-KR" altLang="en-US" sz="1000" dirty="0"/>
+                    </a:p>
+                  </a:txBody>
+                  <a:tcPr>
+                    <a:lnL w="12700" cap="flat" cmpd="sng" algn="ctr">
+                      <a:solidFill>
+                        <a:schemeClr val="tx1"/>
+                      </a:solidFill>
+                      <a:prstDash val="solid"/>
+                      <a:round/>
+                      <a:headEnd type="none" w="med" len="med"/>
+                      <a:tailEnd type="none" w="med" len="med"/>
+                    </a:lnL>
+                    <a:lnR w="12700" cap="flat" cmpd="sng" algn="ctr">
+                      <a:solidFill>
+                        <a:schemeClr val="tx1"/>
+                      </a:solidFill>
+                      <a:prstDash val="solid"/>
+                      <a:round/>
+                      <a:headEnd type="none" w="med" len="med"/>
+                      <a:tailEnd type="none" w="med" len="med"/>
+                    </a:lnR>
+                  </a:tcPr>
+                </a:tc>
+                <a:tc>
+                  <a:txBody>
+                    <a:bodyPr/>
+                    <a:lstStyle/>
+                    <a:p>
+                      <a:pPr latinLnBrk="1"/>
+                      <a:endParaRPr lang="ko-KR" altLang="en-US" sz="1000" dirty="0"/>
+                    </a:p>
+                  </a:txBody>
+                  <a:tcPr>
+                    <a:lnL w="12700" cap="flat" cmpd="sng" algn="ctr">
+                      <a:solidFill>
+                        <a:schemeClr val="tx1"/>
+                      </a:solidFill>
+                      <a:prstDash val="solid"/>
+                      <a:round/>
+                      <a:headEnd type="none" w="med" len="med"/>
+                      <a:tailEnd type="none" w="med" len="med"/>
+                    </a:lnL>
+                  </a:tcPr>
+                </a:tc>
+              </a:tr>
+              <a:tr h="370840">
+                <a:tc>
+                  <a:txBody>
+                    <a:bodyPr/>
+                    <a:lstStyle/>
+                    <a:p>
+                      <a:pPr latinLnBrk="1"/>
+                      <a:endParaRPr lang="ko-KR" altLang="en-US" sz="1000" dirty="0"/>
+                    </a:p>
+                  </a:txBody>
+                  <a:tcPr>
+                    <a:lnL w="12700" cap="flat" cmpd="sng" algn="ctr">
+                      <a:solidFill>
+                        <a:schemeClr val="tx1"/>
+                      </a:solidFill>
+                      <a:prstDash val="solid"/>
+                      <a:round/>
+                      <a:headEnd type="none" w="med" len="med"/>
+                      <a:tailEnd type="none" w="med" len="med"/>
+                    </a:lnL>
+                    <a:lnR w="12700" cap="flat" cmpd="sng" algn="ctr">
+                      <a:solidFill>
+                        <a:schemeClr val="tx1"/>
+                      </a:solidFill>
+                      <a:prstDash val="solid"/>
+                      <a:round/>
+                      <a:headEnd type="none" w="med" len="med"/>
+                      <a:tailEnd type="none" w="med" len="med"/>
+                    </a:lnR>
+                    <a:lnT w="12700" cap="flat" cmpd="sng" algn="ctr">
+                      <a:solidFill>
+                        <a:schemeClr val="tx1"/>
+                      </a:solidFill>
+                      <a:prstDash val="solid"/>
+                      <a:round/>
+                      <a:headEnd type="none" w="med" len="med"/>
+                      <a:tailEnd type="none" w="med" len="med"/>
+                    </a:lnT>
+                    <a:lnB w="12700" cap="flat" cmpd="sng" algn="ctr">
+                      <a:solidFill>
+                        <a:schemeClr val="tx1"/>
+                      </a:solidFill>
+                      <a:prstDash val="solid"/>
+                      <a:round/>
+                      <a:headEnd type="none" w="med" len="med"/>
+                      <a:tailEnd type="none" w="med" len="med"/>
+                    </a:lnB>
+                  </a:tcPr>
+                </a:tc>
+                <a:tc>
+                  <a:txBody>
+                    <a:bodyPr/>
+                    <a:lstStyle/>
+                    <a:p>
+                      <a:pPr latinLnBrk="1"/>
+                      <a:endParaRPr lang="ko-KR" altLang="en-US" sz="1000" dirty="0"/>
+                    </a:p>
+                  </a:txBody>
+                  <a:tcPr>
+                    <a:lnL w="12700" cap="flat" cmpd="sng" algn="ctr">
+                      <a:solidFill>
+                        <a:schemeClr val="tx1"/>
+                      </a:solidFill>
+                      <a:prstDash val="solid"/>
+                      <a:round/>
+                      <a:headEnd type="none" w="med" len="med"/>
+                      <a:tailEnd type="none" w="med" len="med"/>
+                    </a:lnL>
+                    <a:lnR w="12700" cap="flat" cmpd="sng" algn="ctr">
+                      <a:solidFill>
+                        <a:schemeClr val="tx1"/>
+                      </a:solidFill>
+                      <a:prstDash val="solid"/>
+                      <a:round/>
+                      <a:headEnd type="none" w="med" len="med"/>
+                      <a:tailEnd type="none" w="med" len="med"/>
+                    </a:lnR>
+                    <a:lnT w="12700" cap="flat" cmpd="sng" algn="ctr">
+                      <a:solidFill>
+                        <a:schemeClr val="tx1"/>
+                      </a:solidFill>
+                      <a:prstDash val="solid"/>
+                      <a:round/>
+                      <a:headEnd type="none" w="med" len="med"/>
+                      <a:tailEnd type="none" w="med" len="med"/>
+                    </a:lnT>
+                    <a:lnB w="12700" cap="flat" cmpd="sng" algn="ctr">
+                      <a:solidFill>
+                        <a:schemeClr val="tx1"/>
+                      </a:solidFill>
+                      <a:prstDash val="solid"/>
+                      <a:round/>
+                      <a:headEnd type="none" w="med" len="med"/>
+                      <a:tailEnd type="none" w="med" len="med"/>
+                    </a:lnB>
+                  </a:tcPr>
+                </a:tc>
+                <a:tc>
+                  <a:txBody>
+                    <a:bodyPr/>
+                    <a:lstStyle/>
+                    <a:p>
+                      <a:pPr latinLnBrk="1"/>
+                      <a:endParaRPr lang="ko-KR" altLang="en-US" sz="1000" dirty="0"/>
+                    </a:p>
+                  </a:txBody>
+                  <a:tcPr>
+                    <a:lnL w="12700" cap="flat" cmpd="sng" algn="ctr">
+                      <a:solidFill>
+                        <a:schemeClr val="tx1"/>
+                      </a:solidFill>
+                      <a:prstDash val="solid"/>
+                      <a:round/>
+                      <a:headEnd type="none" w="med" len="med"/>
+                      <a:tailEnd type="none" w="med" len="med"/>
+                    </a:lnL>
+                    <a:lnR w="12700" cap="flat" cmpd="sng" algn="ctr">
+                      <a:solidFill>
+                        <a:schemeClr val="tx1"/>
+                      </a:solidFill>
+                      <a:prstDash val="solid"/>
+                      <a:round/>
+                      <a:headEnd type="none" w="med" len="med"/>
+                      <a:tailEnd type="none" w="med" len="med"/>
+                    </a:lnR>
+                    <a:lnT w="12700" cap="flat" cmpd="sng" algn="ctr">
+                      <a:solidFill>
+                        <a:schemeClr val="tx1"/>
+                      </a:solidFill>
+                      <a:prstDash val="solid"/>
+                      <a:round/>
+                      <a:headEnd type="none" w="med" len="med"/>
+                      <a:tailEnd type="none" w="med" len="med"/>
+                    </a:lnT>
+                    <a:lnB w="12700" cap="flat" cmpd="sng" algn="ctr">
+                      <a:solidFill>
+                        <a:schemeClr val="tx1"/>
+                      </a:solidFill>
+                      <a:prstDash val="solid"/>
+                      <a:round/>
+                      <a:headEnd type="none" w="med" len="med"/>
+                      <a:tailEnd type="none" w="med" len="med"/>
+                    </a:lnB>
+                  </a:tcPr>
+                </a:tc>
+                <a:tc>
+                  <a:txBody>
+                    <a:bodyPr/>
+                    <a:lstStyle/>
+                    <a:p>
+                      <a:pPr latinLnBrk="1"/>
+                      <a:endParaRPr lang="ko-KR" altLang="en-US" sz="1000" dirty="0"/>
+                    </a:p>
+                  </a:txBody>
+                  <a:tcPr>
+                    <a:lnL w="12700" cap="flat" cmpd="sng" algn="ctr">
+                      <a:solidFill>
+                        <a:schemeClr val="tx1"/>
+                      </a:solidFill>
+                      <a:prstDash val="solid"/>
+                      <a:round/>
+                      <a:headEnd type="none" w="med" len="med"/>
+                      <a:tailEnd type="none" w="med" len="med"/>
+                    </a:lnL>
+                    <a:lnR w="12700" cap="flat" cmpd="sng" algn="ctr">
+                      <a:solidFill>
+                        <a:schemeClr val="tx1"/>
+                      </a:solidFill>
+                      <a:prstDash val="solid"/>
+                      <a:round/>
+                      <a:headEnd type="none" w="med" len="med"/>
+                      <a:tailEnd type="none" w="med" len="med"/>
+                    </a:lnR>
+                  </a:tcPr>
+                </a:tc>
+                <a:tc>
+                  <a:txBody>
+                    <a:bodyPr/>
+                    <a:lstStyle/>
+                    <a:p>
+                      <a:pPr latinLnBrk="1"/>
+                      <a:endParaRPr lang="ko-KR" altLang="en-US" sz="1000" dirty="0"/>
+                    </a:p>
+                  </a:txBody>
+                  <a:tcPr>
+                    <a:lnL w="12700" cap="flat" cmpd="sng" algn="ctr">
+                      <a:solidFill>
+                        <a:schemeClr val="tx1"/>
+                      </a:solidFill>
+                      <a:prstDash val="solid"/>
+                      <a:round/>
+                      <a:headEnd type="none" w="med" len="med"/>
+                      <a:tailEnd type="none" w="med" len="med"/>
+                    </a:lnL>
+                    <a:lnR w="12700" cap="flat" cmpd="sng" algn="ctr">
+                      <a:solidFill>
+                        <a:schemeClr val="tx1"/>
+                      </a:solidFill>
+                      <a:prstDash val="solid"/>
+                      <a:round/>
+                      <a:headEnd type="none" w="med" len="med"/>
+                      <a:tailEnd type="none" w="med" len="med"/>
+                    </a:lnR>
+                  </a:tcPr>
+                </a:tc>
+                <a:tc>
+                  <a:txBody>
+                    <a:bodyPr/>
+                    <a:lstStyle/>
+                    <a:p>
+                      <a:pPr latinLnBrk="1"/>
+                      <a:endParaRPr lang="ko-KR" altLang="en-US" sz="1000" dirty="0"/>
+                    </a:p>
+                  </a:txBody>
+                  <a:tcPr>
+                    <a:lnL w="12700" cap="flat" cmpd="sng" algn="ctr">
+                      <a:solidFill>
+                        <a:schemeClr val="tx1"/>
+                      </a:solidFill>
+                      <a:prstDash val="solid"/>
+                      <a:round/>
+                      <a:headEnd type="none" w="med" len="med"/>
+                      <a:tailEnd type="none" w="med" len="med"/>
+                    </a:lnL>
+                  </a:tcPr>
+                </a:tc>
+              </a:tr>
+              <a:tr h="370840">
+                <a:tc>
+                  <a:txBody>
+                    <a:bodyPr/>
+                    <a:lstStyle/>
+                    <a:p>
+                      <a:pPr latinLnBrk="1"/>
+                      <a:endParaRPr lang="ko-KR" altLang="en-US" sz="1000" dirty="0"/>
+                    </a:p>
+                  </a:txBody>
+                  <a:tcPr>
+                    <a:lnL w="12700" cap="flat" cmpd="sng" algn="ctr">
+                      <a:solidFill>
+                        <a:schemeClr val="tx1"/>
+                      </a:solidFill>
+                      <a:prstDash val="solid"/>
+                      <a:round/>
+                      <a:headEnd type="none" w="med" len="med"/>
+                      <a:tailEnd type="none" w="med" len="med"/>
+                    </a:lnL>
+                    <a:lnR w="12700" cap="flat" cmpd="sng" algn="ctr">
+                      <a:solidFill>
+                        <a:schemeClr val="tx1"/>
+                      </a:solidFill>
+                      <a:prstDash val="solid"/>
+                      <a:round/>
+                      <a:headEnd type="none" w="med" len="med"/>
+                      <a:tailEnd type="none" w="med" len="med"/>
+                    </a:lnR>
+                    <a:lnT w="12700" cap="flat" cmpd="sng" algn="ctr">
+                      <a:solidFill>
+                        <a:schemeClr val="tx1"/>
+                      </a:solidFill>
+                      <a:prstDash val="solid"/>
+                      <a:round/>
+                      <a:headEnd type="none" w="med" len="med"/>
+                      <a:tailEnd type="none" w="med" len="med"/>
+                    </a:lnT>
+                    <a:lnB w="12700" cap="flat" cmpd="sng" algn="ctr">
+                      <a:solidFill>
+                        <a:schemeClr val="tx1"/>
+                      </a:solidFill>
+                      <a:prstDash val="solid"/>
+                      <a:round/>
+                      <a:headEnd type="none" w="med" len="med"/>
+                      <a:tailEnd type="none" w="med" len="med"/>
+                    </a:lnB>
+                  </a:tcPr>
+                </a:tc>
+                <a:tc>
+                  <a:txBody>
+                    <a:bodyPr/>
+                    <a:lstStyle/>
+                    <a:p>
+                      <a:pPr latinLnBrk="1"/>
+                      <a:endParaRPr lang="ko-KR" altLang="en-US" sz="1000" dirty="0"/>
+                    </a:p>
+                  </a:txBody>
+                  <a:tcPr>
+                    <a:lnL w="12700" cap="flat" cmpd="sng" algn="ctr">
+                      <a:solidFill>
+                        <a:schemeClr val="tx1"/>
+                      </a:solidFill>
+                      <a:prstDash val="solid"/>
+                      <a:round/>
+                      <a:headEnd type="none" w="med" len="med"/>
+                      <a:tailEnd type="none" w="med" len="med"/>
+                    </a:lnL>
+                    <a:lnR w="12700" cap="flat" cmpd="sng" algn="ctr">
+                      <a:solidFill>
+                        <a:schemeClr val="tx1"/>
+                      </a:solidFill>
+                      <a:prstDash val="solid"/>
+                      <a:round/>
+                      <a:headEnd type="none" w="med" len="med"/>
+                      <a:tailEnd type="none" w="med" len="med"/>
+                    </a:lnR>
+                    <a:lnT w="12700" cap="flat" cmpd="sng" algn="ctr">
+                      <a:solidFill>
+                        <a:schemeClr val="tx1"/>
+                      </a:solidFill>
+                      <a:prstDash val="solid"/>
+                      <a:round/>
+                      <a:headEnd type="none" w="med" len="med"/>
+                      <a:tailEnd type="none" w="med" len="med"/>
+                    </a:lnT>
+                    <a:lnB w="12700" cap="flat" cmpd="sng" algn="ctr">
+                      <a:solidFill>
+                        <a:schemeClr val="tx1"/>
+                      </a:solidFill>
+                      <a:prstDash val="solid"/>
+                      <a:round/>
+                      <a:headEnd type="none" w="med" len="med"/>
+                      <a:tailEnd type="none" w="med" len="med"/>
+                    </a:lnB>
+                  </a:tcPr>
+                </a:tc>
+                <a:tc>
+                  <a:txBody>
+                    <a:bodyPr/>
+                    <a:lstStyle/>
+                    <a:p>
+                      <a:pPr latinLnBrk="1"/>
+                      <a:endParaRPr lang="ko-KR" altLang="en-US" sz="1000" dirty="0"/>
+                    </a:p>
+                  </a:txBody>
+                  <a:tcPr>
+                    <a:lnL w="12700" cap="flat" cmpd="sng" algn="ctr">
+                      <a:solidFill>
+                        <a:schemeClr val="tx1"/>
+                      </a:solidFill>
+                      <a:prstDash val="solid"/>
+                      <a:round/>
+                      <a:headEnd type="none" w="med" len="med"/>
+                      <a:tailEnd type="none" w="med" len="med"/>
+                    </a:lnL>
+                    <a:lnR w="12700" cap="flat" cmpd="sng" algn="ctr">
+                      <a:solidFill>
+                        <a:schemeClr val="tx1"/>
+                      </a:solidFill>
+                      <a:prstDash val="solid"/>
+                      <a:round/>
+                      <a:headEnd type="none" w="med" len="med"/>
+                      <a:tailEnd type="none" w="med" len="med"/>
+                    </a:lnR>
+                    <a:lnT w="12700" cap="flat" cmpd="sng" algn="ctr">
+                      <a:solidFill>
+                        <a:schemeClr val="tx1"/>
+                      </a:solidFill>
+                      <a:prstDash val="solid"/>
+                      <a:round/>
+                      <a:headEnd type="none" w="med" len="med"/>
+                      <a:tailEnd type="none" w="med" len="med"/>
+                    </a:lnT>
+                    <a:lnB w="12700" cap="flat" cmpd="sng" algn="ctr">
+                      <a:solidFill>
+                        <a:schemeClr val="tx1"/>
+                      </a:solidFill>
+                      <a:prstDash val="solid"/>
+                      <a:round/>
+                      <a:headEnd type="none" w="med" len="med"/>
+                      <a:tailEnd type="none" w="med" len="med"/>
+                    </a:lnB>
+                  </a:tcPr>
+                </a:tc>
+                <a:tc>
+                  <a:txBody>
+                    <a:bodyPr/>
+                    <a:lstStyle/>
+                    <a:p>
+                      <a:pPr latinLnBrk="1"/>
+                      <a:endParaRPr lang="ko-KR" altLang="en-US" sz="1000" dirty="0"/>
+                    </a:p>
+                  </a:txBody>
+                  <a:tcPr>
+                    <a:lnL w="12700" cap="flat" cmpd="sng" algn="ctr">
+                      <a:solidFill>
+                        <a:schemeClr val="tx1"/>
+                      </a:solidFill>
+                      <a:prstDash val="solid"/>
+                      <a:round/>
+                      <a:headEnd type="none" w="med" len="med"/>
+                      <a:tailEnd type="none" w="med" len="med"/>
+                    </a:lnL>
+                    <a:lnR w="12700" cap="flat" cmpd="sng" algn="ctr">
+                      <a:solidFill>
+                        <a:schemeClr val="tx1"/>
+                      </a:solidFill>
+                      <a:prstDash val="solid"/>
+                      <a:round/>
+                      <a:headEnd type="none" w="med" len="med"/>
+                      <a:tailEnd type="none" w="med" len="med"/>
+                    </a:lnR>
+                  </a:tcPr>
+                </a:tc>
+                <a:tc>
+                  <a:txBody>
+                    <a:bodyPr/>
+                    <a:lstStyle/>
+                    <a:p>
+                      <a:pPr marL="0" marR="0" indent="0" algn="l" defTabSz="914400" rtl="0" eaLnBrk="1" fontAlgn="auto" latinLnBrk="1" hangingPunct="1">
+                        <a:lnSpc>
+                          <a:spcPct val="100000"/>
+                        </a:lnSpc>
+                        <a:spcBef>
+                          <a:spcPts val="0"/>
+                        </a:spcBef>
+                        <a:spcAft>
+                          <a:spcPts val="0"/>
+                        </a:spcAft>
+                        <a:buClrTx/>
+                        <a:buSzTx/>
+                        <a:buFontTx/>
+                        <a:buNone/>
+                        <a:tabLst/>
+                        <a:defRPr/>
+                      </a:pPr>
+                      <a:endParaRPr lang="ko-KR" altLang="en-US" sz="1000" dirty="0" smtClean="0"/>
+                    </a:p>
+                  </a:txBody>
+                  <a:tcPr>
+                    <a:lnL w="12700" cap="flat" cmpd="sng" algn="ctr">
+                      <a:solidFill>
+                        <a:schemeClr val="tx1"/>
+                      </a:solidFill>
+                      <a:prstDash val="solid"/>
+                      <a:round/>
+                      <a:headEnd type="none" w="med" len="med"/>
+                      <a:tailEnd type="none" w="med" len="med"/>
+                    </a:lnL>
+                    <a:lnR w="12700" cap="flat" cmpd="sng" algn="ctr">
+                      <a:solidFill>
+                        <a:schemeClr val="tx1"/>
+                      </a:solidFill>
+                      <a:prstDash val="solid"/>
+                      <a:round/>
+                      <a:headEnd type="none" w="med" len="med"/>
+                      <a:tailEnd type="none" w="med" len="med"/>
+                    </a:lnR>
+                  </a:tcPr>
+                </a:tc>
+                <a:tc>
+                  <a:txBody>
+                    <a:bodyPr/>
+                    <a:lstStyle/>
+                    <a:p>
+                      <a:endParaRPr lang="ko-KR" altLang="en-US"/>
+                    </a:p>
+                  </a:txBody>
+                  <a:tcPr>
+                    <a:lnL w="12700" cap="flat" cmpd="sng" algn="ctr">
+                      <a:solidFill>
+                        <a:schemeClr val="tx1"/>
+                      </a:solidFill>
+                      <a:prstDash val="solid"/>
+                      <a:round/>
+                      <a:headEnd type="none" w="med" len="med"/>
+                      <a:tailEnd type="none" w="med" len="med"/>
+                    </a:lnL>
+                  </a:tcPr>
+                </a:tc>
+              </a:tr>
+              <a:tr h="370840">
+                <a:tc>
+                  <a:txBody>
+                    <a:bodyPr/>
+                    <a:lstStyle/>
+                    <a:p>
+                      <a:pPr latinLnBrk="1"/>
+                      <a:endParaRPr lang="ko-KR" altLang="en-US" sz="1000" dirty="0"/>
+                    </a:p>
+                  </a:txBody>
+                  <a:tcPr>
+                    <a:lnL w="12700" cap="flat" cmpd="sng" algn="ctr">
+                      <a:solidFill>
+                        <a:schemeClr val="tx1"/>
+                      </a:solidFill>
+                      <a:prstDash val="solid"/>
+                      <a:round/>
+                      <a:headEnd type="none" w="med" len="med"/>
+                      <a:tailEnd type="none" w="med" len="med"/>
+                    </a:lnL>
+                    <a:lnR w="12700" cap="flat" cmpd="sng" algn="ctr">
+                      <a:solidFill>
+                        <a:schemeClr val="tx1"/>
+                      </a:solidFill>
+                      <a:prstDash val="solid"/>
+                      <a:round/>
+                      <a:headEnd type="none" w="med" len="med"/>
+                      <a:tailEnd type="none" w="med" len="med"/>
+                    </a:lnR>
+                    <a:lnT w="12700" cap="flat" cmpd="sng" algn="ctr">
+                      <a:solidFill>
+                        <a:schemeClr val="tx1"/>
+                      </a:solidFill>
+                      <a:prstDash val="solid"/>
+                      <a:round/>
+                      <a:headEnd type="none" w="med" len="med"/>
+                      <a:tailEnd type="none" w="med" len="med"/>
+                    </a:lnT>
+                    <a:lnB w="12700" cap="flat" cmpd="sng" algn="ctr">
+                      <a:solidFill>
+                        <a:schemeClr val="tx1"/>
+                      </a:solidFill>
+                      <a:prstDash val="solid"/>
+                      <a:round/>
+                      <a:headEnd type="none" w="med" len="med"/>
+                      <a:tailEnd type="none" w="med" len="med"/>
+                    </a:lnB>
+                  </a:tcPr>
+                </a:tc>
+                <a:tc>
+                  <a:txBody>
+                    <a:bodyPr/>
+                    <a:lstStyle/>
+                    <a:p>
+                      <a:pPr latinLnBrk="1"/>
+                      <a:endParaRPr lang="ko-KR" altLang="en-US" sz="1000" dirty="0"/>
+                    </a:p>
+                  </a:txBody>
+                  <a:tcPr>
+                    <a:lnL w="12700" cap="flat" cmpd="sng" algn="ctr">
+                      <a:solidFill>
+                        <a:schemeClr val="tx1"/>
+                      </a:solidFill>
+                      <a:prstDash val="solid"/>
+                      <a:round/>
+                      <a:headEnd type="none" w="med" len="med"/>
+                      <a:tailEnd type="none" w="med" len="med"/>
+                    </a:lnL>
+                    <a:lnR w="12700" cap="flat" cmpd="sng" algn="ctr">
+                      <a:solidFill>
+                        <a:schemeClr val="tx1"/>
+                      </a:solidFill>
+                      <a:prstDash val="solid"/>
+                      <a:round/>
+                      <a:headEnd type="none" w="med" len="med"/>
+                      <a:tailEnd type="none" w="med" len="med"/>
+                    </a:lnR>
+                    <a:lnT w="12700" cap="flat" cmpd="sng" algn="ctr">
+                      <a:solidFill>
+                        <a:schemeClr val="tx1"/>
+                      </a:solidFill>
+                      <a:prstDash val="solid"/>
+                      <a:round/>
+                      <a:headEnd type="none" w="med" len="med"/>
+                      <a:tailEnd type="none" w="med" len="med"/>
+                    </a:lnT>
+                    <a:lnB w="12700" cap="flat" cmpd="sng" algn="ctr">
+                      <a:solidFill>
+                        <a:schemeClr val="tx1"/>
+                      </a:solidFill>
+                      <a:prstDash val="solid"/>
+                      <a:round/>
+                      <a:headEnd type="none" w="med" len="med"/>
+                      <a:tailEnd type="none" w="med" len="med"/>
+                    </a:lnB>
+                  </a:tcPr>
+                </a:tc>
+                <a:tc>
+                  <a:txBody>
+                    <a:bodyPr/>
+                    <a:lstStyle/>
+                    <a:p>
+                      <a:pPr latinLnBrk="1"/>
+                      <a:endParaRPr lang="ko-KR" altLang="en-US" sz="1000" dirty="0"/>
+                    </a:p>
+                  </a:txBody>
+                  <a:tcPr>
+                    <a:lnL w="12700" cap="flat" cmpd="sng" algn="ctr">
+                      <a:solidFill>
+                        <a:schemeClr val="tx1"/>
+                      </a:solidFill>
+                      <a:prstDash val="solid"/>
+                      <a:round/>
+                      <a:headEnd type="none" w="med" len="med"/>
+                      <a:tailEnd type="none" w="med" len="med"/>
+                    </a:lnL>
+                    <a:lnR w="12700" cap="flat" cmpd="sng" algn="ctr">
+                      <a:solidFill>
+                        <a:schemeClr val="tx1"/>
+                      </a:solidFill>
+                      <a:prstDash val="solid"/>
+                      <a:round/>
+                      <a:headEnd type="none" w="med" len="med"/>
+                      <a:tailEnd type="none" w="med" len="med"/>
+                    </a:lnR>
+                    <a:lnT w="12700" cap="flat" cmpd="sng" algn="ctr">
+                      <a:solidFill>
+                        <a:schemeClr val="tx1"/>
+                      </a:solidFill>
+                      <a:prstDash val="solid"/>
+                      <a:round/>
+                      <a:headEnd type="none" w="med" len="med"/>
+                      <a:tailEnd type="none" w="med" len="med"/>
+                    </a:lnT>
+                    <a:lnB w="12700" cap="flat" cmpd="sng" algn="ctr">
+                      <a:solidFill>
+                        <a:schemeClr val="tx1"/>
+                      </a:solidFill>
+                      <a:prstDash val="solid"/>
+                      <a:round/>
+                      <a:headEnd type="none" w="med" len="med"/>
+                      <a:tailEnd type="none" w="med" len="med"/>
+                    </a:lnB>
+                  </a:tcPr>
+                </a:tc>
+                <a:tc>
+                  <a:txBody>
+                    <a:bodyPr/>
+                    <a:lstStyle/>
+                    <a:p>
+                      <a:pPr latinLnBrk="1"/>
+                      <a:endParaRPr lang="ko-KR" altLang="en-US" sz="1000" dirty="0"/>
+                    </a:p>
+                  </a:txBody>
+                  <a:tcPr>
+                    <a:lnL w="12700" cap="flat" cmpd="sng" algn="ctr">
+                      <a:solidFill>
+                        <a:schemeClr val="tx1"/>
+                      </a:solidFill>
+                      <a:prstDash val="solid"/>
+                      <a:round/>
+                      <a:headEnd type="none" w="med" len="med"/>
+                      <a:tailEnd type="none" w="med" len="med"/>
+                    </a:lnL>
+                    <a:lnR w="12700" cap="flat" cmpd="sng" algn="ctr">
+                      <a:solidFill>
+                        <a:schemeClr val="tx1"/>
+                      </a:solidFill>
+                      <a:prstDash val="solid"/>
+                      <a:round/>
+                      <a:headEnd type="none" w="med" len="med"/>
+                      <a:tailEnd type="none" w="med" len="med"/>
+                    </a:lnR>
+                  </a:tcPr>
+                </a:tc>
+                <a:tc>
+                  <a:txBody>
+                    <a:bodyPr/>
+                    <a:lstStyle/>
+                    <a:p>
+                      <a:pPr latinLnBrk="1"/>
+                      <a:endParaRPr lang="ko-KR" altLang="en-US" sz="1000" dirty="0"/>
+                    </a:p>
+                  </a:txBody>
+                  <a:tcPr>
+                    <a:lnL w="12700" cap="flat" cmpd="sng" algn="ctr">
+                      <a:solidFill>
+                        <a:schemeClr val="tx1"/>
+                      </a:solidFill>
+                      <a:prstDash val="solid"/>
+                      <a:round/>
+                      <a:headEnd type="none" w="med" len="med"/>
+                      <a:tailEnd type="none" w="med" len="med"/>
+                    </a:lnL>
+                    <a:lnR w="12700" cap="flat" cmpd="sng" algn="ctr">
+                      <a:solidFill>
+                        <a:schemeClr val="tx1"/>
+                      </a:solidFill>
+                      <a:prstDash val="solid"/>
+                      <a:round/>
+                      <a:headEnd type="none" w="med" len="med"/>
+                      <a:tailEnd type="none" w="med" len="med"/>
+                    </a:lnR>
+                  </a:tcPr>
+                </a:tc>
+                <a:tc>
+                  <a:txBody>
+                    <a:bodyPr/>
+                    <a:lstStyle/>
+                    <a:p>
+                      <a:endParaRPr lang="ko-KR" altLang="en-US" dirty="0"/>
+                    </a:p>
+                  </a:txBody>
+                  <a:tcPr>
+                    <a:lnL w="12700" cap="flat" cmpd="sng" algn="ctr">
+                      <a:solidFill>
+                        <a:schemeClr val="tx1"/>
+                      </a:solidFill>
+                      <a:prstDash val="solid"/>
+                      <a:round/>
+                      <a:headEnd type="none" w="med" len="med"/>
+                      <a:tailEnd type="none" w="med" len="med"/>
+                    </a:lnL>
+                  </a:tcPr>
+                </a:tc>
+              </a:tr>
+            </a:tbl>
+          </a:graphicData>
+        </a:graphic>
+      </p:graphicFrame>
       <p:sp>
         <p:nvSpPr>
-          <p:cNvPr id="2" name="제목 1"/>
+          <p:cNvPr id="3" name="제목 2"/>
           <p:cNvSpPr>
             <a:spLocks noGrp="1"/>
           </p:cNvSpPr>
@@ -7870,258 +10349,16 @@
           <a:p>
             <a:r>
               <a:rPr lang="ko-KR" altLang="en-US" dirty="0" smtClean="0"/>
-              <a:t>기타의견</a:t>
+              <a:t>무기류</a:t>
             </a:r>
             <a:endParaRPr lang="ko-KR" altLang="en-US" dirty="0"/>
-          </a:p>
-        </p:txBody>
-      </p:sp>
-      <p:sp>
-        <p:nvSpPr>
-          <p:cNvPr id="3" name="내용 개체 틀 2"/>
-          <p:cNvSpPr>
-            <a:spLocks noGrp="1"/>
-          </p:cNvSpPr>
-          <p:nvPr>
-            <p:ph idx="1"/>
-          </p:nvPr>
-        </p:nvSpPr>
-        <p:spPr/>
-        <p:txBody>
-          <a:bodyPr>
-            <a:normAutofit/>
-          </a:bodyPr>
-          <a:lstStyle/>
-          <a:p>
-            <a:r>
-              <a:rPr lang="ko-KR" altLang="en-US" sz="2000" b="1" dirty="0" smtClean="0"/>
-              <a:t>총 </a:t>
-            </a:r>
-            <a:r>
-              <a:rPr lang="ko-KR" altLang="en-US" sz="2000" b="1" dirty="0" err="1" smtClean="0"/>
-              <a:t>맞았을때</a:t>
-            </a:r>
-            <a:r>
-              <a:rPr lang="ko-KR" altLang="en-US" sz="2000" b="1" dirty="0" smtClean="0"/>
-              <a:t> 잠시 무적 필요 </a:t>
-            </a:r>
-            <a:r>
-              <a:rPr lang="en-US" altLang="ko-KR" sz="2000" b="1" dirty="0" smtClean="0"/>
-              <a:t>(0.5</a:t>
-            </a:r>
-            <a:r>
-              <a:rPr lang="ko-KR" altLang="en-US" sz="2000" b="1" dirty="0" smtClean="0"/>
-              <a:t>초 정도</a:t>
-            </a:r>
-            <a:r>
-              <a:rPr lang="en-US" altLang="ko-KR" sz="2000" b="1" dirty="0" smtClean="0"/>
-              <a:t>)</a:t>
-            </a:r>
-          </a:p>
-          <a:p>
-            <a:r>
-              <a:rPr lang="ko-KR" altLang="en-US" sz="2000" b="1" dirty="0" smtClean="0"/>
-              <a:t>아이템들 아이콘이 아주 간단했으면 좋겠음</a:t>
-            </a:r>
-            <a:r>
-              <a:rPr lang="en-US" altLang="ko-KR" sz="2000" b="1" dirty="0" smtClean="0"/>
-              <a:t>.(</a:t>
-            </a:r>
-            <a:r>
-              <a:rPr lang="ko-KR" altLang="en-US" sz="2000" b="1" dirty="0" smtClean="0"/>
-              <a:t>바로 </a:t>
-            </a:r>
-            <a:r>
-              <a:rPr lang="ko-KR" altLang="en-US" sz="2000" b="1" dirty="0" err="1" smtClean="0"/>
-              <a:t>봤을때</a:t>
-            </a:r>
-            <a:r>
-              <a:rPr lang="ko-KR" altLang="en-US" sz="2000" b="1" dirty="0" smtClean="0"/>
-              <a:t> 효과를 알 수 있을 정도로</a:t>
-            </a:r>
-            <a:r>
-              <a:rPr lang="en-US" altLang="ko-KR" sz="2000" b="1" dirty="0" smtClean="0"/>
-              <a:t>), </a:t>
-            </a:r>
-            <a:r>
-              <a:rPr lang="ko-KR" altLang="en-US" sz="2000" b="1" dirty="0" smtClean="0"/>
-              <a:t>근처에 </a:t>
-            </a:r>
-            <a:r>
-              <a:rPr lang="ko-KR" altLang="en-US" sz="2000" b="1" dirty="0" err="1" smtClean="0"/>
-              <a:t>갔을때</a:t>
-            </a:r>
-            <a:r>
-              <a:rPr lang="ko-KR" altLang="en-US" sz="2000" b="1" dirty="0" smtClean="0"/>
-              <a:t> 설명을 </a:t>
-            </a:r>
-            <a:r>
-              <a:rPr lang="ko-KR" altLang="en-US" sz="2000" b="1" dirty="0" err="1" smtClean="0"/>
-              <a:t>달아주는것도</a:t>
-            </a:r>
-            <a:r>
-              <a:rPr lang="ko-KR" altLang="en-US" sz="2000" b="1" dirty="0" smtClean="0"/>
-              <a:t> 좋지만 바로 한눈에 느낌으로 알게 </a:t>
-            </a:r>
-            <a:r>
-              <a:rPr lang="ko-KR" altLang="en-US" sz="2000" b="1" dirty="0" err="1" smtClean="0"/>
-              <a:t>하는것이</a:t>
-            </a:r>
-            <a:r>
-              <a:rPr lang="ko-KR" altLang="en-US" sz="2000" b="1" dirty="0" smtClean="0"/>
-              <a:t> 훨씬 </a:t>
-            </a:r>
-            <a:r>
-              <a:rPr lang="ko-KR" altLang="en-US" sz="2000" b="1" dirty="0" err="1" smtClean="0"/>
-              <a:t>좋을듯</a:t>
-            </a:r>
-            <a:r>
-              <a:rPr lang="en-US" altLang="ko-KR" sz="2000" b="1" dirty="0" smtClean="0"/>
-              <a:t>, </a:t>
-            </a:r>
-          </a:p>
-          <a:p>
-            <a:pPr marL="0" indent="0">
-              <a:buNone/>
-            </a:pPr>
-            <a:r>
-              <a:rPr lang="ko-KR" altLang="en-US" sz="2000" b="1" dirty="0" smtClean="0"/>
-              <a:t>   </a:t>
-            </a:r>
-            <a:endParaRPr lang="en-US" altLang="ko-KR" sz="2000" b="1" dirty="0" smtClean="0"/>
-          </a:p>
-          <a:p>
-            <a:r>
-              <a:rPr lang="en-US" altLang="ko-KR" sz="2000" b="1" dirty="0" smtClean="0"/>
-              <a:t>(ex </a:t>
-            </a:r>
-            <a:r>
-              <a:rPr lang="ko-KR" altLang="en-US" sz="2000" b="1" dirty="0" smtClean="0"/>
-              <a:t>건전의 체력회복용 하트는 반쪽</a:t>
-            </a:r>
-            <a:r>
-              <a:rPr lang="en-US" altLang="ko-KR" sz="2000" b="1" dirty="0" smtClean="0"/>
-              <a:t>,</a:t>
-            </a:r>
-            <a:r>
-              <a:rPr lang="ko-KR" altLang="en-US" sz="2000" b="1" dirty="0" smtClean="0"/>
-              <a:t>한 개 라서 정확히 체력이 몇 오를지 직관적으로 </a:t>
-            </a:r>
-            <a:r>
-              <a:rPr lang="ko-KR" altLang="en-US" sz="2000" b="1" dirty="0" err="1" smtClean="0"/>
-              <a:t>알수있음</a:t>
-            </a:r>
-            <a:r>
-              <a:rPr lang="en-US" altLang="ko-KR" sz="2000" b="1" dirty="0" smtClean="0"/>
-              <a:t>)</a:t>
-            </a:r>
-          </a:p>
-          <a:p>
-            <a:r>
-              <a:rPr lang="ko-KR" altLang="en-US" sz="2000" b="1" dirty="0" err="1" smtClean="0"/>
-              <a:t>배그의</a:t>
-            </a:r>
-            <a:r>
-              <a:rPr lang="ko-KR" altLang="en-US" sz="2000" b="1" dirty="0" smtClean="0"/>
-              <a:t> 가방</a:t>
-            </a:r>
-            <a:r>
-              <a:rPr lang="en-US" altLang="ko-KR" sz="2000" b="1" dirty="0" smtClean="0"/>
-              <a:t>,</a:t>
-            </a:r>
-            <a:r>
-              <a:rPr lang="ko-KR" altLang="en-US" sz="2000" b="1" dirty="0" err="1" smtClean="0"/>
-              <a:t>아머도</a:t>
-            </a:r>
-            <a:r>
-              <a:rPr lang="ko-KR" altLang="en-US" sz="2000" b="1" dirty="0" smtClean="0"/>
-              <a:t> </a:t>
-            </a:r>
-            <a:r>
-              <a:rPr lang="ko-KR" altLang="en-US" sz="2000" b="1" dirty="0" err="1" smtClean="0"/>
-              <a:t>봤을때</a:t>
-            </a:r>
-            <a:r>
-              <a:rPr lang="ko-KR" altLang="en-US" sz="2000" b="1" dirty="0" smtClean="0"/>
-              <a:t> </a:t>
-            </a:r>
-            <a:r>
-              <a:rPr lang="ko-KR" altLang="en-US" sz="2000" b="1" dirty="0" err="1" smtClean="0"/>
-              <a:t>가방같은</a:t>
-            </a:r>
-            <a:r>
-              <a:rPr lang="ko-KR" altLang="en-US" sz="2000" b="1" dirty="0" smtClean="0"/>
-              <a:t> 경우는 </a:t>
-            </a:r>
-            <a:r>
-              <a:rPr lang="ko-KR" altLang="en-US" sz="2000" b="1" dirty="0" err="1" smtClean="0"/>
-              <a:t>세개의</a:t>
-            </a:r>
-            <a:r>
-              <a:rPr lang="ko-KR" altLang="en-US" sz="2000" b="1" dirty="0" smtClean="0"/>
-              <a:t> 크기가 다 달라서 </a:t>
-            </a:r>
-            <a:r>
-              <a:rPr lang="ko-KR" altLang="en-US" sz="2000" b="1" dirty="0" err="1" smtClean="0"/>
-              <a:t>어떤게</a:t>
-            </a:r>
-            <a:r>
-              <a:rPr lang="ko-KR" altLang="en-US" sz="2000" b="1" dirty="0" smtClean="0"/>
-              <a:t> 더 많이 </a:t>
-            </a:r>
-            <a:r>
-              <a:rPr lang="ko-KR" altLang="en-US" sz="2000" b="1" dirty="0" err="1" smtClean="0"/>
-              <a:t>담을수</a:t>
-            </a:r>
-            <a:r>
-              <a:rPr lang="ko-KR" altLang="en-US" sz="2000" b="1" dirty="0" smtClean="0"/>
-              <a:t> 있는 가방인지 한눈에 구별 가능</a:t>
-            </a:r>
-            <a:r>
-              <a:rPr lang="en-US" altLang="ko-KR" sz="2000" b="1" dirty="0" smtClean="0"/>
-              <a:t>)</a:t>
-            </a:r>
-          </a:p>
-          <a:p>
-            <a:endParaRPr lang="en-US" altLang="ko-KR" sz="2000" b="1" dirty="0"/>
-          </a:p>
-          <a:p>
-            <a:r>
-              <a:rPr lang="ko-KR" altLang="en-US" sz="2000" b="1" dirty="0" err="1" smtClean="0"/>
-              <a:t>멀리있는적</a:t>
-            </a:r>
-            <a:r>
-              <a:rPr lang="ko-KR" altLang="en-US" sz="2000" b="1" dirty="0" smtClean="0"/>
-              <a:t> </a:t>
-            </a:r>
-            <a:r>
-              <a:rPr lang="ko-KR" altLang="en-US" sz="2000" b="1" dirty="0" err="1" smtClean="0"/>
-              <a:t>때릴경우는</a:t>
-            </a:r>
-            <a:r>
-              <a:rPr lang="ko-KR" altLang="en-US" sz="2000" b="1" dirty="0" smtClean="0"/>
-              <a:t> </a:t>
-            </a:r>
-            <a:r>
-              <a:rPr lang="ko-KR" altLang="en-US" sz="2000" b="1" dirty="0" err="1" smtClean="0"/>
-              <a:t>데미지</a:t>
-            </a:r>
-            <a:r>
-              <a:rPr lang="ko-KR" altLang="en-US" sz="2000" b="1" dirty="0" smtClean="0"/>
-              <a:t> 감소</a:t>
-            </a:r>
-            <a:r>
-              <a:rPr lang="en-US" altLang="ko-KR" sz="2000" b="1" dirty="0" smtClean="0"/>
-              <a:t>?</a:t>
-            </a:r>
-            <a:endParaRPr lang="ko-KR" altLang="en-US" sz="2000" b="1" dirty="0"/>
           </a:p>
         </p:txBody>
       </p:sp>
     </p:spTree>
     <p:extLst>
       <p:ext uri="{BB962C8B-B14F-4D97-AF65-F5344CB8AC3E}">
-        <p14:creationId xmlns:p14="http://schemas.microsoft.com/office/powerpoint/2010/main" val="26445271"/>
+        <p14:creationId xmlns:p14="http://schemas.microsoft.com/office/powerpoint/2010/main" val="2594133497"/>
       </p:ext>
     </p:extLst>
   </p:cSld>
@@ -8165,7 +10402,7 @@
           <a:p>
             <a:r>
               <a:rPr lang="ko-KR" altLang="en-US" dirty="0" smtClean="0"/>
-              <a:t>기타아이디어</a:t>
+              <a:t>기타의견</a:t>
             </a:r>
             <a:endParaRPr lang="ko-KR" altLang="en-US" dirty="0"/>
           </a:p>
@@ -8181,37 +10418,32 @@
             <p:ph idx="1"/>
           </p:nvPr>
         </p:nvSpPr>
-        <p:spPr>
-          <a:xfrm>
-            <a:off x="457200" y="1628800"/>
-            <a:ext cx="8147248" cy="4497363"/>
-          </a:xfrm>
-        </p:spPr>
+        <p:spPr/>
         <p:txBody>
           <a:bodyPr>
-            <a:normAutofit lnSpcReduction="10000"/>
+            <a:normAutofit/>
           </a:bodyPr>
           <a:lstStyle/>
           <a:p>
             <a:r>
               <a:rPr lang="ko-KR" altLang="en-US" sz="2000" b="1" dirty="0" smtClean="0"/>
-              <a:t>플레이어가 </a:t>
+              <a:t>총 </a:t>
             </a:r>
             <a:r>
               <a:rPr lang="ko-KR" altLang="en-US" sz="2000" b="1" dirty="0" err="1" smtClean="0"/>
-              <a:t>시작할때</a:t>
+              <a:t>맞았을때</a:t>
             </a:r>
             <a:r>
               <a:rPr lang="ko-KR" altLang="en-US" sz="2000" b="1" dirty="0" smtClean="0"/>
-              <a:t> 방 수를 정할 수 있게 해줌</a:t>
+              <a:t> 잠시 무적 필요 </a:t>
             </a:r>
             <a:r>
               <a:rPr lang="en-US" altLang="ko-KR" sz="2000" b="1" dirty="0" smtClean="0"/>
-              <a:t>. (</a:t>
+              <a:t>(0.5</a:t>
             </a:r>
             <a:r>
               <a:rPr lang="ko-KR" altLang="en-US" sz="2000" b="1" dirty="0" smtClean="0"/>
-              <a:t>알아서 난이도조절</a:t>
+              <a:t>초 정도</a:t>
             </a:r>
             <a:r>
               <a:rPr lang="en-US" altLang="ko-KR" sz="2000" b="1" dirty="0" smtClean="0"/>
@@ -8221,97 +10453,125 @@
           <a:p>
             <a:r>
               <a:rPr lang="ko-KR" altLang="en-US" sz="2000" b="1" dirty="0" smtClean="0"/>
-              <a:t>근데 </a:t>
+              <a:t>아이템들 아이콘이 아주 간단했으면 좋겠음</a:t>
             </a:r>
             <a:r>
               <a:rPr lang="en-US" altLang="ko-KR" sz="2000" b="1" dirty="0" smtClean="0"/>
-              <a:t>1</a:t>
+              <a:t>.(</a:t>
             </a:r>
             <a:r>
               <a:rPr lang="ko-KR" altLang="en-US" sz="2000" b="1" dirty="0" smtClean="0"/>
-              <a:t>탄이 </a:t>
+              <a:t>바로 </a:t>
             </a:r>
             <a:r>
               <a:rPr lang="ko-KR" altLang="en-US" sz="2000" b="1" dirty="0" err="1" smtClean="0"/>
-              <a:t>쉬울경우에</a:t>
+              <a:t>봤을때</a:t>
             </a:r>
             <a:r>
               <a:rPr lang="ko-KR" altLang="en-US" sz="2000" b="1" dirty="0" smtClean="0"/>
-              <a:t> </a:t>
+              <a:t> 효과를 알 수 있을 정도로</a:t>
             </a:r>
             <a:r>
               <a:rPr lang="en-US" altLang="ko-KR" sz="2000" b="1" dirty="0" smtClean="0"/>
-              <a:t>1</a:t>
+              <a:t>), </a:t>
+            </a:r>
+            <a:r>
+              <a:rPr lang="ko-KR" altLang="en-US" sz="2000" b="1" dirty="0" smtClean="0"/>
+              <a:t>근처에 </a:t>
             </a:r>
             <a:r>
               <a:rPr lang="ko-KR" altLang="en-US" sz="2000" b="1" dirty="0" err="1" smtClean="0"/>
-              <a:t>탄방크기를</a:t>
+              <a:t>갔을때</a:t>
             </a:r>
             <a:r>
               <a:rPr lang="ko-KR" altLang="en-US" sz="2000" b="1" dirty="0" smtClean="0"/>
-              <a:t> 늘려서 </a:t>
+              <a:t> 설명을 </a:t>
             </a:r>
             <a:r>
               <a:rPr lang="ko-KR" altLang="en-US" sz="2000" b="1" dirty="0" err="1" smtClean="0"/>
-              <a:t>파밍을</a:t>
+              <a:t>달아주는것도</a:t>
             </a:r>
             <a:r>
               <a:rPr lang="ko-KR" altLang="en-US" sz="2000" b="1" dirty="0" smtClean="0"/>
-              <a:t> </a:t>
+              <a:t> 좋지만 바로 한눈에 느낌으로 알게 </a:t>
             </a:r>
             <a:r>
               <a:rPr lang="ko-KR" altLang="en-US" sz="2000" b="1" dirty="0" err="1" smtClean="0"/>
-              <a:t>많이할수도</a:t>
+              <a:t>하는것이</a:t>
             </a:r>
             <a:r>
               <a:rPr lang="ko-KR" altLang="en-US" sz="2000" b="1" dirty="0" smtClean="0"/>
-              <a:t> 있으니 난이도를 </a:t>
+              <a:t> 훨씬 </a:t>
             </a:r>
             <a:r>
               <a:rPr lang="ko-KR" altLang="en-US" sz="2000" b="1" dirty="0" err="1" smtClean="0"/>
-              <a:t>스테이지별로</a:t>
-            </a:r>
-            <a:r>
-              <a:rPr lang="ko-KR" altLang="en-US" sz="2000" b="1" dirty="0" smtClean="0"/>
-              <a:t> 거의 비슷하게 </a:t>
-            </a:r>
-            <a:r>
-              <a:rPr lang="ko-KR" altLang="en-US" sz="2000" b="1" dirty="0" err="1" smtClean="0"/>
-              <a:t>해야할듯</a:t>
-            </a:r>
-            <a:endParaRPr lang="en-US" altLang="ko-KR" sz="2000" b="1" dirty="0" smtClean="0"/>
+              <a:t>좋을듯</a:t>
+            </a:r>
+            <a:r>
+              <a:rPr lang="en-US" altLang="ko-KR" sz="2000" b="1" dirty="0" smtClean="0"/>
+              <a:t>, </a:t>
+            </a:r>
           </a:p>
           <a:p>
             <a:pPr marL="0" indent="0">
               <a:buNone/>
             </a:pPr>
             <a:r>
+              <a:rPr lang="ko-KR" altLang="en-US" sz="2000" b="1" dirty="0" smtClean="0"/>
+              <a:t>   </a:t>
+            </a:r>
+            <a:endParaRPr lang="en-US" altLang="ko-KR" sz="2000" b="1" dirty="0" smtClean="0"/>
+          </a:p>
+          <a:p>
+            <a:r>
               <a:rPr lang="en-US" altLang="ko-KR" sz="2000" b="1" dirty="0" smtClean="0"/>
-              <a:t>-&gt;</a:t>
+              <a:t>(ex </a:t>
             </a:r>
             <a:r>
               <a:rPr lang="ko-KR" altLang="en-US" sz="2000" b="1" dirty="0" smtClean="0"/>
-              <a:t>최소 </a:t>
+              <a:t>건전의 체력회복용 하트는 반쪽</a:t>
+            </a:r>
+            <a:r>
+              <a:rPr lang="en-US" altLang="ko-KR" sz="2000" b="1" dirty="0" smtClean="0"/>
+              <a:t>,</a:t>
+            </a:r>
+            <a:r>
+              <a:rPr lang="ko-KR" altLang="en-US" sz="2000" b="1" dirty="0" smtClean="0"/>
+              <a:t>한 개 라서 정확히 체력이 몇 오를지 직관적으로 </a:t>
             </a:r>
             <a:r>
               <a:rPr lang="ko-KR" altLang="en-US" sz="2000" b="1" dirty="0" err="1" smtClean="0"/>
-              <a:t>방개수를</a:t>
+              <a:t>알수있음</a:t>
+            </a:r>
+            <a:r>
+              <a:rPr lang="en-US" altLang="ko-KR" sz="2000" b="1" dirty="0" smtClean="0"/>
+              <a:t>)</a:t>
+            </a:r>
+          </a:p>
+          <a:p>
+            <a:r>
+              <a:rPr lang="ko-KR" altLang="en-US" sz="2000" b="1" dirty="0" err="1" smtClean="0"/>
+              <a:t>배그의</a:t>
+            </a:r>
+            <a:r>
+              <a:rPr lang="ko-KR" altLang="en-US" sz="2000" b="1" dirty="0" smtClean="0"/>
+              <a:t> 가방</a:t>
+            </a:r>
+            <a:r>
+              <a:rPr lang="en-US" altLang="ko-KR" sz="2000" b="1" dirty="0" smtClean="0"/>
+              <a:t>,</a:t>
+            </a:r>
+            <a:r>
+              <a:rPr lang="ko-KR" altLang="en-US" sz="2000" b="1" dirty="0" err="1" smtClean="0"/>
+              <a:t>아머도</a:t>
             </a:r>
             <a:r>
               <a:rPr lang="ko-KR" altLang="en-US" sz="2000" b="1" dirty="0" smtClean="0"/>
               <a:t> </a:t>
             </a:r>
             <a:r>
-              <a:rPr lang="en-US" altLang="ko-KR" sz="2000" b="1" dirty="0" smtClean="0"/>
-              <a:t>5~10</a:t>
-            </a:r>
-            <a:r>
-              <a:rPr lang="ko-KR" altLang="en-US" sz="2000" b="1" dirty="0" smtClean="0"/>
-              <a:t>개 이상으로 하게 </a:t>
-            </a:r>
-            <a:r>
               <a:rPr lang="ko-KR" altLang="en-US" sz="2000" b="1" dirty="0" err="1" smtClean="0"/>
-              <a:t>하는게</a:t>
+              <a:t>봤을때</a:t>
             </a:r>
             <a:r>
               <a:rPr lang="ko-KR" altLang="en-US" sz="2000" b="1" dirty="0" smtClean="0"/>
@@ -8319,60 +10579,48 @@
             </a:r>
             <a:r>
               <a:rPr lang="ko-KR" altLang="en-US" sz="2000" b="1" dirty="0" err="1" smtClean="0"/>
-              <a:t>나을듯</a:t>
-            </a:r>
-            <a:endParaRPr lang="en-US" altLang="ko-KR" sz="2000" b="1" dirty="0" smtClean="0"/>
-          </a:p>
-          <a:p>
+              <a:t>가방같은</a:t>
+            </a:r>
             <a:r>
               <a:rPr lang="ko-KR" altLang="en-US" sz="2000" b="1" dirty="0" smtClean="0"/>
-              <a:t>아니면 </a:t>
+              <a:t> 경우는 </a:t>
             </a:r>
             <a:r>
               <a:rPr lang="ko-KR" altLang="en-US" sz="2000" b="1" dirty="0" err="1" smtClean="0"/>
-              <a:t>스테이지별로</a:t>
+              <a:t>세개의</a:t>
             </a:r>
             <a:r>
               <a:rPr lang="ko-KR" altLang="en-US" sz="2000" b="1" dirty="0" smtClean="0"/>
-              <a:t> 아이템 </a:t>
+              <a:t> 크기가 다 달라서 </a:t>
             </a:r>
             <a:r>
               <a:rPr lang="ko-KR" altLang="en-US" sz="2000" b="1" dirty="0" err="1" smtClean="0"/>
-              <a:t>드랍확률을</a:t>
+              <a:t>어떤게</a:t>
             </a:r>
             <a:r>
               <a:rPr lang="ko-KR" altLang="en-US" sz="2000" b="1" dirty="0" smtClean="0"/>
-              <a:t> 다르게 </a:t>
+              <a:t> 더 많이 </a:t>
             </a:r>
             <a:r>
               <a:rPr lang="ko-KR" altLang="en-US" sz="2000" b="1" dirty="0" err="1" smtClean="0"/>
-              <a:t>해야할듯</a:t>
-            </a:r>
-            <a:endParaRPr lang="en-US" altLang="ko-KR" sz="2000" b="1" dirty="0" smtClean="0"/>
-          </a:p>
-          <a:p>
-            <a:pPr marL="0" indent="0">
-              <a:buNone/>
-            </a:pPr>
+              <a:t>담을수</a:t>
+            </a:r>
+            <a:r>
+              <a:rPr lang="ko-KR" altLang="en-US" sz="2000" b="1" dirty="0" smtClean="0"/>
+              <a:t> 있는 가방인지 한눈에 구별 가능</a:t>
+            </a:r>
             <a:r>
               <a:rPr lang="en-US" altLang="ko-KR" sz="2000" b="1" dirty="0" smtClean="0"/>
-              <a:t>-&gt;</a:t>
-            </a:r>
-            <a:r>
-              <a:rPr lang="ko-KR" altLang="en-US" sz="2000" b="1" dirty="0" smtClean="0"/>
-              <a:t>아이템 </a:t>
-            </a:r>
+              <a:t>)</a:t>
+            </a:r>
+          </a:p>
+          <a:p>
+            <a:endParaRPr lang="en-US" altLang="ko-KR" sz="2000" b="1" dirty="0"/>
+          </a:p>
+          <a:p>
             <a:r>
               <a:rPr lang="ko-KR" altLang="en-US" sz="2000" b="1" dirty="0" err="1" smtClean="0"/>
-              <a:t>드랍확률은</a:t>
-            </a:r>
-            <a:r>
-              <a:rPr lang="ko-KR" altLang="en-US" sz="2000" b="1" dirty="0" smtClean="0"/>
-              <a:t> 모든 스테이지 랜덤으로 </a:t>
-            </a:r>
-            <a:r>
-              <a:rPr lang="ko-KR" altLang="en-US" sz="2000" b="1" dirty="0" err="1" smtClean="0"/>
-              <a:t>하는게</a:t>
+              <a:t>멀리있는적</a:t>
             </a:r>
             <a:r>
               <a:rPr lang="ko-KR" altLang="en-US" sz="2000" b="1" dirty="0" smtClean="0"/>
@@ -8380,66 +10628,7 @@
             </a:r>
             <a:r>
               <a:rPr lang="ko-KR" altLang="en-US" sz="2000" b="1" dirty="0" err="1" smtClean="0"/>
-              <a:t>나을듯</a:t>
-            </a:r>
-            <a:endParaRPr lang="en-US" altLang="ko-KR" sz="2000" b="1" dirty="0" smtClean="0"/>
-          </a:p>
-          <a:p>
-            <a:endParaRPr lang="en-US" altLang="ko-KR" sz="2000" b="1" dirty="0" smtClean="0"/>
-          </a:p>
-          <a:p>
-            <a:r>
-              <a:rPr lang="ko-KR" altLang="en-US" sz="2000" b="1" dirty="0" smtClean="0"/>
-              <a:t>죄수</a:t>
-            </a:r>
-            <a:r>
-              <a:rPr lang="en-US" altLang="ko-KR" sz="2000" b="1" dirty="0" smtClean="0"/>
-              <a:t>4(</a:t>
-            </a:r>
-            <a:r>
-              <a:rPr lang="ko-KR" altLang="en-US" sz="2000" b="1" dirty="0" err="1" smtClean="0"/>
-              <a:t>수류탄맨</a:t>
-            </a:r>
-            <a:r>
-              <a:rPr lang="en-US" altLang="ko-KR" sz="2000" b="1" dirty="0" smtClean="0"/>
-              <a:t>) </a:t>
-            </a:r>
-            <a:r>
-              <a:rPr lang="ko-KR" altLang="en-US" sz="2000" b="1" dirty="0" err="1" smtClean="0"/>
-              <a:t>너무약함</a:t>
-            </a:r>
-            <a:r>
-              <a:rPr lang="ko-KR" altLang="en-US" sz="2000" b="1" dirty="0" smtClean="0"/>
-              <a:t> 폭발범위 </a:t>
-            </a:r>
-            <a:r>
-              <a:rPr lang="ko-KR" altLang="en-US" sz="2000" b="1" dirty="0" err="1" smtClean="0"/>
-              <a:t>엄청크게하면어떨지</a:t>
-            </a:r>
-            <a:endParaRPr lang="en-US" altLang="ko-KR" sz="2000" b="1" dirty="0" smtClean="0"/>
-          </a:p>
-          <a:p>
-            <a:endParaRPr lang="en-US" altLang="ko-KR" sz="2000" b="1" dirty="0"/>
-          </a:p>
-          <a:p>
-            <a:r>
-              <a:rPr lang="ko-KR" altLang="en-US" sz="2000" b="1" dirty="0" smtClean="0"/>
-              <a:t>총알수가 나오는 적들에 비해 부족한 느낌이 들어 </a:t>
-            </a:r>
-            <a:r>
-              <a:rPr lang="ko-KR" altLang="en-US" sz="2000" b="1" dirty="0" err="1" smtClean="0"/>
-              <a:t>액션성이</a:t>
-            </a:r>
-            <a:r>
-              <a:rPr lang="ko-KR" altLang="en-US" sz="2000" b="1" dirty="0" smtClean="0"/>
-              <a:t> 살짝 김빠질 수도</a:t>
-            </a:r>
-            <a:endParaRPr lang="en-US" altLang="ko-KR" sz="2000" b="1" dirty="0" smtClean="0"/>
-          </a:p>
-          <a:p>
-            <a:r>
-              <a:rPr lang="ko-KR" altLang="en-US" sz="2000" b="1" dirty="0" err="1" smtClean="0"/>
-              <a:t>소울나이트</a:t>
+              <a:t>때릴경우는</a:t>
             </a:r>
             <a:r>
               <a:rPr lang="ko-KR" altLang="en-US" sz="2000" b="1" dirty="0" smtClean="0"/>
@@ -8447,30 +10636,14 @@
             </a:r>
             <a:r>
               <a:rPr lang="ko-KR" altLang="en-US" sz="2000" b="1" dirty="0" err="1" smtClean="0"/>
-              <a:t>처럼</a:t>
+              <a:t>데미지</a:t>
             </a:r>
             <a:r>
               <a:rPr lang="ko-KR" altLang="en-US" sz="2000" b="1" dirty="0" smtClean="0"/>
-              <a:t> 총알 </a:t>
-            </a:r>
-            <a:r>
-              <a:rPr lang="ko-KR" altLang="en-US" sz="2000" b="1" dirty="0" err="1" smtClean="0"/>
-              <a:t>다쓰면</a:t>
-            </a:r>
-            <a:r>
-              <a:rPr lang="ko-KR" altLang="en-US" sz="2000" b="1" dirty="0" smtClean="0"/>
-              <a:t> 근접공격 따로 </a:t>
-            </a:r>
-            <a:r>
-              <a:rPr lang="ko-KR" altLang="en-US" sz="2000" b="1" dirty="0" err="1" smtClean="0"/>
-              <a:t>두는건</a:t>
-            </a:r>
-            <a:r>
-              <a:rPr lang="ko-KR" altLang="en-US" sz="2000" b="1" dirty="0" smtClean="0"/>
-              <a:t> 어떨지</a:t>
-            </a:r>
-            <a:r>
-              <a:rPr lang="en-US" altLang="ko-KR" sz="2000" b="1" smtClean="0"/>
+              <a:t> 감소</a:t>
+            </a:r>
+            <a:r>
+              <a:rPr lang="en-US" altLang="ko-KR" sz="2000" b="1" dirty="0" smtClean="0"/>
               <a:t>?</a:t>
             </a:r>
             <a:endParaRPr lang="ko-KR" altLang="en-US" sz="2000" b="1" dirty="0"/>
@@ -8480,7 +10653,7 @@
     </p:spTree>
     <p:extLst>
       <p:ext uri="{BB962C8B-B14F-4D97-AF65-F5344CB8AC3E}">
-        <p14:creationId xmlns:p14="http://schemas.microsoft.com/office/powerpoint/2010/main" val="2532138403"/>
+        <p14:creationId xmlns:p14="http://schemas.microsoft.com/office/powerpoint/2010/main" val="26445271"/>
       </p:ext>
     </p:extLst>
   </p:cSld>
@@ -8548,56 +10721,29 @@
         </p:spPr>
         <p:txBody>
           <a:bodyPr>
-            <a:normAutofit/>
+            <a:normAutofit lnSpcReduction="10000"/>
           </a:bodyPr>
           <a:lstStyle/>
           <a:p>
             <a:r>
               <a:rPr lang="ko-KR" altLang="en-US" sz="2000" b="1" dirty="0" smtClean="0"/>
-              <a:t>근접무기의 기본특징 </a:t>
+              <a:t>플레이어가 </a:t>
+            </a:r>
+            <a:r>
+              <a:rPr lang="ko-KR" altLang="en-US" sz="2000" b="1" dirty="0" err="1" smtClean="0"/>
+              <a:t>시작할때</a:t>
+            </a:r>
+            <a:r>
+              <a:rPr lang="ko-KR" altLang="en-US" sz="2000" b="1" dirty="0" smtClean="0"/>
+              <a:t> 방 수를 정할 수 있게 해줌</a:t>
             </a:r>
             <a:r>
               <a:rPr lang="en-US" altLang="ko-KR" sz="2000" b="1" dirty="0" smtClean="0"/>
-              <a:t>(</a:t>
+              <a:t>. (</a:t>
             </a:r>
             <a:r>
               <a:rPr lang="ko-KR" altLang="en-US" sz="2000" b="1" dirty="0" smtClean="0"/>
-              <a:t>총알 </a:t>
-            </a:r>
-            <a:r>
-              <a:rPr lang="ko-KR" altLang="en-US" sz="2000" b="1" dirty="0" err="1" smtClean="0"/>
-              <a:t>없애는거</a:t>
-            </a:r>
-            <a:r>
-              <a:rPr lang="ko-KR" altLang="en-US" sz="2000" b="1" dirty="0" smtClean="0"/>
-              <a:t> 가능</a:t>
-            </a:r>
-            <a:r>
-              <a:rPr lang="en-US" altLang="ko-KR" sz="2000" b="1" dirty="0" smtClean="0"/>
-              <a:t>),</a:t>
-            </a:r>
-            <a:r>
-              <a:rPr lang="ko-KR" altLang="en-US" sz="2000" b="1" dirty="0" smtClean="0"/>
-              <a:t>좋은 근접무기일수록</a:t>
-            </a:r>
-            <a:endParaRPr lang="en-US" altLang="ko-KR" sz="2000" b="1" dirty="0" smtClean="0"/>
-          </a:p>
-          <a:p>
-            <a:r>
-              <a:rPr lang="ko-KR" altLang="en-US" sz="2000" b="1" dirty="0" smtClean="0"/>
-              <a:t>공격속도가 빨라짐 </a:t>
-            </a:r>
-            <a:r>
-              <a:rPr lang="en-US" altLang="ko-KR" sz="2000" b="1" dirty="0" smtClean="0"/>
-              <a:t>(</a:t>
-            </a:r>
-            <a:r>
-              <a:rPr lang="ko-KR" altLang="en-US" sz="2000" b="1" dirty="0" err="1" smtClean="0"/>
-              <a:t>좋은근접무기는</a:t>
-            </a:r>
-            <a:r>
-              <a:rPr lang="ko-KR" altLang="en-US" sz="2000" b="1" dirty="0" smtClean="0"/>
-              <a:t>  총알회피용으로 사용가능</a:t>
+              <a:t>알아서 난이도조절</a:t>
             </a:r>
             <a:r>
               <a:rPr lang="en-US" altLang="ko-KR" sz="2000" b="1" dirty="0" smtClean="0"/>
@@ -8605,115 +10751,268 @@
             </a:r>
           </a:p>
           <a:p>
-            <a:endParaRPr lang="en-US" altLang="ko-KR" sz="2000" b="1" dirty="0"/>
-          </a:p>
-          <a:p>
             <a:r>
               <a:rPr lang="ko-KR" altLang="en-US" sz="2000" b="1" dirty="0" smtClean="0"/>
-              <a:t>야구배트로 </a:t>
+              <a:t>근데 </a:t>
+            </a:r>
+            <a:r>
+              <a:rPr lang="en-US" altLang="ko-KR" sz="2000" b="1" dirty="0" smtClean="0"/>
+              <a:t>1</a:t>
+            </a:r>
+            <a:r>
+              <a:rPr lang="ko-KR" altLang="en-US" sz="2000" b="1" dirty="0" smtClean="0"/>
+              <a:t>탄이 </a:t>
             </a:r>
             <a:r>
               <a:rPr lang="ko-KR" altLang="en-US" sz="2000" b="1" dirty="0" err="1" smtClean="0"/>
-              <a:t>쳤을때는</a:t>
-            </a:r>
-            <a:r>
-              <a:rPr lang="ko-KR" altLang="en-US" sz="2000" b="1" dirty="0" smtClean="0"/>
-              <a:t> 총알을 반사하기</a:t>
-            </a:r>
-            <a:r>
-              <a:rPr lang="en-US" altLang="ko-KR" sz="2000" b="1" dirty="0" smtClean="0"/>
-              <a:t>?</a:t>
-            </a:r>
-          </a:p>
-          <a:p>
-            <a:endParaRPr lang="en-US" altLang="ko-KR" sz="2000" b="1" dirty="0"/>
-          </a:p>
-          <a:p>
-            <a:r>
-              <a:rPr lang="ko-KR" altLang="en-US" sz="2000" b="1" dirty="0" smtClean="0"/>
-              <a:t>무기는 상자에서 </a:t>
-            </a:r>
-            <a:r>
-              <a:rPr lang="ko-KR" altLang="en-US" sz="2000" b="1" dirty="0" err="1" smtClean="0"/>
-              <a:t>뜨는게</a:t>
+              <a:t>쉬울경우에</a:t>
             </a:r>
             <a:r>
               <a:rPr lang="ko-KR" altLang="en-US" sz="2000" b="1" dirty="0" smtClean="0"/>
               <a:t> </a:t>
             </a:r>
             <a:r>
+              <a:rPr lang="en-US" altLang="ko-KR" sz="2000" b="1" dirty="0" smtClean="0"/>
+              <a:t>1</a:t>
+            </a:r>
+            <a:r>
               <a:rPr lang="ko-KR" altLang="en-US" sz="2000" b="1" dirty="0" err="1" smtClean="0"/>
-              <a:t>좋을듯</a:t>
+              <a:t>탄방크기를</a:t>
             </a:r>
             <a:r>
               <a:rPr lang="ko-KR" altLang="en-US" sz="2000" b="1" dirty="0" smtClean="0"/>
-              <a:t> 하다</a:t>
+              <a:t> 늘려서 </a:t>
+            </a:r>
+            <a:r>
+              <a:rPr lang="ko-KR" altLang="en-US" sz="2000" b="1" dirty="0" err="1" smtClean="0"/>
+              <a:t>파밍을</a:t>
+            </a:r>
+            <a:r>
+              <a:rPr lang="ko-KR" altLang="en-US" sz="2000" b="1" dirty="0" smtClean="0"/>
+              <a:t> </a:t>
+            </a:r>
+            <a:r>
+              <a:rPr lang="ko-KR" altLang="en-US" sz="2000" b="1" dirty="0" err="1" smtClean="0"/>
+              <a:t>많이할수도</a:t>
+            </a:r>
+            <a:r>
+              <a:rPr lang="ko-KR" altLang="en-US" sz="2000" b="1" dirty="0" smtClean="0"/>
+              <a:t> 있으니 난이도를 </a:t>
+            </a:r>
+            <a:r>
+              <a:rPr lang="ko-KR" altLang="en-US" sz="2000" b="1" dirty="0" err="1" smtClean="0"/>
+              <a:t>스테이지별로</a:t>
+            </a:r>
+            <a:r>
+              <a:rPr lang="ko-KR" altLang="en-US" sz="2000" b="1" dirty="0" smtClean="0"/>
+              <a:t> 거의 비슷하게 </a:t>
+            </a:r>
+            <a:r>
+              <a:rPr lang="ko-KR" altLang="en-US" sz="2000" b="1" dirty="0" err="1" smtClean="0"/>
+              <a:t>해야할듯</a:t>
             </a:r>
             <a:endParaRPr lang="en-US" altLang="ko-KR" sz="2000" b="1" dirty="0" smtClean="0"/>
           </a:p>
           <a:p>
+            <a:pPr marL="0" indent="0">
+              <a:buNone/>
+            </a:pPr>
+            <a:r>
+              <a:rPr lang="en-US" altLang="ko-KR" sz="2000" b="1" dirty="0" smtClean="0"/>
+              <a:t>-&gt;</a:t>
+            </a:r>
+            <a:r>
+              <a:rPr lang="ko-KR" altLang="en-US" sz="2000" b="1" dirty="0" smtClean="0"/>
+              <a:t>최소 </a:t>
+            </a:r>
+            <a:r>
+              <a:rPr lang="ko-KR" altLang="en-US" sz="2000" b="1" dirty="0" err="1" smtClean="0"/>
+              <a:t>방개수를</a:t>
+            </a:r>
+            <a:r>
+              <a:rPr lang="ko-KR" altLang="en-US" sz="2000" b="1" dirty="0" smtClean="0"/>
+              <a:t> </a:t>
+            </a:r>
+            <a:r>
+              <a:rPr lang="en-US" altLang="ko-KR" sz="2000" b="1" dirty="0" smtClean="0"/>
+              <a:t>5~10</a:t>
+            </a:r>
+            <a:r>
+              <a:rPr lang="ko-KR" altLang="en-US" sz="2000" b="1" dirty="0" smtClean="0"/>
+              <a:t>개 이상으로 하게 </a:t>
+            </a:r>
+            <a:r>
+              <a:rPr lang="ko-KR" altLang="en-US" sz="2000" b="1" dirty="0" err="1" smtClean="0"/>
+              <a:t>하는게</a:t>
+            </a:r>
+            <a:r>
+              <a:rPr lang="ko-KR" altLang="en-US" sz="2000" b="1" dirty="0" smtClean="0"/>
+              <a:t> </a:t>
+            </a:r>
+            <a:r>
+              <a:rPr lang="ko-KR" altLang="en-US" sz="2000" b="1" dirty="0" err="1" smtClean="0"/>
+              <a:t>나을듯</a:t>
+            </a:r>
+            <a:endParaRPr lang="en-US" altLang="ko-KR" sz="2000" b="1" dirty="0" smtClean="0"/>
+          </a:p>
+          <a:p>
+            <a:r>
+              <a:rPr lang="ko-KR" altLang="en-US" sz="2000" b="1" dirty="0" smtClean="0"/>
+              <a:t>아니면 </a:t>
+            </a:r>
+            <a:r>
+              <a:rPr lang="ko-KR" altLang="en-US" sz="2000" b="1" dirty="0" err="1" smtClean="0"/>
+              <a:t>스테이지별로</a:t>
+            </a:r>
+            <a:r>
+              <a:rPr lang="ko-KR" altLang="en-US" sz="2000" b="1" dirty="0" smtClean="0"/>
+              <a:t> 아이템 </a:t>
+            </a:r>
+            <a:r>
+              <a:rPr lang="ko-KR" altLang="en-US" sz="2000" b="1" dirty="0" err="1" smtClean="0"/>
+              <a:t>드랍확률을</a:t>
+            </a:r>
+            <a:r>
+              <a:rPr lang="ko-KR" altLang="en-US" sz="2000" b="1" dirty="0" smtClean="0"/>
+              <a:t> 다르게 </a:t>
+            </a:r>
+            <a:r>
+              <a:rPr lang="ko-KR" altLang="en-US" sz="2000" b="1" dirty="0" err="1" smtClean="0"/>
+              <a:t>해야할듯</a:t>
+            </a:r>
+            <a:endParaRPr lang="en-US" altLang="ko-KR" sz="2000" b="1" dirty="0" smtClean="0"/>
+          </a:p>
+          <a:p>
+            <a:pPr marL="0" indent="0">
+              <a:buNone/>
+            </a:pPr>
+            <a:r>
+              <a:rPr lang="en-US" altLang="ko-KR" sz="2000" b="1" dirty="0" smtClean="0"/>
+              <a:t>-&gt;</a:t>
+            </a:r>
+            <a:r>
+              <a:rPr lang="ko-KR" altLang="en-US" sz="2000" b="1" dirty="0" smtClean="0"/>
+              <a:t>아이템 </a:t>
+            </a:r>
+            <a:r>
+              <a:rPr lang="ko-KR" altLang="en-US" sz="2000" b="1" dirty="0" err="1" smtClean="0"/>
+              <a:t>드랍확률은</a:t>
+            </a:r>
+            <a:r>
+              <a:rPr lang="ko-KR" altLang="en-US" sz="2000" b="1" dirty="0" smtClean="0"/>
+              <a:t> 모든 스테이지 랜덤으로 </a:t>
+            </a:r>
+            <a:r>
+              <a:rPr lang="ko-KR" altLang="en-US" sz="2000" b="1" dirty="0" err="1" smtClean="0"/>
+              <a:t>하는게</a:t>
+            </a:r>
+            <a:r>
+              <a:rPr lang="ko-KR" altLang="en-US" sz="2000" b="1" dirty="0" smtClean="0"/>
+              <a:t> </a:t>
+            </a:r>
+            <a:r>
+              <a:rPr lang="ko-KR" altLang="en-US" sz="2000" b="1" dirty="0" err="1" smtClean="0"/>
+              <a:t>나을듯</a:t>
+            </a:r>
+            <a:endParaRPr lang="en-US" altLang="ko-KR" sz="2000" b="1" dirty="0" smtClean="0"/>
+          </a:p>
+          <a:p>
+            <a:endParaRPr lang="en-US" altLang="ko-KR" sz="2000" b="1" dirty="0" smtClean="0"/>
+          </a:p>
+          <a:p>
+            <a:r>
+              <a:rPr lang="ko-KR" altLang="en-US" sz="2000" b="1" dirty="0" smtClean="0"/>
+              <a:t>죄수</a:t>
+            </a:r>
+            <a:r>
+              <a:rPr lang="en-US" altLang="ko-KR" sz="2000" b="1" dirty="0" smtClean="0"/>
+              <a:t>4(</a:t>
+            </a:r>
+            <a:r>
+              <a:rPr lang="ko-KR" altLang="en-US" sz="2000" b="1" dirty="0" err="1" smtClean="0"/>
+              <a:t>수류탄맨</a:t>
+            </a:r>
+            <a:r>
+              <a:rPr lang="en-US" altLang="ko-KR" sz="2000" b="1" dirty="0" smtClean="0"/>
+              <a:t>) </a:t>
+            </a:r>
+            <a:r>
+              <a:rPr lang="ko-KR" altLang="en-US" sz="2000" b="1" dirty="0" err="1" smtClean="0"/>
+              <a:t>너무약함</a:t>
+            </a:r>
+            <a:r>
+              <a:rPr lang="ko-KR" altLang="en-US" sz="2000" b="1" dirty="0" smtClean="0"/>
+              <a:t> 폭발범위 </a:t>
+            </a:r>
+            <a:r>
+              <a:rPr lang="ko-KR" altLang="en-US" sz="2000" b="1" dirty="0" err="1" smtClean="0"/>
+              <a:t>엄청크게하면어떨지</a:t>
+            </a:r>
+            <a:endParaRPr lang="en-US" altLang="ko-KR" sz="2000" b="1" dirty="0" smtClean="0"/>
+          </a:p>
+          <a:p>
             <a:endParaRPr lang="en-US" altLang="ko-KR" sz="2000" b="1" dirty="0"/>
           </a:p>
           <a:p>
             <a:r>
-              <a:rPr lang="en-US" altLang="ko-KR" sz="2000" b="1" dirty="0" smtClean="0"/>
-              <a:t>UI</a:t>
-            </a:r>
-            <a:r>
               <a:rPr lang="ko-KR" altLang="en-US" sz="2000" b="1" dirty="0" smtClean="0"/>
-              <a:t>중에 </a:t>
+              <a:t>총알수가 나오는 적들에 비해 부족한 느낌이 들어 </a:t>
             </a:r>
             <a:r>
               <a:rPr lang="ko-KR" altLang="en-US" sz="2000" b="1" dirty="0" err="1" smtClean="0"/>
-              <a:t>아이템줍는</a:t>
+              <a:t>액션성이</a:t>
             </a:r>
             <a:r>
               <a:rPr lang="ko-KR" altLang="en-US" sz="2000" b="1" dirty="0" smtClean="0"/>
-              <a:t> 버튼 디자인을  만능버튼으로 만들어야 </a:t>
-            </a:r>
+              <a:t> 살짝 김빠질 수도</a:t>
+            </a:r>
+            <a:endParaRPr lang="en-US" altLang="ko-KR" sz="2000" b="1" dirty="0" smtClean="0"/>
+          </a:p>
+          <a:p>
             <a:r>
               <a:rPr lang="ko-KR" altLang="en-US" sz="2000" b="1" dirty="0" err="1" smtClean="0"/>
-              <a:t>될듯</a:t>
-            </a:r>
-            <a:r>
-              <a:rPr lang="en-US" altLang="ko-KR" sz="2000" b="1" dirty="0" smtClean="0"/>
-              <a:t>(</a:t>
+              <a:t>소울나이트</a:t>
             </a:r>
             <a:r>
               <a:rPr lang="ko-KR" altLang="en-US" sz="2000" b="1" dirty="0" smtClean="0"/>
-              <a:t>상자열기</a:t>
-            </a:r>
-            <a:r>
-              <a:rPr lang="en-US" altLang="ko-KR" sz="2000" b="1" dirty="0" smtClean="0"/>
-              <a:t>,</a:t>
+              <a:t> </a:t>
             </a:r>
             <a:r>
               <a:rPr lang="ko-KR" altLang="en-US" sz="2000" b="1" dirty="0" err="1" smtClean="0"/>
-              <a:t>문열기</a:t>
-            </a:r>
-            <a:r>
-              <a:rPr lang="en-US" altLang="ko-KR" sz="2000" b="1" dirty="0" smtClean="0"/>
-              <a:t>,</a:t>
+              <a:t>처럼</a:t>
+            </a:r>
+            <a:r>
+              <a:rPr lang="ko-KR" altLang="en-US" sz="2000" b="1" dirty="0" smtClean="0"/>
+              <a:t> 총알 </a:t>
             </a:r>
             <a:r>
               <a:rPr lang="ko-KR" altLang="en-US" sz="2000" b="1" dirty="0" err="1" smtClean="0"/>
-              <a:t>아이템줍기</a:t>
+              <a:t>다쓰면</a:t>
             </a:r>
             <a:r>
               <a:rPr lang="ko-KR" altLang="en-US" sz="2000" b="1" dirty="0" smtClean="0"/>
-              <a:t> 등등에 활용</a:t>
-            </a:r>
-            <a:r>
-              <a:rPr lang="en-US" altLang="ko-KR" sz="2000" b="1" dirty="0" smtClean="0"/>
-              <a:t>)</a:t>
-            </a:r>
+              <a:t> 근접공격 따로 </a:t>
+            </a:r>
+            <a:r>
+              <a:rPr lang="ko-KR" altLang="en-US" sz="2000" b="1" dirty="0" err="1" smtClean="0"/>
+              <a:t>두는건</a:t>
+            </a:r>
+            <a:r>
+              <a:rPr lang="ko-KR" altLang="en-US" sz="2000" b="1" dirty="0" smtClean="0"/>
+              <a:t> 어떨지</a:t>
+            </a:r>
+            <a:r>
+              <a:rPr lang="en-US" altLang="ko-KR" sz="2000" b="1" smtClean="0"/>
+              <a:t>?</a:t>
+            </a:r>
+            <a:endParaRPr lang="ko-KR" altLang="en-US" sz="2000" b="1" dirty="0"/>
           </a:p>
         </p:txBody>
       </p:sp>
     </p:spTree>
     <p:extLst>
       <p:ext uri="{BB962C8B-B14F-4D97-AF65-F5344CB8AC3E}">
-        <p14:creationId xmlns:p14="http://schemas.microsoft.com/office/powerpoint/2010/main" val="1973085333"/>
+        <p14:creationId xmlns:p14="http://schemas.microsoft.com/office/powerpoint/2010/main" val="2532138403"/>
       </p:ext>
     </p:extLst>
   </p:cSld>
@@ -8756,6 +11055,239 @@
           <a:lstStyle/>
           <a:p>
             <a:r>
+              <a:rPr lang="ko-KR" altLang="en-US" dirty="0" smtClean="0"/>
+              <a:t>기타아이디어</a:t>
+            </a:r>
+            <a:endParaRPr lang="ko-KR" altLang="en-US" dirty="0"/>
+          </a:p>
+        </p:txBody>
+      </p:sp>
+      <p:sp>
+        <p:nvSpPr>
+          <p:cNvPr id="3" name="내용 개체 틀 2"/>
+          <p:cNvSpPr>
+            <a:spLocks noGrp="1"/>
+          </p:cNvSpPr>
+          <p:nvPr>
+            <p:ph idx="1"/>
+          </p:nvPr>
+        </p:nvSpPr>
+        <p:spPr>
+          <a:xfrm>
+            <a:off x="457200" y="1628800"/>
+            <a:ext cx="8147248" cy="4497363"/>
+          </a:xfrm>
+        </p:spPr>
+        <p:txBody>
+          <a:bodyPr>
+            <a:normAutofit/>
+          </a:bodyPr>
+          <a:lstStyle/>
+          <a:p>
+            <a:r>
+              <a:rPr lang="ko-KR" altLang="en-US" sz="2000" b="1" dirty="0" smtClean="0"/>
+              <a:t>근접무기의 기본특징 </a:t>
+            </a:r>
+            <a:r>
+              <a:rPr lang="en-US" altLang="ko-KR" sz="2000" b="1" dirty="0" smtClean="0"/>
+              <a:t>(</a:t>
+            </a:r>
+            <a:r>
+              <a:rPr lang="ko-KR" altLang="en-US" sz="2000" b="1" dirty="0" smtClean="0"/>
+              <a:t>총알 </a:t>
+            </a:r>
+            <a:r>
+              <a:rPr lang="ko-KR" altLang="en-US" sz="2000" b="1" dirty="0" err="1" smtClean="0"/>
+              <a:t>없애는거</a:t>
+            </a:r>
+            <a:r>
+              <a:rPr lang="ko-KR" altLang="en-US" sz="2000" b="1" dirty="0" smtClean="0"/>
+              <a:t> 가능</a:t>
+            </a:r>
+            <a:r>
+              <a:rPr lang="en-US" altLang="ko-KR" sz="2000" b="1" dirty="0" smtClean="0"/>
+              <a:t>),</a:t>
+            </a:r>
+            <a:r>
+              <a:rPr lang="ko-KR" altLang="en-US" sz="2000" b="1" dirty="0" smtClean="0"/>
+              <a:t>좋은 근접무기일수록</a:t>
+            </a:r>
+            <a:endParaRPr lang="en-US" altLang="ko-KR" sz="2000" b="1" dirty="0" smtClean="0"/>
+          </a:p>
+          <a:p>
+            <a:r>
+              <a:rPr lang="ko-KR" altLang="en-US" sz="2000" b="1" dirty="0" smtClean="0"/>
+              <a:t>공격속도가 빨라짐 </a:t>
+            </a:r>
+            <a:r>
+              <a:rPr lang="en-US" altLang="ko-KR" sz="2000" b="1" dirty="0" smtClean="0"/>
+              <a:t>(</a:t>
+            </a:r>
+            <a:r>
+              <a:rPr lang="ko-KR" altLang="en-US" sz="2000" b="1" dirty="0" err="1" smtClean="0"/>
+              <a:t>좋은근접무기는</a:t>
+            </a:r>
+            <a:r>
+              <a:rPr lang="ko-KR" altLang="en-US" sz="2000" b="1" dirty="0" smtClean="0"/>
+              <a:t>  총알회피용으로 사용가능</a:t>
+            </a:r>
+            <a:r>
+              <a:rPr lang="en-US" altLang="ko-KR" sz="2000" b="1" dirty="0" smtClean="0"/>
+              <a:t>)</a:t>
+            </a:r>
+          </a:p>
+          <a:p>
+            <a:endParaRPr lang="en-US" altLang="ko-KR" sz="2000" b="1" dirty="0"/>
+          </a:p>
+          <a:p>
+            <a:r>
+              <a:rPr lang="ko-KR" altLang="en-US" sz="2000" b="1" dirty="0" smtClean="0"/>
+              <a:t>야구배트로 </a:t>
+            </a:r>
+            <a:r>
+              <a:rPr lang="ko-KR" altLang="en-US" sz="2000" b="1" dirty="0" err="1" smtClean="0"/>
+              <a:t>쳤을때는</a:t>
+            </a:r>
+            <a:r>
+              <a:rPr lang="ko-KR" altLang="en-US" sz="2000" b="1" dirty="0" smtClean="0"/>
+              <a:t> 총알을 반사하기</a:t>
+            </a:r>
+            <a:r>
+              <a:rPr lang="en-US" altLang="ko-KR" sz="2000" b="1" dirty="0" smtClean="0"/>
+              <a:t>?</a:t>
+            </a:r>
+          </a:p>
+          <a:p>
+            <a:endParaRPr lang="en-US" altLang="ko-KR" sz="2000" b="1" dirty="0"/>
+          </a:p>
+          <a:p>
+            <a:r>
+              <a:rPr lang="ko-KR" altLang="en-US" sz="2000" b="1" dirty="0" smtClean="0"/>
+              <a:t>무기는 상자에서 </a:t>
+            </a:r>
+            <a:r>
+              <a:rPr lang="ko-KR" altLang="en-US" sz="2000" b="1" dirty="0" err="1" smtClean="0"/>
+              <a:t>뜨는게</a:t>
+            </a:r>
+            <a:r>
+              <a:rPr lang="ko-KR" altLang="en-US" sz="2000" b="1" dirty="0" smtClean="0"/>
+              <a:t> </a:t>
+            </a:r>
+            <a:r>
+              <a:rPr lang="ko-KR" altLang="en-US" sz="2000" b="1" dirty="0" err="1" smtClean="0"/>
+              <a:t>좋을듯</a:t>
+            </a:r>
+            <a:r>
+              <a:rPr lang="ko-KR" altLang="en-US" sz="2000" b="1" dirty="0" smtClean="0"/>
+              <a:t> 하다</a:t>
+            </a:r>
+            <a:endParaRPr lang="en-US" altLang="ko-KR" sz="2000" b="1" dirty="0" smtClean="0"/>
+          </a:p>
+          <a:p>
+            <a:endParaRPr lang="en-US" altLang="ko-KR" sz="2000" b="1" dirty="0"/>
+          </a:p>
+          <a:p>
+            <a:r>
+              <a:rPr lang="en-US" altLang="ko-KR" sz="2000" b="1" dirty="0" smtClean="0"/>
+              <a:t>UI</a:t>
+            </a:r>
+            <a:r>
+              <a:rPr lang="ko-KR" altLang="en-US" sz="2000" b="1" dirty="0" smtClean="0"/>
+              <a:t>중에 </a:t>
+            </a:r>
+            <a:r>
+              <a:rPr lang="ko-KR" altLang="en-US" sz="2000" b="1" dirty="0" err="1" smtClean="0"/>
+              <a:t>아이템줍는</a:t>
+            </a:r>
+            <a:r>
+              <a:rPr lang="ko-KR" altLang="en-US" sz="2000" b="1" dirty="0" smtClean="0"/>
+              <a:t> 버튼 디자인을  만능버튼으로 만들어야 </a:t>
+            </a:r>
+            <a:r>
+              <a:rPr lang="ko-KR" altLang="en-US" sz="2000" b="1" dirty="0" err="1" smtClean="0"/>
+              <a:t>될듯</a:t>
+            </a:r>
+            <a:r>
+              <a:rPr lang="en-US" altLang="ko-KR" sz="2000" b="1" dirty="0" smtClean="0"/>
+              <a:t>(</a:t>
+            </a:r>
+            <a:r>
+              <a:rPr lang="ko-KR" altLang="en-US" sz="2000" b="1" dirty="0" smtClean="0"/>
+              <a:t>상자열기</a:t>
+            </a:r>
+            <a:r>
+              <a:rPr lang="en-US" altLang="ko-KR" sz="2000" b="1" dirty="0" smtClean="0"/>
+              <a:t>,</a:t>
+            </a:r>
+            <a:r>
+              <a:rPr lang="ko-KR" altLang="en-US" sz="2000" b="1" dirty="0" err="1" smtClean="0"/>
+              <a:t>문열기</a:t>
+            </a:r>
+            <a:r>
+              <a:rPr lang="en-US" altLang="ko-KR" sz="2000" b="1" dirty="0" smtClean="0"/>
+              <a:t>,</a:t>
+            </a:r>
+            <a:r>
+              <a:rPr lang="ko-KR" altLang="en-US" sz="2000" b="1" dirty="0" err="1" smtClean="0"/>
+              <a:t>아이템줍기</a:t>
+            </a:r>
+            <a:r>
+              <a:rPr lang="ko-KR" altLang="en-US" sz="2000" b="1" dirty="0" smtClean="0"/>
+              <a:t> 등등에 활용</a:t>
+            </a:r>
+            <a:r>
+              <a:rPr lang="en-US" altLang="ko-KR" sz="2000" b="1" dirty="0" smtClean="0"/>
+              <a:t>)</a:t>
+            </a:r>
+          </a:p>
+        </p:txBody>
+      </p:sp>
+    </p:spTree>
+    <p:extLst>
+      <p:ext uri="{BB962C8B-B14F-4D97-AF65-F5344CB8AC3E}">
+        <p14:creationId xmlns:p14="http://schemas.microsoft.com/office/powerpoint/2010/main" val="1973085333"/>
+      </p:ext>
+    </p:extLst>
+  </p:cSld>
+  <p:clrMapOvr>
+    <a:masterClrMapping/>
+  </p:clrMapOvr>
+</p:sld>
+</file>
+
+<file path=ppt/slides/slide16.xml><?xml version="1.0" encoding="utf-8"?>
+<p:sld xmlns:a="http://schemas.openxmlformats.org/drawingml/2006/main" xmlns:r="http://schemas.openxmlformats.org/officeDocument/2006/relationships" xmlns:p="http://schemas.openxmlformats.org/presentationml/2006/main">
+  <p:cSld>
+    <p:spTree>
+      <p:nvGrpSpPr>
+        <p:cNvPr id="1" name=""/>
+        <p:cNvGrpSpPr/>
+        <p:nvPr/>
+      </p:nvGrpSpPr>
+      <p:grpSpPr>
+        <a:xfrm>
+          <a:off x="0" y="0"/>
+          <a:ext cx="0" cy="0"/>
+          <a:chOff x="0" y="0"/>
+          <a:chExt cx="0" cy="0"/>
+        </a:xfrm>
+      </p:grpSpPr>
+      <p:sp>
+        <p:nvSpPr>
+          <p:cNvPr id="2" name="제목 1"/>
+          <p:cNvSpPr>
+            <a:spLocks noGrp="1"/>
+          </p:cNvSpPr>
+          <p:nvPr>
+            <p:ph type="title"/>
+          </p:nvPr>
+        </p:nvSpPr>
+        <p:spPr/>
+        <p:txBody>
+          <a:bodyPr/>
+          <a:lstStyle/>
+          <a:p>
+            <a:r>
               <a:rPr lang="ko-KR" altLang="en-US" dirty="0" err="1" smtClean="0"/>
               <a:t>몬스터</a:t>
             </a:r>
@@ -8875,7 +11407,7 @@
 </p:sld>
 </file>
 
-<file path=ppt/slides/slide16.xml><?xml version="1.0" encoding="utf-8"?>
+<file path=ppt/slides/slide17.xml><?xml version="1.0" encoding="utf-8"?>
 <p:sld xmlns:a="http://schemas.openxmlformats.org/drawingml/2006/main" xmlns:r="http://schemas.openxmlformats.org/officeDocument/2006/relationships" xmlns:p="http://schemas.openxmlformats.org/presentationml/2006/main">
   <p:cSld>
     <p:spTree>
@@ -9201,7 +11733,7 @@
 </p:sld>
 </file>
 
-<file path=ppt/slides/slide17.xml><?xml version="1.0" encoding="utf-8"?>
+<file path=ppt/slides/slide18.xml><?xml version="1.0" encoding="utf-8"?>
 <p:sld xmlns:a="http://schemas.openxmlformats.org/drawingml/2006/main" xmlns:r="http://schemas.openxmlformats.org/officeDocument/2006/relationships" xmlns:p="http://schemas.openxmlformats.org/presentationml/2006/main">
   <p:cSld>
     <p:spTree>
@@ -9433,7 +11965,7 @@
 </p:sld>
 </file>
 
-<file path=ppt/slides/slide18.xml><?xml version="1.0" encoding="utf-8"?>
+<file path=ppt/slides/slide19.xml><?xml version="1.0" encoding="utf-8"?>
 <p:sld xmlns:a="http://schemas.openxmlformats.org/drawingml/2006/main" xmlns:r="http://schemas.openxmlformats.org/officeDocument/2006/relationships" xmlns:p="http://schemas.openxmlformats.org/presentationml/2006/main">
   <p:cSld>
     <p:spTree>
@@ -9637,133 +12169,6 @@
     <p:extLst>
       <p:ext uri="{BB962C8B-B14F-4D97-AF65-F5344CB8AC3E}">
         <p14:creationId xmlns:p14="http://schemas.microsoft.com/office/powerpoint/2010/main" val="1235012164"/>
-      </p:ext>
-    </p:extLst>
-  </p:cSld>
-  <p:clrMapOvr>
-    <a:masterClrMapping/>
-  </p:clrMapOvr>
-</p:sld>
-</file>
-
-<file path=ppt/slides/slide19.xml><?xml version="1.0" encoding="utf-8"?>
-<p:sld xmlns:a="http://schemas.openxmlformats.org/drawingml/2006/main" xmlns:r="http://schemas.openxmlformats.org/officeDocument/2006/relationships" xmlns:p="http://schemas.openxmlformats.org/presentationml/2006/main">
-  <p:cSld>
-    <p:spTree>
-      <p:nvGrpSpPr>
-        <p:cNvPr id="1" name=""/>
-        <p:cNvGrpSpPr/>
-        <p:nvPr/>
-      </p:nvGrpSpPr>
-      <p:grpSpPr>
-        <a:xfrm>
-          <a:off x="0" y="0"/>
-          <a:ext cx="0" cy="0"/>
-          <a:chOff x="0" y="0"/>
-          <a:chExt cx="0" cy="0"/>
-        </a:xfrm>
-      </p:grpSpPr>
-      <p:sp>
-        <p:nvSpPr>
-          <p:cNvPr id="2" name="제목 1"/>
-          <p:cNvSpPr>
-            <a:spLocks noGrp="1"/>
-          </p:cNvSpPr>
-          <p:nvPr>
-            <p:ph type="title"/>
-          </p:nvPr>
-        </p:nvSpPr>
-        <p:spPr/>
-        <p:txBody>
-          <a:bodyPr/>
-          <a:lstStyle/>
-          <a:p>
-            <a:r>
-              <a:rPr lang="ko-KR" altLang="en-US" dirty="0" smtClean="0"/>
-              <a:t>요원</a:t>
-            </a:r>
-            <a:endParaRPr lang="ko-KR" altLang="en-US" dirty="0"/>
-          </a:p>
-        </p:txBody>
-      </p:sp>
-      <p:sp>
-        <p:nvSpPr>
-          <p:cNvPr id="3" name="내용 개체 틀 2"/>
-          <p:cNvSpPr>
-            <a:spLocks noGrp="1"/>
-          </p:cNvSpPr>
-          <p:nvPr>
-            <p:ph idx="1"/>
-          </p:nvPr>
-        </p:nvSpPr>
-        <p:spPr/>
-        <p:txBody>
-          <a:bodyPr>
-            <a:normAutofit/>
-          </a:bodyPr>
-          <a:lstStyle/>
-          <a:p>
-            <a:r>
-              <a:rPr lang="en-US" altLang="ko-KR" b="1" dirty="0" smtClean="0"/>
-              <a:t>4. </a:t>
-            </a:r>
-            <a:r>
-              <a:rPr lang="ko-KR" altLang="en-US" b="1" dirty="0" err="1" smtClean="0"/>
-              <a:t>탱커형</a:t>
-            </a:r>
-            <a:r>
-              <a:rPr lang="ko-KR" altLang="en-US" b="1" dirty="0" smtClean="0"/>
-              <a:t>                              </a:t>
-            </a:r>
-            <a:endParaRPr lang="en-US" altLang="ko-KR" b="1" dirty="0" smtClean="0"/>
-          </a:p>
-          <a:p>
-            <a:endParaRPr lang="en-US" altLang="ko-KR" b="1" dirty="0"/>
-          </a:p>
-          <a:p>
-            <a:r>
-              <a:rPr lang="ko-KR" altLang="en-US" b="1" dirty="0" err="1" smtClean="0"/>
-              <a:t>메트릭스풍</a:t>
-            </a:r>
-            <a:r>
-              <a:rPr lang="en-US" altLang="ko-KR" b="1" dirty="0" smtClean="0"/>
-              <a:t>, </a:t>
-            </a:r>
-            <a:r>
-              <a:rPr lang="ko-KR" altLang="en-US" b="1" dirty="0" err="1" smtClean="0"/>
-              <a:t>검은정장풍</a:t>
-            </a:r>
-            <a:r>
-              <a:rPr lang="en-US" altLang="ko-KR" b="1" dirty="0" smtClean="0"/>
-              <a:t>, </a:t>
-            </a:r>
-            <a:r>
-              <a:rPr lang="ko-KR" altLang="en-US" b="1" dirty="0" err="1" smtClean="0"/>
-              <a:t>마피아풍</a:t>
-            </a:r>
-            <a:r>
-              <a:rPr lang="en-US" altLang="ko-KR" b="1" dirty="0" smtClean="0"/>
-              <a:t>,</a:t>
-            </a:r>
-            <a:r>
-              <a:rPr lang="ko-KR" altLang="en-US" b="1" dirty="0"/>
-              <a:t> </a:t>
-            </a:r>
-            <a:r>
-              <a:rPr lang="ko-KR" altLang="en-US" b="1" dirty="0" err="1" smtClean="0"/>
-              <a:t>전문요원풍</a:t>
-            </a:r>
-            <a:endParaRPr lang="en-US" altLang="ko-KR" b="1" dirty="0" smtClean="0"/>
-          </a:p>
-          <a:p>
-            <a:endParaRPr lang="en-US" altLang="ko-KR" b="1" dirty="0"/>
-          </a:p>
-        </p:txBody>
-      </p:sp>
-    </p:spTree>
-    <p:extLst>
-      <p:ext uri="{BB962C8B-B14F-4D97-AF65-F5344CB8AC3E}">
-        <p14:creationId xmlns:p14="http://schemas.microsoft.com/office/powerpoint/2010/main" val="439147761"/>
       </p:ext>
     </p:extLst>
   </p:cSld>
@@ -10259,6 +12664,133 @@
           <a:p>
             <a:r>
               <a:rPr lang="ko-KR" altLang="en-US" dirty="0" smtClean="0"/>
+              <a:t>요원</a:t>
+            </a:r>
+            <a:endParaRPr lang="ko-KR" altLang="en-US" dirty="0"/>
+          </a:p>
+        </p:txBody>
+      </p:sp>
+      <p:sp>
+        <p:nvSpPr>
+          <p:cNvPr id="3" name="내용 개체 틀 2"/>
+          <p:cNvSpPr>
+            <a:spLocks noGrp="1"/>
+          </p:cNvSpPr>
+          <p:nvPr>
+            <p:ph idx="1"/>
+          </p:nvPr>
+        </p:nvSpPr>
+        <p:spPr/>
+        <p:txBody>
+          <a:bodyPr>
+            <a:normAutofit/>
+          </a:bodyPr>
+          <a:lstStyle/>
+          <a:p>
+            <a:r>
+              <a:rPr lang="en-US" altLang="ko-KR" b="1" dirty="0" smtClean="0"/>
+              <a:t>4. </a:t>
+            </a:r>
+            <a:r>
+              <a:rPr lang="ko-KR" altLang="en-US" b="1" dirty="0" err="1" smtClean="0"/>
+              <a:t>탱커형</a:t>
+            </a:r>
+            <a:r>
+              <a:rPr lang="ko-KR" altLang="en-US" b="1" dirty="0" smtClean="0"/>
+              <a:t>                              </a:t>
+            </a:r>
+            <a:endParaRPr lang="en-US" altLang="ko-KR" b="1" dirty="0" smtClean="0"/>
+          </a:p>
+          <a:p>
+            <a:endParaRPr lang="en-US" altLang="ko-KR" b="1" dirty="0"/>
+          </a:p>
+          <a:p>
+            <a:r>
+              <a:rPr lang="ko-KR" altLang="en-US" b="1" dirty="0" err="1" smtClean="0"/>
+              <a:t>메트릭스풍</a:t>
+            </a:r>
+            <a:r>
+              <a:rPr lang="en-US" altLang="ko-KR" b="1" dirty="0" smtClean="0"/>
+              <a:t>, </a:t>
+            </a:r>
+            <a:r>
+              <a:rPr lang="ko-KR" altLang="en-US" b="1" dirty="0" err="1" smtClean="0"/>
+              <a:t>검은정장풍</a:t>
+            </a:r>
+            <a:r>
+              <a:rPr lang="en-US" altLang="ko-KR" b="1" dirty="0" smtClean="0"/>
+              <a:t>, </a:t>
+            </a:r>
+            <a:r>
+              <a:rPr lang="ko-KR" altLang="en-US" b="1" dirty="0" err="1" smtClean="0"/>
+              <a:t>마피아풍</a:t>
+            </a:r>
+            <a:r>
+              <a:rPr lang="en-US" altLang="ko-KR" b="1" dirty="0" smtClean="0"/>
+              <a:t>,</a:t>
+            </a:r>
+            <a:r>
+              <a:rPr lang="ko-KR" altLang="en-US" b="1" dirty="0"/>
+              <a:t> </a:t>
+            </a:r>
+            <a:r>
+              <a:rPr lang="ko-KR" altLang="en-US" b="1" dirty="0" err="1" smtClean="0"/>
+              <a:t>전문요원풍</a:t>
+            </a:r>
+            <a:endParaRPr lang="en-US" altLang="ko-KR" b="1" dirty="0" smtClean="0"/>
+          </a:p>
+          <a:p>
+            <a:endParaRPr lang="en-US" altLang="ko-KR" b="1" dirty="0"/>
+          </a:p>
+        </p:txBody>
+      </p:sp>
+    </p:spTree>
+    <p:extLst>
+      <p:ext uri="{BB962C8B-B14F-4D97-AF65-F5344CB8AC3E}">
+        <p14:creationId xmlns:p14="http://schemas.microsoft.com/office/powerpoint/2010/main" val="439147761"/>
+      </p:ext>
+    </p:extLst>
+  </p:cSld>
+  <p:clrMapOvr>
+    <a:masterClrMapping/>
+  </p:clrMapOvr>
+</p:sld>
+</file>
+
+<file path=ppt/slides/slide21.xml><?xml version="1.0" encoding="utf-8"?>
+<p:sld xmlns:a="http://schemas.openxmlformats.org/drawingml/2006/main" xmlns:r="http://schemas.openxmlformats.org/officeDocument/2006/relationships" xmlns:p="http://schemas.openxmlformats.org/presentationml/2006/main">
+  <p:cSld>
+    <p:spTree>
+      <p:nvGrpSpPr>
+        <p:cNvPr id="1" name=""/>
+        <p:cNvGrpSpPr/>
+        <p:nvPr/>
+      </p:nvGrpSpPr>
+      <p:grpSpPr>
+        <a:xfrm>
+          <a:off x="0" y="0"/>
+          <a:ext cx="0" cy="0"/>
+          <a:chOff x="0" y="0"/>
+          <a:chExt cx="0" cy="0"/>
+        </a:xfrm>
+      </p:grpSpPr>
+      <p:sp>
+        <p:nvSpPr>
+          <p:cNvPr id="2" name="제목 1"/>
+          <p:cNvSpPr>
+            <a:spLocks noGrp="1"/>
+          </p:cNvSpPr>
+          <p:nvPr>
+            <p:ph type="title"/>
+          </p:nvPr>
+        </p:nvSpPr>
+        <p:spPr/>
+        <p:txBody>
+          <a:bodyPr/>
+          <a:lstStyle/>
+          <a:p>
+            <a:r>
+              <a:rPr lang="ko-KR" altLang="en-US" dirty="0" smtClean="0"/>
               <a:t>과학자 스테이지</a:t>
             </a:r>
             <a:endParaRPr lang="ko-KR" altLang="en-US" dirty="0"/>
@@ -10437,7 +12969,7 @@
 </p:sld>
 </file>
 
-<file path=ppt/slides/slide21.xml><?xml version="1.0" encoding="utf-8"?>
+<file path=ppt/slides/slide22.xml><?xml version="1.0" encoding="utf-8"?>
 <p:sld xmlns:a="http://schemas.openxmlformats.org/drawingml/2006/main" xmlns:r="http://schemas.openxmlformats.org/officeDocument/2006/relationships" xmlns:p="http://schemas.openxmlformats.org/presentationml/2006/main">
   <p:cSld>
     <p:spTree>
@@ -10653,7 +13185,7 @@
 </p:sld>
 </file>
 
-<file path=ppt/slides/slide22.xml><?xml version="1.0" encoding="utf-8"?>
+<file path=ppt/slides/slide23.xml><?xml version="1.0" encoding="utf-8"?>
 <p:sld xmlns:a="http://schemas.openxmlformats.org/drawingml/2006/main" xmlns:r="http://schemas.openxmlformats.org/officeDocument/2006/relationships" xmlns:p="http://schemas.openxmlformats.org/presentationml/2006/main">
   <p:cSld>
     <p:spTree>
@@ -10740,97 +13272,6 @@
     <p:extLst>
       <p:ext uri="{BB962C8B-B14F-4D97-AF65-F5344CB8AC3E}">
         <p14:creationId xmlns:p14="http://schemas.microsoft.com/office/powerpoint/2010/main" val="2039195237"/>
-      </p:ext>
-    </p:extLst>
-  </p:cSld>
-  <p:clrMapOvr>
-    <a:masterClrMapping/>
-  </p:clrMapOvr>
-</p:sld>
-</file>
-
-<file path=ppt/slides/slide23.xml><?xml version="1.0" encoding="utf-8"?>
-<p:sld xmlns:a="http://schemas.openxmlformats.org/drawingml/2006/main" xmlns:r="http://schemas.openxmlformats.org/officeDocument/2006/relationships" xmlns:p="http://schemas.openxmlformats.org/presentationml/2006/main">
-  <p:cSld>
-    <p:spTree>
-      <p:nvGrpSpPr>
-        <p:cNvPr id="1" name=""/>
-        <p:cNvGrpSpPr/>
-        <p:nvPr/>
-      </p:nvGrpSpPr>
-      <p:grpSpPr>
-        <a:xfrm>
-          <a:off x="0" y="0"/>
-          <a:ext cx="0" cy="0"/>
-          <a:chOff x="0" y="0"/>
-          <a:chExt cx="0" cy="0"/>
-        </a:xfrm>
-      </p:grpSpPr>
-      <p:sp>
-        <p:nvSpPr>
-          <p:cNvPr id="2" name="제목 1"/>
-          <p:cNvSpPr>
-            <a:spLocks noGrp="1"/>
-          </p:cNvSpPr>
-          <p:nvPr>
-            <p:ph type="title"/>
-          </p:nvPr>
-        </p:nvSpPr>
-        <p:spPr/>
-        <p:txBody>
-          <a:bodyPr>
-            <a:normAutofit fontScale="90000"/>
-          </a:bodyPr>
-          <a:lstStyle/>
-          <a:p>
-            <a:r>
-              <a:rPr lang="ko-KR" altLang="en-US" dirty="0" smtClean="0"/>
-              <a:t>귀여운 애들만 나오는  스테이지</a:t>
-            </a:r>
-            <a:endParaRPr lang="ko-KR" altLang="en-US" dirty="0"/>
-          </a:p>
-        </p:txBody>
-      </p:sp>
-      <p:sp>
-        <p:nvSpPr>
-          <p:cNvPr id="3" name="내용 개체 틀 2"/>
-          <p:cNvSpPr>
-            <a:spLocks noGrp="1"/>
-          </p:cNvSpPr>
-          <p:nvPr>
-            <p:ph idx="1"/>
-          </p:nvPr>
-        </p:nvSpPr>
-        <p:spPr/>
-        <p:txBody>
-          <a:bodyPr>
-            <a:normAutofit/>
-          </a:bodyPr>
-          <a:lstStyle/>
-          <a:p>
-            <a:r>
-              <a:rPr lang="ko-KR" altLang="en-US" b="1" dirty="0" smtClean="0"/>
-              <a:t>귀여워서 </a:t>
-            </a:r>
-            <a:r>
-              <a:rPr lang="ko-KR" altLang="en-US" b="1" dirty="0" err="1" smtClean="0"/>
-              <a:t>우리팀처럼</a:t>
-            </a:r>
-            <a:r>
-              <a:rPr lang="ko-KR" altLang="en-US" b="1" dirty="0" smtClean="0"/>
-              <a:t> 보이는데 실제는 엄청나게 강력</a:t>
-            </a:r>
-            <a:endParaRPr lang="en-US" altLang="ko-KR" b="1" dirty="0" smtClean="0"/>
-          </a:p>
-          <a:p>
-            <a:endParaRPr lang="en-US" altLang="ko-KR" b="1" dirty="0" smtClean="0"/>
-          </a:p>
-        </p:txBody>
-      </p:sp>
-    </p:spTree>
-    <p:extLst>
-      <p:ext uri="{BB962C8B-B14F-4D97-AF65-F5344CB8AC3E}">
-        <p14:creationId xmlns:p14="http://schemas.microsoft.com/office/powerpoint/2010/main" val="991142882"/>
       </p:ext>
     </p:extLst>
   </p:cSld>
@@ -10869,6 +13310,97 @@
         </p:nvSpPr>
         <p:spPr/>
         <p:txBody>
+          <a:bodyPr>
+            <a:normAutofit fontScale="90000"/>
+          </a:bodyPr>
+          <a:lstStyle/>
+          <a:p>
+            <a:r>
+              <a:rPr lang="ko-KR" altLang="en-US" dirty="0" smtClean="0"/>
+              <a:t>귀여운 애들만 나오는  스테이지</a:t>
+            </a:r>
+            <a:endParaRPr lang="ko-KR" altLang="en-US" dirty="0"/>
+          </a:p>
+        </p:txBody>
+      </p:sp>
+      <p:sp>
+        <p:nvSpPr>
+          <p:cNvPr id="3" name="내용 개체 틀 2"/>
+          <p:cNvSpPr>
+            <a:spLocks noGrp="1"/>
+          </p:cNvSpPr>
+          <p:nvPr>
+            <p:ph idx="1"/>
+          </p:nvPr>
+        </p:nvSpPr>
+        <p:spPr/>
+        <p:txBody>
+          <a:bodyPr>
+            <a:normAutofit/>
+          </a:bodyPr>
+          <a:lstStyle/>
+          <a:p>
+            <a:r>
+              <a:rPr lang="ko-KR" altLang="en-US" b="1" dirty="0" smtClean="0"/>
+              <a:t>귀여워서 </a:t>
+            </a:r>
+            <a:r>
+              <a:rPr lang="ko-KR" altLang="en-US" b="1" dirty="0" err="1" smtClean="0"/>
+              <a:t>우리팀처럼</a:t>
+            </a:r>
+            <a:r>
+              <a:rPr lang="ko-KR" altLang="en-US" b="1" dirty="0" smtClean="0"/>
+              <a:t> 보이는데 실제는 엄청나게 강력</a:t>
+            </a:r>
+            <a:endParaRPr lang="en-US" altLang="ko-KR" b="1" dirty="0" smtClean="0"/>
+          </a:p>
+          <a:p>
+            <a:endParaRPr lang="en-US" altLang="ko-KR" b="1" dirty="0" smtClean="0"/>
+          </a:p>
+        </p:txBody>
+      </p:sp>
+    </p:spTree>
+    <p:extLst>
+      <p:ext uri="{BB962C8B-B14F-4D97-AF65-F5344CB8AC3E}">
+        <p14:creationId xmlns:p14="http://schemas.microsoft.com/office/powerpoint/2010/main" val="991142882"/>
+      </p:ext>
+    </p:extLst>
+  </p:cSld>
+  <p:clrMapOvr>
+    <a:masterClrMapping/>
+  </p:clrMapOvr>
+</p:sld>
+</file>
+
+<file path=ppt/slides/slide25.xml><?xml version="1.0" encoding="utf-8"?>
+<p:sld xmlns:a="http://schemas.openxmlformats.org/drawingml/2006/main" xmlns:r="http://schemas.openxmlformats.org/officeDocument/2006/relationships" xmlns:p="http://schemas.openxmlformats.org/presentationml/2006/main">
+  <p:cSld>
+    <p:spTree>
+      <p:nvGrpSpPr>
+        <p:cNvPr id="1" name=""/>
+        <p:cNvGrpSpPr/>
+        <p:nvPr/>
+      </p:nvGrpSpPr>
+      <p:grpSpPr>
+        <a:xfrm>
+          <a:off x="0" y="0"/>
+          <a:ext cx="0" cy="0"/>
+          <a:chOff x="0" y="0"/>
+          <a:chExt cx="0" cy="0"/>
+        </a:xfrm>
+      </p:grpSpPr>
+      <p:sp>
+        <p:nvSpPr>
+          <p:cNvPr id="2" name="제목 1"/>
+          <p:cNvSpPr>
+            <a:spLocks noGrp="1"/>
+          </p:cNvSpPr>
+          <p:nvPr>
+            <p:ph type="title"/>
+          </p:nvPr>
+        </p:nvSpPr>
+        <p:spPr/>
+        <p:txBody>
           <a:bodyPr/>
           <a:lstStyle/>
           <a:p>
@@ -11020,7 +13552,7 @@
 </p:sld>
 </file>
 
-<file path=ppt/slides/slide25.xml><?xml version="1.0" encoding="utf-8"?>
+<file path=ppt/slides/slide26.xml><?xml version="1.0" encoding="utf-8"?>
 <p:sld xmlns:a="http://schemas.openxmlformats.org/drawingml/2006/main" xmlns:r="http://schemas.openxmlformats.org/officeDocument/2006/relationships" xmlns:p="http://schemas.openxmlformats.org/presentationml/2006/main">
   <p:cSld>
     <p:spTree>
@@ -11699,7 +14231,7 @@
 </p:sld>
 </file>
 
-<file path=ppt/slides/slide26.xml><?xml version="1.0" encoding="utf-8"?>
+<file path=ppt/slides/slide27.xml><?xml version="1.0" encoding="utf-8"?>
 <p:sld xmlns:a="http://schemas.openxmlformats.org/drawingml/2006/main" xmlns:r="http://schemas.openxmlformats.org/officeDocument/2006/relationships" xmlns:p="http://schemas.openxmlformats.org/presentationml/2006/main">
   <p:cSld>
     <p:spTree>
@@ -12254,7 +14786,7 @@
 </p:sld>
 </file>
 
-<file path=ppt/slides/slide27.xml><?xml version="1.0" encoding="utf-8"?>
+<file path=ppt/slides/slide28.xml><?xml version="1.0" encoding="utf-8"?>
 <p:sld xmlns:a="http://schemas.openxmlformats.org/drawingml/2006/main" xmlns:r="http://schemas.openxmlformats.org/officeDocument/2006/relationships" xmlns:p="http://schemas.openxmlformats.org/presentationml/2006/main">
   <p:cSld>
     <p:spTree>
@@ -12447,225 +14979,6 @@
 </p:sld>
 </file>
 
-<file path=ppt/slides/slide28.xml><?xml version="1.0" encoding="utf-8"?>
-<p:sld xmlns:a="http://schemas.openxmlformats.org/drawingml/2006/main" xmlns:r="http://schemas.openxmlformats.org/officeDocument/2006/relationships" xmlns:p="http://schemas.openxmlformats.org/presentationml/2006/main">
-  <p:cSld>
-    <p:spTree>
-      <p:nvGrpSpPr>
-        <p:cNvPr id="1" name=""/>
-        <p:cNvGrpSpPr/>
-        <p:nvPr/>
-      </p:nvGrpSpPr>
-      <p:grpSpPr>
-        <a:xfrm>
-          <a:off x="0" y="0"/>
-          <a:ext cx="0" cy="0"/>
-          <a:chOff x="0" y="0"/>
-          <a:chExt cx="0" cy="0"/>
-        </a:xfrm>
-      </p:grpSpPr>
-      <p:sp>
-        <p:nvSpPr>
-          <p:cNvPr id="2" name="제목 1"/>
-          <p:cNvSpPr>
-            <a:spLocks noGrp="1"/>
-          </p:cNvSpPr>
-          <p:nvPr>
-            <p:ph type="title"/>
-          </p:nvPr>
-        </p:nvSpPr>
-        <p:spPr/>
-        <p:txBody>
-          <a:bodyPr>
-            <a:normAutofit fontScale="90000"/>
-          </a:bodyPr>
-          <a:lstStyle/>
-          <a:p>
-            <a:r>
-              <a:rPr lang="ko-KR" altLang="en-US" dirty="0" err="1" smtClean="0"/>
-              <a:t>패시브</a:t>
-            </a:r>
-            <a:r>
-              <a:rPr lang="ko-KR" altLang="en-US" dirty="0" smtClean="0"/>
-              <a:t> 아이템</a:t>
-            </a:r>
-            <a:r>
-              <a:rPr lang="en-US" altLang="ko-KR" dirty="0" smtClean="0"/>
-              <a:t/>
-            </a:r>
-            <a:br>
-              <a:rPr lang="en-US" altLang="ko-KR" dirty="0" smtClean="0"/>
-            </a:br>
-            <a:r>
-              <a:rPr lang="en-US" altLang="ko-KR" dirty="0" smtClean="0"/>
-              <a:t>(</a:t>
-            </a:r>
-            <a:r>
-              <a:rPr lang="ko-KR" altLang="en-US" dirty="0" smtClean="0"/>
-              <a:t>플레이어마다 </a:t>
-            </a:r>
-            <a:r>
-              <a:rPr lang="en-US" altLang="ko-KR" dirty="0" smtClean="0"/>
-              <a:t>1</a:t>
-            </a:r>
-            <a:r>
-              <a:rPr lang="ko-KR" altLang="en-US" dirty="0" smtClean="0"/>
-              <a:t>개씩 소유 가능</a:t>
-            </a:r>
-            <a:r>
-              <a:rPr lang="en-US" altLang="ko-KR" dirty="0" smtClean="0"/>
-              <a:t/>
-            </a:r>
-            <a:br>
-              <a:rPr lang="en-US" altLang="ko-KR" dirty="0" smtClean="0"/>
-            </a:br>
-            <a:r>
-              <a:rPr lang="ko-KR" altLang="en-US" dirty="0" err="1" smtClean="0"/>
-              <a:t>시작시</a:t>
-            </a:r>
-            <a:r>
-              <a:rPr lang="ko-KR" altLang="en-US" dirty="0" smtClean="0"/>
-              <a:t> 선택</a:t>
-            </a:r>
-            <a:r>
-              <a:rPr lang="en-US" altLang="ko-KR" dirty="0" smtClean="0"/>
-              <a:t>)</a:t>
-            </a:r>
-            <a:endParaRPr lang="ko-KR" altLang="en-US" dirty="0"/>
-          </a:p>
-        </p:txBody>
-      </p:sp>
-      <p:sp>
-        <p:nvSpPr>
-          <p:cNvPr id="3" name="내용 개체 틀 2"/>
-          <p:cNvSpPr>
-            <a:spLocks noGrp="1"/>
-          </p:cNvSpPr>
-          <p:nvPr>
-            <p:ph idx="1"/>
-          </p:nvPr>
-        </p:nvSpPr>
-        <p:spPr/>
-        <p:txBody>
-          <a:bodyPr>
-            <a:normAutofit/>
-          </a:bodyPr>
-          <a:lstStyle/>
-          <a:p>
-            <a:endParaRPr lang="en-US" altLang="ko-KR" b="1" dirty="0" smtClean="0"/>
-          </a:p>
-          <a:p>
-            <a:r>
-              <a:rPr lang="ko-KR" altLang="en-US" b="1" dirty="0" smtClean="0"/>
-              <a:t>안정제 </a:t>
-            </a:r>
-            <a:r>
-              <a:rPr lang="en-US" altLang="ko-KR" b="1" dirty="0" smtClean="0"/>
-              <a:t>( </a:t>
-            </a:r>
-            <a:r>
-              <a:rPr lang="ko-KR" altLang="en-US" b="1" dirty="0" smtClean="0"/>
-              <a:t>총기 반동을 많이 줄여줌</a:t>
-            </a:r>
-            <a:r>
-              <a:rPr lang="en-US" altLang="ko-KR" b="1" dirty="0" smtClean="0"/>
-              <a:t>)</a:t>
-            </a:r>
-            <a:endParaRPr lang="en-US" altLang="ko-KR" b="1" dirty="0"/>
-          </a:p>
-          <a:p>
-            <a:r>
-              <a:rPr lang="ko-KR" altLang="en-US" b="1" dirty="0" smtClean="0"/>
-              <a:t>사정거리 늘어나는 아이템도 </a:t>
-            </a:r>
-            <a:r>
-              <a:rPr lang="ko-KR" altLang="en-US" b="1" dirty="0" err="1" smtClean="0"/>
-              <a:t>필요할수도</a:t>
-            </a:r>
-            <a:r>
-              <a:rPr lang="en-US" altLang="ko-KR" b="1" dirty="0" smtClean="0"/>
-              <a:t>(</a:t>
-            </a:r>
-            <a:r>
-              <a:rPr lang="ko-KR" altLang="en-US" b="1" dirty="0" err="1" smtClean="0"/>
-              <a:t>샷건</a:t>
-            </a:r>
-            <a:r>
-              <a:rPr lang="ko-KR" altLang="en-US" b="1" dirty="0" smtClean="0"/>
-              <a:t> 사정거리</a:t>
-            </a:r>
-            <a:r>
-              <a:rPr lang="en-US" altLang="ko-KR" b="1" dirty="0" smtClean="0"/>
-              <a:t>)</a:t>
-            </a:r>
-          </a:p>
-          <a:p>
-            <a:r>
-              <a:rPr lang="ko-KR" altLang="en-US" b="1" dirty="0" smtClean="0"/>
-              <a:t>전체 무기 </a:t>
-            </a:r>
-            <a:r>
-              <a:rPr lang="ko-KR" altLang="en-US" b="1" dirty="0" err="1" smtClean="0"/>
-              <a:t>총알수</a:t>
-            </a:r>
-            <a:r>
-              <a:rPr lang="ko-KR" altLang="en-US" b="1" dirty="0" smtClean="0"/>
-              <a:t> 증가 </a:t>
-            </a:r>
-            <a:r>
-              <a:rPr lang="en-US" altLang="ko-KR" b="1" dirty="0" smtClean="0"/>
-              <a:t>(</a:t>
-            </a:r>
-            <a:r>
-              <a:rPr lang="ko-KR" altLang="en-US" b="1" dirty="0" smtClean="0"/>
-              <a:t>대용량탄창</a:t>
-            </a:r>
-            <a:r>
-              <a:rPr lang="en-US" altLang="ko-KR" b="1" dirty="0" smtClean="0"/>
-              <a:t>)</a:t>
-            </a:r>
-          </a:p>
-          <a:p>
-            <a:r>
-              <a:rPr lang="ko-KR" altLang="en-US" b="1" dirty="0" err="1" smtClean="0"/>
-              <a:t>흡혈의낫</a:t>
-            </a:r>
-            <a:r>
-              <a:rPr lang="en-US" altLang="ko-KR" b="1" dirty="0" smtClean="0"/>
-              <a:t>(?) (</a:t>
-            </a:r>
-            <a:r>
-              <a:rPr lang="ko-KR" altLang="en-US" b="1" dirty="0" smtClean="0"/>
-              <a:t>일정시간 피해를 입지 않으면 체력 회복</a:t>
-            </a:r>
-            <a:r>
-              <a:rPr lang="en-US" altLang="ko-KR" b="1" dirty="0" smtClean="0"/>
-              <a:t>,</a:t>
-            </a:r>
-            <a:r>
-              <a:rPr lang="ko-KR" altLang="en-US" b="1" dirty="0" smtClean="0"/>
-              <a:t>너무 사긴가</a:t>
-            </a:r>
-            <a:r>
-              <a:rPr lang="en-US" altLang="ko-KR" b="1" dirty="0" smtClean="0"/>
-              <a:t>)</a:t>
-            </a:r>
-          </a:p>
-        </p:txBody>
-      </p:sp>
-    </p:spTree>
-    <p:extLst>
-      <p:ext uri="{BB962C8B-B14F-4D97-AF65-F5344CB8AC3E}">
-        <p14:creationId xmlns:p14="http://schemas.microsoft.com/office/powerpoint/2010/main" val="4072168355"/>
-      </p:ext>
-    </p:extLst>
-  </p:cSld>
-  <p:clrMapOvr>
-    <a:masterClrMapping/>
-  </p:clrMapOvr>
-</p:sld>
-</file>
-
 <file path=ppt/slides/slide29.xml><?xml version="1.0" encoding="utf-8"?>
 <p:sld xmlns:a="http://schemas.openxmlformats.org/drawingml/2006/main" xmlns:r="http://schemas.openxmlformats.org/officeDocument/2006/relationships" xmlns:p="http://schemas.openxmlformats.org/presentationml/2006/main">
   <p:cSld>
@@ -12715,6 +15028,41 @@
             <a:br>
               <a:rPr lang="en-US" altLang="ko-KR" dirty="0" smtClean="0"/>
             </a:br>
+            <a:r>
+              <a:rPr lang="en-US" altLang="ko-KR" dirty="0" smtClean="0"/>
+              <a:t>(</a:t>
+            </a:r>
+            <a:r>
+              <a:rPr lang="ko-KR" altLang="en-US" dirty="0" smtClean="0"/>
+              <a:t>플레이어마다 </a:t>
+            </a:r>
+            <a:r>
+              <a:rPr lang="en-US" altLang="ko-KR" dirty="0" smtClean="0"/>
+              <a:t>1</a:t>
+            </a:r>
+            <a:r>
+              <a:rPr lang="ko-KR" altLang="en-US" dirty="0" smtClean="0"/>
+              <a:t>개씩 소유 가능</a:t>
+            </a:r>
+            <a:r>
+              <a:rPr lang="en-US" altLang="ko-KR" dirty="0" smtClean="0"/>
+              <a:t/>
+            </a:r>
+            <a:br>
+              <a:rPr lang="en-US" altLang="ko-KR" dirty="0" smtClean="0"/>
+            </a:br>
+            <a:r>
+              <a:rPr lang="ko-KR" altLang="en-US" dirty="0" err="1" smtClean="0"/>
+              <a:t>시작시</a:t>
+            </a:r>
+            <a:r>
+              <a:rPr lang="ko-KR" altLang="en-US" dirty="0" smtClean="0"/>
+              <a:t> 선택</a:t>
+            </a:r>
+            <a:r>
+              <a:rPr lang="en-US" altLang="ko-KR" dirty="0" smtClean="0"/>
+              <a:t>)</a:t>
+            </a:r>
             <a:endParaRPr lang="ko-KR" altLang="en-US" dirty="0"/>
           </a:p>
         </p:txBody>
@@ -12736,25 +15084,99 @@
           </a:bodyPr>
           <a:lstStyle/>
           <a:p>
+            <a:endParaRPr lang="en-US" altLang="ko-KR" b="1" dirty="0" smtClean="0"/>
+          </a:p>
+          <a:p>
             <a:r>
               <a:rPr lang="ko-KR" altLang="en-US" b="1" dirty="0" smtClean="0"/>
-              <a:t>돼지 우상</a:t>
+              <a:t>안정제 </a:t>
             </a:r>
             <a:r>
               <a:rPr lang="en-US" altLang="ko-KR" b="1" dirty="0" smtClean="0"/>
-              <a:t>(?)</a:t>
+              <a:t>( </a:t>
             </a:r>
             <a:r>
               <a:rPr lang="ko-KR" altLang="en-US" b="1" dirty="0" smtClean="0"/>
-              <a:t> </a:t>
+              <a:t>총기 반동을 많이 줄여줌</a:t>
+            </a:r>
+            <a:r>
+              <a:rPr lang="en-US" altLang="ko-KR" b="1" dirty="0" smtClean="0"/>
+              <a:t>)</a:t>
+            </a:r>
+            <a:endParaRPr lang="en-US" altLang="ko-KR" b="1" dirty="0"/>
+          </a:p>
+          <a:p>
+            <a:r>
+              <a:rPr lang="ko-KR" altLang="en-US" b="1" dirty="0" smtClean="0"/>
+              <a:t>사정거리 늘어나는 아이템도 </a:t>
+            </a:r>
+            <a:r>
+              <a:rPr lang="ko-KR" altLang="en-US" b="1" dirty="0" err="1" smtClean="0"/>
+              <a:t>필요할수도</a:t>
             </a:r>
             <a:r>
               <a:rPr lang="en-US" altLang="ko-KR" b="1" dirty="0" smtClean="0"/>
               <a:t>(</a:t>
             </a:r>
             <a:r>
+              <a:rPr lang="ko-KR" altLang="en-US" b="1" dirty="0" err="1" smtClean="0"/>
+              <a:t>샷건</a:t>
+            </a:r>
+            <a:r>
               <a:rPr lang="ko-KR" altLang="en-US" b="1" dirty="0" smtClean="0"/>
-              <a:t>아이템 획득 확률 상승</a:t>
+              <a:t> 사정거리</a:t>
+            </a:r>
+            <a:r>
+              <a:rPr lang="en-US" altLang="ko-KR" b="1" dirty="0" smtClean="0"/>
+              <a:t>)</a:t>
+            </a:r>
+          </a:p>
+          <a:p>
+            <a:r>
+              <a:rPr lang="ko-KR" altLang="en-US" b="1" dirty="0" smtClean="0"/>
+              <a:t>전체 무기 </a:t>
+            </a:r>
+            <a:r>
+              <a:rPr lang="ko-KR" altLang="en-US" b="1" dirty="0" err="1" smtClean="0"/>
+              <a:t>총알수</a:t>
+            </a:r>
+            <a:r>
+              <a:rPr lang="ko-KR" altLang="en-US" b="1" dirty="0" smtClean="0"/>
+              <a:t> 증가 </a:t>
+            </a:r>
+            <a:r>
+              <a:rPr lang="en-US" altLang="ko-KR" b="1" dirty="0" smtClean="0"/>
+              <a:t>(</a:t>
+            </a:r>
+            <a:r>
+              <a:rPr lang="ko-KR" altLang="en-US" b="1" dirty="0" smtClean="0"/>
+              <a:t>대용량탄창</a:t>
+            </a:r>
+            <a:r>
+              <a:rPr lang="en-US" altLang="ko-KR" b="1" dirty="0" smtClean="0"/>
+              <a:t>)</a:t>
+            </a:r>
+          </a:p>
+          <a:p>
+            <a:r>
+              <a:rPr lang="ko-KR" altLang="en-US" b="1" dirty="0" err="1" smtClean="0"/>
+              <a:t>흡혈의낫</a:t>
+            </a:r>
+            <a:r>
+              <a:rPr lang="en-US" altLang="ko-KR" b="1" dirty="0" smtClean="0"/>
+              <a:t>(?) (</a:t>
+            </a:r>
+            <a:r>
+              <a:rPr lang="ko-KR" altLang="en-US" b="1" dirty="0" smtClean="0"/>
+              <a:t>일정시간 피해를 입지 않으면 체력 회복</a:t>
+            </a:r>
+            <a:r>
+              <a:rPr lang="en-US" altLang="ko-KR" b="1" dirty="0" smtClean="0"/>
+              <a:t>,</a:t>
+            </a:r>
+            <a:r>
+              <a:rPr lang="ko-KR" altLang="en-US" b="1" dirty="0" smtClean="0"/>
+              <a:t>너무 사긴가</a:t>
             </a:r>
             <a:r>
               <a:rPr lang="en-US" altLang="ko-KR" b="1" dirty="0" smtClean="0"/>
@@ -12766,7 +15188,7 @@
     </p:spTree>
     <p:extLst>
       <p:ext uri="{BB962C8B-B14F-4D97-AF65-F5344CB8AC3E}">
-        <p14:creationId xmlns:p14="http://schemas.microsoft.com/office/powerpoint/2010/main" val="251605719"/>
+        <p14:creationId xmlns:p14="http://schemas.microsoft.com/office/powerpoint/2010/main" val="4072168355"/>
       </p:ext>
     </p:extLst>
   </p:cSld>
@@ -12968,8 +15390,12 @@
           <a:lstStyle/>
           <a:p>
             <a:r>
+              <a:rPr lang="ko-KR" altLang="en-US" dirty="0" err="1" smtClean="0"/>
+              <a:t>패시브</a:t>
+            </a:r>
+            <a:r>
               <a:rPr lang="ko-KR" altLang="en-US" dirty="0" smtClean="0"/>
-              <a:t>아이디어 추가</a:t>
+              <a:t> 아이템</a:t>
             </a:r>
             <a:r>
               <a:rPr lang="en-US" altLang="ko-KR" dirty="0" smtClean="0"/>
@@ -13001,73 +15427,23 @@
           <a:p>
             <a:r>
               <a:rPr lang="ko-KR" altLang="en-US" b="1" dirty="0" smtClean="0"/>
-              <a:t>처음에는 무기 </a:t>
-            </a:r>
-            <a:r>
-              <a:rPr lang="ko-KR" altLang="en-US" b="1" dirty="0" err="1" smtClean="0"/>
-              <a:t>인벤토리만</a:t>
+              <a:t>돼지 우상</a:t>
+            </a:r>
+            <a:r>
+              <a:rPr lang="en-US" altLang="ko-KR" b="1" dirty="0" smtClean="0"/>
+              <a:t>(?)</a:t>
             </a:r>
             <a:r>
               <a:rPr lang="ko-KR" altLang="en-US" b="1" dirty="0" smtClean="0"/>
               <a:t> </a:t>
             </a:r>
             <a:r>
-              <a:rPr lang="ko-KR" altLang="en-US" b="1" dirty="0" err="1" smtClean="0"/>
-              <a:t>두칸</a:t>
-            </a:r>
-            <a:r>
-              <a:rPr lang="ko-KR" altLang="en-US" b="1" dirty="0" smtClean="0"/>
-              <a:t> </a:t>
-            </a:r>
-            <a:r>
-              <a:rPr lang="ko-KR" altLang="en-US" b="1" dirty="0" err="1" smtClean="0"/>
-              <a:t>줄것</a:t>
-            </a:r>
-            <a:endParaRPr lang="en-US" altLang="ko-KR" b="1" dirty="0" smtClean="0"/>
-          </a:p>
-          <a:p>
-            <a:r>
-              <a:rPr lang="ko-KR" altLang="en-US" b="1" dirty="0" err="1" smtClean="0"/>
-              <a:t>한판할때마다</a:t>
-            </a:r>
-            <a:r>
-              <a:rPr lang="ko-KR" altLang="en-US" b="1" dirty="0" smtClean="0"/>
-              <a:t> 코인을 줘서 그걸로 </a:t>
-            </a:r>
-            <a:r>
-              <a:rPr lang="ko-KR" altLang="en-US" b="1" dirty="0" err="1" smtClean="0"/>
-              <a:t>패시브</a:t>
-            </a:r>
-            <a:r>
-              <a:rPr lang="ko-KR" altLang="en-US" b="1" dirty="0" smtClean="0"/>
-              <a:t> 아이템 구매</a:t>
-            </a:r>
-            <a:endParaRPr lang="en-US" altLang="ko-KR" b="1" dirty="0" smtClean="0"/>
-          </a:p>
-          <a:p>
-            <a:r>
-              <a:rPr lang="ko-KR" altLang="en-US" b="1" dirty="0" smtClean="0"/>
-              <a:t> </a:t>
-            </a:r>
-            <a:r>
               <a:rPr lang="en-US" altLang="ko-KR" b="1" dirty="0" smtClean="0"/>
               <a:t>(</a:t>
             </a:r>
             <a:r>
-              <a:rPr lang="ko-KR" altLang="en-US" b="1" dirty="0" err="1" smtClean="0"/>
-              <a:t>패시브</a:t>
-            </a:r>
-            <a:r>
               <a:rPr lang="ko-KR" altLang="en-US" b="1" dirty="0" smtClean="0"/>
-              <a:t> 아이템은 게임 </a:t>
-            </a:r>
-            <a:r>
-              <a:rPr lang="ko-KR" altLang="en-US" b="1" dirty="0" err="1" smtClean="0"/>
-              <a:t>시작할때</a:t>
-            </a:r>
-            <a:r>
-              <a:rPr lang="ko-KR" altLang="en-US" b="1" dirty="0" smtClean="0"/>
-              <a:t> 한 개 골라서 효과를 받음</a:t>
+              <a:t>아이템 획득 확률 상승</a:t>
             </a:r>
             <a:r>
               <a:rPr lang="en-US" altLang="ko-KR" b="1" dirty="0" smtClean="0"/>
@@ -13079,7 +15455,7 @@
     </p:spTree>
     <p:extLst>
       <p:ext uri="{BB962C8B-B14F-4D97-AF65-F5344CB8AC3E}">
-        <p14:creationId xmlns:p14="http://schemas.microsoft.com/office/powerpoint/2010/main" val="2550670840"/>
+        <p14:creationId xmlns:p14="http://schemas.microsoft.com/office/powerpoint/2010/main" val="251605719"/>
       </p:ext>
     </p:extLst>
   </p:cSld>
@@ -13125,7 +15501,7 @@
           <a:p>
             <a:r>
               <a:rPr lang="ko-KR" altLang="en-US" dirty="0" smtClean="0"/>
-              <a:t>게임제목 아이디어</a:t>
+              <a:t>아이디어 추가</a:t>
             </a:r>
             <a:r>
               <a:rPr lang="en-US" altLang="ko-KR" dirty="0" smtClean="0"/>
@@ -13155,24 +15531,55 @@
           </a:bodyPr>
           <a:lstStyle/>
           <a:p>
-            <a:pPr marL="0" indent="0">
-              <a:buNone/>
-            </a:pPr>
-            <a:r>
-              <a:rPr lang="ko-KR" altLang="en-US" b="1" dirty="0" smtClean="0">
-                <a:solidFill>
-                  <a:srgbClr val="FF0000"/>
-                </a:solidFill>
-              </a:rPr>
-              <a:t>건 </a:t>
-            </a:r>
-            <a:r>
-              <a:rPr lang="ko-KR" altLang="en-US" b="1" dirty="0" err="1" smtClean="0">
-                <a:solidFill>
-                  <a:srgbClr val="FF0000"/>
-                </a:solidFill>
-              </a:rPr>
-              <a:t>크러쉬</a:t>
+            <a:r>
+              <a:rPr lang="ko-KR" altLang="en-US" b="1" dirty="0" smtClean="0"/>
+              <a:t>처음에는 무기 </a:t>
+            </a:r>
+            <a:r>
+              <a:rPr lang="ko-KR" altLang="en-US" b="1" dirty="0" err="1" smtClean="0"/>
+              <a:t>인벤토리만</a:t>
+            </a:r>
+            <a:r>
+              <a:rPr lang="ko-KR" altLang="en-US" b="1" dirty="0" smtClean="0"/>
+              <a:t> </a:t>
+            </a:r>
+            <a:r>
+              <a:rPr lang="ko-KR" altLang="en-US" b="1" dirty="0" err="1" smtClean="0"/>
+              <a:t>두칸</a:t>
+            </a:r>
+            <a:r>
+              <a:rPr lang="ko-KR" altLang="en-US" b="1" dirty="0" smtClean="0"/>
+              <a:t> </a:t>
+            </a:r>
+            <a:r>
+              <a:rPr lang="ko-KR" altLang="en-US" b="1" dirty="0" err="1" smtClean="0"/>
+              <a:t>줄것</a:t>
+            </a:r>
+            <a:endParaRPr lang="en-US" altLang="ko-KR" b="1" dirty="0" smtClean="0"/>
+          </a:p>
+          <a:p>
+            <a:r>
+              <a:rPr lang="ko-KR" altLang="en-US" b="1" dirty="0" err="1" smtClean="0"/>
+              <a:t>한판할때마다</a:t>
+            </a:r>
+            <a:r>
+              <a:rPr lang="ko-KR" altLang="en-US" b="1" dirty="0" smtClean="0"/>
+              <a:t> 코인을 줘서 그걸로 </a:t>
+            </a:r>
+            <a:r>
+              <a:rPr lang="ko-KR" altLang="en-US" b="1" dirty="0" err="1" smtClean="0"/>
+              <a:t>패시브</a:t>
+            </a:r>
+            <a:r>
+              <a:rPr lang="ko-KR" altLang="en-US" b="1" dirty="0" smtClean="0"/>
+              <a:t> 아이템 구매</a:t>
+            </a:r>
+            <a:endParaRPr lang="en-US" altLang="ko-KR" b="1" dirty="0" smtClean="0"/>
+          </a:p>
+          <a:p>
+            <a:r>
+              <a:rPr lang="ko-KR" altLang="en-US" b="1" dirty="0" smtClean="0"/>
+              <a:t> </a:t>
             </a:r>
             <a:r>
               <a:rPr lang="en-US" altLang="ko-KR" b="1" dirty="0" smtClean="0"/>
@@ -13180,92 +15587,31 @@
             </a:r>
             <a:r>
               <a:rPr lang="ko-KR" altLang="en-US" b="1" dirty="0" err="1" smtClean="0"/>
-              <a:t>구글에</a:t>
+              <a:t>패시브</a:t>
             </a:r>
             <a:r>
               <a:rPr lang="ko-KR" altLang="en-US" b="1" dirty="0" smtClean="0"/>
-              <a:t> 검색하면 걸 </a:t>
+              <a:t> 아이템은 게임 </a:t>
             </a:r>
             <a:r>
               <a:rPr lang="ko-KR" altLang="en-US" b="1" dirty="0" err="1" smtClean="0"/>
-              <a:t>크러쉬</a:t>
+              <a:t>시작할때</a:t>
             </a:r>
             <a:r>
               <a:rPr lang="ko-KR" altLang="en-US" b="1" dirty="0" smtClean="0"/>
-              <a:t> 밖에 </a:t>
-            </a:r>
-            <a:r>
-              <a:rPr lang="ko-KR" altLang="en-US" b="1" dirty="0" err="1" smtClean="0"/>
-              <a:t>안나옴</a:t>
-            </a:r>
-            <a:r>
-              <a:rPr lang="ko-KR" altLang="en-US" b="1" dirty="0" smtClean="0"/>
-              <a:t> 심플하고 적절한 </a:t>
-            </a:r>
-            <a:r>
-              <a:rPr lang="ko-KR" altLang="en-US" b="1" dirty="0" err="1" smtClean="0"/>
-              <a:t>제목인듯</a:t>
+              <a:t> 한 개 골라서 효과를 받음</a:t>
             </a:r>
             <a:r>
               <a:rPr lang="en-US" altLang="ko-KR" b="1" dirty="0" smtClean="0"/>
-              <a:t>) </a:t>
-            </a:r>
-          </a:p>
-          <a:p>
-            <a:endParaRPr lang="en-US" altLang="ko-KR" b="1" dirty="0"/>
-          </a:p>
-          <a:p>
-            <a:pPr marL="0" indent="0">
-              <a:buNone/>
-            </a:pPr>
-            <a:r>
-              <a:rPr lang="ko-KR" altLang="en-US" b="1" dirty="0" smtClean="0"/>
-              <a:t>영문으로 검색해도 마찬가지</a:t>
-            </a:r>
-            <a:endParaRPr lang="en-US" altLang="ko-KR" b="1" dirty="0" smtClean="0"/>
-          </a:p>
-          <a:p>
-            <a:pPr marL="0" indent="0">
-              <a:buNone/>
-            </a:pPr>
-            <a:endParaRPr lang="en-US" altLang="ko-KR" b="1" dirty="0"/>
-          </a:p>
-          <a:p>
-            <a:pPr marL="0" indent="0">
-              <a:buNone/>
-            </a:pPr>
-            <a:r>
-              <a:rPr lang="en-US" altLang="ko-KR" b="1" dirty="0"/>
-              <a:t>strange </a:t>
-            </a:r>
-            <a:r>
-              <a:rPr lang="en-US" altLang="ko-KR" b="1" dirty="0" smtClean="0"/>
-              <a:t>lab (</a:t>
-            </a:r>
-            <a:r>
-              <a:rPr lang="ko-KR" altLang="en-US" b="1" dirty="0" smtClean="0"/>
-              <a:t>이상한 연구실</a:t>
-            </a:r>
-            <a:r>
-              <a:rPr lang="en-US" altLang="ko-KR" b="1" dirty="0" smtClean="0"/>
-              <a:t>) -&gt; </a:t>
-            </a:r>
-            <a:r>
-              <a:rPr lang="ko-KR" altLang="en-US" b="1" dirty="0" smtClean="0"/>
-              <a:t>호기심유</a:t>
-            </a:r>
-            <a:r>
-              <a:rPr lang="ko-KR" altLang="en-US" b="1" dirty="0"/>
-              <a:t>발</a:t>
-            </a:r>
-            <a:endParaRPr lang="en-US" altLang="ko-KR" b="1" dirty="0" smtClean="0"/>
+              <a:t>)</a:t>
+            </a:r>
           </a:p>
         </p:txBody>
       </p:sp>
     </p:spTree>
     <p:extLst>
       <p:ext uri="{BB962C8B-B14F-4D97-AF65-F5344CB8AC3E}">
-        <p14:creationId xmlns:p14="http://schemas.microsoft.com/office/powerpoint/2010/main" val="1749074872"/>
+        <p14:creationId xmlns:p14="http://schemas.microsoft.com/office/powerpoint/2010/main" val="2550670840"/>
       </p:ext>
     </p:extLst>
   </p:cSld>
@@ -13311,7 +15657,7 @@
           <a:p>
             <a:r>
               <a:rPr lang="ko-KR" altLang="en-US" dirty="0" smtClean="0"/>
-              <a:t>캐릭터 아이디어 추가</a:t>
+              <a:t>게임제목 아이디어</a:t>
             </a:r>
             <a:r>
               <a:rPr lang="en-US" altLang="ko-KR" dirty="0" smtClean="0"/>
@@ -13337,564 +15683,113 @@
         <p:spPr/>
         <p:txBody>
           <a:bodyPr>
-            <a:normAutofit fontScale="32500" lnSpcReduction="20000"/>
+            <a:normAutofit/>
           </a:bodyPr>
           <a:lstStyle/>
-          <a:p>
-            <a:r>
-              <a:rPr lang="ko-KR" altLang="en-US" dirty="0"/>
-              <a:t>상인에게서 파는 기밀문서 </a:t>
-            </a:r>
-            <a:r>
-              <a:rPr lang="en-US" altLang="ko" dirty="0"/>
-              <a:t>3</a:t>
-            </a:r>
-            <a:r>
-              <a:rPr lang="ko-KR" altLang="en-US" dirty="0" smtClean="0"/>
-              <a:t>개</a:t>
-            </a:r>
-            <a:r>
-              <a:rPr lang="en-US" altLang="ko-KR" dirty="0" smtClean="0"/>
-              <a:t>(</a:t>
-            </a:r>
-            <a:r>
-              <a:rPr lang="ko-KR" altLang="en-US" dirty="0" smtClean="0"/>
-              <a:t>개당 </a:t>
-            </a:r>
-            <a:r>
-              <a:rPr lang="en-US" altLang="ko-KR" dirty="0" smtClean="0"/>
-              <a:t>5000</a:t>
-            </a:r>
-            <a:r>
-              <a:rPr lang="ko-KR" altLang="en-US" dirty="0" smtClean="0"/>
-              <a:t>원</a:t>
-            </a:r>
-            <a:r>
-              <a:rPr lang="en-US" altLang="ko-KR" dirty="0" smtClean="0"/>
-              <a:t>)</a:t>
-            </a:r>
-            <a:r>
-              <a:rPr lang="ko-KR" altLang="en-US" dirty="0" smtClean="0"/>
-              <a:t>사면 </a:t>
-            </a:r>
-            <a:r>
-              <a:rPr lang="ko-KR" altLang="en-US" dirty="0" err="1"/>
-              <a:t>캐릭</a:t>
-            </a:r>
-            <a:r>
-              <a:rPr lang="ko-KR" altLang="en-US" dirty="0"/>
-              <a:t> </a:t>
-            </a:r>
-            <a:r>
-              <a:rPr lang="ko-KR" altLang="en-US" dirty="0" smtClean="0"/>
-              <a:t>얻는 </a:t>
-            </a:r>
-            <a:r>
-              <a:rPr lang="ko-KR" altLang="en-US" dirty="0"/>
-              <a:t>힌트 </a:t>
-            </a:r>
-            <a:r>
-              <a:rPr lang="ko-KR" altLang="en-US" dirty="0" smtClean="0"/>
-              <a:t>알려줌 힌트는 </a:t>
-            </a:r>
-            <a:r>
-              <a:rPr lang="ko-KR" altLang="en-US" dirty="0" err="1" smtClean="0"/>
-              <a:t>캐릭</a:t>
-            </a:r>
-            <a:r>
-              <a:rPr lang="ko-KR" altLang="en-US" dirty="0" smtClean="0"/>
-              <a:t> 선택창에서 </a:t>
-            </a:r>
-            <a:r>
-              <a:rPr lang="ko-KR" altLang="en-US" dirty="0" err="1" smtClean="0"/>
-              <a:t>언락가능</a:t>
-            </a:r>
-            <a:endParaRPr lang="en-US" altLang="ko-KR" dirty="0" smtClean="0"/>
-          </a:p>
-          <a:p>
-            <a:endParaRPr lang="ko" altLang="en-US" dirty="0"/>
-          </a:p>
           <a:p>
             <a:pPr marL="0" indent="0">
               <a:buNone/>
             </a:pPr>
-            <a:endParaRPr lang="ko-KR" altLang="en-US" dirty="0"/>
-          </a:p>
-          <a:p>
-            <a:endParaRPr lang="ko" altLang="en-US" dirty="0"/>
-          </a:p>
-          <a:p>
-            <a:r>
-              <a:rPr lang="ko-KR" altLang="en-US" dirty="0"/>
-              <a:t>엔지니어 </a:t>
-            </a:r>
-            <a:r>
-              <a:rPr lang="ko-KR" altLang="en-US" dirty="0" smtClean="0"/>
-              <a:t>주인공</a:t>
-            </a:r>
-            <a:endParaRPr lang="ko" altLang="en-US" dirty="0"/>
+            <a:r>
+              <a:rPr lang="ko-KR" altLang="en-US" b="1" dirty="0" smtClean="0">
+                <a:solidFill>
+                  <a:srgbClr val="FF0000"/>
+                </a:solidFill>
+              </a:rPr>
+              <a:t>건 </a:t>
+            </a:r>
+            <a:r>
+              <a:rPr lang="ko-KR" altLang="en-US" b="1" dirty="0" err="1" smtClean="0">
+                <a:solidFill>
+                  <a:srgbClr val="FF0000"/>
+                </a:solidFill>
+              </a:rPr>
+              <a:t>크러쉬</a:t>
+            </a:r>
+            <a:r>
+              <a:rPr lang="en-US" altLang="ko-KR" b="1" dirty="0" smtClean="0"/>
+              <a:t>(</a:t>
+            </a:r>
+            <a:r>
+              <a:rPr lang="ko-KR" altLang="en-US" b="1" dirty="0" err="1" smtClean="0"/>
+              <a:t>구글에</a:t>
+            </a:r>
+            <a:r>
+              <a:rPr lang="ko-KR" altLang="en-US" b="1" dirty="0" smtClean="0"/>
+              <a:t> 검색하면 걸 </a:t>
+            </a:r>
+            <a:r>
+              <a:rPr lang="ko-KR" altLang="en-US" b="1" dirty="0" err="1" smtClean="0"/>
+              <a:t>크러쉬</a:t>
+            </a:r>
+            <a:r>
+              <a:rPr lang="ko-KR" altLang="en-US" b="1" dirty="0" smtClean="0"/>
+              <a:t> 밖에 </a:t>
+            </a:r>
+            <a:r>
+              <a:rPr lang="ko-KR" altLang="en-US" b="1" dirty="0" err="1" smtClean="0"/>
+              <a:t>안나옴</a:t>
+            </a:r>
+            <a:r>
+              <a:rPr lang="ko-KR" altLang="en-US" b="1" dirty="0" smtClean="0"/>
+              <a:t> 심플하고 적절한 </a:t>
+            </a:r>
+            <a:r>
+              <a:rPr lang="ko-KR" altLang="en-US" b="1" dirty="0" err="1" smtClean="0"/>
+              <a:t>제목인듯</a:t>
+            </a:r>
+            <a:r>
+              <a:rPr lang="en-US" altLang="ko-KR" b="1" dirty="0" smtClean="0"/>
+              <a:t>) </a:t>
+            </a:r>
+          </a:p>
+          <a:p>
+            <a:endParaRPr lang="en-US" altLang="ko-KR" b="1" dirty="0"/>
           </a:p>
           <a:p>
             <a:pPr marL="0" indent="0">
               <a:buNone/>
             </a:pPr>
             <a:r>
-              <a:rPr lang="ko-KR" altLang="en-US" dirty="0" smtClean="0"/>
-              <a:t>선택 조건</a:t>
-            </a:r>
-            <a:r>
-              <a:rPr lang="en-US" altLang="ko-KR" dirty="0" smtClean="0"/>
-              <a:t>: </a:t>
-            </a:r>
-            <a:r>
-              <a:rPr lang="ko-KR" altLang="en-US" dirty="0" smtClean="0"/>
-              <a:t>죄수 </a:t>
-            </a:r>
-            <a:r>
-              <a:rPr lang="ko-KR" altLang="en-US" dirty="0"/>
-              <a:t>스테이지에서 일정확률로 </a:t>
-            </a:r>
-            <a:r>
-              <a:rPr lang="ko-KR" altLang="en-US" dirty="0" err="1"/>
-              <a:t>몬스터와</a:t>
-            </a:r>
-            <a:r>
-              <a:rPr lang="ko-KR" altLang="en-US" dirty="0"/>
-              <a:t> 함께 나옴 죽이면 안됨 기다리면 알아서 </a:t>
-            </a:r>
-            <a:r>
-              <a:rPr lang="ko-KR" altLang="en-US" dirty="0" smtClean="0"/>
-              <a:t>사라짐</a:t>
-            </a:r>
-            <a:r>
-              <a:rPr lang="en-US" altLang="ko-KR" dirty="0" smtClean="0"/>
-              <a:t>.</a:t>
-            </a:r>
-            <a:endParaRPr lang="ko-KR" altLang="en-US" dirty="0"/>
-          </a:p>
-          <a:p>
-            <a:endParaRPr lang="ko" altLang="en-US" dirty="0"/>
-          </a:p>
-          <a:p>
-            <a:r>
-              <a:rPr lang="ko-KR" altLang="en-US" dirty="0" err="1"/>
-              <a:t>방패병</a:t>
-            </a:r>
-            <a:r>
-              <a:rPr lang="en-US" altLang="ko" dirty="0"/>
-              <a:t>(</a:t>
-            </a:r>
-            <a:r>
-              <a:rPr lang="ko-KR" altLang="en-US" dirty="0"/>
-              <a:t>방패로 완전방어</a:t>
-            </a:r>
-            <a:r>
-              <a:rPr lang="en-US" altLang="ko" dirty="0"/>
-              <a:t>)</a:t>
-            </a:r>
-            <a:endParaRPr lang="ko" altLang="en-US" dirty="0"/>
+              <a:rPr lang="ko-KR" altLang="en-US" b="1" dirty="0" smtClean="0"/>
+              <a:t>영문으로 검색해도 마찬가지</a:t>
+            </a:r>
+            <a:endParaRPr lang="en-US" altLang="ko-KR" b="1" dirty="0" smtClean="0"/>
           </a:p>
           <a:p>
             <a:pPr marL="0" indent="0">
               <a:buNone/>
             </a:pPr>
-            <a:r>
-              <a:rPr lang="ko-KR" altLang="en-US" dirty="0"/>
-              <a:t>중세시대 기사처럼 생김 </a:t>
-            </a:r>
-            <a:r>
-              <a:rPr lang="ko-KR" altLang="en-US" dirty="0" err="1"/>
-              <a:t>동글동글한놈</a:t>
-            </a:r>
-            <a:r>
-              <a:rPr lang="ko-KR" altLang="en-US" dirty="0"/>
-              <a:t> 외계인</a:t>
-            </a:r>
+            <a:endParaRPr lang="en-US" altLang="ko-KR" b="1" dirty="0"/>
           </a:p>
           <a:p>
             <a:pPr marL="0" indent="0">
               <a:buNone/>
             </a:pPr>
             <a:r>
-              <a:rPr lang="ko-KR" altLang="en-US" dirty="0" smtClean="0"/>
-              <a:t>조건</a:t>
-            </a:r>
-            <a:r>
-              <a:rPr lang="en-US" altLang="ko-KR" dirty="0" smtClean="0"/>
-              <a:t>: </a:t>
-            </a:r>
-            <a:r>
-              <a:rPr lang="ko-KR" altLang="en-US" dirty="0" smtClean="0"/>
-              <a:t>게임오버 </a:t>
-            </a:r>
-            <a:r>
-              <a:rPr lang="en-US" altLang="ko" dirty="0" smtClean="0"/>
-              <a:t>100</a:t>
-            </a:r>
-            <a:r>
-              <a:rPr lang="ko-KR" altLang="en-US" dirty="0" smtClean="0"/>
-              <a:t>번 이상 죽으면 고를 수 있음</a:t>
-            </a:r>
-            <a:endParaRPr lang="ko" altLang="en-US" dirty="0"/>
-          </a:p>
-          <a:p>
-            <a:endParaRPr lang="ko" altLang="en-US" dirty="0"/>
-          </a:p>
-          <a:p>
-            <a:r>
-              <a:rPr lang="ko-KR" altLang="en-US" dirty="0" err="1" smtClean="0"/>
-              <a:t>백색닌자</a:t>
-            </a:r>
-            <a:r>
-              <a:rPr lang="en-US" altLang="ko" dirty="0"/>
-              <a:t>(</a:t>
-            </a:r>
-            <a:r>
-              <a:rPr lang="ko-KR" altLang="en-US" dirty="0" err="1"/>
-              <a:t>패시브로</a:t>
-            </a:r>
-            <a:r>
-              <a:rPr lang="ko-KR" altLang="en-US" dirty="0"/>
-              <a:t> </a:t>
-            </a:r>
-            <a:r>
-              <a:rPr lang="ko-KR" altLang="en-US" dirty="0" err="1" smtClean="0"/>
-              <a:t>데미지</a:t>
-            </a:r>
-            <a:r>
-              <a:rPr lang="ko-KR" altLang="en-US" dirty="0" smtClean="0"/>
-              <a:t> 입으면 사방으로 표창 날라감</a:t>
-            </a:r>
-            <a:r>
-              <a:rPr lang="en-US" altLang="ko" dirty="0" smtClean="0"/>
-              <a:t>) </a:t>
-            </a:r>
-          </a:p>
-          <a:p>
-            <a:pPr marL="0" indent="0">
-              <a:buNone/>
-            </a:pPr>
-            <a:r>
-              <a:rPr lang="ko-KR" altLang="en-US" dirty="0" err="1" smtClean="0"/>
-              <a:t>분신술</a:t>
-            </a:r>
-            <a:r>
-              <a:rPr lang="ko-KR" altLang="en-US" dirty="0" smtClean="0"/>
-              <a:t> </a:t>
-            </a:r>
-            <a:r>
-              <a:rPr lang="ko-KR" altLang="en-US" dirty="0"/>
-              <a:t>스킬 사용 가능 </a:t>
-            </a:r>
-            <a:r>
-              <a:rPr lang="ko-KR" altLang="en-US" dirty="0" err="1" smtClean="0"/>
-              <a:t>또다른</a:t>
-            </a:r>
-            <a:r>
-              <a:rPr lang="ko-KR" altLang="en-US" dirty="0" smtClean="0"/>
-              <a:t> 자기자신의 그림자가 </a:t>
-            </a:r>
-            <a:r>
-              <a:rPr lang="ko-KR" altLang="en-US" dirty="0"/>
-              <a:t>나와서 </a:t>
-            </a:r>
-            <a:r>
-              <a:rPr lang="ko-KR" altLang="en-US" dirty="0" err="1" smtClean="0"/>
-              <a:t>현재들고</a:t>
-            </a:r>
-            <a:r>
-              <a:rPr lang="ko-KR" altLang="en-US" dirty="0" smtClean="0"/>
-              <a:t> 있는 </a:t>
-            </a:r>
-            <a:r>
-              <a:rPr lang="ko-KR" altLang="en-US" dirty="0"/>
-              <a:t>무기로 싸워줌 약물 능력 전혀 적용 안됨</a:t>
-            </a:r>
-          </a:p>
-          <a:p>
-            <a:endParaRPr lang="ko" altLang="en-US" dirty="0"/>
-          </a:p>
-          <a:p>
-            <a:pPr marL="0" indent="0">
-              <a:buNone/>
-            </a:pPr>
-            <a:r>
-              <a:rPr lang="ko-KR" altLang="en-US" dirty="0" err="1"/>
-              <a:t>마지막스테이지</a:t>
-            </a:r>
-            <a:r>
-              <a:rPr lang="ko-KR" altLang="en-US" dirty="0"/>
-              <a:t> </a:t>
-            </a:r>
-            <a:r>
-              <a:rPr lang="ko-KR" altLang="en-US" dirty="0" err="1"/>
-              <a:t>맵밖에서</a:t>
-            </a:r>
-            <a:r>
-              <a:rPr lang="ko-KR" altLang="en-US" dirty="0"/>
-              <a:t> </a:t>
-            </a:r>
-            <a:r>
-              <a:rPr lang="ko-KR" altLang="en-US" dirty="0" err="1"/>
-              <a:t>빠른속도로</a:t>
-            </a:r>
-            <a:r>
-              <a:rPr lang="ko-KR" altLang="en-US" dirty="0"/>
-              <a:t> </a:t>
-            </a:r>
-            <a:r>
-              <a:rPr lang="ko-KR" altLang="en-US" dirty="0" err="1"/>
-              <a:t>일반닌자가</a:t>
-            </a:r>
-            <a:r>
-              <a:rPr lang="ko-KR" altLang="en-US" dirty="0"/>
-              <a:t> 돌아다님 일정시간 지나면 사라짐 따라가서 </a:t>
-            </a:r>
-            <a:r>
-              <a:rPr lang="ko-KR" altLang="en-US" dirty="0" smtClean="0"/>
-              <a:t>잡아야 함</a:t>
-            </a:r>
-            <a:endParaRPr lang="ko-KR" altLang="en-US" dirty="0"/>
-          </a:p>
-          <a:p>
-            <a:endParaRPr lang="ko" altLang="en-US" dirty="0"/>
-          </a:p>
-          <a:p>
-            <a:r>
-              <a:rPr lang="ko-KR" altLang="en-US" dirty="0"/>
-              <a:t>저격수</a:t>
-            </a:r>
-            <a:r>
-              <a:rPr lang="en-US" altLang="ko" dirty="0"/>
-              <a:t>(</a:t>
-            </a:r>
-            <a:r>
-              <a:rPr lang="ko-KR" altLang="en-US" dirty="0" err="1" smtClean="0"/>
-              <a:t>에꾸눈임</a:t>
-            </a:r>
-            <a:r>
-              <a:rPr lang="ko-KR" altLang="en-US" dirty="0" smtClean="0"/>
-              <a:t> </a:t>
-            </a:r>
-            <a:r>
-              <a:rPr lang="en-US" altLang="ko" dirty="0" smtClean="0"/>
-              <a:t>- </a:t>
-            </a:r>
-            <a:r>
-              <a:rPr lang="ko-KR" altLang="en-US" dirty="0" err="1"/>
-              <a:t>스킬을쓰면</a:t>
-            </a:r>
-            <a:r>
-              <a:rPr lang="ko-KR" altLang="en-US" dirty="0"/>
-              <a:t> </a:t>
-            </a:r>
-            <a:r>
-              <a:rPr lang="ko-KR" altLang="en-US" dirty="0" smtClean="0"/>
-              <a:t>시간이 멈추고 </a:t>
-            </a:r>
-            <a:r>
-              <a:rPr lang="ko-KR" altLang="en-US" dirty="0" err="1" smtClean="0"/>
-              <a:t>한명</a:t>
-            </a:r>
-            <a:r>
-              <a:rPr lang="ko-KR" altLang="en-US" dirty="0" smtClean="0"/>
-              <a:t> </a:t>
-            </a:r>
-            <a:r>
-              <a:rPr lang="ko-KR" altLang="en-US" dirty="0"/>
-              <a:t>터치해서 </a:t>
-            </a:r>
-            <a:r>
-              <a:rPr lang="ko-KR" altLang="en-US" dirty="0" smtClean="0"/>
-              <a:t>사격할 수 있음 </a:t>
-            </a:r>
-            <a:r>
-              <a:rPr lang="ko-KR" altLang="en-US" dirty="0" err="1"/>
-              <a:t>데미지</a:t>
-            </a:r>
-            <a:r>
-              <a:rPr lang="ko-KR" altLang="en-US" dirty="0"/>
-              <a:t> </a:t>
-            </a:r>
-            <a:r>
-              <a:rPr lang="ko-KR" altLang="en-US" dirty="0" err="1"/>
-              <a:t>겁나세게</a:t>
-            </a:r>
-            <a:r>
-              <a:rPr lang="ko-KR" altLang="en-US" dirty="0"/>
-              <a:t> 들어감 </a:t>
-            </a:r>
-            <a:r>
-              <a:rPr lang="ko-KR" altLang="en-US" dirty="0" err="1"/>
-              <a:t>쿨타임</a:t>
-            </a:r>
-            <a:r>
-              <a:rPr lang="ko-KR" altLang="en-US" dirty="0"/>
-              <a:t> 길음</a:t>
-            </a:r>
-            <a:r>
-              <a:rPr lang="en-US" altLang="ko" dirty="0"/>
-              <a:t>)</a:t>
-            </a:r>
-            <a:endParaRPr lang="ko" altLang="en-US" dirty="0"/>
-          </a:p>
-          <a:p>
-            <a:pPr marL="0" indent="0">
-              <a:buNone/>
-            </a:pPr>
-            <a:r>
-              <a:rPr lang="en-US" altLang="ko" dirty="0"/>
-              <a:t>)</a:t>
-            </a:r>
-            <a:endParaRPr lang="ko" altLang="en-US" dirty="0"/>
-          </a:p>
-          <a:p>
-            <a:pPr marL="0" indent="0">
-              <a:buNone/>
-            </a:pPr>
-            <a:r>
-              <a:rPr lang="en-US" altLang="ko-KR" dirty="0" smtClean="0"/>
-              <a:t>	</a:t>
-            </a:r>
-            <a:r>
-              <a:rPr lang="ko-KR" altLang="en-US" dirty="0" smtClean="0"/>
-              <a:t>게임을 </a:t>
-            </a:r>
-            <a:r>
-              <a:rPr lang="en-US" altLang="ko-KR" dirty="0" smtClean="0"/>
-              <a:t>2</a:t>
-            </a:r>
-            <a:r>
-              <a:rPr lang="ko-KR" altLang="en-US" dirty="0" smtClean="0"/>
-              <a:t>번 </a:t>
-            </a:r>
-            <a:r>
-              <a:rPr lang="ko-KR" altLang="en-US" dirty="0" err="1" smtClean="0"/>
-              <a:t>클리어</a:t>
-            </a:r>
-            <a:r>
-              <a:rPr lang="ko-KR" altLang="en-US" dirty="0" smtClean="0"/>
-              <a:t> 하면 나옴</a:t>
-            </a:r>
-            <a:endParaRPr lang="ko-KR" altLang="en-US" dirty="0"/>
-          </a:p>
-          <a:p>
-            <a:endParaRPr lang="ko" altLang="en-US" dirty="0"/>
-          </a:p>
-          <a:p>
-            <a:r>
-              <a:rPr lang="ko-KR" altLang="en-US" dirty="0"/>
-              <a:t>보안 로봇</a:t>
-            </a:r>
-            <a:r>
-              <a:rPr lang="en-US" altLang="ko" dirty="0"/>
-              <a:t>(</a:t>
-            </a:r>
-            <a:r>
-              <a:rPr lang="ko-KR" altLang="en-US" dirty="0"/>
-              <a:t>달려가서 자폭하는 로봇들 </a:t>
-            </a:r>
-            <a:r>
-              <a:rPr lang="en-US" altLang="ko" dirty="0"/>
-              <a:t>5</a:t>
-            </a:r>
-            <a:r>
-              <a:rPr lang="ko-KR" altLang="en-US" dirty="0"/>
-              <a:t>마리 </a:t>
-            </a:r>
-            <a:r>
-              <a:rPr lang="ko-KR" altLang="en-US" dirty="0" smtClean="0"/>
-              <a:t>나옴 가방 무게 제한 없음 먹으면 먹을수록 칸이 아래로 쌓임</a:t>
-            </a:r>
-            <a:r>
-              <a:rPr lang="en-US" altLang="ko" dirty="0" smtClean="0"/>
-              <a:t>)</a:t>
-            </a:r>
-          </a:p>
-          <a:p>
-            <a:pPr marL="0" indent="0">
-              <a:buNone/>
-            </a:pPr>
-            <a:r>
-              <a:rPr lang="ko-KR" altLang="en-US" dirty="0" smtClean="0"/>
-              <a:t>게임 누적 플레이 시간 </a:t>
-            </a:r>
-            <a:r>
-              <a:rPr lang="en-US" altLang="ko-KR" dirty="0" smtClean="0"/>
-              <a:t>20</a:t>
-            </a:r>
-            <a:r>
-              <a:rPr lang="ko-KR" altLang="en-US" dirty="0" smtClean="0"/>
-              <a:t>시간 이상이면 </a:t>
-            </a:r>
-            <a:r>
-              <a:rPr lang="ko-KR" altLang="en-US" dirty="0" err="1" smtClean="0"/>
-              <a:t>언락</a:t>
-            </a:r>
-            <a:endParaRPr lang="en-US" altLang="ko" dirty="0" smtClean="0"/>
-          </a:p>
-          <a:p>
-            <a:endParaRPr lang="ko" altLang="en-US" dirty="0"/>
-          </a:p>
-          <a:p>
-            <a:endParaRPr lang="ko" altLang="en-US" dirty="0"/>
-          </a:p>
-          <a:p>
-            <a:r>
-              <a:rPr lang="ko-KR" altLang="en-US" dirty="0"/>
-              <a:t>과학자 주인공</a:t>
-            </a:r>
-          </a:p>
-          <a:p>
-            <a:pPr marL="0" indent="0">
-              <a:buNone/>
-            </a:pPr>
-            <a:r>
-              <a:rPr lang="ko-KR" altLang="en-US" dirty="0"/>
-              <a:t>선택조건</a:t>
-            </a:r>
-            <a:r>
-              <a:rPr lang="en-US" altLang="ko-KR" dirty="0"/>
-              <a:t>: </a:t>
-            </a:r>
-            <a:r>
-              <a:rPr lang="ko-KR" altLang="en-US" dirty="0"/>
-              <a:t>과학자스테이지만 </a:t>
-            </a:r>
-            <a:r>
-              <a:rPr lang="ko-KR" altLang="en-US" dirty="0" err="1"/>
-              <a:t>맵</a:t>
-            </a:r>
-            <a:r>
-              <a:rPr lang="ko-KR" altLang="en-US" dirty="0"/>
-              <a:t> 구석에 일정 확률로 나타남 </a:t>
-            </a:r>
-            <a:r>
-              <a:rPr lang="en-US" altLang="ko-KR" dirty="0"/>
-              <a:t>3</a:t>
-            </a:r>
-            <a:r>
-              <a:rPr lang="ko-KR" altLang="en-US" dirty="0"/>
-              <a:t>번째로 만났을 때까지 꾸준히 말 걸면  </a:t>
-            </a:r>
-            <a:r>
-              <a:rPr lang="ko-KR" altLang="en-US" dirty="0" err="1"/>
-              <a:t>언락</a:t>
-            </a:r>
-            <a:r>
-              <a:rPr lang="ko-KR" altLang="en-US" dirty="0"/>
-              <a:t> 됨 </a:t>
-            </a:r>
-            <a:r>
-              <a:rPr lang="ko-KR" altLang="en-US" dirty="0" err="1"/>
-              <a:t>ㅇ</a:t>
-            </a:r>
-            <a:endParaRPr lang="en-US" altLang="ko-KR" dirty="0"/>
-          </a:p>
-          <a:p>
-            <a:endParaRPr lang="ko" altLang="en-US" dirty="0"/>
-          </a:p>
-          <a:p>
+              <a:rPr lang="en-US" altLang="ko-KR" b="1" dirty="0"/>
+              <a:t>strange </a:t>
+            </a:r>
+            <a:r>
+              <a:rPr lang="en-US" altLang="ko-KR" b="1" dirty="0" smtClean="0"/>
+              <a:t>lab (</a:t>
+            </a:r>
+            <a:r>
+              <a:rPr lang="ko-KR" altLang="en-US" b="1" dirty="0" smtClean="0"/>
+              <a:t>이상한 연구실</a:t>
+            </a:r>
+            <a:r>
+              <a:rPr lang="en-US" altLang="ko-KR" b="1" dirty="0" smtClean="0"/>
+              <a:t>) -&gt; </a:t>
+            </a:r>
+            <a:r>
+              <a:rPr lang="ko-KR" altLang="en-US" b="1" dirty="0" smtClean="0"/>
+              <a:t>호기심유</a:t>
+            </a:r>
+            <a:r>
+              <a:rPr lang="ko-KR" altLang="en-US" b="1" dirty="0"/>
+              <a:t>발</a:t>
+            </a:r>
             <a:endParaRPr lang="en-US" altLang="ko-KR" b="1" dirty="0" smtClean="0"/>
           </a:p>
         </p:txBody>
@@ -13902,7 +15797,7 @@
     </p:spTree>
     <p:extLst>
       <p:ext uri="{BB962C8B-B14F-4D97-AF65-F5344CB8AC3E}">
-        <p14:creationId xmlns:p14="http://schemas.microsoft.com/office/powerpoint/2010/main" val="2682462336"/>
+        <p14:creationId xmlns:p14="http://schemas.microsoft.com/office/powerpoint/2010/main" val="1749074872"/>
       </p:ext>
     </p:extLst>
   </p:cSld>
@@ -13942,14 +15837,21 @@
         <p:spPr/>
         <p:txBody>
           <a:bodyPr>
-            <a:normAutofit/>
+            <a:normAutofit fontScale="90000"/>
           </a:bodyPr>
           <a:lstStyle/>
           <a:p>
             <a:r>
               <a:rPr lang="ko-KR" altLang="en-US" dirty="0" smtClean="0"/>
-              <a:t>기타의견</a:t>
-            </a:r>
+              <a:t>캐릭터 아이디어 추가</a:t>
+            </a:r>
+            <a:r>
+              <a:rPr lang="en-US" altLang="ko-KR" dirty="0" smtClean="0"/>
+              <a:t/>
+            </a:r>
+            <a:br>
+              <a:rPr lang="en-US" altLang="ko-KR" dirty="0" smtClean="0"/>
+            </a:br>
             <a:endParaRPr lang="ko-KR" altLang="en-US" dirty="0"/>
           </a:p>
         </p:txBody>
@@ -13967,177 +15869,572 @@
         <p:spPr/>
         <p:txBody>
           <a:bodyPr>
-            <a:normAutofit/>
+            <a:normAutofit fontScale="32500" lnSpcReduction="20000"/>
           </a:bodyPr>
           <a:lstStyle/>
           <a:p>
             <a:r>
-              <a:rPr lang="ko-KR" altLang="en-US" sz="1800" b="1" dirty="0" smtClean="0"/>
-              <a:t>마지막 스테이지 </a:t>
-            </a:r>
-            <a:r>
-              <a:rPr lang="ko-KR" altLang="en-US" sz="1800" b="1" dirty="0" err="1" smtClean="0"/>
-              <a:t>몬스터들간의</a:t>
-            </a:r>
-            <a:r>
-              <a:rPr lang="ko-KR" altLang="en-US" sz="1800" b="1" dirty="0" smtClean="0"/>
-              <a:t> 연관성이 별로 없는 것 같음</a:t>
-            </a:r>
-            <a:r>
-              <a:rPr lang="en-US" altLang="ko-KR" sz="1800" b="1" dirty="0" smtClean="0"/>
+              <a:rPr lang="ko-KR" altLang="en-US" dirty="0"/>
+              <a:t>상인에게서 파는 기밀문서 </a:t>
+            </a:r>
+            <a:r>
+              <a:rPr lang="en-US" altLang="ko" dirty="0"/>
+              <a:t>3</a:t>
+            </a:r>
+            <a:r>
+              <a:rPr lang="ko-KR" altLang="en-US" dirty="0" smtClean="0"/>
+              <a:t>개</a:t>
+            </a:r>
+            <a:r>
+              <a:rPr lang="en-US" altLang="ko-KR" dirty="0" smtClean="0"/>
+              <a:t>(</a:t>
+            </a:r>
+            <a:r>
+              <a:rPr lang="ko-KR" altLang="en-US" dirty="0" smtClean="0"/>
+              <a:t>개당 </a:t>
+            </a:r>
+            <a:r>
+              <a:rPr lang="en-US" altLang="ko-KR" dirty="0" smtClean="0"/>
+              <a:t>5000</a:t>
+            </a:r>
+            <a:r>
+              <a:rPr lang="ko-KR" altLang="en-US" dirty="0" smtClean="0"/>
+              <a:t>원</a:t>
+            </a:r>
+            <a:r>
+              <a:rPr lang="en-US" altLang="ko-KR" dirty="0" smtClean="0"/>
+              <a:t>)</a:t>
+            </a:r>
+            <a:r>
+              <a:rPr lang="ko-KR" altLang="en-US" dirty="0" smtClean="0"/>
+              <a:t>사면 </a:t>
+            </a:r>
+            <a:r>
+              <a:rPr lang="ko-KR" altLang="en-US" dirty="0" err="1"/>
+              <a:t>캐릭</a:t>
+            </a:r>
+            <a:r>
+              <a:rPr lang="ko-KR" altLang="en-US" dirty="0"/>
+              <a:t> </a:t>
+            </a:r>
+            <a:r>
+              <a:rPr lang="ko-KR" altLang="en-US" dirty="0" smtClean="0"/>
+              <a:t>얻는 </a:t>
+            </a:r>
+            <a:r>
+              <a:rPr lang="ko-KR" altLang="en-US" dirty="0"/>
+              <a:t>힌트 </a:t>
+            </a:r>
+            <a:r>
+              <a:rPr lang="ko-KR" altLang="en-US" dirty="0" smtClean="0"/>
+              <a:t>알려줌 힌트는 </a:t>
+            </a:r>
+            <a:r>
+              <a:rPr lang="ko-KR" altLang="en-US" dirty="0" err="1" smtClean="0"/>
+              <a:t>캐릭</a:t>
+            </a:r>
+            <a:r>
+              <a:rPr lang="ko-KR" altLang="en-US" dirty="0" smtClean="0"/>
+              <a:t> 선택창에서 </a:t>
+            </a:r>
+            <a:r>
+              <a:rPr lang="ko-KR" altLang="en-US" dirty="0" err="1" smtClean="0"/>
+              <a:t>언락가능</a:t>
+            </a:r>
+            <a:endParaRPr lang="en-US" altLang="ko-KR" dirty="0" smtClean="0"/>
+          </a:p>
+          <a:p>
+            <a:endParaRPr lang="ko" altLang="en-US" dirty="0"/>
+          </a:p>
+          <a:p>
+            <a:pPr marL="0" indent="0">
+              <a:buNone/>
+            </a:pPr>
+            <a:endParaRPr lang="ko-KR" altLang="en-US" dirty="0"/>
+          </a:p>
+          <a:p>
+            <a:endParaRPr lang="ko" altLang="en-US" dirty="0"/>
+          </a:p>
+          <a:p>
+            <a:r>
+              <a:rPr lang="ko-KR" altLang="en-US" dirty="0"/>
+              <a:t>엔지니어 </a:t>
+            </a:r>
+            <a:r>
+              <a:rPr lang="ko-KR" altLang="en-US" dirty="0" smtClean="0"/>
+              <a:t>주인공</a:t>
+            </a:r>
+            <a:endParaRPr lang="ko" altLang="en-US" dirty="0"/>
+          </a:p>
+          <a:p>
+            <a:pPr marL="0" indent="0">
+              <a:buNone/>
+            </a:pPr>
+            <a:r>
+              <a:rPr lang="ko-KR" altLang="en-US" dirty="0" smtClean="0"/>
+              <a:t>선택 조건</a:t>
+            </a:r>
+            <a:r>
+              <a:rPr lang="en-US" altLang="ko-KR" dirty="0" smtClean="0"/>
+              <a:t>: </a:t>
+            </a:r>
+            <a:r>
+              <a:rPr lang="ko-KR" altLang="en-US" dirty="0" smtClean="0"/>
+              <a:t>죄수 </a:t>
+            </a:r>
+            <a:r>
+              <a:rPr lang="ko-KR" altLang="en-US" dirty="0"/>
+              <a:t>스테이지에서 일정확률로 </a:t>
+            </a:r>
+            <a:r>
+              <a:rPr lang="ko-KR" altLang="en-US" dirty="0" err="1"/>
+              <a:t>몬스터와</a:t>
+            </a:r>
+            <a:r>
+              <a:rPr lang="ko-KR" altLang="en-US" dirty="0"/>
+              <a:t> 함께 나옴 죽이면 안됨 기다리면 알아서 </a:t>
+            </a:r>
+            <a:r>
+              <a:rPr lang="ko-KR" altLang="en-US" dirty="0" smtClean="0"/>
+              <a:t>사라짐</a:t>
+            </a:r>
+            <a:r>
+              <a:rPr lang="en-US" altLang="ko-KR" dirty="0" smtClean="0"/>
               <a:t>.</a:t>
             </a:r>
-          </a:p>
-          <a:p>
-            <a:r>
-              <a:rPr lang="en-US" altLang="ko-KR" sz="1800" b="1" dirty="0" smtClean="0"/>
-              <a:t>1,2,3,4</a:t>
-            </a:r>
-            <a:r>
-              <a:rPr lang="ko-KR" altLang="en-US" sz="1800" b="1" dirty="0" smtClean="0"/>
-              <a:t>스테이지는 </a:t>
-            </a:r>
-            <a:r>
-              <a:rPr lang="ko-KR" altLang="en-US" sz="1800" b="1" dirty="0" err="1" smtClean="0"/>
-              <a:t>컨셉이</a:t>
-            </a:r>
-            <a:r>
-              <a:rPr lang="ko-KR" altLang="en-US" sz="1800" b="1" dirty="0" smtClean="0"/>
-              <a:t> 서로 맞게 잘 된 것 같은데 마지막 스테이지는 서로 따로 노는 느낌이듬</a:t>
-            </a:r>
-            <a:endParaRPr lang="en-US" altLang="ko-KR" sz="1800" b="1" dirty="0"/>
-          </a:p>
-          <a:p>
-            <a:r>
-              <a:rPr lang="en-US" altLang="ko-KR" sz="1800" b="1" dirty="0" smtClean="0"/>
+            <a:endParaRPr lang="ko-KR" altLang="en-US" dirty="0"/>
+          </a:p>
+          <a:p>
+            <a:endParaRPr lang="ko" altLang="en-US" dirty="0"/>
+          </a:p>
+          <a:p>
+            <a:r>
+              <a:rPr lang="ko-KR" altLang="en-US" dirty="0" err="1"/>
+              <a:t>방패병</a:t>
+            </a:r>
+            <a:r>
+              <a:rPr lang="en-US" altLang="ko" dirty="0"/>
+              <a:t>(</a:t>
+            </a:r>
+            <a:r>
+              <a:rPr lang="ko-KR" altLang="en-US" dirty="0"/>
+              <a:t>방패로 완전방어</a:t>
+            </a:r>
+            <a:r>
+              <a:rPr lang="en-US" altLang="ko" dirty="0"/>
+              <a:t>)</a:t>
+            </a:r>
+            <a:endParaRPr lang="ko" altLang="en-US" dirty="0"/>
+          </a:p>
+          <a:p>
+            <a:pPr marL="0" indent="0">
+              <a:buNone/>
+            </a:pPr>
+            <a:r>
+              <a:rPr lang="ko-KR" altLang="en-US" dirty="0"/>
+              <a:t>중세시대 기사처럼 생김 </a:t>
+            </a:r>
+            <a:r>
+              <a:rPr lang="ko-KR" altLang="en-US" dirty="0" err="1"/>
+              <a:t>동글동글한놈</a:t>
+            </a:r>
+            <a:r>
+              <a:rPr lang="ko-KR" altLang="en-US" dirty="0"/>
+              <a:t> 외계인</a:t>
+            </a:r>
+          </a:p>
+          <a:p>
+            <a:pPr marL="0" indent="0">
+              <a:buNone/>
+            </a:pPr>
+            <a:r>
+              <a:rPr lang="ko-KR" altLang="en-US" dirty="0" smtClean="0"/>
+              <a:t>조건</a:t>
+            </a:r>
+            <a:r>
+              <a:rPr lang="en-US" altLang="ko-KR" dirty="0" smtClean="0"/>
+              <a:t>: </a:t>
+            </a:r>
+            <a:r>
+              <a:rPr lang="ko-KR" altLang="en-US" dirty="0" smtClean="0"/>
+              <a:t>게임오버 </a:t>
+            </a:r>
+            <a:r>
+              <a:rPr lang="en-US" altLang="ko" dirty="0" smtClean="0"/>
+              <a:t>100</a:t>
+            </a:r>
+            <a:r>
+              <a:rPr lang="ko-KR" altLang="en-US" dirty="0" smtClean="0"/>
+              <a:t>번 이상 죽으면 고를 수 있음</a:t>
+            </a:r>
+            <a:endParaRPr lang="ko" altLang="en-US" dirty="0"/>
+          </a:p>
+          <a:p>
+            <a:endParaRPr lang="ko" altLang="en-US" dirty="0"/>
+          </a:p>
+          <a:p>
+            <a:r>
+              <a:rPr lang="ko-KR" altLang="en-US" dirty="0" err="1" smtClean="0"/>
+              <a:t>백색닌자</a:t>
+            </a:r>
+            <a:r>
+              <a:rPr lang="en-US" altLang="ko" dirty="0"/>
+              <a:t>(</a:t>
+            </a:r>
+            <a:r>
+              <a:rPr lang="ko-KR" altLang="en-US" dirty="0" err="1"/>
+              <a:t>패시브로</a:t>
+            </a:r>
+            <a:r>
+              <a:rPr lang="ko-KR" altLang="en-US" dirty="0"/>
               <a:t> </a:t>
             </a:r>
             <a:r>
-              <a:rPr lang="ko-KR" altLang="en-US" sz="1800" b="1" dirty="0" smtClean="0"/>
-              <a:t>차라리 요원스테이지 </a:t>
-            </a:r>
-            <a:r>
-              <a:rPr lang="ko-KR" altLang="en-US" sz="1800" b="1" dirty="0" err="1" smtClean="0"/>
-              <a:t>군인스테이지롤</a:t>
-            </a:r>
-            <a:r>
-              <a:rPr lang="ko-KR" altLang="en-US" sz="1800" b="1" dirty="0" smtClean="0"/>
+              <a:rPr lang="ko-KR" altLang="en-US" dirty="0" err="1" smtClean="0"/>
+              <a:t>데미지</a:t>
+            </a:r>
+            <a:r>
+              <a:rPr lang="ko-KR" altLang="en-US" dirty="0" smtClean="0"/>
+              <a:t> 입으면 사방으로 표창 날라감</a:t>
+            </a:r>
+            <a:r>
+              <a:rPr lang="en-US" altLang="ko" dirty="0" smtClean="0"/>
+              <a:t>) </a:t>
+            </a:r>
+          </a:p>
+          <a:p>
+            <a:pPr marL="0" indent="0">
+              <a:buNone/>
+            </a:pPr>
+            <a:r>
+              <a:rPr lang="ko-KR" altLang="en-US" dirty="0" err="1" smtClean="0"/>
+              <a:t>분신술</a:t>
+            </a:r>
+            <a:r>
+              <a:rPr lang="ko-KR" altLang="en-US" dirty="0" smtClean="0"/>
               <a:t> </a:t>
             </a:r>
             <a:r>
-              <a:rPr lang="ko-KR" altLang="en-US" sz="1800" b="1" dirty="0" err="1" smtClean="0"/>
-              <a:t>나누는것이</a:t>
-            </a:r>
-            <a:r>
-              <a:rPr lang="ko-KR" altLang="en-US" sz="1800" b="1" dirty="0" smtClean="0"/>
+              <a:rPr lang="ko-KR" altLang="en-US" dirty="0"/>
+              <a:t>스킬 사용 가능 </a:t>
+            </a:r>
+            <a:r>
+              <a:rPr lang="ko-KR" altLang="en-US" dirty="0" err="1" smtClean="0"/>
+              <a:t>또다른</a:t>
+            </a:r>
+            <a:r>
+              <a:rPr lang="ko-KR" altLang="en-US" dirty="0" smtClean="0"/>
+              <a:t> 자기자신의 그림자가 </a:t>
+            </a:r>
+            <a:r>
+              <a:rPr lang="ko-KR" altLang="en-US" dirty="0"/>
+              <a:t>나와서 </a:t>
+            </a:r>
+            <a:r>
+              <a:rPr lang="ko-KR" altLang="en-US" dirty="0" err="1" smtClean="0"/>
+              <a:t>현재들고</a:t>
+            </a:r>
+            <a:r>
+              <a:rPr lang="ko-KR" altLang="en-US" dirty="0" smtClean="0"/>
+              <a:t> 있는 </a:t>
+            </a:r>
+            <a:r>
+              <a:rPr lang="ko-KR" altLang="en-US" dirty="0"/>
+              <a:t>무기로 싸워줌 약물 능력 전혀 적용 안됨</a:t>
+            </a:r>
+          </a:p>
+          <a:p>
+            <a:endParaRPr lang="ko" altLang="en-US" dirty="0"/>
+          </a:p>
+          <a:p>
+            <a:pPr marL="0" indent="0">
+              <a:buNone/>
+            </a:pPr>
+            <a:r>
+              <a:rPr lang="ko-KR" altLang="en-US" dirty="0" err="1"/>
+              <a:t>마지막스테이지</a:t>
+            </a:r>
+            <a:r>
+              <a:rPr lang="ko-KR" altLang="en-US" dirty="0"/>
               <a:t> </a:t>
             </a:r>
             <a:r>
-              <a:rPr lang="ko-KR" altLang="en-US" sz="1800" b="1" dirty="0" err="1" smtClean="0"/>
-              <a:t>좋을것같음</a:t>
-            </a:r>
-            <a:endParaRPr lang="en-US" altLang="ko-KR" sz="1800" b="1" dirty="0" smtClean="0"/>
-          </a:p>
-          <a:p>
-            <a:r>
-              <a:rPr lang="ko-KR" altLang="en-US" sz="1800" b="1" dirty="0" smtClean="0"/>
-              <a:t>군인스테이지에 기본 보병 추가 </a:t>
-            </a:r>
-            <a:r>
-              <a:rPr lang="en-US" altLang="ko-KR" sz="1800" b="1" dirty="0" smtClean="0"/>
-              <a:t>+ </a:t>
-            </a:r>
-            <a:r>
-              <a:rPr lang="ko-KR" altLang="en-US" sz="1800" b="1" dirty="0" err="1" smtClean="0"/>
-              <a:t>기존에있던</a:t>
-            </a:r>
-            <a:r>
-              <a:rPr lang="ko-KR" altLang="en-US" sz="1800" b="1" dirty="0" smtClean="0"/>
+              <a:rPr lang="ko-KR" altLang="en-US" dirty="0" err="1"/>
+              <a:t>맵밖에서</a:t>
+            </a:r>
+            <a:r>
+              <a:rPr lang="ko-KR" altLang="en-US" dirty="0"/>
               <a:t> </a:t>
             </a:r>
             <a:r>
-              <a:rPr lang="ko-KR" altLang="en-US" sz="1800" b="1" dirty="0" err="1" smtClean="0"/>
-              <a:t>대포병</a:t>
-            </a:r>
-            <a:r>
-              <a:rPr lang="en-US" altLang="ko-KR" sz="1800" b="1" dirty="0" smtClean="0"/>
-              <a:t>,</a:t>
-            </a:r>
-            <a:r>
-              <a:rPr lang="ko-KR" altLang="en-US" sz="1800" b="1" dirty="0" smtClean="0"/>
+              <a:rPr lang="ko-KR" altLang="en-US" dirty="0" err="1"/>
+              <a:t>빠른속도로</a:t>
+            </a:r>
+            <a:r>
+              <a:rPr lang="ko-KR" altLang="en-US" dirty="0"/>
+              <a:t> </a:t>
+            </a:r>
+            <a:r>
+              <a:rPr lang="ko-KR" altLang="en-US" dirty="0" err="1"/>
+              <a:t>일반닌자가</a:t>
+            </a:r>
+            <a:r>
+              <a:rPr lang="ko-KR" altLang="en-US" dirty="0"/>
+              <a:t> 돌아다님 일정시간 지나면 사라짐 따라가서 </a:t>
+            </a:r>
+            <a:r>
+              <a:rPr lang="ko-KR" altLang="en-US" dirty="0" smtClean="0"/>
+              <a:t>잡아야 함</a:t>
+            </a:r>
+            <a:endParaRPr lang="ko-KR" altLang="en-US" dirty="0"/>
+          </a:p>
+          <a:p>
+            <a:endParaRPr lang="ko" altLang="en-US" dirty="0"/>
+          </a:p>
+          <a:p>
+            <a:r>
+              <a:rPr lang="ko-KR" altLang="en-US" dirty="0"/>
               <a:t>저격수</a:t>
             </a:r>
             <a:r>
-              <a:rPr lang="en-US" altLang="ko-KR" sz="1800" b="1" dirty="0" smtClean="0"/>
-              <a:t>,</a:t>
-            </a:r>
-            <a:r>
-              <a:rPr lang="ko-KR" altLang="en-US" sz="1800" b="1" dirty="0" err="1" smtClean="0"/>
-              <a:t>포탑짓는애</a:t>
-            </a:r>
-            <a:r>
-              <a:rPr lang="ko-KR" altLang="en-US" sz="1800" b="1" dirty="0" smtClean="0"/>
-              <a:t> 사용</a:t>
-            </a:r>
-            <a:endParaRPr lang="en-US" altLang="ko-KR" sz="1800" b="1" dirty="0" smtClean="0"/>
-          </a:p>
-          <a:p>
-            <a:r>
-              <a:rPr lang="ko-KR" altLang="en-US" sz="1800" b="1" dirty="0" smtClean="0"/>
-              <a:t>요원스테이지에 쌍권총요원 </a:t>
-            </a:r>
-            <a:r>
-              <a:rPr lang="en-US" altLang="ko-KR" sz="1800" b="1" dirty="0" smtClean="0"/>
-              <a:t>+ </a:t>
-            </a:r>
-            <a:r>
-              <a:rPr lang="ko-KR" altLang="en-US" sz="1800" b="1" dirty="0" smtClean="0"/>
-              <a:t>암살자 </a:t>
-            </a:r>
-            <a:r>
-              <a:rPr lang="en-US" altLang="ko-KR" sz="1800" b="1" dirty="0" smtClean="0"/>
-              <a:t>+ </a:t>
-            </a:r>
-            <a:r>
-              <a:rPr lang="ko-KR" altLang="en-US" sz="1800" b="1" dirty="0" smtClean="0"/>
-              <a:t>기타요원</a:t>
-            </a:r>
-            <a:r>
-              <a:rPr lang="en-US" altLang="ko-KR" sz="1800" b="1" dirty="0" smtClean="0"/>
+              <a:rPr lang="en-US" altLang="ko" dirty="0"/>
+              <a:t>(</a:t>
+            </a:r>
+            <a:r>
+              <a:rPr lang="ko-KR" altLang="en-US" dirty="0" err="1" smtClean="0"/>
+              <a:t>에꾸눈임</a:t>
+            </a:r>
+            <a:r>
+              <a:rPr lang="ko-KR" altLang="en-US" dirty="0" smtClean="0"/>
+              <a:t> </a:t>
+            </a:r>
+            <a:r>
+              <a:rPr lang="en-US" altLang="ko" dirty="0" smtClean="0"/>
+              <a:t>- </a:t>
+            </a:r>
+            <a:r>
+              <a:rPr lang="ko-KR" altLang="en-US" dirty="0" err="1"/>
+              <a:t>스킬을쓰면</a:t>
+            </a:r>
+            <a:r>
+              <a:rPr lang="ko-KR" altLang="en-US" dirty="0"/>
+              <a:t> </a:t>
+            </a:r>
+            <a:r>
+              <a:rPr lang="ko-KR" altLang="en-US" dirty="0" smtClean="0"/>
+              <a:t>시간이 멈추고 </a:t>
+            </a:r>
+            <a:r>
+              <a:rPr lang="ko-KR" altLang="en-US" dirty="0" err="1" smtClean="0"/>
+              <a:t>한명</a:t>
+            </a:r>
+            <a:r>
+              <a:rPr lang="ko-KR" altLang="en-US" dirty="0" smtClean="0"/>
+              <a:t> </a:t>
+            </a:r>
+            <a:r>
+              <a:rPr lang="ko-KR" altLang="en-US" dirty="0"/>
+              <a:t>터치해서 </a:t>
+            </a:r>
+            <a:r>
+              <a:rPr lang="ko-KR" altLang="en-US" dirty="0" smtClean="0"/>
+              <a:t>사격할 수 있음 </a:t>
+            </a:r>
+            <a:r>
+              <a:rPr lang="ko-KR" altLang="en-US" dirty="0" err="1"/>
+              <a:t>데미지</a:t>
+            </a:r>
+            <a:r>
+              <a:rPr lang="ko-KR" altLang="en-US" dirty="0"/>
+              <a:t> </a:t>
+            </a:r>
+            <a:r>
+              <a:rPr lang="ko-KR" altLang="en-US" dirty="0" err="1"/>
+              <a:t>겁나세게</a:t>
+            </a:r>
+            <a:r>
+              <a:rPr lang="ko-KR" altLang="en-US" dirty="0"/>
+              <a:t> 들어감 </a:t>
+            </a:r>
+            <a:r>
+              <a:rPr lang="ko-KR" altLang="en-US" dirty="0" err="1"/>
+              <a:t>쿨타임</a:t>
+            </a:r>
+            <a:r>
+              <a:rPr lang="ko-KR" altLang="en-US" dirty="0"/>
+              <a:t> 길음</a:t>
+            </a:r>
+            <a:r>
+              <a:rPr lang="en-US" altLang="ko" dirty="0"/>
+              <a:t>)</a:t>
+            </a:r>
+            <a:endParaRPr lang="ko" altLang="en-US" dirty="0"/>
+          </a:p>
+          <a:p>
+            <a:pPr marL="0" indent="0">
+              <a:buNone/>
+            </a:pPr>
+            <a:r>
+              <a:rPr lang="en-US" altLang="ko" dirty="0"/>
+              <a:t>)</a:t>
+            </a:r>
+            <a:endParaRPr lang="ko" altLang="en-US" dirty="0"/>
+          </a:p>
+          <a:p>
+            <a:pPr marL="0" indent="0">
+              <a:buNone/>
+            </a:pPr>
+            <a:r>
+              <a:rPr lang="en-US" altLang="ko-KR" dirty="0" smtClean="0"/>
+              <a:t>	</a:t>
+            </a:r>
+            <a:r>
+              <a:rPr lang="ko-KR" altLang="en-US" dirty="0" smtClean="0"/>
+              <a:t>게임을 </a:t>
+            </a:r>
+            <a:r>
+              <a:rPr lang="en-US" altLang="ko-KR" dirty="0" smtClean="0"/>
               <a:t>2</a:t>
             </a:r>
             <a:r>
-              <a:rPr lang="ko-KR" altLang="en-US" sz="1800" b="1" dirty="0" smtClean="0"/>
-              <a:t>개 </a:t>
-            </a:r>
-            <a:r>
-              <a:rPr lang="ko-KR" altLang="en-US" sz="1800" b="1" dirty="0" err="1" smtClean="0"/>
-              <a:t>이런식으로</a:t>
-            </a:r>
-            <a:r>
-              <a:rPr lang="ko-KR" altLang="en-US" sz="1800" b="1" dirty="0" smtClean="0"/>
-              <a:t> </a:t>
-            </a:r>
-            <a:r>
-              <a:rPr lang="ko-KR" altLang="en-US" sz="1800" b="1" dirty="0" err="1" smtClean="0"/>
-              <a:t>하는것이</a:t>
-            </a:r>
-            <a:r>
-              <a:rPr lang="ko-KR" altLang="en-US" sz="1800" b="1" dirty="0" smtClean="0"/>
-              <a:t> </a:t>
-            </a:r>
-            <a:r>
-              <a:rPr lang="ko-KR" altLang="en-US" sz="1800" b="1" dirty="0" err="1" smtClean="0"/>
-              <a:t>좋아보임</a:t>
-            </a:r>
-            <a:endParaRPr lang="en-US" altLang="ko-KR" sz="1800" b="1" dirty="0" smtClean="0"/>
+              <a:rPr lang="ko-KR" altLang="en-US" dirty="0" smtClean="0"/>
+              <a:t>번 </a:t>
+            </a:r>
+            <a:r>
+              <a:rPr lang="ko-KR" altLang="en-US" dirty="0" err="1" smtClean="0"/>
+              <a:t>클리어</a:t>
+            </a:r>
+            <a:r>
+              <a:rPr lang="ko-KR" altLang="en-US" dirty="0" smtClean="0"/>
+              <a:t> 하면 나옴</a:t>
+            </a:r>
+            <a:endParaRPr lang="ko-KR" altLang="en-US" dirty="0"/>
+          </a:p>
+          <a:p>
+            <a:endParaRPr lang="ko" altLang="en-US" dirty="0"/>
+          </a:p>
+          <a:p>
+            <a:r>
+              <a:rPr lang="ko-KR" altLang="en-US" dirty="0"/>
+              <a:t>보안 로봇</a:t>
+            </a:r>
+            <a:r>
+              <a:rPr lang="en-US" altLang="ko" dirty="0"/>
+              <a:t>(</a:t>
+            </a:r>
+            <a:r>
+              <a:rPr lang="ko-KR" altLang="en-US" dirty="0"/>
+              <a:t>달려가서 자폭하는 로봇들 </a:t>
+            </a:r>
+            <a:r>
+              <a:rPr lang="en-US" altLang="ko" dirty="0"/>
+              <a:t>5</a:t>
+            </a:r>
+            <a:r>
+              <a:rPr lang="ko-KR" altLang="en-US" dirty="0"/>
+              <a:t>마리 </a:t>
+            </a:r>
+            <a:r>
+              <a:rPr lang="ko-KR" altLang="en-US" dirty="0" smtClean="0"/>
+              <a:t>나옴 가방 무게 제한 없음 먹으면 먹을수록 칸이 아래로 쌓임</a:t>
+            </a:r>
+            <a:r>
+              <a:rPr lang="en-US" altLang="ko" dirty="0" smtClean="0"/>
+              <a:t>)</a:t>
+            </a:r>
+          </a:p>
+          <a:p>
+            <a:pPr marL="0" indent="0">
+              <a:buNone/>
+            </a:pPr>
+            <a:r>
+              <a:rPr lang="ko-KR" altLang="en-US" dirty="0" smtClean="0"/>
+              <a:t>게임 누적 플레이 시간 </a:t>
+            </a:r>
+            <a:r>
+              <a:rPr lang="en-US" altLang="ko-KR" dirty="0" smtClean="0"/>
+              <a:t>20</a:t>
+            </a:r>
+            <a:r>
+              <a:rPr lang="ko-KR" altLang="en-US" dirty="0" smtClean="0"/>
+              <a:t>시간 이상이면 </a:t>
+            </a:r>
+            <a:r>
+              <a:rPr lang="ko-KR" altLang="en-US" dirty="0" err="1" smtClean="0"/>
+              <a:t>언락</a:t>
+            </a:r>
+            <a:endParaRPr lang="en-US" altLang="ko" dirty="0" smtClean="0"/>
+          </a:p>
+          <a:p>
+            <a:endParaRPr lang="ko" altLang="en-US" dirty="0"/>
+          </a:p>
+          <a:p>
+            <a:endParaRPr lang="ko" altLang="en-US" dirty="0"/>
+          </a:p>
+          <a:p>
+            <a:r>
+              <a:rPr lang="ko-KR" altLang="en-US" dirty="0"/>
+              <a:t>과학자 주인공</a:t>
+            </a:r>
+          </a:p>
+          <a:p>
+            <a:pPr marL="0" indent="0">
+              <a:buNone/>
+            </a:pPr>
+            <a:r>
+              <a:rPr lang="ko-KR" altLang="en-US" dirty="0"/>
+              <a:t>선택조건</a:t>
+            </a:r>
+            <a:r>
+              <a:rPr lang="en-US" altLang="ko-KR" dirty="0"/>
+              <a:t>: </a:t>
+            </a:r>
+            <a:r>
+              <a:rPr lang="ko-KR" altLang="en-US" dirty="0"/>
+              <a:t>과학자스테이지만 </a:t>
+            </a:r>
+            <a:r>
+              <a:rPr lang="ko-KR" altLang="en-US" dirty="0" err="1"/>
+              <a:t>맵</a:t>
+            </a:r>
+            <a:r>
+              <a:rPr lang="ko-KR" altLang="en-US" dirty="0"/>
+              <a:t> 구석에 일정 확률로 나타남 </a:t>
+            </a:r>
+            <a:r>
+              <a:rPr lang="en-US" altLang="ko-KR" dirty="0"/>
+              <a:t>3</a:t>
+            </a:r>
+            <a:r>
+              <a:rPr lang="ko-KR" altLang="en-US" dirty="0"/>
+              <a:t>번째로 만났을 때까지 꾸준히 말 걸면  </a:t>
+            </a:r>
+            <a:r>
+              <a:rPr lang="ko-KR" altLang="en-US" dirty="0" err="1"/>
+              <a:t>언락</a:t>
+            </a:r>
+            <a:r>
+              <a:rPr lang="ko-KR" altLang="en-US" dirty="0"/>
+              <a:t> 됨 </a:t>
+            </a:r>
+            <a:r>
+              <a:rPr lang="ko-KR" altLang="en-US" dirty="0" err="1"/>
+              <a:t>ㅇ</a:t>
+            </a:r>
+            <a:endParaRPr lang="en-US" altLang="ko-KR" dirty="0"/>
+          </a:p>
+          <a:p>
+            <a:endParaRPr lang="ko" altLang="en-US" dirty="0"/>
+          </a:p>
+          <a:p>
+            <a:endParaRPr lang="en-US" altLang="ko-KR" b="1" dirty="0" smtClean="0"/>
           </a:p>
         </p:txBody>
       </p:sp>
     </p:spTree>
     <p:extLst>
       <p:ext uri="{BB962C8B-B14F-4D97-AF65-F5344CB8AC3E}">
-        <p14:creationId xmlns:p14="http://schemas.microsoft.com/office/powerpoint/2010/main" val="1552690130"/>
+        <p14:creationId xmlns:p14="http://schemas.microsoft.com/office/powerpoint/2010/main" val="2682462336"/>
       </p:ext>
     </p:extLst>
   </p:cSld>
@@ -14199,6 +16496,241 @@
             <p:ph idx="1"/>
           </p:nvPr>
         </p:nvSpPr>
+        <p:spPr/>
+        <p:txBody>
+          <a:bodyPr>
+            <a:normAutofit/>
+          </a:bodyPr>
+          <a:lstStyle/>
+          <a:p>
+            <a:r>
+              <a:rPr lang="ko-KR" altLang="en-US" sz="1800" b="1" dirty="0" smtClean="0"/>
+              <a:t>마지막 스테이지 </a:t>
+            </a:r>
+            <a:r>
+              <a:rPr lang="ko-KR" altLang="en-US" sz="1800" b="1" dirty="0" err="1" smtClean="0"/>
+              <a:t>몬스터들간의</a:t>
+            </a:r>
+            <a:r>
+              <a:rPr lang="ko-KR" altLang="en-US" sz="1800" b="1" dirty="0" smtClean="0"/>
+              <a:t> 연관성이 별로 없는 것 같음</a:t>
+            </a:r>
+            <a:r>
+              <a:rPr lang="en-US" altLang="ko-KR" sz="1800" b="1" dirty="0" smtClean="0"/>
+              <a:t>.</a:t>
+            </a:r>
+          </a:p>
+          <a:p>
+            <a:r>
+              <a:rPr lang="en-US" altLang="ko-KR" sz="1800" b="1" dirty="0" smtClean="0"/>
+              <a:t>1,2,3,4</a:t>
+            </a:r>
+            <a:r>
+              <a:rPr lang="ko-KR" altLang="en-US" sz="1800" b="1" dirty="0" smtClean="0"/>
+              <a:t>스테이지는 </a:t>
+            </a:r>
+            <a:r>
+              <a:rPr lang="ko-KR" altLang="en-US" sz="1800" b="1" dirty="0" err="1" smtClean="0"/>
+              <a:t>컨셉이</a:t>
+            </a:r>
+            <a:r>
+              <a:rPr lang="ko-KR" altLang="en-US" sz="1800" b="1" dirty="0" smtClean="0"/>
+              <a:t> 서로 맞게 잘 된 것 같은데 마지막 스테이지는 서로 따로 노는 느낌이듬</a:t>
+            </a:r>
+            <a:endParaRPr lang="en-US" altLang="ko-KR" sz="1800" b="1" dirty="0"/>
+          </a:p>
+          <a:p>
+            <a:r>
+              <a:rPr lang="en-US" altLang="ko-KR" sz="1800" b="1" dirty="0" smtClean="0"/>
+              <a:t> </a:t>
+            </a:r>
+            <a:r>
+              <a:rPr lang="ko-KR" altLang="en-US" sz="1800" b="1" dirty="0" smtClean="0"/>
+              <a:t>차라리 요원스테이지 </a:t>
+            </a:r>
+            <a:r>
+              <a:rPr lang="ko-KR" altLang="en-US" sz="1800" b="1" dirty="0" err="1" smtClean="0"/>
+              <a:t>군인스테이지롤</a:t>
+            </a:r>
+            <a:r>
+              <a:rPr lang="ko-KR" altLang="en-US" sz="1800" b="1" dirty="0" smtClean="0"/>
+              <a:t> </a:t>
+            </a:r>
+            <a:r>
+              <a:rPr lang="ko-KR" altLang="en-US" sz="1800" b="1" dirty="0" err="1" smtClean="0"/>
+              <a:t>나누는것이</a:t>
+            </a:r>
+            <a:r>
+              <a:rPr lang="ko-KR" altLang="en-US" sz="1800" b="1" dirty="0" smtClean="0"/>
+              <a:t> </a:t>
+            </a:r>
+            <a:r>
+              <a:rPr lang="ko-KR" altLang="en-US" sz="1800" b="1" dirty="0" err="1" smtClean="0"/>
+              <a:t>좋을것같음</a:t>
+            </a:r>
+            <a:endParaRPr lang="en-US" altLang="ko-KR" sz="1800" b="1" dirty="0" smtClean="0"/>
+          </a:p>
+          <a:p>
+            <a:r>
+              <a:rPr lang="ko-KR" altLang="en-US" sz="1800" b="1" dirty="0" smtClean="0"/>
+              <a:t>군인스테이지에 기본 보병 추가 </a:t>
+            </a:r>
+            <a:r>
+              <a:rPr lang="en-US" altLang="ko-KR" sz="1800" b="1" dirty="0" smtClean="0"/>
+              <a:t>+ </a:t>
+            </a:r>
+            <a:r>
+              <a:rPr lang="ko-KR" altLang="en-US" sz="1800" b="1" dirty="0" err="1" smtClean="0"/>
+              <a:t>기존에있던</a:t>
+            </a:r>
+            <a:r>
+              <a:rPr lang="ko-KR" altLang="en-US" sz="1800" b="1" dirty="0" smtClean="0"/>
+              <a:t> </a:t>
+            </a:r>
+            <a:r>
+              <a:rPr lang="ko-KR" altLang="en-US" sz="1800" b="1" dirty="0" err="1" smtClean="0"/>
+              <a:t>대포병</a:t>
+            </a:r>
+            <a:r>
+              <a:rPr lang="en-US" altLang="ko-KR" sz="1800" b="1" dirty="0" smtClean="0"/>
+              <a:t>,</a:t>
+            </a:r>
+            <a:r>
+              <a:rPr lang="ko-KR" altLang="en-US" sz="1800" b="1" dirty="0" smtClean="0"/>
+              <a:t>저격수</a:t>
+            </a:r>
+            <a:r>
+              <a:rPr lang="en-US" altLang="ko-KR" sz="1800" b="1" dirty="0" smtClean="0"/>
+              <a:t>,</a:t>
+            </a:r>
+            <a:r>
+              <a:rPr lang="ko-KR" altLang="en-US" sz="1800" b="1" dirty="0" err="1" smtClean="0"/>
+              <a:t>포탑짓는애</a:t>
+            </a:r>
+            <a:r>
+              <a:rPr lang="ko-KR" altLang="en-US" sz="1800" b="1" dirty="0" smtClean="0"/>
+              <a:t> 사용</a:t>
+            </a:r>
+            <a:endParaRPr lang="en-US" altLang="ko-KR" sz="1800" b="1" dirty="0" smtClean="0"/>
+          </a:p>
+          <a:p>
+            <a:r>
+              <a:rPr lang="ko-KR" altLang="en-US" sz="1800" b="1" dirty="0" smtClean="0"/>
+              <a:t>요원스테이지에 쌍권총요원 </a:t>
+            </a:r>
+            <a:r>
+              <a:rPr lang="en-US" altLang="ko-KR" sz="1800" b="1" dirty="0" smtClean="0"/>
+              <a:t>+ </a:t>
+            </a:r>
+            <a:r>
+              <a:rPr lang="ko-KR" altLang="en-US" sz="1800" b="1" dirty="0" smtClean="0"/>
+              <a:t>암살자 </a:t>
+            </a:r>
+            <a:r>
+              <a:rPr lang="en-US" altLang="ko-KR" sz="1800" b="1" dirty="0" smtClean="0"/>
+              <a:t>+ </a:t>
+            </a:r>
+            <a:r>
+              <a:rPr lang="ko-KR" altLang="en-US" sz="1800" b="1" dirty="0" smtClean="0"/>
+              <a:t>기타요원</a:t>
+            </a:r>
+            <a:r>
+              <a:rPr lang="en-US" altLang="ko-KR" sz="1800" b="1" dirty="0" smtClean="0"/>
+              <a:t>2</a:t>
+            </a:r>
+            <a:r>
+              <a:rPr lang="ko-KR" altLang="en-US" sz="1800" b="1" dirty="0" smtClean="0"/>
+              <a:t>개 </a:t>
+            </a:r>
+            <a:r>
+              <a:rPr lang="ko-KR" altLang="en-US" sz="1800" b="1" dirty="0" err="1" smtClean="0"/>
+              <a:t>이런식으로</a:t>
+            </a:r>
+            <a:r>
+              <a:rPr lang="ko-KR" altLang="en-US" sz="1800" b="1" dirty="0" smtClean="0"/>
+              <a:t> </a:t>
+            </a:r>
+            <a:r>
+              <a:rPr lang="ko-KR" altLang="en-US" sz="1800" b="1" dirty="0" err="1" smtClean="0"/>
+              <a:t>하는것이</a:t>
+            </a:r>
+            <a:r>
+              <a:rPr lang="ko-KR" altLang="en-US" sz="1800" b="1" dirty="0" smtClean="0"/>
+              <a:t> </a:t>
+            </a:r>
+            <a:r>
+              <a:rPr lang="ko-KR" altLang="en-US" sz="1800" b="1" dirty="0" err="1" smtClean="0"/>
+              <a:t>좋아보임</a:t>
+            </a:r>
+            <a:endParaRPr lang="en-US" altLang="ko-KR" sz="1800" b="1" dirty="0" smtClean="0"/>
+          </a:p>
+        </p:txBody>
+      </p:sp>
+    </p:spTree>
+    <p:extLst>
+      <p:ext uri="{BB962C8B-B14F-4D97-AF65-F5344CB8AC3E}">
+        <p14:creationId xmlns:p14="http://schemas.microsoft.com/office/powerpoint/2010/main" val="1552690130"/>
+      </p:ext>
+    </p:extLst>
+  </p:cSld>
+  <p:clrMapOvr>
+    <a:masterClrMapping/>
+  </p:clrMapOvr>
+</p:sld>
+</file>
+
+<file path=ppt/slides/slide35.xml><?xml version="1.0" encoding="utf-8"?>
+<p:sld xmlns:a="http://schemas.openxmlformats.org/drawingml/2006/main" xmlns:r="http://schemas.openxmlformats.org/officeDocument/2006/relationships" xmlns:p="http://schemas.openxmlformats.org/presentationml/2006/main">
+  <p:cSld>
+    <p:spTree>
+      <p:nvGrpSpPr>
+        <p:cNvPr id="1" name=""/>
+        <p:cNvGrpSpPr/>
+        <p:nvPr/>
+      </p:nvGrpSpPr>
+      <p:grpSpPr>
+        <a:xfrm>
+          <a:off x="0" y="0"/>
+          <a:ext cx="0" cy="0"/>
+          <a:chOff x="0" y="0"/>
+          <a:chExt cx="0" cy="0"/>
+        </a:xfrm>
+      </p:grpSpPr>
+      <p:sp>
+        <p:nvSpPr>
+          <p:cNvPr id="2" name="제목 1"/>
+          <p:cNvSpPr>
+            <a:spLocks noGrp="1"/>
+          </p:cNvSpPr>
+          <p:nvPr>
+            <p:ph type="title"/>
+          </p:nvPr>
+        </p:nvSpPr>
+        <p:spPr/>
+        <p:txBody>
+          <a:bodyPr>
+            <a:normAutofit/>
+          </a:bodyPr>
+          <a:lstStyle/>
+          <a:p>
+            <a:r>
+              <a:rPr lang="ko-KR" altLang="en-US" dirty="0" smtClean="0"/>
+              <a:t>기타의견</a:t>
+            </a:r>
+            <a:endParaRPr lang="ko-KR" altLang="en-US" dirty="0"/>
+          </a:p>
+        </p:txBody>
+      </p:sp>
+      <p:sp>
+        <p:nvSpPr>
+          <p:cNvPr id="3" name="내용 개체 틀 2"/>
+          <p:cNvSpPr>
+            <a:spLocks noGrp="1"/>
+          </p:cNvSpPr>
+          <p:nvPr>
+            <p:ph idx="1"/>
+          </p:nvPr>
+        </p:nvSpPr>
         <p:spPr>
           <a:xfrm>
             <a:off x="-108520" y="1412776"/>
@@ -14533,7 +17065,7 @@
 </p:sld>
 </file>
 
-<file path=ppt/slides/slide35.xml><?xml version="1.0" encoding="utf-8"?>
+<file path=ppt/slides/slide36.xml><?xml version="1.0" encoding="utf-8"?>
 <p:sld xmlns:a="http://schemas.openxmlformats.org/drawingml/2006/main" xmlns:r="http://schemas.openxmlformats.org/officeDocument/2006/relationships" xmlns:p="http://schemas.openxmlformats.org/presentationml/2006/main">
   <p:cSld>
     <p:spTree>

--- a/EscapeJail/Assets/기획/스테이지1기획.pptx
+++ b/EscapeJail/Assets/기획/스테이지1기획.pptx
@@ -41,6 +41,7 @@
     <p:sldId id="292" r:id="rId35"/>
     <p:sldId id="293" r:id="rId36"/>
     <p:sldId id="294" r:id="rId37"/>
+    <p:sldId id="297" r:id="rId38"/>
   </p:sldIdLst>
   <p:sldSz cx="9144000" cy="6858000" type="screen4x3"/>
   <p:notesSz cx="6858000" cy="9144000"/>
@@ -15124,12 +15125,25 @@
             </a:r>
             <a:r>
               <a:rPr lang="ko-KR" altLang="en-US" b="1" dirty="0" smtClean="0"/>
-              <a:t> 사정거리</a:t>
+              <a:t> </a:t>
+            </a:r>
+            <a:r>
+              <a:rPr lang="ko-KR" altLang="en-US" b="1" dirty="0" smtClean="0"/>
+              <a:t>사정거리 </a:t>
+            </a:r>
+            <a:r>
+              <a:rPr lang="en-US" altLang="ko-KR" b="1" dirty="0" smtClean="0"/>
+              <a:t>-&gt;</a:t>
+            </a:r>
+            <a:r>
+              <a:rPr lang="ko-KR" altLang="en-US" b="1" dirty="0" smtClean="0"/>
+              <a:t>초크</a:t>
             </a:r>
             <a:r>
               <a:rPr lang="en-US" altLang="ko-KR" b="1" dirty="0" smtClean="0"/>
               <a:t>)</a:t>
             </a:r>
+            <a:endParaRPr lang="en-US" altLang="ko-KR" b="1" dirty="0" smtClean="0"/>
           </a:p>
           <a:p>
             <a:r>
@@ -15450,6 +15464,44 @@
               <a:t>)</a:t>
             </a:r>
           </a:p>
+          <a:p>
+            <a:r>
+              <a:rPr lang="ko-KR" altLang="en-US" b="1" dirty="0" err="1" smtClean="0"/>
+              <a:t>레드닷</a:t>
+            </a:r>
+            <a:endParaRPr lang="en-US" altLang="ko-KR" b="1" dirty="0" smtClean="0"/>
+          </a:p>
+          <a:p>
+            <a:r>
+              <a:rPr lang="ko-KR" altLang="en-US" b="1" dirty="0" err="1" smtClean="0"/>
+              <a:t>스카우터</a:t>
+            </a:r>
+            <a:r>
+              <a:rPr lang="en-US" altLang="ko-KR" b="1" dirty="0" smtClean="0"/>
+              <a:t>(</a:t>
+            </a:r>
+            <a:r>
+              <a:rPr lang="ko-KR" altLang="en-US" b="1" dirty="0" err="1" smtClean="0"/>
+              <a:t>몬스터들</a:t>
+            </a:r>
+            <a:r>
+              <a:rPr lang="ko-KR" altLang="en-US" b="1" dirty="0" smtClean="0"/>
+              <a:t> </a:t>
+            </a:r>
+            <a:r>
+              <a:rPr lang="ko-KR" altLang="en-US" b="1" dirty="0" err="1" smtClean="0"/>
+              <a:t>체력바가</a:t>
+            </a:r>
+            <a:r>
+              <a:rPr lang="ko-KR" altLang="en-US" b="1" dirty="0" smtClean="0"/>
+              <a:t> 보임</a:t>
+            </a:r>
+            <a:r>
+              <a:rPr lang="en-US" altLang="ko-KR" b="1" smtClean="0"/>
+              <a:t>)</a:t>
+            </a:r>
+            <a:endParaRPr lang="en-US" altLang="ko-KR" b="1" dirty="0" smtClean="0"/>
+          </a:p>
         </p:txBody>
       </p:sp>
     </p:spTree>
@@ -17280,6 +17332,153 @@
     <p:extLst>
       <p:ext uri="{BB962C8B-B14F-4D97-AF65-F5344CB8AC3E}">
         <p14:creationId xmlns:p14="http://schemas.microsoft.com/office/powerpoint/2010/main" val="3036180783"/>
+      </p:ext>
+    </p:extLst>
+  </p:cSld>
+  <p:clrMapOvr>
+    <a:masterClrMapping/>
+  </p:clrMapOvr>
+</p:sld>
+</file>
+
+<file path=ppt/slides/slide37.xml><?xml version="1.0" encoding="utf-8"?>
+<p:sld xmlns:a="http://schemas.openxmlformats.org/drawingml/2006/main" xmlns:r="http://schemas.openxmlformats.org/officeDocument/2006/relationships" xmlns:p="http://schemas.openxmlformats.org/presentationml/2006/main">
+  <p:cSld>
+    <p:spTree>
+      <p:nvGrpSpPr>
+        <p:cNvPr id="1" name=""/>
+        <p:cNvGrpSpPr/>
+        <p:nvPr/>
+      </p:nvGrpSpPr>
+      <p:grpSpPr>
+        <a:xfrm>
+          <a:off x="0" y="0"/>
+          <a:ext cx="0" cy="0"/>
+          <a:chOff x="0" y="0"/>
+          <a:chExt cx="0" cy="0"/>
+        </a:xfrm>
+      </p:grpSpPr>
+      <p:sp>
+        <p:nvSpPr>
+          <p:cNvPr id="2" name="제목 1"/>
+          <p:cNvSpPr>
+            <a:spLocks noGrp="1"/>
+          </p:cNvSpPr>
+          <p:nvPr>
+            <p:ph type="title"/>
+          </p:nvPr>
+        </p:nvSpPr>
+        <p:spPr/>
+        <p:txBody>
+          <a:bodyPr>
+            <a:normAutofit/>
+          </a:bodyPr>
+          <a:lstStyle/>
+          <a:p>
+            <a:r>
+              <a:rPr lang="ko-KR" altLang="en-US" dirty="0" err="1" smtClean="0"/>
+              <a:t>불편한점</a:t>
+            </a:r>
+            <a:endParaRPr lang="ko-KR" altLang="en-US" dirty="0"/>
+          </a:p>
+        </p:txBody>
+      </p:sp>
+      <p:sp>
+        <p:nvSpPr>
+          <p:cNvPr id="3" name="내용 개체 틀 2"/>
+          <p:cNvSpPr>
+            <a:spLocks noGrp="1"/>
+          </p:cNvSpPr>
+          <p:nvPr>
+            <p:ph idx="1"/>
+          </p:nvPr>
+        </p:nvSpPr>
+        <p:spPr>
+          <a:xfrm>
+            <a:off x="-108520" y="1412776"/>
+            <a:ext cx="9613576" cy="5301208"/>
+          </a:xfrm>
+        </p:spPr>
+        <p:txBody>
+          <a:bodyPr>
+            <a:normAutofit/>
+          </a:bodyPr>
+          <a:lstStyle/>
+          <a:p>
+            <a:r>
+              <a:rPr lang="ko-KR" altLang="en-US" sz="1800" b="1" dirty="0" smtClean="0"/>
+              <a:t>이동 조이스틱을 이동식으로도 </a:t>
+            </a:r>
+            <a:r>
+              <a:rPr lang="ko-KR" altLang="en-US" sz="1800" b="1" dirty="0" err="1" smtClean="0"/>
+              <a:t>쓸수있는</a:t>
+            </a:r>
+            <a:r>
+              <a:rPr lang="ko-KR" altLang="en-US" sz="1800" b="1" dirty="0" smtClean="0"/>
+              <a:t> 설정</a:t>
+            </a:r>
+            <a:endParaRPr lang="en-US" altLang="ko-KR" sz="1800" b="1" dirty="0" smtClean="0"/>
+          </a:p>
+          <a:p>
+            <a:r>
+              <a:rPr lang="ko-KR" altLang="en-US" sz="1800" b="1" dirty="0" smtClean="0"/>
+              <a:t>무기 슬롯이 </a:t>
+            </a:r>
+            <a:r>
+              <a:rPr lang="ko-KR" altLang="en-US" sz="1800" b="1" dirty="0" err="1" smtClean="0"/>
+              <a:t>필요해보임</a:t>
+            </a:r>
+            <a:r>
+              <a:rPr lang="en-US" altLang="ko-KR" sz="1800" b="1" dirty="0" smtClean="0"/>
+              <a:t>(</a:t>
+            </a:r>
+            <a:r>
+              <a:rPr lang="ko-KR" altLang="en-US" sz="1800" b="1" dirty="0" smtClean="0"/>
+              <a:t>총</a:t>
+            </a:r>
+            <a:r>
+              <a:rPr lang="en-US" altLang="ko-KR" sz="1800" b="1" smtClean="0"/>
+              <a:t>,</a:t>
+            </a:r>
+            <a:r>
+              <a:rPr lang="ko-KR" altLang="en-US" sz="1800" b="1" smtClean="0"/>
+              <a:t>칼을 급하게 </a:t>
+            </a:r>
+            <a:r>
+              <a:rPr lang="ko-KR" altLang="en-US" sz="1800" b="1" dirty="0" err="1" smtClean="0"/>
+              <a:t>스왑용으로</a:t>
+            </a:r>
+            <a:r>
+              <a:rPr lang="ko-KR" altLang="en-US" sz="1800" b="1" dirty="0" smtClean="0"/>
+              <a:t> </a:t>
+            </a:r>
+            <a:r>
+              <a:rPr lang="ko-KR" altLang="en-US" sz="1800" b="1" dirty="0" err="1" smtClean="0"/>
+              <a:t>써야할</a:t>
+            </a:r>
+            <a:r>
+              <a:rPr lang="ko-KR" altLang="en-US" sz="1800" b="1" dirty="0" smtClean="0"/>
+              <a:t> 필요가 </a:t>
+            </a:r>
+            <a:r>
+              <a:rPr lang="ko-KR" altLang="en-US" sz="1800" b="1" dirty="0" err="1" smtClean="0"/>
+              <a:t>있을떄가</a:t>
+            </a:r>
+            <a:r>
+              <a:rPr lang="ko-KR" altLang="en-US" sz="1800" b="1" dirty="0" smtClean="0"/>
+              <a:t> 있음</a:t>
+            </a:r>
+            <a:r>
+              <a:rPr lang="en-US" altLang="ko-KR" sz="1800" b="1" dirty="0" smtClean="0"/>
+              <a:t>)</a:t>
+            </a:r>
+          </a:p>
+        </p:txBody>
+      </p:sp>
+    </p:spTree>
+    <p:extLst>
+      <p:ext uri="{BB962C8B-B14F-4D97-AF65-F5344CB8AC3E}">
+        <p14:creationId xmlns:p14="http://schemas.microsoft.com/office/powerpoint/2010/main" val="709771759"/>
       </p:ext>
     </p:extLst>
   </p:cSld>

--- a/EscapeJail/Assets/기획/스테이지1기획.pptx
+++ b/EscapeJail/Assets/기획/스테이지1기획.pptx
@@ -3234,14 +3234,14 @@
           <p:nvPr>
             <p:extLst>
               <p:ext uri="{D42A27DB-BD31-4B8C-83A1-F6EECF244321}">
-                <p14:modId xmlns:p14="http://schemas.microsoft.com/office/powerpoint/2010/main" val="3126717849"/>
+                <p14:modId xmlns:p14="http://schemas.microsoft.com/office/powerpoint/2010/main" val="2030683734"/>
               </p:ext>
             </p:extLst>
           </p:nvPr>
         </p:nvGraphicFramePr>
         <p:xfrm>
           <a:off x="395536" y="1412776"/>
-          <a:ext cx="8136904" cy="4358640"/>
+          <a:ext cx="8136904" cy="4627880"/>
         </p:xfrm>
         <a:graphic>
           <a:graphicData uri="http://schemas.openxmlformats.org/drawingml/2006/table">
@@ -5235,6 +5235,22 @@
                     <a:bodyPr/>
                     <a:lstStyle/>
                     <a:p>
+                      <a:r>
+                        <a:rPr lang="ko-KR" altLang="en-US" dirty="0" smtClean="0"/>
+                        <a:t>만병통치약</a:t>
+                      </a:r>
+                      <a:r>
+                        <a:rPr lang="en-US" altLang="ko-KR" dirty="0" smtClean="0"/>
+                        <a:t>(</a:t>
+                      </a:r>
+                      <a:r>
+                        <a:rPr lang="en-US" altLang="ko-KR" dirty="0" err="1" smtClean="0"/>
+                        <a:t>cureall</a:t>
+                      </a:r>
+                      <a:r>
+                        <a:rPr lang="en-US" altLang="ko-KR" dirty="0" smtClean="0"/>
+                        <a:t>)</a:t>
+                      </a:r>
                       <a:endParaRPr lang="ko-KR" altLang="en-US" dirty="0"/>
                     </a:p>
                   </a:txBody>
@@ -15125,11 +15141,7 @@
             </a:r>
             <a:r>
               <a:rPr lang="ko-KR" altLang="en-US" b="1" dirty="0" smtClean="0"/>
-              <a:t> </a:t>
-            </a:r>
-            <a:r>
-              <a:rPr lang="ko-KR" altLang="en-US" b="1" dirty="0" smtClean="0"/>
-              <a:t>사정거리 </a:t>
+              <a:t> 사정거리 </a:t>
             </a:r>
             <a:r>
               <a:rPr lang="en-US" altLang="ko-KR" b="1" dirty="0" smtClean="0"/>
@@ -15143,7 +15155,6 @@
               <a:rPr lang="en-US" altLang="ko-KR" b="1" dirty="0" smtClean="0"/>
               <a:t>)</a:t>
             </a:r>
-            <a:endParaRPr lang="en-US" altLang="ko-KR" b="1" dirty="0" smtClean="0"/>
           </a:p>
           <a:p>
             <a:r>
@@ -15170,32 +15181,7 @@
               <a:rPr lang="en-US" altLang="ko-KR" b="1" dirty="0" smtClean="0"/>
               <a:t>)</a:t>
             </a:r>
-          </a:p>
-          <a:p>
-            <a:r>
-              <a:rPr lang="ko-KR" altLang="en-US" b="1" dirty="0" err="1" smtClean="0"/>
-              <a:t>흡혈의낫</a:t>
-            </a:r>
-            <a:r>
-              <a:rPr lang="en-US" altLang="ko-KR" b="1" dirty="0" smtClean="0"/>
-              <a:t>(?) (</a:t>
-            </a:r>
-            <a:r>
-              <a:rPr lang="ko-KR" altLang="en-US" b="1" dirty="0" smtClean="0"/>
-              <a:t>일정시간 피해를 입지 않으면 체력 회복</a:t>
-            </a:r>
-            <a:r>
-              <a:rPr lang="en-US" altLang="ko-KR" b="1" dirty="0" smtClean="0"/>
-              <a:t>,</a:t>
-            </a:r>
-            <a:r>
-              <a:rPr lang="ko-KR" altLang="en-US" b="1" dirty="0" smtClean="0"/>
-              <a:t>너무 사긴가</a:t>
-            </a:r>
-            <a:r>
-              <a:rPr lang="en-US" altLang="ko-KR" b="1" dirty="0" smtClean="0"/>
-              <a:t>)</a:t>
-            </a:r>
+            <a:endParaRPr lang="en-US" altLang="ko-KR" b="1" dirty="0" smtClean="0"/>
           </a:p>
         </p:txBody>
       </p:sp>
@@ -15497,7 +15483,28 @@
               <a:t> 보임</a:t>
             </a:r>
             <a:r>
-              <a:rPr lang="en-US" altLang="ko-KR" b="1" smtClean="0"/>
+              <a:rPr lang="en-US" altLang="ko-KR" b="1" dirty="0" smtClean="0"/>
+              <a:t>)</a:t>
+            </a:r>
+          </a:p>
+          <a:p>
+            <a:endParaRPr lang="en-US" altLang="ko-KR" b="1" dirty="0" smtClean="0"/>
+          </a:p>
+          <a:p>
+            <a:r>
+              <a:rPr lang="ko-KR" altLang="en-US" b="1" dirty="0" smtClean="0"/>
+              <a:t>인삼아이콘 </a:t>
+            </a:r>
+            <a:r>
+              <a:rPr lang="en-US" altLang="ko-KR" b="1" dirty="0" smtClean="0"/>
+              <a:t>(</a:t>
+            </a:r>
+            <a:r>
+              <a:rPr lang="ko-KR" altLang="en-US" b="1" dirty="0" smtClean="0"/>
+              <a:t>상태이상 면역</a:t>
+            </a:r>
+            <a:r>
+              <a:rPr lang="en-US" altLang="ko-KR" b="1" dirty="0" smtClean="0"/>
               <a:t>)</a:t>
             </a:r>
             <a:endParaRPr lang="en-US" altLang="ko-KR" b="1" dirty="0" smtClean="0"/>

--- a/EscapeJail/Assets/기획/스테이지1기획.pptx
+++ b/EscapeJail/Assets/기획/스테이지1기획.pptx
@@ -33,15 +33,21 @@
     <p:sldId id="285" r:id="rId27"/>
     <p:sldId id="286" r:id="rId28"/>
     <p:sldId id="295" r:id="rId29"/>
-    <p:sldId id="284" r:id="rId30"/>
-    <p:sldId id="288" r:id="rId31"/>
-    <p:sldId id="287" r:id="rId32"/>
-    <p:sldId id="291" r:id="rId33"/>
-    <p:sldId id="290" r:id="rId34"/>
-    <p:sldId id="292" r:id="rId35"/>
-    <p:sldId id="293" r:id="rId36"/>
-    <p:sldId id="294" r:id="rId37"/>
-    <p:sldId id="297" r:id="rId38"/>
+    <p:sldId id="298" r:id="rId30"/>
+    <p:sldId id="299" r:id="rId31"/>
+    <p:sldId id="300" r:id="rId32"/>
+    <p:sldId id="301" r:id="rId33"/>
+    <p:sldId id="302" r:id="rId34"/>
+    <p:sldId id="303" r:id="rId35"/>
+    <p:sldId id="284" r:id="rId36"/>
+    <p:sldId id="288" r:id="rId37"/>
+    <p:sldId id="287" r:id="rId38"/>
+    <p:sldId id="291" r:id="rId39"/>
+    <p:sldId id="290" r:id="rId40"/>
+    <p:sldId id="292" r:id="rId41"/>
+    <p:sldId id="293" r:id="rId42"/>
+    <p:sldId id="294" r:id="rId43"/>
+    <p:sldId id="297" r:id="rId44"/>
   </p:sldIdLst>
   <p:sldSz cx="9144000" cy="6858000" type="screen4x3"/>
   <p:notesSz cx="6858000" cy="9144000"/>
@@ -324,7 +330,7 @@
           <a:p>
             <a:fld id="{75C3E87A-1EF5-4BC0-A34A-1B32DEFB2AF0}" type="datetimeFigureOut">
               <a:rPr lang="ko-KR" altLang="en-US" smtClean="0"/>
-              <a:t>2017-11-03</a:t>
+              <a:t>2017-11-04</a:t>
             </a:fld>
             <a:endParaRPr lang="ko-KR" altLang="en-US"/>
           </a:p>
@@ -494,7 +500,7 @@
           <a:p>
             <a:fld id="{75C3E87A-1EF5-4BC0-A34A-1B32DEFB2AF0}" type="datetimeFigureOut">
               <a:rPr lang="ko-KR" altLang="en-US" smtClean="0"/>
-              <a:t>2017-11-03</a:t>
+              <a:t>2017-11-04</a:t>
             </a:fld>
             <a:endParaRPr lang="ko-KR" altLang="en-US"/>
           </a:p>
@@ -674,7 +680,7 @@
           <a:p>
             <a:fld id="{75C3E87A-1EF5-4BC0-A34A-1B32DEFB2AF0}" type="datetimeFigureOut">
               <a:rPr lang="ko-KR" altLang="en-US" smtClean="0"/>
-              <a:t>2017-11-03</a:t>
+              <a:t>2017-11-04</a:t>
             </a:fld>
             <a:endParaRPr lang="ko-KR" altLang="en-US"/>
           </a:p>
@@ -844,7 +850,7 @@
           <a:p>
             <a:fld id="{75C3E87A-1EF5-4BC0-A34A-1B32DEFB2AF0}" type="datetimeFigureOut">
               <a:rPr lang="ko-KR" altLang="en-US" smtClean="0"/>
-              <a:t>2017-11-03</a:t>
+              <a:t>2017-11-04</a:t>
             </a:fld>
             <a:endParaRPr lang="ko-KR" altLang="en-US"/>
           </a:p>
@@ -1090,7 +1096,7 @@
           <a:p>
             <a:fld id="{75C3E87A-1EF5-4BC0-A34A-1B32DEFB2AF0}" type="datetimeFigureOut">
               <a:rPr lang="ko-KR" altLang="en-US" smtClean="0"/>
-              <a:t>2017-11-03</a:t>
+              <a:t>2017-11-04</a:t>
             </a:fld>
             <a:endParaRPr lang="ko-KR" altLang="en-US"/>
           </a:p>
@@ -1378,7 +1384,7 @@
           <a:p>
             <a:fld id="{75C3E87A-1EF5-4BC0-A34A-1B32DEFB2AF0}" type="datetimeFigureOut">
               <a:rPr lang="ko-KR" altLang="en-US" smtClean="0"/>
-              <a:t>2017-11-03</a:t>
+              <a:t>2017-11-04</a:t>
             </a:fld>
             <a:endParaRPr lang="ko-KR" altLang="en-US"/>
           </a:p>
@@ -1800,7 +1806,7 @@
           <a:p>
             <a:fld id="{75C3E87A-1EF5-4BC0-A34A-1B32DEFB2AF0}" type="datetimeFigureOut">
               <a:rPr lang="ko-KR" altLang="en-US" smtClean="0"/>
-              <a:t>2017-11-03</a:t>
+              <a:t>2017-11-04</a:t>
             </a:fld>
             <a:endParaRPr lang="ko-KR" altLang="en-US"/>
           </a:p>
@@ -1918,7 +1924,7 @@
           <a:p>
             <a:fld id="{75C3E87A-1EF5-4BC0-A34A-1B32DEFB2AF0}" type="datetimeFigureOut">
               <a:rPr lang="ko-KR" altLang="en-US" smtClean="0"/>
-              <a:t>2017-11-03</a:t>
+              <a:t>2017-11-04</a:t>
             </a:fld>
             <a:endParaRPr lang="ko-KR" altLang="en-US"/>
           </a:p>
@@ -2013,7 +2019,7 @@
           <a:p>
             <a:fld id="{75C3E87A-1EF5-4BC0-A34A-1B32DEFB2AF0}" type="datetimeFigureOut">
               <a:rPr lang="ko-KR" altLang="en-US" smtClean="0"/>
-              <a:t>2017-11-03</a:t>
+              <a:t>2017-11-04</a:t>
             </a:fld>
             <a:endParaRPr lang="ko-KR" altLang="en-US"/>
           </a:p>
@@ -2290,7 +2296,7 @@
           <a:p>
             <a:fld id="{75C3E87A-1EF5-4BC0-A34A-1B32DEFB2AF0}" type="datetimeFigureOut">
               <a:rPr lang="ko-KR" altLang="en-US" smtClean="0"/>
-              <a:t>2017-11-03</a:t>
+              <a:t>2017-11-04</a:t>
             </a:fld>
             <a:endParaRPr lang="ko-KR" altLang="en-US"/>
           </a:p>
@@ -2543,7 +2549,7 @@
           <a:p>
             <a:fld id="{75C3E87A-1EF5-4BC0-A34A-1B32DEFB2AF0}" type="datetimeFigureOut">
               <a:rPr lang="ko-KR" altLang="en-US" smtClean="0"/>
-              <a:t>2017-11-03</a:t>
+              <a:t>2017-11-04</a:t>
             </a:fld>
             <a:endParaRPr lang="ko-KR" altLang="en-US"/>
           </a:p>
@@ -2756,7 +2762,7 @@
           <a:p>
             <a:fld id="{75C3E87A-1EF5-4BC0-A34A-1B32DEFB2AF0}" type="datetimeFigureOut">
               <a:rPr lang="ko-KR" altLang="en-US" smtClean="0"/>
-              <a:t>2017-11-03</a:t>
+              <a:t>2017-11-04</a:t>
             </a:fld>
             <a:endParaRPr lang="ko-KR" altLang="en-US"/>
           </a:p>
@@ -15025,60 +15031,12 @@
         </p:nvSpPr>
         <p:spPr/>
         <p:txBody>
-          <a:bodyPr>
-            <a:normAutofit fontScale="90000"/>
-          </a:bodyPr>
+          <a:bodyPr/>
           <a:lstStyle/>
           <a:p>
             <a:r>
-              <a:rPr lang="ko-KR" altLang="en-US" dirty="0" err="1" smtClean="0"/>
-              <a:t>패시브</a:t>
-            </a:r>
-            <a:r>
               <a:rPr lang="ko-KR" altLang="en-US" dirty="0" smtClean="0"/>
-              <a:t> 아이템</a:t>
-            </a:r>
-            <a:r>
-              <a:rPr lang="en-US" altLang="ko-KR" dirty="0" smtClean="0"/>
-              <a:t/>
-            </a:r>
-            <a:br>
-              <a:rPr lang="en-US" altLang="ko-KR" dirty="0" smtClean="0"/>
-            </a:br>
-            <a:r>
-              <a:rPr lang="en-US" altLang="ko-KR" dirty="0" smtClean="0"/>
-              <a:t>(</a:t>
-            </a:r>
-            <a:r>
-              <a:rPr lang="ko-KR" altLang="en-US" dirty="0" smtClean="0"/>
-              <a:t>플레이어마다 </a:t>
-            </a:r>
-            <a:r>
-              <a:rPr lang="en-US" altLang="ko-KR" dirty="0" smtClean="0"/>
-              <a:t>1</a:t>
-            </a:r>
-            <a:r>
-              <a:rPr lang="ko-KR" altLang="en-US" dirty="0" smtClean="0"/>
-              <a:t>개씩 소유 가능</a:t>
-            </a:r>
-            <a:r>
-              <a:rPr lang="en-US" altLang="ko-KR" dirty="0" smtClean="0"/>
-              <a:t/>
-            </a:r>
-            <a:br>
-              <a:rPr lang="en-US" altLang="ko-KR" dirty="0" smtClean="0"/>
-            </a:br>
-            <a:r>
-              <a:rPr lang="ko-KR" altLang="en-US" dirty="0" err="1" smtClean="0"/>
-              <a:t>시작시</a:t>
-            </a:r>
-            <a:r>
-              <a:rPr lang="ko-KR" altLang="en-US" dirty="0" smtClean="0"/>
-              <a:t> 선택</a:t>
-            </a:r>
-            <a:r>
-              <a:rPr lang="en-US" altLang="ko-KR" dirty="0" smtClean="0"/>
-              <a:t>)</a:t>
+              <a:t>신무기</a:t>
             </a:r>
             <a:endParaRPr lang="ko-KR" altLang="en-US" dirty="0"/>
           </a:p>
@@ -15097,98 +15055,285 @@
         <p:spPr/>
         <p:txBody>
           <a:bodyPr>
-            <a:normAutofit/>
+            <a:noAutofit/>
           </a:bodyPr>
           <a:lstStyle/>
           <a:p>
-            <a:endParaRPr lang="en-US" altLang="ko-KR" b="1" dirty="0" smtClean="0"/>
-          </a:p>
-          <a:p>
-            <a:r>
-              <a:rPr lang="ko-KR" altLang="en-US" b="1" dirty="0" smtClean="0"/>
-              <a:t>안정제 </a:t>
-            </a:r>
-            <a:r>
-              <a:rPr lang="en-US" altLang="ko-KR" b="1" dirty="0" smtClean="0"/>
-              <a:t>( </a:t>
-            </a:r>
-            <a:r>
-              <a:rPr lang="ko-KR" altLang="en-US" b="1" dirty="0" smtClean="0"/>
-              <a:t>총기 반동을 많이 줄여줌</a:t>
-            </a:r>
-            <a:r>
-              <a:rPr lang="en-US" altLang="ko-KR" b="1" dirty="0" smtClean="0"/>
+            <a:r>
+              <a:rPr lang="ko-KR" altLang="en-US" sz="2400" dirty="0" err="1"/>
+              <a:t>이</a:t>
+            </a:r>
+            <a:r>
+              <a:rPr lang="ko-KR" altLang="en-US" sz="2400" dirty="0" err="1" smtClean="0"/>
+              <a:t>글</a:t>
+            </a:r>
+            <a:r>
+              <a:rPr lang="ko-KR" altLang="en-US" sz="2400" dirty="0" smtClean="0"/>
+              <a:t> </a:t>
+            </a:r>
+            <a:r>
+              <a:rPr lang="ko-KR" altLang="en-US" sz="2400" dirty="0" err="1"/>
+              <a:t>데져트</a:t>
+            </a:r>
+            <a:r>
+              <a:rPr lang="en-US" altLang="ko" sz="2400" dirty="0"/>
+              <a:t>v(</a:t>
+            </a:r>
+            <a:r>
+              <a:rPr lang="ko-KR" altLang="en-US" sz="2400" dirty="0"/>
+              <a:t>독수리 날라감 관통</a:t>
+            </a:r>
+            <a:r>
+              <a:rPr lang="en-US" altLang="ko" sz="2400" dirty="0" smtClean="0"/>
               <a:t>)</a:t>
             </a:r>
-            <a:endParaRPr lang="en-US" altLang="ko-KR" b="1" dirty="0"/>
-          </a:p>
-          <a:p>
-            <a:r>
-              <a:rPr lang="ko-KR" altLang="en-US" b="1" dirty="0" smtClean="0"/>
-              <a:t>사정거리 늘어나는 아이템도 </a:t>
-            </a:r>
-            <a:r>
-              <a:rPr lang="ko-KR" altLang="en-US" b="1" dirty="0" err="1" smtClean="0"/>
-              <a:t>필요할수도</a:t>
-            </a:r>
-            <a:r>
-              <a:rPr lang="en-US" altLang="ko-KR" b="1" dirty="0" smtClean="0"/>
+          </a:p>
+          <a:p>
+            <a:r>
+              <a:rPr lang="ko-KR" altLang="en-US" sz="2400" dirty="0" smtClean="0"/>
+              <a:t>활</a:t>
+            </a:r>
+            <a:r>
+              <a:rPr lang="en-US" altLang="ko" sz="2400" dirty="0"/>
               <a:t>(</a:t>
             </a:r>
             <a:r>
-              <a:rPr lang="ko-KR" altLang="en-US" b="1" dirty="0" err="1" smtClean="0"/>
-              <a:t>샷건</a:t>
-            </a:r>
-            <a:r>
-              <a:rPr lang="ko-KR" altLang="en-US" b="1" dirty="0" smtClean="0"/>
-              <a:t> 사정거리 </a:t>
-            </a:r>
-            <a:r>
-              <a:rPr lang="en-US" altLang="ko-KR" b="1" dirty="0" smtClean="0"/>
-              <a:t>-&gt;</a:t>
-            </a:r>
-            <a:r>
-              <a:rPr lang="ko-KR" altLang="en-US" b="1" dirty="0" smtClean="0"/>
-              <a:t>초크</a:t>
-            </a:r>
-            <a:r>
-              <a:rPr lang="en-US" altLang="ko-KR" b="1" dirty="0" smtClean="0"/>
+              <a:rPr lang="ko-KR" altLang="en-US" sz="2400" dirty="0" err="1"/>
+              <a:t>드래곤나감</a:t>
+            </a:r>
+            <a:r>
+              <a:rPr lang="en-US" altLang="ko" sz="2400" dirty="0"/>
+              <a:t>)-</a:t>
+            </a:r>
+            <a:r>
+              <a:rPr lang="ko-KR" altLang="en-US" sz="2400" dirty="0" err="1" smtClean="0"/>
+              <a:t>한조</a:t>
+            </a:r>
+            <a:endParaRPr lang="en-US" altLang="ko" sz="2400" dirty="0" smtClean="0"/>
+          </a:p>
+          <a:p>
+            <a:r>
+              <a:rPr lang="ko-KR" altLang="en-US" sz="2400" dirty="0" err="1" smtClean="0"/>
+              <a:t>자동샷건</a:t>
+            </a:r>
+            <a:r>
+              <a:rPr lang="en-US" altLang="ko" sz="2400" dirty="0" smtClean="0"/>
+              <a:t>, </a:t>
+            </a:r>
+          </a:p>
+          <a:p>
+            <a:r>
+              <a:rPr lang="ko-KR" altLang="en-US" sz="2400" dirty="0" err="1" smtClean="0"/>
+              <a:t>프레데터</a:t>
+            </a:r>
+            <a:r>
+              <a:rPr lang="ko-KR" altLang="en-US" sz="2400" dirty="0" smtClean="0"/>
+              <a:t> </a:t>
+            </a:r>
+            <a:r>
+              <a:rPr lang="ko-KR" altLang="en-US" sz="2400" dirty="0"/>
+              <a:t>오른쪽 어깨 미사일</a:t>
+            </a:r>
+            <a:r>
+              <a:rPr lang="en-US" altLang="ko" sz="2400" dirty="0"/>
+              <a:t>(</a:t>
+            </a:r>
+            <a:r>
+              <a:rPr lang="ko-KR" altLang="en-US" sz="2400" dirty="0"/>
+              <a:t>어깨 바주카 종류</a:t>
+            </a:r>
+            <a:r>
+              <a:rPr lang="en-US" altLang="ko" sz="2400" dirty="0"/>
+              <a:t>), </a:t>
+            </a:r>
+            <a:endParaRPr lang="en-US" altLang="ko" sz="2400" dirty="0" smtClean="0"/>
+          </a:p>
+          <a:p>
+            <a:r>
+              <a:rPr lang="ko-KR" altLang="en-US" sz="2400" dirty="0" smtClean="0"/>
+              <a:t>포커 </a:t>
+            </a:r>
+            <a:r>
+              <a:rPr lang="ko-KR" altLang="en-US" sz="2400" dirty="0"/>
+              <a:t>카드케이스</a:t>
+            </a:r>
+            <a:r>
+              <a:rPr lang="en-US" altLang="ko" sz="2400" dirty="0"/>
+              <a:t>(</a:t>
+            </a:r>
+            <a:r>
+              <a:rPr lang="ko-KR" altLang="en-US" sz="2400" dirty="0"/>
+              <a:t>카드날림 카드 기호에 따라 </a:t>
+            </a:r>
+            <a:r>
+              <a:rPr lang="ko-KR" altLang="en-US" sz="2400" dirty="0" err="1"/>
+              <a:t>데미지</a:t>
+            </a:r>
+            <a:r>
+              <a:rPr lang="ko-KR" altLang="en-US" sz="2400" dirty="0"/>
+              <a:t> 다름 </a:t>
+            </a:r>
+            <a:r>
+              <a:rPr lang="en-US" altLang="ko" sz="2400" dirty="0" smtClean="0"/>
               <a:t>)</a:t>
             </a:r>
           </a:p>
           <a:p>
             <a:r>
-              <a:rPr lang="ko-KR" altLang="en-US" b="1" dirty="0" smtClean="0"/>
-              <a:t>전체 무기 </a:t>
-            </a:r>
-            <a:r>
-              <a:rPr lang="ko-KR" altLang="en-US" b="1" dirty="0" err="1" smtClean="0"/>
-              <a:t>총알수</a:t>
-            </a:r>
-            <a:r>
-              <a:rPr lang="ko-KR" altLang="en-US" b="1" dirty="0" smtClean="0"/>
-              <a:t> 증가 </a:t>
-            </a:r>
-            <a:r>
-              <a:rPr lang="en-US" altLang="ko-KR" b="1" dirty="0" smtClean="0"/>
+              <a:rPr lang="ko-KR" altLang="en-US" sz="2400" dirty="0" err="1" smtClean="0"/>
+              <a:t>가오갤</a:t>
+            </a:r>
+            <a:r>
+              <a:rPr lang="ko-KR" altLang="en-US" sz="2400" dirty="0" smtClean="0"/>
+              <a:t> </a:t>
+            </a:r>
+            <a:r>
+              <a:rPr lang="ko-KR" altLang="en-US" sz="2400" dirty="0" err="1"/>
+              <a:t>욘두</a:t>
+            </a:r>
+            <a:r>
+              <a:rPr lang="en-US" altLang="ko" sz="2400" dirty="0"/>
               <a:t>(</a:t>
             </a:r>
             <a:r>
-              <a:rPr lang="ko-KR" altLang="en-US" b="1" dirty="0" smtClean="0"/>
-              <a:t>대용량탄창</a:t>
-            </a:r>
-            <a:r>
-              <a:rPr lang="en-US" altLang="ko-KR" b="1" dirty="0" smtClean="0"/>
+              <a:rPr lang="ko-KR" altLang="en-US" sz="2400" dirty="0"/>
+              <a:t>관통화살</a:t>
+            </a:r>
+            <a:r>
+              <a:rPr lang="en-US" altLang="ko" sz="2400" dirty="0"/>
+              <a:t>-</a:t>
+            </a:r>
+            <a:r>
+              <a:rPr lang="ko-KR" altLang="en-US" sz="2400" dirty="0"/>
+              <a:t>디테일</a:t>
+            </a:r>
+            <a:r>
+              <a:rPr lang="en-US" altLang="ko" sz="2400" dirty="0" smtClean="0"/>
               <a:t>)</a:t>
             </a:r>
-            <a:endParaRPr lang="en-US" altLang="ko-KR" b="1" dirty="0" smtClean="0"/>
+          </a:p>
+          <a:p>
+            <a:r>
+              <a:rPr lang="ko-KR" altLang="en-US" sz="2400" dirty="0" err="1" smtClean="0"/>
+              <a:t>손가락총</a:t>
+            </a:r>
+            <a:r>
+              <a:rPr lang="en-US" altLang="ko" sz="2400" dirty="0"/>
+              <a:t>(</a:t>
+            </a:r>
+            <a:r>
+              <a:rPr lang="ko-KR" altLang="en-US" sz="2400" dirty="0"/>
+              <a:t>캐릭터소리</a:t>
+            </a:r>
+            <a:r>
+              <a:rPr lang="en-US" altLang="ko" sz="2400" dirty="0"/>
+              <a:t>, </a:t>
+            </a:r>
+            <a:r>
+              <a:rPr lang="ko-KR" altLang="en-US" sz="2400" dirty="0"/>
+              <a:t>인공사운드</a:t>
+            </a:r>
+            <a:r>
+              <a:rPr lang="en-US" altLang="ko" sz="2400" dirty="0"/>
+              <a:t>, </a:t>
+            </a:r>
+            <a:r>
+              <a:rPr lang="ko-KR" altLang="en-US" sz="2400" dirty="0"/>
+              <a:t>투명 하얀색 공기총알</a:t>
+            </a:r>
+            <a:r>
+              <a:rPr lang="en-US" altLang="ko" sz="2400" dirty="0" smtClean="0"/>
+              <a:t>)</a:t>
+            </a:r>
+          </a:p>
+          <a:p>
+            <a:r>
+              <a:rPr lang="ko-KR" altLang="en-US" sz="2400" dirty="0" smtClean="0"/>
+              <a:t>둠 </a:t>
+            </a:r>
+            <a:r>
+              <a:rPr lang="en-US" altLang="ko" sz="2400" dirty="0"/>
+              <a:t>BFG(</a:t>
+            </a:r>
+            <a:r>
+              <a:rPr lang="ko-KR" altLang="en-US" sz="2400" dirty="0"/>
+              <a:t>총알을 날리면 흡수해서 </a:t>
+            </a:r>
+            <a:r>
+              <a:rPr lang="ko-KR" altLang="en-US" sz="2400" dirty="0" err="1"/>
+              <a:t>데미지</a:t>
+            </a:r>
+            <a:r>
+              <a:rPr lang="ko-KR" altLang="en-US" sz="2400" dirty="0"/>
+              <a:t> 번개 </a:t>
+            </a:r>
+            <a:r>
+              <a:rPr lang="ko-KR" altLang="en-US" sz="2400" dirty="0" err="1" smtClean="0"/>
+              <a:t>스프라이트</a:t>
+            </a:r>
+            <a:r>
+              <a:rPr lang="en-US" altLang="ko" sz="2400" dirty="0"/>
+              <a:t>,</a:t>
+            </a:r>
+            <a:r>
+              <a:rPr lang="ko-KR" altLang="en-US" sz="2400" dirty="0"/>
+              <a:t>동그라미 </a:t>
+            </a:r>
+            <a:r>
+              <a:rPr lang="ko-KR" altLang="en-US" sz="2400" dirty="0" smtClean="0"/>
+              <a:t>총알</a:t>
+            </a:r>
+            <a:r>
+              <a:rPr lang="en-US" altLang="ko-KR" sz="2400" dirty="0" smtClean="0"/>
+              <a:t>)</a:t>
+            </a:r>
+            <a:endParaRPr lang="ko-KR" altLang="en-US" sz="2400" dirty="0"/>
+          </a:p>
+        </p:txBody>
+      </p:sp>
+      <p:sp>
+        <p:nvSpPr>
+          <p:cNvPr id="4" name="AutoShape 2" descr="pixel headphone에 대한 이미지 검색결과"/>
+          <p:cNvSpPr>
+            <a:spLocks noChangeAspect="1" noChangeArrowheads="1"/>
+          </p:cNvSpPr>
+          <p:nvPr/>
+        </p:nvSpPr>
+        <p:spPr bwMode="auto">
+          <a:xfrm>
+            <a:off x="0" y="-144463"/>
+            <a:ext cx="304800" cy="304801"/>
+          </a:xfrm>
+          <a:prstGeom prst="rect">
+            <a:avLst/>
+          </a:prstGeom>
+          <a:noFill/>
+          <a:extLst>
+            <a:ext uri="{909E8E84-426E-40DD-AFC4-6F175D3DCCD1}">
+              <a14:hiddenFill xmlns:a14="http://schemas.microsoft.com/office/drawing/2010/main">
+                <a:solidFill>
+                  <a:srgbClr val="FFFFFF"/>
+                </a:solidFill>
+              </a14:hiddenFill>
+            </a:ext>
+          </a:extLst>
+        </p:spPr>
+        <p:txBody>
+          <a:bodyPr vert="horz" wrap="square" lIns="91440" tIns="45720" rIns="91440" bIns="45720" numCol="1" anchor="t" anchorCtr="0" compatLnSpc="1">
+            <a:prstTxWarp prst="textNoShape">
+              <a:avLst/>
+            </a:prstTxWarp>
+          </a:bodyPr>
+          <a:lstStyle/>
+          <a:p>
+            <a:endParaRPr lang="ko-KR" altLang="en-US"/>
           </a:p>
         </p:txBody>
       </p:sp>
     </p:spTree>
     <p:extLst>
       <p:ext uri="{BB962C8B-B14F-4D97-AF65-F5344CB8AC3E}">
-        <p14:creationId xmlns:p14="http://schemas.microsoft.com/office/powerpoint/2010/main" val="4072168355"/>
+        <p14:creationId xmlns:p14="http://schemas.microsoft.com/office/powerpoint/2010/main" val="1907814775"/>
       </p:ext>
     </p:extLst>
   </p:cSld>
@@ -15384,26 +15529,13 @@
         </p:nvSpPr>
         <p:spPr/>
         <p:txBody>
-          <a:bodyPr>
-            <a:normAutofit fontScale="90000"/>
-          </a:bodyPr>
+          <a:bodyPr/>
           <a:lstStyle/>
           <a:p>
             <a:r>
-              <a:rPr lang="ko-KR" altLang="en-US" dirty="0" err="1" smtClean="0"/>
-              <a:t>패시브</a:t>
-            </a:r>
-            <a:r>
               <a:rPr lang="ko-KR" altLang="en-US" dirty="0" smtClean="0"/>
-              <a:t> 아이템</a:t>
-            </a:r>
-            <a:r>
-              <a:rPr lang="en-US" altLang="ko-KR" dirty="0" smtClean="0"/>
-              <a:t/>
-            </a:r>
-            <a:br>
-              <a:rPr lang="en-US" altLang="ko-KR" dirty="0" smtClean="0"/>
-            </a:br>
+              <a:t>신무기</a:t>
+            </a:r>
             <a:endParaRPr lang="ko-KR" altLang="en-US" dirty="0"/>
           </a:p>
         </p:txBody>
@@ -15421,100 +15553,241 @@
         <p:spPr/>
         <p:txBody>
           <a:bodyPr>
-            <a:normAutofit/>
+            <a:noAutofit/>
           </a:bodyPr>
           <a:lstStyle/>
           <a:p>
             <a:r>
-              <a:rPr lang="ko-KR" altLang="en-US" b="1" dirty="0" smtClean="0"/>
-              <a:t>돼지 우상</a:t>
-            </a:r>
-            <a:r>
-              <a:rPr lang="en-US" altLang="ko-KR" b="1" dirty="0" smtClean="0"/>
-              <a:t>(?)</a:t>
-            </a:r>
-            <a:r>
-              <a:rPr lang="ko-KR" altLang="en-US" b="1" dirty="0" smtClean="0"/>
+              <a:rPr lang="ko-KR" altLang="en-US" sz="2400" dirty="0" err="1"/>
+              <a:t>뿅망치</a:t>
+            </a:r>
+            <a:r>
+              <a:rPr lang="en-US" altLang="ko" sz="2400" dirty="0"/>
+              <a:t>(</a:t>
+            </a:r>
+            <a:r>
+              <a:rPr lang="ko-KR" altLang="en-US" sz="2400" dirty="0"/>
+              <a:t>지진 일어나고 랜덤 적들한테 바위 날아옴</a:t>
+            </a:r>
+            <a:r>
+              <a:rPr lang="en-US" altLang="ko" sz="2400" dirty="0" smtClean="0"/>
+              <a:t>)</a:t>
+            </a:r>
+          </a:p>
+          <a:p>
+            <a:r>
+              <a:rPr lang="ko-KR" altLang="en-US" sz="2400" dirty="0" smtClean="0"/>
+              <a:t>바람으로 적들 밀어냄</a:t>
+            </a:r>
+            <a:r>
+              <a:rPr lang="en-US" altLang="ko" sz="2400" dirty="0" smtClean="0"/>
+              <a:t>(</a:t>
+            </a:r>
+            <a:r>
+              <a:rPr lang="ko-KR" altLang="en-US" sz="2400" dirty="0" err="1"/>
+              <a:t>선풍기총</a:t>
+            </a:r>
+            <a:r>
+              <a:rPr lang="en-US" altLang="ko" sz="2400" dirty="0" smtClean="0"/>
+              <a:t>)</a:t>
+            </a:r>
+          </a:p>
+          <a:p>
+            <a:r>
+              <a:rPr lang="ko-KR" altLang="en-US" sz="2400" dirty="0" smtClean="0"/>
+              <a:t>장미 </a:t>
+            </a:r>
+            <a:r>
+              <a:rPr lang="ko-KR" altLang="en-US" sz="2400" dirty="0"/>
+              <a:t>날리는 총 </a:t>
+            </a:r>
+            <a:r>
+              <a:rPr lang="en-US" altLang="ko-KR" sz="2400" dirty="0"/>
+              <a:t>(</a:t>
+            </a:r>
+            <a:r>
+              <a:rPr lang="ko-KR" altLang="en-US" sz="2400" dirty="0" err="1" smtClean="0"/>
+              <a:t>덤불감고</a:t>
+            </a:r>
+            <a:r>
+              <a:rPr lang="ko-KR" altLang="en-US" sz="2400" dirty="0" smtClean="0"/>
               <a:t> </a:t>
             </a:r>
             <a:r>
-              <a:rPr lang="en-US" altLang="ko-KR" b="1" dirty="0" smtClean="0"/>
+              <a:rPr lang="ko-KR" altLang="en-US" sz="2400" dirty="0"/>
+              <a:t>있는 총</a:t>
+            </a:r>
+            <a:r>
+              <a:rPr lang="en-US" altLang="ko" sz="2400" dirty="0" smtClean="0"/>
+              <a:t>),</a:t>
+            </a:r>
+          </a:p>
+          <a:p>
+            <a:r>
+              <a:rPr lang="ko-KR" altLang="en-US" sz="2400" dirty="0" smtClean="0"/>
+              <a:t>당구 </a:t>
+            </a:r>
+            <a:r>
+              <a:rPr lang="ko-KR" altLang="en-US" sz="2400" dirty="0" err="1"/>
+              <a:t>큐대</a:t>
+            </a:r>
+            <a:r>
+              <a:rPr lang="en-US" altLang="ko" sz="2400" dirty="0"/>
               <a:t>(</a:t>
             </a:r>
             <a:r>
-              <a:rPr lang="ko-KR" altLang="en-US" b="1" dirty="0" smtClean="0"/>
-              <a:t>아이템 획득 확률 상승</a:t>
-            </a:r>
-            <a:r>
-              <a:rPr lang="en-US" altLang="ko-KR" b="1" dirty="0" smtClean="0"/>
+              <a:rPr lang="ko-KR" altLang="en-US" sz="2400" dirty="0"/>
+              <a:t>적들 총 튕겨내는데 공으로 변환시킴</a:t>
+            </a:r>
+            <a:r>
+              <a:rPr lang="en-US" altLang="ko" sz="2400" dirty="0"/>
+              <a:t>), </a:t>
+            </a:r>
+            <a:endParaRPr lang="en-US" altLang="ko" sz="2400" dirty="0" smtClean="0"/>
+          </a:p>
+          <a:p>
+            <a:r>
+              <a:rPr lang="ko-KR" altLang="en-US" sz="2400" dirty="0" err="1" smtClean="0"/>
+              <a:t>룰렛머신</a:t>
+            </a:r>
+            <a:r>
+              <a:rPr lang="en-US" altLang="ko-KR" sz="2400" dirty="0" smtClean="0"/>
+              <a:t>(</a:t>
+            </a:r>
+            <a:r>
+              <a:rPr lang="ko-KR" altLang="en-US" sz="2400" dirty="0" smtClean="0"/>
+              <a:t>아이템</a:t>
+            </a:r>
+            <a:r>
+              <a:rPr lang="en-US" altLang="ko-KR" sz="2400" dirty="0" smtClean="0"/>
+              <a:t>?)</a:t>
+            </a:r>
+            <a:endParaRPr lang="en-US" altLang="ko" sz="2400" dirty="0" smtClean="0"/>
+          </a:p>
+          <a:p>
+            <a:r>
+              <a:rPr lang="ko-KR" altLang="en-US" sz="2400" dirty="0" smtClean="0"/>
+              <a:t>별 </a:t>
+            </a:r>
+            <a:r>
+              <a:rPr lang="ko-KR" altLang="en-US" sz="2400" dirty="0" err="1"/>
+              <a:t>요술봉</a:t>
+            </a:r>
+            <a:r>
+              <a:rPr lang="en-US" altLang="ko" sz="2400" dirty="0"/>
+              <a:t>(</a:t>
+            </a:r>
+            <a:r>
+              <a:rPr lang="ko-KR" altLang="en-US" sz="2400" dirty="0" err="1"/>
+              <a:t>별날리기</a:t>
+            </a:r>
+            <a:r>
+              <a:rPr lang="en-US" altLang="ko" sz="2400" dirty="0" smtClean="0"/>
               <a:t>)</a:t>
             </a:r>
           </a:p>
           <a:p>
             <a:r>
-              <a:rPr lang="ko-KR" altLang="en-US" b="1" dirty="0" err="1" smtClean="0"/>
-              <a:t>레드닷</a:t>
-            </a:r>
-            <a:endParaRPr lang="en-US" altLang="ko-KR" b="1" dirty="0" smtClean="0"/>
-          </a:p>
-          <a:p>
-            <a:r>
-              <a:rPr lang="ko-KR" altLang="en-US" b="1" dirty="0" err="1" smtClean="0"/>
-              <a:t>스카우터</a:t>
-            </a:r>
-            <a:r>
-              <a:rPr lang="en-US" altLang="ko-KR" b="1" dirty="0" smtClean="0"/>
+              <a:rPr lang="ko-KR" altLang="en-US" sz="2400" dirty="0" err="1" smtClean="0"/>
+              <a:t>폭탄총</a:t>
+            </a:r>
+            <a:r>
+              <a:rPr lang="en-US" altLang="ko-KR" sz="2400" dirty="0" smtClean="0"/>
               <a:t>(</a:t>
             </a:r>
             <a:r>
-              <a:rPr lang="ko-KR" altLang="en-US" b="1" dirty="0" err="1" smtClean="0"/>
-              <a:t>몬스터들</a:t>
-            </a:r>
-            <a:r>
-              <a:rPr lang="ko-KR" altLang="en-US" b="1" dirty="0" smtClean="0"/>
+              <a:rPr lang="ko-KR" altLang="en-US" sz="2400" dirty="0" err="1" smtClean="0"/>
+              <a:t>다이너</a:t>
+            </a:r>
+            <a:r>
+              <a:rPr lang="ko-KR" altLang="en-US" sz="2400" dirty="0" smtClean="0"/>
               <a:t> </a:t>
             </a:r>
             <a:r>
-              <a:rPr lang="ko-KR" altLang="en-US" b="1" dirty="0" err="1" smtClean="0"/>
-              <a:t>체력바가</a:t>
-            </a:r>
-            <a:r>
-              <a:rPr lang="ko-KR" altLang="en-US" b="1" dirty="0" smtClean="0"/>
-              <a:t> 보임</a:t>
-            </a:r>
-            <a:r>
-              <a:rPr lang="en-US" altLang="ko-KR" b="1" dirty="0" smtClean="0"/>
+              <a:rPr lang="ko-KR" altLang="en-US" sz="2400" dirty="0" err="1" smtClean="0"/>
+              <a:t>마이트</a:t>
+            </a:r>
+            <a:r>
+              <a:rPr lang="ko-KR" altLang="en-US" sz="2400" dirty="0" smtClean="0"/>
+              <a:t> 발사</a:t>
+            </a:r>
+            <a:r>
+              <a:rPr lang="en-US" altLang="ko-KR" sz="2400" dirty="0" smtClean="0"/>
               <a:t>)</a:t>
             </a:r>
           </a:p>
           <a:p>
-            <a:endParaRPr lang="en-US" altLang="ko-KR" b="1" dirty="0" smtClean="0"/>
-          </a:p>
-          <a:p>
-            <a:r>
-              <a:rPr lang="ko-KR" altLang="en-US" b="1" dirty="0" smtClean="0"/>
-              <a:t>인삼아이콘 </a:t>
-            </a:r>
-            <a:r>
-              <a:rPr lang="en-US" altLang="ko-KR" b="1" dirty="0" smtClean="0"/>
-              <a:t>(</a:t>
-            </a:r>
-            <a:r>
-              <a:rPr lang="ko-KR" altLang="en-US" b="1" dirty="0" smtClean="0"/>
-              <a:t>상태이상 면역</a:t>
-            </a:r>
-            <a:r>
-              <a:rPr lang="en-US" altLang="ko-KR" b="1" dirty="0" smtClean="0"/>
+            <a:r>
+              <a:rPr lang="ko-KR" altLang="en-US" sz="2400" dirty="0"/>
+              <a:t>기차 </a:t>
+            </a:r>
+            <a:r>
+              <a:rPr lang="ko-KR" altLang="en-US" sz="2400" dirty="0" smtClean="0"/>
+              <a:t>굴뚝</a:t>
+            </a:r>
+            <a:r>
+              <a:rPr lang="en-US" altLang="ko" sz="2400" dirty="0" smtClean="0"/>
+              <a:t>( </a:t>
+            </a:r>
+            <a:r>
+              <a:rPr lang="ko-KR" altLang="en-US" sz="2400" dirty="0"/>
+              <a:t>기차 </a:t>
+            </a:r>
+            <a:r>
+              <a:rPr lang="ko-KR" altLang="en-US" sz="2400" dirty="0" smtClean="0"/>
+              <a:t>경적 소리 나면서 검은색 총알 발사 꾹 눌러서 발사</a:t>
+            </a:r>
+            <a:r>
+              <a:rPr lang="en-US" altLang="ko" sz="2400" dirty="0" smtClean="0"/>
               <a:t>)</a:t>
             </a:r>
-            <a:endParaRPr lang="en-US" altLang="ko-KR" b="1" dirty="0" smtClean="0"/>
+            <a:endParaRPr lang="ko-KR" altLang="en-US" sz="2400" dirty="0"/>
+          </a:p>
+        </p:txBody>
+      </p:sp>
+      <p:sp>
+        <p:nvSpPr>
+          <p:cNvPr id="4" name="AutoShape 2" descr="pixel headphone에 대한 이미지 검색결과"/>
+          <p:cNvSpPr>
+            <a:spLocks noChangeAspect="1" noChangeArrowheads="1"/>
+          </p:cNvSpPr>
+          <p:nvPr/>
+        </p:nvSpPr>
+        <p:spPr bwMode="auto">
+          <a:xfrm>
+            <a:off x="0" y="-144463"/>
+            <a:ext cx="304800" cy="304801"/>
+          </a:xfrm>
+          <a:prstGeom prst="rect">
+            <a:avLst/>
+          </a:prstGeom>
+          <a:noFill/>
+          <a:extLst>
+            <a:ext uri="{909E8E84-426E-40DD-AFC4-6F175D3DCCD1}">
+              <a14:hiddenFill xmlns:a14="http://schemas.microsoft.com/office/drawing/2010/main">
+                <a:solidFill>
+                  <a:srgbClr val="FFFFFF"/>
+                </a:solidFill>
+              </a14:hiddenFill>
+            </a:ext>
+          </a:extLst>
+        </p:spPr>
+        <p:txBody>
+          <a:bodyPr vert="horz" wrap="square" lIns="91440" tIns="45720" rIns="91440" bIns="45720" numCol="1" anchor="t" anchorCtr="0" compatLnSpc="1">
+            <a:prstTxWarp prst="textNoShape">
+              <a:avLst/>
+            </a:prstTxWarp>
+          </a:bodyPr>
+          <a:lstStyle/>
+          <a:p>
+            <a:endParaRPr lang="ko-KR" altLang="en-US"/>
           </a:p>
         </p:txBody>
       </p:sp>
     </p:spTree>
     <p:extLst>
       <p:ext uri="{BB962C8B-B14F-4D97-AF65-F5344CB8AC3E}">
-        <p14:creationId xmlns:p14="http://schemas.microsoft.com/office/powerpoint/2010/main" val="251605719"/>
+        <p14:creationId xmlns:p14="http://schemas.microsoft.com/office/powerpoint/2010/main" val="1164348981"/>
       </p:ext>
     </p:extLst>
   </p:cSld>
@@ -15553,22 +15826,13 @@
         </p:nvSpPr>
         <p:spPr/>
         <p:txBody>
-          <a:bodyPr>
-            <a:normAutofit fontScale="90000"/>
-          </a:bodyPr>
+          <a:bodyPr/>
           <a:lstStyle/>
           <a:p>
             <a:r>
               <a:rPr lang="ko-KR" altLang="en-US" dirty="0" smtClean="0"/>
-              <a:t>아이디어 추가</a:t>
-            </a:r>
-            <a:r>
-              <a:rPr lang="en-US" altLang="ko-KR" dirty="0" smtClean="0"/>
-              <a:t/>
-            </a:r>
-            <a:br>
-              <a:rPr lang="en-US" altLang="ko-KR" dirty="0" smtClean="0"/>
-            </a:br>
+              <a:t>신무기</a:t>
+            </a:r>
             <a:endParaRPr lang="ko-KR" altLang="en-US" dirty="0"/>
           </a:p>
         </p:txBody>
@@ -15586,91 +15850,259 @@
         <p:spPr/>
         <p:txBody>
           <a:bodyPr>
-            <a:normAutofit/>
+            <a:noAutofit/>
           </a:bodyPr>
           <a:lstStyle/>
           <a:p>
             <a:r>
-              <a:rPr lang="ko-KR" altLang="en-US" b="1" dirty="0" smtClean="0"/>
-              <a:t>처음에는 무기 </a:t>
-            </a:r>
-            <a:r>
-              <a:rPr lang="ko-KR" altLang="en-US" b="1" dirty="0" err="1" smtClean="0"/>
-              <a:t>인벤토리만</a:t>
-            </a:r>
-            <a:r>
-              <a:rPr lang="ko-KR" altLang="en-US" b="1" dirty="0" smtClean="0"/>
+              <a:rPr lang="ko-KR" altLang="en-US" sz="2400" dirty="0" err="1" smtClean="0"/>
+              <a:t>러버덕총</a:t>
+            </a:r>
+            <a:r>
+              <a:rPr lang="en-US" altLang="ko-KR" sz="2400" dirty="0" smtClean="0"/>
+              <a:t>(</a:t>
+            </a:r>
+            <a:r>
+              <a:rPr lang="ko-KR" altLang="en-US" sz="2400" dirty="0" err="1" smtClean="0"/>
+              <a:t>러버덕</a:t>
+            </a:r>
+            <a:r>
+              <a:rPr lang="ko-KR" altLang="en-US" sz="2400" dirty="0" smtClean="0"/>
+              <a:t> 오리가 발사됨</a:t>
+            </a:r>
+            <a:r>
+              <a:rPr lang="en-US" altLang="ko-KR" sz="2400" dirty="0" smtClean="0"/>
+              <a:t>, </a:t>
+            </a:r>
+            <a:r>
+              <a:rPr lang="ko-KR" altLang="en-US" sz="2400" dirty="0" smtClean="0"/>
+              <a:t>날아가면서 점점 오리가 커짐</a:t>
+            </a:r>
+            <a:r>
+              <a:rPr lang="en-US" altLang="ko-KR" sz="2400" dirty="0" smtClean="0"/>
+              <a:t>,</a:t>
+            </a:r>
+            <a:r>
+              <a:rPr lang="ko-KR" altLang="en-US" sz="2400" dirty="0" smtClean="0"/>
+              <a:t>폭발무기</a:t>
+            </a:r>
+            <a:r>
+              <a:rPr lang="en-US" altLang="ko" sz="2400" dirty="0" smtClean="0"/>
+              <a:t>)</a:t>
+            </a:r>
+          </a:p>
+          <a:p>
+            <a:r>
+              <a:rPr lang="ko-KR" altLang="en-US" sz="2400" dirty="0" err="1"/>
+              <a:t>고스트</a:t>
+            </a:r>
+            <a:r>
+              <a:rPr lang="ko-KR" altLang="en-US" sz="2400" dirty="0"/>
               <a:t> </a:t>
             </a:r>
             <a:r>
-              <a:rPr lang="ko-KR" altLang="en-US" b="1" dirty="0" err="1" smtClean="0"/>
-              <a:t>두칸</a:t>
-            </a:r>
-            <a:r>
-              <a:rPr lang="ko-KR" altLang="en-US" b="1" dirty="0" smtClean="0"/>
-              <a:t> </a:t>
-            </a:r>
-            <a:r>
-              <a:rPr lang="ko-KR" altLang="en-US" b="1" dirty="0" err="1" smtClean="0"/>
-              <a:t>줄것</a:t>
-            </a:r>
-            <a:endParaRPr lang="en-US" altLang="ko-KR" b="1" dirty="0" smtClean="0"/>
-          </a:p>
-          <a:p>
-            <a:r>
-              <a:rPr lang="ko-KR" altLang="en-US" b="1" dirty="0" err="1" smtClean="0"/>
-              <a:t>한판할때마다</a:t>
-            </a:r>
-            <a:r>
-              <a:rPr lang="ko-KR" altLang="en-US" b="1" dirty="0" smtClean="0"/>
-              <a:t> 코인을 줘서 그걸로 </a:t>
-            </a:r>
-            <a:r>
-              <a:rPr lang="ko-KR" altLang="en-US" b="1" dirty="0" err="1" smtClean="0"/>
-              <a:t>패시브</a:t>
-            </a:r>
-            <a:r>
-              <a:rPr lang="ko-KR" altLang="en-US" b="1" dirty="0" smtClean="0"/>
-              <a:t> 아이템 구매</a:t>
-            </a:r>
-            <a:endParaRPr lang="en-US" altLang="ko-KR" b="1" dirty="0" smtClean="0"/>
-          </a:p>
-          <a:p>
-            <a:r>
-              <a:rPr lang="ko-KR" altLang="en-US" b="1" dirty="0" smtClean="0"/>
-              <a:t> </a:t>
-            </a:r>
-            <a:r>
-              <a:rPr lang="en-US" altLang="ko-KR" b="1" dirty="0" smtClean="0"/>
+              <a:rPr lang="ko-KR" altLang="en-US" sz="2400" dirty="0" err="1"/>
+              <a:t>버스터즈</a:t>
+            </a:r>
+            <a:r>
+              <a:rPr lang="ko-KR" altLang="en-US" sz="2400" dirty="0"/>
+              <a:t> 청소기</a:t>
+            </a:r>
+            <a:r>
+              <a:rPr lang="en-US" altLang="ko" sz="2400" dirty="0" smtClean="0"/>
               <a:t>(</a:t>
             </a:r>
             <a:r>
-              <a:rPr lang="ko-KR" altLang="en-US" b="1" dirty="0" err="1" smtClean="0"/>
-              <a:t>패시브</a:t>
-            </a:r>
-            <a:r>
-              <a:rPr lang="ko-KR" altLang="en-US" b="1" dirty="0" smtClean="0"/>
-              <a:t> 아이템은 게임 </a:t>
-            </a:r>
-            <a:r>
-              <a:rPr lang="ko-KR" altLang="en-US" b="1" dirty="0" err="1" smtClean="0"/>
-              <a:t>시작할때</a:t>
-            </a:r>
-            <a:r>
-              <a:rPr lang="ko-KR" altLang="en-US" b="1" dirty="0" smtClean="0"/>
-              <a:t> 한 개 골라서 효과를 받음</a:t>
-            </a:r>
-            <a:r>
-              <a:rPr lang="en-US" altLang="ko-KR" b="1" dirty="0" smtClean="0"/>
+              <a:rPr lang="ko-KR" altLang="en-US" sz="2400" dirty="0" err="1" smtClean="0"/>
+              <a:t>꾹눌러서</a:t>
+            </a:r>
+            <a:r>
+              <a:rPr lang="ko-KR" altLang="en-US" sz="2400" dirty="0" smtClean="0"/>
+              <a:t> 총알을 흡수하고 떼면 흡수한 개수만큼 </a:t>
+            </a:r>
+            <a:r>
+              <a:rPr lang="ko-KR" altLang="en-US" sz="2400" dirty="0" err="1" smtClean="0"/>
+              <a:t>데미지</a:t>
+            </a:r>
+            <a:r>
+              <a:rPr lang="ko-KR" altLang="en-US" sz="2400" dirty="0" smtClean="0"/>
+              <a:t> 올라간 총알 하나를 발사</a:t>
+            </a:r>
+            <a:r>
+              <a:rPr lang="en-US" altLang="ko" sz="2400" dirty="0" smtClean="0"/>
               <a:t>)</a:t>
             </a:r>
+          </a:p>
+          <a:p>
+            <a:r>
+              <a:rPr lang="ko-KR" altLang="en-US" sz="2400" dirty="0" smtClean="0"/>
+              <a:t>공기총</a:t>
+            </a:r>
+            <a:r>
+              <a:rPr lang="en-US" altLang="ko-KR" sz="2400" dirty="0" smtClean="0"/>
+              <a:t>(</a:t>
+            </a:r>
+            <a:r>
+              <a:rPr lang="ko-KR" altLang="en-US" sz="2400" dirty="0" smtClean="0"/>
+              <a:t>산소통 </a:t>
+            </a:r>
+            <a:r>
+              <a:rPr lang="ko-KR" altLang="en-US" sz="2400" dirty="0" err="1" smtClean="0"/>
+              <a:t>달고있는</a:t>
+            </a:r>
+            <a:r>
+              <a:rPr lang="ko-KR" altLang="en-US" sz="2400" dirty="0" smtClean="0"/>
+              <a:t> 모습의 총</a:t>
+            </a:r>
+            <a:r>
+              <a:rPr lang="en-US" altLang="ko-KR" sz="2400" dirty="0" smtClean="0"/>
+              <a:t>, </a:t>
+            </a:r>
+            <a:r>
+              <a:rPr lang="ko-KR" altLang="en-US" sz="2400" dirty="0" smtClean="0"/>
+              <a:t>히트스캔</a:t>
+            </a:r>
+            <a:r>
+              <a:rPr lang="en-US" altLang="ko-KR" sz="2400" dirty="0" smtClean="0"/>
+              <a:t>)</a:t>
+            </a:r>
+          </a:p>
+          <a:p>
+            <a:r>
+              <a:rPr lang="ko-KR" altLang="en-US" sz="2400" dirty="0" smtClean="0"/>
+              <a:t>폭발석궁</a:t>
+            </a:r>
+            <a:endParaRPr lang="en-US" altLang="ko-KR" sz="2400" dirty="0" smtClean="0"/>
+          </a:p>
+          <a:p>
+            <a:r>
+              <a:rPr lang="ko-KR" altLang="en-US" sz="2400" dirty="0" smtClean="0"/>
+              <a:t>그냥 일반석궁</a:t>
+            </a:r>
+            <a:endParaRPr lang="en-US" altLang="ko-KR" sz="2400" dirty="0" smtClean="0"/>
+          </a:p>
+          <a:p>
+            <a:r>
+              <a:rPr lang="ko-KR" altLang="en-US" sz="2400" dirty="0" smtClean="0"/>
+              <a:t>부메랑</a:t>
+            </a:r>
+            <a:r>
+              <a:rPr lang="en-US" altLang="ko-KR" sz="2400" dirty="0" smtClean="0"/>
+              <a:t>(</a:t>
+            </a:r>
+            <a:r>
+              <a:rPr lang="ko-KR" altLang="en-US" sz="2400" dirty="0" err="1" smtClean="0"/>
+              <a:t>던진방향으로</a:t>
+            </a:r>
+            <a:r>
+              <a:rPr lang="ko-KR" altLang="en-US" sz="2400" dirty="0" smtClean="0"/>
+              <a:t> 포물선 위치에 있는 적들 다 맞추고 다시 되돌아옴</a:t>
+            </a:r>
+            <a:r>
+              <a:rPr lang="en-US" altLang="ko-KR" sz="2400" dirty="0" smtClean="0"/>
+              <a:t>-</a:t>
+            </a:r>
+            <a:r>
+              <a:rPr lang="ko-KR" altLang="en-US" sz="2400" dirty="0" smtClean="0"/>
+              <a:t>무한이지만 타이밍 길음</a:t>
+            </a:r>
+            <a:r>
+              <a:rPr lang="en-US" altLang="ko-KR" sz="2400" dirty="0" smtClean="0"/>
+              <a:t>)</a:t>
+            </a:r>
+          </a:p>
+          <a:p>
+            <a:r>
+              <a:rPr lang="ko-KR" altLang="en-US" sz="2400" dirty="0" smtClean="0"/>
+              <a:t>화승총</a:t>
+            </a:r>
+            <a:r>
+              <a:rPr lang="en-US" altLang="ko-KR" sz="2400" dirty="0" smtClean="0"/>
+              <a:t>(</a:t>
+            </a:r>
+            <a:r>
+              <a:rPr lang="ko-KR" altLang="en-US" sz="2400" dirty="0" err="1" smtClean="0"/>
+              <a:t>저격총</a:t>
+            </a:r>
+            <a:r>
+              <a:rPr lang="ko-KR" altLang="en-US" sz="2400" dirty="0" smtClean="0"/>
+              <a:t> 같은 개념</a:t>
+            </a:r>
+            <a:r>
+              <a:rPr lang="en-US" altLang="ko-KR" sz="2400" dirty="0" smtClean="0"/>
+              <a:t>, </a:t>
+            </a:r>
+            <a:r>
+              <a:rPr lang="ko-KR" altLang="en-US" sz="2400" dirty="0" smtClean="0"/>
+              <a:t>한발 한발 타이밍이 길음</a:t>
+            </a:r>
+            <a:r>
+              <a:rPr lang="en-US" altLang="ko-KR" sz="2400" dirty="0" smtClean="0"/>
+              <a:t>,</a:t>
+            </a:r>
+            <a:r>
+              <a:rPr lang="ko-KR" altLang="en-US" sz="2400" dirty="0" smtClean="0"/>
+              <a:t>약한 폭발무기</a:t>
+            </a:r>
+            <a:r>
+              <a:rPr lang="en-US" altLang="ko-KR" sz="2400" dirty="0" smtClean="0"/>
+              <a:t>)</a:t>
+            </a:r>
+          </a:p>
+          <a:p>
+            <a:pPr marL="0" indent="0">
+              <a:buNone/>
+            </a:pPr>
+            <a:endParaRPr lang="en-US" altLang="ko" sz="2400" dirty="0" smtClean="0"/>
+          </a:p>
+          <a:p>
+            <a:endParaRPr lang="ko-KR" altLang="en-US" sz="2400" dirty="0"/>
+          </a:p>
+        </p:txBody>
+      </p:sp>
+      <p:sp>
+        <p:nvSpPr>
+          <p:cNvPr id="4" name="AutoShape 2" descr="pixel headphone에 대한 이미지 검색결과"/>
+          <p:cNvSpPr>
+            <a:spLocks noChangeAspect="1" noChangeArrowheads="1"/>
+          </p:cNvSpPr>
+          <p:nvPr/>
+        </p:nvSpPr>
+        <p:spPr bwMode="auto">
+          <a:xfrm>
+            <a:off x="0" y="-144463"/>
+            <a:ext cx="304800" cy="304801"/>
+          </a:xfrm>
+          <a:prstGeom prst="rect">
+            <a:avLst/>
+          </a:prstGeom>
+          <a:noFill/>
+          <a:extLst>
+            <a:ext uri="{909E8E84-426E-40DD-AFC4-6F175D3DCCD1}">
+              <a14:hiddenFill xmlns:a14="http://schemas.microsoft.com/office/drawing/2010/main">
+                <a:solidFill>
+                  <a:srgbClr val="FFFFFF"/>
+                </a:solidFill>
+              </a14:hiddenFill>
+            </a:ext>
+          </a:extLst>
+        </p:spPr>
+        <p:txBody>
+          <a:bodyPr vert="horz" wrap="square" lIns="91440" tIns="45720" rIns="91440" bIns="45720" numCol="1" anchor="t" anchorCtr="0" compatLnSpc="1">
+            <a:prstTxWarp prst="textNoShape">
+              <a:avLst/>
+            </a:prstTxWarp>
+          </a:bodyPr>
+          <a:lstStyle/>
+          <a:p>
+            <a:endParaRPr lang="ko-KR" altLang="en-US"/>
           </a:p>
         </p:txBody>
       </p:sp>
     </p:spTree>
     <p:extLst>
       <p:ext uri="{BB962C8B-B14F-4D97-AF65-F5344CB8AC3E}">
-        <p14:creationId xmlns:p14="http://schemas.microsoft.com/office/powerpoint/2010/main" val="2550670840"/>
+        <p14:creationId xmlns:p14="http://schemas.microsoft.com/office/powerpoint/2010/main" val="327403505"/>
       </p:ext>
     </p:extLst>
   </p:cSld>
@@ -15709,22 +16141,13 @@
         </p:nvSpPr>
         <p:spPr/>
         <p:txBody>
-          <a:bodyPr>
-            <a:normAutofit fontScale="90000"/>
-          </a:bodyPr>
+          <a:bodyPr/>
           <a:lstStyle/>
           <a:p>
             <a:r>
               <a:rPr lang="ko-KR" altLang="en-US" dirty="0" smtClean="0"/>
-              <a:t>게임제목 아이디어</a:t>
-            </a:r>
-            <a:r>
-              <a:rPr lang="en-US" altLang="ko-KR" dirty="0" smtClean="0"/>
-              <a:t/>
-            </a:r>
-            <a:br>
-              <a:rPr lang="en-US" altLang="ko-KR" dirty="0" smtClean="0"/>
-            </a:br>
+              <a:t>신무기</a:t>
+            </a:r>
             <a:endParaRPr lang="ko-KR" altLang="en-US" dirty="0"/>
           </a:p>
         </p:txBody>
@@ -15742,121 +16165,259 @@
         <p:spPr/>
         <p:txBody>
           <a:bodyPr>
-            <a:normAutofit/>
+            <a:noAutofit/>
           </a:bodyPr>
           <a:lstStyle/>
+          <a:p>
+            <a:r>
+              <a:rPr lang="ko-KR" altLang="en-US" sz="2400" dirty="0" err="1" smtClean="0"/>
+              <a:t>얼음총</a:t>
+            </a:r>
+            <a:r>
+              <a:rPr lang="ko-KR" altLang="en-US" sz="2400" dirty="0" smtClean="0"/>
+              <a:t> </a:t>
+            </a:r>
+            <a:r>
+              <a:rPr lang="en-US" altLang="ko-KR" sz="2400" dirty="0" smtClean="0"/>
+              <a:t>(</a:t>
+            </a:r>
+            <a:r>
+              <a:rPr lang="ko-KR" altLang="en-US" sz="2400" dirty="0" smtClean="0"/>
+              <a:t>맞추면 일시적으로 얼려서 </a:t>
+            </a:r>
+            <a:r>
+              <a:rPr lang="ko-KR" altLang="en-US" sz="2400" dirty="0" err="1" smtClean="0"/>
+              <a:t>멈추게함</a:t>
+            </a:r>
+            <a:r>
+              <a:rPr lang="en-US" altLang="ko-KR" sz="2400" dirty="0" smtClean="0"/>
+              <a:t>)</a:t>
+            </a:r>
+          </a:p>
+          <a:p>
+            <a:r>
+              <a:rPr lang="ko-KR" altLang="en-US" sz="2400" dirty="0" err="1" smtClean="0"/>
+              <a:t>맨인블랙</a:t>
+            </a:r>
+            <a:r>
+              <a:rPr lang="ko-KR" altLang="en-US" sz="2400" dirty="0" smtClean="0"/>
+              <a:t> 기억상실막대기</a:t>
+            </a:r>
+            <a:r>
+              <a:rPr lang="en-US" altLang="ko-KR" sz="2400" dirty="0" smtClean="0"/>
+              <a:t>(</a:t>
+            </a:r>
+            <a:r>
+              <a:rPr lang="ko-KR" altLang="en-US" sz="2400" dirty="0" smtClean="0"/>
+              <a:t>적들 전부 다 한번만 </a:t>
+            </a:r>
+            <a:r>
+              <a:rPr lang="ko-KR" altLang="en-US" sz="2400" dirty="0" err="1" smtClean="0"/>
+              <a:t>스턴</a:t>
+            </a:r>
+            <a:r>
+              <a:rPr lang="en-US" altLang="ko-KR" sz="2400" dirty="0" smtClean="0"/>
+              <a:t>)</a:t>
+            </a:r>
+          </a:p>
+          <a:p>
+            <a:r>
+              <a:rPr lang="ko-KR" altLang="en-US" sz="2400" dirty="0" err="1" smtClean="0"/>
+              <a:t>기타케이스총</a:t>
+            </a:r>
+            <a:r>
+              <a:rPr lang="en-US" altLang="ko-KR" sz="2400" dirty="0" smtClean="0"/>
+              <a:t>(</a:t>
+            </a:r>
+            <a:r>
+              <a:rPr lang="ko-KR" altLang="en-US" sz="2400" dirty="0" smtClean="0"/>
+              <a:t>영화 </a:t>
+            </a:r>
+            <a:r>
+              <a:rPr lang="ko-KR" altLang="en-US" sz="2400" dirty="0" err="1" smtClean="0"/>
+              <a:t>데스페라도</a:t>
+            </a:r>
+            <a:r>
+              <a:rPr lang="ko-KR" altLang="en-US" sz="2400" dirty="0" smtClean="0"/>
+              <a:t> 패러디 기타케이스 끝에서 기관총 쏘다가 가끔 바주카 포가 나감</a:t>
+            </a:r>
+            <a:r>
+              <a:rPr lang="en-US" altLang="ko-KR" sz="2400" dirty="0" smtClean="0"/>
+              <a:t>)</a:t>
+            </a:r>
+          </a:p>
+          <a:p>
+            <a:r>
+              <a:rPr lang="ko-KR" altLang="en-US" sz="2400" dirty="0" smtClean="0"/>
+              <a:t>세상에서 제일 </a:t>
+            </a:r>
+            <a:r>
+              <a:rPr lang="ko-KR" altLang="en-US" sz="2400" dirty="0" err="1" smtClean="0"/>
+              <a:t>작은총</a:t>
+            </a:r>
+            <a:r>
+              <a:rPr lang="ko-KR" altLang="en-US" sz="2400" dirty="0" smtClean="0"/>
+              <a:t> </a:t>
+            </a:r>
+            <a:r>
+              <a:rPr lang="ko-KR" altLang="en-US" sz="2400" dirty="0" err="1" smtClean="0"/>
+              <a:t>콜리브리</a:t>
+            </a:r>
+            <a:r>
+              <a:rPr lang="en-US" altLang="ko-KR" sz="2400" dirty="0" smtClean="0"/>
+              <a:t>(</a:t>
+            </a:r>
+            <a:r>
+              <a:rPr lang="ko-KR" altLang="en-US" sz="2400" dirty="0" err="1" smtClean="0"/>
+              <a:t>총알수</a:t>
+            </a:r>
+            <a:r>
+              <a:rPr lang="ko-KR" altLang="en-US" sz="2400" dirty="0" smtClean="0"/>
+              <a:t> </a:t>
+            </a:r>
+            <a:r>
+              <a:rPr lang="en-US" altLang="ko-KR" sz="2400" dirty="0" smtClean="0"/>
+              <a:t>1000</a:t>
+            </a:r>
+            <a:r>
+              <a:rPr lang="ko-KR" altLang="en-US" sz="2400" dirty="0" smtClean="0"/>
+              <a:t>발이고 반동도 없고 일반권총보다 연사속도도 빠르지만 </a:t>
+            </a:r>
+            <a:r>
+              <a:rPr lang="ko-KR" altLang="en-US" sz="2400" dirty="0" err="1" smtClean="0"/>
+              <a:t>데미지가</a:t>
+            </a:r>
+            <a:r>
+              <a:rPr lang="ko-KR" altLang="en-US" sz="2400" dirty="0" smtClean="0"/>
+              <a:t> 정말 콩알 만함</a:t>
+            </a:r>
+            <a:r>
+              <a:rPr lang="en-US" altLang="ko-KR" sz="2400" dirty="0" smtClean="0"/>
+              <a:t>)</a:t>
+            </a:r>
+          </a:p>
+          <a:p>
+            <a:r>
+              <a:rPr lang="ko-KR" altLang="en-US" sz="2400" dirty="0" smtClean="0"/>
+              <a:t>일반 </a:t>
+            </a:r>
+            <a:r>
+              <a:rPr lang="ko-KR" altLang="en-US" sz="2400" dirty="0" err="1" smtClean="0"/>
+              <a:t>저격총</a:t>
+            </a:r>
+            <a:endParaRPr lang="en-US" altLang="ko-KR" sz="2400" dirty="0" smtClean="0"/>
+          </a:p>
+          <a:p>
+            <a:r>
+              <a:rPr lang="ko-KR" altLang="en-US" sz="2400" dirty="0" smtClean="0"/>
+              <a:t>관통 </a:t>
+            </a:r>
+            <a:r>
+              <a:rPr lang="ko-KR" altLang="en-US" sz="2400" dirty="0" err="1" smtClean="0"/>
+              <a:t>저격총</a:t>
+            </a:r>
+            <a:endParaRPr lang="en-US" altLang="ko-KR" sz="2400" dirty="0" smtClean="0"/>
+          </a:p>
+          <a:p>
+            <a:r>
+              <a:rPr lang="ko-KR" altLang="en-US" sz="2400" dirty="0" err="1" smtClean="0"/>
+              <a:t>레코드판</a:t>
+            </a:r>
+            <a:r>
+              <a:rPr lang="ko-KR" altLang="en-US" sz="2400" dirty="0" smtClean="0"/>
+              <a:t> 재생기</a:t>
+            </a:r>
+            <a:r>
+              <a:rPr lang="en-US" altLang="ko-KR" sz="2400" dirty="0" smtClean="0"/>
+              <a:t>(</a:t>
+            </a:r>
+            <a:r>
+              <a:rPr lang="ko-KR" altLang="en-US" sz="2400" dirty="0" err="1" smtClean="0"/>
+              <a:t>레코드판이</a:t>
+            </a:r>
+            <a:r>
+              <a:rPr lang="ko-KR" altLang="en-US" sz="2400" dirty="0" smtClean="0"/>
+              <a:t> </a:t>
+            </a:r>
+            <a:r>
+              <a:rPr lang="ko-KR" altLang="en-US" sz="2400" dirty="0" err="1" smtClean="0"/>
+              <a:t>총알로나감</a:t>
+            </a:r>
+            <a:r>
+              <a:rPr lang="ko-KR" altLang="en-US" sz="2400" dirty="0" smtClean="0"/>
+              <a:t> 적이 </a:t>
+            </a:r>
+            <a:r>
+              <a:rPr lang="ko-KR" altLang="en-US" sz="2400" dirty="0" err="1" smtClean="0"/>
+              <a:t>맞을때마다</a:t>
+            </a:r>
+            <a:r>
+              <a:rPr lang="ko-KR" altLang="en-US" sz="2400" dirty="0" smtClean="0"/>
+              <a:t> 노래 멜로디 잠깐 나옴</a:t>
+            </a:r>
+            <a:r>
+              <a:rPr lang="en-US" altLang="ko-KR" sz="2400" dirty="0" smtClean="0"/>
+              <a:t>)</a:t>
+            </a:r>
+          </a:p>
           <a:p>
             <a:pPr marL="0" indent="0">
               <a:buNone/>
             </a:pPr>
             <a:r>
-              <a:rPr lang="ko-KR" altLang="en-US" b="1" dirty="0" smtClean="0">
+              <a:rPr lang="ko-KR" altLang="en-US" sz="2400" dirty="0" smtClean="0"/>
+              <a:t> </a:t>
+            </a:r>
+            <a:endParaRPr lang="en-US" altLang="ko" sz="2400" dirty="0" smtClean="0"/>
+          </a:p>
+          <a:p>
+            <a:endParaRPr lang="ko-KR" altLang="en-US" sz="2400" dirty="0"/>
+          </a:p>
+        </p:txBody>
+      </p:sp>
+      <p:sp>
+        <p:nvSpPr>
+          <p:cNvPr id="4" name="AutoShape 2" descr="pixel headphone에 대한 이미지 검색결과"/>
+          <p:cNvSpPr>
+            <a:spLocks noChangeAspect="1" noChangeArrowheads="1"/>
+          </p:cNvSpPr>
+          <p:nvPr/>
+        </p:nvSpPr>
+        <p:spPr bwMode="auto">
+          <a:xfrm>
+            <a:off x="0" y="-144463"/>
+            <a:ext cx="304800" cy="304801"/>
+          </a:xfrm>
+          <a:prstGeom prst="rect">
+            <a:avLst/>
+          </a:prstGeom>
+          <a:noFill/>
+          <a:extLst>
+            <a:ext uri="{909E8E84-426E-40DD-AFC4-6F175D3DCCD1}">
+              <a14:hiddenFill xmlns:a14="http://schemas.microsoft.com/office/drawing/2010/main">
                 <a:solidFill>
-                  <a:srgbClr val="FF0000"/>
+                  <a:srgbClr val="FFFFFF"/>
                 </a:solidFill>
-              </a:rPr>
-              <a:t>건 </a:t>
-            </a:r>
-            <a:r>
-              <a:rPr lang="ko-KR" altLang="en-US" b="1" dirty="0" err="1" smtClean="0">
-                <a:solidFill>
-                  <a:srgbClr val="FF0000"/>
-                </a:solidFill>
-              </a:rPr>
-              <a:t>크러쉬</a:t>
-            </a:r>
-            <a:r>
-              <a:rPr lang="en-US" altLang="ko-KR" b="1" dirty="0" smtClean="0"/>
-              <a:t>(</a:t>
-            </a:r>
-            <a:r>
-              <a:rPr lang="ko-KR" altLang="en-US" b="1" dirty="0" err="1" smtClean="0"/>
-              <a:t>구글에</a:t>
-            </a:r>
-            <a:r>
-              <a:rPr lang="ko-KR" altLang="en-US" b="1" dirty="0" smtClean="0"/>
-              <a:t> 검색하면 걸 </a:t>
-            </a:r>
-            <a:r>
-              <a:rPr lang="ko-KR" altLang="en-US" b="1" dirty="0" err="1" smtClean="0"/>
-              <a:t>크러쉬</a:t>
-            </a:r>
-            <a:r>
-              <a:rPr lang="ko-KR" altLang="en-US" b="1" dirty="0" smtClean="0"/>
-              <a:t> 밖에 </a:t>
-            </a:r>
-            <a:r>
-              <a:rPr lang="ko-KR" altLang="en-US" b="1" dirty="0" err="1" smtClean="0"/>
-              <a:t>안나옴</a:t>
-            </a:r>
-            <a:r>
-              <a:rPr lang="ko-KR" altLang="en-US" b="1" dirty="0" smtClean="0"/>
-              <a:t> 심플하고 적절한 </a:t>
-            </a:r>
-            <a:r>
-              <a:rPr lang="ko-KR" altLang="en-US" b="1" dirty="0" err="1" smtClean="0"/>
-              <a:t>제목인듯</a:t>
-            </a:r>
-            <a:r>
-              <a:rPr lang="en-US" altLang="ko-KR" b="1" dirty="0" smtClean="0"/>
-              <a:t>) </a:t>
-            </a:r>
-          </a:p>
-          <a:p>
-            <a:endParaRPr lang="en-US" altLang="ko-KR" b="1" dirty="0"/>
-          </a:p>
-          <a:p>
-            <a:pPr marL="0" indent="0">
-              <a:buNone/>
-            </a:pPr>
-            <a:r>
-              <a:rPr lang="ko-KR" altLang="en-US" b="1" dirty="0" smtClean="0"/>
-              <a:t>영문으로 검색해도 마찬가지</a:t>
-            </a:r>
-            <a:endParaRPr lang="en-US" altLang="ko-KR" b="1" dirty="0" smtClean="0"/>
-          </a:p>
-          <a:p>
-            <a:pPr marL="0" indent="0">
-              <a:buNone/>
-            </a:pPr>
-            <a:endParaRPr lang="en-US" altLang="ko-KR" b="1" dirty="0"/>
-          </a:p>
-          <a:p>
-            <a:pPr marL="0" indent="0">
-              <a:buNone/>
-            </a:pPr>
-            <a:r>
-              <a:rPr lang="en-US" altLang="ko-KR" b="1" dirty="0"/>
-              <a:t>strange </a:t>
-            </a:r>
-            <a:r>
-              <a:rPr lang="en-US" altLang="ko-KR" b="1" dirty="0" smtClean="0"/>
-              <a:t>lab (</a:t>
-            </a:r>
-            <a:r>
-              <a:rPr lang="ko-KR" altLang="en-US" b="1" dirty="0" smtClean="0"/>
-              <a:t>이상한 연구실</a:t>
-            </a:r>
-            <a:r>
-              <a:rPr lang="en-US" altLang="ko-KR" b="1" dirty="0" smtClean="0"/>
-              <a:t>) -&gt; </a:t>
-            </a:r>
-            <a:r>
-              <a:rPr lang="ko-KR" altLang="en-US" b="1" dirty="0" smtClean="0"/>
-              <a:t>호기심유</a:t>
-            </a:r>
-            <a:r>
-              <a:rPr lang="ko-KR" altLang="en-US" b="1" dirty="0"/>
-              <a:t>발</a:t>
-            </a:r>
-            <a:endParaRPr lang="en-US" altLang="ko-KR" b="1" dirty="0" smtClean="0"/>
+              </a14:hiddenFill>
+            </a:ext>
+          </a:extLst>
+        </p:spPr>
+        <p:txBody>
+          <a:bodyPr vert="horz" wrap="square" lIns="91440" tIns="45720" rIns="91440" bIns="45720" numCol="1" anchor="t" anchorCtr="0" compatLnSpc="1">
+            <a:prstTxWarp prst="textNoShape">
+              <a:avLst/>
+            </a:prstTxWarp>
+          </a:bodyPr>
+          <a:lstStyle/>
+          <a:p>
+            <a:endParaRPr lang="ko-KR" altLang="en-US"/>
           </a:p>
         </p:txBody>
       </p:sp>
     </p:spTree>
     <p:extLst>
       <p:ext uri="{BB962C8B-B14F-4D97-AF65-F5344CB8AC3E}">
-        <p14:creationId xmlns:p14="http://schemas.microsoft.com/office/powerpoint/2010/main" val="1749074872"/>
+        <p14:creationId xmlns:p14="http://schemas.microsoft.com/office/powerpoint/2010/main" val="2913972233"/>
       </p:ext>
     </p:extLst>
   </p:cSld>
@@ -15895,22 +16456,13 @@
         </p:nvSpPr>
         <p:spPr/>
         <p:txBody>
-          <a:bodyPr>
-            <a:normAutofit fontScale="90000"/>
-          </a:bodyPr>
+          <a:bodyPr/>
           <a:lstStyle/>
           <a:p>
             <a:r>
               <a:rPr lang="ko-KR" altLang="en-US" dirty="0" smtClean="0"/>
-              <a:t>캐릭터 아이디어 추가</a:t>
-            </a:r>
-            <a:r>
-              <a:rPr lang="en-US" altLang="ko-KR" dirty="0" smtClean="0"/>
-              <a:t/>
-            </a:r>
-            <a:br>
-              <a:rPr lang="en-US" altLang="ko-KR" dirty="0" smtClean="0"/>
-            </a:br>
+              <a:t>신무기</a:t>
+            </a:r>
             <a:endParaRPr lang="ko-KR" altLang="en-US" dirty="0"/>
           </a:p>
         </p:txBody>
@@ -15928,572 +16480,247 @@
         <p:spPr/>
         <p:txBody>
           <a:bodyPr>
-            <a:normAutofit fontScale="32500" lnSpcReduction="20000"/>
+            <a:noAutofit/>
           </a:bodyPr>
           <a:lstStyle/>
           <a:p>
             <a:r>
-              <a:rPr lang="ko-KR" altLang="en-US" dirty="0"/>
-              <a:t>상인에게서 파는 기밀문서 </a:t>
-            </a:r>
-            <a:r>
-              <a:rPr lang="en-US" altLang="ko" dirty="0"/>
-              <a:t>3</a:t>
-            </a:r>
-            <a:r>
-              <a:rPr lang="ko-KR" altLang="en-US" dirty="0" smtClean="0"/>
+              <a:rPr lang="ko-KR" altLang="en-US" sz="2400" dirty="0" err="1" smtClean="0"/>
+              <a:t>핀볼</a:t>
+            </a:r>
+            <a:r>
+              <a:rPr lang="ko-KR" altLang="en-US" sz="2400" dirty="0" smtClean="0"/>
+              <a:t> 총</a:t>
+            </a:r>
+            <a:r>
+              <a:rPr lang="en-US" altLang="ko-KR" sz="2400" dirty="0" smtClean="0"/>
+              <a:t>(</a:t>
+            </a:r>
+            <a:r>
+              <a:rPr lang="ko-KR" altLang="en-US" sz="2400" dirty="0" smtClean="0"/>
+              <a:t>적한테 맞아도 한번에 안 없어지고 적들 </a:t>
+            </a:r>
+            <a:r>
+              <a:rPr lang="ko-KR" altLang="en-US" sz="2400" dirty="0" err="1" smtClean="0"/>
+              <a:t>여러명을</a:t>
+            </a:r>
+            <a:r>
+              <a:rPr lang="ko-KR" altLang="en-US" sz="2400" dirty="0" smtClean="0"/>
+              <a:t> 맞추고 사라짐</a:t>
+            </a:r>
+            <a:r>
+              <a:rPr lang="en-US" altLang="ko-KR" sz="2400" dirty="0" smtClean="0"/>
+              <a:t>,</a:t>
+            </a:r>
+            <a:r>
+              <a:rPr lang="ko-KR" altLang="en-US" sz="2400" dirty="0" err="1" smtClean="0"/>
+              <a:t>데미지</a:t>
+            </a:r>
+            <a:r>
+              <a:rPr lang="ko-KR" altLang="en-US" sz="2400" dirty="0" smtClean="0"/>
+              <a:t> </a:t>
+            </a:r>
+            <a:r>
+              <a:rPr lang="ko-KR" altLang="en-US" sz="2400" dirty="0" err="1" smtClean="0"/>
+              <a:t>작은편</a:t>
+            </a:r>
+            <a:r>
+              <a:rPr lang="en-US" altLang="ko-KR" sz="2400" dirty="0" smtClean="0"/>
+              <a:t>)</a:t>
+            </a:r>
+          </a:p>
+          <a:p>
+            <a:r>
+              <a:rPr lang="ko-KR" altLang="en-US" sz="2400" dirty="0" smtClean="0"/>
+              <a:t>하프라이프</a:t>
+            </a:r>
+            <a:r>
+              <a:rPr lang="en-US" altLang="ko-KR" sz="2400" dirty="0" smtClean="0"/>
+              <a:t>2 </a:t>
+            </a:r>
+            <a:r>
+              <a:rPr lang="ko-KR" altLang="en-US" sz="2400" dirty="0" err="1" smtClean="0"/>
+              <a:t>중력건</a:t>
+            </a:r>
+            <a:r>
+              <a:rPr lang="ko-KR" altLang="en-US" sz="2400" dirty="0" smtClean="0"/>
+              <a:t> </a:t>
+            </a:r>
+            <a:r>
+              <a:rPr lang="en-US" altLang="ko-KR" sz="2400" dirty="0" smtClean="0"/>
+              <a:t>(</a:t>
+            </a:r>
+            <a:r>
+              <a:rPr lang="ko-KR" altLang="en-US" sz="2400" dirty="0" err="1" smtClean="0"/>
+              <a:t>눌르면</a:t>
+            </a:r>
+            <a:r>
+              <a:rPr lang="ko-KR" altLang="en-US" sz="2400" dirty="0" smtClean="0"/>
+              <a:t> 적을 밀쳐내면서 </a:t>
+            </a:r>
+            <a:r>
+              <a:rPr lang="ko-KR" altLang="en-US" sz="2400" dirty="0" err="1" smtClean="0"/>
+              <a:t>데미지를</a:t>
+            </a:r>
+            <a:r>
+              <a:rPr lang="ko-KR" altLang="en-US" sz="2400" dirty="0" smtClean="0"/>
+              <a:t> 줌</a:t>
+            </a:r>
+            <a:r>
+              <a:rPr lang="en-US" altLang="ko-KR" sz="2400" dirty="0" smtClean="0"/>
+              <a:t>)</a:t>
+            </a:r>
+          </a:p>
+          <a:p>
+            <a:r>
+              <a:rPr lang="ko-KR" altLang="en-US" sz="2400" dirty="0" err="1" smtClean="0"/>
+              <a:t>토르망치</a:t>
+            </a:r>
+            <a:r>
+              <a:rPr lang="en-US" altLang="ko-KR" sz="2400" dirty="0" smtClean="0"/>
+              <a:t>(</a:t>
+            </a:r>
+            <a:r>
+              <a:rPr lang="ko-KR" altLang="en-US" sz="2400" dirty="0" smtClean="0"/>
+              <a:t>광역 </a:t>
+            </a:r>
+            <a:r>
+              <a:rPr lang="ko-KR" altLang="en-US" sz="2400" dirty="0" err="1" smtClean="0"/>
+              <a:t>데미지</a:t>
+            </a:r>
+            <a:r>
+              <a:rPr lang="en-US" altLang="ko-KR" sz="2400" dirty="0" smtClean="0"/>
+              <a:t>)</a:t>
+            </a:r>
+          </a:p>
+          <a:p>
+            <a:r>
+              <a:rPr lang="ko-KR" altLang="en-US" sz="2400" dirty="0" err="1" smtClean="0"/>
+              <a:t>거품총</a:t>
+            </a:r>
+            <a:r>
+              <a:rPr lang="en-US" altLang="ko-KR" sz="2400" dirty="0" smtClean="0"/>
+              <a:t>(</a:t>
+            </a:r>
+            <a:r>
+              <a:rPr lang="ko-KR" altLang="en-US" sz="2400" dirty="0" smtClean="0"/>
+              <a:t>총알을 생성하고 거품처럼 느리게 </a:t>
+            </a:r>
+            <a:r>
+              <a:rPr lang="ko-KR" altLang="en-US" sz="2400" dirty="0" err="1" smtClean="0"/>
+              <a:t>날아가지만만</a:t>
+            </a:r>
+            <a:r>
+              <a:rPr lang="ko-KR" altLang="en-US" sz="2400" dirty="0" smtClean="0"/>
+              <a:t> 소지총알이 많음 </a:t>
+            </a:r>
+            <a:r>
+              <a:rPr lang="en-US" altLang="ko-KR" sz="2400" dirty="0" smtClean="0"/>
+              <a:t>1000</a:t>
+            </a:r>
+            <a:r>
+              <a:rPr lang="ko-KR" altLang="en-US" sz="2400" dirty="0" smtClean="0"/>
               <a:t>개</a:t>
             </a:r>
             <a:r>
-              <a:rPr lang="en-US" altLang="ko-KR" dirty="0" smtClean="0"/>
+              <a:rPr lang="en-US" altLang="ko-KR" sz="2400" dirty="0" smtClean="0"/>
+              <a:t>)</a:t>
+            </a:r>
+            <a:endParaRPr lang="en-US" altLang="ko-KR" sz="2400" dirty="0"/>
+          </a:p>
+          <a:p>
+            <a:r>
+              <a:rPr lang="ko-KR" altLang="en-US" sz="2400" dirty="0" err="1" smtClean="0"/>
+              <a:t>도너츠총</a:t>
+            </a:r>
+            <a:r>
+              <a:rPr lang="en-US" altLang="ko-KR" sz="2400" dirty="0" smtClean="0"/>
               <a:t>(</a:t>
             </a:r>
             <a:r>
-              <a:rPr lang="ko-KR" altLang="en-US" dirty="0" smtClean="0"/>
-              <a:t>개당 </a:t>
-            </a:r>
-            <a:r>
-              <a:rPr lang="en-US" altLang="ko-KR" dirty="0" smtClean="0"/>
-              <a:t>5000</a:t>
-            </a:r>
-            <a:r>
-              <a:rPr lang="ko-KR" altLang="en-US" dirty="0" smtClean="0"/>
-              <a:t>원</a:t>
-            </a:r>
-            <a:r>
-              <a:rPr lang="en-US" altLang="ko-KR" dirty="0" smtClean="0"/>
+              <a:rPr lang="ko-KR" altLang="en-US" sz="2400" dirty="0" err="1" smtClean="0"/>
+              <a:t>도너츠모양</a:t>
+            </a:r>
+            <a:r>
+              <a:rPr lang="ko-KR" altLang="en-US" sz="2400" dirty="0" smtClean="0"/>
+              <a:t> 탄</a:t>
+            </a:r>
+            <a:r>
+              <a:rPr lang="en-US" altLang="ko-KR" sz="2400" dirty="0" smtClean="0"/>
               <a:t>)</a:t>
             </a:r>
-            <a:r>
-              <a:rPr lang="ko-KR" altLang="en-US" dirty="0" smtClean="0"/>
-              <a:t>사면 </a:t>
-            </a:r>
-            <a:r>
-              <a:rPr lang="ko-KR" altLang="en-US" dirty="0" err="1"/>
-              <a:t>캐릭</a:t>
-            </a:r>
-            <a:r>
-              <a:rPr lang="ko-KR" altLang="en-US" dirty="0"/>
-              <a:t> </a:t>
-            </a:r>
-            <a:r>
-              <a:rPr lang="ko-KR" altLang="en-US" dirty="0" smtClean="0"/>
-              <a:t>얻는 </a:t>
-            </a:r>
-            <a:r>
-              <a:rPr lang="ko-KR" altLang="en-US" dirty="0"/>
-              <a:t>힌트 </a:t>
-            </a:r>
-            <a:r>
-              <a:rPr lang="ko-KR" altLang="en-US" dirty="0" smtClean="0"/>
-              <a:t>알려줌 힌트는 </a:t>
-            </a:r>
-            <a:r>
-              <a:rPr lang="ko-KR" altLang="en-US" dirty="0" err="1" smtClean="0"/>
-              <a:t>캐릭</a:t>
-            </a:r>
-            <a:r>
-              <a:rPr lang="ko-KR" altLang="en-US" dirty="0" smtClean="0"/>
-              <a:t> 선택창에서 </a:t>
-            </a:r>
-            <a:r>
-              <a:rPr lang="ko-KR" altLang="en-US" dirty="0" err="1" smtClean="0"/>
-              <a:t>언락가능</a:t>
-            </a:r>
-            <a:endParaRPr lang="en-US" altLang="ko-KR" dirty="0" smtClean="0"/>
-          </a:p>
-          <a:p>
-            <a:endParaRPr lang="ko" altLang="en-US" dirty="0"/>
-          </a:p>
-          <a:p>
-            <a:pPr marL="0" indent="0">
-              <a:buNone/>
-            </a:pPr>
-            <a:endParaRPr lang="ko-KR" altLang="en-US" dirty="0"/>
-          </a:p>
-          <a:p>
-            <a:endParaRPr lang="ko" altLang="en-US" dirty="0"/>
-          </a:p>
-          <a:p>
-            <a:r>
-              <a:rPr lang="ko-KR" altLang="en-US" dirty="0"/>
-              <a:t>엔지니어 </a:t>
-            </a:r>
-            <a:r>
-              <a:rPr lang="ko-KR" altLang="en-US" dirty="0" smtClean="0"/>
-              <a:t>주인공</a:t>
-            </a:r>
-            <a:endParaRPr lang="ko" altLang="en-US" dirty="0"/>
-          </a:p>
-          <a:p>
-            <a:pPr marL="0" indent="0">
-              <a:buNone/>
-            </a:pPr>
-            <a:r>
-              <a:rPr lang="ko-KR" altLang="en-US" dirty="0" smtClean="0"/>
-              <a:t>선택 조건</a:t>
-            </a:r>
-            <a:r>
-              <a:rPr lang="en-US" altLang="ko-KR" dirty="0" smtClean="0"/>
-              <a:t>: </a:t>
-            </a:r>
-            <a:r>
-              <a:rPr lang="ko-KR" altLang="en-US" dirty="0" smtClean="0"/>
-              <a:t>죄수 </a:t>
-            </a:r>
-            <a:r>
-              <a:rPr lang="ko-KR" altLang="en-US" dirty="0"/>
-              <a:t>스테이지에서 일정확률로 </a:t>
-            </a:r>
-            <a:r>
-              <a:rPr lang="ko-KR" altLang="en-US" dirty="0" err="1"/>
-              <a:t>몬스터와</a:t>
-            </a:r>
-            <a:r>
-              <a:rPr lang="ko-KR" altLang="en-US" dirty="0"/>
-              <a:t> 함께 나옴 죽이면 안됨 기다리면 알아서 </a:t>
-            </a:r>
-            <a:r>
-              <a:rPr lang="ko-KR" altLang="en-US" dirty="0" smtClean="0"/>
-              <a:t>사라짐</a:t>
-            </a:r>
-            <a:r>
-              <a:rPr lang="en-US" altLang="ko-KR" dirty="0" smtClean="0"/>
-              <a:t>.</a:t>
-            </a:r>
-            <a:endParaRPr lang="ko-KR" altLang="en-US" dirty="0"/>
-          </a:p>
-          <a:p>
-            <a:endParaRPr lang="ko" altLang="en-US" dirty="0"/>
-          </a:p>
-          <a:p>
-            <a:r>
-              <a:rPr lang="ko-KR" altLang="en-US" dirty="0" err="1"/>
-              <a:t>방패병</a:t>
-            </a:r>
-            <a:r>
-              <a:rPr lang="en-US" altLang="ko" dirty="0"/>
-              <a:t>(</a:t>
-            </a:r>
-            <a:r>
-              <a:rPr lang="ko-KR" altLang="en-US" dirty="0"/>
-              <a:t>방패로 완전방어</a:t>
-            </a:r>
-            <a:r>
-              <a:rPr lang="en-US" altLang="ko" dirty="0"/>
+          </a:p>
+          <a:p>
+            <a:r>
+              <a:rPr lang="ko-KR" altLang="en-US" sz="2400" dirty="0" err="1" smtClean="0"/>
+              <a:t>폭탄총</a:t>
+            </a:r>
+            <a:r>
+              <a:rPr lang="en-US" altLang="ko-KR" sz="2400" dirty="0" smtClean="0"/>
+              <a:t>2(</a:t>
+            </a:r>
+            <a:r>
+              <a:rPr lang="ko-KR" altLang="en-US" sz="2400" dirty="0" smtClean="0"/>
+              <a:t>적에게 걸어가면서 자폭하러 가는 </a:t>
+            </a:r>
+            <a:r>
+              <a:rPr lang="ko-KR" altLang="en-US" sz="2400" dirty="0" err="1" smtClean="0"/>
+              <a:t>발달린</a:t>
+            </a:r>
+            <a:r>
+              <a:rPr lang="ko-KR" altLang="en-US" sz="2400" dirty="0" smtClean="0"/>
+              <a:t> 폭탄을 생성함</a:t>
+            </a:r>
+            <a:r>
+              <a:rPr lang="en-US" altLang="ko-KR" sz="2400" smtClean="0"/>
               <a:t>)</a:t>
             </a:r>
-            <a:endParaRPr lang="ko" altLang="en-US" dirty="0"/>
-          </a:p>
-          <a:p>
-            <a:pPr marL="0" indent="0">
-              <a:buNone/>
-            </a:pPr>
-            <a:r>
-              <a:rPr lang="ko-KR" altLang="en-US" dirty="0"/>
-              <a:t>중세시대 기사처럼 생김 </a:t>
-            </a:r>
-            <a:r>
-              <a:rPr lang="ko-KR" altLang="en-US" dirty="0" err="1"/>
-              <a:t>동글동글한놈</a:t>
-            </a:r>
-            <a:r>
-              <a:rPr lang="ko-KR" altLang="en-US" dirty="0"/>
-              <a:t> 외계인</a:t>
-            </a:r>
-          </a:p>
-          <a:p>
-            <a:pPr marL="0" indent="0">
-              <a:buNone/>
-            </a:pPr>
-            <a:r>
-              <a:rPr lang="ko-KR" altLang="en-US" dirty="0" smtClean="0"/>
-              <a:t>조건</a:t>
-            </a:r>
-            <a:r>
-              <a:rPr lang="en-US" altLang="ko-KR" dirty="0" smtClean="0"/>
-              <a:t>: </a:t>
-            </a:r>
-            <a:r>
-              <a:rPr lang="ko-KR" altLang="en-US" dirty="0" smtClean="0"/>
-              <a:t>게임오버 </a:t>
-            </a:r>
-            <a:r>
-              <a:rPr lang="en-US" altLang="ko" dirty="0" smtClean="0"/>
-              <a:t>100</a:t>
-            </a:r>
-            <a:r>
-              <a:rPr lang="ko-KR" altLang="en-US" dirty="0" smtClean="0"/>
-              <a:t>번 이상 죽으면 고를 수 있음</a:t>
-            </a:r>
-            <a:endParaRPr lang="ko" altLang="en-US" dirty="0"/>
-          </a:p>
-          <a:p>
-            <a:endParaRPr lang="ko" altLang="en-US" dirty="0"/>
-          </a:p>
-          <a:p>
-            <a:r>
-              <a:rPr lang="ko-KR" altLang="en-US" dirty="0" err="1" smtClean="0"/>
-              <a:t>백색닌자</a:t>
-            </a:r>
-            <a:r>
-              <a:rPr lang="en-US" altLang="ko" dirty="0"/>
-              <a:t>(</a:t>
-            </a:r>
-            <a:r>
-              <a:rPr lang="ko-KR" altLang="en-US" dirty="0" err="1"/>
-              <a:t>패시브로</a:t>
-            </a:r>
-            <a:r>
-              <a:rPr lang="ko-KR" altLang="en-US" dirty="0"/>
-              <a:t> </a:t>
-            </a:r>
-            <a:r>
-              <a:rPr lang="ko-KR" altLang="en-US" dirty="0" err="1" smtClean="0"/>
-              <a:t>데미지</a:t>
-            </a:r>
-            <a:r>
-              <a:rPr lang="ko-KR" altLang="en-US" dirty="0" smtClean="0"/>
-              <a:t> 입으면 사방으로 표창 날라감</a:t>
-            </a:r>
-            <a:r>
-              <a:rPr lang="en-US" altLang="ko" dirty="0" smtClean="0"/>
-              <a:t>) </a:t>
-            </a:r>
-          </a:p>
-          <a:p>
-            <a:pPr marL="0" indent="0">
-              <a:buNone/>
-            </a:pPr>
-            <a:r>
-              <a:rPr lang="ko-KR" altLang="en-US" dirty="0" err="1" smtClean="0"/>
-              <a:t>분신술</a:t>
-            </a:r>
-            <a:r>
-              <a:rPr lang="ko-KR" altLang="en-US" dirty="0" smtClean="0"/>
-              <a:t> </a:t>
-            </a:r>
-            <a:r>
-              <a:rPr lang="ko-KR" altLang="en-US" dirty="0"/>
-              <a:t>스킬 사용 가능 </a:t>
-            </a:r>
-            <a:r>
-              <a:rPr lang="ko-KR" altLang="en-US" dirty="0" err="1" smtClean="0"/>
-              <a:t>또다른</a:t>
-            </a:r>
-            <a:r>
-              <a:rPr lang="ko-KR" altLang="en-US" dirty="0" smtClean="0"/>
-              <a:t> 자기자신의 그림자가 </a:t>
-            </a:r>
-            <a:r>
-              <a:rPr lang="ko-KR" altLang="en-US" dirty="0"/>
-              <a:t>나와서 </a:t>
-            </a:r>
-            <a:r>
-              <a:rPr lang="ko-KR" altLang="en-US" dirty="0" err="1" smtClean="0"/>
-              <a:t>현재들고</a:t>
-            </a:r>
-            <a:r>
-              <a:rPr lang="ko-KR" altLang="en-US" dirty="0" smtClean="0"/>
-              <a:t> 있는 </a:t>
-            </a:r>
-            <a:r>
-              <a:rPr lang="ko-KR" altLang="en-US" dirty="0"/>
-              <a:t>무기로 싸워줌 약물 능력 전혀 적용 안됨</a:t>
-            </a:r>
-          </a:p>
-          <a:p>
-            <a:endParaRPr lang="ko" altLang="en-US" dirty="0"/>
-          </a:p>
-          <a:p>
-            <a:pPr marL="0" indent="0">
-              <a:buNone/>
-            </a:pPr>
-            <a:r>
-              <a:rPr lang="ko-KR" altLang="en-US" dirty="0" err="1"/>
-              <a:t>마지막스테이지</a:t>
-            </a:r>
-            <a:r>
-              <a:rPr lang="ko-KR" altLang="en-US" dirty="0"/>
-              <a:t> </a:t>
-            </a:r>
-            <a:r>
-              <a:rPr lang="ko-KR" altLang="en-US" dirty="0" err="1"/>
-              <a:t>맵밖에서</a:t>
-            </a:r>
-            <a:r>
-              <a:rPr lang="ko-KR" altLang="en-US" dirty="0"/>
-              <a:t> </a:t>
-            </a:r>
-            <a:r>
-              <a:rPr lang="ko-KR" altLang="en-US" dirty="0" err="1"/>
-              <a:t>빠른속도로</a:t>
-            </a:r>
-            <a:r>
-              <a:rPr lang="ko-KR" altLang="en-US" dirty="0"/>
-              <a:t> </a:t>
-            </a:r>
-            <a:r>
-              <a:rPr lang="ko-KR" altLang="en-US" dirty="0" err="1"/>
-              <a:t>일반닌자가</a:t>
-            </a:r>
-            <a:r>
-              <a:rPr lang="ko-KR" altLang="en-US" dirty="0"/>
-              <a:t> 돌아다님 일정시간 지나면 사라짐 따라가서 </a:t>
-            </a:r>
-            <a:r>
-              <a:rPr lang="ko-KR" altLang="en-US" dirty="0" smtClean="0"/>
-              <a:t>잡아야 함</a:t>
-            </a:r>
-            <a:endParaRPr lang="ko-KR" altLang="en-US" dirty="0"/>
-          </a:p>
-          <a:p>
-            <a:endParaRPr lang="ko" altLang="en-US" dirty="0"/>
-          </a:p>
-          <a:p>
-            <a:r>
-              <a:rPr lang="ko-KR" altLang="en-US" dirty="0"/>
-              <a:t>저격수</a:t>
-            </a:r>
-            <a:r>
-              <a:rPr lang="en-US" altLang="ko" dirty="0"/>
-              <a:t>(</a:t>
-            </a:r>
-            <a:r>
-              <a:rPr lang="ko-KR" altLang="en-US" dirty="0" err="1" smtClean="0"/>
-              <a:t>에꾸눈임</a:t>
-            </a:r>
-            <a:r>
-              <a:rPr lang="ko-KR" altLang="en-US" dirty="0" smtClean="0"/>
-              <a:t> </a:t>
-            </a:r>
-            <a:r>
-              <a:rPr lang="en-US" altLang="ko" dirty="0" smtClean="0"/>
-              <a:t>- </a:t>
-            </a:r>
-            <a:r>
-              <a:rPr lang="ko-KR" altLang="en-US" dirty="0" err="1"/>
-              <a:t>스킬을쓰면</a:t>
-            </a:r>
-            <a:r>
-              <a:rPr lang="ko-KR" altLang="en-US" dirty="0"/>
-              <a:t> </a:t>
-            </a:r>
-            <a:r>
-              <a:rPr lang="ko-KR" altLang="en-US" dirty="0" smtClean="0"/>
-              <a:t>시간이 멈추고 </a:t>
-            </a:r>
-            <a:r>
-              <a:rPr lang="ko-KR" altLang="en-US" dirty="0" err="1" smtClean="0"/>
-              <a:t>한명</a:t>
-            </a:r>
-            <a:r>
-              <a:rPr lang="ko-KR" altLang="en-US" dirty="0" smtClean="0"/>
-              <a:t> </a:t>
-            </a:r>
-            <a:r>
-              <a:rPr lang="ko-KR" altLang="en-US" dirty="0"/>
-              <a:t>터치해서 </a:t>
-            </a:r>
-            <a:r>
-              <a:rPr lang="ko-KR" altLang="en-US" dirty="0" smtClean="0"/>
-              <a:t>사격할 수 있음 </a:t>
-            </a:r>
-            <a:r>
-              <a:rPr lang="ko-KR" altLang="en-US" dirty="0" err="1"/>
-              <a:t>데미지</a:t>
-            </a:r>
-            <a:r>
-              <a:rPr lang="ko-KR" altLang="en-US" dirty="0"/>
-              <a:t> </a:t>
-            </a:r>
-            <a:r>
-              <a:rPr lang="ko-KR" altLang="en-US" dirty="0" err="1"/>
-              <a:t>겁나세게</a:t>
-            </a:r>
-            <a:r>
-              <a:rPr lang="ko-KR" altLang="en-US" dirty="0"/>
-              <a:t> 들어감 </a:t>
-            </a:r>
-            <a:r>
-              <a:rPr lang="ko-KR" altLang="en-US" dirty="0" err="1"/>
-              <a:t>쿨타임</a:t>
-            </a:r>
-            <a:r>
-              <a:rPr lang="ko-KR" altLang="en-US" dirty="0"/>
-              <a:t> 길음</a:t>
-            </a:r>
-            <a:r>
-              <a:rPr lang="en-US" altLang="ko" dirty="0"/>
-              <a:t>)</a:t>
-            </a:r>
-            <a:endParaRPr lang="ko" altLang="en-US" dirty="0"/>
-          </a:p>
-          <a:p>
-            <a:pPr marL="0" indent="0">
-              <a:buNone/>
-            </a:pPr>
-            <a:r>
-              <a:rPr lang="en-US" altLang="ko" dirty="0"/>
-              <a:t>)</a:t>
-            </a:r>
-            <a:endParaRPr lang="ko" altLang="en-US" dirty="0"/>
-          </a:p>
-          <a:p>
-            <a:pPr marL="0" indent="0">
-              <a:buNone/>
-            </a:pPr>
-            <a:r>
-              <a:rPr lang="en-US" altLang="ko-KR" dirty="0" smtClean="0"/>
-              <a:t>	</a:t>
-            </a:r>
-            <a:r>
-              <a:rPr lang="ko-KR" altLang="en-US" dirty="0" smtClean="0"/>
-              <a:t>게임을 </a:t>
-            </a:r>
-            <a:r>
-              <a:rPr lang="en-US" altLang="ko-KR" dirty="0" smtClean="0"/>
-              <a:t>2</a:t>
-            </a:r>
-            <a:r>
-              <a:rPr lang="ko-KR" altLang="en-US" dirty="0" smtClean="0"/>
-              <a:t>번 </a:t>
-            </a:r>
-            <a:r>
-              <a:rPr lang="ko-KR" altLang="en-US" dirty="0" err="1" smtClean="0"/>
-              <a:t>클리어</a:t>
-            </a:r>
-            <a:r>
-              <a:rPr lang="ko-KR" altLang="en-US" dirty="0" smtClean="0"/>
-              <a:t> 하면 나옴</a:t>
-            </a:r>
-            <a:endParaRPr lang="ko-KR" altLang="en-US" dirty="0"/>
-          </a:p>
-          <a:p>
-            <a:endParaRPr lang="ko" altLang="en-US" dirty="0"/>
-          </a:p>
-          <a:p>
-            <a:r>
-              <a:rPr lang="ko-KR" altLang="en-US" dirty="0"/>
-              <a:t>보안 로봇</a:t>
-            </a:r>
-            <a:r>
-              <a:rPr lang="en-US" altLang="ko" dirty="0"/>
-              <a:t>(</a:t>
-            </a:r>
-            <a:r>
-              <a:rPr lang="ko-KR" altLang="en-US" dirty="0"/>
-              <a:t>달려가서 자폭하는 로봇들 </a:t>
-            </a:r>
-            <a:r>
-              <a:rPr lang="en-US" altLang="ko" dirty="0"/>
-              <a:t>5</a:t>
-            </a:r>
-            <a:r>
-              <a:rPr lang="ko-KR" altLang="en-US" dirty="0"/>
-              <a:t>마리 </a:t>
-            </a:r>
-            <a:r>
-              <a:rPr lang="ko-KR" altLang="en-US" dirty="0" smtClean="0"/>
-              <a:t>나옴 가방 무게 제한 없음 먹으면 먹을수록 칸이 아래로 쌓임</a:t>
-            </a:r>
-            <a:r>
-              <a:rPr lang="en-US" altLang="ko" dirty="0" smtClean="0"/>
-              <a:t>)</a:t>
-            </a:r>
-          </a:p>
-          <a:p>
-            <a:pPr marL="0" indent="0">
-              <a:buNone/>
-            </a:pPr>
-            <a:r>
-              <a:rPr lang="ko-KR" altLang="en-US" dirty="0" smtClean="0"/>
-              <a:t>게임 누적 플레이 시간 </a:t>
-            </a:r>
-            <a:r>
-              <a:rPr lang="en-US" altLang="ko-KR" dirty="0" smtClean="0"/>
-              <a:t>20</a:t>
-            </a:r>
-            <a:r>
-              <a:rPr lang="ko-KR" altLang="en-US" dirty="0" smtClean="0"/>
-              <a:t>시간 이상이면 </a:t>
-            </a:r>
-            <a:r>
-              <a:rPr lang="ko-KR" altLang="en-US" dirty="0" err="1" smtClean="0"/>
-              <a:t>언락</a:t>
-            </a:r>
-            <a:endParaRPr lang="en-US" altLang="ko" dirty="0" smtClean="0"/>
-          </a:p>
-          <a:p>
-            <a:endParaRPr lang="ko" altLang="en-US" dirty="0"/>
-          </a:p>
-          <a:p>
-            <a:endParaRPr lang="ko" altLang="en-US" dirty="0"/>
-          </a:p>
-          <a:p>
-            <a:r>
-              <a:rPr lang="ko-KR" altLang="en-US" dirty="0"/>
-              <a:t>과학자 주인공</a:t>
-            </a:r>
-          </a:p>
-          <a:p>
-            <a:pPr marL="0" indent="0">
-              <a:buNone/>
-            </a:pPr>
-            <a:r>
-              <a:rPr lang="ko-KR" altLang="en-US" dirty="0"/>
-              <a:t>선택조건</a:t>
-            </a:r>
-            <a:r>
-              <a:rPr lang="en-US" altLang="ko-KR" dirty="0"/>
-              <a:t>: </a:t>
-            </a:r>
-            <a:r>
-              <a:rPr lang="ko-KR" altLang="en-US" dirty="0"/>
-              <a:t>과학자스테이지만 </a:t>
-            </a:r>
-            <a:r>
-              <a:rPr lang="ko-KR" altLang="en-US" dirty="0" err="1"/>
-              <a:t>맵</a:t>
-            </a:r>
-            <a:r>
-              <a:rPr lang="ko-KR" altLang="en-US" dirty="0"/>
-              <a:t> 구석에 일정 확률로 나타남 </a:t>
-            </a:r>
-            <a:r>
-              <a:rPr lang="en-US" altLang="ko-KR" dirty="0"/>
-              <a:t>3</a:t>
-            </a:r>
-            <a:r>
-              <a:rPr lang="ko-KR" altLang="en-US" dirty="0"/>
-              <a:t>번째로 만났을 때까지 꾸준히 말 걸면  </a:t>
-            </a:r>
-            <a:r>
-              <a:rPr lang="ko-KR" altLang="en-US" dirty="0" err="1"/>
-              <a:t>언락</a:t>
-            </a:r>
-            <a:r>
-              <a:rPr lang="ko-KR" altLang="en-US" dirty="0"/>
-              <a:t> 됨 </a:t>
-            </a:r>
-            <a:r>
-              <a:rPr lang="ko-KR" altLang="en-US" dirty="0" err="1"/>
-              <a:t>ㅇ</a:t>
-            </a:r>
-            <a:endParaRPr lang="en-US" altLang="ko-KR" dirty="0"/>
-          </a:p>
-          <a:p>
-            <a:endParaRPr lang="ko" altLang="en-US" dirty="0"/>
-          </a:p>
-          <a:p>
-            <a:endParaRPr lang="en-US" altLang="ko-KR" b="1" dirty="0" smtClean="0"/>
+          </a:p>
+        </p:txBody>
+      </p:sp>
+      <p:sp>
+        <p:nvSpPr>
+          <p:cNvPr id="4" name="AutoShape 2" descr="pixel headphone에 대한 이미지 검색결과"/>
+          <p:cNvSpPr>
+            <a:spLocks noChangeAspect="1" noChangeArrowheads="1"/>
+          </p:cNvSpPr>
+          <p:nvPr/>
+        </p:nvSpPr>
+        <p:spPr bwMode="auto">
+          <a:xfrm>
+            <a:off x="0" y="-144463"/>
+            <a:ext cx="304800" cy="304801"/>
+          </a:xfrm>
+          <a:prstGeom prst="rect">
+            <a:avLst/>
+          </a:prstGeom>
+          <a:noFill/>
+          <a:extLst>
+            <a:ext uri="{909E8E84-426E-40DD-AFC4-6F175D3DCCD1}">
+              <a14:hiddenFill xmlns:a14="http://schemas.microsoft.com/office/drawing/2010/main">
+                <a:solidFill>
+                  <a:srgbClr val="FFFFFF"/>
+                </a:solidFill>
+              </a14:hiddenFill>
+            </a:ext>
+          </a:extLst>
+        </p:spPr>
+        <p:txBody>
+          <a:bodyPr vert="horz" wrap="square" lIns="91440" tIns="45720" rIns="91440" bIns="45720" numCol="1" anchor="t" anchorCtr="0" compatLnSpc="1">
+            <a:prstTxWarp prst="textNoShape">
+              <a:avLst/>
+            </a:prstTxWarp>
+          </a:bodyPr>
+          <a:lstStyle/>
+          <a:p>
+            <a:endParaRPr lang="ko-KR" altLang="en-US"/>
           </a:p>
         </p:txBody>
       </p:sp>
     </p:spTree>
     <p:extLst>
       <p:ext uri="{BB962C8B-B14F-4D97-AF65-F5344CB8AC3E}">
-        <p14:creationId xmlns:p14="http://schemas.microsoft.com/office/powerpoint/2010/main" val="2682462336"/>
+        <p14:creationId xmlns:p14="http://schemas.microsoft.com/office/powerpoint/2010/main" val="3494566914"/>
       </p:ext>
     </p:extLst>
   </p:cSld>
@@ -16532,14 +16759,12 @@
         </p:nvSpPr>
         <p:spPr/>
         <p:txBody>
-          <a:bodyPr>
-            <a:normAutofit/>
-          </a:bodyPr>
+          <a:bodyPr/>
           <a:lstStyle/>
           <a:p>
             <a:r>
               <a:rPr lang="ko-KR" altLang="en-US" dirty="0" smtClean="0"/>
-              <a:t>기타의견</a:t>
+              <a:t>신무기</a:t>
             </a:r>
             <a:endParaRPr lang="ko-KR" altLang="en-US" dirty="0"/>
           </a:p>
@@ -16558,177 +16783,87 @@
         <p:spPr/>
         <p:txBody>
           <a:bodyPr>
-            <a:normAutofit/>
+            <a:noAutofit/>
           </a:bodyPr>
           <a:lstStyle/>
           <a:p>
             <a:r>
-              <a:rPr lang="ko-KR" altLang="en-US" sz="1800" b="1" dirty="0" smtClean="0"/>
-              <a:t>마지막 스테이지 </a:t>
-            </a:r>
-            <a:r>
-              <a:rPr lang="ko-KR" altLang="en-US" sz="1800" b="1" dirty="0" err="1" smtClean="0"/>
-              <a:t>몬스터들간의</a:t>
-            </a:r>
-            <a:r>
-              <a:rPr lang="ko-KR" altLang="en-US" sz="1800" b="1" dirty="0" smtClean="0"/>
-              <a:t> 연관성이 별로 없는 것 같음</a:t>
-            </a:r>
-            <a:r>
-              <a:rPr lang="en-US" altLang="ko-KR" sz="1800" b="1" dirty="0" smtClean="0"/>
-              <a:t>.</a:t>
-            </a:r>
-          </a:p>
-          <a:p>
-            <a:r>
-              <a:rPr lang="en-US" altLang="ko-KR" sz="1800" b="1" dirty="0" smtClean="0"/>
-              <a:t>1,2,3,4</a:t>
-            </a:r>
-            <a:r>
-              <a:rPr lang="ko-KR" altLang="en-US" sz="1800" b="1" dirty="0" smtClean="0"/>
-              <a:t>스테이지는 </a:t>
-            </a:r>
-            <a:r>
-              <a:rPr lang="ko-KR" altLang="en-US" sz="1800" b="1" dirty="0" err="1" smtClean="0"/>
-              <a:t>컨셉이</a:t>
-            </a:r>
-            <a:r>
-              <a:rPr lang="ko-KR" altLang="en-US" sz="1800" b="1" dirty="0" smtClean="0"/>
-              <a:t> 서로 맞게 잘 된 것 같은데 마지막 스테이지는 서로 따로 노는 느낌이듬</a:t>
-            </a:r>
-            <a:endParaRPr lang="en-US" altLang="ko-KR" sz="1800" b="1" dirty="0"/>
-          </a:p>
-          <a:p>
-            <a:r>
-              <a:rPr lang="en-US" altLang="ko-KR" sz="1800" b="1" dirty="0" smtClean="0"/>
+              <a:rPr lang="ko-KR" altLang="en-US" sz="2400" dirty="0" err="1" smtClean="0"/>
+              <a:t>테니스공</a:t>
+            </a:r>
+            <a:r>
+              <a:rPr lang="ko-KR" altLang="en-US" sz="2400" dirty="0" smtClean="0"/>
               <a:t> </a:t>
             </a:r>
             <a:r>
-              <a:rPr lang="ko-KR" altLang="en-US" sz="1800" b="1" dirty="0" smtClean="0"/>
-              <a:t>차라리 요원스테이지 </a:t>
-            </a:r>
-            <a:r>
-              <a:rPr lang="ko-KR" altLang="en-US" sz="1800" b="1" dirty="0" err="1" smtClean="0"/>
-              <a:t>군인스테이지롤</a:t>
-            </a:r>
-            <a:r>
-              <a:rPr lang="ko-KR" altLang="en-US" sz="1800" b="1" dirty="0" smtClean="0"/>
-              <a:t> </a:t>
-            </a:r>
-            <a:r>
-              <a:rPr lang="ko-KR" altLang="en-US" sz="1800" b="1" dirty="0" err="1" smtClean="0"/>
-              <a:t>나누는것이</a:t>
-            </a:r>
-            <a:r>
-              <a:rPr lang="ko-KR" altLang="en-US" sz="1800" b="1" dirty="0" smtClean="0"/>
-              <a:t> </a:t>
-            </a:r>
-            <a:r>
-              <a:rPr lang="ko-KR" altLang="en-US" sz="1800" b="1" dirty="0" err="1" smtClean="0"/>
-              <a:t>좋을것같음</a:t>
-            </a:r>
-            <a:endParaRPr lang="en-US" altLang="ko-KR" sz="1800" b="1" dirty="0" smtClean="0"/>
-          </a:p>
-          <a:p>
-            <a:r>
-              <a:rPr lang="ko-KR" altLang="en-US" sz="1800" b="1" dirty="0" smtClean="0"/>
-              <a:t>군인스테이지에 기본 보병 추가 </a:t>
-            </a:r>
-            <a:r>
-              <a:rPr lang="en-US" altLang="ko-KR" sz="1800" b="1" dirty="0" smtClean="0"/>
-              <a:t>+ </a:t>
-            </a:r>
-            <a:r>
-              <a:rPr lang="ko-KR" altLang="en-US" sz="1800" b="1" dirty="0" err="1" smtClean="0"/>
-              <a:t>기존에있던</a:t>
-            </a:r>
-            <a:r>
-              <a:rPr lang="ko-KR" altLang="en-US" sz="1800" b="1" dirty="0" smtClean="0"/>
-              <a:t> </a:t>
-            </a:r>
-            <a:r>
-              <a:rPr lang="ko-KR" altLang="en-US" sz="1800" b="1" dirty="0" err="1" smtClean="0"/>
-              <a:t>대포병</a:t>
-            </a:r>
-            <a:r>
-              <a:rPr lang="en-US" altLang="ko-KR" sz="1800" b="1" dirty="0" smtClean="0"/>
-              <a:t>,</a:t>
-            </a:r>
-            <a:r>
-              <a:rPr lang="ko-KR" altLang="en-US" sz="1800" b="1" dirty="0" smtClean="0"/>
-              <a:t>저격수</a:t>
-            </a:r>
-            <a:r>
-              <a:rPr lang="en-US" altLang="ko-KR" sz="1800" b="1" dirty="0" smtClean="0"/>
-              <a:t>,</a:t>
-            </a:r>
-            <a:r>
-              <a:rPr lang="ko-KR" altLang="en-US" sz="1800" b="1" dirty="0" err="1" smtClean="0"/>
-              <a:t>포탑짓는애</a:t>
-            </a:r>
-            <a:r>
-              <a:rPr lang="ko-KR" altLang="en-US" sz="1800" b="1" dirty="0" smtClean="0"/>
-              <a:t> 사용</a:t>
-            </a:r>
-            <a:endParaRPr lang="en-US" altLang="ko-KR" sz="1800" b="1" dirty="0" smtClean="0"/>
-          </a:p>
-          <a:p>
-            <a:r>
-              <a:rPr lang="ko-KR" altLang="en-US" sz="1800" b="1" dirty="0" smtClean="0"/>
-              <a:t>요원스테이지에 쌍권총요원 </a:t>
-            </a:r>
-            <a:r>
-              <a:rPr lang="en-US" altLang="ko-KR" sz="1800" b="1" dirty="0" smtClean="0"/>
-              <a:t>+ </a:t>
-            </a:r>
-            <a:r>
-              <a:rPr lang="ko-KR" altLang="en-US" sz="1800" b="1" dirty="0" smtClean="0"/>
-              <a:t>암살자 </a:t>
-            </a:r>
-            <a:r>
-              <a:rPr lang="en-US" altLang="ko-KR" sz="1800" b="1" dirty="0" smtClean="0"/>
-              <a:t>+ </a:t>
-            </a:r>
-            <a:r>
-              <a:rPr lang="ko-KR" altLang="en-US" sz="1800" b="1" dirty="0" smtClean="0"/>
-              <a:t>기타요원</a:t>
-            </a:r>
-            <a:r>
-              <a:rPr lang="en-US" altLang="ko-KR" sz="1800" b="1" dirty="0" smtClean="0"/>
-              <a:t>2</a:t>
-            </a:r>
-            <a:r>
-              <a:rPr lang="ko-KR" altLang="en-US" sz="1800" b="1" dirty="0" smtClean="0"/>
-              <a:t>개 </a:t>
-            </a:r>
-            <a:r>
-              <a:rPr lang="ko-KR" altLang="en-US" sz="1800" b="1" dirty="0" err="1" smtClean="0"/>
-              <a:t>이런식으로</a:t>
-            </a:r>
-            <a:r>
-              <a:rPr lang="ko-KR" altLang="en-US" sz="1800" b="1" dirty="0" smtClean="0"/>
-              <a:t> </a:t>
-            </a:r>
-            <a:r>
-              <a:rPr lang="ko-KR" altLang="en-US" sz="1800" b="1" dirty="0" err="1" smtClean="0"/>
-              <a:t>하는것이</a:t>
-            </a:r>
-            <a:r>
-              <a:rPr lang="ko-KR" altLang="en-US" sz="1800" b="1" dirty="0" smtClean="0"/>
-              <a:t> </a:t>
-            </a:r>
-            <a:r>
-              <a:rPr lang="ko-KR" altLang="en-US" sz="1800" b="1" dirty="0" err="1" smtClean="0"/>
-              <a:t>좋아보임</a:t>
-            </a:r>
-            <a:endParaRPr lang="en-US" altLang="ko-KR" sz="1800" b="1" dirty="0" smtClean="0"/>
+              <a:rPr lang="ko-KR" altLang="en-US" sz="2400" dirty="0" err="1" smtClean="0"/>
+              <a:t>발사총</a:t>
+            </a:r>
+            <a:endParaRPr lang="en-US" altLang="ko-KR" sz="2400" dirty="0" smtClean="0"/>
+          </a:p>
+          <a:p>
+            <a:r>
+              <a:rPr lang="ko-KR" altLang="en-US" sz="2400" dirty="0" err="1" smtClean="0"/>
+              <a:t>기린목</a:t>
+            </a:r>
+            <a:r>
+              <a:rPr lang="ko-KR" altLang="en-US" sz="2400" dirty="0" smtClean="0"/>
+              <a:t> 근접무기</a:t>
+            </a:r>
+            <a:endParaRPr lang="en-US" altLang="ko-KR" sz="2400" dirty="0" smtClean="0"/>
+          </a:p>
+          <a:p>
+            <a:r>
+              <a:rPr lang="ko-KR" altLang="en-US" sz="2400" smtClean="0"/>
+              <a:t>알 발사하는 거위</a:t>
+            </a:r>
+            <a:endParaRPr lang="en-US" altLang="ko-KR" sz="2400" dirty="0" smtClean="0"/>
+          </a:p>
+        </p:txBody>
+      </p:sp>
+      <p:sp>
+        <p:nvSpPr>
+          <p:cNvPr id="4" name="AutoShape 2" descr="pixel headphone에 대한 이미지 검색결과"/>
+          <p:cNvSpPr>
+            <a:spLocks noChangeAspect="1" noChangeArrowheads="1"/>
+          </p:cNvSpPr>
+          <p:nvPr/>
+        </p:nvSpPr>
+        <p:spPr bwMode="auto">
+          <a:xfrm>
+            <a:off x="0" y="-144463"/>
+            <a:ext cx="304800" cy="304801"/>
+          </a:xfrm>
+          <a:prstGeom prst="rect">
+            <a:avLst/>
+          </a:prstGeom>
+          <a:noFill/>
+          <a:extLst>
+            <a:ext uri="{909E8E84-426E-40DD-AFC4-6F175D3DCCD1}">
+              <a14:hiddenFill xmlns:a14="http://schemas.microsoft.com/office/drawing/2010/main">
+                <a:solidFill>
+                  <a:srgbClr val="FFFFFF"/>
+                </a:solidFill>
+              </a14:hiddenFill>
+            </a:ext>
+          </a:extLst>
+        </p:spPr>
+        <p:txBody>
+          <a:bodyPr vert="horz" wrap="square" lIns="91440" tIns="45720" rIns="91440" bIns="45720" numCol="1" anchor="t" anchorCtr="0" compatLnSpc="1">
+            <a:prstTxWarp prst="textNoShape">
+              <a:avLst/>
+            </a:prstTxWarp>
+          </a:bodyPr>
+          <a:lstStyle/>
+          <a:p>
+            <a:endParaRPr lang="ko-KR" altLang="en-US"/>
           </a:p>
         </p:txBody>
       </p:sp>
     </p:spTree>
     <p:extLst>
       <p:ext uri="{BB962C8B-B14F-4D97-AF65-F5344CB8AC3E}">
-        <p14:creationId xmlns:p14="http://schemas.microsoft.com/office/powerpoint/2010/main" val="1552690130"/>
+        <p14:creationId xmlns:p14="http://schemas.microsoft.com/office/powerpoint/2010/main" val="3234182539"/>
       </p:ext>
     </p:extLst>
   </p:cSld>
@@ -16768,13 +16903,59 @@
         <p:spPr/>
         <p:txBody>
           <a:bodyPr>
-            <a:normAutofit/>
+            <a:normAutofit fontScale="90000"/>
           </a:bodyPr>
           <a:lstStyle/>
           <a:p>
             <a:r>
+              <a:rPr lang="ko-KR" altLang="en-US" dirty="0" err="1" smtClean="0"/>
+              <a:t>패시브</a:t>
+            </a:r>
+            <a:r>
               <a:rPr lang="ko-KR" altLang="en-US" dirty="0" smtClean="0"/>
-              <a:t>기타의견</a:t>
+              <a:t> 아이템</a:t>
+            </a:r>
+            <a:r>
+              <a:rPr lang="en-US" altLang="ko-KR" dirty="0" smtClean="0"/>
+              <a:t/>
+            </a:r>
+            <a:br>
+              <a:rPr lang="en-US" altLang="ko-KR" dirty="0" smtClean="0"/>
+            </a:br>
+            <a:r>
+              <a:rPr lang="en-US" altLang="ko-KR" dirty="0" smtClean="0"/>
+              <a:t>(</a:t>
+            </a:r>
+            <a:r>
+              <a:rPr lang="ko-KR" altLang="en-US" dirty="0" smtClean="0"/>
+              <a:t>플레이어마다 </a:t>
+            </a:r>
+            <a:r>
+              <a:rPr lang="en-US" altLang="ko-KR" dirty="0" smtClean="0"/>
+              <a:t>1</a:t>
+            </a:r>
+            <a:r>
+              <a:rPr lang="ko-KR" altLang="en-US" dirty="0" smtClean="0"/>
+              <a:t>개씩 소유 가능</a:t>
+            </a:r>
+            <a:r>
+              <a:rPr lang="en-US" altLang="ko-KR" dirty="0" smtClean="0"/>
+              <a:t/>
+            </a:r>
+            <a:br>
+              <a:rPr lang="en-US" altLang="ko-KR" dirty="0" smtClean="0"/>
+            </a:br>
+            <a:r>
+              <a:rPr lang="ko-KR" altLang="en-US" dirty="0" err="1" smtClean="0"/>
+              <a:t>시작시</a:t>
+            </a:r>
+            <a:r>
+              <a:rPr lang="ko-KR" altLang="en-US" dirty="0" smtClean="0"/>
+              <a:t> 선택</a:t>
+            </a:r>
+            <a:r>
+              <a:rPr lang="en-US" altLang="ko-KR" dirty="0" smtClean="0"/>
+              <a:t>)</a:t>
             </a:r>
             <a:endParaRPr lang="ko-KR" altLang="en-US" dirty="0"/>
           </a:p>
@@ -16790,331 +16971,100 @@
             <p:ph idx="1"/>
           </p:nvPr>
         </p:nvSpPr>
-        <p:spPr>
-          <a:xfrm>
-            <a:off x="-108520" y="1412776"/>
-            <a:ext cx="9613576" cy="5301208"/>
-          </a:xfrm>
-        </p:spPr>
+        <p:spPr/>
         <p:txBody>
           <a:bodyPr>
             <a:normAutofit/>
           </a:bodyPr>
           <a:lstStyle/>
           <a:p>
-            <a:r>
-              <a:rPr lang="ko-KR" altLang="en-US" sz="1800" b="1" dirty="0" err="1" smtClean="0"/>
-              <a:t>스테이지별</a:t>
-            </a:r>
-            <a:r>
-              <a:rPr lang="ko-KR" altLang="en-US" sz="1800" b="1" dirty="0" smtClean="0"/>
-              <a:t> </a:t>
-            </a:r>
-            <a:r>
-              <a:rPr lang="ko-KR" altLang="en-US" sz="1800" b="1" dirty="0" err="1" smtClean="0"/>
-              <a:t>몬스터</a:t>
-            </a:r>
-            <a:r>
-              <a:rPr lang="ko-KR" altLang="en-US" sz="1800" b="1" dirty="0" smtClean="0"/>
-              <a:t> 기본패턴은 기본적으로 </a:t>
-            </a:r>
-            <a:r>
-              <a:rPr lang="en-US" altLang="ko-KR" sz="1800" b="1" dirty="0" smtClean="0"/>
-              <a:t> </a:t>
-            </a:r>
-          </a:p>
-          <a:p>
-            <a:r>
-              <a:rPr lang="ko-KR" altLang="en-US" sz="1800" b="1" dirty="0" err="1" smtClean="0"/>
-              <a:t>쉬운근접</a:t>
-            </a:r>
-            <a:r>
-              <a:rPr lang="ko-KR" altLang="en-US" sz="1800" b="1" dirty="0" smtClean="0"/>
-              <a:t> </a:t>
-            </a:r>
-            <a:endParaRPr lang="en-US" altLang="ko-KR" sz="1800" b="1" dirty="0" smtClean="0"/>
-          </a:p>
-          <a:p>
-            <a:r>
-              <a:rPr lang="ko-KR" altLang="en-US" sz="1800" b="1" dirty="0" err="1" smtClean="0"/>
-              <a:t>어려운근접</a:t>
-            </a:r>
-            <a:endParaRPr lang="en-US" altLang="ko-KR" sz="1800" b="1" dirty="0" smtClean="0"/>
-          </a:p>
-          <a:p>
-            <a:r>
-              <a:rPr lang="ko-KR" altLang="en-US" sz="1800" b="1" dirty="0" err="1" smtClean="0"/>
-              <a:t>쉬운원거리</a:t>
-            </a:r>
-            <a:endParaRPr lang="en-US" altLang="ko-KR" sz="1800" b="1" dirty="0" smtClean="0"/>
-          </a:p>
-          <a:p>
-            <a:r>
-              <a:rPr lang="ko-KR" altLang="en-US" sz="1800" b="1" dirty="0" err="1" smtClean="0"/>
-              <a:t>어려운원거리로</a:t>
-            </a:r>
-            <a:r>
-              <a:rPr lang="ko-KR" altLang="en-US" sz="1800" b="1" dirty="0" smtClean="0"/>
-              <a:t> 구성</a:t>
-            </a:r>
-            <a:endParaRPr lang="en-US" altLang="ko-KR" sz="1800" b="1" dirty="0" smtClean="0"/>
-          </a:p>
-          <a:p>
-            <a:endParaRPr lang="en-US" altLang="ko-KR" sz="1800" b="1" dirty="0" smtClean="0"/>
-          </a:p>
-          <a:p>
-            <a:r>
-              <a:rPr lang="ko-KR" altLang="en-US" sz="1800" b="1" dirty="0" smtClean="0"/>
-              <a:t>패턴은 스테이지마다 전부 다르게</a:t>
-            </a:r>
-            <a:endParaRPr lang="en-US" altLang="ko-KR" sz="1800" b="1" dirty="0" smtClean="0"/>
-          </a:p>
-          <a:p>
-            <a:endParaRPr lang="en-US" altLang="ko-KR" sz="1800" b="1" dirty="0" smtClean="0"/>
-          </a:p>
-          <a:p>
-            <a:r>
-              <a:rPr lang="ko-KR" altLang="en-US" sz="1800" b="1" dirty="0" err="1" smtClean="0"/>
-              <a:t>쉬운패턴의</a:t>
-            </a:r>
-            <a:r>
-              <a:rPr lang="ko-KR" altLang="en-US" sz="1800" b="1" dirty="0" smtClean="0"/>
-              <a:t> 정도 </a:t>
-            </a:r>
-            <a:endParaRPr lang="en-US" altLang="ko-KR" sz="1800" b="1" dirty="0" smtClean="0"/>
-          </a:p>
-          <a:p>
-            <a:r>
-              <a:rPr lang="en-US" altLang="ko-KR" sz="1800" b="1" dirty="0" smtClean="0"/>
+            <a:endParaRPr lang="en-US" altLang="ko-KR" b="1" dirty="0" smtClean="0"/>
+          </a:p>
+          <a:p>
+            <a:r>
+              <a:rPr lang="ko-KR" altLang="en-US" b="1" dirty="0" smtClean="0"/>
+              <a:t>안정제 </a:t>
+            </a:r>
+            <a:r>
+              <a:rPr lang="en-US" altLang="ko-KR" b="1" dirty="0" smtClean="0"/>
+              <a:t>( </a:t>
+            </a:r>
+            <a:r>
+              <a:rPr lang="ko-KR" altLang="en-US" b="1" dirty="0" smtClean="0"/>
+              <a:t>총기 반동을 많이 줄여줌</a:t>
+            </a:r>
+            <a:r>
+              <a:rPr lang="en-US" altLang="ko-KR" b="1" dirty="0" smtClean="0"/>
+              <a:t>)</a:t>
+            </a:r>
+            <a:endParaRPr lang="en-US" altLang="ko-KR" b="1" dirty="0"/>
+          </a:p>
+          <a:p>
+            <a:r>
+              <a:rPr lang="ko-KR" altLang="en-US" b="1" dirty="0" smtClean="0"/>
+              <a:t>사정거리 늘어나는 아이템도 </a:t>
+            </a:r>
+            <a:r>
+              <a:rPr lang="ko-KR" altLang="en-US" b="1" dirty="0" err="1" smtClean="0"/>
+              <a:t>필요할수도</a:t>
+            </a:r>
+            <a:r>
+              <a:rPr lang="en-US" altLang="ko-KR" b="1" dirty="0" smtClean="0"/>
               <a:t>(</a:t>
             </a:r>
             <a:r>
-              <a:rPr lang="ko-KR" altLang="en-US" sz="1800" b="1" dirty="0" smtClean="0"/>
-              <a:t>원거리 </a:t>
-            </a:r>
-            <a:r>
-              <a:rPr lang="en-US" altLang="ko-KR" sz="1800" b="1" dirty="0" smtClean="0"/>
-              <a:t>: </a:t>
-            </a:r>
-            <a:r>
-              <a:rPr lang="ko-KR" altLang="en-US" sz="1800" b="1" dirty="0" smtClean="0"/>
-              <a:t>누구는 총알 빠르게 </a:t>
-            </a:r>
-            <a:r>
-              <a:rPr lang="en-US" altLang="ko-KR" sz="1800" b="1" dirty="0" smtClean="0"/>
-              <a:t>1</a:t>
-            </a:r>
-            <a:r>
-              <a:rPr lang="ko-KR" altLang="en-US" sz="1800" b="1" dirty="0" err="1" smtClean="0"/>
-              <a:t>발씩쏘고</a:t>
-            </a:r>
-            <a:r>
-              <a:rPr lang="ko-KR" altLang="en-US" sz="1800" b="1" dirty="0" smtClean="0"/>
-              <a:t> 누구는 총알 느리게 </a:t>
-            </a:r>
-            <a:r>
-              <a:rPr lang="en-US" altLang="ko-KR" sz="1800" b="1" dirty="0" smtClean="0"/>
-              <a:t>3</a:t>
-            </a:r>
-            <a:r>
-              <a:rPr lang="ko-KR" altLang="en-US" sz="1800" b="1" dirty="0" smtClean="0"/>
-              <a:t>발씩 쏘고 이정도</a:t>
-            </a:r>
-            <a:r>
-              <a:rPr lang="en-US" altLang="ko-KR" sz="1800" b="1" dirty="0" smtClean="0"/>
+              <a:rPr lang="ko-KR" altLang="en-US" b="1" dirty="0" err="1" smtClean="0"/>
+              <a:t>샷건</a:t>
+            </a:r>
+            <a:r>
+              <a:rPr lang="ko-KR" altLang="en-US" b="1" dirty="0" smtClean="0"/>
+              <a:t> 사정거리 </a:t>
+            </a:r>
+            <a:r>
+              <a:rPr lang="en-US" altLang="ko-KR" b="1" dirty="0" smtClean="0"/>
+              <a:t>-&gt;</a:t>
+            </a:r>
+            <a:r>
+              <a:rPr lang="ko-KR" altLang="en-US" b="1" dirty="0" smtClean="0"/>
+              <a:t>초크</a:t>
+            </a:r>
+            <a:r>
+              <a:rPr lang="en-US" altLang="ko-KR" b="1" dirty="0" smtClean="0"/>
               <a:t>)</a:t>
             </a:r>
           </a:p>
           <a:p>
             <a:r>
-              <a:rPr lang="en-US" altLang="ko-KR" sz="1800" b="1" dirty="0" smtClean="0"/>
+              <a:rPr lang="ko-KR" altLang="en-US" b="1" dirty="0" smtClean="0"/>
+              <a:t>전체 무기 </a:t>
+            </a:r>
+            <a:r>
+              <a:rPr lang="ko-KR" altLang="en-US" b="1" dirty="0" err="1" smtClean="0"/>
+              <a:t>총알수</a:t>
+            </a:r>
+            <a:r>
+              <a:rPr lang="ko-KR" altLang="en-US" b="1" dirty="0" smtClean="0"/>
+              <a:t> 증가 </a:t>
+            </a:r>
+            <a:r>
+              <a:rPr lang="en-US" altLang="ko-KR" b="1" dirty="0" smtClean="0"/>
               <a:t>(</a:t>
             </a:r>
             <a:r>
-              <a:rPr lang="ko-KR" altLang="en-US" sz="1800" b="1" dirty="0" smtClean="0"/>
-              <a:t>근거리 </a:t>
-            </a:r>
-            <a:r>
-              <a:rPr lang="en-US" altLang="ko-KR" sz="1800" b="1" dirty="0" smtClean="0"/>
-              <a:t>: </a:t>
-            </a:r>
-            <a:r>
-              <a:rPr lang="ko-KR" altLang="en-US" sz="1800" b="1" dirty="0" err="1" smtClean="0"/>
-              <a:t>가까이와서</a:t>
-            </a:r>
-            <a:r>
-              <a:rPr lang="ko-KR" altLang="en-US" sz="1800" b="1" dirty="0" smtClean="0"/>
-              <a:t> 때리기</a:t>
-            </a:r>
-            <a:r>
-              <a:rPr lang="en-US" altLang="ko-KR" sz="1800" b="1" dirty="0" smtClean="0"/>
-              <a:t>,</a:t>
-            </a:r>
-            <a:r>
-              <a:rPr lang="ko-KR" altLang="en-US" sz="1800" b="1" dirty="0"/>
-              <a:t> </a:t>
-            </a:r>
-            <a:r>
-              <a:rPr lang="ko-KR" altLang="en-US" sz="1800" b="1" dirty="0" smtClean="0"/>
-              <a:t>좀더 먼 거리에서 </a:t>
-            </a:r>
-            <a:r>
-              <a:rPr lang="ko-KR" altLang="en-US" sz="1800" b="1" dirty="0" err="1" smtClean="0"/>
-              <a:t>대쉬를</a:t>
-            </a:r>
-            <a:r>
-              <a:rPr lang="ko-KR" altLang="en-US" sz="1800" b="1" dirty="0" smtClean="0"/>
-              <a:t> 해서 공격을 </a:t>
-            </a:r>
-            <a:r>
-              <a:rPr lang="ko-KR" altLang="en-US" sz="1800" b="1" dirty="0" err="1" smtClean="0"/>
-              <a:t>한다던지</a:t>
-            </a:r>
-            <a:r>
-              <a:rPr lang="en-US" altLang="ko-KR" sz="1800" b="1" dirty="0" smtClean="0"/>
+              <a:rPr lang="ko-KR" altLang="en-US" b="1" dirty="0" smtClean="0"/>
+              <a:t>대용량탄창</a:t>
+            </a:r>
+            <a:r>
+              <a:rPr lang="en-US" altLang="ko-KR" b="1" dirty="0" smtClean="0"/>
               <a:t>)</a:t>
             </a:r>
-          </a:p>
-          <a:p>
-            <a:r>
-              <a:rPr lang="ko-KR" altLang="en-US" sz="1800" b="1" dirty="0" err="1" smtClean="0"/>
-              <a:t>어려운패턴의</a:t>
-            </a:r>
-            <a:r>
-              <a:rPr lang="ko-KR" altLang="en-US" sz="1800" b="1" dirty="0" smtClean="0"/>
-              <a:t> 정도</a:t>
-            </a:r>
-            <a:endParaRPr lang="en-US" altLang="ko-KR" sz="1800" b="1" dirty="0" smtClean="0"/>
-          </a:p>
-          <a:p>
-            <a:r>
-              <a:rPr lang="en-US" altLang="ko-KR" sz="1800" b="1" dirty="0" smtClean="0"/>
-              <a:t>(</a:t>
-            </a:r>
-            <a:r>
-              <a:rPr lang="ko-KR" altLang="en-US" sz="1800" b="1" dirty="0" smtClean="0"/>
-              <a:t>원거리 </a:t>
-            </a:r>
-            <a:r>
-              <a:rPr lang="en-US" altLang="ko-KR" sz="1800" b="1" dirty="0" smtClean="0"/>
-              <a:t>:</a:t>
-            </a:r>
-            <a:r>
-              <a:rPr lang="ko-KR" altLang="en-US" sz="1800" b="1" dirty="0" smtClean="0"/>
-              <a:t>총알을 </a:t>
-            </a:r>
-            <a:r>
-              <a:rPr lang="ko-KR" altLang="en-US" sz="1800" b="1" dirty="0" err="1" smtClean="0"/>
-              <a:t>여러방향으로</a:t>
-            </a:r>
-            <a:r>
-              <a:rPr lang="ko-KR" altLang="en-US" sz="1800" b="1" dirty="0" smtClean="0"/>
-              <a:t> </a:t>
-            </a:r>
-            <a:r>
-              <a:rPr lang="ko-KR" altLang="en-US" sz="1800" b="1" dirty="0" err="1" smtClean="0"/>
-              <a:t>쏜다던지</a:t>
-            </a:r>
-            <a:r>
-              <a:rPr lang="ko-KR" altLang="en-US" sz="1800" b="1" dirty="0" smtClean="0"/>
-              <a:t> </a:t>
-            </a:r>
-            <a:r>
-              <a:rPr lang="ko-KR" altLang="en-US" sz="1800" b="1" dirty="0" err="1" smtClean="0"/>
-              <a:t>특수탄</a:t>
-            </a:r>
-            <a:r>
-              <a:rPr lang="en-US" altLang="ko-KR" sz="1800" b="1" dirty="0" smtClean="0"/>
-              <a:t>(</a:t>
-            </a:r>
-            <a:r>
-              <a:rPr lang="ko-KR" altLang="en-US" sz="1800" b="1" dirty="0" err="1" smtClean="0"/>
-              <a:t>벽에맞으면</a:t>
-            </a:r>
-            <a:r>
-              <a:rPr lang="ko-KR" altLang="en-US" sz="1800" b="1" dirty="0" smtClean="0"/>
-              <a:t> 튕기거나 중독</a:t>
-            </a:r>
-            <a:r>
-              <a:rPr lang="en-US" altLang="ko-KR" sz="1800" b="1" dirty="0" smtClean="0"/>
-              <a:t>,</a:t>
-            </a:r>
-            <a:r>
-              <a:rPr lang="ko-KR" altLang="en-US" sz="1800" b="1" dirty="0" smtClean="0"/>
-              <a:t>화상의 효과</a:t>
-            </a:r>
-            <a:r>
-              <a:rPr lang="en-US" altLang="ko-KR" sz="1800" b="1" dirty="0" smtClean="0"/>
-              <a:t>),</a:t>
-            </a:r>
-            <a:r>
-              <a:rPr lang="ko-KR" altLang="en-US" sz="1800" b="1" dirty="0" err="1" smtClean="0"/>
-              <a:t>수류탄등등을</a:t>
-            </a:r>
-            <a:r>
-              <a:rPr lang="ko-KR" altLang="en-US" sz="1800" b="1" dirty="0" smtClean="0"/>
-              <a:t> 사용</a:t>
-            </a:r>
-            <a:r>
-              <a:rPr lang="en-US" altLang="ko-KR" sz="1800" b="1" dirty="0" smtClean="0"/>
-              <a:t>)</a:t>
-            </a:r>
-          </a:p>
-          <a:p>
-            <a:r>
-              <a:rPr lang="en-US" altLang="ko-KR" sz="1800" b="1" dirty="0" smtClean="0"/>
-              <a:t>(</a:t>
-            </a:r>
-            <a:r>
-              <a:rPr lang="ko-KR" altLang="en-US" sz="1800" b="1" dirty="0" smtClean="0"/>
-              <a:t>근거리 </a:t>
-            </a:r>
-            <a:r>
-              <a:rPr lang="en-US" altLang="ko-KR" sz="1800" b="1" dirty="0" smtClean="0"/>
-              <a:t>: </a:t>
-            </a:r>
-            <a:r>
-              <a:rPr lang="ko-KR" altLang="en-US" sz="1800" b="1" dirty="0" smtClean="0"/>
-              <a:t>위장</a:t>
-            </a:r>
-            <a:r>
-              <a:rPr lang="en-US" altLang="ko-KR" sz="1800" b="1" dirty="0" smtClean="0"/>
-              <a:t>,</a:t>
-            </a:r>
-            <a:r>
-              <a:rPr lang="ko-KR" altLang="en-US" sz="1800" b="1" dirty="0" smtClean="0"/>
-              <a:t>은신</a:t>
-            </a:r>
-            <a:r>
-              <a:rPr lang="en-US" altLang="ko-KR" sz="1800" b="1" dirty="0" smtClean="0"/>
-              <a:t>,</a:t>
-            </a:r>
-            <a:r>
-              <a:rPr lang="ko-KR" altLang="en-US" sz="1800" b="1" dirty="0" smtClean="0"/>
-              <a:t>방패사용</a:t>
-            </a:r>
-            <a:r>
-              <a:rPr lang="en-US" altLang="ko-KR" sz="1800" b="1" dirty="0" smtClean="0"/>
-              <a:t>,</a:t>
-            </a:r>
-            <a:r>
-              <a:rPr lang="ko-KR" altLang="en-US" sz="1800" b="1" dirty="0" smtClean="0"/>
-              <a:t>등등 기본근거리 </a:t>
-            </a:r>
-            <a:r>
-              <a:rPr lang="en-US" altLang="ko-KR" sz="1800" b="1" dirty="0" smtClean="0"/>
-              <a:t>+ @)</a:t>
-            </a:r>
-          </a:p>
-          <a:p>
-            <a:endParaRPr lang="en-US" altLang="ko-KR" sz="1800" b="1" dirty="0" smtClean="0"/>
           </a:p>
         </p:txBody>
       </p:sp>
     </p:spTree>
     <p:extLst>
       <p:ext uri="{BB962C8B-B14F-4D97-AF65-F5344CB8AC3E}">
-        <p14:creationId xmlns:p14="http://schemas.microsoft.com/office/powerpoint/2010/main" val="2752374943"/>
+        <p14:creationId xmlns:p14="http://schemas.microsoft.com/office/powerpoint/2010/main" val="4072168355"/>
       </p:ext>
     </p:extLst>
   </p:cSld>
@@ -17154,14 +17104,25 @@
         <p:spPr/>
         <p:txBody>
           <a:bodyPr>
-            <a:normAutofit/>
+            <a:normAutofit fontScale="90000"/>
           </a:bodyPr>
           <a:lstStyle/>
           <a:p>
             <a:r>
+              <a:rPr lang="ko-KR" altLang="en-US" dirty="0" err="1" smtClean="0"/>
+              <a:t>패시브</a:t>
+            </a:r>
+            <a:r>
               <a:rPr lang="ko-KR" altLang="en-US" dirty="0" smtClean="0"/>
-              <a:t>마지막 스테이지 기타의견</a:t>
-            </a:r>
+              <a:t> 아이템</a:t>
+            </a:r>
+            <a:r>
+              <a:rPr lang="en-US" altLang="ko-KR" dirty="0" smtClean="0"/>
+              <a:t/>
+            </a:r>
+            <a:br>
+              <a:rPr lang="en-US" altLang="ko-KR" dirty="0" smtClean="0"/>
+            </a:br>
             <a:endParaRPr lang="ko-KR" altLang="en-US" dirty="0"/>
           </a:p>
         </p:txBody>
@@ -17176,12 +17137,7 @@
             <p:ph idx="1"/>
           </p:nvPr>
         </p:nvSpPr>
-        <p:spPr>
-          <a:xfrm>
-            <a:off x="-108520" y="1412776"/>
-            <a:ext cx="9613576" cy="5301208"/>
-          </a:xfrm>
-        </p:spPr>
+        <p:spPr/>
         <p:txBody>
           <a:bodyPr>
             <a:normAutofit/>
@@ -17189,156 +17145,94 @@
           <a:lstStyle/>
           <a:p>
             <a:r>
-              <a:rPr lang="ko-KR" altLang="en-US" sz="1800" b="1" dirty="0" smtClean="0"/>
-              <a:t>아이디어</a:t>
-            </a:r>
-            <a:r>
-              <a:rPr lang="en-US" altLang="ko-KR" sz="1800" b="1" dirty="0" smtClean="0"/>
-              <a:t>1. </a:t>
-            </a:r>
-            <a:r>
-              <a:rPr lang="ko-KR" altLang="en-US" sz="1800" b="1" dirty="0" err="1" smtClean="0"/>
-              <a:t>닌자는</a:t>
-            </a:r>
-            <a:r>
-              <a:rPr lang="ko-KR" altLang="en-US" sz="1800" b="1" dirty="0" smtClean="0"/>
-              <a:t> 주인공 캐릭터로 넣고 요원은 마지막 </a:t>
-            </a:r>
-            <a:r>
-              <a:rPr lang="ko-KR" altLang="en-US" sz="1800" b="1" dirty="0" err="1" smtClean="0"/>
-              <a:t>보스방에서</a:t>
-            </a:r>
-            <a:r>
-              <a:rPr lang="ko-KR" altLang="en-US" sz="1800" b="1" dirty="0" smtClean="0"/>
-              <a:t> 보스 부하로 나오게 </a:t>
-            </a:r>
-            <a:r>
-              <a:rPr lang="ko-KR" altLang="en-US" sz="1800" b="1" dirty="0" err="1" smtClean="0"/>
-              <a:t>하는게</a:t>
-            </a:r>
-            <a:r>
-              <a:rPr lang="ko-KR" altLang="en-US" sz="1800" b="1" dirty="0" smtClean="0"/>
-              <a:t> 어떨지</a:t>
-            </a:r>
-            <a:r>
-              <a:rPr lang="en-US" altLang="ko-KR" sz="1800" b="1" dirty="0" smtClean="0"/>
-              <a:t>?</a:t>
-            </a:r>
-            <a:r>
-              <a:rPr lang="ko-KR" altLang="en-US" sz="1800" b="1" dirty="0"/>
+              <a:rPr lang="ko-KR" altLang="en-US" b="1" dirty="0" smtClean="0"/>
+              <a:t>돼지 우상</a:t>
+            </a:r>
+            <a:r>
+              <a:rPr lang="en-US" altLang="ko-KR" b="1" dirty="0" smtClean="0"/>
+              <a:t>(?)</a:t>
+            </a:r>
+            <a:r>
+              <a:rPr lang="ko-KR" altLang="en-US" b="1" dirty="0" smtClean="0"/>
               <a:t> </a:t>
             </a:r>
             <a:r>
-              <a:rPr lang="ko-KR" altLang="en-US" sz="1800" b="1" dirty="0" smtClean="0"/>
-              <a:t>두 </a:t>
-            </a:r>
-            <a:r>
-              <a:rPr lang="ko-KR" altLang="en-US" sz="1800" b="1" dirty="0" err="1" smtClean="0"/>
-              <a:t>몬스터의</a:t>
-            </a:r>
-            <a:r>
-              <a:rPr lang="ko-KR" altLang="en-US" sz="1800" b="1" dirty="0" smtClean="0"/>
-              <a:t> 공백은 경찰스테이지에 있는 소총 </a:t>
-            </a:r>
-            <a:r>
-              <a:rPr lang="ko-KR" altLang="en-US" sz="1800" b="1" dirty="0" err="1" smtClean="0"/>
-              <a:t>쓰는애</a:t>
-            </a:r>
-            <a:r>
-              <a:rPr lang="ko-KR" altLang="en-US" sz="1800" b="1" dirty="0" smtClean="0"/>
-              <a:t> 하나하고 </a:t>
-            </a:r>
-            <a:r>
-              <a:rPr lang="ko-KR" altLang="en-US" sz="1800" b="1" dirty="0" err="1" smtClean="0"/>
-              <a:t>권총쏘는애</a:t>
-            </a:r>
-            <a:r>
-              <a:rPr lang="ko-KR" altLang="en-US" sz="1800" b="1" dirty="0" smtClean="0"/>
-              <a:t> 하나로 대체</a:t>
-            </a:r>
-            <a:r>
-              <a:rPr lang="en-US" altLang="ko-KR" sz="1800" b="1" dirty="0" smtClean="0"/>
-              <a:t>.</a:t>
-            </a:r>
-          </a:p>
-          <a:p>
-            <a:endParaRPr lang="en-US" altLang="ko-KR" sz="1800" b="1" dirty="0"/>
-          </a:p>
-          <a:p>
-            <a:r>
-              <a:rPr lang="ko-KR" altLang="en-US" sz="1800" b="1" dirty="0" smtClean="0"/>
-              <a:t>아이디어</a:t>
-            </a:r>
-            <a:r>
-              <a:rPr lang="en-US" altLang="ko-KR" sz="1800" b="1" dirty="0" smtClean="0"/>
-              <a:t>2. </a:t>
-            </a:r>
-            <a:r>
-              <a:rPr lang="ko-KR" altLang="en-US" sz="1800" b="1" dirty="0" err="1" smtClean="0"/>
-              <a:t>마지막탄은</a:t>
-            </a:r>
-            <a:r>
-              <a:rPr lang="ko-KR" altLang="en-US" sz="1800" b="1" dirty="0" smtClean="0"/>
+              <a:rPr lang="en-US" altLang="ko-KR" b="1" dirty="0" smtClean="0"/>
+              <a:t>(</a:t>
+            </a:r>
+            <a:r>
+              <a:rPr lang="ko-KR" altLang="en-US" b="1" dirty="0" smtClean="0"/>
+              <a:t>아이템 획득 확률 상승</a:t>
+            </a:r>
+            <a:r>
+              <a:rPr lang="en-US" altLang="ko-KR" b="1" dirty="0" smtClean="0"/>
+              <a:t>)</a:t>
+            </a:r>
+          </a:p>
+          <a:p>
+            <a:r>
+              <a:rPr lang="ko-KR" altLang="en-US" b="1" dirty="0" err="1" smtClean="0"/>
+              <a:t>레드닷</a:t>
+            </a:r>
+            <a:endParaRPr lang="en-US" altLang="ko-KR" b="1" dirty="0" smtClean="0"/>
+          </a:p>
+          <a:p>
+            <a:r>
+              <a:rPr lang="ko-KR" altLang="en-US" b="1" dirty="0" err="1" smtClean="0"/>
+              <a:t>스카우터</a:t>
+            </a:r>
+            <a:r>
+              <a:rPr lang="en-US" altLang="ko-KR" b="1" dirty="0" smtClean="0"/>
+              <a:t>(</a:t>
+            </a:r>
+            <a:r>
+              <a:rPr lang="ko-KR" altLang="en-US" b="1" dirty="0" err="1" smtClean="0"/>
+              <a:t>몬스터들</a:t>
+            </a:r>
+            <a:r>
+              <a:rPr lang="ko-KR" altLang="en-US" b="1" dirty="0" smtClean="0"/>
               <a:t> </a:t>
             </a:r>
             <a:r>
-              <a:rPr lang="en-US" altLang="ko-KR" sz="1800" b="1" dirty="0" smtClean="0"/>
-              <a:t>5-1</a:t>
-            </a:r>
-            <a:r>
-              <a:rPr lang="ko-KR" altLang="en-US" sz="1800" b="1" dirty="0" smtClean="0"/>
-              <a:t>탄 </a:t>
-            </a:r>
-            <a:r>
-              <a:rPr lang="en-US" altLang="ko-KR" sz="1800" b="1" dirty="0" smtClean="0"/>
-              <a:t>5-2</a:t>
-            </a:r>
-            <a:r>
-              <a:rPr lang="ko-KR" altLang="en-US" sz="1800" b="1" dirty="0" smtClean="0"/>
-              <a:t>탄으로 나누어서 </a:t>
-            </a:r>
-            <a:r>
-              <a:rPr lang="en-US" altLang="ko-KR" sz="1800" b="1" dirty="0" smtClean="0"/>
-              <a:t>1</a:t>
-            </a:r>
-            <a:r>
-              <a:rPr lang="ko-KR" altLang="en-US" sz="1800" b="1" dirty="0" smtClean="0"/>
-              <a:t>탄은 요원하고 </a:t>
-            </a:r>
-            <a:r>
-              <a:rPr lang="ko-KR" altLang="en-US" sz="1800" b="1" dirty="0" err="1" smtClean="0"/>
-              <a:t>닌자</a:t>
-            </a:r>
-            <a:r>
-              <a:rPr lang="ko-KR" altLang="en-US" sz="1800" b="1" dirty="0" smtClean="0"/>
-              <a:t> </a:t>
-            </a:r>
-            <a:r>
-              <a:rPr lang="ko-KR" altLang="en-US" sz="1800" b="1" dirty="0" err="1" smtClean="0"/>
-              <a:t>나오게하고</a:t>
-            </a:r>
-            <a:endParaRPr lang="en-US" altLang="ko-KR" sz="1800" b="1" dirty="0" smtClean="0"/>
-          </a:p>
-          <a:p>
-            <a:pPr marL="0" indent="0">
-              <a:buNone/>
-            </a:pPr>
-            <a:r>
-              <a:rPr lang="en-US" altLang="ko-KR" sz="1800" b="1" dirty="0" smtClean="0"/>
-              <a:t>    2</a:t>
-            </a:r>
-            <a:r>
-              <a:rPr lang="ko-KR" altLang="en-US" sz="1800" b="1" dirty="0" smtClean="0"/>
-              <a:t>탄은 군인들 나오게 하기</a:t>
-            </a:r>
-            <a:endParaRPr lang="en-US" altLang="ko-KR" sz="1800" b="1" dirty="0" smtClean="0"/>
+              <a:rPr lang="ko-KR" altLang="en-US" b="1" dirty="0" err="1" smtClean="0"/>
+              <a:t>체력바가</a:t>
+            </a:r>
+            <a:r>
+              <a:rPr lang="ko-KR" altLang="en-US" b="1" dirty="0" smtClean="0"/>
+              <a:t> 보임</a:t>
+            </a:r>
+            <a:r>
+              <a:rPr lang="en-US" altLang="ko-KR" b="1" dirty="0" smtClean="0"/>
+              <a:t>)</a:t>
+            </a:r>
+          </a:p>
+          <a:p>
+            <a:endParaRPr lang="en-US" altLang="ko-KR" b="1" dirty="0" smtClean="0"/>
+          </a:p>
+          <a:p>
+            <a:r>
+              <a:rPr lang="ko-KR" altLang="en-US" b="1" dirty="0" smtClean="0"/>
+              <a:t>인삼아이콘 </a:t>
+            </a:r>
+            <a:r>
+              <a:rPr lang="en-US" altLang="ko-KR" b="1" dirty="0" smtClean="0"/>
+              <a:t>(</a:t>
+            </a:r>
+            <a:r>
+              <a:rPr lang="ko-KR" altLang="en-US" b="1" dirty="0" smtClean="0"/>
+              <a:t>상태이상 면역</a:t>
+            </a:r>
+            <a:r>
+              <a:rPr lang="en-US" altLang="ko-KR" b="1" dirty="0" smtClean="0"/>
+              <a:t>)</a:t>
+            </a:r>
           </a:p>
         </p:txBody>
       </p:sp>
     </p:spTree>
     <p:extLst>
       <p:ext uri="{BB962C8B-B14F-4D97-AF65-F5344CB8AC3E}">
-        <p14:creationId xmlns:p14="http://schemas.microsoft.com/office/powerpoint/2010/main" val="3036180783"/>
+        <p14:creationId xmlns:p14="http://schemas.microsoft.com/office/powerpoint/2010/main" val="251605719"/>
       </p:ext>
     </p:extLst>
   </p:cSld>
@@ -17378,14 +17272,21 @@
         <p:spPr/>
         <p:txBody>
           <a:bodyPr>
-            <a:normAutofit/>
+            <a:normAutofit fontScale="90000"/>
           </a:bodyPr>
           <a:lstStyle/>
           <a:p>
             <a:r>
-              <a:rPr lang="ko-KR" altLang="en-US" dirty="0" err="1" smtClean="0"/>
-              <a:t>불편한점</a:t>
-            </a:r>
+              <a:rPr lang="ko-KR" altLang="en-US" dirty="0" smtClean="0"/>
+              <a:t>아이디어 추가</a:t>
+            </a:r>
+            <a:r>
+              <a:rPr lang="en-US" altLang="ko-KR" dirty="0" smtClean="0"/>
+              <a:t/>
+            </a:r>
+            <a:br>
+              <a:rPr lang="en-US" altLang="ko-KR" dirty="0" smtClean="0"/>
+            </a:br>
             <a:endParaRPr lang="ko-KR" altLang="en-US" dirty="0"/>
           </a:p>
         </p:txBody>
@@ -17400,12 +17301,7 @@
             <p:ph idx="1"/>
           </p:nvPr>
         </p:nvSpPr>
-        <p:spPr>
-          <a:xfrm>
-            <a:off x="-108520" y="1412776"/>
-            <a:ext cx="9613576" cy="5301208"/>
-          </a:xfrm>
-        </p:spPr>
+        <p:spPr/>
         <p:txBody>
           <a:bodyPr>
             <a:normAutofit/>
@@ -17413,70 +17309,77 @@
           <a:lstStyle/>
           <a:p>
             <a:r>
-              <a:rPr lang="ko-KR" altLang="en-US" sz="1800" b="1" dirty="0" smtClean="0"/>
-              <a:t>이동 조이스틱을 이동식으로도 </a:t>
-            </a:r>
-            <a:r>
-              <a:rPr lang="ko-KR" altLang="en-US" sz="1800" b="1" dirty="0" err="1" smtClean="0"/>
-              <a:t>쓸수있는</a:t>
-            </a:r>
-            <a:r>
-              <a:rPr lang="ko-KR" altLang="en-US" sz="1800" b="1" dirty="0" smtClean="0"/>
-              <a:t> 설정</a:t>
-            </a:r>
-            <a:endParaRPr lang="en-US" altLang="ko-KR" sz="1800" b="1" dirty="0" smtClean="0"/>
-          </a:p>
-          <a:p>
-            <a:r>
-              <a:rPr lang="ko-KR" altLang="en-US" sz="1800" b="1" dirty="0" smtClean="0"/>
-              <a:t>무기 슬롯이 </a:t>
-            </a:r>
-            <a:r>
-              <a:rPr lang="ko-KR" altLang="en-US" sz="1800" b="1" dirty="0" err="1" smtClean="0"/>
-              <a:t>필요해보임</a:t>
-            </a:r>
-            <a:r>
-              <a:rPr lang="en-US" altLang="ko-KR" sz="1800" b="1" dirty="0" smtClean="0"/>
+              <a:rPr lang="ko-KR" altLang="en-US" b="1" dirty="0" smtClean="0"/>
+              <a:t>처음에는 무기 </a:t>
+            </a:r>
+            <a:r>
+              <a:rPr lang="ko-KR" altLang="en-US" b="1" dirty="0" err="1" smtClean="0"/>
+              <a:t>인벤토리만</a:t>
+            </a:r>
+            <a:r>
+              <a:rPr lang="ko-KR" altLang="en-US" b="1" dirty="0" smtClean="0"/>
+              <a:t> </a:t>
+            </a:r>
+            <a:r>
+              <a:rPr lang="ko-KR" altLang="en-US" b="1" dirty="0" err="1" smtClean="0"/>
+              <a:t>두칸</a:t>
+            </a:r>
+            <a:r>
+              <a:rPr lang="ko-KR" altLang="en-US" b="1" dirty="0" smtClean="0"/>
+              <a:t> </a:t>
+            </a:r>
+            <a:r>
+              <a:rPr lang="ko-KR" altLang="en-US" b="1" dirty="0" err="1" smtClean="0"/>
+              <a:t>줄것</a:t>
+            </a:r>
+            <a:endParaRPr lang="en-US" altLang="ko-KR" b="1" dirty="0" smtClean="0"/>
+          </a:p>
+          <a:p>
+            <a:r>
+              <a:rPr lang="ko-KR" altLang="en-US" b="1" dirty="0" err="1" smtClean="0"/>
+              <a:t>한판할때마다</a:t>
+            </a:r>
+            <a:r>
+              <a:rPr lang="ko-KR" altLang="en-US" b="1" dirty="0" smtClean="0"/>
+              <a:t> 코인을 줘서 그걸로 </a:t>
+            </a:r>
+            <a:r>
+              <a:rPr lang="ko-KR" altLang="en-US" b="1" dirty="0" err="1" smtClean="0"/>
+              <a:t>패시브</a:t>
+            </a:r>
+            <a:r>
+              <a:rPr lang="ko-KR" altLang="en-US" b="1" dirty="0" smtClean="0"/>
+              <a:t> 아이템 구매</a:t>
+            </a:r>
+            <a:endParaRPr lang="en-US" altLang="ko-KR" b="1" dirty="0" smtClean="0"/>
+          </a:p>
+          <a:p>
+            <a:r>
+              <a:rPr lang="ko-KR" altLang="en-US" b="1" dirty="0" smtClean="0"/>
+              <a:t> </a:t>
+            </a:r>
+            <a:r>
+              <a:rPr lang="en-US" altLang="ko-KR" b="1" dirty="0" smtClean="0"/>
               <a:t>(</a:t>
             </a:r>
             <a:r>
-              <a:rPr lang="ko-KR" altLang="en-US" sz="1800" b="1" dirty="0" smtClean="0"/>
-              <a:t>총</a:t>
-            </a:r>
-            <a:r>
-              <a:rPr lang="en-US" altLang="ko-KR" sz="1800" b="1" smtClean="0"/>
-              <a:t>,</a:t>
-            </a:r>
-            <a:r>
-              <a:rPr lang="ko-KR" altLang="en-US" sz="1800" b="1" smtClean="0"/>
-              <a:t>칼을 급하게 </a:t>
-            </a:r>
-            <a:r>
-              <a:rPr lang="ko-KR" altLang="en-US" sz="1800" b="1" dirty="0" err="1" smtClean="0"/>
-              <a:t>스왑용으로</a:t>
-            </a:r>
-            <a:r>
-              <a:rPr lang="ko-KR" altLang="en-US" sz="1800" b="1" dirty="0" smtClean="0"/>
-              <a:t> </a:t>
-            </a:r>
-            <a:r>
-              <a:rPr lang="ko-KR" altLang="en-US" sz="1800" b="1" dirty="0" err="1" smtClean="0"/>
-              <a:t>써야할</a:t>
-            </a:r>
-            <a:r>
-              <a:rPr lang="ko-KR" altLang="en-US" sz="1800" b="1" dirty="0" smtClean="0"/>
-              <a:t> 필요가 </a:t>
-            </a:r>
-            <a:r>
-              <a:rPr lang="ko-KR" altLang="en-US" sz="1800" b="1" dirty="0" err="1" smtClean="0"/>
-              <a:t>있을떄가</a:t>
-            </a:r>
-            <a:r>
-              <a:rPr lang="ko-KR" altLang="en-US" sz="1800" b="1" dirty="0" smtClean="0"/>
-              <a:t> 있음</a:t>
-            </a:r>
-            <a:r>
-              <a:rPr lang="en-US" altLang="ko-KR" sz="1800" b="1" dirty="0" smtClean="0"/>
+              <a:rPr lang="ko-KR" altLang="en-US" b="1" dirty="0" err="1" smtClean="0"/>
+              <a:t>패시브</a:t>
+            </a:r>
+            <a:r>
+              <a:rPr lang="ko-KR" altLang="en-US" b="1" dirty="0" smtClean="0"/>
+              <a:t> 아이템은 게임 </a:t>
+            </a:r>
+            <a:r>
+              <a:rPr lang="ko-KR" altLang="en-US" b="1" dirty="0" err="1" smtClean="0"/>
+              <a:t>시작할때</a:t>
+            </a:r>
+            <a:r>
+              <a:rPr lang="ko-KR" altLang="en-US" b="1" dirty="0" smtClean="0"/>
+              <a:t> 한 개 골라서 효과를 받음</a:t>
+            </a:r>
+            <a:r>
+              <a:rPr lang="en-US" altLang="ko-KR" b="1" dirty="0" smtClean="0"/>
               <a:t>)</a:t>
             </a:r>
           </a:p>
@@ -17485,7 +17388,830 @@
     </p:spTree>
     <p:extLst>
       <p:ext uri="{BB962C8B-B14F-4D97-AF65-F5344CB8AC3E}">
-        <p14:creationId xmlns:p14="http://schemas.microsoft.com/office/powerpoint/2010/main" val="709771759"/>
+        <p14:creationId xmlns:p14="http://schemas.microsoft.com/office/powerpoint/2010/main" val="2550670840"/>
+      </p:ext>
+    </p:extLst>
+  </p:cSld>
+  <p:clrMapOvr>
+    <a:masterClrMapping/>
+  </p:clrMapOvr>
+</p:sld>
+</file>
+
+<file path=ppt/slides/slide38.xml><?xml version="1.0" encoding="utf-8"?>
+<p:sld xmlns:a="http://schemas.openxmlformats.org/drawingml/2006/main" xmlns:r="http://schemas.openxmlformats.org/officeDocument/2006/relationships" xmlns:p="http://schemas.openxmlformats.org/presentationml/2006/main">
+  <p:cSld>
+    <p:spTree>
+      <p:nvGrpSpPr>
+        <p:cNvPr id="1" name=""/>
+        <p:cNvGrpSpPr/>
+        <p:nvPr/>
+      </p:nvGrpSpPr>
+      <p:grpSpPr>
+        <a:xfrm>
+          <a:off x="0" y="0"/>
+          <a:ext cx="0" cy="0"/>
+          <a:chOff x="0" y="0"/>
+          <a:chExt cx="0" cy="0"/>
+        </a:xfrm>
+      </p:grpSpPr>
+      <p:sp>
+        <p:nvSpPr>
+          <p:cNvPr id="2" name="제목 1"/>
+          <p:cNvSpPr>
+            <a:spLocks noGrp="1"/>
+          </p:cNvSpPr>
+          <p:nvPr>
+            <p:ph type="title"/>
+          </p:nvPr>
+        </p:nvSpPr>
+        <p:spPr/>
+        <p:txBody>
+          <a:bodyPr>
+            <a:normAutofit fontScale="90000"/>
+          </a:bodyPr>
+          <a:lstStyle/>
+          <a:p>
+            <a:r>
+              <a:rPr lang="ko-KR" altLang="en-US" dirty="0" smtClean="0"/>
+              <a:t>게임제목 아이디어</a:t>
+            </a:r>
+            <a:r>
+              <a:rPr lang="en-US" altLang="ko-KR" dirty="0" smtClean="0"/>
+              <a:t/>
+            </a:r>
+            <a:br>
+              <a:rPr lang="en-US" altLang="ko-KR" dirty="0" smtClean="0"/>
+            </a:br>
+            <a:endParaRPr lang="ko-KR" altLang="en-US" dirty="0"/>
+          </a:p>
+        </p:txBody>
+      </p:sp>
+      <p:sp>
+        <p:nvSpPr>
+          <p:cNvPr id="3" name="내용 개체 틀 2"/>
+          <p:cNvSpPr>
+            <a:spLocks noGrp="1"/>
+          </p:cNvSpPr>
+          <p:nvPr>
+            <p:ph idx="1"/>
+          </p:nvPr>
+        </p:nvSpPr>
+        <p:spPr/>
+        <p:txBody>
+          <a:bodyPr>
+            <a:normAutofit/>
+          </a:bodyPr>
+          <a:lstStyle/>
+          <a:p>
+            <a:pPr marL="0" indent="0">
+              <a:buNone/>
+            </a:pPr>
+            <a:r>
+              <a:rPr lang="ko-KR" altLang="en-US" b="1" dirty="0" smtClean="0">
+                <a:solidFill>
+                  <a:srgbClr val="FF0000"/>
+                </a:solidFill>
+              </a:rPr>
+              <a:t>건 </a:t>
+            </a:r>
+            <a:r>
+              <a:rPr lang="ko-KR" altLang="en-US" b="1" dirty="0" err="1" smtClean="0">
+                <a:solidFill>
+                  <a:srgbClr val="FF0000"/>
+                </a:solidFill>
+              </a:rPr>
+              <a:t>크러쉬</a:t>
+            </a:r>
+            <a:r>
+              <a:rPr lang="en-US" altLang="ko-KR" b="1" dirty="0" smtClean="0"/>
+              <a:t>(</a:t>
+            </a:r>
+            <a:r>
+              <a:rPr lang="ko-KR" altLang="en-US" b="1" dirty="0" err="1" smtClean="0"/>
+              <a:t>구글에</a:t>
+            </a:r>
+            <a:r>
+              <a:rPr lang="ko-KR" altLang="en-US" b="1" dirty="0" smtClean="0"/>
+              <a:t> 검색하면 걸 </a:t>
+            </a:r>
+            <a:r>
+              <a:rPr lang="ko-KR" altLang="en-US" b="1" dirty="0" err="1" smtClean="0"/>
+              <a:t>크러쉬</a:t>
+            </a:r>
+            <a:r>
+              <a:rPr lang="ko-KR" altLang="en-US" b="1" dirty="0" smtClean="0"/>
+              <a:t> 밖에 </a:t>
+            </a:r>
+            <a:r>
+              <a:rPr lang="ko-KR" altLang="en-US" b="1" dirty="0" err="1" smtClean="0"/>
+              <a:t>안나옴</a:t>
+            </a:r>
+            <a:r>
+              <a:rPr lang="ko-KR" altLang="en-US" b="1" dirty="0" smtClean="0"/>
+              <a:t> 심플하고 적절한 </a:t>
+            </a:r>
+            <a:r>
+              <a:rPr lang="ko-KR" altLang="en-US" b="1" dirty="0" err="1" smtClean="0"/>
+              <a:t>제목인듯</a:t>
+            </a:r>
+            <a:r>
+              <a:rPr lang="en-US" altLang="ko-KR" b="1" dirty="0" smtClean="0"/>
+              <a:t>) </a:t>
+            </a:r>
+          </a:p>
+          <a:p>
+            <a:endParaRPr lang="en-US" altLang="ko-KR" b="1" dirty="0"/>
+          </a:p>
+          <a:p>
+            <a:pPr marL="0" indent="0">
+              <a:buNone/>
+            </a:pPr>
+            <a:r>
+              <a:rPr lang="ko-KR" altLang="en-US" b="1" dirty="0" smtClean="0"/>
+              <a:t>영문으로 검색해도 마찬가지</a:t>
+            </a:r>
+            <a:endParaRPr lang="en-US" altLang="ko-KR" b="1" dirty="0" smtClean="0"/>
+          </a:p>
+          <a:p>
+            <a:pPr marL="0" indent="0">
+              <a:buNone/>
+            </a:pPr>
+            <a:endParaRPr lang="en-US" altLang="ko-KR" b="1" dirty="0"/>
+          </a:p>
+          <a:p>
+            <a:pPr marL="0" indent="0">
+              <a:buNone/>
+            </a:pPr>
+            <a:r>
+              <a:rPr lang="en-US" altLang="ko-KR" b="1" dirty="0"/>
+              <a:t>strange </a:t>
+            </a:r>
+            <a:r>
+              <a:rPr lang="en-US" altLang="ko-KR" b="1" dirty="0" smtClean="0"/>
+              <a:t>lab (</a:t>
+            </a:r>
+            <a:r>
+              <a:rPr lang="ko-KR" altLang="en-US" b="1" dirty="0" smtClean="0"/>
+              <a:t>이상한 연구실</a:t>
+            </a:r>
+            <a:r>
+              <a:rPr lang="en-US" altLang="ko-KR" b="1" dirty="0" smtClean="0"/>
+              <a:t>) -&gt; </a:t>
+            </a:r>
+            <a:r>
+              <a:rPr lang="ko-KR" altLang="en-US" b="1" dirty="0" smtClean="0"/>
+              <a:t>호기심유</a:t>
+            </a:r>
+            <a:r>
+              <a:rPr lang="ko-KR" altLang="en-US" b="1" dirty="0"/>
+              <a:t>발</a:t>
+            </a:r>
+            <a:endParaRPr lang="en-US" altLang="ko-KR" b="1" dirty="0" smtClean="0"/>
+          </a:p>
+        </p:txBody>
+      </p:sp>
+    </p:spTree>
+    <p:extLst>
+      <p:ext uri="{BB962C8B-B14F-4D97-AF65-F5344CB8AC3E}">
+        <p14:creationId xmlns:p14="http://schemas.microsoft.com/office/powerpoint/2010/main" val="1749074872"/>
+      </p:ext>
+    </p:extLst>
+  </p:cSld>
+  <p:clrMapOvr>
+    <a:masterClrMapping/>
+  </p:clrMapOvr>
+</p:sld>
+</file>
+
+<file path=ppt/slides/slide39.xml><?xml version="1.0" encoding="utf-8"?>
+<p:sld xmlns:a="http://schemas.openxmlformats.org/drawingml/2006/main" xmlns:r="http://schemas.openxmlformats.org/officeDocument/2006/relationships" xmlns:p="http://schemas.openxmlformats.org/presentationml/2006/main">
+  <p:cSld>
+    <p:spTree>
+      <p:nvGrpSpPr>
+        <p:cNvPr id="1" name=""/>
+        <p:cNvGrpSpPr/>
+        <p:nvPr/>
+      </p:nvGrpSpPr>
+      <p:grpSpPr>
+        <a:xfrm>
+          <a:off x="0" y="0"/>
+          <a:ext cx="0" cy="0"/>
+          <a:chOff x="0" y="0"/>
+          <a:chExt cx="0" cy="0"/>
+        </a:xfrm>
+      </p:grpSpPr>
+      <p:sp>
+        <p:nvSpPr>
+          <p:cNvPr id="2" name="제목 1"/>
+          <p:cNvSpPr>
+            <a:spLocks noGrp="1"/>
+          </p:cNvSpPr>
+          <p:nvPr>
+            <p:ph type="title"/>
+          </p:nvPr>
+        </p:nvSpPr>
+        <p:spPr/>
+        <p:txBody>
+          <a:bodyPr>
+            <a:normAutofit fontScale="90000"/>
+          </a:bodyPr>
+          <a:lstStyle/>
+          <a:p>
+            <a:r>
+              <a:rPr lang="ko-KR" altLang="en-US" dirty="0" smtClean="0"/>
+              <a:t>캐릭터 아이디어 추가</a:t>
+            </a:r>
+            <a:r>
+              <a:rPr lang="en-US" altLang="ko-KR" dirty="0" smtClean="0"/>
+              <a:t/>
+            </a:r>
+            <a:br>
+              <a:rPr lang="en-US" altLang="ko-KR" dirty="0" smtClean="0"/>
+            </a:br>
+            <a:endParaRPr lang="ko-KR" altLang="en-US" dirty="0"/>
+          </a:p>
+        </p:txBody>
+      </p:sp>
+      <p:sp>
+        <p:nvSpPr>
+          <p:cNvPr id="3" name="내용 개체 틀 2"/>
+          <p:cNvSpPr>
+            <a:spLocks noGrp="1"/>
+          </p:cNvSpPr>
+          <p:nvPr>
+            <p:ph idx="1"/>
+          </p:nvPr>
+        </p:nvSpPr>
+        <p:spPr/>
+        <p:txBody>
+          <a:bodyPr>
+            <a:normAutofit fontScale="32500" lnSpcReduction="20000"/>
+          </a:bodyPr>
+          <a:lstStyle/>
+          <a:p>
+            <a:r>
+              <a:rPr lang="ko-KR" altLang="en-US" dirty="0"/>
+              <a:t>상인에게서 파는 기밀문서 </a:t>
+            </a:r>
+            <a:r>
+              <a:rPr lang="en-US" altLang="ko" dirty="0"/>
+              <a:t>3</a:t>
+            </a:r>
+            <a:r>
+              <a:rPr lang="ko-KR" altLang="en-US" dirty="0" smtClean="0"/>
+              <a:t>개</a:t>
+            </a:r>
+            <a:r>
+              <a:rPr lang="en-US" altLang="ko-KR" dirty="0" smtClean="0"/>
+              <a:t>(</a:t>
+            </a:r>
+            <a:r>
+              <a:rPr lang="ko-KR" altLang="en-US" dirty="0" smtClean="0"/>
+              <a:t>개당 </a:t>
+            </a:r>
+            <a:r>
+              <a:rPr lang="en-US" altLang="ko-KR" dirty="0" smtClean="0"/>
+              <a:t>5000</a:t>
+            </a:r>
+            <a:r>
+              <a:rPr lang="ko-KR" altLang="en-US" dirty="0" smtClean="0"/>
+              <a:t>원</a:t>
+            </a:r>
+            <a:r>
+              <a:rPr lang="en-US" altLang="ko-KR" dirty="0" smtClean="0"/>
+              <a:t>)</a:t>
+            </a:r>
+            <a:r>
+              <a:rPr lang="ko-KR" altLang="en-US" dirty="0" smtClean="0"/>
+              <a:t>사면 </a:t>
+            </a:r>
+            <a:r>
+              <a:rPr lang="ko-KR" altLang="en-US" dirty="0" err="1"/>
+              <a:t>캐릭</a:t>
+            </a:r>
+            <a:r>
+              <a:rPr lang="ko-KR" altLang="en-US" dirty="0"/>
+              <a:t> </a:t>
+            </a:r>
+            <a:r>
+              <a:rPr lang="ko-KR" altLang="en-US" dirty="0" smtClean="0"/>
+              <a:t>얻는 </a:t>
+            </a:r>
+            <a:r>
+              <a:rPr lang="ko-KR" altLang="en-US" dirty="0"/>
+              <a:t>힌트 </a:t>
+            </a:r>
+            <a:r>
+              <a:rPr lang="ko-KR" altLang="en-US" dirty="0" smtClean="0"/>
+              <a:t>알려줌 힌트는 </a:t>
+            </a:r>
+            <a:r>
+              <a:rPr lang="ko-KR" altLang="en-US" dirty="0" err="1" smtClean="0"/>
+              <a:t>캐릭</a:t>
+            </a:r>
+            <a:r>
+              <a:rPr lang="ko-KR" altLang="en-US" dirty="0" smtClean="0"/>
+              <a:t> 선택창에서 </a:t>
+            </a:r>
+            <a:r>
+              <a:rPr lang="ko-KR" altLang="en-US" dirty="0" err="1" smtClean="0"/>
+              <a:t>언락가능</a:t>
+            </a:r>
+            <a:endParaRPr lang="en-US" altLang="ko-KR" dirty="0" smtClean="0"/>
+          </a:p>
+          <a:p>
+            <a:endParaRPr lang="ko" altLang="en-US" dirty="0"/>
+          </a:p>
+          <a:p>
+            <a:pPr marL="0" indent="0">
+              <a:buNone/>
+            </a:pPr>
+            <a:endParaRPr lang="ko-KR" altLang="en-US" dirty="0"/>
+          </a:p>
+          <a:p>
+            <a:endParaRPr lang="ko" altLang="en-US" dirty="0"/>
+          </a:p>
+          <a:p>
+            <a:r>
+              <a:rPr lang="ko-KR" altLang="en-US" dirty="0"/>
+              <a:t>엔지니어 </a:t>
+            </a:r>
+            <a:r>
+              <a:rPr lang="ko-KR" altLang="en-US" dirty="0" smtClean="0"/>
+              <a:t>주인공</a:t>
+            </a:r>
+            <a:endParaRPr lang="ko" altLang="en-US" dirty="0"/>
+          </a:p>
+          <a:p>
+            <a:pPr marL="0" indent="0">
+              <a:buNone/>
+            </a:pPr>
+            <a:r>
+              <a:rPr lang="ko-KR" altLang="en-US" dirty="0" smtClean="0"/>
+              <a:t>선택 조건</a:t>
+            </a:r>
+            <a:r>
+              <a:rPr lang="en-US" altLang="ko-KR" dirty="0" smtClean="0"/>
+              <a:t>: </a:t>
+            </a:r>
+            <a:r>
+              <a:rPr lang="ko-KR" altLang="en-US" dirty="0" smtClean="0"/>
+              <a:t>죄수 </a:t>
+            </a:r>
+            <a:r>
+              <a:rPr lang="ko-KR" altLang="en-US" dirty="0"/>
+              <a:t>스테이지에서 일정확률로 </a:t>
+            </a:r>
+            <a:r>
+              <a:rPr lang="ko-KR" altLang="en-US" dirty="0" err="1"/>
+              <a:t>몬스터와</a:t>
+            </a:r>
+            <a:r>
+              <a:rPr lang="ko-KR" altLang="en-US" dirty="0"/>
+              <a:t> 함께 나옴 죽이면 안됨 기다리면 알아서 </a:t>
+            </a:r>
+            <a:r>
+              <a:rPr lang="ko-KR" altLang="en-US" dirty="0" smtClean="0"/>
+              <a:t>사라짐</a:t>
+            </a:r>
+            <a:r>
+              <a:rPr lang="en-US" altLang="ko-KR" dirty="0" smtClean="0"/>
+              <a:t>.</a:t>
+            </a:r>
+            <a:endParaRPr lang="ko-KR" altLang="en-US" dirty="0"/>
+          </a:p>
+          <a:p>
+            <a:endParaRPr lang="ko" altLang="en-US" dirty="0"/>
+          </a:p>
+          <a:p>
+            <a:r>
+              <a:rPr lang="ko-KR" altLang="en-US" dirty="0" err="1"/>
+              <a:t>방패병</a:t>
+            </a:r>
+            <a:r>
+              <a:rPr lang="en-US" altLang="ko" dirty="0"/>
+              <a:t>(</a:t>
+            </a:r>
+            <a:r>
+              <a:rPr lang="ko-KR" altLang="en-US" dirty="0"/>
+              <a:t>방패로 완전방어</a:t>
+            </a:r>
+            <a:r>
+              <a:rPr lang="en-US" altLang="ko" dirty="0"/>
+              <a:t>)</a:t>
+            </a:r>
+            <a:endParaRPr lang="ko" altLang="en-US" dirty="0"/>
+          </a:p>
+          <a:p>
+            <a:pPr marL="0" indent="0">
+              <a:buNone/>
+            </a:pPr>
+            <a:r>
+              <a:rPr lang="ko-KR" altLang="en-US" dirty="0"/>
+              <a:t>중세시대 기사처럼 생김 </a:t>
+            </a:r>
+            <a:r>
+              <a:rPr lang="ko-KR" altLang="en-US" dirty="0" err="1"/>
+              <a:t>동글동글한놈</a:t>
+            </a:r>
+            <a:r>
+              <a:rPr lang="ko-KR" altLang="en-US" dirty="0"/>
+              <a:t> 외계인</a:t>
+            </a:r>
+          </a:p>
+          <a:p>
+            <a:pPr marL="0" indent="0">
+              <a:buNone/>
+            </a:pPr>
+            <a:r>
+              <a:rPr lang="ko-KR" altLang="en-US" dirty="0" smtClean="0"/>
+              <a:t>조건</a:t>
+            </a:r>
+            <a:r>
+              <a:rPr lang="en-US" altLang="ko-KR" dirty="0" smtClean="0"/>
+              <a:t>: </a:t>
+            </a:r>
+            <a:r>
+              <a:rPr lang="ko-KR" altLang="en-US" dirty="0" smtClean="0"/>
+              <a:t>게임오버 </a:t>
+            </a:r>
+            <a:r>
+              <a:rPr lang="en-US" altLang="ko" dirty="0" smtClean="0"/>
+              <a:t>100</a:t>
+            </a:r>
+            <a:r>
+              <a:rPr lang="ko-KR" altLang="en-US" dirty="0" smtClean="0"/>
+              <a:t>번 이상 죽으면 고를 수 있음</a:t>
+            </a:r>
+            <a:endParaRPr lang="ko" altLang="en-US" dirty="0"/>
+          </a:p>
+          <a:p>
+            <a:endParaRPr lang="ko" altLang="en-US" dirty="0"/>
+          </a:p>
+          <a:p>
+            <a:r>
+              <a:rPr lang="ko-KR" altLang="en-US" dirty="0" err="1" smtClean="0"/>
+              <a:t>백색닌자</a:t>
+            </a:r>
+            <a:r>
+              <a:rPr lang="en-US" altLang="ko" dirty="0"/>
+              <a:t>(</a:t>
+            </a:r>
+            <a:r>
+              <a:rPr lang="ko-KR" altLang="en-US" dirty="0" err="1"/>
+              <a:t>패시브로</a:t>
+            </a:r>
+            <a:r>
+              <a:rPr lang="ko-KR" altLang="en-US" dirty="0"/>
+              <a:t> </a:t>
+            </a:r>
+            <a:r>
+              <a:rPr lang="ko-KR" altLang="en-US" dirty="0" err="1" smtClean="0"/>
+              <a:t>데미지</a:t>
+            </a:r>
+            <a:r>
+              <a:rPr lang="ko-KR" altLang="en-US" dirty="0" smtClean="0"/>
+              <a:t> 입으면 사방으로 표창 날라감</a:t>
+            </a:r>
+            <a:r>
+              <a:rPr lang="en-US" altLang="ko" dirty="0" smtClean="0"/>
+              <a:t>) </a:t>
+            </a:r>
+          </a:p>
+          <a:p>
+            <a:pPr marL="0" indent="0">
+              <a:buNone/>
+            </a:pPr>
+            <a:r>
+              <a:rPr lang="ko-KR" altLang="en-US" dirty="0" err="1" smtClean="0"/>
+              <a:t>분신술</a:t>
+            </a:r>
+            <a:r>
+              <a:rPr lang="ko-KR" altLang="en-US" dirty="0" smtClean="0"/>
+              <a:t> </a:t>
+            </a:r>
+            <a:r>
+              <a:rPr lang="ko-KR" altLang="en-US" dirty="0"/>
+              <a:t>스킬 사용 가능 </a:t>
+            </a:r>
+            <a:r>
+              <a:rPr lang="ko-KR" altLang="en-US" dirty="0" err="1" smtClean="0"/>
+              <a:t>또다른</a:t>
+            </a:r>
+            <a:r>
+              <a:rPr lang="ko-KR" altLang="en-US" dirty="0" smtClean="0"/>
+              <a:t> 자기자신의 그림자가 </a:t>
+            </a:r>
+            <a:r>
+              <a:rPr lang="ko-KR" altLang="en-US" dirty="0"/>
+              <a:t>나와서 </a:t>
+            </a:r>
+            <a:r>
+              <a:rPr lang="ko-KR" altLang="en-US" dirty="0" err="1" smtClean="0"/>
+              <a:t>현재들고</a:t>
+            </a:r>
+            <a:r>
+              <a:rPr lang="ko-KR" altLang="en-US" dirty="0" smtClean="0"/>
+              <a:t> 있는 </a:t>
+            </a:r>
+            <a:r>
+              <a:rPr lang="ko-KR" altLang="en-US" dirty="0"/>
+              <a:t>무기로 싸워줌 약물 능력 전혀 적용 안됨</a:t>
+            </a:r>
+          </a:p>
+          <a:p>
+            <a:endParaRPr lang="ko" altLang="en-US" dirty="0"/>
+          </a:p>
+          <a:p>
+            <a:pPr marL="0" indent="0">
+              <a:buNone/>
+            </a:pPr>
+            <a:r>
+              <a:rPr lang="ko-KR" altLang="en-US" dirty="0" err="1"/>
+              <a:t>마지막스테이지</a:t>
+            </a:r>
+            <a:r>
+              <a:rPr lang="ko-KR" altLang="en-US" dirty="0"/>
+              <a:t> </a:t>
+            </a:r>
+            <a:r>
+              <a:rPr lang="ko-KR" altLang="en-US" dirty="0" err="1"/>
+              <a:t>맵밖에서</a:t>
+            </a:r>
+            <a:r>
+              <a:rPr lang="ko-KR" altLang="en-US" dirty="0"/>
+              <a:t> </a:t>
+            </a:r>
+            <a:r>
+              <a:rPr lang="ko-KR" altLang="en-US" dirty="0" err="1"/>
+              <a:t>빠른속도로</a:t>
+            </a:r>
+            <a:r>
+              <a:rPr lang="ko-KR" altLang="en-US" dirty="0"/>
+              <a:t> </a:t>
+            </a:r>
+            <a:r>
+              <a:rPr lang="ko-KR" altLang="en-US" dirty="0" err="1"/>
+              <a:t>일반닌자가</a:t>
+            </a:r>
+            <a:r>
+              <a:rPr lang="ko-KR" altLang="en-US" dirty="0"/>
+              <a:t> 돌아다님 일정시간 지나면 사라짐 따라가서 </a:t>
+            </a:r>
+            <a:r>
+              <a:rPr lang="ko-KR" altLang="en-US" dirty="0" smtClean="0"/>
+              <a:t>잡아야 함</a:t>
+            </a:r>
+            <a:endParaRPr lang="ko-KR" altLang="en-US" dirty="0"/>
+          </a:p>
+          <a:p>
+            <a:endParaRPr lang="ko" altLang="en-US" dirty="0"/>
+          </a:p>
+          <a:p>
+            <a:r>
+              <a:rPr lang="ko-KR" altLang="en-US" dirty="0"/>
+              <a:t>저격수</a:t>
+            </a:r>
+            <a:r>
+              <a:rPr lang="en-US" altLang="ko" dirty="0"/>
+              <a:t>(</a:t>
+            </a:r>
+            <a:r>
+              <a:rPr lang="ko-KR" altLang="en-US" dirty="0" err="1" smtClean="0"/>
+              <a:t>에꾸눈임</a:t>
+            </a:r>
+            <a:r>
+              <a:rPr lang="ko-KR" altLang="en-US" dirty="0" smtClean="0"/>
+              <a:t> </a:t>
+            </a:r>
+            <a:r>
+              <a:rPr lang="en-US" altLang="ko" dirty="0" smtClean="0"/>
+              <a:t>- </a:t>
+            </a:r>
+            <a:r>
+              <a:rPr lang="ko-KR" altLang="en-US" dirty="0" err="1"/>
+              <a:t>스킬을쓰면</a:t>
+            </a:r>
+            <a:r>
+              <a:rPr lang="ko-KR" altLang="en-US" dirty="0"/>
+              <a:t> </a:t>
+            </a:r>
+            <a:r>
+              <a:rPr lang="ko-KR" altLang="en-US" dirty="0" smtClean="0"/>
+              <a:t>시간이 멈추고 </a:t>
+            </a:r>
+            <a:r>
+              <a:rPr lang="ko-KR" altLang="en-US" dirty="0" err="1" smtClean="0"/>
+              <a:t>한명</a:t>
+            </a:r>
+            <a:r>
+              <a:rPr lang="ko-KR" altLang="en-US" dirty="0" smtClean="0"/>
+              <a:t> </a:t>
+            </a:r>
+            <a:r>
+              <a:rPr lang="ko-KR" altLang="en-US" dirty="0"/>
+              <a:t>터치해서 </a:t>
+            </a:r>
+            <a:r>
+              <a:rPr lang="ko-KR" altLang="en-US" dirty="0" smtClean="0"/>
+              <a:t>사격할 수 있음 </a:t>
+            </a:r>
+            <a:r>
+              <a:rPr lang="ko-KR" altLang="en-US" dirty="0" err="1"/>
+              <a:t>데미지</a:t>
+            </a:r>
+            <a:r>
+              <a:rPr lang="ko-KR" altLang="en-US" dirty="0"/>
+              <a:t> </a:t>
+            </a:r>
+            <a:r>
+              <a:rPr lang="ko-KR" altLang="en-US" dirty="0" err="1"/>
+              <a:t>겁나세게</a:t>
+            </a:r>
+            <a:r>
+              <a:rPr lang="ko-KR" altLang="en-US" dirty="0"/>
+              <a:t> 들어감 </a:t>
+            </a:r>
+            <a:r>
+              <a:rPr lang="ko-KR" altLang="en-US" dirty="0" err="1"/>
+              <a:t>쿨타임</a:t>
+            </a:r>
+            <a:r>
+              <a:rPr lang="ko-KR" altLang="en-US" dirty="0"/>
+              <a:t> 길음</a:t>
+            </a:r>
+            <a:r>
+              <a:rPr lang="en-US" altLang="ko" dirty="0"/>
+              <a:t>)</a:t>
+            </a:r>
+            <a:endParaRPr lang="ko" altLang="en-US" dirty="0"/>
+          </a:p>
+          <a:p>
+            <a:pPr marL="0" indent="0">
+              <a:buNone/>
+            </a:pPr>
+            <a:r>
+              <a:rPr lang="en-US" altLang="ko" dirty="0"/>
+              <a:t>)</a:t>
+            </a:r>
+            <a:endParaRPr lang="ko" altLang="en-US" dirty="0"/>
+          </a:p>
+          <a:p>
+            <a:pPr marL="0" indent="0">
+              <a:buNone/>
+            </a:pPr>
+            <a:r>
+              <a:rPr lang="en-US" altLang="ko-KR" dirty="0" smtClean="0"/>
+              <a:t>	</a:t>
+            </a:r>
+            <a:r>
+              <a:rPr lang="ko-KR" altLang="en-US" dirty="0" smtClean="0"/>
+              <a:t>게임을 </a:t>
+            </a:r>
+            <a:r>
+              <a:rPr lang="en-US" altLang="ko-KR" dirty="0" smtClean="0"/>
+              <a:t>2</a:t>
+            </a:r>
+            <a:r>
+              <a:rPr lang="ko-KR" altLang="en-US" dirty="0" smtClean="0"/>
+              <a:t>번 </a:t>
+            </a:r>
+            <a:r>
+              <a:rPr lang="ko-KR" altLang="en-US" dirty="0" err="1" smtClean="0"/>
+              <a:t>클리어</a:t>
+            </a:r>
+            <a:r>
+              <a:rPr lang="ko-KR" altLang="en-US" dirty="0" smtClean="0"/>
+              <a:t> 하면 나옴</a:t>
+            </a:r>
+            <a:endParaRPr lang="ko-KR" altLang="en-US" dirty="0"/>
+          </a:p>
+          <a:p>
+            <a:endParaRPr lang="ko" altLang="en-US" dirty="0"/>
+          </a:p>
+          <a:p>
+            <a:r>
+              <a:rPr lang="ko-KR" altLang="en-US" dirty="0"/>
+              <a:t>보안 로봇</a:t>
+            </a:r>
+            <a:r>
+              <a:rPr lang="en-US" altLang="ko" dirty="0"/>
+              <a:t>(</a:t>
+            </a:r>
+            <a:r>
+              <a:rPr lang="ko-KR" altLang="en-US" dirty="0"/>
+              <a:t>달려가서 자폭하는 로봇들 </a:t>
+            </a:r>
+            <a:r>
+              <a:rPr lang="en-US" altLang="ko" dirty="0"/>
+              <a:t>5</a:t>
+            </a:r>
+            <a:r>
+              <a:rPr lang="ko-KR" altLang="en-US" dirty="0"/>
+              <a:t>마리 </a:t>
+            </a:r>
+            <a:r>
+              <a:rPr lang="ko-KR" altLang="en-US" dirty="0" smtClean="0"/>
+              <a:t>나옴 가방 무게 제한 없음 먹으면 먹을수록 칸이 아래로 쌓임</a:t>
+            </a:r>
+            <a:r>
+              <a:rPr lang="en-US" altLang="ko" dirty="0" smtClean="0"/>
+              <a:t>)</a:t>
+            </a:r>
+          </a:p>
+          <a:p>
+            <a:pPr marL="0" indent="0">
+              <a:buNone/>
+            </a:pPr>
+            <a:r>
+              <a:rPr lang="ko-KR" altLang="en-US" dirty="0" smtClean="0"/>
+              <a:t>게임 누적 플레이 시간 </a:t>
+            </a:r>
+            <a:r>
+              <a:rPr lang="en-US" altLang="ko-KR" dirty="0" smtClean="0"/>
+              <a:t>20</a:t>
+            </a:r>
+            <a:r>
+              <a:rPr lang="ko-KR" altLang="en-US" dirty="0" smtClean="0"/>
+              <a:t>시간 이상이면 </a:t>
+            </a:r>
+            <a:r>
+              <a:rPr lang="ko-KR" altLang="en-US" dirty="0" err="1" smtClean="0"/>
+              <a:t>언락</a:t>
+            </a:r>
+            <a:endParaRPr lang="en-US" altLang="ko" dirty="0" smtClean="0"/>
+          </a:p>
+          <a:p>
+            <a:endParaRPr lang="ko" altLang="en-US" dirty="0"/>
+          </a:p>
+          <a:p>
+            <a:endParaRPr lang="ko" altLang="en-US" dirty="0"/>
+          </a:p>
+          <a:p>
+            <a:r>
+              <a:rPr lang="ko-KR" altLang="en-US" dirty="0"/>
+              <a:t>과학자 주인공</a:t>
+            </a:r>
+          </a:p>
+          <a:p>
+            <a:pPr marL="0" indent="0">
+              <a:buNone/>
+            </a:pPr>
+            <a:r>
+              <a:rPr lang="ko-KR" altLang="en-US" dirty="0"/>
+              <a:t>선택조건</a:t>
+            </a:r>
+            <a:r>
+              <a:rPr lang="en-US" altLang="ko-KR" dirty="0"/>
+              <a:t>: </a:t>
+            </a:r>
+            <a:r>
+              <a:rPr lang="ko-KR" altLang="en-US" dirty="0"/>
+              <a:t>과학자스테이지만 </a:t>
+            </a:r>
+            <a:r>
+              <a:rPr lang="ko-KR" altLang="en-US" dirty="0" err="1"/>
+              <a:t>맵</a:t>
+            </a:r>
+            <a:r>
+              <a:rPr lang="ko-KR" altLang="en-US" dirty="0"/>
+              <a:t> 구석에 일정 확률로 나타남 </a:t>
+            </a:r>
+            <a:r>
+              <a:rPr lang="en-US" altLang="ko-KR" dirty="0"/>
+              <a:t>3</a:t>
+            </a:r>
+            <a:r>
+              <a:rPr lang="ko-KR" altLang="en-US" dirty="0"/>
+              <a:t>번째로 만났을 때까지 꾸준히 말 걸면  </a:t>
+            </a:r>
+            <a:r>
+              <a:rPr lang="ko-KR" altLang="en-US" dirty="0" err="1"/>
+              <a:t>언락</a:t>
+            </a:r>
+            <a:r>
+              <a:rPr lang="ko-KR" altLang="en-US" dirty="0"/>
+              <a:t> 됨 </a:t>
+            </a:r>
+            <a:r>
+              <a:rPr lang="ko-KR" altLang="en-US" dirty="0" err="1"/>
+              <a:t>ㅇ</a:t>
+            </a:r>
+            <a:endParaRPr lang="en-US" altLang="ko-KR" dirty="0"/>
+          </a:p>
+          <a:p>
+            <a:endParaRPr lang="ko" altLang="en-US" dirty="0"/>
+          </a:p>
+          <a:p>
+            <a:endParaRPr lang="en-US" altLang="ko-KR" b="1" dirty="0" smtClean="0"/>
+          </a:p>
+        </p:txBody>
+      </p:sp>
+    </p:spTree>
+    <p:extLst>
+      <p:ext uri="{BB962C8B-B14F-4D97-AF65-F5344CB8AC3E}">
+        <p14:creationId xmlns:p14="http://schemas.microsoft.com/office/powerpoint/2010/main" val="2682462336"/>
       </p:ext>
     </p:extLst>
   </p:cSld>
@@ -17603,6 +18329,998 @@
     <p:extLst>
       <p:ext uri="{BB962C8B-B14F-4D97-AF65-F5344CB8AC3E}">
         <p14:creationId xmlns:p14="http://schemas.microsoft.com/office/powerpoint/2010/main" val="732860015"/>
+      </p:ext>
+    </p:extLst>
+  </p:cSld>
+  <p:clrMapOvr>
+    <a:masterClrMapping/>
+  </p:clrMapOvr>
+</p:sld>
+</file>
+
+<file path=ppt/slides/slide40.xml><?xml version="1.0" encoding="utf-8"?>
+<p:sld xmlns:a="http://schemas.openxmlformats.org/drawingml/2006/main" xmlns:r="http://schemas.openxmlformats.org/officeDocument/2006/relationships" xmlns:p="http://schemas.openxmlformats.org/presentationml/2006/main">
+  <p:cSld>
+    <p:spTree>
+      <p:nvGrpSpPr>
+        <p:cNvPr id="1" name=""/>
+        <p:cNvGrpSpPr/>
+        <p:nvPr/>
+      </p:nvGrpSpPr>
+      <p:grpSpPr>
+        <a:xfrm>
+          <a:off x="0" y="0"/>
+          <a:ext cx="0" cy="0"/>
+          <a:chOff x="0" y="0"/>
+          <a:chExt cx="0" cy="0"/>
+        </a:xfrm>
+      </p:grpSpPr>
+      <p:sp>
+        <p:nvSpPr>
+          <p:cNvPr id="2" name="제목 1"/>
+          <p:cNvSpPr>
+            <a:spLocks noGrp="1"/>
+          </p:cNvSpPr>
+          <p:nvPr>
+            <p:ph type="title"/>
+          </p:nvPr>
+        </p:nvSpPr>
+        <p:spPr/>
+        <p:txBody>
+          <a:bodyPr>
+            <a:normAutofit/>
+          </a:bodyPr>
+          <a:lstStyle/>
+          <a:p>
+            <a:r>
+              <a:rPr lang="ko-KR" altLang="en-US" dirty="0" smtClean="0"/>
+              <a:t>기타의견</a:t>
+            </a:r>
+            <a:endParaRPr lang="ko-KR" altLang="en-US" dirty="0"/>
+          </a:p>
+        </p:txBody>
+      </p:sp>
+      <p:sp>
+        <p:nvSpPr>
+          <p:cNvPr id="3" name="내용 개체 틀 2"/>
+          <p:cNvSpPr>
+            <a:spLocks noGrp="1"/>
+          </p:cNvSpPr>
+          <p:nvPr>
+            <p:ph idx="1"/>
+          </p:nvPr>
+        </p:nvSpPr>
+        <p:spPr/>
+        <p:txBody>
+          <a:bodyPr>
+            <a:normAutofit/>
+          </a:bodyPr>
+          <a:lstStyle/>
+          <a:p>
+            <a:r>
+              <a:rPr lang="ko-KR" altLang="en-US" sz="1800" b="1" dirty="0" smtClean="0"/>
+              <a:t>마지막 스테이지 </a:t>
+            </a:r>
+            <a:r>
+              <a:rPr lang="ko-KR" altLang="en-US" sz="1800" b="1" dirty="0" err="1" smtClean="0"/>
+              <a:t>몬스터들간의</a:t>
+            </a:r>
+            <a:r>
+              <a:rPr lang="ko-KR" altLang="en-US" sz="1800" b="1" dirty="0" smtClean="0"/>
+              <a:t> 연관성이 별로 없는 것 같음</a:t>
+            </a:r>
+            <a:r>
+              <a:rPr lang="en-US" altLang="ko-KR" sz="1800" b="1" dirty="0" smtClean="0"/>
+              <a:t>.</a:t>
+            </a:r>
+          </a:p>
+          <a:p>
+            <a:r>
+              <a:rPr lang="en-US" altLang="ko-KR" sz="1800" b="1" dirty="0" smtClean="0"/>
+              <a:t>1,2,3,4</a:t>
+            </a:r>
+            <a:r>
+              <a:rPr lang="ko-KR" altLang="en-US" sz="1800" b="1" dirty="0" smtClean="0"/>
+              <a:t>스테이지는 </a:t>
+            </a:r>
+            <a:r>
+              <a:rPr lang="ko-KR" altLang="en-US" sz="1800" b="1" dirty="0" err="1" smtClean="0"/>
+              <a:t>컨셉이</a:t>
+            </a:r>
+            <a:r>
+              <a:rPr lang="ko-KR" altLang="en-US" sz="1800" b="1" dirty="0" smtClean="0"/>
+              <a:t> 서로 맞게 잘 된 것 같은데 마지막 스테이지는 서로 따로 노는 느낌이듬</a:t>
+            </a:r>
+            <a:endParaRPr lang="en-US" altLang="ko-KR" sz="1800" b="1" dirty="0"/>
+          </a:p>
+          <a:p>
+            <a:r>
+              <a:rPr lang="en-US" altLang="ko-KR" sz="1800" b="1" dirty="0" smtClean="0"/>
+              <a:t> </a:t>
+            </a:r>
+            <a:r>
+              <a:rPr lang="ko-KR" altLang="en-US" sz="1800" b="1" dirty="0" smtClean="0"/>
+              <a:t>차라리 요원스테이지 </a:t>
+            </a:r>
+            <a:r>
+              <a:rPr lang="ko-KR" altLang="en-US" sz="1800" b="1" dirty="0" err="1" smtClean="0"/>
+              <a:t>군인스테이지롤</a:t>
+            </a:r>
+            <a:r>
+              <a:rPr lang="ko-KR" altLang="en-US" sz="1800" b="1" dirty="0" smtClean="0"/>
+              <a:t> </a:t>
+            </a:r>
+            <a:r>
+              <a:rPr lang="ko-KR" altLang="en-US" sz="1800" b="1" dirty="0" err="1" smtClean="0"/>
+              <a:t>나누는것이</a:t>
+            </a:r>
+            <a:r>
+              <a:rPr lang="ko-KR" altLang="en-US" sz="1800" b="1" dirty="0" smtClean="0"/>
+              <a:t> </a:t>
+            </a:r>
+            <a:r>
+              <a:rPr lang="ko-KR" altLang="en-US" sz="1800" b="1" dirty="0" err="1" smtClean="0"/>
+              <a:t>좋을것같음</a:t>
+            </a:r>
+            <a:endParaRPr lang="en-US" altLang="ko-KR" sz="1800" b="1" dirty="0" smtClean="0"/>
+          </a:p>
+          <a:p>
+            <a:r>
+              <a:rPr lang="ko-KR" altLang="en-US" sz="1800" b="1" dirty="0" smtClean="0"/>
+              <a:t>군인스테이지에 기본 보병 추가 </a:t>
+            </a:r>
+            <a:r>
+              <a:rPr lang="en-US" altLang="ko-KR" sz="1800" b="1" dirty="0" smtClean="0"/>
+              <a:t>+ </a:t>
+            </a:r>
+            <a:r>
+              <a:rPr lang="ko-KR" altLang="en-US" sz="1800" b="1" dirty="0" err="1" smtClean="0"/>
+              <a:t>기존에있던</a:t>
+            </a:r>
+            <a:r>
+              <a:rPr lang="ko-KR" altLang="en-US" sz="1800" b="1" dirty="0" smtClean="0"/>
+              <a:t> </a:t>
+            </a:r>
+            <a:r>
+              <a:rPr lang="ko-KR" altLang="en-US" sz="1800" b="1" dirty="0" err="1" smtClean="0"/>
+              <a:t>대포병</a:t>
+            </a:r>
+            <a:r>
+              <a:rPr lang="en-US" altLang="ko-KR" sz="1800" b="1" dirty="0" smtClean="0"/>
+              <a:t>,</a:t>
+            </a:r>
+            <a:r>
+              <a:rPr lang="ko-KR" altLang="en-US" sz="1800" b="1" dirty="0" smtClean="0"/>
+              <a:t>저격수</a:t>
+            </a:r>
+            <a:r>
+              <a:rPr lang="en-US" altLang="ko-KR" sz="1800" b="1" dirty="0" smtClean="0"/>
+              <a:t>,</a:t>
+            </a:r>
+            <a:r>
+              <a:rPr lang="ko-KR" altLang="en-US" sz="1800" b="1" dirty="0" err="1" smtClean="0"/>
+              <a:t>포탑짓는애</a:t>
+            </a:r>
+            <a:r>
+              <a:rPr lang="ko-KR" altLang="en-US" sz="1800" b="1" dirty="0" smtClean="0"/>
+              <a:t> 사용</a:t>
+            </a:r>
+            <a:endParaRPr lang="en-US" altLang="ko-KR" sz="1800" b="1" dirty="0" smtClean="0"/>
+          </a:p>
+          <a:p>
+            <a:r>
+              <a:rPr lang="ko-KR" altLang="en-US" sz="1800" b="1" dirty="0" smtClean="0"/>
+              <a:t>요원스테이지에 쌍권총요원 </a:t>
+            </a:r>
+            <a:r>
+              <a:rPr lang="en-US" altLang="ko-KR" sz="1800" b="1" dirty="0" smtClean="0"/>
+              <a:t>+ </a:t>
+            </a:r>
+            <a:r>
+              <a:rPr lang="ko-KR" altLang="en-US" sz="1800" b="1" dirty="0" smtClean="0"/>
+              <a:t>암살자 </a:t>
+            </a:r>
+            <a:r>
+              <a:rPr lang="en-US" altLang="ko-KR" sz="1800" b="1" dirty="0" smtClean="0"/>
+              <a:t>+ </a:t>
+            </a:r>
+            <a:r>
+              <a:rPr lang="ko-KR" altLang="en-US" sz="1800" b="1" dirty="0" smtClean="0"/>
+              <a:t>기타요원</a:t>
+            </a:r>
+            <a:r>
+              <a:rPr lang="en-US" altLang="ko-KR" sz="1800" b="1" dirty="0" smtClean="0"/>
+              <a:t>2</a:t>
+            </a:r>
+            <a:r>
+              <a:rPr lang="ko-KR" altLang="en-US" sz="1800" b="1" dirty="0" smtClean="0"/>
+              <a:t>개 </a:t>
+            </a:r>
+            <a:r>
+              <a:rPr lang="ko-KR" altLang="en-US" sz="1800" b="1" dirty="0" err="1" smtClean="0"/>
+              <a:t>이런식으로</a:t>
+            </a:r>
+            <a:r>
+              <a:rPr lang="ko-KR" altLang="en-US" sz="1800" b="1" dirty="0" smtClean="0"/>
+              <a:t> </a:t>
+            </a:r>
+            <a:r>
+              <a:rPr lang="ko-KR" altLang="en-US" sz="1800" b="1" dirty="0" err="1" smtClean="0"/>
+              <a:t>하는것이</a:t>
+            </a:r>
+            <a:r>
+              <a:rPr lang="ko-KR" altLang="en-US" sz="1800" b="1" dirty="0" smtClean="0"/>
+              <a:t> </a:t>
+            </a:r>
+            <a:r>
+              <a:rPr lang="ko-KR" altLang="en-US" sz="1800" b="1" dirty="0" err="1" smtClean="0"/>
+              <a:t>좋아보임</a:t>
+            </a:r>
+            <a:endParaRPr lang="en-US" altLang="ko-KR" sz="1800" b="1" dirty="0" smtClean="0"/>
+          </a:p>
+        </p:txBody>
+      </p:sp>
+    </p:spTree>
+    <p:extLst>
+      <p:ext uri="{BB962C8B-B14F-4D97-AF65-F5344CB8AC3E}">
+        <p14:creationId xmlns:p14="http://schemas.microsoft.com/office/powerpoint/2010/main" val="1552690130"/>
+      </p:ext>
+    </p:extLst>
+  </p:cSld>
+  <p:clrMapOvr>
+    <a:masterClrMapping/>
+  </p:clrMapOvr>
+</p:sld>
+</file>
+
+<file path=ppt/slides/slide41.xml><?xml version="1.0" encoding="utf-8"?>
+<p:sld xmlns:a="http://schemas.openxmlformats.org/drawingml/2006/main" xmlns:r="http://schemas.openxmlformats.org/officeDocument/2006/relationships" xmlns:p="http://schemas.openxmlformats.org/presentationml/2006/main">
+  <p:cSld>
+    <p:spTree>
+      <p:nvGrpSpPr>
+        <p:cNvPr id="1" name=""/>
+        <p:cNvGrpSpPr/>
+        <p:nvPr/>
+      </p:nvGrpSpPr>
+      <p:grpSpPr>
+        <a:xfrm>
+          <a:off x="0" y="0"/>
+          <a:ext cx="0" cy="0"/>
+          <a:chOff x="0" y="0"/>
+          <a:chExt cx="0" cy="0"/>
+        </a:xfrm>
+      </p:grpSpPr>
+      <p:sp>
+        <p:nvSpPr>
+          <p:cNvPr id="2" name="제목 1"/>
+          <p:cNvSpPr>
+            <a:spLocks noGrp="1"/>
+          </p:cNvSpPr>
+          <p:nvPr>
+            <p:ph type="title"/>
+          </p:nvPr>
+        </p:nvSpPr>
+        <p:spPr/>
+        <p:txBody>
+          <a:bodyPr>
+            <a:normAutofit/>
+          </a:bodyPr>
+          <a:lstStyle/>
+          <a:p>
+            <a:r>
+              <a:rPr lang="ko-KR" altLang="en-US" dirty="0" smtClean="0"/>
+              <a:t>기타의견</a:t>
+            </a:r>
+            <a:endParaRPr lang="ko-KR" altLang="en-US" dirty="0"/>
+          </a:p>
+        </p:txBody>
+      </p:sp>
+      <p:sp>
+        <p:nvSpPr>
+          <p:cNvPr id="3" name="내용 개체 틀 2"/>
+          <p:cNvSpPr>
+            <a:spLocks noGrp="1"/>
+          </p:cNvSpPr>
+          <p:nvPr>
+            <p:ph idx="1"/>
+          </p:nvPr>
+        </p:nvSpPr>
+        <p:spPr>
+          <a:xfrm>
+            <a:off x="-108520" y="1412776"/>
+            <a:ext cx="9613576" cy="5301208"/>
+          </a:xfrm>
+        </p:spPr>
+        <p:txBody>
+          <a:bodyPr>
+            <a:normAutofit/>
+          </a:bodyPr>
+          <a:lstStyle/>
+          <a:p>
+            <a:r>
+              <a:rPr lang="ko-KR" altLang="en-US" sz="1800" b="1" dirty="0" err="1" smtClean="0"/>
+              <a:t>스테이지별</a:t>
+            </a:r>
+            <a:r>
+              <a:rPr lang="ko-KR" altLang="en-US" sz="1800" b="1" dirty="0" smtClean="0"/>
+              <a:t> </a:t>
+            </a:r>
+            <a:r>
+              <a:rPr lang="ko-KR" altLang="en-US" sz="1800" b="1" dirty="0" err="1" smtClean="0"/>
+              <a:t>몬스터</a:t>
+            </a:r>
+            <a:r>
+              <a:rPr lang="ko-KR" altLang="en-US" sz="1800" b="1" dirty="0" smtClean="0"/>
+              <a:t> 기본패턴은 기본적으로 </a:t>
+            </a:r>
+            <a:r>
+              <a:rPr lang="en-US" altLang="ko-KR" sz="1800" b="1" dirty="0" smtClean="0"/>
+              <a:t> </a:t>
+            </a:r>
+          </a:p>
+          <a:p>
+            <a:r>
+              <a:rPr lang="ko-KR" altLang="en-US" sz="1800" b="1" dirty="0" err="1" smtClean="0"/>
+              <a:t>쉬운근접</a:t>
+            </a:r>
+            <a:r>
+              <a:rPr lang="ko-KR" altLang="en-US" sz="1800" b="1" dirty="0" smtClean="0"/>
+              <a:t> </a:t>
+            </a:r>
+            <a:endParaRPr lang="en-US" altLang="ko-KR" sz="1800" b="1" dirty="0" smtClean="0"/>
+          </a:p>
+          <a:p>
+            <a:r>
+              <a:rPr lang="ko-KR" altLang="en-US" sz="1800" b="1" dirty="0" err="1" smtClean="0"/>
+              <a:t>어려운근접</a:t>
+            </a:r>
+            <a:endParaRPr lang="en-US" altLang="ko-KR" sz="1800" b="1" dirty="0" smtClean="0"/>
+          </a:p>
+          <a:p>
+            <a:r>
+              <a:rPr lang="ko-KR" altLang="en-US" sz="1800" b="1" dirty="0" err="1" smtClean="0"/>
+              <a:t>쉬운원거리</a:t>
+            </a:r>
+            <a:endParaRPr lang="en-US" altLang="ko-KR" sz="1800" b="1" dirty="0" smtClean="0"/>
+          </a:p>
+          <a:p>
+            <a:r>
+              <a:rPr lang="ko-KR" altLang="en-US" sz="1800" b="1" dirty="0" err="1" smtClean="0"/>
+              <a:t>어려운원거리로</a:t>
+            </a:r>
+            <a:r>
+              <a:rPr lang="ko-KR" altLang="en-US" sz="1800" b="1" dirty="0" smtClean="0"/>
+              <a:t> 구성</a:t>
+            </a:r>
+            <a:endParaRPr lang="en-US" altLang="ko-KR" sz="1800" b="1" dirty="0" smtClean="0"/>
+          </a:p>
+          <a:p>
+            <a:endParaRPr lang="en-US" altLang="ko-KR" sz="1800" b="1" dirty="0" smtClean="0"/>
+          </a:p>
+          <a:p>
+            <a:r>
+              <a:rPr lang="ko-KR" altLang="en-US" sz="1800" b="1" dirty="0" smtClean="0"/>
+              <a:t>패턴은 스테이지마다 전부 다르게</a:t>
+            </a:r>
+            <a:endParaRPr lang="en-US" altLang="ko-KR" sz="1800" b="1" dirty="0" smtClean="0"/>
+          </a:p>
+          <a:p>
+            <a:endParaRPr lang="en-US" altLang="ko-KR" sz="1800" b="1" dirty="0" smtClean="0"/>
+          </a:p>
+          <a:p>
+            <a:r>
+              <a:rPr lang="ko-KR" altLang="en-US" sz="1800" b="1" dirty="0" err="1" smtClean="0"/>
+              <a:t>쉬운패턴의</a:t>
+            </a:r>
+            <a:r>
+              <a:rPr lang="ko-KR" altLang="en-US" sz="1800" b="1" dirty="0" smtClean="0"/>
+              <a:t> 정도 </a:t>
+            </a:r>
+            <a:endParaRPr lang="en-US" altLang="ko-KR" sz="1800" b="1" dirty="0" smtClean="0"/>
+          </a:p>
+          <a:p>
+            <a:r>
+              <a:rPr lang="en-US" altLang="ko-KR" sz="1800" b="1" dirty="0" smtClean="0"/>
+              <a:t>(</a:t>
+            </a:r>
+            <a:r>
+              <a:rPr lang="ko-KR" altLang="en-US" sz="1800" b="1" dirty="0" smtClean="0"/>
+              <a:t>원거리 </a:t>
+            </a:r>
+            <a:r>
+              <a:rPr lang="en-US" altLang="ko-KR" sz="1800" b="1" dirty="0" smtClean="0"/>
+              <a:t>: </a:t>
+            </a:r>
+            <a:r>
+              <a:rPr lang="ko-KR" altLang="en-US" sz="1800" b="1" dirty="0" smtClean="0"/>
+              <a:t>누구는 총알 빠르게 </a:t>
+            </a:r>
+            <a:r>
+              <a:rPr lang="en-US" altLang="ko-KR" sz="1800" b="1" dirty="0" smtClean="0"/>
+              <a:t>1</a:t>
+            </a:r>
+            <a:r>
+              <a:rPr lang="ko-KR" altLang="en-US" sz="1800" b="1" dirty="0" err="1" smtClean="0"/>
+              <a:t>발씩쏘고</a:t>
+            </a:r>
+            <a:r>
+              <a:rPr lang="ko-KR" altLang="en-US" sz="1800" b="1" dirty="0" smtClean="0"/>
+              <a:t> 누구는 총알 느리게 </a:t>
+            </a:r>
+            <a:r>
+              <a:rPr lang="en-US" altLang="ko-KR" sz="1800" b="1" dirty="0" smtClean="0"/>
+              <a:t>3</a:t>
+            </a:r>
+            <a:r>
+              <a:rPr lang="ko-KR" altLang="en-US" sz="1800" b="1" dirty="0" smtClean="0"/>
+              <a:t>발씩 쏘고 이정도</a:t>
+            </a:r>
+            <a:r>
+              <a:rPr lang="en-US" altLang="ko-KR" sz="1800" b="1" dirty="0" smtClean="0"/>
+              <a:t>)</a:t>
+            </a:r>
+          </a:p>
+          <a:p>
+            <a:r>
+              <a:rPr lang="en-US" altLang="ko-KR" sz="1800" b="1" dirty="0" smtClean="0"/>
+              <a:t>(</a:t>
+            </a:r>
+            <a:r>
+              <a:rPr lang="ko-KR" altLang="en-US" sz="1800" b="1" dirty="0" smtClean="0"/>
+              <a:t>근거리 </a:t>
+            </a:r>
+            <a:r>
+              <a:rPr lang="en-US" altLang="ko-KR" sz="1800" b="1" dirty="0" smtClean="0"/>
+              <a:t>: </a:t>
+            </a:r>
+            <a:r>
+              <a:rPr lang="ko-KR" altLang="en-US" sz="1800" b="1" dirty="0" err="1" smtClean="0"/>
+              <a:t>가까이와서</a:t>
+            </a:r>
+            <a:r>
+              <a:rPr lang="ko-KR" altLang="en-US" sz="1800" b="1" dirty="0" smtClean="0"/>
+              <a:t> 때리기</a:t>
+            </a:r>
+            <a:r>
+              <a:rPr lang="en-US" altLang="ko-KR" sz="1800" b="1" dirty="0" smtClean="0"/>
+              <a:t>,</a:t>
+            </a:r>
+            <a:r>
+              <a:rPr lang="ko-KR" altLang="en-US" sz="1800" b="1" dirty="0"/>
+              <a:t> </a:t>
+            </a:r>
+            <a:r>
+              <a:rPr lang="ko-KR" altLang="en-US" sz="1800" b="1" dirty="0" smtClean="0"/>
+              <a:t>좀더 먼 거리에서 </a:t>
+            </a:r>
+            <a:r>
+              <a:rPr lang="ko-KR" altLang="en-US" sz="1800" b="1" dirty="0" err="1" smtClean="0"/>
+              <a:t>대쉬를</a:t>
+            </a:r>
+            <a:r>
+              <a:rPr lang="ko-KR" altLang="en-US" sz="1800" b="1" dirty="0" smtClean="0"/>
+              <a:t> 해서 공격을 </a:t>
+            </a:r>
+            <a:r>
+              <a:rPr lang="ko-KR" altLang="en-US" sz="1800" b="1" dirty="0" err="1" smtClean="0"/>
+              <a:t>한다던지</a:t>
+            </a:r>
+            <a:r>
+              <a:rPr lang="en-US" altLang="ko-KR" sz="1800" b="1" dirty="0" smtClean="0"/>
+              <a:t>)</a:t>
+            </a:r>
+          </a:p>
+          <a:p>
+            <a:r>
+              <a:rPr lang="ko-KR" altLang="en-US" sz="1800" b="1" dirty="0" err="1" smtClean="0"/>
+              <a:t>어려운패턴의</a:t>
+            </a:r>
+            <a:r>
+              <a:rPr lang="ko-KR" altLang="en-US" sz="1800" b="1" dirty="0" smtClean="0"/>
+              <a:t> 정도</a:t>
+            </a:r>
+            <a:endParaRPr lang="en-US" altLang="ko-KR" sz="1800" b="1" dirty="0" smtClean="0"/>
+          </a:p>
+          <a:p>
+            <a:r>
+              <a:rPr lang="en-US" altLang="ko-KR" sz="1800" b="1" dirty="0" smtClean="0"/>
+              <a:t>(</a:t>
+            </a:r>
+            <a:r>
+              <a:rPr lang="ko-KR" altLang="en-US" sz="1800" b="1" dirty="0" smtClean="0"/>
+              <a:t>원거리 </a:t>
+            </a:r>
+            <a:r>
+              <a:rPr lang="en-US" altLang="ko-KR" sz="1800" b="1" dirty="0" smtClean="0"/>
+              <a:t>:</a:t>
+            </a:r>
+            <a:r>
+              <a:rPr lang="ko-KR" altLang="en-US" sz="1800" b="1" dirty="0" smtClean="0"/>
+              <a:t>총알을 </a:t>
+            </a:r>
+            <a:r>
+              <a:rPr lang="ko-KR" altLang="en-US" sz="1800" b="1" dirty="0" err="1" smtClean="0"/>
+              <a:t>여러방향으로</a:t>
+            </a:r>
+            <a:r>
+              <a:rPr lang="ko-KR" altLang="en-US" sz="1800" b="1" dirty="0" smtClean="0"/>
+              <a:t> </a:t>
+            </a:r>
+            <a:r>
+              <a:rPr lang="ko-KR" altLang="en-US" sz="1800" b="1" dirty="0" err="1" smtClean="0"/>
+              <a:t>쏜다던지</a:t>
+            </a:r>
+            <a:r>
+              <a:rPr lang="ko-KR" altLang="en-US" sz="1800" b="1" dirty="0" smtClean="0"/>
+              <a:t> </a:t>
+            </a:r>
+            <a:r>
+              <a:rPr lang="ko-KR" altLang="en-US" sz="1800" b="1" dirty="0" err="1" smtClean="0"/>
+              <a:t>특수탄</a:t>
+            </a:r>
+            <a:r>
+              <a:rPr lang="en-US" altLang="ko-KR" sz="1800" b="1" dirty="0" smtClean="0"/>
+              <a:t>(</a:t>
+            </a:r>
+            <a:r>
+              <a:rPr lang="ko-KR" altLang="en-US" sz="1800" b="1" dirty="0" err="1" smtClean="0"/>
+              <a:t>벽에맞으면</a:t>
+            </a:r>
+            <a:r>
+              <a:rPr lang="ko-KR" altLang="en-US" sz="1800" b="1" dirty="0" smtClean="0"/>
+              <a:t> 튕기거나 중독</a:t>
+            </a:r>
+            <a:r>
+              <a:rPr lang="en-US" altLang="ko-KR" sz="1800" b="1" dirty="0" smtClean="0"/>
+              <a:t>,</a:t>
+            </a:r>
+            <a:r>
+              <a:rPr lang="ko-KR" altLang="en-US" sz="1800" b="1" dirty="0" smtClean="0"/>
+              <a:t>화상의 효과</a:t>
+            </a:r>
+            <a:r>
+              <a:rPr lang="en-US" altLang="ko-KR" sz="1800" b="1" dirty="0" smtClean="0"/>
+              <a:t>),</a:t>
+            </a:r>
+            <a:r>
+              <a:rPr lang="ko-KR" altLang="en-US" sz="1800" b="1" dirty="0" err="1" smtClean="0"/>
+              <a:t>수류탄등등을</a:t>
+            </a:r>
+            <a:r>
+              <a:rPr lang="ko-KR" altLang="en-US" sz="1800" b="1" dirty="0" smtClean="0"/>
+              <a:t> 사용</a:t>
+            </a:r>
+            <a:r>
+              <a:rPr lang="en-US" altLang="ko-KR" sz="1800" b="1" dirty="0" smtClean="0"/>
+              <a:t>)</a:t>
+            </a:r>
+          </a:p>
+          <a:p>
+            <a:r>
+              <a:rPr lang="en-US" altLang="ko-KR" sz="1800" b="1" dirty="0" smtClean="0"/>
+              <a:t>(</a:t>
+            </a:r>
+            <a:r>
+              <a:rPr lang="ko-KR" altLang="en-US" sz="1800" b="1" dirty="0" smtClean="0"/>
+              <a:t>근거리 </a:t>
+            </a:r>
+            <a:r>
+              <a:rPr lang="en-US" altLang="ko-KR" sz="1800" b="1" dirty="0" smtClean="0"/>
+              <a:t>: </a:t>
+            </a:r>
+            <a:r>
+              <a:rPr lang="ko-KR" altLang="en-US" sz="1800" b="1" dirty="0" smtClean="0"/>
+              <a:t>위장</a:t>
+            </a:r>
+            <a:r>
+              <a:rPr lang="en-US" altLang="ko-KR" sz="1800" b="1" dirty="0" smtClean="0"/>
+              <a:t>,</a:t>
+            </a:r>
+            <a:r>
+              <a:rPr lang="ko-KR" altLang="en-US" sz="1800" b="1" dirty="0" smtClean="0"/>
+              <a:t>은신</a:t>
+            </a:r>
+            <a:r>
+              <a:rPr lang="en-US" altLang="ko-KR" sz="1800" b="1" dirty="0" smtClean="0"/>
+              <a:t>,</a:t>
+            </a:r>
+            <a:r>
+              <a:rPr lang="ko-KR" altLang="en-US" sz="1800" b="1" dirty="0" smtClean="0"/>
+              <a:t>방패사용</a:t>
+            </a:r>
+            <a:r>
+              <a:rPr lang="en-US" altLang="ko-KR" sz="1800" b="1" dirty="0" smtClean="0"/>
+              <a:t>,</a:t>
+            </a:r>
+            <a:r>
+              <a:rPr lang="ko-KR" altLang="en-US" sz="1800" b="1" dirty="0" smtClean="0"/>
+              <a:t>등등 기본근거리 </a:t>
+            </a:r>
+            <a:r>
+              <a:rPr lang="en-US" altLang="ko-KR" sz="1800" b="1" dirty="0" smtClean="0"/>
+              <a:t>+ @)</a:t>
+            </a:r>
+          </a:p>
+          <a:p>
+            <a:endParaRPr lang="en-US" altLang="ko-KR" sz="1800" b="1" dirty="0" smtClean="0"/>
+          </a:p>
+        </p:txBody>
+      </p:sp>
+    </p:spTree>
+    <p:extLst>
+      <p:ext uri="{BB962C8B-B14F-4D97-AF65-F5344CB8AC3E}">
+        <p14:creationId xmlns:p14="http://schemas.microsoft.com/office/powerpoint/2010/main" val="2752374943"/>
+      </p:ext>
+    </p:extLst>
+  </p:cSld>
+  <p:clrMapOvr>
+    <a:masterClrMapping/>
+  </p:clrMapOvr>
+</p:sld>
+</file>
+
+<file path=ppt/slides/slide42.xml><?xml version="1.0" encoding="utf-8"?>
+<p:sld xmlns:a="http://schemas.openxmlformats.org/drawingml/2006/main" xmlns:r="http://schemas.openxmlformats.org/officeDocument/2006/relationships" xmlns:p="http://schemas.openxmlformats.org/presentationml/2006/main">
+  <p:cSld>
+    <p:spTree>
+      <p:nvGrpSpPr>
+        <p:cNvPr id="1" name=""/>
+        <p:cNvGrpSpPr/>
+        <p:nvPr/>
+      </p:nvGrpSpPr>
+      <p:grpSpPr>
+        <a:xfrm>
+          <a:off x="0" y="0"/>
+          <a:ext cx="0" cy="0"/>
+          <a:chOff x="0" y="0"/>
+          <a:chExt cx="0" cy="0"/>
+        </a:xfrm>
+      </p:grpSpPr>
+      <p:sp>
+        <p:nvSpPr>
+          <p:cNvPr id="2" name="제목 1"/>
+          <p:cNvSpPr>
+            <a:spLocks noGrp="1"/>
+          </p:cNvSpPr>
+          <p:nvPr>
+            <p:ph type="title"/>
+          </p:nvPr>
+        </p:nvSpPr>
+        <p:spPr/>
+        <p:txBody>
+          <a:bodyPr>
+            <a:normAutofit/>
+          </a:bodyPr>
+          <a:lstStyle/>
+          <a:p>
+            <a:r>
+              <a:rPr lang="ko-KR" altLang="en-US" dirty="0" smtClean="0"/>
+              <a:t>마지막 스테이지 기타의견</a:t>
+            </a:r>
+            <a:endParaRPr lang="ko-KR" altLang="en-US" dirty="0"/>
+          </a:p>
+        </p:txBody>
+      </p:sp>
+      <p:sp>
+        <p:nvSpPr>
+          <p:cNvPr id="3" name="내용 개체 틀 2"/>
+          <p:cNvSpPr>
+            <a:spLocks noGrp="1"/>
+          </p:cNvSpPr>
+          <p:nvPr>
+            <p:ph idx="1"/>
+          </p:nvPr>
+        </p:nvSpPr>
+        <p:spPr>
+          <a:xfrm>
+            <a:off x="-108520" y="1412776"/>
+            <a:ext cx="9613576" cy="5301208"/>
+          </a:xfrm>
+        </p:spPr>
+        <p:txBody>
+          <a:bodyPr>
+            <a:normAutofit/>
+          </a:bodyPr>
+          <a:lstStyle/>
+          <a:p>
+            <a:r>
+              <a:rPr lang="ko-KR" altLang="en-US" sz="1800" b="1" dirty="0" smtClean="0"/>
+              <a:t>아이디어</a:t>
+            </a:r>
+            <a:r>
+              <a:rPr lang="en-US" altLang="ko-KR" sz="1800" b="1" dirty="0" smtClean="0"/>
+              <a:t>1. </a:t>
+            </a:r>
+            <a:r>
+              <a:rPr lang="ko-KR" altLang="en-US" sz="1800" b="1" dirty="0" err="1" smtClean="0"/>
+              <a:t>닌자는</a:t>
+            </a:r>
+            <a:r>
+              <a:rPr lang="ko-KR" altLang="en-US" sz="1800" b="1" dirty="0" smtClean="0"/>
+              <a:t> 주인공 캐릭터로 넣고 요원은 마지막 </a:t>
+            </a:r>
+            <a:r>
+              <a:rPr lang="ko-KR" altLang="en-US" sz="1800" b="1" dirty="0" err="1" smtClean="0"/>
+              <a:t>보스방에서</a:t>
+            </a:r>
+            <a:r>
+              <a:rPr lang="ko-KR" altLang="en-US" sz="1800" b="1" dirty="0" smtClean="0"/>
+              <a:t> 보스 부하로 나오게 </a:t>
+            </a:r>
+            <a:r>
+              <a:rPr lang="ko-KR" altLang="en-US" sz="1800" b="1" dirty="0" err="1" smtClean="0"/>
+              <a:t>하는게</a:t>
+            </a:r>
+            <a:r>
+              <a:rPr lang="ko-KR" altLang="en-US" sz="1800" b="1" dirty="0" smtClean="0"/>
+              <a:t> 어떨지</a:t>
+            </a:r>
+            <a:r>
+              <a:rPr lang="en-US" altLang="ko-KR" sz="1800" b="1" dirty="0" smtClean="0"/>
+              <a:t>?</a:t>
+            </a:r>
+            <a:r>
+              <a:rPr lang="ko-KR" altLang="en-US" sz="1800" b="1" dirty="0"/>
+              <a:t> </a:t>
+            </a:r>
+            <a:r>
+              <a:rPr lang="ko-KR" altLang="en-US" sz="1800" b="1" dirty="0" smtClean="0"/>
+              <a:t>두 </a:t>
+            </a:r>
+            <a:r>
+              <a:rPr lang="ko-KR" altLang="en-US" sz="1800" b="1" dirty="0" err="1" smtClean="0"/>
+              <a:t>몬스터의</a:t>
+            </a:r>
+            <a:r>
+              <a:rPr lang="ko-KR" altLang="en-US" sz="1800" b="1" dirty="0" smtClean="0"/>
+              <a:t> 공백은 경찰스테이지에 있는 소총 </a:t>
+            </a:r>
+            <a:r>
+              <a:rPr lang="ko-KR" altLang="en-US" sz="1800" b="1" dirty="0" err="1" smtClean="0"/>
+              <a:t>쓰는애</a:t>
+            </a:r>
+            <a:r>
+              <a:rPr lang="ko-KR" altLang="en-US" sz="1800" b="1" dirty="0" smtClean="0"/>
+              <a:t> 하나하고 </a:t>
+            </a:r>
+            <a:r>
+              <a:rPr lang="ko-KR" altLang="en-US" sz="1800" b="1" dirty="0" err="1" smtClean="0"/>
+              <a:t>권총쏘는애</a:t>
+            </a:r>
+            <a:r>
+              <a:rPr lang="ko-KR" altLang="en-US" sz="1800" b="1" dirty="0" smtClean="0"/>
+              <a:t> 하나로 대체</a:t>
+            </a:r>
+            <a:r>
+              <a:rPr lang="en-US" altLang="ko-KR" sz="1800" b="1" dirty="0" smtClean="0"/>
+              <a:t>.</a:t>
+            </a:r>
+          </a:p>
+          <a:p>
+            <a:endParaRPr lang="en-US" altLang="ko-KR" sz="1800" b="1" dirty="0"/>
+          </a:p>
+          <a:p>
+            <a:r>
+              <a:rPr lang="ko-KR" altLang="en-US" sz="1800" b="1" dirty="0" smtClean="0"/>
+              <a:t>아이디어</a:t>
+            </a:r>
+            <a:r>
+              <a:rPr lang="en-US" altLang="ko-KR" sz="1800" b="1" dirty="0" smtClean="0"/>
+              <a:t>2. </a:t>
+            </a:r>
+            <a:r>
+              <a:rPr lang="ko-KR" altLang="en-US" sz="1800" b="1" dirty="0" err="1" smtClean="0"/>
+              <a:t>마지막탄은</a:t>
+            </a:r>
+            <a:r>
+              <a:rPr lang="ko-KR" altLang="en-US" sz="1800" b="1" dirty="0" smtClean="0"/>
+              <a:t> </a:t>
+            </a:r>
+            <a:r>
+              <a:rPr lang="en-US" altLang="ko-KR" sz="1800" b="1" dirty="0" smtClean="0"/>
+              <a:t>5-1</a:t>
+            </a:r>
+            <a:r>
+              <a:rPr lang="ko-KR" altLang="en-US" sz="1800" b="1" dirty="0" smtClean="0"/>
+              <a:t>탄 </a:t>
+            </a:r>
+            <a:r>
+              <a:rPr lang="en-US" altLang="ko-KR" sz="1800" b="1" dirty="0" smtClean="0"/>
+              <a:t>5-2</a:t>
+            </a:r>
+            <a:r>
+              <a:rPr lang="ko-KR" altLang="en-US" sz="1800" b="1" dirty="0" smtClean="0"/>
+              <a:t>탄으로 나누어서 </a:t>
+            </a:r>
+            <a:r>
+              <a:rPr lang="en-US" altLang="ko-KR" sz="1800" b="1" dirty="0" smtClean="0"/>
+              <a:t>1</a:t>
+            </a:r>
+            <a:r>
+              <a:rPr lang="ko-KR" altLang="en-US" sz="1800" b="1" dirty="0" smtClean="0"/>
+              <a:t>탄은 요원하고 </a:t>
+            </a:r>
+            <a:r>
+              <a:rPr lang="ko-KR" altLang="en-US" sz="1800" b="1" dirty="0" err="1" smtClean="0"/>
+              <a:t>닌자</a:t>
+            </a:r>
+            <a:r>
+              <a:rPr lang="ko-KR" altLang="en-US" sz="1800" b="1" dirty="0" smtClean="0"/>
+              <a:t> </a:t>
+            </a:r>
+            <a:r>
+              <a:rPr lang="ko-KR" altLang="en-US" sz="1800" b="1" dirty="0" err="1" smtClean="0"/>
+              <a:t>나오게하고</a:t>
+            </a:r>
+            <a:endParaRPr lang="en-US" altLang="ko-KR" sz="1800" b="1" dirty="0" smtClean="0"/>
+          </a:p>
+          <a:p>
+            <a:pPr marL="0" indent="0">
+              <a:buNone/>
+            </a:pPr>
+            <a:r>
+              <a:rPr lang="en-US" altLang="ko-KR" sz="1800" b="1" dirty="0" smtClean="0"/>
+              <a:t>    2</a:t>
+            </a:r>
+            <a:r>
+              <a:rPr lang="ko-KR" altLang="en-US" sz="1800" b="1" dirty="0" smtClean="0"/>
+              <a:t>탄은 군인들 나오게 하기</a:t>
+            </a:r>
+            <a:endParaRPr lang="en-US" altLang="ko-KR" sz="1800" b="1" dirty="0" smtClean="0"/>
+          </a:p>
+        </p:txBody>
+      </p:sp>
+    </p:spTree>
+    <p:extLst>
+      <p:ext uri="{BB962C8B-B14F-4D97-AF65-F5344CB8AC3E}">
+        <p14:creationId xmlns:p14="http://schemas.microsoft.com/office/powerpoint/2010/main" val="3036180783"/>
+      </p:ext>
+    </p:extLst>
+  </p:cSld>
+  <p:clrMapOvr>
+    <a:masterClrMapping/>
+  </p:clrMapOvr>
+</p:sld>
+</file>
+
+<file path=ppt/slides/slide43.xml><?xml version="1.0" encoding="utf-8"?>
+<p:sld xmlns:a="http://schemas.openxmlformats.org/drawingml/2006/main" xmlns:r="http://schemas.openxmlformats.org/officeDocument/2006/relationships" xmlns:p="http://schemas.openxmlformats.org/presentationml/2006/main">
+  <p:cSld>
+    <p:spTree>
+      <p:nvGrpSpPr>
+        <p:cNvPr id="1" name=""/>
+        <p:cNvGrpSpPr/>
+        <p:nvPr/>
+      </p:nvGrpSpPr>
+      <p:grpSpPr>
+        <a:xfrm>
+          <a:off x="0" y="0"/>
+          <a:ext cx="0" cy="0"/>
+          <a:chOff x="0" y="0"/>
+          <a:chExt cx="0" cy="0"/>
+        </a:xfrm>
+      </p:grpSpPr>
+      <p:sp>
+        <p:nvSpPr>
+          <p:cNvPr id="2" name="제목 1"/>
+          <p:cNvSpPr>
+            <a:spLocks noGrp="1"/>
+          </p:cNvSpPr>
+          <p:nvPr>
+            <p:ph type="title"/>
+          </p:nvPr>
+        </p:nvSpPr>
+        <p:spPr/>
+        <p:txBody>
+          <a:bodyPr>
+            <a:normAutofit/>
+          </a:bodyPr>
+          <a:lstStyle/>
+          <a:p>
+            <a:r>
+              <a:rPr lang="ko-KR" altLang="en-US" dirty="0" err="1" smtClean="0"/>
+              <a:t>불편한점</a:t>
+            </a:r>
+            <a:endParaRPr lang="ko-KR" altLang="en-US" dirty="0"/>
+          </a:p>
+        </p:txBody>
+      </p:sp>
+      <p:sp>
+        <p:nvSpPr>
+          <p:cNvPr id="3" name="내용 개체 틀 2"/>
+          <p:cNvSpPr>
+            <a:spLocks noGrp="1"/>
+          </p:cNvSpPr>
+          <p:nvPr>
+            <p:ph idx="1"/>
+          </p:nvPr>
+        </p:nvSpPr>
+        <p:spPr>
+          <a:xfrm>
+            <a:off x="-108520" y="1412776"/>
+            <a:ext cx="9613576" cy="5301208"/>
+          </a:xfrm>
+        </p:spPr>
+        <p:txBody>
+          <a:bodyPr>
+            <a:normAutofit/>
+          </a:bodyPr>
+          <a:lstStyle/>
+          <a:p>
+            <a:r>
+              <a:rPr lang="ko-KR" altLang="en-US" sz="1800" b="1" dirty="0" smtClean="0"/>
+              <a:t>이동 조이스틱을 이동식으로도 </a:t>
+            </a:r>
+            <a:r>
+              <a:rPr lang="ko-KR" altLang="en-US" sz="1800" b="1" dirty="0" err="1" smtClean="0"/>
+              <a:t>쓸수있는</a:t>
+            </a:r>
+            <a:r>
+              <a:rPr lang="ko-KR" altLang="en-US" sz="1800" b="1" dirty="0" smtClean="0"/>
+              <a:t> 설정</a:t>
+            </a:r>
+            <a:endParaRPr lang="en-US" altLang="ko-KR" sz="1800" b="1" dirty="0" smtClean="0"/>
+          </a:p>
+          <a:p>
+            <a:r>
+              <a:rPr lang="ko-KR" altLang="en-US" sz="1800" b="1" dirty="0" smtClean="0"/>
+              <a:t>무기 슬롯이 </a:t>
+            </a:r>
+            <a:r>
+              <a:rPr lang="ko-KR" altLang="en-US" sz="1800" b="1" dirty="0" err="1" smtClean="0"/>
+              <a:t>필요해보임</a:t>
+            </a:r>
+            <a:r>
+              <a:rPr lang="en-US" altLang="ko-KR" sz="1800" b="1" dirty="0" smtClean="0"/>
+              <a:t>(</a:t>
+            </a:r>
+            <a:r>
+              <a:rPr lang="ko-KR" altLang="en-US" sz="1800" b="1" dirty="0" smtClean="0"/>
+              <a:t>총</a:t>
+            </a:r>
+            <a:r>
+              <a:rPr lang="en-US" altLang="ko-KR" sz="1800" b="1" smtClean="0"/>
+              <a:t>,</a:t>
+            </a:r>
+            <a:r>
+              <a:rPr lang="ko-KR" altLang="en-US" sz="1800" b="1" smtClean="0"/>
+              <a:t>칼을 급하게 </a:t>
+            </a:r>
+            <a:r>
+              <a:rPr lang="ko-KR" altLang="en-US" sz="1800" b="1" dirty="0" err="1" smtClean="0"/>
+              <a:t>스왑용으로</a:t>
+            </a:r>
+            <a:r>
+              <a:rPr lang="ko-KR" altLang="en-US" sz="1800" b="1" dirty="0" smtClean="0"/>
+              <a:t> </a:t>
+            </a:r>
+            <a:r>
+              <a:rPr lang="ko-KR" altLang="en-US" sz="1800" b="1" dirty="0" err="1" smtClean="0"/>
+              <a:t>써야할</a:t>
+            </a:r>
+            <a:r>
+              <a:rPr lang="ko-KR" altLang="en-US" sz="1800" b="1" dirty="0" smtClean="0"/>
+              <a:t> 필요가 </a:t>
+            </a:r>
+            <a:r>
+              <a:rPr lang="ko-KR" altLang="en-US" sz="1800" b="1" dirty="0" err="1" smtClean="0"/>
+              <a:t>있을떄가</a:t>
+            </a:r>
+            <a:r>
+              <a:rPr lang="ko-KR" altLang="en-US" sz="1800" b="1" dirty="0" smtClean="0"/>
+              <a:t> 있음</a:t>
+            </a:r>
+            <a:r>
+              <a:rPr lang="en-US" altLang="ko-KR" sz="1800" b="1" dirty="0" smtClean="0"/>
+              <a:t>)</a:t>
+            </a:r>
+          </a:p>
+        </p:txBody>
+      </p:sp>
+    </p:spTree>
+    <p:extLst>
+      <p:ext uri="{BB962C8B-B14F-4D97-AF65-F5344CB8AC3E}">
+        <p14:creationId xmlns:p14="http://schemas.microsoft.com/office/powerpoint/2010/main" val="709771759"/>
       </p:ext>
     </p:extLst>
   </p:cSld>

--- a/EscapeJail/Assets/기획/스테이지1기획.pptx
+++ b/EscapeJail/Assets/기획/스테이지1기획.pptx
@@ -39,15 +39,22 @@
     <p:sldId id="301" r:id="rId33"/>
     <p:sldId id="302" r:id="rId34"/>
     <p:sldId id="303" r:id="rId35"/>
-    <p:sldId id="284" r:id="rId36"/>
-    <p:sldId id="288" r:id="rId37"/>
-    <p:sldId id="287" r:id="rId38"/>
-    <p:sldId id="291" r:id="rId39"/>
-    <p:sldId id="290" r:id="rId40"/>
-    <p:sldId id="292" r:id="rId41"/>
-    <p:sldId id="293" r:id="rId42"/>
-    <p:sldId id="294" r:id="rId43"/>
-    <p:sldId id="297" r:id="rId44"/>
+    <p:sldId id="304" r:id="rId36"/>
+    <p:sldId id="305" r:id="rId37"/>
+    <p:sldId id="306" r:id="rId38"/>
+    <p:sldId id="307" r:id="rId39"/>
+    <p:sldId id="308" r:id="rId40"/>
+    <p:sldId id="309" r:id="rId41"/>
+    <p:sldId id="310" r:id="rId42"/>
+    <p:sldId id="284" r:id="rId43"/>
+    <p:sldId id="288" r:id="rId44"/>
+    <p:sldId id="287" r:id="rId45"/>
+    <p:sldId id="291" r:id="rId46"/>
+    <p:sldId id="290" r:id="rId47"/>
+    <p:sldId id="292" r:id="rId48"/>
+    <p:sldId id="293" r:id="rId49"/>
+    <p:sldId id="294" r:id="rId50"/>
+    <p:sldId id="297" r:id="rId51"/>
   </p:sldIdLst>
   <p:sldSz cx="9144000" cy="6858000" type="screen4x3"/>
   <p:notesSz cx="6858000" cy="9144000"/>
@@ -330,7 +337,7 @@
           <a:p>
             <a:fld id="{75C3E87A-1EF5-4BC0-A34A-1B32DEFB2AF0}" type="datetimeFigureOut">
               <a:rPr lang="ko-KR" altLang="en-US" smtClean="0"/>
-              <a:t>2017-11-04</a:t>
+              <a:t>2017-11-05</a:t>
             </a:fld>
             <a:endParaRPr lang="ko-KR" altLang="en-US"/>
           </a:p>
@@ -500,7 +507,7 @@
           <a:p>
             <a:fld id="{75C3E87A-1EF5-4BC0-A34A-1B32DEFB2AF0}" type="datetimeFigureOut">
               <a:rPr lang="ko-KR" altLang="en-US" smtClean="0"/>
-              <a:t>2017-11-04</a:t>
+              <a:t>2017-11-05</a:t>
             </a:fld>
             <a:endParaRPr lang="ko-KR" altLang="en-US"/>
           </a:p>
@@ -680,7 +687,7 @@
           <a:p>
             <a:fld id="{75C3E87A-1EF5-4BC0-A34A-1B32DEFB2AF0}" type="datetimeFigureOut">
               <a:rPr lang="ko-KR" altLang="en-US" smtClean="0"/>
-              <a:t>2017-11-04</a:t>
+              <a:t>2017-11-05</a:t>
             </a:fld>
             <a:endParaRPr lang="ko-KR" altLang="en-US"/>
           </a:p>
@@ -850,7 +857,7 @@
           <a:p>
             <a:fld id="{75C3E87A-1EF5-4BC0-A34A-1B32DEFB2AF0}" type="datetimeFigureOut">
               <a:rPr lang="ko-KR" altLang="en-US" smtClean="0"/>
-              <a:t>2017-11-04</a:t>
+              <a:t>2017-11-05</a:t>
             </a:fld>
             <a:endParaRPr lang="ko-KR" altLang="en-US"/>
           </a:p>
@@ -1096,7 +1103,7 @@
           <a:p>
             <a:fld id="{75C3E87A-1EF5-4BC0-A34A-1B32DEFB2AF0}" type="datetimeFigureOut">
               <a:rPr lang="ko-KR" altLang="en-US" smtClean="0"/>
-              <a:t>2017-11-04</a:t>
+              <a:t>2017-11-05</a:t>
             </a:fld>
             <a:endParaRPr lang="ko-KR" altLang="en-US"/>
           </a:p>
@@ -1384,7 +1391,7 @@
           <a:p>
             <a:fld id="{75C3E87A-1EF5-4BC0-A34A-1B32DEFB2AF0}" type="datetimeFigureOut">
               <a:rPr lang="ko-KR" altLang="en-US" smtClean="0"/>
-              <a:t>2017-11-04</a:t>
+              <a:t>2017-11-05</a:t>
             </a:fld>
             <a:endParaRPr lang="ko-KR" altLang="en-US"/>
           </a:p>
@@ -1806,7 +1813,7 @@
           <a:p>
             <a:fld id="{75C3E87A-1EF5-4BC0-A34A-1B32DEFB2AF0}" type="datetimeFigureOut">
               <a:rPr lang="ko-KR" altLang="en-US" smtClean="0"/>
-              <a:t>2017-11-04</a:t>
+              <a:t>2017-11-05</a:t>
             </a:fld>
             <a:endParaRPr lang="ko-KR" altLang="en-US"/>
           </a:p>
@@ -1924,7 +1931,7 @@
           <a:p>
             <a:fld id="{75C3E87A-1EF5-4BC0-A34A-1B32DEFB2AF0}" type="datetimeFigureOut">
               <a:rPr lang="ko-KR" altLang="en-US" smtClean="0"/>
-              <a:t>2017-11-04</a:t>
+              <a:t>2017-11-05</a:t>
             </a:fld>
             <a:endParaRPr lang="ko-KR" altLang="en-US"/>
           </a:p>
@@ -2019,7 +2026,7 @@
           <a:p>
             <a:fld id="{75C3E87A-1EF5-4BC0-A34A-1B32DEFB2AF0}" type="datetimeFigureOut">
               <a:rPr lang="ko-KR" altLang="en-US" smtClean="0"/>
-              <a:t>2017-11-04</a:t>
+              <a:t>2017-11-05</a:t>
             </a:fld>
             <a:endParaRPr lang="ko-KR" altLang="en-US"/>
           </a:p>
@@ -2296,7 +2303,7 @@
           <a:p>
             <a:fld id="{75C3E87A-1EF5-4BC0-A34A-1B32DEFB2AF0}" type="datetimeFigureOut">
               <a:rPr lang="ko-KR" altLang="en-US" smtClean="0"/>
-              <a:t>2017-11-04</a:t>
+              <a:t>2017-11-05</a:t>
             </a:fld>
             <a:endParaRPr lang="ko-KR" altLang="en-US"/>
           </a:p>
@@ -2549,7 +2556,7 @@
           <a:p>
             <a:fld id="{75C3E87A-1EF5-4BC0-A34A-1B32DEFB2AF0}" type="datetimeFigureOut">
               <a:rPr lang="ko-KR" altLang="en-US" smtClean="0"/>
-              <a:t>2017-11-04</a:t>
+              <a:t>2017-11-05</a:t>
             </a:fld>
             <a:endParaRPr lang="ko-KR" altLang="en-US"/>
           </a:p>
@@ -2762,7 +2769,7 @@
           <a:p>
             <a:fld id="{75C3E87A-1EF5-4BC0-A34A-1B32DEFB2AF0}" type="datetimeFigureOut">
               <a:rPr lang="ko-KR" altLang="en-US" smtClean="0"/>
-              <a:t>2017-11-04</a:t>
+              <a:t>2017-11-05</a:t>
             </a:fld>
             <a:endParaRPr lang="ko-KR" altLang="en-US"/>
           </a:p>
@@ -16900,58 +16907,29 @@
             <p:ph type="title"/>
           </p:nvPr>
         </p:nvSpPr>
-        <p:spPr/>
+        <p:spPr>
+          <a:xfrm>
+            <a:off x="430746" y="-315416"/>
+            <a:ext cx="8229600" cy="1143000"/>
+          </a:xfrm>
+        </p:spPr>
         <p:txBody>
           <a:bodyPr>
-            <a:normAutofit fontScale="90000"/>
+            <a:normAutofit/>
           </a:bodyPr>
           <a:lstStyle/>
           <a:p>
             <a:r>
-              <a:rPr lang="ko-KR" altLang="en-US" dirty="0" err="1" smtClean="0"/>
-              <a:t>패시브</a:t>
-            </a:r>
-            <a:r>
               <a:rPr lang="ko-KR" altLang="en-US" dirty="0" smtClean="0"/>
-              <a:t> 아이템</a:t>
-            </a:r>
-            <a:r>
-              <a:rPr lang="en-US" altLang="ko-KR" dirty="0" smtClean="0"/>
-              <a:t/>
-            </a:r>
-            <a:br>
-              <a:rPr lang="en-US" altLang="ko-KR" dirty="0" smtClean="0"/>
-            </a:br>
+              <a:t>기본총기</a:t>
+            </a:r>
             <a:r>
               <a:rPr lang="en-US" altLang="ko-KR" dirty="0" smtClean="0"/>
               <a:t>(</a:t>
             </a:r>
             <a:r>
               <a:rPr lang="ko-KR" altLang="en-US" dirty="0" smtClean="0"/>
-              <a:t>플레이어마다 </a:t>
-            </a:r>
-            <a:r>
-              <a:rPr lang="en-US" altLang="ko-KR" dirty="0" smtClean="0"/>
-              <a:t>1</a:t>
-            </a:r>
-            <a:r>
-              <a:rPr lang="ko-KR" altLang="en-US" dirty="0" smtClean="0"/>
-              <a:t>개씩 소유 가능</a:t>
-            </a:r>
-            <a:r>
-              <a:rPr lang="en-US" altLang="ko-KR" dirty="0" smtClean="0"/>
-              <a:t/>
-            </a:r>
-            <a:br>
-              <a:rPr lang="en-US" altLang="ko-KR" dirty="0" smtClean="0"/>
-            </a:br>
-            <a:r>
-              <a:rPr lang="ko-KR" altLang="en-US" dirty="0" err="1" smtClean="0"/>
-              <a:t>시작시</a:t>
-            </a:r>
-            <a:r>
-              <a:rPr lang="ko-KR" altLang="en-US" dirty="0" smtClean="0"/>
-              <a:t> 선택</a:t>
+              <a:t>권총</a:t>
             </a:r>
             <a:r>
               <a:rPr lang="en-US" altLang="ko-KR" dirty="0" smtClean="0"/>
@@ -16971,100 +16949,316 @@
             <p:ph idx="1"/>
           </p:nvPr>
         </p:nvSpPr>
-        <p:spPr/>
+        <p:spPr>
+          <a:xfrm>
+            <a:off x="457200" y="692696"/>
+            <a:ext cx="8229600" cy="5433467"/>
+          </a:xfrm>
+        </p:spPr>
         <p:txBody>
           <a:bodyPr>
-            <a:normAutofit/>
+            <a:noAutofit/>
           </a:bodyPr>
           <a:lstStyle/>
           <a:p>
-            <a:endParaRPr lang="en-US" altLang="ko-KR" b="1" dirty="0" smtClean="0"/>
-          </a:p>
-          <a:p>
-            <a:r>
-              <a:rPr lang="ko-KR" altLang="en-US" b="1" dirty="0" smtClean="0"/>
-              <a:t>안정제 </a:t>
-            </a:r>
-            <a:r>
-              <a:rPr lang="en-US" altLang="ko-KR" b="1" dirty="0" smtClean="0"/>
-              <a:t>( </a:t>
-            </a:r>
-            <a:r>
-              <a:rPr lang="ko-KR" altLang="en-US" b="1" dirty="0" smtClean="0"/>
-              <a:t>총기 반동을 많이 줄여줌</a:t>
-            </a:r>
-            <a:r>
-              <a:rPr lang="en-US" altLang="ko-KR" b="1" dirty="0" smtClean="0"/>
-              <a:t>)</a:t>
-            </a:r>
-            <a:endParaRPr lang="en-US" altLang="ko-KR" b="1" dirty="0"/>
-          </a:p>
-          <a:p>
-            <a:r>
-              <a:rPr lang="ko-KR" altLang="en-US" b="1" dirty="0" smtClean="0"/>
-              <a:t>사정거리 늘어나는 아이템도 </a:t>
-            </a:r>
-            <a:r>
-              <a:rPr lang="ko-KR" altLang="en-US" b="1" dirty="0" err="1" smtClean="0"/>
-              <a:t>필요할수도</a:t>
-            </a:r>
-            <a:r>
-              <a:rPr lang="en-US" altLang="ko-KR" b="1" dirty="0" smtClean="0"/>
-              <a:t>(</a:t>
-            </a:r>
-            <a:r>
-              <a:rPr lang="ko-KR" altLang="en-US" b="1" dirty="0" err="1" smtClean="0"/>
-              <a:t>샷건</a:t>
-            </a:r>
-            <a:r>
-              <a:rPr lang="ko-KR" altLang="en-US" b="1" dirty="0" smtClean="0"/>
-              <a:t> 사정거리 </a:t>
-            </a:r>
-            <a:r>
-              <a:rPr lang="en-US" altLang="ko-KR" b="1" dirty="0" smtClean="0"/>
-              <a:t>-&gt;</a:t>
-            </a:r>
-            <a:r>
-              <a:rPr lang="ko-KR" altLang="en-US" b="1" dirty="0" smtClean="0"/>
-              <a:t>초크</a:t>
-            </a:r>
-            <a:r>
-              <a:rPr lang="en-US" altLang="ko-KR" b="1" dirty="0" smtClean="0"/>
-              <a:t>)</a:t>
-            </a:r>
-          </a:p>
-          <a:p>
-            <a:r>
-              <a:rPr lang="ko-KR" altLang="en-US" b="1" dirty="0" smtClean="0"/>
-              <a:t>전체 무기 </a:t>
-            </a:r>
-            <a:r>
-              <a:rPr lang="ko-KR" altLang="en-US" b="1" dirty="0" err="1" smtClean="0"/>
-              <a:t>총알수</a:t>
-            </a:r>
-            <a:r>
-              <a:rPr lang="ko-KR" altLang="en-US" b="1" dirty="0" smtClean="0"/>
-              <a:t> 증가 </a:t>
-            </a:r>
-            <a:r>
-              <a:rPr lang="en-US" altLang="ko-KR" b="1" dirty="0" smtClean="0"/>
-              <a:t>(</a:t>
-            </a:r>
-            <a:r>
-              <a:rPr lang="ko-KR" altLang="en-US" b="1" dirty="0" smtClean="0"/>
-              <a:t>대용량탄창</a:t>
-            </a:r>
-            <a:r>
-              <a:rPr lang="en-US" altLang="ko-KR" b="1" dirty="0" smtClean="0"/>
-              <a:t>)</a:t>
-            </a:r>
+            <a:r>
+              <a:rPr lang="en-US" altLang="ko-KR" sz="2400" dirty="0" err="1" smtClean="0"/>
+              <a:t>Welrod</a:t>
+            </a:r>
+            <a:endParaRPr lang="en-US" altLang="ko-KR" sz="2400" dirty="0" smtClean="0"/>
+          </a:p>
+          <a:p>
+            <a:endParaRPr lang="en-US" altLang="ko-KR" sz="2400" dirty="0" smtClean="0"/>
+          </a:p>
+          <a:p>
+            <a:r>
+              <a:rPr lang="en-US" altLang="ko-KR" sz="2400" dirty="0"/>
+              <a:t>Contender</a:t>
+            </a:r>
+          </a:p>
+          <a:p>
+            <a:endParaRPr lang="en-US" altLang="ko-KR" sz="2400" dirty="0" smtClean="0"/>
+          </a:p>
+          <a:p>
+            <a:endParaRPr lang="en-US" altLang="ko-KR" sz="2400" dirty="0" smtClean="0"/>
+          </a:p>
+          <a:p>
+            <a:endParaRPr lang="en-US" altLang="ko-KR" sz="2400" dirty="0" smtClean="0"/>
+          </a:p>
+          <a:p>
+            <a:r>
+              <a:rPr lang="en-US" altLang="ko-KR" sz="2400" dirty="0" err="1" smtClean="0"/>
+              <a:t>C.anaconda</a:t>
+            </a:r>
+            <a:endParaRPr lang="en-US" altLang="ko-KR" sz="2400" dirty="0" smtClean="0"/>
+          </a:p>
+          <a:p>
+            <a:endParaRPr lang="en-US" altLang="ko-KR" sz="2400" dirty="0" smtClean="0"/>
+          </a:p>
+          <a:p>
+            <a:endParaRPr lang="en-US" altLang="ko-KR" sz="2400" dirty="0"/>
+          </a:p>
+          <a:p>
+            <a:endParaRPr lang="en-US" altLang="ko-KR" sz="2400" dirty="0" smtClean="0"/>
+          </a:p>
+          <a:p>
+            <a:r>
+              <a:rPr lang="en-US" altLang="ko-KR" sz="2400" dirty="0" err="1" smtClean="0"/>
+              <a:t>Fiveseven</a:t>
+            </a:r>
+            <a:endParaRPr lang="en-US" altLang="ko-KR" sz="2400" dirty="0" smtClean="0"/>
+          </a:p>
+          <a:p>
+            <a:endParaRPr lang="en-US" altLang="ko-KR" sz="2400" dirty="0" smtClean="0"/>
           </a:p>
         </p:txBody>
       </p:sp>
+      <p:sp>
+        <p:nvSpPr>
+          <p:cNvPr id="4" name="AutoShape 2" descr="pixel headphone에 대한 이미지 검색결과"/>
+          <p:cNvSpPr>
+            <a:spLocks noChangeAspect="1" noChangeArrowheads="1"/>
+          </p:cNvSpPr>
+          <p:nvPr/>
+        </p:nvSpPr>
+        <p:spPr bwMode="auto">
+          <a:xfrm>
+            <a:off x="0" y="-144463"/>
+            <a:ext cx="304800" cy="304801"/>
+          </a:xfrm>
+          <a:prstGeom prst="rect">
+            <a:avLst/>
+          </a:prstGeom>
+          <a:noFill/>
+          <a:extLst>
+            <a:ext uri="{909E8E84-426E-40DD-AFC4-6F175D3DCCD1}">
+              <a14:hiddenFill xmlns:a14="http://schemas.microsoft.com/office/drawing/2010/main">
+                <a:solidFill>
+                  <a:srgbClr val="FFFFFF"/>
+                </a:solidFill>
+              </a14:hiddenFill>
+            </a:ext>
+          </a:extLst>
+        </p:spPr>
+        <p:txBody>
+          <a:bodyPr vert="horz" wrap="square" lIns="91440" tIns="45720" rIns="91440" bIns="45720" numCol="1" anchor="t" anchorCtr="0" compatLnSpc="1">
+            <a:prstTxWarp prst="textNoShape">
+              <a:avLst/>
+            </a:prstTxWarp>
+          </a:bodyPr>
+          <a:lstStyle/>
+          <a:p>
+            <a:endParaRPr lang="ko-KR" altLang="en-US"/>
+          </a:p>
+        </p:txBody>
+      </p:sp>
+      <p:pic>
+        <p:nvPicPr>
+          <p:cNvPr id="1026" name="Picture 2"/>
+          <p:cNvPicPr>
+            <a:picLocks noChangeAspect="1" noChangeArrowheads="1"/>
+          </p:cNvPicPr>
+          <p:nvPr/>
+        </p:nvPicPr>
+        <p:blipFill>
+          <a:blip r:embed="rId2">
+            <a:extLst>
+              <a:ext uri="{28A0092B-C50C-407E-A947-70E740481C1C}">
+                <a14:useLocalDpi xmlns:a14="http://schemas.microsoft.com/office/drawing/2010/main" val="0"/>
+              </a:ext>
+            </a:extLst>
+          </a:blip>
+          <a:srcRect/>
+          <a:stretch>
+            <a:fillRect/>
+          </a:stretch>
+        </p:blipFill>
+        <p:spPr bwMode="auto">
+          <a:xfrm>
+            <a:off x="2962064" y="682055"/>
+            <a:ext cx="2086918" cy="908936"/>
+          </a:xfrm>
+          <a:prstGeom prst="rect">
+            <a:avLst/>
+          </a:prstGeom>
+          <a:noFill/>
+          <a:ln>
+            <a:noFill/>
+          </a:ln>
+          <a:extLst>
+            <a:ext uri="{909E8E84-426E-40DD-AFC4-6F175D3DCCD1}">
+              <a14:hiddenFill xmlns:a14="http://schemas.microsoft.com/office/drawing/2010/main">
+                <a:solidFill>
+                  <a:schemeClr val="accent1"/>
+                </a:solidFill>
+              </a14:hiddenFill>
+            </a:ext>
+            <a:ext uri="{91240B29-F687-4F45-9708-019B960494DF}">
+              <a14:hiddenLine xmlns:a14="http://schemas.microsoft.com/office/drawing/2010/main" w="9525">
+                <a:solidFill>
+                  <a:schemeClr val="tx1"/>
+                </a:solidFill>
+                <a:miter lim="800000"/>
+                <a:headEnd/>
+                <a:tailEnd/>
+              </a14:hiddenLine>
+            </a:ext>
+          </a:extLst>
+        </p:spPr>
+      </p:pic>
+      <p:pic>
+        <p:nvPicPr>
+          <p:cNvPr id="1028" name="Picture 4"/>
+          <p:cNvPicPr>
+            <a:picLocks noChangeAspect="1" noChangeArrowheads="1"/>
+          </p:cNvPicPr>
+          <p:nvPr/>
+        </p:nvPicPr>
+        <p:blipFill>
+          <a:blip r:embed="rId3" cstate="print">
+            <a:extLst>
+              <a:ext uri="{28A0092B-C50C-407E-A947-70E740481C1C}">
+                <a14:useLocalDpi xmlns:a14="http://schemas.microsoft.com/office/drawing/2010/main" val="0"/>
+              </a:ext>
+            </a:extLst>
+          </a:blip>
+          <a:srcRect/>
+          <a:stretch>
+            <a:fillRect/>
+          </a:stretch>
+        </p:blipFill>
+        <p:spPr bwMode="auto">
+          <a:xfrm>
+            <a:off x="2962064" y="3873089"/>
+            <a:ext cx="1860625" cy="985430"/>
+          </a:xfrm>
+          <a:prstGeom prst="rect">
+            <a:avLst/>
+          </a:prstGeom>
+          <a:noFill/>
+          <a:ln>
+            <a:noFill/>
+          </a:ln>
+          <a:extLst>
+            <a:ext uri="{909E8E84-426E-40DD-AFC4-6F175D3DCCD1}">
+              <a14:hiddenFill xmlns:a14="http://schemas.microsoft.com/office/drawing/2010/main">
+                <a:solidFill>
+                  <a:schemeClr val="accent1"/>
+                </a:solidFill>
+              </a14:hiddenFill>
+            </a:ext>
+            <a:ext uri="{91240B29-F687-4F45-9708-019B960494DF}">
+              <a14:hiddenLine xmlns:a14="http://schemas.microsoft.com/office/drawing/2010/main" w="9525">
+                <a:solidFill>
+                  <a:schemeClr val="tx1"/>
+                </a:solidFill>
+                <a:miter lim="800000"/>
+                <a:headEnd/>
+                <a:tailEnd/>
+              </a14:hiddenLine>
+            </a:ext>
+          </a:extLst>
+        </p:spPr>
+      </p:pic>
+      <p:pic>
+        <p:nvPicPr>
+          <p:cNvPr id="1029" name="Picture 5"/>
+          <p:cNvPicPr>
+            <a:picLocks noChangeAspect="1" noChangeArrowheads="1"/>
+          </p:cNvPicPr>
+          <p:nvPr/>
+        </p:nvPicPr>
+        <p:blipFill>
+          <a:blip r:embed="rId4" cstate="print">
+            <a:extLst>
+              <a:ext uri="{28A0092B-C50C-407E-A947-70E740481C1C}">
+                <a14:useLocalDpi xmlns:a14="http://schemas.microsoft.com/office/drawing/2010/main" val="0"/>
+              </a:ext>
+            </a:extLst>
+          </a:blip>
+          <a:srcRect/>
+          <a:stretch>
+            <a:fillRect/>
+          </a:stretch>
+        </p:blipFill>
+        <p:spPr bwMode="auto">
+          <a:xfrm>
+            <a:off x="2843808" y="1772816"/>
+            <a:ext cx="2539380" cy="968974"/>
+          </a:xfrm>
+          <a:prstGeom prst="rect">
+            <a:avLst/>
+          </a:prstGeom>
+          <a:noFill/>
+          <a:ln>
+            <a:noFill/>
+          </a:ln>
+          <a:extLst>
+            <a:ext uri="{909E8E84-426E-40DD-AFC4-6F175D3DCCD1}">
+              <a14:hiddenFill xmlns:a14="http://schemas.microsoft.com/office/drawing/2010/main">
+                <a:solidFill>
+                  <a:schemeClr val="accent1"/>
+                </a:solidFill>
+              </a14:hiddenFill>
+            </a:ext>
+            <a:ext uri="{91240B29-F687-4F45-9708-019B960494DF}">
+              <a14:hiddenLine xmlns:a14="http://schemas.microsoft.com/office/drawing/2010/main" w="9525">
+                <a:solidFill>
+                  <a:schemeClr val="tx1"/>
+                </a:solidFill>
+                <a:miter lim="800000"/>
+                <a:headEnd/>
+                <a:tailEnd/>
+              </a14:hiddenLine>
+            </a:ext>
+          </a:extLst>
+        </p:spPr>
+      </p:pic>
+      <p:pic>
+        <p:nvPicPr>
+          <p:cNvPr id="1031" name="Picture 7" descr="파일:external/www.fnherstal.com/5.png"/>
+          <p:cNvPicPr>
+            <a:picLocks noChangeAspect="1" noChangeArrowheads="1"/>
+          </p:cNvPicPr>
+          <p:nvPr/>
+        </p:nvPicPr>
+        <p:blipFill>
+          <a:blip r:embed="rId5">
+            <a:extLst>
+              <a:ext uri="{28A0092B-C50C-407E-A947-70E740481C1C}">
+                <a14:useLocalDpi xmlns:a14="http://schemas.microsoft.com/office/drawing/2010/main" val="0"/>
+              </a:ext>
+            </a:extLst>
+          </a:blip>
+          <a:srcRect/>
+          <a:stretch>
+            <a:fillRect/>
+          </a:stretch>
+        </p:blipFill>
+        <p:spPr bwMode="auto">
+          <a:xfrm>
+            <a:off x="2187574" y="4858519"/>
+            <a:ext cx="3458369" cy="1480182"/>
+          </a:xfrm>
+          <a:prstGeom prst="rect">
+            <a:avLst/>
+          </a:prstGeom>
+          <a:noFill/>
+          <a:extLst>
+            <a:ext uri="{909E8E84-426E-40DD-AFC4-6F175D3DCCD1}">
+              <a14:hiddenFill xmlns:a14="http://schemas.microsoft.com/office/drawing/2010/main">
+                <a:solidFill>
+                  <a:srgbClr val="FFFFFF"/>
+                </a:solidFill>
+              </a14:hiddenFill>
+            </a:ext>
+          </a:extLst>
+        </p:spPr>
+      </p:pic>
     </p:spTree>
     <p:extLst>
       <p:ext uri="{BB962C8B-B14F-4D97-AF65-F5344CB8AC3E}">
-        <p14:creationId xmlns:p14="http://schemas.microsoft.com/office/powerpoint/2010/main" val="4072168355"/>
+        <p14:creationId xmlns:p14="http://schemas.microsoft.com/office/powerpoint/2010/main" val="2333180914"/>
       </p:ext>
     </p:extLst>
   </p:cSld>
@@ -17101,28 +17295,32 @@
             <p:ph type="title"/>
           </p:nvPr>
         </p:nvSpPr>
-        <p:spPr/>
+        <p:spPr>
+          <a:xfrm>
+            <a:off x="430746" y="-315416"/>
+            <a:ext cx="8229600" cy="1143000"/>
+          </a:xfrm>
+        </p:spPr>
         <p:txBody>
-          <a:bodyPr>
-            <a:normAutofit fontScale="90000"/>
-          </a:bodyPr>
+          <a:bodyPr/>
           <a:lstStyle/>
           <a:p>
             <a:r>
-              <a:rPr lang="ko-KR" altLang="en-US" dirty="0" err="1" smtClean="0"/>
-              <a:t>패시브</a:t>
-            </a:r>
-            <a:r>
               <a:rPr lang="ko-KR" altLang="en-US" dirty="0" smtClean="0"/>
-              <a:t> 아이템</a:t>
+              <a:t>기본총기</a:t>
             </a:r>
             <a:r>
               <a:rPr lang="en-US" altLang="ko-KR" dirty="0" smtClean="0"/>
-              <a:t/>
-            </a:r>
-            <a:br>
+              <a:t>(</a:t>
+            </a:r>
+            <a:r>
+              <a:rPr lang="en-US" altLang="ko-KR" dirty="0" err="1" smtClean="0"/>
+              <a:t>ar</a:t>
+            </a:r>
+            <a:r>
               <a:rPr lang="en-US" altLang="ko-KR" dirty="0" smtClean="0"/>
-            </a:br>
+              <a:t>)</a:t>
+            </a:r>
             <a:endParaRPr lang="ko-KR" altLang="en-US" dirty="0"/>
           </a:p>
         </p:txBody>
@@ -17137,102 +17335,410 @@
             <p:ph idx="1"/>
           </p:nvPr>
         </p:nvSpPr>
-        <p:spPr/>
+        <p:spPr>
+          <a:xfrm>
+            <a:off x="467544" y="709117"/>
+            <a:ext cx="8229600" cy="5433467"/>
+          </a:xfrm>
+        </p:spPr>
         <p:txBody>
           <a:bodyPr>
-            <a:normAutofit/>
+            <a:noAutofit/>
           </a:bodyPr>
           <a:lstStyle/>
           <a:p>
             <a:r>
-              <a:rPr lang="ko-KR" altLang="en-US" b="1" dirty="0" smtClean="0"/>
-              <a:t>돼지 우상</a:t>
-            </a:r>
-            <a:r>
-              <a:rPr lang="en-US" altLang="ko-KR" b="1" dirty="0" smtClean="0"/>
-              <a:t>(?)</a:t>
-            </a:r>
-            <a:r>
-              <a:rPr lang="ko-KR" altLang="en-US" b="1" dirty="0" smtClean="0"/>
-              <a:t> </a:t>
-            </a:r>
-            <a:r>
-              <a:rPr lang="en-US" altLang="ko-KR" b="1" dirty="0" smtClean="0"/>
-              <a:t>(</a:t>
-            </a:r>
-            <a:r>
-              <a:rPr lang="ko-KR" altLang="en-US" b="1" dirty="0" smtClean="0"/>
-              <a:t>아이템 획득 확률 상승</a:t>
-            </a:r>
-            <a:r>
-              <a:rPr lang="en-US" altLang="ko-KR" b="1" dirty="0" smtClean="0"/>
-              <a:t>)</a:t>
-            </a:r>
-          </a:p>
-          <a:p>
-            <a:r>
-              <a:rPr lang="ko-KR" altLang="en-US" b="1" dirty="0" err="1" smtClean="0"/>
-              <a:t>레드닷</a:t>
-            </a:r>
-            <a:endParaRPr lang="en-US" altLang="ko-KR" b="1" dirty="0" smtClean="0"/>
-          </a:p>
-          <a:p>
-            <a:r>
-              <a:rPr lang="ko-KR" altLang="en-US" b="1" dirty="0" err="1" smtClean="0"/>
-              <a:t>스카우터</a:t>
-            </a:r>
-            <a:r>
-              <a:rPr lang="en-US" altLang="ko-KR" b="1" dirty="0" smtClean="0"/>
-              <a:t>(</a:t>
-            </a:r>
-            <a:r>
-              <a:rPr lang="ko-KR" altLang="en-US" b="1" dirty="0" err="1" smtClean="0"/>
-              <a:t>몬스터들</a:t>
-            </a:r>
-            <a:r>
-              <a:rPr lang="ko-KR" altLang="en-US" b="1" dirty="0" smtClean="0"/>
-              <a:t> </a:t>
-            </a:r>
-            <a:r>
-              <a:rPr lang="ko-KR" altLang="en-US" b="1" dirty="0" err="1" smtClean="0"/>
-              <a:t>체력바가</a:t>
-            </a:r>
-            <a:r>
-              <a:rPr lang="ko-KR" altLang="en-US" b="1" dirty="0" smtClean="0"/>
-              <a:t> 보임</a:t>
-            </a:r>
-            <a:r>
-              <a:rPr lang="en-US" altLang="ko-KR" b="1" dirty="0" smtClean="0"/>
-              <a:t>)</a:t>
-            </a:r>
-          </a:p>
-          <a:p>
-            <a:endParaRPr lang="en-US" altLang="ko-KR" b="1" dirty="0" smtClean="0"/>
-          </a:p>
-          <a:p>
-            <a:r>
-              <a:rPr lang="ko-KR" altLang="en-US" b="1" dirty="0" smtClean="0"/>
-              <a:t>인삼아이콘 </a:t>
-            </a:r>
-            <a:r>
-              <a:rPr lang="en-US" altLang="ko-KR" b="1" dirty="0" smtClean="0"/>
-              <a:t>(</a:t>
-            </a:r>
-            <a:r>
-              <a:rPr lang="ko-KR" altLang="en-US" b="1" dirty="0" smtClean="0"/>
-              <a:t>상태이상 면역</a:t>
-            </a:r>
-            <a:r>
-              <a:rPr lang="en-US" altLang="ko-KR" b="1" dirty="0" smtClean="0"/>
-              <a:t>)</a:t>
-            </a:r>
+              <a:rPr lang="en-US" altLang="ko-KR" sz="2400" dirty="0" smtClean="0"/>
+              <a:t>AK47</a:t>
+            </a:r>
+            <a:endParaRPr lang="en-US" altLang="ko-KR" sz="2400" dirty="0"/>
+          </a:p>
+          <a:p>
+            <a:endParaRPr lang="en-US" altLang="ko-KR" sz="2400" dirty="0" smtClean="0"/>
+          </a:p>
+          <a:p>
+            <a:r>
+              <a:rPr lang="en-US" altLang="ko-KR" sz="2400" dirty="0" smtClean="0"/>
+              <a:t>k2</a:t>
+            </a:r>
+          </a:p>
+          <a:p>
+            <a:endParaRPr lang="en-US" altLang="ko-KR" sz="2400" dirty="0" smtClean="0"/>
+          </a:p>
+          <a:p>
+            <a:r>
+              <a:rPr lang="en-US" altLang="ko-KR" sz="2400" dirty="0" smtClean="0"/>
+              <a:t>m4</a:t>
+            </a:r>
+          </a:p>
+          <a:p>
+            <a:endParaRPr lang="en-US" altLang="ko-KR" sz="2400" dirty="0" smtClean="0"/>
+          </a:p>
+          <a:p>
+            <a:r>
+              <a:rPr lang="en-US" altLang="ko-KR" sz="2400" dirty="0" smtClean="0"/>
+              <a:t>scar</a:t>
+            </a:r>
+          </a:p>
+          <a:p>
+            <a:endParaRPr lang="en-US" altLang="ko-KR" sz="2400" dirty="0"/>
+          </a:p>
+          <a:p>
+            <a:endParaRPr lang="en-US" altLang="ko-KR" sz="2400" dirty="0" smtClean="0"/>
+          </a:p>
+          <a:p>
+            <a:r>
+              <a:rPr lang="en-US" altLang="ko-KR" sz="2400" dirty="0" smtClean="0"/>
+              <a:t>Tar-21</a:t>
+            </a:r>
+          </a:p>
+          <a:p>
+            <a:endParaRPr lang="en-US" altLang="ko-KR" sz="2400" dirty="0"/>
+          </a:p>
+          <a:p>
+            <a:endParaRPr lang="en-US" altLang="ko-KR" sz="2400" dirty="0" smtClean="0"/>
           </a:p>
         </p:txBody>
       </p:sp>
+      <p:sp>
+        <p:nvSpPr>
+          <p:cNvPr id="4" name="AutoShape 2" descr="pixel headphone에 대한 이미지 검색결과"/>
+          <p:cNvSpPr>
+            <a:spLocks noChangeAspect="1" noChangeArrowheads="1"/>
+          </p:cNvSpPr>
+          <p:nvPr/>
+        </p:nvSpPr>
+        <p:spPr bwMode="auto">
+          <a:xfrm>
+            <a:off x="0" y="-144463"/>
+            <a:ext cx="304800" cy="304801"/>
+          </a:xfrm>
+          <a:prstGeom prst="rect">
+            <a:avLst/>
+          </a:prstGeom>
+          <a:noFill/>
+          <a:extLst>
+            <a:ext uri="{909E8E84-426E-40DD-AFC4-6F175D3DCCD1}">
+              <a14:hiddenFill xmlns:a14="http://schemas.microsoft.com/office/drawing/2010/main">
+                <a:solidFill>
+                  <a:srgbClr val="FFFFFF"/>
+                </a:solidFill>
+              </a14:hiddenFill>
+            </a:ext>
+          </a:extLst>
+        </p:spPr>
+        <p:txBody>
+          <a:bodyPr vert="horz" wrap="square" lIns="91440" tIns="45720" rIns="91440" bIns="45720" numCol="1" anchor="t" anchorCtr="0" compatLnSpc="1">
+            <a:prstTxWarp prst="textNoShape">
+              <a:avLst/>
+            </a:prstTxWarp>
+          </a:bodyPr>
+          <a:lstStyle/>
+          <a:p>
+            <a:endParaRPr lang="ko-KR" altLang="en-US"/>
+          </a:p>
+        </p:txBody>
+      </p:sp>
+      <p:pic>
+        <p:nvPicPr>
+          <p:cNvPr id="2050" name="Picture 2"/>
+          <p:cNvPicPr>
+            <a:picLocks noChangeAspect="1" noChangeArrowheads="1"/>
+          </p:cNvPicPr>
+          <p:nvPr/>
+        </p:nvPicPr>
+        <p:blipFill>
+          <a:blip r:embed="rId2">
+            <a:extLst>
+              <a:ext uri="{28A0092B-C50C-407E-A947-70E740481C1C}">
+                <a14:useLocalDpi xmlns:a14="http://schemas.microsoft.com/office/drawing/2010/main" val="0"/>
+              </a:ext>
+            </a:extLst>
+          </a:blip>
+          <a:srcRect/>
+          <a:stretch>
+            <a:fillRect/>
+          </a:stretch>
+        </p:blipFill>
+        <p:spPr bwMode="auto">
+          <a:xfrm>
+            <a:off x="2195735" y="1700808"/>
+            <a:ext cx="2725861" cy="770689"/>
+          </a:xfrm>
+          <a:prstGeom prst="rect">
+            <a:avLst/>
+          </a:prstGeom>
+          <a:noFill/>
+          <a:ln>
+            <a:noFill/>
+          </a:ln>
+          <a:extLst>
+            <a:ext uri="{909E8E84-426E-40DD-AFC4-6F175D3DCCD1}">
+              <a14:hiddenFill xmlns:a14="http://schemas.microsoft.com/office/drawing/2010/main">
+                <a:solidFill>
+                  <a:schemeClr val="accent1"/>
+                </a:solidFill>
+              </a14:hiddenFill>
+            </a:ext>
+            <a:ext uri="{91240B29-F687-4F45-9708-019B960494DF}">
+              <a14:hiddenLine xmlns:a14="http://schemas.microsoft.com/office/drawing/2010/main" w="9525">
+                <a:solidFill>
+                  <a:schemeClr val="tx1"/>
+                </a:solidFill>
+                <a:miter lim="800000"/>
+                <a:headEnd/>
+                <a:tailEnd/>
+              </a14:hiddenLine>
+            </a:ext>
+          </a:extLst>
+        </p:spPr>
+      </p:pic>
+      <p:pic>
+        <p:nvPicPr>
+          <p:cNvPr id="2051" name="Picture 3"/>
+          <p:cNvPicPr>
+            <a:picLocks noChangeAspect="1" noChangeArrowheads="1"/>
+          </p:cNvPicPr>
+          <p:nvPr/>
+        </p:nvPicPr>
+        <p:blipFill>
+          <a:blip r:embed="rId3">
+            <a:extLst>
+              <a:ext uri="{28A0092B-C50C-407E-A947-70E740481C1C}">
+                <a14:useLocalDpi xmlns:a14="http://schemas.microsoft.com/office/drawing/2010/main" val="0"/>
+              </a:ext>
+            </a:extLst>
+          </a:blip>
+          <a:srcRect/>
+          <a:stretch>
+            <a:fillRect/>
+          </a:stretch>
+        </p:blipFill>
+        <p:spPr bwMode="auto">
+          <a:xfrm>
+            <a:off x="2195735" y="2564904"/>
+            <a:ext cx="2909778" cy="1008112"/>
+          </a:xfrm>
+          <a:prstGeom prst="rect">
+            <a:avLst/>
+          </a:prstGeom>
+          <a:noFill/>
+          <a:ln>
+            <a:noFill/>
+          </a:ln>
+          <a:extLst>
+            <a:ext uri="{909E8E84-426E-40DD-AFC4-6F175D3DCCD1}">
+              <a14:hiddenFill xmlns:a14="http://schemas.microsoft.com/office/drawing/2010/main">
+                <a:solidFill>
+                  <a:schemeClr val="accent1"/>
+                </a:solidFill>
+              </a14:hiddenFill>
+            </a:ext>
+            <a:ext uri="{91240B29-F687-4F45-9708-019B960494DF}">
+              <a14:hiddenLine xmlns:a14="http://schemas.microsoft.com/office/drawing/2010/main" w="9525">
+                <a:solidFill>
+                  <a:schemeClr val="tx1"/>
+                </a:solidFill>
+                <a:miter lim="800000"/>
+                <a:headEnd/>
+                <a:tailEnd/>
+              </a14:hiddenLine>
+            </a:ext>
+          </a:extLst>
+        </p:spPr>
+      </p:pic>
+      <p:pic>
+        <p:nvPicPr>
+          <p:cNvPr id="2055" name="Picture 7"/>
+          <p:cNvPicPr>
+            <a:picLocks noChangeAspect="1" noChangeArrowheads="1"/>
+          </p:cNvPicPr>
+          <p:nvPr/>
+        </p:nvPicPr>
+        <p:blipFill>
+          <a:blip r:embed="rId4">
+            <a:extLst>
+              <a:ext uri="{28A0092B-C50C-407E-A947-70E740481C1C}">
+                <a14:useLocalDpi xmlns:a14="http://schemas.microsoft.com/office/drawing/2010/main" val="0"/>
+              </a:ext>
+            </a:extLst>
+          </a:blip>
+          <a:srcRect/>
+          <a:stretch>
+            <a:fillRect/>
+          </a:stretch>
+        </p:blipFill>
+        <p:spPr bwMode="auto">
+          <a:xfrm>
+            <a:off x="2339751" y="3582913"/>
+            <a:ext cx="2090539" cy="1038695"/>
+          </a:xfrm>
+          <a:prstGeom prst="rect">
+            <a:avLst/>
+          </a:prstGeom>
+          <a:noFill/>
+          <a:ln>
+            <a:noFill/>
+          </a:ln>
+          <a:extLst>
+            <a:ext uri="{909E8E84-426E-40DD-AFC4-6F175D3DCCD1}">
+              <a14:hiddenFill xmlns:a14="http://schemas.microsoft.com/office/drawing/2010/main">
+                <a:solidFill>
+                  <a:schemeClr val="accent1"/>
+                </a:solidFill>
+              </a14:hiddenFill>
+            </a:ext>
+            <a:ext uri="{91240B29-F687-4F45-9708-019B960494DF}">
+              <a14:hiddenLine xmlns:a14="http://schemas.microsoft.com/office/drawing/2010/main" w="9525">
+                <a:solidFill>
+                  <a:schemeClr val="tx1"/>
+                </a:solidFill>
+                <a:miter lim="800000"/>
+                <a:headEnd/>
+                <a:tailEnd/>
+              </a14:hiddenLine>
+            </a:ext>
+          </a:extLst>
+        </p:spPr>
+      </p:pic>
+      <p:pic>
+        <p:nvPicPr>
+          <p:cNvPr id="2059" name="Picture 11" descr="파일:attachment/TAR21/ss.jpg"/>
+          <p:cNvPicPr>
+            <a:picLocks noChangeAspect="1" noChangeArrowheads="1"/>
+          </p:cNvPicPr>
+          <p:nvPr/>
+        </p:nvPicPr>
+        <p:blipFill>
+          <a:blip r:embed="rId5" cstate="print">
+            <a:extLst>
+              <a:ext uri="{28A0092B-C50C-407E-A947-70E740481C1C}">
+                <a14:useLocalDpi xmlns:a14="http://schemas.microsoft.com/office/drawing/2010/main" val="0"/>
+              </a:ext>
+            </a:extLst>
+          </a:blip>
+          <a:srcRect/>
+          <a:stretch>
+            <a:fillRect/>
+          </a:stretch>
+        </p:blipFill>
+        <p:spPr bwMode="auto">
+          <a:xfrm>
+            <a:off x="2347763" y="4671359"/>
+            <a:ext cx="2203661" cy="1257782"/>
+          </a:xfrm>
+          <a:prstGeom prst="rect">
+            <a:avLst/>
+          </a:prstGeom>
+          <a:noFill/>
+          <a:extLst>
+            <a:ext uri="{909E8E84-426E-40DD-AFC4-6F175D3DCCD1}">
+              <a14:hiddenFill xmlns:a14="http://schemas.microsoft.com/office/drawing/2010/main">
+                <a:solidFill>
+                  <a:srgbClr val="FFFFFF"/>
+                </a:solidFill>
+              </a14:hiddenFill>
+            </a:ext>
+          </a:extLst>
+        </p:spPr>
+      </p:pic>
+      <p:sp>
+        <p:nvSpPr>
+          <p:cNvPr id="6" name="AutoShape 13" descr="ak47에 대한 이미지 검색결과"/>
+          <p:cNvSpPr>
+            <a:spLocks noChangeAspect="1" noChangeArrowheads="1"/>
+          </p:cNvSpPr>
+          <p:nvPr/>
+        </p:nvSpPr>
+        <p:spPr bwMode="auto">
+          <a:xfrm>
+            <a:off x="152400" y="7937"/>
+            <a:ext cx="304800" cy="304801"/>
+          </a:xfrm>
+          <a:prstGeom prst="rect">
+            <a:avLst/>
+          </a:prstGeom>
+          <a:noFill/>
+          <a:extLst>
+            <a:ext uri="{909E8E84-426E-40DD-AFC4-6F175D3DCCD1}">
+              <a14:hiddenFill xmlns:a14="http://schemas.microsoft.com/office/drawing/2010/main">
+                <a:solidFill>
+                  <a:srgbClr val="FFFFFF"/>
+                </a:solidFill>
+              </a14:hiddenFill>
+            </a:ext>
+          </a:extLst>
+        </p:spPr>
+        <p:txBody>
+          <a:bodyPr vert="horz" wrap="square" lIns="91440" tIns="45720" rIns="91440" bIns="45720" numCol="1" anchor="t" anchorCtr="0" compatLnSpc="1">
+            <a:prstTxWarp prst="textNoShape">
+              <a:avLst/>
+            </a:prstTxWarp>
+          </a:bodyPr>
+          <a:lstStyle/>
+          <a:p>
+            <a:endParaRPr lang="ko-KR" altLang="en-US"/>
+          </a:p>
+        </p:txBody>
+      </p:sp>
+      <p:pic>
+        <p:nvPicPr>
+          <p:cNvPr id="2062" name="Picture 14"/>
+          <p:cNvPicPr>
+            <a:picLocks noChangeAspect="1" noChangeArrowheads="1"/>
+          </p:cNvPicPr>
+          <p:nvPr/>
+        </p:nvPicPr>
+        <p:blipFill>
+          <a:blip r:embed="rId6">
+            <a:extLst>
+              <a:ext uri="{28A0092B-C50C-407E-A947-70E740481C1C}">
+                <a14:useLocalDpi xmlns:a14="http://schemas.microsoft.com/office/drawing/2010/main" val="0"/>
+              </a:ext>
+            </a:extLst>
+          </a:blip>
+          <a:srcRect/>
+          <a:stretch>
+            <a:fillRect/>
+          </a:stretch>
+        </p:blipFill>
+        <p:spPr bwMode="auto">
+          <a:xfrm>
+            <a:off x="2226592" y="692696"/>
+            <a:ext cx="2461444" cy="736637"/>
+          </a:xfrm>
+          <a:prstGeom prst="rect">
+            <a:avLst/>
+          </a:prstGeom>
+          <a:noFill/>
+          <a:ln>
+            <a:noFill/>
+          </a:ln>
+          <a:extLst>
+            <a:ext uri="{909E8E84-426E-40DD-AFC4-6F175D3DCCD1}">
+              <a14:hiddenFill xmlns:a14="http://schemas.microsoft.com/office/drawing/2010/main">
+                <a:solidFill>
+                  <a:schemeClr val="accent1"/>
+                </a:solidFill>
+              </a14:hiddenFill>
+            </a:ext>
+            <a:ext uri="{91240B29-F687-4F45-9708-019B960494DF}">
+              <a14:hiddenLine xmlns:a14="http://schemas.microsoft.com/office/drawing/2010/main" w="9525">
+                <a:solidFill>
+                  <a:schemeClr val="tx1"/>
+                </a:solidFill>
+                <a:miter lim="800000"/>
+                <a:headEnd/>
+                <a:tailEnd/>
+              </a14:hiddenLine>
+            </a:ext>
+          </a:extLst>
+        </p:spPr>
+      </p:pic>
     </p:spTree>
     <p:extLst>
       <p:ext uri="{BB962C8B-B14F-4D97-AF65-F5344CB8AC3E}">
-        <p14:creationId xmlns:p14="http://schemas.microsoft.com/office/powerpoint/2010/main" val="251605719"/>
+        <p14:creationId xmlns:p14="http://schemas.microsoft.com/office/powerpoint/2010/main" val="4062192731"/>
       </p:ext>
     </p:extLst>
   </p:cSld>
@@ -17269,24 +17775,32 @@
             <p:ph type="title"/>
           </p:nvPr>
         </p:nvSpPr>
-        <p:spPr/>
+        <p:spPr>
+          <a:xfrm>
+            <a:off x="430746" y="-315416"/>
+            <a:ext cx="8229600" cy="1143000"/>
+          </a:xfrm>
+        </p:spPr>
         <p:txBody>
-          <a:bodyPr>
-            <a:normAutofit fontScale="90000"/>
-          </a:bodyPr>
+          <a:bodyPr/>
           <a:lstStyle/>
           <a:p>
             <a:r>
               <a:rPr lang="ko-KR" altLang="en-US" dirty="0" smtClean="0"/>
-              <a:t>아이디어 추가</a:t>
+              <a:t>기본총기</a:t>
             </a:r>
             <a:r>
               <a:rPr lang="en-US" altLang="ko-KR" dirty="0" smtClean="0"/>
-              <a:t/>
-            </a:r>
-            <a:br>
+              <a:t>(</a:t>
+            </a:r>
+            <a:r>
+              <a:rPr lang="en-US" altLang="ko-KR" dirty="0" err="1" smtClean="0"/>
+              <a:t>smg</a:t>
+            </a:r>
+            <a:r>
               <a:rPr lang="en-US" altLang="ko-KR" dirty="0" smtClean="0"/>
-            </a:br>
+              <a:t>)</a:t>
+            </a:r>
             <a:endParaRPr lang="ko-KR" altLang="en-US" dirty="0"/>
           </a:p>
         </p:txBody>
@@ -17301,94 +17815,320 @@
             <p:ph idx="1"/>
           </p:nvPr>
         </p:nvSpPr>
-        <p:spPr/>
+        <p:spPr>
+          <a:xfrm>
+            <a:off x="467544" y="709117"/>
+            <a:ext cx="8229600" cy="5433467"/>
+          </a:xfrm>
+        </p:spPr>
         <p:txBody>
           <a:bodyPr>
-            <a:normAutofit/>
+            <a:noAutofit/>
           </a:bodyPr>
           <a:lstStyle/>
           <a:p>
             <a:r>
-              <a:rPr lang="ko-KR" altLang="en-US" b="1" dirty="0" smtClean="0"/>
-              <a:t>처음에는 무기 </a:t>
-            </a:r>
-            <a:r>
-              <a:rPr lang="ko-KR" altLang="en-US" b="1" dirty="0" err="1" smtClean="0"/>
-              <a:t>인벤토리만</a:t>
-            </a:r>
-            <a:r>
-              <a:rPr lang="ko-KR" altLang="en-US" b="1" dirty="0" smtClean="0"/>
-              <a:t> </a:t>
-            </a:r>
-            <a:r>
-              <a:rPr lang="ko-KR" altLang="en-US" b="1" dirty="0" err="1" smtClean="0"/>
-              <a:t>두칸</a:t>
-            </a:r>
-            <a:r>
-              <a:rPr lang="ko-KR" altLang="en-US" b="1" dirty="0" smtClean="0"/>
-              <a:t> </a:t>
-            </a:r>
-            <a:r>
-              <a:rPr lang="ko-KR" altLang="en-US" b="1" dirty="0" err="1" smtClean="0"/>
-              <a:t>줄것</a:t>
-            </a:r>
-            <a:endParaRPr lang="en-US" altLang="ko-KR" b="1" dirty="0" smtClean="0"/>
-          </a:p>
-          <a:p>
-            <a:r>
-              <a:rPr lang="ko-KR" altLang="en-US" b="1" dirty="0" err="1" smtClean="0"/>
-              <a:t>한판할때마다</a:t>
-            </a:r>
-            <a:r>
-              <a:rPr lang="ko-KR" altLang="en-US" b="1" dirty="0" smtClean="0"/>
-              <a:t> 코인을 줘서 그걸로 </a:t>
-            </a:r>
-            <a:r>
-              <a:rPr lang="ko-KR" altLang="en-US" b="1" dirty="0" err="1" smtClean="0"/>
-              <a:t>패시브</a:t>
-            </a:r>
-            <a:r>
-              <a:rPr lang="ko-KR" altLang="en-US" b="1" dirty="0" smtClean="0"/>
-              <a:t> 아이템 구매</a:t>
-            </a:r>
-            <a:endParaRPr lang="en-US" altLang="ko-KR" b="1" dirty="0" smtClean="0"/>
-          </a:p>
-          <a:p>
-            <a:r>
-              <a:rPr lang="ko-KR" altLang="en-US" b="1" dirty="0" smtClean="0"/>
-              <a:t> </a:t>
-            </a:r>
-            <a:r>
-              <a:rPr lang="en-US" altLang="ko-KR" b="1" dirty="0" smtClean="0"/>
-              <a:t>(</a:t>
-            </a:r>
-            <a:r>
-              <a:rPr lang="ko-KR" altLang="en-US" b="1" dirty="0" err="1" smtClean="0"/>
-              <a:t>패시브</a:t>
-            </a:r>
-            <a:r>
-              <a:rPr lang="ko-KR" altLang="en-US" b="1" dirty="0" smtClean="0"/>
-              <a:t> 아이템은 게임 </a:t>
-            </a:r>
-            <a:r>
-              <a:rPr lang="ko-KR" altLang="en-US" b="1" dirty="0" err="1" smtClean="0"/>
-              <a:t>시작할때</a:t>
-            </a:r>
-            <a:r>
-              <a:rPr lang="ko-KR" altLang="en-US" b="1" dirty="0" smtClean="0"/>
-              <a:t> 한 개 골라서 효과를 받음</a:t>
-            </a:r>
-            <a:r>
-              <a:rPr lang="en-US" altLang="ko-KR" b="1" dirty="0" smtClean="0"/>
-              <a:t>)</a:t>
-            </a:r>
+              <a:rPr lang="ko-KR" altLang="en-US" sz="2400" dirty="0" smtClean="0"/>
+              <a:t>권총</a:t>
+            </a:r>
+            <a:endParaRPr lang="en-US" altLang="ko-KR" sz="2400" dirty="0" smtClean="0"/>
+          </a:p>
+          <a:p>
+            <a:r>
+              <a:rPr lang="en-US" altLang="ko-KR" sz="2400" dirty="0" smtClean="0"/>
+              <a:t>vector</a:t>
+            </a:r>
+          </a:p>
+          <a:p>
+            <a:endParaRPr lang="en-US" altLang="ko-KR" sz="2400" dirty="0" smtClean="0"/>
+          </a:p>
+          <a:p>
+            <a:r>
+              <a:rPr lang="en-US" altLang="ko-KR" sz="2400" dirty="0" smtClean="0"/>
+              <a:t>ump9</a:t>
+            </a:r>
+          </a:p>
+          <a:p>
+            <a:endParaRPr lang="en-US" altLang="ko-KR" sz="2400" dirty="0" smtClean="0"/>
+          </a:p>
+          <a:p>
+            <a:r>
+              <a:rPr lang="ko-KR" altLang="en-US" sz="2400" dirty="0" err="1" smtClean="0"/>
+              <a:t>톰슨</a:t>
+            </a:r>
+            <a:endParaRPr lang="en-US" altLang="ko-KR" sz="2400" dirty="0" smtClean="0"/>
+          </a:p>
+          <a:p>
+            <a:endParaRPr lang="en-US" altLang="ko-KR" sz="2400" dirty="0" smtClean="0"/>
+          </a:p>
+          <a:p>
+            <a:r>
+              <a:rPr lang="ko-KR" altLang="en-US" sz="2400" dirty="0" err="1" smtClean="0"/>
+              <a:t>스콜피</a:t>
+            </a:r>
+            <a:r>
+              <a:rPr lang="ko-KR" altLang="en-US" sz="2400" dirty="0" err="1"/>
+              <a:t>온</a:t>
+            </a:r>
+            <a:endParaRPr lang="en-US" altLang="ko-KR" sz="2400" dirty="0" smtClean="0"/>
+          </a:p>
+          <a:p>
+            <a:endParaRPr lang="en-US" altLang="ko-KR" sz="2400" dirty="0"/>
+          </a:p>
+          <a:p>
+            <a:endParaRPr lang="en-US" altLang="ko-KR" sz="2400" dirty="0" smtClean="0"/>
+          </a:p>
+          <a:p>
+            <a:endParaRPr lang="en-US" altLang="ko-KR" sz="2400" dirty="0" smtClean="0"/>
           </a:p>
         </p:txBody>
       </p:sp>
+      <p:sp>
+        <p:nvSpPr>
+          <p:cNvPr id="4" name="AutoShape 2" descr="pixel headphone에 대한 이미지 검색결과"/>
+          <p:cNvSpPr>
+            <a:spLocks noChangeAspect="1" noChangeArrowheads="1"/>
+          </p:cNvSpPr>
+          <p:nvPr/>
+        </p:nvSpPr>
+        <p:spPr bwMode="auto">
+          <a:xfrm>
+            <a:off x="0" y="-144463"/>
+            <a:ext cx="304800" cy="304801"/>
+          </a:xfrm>
+          <a:prstGeom prst="rect">
+            <a:avLst/>
+          </a:prstGeom>
+          <a:noFill/>
+          <a:extLst>
+            <a:ext uri="{909E8E84-426E-40DD-AFC4-6F175D3DCCD1}">
+              <a14:hiddenFill xmlns:a14="http://schemas.microsoft.com/office/drawing/2010/main">
+                <a:solidFill>
+                  <a:srgbClr val="FFFFFF"/>
+                </a:solidFill>
+              </a14:hiddenFill>
+            </a:ext>
+          </a:extLst>
+        </p:spPr>
+        <p:txBody>
+          <a:bodyPr vert="horz" wrap="square" lIns="91440" tIns="45720" rIns="91440" bIns="45720" numCol="1" anchor="t" anchorCtr="0" compatLnSpc="1">
+            <a:prstTxWarp prst="textNoShape">
+              <a:avLst/>
+            </a:prstTxWarp>
+          </a:bodyPr>
+          <a:lstStyle/>
+          <a:p>
+            <a:endParaRPr lang="ko-KR" altLang="en-US"/>
+          </a:p>
+        </p:txBody>
+      </p:sp>
+      <p:pic>
+        <p:nvPicPr>
+          <p:cNvPr id="3074" name="Picture 2" descr="vector gun에 대한 이미지 검색결과"/>
+          <p:cNvPicPr>
+            <a:picLocks noChangeAspect="1" noChangeArrowheads="1"/>
+          </p:cNvPicPr>
+          <p:nvPr/>
+        </p:nvPicPr>
+        <p:blipFill>
+          <a:blip r:embed="rId2">
+            <a:extLst>
+              <a:ext uri="{28A0092B-C50C-407E-A947-70E740481C1C}">
+                <a14:useLocalDpi xmlns:a14="http://schemas.microsoft.com/office/drawing/2010/main" val="0"/>
+              </a:ext>
+            </a:extLst>
+          </a:blip>
+          <a:srcRect/>
+          <a:stretch>
+            <a:fillRect/>
+          </a:stretch>
+        </p:blipFill>
+        <p:spPr bwMode="auto">
+          <a:xfrm>
+            <a:off x="2411760" y="722674"/>
+            <a:ext cx="2217812" cy="1122944"/>
+          </a:xfrm>
+          <a:prstGeom prst="rect">
+            <a:avLst/>
+          </a:prstGeom>
+          <a:noFill/>
+          <a:extLst>
+            <a:ext uri="{909E8E84-426E-40DD-AFC4-6F175D3DCCD1}">
+              <a14:hiddenFill xmlns:a14="http://schemas.microsoft.com/office/drawing/2010/main">
+                <a:solidFill>
+                  <a:srgbClr val="FFFFFF"/>
+                </a:solidFill>
+              </a14:hiddenFill>
+            </a:ext>
+          </a:extLst>
+        </p:spPr>
+      </p:pic>
+      <p:pic>
+        <p:nvPicPr>
+          <p:cNvPr id="3075" name="Picture 3"/>
+          <p:cNvPicPr>
+            <a:picLocks noChangeAspect="1" noChangeArrowheads="1"/>
+          </p:cNvPicPr>
+          <p:nvPr/>
+        </p:nvPicPr>
+        <p:blipFill>
+          <a:blip r:embed="rId3">
+            <a:extLst>
+              <a:ext uri="{28A0092B-C50C-407E-A947-70E740481C1C}">
+                <a14:useLocalDpi xmlns:a14="http://schemas.microsoft.com/office/drawing/2010/main" val="0"/>
+              </a:ext>
+            </a:extLst>
+          </a:blip>
+          <a:srcRect/>
+          <a:stretch>
+            <a:fillRect/>
+          </a:stretch>
+        </p:blipFill>
+        <p:spPr bwMode="auto">
+          <a:xfrm>
+            <a:off x="2425849" y="1772816"/>
+            <a:ext cx="1620788" cy="1074653"/>
+          </a:xfrm>
+          <a:prstGeom prst="rect">
+            <a:avLst/>
+          </a:prstGeom>
+          <a:noFill/>
+          <a:ln>
+            <a:noFill/>
+          </a:ln>
+          <a:extLst>
+            <a:ext uri="{909E8E84-426E-40DD-AFC4-6F175D3DCCD1}">
+              <a14:hiddenFill xmlns:a14="http://schemas.microsoft.com/office/drawing/2010/main">
+                <a:solidFill>
+                  <a:schemeClr val="accent1"/>
+                </a:solidFill>
+              </a14:hiddenFill>
+            </a:ext>
+            <a:ext uri="{91240B29-F687-4F45-9708-019B960494DF}">
+              <a14:hiddenLine xmlns:a14="http://schemas.microsoft.com/office/drawing/2010/main" w="9525">
+                <a:solidFill>
+                  <a:schemeClr val="tx1"/>
+                </a:solidFill>
+                <a:miter lim="800000"/>
+                <a:headEnd/>
+                <a:tailEnd/>
+              </a14:hiddenLine>
+            </a:ext>
+          </a:extLst>
+        </p:spPr>
+      </p:pic>
+      <p:pic>
+        <p:nvPicPr>
+          <p:cNvPr id="3076" name="Picture 4"/>
+          <p:cNvPicPr>
+            <a:picLocks noChangeAspect="1" noChangeArrowheads="1"/>
+          </p:cNvPicPr>
+          <p:nvPr/>
+        </p:nvPicPr>
+        <p:blipFill>
+          <a:blip r:embed="rId4" cstate="print">
+            <a:extLst>
+              <a:ext uri="{28A0092B-C50C-407E-A947-70E740481C1C}">
+                <a14:useLocalDpi xmlns:a14="http://schemas.microsoft.com/office/drawing/2010/main" val="0"/>
+              </a:ext>
+            </a:extLst>
+          </a:blip>
+          <a:srcRect/>
+          <a:stretch>
+            <a:fillRect/>
+          </a:stretch>
+        </p:blipFill>
+        <p:spPr bwMode="auto">
+          <a:xfrm>
+            <a:off x="2159521" y="2858507"/>
+            <a:ext cx="2447553" cy="862292"/>
+          </a:xfrm>
+          <a:prstGeom prst="rect">
+            <a:avLst/>
+          </a:prstGeom>
+          <a:noFill/>
+          <a:ln>
+            <a:noFill/>
+          </a:ln>
+          <a:extLst>
+            <a:ext uri="{909E8E84-426E-40DD-AFC4-6F175D3DCCD1}">
+              <a14:hiddenFill xmlns:a14="http://schemas.microsoft.com/office/drawing/2010/main">
+                <a:solidFill>
+                  <a:schemeClr val="accent1"/>
+                </a:solidFill>
+              </a14:hiddenFill>
+            </a:ext>
+            <a:ext uri="{91240B29-F687-4F45-9708-019B960494DF}">
+              <a14:hiddenLine xmlns:a14="http://schemas.microsoft.com/office/drawing/2010/main" w="9525">
+                <a:solidFill>
+                  <a:schemeClr val="tx1"/>
+                </a:solidFill>
+                <a:miter lim="800000"/>
+                <a:headEnd/>
+                <a:tailEnd/>
+              </a14:hiddenLine>
+            </a:ext>
+          </a:extLst>
+        </p:spPr>
+      </p:pic>
+      <p:pic>
+        <p:nvPicPr>
+          <p:cNvPr id="3077" name="Picture 5"/>
+          <p:cNvPicPr>
+            <a:picLocks noChangeAspect="1" noChangeArrowheads="1"/>
+          </p:cNvPicPr>
+          <p:nvPr/>
+        </p:nvPicPr>
+        <p:blipFill>
+          <a:blip r:embed="rId5" cstate="print">
+            <a:extLst>
+              <a:ext uri="{28A0092B-C50C-407E-A947-70E740481C1C}">
+                <a14:useLocalDpi xmlns:a14="http://schemas.microsoft.com/office/drawing/2010/main" val="0"/>
+              </a:ext>
+            </a:extLst>
+          </a:blip>
+          <a:srcRect/>
+          <a:stretch>
+            <a:fillRect/>
+          </a:stretch>
+        </p:blipFill>
+        <p:spPr bwMode="auto">
+          <a:xfrm>
+            <a:off x="2407543" y="3720799"/>
+            <a:ext cx="2137420" cy="869217"/>
+          </a:xfrm>
+          <a:prstGeom prst="rect">
+            <a:avLst/>
+          </a:prstGeom>
+          <a:noFill/>
+          <a:ln>
+            <a:noFill/>
+          </a:ln>
+          <a:extLst>
+            <a:ext uri="{909E8E84-426E-40DD-AFC4-6F175D3DCCD1}">
+              <a14:hiddenFill xmlns:a14="http://schemas.microsoft.com/office/drawing/2010/main">
+                <a:solidFill>
+                  <a:schemeClr val="accent1"/>
+                </a:solidFill>
+              </a14:hiddenFill>
+            </a:ext>
+            <a:ext uri="{91240B29-F687-4F45-9708-019B960494DF}">
+              <a14:hiddenLine xmlns:a14="http://schemas.microsoft.com/office/drawing/2010/main" w="9525">
+                <a:solidFill>
+                  <a:schemeClr val="tx1"/>
+                </a:solidFill>
+                <a:miter lim="800000"/>
+                <a:headEnd/>
+                <a:tailEnd/>
+              </a14:hiddenLine>
+            </a:ext>
+          </a:extLst>
+        </p:spPr>
+      </p:pic>
     </p:spTree>
     <p:extLst>
       <p:ext uri="{BB962C8B-B14F-4D97-AF65-F5344CB8AC3E}">
-        <p14:creationId xmlns:p14="http://schemas.microsoft.com/office/powerpoint/2010/main" val="2550670840"/>
+        <p14:creationId xmlns:p14="http://schemas.microsoft.com/office/powerpoint/2010/main" val="1860850680"/>
       </p:ext>
     </p:extLst>
   </p:cSld>
@@ -17425,24 +18165,24 @@
             <p:ph type="title"/>
           </p:nvPr>
         </p:nvSpPr>
-        <p:spPr/>
+        <p:spPr>
+          <a:xfrm>
+            <a:off x="430746" y="-315416"/>
+            <a:ext cx="8229600" cy="1143000"/>
+          </a:xfrm>
+        </p:spPr>
         <p:txBody>
-          <a:bodyPr>
-            <a:normAutofit fontScale="90000"/>
-          </a:bodyPr>
+          <a:bodyPr/>
           <a:lstStyle/>
           <a:p>
             <a:r>
               <a:rPr lang="ko-KR" altLang="en-US" dirty="0" smtClean="0"/>
-              <a:t>게임제목 아이디어</a:t>
+              <a:t>기본총기</a:t>
             </a:r>
             <a:r>
               <a:rPr lang="en-US" altLang="ko-KR" dirty="0" smtClean="0"/>
-              <a:t/>
-            </a:r>
-            <a:br>
-              <a:rPr lang="en-US" altLang="ko-KR" dirty="0" smtClean="0"/>
-            </a:br>
+              <a:t>(mg)</a:t>
+            </a:r>
             <a:endParaRPr lang="ko-KR" altLang="en-US" dirty="0"/>
           </a:p>
         </p:txBody>
@@ -17457,124 +18197,251 @@
             <p:ph idx="1"/>
           </p:nvPr>
         </p:nvSpPr>
-        <p:spPr/>
+        <p:spPr>
+          <a:xfrm>
+            <a:off x="467544" y="709117"/>
+            <a:ext cx="8229600" cy="5433467"/>
+          </a:xfrm>
+        </p:spPr>
         <p:txBody>
           <a:bodyPr>
-            <a:normAutofit/>
+            <a:noAutofit/>
           </a:bodyPr>
           <a:lstStyle/>
           <a:p>
-            <a:pPr marL="0" indent="0">
-              <a:buNone/>
-            </a:pPr>
-            <a:r>
-              <a:rPr lang="ko-KR" altLang="en-US" b="1" dirty="0" smtClean="0">
-                <a:solidFill>
-                  <a:srgbClr val="FF0000"/>
-                </a:solidFill>
-              </a:rPr>
-              <a:t>건 </a:t>
-            </a:r>
-            <a:r>
-              <a:rPr lang="ko-KR" altLang="en-US" b="1" dirty="0" err="1" smtClean="0">
-                <a:solidFill>
-                  <a:srgbClr val="FF0000"/>
-                </a:solidFill>
-              </a:rPr>
-              <a:t>크러쉬</a:t>
-            </a:r>
-            <a:r>
-              <a:rPr lang="en-US" altLang="ko-KR" b="1" dirty="0" smtClean="0"/>
-              <a:t>(</a:t>
-            </a:r>
-            <a:r>
-              <a:rPr lang="ko-KR" altLang="en-US" b="1" dirty="0" err="1" smtClean="0"/>
-              <a:t>구글에</a:t>
-            </a:r>
-            <a:r>
-              <a:rPr lang="ko-KR" altLang="en-US" b="1" dirty="0" smtClean="0"/>
-              <a:t> 검색하면 걸 </a:t>
-            </a:r>
-            <a:r>
-              <a:rPr lang="ko-KR" altLang="en-US" b="1" dirty="0" err="1" smtClean="0"/>
-              <a:t>크러쉬</a:t>
-            </a:r>
-            <a:r>
-              <a:rPr lang="ko-KR" altLang="en-US" b="1" dirty="0" smtClean="0"/>
-              <a:t> 밖에 </a:t>
-            </a:r>
-            <a:r>
-              <a:rPr lang="ko-KR" altLang="en-US" b="1" dirty="0" err="1" smtClean="0"/>
-              <a:t>안나옴</a:t>
-            </a:r>
-            <a:r>
-              <a:rPr lang="ko-KR" altLang="en-US" b="1" dirty="0" smtClean="0"/>
-              <a:t> 심플하고 적절한 </a:t>
-            </a:r>
-            <a:r>
-              <a:rPr lang="ko-KR" altLang="en-US" b="1" dirty="0" err="1" smtClean="0"/>
-              <a:t>제목인듯</a:t>
-            </a:r>
-            <a:r>
-              <a:rPr lang="en-US" altLang="ko-KR" b="1" dirty="0" smtClean="0"/>
-              <a:t>) </a:t>
-            </a:r>
-          </a:p>
-          <a:p>
-            <a:endParaRPr lang="en-US" altLang="ko-KR" b="1" dirty="0"/>
-          </a:p>
-          <a:p>
-            <a:pPr marL="0" indent="0">
-              <a:buNone/>
-            </a:pPr>
-            <a:r>
-              <a:rPr lang="ko-KR" altLang="en-US" b="1" dirty="0" smtClean="0"/>
-              <a:t>영문으로 검색해도 마찬가지</a:t>
-            </a:r>
-            <a:endParaRPr lang="en-US" altLang="ko-KR" b="1" dirty="0" smtClean="0"/>
-          </a:p>
-          <a:p>
-            <a:pPr marL="0" indent="0">
-              <a:buNone/>
-            </a:pPr>
-            <a:endParaRPr lang="en-US" altLang="ko-KR" b="1" dirty="0"/>
-          </a:p>
-          <a:p>
-            <a:pPr marL="0" indent="0">
-              <a:buNone/>
-            </a:pPr>
-            <a:r>
-              <a:rPr lang="en-US" altLang="ko-KR" b="1" dirty="0"/>
-              <a:t>strange </a:t>
-            </a:r>
-            <a:r>
-              <a:rPr lang="en-US" altLang="ko-KR" b="1" dirty="0" smtClean="0"/>
-              <a:t>lab (</a:t>
-            </a:r>
-            <a:r>
-              <a:rPr lang="ko-KR" altLang="en-US" b="1" dirty="0" smtClean="0"/>
-              <a:t>이상한 연구실</a:t>
-            </a:r>
-            <a:r>
-              <a:rPr lang="en-US" altLang="ko-KR" b="1" dirty="0" smtClean="0"/>
-              <a:t>) -&gt; </a:t>
-            </a:r>
-            <a:r>
-              <a:rPr lang="ko-KR" altLang="en-US" b="1" dirty="0" smtClean="0"/>
-              <a:t>호기심유</a:t>
-            </a:r>
-            <a:r>
-              <a:rPr lang="ko-KR" altLang="en-US" b="1" dirty="0"/>
-              <a:t>발</a:t>
-            </a:r>
-            <a:endParaRPr lang="en-US" altLang="ko-KR" b="1" dirty="0" smtClean="0"/>
+            <a:endParaRPr lang="en-US" altLang="ko-KR" sz="2400" dirty="0" smtClean="0"/>
+          </a:p>
+          <a:p>
+            <a:endParaRPr lang="en-US" altLang="ko-KR" sz="2400" dirty="0" smtClean="0"/>
+          </a:p>
+          <a:p>
+            <a:r>
+              <a:rPr lang="en-US" altLang="ko-KR" sz="2400" dirty="0" smtClean="0"/>
+              <a:t>M249</a:t>
+            </a:r>
+          </a:p>
+          <a:p>
+            <a:endParaRPr lang="en-US" altLang="ko-KR" sz="2400" dirty="0" smtClean="0"/>
+          </a:p>
+          <a:p>
+            <a:r>
+              <a:rPr lang="en-US" altLang="ko-KR" sz="2400" dirty="0" err="1" smtClean="0"/>
+              <a:t>Lwmmg</a:t>
+            </a:r>
+            <a:r>
+              <a:rPr lang="en-US" altLang="ko-KR" sz="2400" dirty="0" smtClean="0"/>
+              <a:t> </a:t>
+            </a:r>
+          </a:p>
+          <a:p>
+            <a:r>
+              <a:rPr lang="en-US" altLang="ko-KR" sz="2400" dirty="0" smtClean="0"/>
+              <a:t> </a:t>
+            </a:r>
+          </a:p>
+          <a:p>
+            <a:endParaRPr lang="en-US" altLang="ko-KR" sz="2400" dirty="0"/>
+          </a:p>
+          <a:p>
+            <a:endParaRPr lang="en-US" altLang="ko-KR" sz="2400" dirty="0" smtClean="0"/>
+          </a:p>
+          <a:p>
+            <a:endParaRPr lang="en-US" altLang="ko-KR" sz="2400" dirty="0" smtClean="0"/>
           </a:p>
         </p:txBody>
       </p:sp>
+      <p:sp>
+        <p:nvSpPr>
+          <p:cNvPr id="4" name="AutoShape 2" descr="pixel headphone에 대한 이미지 검색결과"/>
+          <p:cNvSpPr>
+            <a:spLocks noChangeAspect="1" noChangeArrowheads="1"/>
+          </p:cNvSpPr>
+          <p:nvPr/>
+        </p:nvSpPr>
+        <p:spPr bwMode="auto">
+          <a:xfrm>
+            <a:off x="0" y="-144463"/>
+            <a:ext cx="304800" cy="304801"/>
+          </a:xfrm>
+          <a:prstGeom prst="rect">
+            <a:avLst/>
+          </a:prstGeom>
+          <a:noFill/>
+          <a:extLst>
+            <a:ext uri="{909E8E84-426E-40DD-AFC4-6F175D3DCCD1}">
+              <a14:hiddenFill xmlns:a14="http://schemas.microsoft.com/office/drawing/2010/main">
+                <a:solidFill>
+                  <a:srgbClr val="FFFFFF"/>
+                </a:solidFill>
+              </a14:hiddenFill>
+            </a:ext>
+          </a:extLst>
+        </p:spPr>
+        <p:txBody>
+          <a:bodyPr vert="horz" wrap="square" lIns="91440" tIns="45720" rIns="91440" bIns="45720" numCol="1" anchor="t" anchorCtr="0" compatLnSpc="1">
+            <a:prstTxWarp prst="textNoShape">
+              <a:avLst/>
+            </a:prstTxWarp>
+          </a:bodyPr>
+          <a:lstStyle/>
+          <a:p>
+            <a:endParaRPr lang="ko-KR" altLang="en-US"/>
+          </a:p>
+        </p:txBody>
+      </p:sp>
+      <p:pic>
+        <p:nvPicPr>
+          <p:cNvPr id="4098" name="Picture 2"/>
+          <p:cNvPicPr>
+            <a:picLocks noChangeAspect="1" noChangeArrowheads="1"/>
+          </p:cNvPicPr>
+          <p:nvPr/>
+        </p:nvPicPr>
+        <p:blipFill>
+          <a:blip r:embed="rId2">
+            <a:extLst>
+              <a:ext uri="{28A0092B-C50C-407E-A947-70E740481C1C}">
+                <a14:useLocalDpi xmlns:a14="http://schemas.microsoft.com/office/drawing/2010/main" val="0"/>
+              </a:ext>
+            </a:extLst>
+          </a:blip>
+          <a:srcRect/>
+          <a:stretch>
+            <a:fillRect/>
+          </a:stretch>
+        </p:blipFill>
+        <p:spPr bwMode="auto">
+          <a:xfrm>
+            <a:off x="2392338" y="1124744"/>
+            <a:ext cx="2886781" cy="1365603"/>
+          </a:xfrm>
+          <a:prstGeom prst="rect">
+            <a:avLst/>
+          </a:prstGeom>
+          <a:noFill/>
+          <a:ln>
+            <a:noFill/>
+          </a:ln>
+          <a:extLst>
+            <a:ext uri="{909E8E84-426E-40DD-AFC4-6F175D3DCCD1}">
+              <a14:hiddenFill xmlns:a14="http://schemas.microsoft.com/office/drawing/2010/main">
+                <a:solidFill>
+                  <a:schemeClr val="accent1"/>
+                </a:solidFill>
+              </a14:hiddenFill>
+            </a:ext>
+            <a:ext uri="{91240B29-F687-4F45-9708-019B960494DF}">
+              <a14:hiddenLine xmlns:a14="http://schemas.microsoft.com/office/drawing/2010/main" w="9525">
+                <a:solidFill>
+                  <a:schemeClr val="tx1"/>
+                </a:solidFill>
+                <a:miter lim="800000"/>
+                <a:headEnd/>
+                <a:tailEnd/>
+              </a14:hiddenLine>
+            </a:ext>
+          </a:extLst>
+        </p:spPr>
+      </p:pic>
+      <p:sp>
+        <p:nvSpPr>
+          <p:cNvPr id="5" name="AutoShape 4" descr="m60 pixel에 대한 이미지 검색결과">
+            <a:hlinkClick r:id="rId3"/>
+          </p:cNvPr>
+          <p:cNvSpPr>
+            <a:spLocks noChangeAspect="1" noChangeArrowheads="1"/>
+          </p:cNvSpPr>
+          <p:nvPr/>
+        </p:nvSpPr>
+        <p:spPr bwMode="auto">
+          <a:xfrm>
+            <a:off x="1078240" y="-819472"/>
+            <a:ext cx="5514975" cy="2114550"/>
+          </a:xfrm>
+          <a:prstGeom prst="rect">
+            <a:avLst/>
+          </a:prstGeom>
+          <a:noFill/>
+          <a:extLst>
+            <a:ext uri="{909E8E84-426E-40DD-AFC4-6F175D3DCCD1}">
+              <a14:hiddenFill xmlns:a14="http://schemas.microsoft.com/office/drawing/2010/main">
+                <a:solidFill>
+                  <a:srgbClr val="FFFFFF"/>
+                </a:solidFill>
+              </a14:hiddenFill>
+            </a:ext>
+          </a:extLst>
+        </p:spPr>
+        <p:txBody>
+          <a:bodyPr vert="horz" wrap="square" lIns="91440" tIns="45720" rIns="91440" bIns="45720" numCol="1" anchor="t" anchorCtr="0" compatLnSpc="1">
+            <a:prstTxWarp prst="textNoShape">
+              <a:avLst/>
+            </a:prstTxWarp>
+          </a:bodyPr>
+          <a:lstStyle/>
+          <a:p>
+            <a:endParaRPr lang="ko-KR" altLang="en-US"/>
+          </a:p>
+        </p:txBody>
+      </p:sp>
+      <p:pic>
+        <p:nvPicPr>
+          <p:cNvPr id="4102" name="Picture 6"/>
+          <p:cNvPicPr>
+            <a:picLocks noChangeAspect="1" noChangeArrowheads="1"/>
+          </p:cNvPicPr>
+          <p:nvPr/>
+        </p:nvPicPr>
+        <p:blipFill>
+          <a:blip r:embed="rId4">
+            <a:extLst>
+              <a:ext uri="{28A0092B-C50C-407E-A947-70E740481C1C}">
+                <a14:useLocalDpi xmlns:a14="http://schemas.microsoft.com/office/drawing/2010/main" val="0"/>
+              </a:ext>
+            </a:extLst>
+          </a:blip>
+          <a:srcRect/>
+          <a:stretch>
+            <a:fillRect/>
+          </a:stretch>
+        </p:blipFill>
+        <p:spPr bwMode="auto">
+          <a:xfrm>
+            <a:off x="2555776" y="2708920"/>
+            <a:ext cx="4247753" cy="1300466"/>
+          </a:xfrm>
+          <a:prstGeom prst="rect">
+            <a:avLst/>
+          </a:prstGeom>
+          <a:noFill/>
+          <a:ln>
+            <a:noFill/>
+          </a:ln>
+          <a:extLst>
+            <a:ext uri="{909E8E84-426E-40DD-AFC4-6F175D3DCCD1}">
+              <a14:hiddenFill xmlns:a14="http://schemas.microsoft.com/office/drawing/2010/main">
+                <a:solidFill>
+                  <a:schemeClr val="accent1"/>
+                </a:solidFill>
+              </a14:hiddenFill>
+            </a:ext>
+            <a:ext uri="{91240B29-F687-4F45-9708-019B960494DF}">
+              <a14:hiddenLine xmlns:a14="http://schemas.microsoft.com/office/drawing/2010/main" w="9525">
+                <a:solidFill>
+                  <a:schemeClr val="tx1"/>
+                </a:solidFill>
+                <a:miter lim="800000"/>
+                <a:headEnd/>
+                <a:tailEnd/>
+              </a14:hiddenLine>
+            </a:ext>
+          </a:extLst>
+        </p:spPr>
+      </p:pic>
     </p:spTree>
     <p:extLst>
       <p:ext uri="{BB962C8B-B14F-4D97-AF65-F5344CB8AC3E}">
-        <p14:creationId xmlns:p14="http://schemas.microsoft.com/office/powerpoint/2010/main" val="1749074872"/>
+        <p14:creationId xmlns:p14="http://schemas.microsoft.com/office/powerpoint/2010/main" val="1267513152"/>
       </p:ext>
     </p:extLst>
   </p:cSld>
@@ -17611,24 +18478,24 @@
             <p:ph type="title"/>
           </p:nvPr>
         </p:nvSpPr>
-        <p:spPr/>
+        <p:spPr>
+          <a:xfrm>
+            <a:off x="430746" y="-315416"/>
+            <a:ext cx="8229600" cy="1143000"/>
+          </a:xfrm>
+        </p:spPr>
         <p:txBody>
-          <a:bodyPr>
-            <a:normAutofit fontScale="90000"/>
-          </a:bodyPr>
+          <a:bodyPr/>
           <a:lstStyle/>
           <a:p>
             <a:r>
               <a:rPr lang="ko-KR" altLang="en-US" dirty="0" smtClean="0"/>
-              <a:t>캐릭터 아이디어 추가</a:t>
+              <a:t>기본총기</a:t>
             </a:r>
             <a:r>
               <a:rPr lang="en-US" altLang="ko-KR" dirty="0" smtClean="0"/>
-              <a:t/>
-            </a:r>
-            <a:br>
-              <a:rPr lang="en-US" altLang="ko-KR" dirty="0" smtClean="0"/>
-            </a:br>
+              <a:t>(RF)</a:t>
+            </a:r>
             <a:endParaRPr lang="ko-KR" altLang="en-US" dirty="0"/>
           </a:p>
         </p:txBody>
@@ -17643,575 +18510,326 @@
             <p:ph idx="1"/>
           </p:nvPr>
         </p:nvSpPr>
-        <p:spPr/>
+        <p:spPr>
+          <a:xfrm>
+            <a:off x="467544" y="709117"/>
+            <a:ext cx="8229600" cy="5433467"/>
+          </a:xfrm>
+        </p:spPr>
         <p:txBody>
           <a:bodyPr>
-            <a:normAutofit fontScale="32500" lnSpcReduction="20000"/>
+            <a:noAutofit/>
           </a:bodyPr>
           <a:lstStyle/>
           <a:p>
-            <a:r>
-              <a:rPr lang="ko-KR" altLang="en-US" dirty="0"/>
-              <a:t>상인에게서 파는 기밀문서 </a:t>
-            </a:r>
-            <a:r>
-              <a:rPr lang="en-US" altLang="ko" dirty="0"/>
-              <a:t>3</a:t>
-            </a:r>
-            <a:r>
-              <a:rPr lang="ko-KR" altLang="en-US" dirty="0" smtClean="0"/>
-              <a:t>개</a:t>
-            </a:r>
-            <a:r>
-              <a:rPr lang="en-US" altLang="ko-KR" dirty="0" smtClean="0"/>
-              <a:t>(</a:t>
-            </a:r>
-            <a:r>
-              <a:rPr lang="ko-KR" altLang="en-US" dirty="0" smtClean="0"/>
-              <a:t>개당 </a:t>
-            </a:r>
-            <a:r>
-              <a:rPr lang="en-US" altLang="ko-KR" dirty="0" smtClean="0"/>
-              <a:t>5000</a:t>
-            </a:r>
-            <a:r>
-              <a:rPr lang="ko-KR" altLang="en-US" dirty="0" smtClean="0"/>
-              <a:t>원</a:t>
-            </a:r>
-            <a:r>
-              <a:rPr lang="en-US" altLang="ko-KR" dirty="0" smtClean="0"/>
-              <a:t>)</a:t>
-            </a:r>
-            <a:r>
-              <a:rPr lang="ko-KR" altLang="en-US" dirty="0" smtClean="0"/>
-              <a:t>사면 </a:t>
-            </a:r>
-            <a:r>
-              <a:rPr lang="ko-KR" altLang="en-US" dirty="0" err="1"/>
-              <a:t>캐릭</a:t>
-            </a:r>
-            <a:r>
-              <a:rPr lang="ko-KR" altLang="en-US" dirty="0"/>
-              <a:t> </a:t>
-            </a:r>
-            <a:r>
-              <a:rPr lang="ko-KR" altLang="en-US" dirty="0" smtClean="0"/>
-              <a:t>얻는 </a:t>
-            </a:r>
-            <a:r>
-              <a:rPr lang="ko-KR" altLang="en-US" dirty="0"/>
-              <a:t>힌트 </a:t>
-            </a:r>
-            <a:r>
-              <a:rPr lang="ko-KR" altLang="en-US" dirty="0" smtClean="0"/>
-              <a:t>알려줌 힌트는 </a:t>
-            </a:r>
-            <a:r>
-              <a:rPr lang="ko-KR" altLang="en-US" dirty="0" err="1" smtClean="0"/>
-              <a:t>캐릭</a:t>
-            </a:r>
-            <a:r>
-              <a:rPr lang="ko-KR" altLang="en-US" dirty="0" smtClean="0"/>
-              <a:t> 선택창에서 </a:t>
-            </a:r>
-            <a:r>
-              <a:rPr lang="ko-KR" altLang="en-US" dirty="0" err="1" smtClean="0"/>
-              <a:t>언락가능</a:t>
-            </a:r>
-            <a:endParaRPr lang="en-US" altLang="ko-KR" dirty="0" smtClean="0"/>
-          </a:p>
-          <a:p>
-            <a:endParaRPr lang="ko" altLang="en-US" dirty="0"/>
-          </a:p>
-          <a:p>
-            <a:pPr marL="0" indent="0">
-              <a:buNone/>
-            </a:pPr>
-            <a:endParaRPr lang="ko-KR" altLang="en-US" dirty="0"/>
-          </a:p>
-          <a:p>
-            <a:endParaRPr lang="ko" altLang="en-US" dirty="0"/>
-          </a:p>
-          <a:p>
-            <a:r>
-              <a:rPr lang="ko-KR" altLang="en-US" dirty="0"/>
-              <a:t>엔지니어 </a:t>
-            </a:r>
-            <a:r>
-              <a:rPr lang="ko-KR" altLang="en-US" dirty="0" smtClean="0"/>
-              <a:t>주인공</a:t>
-            </a:r>
-            <a:endParaRPr lang="ko" altLang="en-US" dirty="0"/>
-          </a:p>
-          <a:p>
-            <a:pPr marL="0" indent="0">
-              <a:buNone/>
-            </a:pPr>
-            <a:r>
-              <a:rPr lang="ko-KR" altLang="en-US" dirty="0" smtClean="0"/>
-              <a:t>선택 조건</a:t>
-            </a:r>
-            <a:r>
-              <a:rPr lang="en-US" altLang="ko-KR" dirty="0" smtClean="0"/>
-              <a:t>: </a:t>
-            </a:r>
-            <a:r>
-              <a:rPr lang="ko-KR" altLang="en-US" dirty="0" smtClean="0"/>
-              <a:t>죄수 </a:t>
-            </a:r>
-            <a:r>
-              <a:rPr lang="ko-KR" altLang="en-US" dirty="0"/>
-              <a:t>스테이지에서 일정확률로 </a:t>
-            </a:r>
-            <a:r>
-              <a:rPr lang="ko-KR" altLang="en-US" dirty="0" err="1"/>
-              <a:t>몬스터와</a:t>
-            </a:r>
-            <a:r>
-              <a:rPr lang="ko-KR" altLang="en-US" dirty="0"/>
-              <a:t> 함께 나옴 죽이면 안됨 기다리면 알아서 </a:t>
-            </a:r>
-            <a:r>
-              <a:rPr lang="ko-KR" altLang="en-US" dirty="0" smtClean="0"/>
-              <a:t>사라짐</a:t>
-            </a:r>
-            <a:r>
-              <a:rPr lang="en-US" altLang="ko-KR" dirty="0" smtClean="0"/>
-              <a:t>.</a:t>
-            </a:r>
-            <a:endParaRPr lang="ko-KR" altLang="en-US" dirty="0"/>
-          </a:p>
-          <a:p>
-            <a:endParaRPr lang="ko" altLang="en-US" dirty="0"/>
-          </a:p>
-          <a:p>
-            <a:r>
-              <a:rPr lang="ko-KR" altLang="en-US" dirty="0" err="1"/>
-              <a:t>방패병</a:t>
-            </a:r>
-            <a:r>
-              <a:rPr lang="en-US" altLang="ko" dirty="0"/>
-              <a:t>(</a:t>
-            </a:r>
-            <a:r>
-              <a:rPr lang="ko-KR" altLang="en-US" dirty="0"/>
-              <a:t>방패로 완전방어</a:t>
-            </a:r>
-            <a:r>
-              <a:rPr lang="en-US" altLang="ko" dirty="0"/>
-              <a:t>)</a:t>
-            </a:r>
-            <a:endParaRPr lang="ko" altLang="en-US" dirty="0"/>
-          </a:p>
-          <a:p>
-            <a:pPr marL="0" indent="0">
-              <a:buNone/>
-            </a:pPr>
-            <a:r>
-              <a:rPr lang="ko-KR" altLang="en-US" dirty="0"/>
-              <a:t>중세시대 기사처럼 생김 </a:t>
-            </a:r>
-            <a:r>
-              <a:rPr lang="ko-KR" altLang="en-US" dirty="0" err="1"/>
-              <a:t>동글동글한놈</a:t>
-            </a:r>
-            <a:r>
-              <a:rPr lang="ko-KR" altLang="en-US" dirty="0"/>
-              <a:t> 외계인</a:t>
-            </a:r>
-          </a:p>
-          <a:p>
-            <a:pPr marL="0" indent="0">
-              <a:buNone/>
-            </a:pPr>
-            <a:r>
-              <a:rPr lang="ko-KR" altLang="en-US" dirty="0" smtClean="0"/>
-              <a:t>조건</a:t>
-            </a:r>
-            <a:r>
-              <a:rPr lang="en-US" altLang="ko-KR" dirty="0" smtClean="0"/>
-              <a:t>: </a:t>
-            </a:r>
-            <a:r>
-              <a:rPr lang="ko-KR" altLang="en-US" dirty="0" smtClean="0"/>
-              <a:t>게임오버 </a:t>
-            </a:r>
-            <a:r>
-              <a:rPr lang="en-US" altLang="ko" dirty="0" smtClean="0"/>
-              <a:t>100</a:t>
-            </a:r>
-            <a:r>
-              <a:rPr lang="ko-KR" altLang="en-US" dirty="0" smtClean="0"/>
-              <a:t>번 이상 죽으면 고를 수 있음</a:t>
-            </a:r>
-            <a:endParaRPr lang="ko" altLang="en-US" dirty="0"/>
-          </a:p>
-          <a:p>
-            <a:endParaRPr lang="ko" altLang="en-US" dirty="0"/>
-          </a:p>
-          <a:p>
-            <a:r>
-              <a:rPr lang="ko-KR" altLang="en-US" dirty="0" err="1" smtClean="0"/>
-              <a:t>백색닌자</a:t>
-            </a:r>
-            <a:r>
-              <a:rPr lang="en-US" altLang="ko" dirty="0"/>
-              <a:t>(</a:t>
-            </a:r>
-            <a:r>
-              <a:rPr lang="ko-KR" altLang="en-US" dirty="0" err="1"/>
-              <a:t>패시브로</a:t>
-            </a:r>
-            <a:r>
-              <a:rPr lang="ko-KR" altLang="en-US" dirty="0"/>
-              <a:t> </a:t>
-            </a:r>
-            <a:r>
-              <a:rPr lang="ko-KR" altLang="en-US" dirty="0" err="1" smtClean="0"/>
-              <a:t>데미지</a:t>
-            </a:r>
-            <a:r>
-              <a:rPr lang="ko-KR" altLang="en-US" dirty="0" smtClean="0"/>
-              <a:t> 입으면 사방으로 표창 날라감</a:t>
-            </a:r>
-            <a:r>
-              <a:rPr lang="en-US" altLang="ko" dirty="0" smtClean="0"/>
-              <a:t>) </a:t>
-            </a:r>
-          </a:p>
-          <a:p>
-            <a:pPr marL="0" indent="0">
-              <a:buNone/>
-            </a:pPr>
-            <a:r>
-              <a:rPr lang="ko-KR" altLang="en-US" dirty="0" err="1" smtClean="0"/>
-              <a:t>분신술</a:t>
-            </a:r>
-            <a:r>
-              <a:rPr lang="ko-KR" altLang="en-US" dirty="0" smtClean="0"/>
-              <a:t> </a:t>
-            </a:r>
-            <a:r>
-              <a:rPr lang="ko-KR" altLang="en-US" dirty="0"/>
-              <a:t>스킬 사용 가능 </a:t>
-            </a:r>
-            <a:r>
-              <a:rPr lang="ko-KR" altLang="en-US" dirty="0" err="1" smtClean="0"/>
-              <a:t>또다른</a:t>
-            </a:r>
-            <a:r>
-              <a:rPr lang="ko-KR" altLang="en-US" dirty="0" smtClean="0"/>
-              <a:t> 자기자신의 그림자가 </a:t>
-            </a:r>
-            <a:r>
-              <a:rPr lang="ko-KR" altLang="en-US" dirty="0"/>
-              <a:t>나와서 </a:t>
-            </a:r>
-            <a:r>
-              <a:rPr lang="ko-KR" altLang="en-US" dirty="0" err="1" smtClean="0"/>
-              <a:t>현재들고</a:t>
-            </a:r>
-            <a:r>
-              <a:rPr lang="ko-KR" altLang="en-US" dirty="0" smtClean="0"/>
-              <a:t> 있는 </a:t>
-            </a:r>
-            <a:r>
-              <a:rPr lang="ko-KR" altLang="en-US" dirty="0"/>
-              <a:t>무기로 싸워줌 약물 능력 전혀 적용 안됨</a:t>
-            </a:r>
-          </a:p>
-          <a:p>
-            <a:endParaRPr lang="ko" altLang="en-US" dirty="0"/>
-          </a:p>
-          <a:p>
-            <a:pPr marL="0" indent="0">
-              <a:buNone/>
-            </a:pPr>
-            <a:r>
-              <a:rPr lang="ko-KR" altLang="en-US" dirty="0" err="1"/>
-              <a:t>마지막스테이지</a:t>
-            </a:r>
-            <a:r>
-              <a:rPr lang="ko-KR" altLang="en-US" dirty="0"/>
-              <a:t> </a:t>
-            </a:r>
-            <a:r>
-              <a:rPr lang="ko-KR" altLang="en-US" dirty="0" err="1"/>
-              <a:t>맵밖에서</a:t>
-            </a:r>
-            <a:r>
-              <a:rPr lang="ko-KR" altLang="en-US" dirty="0"/>
-              <a:t> </a:t>
-            </a:r>
-            <a:r>
-              <a:rPr lang="ko-KR" altLang="en-US" dirty="0" err="1"/>
-              <a:t>빠른속도로</a:t>
-            </a:r>
-            <a:r>
-              <a:rPr lang="ko-KR" altLang="en-US" dirty="0"/>
-              <a:t> </a:t>
-            </a:r>
-            <a:r>
-              <a:rPr lang="ko-KR" altLang="en-US" dirty="0" err="1"/>
-              <a:t>일반닌자가</a:t>
-            </a:r>
-            <a:r>
-              <a:rPr lang="ko-KR" altLang="en-US" dirty="0"/>
-              <a:t> 돌아다님 일정시간 지나면 사라짐 따라가서 </a:t>
-            </a:r>
-            <a:r>
-              <a:rPr lang="ko-KR" altLang="en-US" dirty="0" smtClean="0"/>
-              <a:t>잡아야 함</a:t>
-            </a:r>
-            <a:endParaRPr lang="ko-KR" altLang="en-US" dirty="0"/>
-          </a:p>
-          <a:p>
-            <a:endParaRPr lang="ko" altLang="en-US" dirty="0"/>
-          </a:p>
-          <a:p>
-            <a:r>
-              <a:rPr lang="ko-KR" altLang="en-US" dirty="0"/>
-              <a:t>저격수</a:t>
-            </a:r>
-            <a:r>
-              <a:rPr lang="en-US" altLang="ko" dirty="0"/>
-              <a:t>(</a:t>
-            </a:r>
-            <a:r>
-              <a:rPr lang="ko-KR" altLang="en-US" dirty="0" err="1" smtClean="0"/>
-              <a:t>에꾸눈임</a:t>
-            </a:r>
-            <a:r>
-              <a:rPr lang="ko-KR" altLang="en-US" dirty="0" smtClean="0"/>
-              <a:t> </a:t>
-            </a:r>
-            <a:r>
-              <a:rPr lang="en-US" altLang="ko" dirty="0" smtClean="0"/>
-              <a:t>- </a:t>
-            </a:r>
-            <a:r>
-              <a:rPr lang="ko-KR" altLang="en-US" dirty="0" err="1"/>
-              <a:t>스킬을쓰면</a:t>
-            </a:r>
-            <a:r>
-              <a:rPr lang="ko-KR" altLang="en-US" dirty="0"/>
-              <a:t> </a:t>
-            </a:r>
-            <a:r>
-              <a:rPr lang="ko-KR" altLang="en-US" dirty="0" smtClean="0"/>
-              <a:t>시간이 멈추고 </a:t>
-            </a:r>
-            <a:r>
-              <a:rPr lang="ko-KR" altLang="en-US" dirty="0" err="1" smtClean="0"/>
-              <a:t>한명</a:t>
-            </a:r>
-            <a:r>
-              <a:rPr lang="ko-KR" altLang="en-US" dirty="0" smtClean="0"/>
-              <a:t> </a:t>
-            </a:r>
-            <a:r>
-              <a:rPr lang="ko-KR" altLang="en-US" dirty="0"/>
-              <a:t>터치해서 </a:t>
-            </a:r>
-            <a:r>
-              <a:rPr lang="ko-KR" altLang="en-US" dirty="0" smtClean="0"/>
-              <a:t>사격할 수 있음 </a:t>
-            </a:r>
-            <a:r>
-              <a:rPr lang="ko-KR" altLang="en-US" dirty="0" err="1"/>
-              <a:t>데미지</a:t>
-            </a:r>
-            <a:r>
-              <a:rPr lang="ko-KR" altLang="en-US" dirty="0"/>
-              <a:t> </a:t>
-            </a:r>
-            <a:r>
-              <a:rPr lang="ko-KR" altLang="en-US" dirty="0" err="1"/>
-              <a:t>겁나세게</a:t>
-            </a:r>
-            <a:r>
-              <a:rPr lang="ko-KR" altLang="en-US" dirty="0"/>
-              <a:t> 들어감 </a:t>
-            </a:r>
-            <a:r>
-              <a:rPr lang="ko-KR" altLang="en-US" dirty="0" err="1"/>
-              <a:t>쿨타임</a:t>
-            </a:r>
-            <a:r>
-              <a:rPr lang="ko-KR" altLang="en-US" dirty="0"/>
-              <a:t> 길음</a:t>
-            </a:r>
-            <a:r>
-              <a:rPr lang="en-US" altLang="ko" dirty="0"/>
-              <a:t>)</a:t>
-            </a:r>
-            <a:endParaRPr lang="ko" altLang="en-US" dirty="0"/>
-          </a:p>
-          <a:p>
-            <a:pPr marL="0" indent="0">
-              <a:buNone/>
-            </a:pPr>
-            <a:r>
-              <a:rPr lang="en-US" altLang="ko" dirty="0"/>
-              <a:t>)</a:t>
-            </a:r>
-            <a:endParaRPr lang="ko" altLang="en-US" dirty="0"/>
-          </a:p>
-          <a:p>
-            <a:pPr marL="0" indent="0">
-              <a:buNone/>
-            </a:pPr>
-            <a:r>
-              <a:rPr lang="en-US" altLang="ko-KR" dirty="0" smtClean="0"/>
-              <a:t>	</a:t>
-            </a:r>
-            <a:r>
-              <a:rPr lang="ko-KR" altLang="en-US" dirty="0" smtClean="0"/>
-              <a:t>게임을 </a:t>
-            </a:r>
-            <a:r>
-              <a:rPr lang="en-US" altLang="ko-KR" dirty="0" smtClean="0"/>
-              <a:t>2</a:t>
-            </a:r>
-            <a:r>
-              <a:rPr lang="ko-KR" altLang="en-US" dirty="0" smtClean="0"/>
-              <a:t>번 </a:t>
-            </a:r>
-            <a:r>
-              <a:rPr lang="ko-KR" altLang="en-US" dirty="0" err="1" smtClean="0"/>
-              <a:t>클리어</a:t>
-            </a:r>
-            <a:r>
-              <a:rPr lang="ko-KR" altLang="en-US" dirty="0" smtClean="0"/>
-              <a:t> 하면 나옴</a:t>
-            </a:r>
-            <a:endParaRPr lang="ko-KR" altLang="en-US" dirty="0"/>
-          </a:p>
-          <a:p>
-            <a:endParaRPr lang="ko" altLang="en-US" dirty="0"/>
-          </a:p>
-          <a:p>
-            <a:r>
-              <a:rPr lang="ko-KR" altLang="en-US" dirty="0"/>
-              <a:t>보안 로봇</a:t>
-            </a:r>
-            <a:r>
-              <a:rPr lang="en-US" altLang="ko" dirty="0"/>
-              <a:t>(</a:t>
-            </a:r>
-            <a:r>
-              <a:rPr lang="ko-KR" altLang="en-US" dirty="0"/>
-              <a:t>달려가서 자폭하는 로봇들 </a:t>
-            </a:r>
-            <a:r>
-              <a:rPr lang="en-US" altLang="ko" dirty="0"/>
-              <a:t>5</a:t>
-            </a:r>
-            <a:r>
-              <a:rPr lang="ko-KR" altLang="en-US" dirty="0"/>
-              <a:t>마리 </a:t>
-            </a:r>
-            <a:r>
-              <a:rPr lang="ko-KR" altLang="en-US" dirty="0" smtClean="0"/>
-              <a:t>나옴 가방 무게 제한 없음 먹으면 먹을수록 칸이 아래로 쌓임</a:t>
-            </a:r>
-            <a:r>
-              <a:rPr lang="en-US" altLang="ko" dirty="0" smtClean="0"/>
-              <a:t>)</a:t>
-            </a:r>
-          </a:p>
-          <a:p>
-            <a:pPr marL="0" indent="0">
-              <a:buNone/>
-            </a:pPr>
-            <a:r>
-              <a:rPr lang="ko-KR" altLang="en-US" dirty="0" smtClean="0"/>
-              <a:t>게임 누적 플레이 시간 </a:t>
-            </a:r>
-            <a:r>
-              <a:rPr lang="en-US" altLang="ko-KR" dirty="0" smtClean="0"/>
-              <a:t>20</a:t>
-            </a:r>
-            <a:r>
-              <a:rPr lang="ko-KR" altLang="en-US" dirty="0" smtClean="0"/>
-              <a:t>시간 이상이면 </a:t>
-            </a:r>
-            <a:r>
-              <a:rPr lang="ko-KR" altLang="en-US" dirty="0" err="1" smtClean="0"/>
-              <a:t>언락</a:t>
-            </a:r>
-            <a:endParaRPr lang="en-US" altLang="ko" dirty="0" smtClean="0"/>
-          </a:p>
-          <a:p>
-            <a:endParaRPr lang="ko" altLang="en-US" dirty="0"/>
-          </a:p>
-          <a:p>
-            <a:endParaRPr lang="ko" altLang="en-US" dirty="0"/>
-          </a:p>
-          <a:p>
-            <a:r>
-              <a:rPr lang="ko-KR" altLang="en-US" dirty="0"/>
-              <a:t>과학자 주인공</a:t>
-            </a:r>
-          </a:p>
-          <a:p>
-            <a:pPr marL="0" indent="0">
-              <a:buNone/>
-            </a:pPr>
-            <a:r>
-              <a:rPr lang="ko-KR" altLang="en-US" dirty="0"/>
-              <a:t>선택조건</a:t>
-            </a:r>
-            <a:r>
-              <a:rPr lang="en-US" altLang="ko-KR" dirty="0"/>
-              <a:t>: </a:t>
-            </a:r>
-            <a:r>
-              <a:rPr lang="ko-KR" altLang="en-US" dirty="0"/>
-              <a:t>과학자스테이지만 </a:t>
-            </a:r>
-            <a:r>
-              <a:rPr lang="ko-KR" altLang="en-US" dirty="0" err="1"/>
-              <a:t>맵</a:t>
-            </a:r>
-            <a:r>
-              <a:rPr lang="ko-KR" altLang="en-US" dirty="0"/>
-              <a:t> 구석에 일정 확률로 나타남 </a:t>
-            </a:r>
-            <a:r>
-              <a:rPr lang="en-US" altLang="ko-KR" dirty="0"/>
-              <a:t>3</a:t>
-            </a:r>
-            <a:r>
-              <a:rPr lang="ko-KR" altLang="en-US" dirty="0"/>
-              <a:t>번째로 만났을 때까지 꾸준히 말 걸면  </a:t>
-            </a:r>
-            <a:r>
-              <a:rPr lang="ko-KR" altLang="en-US" dirty="0" err="1"/>
-              <a:t>언락</a:t>
-            </a:r>
-            <a:r>
-              <a:rPr lang="ko-KR" altLang="en-US" dirty="0"/>
-              <a:t> 됨 </a:t>
-            </a:r>
-            <a:r>
-              <a:rPr lang="ko-KR" altLang="en-US" dirty="0" err="1"/>
-              <a:t>ㅇ</a:t>
-            </a:r>
-            <a:endParaRPr lang="en-US" altLang="ko-KR" dirty="0"/>
-          </a:p>
-          <a:p>
-            <a:endParaRPr lang="ko" altLang="en-US" dirty="0"/>
-          </a:p>
-          <a:p>
-            <a:endParaRPr lang="en-US" altLang="ko-KR" b="1" dirty="0" smtClean="0"/>
+            <a:endParaRPr lang="en-US" altLang="ko-KR" sz="2400" dirty="0" smtClean="0"/>
+          </a:p>
+          <a:p>
+            <a:endParaRPr lang="en-US" altLang="ko-KR" sz="2400" dirty="0" smtClean="0"/>
+          </a:p>
+          <a:p>
+            <a:r>
+              <a:rPr lang="en-US" altLang="ko-KR" sz="2400" dirty="0" smtClean="0"/>
+              <a:t>wa2000</a:t>
+            </a:r>
+          </a:p>
+          <a:p>
+            <a:endParaRPr lang="en-US" altLang="ko-KR" sz="2400" dirty="0" smtClean="0"/>
+          </a:p>
+          <a:p>
+            <a:r>
+              <a:rPr lang="en-US" altLang="ko-KR" sz="2400" dirty="0" smtClean="0"/>
+              <a:t>SVD</a:t>
+            </a:r>
+          </a:p>
+          <a:p>
+            <a:endParaRPr lang="en-US" altLang="ko-KR" sz="2400" dirty="0"/>
+          </a:p>
+          <a:p>
+            <a:endParaRPr lang="en-US" altLang="ko-KR" sz="2400" dirty="0" smtClean="0"/>
+          </a:p>
+          <a:p>
+            <a:r>
+              <a:rPr lang="en-US" altLang="ko-KR" sz="2400" dirty="0" smtClean="0"/>
+              <a:t>AWM(</a:t>
+            </a:r>
+            <a:r>
+              <a:rPr lang="ko-KR" altLang="en-US" sz="2400" dirty="0" smtClean="0"/>
+              <a:t>초록색</a:t>
+            </a:r>
+            <a:r>
+              <a:rPr lang="en-US" altLang="ko-KR" sz="2400" dirty="0" smtClean="0"/>
+              <a:t>,</a:t>
+            </a:r>
+            <a:r>
+              <a:rPr lang="ko-KR" altLang="en-US" sz="2400" dirty="0" smtClean="0"/>
+              <a:t>받침대 </a:t>
+            </a:r>
+            <a:r>
+              <a:rPr lang="en-US" altLang="ko-KR" sz="2400" dirty="0" smtClean="0"/>
+              <a:t>X)</a:t>
+            </a:r>
+          </a:p>
+          <a:p>
+            <a:endParaRPr lang="en-US" altLang="ko-KR" sz="2400" dirty="0" smtClean="0"/>
+          </a:p>
+          <a:p>
+            <a:endParaRPr lang="en-US" altLang="ko-KR" sz="2400" dirty="0"/>
+          </a:p>
+          <a:p>
+            <a:endParaRPr lang="en-US" altLang="ko-KR" sz="2400" dirty="0" smtClean="0"/>
+          </a:p>
+          <a:p>
+            <a:endParaRPr lang="en-US" altLang="ko-KR" sz="2400" dirty="0" smtClean="0"/>
           </a:p>
         </p:txBody>
       </p:sp>
+      <p:sp>
+        <p:nvSpPr>
+          <p:cNvPr id="4" name="AutoShape 2" descr="pixel headphone에 대한 이미지 검색결과"/>
+          <p:cNvSpPr>
+            <a:spLocks noChangeAspect="1" noChangeArrowheads="1"/>
+          </p:cNvSpPr>
+          <p:nvPr/>
+        </p:nvSpPr>
+        <p:spPr bwMode="auto">
+          <a:xfrm>
+            <a:off x="0" y="-144463"/>
+            <a:ext cx="304800" cy="304801"/>
+          </a:xfrm>
+          <a:prstGeom prst="rect">
+            <a:avLst/>
+          </a:prstGeom>
+          <a:noFill/>
+          <a:extLst>
+            <a:ext uri="{909E8E84-426E-40DD-AFC4-6F175D3DCCD1}">
+              <a14:hiddenFill xmlns:a14="http://schemas.microsoft.com/office/drawing/2010/main">
+                <a:solidFill>
+                  <a:srgbClr val="FFFFFF"/>
+                </a:solidFill>
+              </a14:hiddenFill>
+            </a:ext>
+          </a:extLst>
+        </p:spPr>
+        <p:txBody>
+          <a:bodyPr vert="horz" wrap="square" lIns="91440" tIns="45720" rIns="91440" bIns="45720" numCol="1" anchor="t" anchorCtr="0" compatLnSpc="1">
+            <a:prstTxWarp prst="textNoShape">
+              <a:avLst/>
+            </a:prstTxWarp>
+          </a:bodyPr>
+          <a:lstStyle/>
+          <a:p>
+            <a:endParaRPr lang="ko-KR" altLang="en-US"/>
+          </a:p>
+        </p:txBody>
+      </p:sp>
+      <p:sp>
+        <p:nvSpPr>
+          <p:cNvPr id="6" name="AutoShape 4" descr="wa2000에 대한 이미지 검색결과">
+            <a:hlinkClick r:id="rId2"/>
+          </p:cNvPr>
+          <p:cNvSpPr>
+            <a:spLocks noChangeAspect="1" noChangeArrowheads="1"/>
+          </p:cNvSpPr>
+          <p:nvPr/>
+        </p:nvSpPr>
+        <p:spPr bwMode="auto">
+          <a:xfrm>
+            <a:off x="38100" y="-822325"/>
+            <a:ext cx="5514975" cy="1714500"/>
+          </a:xfrm>
+          <a:prstGeom prst="rect">
+            <a:avLst/>
+          </a:prstGeom>
+          <a:noFill/>
+          <a:extLst>
+            <a:ext uri="{909E8E84-426E-40DD-AFC4-6F175D3DCCD1}">
+              <a14:hiddenFill xmlns:a14="http://schemas.microsoft.com/office/drawing/2010/main">
+                <a:solidFill>
+                  <a:srgbClr val="FFFFFF"/>
+                </a:solidFill>
+              </a14:hiddenFill>
+            </a:ext>
+          </a:extLst>
+        </p:spPr>
+        <p:txBody>
+          <a:bodyPr vert="horz" wrap="square" lIns="91440" tIns="45720" rIns="91440" bIns="45720" numCol="1" anchor="t" anchorCtr="0" compatLnSpc="1">
+            <a:prstTxWarp prst="textNoShape">
+              <a:avLst/>
+            </a:prstTxWarp>
+          </a:bodyPr>
+          <a:lstStyle/>
+          <a:p>
+            <a:endParaRPr lang="ko-KR" altLang="en-US"/>
+          </a:p>
+        </p:txBody>
+      </p:sp>
+      <p:pic>
+        <p:nvPicPr>
+          <p:cNvPr id="5125" name="Picture 5"/>
+          <p:cNvPicPr>
+            <a:picLocks noChangeAspect="1" noChangeArrowheads="1"/>
+          </p:cNvPicPr>
+          <p:nvPr/>
+        </p:nvPicPr>
+        <p:blipFill>
+          <a:blip r:embed="rId3">
+            <a:extLst>
+              <a:ext uri="{28A0092B-C50C-407E-A947-70E740481C1C}">
+                <a14:useLocalDpi xmlns:a14="http://schemas.microsoft.com/office/drawing/2010/main" val="0"/>
+              </a:ext>
+            </a:extLst>
+          </a:blip>
+          <a:srcRect/>
+          <a:stretch>
+            <a:fillRect/>
+          </a:stretch>
+        </p:blipFill>
+        <p:spPr bwMode="auto">
+          <a:xfrm>
+            <a:off x="2555776" y="1268760"/>
+            <a:ext cx="3838575" cy="1190625"/>
+          </a:xfrm>
+          <a:prstGeom prst="rect">
+            <a:avLst/>
+          </a:prstGeom>
+          <a:noFill/>
+          <a:ln>
+            <a:noFill/>
+          </a:ln>
+          <a:extLst>
+            <a:ext uri="{909E8E84-426E-40DD-AFC4-6F175D3DCCD1}">
+              <a14:hiddenFill xmlns:a14="http://schemas.microsoft.com/office/drawing/2010/main">
+                <a:solidFill>
+                  <a:schemeClr val="accent1"/>
+                </a:solidFill>
+              </a14:hiddenFill>
+            </a:ext>
+            <a:ext uri="{91240B29-F687-4F45-9708-019B960494DF}">
+              <a14:hiddenLine xmlns:a14="http://schemas.microsoft.com/office/drawing/2010/main" w="9525">
+                <a:solidFill>
+                  <a:schemeClr val="tx1"/>
+                </a:solidFill>
+                <a:miter lim="800000"/>
+                <a:headEnd/>
+                <a:tailEnd/>
+              </a14:hiddenLine>
+            </a:ext>
+          </a:extLst>
+        </p:spPr>
+      </p:pic>
+      <p:pic>
+        <p:nvPicPr>
+          <p:cNvPr id="5126" name="Picture 6"/>
+          <p:cNvPicPr>
+            <a:picLocks noChangeAspect="1" noChangeArrowheads="1"/>
+          </p:cNvPicPr>
+          <p:nvPr/>
+        </p:nvPicPr>
+        <p:blipFill>
+          <a:blip r:embed="rId4">
+            <a:extLst>
+              <a:ext uri="{28A0092B-C50C-407E-A947-70E740481C1C}">
+                <a14:useLocalDpi xmlns:a14="http://schemas.microsoft.com/office/drawing/2010/main" val="0"/>
+              </a:ext>
+            </a:extLst>
+          </a:blip>
+          <a:srcRect/>
+          <a:stretch>
+            <a:fillRect/>
+          </a:stretch>
+        </p:blipFill>
+        <p:spPr bwMode="auto">
+          <a:xfrm>
+            <a:off x="1979712" y="2464718"/>
+            <a:ext cx="4819650" cy="942975"/>
+          </a:xfrm>
+          <a:prstGeom prst="rect">
+            <a:avLst/>
+          </a:prstGeom>
+          <a:noFill/>
+          <a:ln>
+            <a:noFill/>
+          </a:ln>
+          <a:extLst>
+            <a:ext uri="{909E8E84-426E-40DD-AFC4-6F175D3DCCD1}">
+              <a14:hiddenFill xmlns:a14="http://schemas.microsoft.com/office/drawing/2010/main">
+                <a:solidFill>
+                  <a:schemeClr val="accent1"/>
+                </a:solidFill>
+              </a14:hiddenFill>
+            </a:ext>
+            <a:ext uri="{91240B29-F687-4F45-9708-019B960494DF}">
+              <a14:hiddenLine xmlns:a14="http://schemas.microsoft.com/office/drawing/2010/main" w="9525">
+                <a:solidFill>
+                  <a:schemeClr val="tx1"/>
+                </a:solidFill>
+                <a:miter lim="800000"/>
+                <a:headEnd/>
+                <a:tailEnd/>
+              </a14:hiddenLine>
+            </a:ext>
+          </a:extLst>
+        </p:spPr>
+      </p:pic>
+      <p:pic>
+        <p:nvPicPr>
+          <p:cNvPr id="5127" name="Picture 7"/>
+          <p:cNvPicPr>
+            <a:picLocks noChangeAspect="1" noChangeArrowheads="1"/>
+          </p:cNvPicPr>
+          <p:nvPr/>
+        </p:nvPicPr>
+        <p:blipFill>
+          <a:blip r:embed="rId5">
+            <a:extLst>
+              <a:ext uri="{28A0092B-C50C-407E-A947-70E740481C1C}">
+                <a14:useLocalDpi xmlns:a14="http://schemas.microsoft.com/office/drawing/2010/main" val="0"/>
+              </a:ext>
+            </a:extLst>
+          </a:blip>
+          <a:srcRect/>
+          <a:stretch>
+            <a:fillRect/>
+          </a:stretch>
+        </p:blipFill>
+        <p:spPr bwMode="auto">
+          <a:xfrm>
+            <a:off x="4498491" y="3717032"/>
+            <a:ext cx="2641476" cy="2280474"/>
+          </a:xfrm>
+          <a:prstGeom prst="rect">
+            <a:avLst/>
+          </a:prstGeom>
+          <a:noFill/>
+          <a:ln>
+            <a:noFill/>
+          </a:ln>
+          <a:extLst>
+            <a:ext uri="{909E8E84-426E-40DD-AFC4-6F175D3DCCD1}">
+              <a14:hiddenFill xmlns:a14="http://schemas.microsoft.com/office/drawing/2010/main">
+                <a:solidFill>
+                  <a:schemeClr val="accent1"/>
+                </a:solidFill>
+              </a14:hiddenFill>
+            </a:ext>
+            <a:ext uri="{91240B29-F687-4F45-9708-019B960494DF}">
+              <a14:hiddenLine xmlns:a14="http://schemas.microsoft.com/office/drawing/2010/main" w="9525">
+                <a:solidFill>
+                  <a:schemeClr val="tx1"/>
+                </a:solidFill>
+                <a:miter lim="800000"/>
+                <a:headEnd/>
+                <a:tailEnd/>
+              </a14:hiddenLine>
+            </a:ext>
+          </a:extLst>
+        </p:spPr>
+      </p:pic>
     </p:spTree>
     <p:extLst>
       <p:ext uri="{BB962C8B-B14F-4D97-AF65-F5344CB8AC3E}">
-        <p14:creationId xmlns:p14="http://schemas.microsoft.com/office/powerpoint/2010/main" val="2682462336"/>
+        <p14:creationId xmlns:p14="http://schemas.microsoft.com/office/powerpoint/2010/main" val="3728609453"/>
       </p:ext>
     </p:extLst>
   </p:cSld>
@@ -18365,16 +18983,23 @@
             <p:ph type="title"/>
           </p:nvPr>
         </p:nvSpPr>
-        <p:spPr/>
+        <p:spPr>
+          <a:xfrm>
+            <a:off x="430746" y="-315416"/>
+            <a:ext cx="8229600" cy="1143000"/>
+          </a:xfrm>
+        </p:spPr>
         <p:txBody>
-          <a:bodyPr>
-            <a:normAutofit/>
-          </a:bodyPr>
+          <a:bodyPr/>
           <a:lstStyle/>
           <a:p>
             <a:r>
               <a:rPr lang="ko-KR" altLang="en-US" dirty="0" smtClean="0"/>
-              <a:t>기타의견</a:t>
+              <a:t>기본총기</a:t>
+            </a:r>
+            <a:r>
+              <a:rPr lang="en-US" altLang="ko-KR" dirty="0" smtClean="0"/>
+              <a:t>(RF)</a:t>
             </a:r>
             <a:endParaRPr lang="ko-KR" altLang="en-US" dirty="0"/>
           </a:p>
@@ -18390,180 +19015,196 @@
             <p:ph idx="1"/>
           </p:nvPr>
         </p:nvSpPr>
-        <p:spPr/>
+        <p:spPr>
+          <a:xfrm>
+            <a:off x="467544" y="709117"/>
+            <a:ext cx="8229600" cy="5433467"/>
+          </a:xfrm>
+        </p:spPr>
         <p:txBody>
           <a:bodyPr>
-            <a:normAutofit/>
+            <a:noAutofit/>
           </a:bodyPr>
           <a:lstStyle/>
           <a:p>
-            <a:r>
-              <a:rPr lang="ko-KR" altLang="en-US" sz="1800" b="1" dirty="0" smtClean="0"/>
-              <a:t>마지막 스테이지 </a:t>
-            </a:r>
-            <a:r>
-              <a:rPr lang="ko-KR" altLang="en-US" sz="1800" b="1" dirty="0" err="1" smtClean="0"/>
-              <a:t>몬스터들간의</a:t>
-            </a:r>
-            <a:r>
-              <a:rPr lang="ko-KR" altLang="en-US" sz="1800" b="1" dirty="0" smtClean="0"/>
-              <a:t> 연관성이 별로 없는 것 같음</a:t>
-            </a:r>
-            <a:r>
-              <a:rPr lang="en-US" altLang="ko-KR" sz="1800" b="1" dirty="0" smtClean="0"/>
-              <a:t>.</a:t>
-            </a:r>
-          </a:p>
-          <a:p>
-            <a:r>
-              <a:rPr lang="en-US" altLang="ko-KR" sz="1800" b="1" dirty="0" smtClean="0"/>
-              <a:t>1,2,3,4</a:t>
-            </a:r>
-            <a:r>
-              <a:rPr lang="ko-KR" altLang="en-US" sz="1800" b="1" dirty="0" smtClean="0"/>
-              <a:t>스테이지는 </a:t>
-            </a:r>
-            <a:r>
-              <a:rPr lang="ko-KR" altLang="en-US" sz="1800" b="1" dirty="0" err="1" smtClean="0"/>
-              <a:t>컨셉이</a:t>
-            </a:r>
-            <a:r>
-              <a:rPr lang="ko-KR" altLang="en-US" sz="1800" b="1" dirty="0" smtClean="0"/>
-              <a:t> 서로 맞게 잘 된 것 같은데 마지막 스테이지는 서로 따로 노는 느낌이듬</a:t>
-            </a:r>
-            <a:endParaRPr lang="en-US" altLang="ko-KR" sz="1800" b="1" dirty="0"/>
-          </a:p>
-          <a:p>
-            <a:r>
-              <a:rPr lang="en-US" altLang="ko-KR" sz="1800" b="1" dirty="0" smtClean="0"/>
-              <a:t> </a:t>
-            </a:r>
-            <a:r>
-              <a:rPr lang="ko-KR" altLang="en-US" sz="1800" b="1" dirty="0" smtClean="0"/>
-              <a:t>차라리 요원스테이지 </a:t>
-            </a:r>
-            <a:r>
-              <a:rPr lang="ko-KR" altLang="en-US" sz="1800" b="1" dirty="0" err="1" smtClean="0"/>
-              <a:t>군인스테이지롤</a:t>
-            </a:r>
-            <a:r>
-              <a:rPr lang="ko-KR" altLang="en-US" sz="1800" b="1" dirty="0" smtClean="0"/>
-              <a:t> </a:t>
-            </a:r>
-            <a:r>
-              <a:rPr lang="ko-KR" altLang="en-US" sz="1800" b="1" dirty="0" err="1" smtClean="0"/>
-              <a:t>나누는것이</a:t>
-            </a:r>
-            <a:r>
-              <a:rPr lang="ko-KR" altLang="en-US" sz="1800" b="1" dirty="0" smtClean="0"/>
-              <a:t> </a:t>
-            </a:r>
-            <a:r>
-              <a:rPr lang="ko-KR" altLang="en-US" sz="1800" b="1" dirty="0" err="1" smtClean="0"/>
-              <a:t>좋을것같음</a:t>
-            </a:r>
-            <a:endParaRPr lang="en-US" altLang="ko-KR" sz="1800" b="1" dirty="0" smtClean="0"/>
-          </a:p>
-          <a:p>
-            <a:r>
-              <a:rPr lang="ko-KR" altLang="en-US" sz="1800" b="1" dirty="0" smtClean="0"/>
-              <a:t>군인스테이지에 기본 보병 추가 </a:t>
-            </a:r>
-            <a:r>
-              <a:rPr lang="en-US" altLang="ko-KR" sz="1800" b="1" dirty="0" smtClean="0"/>
-              <a:t>+ </a:t>
-            </a:r>
-            <a:r>
-              <a:rPr lang="ko-KR" altLang="en-US" sz="1800" b="1" dirty="0" err="1" smtClean="0"/>
-              <a:t>기존에있던</a:t>
-            </a:r>
-            <a:r>
-              <a:rPr lang="ko-KR" altLang="en-US" sz="1800" b="1" dirty="0" smtClean="0"/>
-              <a:t> </a:t>
-            </a:r>
-            <a:r>
-              <a:rPr lang="ko-KR" altLang="en-US" sz="1800" b="1" dirty="0" err="1" smtClean="0"/>
-              <a:t>대포병</a:t>
-            </a:r>
-            <a:r>
-              <a:rPr lang="en-US" altLang="ko-KR" sz="1800" b="1" dirty="0" smtClean="0"/>
-              <a:t>,</a:t>
-            </a:r>
-            <a:r>
-              <a:rPr lang="ko-KR" altLang="en-US" sz="1800" b="1" dirty="0" smtClean="0"/>
-              <a:t>저격수</a:t>
-            </a:r>
-            <a:r>
-              <a:rPr lang="en-US" altLang="ko-KR" sz="1800" b="1" dirty="0" smtClean="0"/>
-              <a:t>,</a:t>
-            </a:r>
-            <a:r>
-              <a:rPr lang="ko-KR" altLang="en-US" sz="1800" b="1" dirty="0" err="1" smtClean="0"/>
-              <a:t>포탑짓는애</a:t>
-            </a:r>
-            <a:r>
-              <a:rPr lang="ko-KR" altLang="en-US" sz="1800" b="1" dirty="0" smtClean="0"/>
-              <a:t> 사용</a:t>
-            </a:r>
-            <a:endParaRPr lang="en-US" altLang="ko-KR" sz="1800" b="1" dirty="0" smtClean="0"/>
-          </a:p>
-          <a:p>
-            <a:r>
-              <a:rPr lang="ko-KR" altLang="en-US" sz="1800" b="1" dirty="0" smtClean="0"/>
-              <a:t>요원스테이지에 쌍권총요원 </a:t>
-            </a:r>
-            <a:r>
-              <a:rPr lang="en-US" altLang="ko-KR" sz="1800" b="1" dirty="0" smtClean="0"/>
-              <a:t>+ </a:t>
-            </a:r>
-            <a:r>
-              <a:rPr lang="ko-KR" altLang="en-US" sz="1800" b="1" dirty="0" smtClean="0"/>
-              <a:t>암살자 </a:t>
-            </a:r>
-            <a:r>
-              <a:rPr lang="en-US" altLang="ko-KR" sz="1800" b="1" dirty="0" smtClean="0"/>
-              <a:t>+ </a:t>
-            </a:r>
-            <a:r>
-              <a:rPr lang="ko-KR" altLang="en-US" sz="1800" b="1" dirty="0" smtClean="0"/>
-              <a:t>기타요원</a:t>
-            </a:r>
-            <a:r>
-              <a:rPr lang="en-US" altLang="ko-KR" sz="1800" b="1" dirty="0" smtClean="0"/>
-              <a:t>2</a:t>
-            </a:r>
-            <a:r>
-              <a:rPr lang="ko-KR" altLang="en-US" sz="1800" b="1" dirty="0" smtClean="0"/>
-              <a:t>개 </a:t>
-            </a:r>
-            <a:r>
-              <a:rPr lang="ko-KR" altLang="en-US" sz="1800" b="1" dirty="0" err="1" smtClean="0"/>
-              <a:t>이런식으로</a:t>
-            </a:r>
-            <a:r>
-              <a:rPr lang="ko-KR" altLang="en-US" sz="1800" b="1" dirty="0" smtClean="0"/>
-              <a:t> </a:t>
-            </a:r>
-            <a:r>
-              <a:rPr lang="ko-KR" altLang="en-US" sz="1800" b="1" dirty="0" err="1" smtClean="0"/>
-              <a:t>하는것이</a:t>
-            </a:r>
-            <a:r>
-              <a:rPr lang="ko-KR" altLang="en-US" sz="1800" b="1" dirty="0" smtClean="0"/>
-              <a:t> </a:t>
-            </a:r>
-            <a:r>
-              <a:rPr lang="ko-KR" altLang="en-US" sz="1800" b="1" dirty="0" err="1" smtClean="0"/>
-              <a:t>좋아보임</a:t>
-            </a:r>
-            <a:endParaRPr lang="en-US" altLang="ko-KR" sz="1800" b="1" dirty="0" smtClean="0"/>
+            <a:endParaRPr lang="en-US" altLang="ko-KR" sz="2400" dirty="0" smtClean="0"/>
+          </a:p>
+          <a:p>
+            <a:endParaRPr lang="en-US" altLang="ko-KR" sz="2400" dirty="0" smtClean="0"/>
+          </a:p>
+          <a:p>
+            <a:r>
+              <a:rPr lang="en-US" altLang="ko-KR" sz="2400" dirty="0" smtClean="0"/>
+              <a:t>kar98k</a:t>
+            </a:r>
+          </a:p>
+          <a:p>
+            <a:endParaRPr lang="en-US" altLang="ko-KR" sz="2400" dirty="0"/>
+          </a:p>
+          <a:p>
+            <a:endParaRPr lang="en-US" altLang="ko-KR" sz="2400" dirty="0" smtClean="0"/>
+          </a:p>
+          <a:p>
+            <a:endParaRPr lang="en-US" altLang="ko-KR" sz="2400" dirty="0"/>
+          </a:p>
+          <a:p>
+            <a:endParaRPr lang="en-US" altLang="ko-KR" sz="2400" dirty="0"/>
+          </a:p>
+          <a:p>
+            <a:endParaRPr lang="en-US" altLang="ko-KR" sz="2400" dirty="0" smtClean="0"/>
+          </a:p>
+          <a:p>
+            <a:endParaRPr lang="en-US" altLang="ko-KR" sz="2400" dirty="0" smtClean="0"/>
+          </a:p>
+          <a:p>
+            <a:endParaRPr lang="en-US" altLang="ko-KR" sz="2400" dirty="0"/>
+          </a:p>
+          <a:p>
+            <a:endParaRPr lang="en-US" altLang="ko-KR" sz="2400" dirty="0" smtClean="0"/>
+          </a:p>
+          <a:p>
+            <a:endParaRPr lang="en-US" altLang="ko-KR" sz="2400" dirty="0" smtClean="0"/>
           </a:p>
         </p:txBody>
       </p:sp>
+      <p:sp>
+        <p:nvSpPr>
+          <p:cNvPr id="4" name="AutoShape 2" descr="pixel headphone에 대한 이미지 검색결과"/>
+          <p:cNvSpPr>
+            <a:spLocks noChangeAspect="1" noChangeArrowheads="1"/>
+          </p:cNvSpPr>
+          <p:nvPr/>
+        </p:nvSpPr>
+        <p:spPr bwMode="auto">
+          <a:xfrm>
+            <a:off x="0" y="-144463"/>
+            <a:ext cx="304800" cy="304801"/>
+          </a:xfrm>
+          <a:prstGeom prst="rect">
+            <a:avLst/>
+          </a:prstGeom>
+          <a:noFill/>
+          <a:extLst>
+            <a:ext uri="{909E8E84-426E-40DD-AFC4-6F175D3DCCD1}">
+              <a14:hiddenFill xmlns:a14="http://schemas.microsoft.com/office/drawing/2010/main">
+                <a:solidFill>
+                  <a:srgbClr val="FFFFFF"/>
+                </a:solidFill>
+              </a14:hiddenFill>
+            </a:ext>
+          </a:extLst>
+        </p:spPr>
+        <p:txBody>
+          <a:bodyPr vert="horz" wrap="square" lIns="91440" tIns="45720" rIns="91440" bIns="45720" numCol="1" anchor="t" anchorCtr="0" compatLnSpc="1">
+            <a:prstTxWarp prst="textNoShape">
+              <a:avLst/>
+            </a:prstTxWarp>
+          </a:bodyPr>
+          <a:lstStyle/>
+          <a:p>
+            <a:endParaRPr lang="ko-KR" altLang="en-US"/>
+          </a:p>
+        </p:txBody>
+      </p:sp>
+      <p:sp>
+        <p:nvSpPr>
+          <p:cNvPr id="6" name="AutoShape 4" descr="wa2000에 대한 이미지 검색결과">
+            <a:hlinkClick r:id="rId2"/>
+          </p:cNvPr>
+          <p:cNvSpPr>
+            <a:spLocks noChangeAspect="1" noChangeArrowheads="1"/>
+          </p:cNvSpPr>
+          <p:nvPr/>
+        </p:nvSpPr>
+        <p:spPr bwMode="auto">
+          <a:xfrm>
+            <a:off x="38100" y="-822325"/>
+            <a:ext cx="5514975" cy="1714500"/>
+          </a:xfrm>
+          <a:prstGeom prst="rect">
+            <a:avLst/>
+          </a:prstGeom>
+          <a:noFill/>
+          <a:extLst>
+            <a:ext uri="{909E8E84-426E-40DD-AFC4-6F175D3DCCD1}">
+              <a14:hiddenFill xmlns:a14="http://schemas.microsoft.com/office/drawing/2010/main">
+                <a:solidFill>
+                  <a:srgbClr val="FFFFFF"/>
+                </a:solidFill>
+              </a14:hiddenFill>
+            </a:ext>
+          </a:extLst>
+        </p:spPr>
+        <p:txBody>
+          <a:bodyPr vert="horz" wrap="square" lIns="91440" tIns="45720" rIns="91440" bIns="45720" numCol="1" anchor="t" anchorCtr="0" compatLnSpc="1">
+            <a:prstTxWarp prst="textNoShape">
+              <a:avLst/>
+            </a:prstTxWarp>
+          </a:bodyPr>
+          <a:lstStyle/>
+          <a:p>
+            <a:endParaRPr lang="ko-KR" altLang="en-US"/>
+          </a:p>
+        </p:txBody>
+      </p:sp>
+      <p:pic>
+        <p:nvPicPr>
+          <p:cNvPr id="5128" name="Picture 8"/>
+          <p:cNvPicPr>
+            <a:picLocks noChangeAspect="1" noChangeArrowheads="1"/>
+          </p:cNvPicPr>
+          <p:nvPr/>
+        </p:nvPicPr>
+        <p:blipFill>
+          <a:blip r:embed="rId3">
+            <a:extLst>
+              <a:ext uri="{28A0092B-C50C-407E-A947-70E740481C1C}">
+                <a14:useLocalDpi xmlns:a14="http://schemas.microsoft.com/office/drawing/2010/main" val="0"/>
+              </a:ext>
+            </a:extLst>
+          </a:blip>
+          <a:srcRect/>
+          <a:stretch>
+            <a:fillRect/>
+          </a:stretch>
+        </p:blipFill>
+        <p:spPr bwMode="auto">
+          <a:xfrm>
+            <a:off x="2562647" y="1412776"/>
+            <a:ext cx="4629150" cy="990600"/>
+          </a:xfrm>
+          <a:prstGeom prst="rect">
+            <a:avLst/>
+          </a:prstGeom>
+          <a:noFill/>
+          <a:ln>
+            <a:noFill/>
+          </a:ln>
+          <a:extLst>
+            <a:ext uri="{909E8E84-426E-40DD-AFC4-6F175D3DCCD1}">
+              <a14:hiddenFill xmlns:a14="http://schemas.microsoft.com/office/drawing/2010/main">
+                <a:solidFill>
+                  <a:schemeClr val="accent1"/>
+                </a:solidFill>
+              </a14:hiddenFill>
+            </a:ext>
+            <a:ext uri="{91240B29-F687-4F45-9708-019B960494DF}">
+              <a14:hiddenLine xmlns:a14="http://schemas.microsoft.com/office/drawing/2010/main" w="9525">
+                <a:solidFill>
+                  <a:schemeClr val="tx1"/>
+                </a:solidFill>
+                <a:miter lim="800000"/>
+                <a:headEnd/>
+                <a:tailEnd/>
+              </a14:hiddenLine>
+            </a:ext>
+          </a:extLst>
+        </p:spPr>
+      </p:pic>
     </p:spTree>
     <p:extLst>
       <p:ext uri="{BB962C8B-B14F-4D97-AF65-F5344CB8AC3E}">
-        <p14:creationId xmlns:p14="http://schemas.microsoft.com/office/powerpoint/2010/main" val="1552690130"/>
+        <p14:creationId xmlns:p14="http://schemas.microsoft.com/office/powerpoint/2010/main" val="490177949"/>
       </p:ext>
     </p:extLst>
   </p:cSld>
@@ -18600,16 +19241,23 @@
             <p:ph type="title"/>
           </p:nvPr>
         </p:nvSpPr>
-        <p:spPr/>
+        <p:spPr>
+          <a:xfrm>
+            <a:off x="430746" y="-315416"/>
+            <a:ext cx="8229600" cy="1143000"/>
+          </a:xfrm>
+        </p:spPr>
         <p:txBody>
-          <a:bodyPr>
-            <a:normAutofit/>
-          </a:bodyPr>
+          <a:bodyPr/>
           <a:lstStyle/>
           <a:p>
             <a:r>
               <a:rPr lang="ko-KR" altLang="en-US" dirty="0" smtClean="0"/>
-              <a:t>기타의견</a:t>
+              <a:t>기본총기</a:t>
+            </a:r>
+            <a:r>
+              <a:rPr lang="en-US" altLang="ko-KR" dirty="0" smtClean="0"/>
+              <a:t>(SG)</a:t>
             </a:r>
             <a:endParaRPr lang="ko-KR" altLang="en-US" dirty="0"/>
           </a:p>
@@ -18627,329 +19275,373 @@
         </p:nvSpPr>
         <p:spPr>
           <a:xfrm>
-            <a:off x="-108520" y="1412776"/>
-            <a:ext cx="9613576" cy="5301208"/>
+            <a:off x="467544" y="709117"/>
+            <a:ext cx="8229600" cy="5433467"/>
           </a:xfrm>
         </p:spPr>
         <p:txBody>
           <a:bodyPr>
-            <a:normAutofit/>
+            <a:noAutofit/>
           </a:bodyPr>
           <a:lstStyle/>
           <a:p>
-            <a:r>
-              <a:rPr lang="ko-KR" altLang="en-US" sz="1800" b="1" dirty="0" err="1" smtClean="0"/>
-              <a:t>스테이지별</a:t>
-            </a:r>
-            <a:r>
-              <a:rPr lang="ko-KR" altLang="en-US" sz="1800" b="1" dirty="0" smtClean="0"/>
-              <a:t> </a:t>
-            </a:r>
-            <a:r>
-              <a:rPr lang="ko-KR" altLang="en-US" sz="1800" b="1" dirty="0" err="1" smtClean="0"/>
-              <a:t>몬스터</a:t>
-            </a:r>
-            <a:r>
-              <a:rPr lang="ko-KR" altLang="en-US" sz="1800" b="1" dirty="0" smtClean="0"/>
-              <a:t> 기본패턴은 기본적으로 </a:t>
-            </a:r>
-            <a:r>
-              <a:rPr lang="en-US" altLang="ko-KR" sz="1800" b="1" dirty="0" smtClean="0"/>
-              <a:t> </a:t>
-            </a:r>
-          </a:p>
-          <a:p>
-            <a:r>
-              <a:rPr lang="ko-KR" altLang="en-US" sz="1800" b="1" dirty="0" err="1" smtClean="0"/>
-              <a:t>쉬운근접</a:t>
-            </a:r>
-            <a:r>
-              <a:rPr lang="ko-KR" altLang="en-US" sz="1800" b="1" dirty="0" smtClean="0"/>
-              <a:t> </a:t>
-            </a:r>
-            <a:endParaRPr lang="en-US" altLang="ko-KR" sz="1800" b="1" dirty="0" smtClean="0"/>
-          </a:p>
-          <a:p>
-            <a:r>
-              <a:rPr lang="ko-KR" altLang="en-US" sz="1800" b="1" dirty="0" err="1" smtClean="0"/>
-              <a:t>어려운근접</a:t>
-            </a:r>
-            <a:endParaRPr lang="en-US" altLang="ko-KR" sz="1800" b="1" dirty="0" smtClean="0"/>
-          </a:p>
-          <a:p>
-            <a:r>
-              <a:rPr lang="ko-KR" altLang="en-US" sz="1800" b="1" dirty="0" err="1" smtClean="0"/>
-              <a:t>쉬운원거리</a:t>
-            </a:r>
-            <a:endParaRPr lang="en-US" altLang="ko-KR" sz="1800" b="1" dirty="0" smtClean="0"/>
-          </a:p>
-          <a:p>
-            <a:r>
-              <a:rPr lang="ko-KR" altLang="en-US" sz="1800" b="1" dirty="0" err="1" smtClean="0"/>
-              <a:t>어려운원거리로</a:t>
-            </a:r>
-            <a:r>
-              <a:rPr lang="ko-KR" altLang="en-US" sz="1800" b="1" dirty="0" smtClean="0"/>
-              <a:t> 구성</a:t>
-            </a:r>
-            <a:endParaRPr lang="en-US" altLang="ko-KR" sz="1800" b="1" dirty="0" smtClean="0"/>
-          </a:p>
-          <a:p>
-            <a:endParaRPr lang="en-US" altLang="ko-KR" sz="1800" b="1" dirty="0" smtClean="0"/>
-          </a:p>
-          <a:p>
-            <a:r>
-              <a:rPr lang="ko-KR" altLang="en-US" sz="1800" b="1" dirty="0" smtClean="0"/>
-              <a:t>패턴은 스테이지마다 전부 다르게</a:t>
-            </a:r>
-            <a:endParaRPr lang="en-US" altLang="ko-KR" sz="1800" b="1" dirty="0" smtClean="0"/>
-          </a:p>
-          <a:p>
-            <a:endParaRPr lang="en-US" altLang="ko-KR" sz="1800" b="1" dirty="0" smtClean="0"/>
-          </a:p>
-          <a:p>
-            <a:r>
-              <a:rPr lang="ko-KR" altLang="en-US" sz="1800" b="1" dirty="0" err="1" smtClean="0"/>
-              <a:t>쉬운패턴의</a:t>
-            </a:r>
-            <a:r>
-              <a:rPr lang="ko-KR" altLang="en-US" sz="1800" b="1" dirty="0" smtClean="0"/>
-              <a:t> 정도 </a:t>
-            </a:r>
-            <a:endParaRPr lang="en-US" altLang="ko-KR" sz="1800" b="1" dirty="0" smtClean="0"/>
-          </a:p>
-          <a:p>
-            <a:r>
-              <a:rPr lang="en-US" altLang="ko-KR" sz="1800" b="1" dirty="0" smtClean="0"/>
-              <a:t>(</a:t>
-            </a:r>
-            <a:r>
-              <a:rPr lang="ko-KR" altLang="en-US" sz="1800" b="1" dirty="0" smtClean="0"/>
-              <a:t>원거리 </a:t>
-            </a:r>
-            <a:r>
-              <a:rPr lang="en-US" altLang="ko-KR" sz="1800" b="1" dirty="0" smtClean="0"/>
-              <a:t>: </a:t>
-            </a:r>
-            <a:r>
-              <a:rPr lang="ko-KR" altLang="en-US" sz="1800" b="1" dirty="0" smtClean="0"/>
-              <a:t>누구는 총알 빠르게 </a:t>
-            </a:r>
-            <a:r>
-              <a:rPr lang="en-US" altLang="ko-KR" sz="1800" b="1" dirty="0" smtClean="0"/>
-              <a:t>1</a:t>
-            </a:r>
-            <a:r>
-              <a:rPr lang="ko-KR" altLang="en-US" sz="1800" b="1" dirty="0" err="1" smtClean="0"/>
-              <a:t>발씩쏘고</a:t>
-            </a:r>
-            <a:r>
-              <a:rPr lang="ko-KR" altLang="en-US" sz="1800" b="1" dirty="0" smtClean="0"/>
-              <a:t> 누구는 총알 느리게 </a:t>
-            </a:r>
-            <a:r>
-              <a:rPr lang="en-US" altLang="ko-KR" sz="1800" b="1" dirty="0" smtClean="0"/>
-              <a:t>3</a:t>
-            </a:r>
-            <a:r>
-              <a:rPr lang="ko-KR" altLang="en-US" sz="1800" b="1" dirty="0" smtClean="0"/>
-              <a:t>발씩 쏘고 이정도</a:t>
-            </a:r>
-            <a:r>
-              <a:rPr lang="en-US" altLang="ko-KR" sz="1800" b="1" dirty="0" smtClean="0"/>
-              <a:t>)</a:t>
-            </a:r>
-          </a:p>
-          <a:p>
-            <a:r>
-              <a:rPr lang="en-US" altLang="ko-KR" sz="1800" b="1" dirty="0" smtClean="0"/>
-              <a:t>(</a:t>
-            </a:r>
-            <a:r>
-              <a:rPr lang="ko-KR" altLang="en-US" sz="1800" b="1" dirty="0" smtClean="0"/>
-              <a:t>근거리 </a:t>
-            </a:r>
-            <a:r>
-              <a:rPr lang="en-US" altLang="ko-KR" sz="1800" b="1" dirty="0" smtClean="0"/>
-              <a:t>: </a:t>
-            </a:r>
-            <a:r>
-              <a:rPr lang="ko-KR" altLang="en-US" sz="1800" b="1" dirty="0" err="1" smtClean="0"/>
-              <a:t>가까이와서</a:t>
-            </a:r>
-            <a:r>
-              <a:rPr lang="ko-KR" altLang="en-US" sz="1800" b="1" dirty="0" smtClean="0"/>
-              <a:t> 때리기</a:t>
-            </a:r>
-            <a:r>
-              <a:rPr lang="en-US" altLang="ko-KR" sz="1800" b="1" dirty="0" smtClean="0"/>
-              <a:t>,</a:t>
-            </a:r>
-            <a:r>
-              <a:rPr lang="ko-KR" altLang="en-US" sz="1800" b="1" dirty="0"/>
-              <a:t> </a:t>
-            </a:r>
-            <a:r>
-              <a:rPr lang="ko-KR" altLang="en-US" sz="1800" b="1" dirty="0" smtClean="0"/>
-              <a:t>좀더 먼 거리에서 </a:t>
-            </a:r>
-            <a:r>
-              <a:rPr lang="ko-KR" altLang="en-US" sz="1800" b="1" dirty="0" err="1" smtClean="0"/>
-              <a:t>대쉬를</a:t>
-            </a:r>
-            <a:r>
-              <a:rPr lang="ko-KR" altLang="en-US" sz="1800" b="1" dirty="0" smtClean="0"/>
-              <a:t> 해서 공격을 </a:t>
-            </a:r>
-            <a:r>
-              <a:rPr lang="ko-KR" altLang="en-US" sz="1800" b="1" dirty="0" err="1" smtClean="0"/>
-              <a:t>한다던지</a:t>
-            </a:r>
-            <a:r>
-              <a:rPr lang="en-US" altLang="ko-KR" sz="1800" b="1" dirty="0" smtClean="0"/>
-              <a:t>)</a:t>
-            </a:r>
-          </a:p>
-          <a:p>
-            <a:r>
-              <a:rPr lang="ko-KR" altLang="en-US" sz="1800" b="1" dirty="0" err="1" smtClean="0"/>
-              <a:t>어려운패턴의</a:t>
-            </a:r>
-            <a:r>
-              <a:rPr lang="ko-KR" altLang="en-US" sz="1800" b="1" dirty="0" smtClean="0"/>
-              <a:t> 정도</a:t>
-            </a:r>
-            <a:endParaRPr lang="en-US" altLang="ko-KR" sz="1800" b="1" dirty="0" smtClean="0"/>
-          </a:p>
-          <a:p>
-            <a:r>
-              <a:rPr lang="en-US" altLang="ko-KR" sz="1800" b="1" dirty="0" smtClean="0"/>
-              <a:t>(</a:t>
-            </a:r>
-            <a:r>
-              <a:rPr lang="ko-KR" altLang="en-US" sz="1800" b="1" dirty="0" smtClean="0"/>
-              <a:t>원거리 </a:t>
-            </a:r>
-            <a:r>
-              <a:rPr lang="en-US" altLang="ko-KR" sz="1800" b="1" dirty="0" smtClean="0"/>
-              <a:t>:</a:t>
-            </a:r>
-            <a:r>
-              <a:rPr lang="ko-KR" altLang="en-US" sz="1800" b="1" dirty="0" smtClean="0"/>
-              <a:t>총알을 </a:t>
-            </a:r>
-            <a:r>
-              <a:rPr lang="ko-KR" altLang="en-US" sz="1800" b="1" dirty="0" err="1" smtClean="0"/>
-              <a:t>여러방향으로</a:t>
-            </a:r>
-            <a:r>
-              <a:rPr lang="ko-KR" altLang="en-US" sz="1800" b="1" dirty="0" smtClean="0"/>
-              <a:t> </a:t>
-            </a:r>
-            <a:r>
-              <a:rPr lang="ko-KR" altLang="en-US" sz="1800" b="1" dirty="0" err="1" smtClean="0"/>
-              <a:t>쏜다던지</a:t>
-            </a:r>
-            <a:r>
-              <a:rPr lang="ko-KR" altLang="en-US" sz="1800" b="1" dirty="0" smtClean="0"/>
-              <a:t> </a:t>
-            </a:r>
-            <a:r>
-              <a:rPr lang="ko-KR" altLang="en-US" sz="1800" b="1" dirty="0" err="1" smtClean="0"/>
-              <a:t>특수탄</a:t>
-            </a:r>
-            <a:r>
-              <a:rPr lang="en-US" altLang="ko-KR" sz="1800" b="1" dirty="0" smtClean="0"/>
-              <a:t>(</a:t>
-            </a:r>
-            <a:r>
-              <a:rPr lang="ko-KR" altLang="en-US" sz="1800" b="1" dirty="0" err="1" smtClean="0"/>
-              <a:t>벽에맞으면</a:t>
-            </a:r>
-            <a:r>
-              <a:rPr lang="ko-KR" altLang="en-US" sz="1800" b="1" dirty="0" smtClean="0"/>
-              <a:t> 튕기거나 중독</a:t>
-            </a:r>
-            <a:r>
-              <a:rPr lang="en-US" altLang="ko-KR" sz="1800" b="1" dirty="0" smtClean="0"/>
-              <a:t>,</a:t>
-            </a:r>
-            <a:r>
-              <a:rPr lang="ko-KR" altLang="en-US" sz="1800" b="1" dirty="0" smtClean="0"/>
-              <a:t>화상의 효과</a:t>
-            </a:r>
-            <a:r>
-              <a:rPr lang="en-US" altLang="ko-KR" sz="1800" b="1" dirty="0" smtClean="0"/>
-              <a:t>),</a:t>
-            </a:r>
-            <a:r>
-              <a:rPr lang="ko-KR" altLang="en-US" sz="1800" b="1" dirty="0" err="1" smtClean="0"/>
-              <a:t>수류탄등등을</a:t>
-            </a:r>
-            <a:r>
-              <a:rPr lang="ko-KR" altLang="en-US" sz="1800" b="1" dirty="0" smtClean="0"/>
-              <a:t> 사용</a:t>
-            </a:r>
-            <a:r>
-              <a:rPr lang="en-US" altLang="ko-KR" sz="1800" b="1" dirty="0" smtClean="0"/>
-              <a:t>)</a:t>
-            </a:r>
-          </a:p>
-          <a:p>
-            <a:r>
-              <a:rPr lang="en-US" altLang="ko-KR" sz="1800" b="1" dirty="0" smtClean="0"/>
-              <a:t>(</a:t>
-            </a:r>
-            <a:r>
-              <a:rPr lang="ko-KR" altLang="en-US" sz="1800" b="1" dirty="0" smtClean="0"/>
-              <a:t>근거리 </a:t>
-            </a:r>
-            <a:r>
-              <a:rPr lang="en-US" altLang="ko-KR" sz="1800" b="1" dirty="0" smtClean="0"/>
-              <a:t>: </a:t>
-            </a:r>
-            <a:r>
-              <a:rPr lang="ko-KR" altLang="en-US" sz="1800" b="1" dirty="0" smtClean="0"/>
-              <a:t>위장</a:t>
-            </a:r>
-            <a:r>
-              <a:rPr lang="en-US" altLang="ko-KR" sz="1800" b="1" dirty="0" smtClean="0"/>
-              <a:t>,</a:t>
-            </a:r>
-            <a:r>
-              <a:rPr lang="ko-KR" altLang="en-US" sz="1800" b="1" dirty="0" smtClean="0"/>
-              <a:t>은신</a:t>
-            </a:r>
-            <a:r>
-              <a:rPr lang="en-US" altLang="ko-KR" sz="1800" b="1" dirty="0" smtClean="0"/>
-              <a:t>,</a:t>
-            </a:r>
-            <a:r>
-              <a:rPr lang="ko-KR" altLang="en-US" sz="1800" b="1" dirty="0" smtClean="0"/>
-              <a:t>방패사용</a:t>
-            </a:r>
-            <a:r>
-              <a:rPr lang="en-US" altLang="ko-KR" sz="1800" b="1" dirty="0" smtClean="0"/>
-              <a:t>,</a:t>
-            </a:r>
-            <a:r>
-              <a:rPr lang="ko-KR" altLang="en-US" sz="1800" b="1" dirty="0" smtClean="0"/>
-              <a:t>등등 기본근거리 </a:t>
-            </a:r>
-            <a:r>
-              <a:rPr lang="en-US" altLang="ko-KR" sz="1800" b="1" dirty="0" smtClean="0"/>
-              <a:t>+ @)</a:t>
-            </a:r>
-          </a:p>
-          <a:p>
-            <a:endParaRPr lang="en-US" altLang="ko-KR" sz="1800" b="1" dirty="0" smtClean="0"/>
+            <a:endParaRPr lang="en-US" altLang="ko-KR" sz="2400" dirty="0" smtClean="0"/>
+          </a:p>
+          <a:p>
+            <a:endParaRPr lang="en-US" altLang="ko-KR" sz="2400" dirty="0" smtClean="0"/>
+          </a:p>
+          <a:p>
+            <a:r>
+              <a:rPr lang="en-US" altLang="ko-KR" sz="2400" dirty="0" smtClean="0"/>
+              <a:t>m1897</a:t>
+            </a:r>
+          </a:p>
+          <a:p>
+            <a:endParaRPr lang="en-US" altLang="ko-KR" sz="2400" dirty="0"/>
+          </a:p>
+          <a:p>
+            <a:endParaRPr lang="en-US" altLang="ko-KR" sz="2400" dirty="0" smtClean="0"/>
+          </a:p>
+          <a:p>
+            <a:r>
+              <a:rPr lang="en-US" altLang="ko-KR" sz="2400" dirty="0" smtClean="0"/>
+              <a:t>Saiga-12</a:t>
+            </a:r>
+          </a:p>
+          <a:p>
+            <a:endParaRPr lang="en-US" altLang="ko-KR" sz="2400" dirty="0"/>
+          </a:p>
+          <a:p>
+            <a:endParaRPr lang="en-US" altLang="ko-KR" sz="2400" dirty="0" smtClean="0"/>
+          </a:p>
+          <a:p>
+            <a:r>
+              <a:rPr lang="en-US" altLang="ko-KR" sz="2400" dirty="0" smtClean="0"/>
+              <a:t>KSG</a:t>
+            </a:r>
+          </a:p>
+          <a:p>
+            <a:endParaRPr lang="en-US" altLang="ko-KR" sz="2400" dirty="0"/>
+          </a:p>
+          <a:p>
+            <a:r>
+              <a:rPr lang="en-US" altLang="ko-KR" sz="2400" dirty="0" err="1" smtClean="0"/>
+              <a:t>SuperShorty</a:t>
+            </a:r>
+            <a:endParaRPr lang="en-US" altLang="ko-KR" sz="2400" dirty="0" smtClean="0"/>
+          </a:p>
+          <a:p>
+            <a:endParaRPr lang="en-US" altLang="ko-KR" sz="2400" dirty="0" smtClean="0"/>
+          </a:p>
+          <a:p>
+            <a:endParaRPr lang="en-US" altLang="ko-KR" sz="2400" dirty="0" smtClean="0"/>
+          </a:p>
+          <a:p>
+            <a:endParaRPr lang="en-US" altLang="ko-KR" sz="2400" dirty="0" smtClean="0"/>
+          </a:p>
+          <a:p>
+            <a:endParaRPr lang="en-US" altLang="ko-KR" sz="2400" dirty="0" smtClean="0"/>
+          </a:p>
+          <a:p>
+            <a:endParaRPr lang="en-US" altLang="ko-KR" sz="2400" dirty="0"/>
+          </a:p>
+          <a:p>
+            <a:endParaRPr lang="en-US" altLang="ko-KR" sz="2400" dirty="0" smtClean="0"/>
+          </a:p>
+          <a:p>
+            <a:endParaRPr lang="en-US" altLang="ko-KR" sz="2400" dirty="0" smtClean="0"/>
           </a:p>
         </p:txBody>
       </p:sp>
+      <p:sp>
+        <p:nvSpPr>
+          <p:cNvPr id="4" name="AutoShape 2" descr="pixel headphone에 대한 이미지 검색결과"/>
+          <p:cNvSpPr>
+            <a:spLocks noChangeAspect="1" noChangeArrowheads="1"/>
+          </p:cNvSpPr>
+          <p:nvPr/>
+        </p:nvSpPr>
+        <p:spPr bwMode="auto">
+          <a:xfrm>
+            <a:off x="0" y="-144463"/>
+            <a:ext cx="304800" cy="304801"/>
+          </a:xfrm>
+          <a:prstGeom prst="rect">
+            <a:avLst/>
+          </a:prstGeom>
+          <a:noFill/>
+          <a:extLst>
+            <a:ext uri="{909E8E84-426E-40DD-AFC4-6F175D3DCCD1}">
+              <a14:hiddenFill xmlns:a14="http://schemas.microsoft.com/office/drawing/2010/main">
+                <a:solidFill>
+                  <a:srgbClr val="FFFFFF"/>
+                </a:solidFill>
+              </a14:hiddenFill>
+            </a:ext>
+          </a:extLst>
+        </p:spPr>
+        <p:txBody>
+          <a:bodyPr vert="horz" wrap="square" lIns="91440" tIns="45720" rIns="91440" bIns="45720" numCol="1" anchor="t" anchorCtr="0" compatLnSpc="1">
+            <a:prstTxWarp prst="textNoShape">
+              <a:avLst/>
+            </a:prstTxWarp>
+          </a:bodyPr>
+          <a:lstStyle/>
+          <a:p>
+            <a:endParaRPr lang="ko-KR" altLang="en-US"/>
+          </a:p>
+        </p:txBody>
+      </p:sp>
+      <p:sp>
+        <p:nvSpPr>
+          <p:cNvPr id="6" name="AutoShape 4" descr="wa2000에 대한 이미지 검색결과">
+            <a:hlinkClick r:id="rId2"/>
+          </p:cNvPr>
+          <p:cNvSpPr>
+            <a:spLocks noChangeAspect="1" noChangeArrowheads="1"/>
+          </p:cNvSpPr>
+          <p:nvPr/>
+        </p:nvSpPr>
+        <p:spPr bwMode="auto">
+          <a:xfrm>
+            <a:off x="38100" y="-822325"/>
+            <a:ext cx="5514975" cy="1714500"/>
+          </a:xfrm>
+          <a:prstGeom prst="rect">
+            <a:avLst/>
+          </a:prstGeom>
+          <a:noFill/>
+          <a:extLst>
+            <a:ext uri="{909E8E84-426E-40DD-AFC4-6F175D3DCCD1}">
+              <a14:hiddenFill xmlns:a14="http://schemas.microsoft.com/office/drawing/2010/main">
+                <a:solidFill>
+                  <a:srgbClr val="FFFFFF"/>
+                </a:solidFill>
+              </a14:hiddenFill>
+            </a:ext>
+          </a:extLst>
+        </p:spPr>
+        <p:txBody>
+          <a:bodyPr vert="horz" wrap="square" lIns="91440" tIns="45720" rIns="91440" bIns="45720" numCol="1" anchor="t" anchorCtr="0" compatLnSpc="1">
+            <a:prstTxWarp prst="textNoShape">
+              <a:avLst/>
+            </a:prstTxWarp>
+          </a:bodyPr>
+          <a:lstStyle/>
+          <a:p>
+            <a:endParaRPr lang="ko-KR" altLang="en-US"/>
+          </a:p>
+        </p:txBody>
+      </p:sp>
+      <p:pic>
+        <p:nvPicPr>
+          <p:cNvPr id="8194" name="Picture 2" descr="saiga-12에 대한 이미지 검색결과">
+            <a:hlinkClick r:id="rId3"/>
+          </p:cNvPr>
+          <p:cNvPicPr>
+            <a:picLocks noChangeAspect="1" noChangeArrowheads="1"/>
+          </p:cNvPicPr>
+          <p:nvPr/>
+        </p:nvPicPr>
+        <p:blipFill>
+          <a:blip r:embed="rId4" cstate="print">
+            <a:extLst>
+              <a:ext uri="{28A0092B-C50C-407E-A947-70E740481C1C}">
+                <a14:useLocalDpi xmlns:a14="http://schemas.microsoft.com/office/drawing/2010/main" val="0"/>
+              </a:ext>
+            </a:extLst>
+          </a:blip>
+          <a:srcRect/>
+          <a:stretch>
+            <a:fillRect/>
+          </a:stretch>
+        </p:blipFill>
+        <p:spPr bwMode="auto">
+          <a:xfrm>
+            <a:off x="3099842" y="2159130"/>
+            <a:ext cx="3987850" cy="1453871"/>
+          </a:xfrm>
+          <a:prstGeom prst="rect">
+            <a:avLst/>
+          </a:prstGeom>
+          <a:noFill/>
+          <a:extLst>
+            <a:ext uri="{909E8E84-426E-40DD-AFC4-6F175D3DCCD1}">
+              <a14:hiddenFill xmlns:a14="http://schemas.microsoft.com/office/drawing/2010/main">
+                <a:solidFill>
+                  <a:srgbClr val="FFFFFF"/>
+                </a:solidFill>
+              </a14:hiddenFill>
+            </a:ext>
+          </a:extLst>
+        </p:spPr>
+      </p:pic>
+      <p:pic>
+        <p:nvPicPr>
+          <p:cNvPr id="8195" name="Picture 3"/>
+          <p:cNvPicPr>
+            <a:picLocks noChangeAspect="1" noChangeArrowheads="1"/>
+          </p:cNvPicPr>
+          <p:nvPr/>
+        </p:nvPicPr>
+        <p:blipFill>
+          <a:blip r:embed="rId5">
+            <a:extLst>
+              <a:ext uri="{28A0092B-C50C-407E-A947-70E740481C1C}">
+                <a14:useLocalDpi xmlns:a14="http://schemas.microsoft.com/office/drawing/2010/main" val="0"/>
+              </a:ext>
+            </a:extLst>
+          </a:blip>
+          <a:srcRect/>
+          <a:stretch>
+            <a:fillRect/>
+          </a:stretch>
+        </p:blipFill>
+        <p:spPr bwMode="auto">
+          <a:xfrm>
+            <a:off x="3203848" y="3501008"/>
+            <a:ext cx="3257550" cy="1400175"/>
+          </a:xfrm>
+          <a:prstGeom prst="rect">
+            <a:avLst/>
+          </a:prstGeom>
+          <a:noFill/>
+          <a:ln>
+            <a:noFill/>
+          </a:ln>
+          <a:extLst>
+            <a:ext uri="{909E8E84-426E-40DD-AFC4-6F175D3DCCD1}">
+              <a14:hiddenFill xmlns:a14="http://schemas.microsoft.com/office/drawing/2010/main">
+                <a:solidFill>
+                  <a:schemeClr val="accent1"/>
+                </a:solidFill>
+              </a14:hiddenFill>
+            </a:ext>
+            <a:ext uri="{91240B29-F687-4F45-9708-019B960494DF}">
+              <a14:hiddenLine xmlns:a14="http://schemas.microsoft.com/office/drawing/2010/main" w="9525">
+                <a:solidFill>
+                  <a:schemeClr val="tx1"/>
+                </a:solidFill>
+                <a:miter lim="800000"/>
+                <a:headEnd/>
+                <a:tailEnd/>
+              </a14:hiddenLine>
+            </a:ext>
+          </a:extLst>
+        </p:spPr>
+      </p:pic>
+      <p:pic>
+        <p:nvPicPr>
+          <p:cNvPr id="8196" name="Picture 4"/>
+          <p:cNvPicPr>
+            <a:picLocks noChangeAspect="1" noChangeArrowheads="1"/>
+          </p:cNvPicPr>
+          <p:nvPr/>
+        </p:nvPicPr>
+        <p:blipFill>
+          <a:blip r:embed="rId6">
+            <a:extLst>
+              <a:ext uri="{28A0092B-C50C-407E-A947-70E740481C1C}">
+                <a14:useLocalDpi xmlns:a14="http://schemas.microsoft.com/office/drawing/2010/main" val="0"/>
+              </a:ext>
+            </a:extLst>
+          </a:blip>
+          <a:srcRect/>
+          <a:stretch>
+            <a:fillRect/>
+          </a:stretch>
+        </p:blipFill>
+        <p:spPr bwMode="auto">
+          <a:xfrm>
+            <a:off x="2793677" y="1235205"/>
+            <a:ext cx="4933950" cy="923925"/>
+          </a:xfrm>
+          <a:prstGeom prst="rect">
+            <a:avLst/>
+          </a:prstGeom>
+          <a:noFill/>
+          <a:ln>
+            <a:noFill/>
+          </a:ln>
+          <a:extLst>
+            <a:ext uri="{909E8E84-426E-40DD-AFC4-6F175D3DCCD1}">
+              <a14:hiddenFill xmlns:a14="http://schemas.microsoft.com/office/drawing/2010/main">
+                <a:solidFill>
+                  <a:schemeClr val="accent1"/>
+                </a:solidFill>
+              </a14:hiddenFill>
+            </a:ext>
+            <a:ext uri="{91240B29-F687-4F45-9708-019B960494DF}">
+              <a14:hiddenLine xmlns:a14="http://schemas.microsoft.com/office/drawing/2010/main" w="9525">
+                <a:solidFill>
+                  <a:schemeClr val="tx1"/>
+                </a:solidFill>
+                <a:miter lim="800000"/>
+                <a:headEnd/>
+                <a:tailEnd/>
+              </a14:hiddenLine>
+            </a:ext>
+          </a:extLst>
+        </p:spPr>
+      </p:pic>
+      <p:pic>
+        <p:nvPicPr>
+          <p:cNvPr id="10" name="Picture 8"/>
+          <p:cNvPicPr>
+            <a:picLocks noChangeAspect="1" noChangeArrowheads="1"/>
+          </p:cNvPicPr>
+          <p:nvPr/>
+        </p:nvPicPr>
+        <p:blipFill>
+          <a:blip r:embed="rId7" cstate="print">
+            <a:extLst>
+              <a:ext uri="{28A0092B-C50C-407E-A947-70E740481C1C}">
+                <a14:useLocalDpi xmlns:a14="http://schemas.microsoft.com/office/drawing/2010/main" val="0"/>
+              </a:ext>
+            </a:extLst>
+          </a:blip>
+          <a:srcRect/>
+          <a:stretch>
+            <a:fillRect/>
+          </a:stretch>
+        </p:blipFill>
+        <p:spPr bwMode="auto">
+          <a:xfrm>
+            <a:off x="3551159" y="4901183"/>
+            <a:ext cx="2062514" cy="1545922"/>
+          </a:xfrm>
+          <a:prstGeom prst="rect">
+            <a:avLst/>
+          </a:prstGeom>
+          <a:noFill/>
+          <a:ln>
+            <a:noFill/>
+          </a:ln>
+          <a:extLst>
+            <a:ext uri="{909E8E84-426E-40DD-AFC4-6F175D3DCCD1}">
+              <a14:hiddenFill xmlns:a14="http://schemas.microsoft.com/office/drawing/2010/main">
+                <a:solidFill>
+                  <a:schemeClr val="accent1"/>
+                </a:solidFill>
+              </a14:hiddenFill>
+            </a:ext>
+            <a:ext uri="{91240B29-F687-4F45-9708-019B960494DF}">
+              <a14:hiddenLine xmlns:a14="http://schemas.microsoft.com/office/drawing/2010/main" w="9525">
+                <a:solidFill>
+                  <a:schemeClr val="tx1"/>
+                </a:solidFill>
+                <a:miter lim="800000"/>
+                <a:headEnd/>
+                <a:tailEnd/>
+              </a14:hiddenLine>
+            </a:ext>
+          </a:extLst>
+        </p:spPr>
+      </p:pic>
     </p:spTree>
     <p:extLst>
       <p:ext uri="{BB962C8B-B14F-4D97-AF65-F5344CB8AC3E}">
-        <p14:creationId xmlns:p14="http://schemas.microsoft.com/office/powerpoint/2010/main" val="2752374943"/>
+        <p14:creationId xmlns:p14="http://schemas.microsoft.com/office/powerpoint/2010/main" val="2425455230"/>
       </p:ext>
     </p:extLst>
   </p:cSld>
@@ -18989,13 +19681,59 @@
         <p:spPr/>
         <p:txBody>
           <a:bodyPr>
-            <a:normAutofit/>
+            <a:normAutofit fontScale="90000"/>
           </a:bodyPr>
           <a:lstStyle/>
           <a:p>
             <a:r>
+              <a:rPr lang="ko-KR" altLang="en-US" dirty="0" err="1" smtClean="0"/>
+              <a:t>패시브</a:t>
+            </a:r>
+            <a:r>
               <a:rPr lang="ko-KR" altLang="en-US" dirty="0" smtClean="0"/>
-              <a:t>마지막 스테이지 기타의견</a:t>
+              <a:t> 아이템</a:t>
+            </a:r>
+            <a:r>
+              <a:rPr lang="en-US" altLang="ko-KR" dirty="0" smtClean="0"/>
+              <a:t/>
+            </a:r>
+            <a:br>
+              <a:rPr lang="en-US" altLang="ko-KR" dirty="0" smtClean="0"/>
+            </a:br>
+            <a:r>
+              <a:rPr lang="en-US" altLang="ko-KR" dirty="0" smtClean="0"/>
+              <a:t>(</a:t>
+            </a:r>
+            <a:r>
+              <a:rPr lang="ko-KR" altLang="en-US" dirty="0" smtClean="0"/>
+              <a:t>플레이어마다 </a:t>
+            </a:r>
+            <a:r>
+              <a:rPr lang="en-US" altLang="ko-KR" dirty="0" smtClean="0"/>
+              <a:t>1</a:t>
+            </a:r>
+            <a:r>
+              <a:rPr lang="ko-KR" altLang="en-US" dirty="0" smtClean="0"/>
+              <a:t>개씩 소유 가능</a:t>
+            </a:r>
+            <a:r>
+              <a:rPr lang="en-US" altLang="ko-KR" dirty="0" smtClean="0"/>
+              <a:t/>
+            </a:r>
+            <a:br>
+              <a:rPr lang="en-US" altLang="ko-KR" dirty="0" smtClean="0"/>
+            </a:br>
+            <a:r>
+              <a:rPr lang="ko-KR" altLang="en-US" dirty="0" err="1" smtClean="0"/>
+              <a:t>시작시</a:t>
+            </a:r>
+            <a:r>
+              <a:rPr lang="ko-KR" altLang="en-US" dirty="0" smtClean="0"/>
+              <a:t> 선택</a:t>
+            </a:r>
+            <a:r>
+              <a:rPr lang="en-US" altLang="ko-KR" dirty="0" smtClean="0"/>
+              <a:t>)</a:t>
             </a:r>
             <a:endParaRPr lang="ko-KR" altLang="en-US" dirty="0"/>
           </a:p>
@@ -19011,169 +19749,100 @@
             <p:ph idx="1"/>
           </p:nvPr>
         </p:nvSpPr>
-        <p:spPr>
-          <a:xfrm>
-            <a:off x="-108520" y="1412776"/>
-            <a:ext cx="9613576" cy="5301208"/>
-          </a:xfrm>
-        </p:spPr>
+        <p:spPr/>
         <p:txBody>
           <a:bodyPr>
             <a:normAutofit/>
           </a:bodyPr>
           <a:lstStyle/>
           <a:p>
-            <a:r>
-              <a:rPr lang="ko-KR" altLang="en-US" sz="1800" b="1" dirty="0" smtClean="0"/>
-              <a:t>아이디어</a:t>
-            </a:r>
-            <a:r>
-              <a:rPr lang="en-US" altLang="ko-KR" sz="1800" b="1" dirty="0" smtClean="0"/>
-              <a:t>1. </a:t>
-            </a:r>
-            <a:r>
-              <a:rPr lang="ko-KR" altLang="en-US" sz="1800" b="1" dirty="0" err="1" smtClean="0"/>
-              <a:t>닌자는</a:t>
-            </a:r>
-            <a:r>
-              <a:rPr lang="ko-KR" altLang="en-US" sz="1800" b="1" dirty="0" smtClean="0"/>
-              <a:t> 주인공 캐릭터로 넣고 요원은 마지막 </a:t>
-            </a:r>
-            <a:r>
-              <a:rPr lang="ko-KR" altLang="en-US" sz="1800" b="1" dirty="0" err="1" smtClean="0"/>
-              <a:t>보스방에서</a:t>
-            </a:r>
-            <a:r>
-              <a:rPr lang="ko-KR" altLang="en-US" sz="1800" b="1" dirty="0" smtClean="0"/>
-              <a:t> 보스 부하로 나오게 </a:t>
-            </a:r>
-            <a:r>
-              <a:rPr lang="ko-KR" altLang="en-US" sz="1800" b="1" dirty="0" err="1" smtClean="0"/>
-              <a:t>하는게</a:t>
-            </a:r>
-            <a:r>
-              <a:rPr lang="ko-KR" altLang="en-US" sz="1800" b="1" dirty="0" smtClean="0"/>
-              <a:t> 어떨지</a:t>
-            </a:r>
-            <a:r>
-              <a:rPr lang="en-US" altLang="ko-KR" sz="1800" b="1" dirty="0" smtClean="0"/>
-              <a:t>?</a:t>
-            </a:r>
-            <a:r>
-              <a:rPr lang="ko-KR" altLang="en-US" sz="1800" b="1" dirty="0"/>
-              <a:t> </a:t>
-            </a:r>
-            <a:r>
-              <a:rPr lang="ko-KR" altLang="en-US" sz="1800" b="1" dirty="0" smtClean="0"/>
-              <a:t>두 </a:t>
-            </a:r>
-            <a:r>
-              <a:rPr lang="ko-KR" altLang="en-US" sz="1800" b="1" dirty="0" err="1" smtClean="0"/>
-              <a:t>몬스터의</a:t>
-            </a:r>
-            <a:r>
-              <a:rPr lang="ko-KR" altLang="en-US" sz="1800" b="1" dirty="0" smtClean="0"/>
-              <a:t> 공백은 경찰스테이지에 있는 소총 </a:t>
-            </a:r>
-            <a:r>
-              <a:rPr lang="ko-KR" altLang="en-US" sz="1800" b="1" dirty="0" err="1" smtClean="0"/>
-              <a:t>쓰는애</a:t>
-            </a:r>
-            <a:r>
-              <a:rPr lang="ko-KR" altLang="en-US" sz="1800" b="1" dirty="0" smtClean="0"/>
-              <a:t> 하나하고 </a:t>
-            </a:r>
-            <a:r>
-              <a:rPr lang="ko-KR" altLang="en-US" sz="1800" b="1" dirty="0" err="1" smtClean="0"/>
-              <a:t>권총쏘는애</a:t>
-            </a:r>
-            <a:r>
-              <a:rPr lang="ko-KR" altLang="en-US" sz="1800" b="1" dirty="0" smtClean="0"/>
-              <a:t> 하나로 대체</a:t>
-            </a:r>
-            <a:r>
-              <a:rPr lang="en-US" altLang="ko-KR" sz="1800" b="1" dirty="0" smtClean="0"/>
-              <a:t>.</a:t>
-            </a:r>
-          </a:p>
-          <a:p>
-            <a:endParaRPr lang="en-US" altLang="ko-KR" sz="1800" b="1" dirty="0"/>
-          </a:p>
-          <a:p>
-            <a:r>
-              <a:rPr lang="ko-KR" altLang="en-US" sz="1800" b="1" dirty="0" smtClean="0"/>
-              <a:t>아이디어</a:t>
-            </a:r>
-            <a:r>
-              <a:rPr lang="en-US" altLang="ko-KR" sz="1800" b="1" dirty="0" smtClean="0"/>
-              <a:t>2. </a:t>
-            </a:r>
-            <a:r>
-              <a:rPr lang="ko-KR" altLang="en-US" sz="1800" b="1" dirty="0" err="1" smtClean="0"/>
-              <a:t>마지막탄은</a:t>
-            </a:r>
-            <a:r>
-              <a:rPr lang="ko-KR" altLang="en-US" sz="1800" b="1" dirty="0" smtClean="0"/>
-              <a:t> </a:t>
-            </a:r>
-            <a:r>
-              <a:rPr lang="en-US" altLang="ko-KR" sz="1800" b="1" dirty="0" smtClean="0"/>
-              <a:t>5-1</a:t>
-            </a:r>
-            <a:r>
-              <a:rPr lang="ko-KR" altLang="en-US" sz="1800" b="1" dirty="0" smtClean="0"/>
-              <a:t>탄 </a:t>
-            </a:r>
-            <a:r>
-              <a:rPr lang="en-US" altLang="ko-KR" sz="1800" b="1" dirty="0" smtClean="0"/>
-              <a:t>5-2</a:t>
-            </a:r>
-            <a:r>
-              <a:rPr lang="ko-KR" altLang="en-US" sz="1800" b="1" dirty="0" smtClean="0"/>
-              <a:t>탄으로 나누어서 </a:t>
-            </a:r>
-            <a:r>
-              <a:rPr lang="en-US" altLang="ko-KR" sz="1800" b="1" dirty="0" smtClean="0"/>
-              <a:t>1</a:t>
-            </a:r>
-            <a:r>
-              <a:rPr lang="ko-KR" altLang="en-US" sz="1800" b="1" dirty="0" smtClean="0"/>
-              <a:t>탄은 요원하고 </a:t>
-            </a:r>
-            <a:r>
-              <a:rPr lang="ko-KR" altLang="en-US" sz="1800" b="1" dirty="0" err="1" smtClean="0"/>
-              <a:t>닌자</a:t>
-            </a:r>
-            <a:r>
-              <a:rPr lang="ko-KR" altLang="en-US" sz="1800" b="1" dirty="0" smtClean="0"/>
-              <a:t> </a:t>
-            </a:r>
-            <a:r>
-              <a:rPr lang="ko-KR" altLang="en-US" sz="1800" b="1" dirty="0" err="1" smtClean="0"/>
-              <a:t>나오게하고</a:t>
-            </a:r>
-            <a:endParaRPr lang="en-US" altLang="ko-KR" sz="1800" b="1" dirty="0" smtClean="0"/>
-          </a:p>
-          <a:p>
-            <a:pPr marL="0" indent="0">
-              <a:buNone/>
-            </a:pPr>
-            <a:r>
-              <a:rPr lang="en-US" altLang="ko-KR" sz="1800" b="1" dirty="0" smtClean="0"/>
-              <a:t>    2</a:t>
-            </a:r>
-            <a:r>
-              <a:rPr lang="ko-KR" altLang="en-US" sz="1800" b="1" dirty="0" smtClean="0"/>
-              <a:t>탄은 군인들 나오게 하기</a:t>
-            </a:r>
-            <a:endParaRPr lang="en-US" altLang="ko-KR" sz="1800" b="1" dirty="0" smtClean="0"/>
+            <a:endParaRPr lang="en-US" altLang="ko-KR" b="1" dirty="0" smtClean="0"/>
+          </a:p>
+          <a:p>
+            <a:r>
+              <a:rPr lang="ko-KR" altLang="en-US" b="1" dirty="0" smtClean="0"/>
+              <a:t>안정제 </a:t>
+            </a:r>
+            <a:r>
+              <a:rPr lang="en-US" altLang="ko-KR" b="1" dirty="0" smtClean="0"/>
+              <a:t>( </a:t>
+            </a:r>
+            <a:r>
+              <a:rPr lang="ko-KR" altLang="en-US" b="1" dirty="0" smtClean="0"/>
+              <a:t>총기 반동을 많이 줄여줌</a:t>
+            </a:r>
+            <a:r>
+              <a:rPr lang="en-US" altLang="ko-KR" b="1" dirty="0" smtClean="0"/>
+              <a:t>)</a:t>
+            </a:r>
+            <a:endParaRPr lang="en-US" altLang="ko-KR" b="1" dirty="0"/>
+          </a:p>
+          <a:p>
+            <a:r>
+              <a:rPr lang="ko-KR" altLang="en-US" b="1" dirty="0" smtClean="0"/>
+              <a:t>사정거리 늘어나는 아이템도 </a:t>
+            </a:r>
+            <a:r>
+              <a:rPr lang="ko-KR" altLang="en-US" b="1" dirty="0" err="1" smtClean="0"/>
+              <a:t>필요할수도</a:t>
+            </a:r>
+            <a:r>
+              <a:rPr lang="en-US" altLang="ko-KR" b="1" dirty="0" smtClean="0"/>
+              <a:t>(</a:t>
+            </a:r>
+            <a:r>
+              <a:rPr lang="ko-KR" altLang="en-US" b="1" dirty="0" err="1" smtClean="0"/>
+              <a:t>샷건</a:t>
+            </a:r>
+            <a:r>
+              <a:rPr lang="ko-KR" altLang="en-US" b="1" dirty="0" smtClean="0"/>
+              <a:t> 사정거리 </a:t>
+            </a:r>
+            <a:r>
+              <a:rPr lang="en-US" altLang="ko-KR" b="1" dirty="0" smtClean="0"/>
+              <a:t>-&gt;</a:t>
+            </a:r>
+            <a:r>
+              <a:rPr lang="ko-KR" altLang="en-US" b="1" dirty="0" smtClean="0"/>
+              <a:t>초크</a:t>
+            </a:r>
+            <a:r>
+              <a:rPr lang="en-US" altLang="ko-KR" b="1" dirty="0" smtClean="0"/>
+              <a:t>)</a:t>
+            </a:r>
+          </a:p>
+          <a:p>
+            <a:r>
+              <a:rPr lang="ko-KR" altLang="en-US" b="1" dirty="0" smtClean="0"/>
+              <a:t>전체 무기 </a:t>
+            </a:r>
+            <a:r>
+              <a:rPr lang="ko-KR" altLang="en-US" b="1" dirty="0" err="1" smtClean="0"/>
+              <a:t>총알수</a:t>
+            </a:r>
+            <a:r>
+              <a:rPr lang="ko-KR" altLang="en-US" b="1" dirty="0" smtClean="0"/>
+              <a:t> 증가 </a:t>
+            </a:r>
+            <a:r>
+              <a:rPr lang="en-US" altLang="ko-KR" b="1" dirty="0" smtClean="0"/>
+              <a:t>(</a:t>
+            </a:r>
+            <a:r>
+              <a:rPr lang="ko-KR" altLang="en-US" b="1" dirty="0" smtClean="0"/>
+              <a:t>대용량탄창</a:t>
+            </a:r>
+            <a:r>
+              <a:rPr lang="en-US" altLang="ko-KR" b="1" dirty="0" smtClean="0"/>
+              <a:t>)</a:t>
+            </a:r>
           </a:p>
         </p:txBody>
       </p:sp>
     </p:spTree>
     <p:extLst>
       <p:ext uri="{BB962C8B-B14F-4D97-AF65-F5344CB8AC3E}">
-        <p14:creationId xmlns:p14="http://schemas.microsoft.com/office/powerpoint/2010/main" val="3036180783"/>
+        <p14:creationId xmlns:p14="http://schemas.microsoft.com/office/powerpoint/2010/main" val="4072168355"/>
       </p:ext>
     </p:extLst>
   </p:cSld>
@@ -19213,13 +19882,1395 @@
         <p:spPr/>
         <p:txBody>
           <a:bodyPr>
+            <a:normAutofit fontScale="90000"/>
+          </a:bodyPr>
+          <a:lstStyle/>
+          <a:p>
+            <a:r>
+              <a:rPr lang="ko-KR" altLang="en-US" dirty="0" err="1" smtClean="0"/>
+              <a:t>패시브</a:t>
+            </a:r>
+            <a:r>
+              <a:rPr lang="ko-KR" altLang="en-US" dirty="0" smtClean="0"/>
+              <a:t> 아이템</a:t>
+            </a:r>
+            <a:r>
+              <a:rPr lang="en-US" altLang="ko-KR" dirty="0" smtClean="0"/>
+              <a:t/>
+            </a:r>
+            <a:br>
+              <a:rPr lang="en-US" altLang="ko-KR" dirty="0" smtClean="0"/>
+            </a:br>
+            <a:endParaRPr lang="ko-KR" altLang="en-US" dirty="0"/>
+          </a:p>
+        </p:txBody>
+      </p:sp>
+      <p:sp>
+        <p:nvSpPr>
+          <p:cNvPr id="3" name="내용 개체 틀 2"/>
+          <p:cNvSpPr>
+            <a:spLocks noGrp="1"/>
+          </p:cNvSpPr>
+          <p:nvPr>
+            <p:ph idx="1"/>
+          </p:nvPr>
+        </p:nvSpPr>
+        <p:spPr/>
+        <p:txBody>
+          <a:bodyPr>
             <a:normAutofit/>
           </a:bodyPr>
           <a:lstStyle/>
           <a:p>
             <a:r>
+              <a:rPr lang="ko-KR" altLang="en-US" b="1" dirty="0" smtClean="0"/>
+              <a:t>돼지 우상</a:t>
+            </a:r>
+            <a:r>
+              <a:rPr lang="en-US" altLang="ko-KR" b="1" dirty="0" smtClean="0"/>
+              <a:t>(?)</a:t>
+            </a:r>
+            <a:r>
+              <a:rPr lang="ko-KR" altLang="en-US" b="1" dirty="0" smtClean="0"/>
+              <a:t> </a:t>
+            </a:r>
+            <a:r>
+              <a:rPr lang="en-US" altLang="ko-KR" b="1" dirty="0" smtClean="0"/>
+              <a:t>(</a:t>
+            </a:r>
+            <a:r>
+              <a:rPr lang="ko-KR" altLang="en-US" b="1" dirty="0" smtClean="0"/>
+              <a:t>아이템 획득 확률 상승</a:t>
+            </a:r>
+            <a:r>
+              <a:rPr lang="en-US" altLang="ko-KR" b="1" dirty="0" smtClean="0"/>
+              <a:t>)</a:t>
+            </a:r>
+          </a:p>
+          <a:p>
+            <a:r>
+              <a:rPr lang="ko-KR" altLang="en-US" b="1" dirty="0" err="1" smtClean="0"/>
+              <a:t>레드닷</a:t>
+            </a:r>
+            <a:endParaRPr lang="en-US" altLang="ko-KR" b="1" dirty="0" smtClean="0"/>
+          </a:p>
+          <a:p>
+            <a:r>
+              <a:rPr lang="ko-KR" altLang="en-US" b="1" dirty="0" err="1" smtClean="0"/>
+              <a:t>스카우터</a:t>
+            </a:r>
+            <a:r>
+              <a:rPr lang="en-US" altLang="ko-KR" b="1" dirty="0" smtClean="0"/>
+              <a:t>(</a:t>
+            </a:r>
+            <a:r>
+              <a:rPr lang="ko-KR" altLang="en-US" b="1" dirty="0" err="1" smtClean="0"/>
+              <a:t>몬스터들</a:t>
+            </a:r>
+            <a:r>
+              <a:rPr lang="ko-KR" altLang="en-US" b="1" dirty="0" smtClean="0"/>
+              <a:t> </a:t>
+            </a:r>
+            <a:r>
+              <a:rPr lang="ko-KR" altLang="en-US" b="1" dirty="0" err="1" smtClean="0"/>
+              <a:t>체력바가</a:t>
+            </a:r>
+            <a:r>
+              <a:rPr lang="ko-KR" altLang="en-US" b="1" dirty="0" smtClean="0"/>
+              <a:t> 보임</a:t>
+            </a:r>
+            <a:r>
+              <a:rPr lang="en-US" altLang="ko-KR" b="1" dirty="0" smtClean="0"/>
+              <a:t>)</a:t>
+            </a:r>
+          </a:p>
+          <a:p>
+            <a:endParaRPr lang="en-US" altLang="ko-KR" b="1" dirty="0" smtClean="0"/>
+          </a:p>
+          <a:p>
+            <a:r>
+              <a:rPr lang="ko-KR" altLang="en-US" b="1" dirty="0" smtClean="0"/>
+              <a:t>인삼아이콘 </a:t>
+            </a:r>
+            <a:r>
+              <a:rPr lang="en-US" altLang="ko-KR" b="1" dirty="0" smtClean="0"/>
+              <a:t>(</a:t>
+            </a:r>
+            <a:r>
+              <a:rPr lang="ko-KR" altLang="en-US" b="1" dirty="0" smtClean="0"/>
+              <a:t>상태이상 면역</a:t>
+            </a:r>
+            <a:r>
+              <a:rPr lang="en-US" altLang="ko-KR" b="1" dirty="0" smtClean="0"/>
+              <a:t>)</a:t>
+            </a:r>
+          </a:p>
+        </p:txBody>
+      </p:sp>
+    </p:spTree>
+    <p:extLst>
+      <p:ext uri="{BB962C8B-B14F-4D97-AF65-F5344CB8AC3E}">
+        <p14:creationId xmlns:p14="http://schemas.microsoft.com/office/powerpoint/2010/main" val="251605719"/>
+      </p:ext>
+    </p:extLst>
+  </p:cSld>
+  <p:clrMapOvr>
+    <a:masterClrMapping/>
+  </p:clrMapOvr>
+</p:sld>
+</file>
+
+<file path=ppt/slides/slide44.xml><?xml version="1.0" encoding="utf-8"?>
+<p:sld xmlns:a="http://schemas.openxmlformats.org/drawingml/2006/main" xmlns:r="http://schemas.openxmlformats.org/officeDocument/2006/relationships" xmlns:p="http://schemas.openxmlformats.org/presentationml/2006/main">
+  <p:cSld>
+    <p:spTree>
+      <p:nvGrpSpPr>
+        <p:cNvPr id="1" name=""/>
+        <p:cNvGrpSpPr/>
+        <p:nvPr/>
+      </p:nvGrpSpPr>
+      <p:grpSpPr>
+        <a:xfrm>
+          <a:off x="0" y="0"/>
+          <a:ext cx="0" cy="0"/>
+          <a:chOff x="0" y="0"/>
+          <a:chExt cx="0" cy="0"/>
+        </a:xfrm>
+      </p:grpSpPr>
+      <p:sp>
+        <p:nvSpPr>
+          <p:cNvPr id="2" name="제목 1"/>
+          <p:cNvSpPr>
+            <a:spLocks noGrp="1"/>
+          </p:cNvSpPr>
+          <p:nvPr>
+            <p:ph type="title"/>
+          </p:nvPr>
+        </p:nvSpPr>
+        <p:spPr/>
+        <p:txBody>
+          <a:bodyPr>
+            <a:normAutofit fontScale="90000"/>
+          </a:bodyPr>
+          <a:lstStyle/>
+          <a:p>
+            <a:r>
+              <a:rPr lang="ko-KR" altLang="en-US" dirty="0" smtClean="0"/>
+              <a:t>아이디어 추가</a:t>
+            </a:r>
+            <a:r>
+              <a:rPr lang="en-US" altLang="ko-KR" dirty="0" smtClean="0"/>
+              <a:t/>
+            </a:r>
+            <a:br>
+              <a:rPr lang="en-US" altLang="ko-KR" dirty="0" smtClean="0"/>
+            </a:br>
+            <a:endParaRPr lang="ko-KR" altLang="en-US" dirty="0"/>
+          </a:p>
+        </p:txBody>
+      </p:sp>
+      <p:sp>
+        <p:nvSpPr>
+          <p:cNvPr id="3" name="내용 개체 틀 2"/>
+          <p:cNvSpPr>
+            <a:spLocks noGrp="1"/>
+          </p:cNvSpPr>
+          <p:nvPr>
+            <p:ph idx="1"/>
+          </p:nvPr>
+        </p:nvSpPr>
+        <p:spPr/>
+        <p:txBody>
+          <a:bodyPr>
+            <a:normAutofit/>
+          </a:bodyPr>
+          <a:lstStyle/>
+          <a:p>
+            <a:r>
+              <a:rPr lang="ko-KR" altLang="en-US" b="1" dirty="0" smtClean="0"/>
+              <a:t>처음에는 무기 </a:t>
+            </a:r>
+            <a:r>
+              <a:rPr lang="ko-KR" altLang="en-US" b="1" dirty="0" err="1" smtClean="0"/>
+              <a:t>인벤토리만</a:t>
+            </a:r>
+            <a:r>
+              <a:rPr lang="ko-KR" altLang="en-US" b="1" dirty="0" smtClean="0"/>
+              <a:t> </a:t>
+            </a:r>
+            <a:r>
+              <a:rPr lang="ko-KR" altLang="en-US" b="1" dirty="0" err="1" smtClean="0"/>
+              <a:t>두칸</a:t>
+            </a:r>
+            <a:r>
+              <a:rPr lang="ko-KR" altLang="en-US" b="1" dirty="0" smtClean="0"/>
+              <a:t> </a:t>
+            </a:r>
+            <a:r>
+              <a:rPr lang="ko-KR" altLang="en-US" b="1" dirty="0" err="1" smtClean="0"/>
+              <a:t>줄것</a:t>
+            </a:r>
+            <a:endParaRPr lang="en-US" altLang="ko-KR" b="1" dirty="0" smtClean="0"/>
+          </a:p>
+          <a:p>
+            <a:r>
+              <a:rPr lang="ko-KR" altLang="en-US" b="1" dirty="0" err="1" smtClean="0"/>
+              <a:t>한판할때마다</a:t>
+            </a:r>
+            <a:r>
+              <a:rPr lang="ko-KR" altLang="en-US" b="1" dirty="0" smtClean="0"/>
+              <a:t> 코인을 줘서 그걸로 </a:t>
+            </a:r>
+            <a:r>
+              <a:rPr lang="ko-KR" altLang="en-US" b="1" dirty="0" err="1" smtClean="0"/>
+              <a:t>패시브</a:t>
+            </a:r>
+            <a:r>
+              <a:rPr lang="ko-KR" altLang="en-US" b="1" dirty="0" smtClean="0"/>
+              <a:t> 아이템 구매</a:t>
+            </a:r>
+            <a:endParaRPr lang="en-US" altLang="ko-KR" b="1" dirty="0" smtClean="0"/>
+          </a:p>
+          <a:p>
+            <a:r>
+              <a:rPr lang="ko-KR" altLang="en-US" b="1" dirty="0" smtClean="0"/>
+              <a:t> </a:t>
+            </a:r>
+            <a:r>
+              <a:rPr lang="en-US" altLang="ko-KR" b="1" dirty="0" smtClean="0"/>
+              <a:t>(</a:t>
+            </a:r>
+            <a:r>
+              <a:rPr lang="ko-KR" altLang="en-US" b="1" dirty="0" err="1" smtClean="0"/>
+              <a:t>패시브</a:t>
+            </a:r>
+            <a:r>
+              <a:rPr lang="ko-KR" altLang="en-US" b="1" dirty="0" smtClean="0"/>
+              <a:t> 아이템은 게임 </a:t>
+            </a:r>
+            <a:r>
+              <a:rPr lang="ko-KR" altLang="en-US" b="1" dirty="0" err="1" smtClean="0"/>
+              <a:t>시작할때</a:t>
+            </a:r>
+            <a:r>
+              <a:rPr lang="ko-KR" altLang="en-US" b="1" dirty="0" smtClean="0"/>
+              <a:t> 한 개 골라서 효과를 받음</a:t>
+            </a:r>
+            <a:r>
+              <a:rPr lang="en-US" altLang="ko-KR" b="1" dirty="0" smtClean="0"/>
+              <a:t>)</a:t>
+            </a:r>
+          </a:p>
+        </p:txBody>
+      </p:sp>
+    </p:spTree>
+    <p:extLst>
+      <p:ext uri="{BB962C8B-B14F-4D97-AF65-F5344CB8AC3E}">
+        <p14:creationId xmlns:p14="http://schemas.microsoft.com/office/powerpoint/2010/main" val="2550670840"/>
+      </p:ext>
+    </p:extLst>
+  </p:cSld>
+  <p:clrMapOvr>
+    <a:masterClrMapping/>
+  </p:clrMapOvr>
+</p:sld>
+</file>
+
+<file path=ppt/slides/slide45.xml><?xml version="1.0" encoding="utf-8"?>
+<p:sld xmlns:a="http://schemas.openxmlformats.org/drawingml/2006/main" xmlns:r="http://schemas.openxmlformats.org/officeDocument/2006/relationships" xmlns:p="http://schemas.openxmlformats.org/presentationml/2006/main">
+  <p:cSld>
+    <p:spTree>
+      <p:nvGrpSpPr>
+        <p:cNvPr id="1" name=""/>
+        <p:cNvGrpSpPr/>
+        <p:nvPr/>
+      </p:nvGrpSpPr>
+      <p:grpSpPr>
+        <a:xfrm>
+          <a:off x="0" y="0"/>
+          <a:ext cx="0" cy="0"/>
+          <a:chOff x="0" y="0"/>
+          <a:chExt cx="0" cy="0"/>
+        </a:xfrm>
+      </p:grpSpPr>
+      <p:sp>
+        <p:nvSpPr>
+          <p:cNvPr id="2" name="제목 1"/>
+          <p:cNvSpPr>
+            <a:spLocks noGrp="1"/>
+          </p:cNvSpPr>
+          <p:nvPr>
+            <p:ph type="title"/>
+          </p:nvPr>
+        </p:nvSpPr>
+        <p:spPr/>
+        <p:txBody>
+          <a:bodyPr>
+            <a:normAutofit fontScale="90000"/>
+          </a:bodyPr>
+          <a:lstStyle/>
+          <a:p>
+            <a:r>
+              <a:rPr lang="ko-KR" altLang="en-US" dirty="0" smtClean="0"/>
+              <a:t>게임제목 아이디어</a:t>
+            </a:r>
+            <a:r>
+              <a:rPr lang="en-US" altLang="ko-KR" dirty="0" smtClean="0"/>
+              <a:t/>
+            </a:r>
+            <a:br>
+              <a:rPr lang="en-US" altLang="ko-KR" dirty="0" smtClean="0"/>
+            </a:br>
+            <a:endParaRPr lang="ko-KR" altLang="en-US" dirty="0"/>
+          </a:p>
+        </p:txBody>
+      </p:sp>
+      <p:sp>
+        <p:nvSpPr>
+          <p:cNvPr id="3" name="내용 개체 틀 2"/>
+          <p:cNvSpPr>
+            <a:spLocks noGrp="1"/>
+          </p:cNvSpPr>
+          <p:nvPr>
+            <p:ph idx="1"/>
+          </p:nvPr>
+        </p:nvSpPr>
+        <p:spPr/>
+        <p:txBody>
+          <a:bodyPr>
+            <a:normAutofit/>
+          </a:bodyPr>
+          <a:lstStyle/>
+          <a:p>
+            <a:pPr marL="0" indent="0">
+              <a:buNone/>
+            </a:pPr>
+            <a:r>
+              <a:rPr lang="ko-KR" altLang="en-US" b="1" dirty="0" smtClean="0">
+                <a:solidFill>
+                  <a:srgbClr val="FF0000"/>
+                </a:solidFill>
+              </a:rPr>
+              <a:t>건 </a:t>
+            </a:r>
+            <a:r>
+              <a:rPr lang="ko-KR" altLang="en-US" b="1" dirty="0" err="1" smtClean="0">
+                <a:solidFill>
+                  <a:srgbClr val="FF0000"/>
+                </a:solidFill>
+              </a:rPr>
+              <a:t>크러쉬</a:t>
+            </a:r>
+            <a:r>
+              <a:rPr lang="en-US" altLang="ko-KR" b="1" dirty="0" smtClean="0"/>
+              <a:t>(</a:t>
+            </a:r>
+            <a:r>
+              <a:rPr lang="ko-KR" altLang="en-US" b="1" dirty="0" err="1" smtClean="0"/>
+              <a:t>구글에</a:t>
+            </a:r>
+            <a:r>
+              <a:rPr lang="ko-KR" altLang="en-US" b="1" dirty="0" smtClean="0"/>
+              <a:t> 검색하면 걸 </a:t>
+            </a:r>
+            <a:r>
+              <a:rPr lang="ko-KR" altLang="en-US" b="1" dirty="0" err="1" smtClean="0"/>
+              <a:t>크러쉬</a:t>
+            </a:r>
+            <a:r>
+              <a:rPr lang="ko-KR" altLang="en-US" b="1" dirty="0" smtClean="0"/>
+              <a:t> 밖에 </a:t>
+            </a:r>
+            <a:r>
+              <a:rPr lang="ko-KR" altLang="en-US" b="1" dirty="0" err="1" smtClean="0"/>
+              <a:t>안나옴</a:t>
+            </a:r>
+            <a:r>
+              <a:rPr lang="ko-KR" altLang="en-US" b="1" dirty="0" smtClean="0"/>
+              <a:t> 심플하고 적절한 </a:t>
+            </a:r>
+            <a:r>
+              <a:rPr lang="ko-KR" altLang="en-US" b="1" dirty="0" err="1" smtClean="0"/>
+              <a:t>제목인듯</a:t>
+            </a:r>
+            <a:r>
+              <a:rPr lang="en-US" altLang="ko-KR" b="1" dirty="0" smtClean="0"/>
+              <a:t>) </a:t>
+            </a:r>
+          </a:p>
+          <a:p>
+            <a:endParaRPr lang="en-US" altLang="ko-KR" b="1" dirty="0"/>
+          </a:p>
+          <a:p>
+            <a:pPr marL="0" indent="0">
+              <a:buNone/>
+            </a:pPr>
+            <a:r>
+              <a:rPr lang="ko-KR" altLang="en-US" b="1" dirty="0" smtClean="0"/>
+              <a:t>영문으로 검색해도 마찬가지</a:t>
+            </a:r>
+            <a:endParaRPr lang="en-US" altLang="ko-KR" b="1" dirty="0" smtClean="0"/>
+          </a:p>
+          <a:p>
+            <a:pPr marL="0" indent="0">
+              <a:buNone/>
+            </a:pPr>
+            <a:endParaRPr lang="en-US" altLang="ko-KR" b="1" dirty="0"/>
+          </a:p>
+          <a:p>
+            <a:pPr marL="0" indent="0">
+              <a:buNone/>
+            </a:pPr>
+            <a:r>
+              <a:rPr lang="en-US" altLang="ko-KR" b="1" dirty="0"/>
+              <a:t>strange </a:t>
+            </a:r>
+            <a:r>
+              <a:rPr lang="en-US" altLang="ko-KR" b="1" dirty="0" smtClean="0"/>
+              <a:t>lab (</a:t>
+            </a:r>
+            <a:r>
+              <a:rPr lang="ko-KR" altLang="en-US" b="1" dirty="0" smtClean="0"/>
+              <a:t>이상한 연구실</a:t>
+            </a:r>
+            <a:r>
+              <a:rPr lang="en-US" altLang="ko-KR" b="1" dirty="0" smtClean="0"/>
+              <a:t>) -&gt; </a:t>
+            </a:r>
+            <a:r>
+              <a:rPr lang="ko-KR" altLang="en-US" b="1" dirty="0" smtClean="0"/>
+              <a:t>호기심유</a:t>
+            </a:r>
+            <a:r>
+              <a:rPr lang="ko-KR" altLang="en-US" b="1" dirty="0"/>
+              <a:t>발</a:t>
+            </a:r>
+            <a:endParaRPr lang="en-US" altLang="ko-KR" b="1" dirty="0" smtClean="0"/>
+          </a:p>
+        </p:txBody>
+      </p:sp>
+    </p:spTree>
+    <p:extLst>
+      <p:ext uri="{BB962C8B-B14F-4D97-AF65-F5344CB8AC3E}">
+        <p14:creationId xmlns:p14="http://schemas.microsoft.com/office/powerpoint/2010/main" val="1749074872"/>
+      </p:ext>
+    </p:extLst>
+  </p:cSld>
+  <p:clrMapOvr>
+    <a:masterClrMapping/>
+  </p:clrMapOvr>
+</p:sld>
+</file>
+
+<file path=ppt/slides/slide46.xml><?xml version="1.0" encoding="utf-8"?>
+<p:sld xmlns:a="http://schemas.openxmlformats.org/drawingml/2006/main" xmlns:r="http://schemas.openxmlformats.org/officeDocument/2006/relationships" xmlns:p="http://schemas.openxmlformats.org/presentationml/2006/main">
+  <p:cSld>
+    <p:spTree>
+      <p:nvGrpSpPr>
+        <p:cNvPr id="1" name=""/>
+        <p:cNvGrpSpPr/>
+        <p:nvPr/>
+      </p:nvGrpSpPr>
+      <p:grpSpPr>
+        <a:xfrm>
+          <a:off x="0" y="0"/>
+          <a:ext cx="0" cy="0"/>
+          <a:chOff x="0" y="0"/>
+          <a:chExt cx="0" cy="0"/>
+        </a:xfrm>
+      </p:grpSpPr>
+      <p:sp>
+        <p:nvSpPr>
+          <p:cNvPr id="2" name="제목 1"/>
+          <p:cNvSpPr>
+            <a:spLocks noGrp="1"/>
+          </p:cNvSpPr>
+          <p:nvPr>
+            <p:ph type="title"/>
+          </p:nvPr>
+        </p:nvSpPr>
+        <p:spPr/>
+        <p:txBody>
+          <a:bodyPr>
+            <a:normAutofit fontScale="90000"/>
+          </a:bodyPr>
+          <a:lstStyle/>
+          <a:p>
+            <a:r>
+              <a:rPr lang="ko-KR" altLang="en-US" dirty="0" smtClean="0"/>
+              <a:t>캐릭터 아이디어 추가</a:t>
+            </a:r>
+            <a:r>
+              <a:rPr lang="en-US" altLang="ko-KR" dirty="0" smtClean="0"/>
+              <a:t/>
+            </a:r>
+            <a:br>
+              <a:rPr lang="en-US" altLang="ko-KR" dirty="0" smtClean="0"/>
+            </a:br>
+            <a:endParaRPr lang="ko-KR" altLang="en-US" dirty="0"/>
+          </a:p>
+        </p:txBody>
+      </p:sp>
+      <p:sp>
+        <p:nvSpPr>
+          <p:cNvPr id="3" name="내용 개체 틀 2"/>
+          <p:cNvSpPr>
+            <a:spLocks noGrp="1"/>
+          </p:cNvSpPr>
+          <p:nvPr>
+            <p:ph idx="1"/>
+          </p:nvPr>
+        </p:nvSpPr>
+        <p:spPr/>
+        <p:txBody>
+          <a:bodyPr>
+            <a:normAutofit fontScale="32500" lnSpcReduction="20000"/>
+          </a:bodyPr>
+          <a:lstStyle/>
+          <a:p>
+            <a:r>
+              <a:rPr lang="ko-KR" altLang="en-US" dirty="0"/>
+              <a:t>상인에게서 파는 기밀문서 </a:t>
+            </a:r>
+            <a:r>
+              <a:rPr lang="en-US" altLang="ko" dirty="0"/>
+              <a:t>3</a:t>
+            </a:r>
+            <a:r>
+              <a:rPr lang="ko-KR" altLang="en-US" dirty="0" smtClean="0"/>
+              <a:t>개</a:t>
+            </a:r>
+            <a:r>
+              <a:rPr lang="en-US" altLang="ko-KR" dirty="0" smtClean="0"/>
+              <a:t>(</a:t>
+            </a:r>
+            <a:r>
+              <a:rPr lang="ko-KR" altLang="en-US" dirty="0" smtClean="0"/>
+              <a:t>개당 </a:t>
+            </a:r>
+            <a:r>
+              <a:rPr lang="en-US" altLang="ko-KR" dirty="0" smtClean="0"/>
+              <a:t>5000</a:t>
+            </a:r>
+            <a:r>
+              <a:rPr lang="ko-KR" altLang="en-US" dirty="0" smtClean="0"/>
+              <a:t>원</a:t>
+            </a:r>
+            <a:r>
+              <a:rPr lang="en-US" altLang="ko-KR" dirty="0" smtClean="0"/>
+              <a:t>)</a:t>
+            </a:r>
+            <a:r>
+              <a:rPr lang="ko-KR" altLang="en-US" dirty="0" smtClean="0"/>
+              <a:t>사면 </a:t>
+            </a:r>
+            <a:r>
+              <a:rPr lang="ko-KR" altLang="en-US" dirty="0" err="1"/>
+              <a:t>캐릭</a:t>
+            </a:r>
+            <a:r>
+              <a:rPr lang="ko-KR" altLang="en-US" dirty="0"/>
+              <a:t> </a:t>
+            </a:r>
+            <a:r>
+              <a:rPr lang="ko-KR" altLang="en-US" dirty="0" smtClean="0"/>
+              <a:t>얻는 </a:t>
+            </a:r>
+            <a:r>
+              <a:rPr lang="ko-KR" altLang="en-US" dirty="0"/>
+              <a:t>힌트 </a:t>
+            </a:r>
+            <a:r>
+              <a:rPr lang="ko-KR" altLang="en-US" dirty="0" smtClean="0"/>
+              <a:t>알려줌 힌트는 </a:t>
+            </a:r>
+            <a:r>
               <a:rPr lang="ko-KR" altLang="en-US" dirty="0" err="1" smtClean="0"/>
-              <a:t>불편한점</a:t>
+              <a:t>캐릭</a:t>
+            </a:r>
+            <a:r>
+              <a:rPr lang="ko-KR" altLang="en-US" dirty="0" smtClean="0"/>
+              <a:t> 선택창에서 </a:t>
+            </a:r>
+            <a:r>
+              <a:rPr lang="ko-KR" altLang="en-US" dirty="0" err="1" smtClean="0"/>
+              <a:t>언락가능</a:t>
+            </a:r>
+            <a:endParaRPr lang="en-US" altLang="ko-KR" dirty="0" smtClean="0"/>
+          </a:p>
+          <a:p>
+            <a:endParaRPr lang="ko" altLang="en-US" dirty="0"/>
+          </a:p>
+          <a:p>
+            <a:pPr marL="0" indent="0">
+              <a:buNone/>
+            </a:pPr>
+            <a:endParaRPr lang="ko-KR" altLang="en-US" dirty="0"/>
+          </a:p>
+          <a:p>
+            <a:endParaRPr lang="ko" altLang="en-US" dirty="0"/>
+          </a:p>
+          <a:p>
+            <a:r>
+              <a:rPr lang="ko-KR" altLang="en-US" dirty="0"/>
+              <a:t>엔지니어 </a:t>
+            </a:r>
+            <a:r>
+              <a:rPr lang="ko-KR" altLang="en-US" dirty="0" smtClean="0"/>
+              <a:t>주인공</a:t>
+            </a:r>
+            <a:endParaRPr lang="ko" altLang="en-US" dirty="0"/>
+          </a:p>
+          <a:p>
+            <a:pPr marL="0" indent="0">
+              <a:buNone/>
+            </a:pPr>
+            <a:r>
+              <a:rPr lang="ko-KR" altLang="en-US" dirty="0" smtClean="0"/>
+              <a:t>선택 조건</a:t>
+            </a:r>
+            <a:r>
+              <a:rPr lang="en-US" altLang="ko-KR" dirty="0" smtClean="0"/>
+              <a:t>: </a:t>
+            </a:r>
+            <a:r>
+              <a:rPr lang="ko-KR" altLang="en-US" dirty="0" smtClean="0"/>
+              <a:t>죄수 </a:t>
+            </a:r>
+            <a:r>
+              <a:rPr lang="ko-KR" altLang="en-US" dirty="0"/>
+              <a:t>스테이지에서 일정확률로 </a:t>
+            </a:r>
+            <a:r>
+              <a:rPr lang="ko-KR" altLang="en-US" dirty="0" err="1"/>
+              <a:t>몬스터와</a:t>
+            </a:r>
+            <a:r>
+              <a:rPr lang="ko-KR" altLang="en-US" dirty="0"/>
+              <a:t> 함께 나옴 죽이면 안됨 기다리면 알아서 </a:t>
+            </a:r>
+            <a:r>
+              <a:rPr lang="ko-KR" altLang="en-US" dirty="0" smtClean="0"/>
+              <a:t>사라짐</a:t>
+            </a:r>
+            <a:r>
+              <a:rPr lang="en-US" altLang="ko-KR" dirty="0" smtClean="0"/>
+              <a:t>.</a:t>
+            </a:r>
+            <a:endParaRPr lang="ko-KR" altLang="en-US" dirty="0"/>
+          </a:p>
+          <a:p>
+            <a:endParaRPr lang="ko" altLang="en-US" dirty="0"/>
+          </a:p>
+          <a:p>
+            <a:r>
+              <a:rPr lang="ko-KR" altLang="en-US" dirty="0" err="1"/>
+              <a:t>방패병</a:t>
+            </a:r>
+            <a:r>
+              <a:rPr lang="en-US" altLang="ko" dirty="0"/>
+              <a:t>(</a:t>
+            </a:r>
+            <a:r>
+              <a:rPr lang="ko-KR" altLang="en-US" dirty="0"/>
+              <a:t>방패로 완전방어</a:t>
+            </a:r>
+            <a:r>
+              <a:rPr lang="en-US" altLang="ko" dirty="0"/>
+              <a:t>)</a:t>
+            </a:r>
+            <a:endParaRPr lang="ko" altLang="en-US" dirty="0"/>
+          </a:p>
+          <a:p>
+            <a:pPr marL="0" indent="0">
+              <a:buNone/>
+            </a:pPr>
+            <a:r>
+              <a:rPr lang="ko-KR" altLang="en-US" dirty="0"/>
+              <a:t>중세시대 기사처럼 생김 </a:t>
+            </a:r>
+            <a:r>
+              <a:rPr lang="ko-KR" altLang="en-US" dirty="0" err="1"/>
+              <a:t>동글동글한놈</a:t>
+            </a:r>
+            <a:r>
+              <a:rPr lang="ko-KR" altLang="en-US" dirty="0"/>
+              <a:t> 외계인</a:t>
+            </a:r>
+          </a:p>
+          <a:p>
+            <a:pPr marL="0" indent="0">
+              <a:buNone/>
+            </a:pPr>
+            <a:r>
+              <a:rPr lang="ko-KR" altLang="en-US" dirty="0" smtClean="0"/>
+              <a:t>조건</a:t>
+            </a:r>
+            <a:r>
+              <a:rPr lang="en-US" altLang="ko-KR" dirty="0" smtClean="0"/>
+              <a:t>: </a:t>
+            </a:r>
+            <a:r>
+              <a:rPr lang="ko-KR" altLang="en-US" dirty="0" smtClean="0"/>
+              <a:t>게임오버 </a:t>
+            </a:r>
+            <a:r>
+              <a:rPr lang="en-US" altLang="ko" dirty="0" smtClean="0"/>
+              <a:t>100</a:t>
+            </a:r>
+            <a:r>
+              <a:rPr lang="ko-KR" altLang="en-US" dirty="0" smtClean="0"/>
+              <a:t>번 이상 죽으면 고를 수 있음</a:t>
+            </a:r>
+            <a:endParaRPr lang="ko" altLang="en-US" dirty="0"/>
+          </a:p>
+          <a:p>
+            <a:endParaRPr lang="ko" altLang="en-US" dirty="0"/>
+          </a:p>
+          <a:p>
+            <a:r>
+              <a:rPr lang="ko-KR" altLang="en-US" dirty="0" err="1" smtClean="0"/>
+              <a:t>백색닌자</a:t>
+            </a:r>
+            <a:r>
+              <a:rPr lang="en-US" altLang="ko" dirty="0"/>
+              <a:t>(</a:t>
+            </a:r>
+            <a:r>
+              <a:rPr lang="ko-KR" altLang="en-US" dirty="0" err="1"/>
+              <a:t>패시브로</a:t>
+            </a:r>
+            <a:r>
+              <a:rPr lang="ko-KR" altLang="en-US" dirty="0"/>
+              <a:t> </a:t>
+            </a:r>
+            <a:r>
+              <a:rPr lang="ko-KR" altLang="en-US" dirty="0" err="1" smtClean="0"/>
+              <a:t>데미지</a:t>
+            </a:r>
+            <a:r>
+              <a:rPr lang="ko-KR" altLang="en-US" dirty="0" smtClean="0"/>
+              <a:t> 입으면 사방으로 표창 날라감</a:t>
+            </a:r>
+            <a:r>
+              <a:rPr lang="en-US" altLang="ko" dirty="0" smtClean="0"/>
+              <a:t>) </a:t>
+            </a:r>
+          </a:p>
+          <a:p>
+            <a:pPr marL="0" indent="0">
+              <a:buNone/>
+            </a:pPr>
+            <a:r>
+              <a:rPr lang="ko-KR" altLang="en-US" dirty="0" err="1" smtClean="0"/>
+              <a:t>분신술</a:t>
+            </a:r>
+            <a:r>
+              <a:rPr lang="ko-KR" altLang="en-US" dirty="0" smtClean="0"/>
+              <a:t> </a:t>
+            </a:r>
+            <a:r>
+              <a:rPr lang="ko-KR" altLang="en-US" dirty="0"/>
+              <a:t>스킬 사용 가능 </a:t>
+            </a:r>
+            <a:r>
+              <a:rPr lang="ko-KR" altLang="en-US" dirty="0" err="1" smtClean="0"/>
+              <a:t>또다른</a:t>
+            </a:r>
+            <a:r>
+              <a:rPr lang="ko-KR" altLang="en-US" dirty="0" smtClean="0"/>
+              <a:t> 자기자신의 그림자가 </a:t>
+            </a:r>
+            <a:r>
+              <a:rPr lang="ko-KR" altLang="en-US" dirty="0"/>
+              <a:t>나와서 </a:t>
+            </a:r>
+            <a:r>
+              <a:rPr lang="ko-KR" altLang="en-US" dirty="0" err="1" smtClean="0"/>
+              <a:t>현재들고</a:t>
+            </a:r>
+            <a:r>
+              <a:rPr lang="ko-KR" altLang="en-US" dirty="0" smtClean="0"/>
+              <a:t> 있는 </a:t>
+            </a:r>
+            <a:r>
+              <a:rPr lang="ko-KR" altLang="en-US" dirty="0"/>
+              <a:t>무기로 싸워줌 약물 능력 전혀 적용 안됨</a:t>
+            </a:r>
+          </a:p>
+          <a:p>
+            <a:endParaRPr lang="ko" altLang="en-US" dirty="0"/>
+          </a:p>
+          <a:p>
+            <a:pPr marL="0" indent="0">
+              <a:buNone/>
+            </a:pPr>
+            <a:r>
+              <a:rPr lang="ko-KR" altLang="en-US" dirty="0" err="1"/>
+              <a:t>마지막스테이지</a:t>
+            </a:r>
+            <a:r>
+              <a:rPr lang="ko-KR" altLang="en-US" dirty="0"/>
+              <a:t> </a:t>
+            </a:r>
+            <a:r>
+              <a:rPr lang="ko-KR" altLang="en-US" dirty="0" err="1"/>
+              <a:t>맵밖에서</a:t>
+            </a:r>
+            <a:r>
+              <a:rPr lang="ko-KR" altLang="en-US" dirty="0"/>
+              <a:t> </a:t>
+            </a:r>
+            <a:r>
+              <a:rPr lang="ko-KR" altLang="en-US" dirty="0" err="1"/>
+              <a:t>빠른속도로</a:t>
+            </a:r>
+            <a:r>
+              <a:rPr lang="ko-KR" altLang="en-US" dirty="0"/>
+              <a:t> </a:t>
+            </a:r>
+            <a:r>
+              <a:rPr lang="ko-KR" altLang="en-US" dirty="0" err="1"/>
+              <a:t>일반닌자가</a:t>
+            </a:r>
+            <a:r>
+              <a:rPr lang="ko-KR" altLang="en-US" dirty="0"/>
+              <a:t> 돌아다님 일정시간 지나면 사라짐 따라가서 </a:t>
+            </a:r>
+            <a:r>
+              <a:rPr lang="ko-KR" altLang="en-US" dirty="0" smtClean="0"/>
+              <a:t>잡아야 함</a:t>
+            </a:r>
+            <a:endParaRPr lang="ko-KR" altLang="en-US" dirty="0"/>
+          </a:p>
+          <a:p>
+            <a:endParaRPr lang="ko" altLang="en-US" dirty="0"/>
+          </a:p>
+          <a:p>
+            <a:r>
+              <a:rPr lang="ko-KR" altLang="en-US" dirty="0"/>
+              <a:t>저격수</a:t>
+            </a:r>
+            <a:r>
+              <a:rPr lang="en-US" altLang="ko" dirty="0"/>
+              <a:t>(</a:t>
+            </a:r>
+            <a:r>
+              <a:rPr lang="ko-KR" altLang="en-US" dirty="0" err="1" smtClean="0"/>
+              <a:t>에꾸눈임</a:t>
+            </a:r>
+            <a:r>
+              <a:rPr lang="ko-KR" altLang="en-US" dirty="0" smtClean="0"/>
+              <a:t> </a:t>
+            </a:r>
+            <a:r>
+              <a:rPr lang="en-US" altLang="ko" dirty="0" smtClean="0"/>
+              <a:t>- </a:t>
+            </a:r>
+            <a:r>
+              <a:rPr lang="ko-KR" altLang="en-US" dirty="0" err="1"/>
+              <a:t>스킬을쓰면</a:t>
+            </a:r>
+            <a:r>
+              <a:rPr lang="ko-KR" altLang="en-US" dirty="0"/>
+              <a:t> </a:t>
+            </a:r>
+            <a:r>
+              <a:rPr lang="ko-KR" altLang="en-US" dirty="0" smtClean="0"/>
+              <a:t>시간이 멈추고 </a:t>
+            </a:r>
+            <a:r>
+              <a:rPr lang="ko-KR" altLang="en-US" dirty="0" err="1" smtClean="0"/>
+              <a:t>한명</a:t>
+            </a:r>
+            <a:r>
+              <a:rPr lang="ko-KR" altLang="en-US" dirty="0" smtClean="0"/>
+              <a:t> </a:t>
+            </a:r>
+            <a:r>
+              <a:rPr lang="ko-KR" altLang="en-US" dirty="0"/>
+              <a:t>터치해서 </a:t>
+            </a:r>
+            <a:r>
+              <a:rPr lang="ko-KR" altLang="en-US" dirty="0" smtClean="0"/>
+              <a:t>사격할 수 있음 </a:t>
+            </a:r>
+            <a:r>
+              <a:rPr lang="ko-KR" altLang="en-US" dirty="0" err="1"/>
+              <a:t>데미지</a:t>
+            </a:r>
+            <a:r>
+              <a:rPr lang="ko-KR" altLang="en-US" dirty="0"/>
+              <a:t> </a:t>
+            </a:r>
+            <a:r>
+              <a:rPr lang="ko-KR" altLang="en-US" dirty="0" err="1"/>
+              <a:t>겁나세게</a:t>
+            </a:r>
+            <a:r>
+              <a:rPr lang="ko-KR" altLang="en-US" dirty="0"/>
+              <a:t> 들어감 </a:t>
+            </a:r>
+            <a:r>
+              <a:rPr lang="ko-KR" altLang="en-US" dirty="0" err="1"/>
+              <a:t>쿨타임</a:t>
+            </a:r>
+            <a:r>
+              <a:rPr lang="ko-KR" altLang="en-US" dirty="0"/>
+              <a:t> 길음</a:t>
+            </a:r>
+            <a:r>
+              <a:rPr lang="en-US" altLang="ko" dirty="0"/>
+              <a:t>)</a:t>
+            </a:r>
+            <a:endParaRPr lang="ko" altLang="en-US" dirty="0"/>
+          </a:p>
+          <a:p>
+            <a:pPr marL="0" indent="0">
+              <a:buNone/>
+            </a:pPr>
+            <a:r>
+              <a:rPr lang="en-US" altLang="ko" dirty="0"/>
+              <a:t>)</a:t>
+            </a:r>
+            <a:endParaRPr lang="ko" altLang="en-US" dirty="0"/>
+          </a:p>
+          <a:p>
+            <a:pPr marL="0" indent="0">
+              <a:buNone/>
+            </a:pPr>
+            <a:r>
+              <a:rPr lang="en-US" altLang="ko-KR" dirty="0" smtClean="0"/>
+              <a:t>	</a:t>
+            </a:r>
+            <a:r>
+              <a:rPr lang="ko-KR" altLang="en-US" dirty="0" smtClean="0"/>
+              <a:t>게임을 </a:t>
+            </a:r>
+            <a:r>
+              <a:rPr lang="en-US" altLang="ko-KR" dirty="0" smtClean="0"/>
+              <a:t>2</a:t>
+            </a:r>
+            <a:r>
+              <a:rPr lang="ko-KR" altLang="en-US" dirty="0" smtClean="0"/>
+              <a:t>번 </a:t>
+            </a:r>
+            <a:r>
+              <a:rPr lang="ko-KR" altLang="en-US" dirty="0" err="1" smtClean="0"/>
+              <a:t>클리어</a:t>
+            </a:r>
+            <a:r>
+              <a:rPr lang="ko-KR" altLang="en-US" dirty="0" smtClean="0"/>
+              <a:t> 하면 나옴</a:t>
+            </a:r>
+            <a:endParaRPr lang="ko-KR" altLang="en-US" dirty="0"/>
+          </a:p>
+          <a:p>
+            <a:endParaRPr lang="ko" altLang="en-US" dirty="0"/>
+          </a:p>
+          <a:p>
+            <a:r>
+              <a:rPr lang="ko-KR" altLang="en-US" dirty="0"/>
+              <a:t>보안 로봇</a:t>
+            </a:r>
+            <a:r>
+              <a:rPr lang="en-US" altLang="ko" dirty="0"/>
+              <a:t>(</a:t>
+            </a:r>
+            <a:r>
+              <a:rPr lang="ko-KR" altLang="en-US" dirty="0"/>
+              <a:t>달려가서 자폭하는 로봇들 </a:t>
+            </a:r>
+            <a:r>
+              <a:rPr lang="en-US" altLang="ko" dirty="0"/>
+              <a:t>5</a:t>
+            </a:r>
+            <a:r>
+              <a:rPr lang="ko-KR" altLang="en-US" dirty="0"/>
+              <a:t>마리 </a:t>
+            </a:r>
+            <a:r>
+              <a:rPr lang="ko-KR" altLang="en-US" dirty="0" smtClean="0"/>
+              <a:t>나옴 가방 무게 제한 없음 먹으면 먹을수록 칸이 아래로 쌓임</a:t>
+            </a:r>
+            <a:r>
+              <a:rPr lang="en-US" altLang="ko" dirty="0" smtClean="0"/>
+              <a:t>)</a:t>
+            </a:r>
+          </a:p>
+          <a:p>
+            <a:pPr marL="0" indent="0">
+              <a:buNone/>
+            </a:pPr>
+            <a:r>
+              <a:rPr lang="ko-KR" altLang="en-US" dirty="0" smtClean="0"/>
+              <a:t>게임 누적 플레이 시간 </a:t>
+            </a:r>
+            <a:r>
+              <a:rPr lang="en-US" altLang="ko-KR" dirty="0" smtClean="0"/>
+              <a:t>20</a:t>
+            </a:r>
+            <a:r>
+              <a:rPr lang="ko-KR" altLang="en-US" dirty="0" smtClean="0"/>
+              <a:t>시간 이상이면 </a:t>
+            </a:r>
+            <a:r>
+              <a:rPr lang="ko-KR" altLang="en-US" dirty="0" err="1" smtClean="0"/>
+              <a:t>언락</a:t>
+            </a:r>
+            <a:endParaRPr lang="en-US" altLang="ko" dirty="0" smtClean="0"/>
+          </a:p>
+          <a:p>
+            <a:endParaRPr lang="ko" altLang="en-US" dirty="0"/>
+          </a:p>
+          <a:p>
+            <a:endParaRPr lang="ko" altLang="en-US" dirty="0"/>
+          </a:p>
+          <a:p>
+            <a:r>
+              <a:rPr lang="ko-KR" altLang="en-US" dirty="0"/>
+              <a:t>과학자 주인공</a:t>
+            </a:r>
+          </a:p>
+          <a:p>
+            <a:pPr marL="0" indent="0">
+              <a:buNone/>
+            </a:pPr>
+            <a:r>
+              <a:rPr lang="ko-KR" altLang="en-US" dirty="0"/>
+              <a:t>선택조건</a:t>
+            </a:r>
+            <a:r>
+              <a:rPr lang="en-US" altLang="ko-KR" dirty="0"/>
+              <a:t>: </a:t>
+            </a:r>
+            <a:r>
+              <a:rPr lang="ko-KR" altLang="en-US" dirty="0"/>
+              <a:t>과학자스테이지만 </a:t>
+            </a:r>
+            <a:r>
+              <a:rPr lang="ko-KR" altLang="en-US" dirty="0" err="1"/>
+              <a:t>맵</a:t>
+            </a:r>
+            <a:r>
+              <a:rPr lang="ko-KR" altLang="en-US" dirty="0"/>
+              <a:t> 구석에 일정 확률로 나타남 </a:t>
+            </a:r>
+            <a:r>
+              <a:rPr lang="en-US" altLang="ko-KR" dirty="0"/>
+              <a:t>3</a:t>
+            </a:r>
+            <a:r>
+              <a:rPr lang="ko-KR" altLang="en-US" dirty="0"/>
+              <a:t>번째로 만났을 때까지 꾸준히 말 걸면  </a:t>
+            </a:r>
+            <a:r>
+              <a:rPr lang="ko-KR" altLang="en-US" dirty="0" err="1"/>
+              <a:t>언락</a:t>
+            </a:r>
+            <a:r>
+              <a:rPr lang="ko-KR" altLang="en-US" dirty="0"/>
+              <a:t> 됨 </a:t>
+            </a:r>
+            <a:r>
+              <a:rPr lang="ko-KR" altLang="en-US" dirty="0" err="1"/>
+              <a:t>ㅇ</a:t>
+            </a:r>
+            <a:endParaRPr lang="en-US" altLang="ko-KR" dirty="0"/>
+          </a:p>
+          <a:p>
+            <a:endParaRPr lang="ko" altLang="en-US" dirty="0"/>
+          </a:p>
+          <a:p>
+            <a:endParaRPr lang="en-US" altLang="ko-KR" b="1" dirty="0" smtClean="0"/>
+          </a:p>
+        </p:txBody>
+      </p:sp>
+    </p:spTree>
+    <p:extLst>
+      <p:ext uri="{BB962C8B-B14F-4D97-AF65-F5344CB8AC3E}">
+        <p14:creationId xmlns:p14="http://schemas.microsoft.com/office/powerpoint/2010/main" val="2682462336"/>
+      </p:ext>
+    </p:extLst>
+  </p:cSld>
+  <p:clrMapOvr>
+    <a:masterClrMapping/>
+  </p:clrMapOvr>
+</p:sld>
+</file>
+
+<file path=ppt/slides/slide47.xml><?xml version="1.0" encoding="utf-8"?>
+<p:sld xmlns:a="http://schemas.openxmlformats.org/drawingml/2006/main" xmlns:r="http://schemas.openxmlformats.org/officeDocument/2006/relationships" xmlns:p="http://schemas.openxmlformats.org/presentationml/2006/main">
+  <p:cSld>
+    <p:spTree>
+      <p:nvGrpSpPr>
+        <p:cNvPr id="1" name=""/>
+        <p:cNvGrpSpPr/>
+        <p:nvPr/>
+      </p:nvGrpSpPr>
+      <p:grpSpPr>
+        <a:xfrm>
+          <a:off x="0" y="0"/>
+          <a:ext cx="0" cy="0"/>
+          <a:chOff x="0" y="0"/>
+          <a:chExt cx="0" cy="0"/>
+        </a:xfrm>
+      </p:grpSpPr>
+      <p:sp>
+        <p:nvSpPr>
+          <p:cNvPr id="2" name="제목 1"/>
+          <p:cNvSpPr>
+            <a:spLocks noGrp="1"/>
+          </p:cNvSpPr>
+          <p:nvPr>
+            <p:ph type="title"/>
+          </p:nvPr>
+        </p:nvSpPr>
+        <p:spPr/>
+        <p:txBody>
+          <a:bodyPr>
+            <a:normAutofit/>
+          </a:bodyPr>
+          <a:lstStyle/>
+          <a:p>
+            <a:r>
+              <a:rPr lang="ko-KR" altLang="en-US" dirty="0" smtClean="0"/>
+              <a:t>기타의견</a:t>
+            </a:r>
+            <a:endParaRPr lang="ko-KR" altLang="en-US" dirty="0"/>
+          </a:p>
+        </p:txBody>
+      </p:sp>
+      <p:sp>
+        <p:nvSpPr>
+          <p:cNvPr id="3" name="내용 개체 틀 2"/>
+          <p:cNvSpPr>
+            <a:spLocks noGrp="1"/>
+          </p:cNvSpPr>
+          <p:nvPr>
+            <p:ph idx="1"/>
+          </p:nvPr>
+        </p:nvSpPr>
+        <p:spPr/>
+        <p:txBody>
+          <a:bodyPr>
+            <a:normAutofit/>
+          </a:bodyPr>
+          <a:lstStyle/>
+          <a:p>
+            <a:r>
+              <a:rPr lang="ko-KR" altLang="en-US" sz="1800" b="1" dirty="0" smtClean="0"/>
+              <a:t>마지막 스테이지 </a:t>
+            </a:r>
+            <a:r>
+              <a:rPr lang="ko-KR" altLang="en-US" sz="1800" b="1" dirty="0" err="1" smtClean="0"/>
+              <a:t>몬스터들간의</a:t>
+            </a:r>
+            <a:r>
+              <a:rPr lang="ko-KR" altLang="en-US" sz="1800" b="1" dirty="0" smtClean="0"/>
+              <a:t> 연관성이 별로 없는 것 같음</a:t>
+            </a:r>
+            <a:r>
+              <a:rPr lang="en-US" altLang="ko-KR" sz="1800" b="1" dirty="0" smtClean="0"/>
+              <a:t>.</a:t>
+            </a:r>
+          </a:p>
+          <a:p>
+            <a:r>
+              <a:rPr lang="en-US" altLang="ko-KR" sz="1800" b="1" dirty="0" smtClean="0"/>
+              <a:t>1,2,3,4</a:t>
+            </a:r>
+            <a:r>
+              <a:rPr lang="ko-KR" altLang="en-US" sz="1800" b="1" dirty="0" smtClean="0"/>
+              <a:t>스테이지는 </a:t>
+            </a:r>
+            <a:r>
+              <a:rPr lang="ko-KR" altLang="en-US" sz="1800" b="1" dirty="0" err="1" smtClean="0"/>
+              <a:t>컨셉이</a:t>
+            </a:r>
+            <a:r>
+              <a:rPr lang="ko-KR" altLang="en-US" sz="1800" b="1" dirty="0" smtClean="0"/>
+              <a:t> 서로 맞게 잘 된 것 같은데 마지막 스테이지는 서로 따로 노는 느낌이듬</a:t>
+            </a:r>
+            <a:endParaRPr lang="en-US" altLang="ko-KR" sz="1800" b="1" dirty="0"/>
+          </a:p>
+          <a:p>
+            <a:r>
+              <a:rPr lang="en-US" altLang="ko-KR" sz="1800" b="1" dirty="0" smtClean="0"/>
+              <a:t> </a:t>
+            </a:r>
+            <a:r>
+              <a:rPr lang="ko-KR" altLang="en-US" sz="1800" b="1" dirty="0" smtClean="0"/>
+              <a:t>차라리 요원스테이지 </a:t>
+            </a:r>
+            <a:r>
+              <a:rPr lang="ko-KR" altLang="en-US" sz="1800" b="1" dirty="0" err="1" smtClean="0"/>
+              <a:t>군인스테이지롤</a:t>
+            </a:r>
+            <a:r>
+              <a:rPr lang="ko-KR" altLang="en-US" sz="1800" b="1" dirty="0" smtClean="0"/>
+              <a:t> </a:t>
+            </a:r>
+            <a:r>
+              <a:rPr lang="ko-KR" altLang="en-US" sz="1800" b="1" dirty="0" err="1" smtClean="0"/>
+              <a:t>나누는것이</a:t>
+            </a:r>
+            <a:r>
+              <a:rPr lang="ko-KR" altLang="en-US" sz="1800" b="1" dirty="0" smtClean="0"/>
+              <a:t> </a:t>
+            </a:r>
+            <a:r>
+              <a:rPr lang="ko-KR" altLang="en-US" sz="1800" b="1" dirty="0" err="1" smtClean="0"/>
+              <a:t>좋을것같음</a:t>
+            </a:r>
+            <a:endParaRPr lang="en-US" altLang="ko-KR" sz="1800" b="1" dirty="0" smtClean="0"/>
+          </a:p>
+          <a:p>
+            <a:r>
+              <a:rPr lang="ko-KR" altLang="en-US" sz="1800" b="1" dirty="0" smtClean="0"/>
+              <a:t>군인스테이지에 기본 보병 추가 </a:t>
+            </a:r>
+            <a:r>
+              <a:rPr lang="en-US" altLang="ko-KR" sz="1800" b="1" dirty="0" smtClean="0"/>
+              <a:t>+ </a:t>
+            </a:r>
+            <a:r>
+              <a:rPr lang="ko-KR" altLang="en-US" sz="1800" b="1" dirty="0" err="1" smtClean="0"/>
+              <a:t>기존에있던</a:t>
+            </a:r>
+            <a:r>
+              <a:rPr lang="ko-KR" altLang="en-US" sz="1800" b="1" dirty="0" smtClean="0"/>
+              <a:t> </a:t>
+            </a:r>
+            <a:r>
+              <a:rPr lang="ko-KR" altLang="en-US" sz="1800" b="1" dirty="0" err="1" smtClean="0"/>
+              <a:t>대포병</a:t>
+            </a:r>
+            <a:r>
+              <a:rPr lang="en-US" altLang="ko-KR" sz="1800" b="1" dirty="0" smtClean="0"/>
+              <a:t>,</a:t>
+            </a:r>
+            <a:r>
+              <a:rPr lang="ko-KR" altLang="en-US" sz="1800" b="1" dirty="0" smtClean="0"/>
+              <a:t>저격수</a:t>
+            </a:r>
+            <a:r>
+              <a:rPr lang="en-US" altLang="ko-KR" sz="1800" b="1" dirty="0" smtClean="0"/>
+              <a:t>,</a:t>
+            </a:r>
+            <a:r>
+              <a:rPr lang="ko-KR" altLang="en-US" sz="1800" b="1" dirty="0" err="1" smtClean="0"/>
+              <a:t>포탑짓는애</a:t>
+            </a:r>
+            <a:r>
+              <a:rPr lang="ko-KR" altLang="en-US" sz="1800" b="1" dirty="0" smtClean="0"/>
+              <a:t> 사용</a:t>
+            </a:r>
+            <a:endParaRPr lang="en-US" altLang="ko-KR" sz="1800" b="1" dirty="0" smtClean="0"/>
+          </a:p>
+          <a:p>
+            <a:r>
+              <a:rPr lang="ko-KR" altLang="en-US" sz="1800" b="1" dirty="0" smtClean="0"/>
+              <a:t>요원스테이지에 쌍권총요원 </a:t>
+            </a:r>
+            <a:r>
+              <a:rPr lang="en-US" altLang="ko-KR" sz="1800" b="1" dirty="0" smtClean="0"/>
+              <a:t>+ </a:t>
+            </a:r>
+            <a:r>
+              <a:rPr lang="ko-KR" altLang="en-US" sz="1800" b="1" dirty="0" smtClean="0"/>
+              <a:t>암살자 </a:t>
+            </a:r>
+            <a:r>
+              <a:rPr lang="en-US" altLang="ko-KR" sz="1800" b="1" dirty="0" smtClean="0"/>
+              <a:t>+ </a:t>
+            </a:r>
+            <a:r>
+              <a:rPr lang="ko-KR" altLang="en-US" sz="1800" b="1" dirty="0" smtClean="0"/>
+              <a:t>기타요원</a:t>
+            </a:r>
+            <a:r>
+              <a:rPr lang="en-US" altLang="ko-KR" sz="1800" b="1" dirty="0" smtClean="0"/>
+              <a:t>2</a:t>
+            </a:r>
+            <a:r>
+              <a:rPr lang="ko-KR" altLang="en-US" sz="1800" b="1" dirty="0" smtClean="0"/>
+              <a:t>개 </a:t>
+            </a:r>
+            <a:r>
+              <a:rPr lang="ko-KR" altLang="en-US" sz="1800" b="1" dirty="0" err="1" smtClean="0"/>
+              <a:t>이런식으로</a:t>
+            </a:r>
+            <a:r>
+              <a:rPr lang="ko-KR" altLang="en-US" sz="1800" b="1" dirty="0" smtClean="0"/>
+              <a:t> </a:t>
+            </a:r>
+            <a:r>
+              <a:rPr lang="ko-KR" altLang="en-US" sz="1800" b="1" dirty="0" err="1" smtClean="0"/>
+              <a:t>하는것이</a:t>
+            </a:r>
+            <a:r>
+              <a:rPr lang="ko-KR" altLang="en-US" sz="1800" b="1" dirty="0" smtClean="0"/>
+              <a:t> </a:t>
+            </a:r>
+            <a:r>
+              <a:rPr lang="ko-KR" altLang="en-US" sz="1800" b="1" dirty="0" err="1" smtClean="0"/>
+              <a:t>좋아보임</a:t>
+            </a:r>
+            <a:endParaRPr lang="en-US" altLang="ko-KR" sz="1800" b="1" dirty="0" smtClean="0"/>
+          </a:p>
+        </p:txBody>
+      </p:sp>
+    </p:spTree>
+    <p:extLst>
+      <p:ext uri="{BB962C8B-B14F-4D97-AF65-F5344CB8AC3E}">
+        <p14:creationId xmlns:p14="http://schemas.microsoft.com/office/powerpoint/2010/main" val="1552690130"/>
+      </p:ext>
+    </p:extLst>
+  </p:cSld>
+  <p:clrMapOvr>
+    <a:masterClrMapping/>
+  </p:clrMapOvr>
+</p:sld>
+</file>
+
+<file path=ppt/slides/slide48.xml><?xml version="1.0" encoding="utf-8"?>
+<p:sld xmlns:a="http://schemas.openxmlformats.org/drawingml/2006/main" xmlns:r="http://schemas.openxmlformats.org/officeDocument/2006/relationships" xmlns:p="http://schemas.openxmlformats.org/presentationml/2006/main">
+  <p:cSld>
+    <p:spTree>
+      <p:nvGrpSpPr>
+        <p:cNvPr id="1" name=""/>
+        <p:cNvGrpSpPr/>
+        <p:nvPr/>
+      </p:nvGrpSpPr>
+      <p:grpSpPr>
+        <a:xfrm>
+          <a:off x="0" y="0"/>
+          <a:ext cx="0" cy="0"/>
+          <a:chOff x="0" y="0"/>
+          <a:chExt cx="0" cy="0"/>
+        </a:xfrm>
+      </p:grpSpPr>
+      <p:sp>
+        <p:nvSpPr>
+          <p:cNvPr id="2" name="제목 1"/>
+          <p:cNvSpPr>
+            <a:spLocks noGrp="1"/>
+          </p:cNvSpPr>
+          <p:nvPr>
+            <p:ph type="title"/>
+          </p:nvPr>
+        </p:nvSpPr>
+        <p:spPr/>
+        <p:txBody>
+          <a:bodyPr>
+            <a:normAutofit/>
+          </a:bodyPr>
+          <a:lstStyle/>
+          <a:p>
+            <a:r>
+              <a:rPr lang="ko-KR" altLang="en-US" dirty="0" smtClean="0"/>
+              <a:t>기타의견</a:t>
             </a:r>
             <a:endParaRPr lang="ko-KR" altLang="en-US" dirty="0"/>
           </a:p>
@@ -19248,47 +21299,209 @@
           <a:lstStyle/>
           <a:p>
             <a:r>
+              <a:rPr lang="ko-KR" altLang="en-US" sz="1800" b="1" dirty="0" err="1" smtClean="0"/>
+              <a:t>스테이지별</a:t>
+            </a:r>
+            <a:r>
               <a:rPr lang="ko-KR" altLang="en-US" sz="1800" b="1" dirty="0" smtClean="0"/>
-              <a:t>이동 조이스틱을 이동식으로도 </a:t>
+              <a:t> </a:t>
             </a:r>
             <a:r>
               <a:rPr lang="ko-KR" altLang="en-US" sz="1800" b="1" dirty="0" err="1" smtClean="0"/>
-              <a:t>쓸수있는</a:t>
+              <a:t>몬스터</a:t>
             </a:r>
             <a:r>
               <a:rPr lang="ko-KR" altLang="en-US" sz="1800" b="1" dirty="0" smtClean="0"/>
-              <a:t> 설정</a:t>
+              <a:t> 기본패턴은 기본적으로 </a:t>
+            </a:r>
+            <a:r>
+              <a:rPr lang="en-US" altLang="ko-KR" sz="1800" b="1" dirty="0" smtClean="0"/>
+              <a:t> </a:t>
+            </a:r>
+          </a:p>
+          <a:p>
+            <a:r>
+              <a:rPr lang="ko-KR" altLang="en-US" sz="1800" b="1" dirty="0" err="1" smtClean="0"/>
+              <a:t>쉬운근접</a:t>
+            </a:r>
+            <a:r>
+              <a:rPr lang="ko-KR" altLang="en-US" sz="1800" b="1" dirty="0" smtClean="0"/>
+              <a:t> </a:t>
             </a:r>
             <a:endParaRPr lang="en-US" altLang="ko-KR" sz="1800" b="1" dirty="0" smtClean="0"/>
           </a:p>
           <a:p>
             <a:r>
+              <a:rPr lang="ko-KR" altLang="en-US" sz="1800" b="1" dirty="0" err="1" smtClean="0"/>
+              <a:t>어려운근접</a:t>
+            </a:r>
+            <a:endParaRPr lang="en-US" altLang="ko-KR" sz="1800" b="1" dirty="0" smtClean="0"/>
+          </a:p>
+          <a:p>
+            <a:r>
+              <a:rPr lang="ko-KR" altLang="en-US" sz="1800" b="1" dirty="0" err="1" smtClean="0"/>
+              <a:t>쉬운원거리</a:t>
+            </a:r>
+            <a:endParaRPr lang="en-US" altLang="ko-KR" sz="1800" b="1" dirty="0" smtClean="0"/>
+          </a:p>
+          <a:p>
+            <a:r>
+              <a:rPr lang="ko-KR" altLang="en-US" sz="1800" b="1" dirty="0" err="1" smtClean="0"/>
+              <a:t>어려운원거리로</a:t>
+            </a:r>
+            <a:r>
               <a:rPr lang="ko-KR" altLang="en-US" sz="1800" b="1" dirty="0" smtClean="0"/>
-              <a:t>무기 슬롯이 </a:t>
-            </a:r>
+              <a:t> 구성</a:t>
+            </a:r>
+            <a:endParaRPr lang="en-US" altLang="ko-KR" sz="1800" b="1" dirty="0" smtClean="0"/>
+          </a:p>
+          <a:p>
+            <a:endParaRPr lang="en-US" altLang="ko-KR" sz="1800" b="1" dirty="0" smtClean="0"/>
+          </a:p>
+          <a:p>
+            <a:r>
+              <a:rPr lang="ko-KR" altLang="en-US" sz="1800" b="1" dirty="0" smtClean="0"/>
+              <a:t>패턴은 스테이지마다 전부 다르게</a:t>
+            </a:r>
+            <a:endParaRPr lang="en-US" altLang="ko-KR" sz="1800" b="1" dirty="0" smtClean="0"/>
+          </a:p>
+          <a:p>
+            <a:endParaRPr lang="en-US" altLang="ko-KR" sz="1800" b="1" dirty="0" smtClean="0"/>
+          </a:p>
+          <a:p>
             <a:r>
               <a:rPr lang="ko-KR" altLang="en-US" sz="1800" b="1" dirty="0" err="1" smtClean="0"/>
-              <a:t>필요해보임</a:t>
-            </a:r>
+              <a:t>쉬운패턴의</a:t>
+            </a:r>
+            <a:r>
+              <a:rPr lang="ko-KR" altLang="en-US" sz="1800" b="1" dirty="0" smtClean="0"/>
+              <a:t> 정도 </a:t>
+            </a:r>
+            <a:endParaRPr lang="en-US" altLang="ko-KR" sz="1800" b="1" dirty="0" smtClean="0"/>
+          </a:p>
+          <a:p>
             <a:r>
               <a:rPr lang="en-US" altLang="ko-KR" sz="1800" b="1" dirty="0" smtClean="0"/>
               <a:t>(</a:t>
             </a:r>
             <a:r>
               <a:rPr lang="ko-KR" altLang="en-US" sz="1800" b="1" dirty="0" smtClean="0"/>
-              <a:t>총</a:t>
-            </a:r>
-            <a:r>
-              <a:rPr lang="en-US" altLang="ko-KR" sz="1800" b="1" smtClean="0"/>
+              <a:t>원거리 </a:t>
+            </a:r>
+            <a:r>
+              <a:rPr lang="en-US" altLang="ko-KR" sz="1800" b="1" dirty="0" smtClean="0"/>
+              <a:t>: </a:t>
+            </a:r>
+            <a:r>
+              <a:rPr lang="ko-KR" altLang="en-US" sz="1800" b="1" dirty="0" smtClean="0"/>
+              <a:t>누구는 총알 빠르게 </a:t>
+            </a:r>
+            <a:r>
+              <a:rPr lang="en-US" altLang="ko-KR" sz="1800" b="1" dirty="0" smtClean="0"/>
+              <a:t>1</a:t>
+            </a:r>
+            <a:r>
+              <a:rPr lang="ko-KR" altLang="en-US" sz="1800" b="1" dirty="0" err="1" smtClean="0"/>
+              <a:t>발씩쏘고</a:t>
+            </a:r>
+            <a:r>
+              <a:rPr lang="ko-KR" altLang="en-US" sz="1800" b="1" dirty="0" smtClean="0"/>
+              <a:t> 누구는 총알 느리게 </a:t>
+            </a:r>
+            <a:r>
+              <a:rPr lang="en-US" altLang="ko-KR" sz="1800" b="1" dirty="0" smtClean="0"/>
+              <a:t>3</a:t>
+            </a:r>
+            <a:r>
+              <a:rPr lang="ko-KR" altLang="en-US" sz="1800" b="1" dirty="0" smtClean="0"/>
+              <a:t>발씩 쏘고 이정도</a:t>
+            </a:r>
+            <a:r>
+              <a:rPr lang="en-US" altLang="ko-KR" sz="1800" b="1" dirty="0" smtClean="0"/>
+              <a:t>)</a:t>
+            </a:r>
+          </a:p>
+          <a:p>
+            <a:r>
+              <a:rPr lang="en-US" altLang="ko-KR" sz="1800" b="1" dirty="0" smtClean="0"/>
+              <a:t>(</a:t>
+            </a:r>
+            <a:r>
+              <a:rPr lang="ko-KR" altLang="en-US" sz="1800" b="1" dirty="0" smtClean="0"/>
+              <a:t>근거리 </a:t>
+            </a:r>
+            <a:r>
+              <a:rPr lang="en-US" altLang="ko-KR" sz="1800" b="1" dirty="0" smtClean="0"/>
+              <a:t>: </a:t>
+            </a:r>
+            <a:r>
+              <a:rPr lang="ko-KR" altLang="en-US" sz="1800" b="1" dirty="0" err="1" smtClean="0"/>
+              <a:t>가까이와서</a:t>
+            </a:r>
+            <a:r>
+              <a:rPr lang="ko-KR" altLang="en-US" sz="1800" b="1" dirty="0" smtClean="0"/>
+              <a:t> 때리기</a:t>
+            </a:r>
+            <a:r>
+              <a:rPr lang="en-US" altLang="ko-KR" sz="1800" b="1" dirty="0" smtClean="0"/>
               <a:t>,</a:t>
             </a:r>
             <a:r>
-              <a:rPr lang="ko-KR" altLang="en-US" sz="1800" b="1" smtClean="0"/>
-              <a:t>칼을 급하게 </a:t>
+              <a:rPr lang="ko-KR" altLang="en-US" sz="1800" b="1" dirty="0"/>
+              <a:t> </a:t>
+            </a:r>
+            <a:r>
+              <a:rPr lang="ko-KR" altLang="en-US" sz="1800" b="1" dirty="0" smtClean="0"/>
+              <a:t>좀더 먼 거리에서 </a:t>
             </a:r>
             <a:r>
               <a:rPr lang="ko-KR" altLang="en-US" sz="1800" b="1" dirty="0" err="1" smtClean="0"/>
-              <a:t>스왑용으로</a:t>
+              <a:t>대쉬를</a:t>
+            </a:r>
+            <a:r>
+              <a:rPr lang="ko-KR" altLang="en-US" sz="1800" b="1" dirty="0" smtClean="0"/>
+              <a:t> 해서 공격을 </a:t>
+            </a:r>
+            <a:r>
+              <a:rPr lang="ko-KR" altLang="en-US" sz="1800" b="1" dirty="0" err="1" smtClean="0"/>
+              <a:t>한다던지</a:t>
+            </a:r>
+            <a:r>
+              <a:rPr lang="en-US" altLang="ko-KR" sz="1800" b="1" dirty="0" smtClean="0"/>
+              <a:t>)</a:t>
+            </a:r>
+          </a:p>
+          <a:p>
+            <a:r>
+              <a:rPr lang="ko-KR" altLang="en-US" sz="1800" b="1" dirty="0" err="1" smtClean="0"/>
+              <a:t>어려운패턴의</a:t>
+            </a:r>
+            <a:r>
+              <a:rPr lang="ko-KR" altLang="en-US" sz="1800" b="1" dirty="0" smtClean="0"/>
+              <a:t> 정도</a:t>
+            </a:r>
+            <a:endParaRPr lang="en-US" altLang="ko-KR" sz="1800" b="1" dirty="0" smtClean="0"/>
+          </a:p>
+          <a:p>
+            <a:r>
+              <a:rPr lang="en-US" altLang="ko-KR" sz="1800" b="1" dirty="0" smtClean="0"/>
+              <a:t>(</a:t>
+            </a:r>
+            <a:r>
+              <a:rPr lang="ko-KR" altLang="en-US" sz="1800" b="1" dirty="0" smtClean="0"/>
+              <a:t>원거리 </a:t>
+            </a:r>
+            <a:r>
+              <a:rPr lang="en-US" altLang="ko-KR" sz="1800" b="1" dirty="0" smtClean="0"/>
+              <a:t>:</a:t>
+            </a:r>
+            <a:r>
+              <a:rPr lang="ko-KR" altLang="en-US" sz="1800" b="1" dirty="0" smtClean="0"/>
+              <a:t>총알을 </a:t>
+            </a:r>
+            <a:r>
+              <a:rPr lang="ko-KR" altLang="en-US" sz="1800" b="1" dirty="0" err="1" smtClean="0"/>
+              <a:t>여러방향으로</a:t>
             </a:r>
             <a:r>
               <a:rPr lang="ko-KR" altLang="en-US" sz="1800" b="1" dirty="0" smtClean="0"/>
@@ -19296,31 +21509,332 @@
             </a:r>
             <a:r>
               <a:rPr lang="ko-KR" altLang="en-US" sz="1800" b="1" dirty="0" err="1" smtClean="0"/>
-              <a:t>써야할</a:t>
+              <a:t>쏜다던지</a:t>
             </a:r>
             <a:r>
               <a:rPr lang="ko-KR" altLang="en-US" sz="1800" b="1" dirty="0" smtClean="0"/>
-              <a:t> 필요가 </a:t>
+              <a:t> </a:t>
             </a:r>
             <a:r>
               <a:rPr lang="ko-KR" altLang="en-US" sz="1800" b="1" dirty="0" err="1" smtClean="0"/>
-              <a:t>있을떄가</a:t>
+              <a:t>특수탄</a:t>
+            </a:r>
+            <a:r>
+              <a:rPr lang="en-US" altLang="ko-KR" sz="1800" b="1" dirty="0" smtClean="0"/>
+              <a:t>(</a:t>
+            </a:r>
+            <a:r>
+              <a:rPr lang="ko-KR" altLang="en-US" sz="1800" b="1" dirty="0" err="1" smtClean="0"/>
+              <a:t>벽에맞으면</a:t>
             </a:r>
             <a:r>
               <a:rPr lang="ko-KR" altLang="en-US" sz="1800" b="1" dirty="0" smtClean="0"/>
-              <a:t> 있음</a:t>
+              <a:t> 튕기거나 중독</a:t>
+            </a:r>
+            <a:r>
+              <a:rPr lang="en-US" altLang="ko-KR" sz="1800" b="1" dirty="0" smtClean="0"/>
+              <a:t>,</a:t>
+            </a:r>
+            <a:r>
+              <a:rPr lang="ko-KR" altLang="en-US" sz="1800" b="1" dirty="0" smtClean="0"/>
+              <a:t>화상의 효과</a:t>
+            </a:r>
+            <a:r>
+              <a:rPr lang="en-US" altLang="ko-KR" sz="1800" b="1" dirty="0" smtClean="0"/>
+              <a:t>),</a:t>
+            </a:r>
+            <a:r>
+              <a:rPr lang="ko-KR" altLang="en-US" sz="1800" b="1" dirty="0" err="1" smtClean="0"/>
+              <a:t>수류탄등등을</a:t>
+            </a:r>
+            <a:r>
+              <a:rPr lang="ko-KR" altLang="en-US" sz="1800" b="1" dirty="0" smtClean="0"/>
+              <a:t> 사용</a:t>
             </a:r>
             <a:r>
               <a:rPr lang="en-US" altLang="ko-KR" sz="1800" b="1" dirty="0" smtClean="0"/>
               <a:t>)</a:t>
             </a:r>
+          </a:p>
+          <a:p>
+            <a:r>
+              <a:rPr lang="en-US" altLang="ko-KR" sz="1800" b="1" dirty="0" smtClean="0"/>
+              <a:t>(</a:t>
+            </a:r>
+            <a:r>
+              <a:rPr lang="ko-KR" altLang="en-US" sz="1800" b="1" dirty="0" smtClean="0"/>
+              <a:t>근거리 </a:t>
+            </a:r>
+            <a:r>
+              <a:rPr lang="en-US" altLang="ko-KR" sz="1800" b="1" dirty="0" smtClean="0"/>
+              <a:t>: </a:t>
+            </a:r>
+            <a:r>
+              <a:rPr lang="ko-KR" altLang="en-US" sz="1800" b="1" dirty="0" smtClean="0"/>
+              <a:t>위장</a:t>
+            </a:r>
+            <a:r>
+              <a:rPr lang="en-US" altLang="ko-KR" sz="1800" b="1" dirty="0" smtClean="0"/>
+              <a:t>,</a:t>
+            </a:r>
+            <a:r>
+              <a:rPr lang="ko-KR" altLang="en-US" sz="1800" b="1" dirty="0" smtClean="0"/>
+              <a:t>은신</a:t>
+            </a:r>
+            <a:r>
+              <a:rPr lang="en-US" altLang="ko-KR" sz="1800" b="1" dirty="0" smtClean="0"/>
+              <a:t>,</a:t>
+            </a:r>
+            <a:r>
+              <a:rPr lang="ko-KR" altLang="en-US" sz="1800" b="1" dirty="0" smtClean="0"/>
+              <a:t>방패사용</a:t>
+            </a:r>
+            <a:r>
+              <a:rPr lang="en-US" altLang="ko-KR" sz="1800" b="1" dirty="0" smtClean="0"/>
+              <a:t>,</a:t>
+            </a:r>
+            <a:r>
+              <a:rPr lang="ko-KR" altLang="en-US" sz="1800" b="1" dirty="0" smtClean="0"/>
+              <a:t>등등 기본근거리 </a:t>
+            </a:r>
+            <a:r>
+              <a:rPr lang="en-US" altLang="ko-KR" sz="1800" b="1" dirty="0" smtClean="0"/>
+              <a:t>+ @)</a:t>
+            </a:r>
+          </a:p>
+          <a:p>
+            <a:endParaRPr lang="en-US" altLang="ko-KR" sz="1800" b="1" dirty="0" smtClean="0"/>
           </a:p>
         </p:txBody>
       </p:sp>
     </p:spTree>
     <p:extLst>
       <p:ext uri="{BB962C8B-B14F-4D97-AF65-F5344CB8AC3E}">
-        <p14:creationId xmlns:p14="http://schemas.microsoft.com/office/powerpoint/2010/main" val="709771759"/>
+        <p14:creationId xmlns:p14="http://schemas.microsoft.com/office/powerpoint/2010/main" val="2752374943"/>
+      </p:ext>
+    </p:extLst>
+  </p:cSld>
+  <p:clrMapOvr>
+    <a:masterClrMapping/>
+  </p:clrMapOvr>
+</p:sld>
+</file>
+
+<file path=ppt/slides/slide49.xml><?xml version="1.0" encoding="utf-8"?>
+<p:sld xmlns:a="http://schemas.openxmlformats.org/drawingml/2006/main" xmlns:r="http://schemas.openxmlformats.org/officeDocument/2006/relationships" xmlns:p="http://schemas.openxmlformats.org/presentationml/2006/main">
+  <p:cSld>
+    <p:spTree>
+      <p:nvGrpSpPr>
+        <p:cNvPr id="1" name=""/>
+        <p:cNvGrpSpPr/>
+        <p:nvPr/>
+      </p:nvGrpSpPr>
+      <p:grpSpPr>
+        <a:xfrm>
+          <a:off x="0" y="0"/>
+          <a:ext cx="0" cy="0"/>
+          <a:chOff x="0" y="0"/>
+          <a:chExt cx="0" cy="0"/>
+        </a:xfrm>
+      </p:grpSpPr>
+      <p:sp>
+        <p:nvSpPr>
+          <p:cNvPr id="2" name="제목 1"/>
+          <p:cNvSpPr>
+            <a:spLocks noGrp="1"/>
+          </p:cNvSpPr>
+          <p:nvPr>
+            <p:ph type="title"/>
+          </p:nvPr>
+        </p:nvSpPr>
+        <p:spPr/>
+        <p:txBody>
+          <a:bodyPr>
+            <a:normAutofit/>
+          </a:bodyPr>
+          <a:lstStyle/>
+          <a:p>
+            <a:r>
+              <a:rPr lang="ko-KR" altLang="en-US" dirty="0" smtClean="0"/>
+              <a:t>마지막 스테이지 기타의견</a:t>
+            </a:r>
+            <a:endParaRPr lang="ko-KR" altLang="en-US" dirty="0"/>
+          </a:p>
+        </p:txBody>
+      </p:sp>
+      <p:sp>
+        <p:nvSpPr>
+          <p:cNvPr id="3" name="내용 개체 틀 2"/>
+          <p:cNvSpPr>
+            <a:spLocks noGrp="1"/>
+          </p:cNvSpPr>
+          <p:nvPr>
+            <p:ph idx="1"/>
+          </p:nvPr>
+        </p:nvSpPr>
+        <p:spPr>
+          <a:xfrm>
+            <a:off x="-108520" y="1412776"/>
+            <a:ext cx="9613576" cy="5301208"/>
+          </a:xfrm>
+        </p:spPr>
+        <p:txBody>
+          <a:bodyPr>
+            <a:normAutofit/>
+          </a:bodyPr>
+          <a:lstStyle/>
+          <a:p>
+            <a:r>
+              <a:rPr lang="ko-KR" altLang="en-US" sz="1800" b="1" dirty="0" smtClean="0"/>
+              <a:t>아이디어</a:t>
+            </a:r>
+            <a:r>
+              <a:rPr lang="en-US" altLang="ko-KR" sz="1800" b="1" dirty="0" smtClean="0"/>
+              <a:t>1. </a:t>
+            </a:r>
+            <a:r>
+              <a:rPr lang="ko-KR" altLang="en-US" sz="1800" b="1" dirty="0" err="1" smtClean="0"/>
+              <a:t>닌자는</a:t>
+            </a:r>
+            <a:r>
+              <a:rPr lang="ko-KR" altLang="en-US" sz="1800" b="1" dirty="0" smtClean="0"/>
+              <a:t> 주인공 캐릭터로 넣고 요원은 마지막 </a:t>
+            </a:r>
+            <a:r>
+              <a:rPr lang="ko-KR" altLang="en-US" sz="1800" b="1" dirty="0" err="1" smtClean="0"/>
+              <a:t>보스방에서</a:t>
+            </a:r>
+            <a:r>
+              <a:rPr lang="ko-KR" altLang="en-US" sz="1800" b="1" dirty="0" smtClean="0"/>
+              <a:t> 보스 부하로 나오게 </a:t>
+            </a:r>
+            <a:r>
+              <a:rPr lang="ko-KR" altLang="en-US" sz="1800" b="1" dirty="0" err="1" smtClean="0"/>
+              <a:t>하는게</a:t>
+            </a:r>
+            <a:r>
+              <a:rPr lang="ko-KR" altLang="en-US" sz="1800" b="1" dirty="0" smtClean="0"/>
+              <a:t> 어떨지</a:t>
+            </a:r>
+            <a:r>
+              <a:rPr lang="en-US" altLang="ko-KR" sz="1800" b="1" dirty="0" smtClean="0"/>
+              <a:t>?</a:t>
+            </a:r>
+            <a:r>
+              <a:rPr lang="ko-KR" altLang="en-US" sz="1800" b="1" dirty="0"/>
+              <a:t> </a:t>
+            </a:r>
+            <a:r>
+              <a:rPr lang="ko-KR" altLang="en-US" sz="1800" b="1" dirty="0" smtClean="0"/>
+              <a:t>두 </a:t>
+            </a:r>
+            <a:r>
+              <a:rPr lang="ko-KR" altLang="en-US" sz="1800" b="1" dirty="0" err="1" smtClean="0"/>
+              <a:t>몬스터의</a:t>
+            </a:r>
+            <a:r>
+              <a:rPr lang="ko-KR" altLang="en-US" sz="1800" b="1" dirty="0" smtClean="0"/>
+              <a:t> 공백은 경찰스테이지에 있는 소총 </a:t>
+            </a:r>
+            <a:r>
+              <a:rPr lang="ko-KR" altLang="en-US" sz="1800" b="1" dirty="0" err="1" smtClean="0"/>
+              <a:t>쓰는애</a:t>
+            </a:r>
+            <a:r>
+              <a:rPr lang="ko-KR" altLang="en-US" sz="1800" b="1" dirty="0" smtClean="0"/>
+              <a:t> 하나하고 </a:t>
+            </a:r>
+            <a:r>
+              <a:rPr lang="ko-KR" altLang="en-US" sz="1800" b="1" dirty="0" err="1" smtClean="0"/>
+              <a:t>권총쏘는애</a:t>
+            </a:r>
+            <a:r>
+              <a:rPr lang="ko-KR" altLang="en-US" sz="1800" b="1" dirty="0" smtClean="0"/>
+              <a:t> 하나로 대체</a:t>
+            </a:r>
+            <a:r>
+              <a:rPr lang="en-US" altLang="ko-KR" sz="1800" b="1" dirty="0" smtClean="0"/>
+              <a:t>.</a:t>
+            </a:r>
+          </a:p>
+          <a:p>
+            <a:endParaRPr lang="en-US" altLang="ko-KR" sz="1800" b="1" dirty="0"/>
+          </a:p>
+          <a:p>
+            <a:r>
+              <a:rPr lang="ko-KR" altLang="en-US" sz="1800" b="1" dirty="0" smtClean="0"/>
+              <a:t>아이디어</a:t>
+            </a:r>
+            <a:r>
+              <a:rPr lang="en-US" altLang="ko-KR" sz="1800" b="1" dirty="0" smtClean="0"/>
+              <a:t>2. </a:t>
+            </a:r>
+            <a:r>
+              <a:rPr lang="ko-KR" altLang="en-US" sz="1800" b="1" dirty="0" err="1" smtClean="0"/>
+              <a:t>마지막탄은</a:t>
+            </a:r>
+            <a:r>
+              <a:rPr lang="ko-KR" altLang="en-US" sz="1800" b="1" dirty="0" smtClean="0"/>
+              <a:t> </a:t>
+            </a:r>
+            <a:r>
+              <a:rPr lang="en-US" altLang="ko-KR" sz="1800" b="1" dirty="0" smtClean="0"/>
+              <a:t>5-1</a:t>
+            </a:r>
+            <a:r>
+              <a:rPr lang="ko-KR" altLang="en-US" sz="1800" b="1" dirty="0" smtClean="0"/>
+              <a:t>탄 </a:t>
+            </a:r>
+            <a:r>
+              <a:rPr lang="en-US" altLang="ko-KR" sz="1800" b="1" dirty="0" smtClean="0"/>
+              <a:t>5-2</a:t>
+            </a:r>
+            <a:r>
+              <a:rPr lang="ko-KR" altLang="en-US" sz="1800" b="1" dirty="0" smtClean="0"/>
+              <a:t>탄으로 나누어서 </a:t>
+            </a:r>
+            <a:r>
+              <a:rPr lang="en-US" altLang="ko-KR" sz="1800" b="1" dirty="0" smtClean="0"/>
+              <a:t>1</a:t>
+            </a:r>
+            <a:r>
+              <a:rPr lang="ko-KR" altLang="en-US" sz="1800" b="1" dirty="0" smtClean="0"/>
+              <a:t>탄은 요원하고 </a:t>
+            </a:r>
+            <a:r>
+              <a:rPr lang="ko-KR" altLang="en-US" sz="1800" b="1" dirty="0" err="1" smtClean="0"/>
+              <a:t>닌자</a:t>
+            </a:r>
+            <a:r>
+              <a:rPr lang="ko-KR" altLang="en-US" sz="1800" b="1" dirty="0" smtClean="0"/>
+              <a:t> </a:t>
+            </a:r>
+            <a:r>
+              <a:rPr lang="ko-KR" altLang="en-US" sz="1800" b="1" dirty="0" err="1" smtClean="0"/>
+              <a:t>나오게하고</a:t>
+            </a:r>
+            <a:endParaRPr lang="en-US" altLang="ko-KR" sz="1800" b="1" dirty="0" smtClean="0"/>
+          </a:p>
+          <a:p>
+            <a:pPr marL="0" indent="0">
+              <a:buNone/>
+            </a:pPr>
+            <a:r>
+              <a:rPr lang="en-US" altLang="ko-KR" sz="1800" b="1" dirty="0" smtClean="0"/>
+              <a:t>    2</a:t>
+            </a:r>
+            <a:r>
+              <a:rPr lang="ko-KR" altLang="en-US" sz="1800" b="1" dirty="0" smtClean="0"/>
+              <a:t>탄은 군인들 나오게 하기</a:t>
+            </a:r>
+            <a:endParaRPr lang="en-US" altLang="ko-KR" sz="1800" b="1" dirty="0" smtClean="0"/>
+          </a:p>
+        </p:txBody>
+      </p:sp>
+    </p:spTree>
+    <p:extLst>
+      <p:ext uri="{BB962C8B-B14F-4D97-AF65-F5344CB8AC3E}">
+        <p14:creationId xmlns:p14="http://schemas.microsoft.com/office/powerpoint/2010/main" val="3036180783"/>
       </p:ext>
     </p:extLst>
   </p:cSld>
@@ -19568,6 +22082,153 @@
     <p:extLst>
       <p:ext uri="{BB962C8B-B14F-4D97-AF65-F5344CB8AC3E}">
         <p14:creationId xmlns:p14="http://schemas.microsoft.com/office/powerpoint/2010/main" val="2674251076"/>
+      </p:ext>
+    </p:extLst>
+  </p:cSld>
+  <p:clrMapOvr>
+    <a:masterClrMapping/>
+  </p:clrMapOvr>
+</p:sld>
+</file>
+
+<file path=ppt/slides/slide50.xml><?xml version="1.0" encoding="utf-8"?>
+<p:sld xmlns:a="http://schemas.openxmlformats.org/drawingml/2006/main" xmlns:r="http://schemas.openxmlformats.org/officeDocument/2006/relationships" xmlns:p="http://schemas.openxmlformats.org/presentationml/2006/main">
+  <p:cSld>
+    <p:spTree>
+      <p:nvGrpSpPr>
+        <p:cNvPr id="1" name=""/>
+        <p:cNvGrpSpPr/>
+        <p:nvPr/>
+      </p:nvGrpSpPr>
+      <p:grpSpPr>
+        <a:xfrm>
+          <a:off x="0" y="0"/>
+          <a:ext cx="0" cy="0"/>
+          <a:chOff x="0" y="0"/>
+          <a:chExt cx="0" cy="0"/>
+        </a:xfrm>
+      </p:grpSpPr>
+      <p:sp>
+        <p:nvSpPr>
+          <p:cNvPr id="2" name="제목 1"/>
+          <p:cNvSpPr>
+            <a:spLocks noGrp="1"/>
+          </p:cNvSpPr>
+          <p:nvPr>
+            <p:ph type="title"/>
+          </p:nvPr>
+        </p:nvSpPr>
+        <p:spPr/>
+        <p:txBody>
+          <a:bodyPr>
+            <a:normAutofit/>
+          </a:bodyPr>
+          <a:lstStyle/>
+          <a:p>
+            <a:r>
+              <a:rPr lang="ko-KR" altLang="en-US" dirty="0" err="1" smtClean="0"/>
+              <a:t>불편한점</a:t>
+            </a:r>
+            <a:endParaRPr lang="ko-KR" altLang="en-US" dirty="0"/>
+          </a:p>
+        </p:txBody>
+      </p:sp>
+      <p:sp>
+        <p:nvSpPr>
+          <p:cNvPr id="3" name="내용 개체 틀 2"/>
+          <p:cNvSpPr>
+            <a:spLocks noGrp="1"/>
+          </p:cNvSpPr>
+          <p:nvPr>
+            <p:ph idx="1"/>
+          </p:nvPr>
+        </p:nvSpPr>
+        <p:spPr>
+          <a:xfrm>
+            <a:off x="-108520" y="1412776"/>
+            <a:ext cx="9613576" cy="5301208"/>
+          </a:xfrm>
+        </p:spPr>
+        <p:txBody>
+          <a:bodyPr>
+            <a:normAutofit/>
+          </a:bodyPr>
+          <a:lstStyle/>
+          <a:p>
+            <a:r>
+              <a:rPr lang="ko-KR" altLang="en-US" sz="1800" b="1" dirty="0" smtClean="0"/>
+              <a:t>이동 조이스틱을 이동식으로도 </a:t>
+            </a:r>
+            <a:r>
+              <a:rPr lang="ko-KR" altLang="en-US" sz="1800" b="1" dirty="0" err="1" smtClean="0"/>
+              <a:t>쓸수있는</a:t>
+            </a:r>
+            <a:r>
+              <a:rPr lang="ko-KR" altLang="en-US" sz="1800" b="1" dirty="0" smtClean="0"/>
+              <a:t> 설정</a:t>
+            </a:r>
+            <a:endParaRPr lang="en-US" altLang="ko-KR" sz="1800" b="1" dirty="0" smtClean="0"/>
+          </a:p>
+          <a:p>
+            <a:r>
+              <a:rPr lang="ko-KR" altLang="en-US" sz="1800" b="1" dirty="0" smtClean="0"/>
+              <a:t>무기 슬롯이 </a:t>
+            </a:r>
+            <a:r>
+              <a:rPr lang="ko-KR" altLang="en-US" sz="1800" b="1" dirty="0" err="1" smtClean="0"/>
+              <a:t>필요해보임</a:t>
+            </a:r>
+            <a:r>
+              <a:rPr lang="en-US" altLang="ko-KR" sz="1800" b="1" dirty="0" smtClean="0"/>
+              <a:t>(</a:t>
+            </a:r>
+            <a:r>
+              <a:rPr lang="ko-KR" altLang="en-US" sz="1800" b="1" dirty="0" smtClean="0"/>
+              <a:t>총</a:t>
+            </a:r>
+            <a:r>
+              <a:rPr lang="en-US" altLang="ko-KR" sz="1800" b="1" smtClean="0"/>
+              <a:t>,</a:t>
+            </a:r>
+            <a:r>
+              <a:rPr lang="ko-KR" altLang="en-US" sz="1800" b="1" smtClean="0"/>
+              <a:t>칼을 급하게 </a:t>
+            </a:r>
+            <a:r>
+              <a:rPr lang="ko-KR" altLang="en-US" sz="1800" b="1" dirty="0" err="1" smtClean="0"/>
+              <a:t>스왑용으로</a:t>
+            </a:r>
+            <a:r>
+              <a:rPr lang="ko-KR" altLang="en-US" sz="1800" b="1" dirty="0" smtClean="0"/>
+              <a:t> </a:t>
+            </a:r>
+            <a:r>
+              <a:rPr lang="ko-KR" altLang="en-US" sz="1800" b="1" dirty="0" err="1" smtClean="0"/>
+              <a:t>써야할</a:t>
+            </a:r>
+            <a:r>
+              <a:rPr lang="ko-KR" altLang="en-US" sz="1800" b="1" dirty="0" smtClean="0"/>
+              <a:t> 필요가 </a:t>
+            </a:r>
+            <a:r>
+              <a:rPr lang="ko-KR" altLang="en-US" sz="1800" b="1" dirty="0" err="1" smtClean="0"/>
+              <a:t>있을떄가</a:t>
+            </a:r>
+            <a:r>
+              <a:rPr lang="ko-KR" altLang="en-US" sz="1800" b="1" dirty="0" smtClean="0"/>
+              <a:t> 있음</a:t>
+            </a:r>
+            <a:r>
+              <a:rPr lang="en-US" altLang="ko-KR" sz="1800" b="1" dirty="0" smtClean="0"/>
+              <a:t>)</a:t>
+            </a:r>
+          </a:p>
+        </p:txBody>
+      </p:sp>
+    </p:spTree>
+    <p:extLst>
+      <p:ext uri="{BB962C8B-B14F-4D97-AF65-F5344CB8AC3E}">
+        <p14:creationId xmlns:p14="http://schemas.microsoft.com/office/powerpoint/2010/main" val="709771759"/>
       </p:ext>
     </p:extLst>
   </p:cSld>

--- a/EscapeJail/Assets/기획/스테이지1기획.pptx
+++ b/EscapeJail/Assets/기획/스테이지1기획.pptx
@@ -39,15 +39,17 @@
     <p:sldId id="301" r:id="rId33"/>
     <p:sldId id="302" r:id="rId34"/>
     <p:sldId id="303" r:id="rId35"/>
-    <p:sldId id="284" r:id="rId36"/>
-    <p:sldId id="288" r:id="rId37"/>
-    <p:sldId id="287" r:id="rId38"/>
-    <p:sldId id="291" r:id="rId39"/>
-    <p:sldId id="290" r:id="rId40"/>
-    <p:sldId id="292" r:id="rId41"/>
-    <p:sldId id="293" r:id="rId42"/>
-    <p:sldId id="294" r:id="rId43"/>
-    <p:sldId id="297" r:id="rId44"/>
+    <p:sldId id="304" r:id="rId36"/>
+    <p:sldId id="305" r:id="rId37"/>
+    <p:sldId id="284" r:id="rId38"/>
+    <p:sldId id="288" r:id="rId39"/>
+    <p:sldId id="287" r:id="rId40"/>
+    <p:sldId id="291" r:id="rId41"/>
+    <p:sldId id="290" r:id="rId42"/>
+    <p:sldId id="292" r:id="rId43"/>
+    <p:sldId id="293" r:id="rId44"/>
+    <p:sldId id="294" r:id="rId45"/>
+    <p:sldId id="297" r:id="rId46"/>
   </p:sldIdLst>
   <p:sldSz cx="9144000" cy="6858000" type="screen4x3"/>
   <p:notesSz cx="6858000" cy="9144000"/>
@@ -330,7 +332,7 @@
           <a:p>
             <a:fld id="{75C3E87A-1EF5-4BC0-A34A-1B32DEFB2AF0}" type="datetimeFigureOut">
               <a:rPr lang="ko-KR" altLang="en-US" smtClean="0"/>
-              <a:t>2017-11-04</a:t>
+              <a:t>2017-11-05</a:t>
             </a:fld>
             <a:endParaRPr lang="ko-KR" altLang="en-US"/>
           </a:p>
@@ -500,7 +502,7 @@
           <a:p>
             <a:fld id="{75C3E87A-1EF5-4BC0-A34A-1B32DEFB2AF0}" type="datetimeFigureOut">
               <a:rPr lang="ko-KR" altLang="en-US" smtClean="0"/>
-              <a:t>2017-11-04</a:t>
+              <a:t>2017-11-05</a:t>
             </a:fld>
             <a:endParaRPr lang="ko-KR" altLang="en-US"/>
           </a:p>
@@ -680,7 +682,7 @@
           <a:p>
             <a:fld id="{75C3E87A-1EF5-4BC0-A34A-1B32DEFB2AF0}" type="datetimeFigureOut">
               <a:rPr lang="ko-KR" altLang="en-US" smtClean="0"/>
-              <a:t>2017-11-04</a:t>
+              <a:t>2017-11-05</a:t>
             </a:fld>
             <a:endParaRPr lang="ko-KR" altLang="en-US"/>
           </a:p>
@@ -850,7 +852,7 @@
           <a:p>
             <a:fld id="{75C3E87A-1EF5-4BC0-A34A-1B32DEFB2AF0}" type="datetimeFigureOut">
               <a:rPr lang="ko-KR" altLang="en-US" smtClean="0"/>
-              <a:t>2017-11-04</a:t>
+              <a:t>2017-11-05</a:t>
             </a:fld>
             <a:endParaRPr lang="ko-KR" altLang="en-US"/>
           </a:p>
@@ -1096,7 +1098,7 @@
           <a:p>
             <a:fld id="{75C3E87A-1EF5-4BC0-A34A-1B32DEFB2AF0}" type="datetimeFigureOut">
               <a:rPr lang="ko-KR" altLang="en-US" smtClean="0"/>
-              <a:t>2017-11-04</a:t>
+              <a:t>2017-11-05</a:t>
             </a:fld>
             <a:endParaRPr lang="ko-KR" altLang="en-US"/>
           </a:p>
@@ -1384,7 +1386,7 @@
           <a:p>
             <a:fld id="{75C3E87A-1EF5-4BC0-A34A-1B32DEFB2AF0}" type="datetimeFigureOut">
               <a:rPr lang="ko-KR" altLang="en-US" smtClean="0"/>
-              <a:t>2017-11-04</a:t>
+              <a:t>2017-11-05</a:t>
             </a:fld>
             <a:endParaRPr lang="ko-KR" altLang="en-US"/>
           </a:p>
@@ -1806,7 +1808,7 @@
           <a:p>
             <a:fld id="{75C3E87A-1EF5-4BC0-A34A-1B32DEFB2AF0}" type="datetimeFigureOut">
               <a:rPr lang="ko-KR" altLang="en-US" smtClean="0"/>
-              <a:t>2017-11-04</a:t>
+              <a:t>2017-11-05</a:t>
             </a:fld>
             <a:endParaRPr lang="ko-KR" altLang="en-US"/>
           </a:p>
@@ -1924,7 +1926,7 @@
           <a:p>
             <a:fld id="{75C3E87A-1EF5-4BC0-A34A-1B32DEFB2AF0}" type="datetimeFigureOut">
               <a:rPr lang="ko-KR" altLang="en-US" smtClean="0"/>
-              <a:t>2017-11-04</a:t>
+              <a:t>2017-11-05</a:t>
             </a:fld>
             <a:endParaRPr lang="ko-KR" altLang="en-US"/>
           </a:p>
@@ -2019,7 +2021,7 @@
           <a:p>
             <a:fld id="{75C3E87A-1EF5-4BC0-A34A-1B32DEFB2AF0}" type="datetimeFigureOut">
               <a:rPr lang="ko-KR" altLang="en-US" smtClean="0"/>
-              <a:t>2017-11-04</a:t>
+              <a:t>2017-11-05</a:t>
             </a:fld>
             <a:endParaRPr lang="ko-KR" altLang="en-US"/>
           </a:p>
@@ -2296,7 +2298,7 @@
           <a:p>
             <a:fld id="{75C3E87A-1EF5-4BC0-A34A-1B32DEFB2AF0}" type="datetimeFigureOut">
               <a:rPr lang="ko-KR" altLang="en-US" smtClean="0"/>
-              <a:t>2017-11-04</a:t>
+              <a:t>2017-11-05</a:t>
             </a:fld>
             <a:endParaRPr lang="ko-KR" altLang="en-US"/>
           </a:p>
@@ -2549,7 +2551,7 @@
           <a:p>
             <a:fld id="{75C3E87A-1EF5-4BC0-A34A-1B32DEFB2AF0}" type="datetimeFigureOut">
               <a:rPr lang="ko-KR" altLang="en-US" smtClean="0"/>
-              <a:t>2017-11-04</a:t>
+              <a:t>2017-11-05</a:t>
             </a:fld>
             <a:endParaRPr lang="ko-KR" altLang="en-US"/>
           </a:p>
@@ -2762,7 +2764,7 @@
           <a:p>
             <a:fld id="{75C3E87A-1EF5-4BC0-A34A-1B32DEFB2AF0}" type="datetimeFigureOut">
               <a:rPr lang="ko-KR" altLang="en-US" smtClean="0"/>
-              <a:t>2017-11-04</a:t>
+              <a:t>2017-11-05</a:t>
             </a:fld>
             <a:endParaRPr lang="ko-KR" altLang="en-US"/>
           </a:p>
@@ -16902,56 +16904,20 @@
         </p:nvSpPr>
         <p:spPr/>
         <p:txBody>
-          <a:bodyPr>
-            <a:normAutofit fontScale="90000"/>
-          </a:bodyPr>
+          <a:bodyPr/>
           <a:lstStyle/>
           <a:p>
             <a:r>
-              <a:rPr lang="ko-KR" altLang="en-US" dirty="0" err="1" smtClean="0"/>
-              <a:t>패시브</a:t>
-            </a:r>
-            <a:r>
               <a:rPr lang="ko-KR" altLang="en-US" dirty="0" smtClean="0"/>
-              <a:t> 아이템</a:t>
-            </a:r>
-            <a:r>
-              <a:rPr lang="en-US" altLang="ko-KR" dirty="0" smtClean="0"/>
-              <a:t/>
-            </a:r>
-            <a:br>
-              <a:rPr lang="en-US" altLang="ko-KR" dirty="0" smtClean="0"/>
-            </a:br>
+              <a:t>신무기</a:t>
+            </a:r>
             <a:r>
               <a:rPr lang="en-US" altLang="ko-KR" dirty="0" smtClean="0"/>
               <a:t>(</a:t>
             </a:r>
             <a:r>
               <a:rPr lang="ko-KR" altLang="en-US" dirty="0" smtClean="0"/>
-              <a:t>플레이어마다 </a:t>
-            </a:r>
-            <a:r>
-              <a:rPr lang="en-US" altLang="ko-KR" dirty="0" smtClean="0"/>
-              <a:t>1</a:t>
-            </a:r>
-            <a:r>
-              <a:rPr lang="ko-KR" altLang="en-US" dirty="0" smtClean="0"/>
-              <a:t>개씩 소유 가능</a:t>
-            </a:r>
-            <a:r>
-              <a:rPr lang="en-US" altLang="ko-KR" dirty="0" smtClean="0"/>
-              <a:t/>
-            </a:r>
-            <a:br>
-              <a:rPr lang="en-US" altLang="ko-KR" dirty="0" smtClean="0"/>
-            </a:br>
-            <a:r>
-              <a:rPr lang="ko-KR" altLang="en-US" dirty="0" err="1" smtClean="0"/>
-              <a:t>시작시</a:t>
-            </a:r>
-            <a:r>
-              <a:rPr lang="ko-KR" altLang="en-US" dirty="0" smtClean="0"/>
-              <a:t> 선택</a:t>
+              <a:t>추가됨</a:t>
             </a:r>
             <a:r>
               <a:rPr lang="en-US" altLang="ko-KR" dirty="0" smtClean="0"/>
@@ -16963,108 +16929,1377 @@
       </p:sp>
       <p:sp>
         <p:nvSpPr>
-          <p:cNvPr id="3" name="내용 개체 틀 2"/>
+          <p:cNvPr id="4" name="AutoShape 2" descr="pixel headphone에 대한 이미지 검색결과"/>
           <p:cNvSpPr>
-            <a:spLocks noGrp="1"/>
+            <a:spLocks noChangeAspect="1" noChangeArrowheads="1"/>
           </p:cNvSpPr>
-          <p:nvPr>
-            <p:ph idx="1"/>
-          </p:nvPr>
+          <p:nvPr/>
         </p:nvSpPr>
-        <p:spPr/>
+        <p:spPr bwMode="auto">
+          <a:xfrm>
+            <a:off x="0" y="-144463"/>
+            <a:ext cx="304800" cy="304801"/>
+          </a:xfrm>
+          <a:prstGeom prst="rect">
+            <a:avLst/>
+          </a:prstGeom>
+          <a:noFill/>
+          <a:extLst>
+            <a:ext uri="{909E8E84-426E-40DD-AFC4-6F175D3DCCD1}">
+              <a14:hiddenFill xmlns:a14="http://schemas.microsoft.com/office/drawing/2010/main">
+                <a:solidFill>
+                  <a:srgbClr val="FFFFFF"/>
+                </a:solidFill>
+              </a14:hiddenFill>
+            </a:ext>
+          </a:extLst>
+        </p:spPr>
         <p:txBody>
-          <a:bodyPr>
-            <a:normAutofit/>
+          <a:bodyPr vert="horz" wrap="square" lIns="91440" tIns="45720" rIns="91440" bIns="45720" numCol="1" anchor="t" anchorCtr="0" compatLnSpc="1">
+            <a:prstTxWarp prst="textNoShape">
+              <a:avLst/>
+            </a:prstTxWarp>
           </a:bodyPr>
           <a:lstStyle/>
           <a:p>
-            <a:endParaRPr lang="en-US" altLang="ko-KR" b="1" dirty="0" smtClean="0"/>
-          </a:p>
-          <a:p>
-            <a:r>
-              <a:rPr lang="ko-KR" altLang="en-US" b="1" dirty="0" smtClean="0"/>
-              <a:t>안정제 </a:t>
-            </a:r>
-            <a:r>
-              <a:rPr lang="en-US" altLang="ko-KR" b="1" dirty="0" smtClean="0"/>
-              <a:t>( </a:t>
-            </a:r>
-            <a:r>
-              <a:rPr lang="ko-KR" altLang="en-US" b="1" dirty="0" smtClean="0"/>
-              <a:t>총기 반동을 많이 줄여줌</a:t>
-            </a:r>
-            <a:r>
-              <a:rPr lang="en-US" altLang="ko-KR" b="1" dirty="0" smtClean="0"/>
+            <a:endParaRPr lang="ko-KR" altLang="en-US"/>
+          </a:p>
+        </p:txBody>
+      </p:sp>
+      <p:pic>
+        <p:nvPicPr>
+          <p:cNvPr id="1026" name="Picture 2" descr="C:\Users\Administrator\Desktop\my_friends\work\escapejail\resource\weapon\new\AKL\AKLIcon.png"/>
+          <p:cNvPicPr>
+            <a:picLocks noChangeAspect="1" noChangeArrowheads="1"/>
+          </p:cNvPicPr>
+          <p:nvPr/>
+        </p:nvPicPr>
+        <p:blipFill>
+          <a:blip r:embed="rId2">
+            <a:extLst>
+              <a:ext uri="{28A0092B-C50C-407E-A947-70E740481C1C}">
+                <a14:useLocalDpi xmlns:a14="http://schemas.microsoft.com/office/drawing/2010/main" val="0"/>
+              </a:ext>
+            </a:extLst>
+          </a:blip>
+          <a:srcRect/>
+          <a:stretch>
+            <a:fillRect/>
+          </a:stretch>
+        </p:blipFill>
+        <p:spPr bwMode="auto">
+          <a:xfrm>
+            <a:off x="611560" y="1340768"/>
+            <a:ext cx="609600" cy="609600"/>
+          </a:xfrm>
+          <a:prstGeom prst="rect">
+            <a:avLst/>
+          </a:prstGeom>
+          <a:noFill/>
+          <a:extLst>
+            <a:ext uri="{909E8E84-426E-40DD-AFC4-6F175D3DCCD1}">
+              <a14:hiddenFill xmlns:a14="http://schemas.microsoft.com/office/drawing/2010/main">
+                <a:solidFill>
+                  <a:srgbClr val="FFFFFF"/>
+                </a:solidFill>
+              </a14:hiddenFill>
+            </a:ext>
+          </a:extLst>
+        </p:spPr>
+      </p:pic>
+      <p:sp>
+        <p:nvSpPr>
+          <p:cNvPr id="6" name="TextBox 5"/>
+          <p:cNvSpPr txBox="1"/>
+          <p:nvPr/>
+        </p:nvSpPr>
+        <p:spPr>
+          <a:xfrm>
+            <a:off x="539552" y="1844824"/>
+            <a:ext cx="1872208" cy="646331"/>
+          </a:xfrm>
+          <a:prstGeom prst="rect">
+            <a:avLst/>
+          </a:prstGeom>
+          <a:noFill/>
+        </p:spPr>
+        <p:txBody>
+          <a:bodyPr wrap="square" rtlCol="0">
+            <a:spAutoFit/>
+          </a:bodyPr>
+          <a:lstStyle/>
+          <a:p>
+            <a:r>
+              <a:rPr lang="ko-KR" altLang="en-US" sz="1200" dirty="0" smtClean="0"/>
+              <a:t>무기명</a:t>
+            </a:r>
+            <a:r>
+              <a:rPr lang="en-US" altLang="ko-KR" sz="1200" dirty="0" smtClean="0"/>
+              <a:t>:AKL</a:t>
+            </a:r>
+          </a:p>
+          <a:p>
+            <a:r>
+              <a:rPr lang="ko-KR" altLang="en-US" sz="1200" dirty="0" smtClean="0"/>
+              <a:t>참고</a:t>
+            </a:r>
+            <a:r>
+              <a:rPr lang="en-US" altLang="ko-KR" sz="1200" dirty="0" smtClean="0"/>
+              <a:t>:AK47</a:t>
+            </a:r>
+          </a:p>
+          <a:p>
+            <a:r>
+              <a:rPr lang="ko-KR" altLang="en-US" sz="1200" dirty="0" smtClean="0"/>
+              <a:t>타입</a:t>
+            </a:r>
+            <a:r>
+              <a:rPr lang="en-US" altLang="ko-KR" sz="1200" dirty="0" smtClean="0"/>
+              <a:t>:</a:t>
+            </a:r>
+            <a:r>
+              <a:rPr lang="ko-KR" altLang="en-US" sz="1200" dirty="0" smtClean="0"/>
+              <a:t>자동소총</a:t>
+            </a:r>
+            <a:endParaRPr lang="ko-KR" altLang="en-US" sz="1200" dirty="0"/>
+          </a:p>
+        </p:txBody>
+      </p:sp>
+      <p:pic>
+        <p:nvPicPr>
+          <p:cNvPr id="1027" name="Picture 3" descr="C:\Users\Administrator\Desktop\my_friends\work\escapejail\resource\weapon\new\A-SniperRifle\ASIIcon.png"/>
+          <p:cNvPicPr>
+            <a:picLocks noChangeAspect="1" noChangeArrowheads="1"/>
+          </p:cNvPicPr>
+          <p:nvPr/>
+        </p:nvPicPr>
+        <p:blipFill>
+          <a:blip r:embed="rId3">
+            <a:extLst>
+              <a:ext uri="{28A0092B-C50C-407E-A947-70E740481C1C}">
+                <a14:useLocalDpi xmlns:a14="http://schemas.microsoft.com/office/drawing/2010/main" val="0"/>
+              </a:ext>
+            </a:extLst>
+          </a:blip>
+          <a:srcRect/>
+          <a:stretch>
+            <a:fillRect/>
+          </a:stretch>
+        </p:blipFill>
+        <p:spPr bwMode="auto">
+          <a:xfrm>
+            <a:off x="2809875" y="1312193"/>
+            <a:ext cx="609600" cy="609600"/>
+          </a:xfrm>
+          <a:prstGeom prst="rect">
+            <a:avLst/>
+          </a:prstGeom>
+          <a:noFill/>
+          <a:extLst>
+            <a:ext uri="{909E8E84-426E-40DD-AFC4-6F175D3DCCD1}">
+              <a14:hiddenFill xmlns:a14="http://schemas.microsoft.com/office/drawing/2010/main">
+                <a:solidFill>
+                  <a:srgbClr val="FFFFFF"/>
+                </a:solidFill>
+              </a14:hiddenFill>
+            </a:ext>
+          </a:extLst>
+        </p:spPr>
+      </p:pic>
+      <p:sp>
+        <p:nvSpPr>
+          <p:cNvPr id="9" name="TextBox 8"/>
+          <p:cNvSpPr txBox="1"/>
+          <p:nvPr/>
+        </p:nvSpPr>
+        <p:spPr>
+          <a:xfrm>
+            <a:off x="2483371" y="1844824"/>
+            <a:ext cx="1872208" cy="646331"/>
+          </a:xfrm>
+          <a:prstGeom prst="rect">
+            <a:avLst/>
+          </a:prstGeom>
+          <a:noFill/>
+        </p:spPr>
+        <p:txBody>
+          <a:bodyPr wrap="square" rtlCol="0">
+            <a:spAutoFit/>
+          </a:bodyPr>
+          <a:lstStyle/>
+          <a:p>
+            <a:r>
+              <a:rPr lang="ko-KR" altLang="en-US" sz="1200" dirty="0" smtClean="0"/>
+              <a:t>무기명</a:t>
+            </a:r>
+            <a:r>
+              <a:rPr lang="en-US" altLang="ko-KR" sz="1200" dirty="0" smtClean="0"/>
+              <a:t>:ASI</a:t>
+            </a:r>
+            <a:endParaRPr lang="en-US" altLang="ko-KR" sz="1200" dirty="0"/>
+          </a:p>
+          <a:p>
+            <a:r>
+              <a:rPr lang="ko-KR" altLang="en-US" sz="1200" dirty="0" smtClean="0"/>
+              <a:t>참고</a:t>
+            </a:r>
+            <a:r>
+              <a:rPr lang="en-US" altLang="ko-KR" sz="1200" dirty="0" smtClean="0"/>
+              <a:t>:AWP</a:t>
+            </a:r>
+          </a:p>
+          <a:p>
+            <a:r>
+              <a:rPr lang="ko-KR" altLang="en-US" sz="1200" dirty="0" smtClean="0"/>
+              <a:t>타입</a:t>
+            </a:r>
+            <a:r>
+              <a:rPr lang="en-US" altLang="ko-KR" sz="1200" dirty="0" smtClean="0"/>
+              <a:t>:</a:t>
+            </a:r>
+            <a:r>
+              <a:rPr lang="ko-KR" altLang="en-US" sz="1200" dirty="0" smtClean="0"/>
+              <a:t>저격소총</a:t>
+            </a:r>
+            <a:endParaRPr lang="ko-KR" altLang="en-US" sz="1200" dirty="0"/>
+          </a:p>
+        </p:txBody>
+      </p:sp>
+      <p:pic>
+        <p:nvPicPr>
+          <p:cNvPr id="1029" name="Picture 5" descr="C:\Users\Administrator\Desktop\my_friends\work\escapejail\resource\weapon\new\D.eagle\D.eagleIcon.png"/>
+          <p:cNvPicPr>
+            <a:picLocks noChangeAspect="1" noChangeArrowheads="1"/>
+          </p:cNvPicPr>
+          <p:nvPr/>
+        </p:nvPicPr>
+        <p:blipFill>
+          <a:blip r:embed="rId4">
+            <a:extLst>
+              <a:ext uri="{28A0092B-C50C-407E-A947-70E740481C1C}">
+                <a14:useLocalDpi xmlns:a14="http://schemas.microsoft.com/office/drawing/2010/main" val="0"/>
+              </a:ext>
+            </a:extLst>
+          </a:blip>
+          <a:srcRect/>
+          <a:stretch>
+            <a:fillRect/>
+          </a:stretch>
+        </p:blipFill>
+        <p:spPr bwMode="auto">
+          <a:xfrm>
+            <a:off x="4267200" y="1312193"/>
+            <a:ext cx="609600" cy="609600"/>
+          </a:xfrm>
+          <a:prstGeom prst="rect">
+            <a:avLst/>
+          </a:prstGeom>
+          <a:noFill/>
+          <a:extLst>
+            <a:ext uri="{909E8E84-426E-40DD-AFC4-6F175D3DCCD1}">
+              <a14:hiddenFill xmlns:a14="http://schemas.microsoft.com/office/drawing/2010/main">
+                <a:solidFill>
+                  <a:srgbClr val="FFFFFF"/>
+                </a:solidFill>
+              </a14:hiddenFill>
+            </a:ext>
+          </a:extLst>
+        </p:spPr>
+      </p:pic>
+      <p:sp>
+        <p:nvSpPr>
+          <p:cNvPr id="13" name="TextBox 12"/>
+          <p:cNvSpPr txBox="1"/>
+          <p:nvPr/>
+        </p:nvSpPr>
+        <p:spPr>
+          <a:xfrm>
+            <a:off x="4051176" y="1841797"/>
+            <a:ext cx="1872208" cy="646331"/>
+          </a:xfrm>
+          <a:prstGeom prst="rect">
+            <a:avLst/>
+          </a:prstGeom>
+          <a:noFill/>
+        </p:spPr>
+        <p:txBody>
+          <a:bodyPr wrap="square" rtlCol="0">
+            <a:spAutoFit/>
+          </a:bodyPr>
+          <a:lstStyle/>
+          <a:p>
+            <a:r>
+              <a:rPr lang="ko-KR" altLang="en-US" sz="1200" dirty="0" smtClean="0"/>
+              <a:t>무기명</a:t>
+            </a:r>
+            <a:r>
+              <a:rPr lang="en-US" altLang="ko-KR" sz="1200" dirty="0" smtClean="0"/>
+              <a:t>:</a:t>
+            </a:r>
+            <a:r>
+              <a:rPr lang="en-US" altLang="ko-KR" sz="1200" dirty="0" err="1" smtClean="0"/>
+              <a:t>D.eagle</a:t>
+            </a:r>
+            <a:endParaRPr lang="en-US" altLang="ko-KR" sz="1200" dirty="0" smtClean="0"/>
+          </a:p>
+          <a:p>
+            <a:r>
+              <a:rPr lang="ko-KR" altLang="en-US" sz="1200" dirty="0" smtClean="0"/>
+              <a:t>참고</a:t>
+            </a:r>
+            <a:r>
+              <a:rPr lang="en-US" altLang="ko-KR" sz="1200" dirty="0" smtClean="0"/>
+              <a:t>:</a:t>
+            </a:r>
+            <a:r>
+              <a:rPr lang="ko-KR" altLang="en-US" sz="1200" dirty="0" err="1" smtClean="0"/>
+              <a:t>데져트이글</a:t>
+            </a:r>
+            <a:endParaRPr lang="en-US" altLang="ko-KR" sz="1200" dirty="0" smtClean="0"/>
+          </a:p>
+          <a:p>
+            <a:r>
+              <a:rPr lang="ko-KR" altLang="en-US" sz="1200" dirty="0" smtClean="0"/>
+              <a:t>타입</a:t>
+            </a:r>
+            <a:r>
+              <a:rPr lang="en-US" altLang="ko-KR" sz="1200" dirty="0" smtClean="0"/>
+              <a:t>:</a:t>
+            </a:r>
+            <a:r>
+              <a:rPr lang="ko-KR" altLang="en-US" sz="1200" dirty="0" smtClean="0"/>
+              <a:t>권총</a:t>
+            </a:r>
+            <a:endParaRPr lang="ko-KR" altLang="en-US" sz="1200" dirty="0"/>
+          </a:p>
+        </p:txBody>
+      </p:sp>
+      <p:pic>
+        <p:nvPicPr>
+          <p:cNvPr id="1030" name="Picture 6" descr="C:\Users\Administrator\Desktop\my_friends\work\escapejail\resource\weapon\new\dragonbow\dragonbowIcon.png"/>
+          <p:cNvPicPr>
+            <a:picLocks noChangeAspect="1" noChangeArrowheads="1"/>
+          </p:cNvPicPr>
+          <p:nvPr/>
+        </p:nvPicPr>
+        <p:blipFill>
+          <a:blip r:embed="rId5">
+            <a:extLst>
+              <a:ext uri="{28A0092B-C50C-407E-A947-70E740481C1C}">
+                <a14:useLocalDpi xmlns:a14="http://schemas.microsoft.com/office/drawing/2010/main" val="0"/>
+              </a:ext>
+            </a:extLst>
+          </a:blip>
+          <a:srcRect/>
+          <a:stretch>
+            <a:fillRect/>
+          </a:stretch>
+        </p:blipFill>
+        <p:spPr bwMode="auto">
+          <a:xfrm>
+            <a:off x="611560" y="2914650"/>
+            <a:ext cx="609600" cy="609600"/>
+          </a:xfrm>
+          <a:prstGeom prst="rect">
+            <a:avLst/>
+          </a:prstGeom>
+          <a:noFill/>
+          <a:extLst>
+            <a:ext uri="{909E8E84-426E-40DD-AFC4-6F175D3DCCD1}">
+              <a14:hiddenFill xmlns:a14="http://schemas.microsoft.com/office/drawing/2010/main">
+                <a:solidFill>
+                  <a:srgbClr val="FFFFFF"/>
+                </a:solidFill>
+              </a14:hiddenFill>
+            </a:ext>
+          </a:extLst>
+        </p:spPr>
+      </p:pic>
+      <p:sp>
+        <p:nvSpPr>
+          <p:cNvPr id="15" name="TextBox 14"/>
+          <p:cNvSpPr txBox="1"/>
+          <p:nvPr/>
+        </p:nvSpPr>
+        <p:spPr>
+          <a:xfrm>
+            <a:off x="395536" y="3717032"/>
+            <a:ext cx="1872208" cy="830997"/>
+          </a:xfrm>
+          <a:prstGeom prst="rect">
+            <a:avLst/>
+          </a:prstGeom>
+          <a:noFill/>
+        </p:spPr>
+        <p:txBody>
+          <a:bodyPr wrap="square" rtlCol="0">
+            <a:spAutoFit/>
+          </a:bodyPr>
+          <a:lstStyle/>
+          <a:p>
+            <a:r>
+              <a:rPr lang="ko-KR" altLang="en-US" sz="1200" dirty="0" smtClean="0"/>
+              <a:t>무기명</a:t>
+            </a:r>
+            <a:r>
+              <a:rPr lang="en-US" altLang="ko-KR" sz="1200" dirty="0" smtClean="0"/>
+              <a:t>:</a:t>
+            </a:r>
+            <a:r>
+              <a:rPr lang="en-US" altLang="ko-KR" sz="1200" dirty="0" err="1" smtClean="0"/>
+              <a:t>dragonbow</a:t>
+            </a:r>
+            <a:endParaRPr lang="en-US" altLang="ko-KR" sz="1200" dirty="0" smtClean="0"/>
+          </a:p>
+          <a:p>
+            <a:r>
+              <a:rPr lang="ko-KR" altLang="en-US" sz="1200" dirty="0" smtClean="0"/>
+              <a:t>참고</a:t>
+            </a:r>
+            <a:r>
+              <a:rPr lang="en-US" altLang="ko-KR" sz="1200" dirty="0" smtClean="0"/>
+              <a:t>:</a:t>
+            </a:r>
+            <a:r>
+              <a:rPr lang="ko-KR" altLang="en-US" sz="1200" dirty="0" err="1" smtClean="0"/>
+              <a:t>오버워치</a:t>
+            </a:r>
+            <a:r>
+              <a:rPr lang="ko-KR" altLang="en-US" sz="1200" dirty="0" smtClean="0"/>
+              <a:t> </a:t>
+            </a:r>
+            <a:r>
+              <a:rPr lang="ko-KR" altLang="en-US" sz="1200" dirty="0" err="1" smtClean="0"/>
+              <a:t>한조</a:t>
+            </a:r>
+            <a:r>
+              <a:rPr lang="ko-KR" altLang="en-US" sz="1200" dirty="0" smtClean="0"/>
+              <a:t> 활</a:t>
+            </a:r>
+            <a:endParaRPr lang="en-US" altLang="ko-KR" sz="1200" dirty="0" smtClean="0"/>
+          </a:p>
+          <a:p>
+            <a:r>
+              <a:rPr lang="ko-KR" altLang="en-US" sz="1200" dirty="0" smtClean="0"/>
+              <a:t>타입</a:t>
+            </a:r>
+            <a:r>
+              <a:rPr lang="en-US" altLang="ko-KR" sz="1200" dirty="0" smtClean="0"/>
+              <a:t>:</a:t>
+            </a:r>
+            <a:r>
+              <a:rPr lang="ko-KR" altLang="en-US" sz="1200" dirty="0" smtClean="0"/>
+              <a:t>활</a:t>
+            </a:r>
+            <a:endParaRPr lang="en-US" altLang="ko-KR" sz="1200" dirty="0" smtClean="0"/>
+          </a:p>
+          <a:p>
+            <a:r>
+              <a:rPr lang="ko-KR" altLang="en-US" sz="1200" dirty="0" smtClean="0"/>
+              <a:t>설명</a:t>
+            </a:r>
+            <a:r>
+              <a:rPr lang="en-US" altLang="ko-KR" sz="1200" dirty="0" smtClean="0"/>
+              <a:t>:</a:t>
+            </a:r>
+            <a:r>
+              <a:rPr lang="ko-KR" altLang="en-US" sz="1200" dirty="0" err="1" smtClean="0"/>
+              <a:t>용발사</a:t>
+            </a:r>
+            <a:r>
+              <a:rPr lang="ko-KR" altLang="en-US" sz="1200" dirty="0"/>
+              <a:t> </a:t>
+            </a:r>
+            <a:r>
+              <a:rPr lang="en-US" altLang="ko-KR" sz="1200" dirty="0" smtClean="0"/>
+              <a:t>,</a:t>
+            </a:r>
+            <a:r>
+              <a:rPr lang="ko-KR" altLang="en-US" sz="1200" dirty="0" smtClean="0"/>
+              <a:t>기본 화살</a:t>
+            </a:r>
+            <a:endParaRPr lang="ko-KR" altLang="en-US" sz="1200" dirty="0"/>
+          </a:p>
+        </p:txBody>
+      </p:sp>
+      <p:pic>
+        <p:nvPicPr>
+          <p:cNvPr id="1031" name="Picture 7" descr="C:\Users\Administrator\Desktop\my_friends\work\escapejail\resource\weapon\new\E.desert\E.desertIcon.png"/>
+          <p:cNvPicPr>
+            <a:picLocks noChangeAspect="1" noChangeArrowheads="1"/>
+          </p:cNvPicPr>
+          <p:nvPr/>
+        </p:nvPicPr>
+        <p:blipFill>
+          <a:blip r:embed="rId6">
+            <a:extLst>
+              <a:ext uri="{28A0092B-C50C-407E-A947-70E740481C1C}">
+                <a14:useLocalDpi xmlns:a14="http://schemas.microsoft.com/office/drawing/2010/main" val="0"/>
+              </a:ext>
+            </a:extLst>
+          </a:blip>
+          <a:srcRect/>
+          <a:stretch>
+            <a:fillRect/>
+          </a:stretch>
+        </p:blipFill>
+        <p:spPr bwMode="auto">
+          <a:xfrm>
+            <a:off x="2663205" y="2971800"/>
+            <a:ext cx="609600" cy="609600"/>
+          </a:xfrm>
+          <a:prstGeom prst="rect">
+            <a:avLst/>
+          </a:prstGeom>
+          <a:noFill/>
+          <a:extLst>
+            <a:ext uri="{909E8E84-426E-40DD-AFC4-6F175D3DCCD1}">
+              <a14:hiddenFill xmlns:a14="http://schemas.microsoft.com/office/drawing/2010/main">
+                <a:solidFill>
+                  <a:srgbClr val="FFFFFF"/>
+                </a:solidFill>
+              </a14:hiddenFill>
+            </a:ext>
+          </a:extLst>
+        </p:spPr>
+      </p:pic>
+      <p:sp>
+        <p:nvSpPr>
+          <p:cNvPr id="17" name="TextBox 16"/>
+          <p:cNvSpPr txBox="1"/>
+          <p:nvPr/>
+        </p:nvSpPr>
+        <p:spPr>
+          <a:xfrm>
+            <a:off x="2465884" y="3719314"/>
+            <a:ext cx="1872208" cy="830997"/>
+          </a:xfrm>
+          <a:prstGeom prst="rect">
+            <a:avLst/>
+          </a:prstGeom>
+          <a:noFill/>
+        </p:spPr>
+        <p:txBody>
+          <a:bodyPr wrap="square" rtlCol="0">
+            <a:spAutoFit/>
+          </a:bodyPr>
+          <a:lstStyle/>
+          <a:p>
+            <a:r>
+              <a:rPr lang="ko-KR" altLang="en-US" sz="1200" dirty="0" smtClean="0"/>
+              <a:t>무기명</a:t>
+            </a:r>
+            <a:r>
+              <a:rPr lang="en-US" altLang="ko-KR" sz="1200" dirty="0" smtClean="0"/>
+              <a:t>:</a:t>
+            </a:r>
+            <a:r>
+              <a:rPr lang="en-US" altLang="ko-KR" sz="1200" dirty="0" err="1" smtClean="0"/>
+              <a:t>E.desert</a:t>
+            </a:r>
+            <a:endParaRPr lang="en-US" altLang="ko-KR" sz="1200" dirty="0" smtClean="0"/>
+          </a:p>
+          <a:p>
+            <a:r>
+              <a:rPr lang="ko-KR" altLang="en-US" sz="1200" dirty="0" smtClean="0"/>
+              <a:t>참고</a:t>
+            </a:r>
+            <a:r>
+              <a:rPr lang="en-US" altLang="ko-KR" sz="1200" dirty="0" smtClean="0"/>
+              <a:t>:</a:t>
+            </a:r>
+            <a:r>
+              <a:rPr lang="ko-KR" altLang="en-US" sz="1200" dirty="0" smtClean="0"/>
+              <a:t>없음</a:t>
+            </a:r>
+            <a:endParaRPr lang="en-US" altLang="ko-KR" sz="1200" dirty="0" smtClean="0"/>
+          </a:p>
+          <a:p>
+            <a:r>
+              <a:rPr lang="ko-KR" altLang="en-US" sz="1200" dirty="0" smtClean="0"/>
+              <a:t>타입</a:t>
+            </a:r>
+            <a:r>
+              <a:rPr lang="en-US" altLang="ko-KR" sz="1200" dirty="0" smtClean="0"/>
+              <a:t>:</a:t>
+            </a:r>
+            <a:r>
+              <a:rPr lang="ko-KR" altLang="en-US" sz="1200" dirty="0" smtClean="0"/>
+              <a:t>기</a:t>
+            </a:r>
+            <a:r>
+              <a:rPr lang="ko-KR" altLang="en-US" sz="1200" dirty="0"/>
+              <a:t>타</a:t>
+            </a:r>
+            <a:endParaRPr lang="en-US" altLang="ko-KR" sz="1200" dirty="0" smtClean="0"/>
+          </a:p>
+          <a:p>
+            <a:r>
+              <a:rPr lang="ko-KR" altLang="en-US" sz="1200" dirty="0" smtClean="0"/>
+              <a:t>설명</a:t>
+            </a:r>
+            <a:r>
+              <a:rPr lang="en-US" altLang="ko-KR" sz="1200" dirty="0" smtClean="0"/>
+              <a:t>:</a:t>
+            </a:r>
+            <a:r>
+              <a:rPr lang="ko-KR" altLang="en-US" sz="1200" dirty="0" smtClean="0"/>
+              <a:t>입에서 권총 날림</a:t>
+            </a:r>
+            <a:endParaRPr lang="ko-KR" altLang="en-US" sz="1200" dirty="0"/>
+          </a:p>
+        </p:txBody>
+      </p:sp>
+      <p:pic>
+        <p:nvPicPr>
+          <p:cNvPr id="1032" name="Picture 8" descr="C:\Users\Administrator\Desktop\my_friends\work\escapejail\resource\weapon\new\farifle\FarsIcon.png"/>
+          <p:cNvPicPr>
+            <a:picLocks noChangeAspect="1" noChangeArrowheads="1"/>
+          </p:cNvPicPr>
+          <p:nvPr/>
+        </p:nvPicPr>
+        <p:blipFill>
+          <a:blip r:embed="rId7">
+            <a:extLst>
+              <a:ext uri="{28A0092B-C50C-407E-A947-70E740481C1C}">
+                <a14:useLocalDpi xmlns:a14="http://schemas.microsoft.com/office/drawing/2010/main" val="0"/>
+              </a:ext>
+            </a:extLst>
+          </a:blip>
+          <a:srcRect/>
+          <a:stretch>
+            <a:fillRect/>
+          </a:stretch>
+        </p:blipFill>
+        <p:spPr bwMode="auto">
+          <a:xfrm>
+            <a:off x="4631804" y="3005708"/>
+            <a:ext cx="609600" cy="609600"/>
+          </a:xfrm>
+          <a:prstGeom prst="rect">
+            <a:avLst/>
+          </a:prstGeom>
+          <a:noFill/>
+          <a:extLst>
+            <a:ext uri="{909E8E84-426E-40DD-AFC4-6F175D3DCCD1}">
+              <a14:hiddenFill xmlns:a14="http://schemas.microsoft.com/office/drawing/2010/main">
+                <a:solidFill>
+                  <a:srgbClr val="FFFFFF"/>
+                </a:solidFill>
+              </a14:hiddenFill>
+            </a:ext>
+          </a:extLst>
+        </p:spPr>
+      </p:pic>
+      <p:sp>
+        <p:nvSpPr>
+          <p:cNvPr id="19" name="TextBox 18"/>
+          <p:cNvSpPr txBox="1"/>
+          <p:nvPr/>
+        </p:nvSpPr>
+        <p:spPr>
+          <a:xfrm>
+            <a:off x="4305300" y="3719314"/>
+            <a:ext cx="1872208" cy="1200329"/>
+          </a:xfrm>
+          <a:prstGeom prst="rect">
+            <a:avLst/>
+          </a:prstGeom>
+          <a:noFill/>
+        </p:spPr>
+        <p:txBody>
+          <a:bodyPr wrap="square" rtlCol="0">
+            <a:spAutoFit/>
+          </a:bodyPr>
+          <a:lstStyle/>
+          <a:p>
+            <a:r>
+              <a:rPr lang="ko-KR" altLang="en-US" sz="1200" dirty="0" smtClean="0"/>
+              <a:t>무기명</a:t>
+            </a:r>
+            <a:r>
+              <a:rPr lang="en-US" altLang="ko-KR" sz="1200" dirty="0" smtClean="0"/>
+              <a:t>:Fars</a:t>
+            </a:r>
+          </a:p>
+          <a:p>
+            <a:r>
+              <a:rPr lang="ko-KR" altLang="en-US" sz="1200" dirty="0" smtClean="0"/>
+              <a:t>참고</a:t>
+            </a:r>
+            <a:r>
+              <a:rPr lang="en-US" altLang="ko-KR" sz="1200" dirty="0" smtClean="0"/>
+              <a:t>:</a:t>
+            </a:r>
+            <a:r>
+              <a:rPr lang="ko-KR" altLang="en-US" sz="1200" dirty="0" err="1" smtClean="0"/>
+              <a:t>파마</a:t>
+            </a:r>
+            <a:r>
+              <a:rPr lang="ko-KR" altLang="en-US" sz="1200" dirty="0" err="1"/>
+              <a:t>스</a:t>
+            </a:r>
+            <a:endParaRPr lang="en-US" altLang="ko-KR" sz="1200" dirty="0" smtClean="0"/>
+          </a:p>
+          <a:p>
+            <a:r>
+              <a:rPr lang="ko-KR" altLang="en-US" sz="1200" dirty="0" smtClean="0"/>
+              <a:t>타입</a:t>
+            </a:r>
+            <a:r>
+              <a:rPr lang="en-US" altLang="ko-KR" sz="1200" dirty="0" smtClean="0"/>
+              <a:t>:</a:t>
+            </a:r>
+            <a:r>
+              <a:rPr lang="ko-KR" altLang="en-US" sz="1200" dirty="0" smtClean="0"/>
+              <a:t>자동소총</a:t>
+            </a:r>
+            <a:endParaRPr lang="en-US" altLang="ko-KR" sz="1200" dirty="0" smtClean="0"/>
+          </a:p>
+          <a:p>
+            <a:r>
+              <a:rPr lang="ko-KR" altLang="en-US" sz="1200" dirty="0" smtClean="0"/>
+              <a:t>설명</a:t>
+            </a:r>
+            <a:r>
+              <a:rPr lang="en-US" altLang="ko-KR" sz="1200" dirty="0" smtClean="0"/>
+              <a:t>:</a:t>
+            </a:r>
+          </a:p>
+          <a:p>
+            <a:r>
+              <a:rPr lang="ko-KR" altLang="en-US" sz="1200" dirty="0" smtClean="0"/>
+              <a:t>프랑스군 주력소총</a:t>
+            </a:r>
+            <a:endParaRPr lang="en-US" altLang="ko-KR" sz="1200" dirty="0" smtClean="0"/>
+          </a:p>
+          <a:p>
+            <a:endParaRPr lang="ko-KR" altLang="en-US" sz="1200" dirty="0"/>
+          </a:p>
+        </p:txBody>
+      </p:sp>
+      <p:pic>
+        <p:nvPicPr>
+          <p:cNvPr id="1033" name="Picture 9" descr="C:\Users\Administrator\Desktop\my_friends\work\escapejail\resource\weapon\new\glopistol\GlowIcon.png"/>
+          <p:cNvPicPr>
+            <a:picLocks noChangeAspect="1" noChangeArrowheads="1"/>
+          </p:cNvPicPr>
+          <p:nvPr/>
+        </p:nvPicPr>
+        <p:blipFill>
+          <a:blip r:embed="rId8">
+            <a:extLst>
+              <a:ext uri="{28A0092B-C50C-407E-A947-70E740481C1C}">
+                <a14:useLocalDpi xmlns:a14="http://schemas.microsoft.com/office/drawing/2010/main" val="0"/>
+              </a:ext>
+            </a:extLst>
+          </a:blip>
+          <a:srcRect/>
+          <a:stretch>
+            <a:fillRect/>
+          </a:stretch>
+        </p:blipFill>
+        <p:spPr bwMode="auto">
+          <a:xfrm>
+            <a:off x="5912693" y="3005708"/>
+            <a:ext cx="609600" cy="609600"/>
+          </a:xfrm>
+          <a:prstGeom prst="rect">
+            <a:avLst/>
+          </a:prstGeom>
+          <a:noFill/>
+          <a:extLst>
+            <a:ext uri="{909E8E84-426E-40DD-AFC4-6F175D3DCCD1}">
+              <a14:hiddenFill xmlns:a14="http://schemas.microsoft.com/office/drawing/2010/main">
+                <a:solidFill>
+                  <a:srgbClr val="FFFFFF"/>
+                </a:solidFill>
+              </a14:hiddenFill>
+            </a:ext>
+          </a:extLst>
+        </p:spPr>
+      </p:pic>
+      <p:sp>
+        <p:nvSpPr>
+          <p:cNvPr id="21" name="TextBox 20"/>
+          <p:cNvSpPr txBox="1"/>
+          <p:nvPr/>
+        </p:nvSpPr>
+        <p:spPr>
+          <a:xfrm>
+            <a:off x="5807149" y="3722786"/>
+            <a:ext cx="1872208" cy="830997"/>
+          </a:xfrm>
+          <a:prstGeom prst="rect">
+            <a:avLst/>
+          </a:prstGeom>
+          <a:noFill/>
+        </p:spPr>
+        <p:txBody>
+          <a:bodyPr wrap="square" rtlCol="0">
+            <a:spAutoFit/>
+          </a:bodyPr>
+          <a:lstStyle/>
+          <a:p>
+            <a:r>
+              <a:rPr lang="ko-KR" altLang="en-US" sz="1200" dirty="0" smtClean="0"/>
+              <a:t>무기명</a:t>
+            </a:r>
+            <a:r>
+              <a:rPr lang="en-US" altLang="ko-KR" sz="1200" dirty="0" smtClean="0"/>
+              <a:t>:Glow</a:t>
+            </a:r>
+          </a:p>
+          <a:p>
+            <a:r>
+              <a:rPr lang="ko-KR" altLang="en-US" sz="1200" dirty="0" smtClean="0"/>
+              <a:t>참고</a:t>
+            </a:r>
+            <a:r>
+              <a:rPr lang="en-US" altLang="ko-KR" sz="1200" dirty="0" smtClean="0"/>
+              <a:t>:</a:t>
+            </a:r>
+            <a:r>
+              <a:rPr lang="ko-KR" altLang="en-US" sz="1200" dirty="0" err="1" smtClean="0"/>
+              <a:t>글록</a:t>
+            </a:r>
+            <a:r>
+              <a:rPr lang="ko-KR" altLang="en-US" sz="1200" dirty="0" smtClean="0"/>
+              <a:t> 자동권총</a:t>
+            </a:r>
+            <a:endParaRPr lang="en-US" altLang="ko-KR" sz="1200" dirty="0" smtClean="0"/>
+          </a:p>
+          <a:p>
+            <a:r>
+              <a:rPr lang="ko-KR" altLang="en-US" sz="1200" dirty="0" smtClean="0"/>
+              <a:t>타입</a:t>
+            </a:r>
+            <a:r>
+              <a:rPr lang="en-US" altLang="ko-KR" sz="1200" dirty="0" smtClean="0"/>
+              <a:t>:</a:t>
+            </a:r>
+            <a:r>
+              <a:rPr lang="ko-KR" altLang="en-US" sz="1200" dirty="0" smtClean="0"/>
+              <a:t>권총</a:t>
+            </a:r>
+            <a:r>
+              <a:rPr lang="en-US" altLang="ko-KR" sz="1200" dirty="0" smtClean="0"/>
+              <a:t>,</a:t>
+            </a:r>
+            <a:r>
+              <a:rPr lang="ko-KR" altLang="en-US" sz="1200" dirty="0" smtClean="0"/>
+              <a:t>자동사격모드 가능</a:t>
+            </a:r>
+            <a:endParaRPr lang="ko-KR" altLang="en-US" sz="1200" dirty="0"/>
+          </a:p>
+        </p:txBody>
+      </p:sp>
+      <p:pic>
+        <p:nvPicPr>
+          <p:cNvPr id="1034" name="Picture 10" descr="C:\Users\Administrator\Desktop\my_friends\work\escapejail\resource\weapon\new\M1G1\M1G1Icon.png"/>
+          <p:cNvPicPr>
+            <a:picLocks noChangeAspect="1" noChangeArrowheads="1"/>
+          </p:cNvPicPr>
+          <p:nvPr/>
+        </p:nvPicPr>
+        <p:blipFill>
+          <a:blip r:embed="rId9">
+            <a:extLst>
+              <a:ext uri="{28A0092B-C50C-407E-A947-70E740481C1C}">
+                <a14:useLocalDpi xmlns:a14="http://schemas.microsoft.com/office/drawing/2010/main" val="0"/>
+              </a:ext>
+            </a:extLst>
+          </a:blip>
+          <a:srcRect/>
+          <a:stretch>
+            <a:fillRect/>
+          </a:stretch>
+        </p:blipFill>
+        <p:spPr bwMode="auto">
+          <a:xfrm>
+            <a:off x="539552" y="4941168"/>
+            <a:ext cx="609600" cy="609600"/>
+          </a:xfrm>
+          <a:prstGeom prst="rect">
+            <a:avLst/>
+          </a:prstGeom>
+          <a:noFill/>
+          <a:extLst>
+            <a:ext uri="{909E8E84-426E-40DD-AFC4-6F175D3DCCD1}">
+              <a14:hiddenFill xmlns:a14="http://schemas.microsoft.com/office/drawing/2010/main">
+                <a:solidFill>
+                  <a:srgbClr val="FFFFFF"/>
+                </a:solidFill>
+              </a14:hiddenFill>
+            </a:ext>
+          </a:extLst>
+        </p:spPr>
+      </p:pic>
+      <p:sp>
+        <p:nvSpPr>
+          <p:cNvPr id="23" name="TextBox 22"/>
+          <p:cNvSpPr txBox="1"/>
+          <p:nvPr/>
+        </p:nvSpPr>
+        <p:spPr>
+          <a:xfrm>
+            <a:off x="213048" y="5550768"/>
+            <a:ext cx="1872208" cy="1015663"/>
+          </a:xfrm>
+          <a:prstGeom prst="rect">
+            <a:avLst/>
+          </a:prstGeom>
+          <a:noFill/>
+        </p:spPr>
+        <p:txBody>
+          <a:bodyPr wrap="square" rtlCol="0">
+            <a:spAutoFit/>
+          </a:bodyPr>
+          <a:lstStyle/>
+          <a:p>
+            <a:r>
+              <a:rPr lang="ko-KR" altLang="en-US" sz="1200" dirty="0" smtClean="0"/>
+              <a:t>무기명</a:t>
+            </a:r>
+            <a:r>
+              <a:rPr lang="en-US" altLang="ko-KR" sz="1200" dirty="0" smtClean="0"/>
+              <a:t>:m1g1</a:t>
+            </a:r>
+          </a:p>
+          <a:p>
+            <a:r>
+              <a:rPr lang="ko-KR" altLang="en-US" sz="1200" dirty="0" smtClean="0"/>
+              <a:t>참고</a:t>
+            </a:r>
+            <a:r>
+              <a:rPr lang="en-US" altLang="ko-KR" sz="1200" dirty="0" smtClean="0"/>
+              <a:t>:m1</a:t>
+            </a:r>
+            <a:r>
+              <a:rPr lang="ko-KR" altLang="en-US" sz="1200" dirty="0" err="1" smtClean="0"/>
+              <a:t>개런드</a:t>
+            </a:r>
+            <a:r>
+              <a:rPr lang="ko-KR" altLang="en-US" sz="1200" dirty="0" smtClean="0"/>
+              <a:t> </a:t>
+            </a:r>
+            <a:r>
+              <a:rPr lang="ko-KR" altLang="en-US" sz="1200" dirty="0" err="1" smtClean="0"/>
+              <a:t>반자동</a:t>
+            </a:r>
+            <a:r>
+              <a:rPr lang="ko-KR" altLang="en-US" sz="1200" dirty="0" smtClean="0"/>
+              <a:t> 소총</a:t>
+            </a:r>
+            <a:endParaRPr lang="en-US" altLang="ko-KR" sz="1200" dirty="0" smtClean="0"/>
+          </a:p>
+          <a:p>
+            <a:r>
+              <a:rPr lang="ko-KR" altLang="en-US" sz="1200" dirty="0" smtClean="0"/>
+              <a:t>타입</a:t>
+            </a:r>
+            <a:r>
+              <a:rPr lang="en-US" altLang="ko-KR" sz="1200" dirty="0" smtClean="0"/>
+              <a:t>:</a:t>
+            </a:r>
+            <a:r>
+              <a:rPr lang="ko-KR" altLang="en-US" sz="1200" dirty="0" err="1" smtClean="0"/>
+              <a:t>반자동소총</a:t>
+            </a:r>
+            <a:r>
+              <a:rPr lang="en-US" altLang="ko-KR" sz="1200" dirty="0" smtClean="0"/>
+              <a:t>(</a:t>
+            </a:r>
+            <a:r>
+              <a:rPr lang="ko-KR" altLang="en-US" sz="1200" dirty="0" smtClean="0"/>
+              <a:t>권총 처럼 한발 한발 나감</a:t>
+            </a:r>
+            <a:r>
+              <a:rPr lang="en-US" altLang="ko-KR" sz="1200" dirty="0" smtClean="0"/>
               <a:t>)</a:t>
             </a:r>
-            <a:endParaRPr lang="en-US" altLang="ko-KR" b="1" dirty="0"/>
-          </a:p>
-          <a:p>
-            <a:r>
-              <a:rPr lang="ko-KR" altLang="en-US" b="1" dirty="0" smtClean="0"/>
-              <a:t>사정거리 늘어나는 아이템도 </a:t>
-            </a:r>
-            <a:r>
-              <a:rPr lang="ko-KR" altLang="en-US" b="1" dirty="0" err="1" smtClean="0"/>
-              <a:t>필요할수도</a:t>
-            </a:r>
-            <a:r>
-              <a:rPr lang="en-US" altLang="ko-KR" b="1" dirty="0" smtClean="0"/>
+          </a:p>
+        </p:txBody>
+      </p:sp>
+      <p:pic>
+        <p:nvPicPr>
+          <p:cNvPr id="1035" name="Picture 11" descr="C:\Users\Administrator\Desktop\my_friends\work\escapejail\resource\weapon\new\M1G2\M1G2Icon.png"/>
+          <p:cNvPicPr>
+            <a:picLocks noChangeAspect="1" noChangeArrowheads="1"/>
+          </p:cNvPicPr>
+          <p:nvPr/>
+        </p:nvPicPr>
+        <p:blipFill>
+          <a:blip r:embed="rId10">
+            <a:extLst>
+              <a:ext uri="{28A0092B-C50C-407E-A947-70E740481C1C}">
+                <a14:useLocalDpi xmlns:a14="http://schemas.microsoft.com/office/drawing/2010/main" val="0"/>
+              </a:ext>
+            </a:extLst>
+          </a:blip>
+          <a:srcRect/>
+          <a:stretch>
+            <a:fillRect/>
+          </a:stretch>
+        </p:blipFill>
+        <p:spPr bwMode="auto">
+          <a:xfrm>
+            <a:off x="2505075" y="4941168"/>
+            <a:ext cx="609600" cy="609600"/>
+          </a:xfrm>
+          <a:prstGeom prst="rect">
+            <a:avLst/>
+          </a:prstGeom>
+          <a:noFill/>
+          <a:extLst>
+            <a:ext uri="{909E8E84-426E-40DD-AFC4-6F175D3DCCD1}">
+              <a14:hiddenFill xmlns:a14="http://schemas.microsoft.com/office/drawing/2010/main">
+                <a:solidFill>
+                  <a:srgbClr val="FFFFFF"/>
+                </a:solidFill>
+              </a14:hiddenFill>
+            </a:ext>
+          </a:extLst>
+        </p:spPr>
+      </p:pic>
+      <p:sp>
+        <p:nvSpPr>
+          <p:cNvPr id="25" name="TextBox 24"/>
+          <p:cNvSpPr txBox="1"/>
+          <p:nvPr/>
+        </p:nvSpPr>
+        <p:spPr>
+          <a:xfrm>
+            <a:off x="2267744" y="5480222"/>
+            <a:ext cx="1872208" cy="1384995"/>
+          </a:xfrm>
+          <a:prstGeom prst="rect">
+            <a:avLst/>
+          </a:prstGeom>
+          <a:noFill/>
+        </p:spPr>
+        <p:txBody>
+          <a:bodyPr wrap="square" rtlCol="0">
+            <a:spAutoFit/>
+          </a:bodyPr>
+          <a:lstStyle/>
+          <a:p>
+            <a:r>
+              <a:rPr lang="ko-KR" altLang="en-US" sz="1200" dirty="0" smtClean="0"/>
+              <a:t>무기명</a:t>
+            </a:r>
+            <a:r>
+              <a:rPr lang="en-US" altLang="ko-KR" sz="1200" dirty="0" smtClean="0"/>
+              <a:t>:m1g2</a:t>
+            </a:r>
+          </a:p>
+          <a:p>
+            <a:r>
+              <a:rPr lang="ko-KR" altLang="en-US" sz="1200" dirty="0" smtClean="0"/>
+              <a:t>참고</a:t>
+            </a:r>
+            <a:r>
+              <a:rPr lang="en-US" altLang="ko-KR" sz="1200" dirty="0" smtClean="0"/>
+              <a:t>:m1</a:t>
+            </a:r>
+            <a:r>
+              <a:rPr lang="ko-KR" altLang="en-US" sz="1200" dirty="0" err="1" smtClean="0"/>
+              <a:t>카</a:t>
+            </a:r>
+            <a:r>
+              <a:rPr lang="ko-KR" altLang="en-US" sz="1200" dirty="0" err="1"/>
+              <a:t>빈</a:t>
+            </a:r>
+            <a:r>
+              <a:rPr lang="ko-KR" altLang="en-US" sz="1200" dirty="0" smtClean="0"/>
+              <a:t> </a:t>
+            </a:r>
+            <a:r>
+              <a:rPr lang="ko-KR" altLang="en-US" sz="1200" dirty="0" err="1" smtClean="0"/>
+              <a:t>반자동</a:t>
+            </a:r>
+            <a:r>
+              <a:rPr lang="ko-KR" altLang="en-US" sz="1200" dirty="0" smtClean="0"/>
+              <a:t> 소총</a:t>
+            </a:r>
+            <a:endParaRPr lang="en-US" altLang="ko-KR" sz="1200" dirty="0" smtClean="0"/>
+          </a:p>
+          <a:p>
+            <a:r>
+              <a:rPr lang="ko-KR" altLang="en-US" sz="1200" dirty="0" smtClean="0"/>
+              <a:t>타입</a:t>
+            </a:r>
+            <a:r>
+              <a:rPr lang="en-US" altLang="ko-KR" sz="1200" dirty="0" smtClean="0"/>
+              <a:t>:</a:t>
+            </a:r>
+            <a:r>
+              <a:rPr lang="ko-KR" altLang="en-US" sz="1200" dirty="0" err="1" smtClean="0"/>
+              <a:t>반자동소총</a:t>
+            </a:r>
+            <a:r>
+              <a:rPr lang="en-US" altLang="ko-KR" sz="1200" dirty="0" smtClean="0"/>
               <a:t>(</a:t>
             </a:r>
             <a:r>
-              <a:rPr lang="ko-KR" altLang="en-US" b="1" dirty="0" err="1" smtClean="0"/>
+              <a:rPr lang="ko-KR" altLang="en-US" sz="1200" dirty="0" smtClean="0"/>
+              <a:t>권총 처럼 한발 한발 나감</a:t>
+            </a:r>
+            <a:r>
+              <a:rPr lang="en-US" altLang="ko-KR" sz="1200" dirty="0" smtClean="0"/>
+              <a:t>)</a:t>
+            </a:r>
+          </a:p>
+          <a:p>
+            <a:r>
+              <a:rPr lang="ko-KR" altLang="en-US" sz="1200" dirty="0" smtClean="0"/>
+              <a:t>설명</a:t>
+            </a:r>
+            <a:r>
+              <a:rPr lang="en-US" altLang="ko-KR" sz="1200" dirty="0" smtClean="0"/>
+              <a:t>: </a:t>
+            </a:r>
+            <a:r>
+              <a:rPr lang="ko-KR" altLang="en-US" sz="1200" dirty="0" err="1" smtClean="0"/>
+              <a:t>탄알집에</a:t>
+            </a:r>
+            <a:r>
+              <a:rPr lang="ko-KR" altLang="en-US" sz="1200" dirty="0" smtClean="0"/>
+              <a:t> </a:t>
+            </a:r>
+            <a:r>
+              <a:rPr lang="en-US" altLang="ko-KR" sz="1200" dirty="0" smtClean="0"/>
+              <a:t>m1g1</a:t>
+            </a:r>
+            <a:r>
+              <a:rPr lang="ko-KR" altLang="en-US" sz="1200" dirty="0" smtClean="0"/>
+              <a:t>보다 총알 수 많음</a:t>
+            </a:r>
+            <a:endParaRPr lang="en-US" altLang="ko-KR" sz="1200" dirty="0" smtClean="0"/>
+          </a:p>
+        </p:txBody>
+      </p:sp>
+      <p:pic>
+        <p:nvPicPr>
+          <p:cNvPr id="1036" name="Picture 12" descr="C:\Users\Administrator\Desktop\my_friends\work\escapejail\resource\weapon\new\MI\MIIcon.png"/>
+          <p:cNvPicPr>
+            <a:picLocks noChangeAspect="1" noChangeArrowheads="1"/>
+          </p:cNvPicPr>
+          <p:nvPr/>
+        </p:nvPicPr>
+        <p:blipFill>
+          <a:blip r:embed="rId11">
+            <a:extLst>
+              <a:ext uri="{28A0092B-C50C-407E-A947-70E740481C1C}">
+                <a14:useLocalDpi xmlns:a14="http://schemas.microsoft.com/office/drawing/2010/main" val="0"/>
+              </a:ext>
+            </a:extLst>
+          </a:blip>
+          <a:srcRect/>
+          <a:stretch>
+            <a:fillRect/>
+          </a:stretch>
+        </p:blipFill>
+        <p:spPr bwMode="auto">
+          <a:xfrm>
+            <a:off x="4572000" y="5013176"/>
+            <a:ext cx="609600" cy="609600"/>
+          </a:xfrm>
+          <a:prstGeom prst="rect">
+            <a:avLst/>
+          </a:prstGeom>
+          <a:noFill/>
+          <a:extLst>
+            <a:ext uri="{909E8E84-426E-40DD-AFC4-6F175D3DCCD1}">
+              <a14:hiddenFill xmlns:a14="http://schemas.microsoft.com/office/drawing/2010/main">
+                <a:solidFill>
+                  <a:srgbClr val="FFFFFF"/>
+                </a:solidFill>
+              </a14:hiddenFill>
+            </a:ext>
+          </a:extLst>
+        </p:spPr>
+      </p:pic>
+      <p:sp>
+        <p:nvSpPr>
+          <p:cNvPr id="27" name="TextBox 26"/>
+          <p:cNvSpPr txBox="1"/>
+          <p:nvPr/>
+        </p:nvSpPr>
+        <p:spPr>
+          <a:xfrm>
+            <a:off x="4564038" y="5480222"/>
+            <a:ext cx="1872208" cy="830997"/>
+          </a:xfrm>
+          <a:prstGeom prst="rect">
+            <a:avLst/>
+          </a:prstGeom>
+          <a:noFill/>
+        </p:spPr>
+        <p:txBody>
+          <a:bodyPr wrap="square" rtlCol="0">
+            <a:spAutoFit/>
+          </a:bodyPr>
+          <a:lstStyle/>
+          <a:p>
+            <a:r>
+              <a:rPr lang="ko-KR" altLang="en-US" sz="1200" dirty="0" smtClean="0"/>
+              <a:t>무기명</a:t>
+            </a:r>
+            <a:r>
+              <a:rPr lang="en-US" altLang="ko-KR" sz="1200" dirty="0" smtClean="0"/>
+              <a:t>:MI</a:t>
+            </a:r>
+          </a:p>
+          <a:p>
+            <a:r>
+              <a:rPr lang="ko-KR" altLang="en-US" sz="1200" dirty="0" smtClean="0"/>
+              <a:t>참고</a:t>
+            </a:r>
+            <a:r>
+              <a:rPr lang="en-US" altLang="ko-KR" sz="1200" dirty="0" smtClean="0"/>
+              <a:t>:M16A1</a:t>
+            </a:r>
+          </a:p>
+          <a:p>
+            <a:r>
+              <a:rPr lang="ko-KR" altLang="en-US" sz="1200" dirty="0" smtClean="0"/>
+              <a:t>타입</a:t>
+            </a:r>
+            <a:r>
+              <a:rPr lang="en-US" altLang="ko-KR" sz="1200" dirty="0" smtClean="0"/>
+              <a:t>:</a:t>
+            </a:r>
+            <a:r>
+              <a:rPr lang="ko-KR" altLang="en-US" sz="1200" dirty="0" smtClean="0"/>
+              <a:t>자동소총</a:t>
+            </a:r>
+            <a:endParaRPr lang="en-US" altLang="ko-KR" sz="1200" dirty="0" smtClean="0"/>
+          </a:p>
+          <a:p>
+            <a:endParaRPr lang="en-US" altLang="ko-KR" sz="1200" dirty="0" smtClean="0"/>
+          </a:p>
+        </p:txBody>
+      </p:sp>
+      <p:pic>
+        <p:nvPicPr>
+          <p:cNvPr id="1037" name="Picture 13" descr="C:\Users\Administrator\Desktop\my_friends\work\escapejail\resource\weapon\new\shortshotgun\shortshotgunIcon.png"/>
+          <p:cNvPicPr>
+            <a:picLocks noChangeAspect="1" noChangeArrowheads="1"/>
+          </p:cNvPicPr>
+          <p:nvPr/>
+        </p:nvPicPr>
+        <p:blipFill>
+          <a:blip r:embed="rId12">
+            <a:extLst>
+              <a:ext uri="{28A0092B-C50C-407E-A947-70E740481C1C}">
+                <a14:useLocalDpi xmlns:a14="http://schemas.microsoft.com/office/drawing/2010/main" val="0"/>
+              </a:ext>
+            </a:extLst>
+          </a:blip>
+          <a:srcRect/>
+          <a:stretch>
+            <a:fillRect/>
+          </a:stretch>
+        </p:blipFill>
+        <p:spPr bwMode="auto">
+          <a:xfrm>
+            <a:off x="6276528" y="5013176"/>
+            <a:ext cx="609600" cy="609600"/>
+          </a:xfrm>
+          <a:prstGeom prst="rect">
+            <a:avLst/>
+          </a:prstGeom>
+          <a:noFill/>
+          <a:extLst>
+            <a:ext uri="{909E8E84-426E-40DD-AFC4-6F175D3DCCD1}">
+              <a14:hiddenFill xmlns:a14="http://schemas.microsoft.com/office/drawing/2010/main">
+                <a:solidFill>
+                  <a:srgbClr val="FFFFFF"/>
+                </a:solidFill>
+              </a14:hiddenFill>
+            </a:ext>
+          </a:extLst>
+        </p:spPr>
+      </p:pic>
+      <p:sp>
+        <p:nvSpPr>
+          <p:cNvPr id="29" name="TextBox 28"/>
+          <p:cNvSpPr txBox="1"/>
+          <p:nvPr/>
+        </p:nvSpPr>
+        <p:spPr>
+          <a:xfrm>
+            <a:off x="6177508" y="5480221"/>
+            <a:ext cx="1872208" cy="830997"/>
+          </a:xfrm>
+          <a:prstGeom prst="rect">
+            <a:avLst/>
+          </a:prstGeom>
+          <a:noFill/>
+        </p:spPr>
+        <p:txBody>
+          <a:bodyPr wrap="square" rtlCol="0">
+            <a:spAutoFit/>
+          </a:bodyPr>
+          <a:lstStyle/>
+          <a:p>
+            <a:r>
+              <a:rPr lang="ko-KR" altLang="en-US" sz="1200" dirty="0" smtClean="0"/>
+              <a:t>무기명</a:t>
+            </a:r>
+            <a:r>
+              <a:rPr lang="en-US" altLang="ko-KR" sz="1200" dirty="0" smtClean="0"/>
+              <a:t>:short shotgun</a:t>
+            </a:r>
+          </a:p>
+          <a:p>
+            <a:endParaRPr lang="en-US" altLang="ko-KR" sz="1200" dirty="0" smtClean="0"/>
+          </a:p>
+          <a:p>
+            <a:r>
+              <a:rPr lang="ko-KR" altLang="en-US" sz="1200" dirty="0" smtClean="0"/>
+              <a:t>참고</a:t>
+            </a:r>
+            <a:r>
+              <a:rPr lang="en-US" altLang="ko-KR" sz="1200" dirty="0" smtClean="0"/>
+              <a:t>:</a:t>
+            </a:r>
+            <a:r>
+              <a:rPr lang="ko-KR" altLang="en-US" sz="1200" dirty="0" err="1" smtClean="0"/>
+              <a:t>소드오프</a:t>
+            </a:r>
+            <a:r>
+              <a:rPr lang="ko-KR" altLang="en-US" sz="1200" dirty="0" smtClean="0"/>
+              <a:t> </a:t>
+            </a:r>
+            <a:r>
+              <a:rPr lang="ko-KR" altLang="en-US" sz="1200" dirty="0" err="1" smtClean="0"/>
               <a:t>샷건</a:t>
             </a:r>
-            <a:r>
-              <a:rPr lang="ko-KR" altLang="en-US" b="1" dirty="0" smtClean="0"/>
-              <a:t> 사정거리 </a:t>
-            </a:r>
-            <a:r>
-              <a:rPr lang="en-US" altLang="ko-KR" b="1" dirty="0" smtClean="0"/>
-              <a:t>-&gt;</a:t>
-            </a:r>
-            <a:r>
-              <a:rPr lang="ko-KR" altLang="en-US" b="1" dirty="0" smtClean="0"/>
-              <a:t>초크</a:t>
-            </a:r>
-            <a:r>
-              <a:rPr lang="en-US" altLang="ko-KR" b="1" dirty="0" smtClean="0"/>
-              <a:t>)</a:t>
-            </a:r>
-          </a:p>
-          <a:p>
-            <a:r>
-              <a:rPr lang="ko-KR" altLang="en-US" b="1" dirty="0" smtClean="0"/>
-              <a:t>전체 무기 </a:t>
-            </a:r>
-            <a:r>
-              <a:rPr lang="ko-KR" altLang="en-US" b="1" dirty="0" err="1" smtClean="0"/>
-              <a:t>총알수</a:t>
-            </a:r>
-            <a:r>
-              <a:rPr lang="ko-KR" altLang="en-US" b="1" dirty="0" smtClean="0"/>
-              <a:t> 증가 </a:t>
-            </a:r>
-            <a:r>
-              <a:rPr lang="en-US" altLang="ko-KR" b="1" dirty="0" smtClean="0"/>
-              <a:t>(</a:t>
-            </a:r>
-            <a:r>
-              <a:rPr lang="ko-KR" altLang="en-US" b="1" dirty="0" smtClean="0"/>
-              <a:t>대용량탄창</a:t>
-            </a:r>
-            <a:r>
-              <a:rPr lang="en-US" altLang="ko-KR" b="1" dirty="0" smtClean="0"/>
-              <a:t>)</a:t>
-            </a:r>
+            <a:endParaRPr lang="en-US" altLang="ko-KR" sz="1200" dirty="0" smtClean="0"/>
+          </a:p>
+          <a:p>
+            <a:r>
+              <a:rPr lang="ko-KR" altLang="en-US" sz="1200" dirty="0" smtClean="0"/>
+              <a:t>타입</a:t>
+            </a:r>
+            <a:r>
+              <a:rPr lang="en-US" altLang="ko-KR" sz="1200" dirty="0" smtClean="0"/>
+              <a:t>:</a:t>
+            </a:r>
+            <a:r>
+              <a:rPr lang="ko-KR" altLang="en-US" sz="1200" dirty="0" err="1" smtClean="0"/>
+              <a:t>샷건</a:t>
+            </a:r>
+            <a:endParaRPr lang="en-US" altLang="ko-KR" sz="1200" dirty="0" smtClean="0"/>
           </a:p>
         </p:txBody>
       </p:sp>
     </p:spTree>
     <p:extLst>
       <p:ext uri="{BB962C8B-B14F-4D97-AF65-F5344CB8AC3E}">
-        <p14:creationId xmlns:p14="http://schemas.microsoft.com/office/powerpoint/2010/main" val="4072168355"/>
+        <p14:creationId xmlns:p14="http://schemas.microsoft.com/office/powerpoint/2010/main" val="1621264892"/>
       </p:ext>
     </p:extLst>
   </p:cSld>
@@ -17103,136 +18338,383 @@
         </p:nvSpPr>
         <p:spPr/>
         <p:txBody>
-          <a:bodyPr>
-            <a:normAutofit fontScale="90000"/>
-          </a:bodyPr>
+          <a:bodyPr/>
           <a:lstStyle/>
           <a:p>
             <a:r>
-              <a:rPr lang="ko-KR" altLang="en-US" dirty="0" err="1" smtClean="0"/>
-              <a:t>패시브</a:t>
-            </a:r>
-            <a:r>
               <a:rPr lang="ko-KR" altLang="en-US" dirty="0" smtClean="0"/>
-              <a:t> 아이템</a:t>
+              <a:t>신무기</a:t>
             </a:r>
             <a:r>
               <a:rPr lang="en-US" altLang="ko-KR" dirty="0" smtClean="0"/>
-              <a:t/>
-            </a:r>
-            <a:br>
+              <a:t>(</a:t>
+            </a:r>
+            <a:r>
+              <a:rPr lang="ko-KR" altLang="en-US" dirty="0" smtClean="0"/>
+              <a:t>추가됨</a:t>
+            </a:r>
+            <a:r>
               <a:rPr lang="en-US" altLang="ko-KR" dirty="0" smtClean="0"/>
-            </a:br>
+              <a:t>)</a:t>
+            </a:r>
             <a:endParaRPr lang="ko-KR" altLang="en-US" dirty="0"/>
           </a:p>
         </p:txBody>
       </p:sp>
       <p:sp>
         <p:nvSpPr>
-          <p:cNvPr id="3" name="내용 개체 틀 2"/>
+          <p:cNvPr id="4" name="AutoShape 2" descr="pixel headphone에 대한 이미지 검색결과"/>
           <p:cNvSpPr>
-            <a:spLocks noGrp="1"/>
+            <a:spLocks noChangeAspect="1" noChangeArrowheads="1"/>
           </p:cNvSpPr>
-          <p:nvPr>
-            <p:ph idx="1"/>
-          </p:nvPr>
+          <p:nvPr/>
         </p:nvSpPr>
-        <p:spPr/>
+        <p:spPr bwMode="auto">
+          <a:xfrm>
+            <a:off x="0" y="-144463"/>
+            <a:ext cx="304800" cy="304801"/>
+          </a:xfrm>
+          <a:prstGeom prst="rect">
+            <a:avLst/>
+          </a:prstGeom>
+          <a:noFill/>
+          <a:extLst>
+            <a:ext uri="{909E8E84-426E-40DD-AFC4-6F175D3DCCD1}">
+              <a14:hiddenFill xmlns:a14="http://schemas.microsoft.com/office/drawing/2010/main">
+                <a:solidFill>
+                  <a:srgbClr val="FFFFFF"/>
+                </a:solidFill>
+              </a14:hiddenFill>
+            </a:ext>
+          </a:extLst>
+        </p:spPr>
         <p:txBody>
-          <a:bodyPr>
-            <a:normAutofit/>
+          <a:bodyPr vert="horz" wrap="square" lIns="91440" tIns="45720" rIns="91440" bIns="45720" numCol="1" anchor="t" anchorCtr="0" compatLnSpc="1">
+            <a:prstTxWarp prst="textNoShape">
+              <a:avLst/>
+            </a:prstTxWarp>
           </a:bodyPr>
           <a:lstStyle/>
           <a:p>
-            <a:r>
-              <a:rPr lang="ko-KR" altLang="en-US" b="1" dirty="0" smtClean="0"/>
-              <a:t>돼지 우상</a:t>
-            </a:r>
-            <a:r>
-              <a:rPr lang="en-US" altLang="ko-KR" b="1" dirty="0" smtClean="0"/>
-              <a:t>(?)</a:t>
-            </a:r>
-            <a:r>
-              <a:rPr lang="ko-KR" altLang="en-US" b="1" dirty="0" smtClean="0"/>
-              <a:t> </a:t>
-            </a:r>
-            <a:r>
-              <a:rPr lang="en-US" altLang="ko-KR" b="1" dirty="0" smtClean="0"/>
-              <a:t>(</a:t>
-            </a:r>
-            <a:r>
-              <a:rPr lang="ko-KR" altLang="en-US" b="1" dirty="0" smtClean="0"/>
-              <a:t>아이템 획득 확률 상승</a:t>
-            </a:r>
-            <a:r>
-              <a:rPr lang="en-US" altLang="ko-KR" b="1" dirty="0" smtClean="0"/>
-              <a:t>)</a:t>
-            </a:r>
-          </a:p>
-          <a:p>
-            <a:r>
-              <a:rPr lang="ko-KR" altLang="en-US" b="1" dirty="0" err="1" smtClean="0"/>
-              <a:t>레드닷</a:t>
-            </a:r>
-            <a:endParaRPr lang="en-US" altLang="ko-KR" b="1" dirty="0" smtClean="0"/>
-          </a:p>
-          <a:p>
-            <a:r>
-              <a:rPr lang="ko-KR" altLang="en-US" b="1" dirty="0" err="1" smtClean="0"/>
-              <a:t>스카우터</a:t>
-            </a:r>
-            <a:r>
-              <a:rPr lang="en-US" altLang="ko-KR" b="1" dirty="0" smtClean="0"/>
-              <a:t>(</a:t>
-            </a:r>
-            <a:r>
-              <a:rPr lang="ko-KR" altLang="en-US" b="1" dirty="0" err="1" smtClean="0"/>
-              <a:t>몬스터들</a:t>
-            </a:r>
-            <a:r>
-              <a:rPr lang="ko-KR" altLang="en-US" b="1" dirty="0" smtClean="0"/>
-              <a:t> </a:t>
-            </a:r>
-            <a:r>
-              <a:rPr lang="ko-KR" altLang="en-US" b="1" dirty="0" err="1" smtClean="0"/>
-              <a:t>체력바가</a:t>
-            </a:r>
-            <a:r>
-              <a:rPr lang="ko-KR" altLang="en-US" b="1" dirty="0" smtClean="0"/>
-              <a:t> 보임</a:t>
-            </a:r>
-            <a:r>
-              <a:rPr lang="en-US" altLang="ko-KR" b="1" dirty="0" smtClean="0"/>
-              <a:t>)</a:t>
-            </a:r>
-          </a:p>
-          <a:p>
-            <a:endParaRPr lang="en-US" altLang="ko-KR" b="1" dirty="0" smtClean="0"/>
-          </a:p>
-          <a:p>
-            <a:r>
-              <a:rPr lang="ko-KR" altLang="en-US" b="1" dirty="0" smtClean="0"/>
-              <a:t>인삼아이콘 </a:t>
-            </a:r>
-            <a:r>
-              <a:rPr lang="en-US" altLang="ko-KR" b="1" dirty="0" smtClean="0"/>
-              <a:t>(</a:t>
-            </a:r>
-            <a:r>
-              <a:rPr lang="ko-KR" altLang="en-US" b="1" dirty="0" smtClean="0"/>
-              <a:t>상태이상 면역</a:t>
-            </a:r>
-            <a:r>
-              <a:rPr lang="en-US" altLang="ko-KR" b="1" dirty="0" smtClean="0"/>
-              <a:t>)</a:t>
-            </a:r>
+            <a:endParaRPr lang="ko-KR" altLang="en-US"/>
+          </a:p>
+        </p:txBody>
+      </p:sp>
+      <p:sp>
+        <p:nvSpPr>
+          <p:cNvPr id="6" name="TextBox 5"/>
+          <p:cNvSpPr txBox="1"/>
+          <p:nvPr/>
+        </p:nvSpPr>
+        <p:spPr>
+          <a:xfrm>
+            <a:off x="539552" y="1844824"/>
+            <a:ext cx="1872208" cy="646331"/>
+          </a:xfrm>
+          <a:prstGeom prst="rect">
+            <a:avLst/>
+          </a:prstGeom>
+          <a:noFill/>
+        </p:spPr>
+        <p:txBody>
+          <a:bodyPr wrap="square" rtlCol="0">
+            <a:spAutoFit/>
+          </a:bodyPr>
+          <a:lstStyle/>
+          <a:p>
+            <a:r>
+              <a:rPr lang="ko-KR" altLang="en-US" sz="1200" dirty="0" smtClean="0"/>
+              <a:t>무기명</a:t>
+            </a:r>
+            <a:r>
+              <a:rPr lang="en-US" altLang="ko-KR" sz="1200" dirty="0" smtClean="0"/>
+              <a:t>:U45</a:t>
+            </a:r>
+          </a:p>
+          <a:p>
+            <a:r>
+              <a:rPr lang="ko-KR" altLang="en-US" sz="1200" dirty="0" smtClean="0"/>
+              <a:t>참고</a:t>
+            </a:r>
+            <a:r>
+              <a:rPr lang="en-US" altLang="ko-KR" sz="1200" dirty="0" smtClean="0"/>
+              <a:t>:UMP45</a:t>
+            </a:r>
+          </a:p>
+          <a:p>
+            <a:r>
+              <a:rPr lang="ko-KR" altLang="en-US" sz="1200" dirty="0" smtClean="0"/>
+              <a:t>타입</a:t>
+            </a:r>
+            <a:r>
+              <a:rPr lang="en-US" altLang="ko-KR" sz="1200" dirty="0" smtClean="0"/>
+              <a:t>:</a:t>
+            </a:r>
+            <a:r>
+              <a:rPr lang="ko-KR" altLang="en-US" sz="1200" dirty="0" smtClean="0"/>
+              <a:t>기관단총</a:t>
+            </a:r>
+            <a:endParaRPr lang="ko-KR" altLang="en-US" sz="1200" dirty="0"/>
+          </a:p>
+        </p:txBody>
+      </p:sp>
+      <p:pic>
+        <p:nvPicPr>
+          <p:cNvPr id="2050" name="Picture 2" descr="C:\Users\Administrator\Desktop\my_friends\work\escapejail\resource\weapon\new\SMGU45\U45Icon.png"/>
+          <p:cNvPicPr>
+            <a:picLocks noChangeAspect="1" noChangeArrowheads="1"/>
+          </p:cNvPicPr>
+          <p:nvPr/>
+        </p:nvPicPr>
+        <p:blipFill>
+          <a:blip r:embed="rId2">
+            <a:extLst>
+              <a:ext uri="{28A0092B-C50C-407E-A947-70E740481C1C}">
+                <a14:useLocalDpi xmlns:a14="http://schemas.microsoft.com/office/drawing/2010/main" val="0"/>
+              </a:ext>
+            </a:extLst>
+          </a:blip>
+          <a:srcRect/>
+          <a:stretch>
+            <a:fillRect/>
+          </a:stretch>
+        </p:blipFill>
+        <p:spPr bwMode="auto">
+          <a:xfrm>
+            <a:off x="611560" y="1285875"/>
+            <a:ext cx="609600" cy="609600"/>
+          </a:xfrm>
+          <a:prstGeom prst="rect">
+            <a:avLst/>
+          </a:prstGeom>
+          <a:noFill/>
+          <a:extLst>
+            <a:ext uri="{909E8E84-426E-40DD-AFC4-6F175D3DCCD1}">
+              <a14:hiddenFill xmlns:a14="http://schemas.microsoft.com/office/drawing/2010/main">
+                <a:solidFill>
+                  <a:srgbClr val="FFFFFF"/>
+                </a:solidFill>
+              </a14:hiddenFill>
+            </a:ext>
+          </a:extLst>
+        </p:spPr>
+      </p:pic>
+      <p:pic>
+        <p:nvPicPr>
+          <p:cNvPr id="2051" name="Picture 3" descr="C:\Users\Administrator\Desktop\my_friends\work\escapejail\resource\weapon\new\up\UPIcon.png"/>
+          <p:cNvPicPr>
+            <a:picLocks noChangeAspect="1" noChangeArrowheads="1"/>
+          </p:cNvPicPr>
+          <p:nvPr/>
+        </p:nvPicPr>
+        <p:blipFill>
+          <a:blip r:embed="rId3">
+            <a:extLst>
+              <a:ext uri="{28A0092B-C50C-407E-A947-70E740481C1C}">
+                <a14:useLocalDpi xmlns:a14="http://schemas.microsoft.com/office/drawing/2010/main" val="0"/>
+              </a:ext>
+            </a:extLst>
+          </a:blip>
+          <a:srcRect/>
+          <a:stretch>
+            <a:fillRect/>
+          </a:stretch>
+        </p:blipFill>
+        <p:spPr bwMode="auto">
+          <a:xfrm>
+            <a:off x="2699792" y="1285875"/>
+            <a:ext cx="609600" cy="609600"/>
+          </a:xfrm>
+          <a:prstGeom prst="rect">
+            <a:avLst/>
+          </a:prstGeom>
+          <a:noFill/>
+          <a:extLst>
+            <a:ext uri="{909E8E84-426E-40DD-AFC4-6F175D3DCCD1}">
+              <a14:hiddenFill xmlns:a14="http://schemas.microsoft.com/office/drawing/2010/main">
+                <a:solidFill>
+                  <a:srgbClr val="FFFFFF"/>
+                </a:solidFill>
+              </a14:hiddenFill>
+            </a:ext>
+          </a:extLst>
+        </p:spPr>
+      </p:pic>
+      <p:sp>
+        <p:nvSpPr>
+          <p:cNvPr id="30" name="TextBox 29"/>
+          <p:cNvSpPr txBox="1"/>
+          <p:nvPr/>
+        </p:nvSpPr>
+        <p:spPr>
+          <a:xfrm>
+            <a:off x="2555776" y="1832273"/>
+            <a:ext cx="1872208" cy="646331"/>
+          </a:xfrm>
+          <a:prstGeom prst="rect">
+            <a:avLst/>
+          </a:prstGeom>
+          <a:noFill/>
+        </p:spPr>
+        <p:txBody>
+          <a:bodyPr wrap="square" rtlCol="0">
+            <a:spAutoFit/>
+          </a:bodyPr>
+          <a:lstStyle/>
+          <a:p>
+            <a:r>
+              <a:rPr lang="ko-KR" altLang="en-US" sz="1200" dirty="0" smtClean="0"/>
+              <a:t>무기명</a:t>
+            </a:r>
+            <a:r>
+              <a:rPr lang="en-US" altLang="ko-KR" sz="1200" dirty="0" smtClean="0"/>
+              <a:t>:UP</a:t>
+            </a:r>
+          </a:p>
+          <a:p>
+            <a:r>
+              <a:rPr lang="ko-KR" altLang="en-US" sz="1200" dirty="0" smtClean="0"/>
+              <a:t>참고</a:t>
+            </a:r>
+            <a:r>
+              <a:rPr lang="en-US" altLang="ko-KR" sz="1200" dirty="0" smtClean="0"/>
+              <a:t>:USP45</a:t>
+            </a:r>
+          </a:p>
+          <a:p>
+            <a:r>
+              <a:rPr lang="ko-KR" altLang="en-US" sz="1200" dirty="0" smtClean="0"/>
+              <a:t>타입</a:t>
+            </a:r>
+            <a:r>
+              <a:rPr lang="en-US" altLang="ko-KR" sz="1200" dirty="0" smtClean="0"/>
+              <a:t>:</a:t>
+            </a:r>
+            <a:r>
+              <a:rPr lang="ko-KR" altLang="en-US" sz="1200" dirty="0" smtClean="0"/>
+              <a:t>권총</a:t>
+            </a:r>
+            <a:endParaRPr lang="ko-KR" altLang="en-US" sz="1200" dirty="0"/>
+          </a:p>
+        </p:txBody>
+      </p:sp>
+      <p:pic>
+        <p:nvPicPr>
+          <p:cNvPr id="2052" name="Picture 4" descr="C:\Users\Administrator\Desktop\my_friends\work\escapejail\resource\weapon\new\wzSMG\wzIcon.png"/>
+          <p:cNvPicPr>
+            <a:picLocks noChangeAspect="1" noChangeArrowheads="1"/>
+          </p:cNvPicPr>
+          <p:nvPr/>
+        </p:nvPicPr>
+        <p:blipFill>
+          <a:blip r:embed="rId4">
+            <a:extLst>
+              <a:ext uri="{28A0092B-C50C-407E-A947-70E740481C1C}">
+                <a14:useLocalDpi xmlns:a14="http://schemas.microsoft.com/office/drawing/2010/main" val="0"/>
+              </a:ext>
+            </a:extLst>
+          </a:blip>
+          <a:srcRect/>
+          <a:stretch>
+            <a:fillRect/>
+          </a:stretch>
+        </p:blipFill>
+        <p:spPr bwMode="auto">
+          <a:xfrm>
+            <a:off x="4283968" y="1314450"/>
+            <a:ext cx="609600" cy="609600"/>
+          </a:xfrm>
+          <a:prstGeom prst="rect">
+            <a:avLst/>
+          </a:prstGeom>
+          <a:noFill/>
+          <a:extLst>
+            <a:ext uri="{909E8E84-426E-40DD-AFC4-6F175D3DCCD1}">
+              <a14:hiddenFill xmlns:a14="http://schemas.microsoft.com/office/drawing/2010/main">
+                <a:solidFill>
+                  <a:srgbClr val="FFFFFF"/>
+                </a:solidFill>
+              </a14:hiddenFill>
+            </a:ext>
+          </a:extLst>
+        </p:spPr>
+      </p:pic>
+      <p:sp>
+        <p:nvSpPr>
+          <p:cNvPr id="32" name="TextBox 31"/>
+          <p:cNvSpPr txBox="1"/>
+          <p:nvPr/>
+        </p:nvSpPr>
+        <p:spPr>
+          <a:xfrm>
+            <a:off x="4298454" y="1832273"/>
+            <a:ext cx="1872208" cy="646331"/>
+          </a:xfrm>
+          <a:prstGeom prst="rect">
+            <a:avLst/>
+          </a:prstGeom>
+          <a:noFill/>
+        </p:spPr>
+        <p:txBody>
+          <a:bodyPr wrap="square" rtlCol="0">
+            <a:spAutoFit/>
+          </a:bodyPr>
+          <a:lstStyle/>
+          <a:p>
+            <a:r>
+              <a:rPr lang="ko-KR" altLang="en-US" sz="1200" dirty="0" smtClean="0"/>
+              <a:t>무기명</a:t>
+            </a:r>
+            <a:r>
+              <a:rPr lang="en-US" altLang="ko-KR" sz="1200" dirty="0" smtClean="0"/>
+              <a:t>:</a:t>
+            </a:r>
+            <a:r>
+              <a:rPr lang="en-US" altLang="ko-KR" sz="1200" dirty="0" err="1"/>
+              <a:t>w</a:t>
+            </a:r>
+            <a:r>
+              <a:rPr lang="en-US" altLang="ko-KR" sz="1200" dirty="0" err="1" smtClean="0"/>
+              <a:t>z</a:t>
+            </a:r>
+            <a:endParaRPr lang="en-US" altLang="ko-KR" sz="1200" dirty="0" smtClean="0"/>
+          </a:p>
+          <a:p>
+            <a:r>
+              <a:rPr lang="ko-KR" altLang="en-US" sz="1200" dirty="0" smtClean="0"/>
+              <a:t>참고</a:t>
+            </a:r>
+            <a:r>
+              <a:rPr lang="en-US" altLang="ko-KR" sz="1200" dirty="0" smtClean="0"/>
+              <a:t>:</a:t>
+            </a:r>
+            <a:r>
+              <a:rPr lang="ko-KR" altLang="en-US" sz="1200" dirty="0" smtClean="0"/>
+              <a:t>우지기관단총</a:t>
+            </a:r>
+            <a:endParaRPr lang="en-US" altLang="ko-KR" sz="1200" dirty="0" smtClean="0"/>
+          </a:p>
+          <a:p>
+            <a:r>
+              <a:rPr lang="ko-KR" altLang="en-US" sz="1200" dirty="0" smtClean="0"/>
+              <a:t>타입</a:t>
+            </a:r>
+            <a:r>
+              <a:rPr lang="en-US" altLang="ko-KR" sz="1200" dirty="0" smtClean="0"/>
+              <a:t>:</a:t>
+            </a:r>
+            <a:r>
+              <a:rPr lang="ko-KR" altLang="en-US" sz="1200" dirty="0" smtClean="0"/>
+              <a:t>기관단총</a:t>
+            </a:r>
+            <a:endParaRPr lang="ko-KR" altLang="en-US" sz="1200" dirty="0"/>
           </a:p>
         </p:txBody>
       </p:sp>
     </p:spTree>
     <p:extLst>
       <p:ext uri="{BB962C8B-B14F-4D97-AF65-F5344CB8AC3E}">
-        <p14:creationId xmlns:p14="http://schemas.microsoft.com/office/powerpoint/2010/main" val="251605719"/>
+        <p14:creationId xmlns:p14="http://schemas.microsoft.com/office/powerpoint/2010/main" val="2354885271"/>
       </p:ext>
     </p:extLst>
   </p:cSld>
@@ -17277,8 +18759,12 @@
           <a:lstStyle/>
           <a:p>
             <a:r>
+              <a:rPr lang="ko-KR" altLang="en-US" dirty="0" err="1" smtClean="0"/>
+              <a:t>패시브</a:t>
+            </a:r>
+            <a:r>
               <a:rPr lang="ko-KR" altLang="en-US" dirty="0" smtClean="0"/>
-              <a:t>아이디어 추가</a:t>
+              <a:t> 아이템</a:t>
             </a:r>
             <a:r>
               <a:rPr lang="en-US" altLang="ko-KR" dirty="0" smtClean="0"/>
@@ -17287,6 +18773,41 @@
             <a:br>
               <a:rPr lang="en-US" altLang="ko-KR" dirty="0" smtClean="0"/>
             </a:br>
+            <a:r>
+              <a:rPr lang="en-US" altLang="ko-KR" dirty="0" smtClean="0"/>
+              <a:t>(</a:t>
+            </a:r>
+            <a:r>
+              <a:rPr lang="ko-KR" altLang="en-US" dirty="0" smtClean="0"/>
+              <a:t>플레이어마다 </a:t>
+            </a:r>
+            <a:r>
+              <a:rPr lang="en-US" altLang="ko-KR" dirty="0" smtClean="0"/>
+              <a:t>1</a:t>
+            </a:r>
+            <a:r>
+              <a:rPr lang="ko-KR" altLang="en-US" dirty="0" smtClean="0"/>
+              <a:t>개씩 소유 가능</a:t>
+            </a:r>
+            <a:r>
+              <a:rPr lang="en-US" altLang="ko-KR" dirty="0" smtClean="0"/>
+              <a:t/>
+            </a:r>
+            <a:br>
+              <a:rPr lang="en-US" altLang="ko-KR" dirty="0" smtClean="0"/>
+            </a:br>
+            <a:r>
+              <a:rPr lang="ko-KR" altLang="en-US" dirty="0" err="1" smtClean="0"/>
+              <a:t>시작시</a:t>
+            </a:r>
+            <a:r>
+              <a:rPr lang="ko-KR" altLang="en-US" dirty="0" smtClean="0"/>
+              <a:t> 선택</a:t>
+            </a:r>
+            <a:r>
+              <a:rPr lang="en-US" altLang="ko-KR" dirty="0" smtClean="0"/>
+              <a:t>)</a:t>
+            </a:r>
             <a:endParaRPr lang="ko-KR" altLang="en-US" dirty="0"/>
           </a:p>
         </p:txBody>
@@ -17308,55 +18829,35 @@
           </a:bodyPr>
           <a:lstStyle/>
           <a:p>
+            <a:endParaRPr lang="en-US" altLang="ko-KR" b="1" dirty="0" smtClean="0"/>
+          </a:p>
+          <a:p>
             <a:r>
               <a:rPr lang="ko-KR" altLang="en-US" b="1" dirty="0" smtClean="0"/>
-              <a:t>처음에는 무기 </a:t>
+              <a:t>안정제 </a:t>
+            </a:r>
+            <a:r>
+              <a:rPr lang="en-US" altLang="ko-KR" b="1" dirty="0" smtClean="0"/>
+              <a:t>( </a:t>
+            </a:r>
+            <a:r>
+              <a:rPr lang="ko-KR" altLang="en-US" b="1" dirty="0" smtClean="0"/>
+              <a:t>총기 반동을 많이 줄여줌</a:t>
+            </a:r>
+            <a:r>
+              <a:rPr lang="en-US" altLang="ko-KR" b="1" dirty="0" smtClean="0"/>
+              <a:t>)</a:t>
+            </a:r>
+            <a:endParaRPr lang="en-US" altLang="ko-KR" b="1" dirty="0"/>
+          </a:p>
+          <a:p>
+            <a:r>
+              <a:rPr lang="ko-KR" altLang="en-US" b="1" dirty="0" smtClean="0"/>
+              <a:t>사정거리 늘어나는 아이템도 </a:t>
             </a:r>
             <a:r>
               <a:rPr lang="ko-KR" altLang="en-US" b="1" dirty="0" err="1" smtClean="0"/>
-              <a:t>인벤토리만</a:t>
-            </a:r>
-            <a:r>
-              <a:rPr lang="ko-KR" altLang="en-US" b="1" dirty="0" smtClean="0"/>
-              <a:t> </a:t>
-            </a:r>
-            <a:r>
-              <a:rPr lang="ko-KR" altLang="en-US" b="1" dirty="0" err="1" smtClean="0"/>
-              <a:t>두칸</a:t>
-            </a:r>
-            <a:r>
-              <a:rPr lang="ko-KR" altLang="en-US" b="1" dirty="0" smtClean="0"/>
-              <a:t> </a:t>
-            </a:r>
-            <a:r>
-              <a:rPr lang="ko-KR" altLang="en-US" b="1" dirty="0" err="1" smtClean="0"/>
-              <a:t>줄것</a:t>
-            </a:r>
-            <a:endParaRPr lang="en-US" altLang="ko-KR" b="1" dirty="0" smtClean="0"/>
-          </a:p>
-          <a:p>
-            <a:r>
-              <a:rPr lang="ko-KR" altLang="en-US" b="1" dirty="0" err="1" smtClean="0"/>
-              <a:t>한판할때마다</a:t>
-            </a:r>
-            <a:r>
-              <a:rPr lang="ko-KR" altLang="en-US" b="1" dirty="0" smtClean="0"/>
-              <a:t> 코인을 줘서 그걸로 </a:t>
-            </a:r>
-            <a:r>
-              <a:rPr lang="ko-KR" altLang="en-US" b="1" dirty="0" err="1" smtClean="0"/>
-              <a:t>패시브</a:t>
-            </a:r>
-            <a:r>
-              <a:rPr lang="ko-KR" altLang="en-US" b="1" dirty="0" smtClean="0"/>
-              <a:t> 아이템 구매</a:t>
-            </a:r>
-            <a:endParaRPr lang="en-US" altLang="ko-KR" b="1" dirty="0" smtClean="0"/>
-          </a:p>
-          <a:p>
-            <a:r>
-              <a:rPr lang="ko-KR" altLang="en-US" b="1" dirty="0" smtClean="0"/>
-              <a:t> </a:t>
+              <a:t>필요할수도</a:t>
             </a:r>
             <a:r>
               <a:rPr lang="en-US" altLang="ko-KR" b="1" dirty="0" smtClean="0"/>
@@ -17364,19 +18865,45 @@
             </a:r>
             <a:r>
               <a:rPr lang="ko-KR" altLang="en-US" b="1" dirty="0" err="1" smtClean="0"/>
-              <a:t>패시브</a:t>
+              <a:t>샷건</a:t>
             </a:r>
             <a:r>
               <a:rPr lang="ko-KR" altLang="en-US" b="1" dirty="0" smtClean="0"/>
-              <a:t> 아이템은 게임 </a:t>
+              <a:t> 사정거리 </a:t>
+            </a:r>
+            <a:r>
+              <a:rPr lang="en-US" altLang="ko-KR" b="1" dirty="0" smtClean="0"/>
+              <a:t>-&gt;</a:t>
+            </a:r>
+            <a:r>
+              <a:rPr lang="ko-KR" altLang="en-US" b="1" dirty="0" smtClean="0"/>
+              <a:t>초크</a:t>
+            </a:r>
+            <a:r>
+              <a:rPr lang="en-US" altLang="ko-KR" b="1" dirty="0" smtClean="0"/>
+              <a:t>)</a:t>
+            </a:r>
+          </a:p>
+          <a:p>
+            <a:r>
+              <a:rPr lang="ko-KR" altLang="en-US" b="1" dirty="0" smtClean="0"/>
+              <a:t>전체 무기 </a:t>
             </a:r>
             <a:r>
               <a:rPr lang="ko-KR" altLang="en-US" b="1" dirty="0" err="1" smtClean="0"/>
-              <a:t>시작할때</a:t>
+              <a:t>총알수</a:t>
             </a:r>
             <a:r>
               <a:rPr lang="ko-KR" altLang="en-US" b="1" dirty="0" smtClean="0"/>
-              <a:t> 한 개 골라서 효과를 받음</a:t>
+              <a:t> 증가 </a:t>
+            </a:r>
+            <a:r>
+              <a:rPr lang="en-US" altLang="ko-KR" b="1" dirty="0" smtClean="0"/>
+              <a:t>(</a:t>
+            </a:r>
+            <a:r>
+              <a:rPr lang="ko-KR" altLang="en-US" b="1" dirty="0" smtClean="0"/>
+              <a:t>대용량탄창</a:t>
             </a:r>
             <a:r>
               <a:rPr lang="en-US" altLang="ko-KR" b="1" dirty="0" smtClean="0"/>
@@ -17388,7 +18915,7 @@
     </p:spTree>
     <p:extLst>
       <p:ext uri="{BB962C8B-B14F-4D97-AF65-F5344CB8AC3E}">
-        <p14:creationId xmlns:p14="http://schemas.microsoft.com/office/powerpoint/2010/main" val="2550670840"/>
+        <p14:creationId xmlns:p14="http://schemas.microsoft.com/office/powerpoint/2010/main" val="4072168355"/>
       </p:ext>
     </p:extLst>
   </p:cSld>
@@ -17433,8 +18960,12 @@
           <a:lstStyle/>
           <a:p>
             <a:r>
+              <a:rPr lang="ko-KR" altLang="en-US" dirty="0" err="1" smtClean="0"/>
+              <a:t>패시브</a:t>
+            </a:r>
+            <a:r>
               <a:rPr lang="ko-KR" altLang="en-US" dirty="0" smtClean="0"/>
-              <a:t>게임제목 아이디어</a:t>
+              <a:t> 아이템</a:t>
             </a:r>
             <a:r>
               <a:rPr lang="en-US" altLang="ko-KR" dirty="0" smtClean="0"/>
@@ -17464,117 +18995,95 @@
           </a:bodyPr>
           <a:lstStyle/>
           <a:p>
-            <a:pPr marL="0" indent="0">
-              <a:buNone/>
-            </a:pPr>
-            <a:r>
-              <a:rPr lang="ko-KR" altLang="en-US" b="1" dirty="0" smtClean="0">
-                <a:solidFill>
-                  <a:srgbClr val="FF0000"/>
-                </a:solidFill>
-              </a:rPr>
-              <a:t>건 </a:t>
-            </a:r>
-            <a:r>
-              <a:rPr lang="ko-KR" altLang="en-US" b="1" dirty="0" err="1" smtClean="0">
-                <a:solidFill>
-                  <a:srgbClr val="FF0000"/>
-                </a:solidFill>
-              </a:rPr>
-              <a:t>크러쉬</a:t>
+            <a:r>
+              <a:rPr lang="ko-KR" altLang="en-US" b="1" dirty="0" smtClean="0"/>
+              <a:t>돼지 우상</a:t>
+            </a:r>
+            <a:r>
+              <a:rPr lang="en-US" altLang="ko-KR" b="1" dirty="0" smtClean="0"/>
+              <a:t>(?)</a:t>
+            </a:r>
+            <a:r>
+              <a:rPr lang="ko-KR" altLang="en-US" b="1" dirty="0" smtClean="0"/>
+              <a:t> </a:t>
             </a:r>
             <a:r>
               <a:rPr lang="en-US" altLang="ko-KR" b="1" dirty="0" smtClean="0"/>
               <a:t>(</a:t>
             </a:r>
             <a:r>
+              <a:rPr lang="ko-KR" altLang="en-US" b="1" dirty="0" smtClean="0"/>
+              <a:t>아이템 획득 확률 상승</a:t>
+            </a:r>
+            <a:r>
+              <a:rPr lang="en-US" altLang="ko-KR" b="1" dirty="0" smtClean="0"/>
+              <a:t>)</a:t>
+            </a:r>
+          </a:p>
+          <a:p>
+            <a:r>
               <a:rPr lang="ko-KR" altLang="en-US" b="1" dirty="0" err="1" smtClean="0"/>
-              <a:t>구글에</a:t>
+              <a:t>레드닷</a:t>
+            </a:r>
+            <a:endParaRPr lang="en-US" altLang="ko-KR" b="1" dirty="0" smtClean="0"/>
+          </a:p>
+          <a:p>
+            <a:r>
+              <a:rPr lang="ko-KR" altLang="en-US" b="1" dirty="0" err="1" smtClean="0"/>
+              <a:t>스카우터</a:t>
+            </a:r>
+            <a:r>
+              <a:rPr lang="en-US" altLang="ko-KR" b="1" dirty="0" smtClean="0"/>
+              <a:t>(</a:t>
+            </a:r>
+            <a:r>
+              <a:rPr lang="ko-KR" altLang="en-US" b="1" dirty="0" err="1" smtClean="0"/>
+              <a:t>몬스터들</a:t>
             </a:r>
             <a:r>
               <a:rPr lang="ko-KR" altLang="en-US" b="1" dirty="0" smtClean="0"/>
-              <a:t> 검색하면 걸 </a:t>
+              <a:t> </a:t>
             </a:r>
             <a:r>
               <a:rPr lang="ko-KR" altLang="en-US" b="1" dirty="0" err="1" smtClean="0"/>
-              <a:t>크러쉬</a:t>
+              <a:t>체력바가</a:t>
             </a:r>
             <a:r>
               <a:rPr lang="ko-KR" altLang="en-US" b="1" dirty="0" smtClean="0"/>
-              <a:t> 밖에 </a:t>
-            </a:r>
-            <a:r>
-              <a:rPr lang="ko-KR" altLang="en-US" b="1" dirty="0" err="1" smtClean="0"/>
-              <a:t>안나옴</a:t>
-            </a:r>
+              <a:t> 보임</a:t>
+            </a:r>
+            <a:r>
+              <a:rPr lang="en-US" altLang="ko-KR" b="1" dirty="0" smtClean="0"/>
+              <a:t>)</a:t>
+            </a:r>
+          </a:p>
+          <a:p>
+            <a:endParaRPr lang="en-US" altLang="ko-KR" b="1" dirty="0" smtClean="0"/>
+          </a:p>
+          <a:p>
             <a:r>
               <a:rPr lang="ko-KR" altLang="en-US" b="1" dirty="0" smtClean="0"/>
-              <a:t> 심플하고 적절한 </a:t>
-            </a:r>
-            <a:r>
-              <a:rPr lang="ko-KR" altLang="en-US" b="1" dirty="0" err="1" smtClean="0"/>
-              <a:t>제목인듯</a:t>
+              <a:t>인삼아이콘 </a:t>
             </a:r>
             <a:r>
               <a:rPr lang="en-US" altLang="ko-KR" b="1" dirty="0" smtClean="0"/>
-              <a:t>) </a:t>
-            </a:r>
-          </a:p>
-          <a:p>
-            <a:endParaRPr lang="en-US" altLang="ko-KR" b="1" dirty="0"/>
-          </a:p>
-          <a:p>
-            <a:pPr marL="0" indent="0">
-              <a:buNone/>
-            </a:pPr>
+              <a:t>(</a:t>
+            </a:r>
             <a:r>
               <a:rPr lang="ko-KR" altLang="en-US" b="1" dirty="0" smtClean="0"/>
-              <a:t>영문으로 검색해도 마찬가지</a:t>
-            </a:r>
-            <a:endParaRPr lang="en-US" altLang="ko-KR" b="1" dirty="0" smtClean="0"/>
-          </a:p>
-          <a:p>
-            <a:pPr marL="0" indent="0">
-              <a:buNone/>
-            </a:pPr>
-            <a:endParaRPr lang="en-US" altLang="ko-KR" b="1" dirty="0"/>
-          </a:p>
-          <a:p>
-            <a:pPr marL="0" indent="0">
-              <a:buNone/>
-            </a:pPr>
-            <a:r>
-              <a:rPr lang="en-US" altLang="ko-KR" b="1" dirty="0"/>
-              <a:t>strange </a:t>
+              <a:t>상태이상 면역</a:t>
             </a:r>
             <a:r>
               <a:rPr lang="en-US" altLang="ko-KR" b="1" dirty="0" smtClean="0"/>
-              <a:t>lab (</a:t>
-            </a:r>
-            <a:r>
-              <a:rPr lang="ko-KR" altLang="en-US" b="1" dirty="0" smtClean="0"/>
-              <a:t>이상한 연구실</a:t>
-            </a:r>
-            <a:r>
-              <a:rPr lang="en-US" altLang="ko-KR" b="1" dirty="0" smtClean="0"/>
-              <a:t>) -&gt; </a:t>
-            </a:r>
-            <a:r>
-              <a:rPr lang="ko-KR" altLang="en-US" b="1" dirty="0" smtClean="0"/>
-              <a:t>호기심유</a:t>
-            </a:r>
-            <a:r>
-              <a:rPr lang="ko-KR" altLang="en-US" b="1" dirty="0"/>
-              <a:t>발</a:t>
-            </a:r>
-            <a:endParaRPr lang="en-US" altLang="ko-KR" b="1" dirty="0" smtClean="0"/>
+              <a:t>)</a:t>
+            </a:r>
           </a:p>
         </p:txBody>
       </p:sp>
     </p:spTree>
     <p:extLst>
       <p:ext uri="{BB962C8B-B14F-4D97-AF65-F5344CB8AC3E}">
-        <p14:creationId xmlns:p14="http://schemas.microsoft.com/office/powerpoint/2010/main" val="1749074872"/>
+        <p14:creationId xmlns:p14="http://schemas.microsoft.com/office/powerpoint/2010/main" val="251605719"/>
       </p:ext>
     </p:extLst>
   </p:cSld>
@@ -17620,7 +19129,7 @@
           <a:p>
             <a:r>
               <a:rPr lang="ko-KR" altLang="en-US" dirty="0" smtClean="0"/>
-              <a:t>캐릭터 아이디어 추가</a:t>
+              <a:t>아이디어 추가</a:t>
             </a:r>
             <a:r>
               <a:rPr lang="en-US" altLang="ko-KR" dirty="0" smtClean="0"/>
@@ -17646,572 +19155,91 @@
         <p:spPr/>
         <p:txBody>
           <a:bodyPr>
-            <a:normAutofit fontScale="32500" lnSpcReduction="20000"/>
+            <a:normAutofit/>
           </a:bodyPr>
           <a:lstStyle/>
           <a:p>
             <a:r>
-              <a:rPr lang="ko-KR" altLang="en-US" dirty="0"/>
-              <a:t>상인에게서 파는 기밀문서 </a:t>
-            </a:r>
-            <a:r>
-              <a:rPr lang="en-US" altLang="ko" dirty="0"/>
-              <a:t>3</a:t>
-            </a:r>
-            <a:r>
-              <a:rPr lang="ko-KR" altLang="en-US" dirty="0" smtClean="0"/>
-              <a:t>개</a:t>
-            </a:r>
-            <a:r>
-              <a:rPr lang="en-US" altLang="ko-KR" dirty="0" smtClean="0"/>
+              <a:rPr lang="ko-KR" altLang="en-US" b="1" dirty="0" smtClean="0"/>
+              <a:t>처음에는 무기 </a:t>
+            </a:r>
+            <a:r>
+              <a:rPr lang="ko-KR" altLang="en-US" b="1" dirty="0" err="1" smtClean="0"/>
+              <a:t>인벤토리만</a:t>
+            </a:r>
+            <a:r>
+              <a:rPr lang="ko-KR" altLang="en-US" b="1" dirty="0" smtClean="0"/>
+              <a:t> </a:t>
+            </a:r>
+            <a:r>
+              <a:rPr lang="ko-KR" altLang="en-US" b="1" dirty="0" err="1" smtClean="0"/>
+              <a:t>두칸</a:t>
+            </a:r>
+            <a:r>
+              <a:rPr lang="ko-KR" altLang="en-US" b="1" dirty="0" smtClean="0"/>
+              <a:t> </a:t>
+            </a:r>
+            <a:r>
+              <a:rPr lang="ko-KR" altLang="en-US" b="1" dirty="0" err="1" smtClean="0"/>
+              <a:t>줄것</a:t>
+            </a:r>
+            <a:endParaRPr lang="en-US" altLang="ko-KR" b="1" dirty="0" smtClean="0"/>
+          </a:p>
+          <a:p>
+            <a:r>
+              <a:rPr lang="ko-KR" altLang="en-US" b="1" dirty="0" err="1" smtClean="0"/>
+              <a:t>한판할때마다</a:t>
+            </a:r>
+            <a:r>
+              <a:rPr lang="ko-KR" altLang="en-US" b="1" dirty="0" smtClean="0"/>
+              <a:t> 코인을 줘서 그걸로 </a:t>
+            </a:r>
+            <a:r>
+              <a:rPr lang="ko-KR" altLang="en-US" b="1" dirty="0" err="1" smtClean="0"/>
+              <a:t>패시브</a:t>
+            </a:r>
+            <a:r>
+              <a:rPr lang="ko-KR" altLang="en-US" b="1" dirty="0" smtClean="0"/>
+              <a:t> 아이템 구매</a:t>
+            </a:r>
+            <a:endParaRPr lang="en-US" altLang="ko-KR" b="1" dirty="0" smtClean="0"/>
+          </a:p>
+          <a:p>
+            <a:r>
+              <a:rPr lang="ko-KR" altLang="en-US" b="1" dirty="0" smtClean="0"/>
+              <a:t> </a:t>
+            </a:r>
+            <a:r>
+              <a:rPr lang="en-US" altLang="ko-KR" b="1" dirty="0" smtClean="0"/>
               <a:t>(</a:t>
             </a:r>
             <a:r>
-              <a:rPr lang="ko-KR" altLang="en-US" dirty="0" smtClean="0"/>
-              <a:t>개당 </a:t>
-            </a:r>
-            <a:r>
-              <a:rPr lang="en-US" altLang="ko-KR" dirty="0" smtClean="0"/>
-              <a:t>5000</a:t>
-            </a:r>
-            <a:r>
-              <a:rPr lang="ko-KR" altLang="en-US" dirty="0" smtClean="0"/>
-              <a:t>원</a:t>
-            </a:r>
-            <a:r>
-              <a:rPr lang="en-US" altLang="ko-KR" dirty="0" smtClean="0"/>
+              <a:rPr lang="ko-KR" altLang="en-US" b="1" dirty="0" err="1" smtClean="0"/>
+              <a:t>패시브</a:t>
+            </a:r>
+            <a:r>
+              <a:rPr lang="ko-KR" altLang="en-US" b="1" dirty="0" smtClean="0"/>
+              <a:t> 아이템은 게임 </a:t>
+            </a:r>
+            <a:r>
+              <a:rPr lang="ko-KR" altLang="en-US" b="1" dirty="0" err="1" smtClean="0"/>
+              <a:t>시작할때</a:t>
+            </a:r>
+            <a:r>
+              <a:rPr lang="ko-KR" altLang="en-US" b="1" dirty="0" smtClean="0"/>
+              <a:t> 한 개 골라서 효과를 받음</a:t>
+            </a:r>
+            <a:r>
+              <a:rPr lang="en-US" altLang="ko-KR" b="1" dirty="0" smtClean="0"/>
               <a:t>)</a:t>
             </a:r>
-            <a:r>
-              <a:rPr lang="ko-KR" altLang="en-US" dirty="0" smtClean="0"/>
-              <a:t>사면 </a:t>
-            </a:r>
-            <a:r>
-              <a:rPr lang="ko-KR" altLang="en-US" dirty="0" err="1"/>
-              <a:t>캐릭</a:t>
-            </a:r>
-            <a:r>
-              <a:rPr lang="ko-KR" altLang="en-US" dirty="0"/>
-              <a:t> </a:t>
-            </a:r>
-            <a:r>
-              <a:rPr lang="ko-KR" altLang="en-US" dirty="0" smtClean="0"/>
-              <a:t>얻는 </a:t>
-            </a:r>
-            <a:r>
-              <a:rPr lang="ko-KR" altLang="en-US" dirty="0"/>
-              <a:t>힌트 </a:t>
-            </a:r>
-            <a:r>
-              <a:rPr lang="ko-KR" altLang="en-US" dirty="0" smtClean="0"/>
-              <a:t>알려줌 힌트는 </a:t>
-            </a:r>
-            <a:r>
-              <a:rPr lang="ko-KR" altLang="en-US" dirty="0" err="1" smtClean="0"/>
-              <a:t>캐릭</a:t>
-            </a:r>
-            <a:r>
-              <a:rPr lang="ko-KR" altLang="en-US" dirty="0" smtClean="0"/>
-              <a:t> 선택창에서 </a:t>
-            </a:r>
-            <a:r>
-              <a:rPr lang="ko-KR" altLang="en-US" dirty="0" err="1" smtClean="0"/>
-              <a:t>언락가능</a:t>
-            </a:r>
-            <a:endParaRPr lang="en-US" altLang="ko-KR" dirty="0" smtClean="0"/>
-          </a:p>
-          <a:p>
-            <a:endParaRPr lang="ko" altLang="en-US" dirty="0"/>
-          </a:p>
-          <a:p>
-            <a:pPr marL="0" indent="0">
-              <a:buNone/>
-            </a:pPr>
-            <a:endParaRPr lang="ko-KR" altLang="en-US" dirty="0"/>
-          </a:p>
-          <a:p>
-            <a:endParaRPr lang="ko" altLang="en-US" dirty="0"/>
-          </a:p>
-          <a:p>
-            <a:r>
-              <a:rPr lang="ko-KR" altLang="en-US" dirty="0"/>
-              <a:t>엔지니어 </a:t>
-            </a:r>
-            <a:r>
-              <a:rPr lang="ko-KR" altLang="en-US" dirty="0" smtClean="0"/>
-              <a:t>주인공</a:t>
-            </a:r>
-            <a:endParaRPr lang="ko" altLang="en-US" dirty="0"/>
-          </a:p>
-          <a:p>
-            <a:pPr marL="0" indent="0">
-              <a:buNone/>
-            </a:pPr>
-            <a:r>
-              <a:rPr lang="ko-KR" altLang="en-US" dirty="0" smtClean="0"/>
-              <a:t>선택 조건</a:t>
-            </a:r>
-            <a:r>
-              <a:rPr lang="en-US" altLang="ko-KR" dirty="0" smtClean="0"/>
-              <a:t>: </a:t>
-            </a:r>
-            <a:r>
-              <a:rPr lang="ko-KR" altLang="en-US" dirty="0" smtClean="0"/>
-              <a:t>죄수 </a:t>
-            </a:r>
-            <a:r>
-              <a:rPr lang="ko-KR" altLang="en-US" dirty="0"/>
-              <a:t>스테이지에서 일정확률로 </a:t>
-            </a:r>
-            <a:r>
-              <a:rPr lang="ko-KR" altLang="en-US" dirty="0" err="1"/>
-              <a:t>몬스터와</a:t>
-            </a:r>
-            <a:r>
-              <a:rPr lang="ko-KR" altLang="en-US" dirty="0"/>
-              <a:t> 함께 나옴 죽이면 안됨 기다리면 알아서 </a:t>
-            </a:r>
-            <a:r>
-              <a:rPr lang="ko-KR" altLang="en-US" dirty="0" smtClean="0"/>
-              <a:t>사라짐</a:t>
-            </a:r>
-            <a:r>
-              <a:rPr lang="en-US" altLang="ko-KR" dirty="0" smtClean="0"/>
-              <a:t>.</a:t>
-            </a:r>
-            <a:endParaRPr lang="ko-KR" altLang="en-US" dirty="0"/>
-          </a:p>
-          <a:p>
-            <a:endParaRPr lang="ko" altLang="en-US" dirty="0"/>
-          </a:p>
-          <a:p>
-            <a:r>
-              <a:rPr lang="ko-KR" altLang="en-US" dirty="0" err="1"/>
-              <a:t>방패병</a:t>
-            </a:r>
-            <a:r>
-              <a:rPr lang="en-US" altLang="ko" dirty="0"/>
-              <a:t>(</a:t>
-            </a:r>
-            <a:r>
-              <a:rPr lang="ko-KR" altLang="en-US" dirty="0"/>
-              <a:t>방패로 완전방어</a:t>
-            </a:r>
-            <a:r>
-              <a:rPr lang="en-US" altLang="ko" dirty="0"/>
-              <a:t>)</a:t>
-            </a:r>
-            <a:endParaRPr lang="ko" altLang="en-US" dirty="0"/>
-          </a:p>
-          <a:p>
-            <a:pPr marL="0" indent="0">
-              <a:buNone/>
-            </a:pPr>
-            <a:r>
-              <a:rPr lang="ko-KR" altLang="en-US" dirty="0"/>
-              <a:t>중세시대 기사처럼 생김 </a:t>
-            </a:r>
-            <a:r>
-              <a:rPr lang="ko-KR" altLang="en-US" dirty="0" err="1"/>
-              <a:t>동글동글한놈</a:t>
-            </a:r>
-            <a:r>
-              <a:rPr lang="ko-KR" altLang="en-US" dirty="0"/>
-              <a:t> 외계인</a:t>
-            </a:r>
-          </a:p>
-          <a:p>
-            <a:pPr marL="0" indent="0">
-              <a:buNone/>
-            </a:pPr>
-            <a:r>
-              <a:rPr lang="ko-KR" altLang="en-US" dirty="0" smtClean="0"/>
-              <a:t>조건</a:t>
-            </a:r>
-            <a:r>
-              <a:rPr lang="en-US" altLang="ko-KR" dirty="0" smtClean="0"/>
-              <a:t>: </a:t>
-            </a:r>
-            <a:r>
-              <a:rPr lang="ko-KR" altLang="en-US" dirty="0" smtClean="0"/>
-              <a:t>게임오버 </a:t>
-            </a:r>
-            <a:r>
-              <a:rPr lang="en-US" altLang="ko" dirty="0" smtClean="0"/>
-              <a:t>100</a:t>
-            </a:r>
-            <a:r>
-              <a:rPr lang="ko-KR" altLang="en-US" dirty="0" smtClean="0"/>
-              <a:t>번 이상 죽으면 고를 수 있음</a:t>
-            </a:r>
-            <a:endParaRPr lang="ko" altLang="en-US" dirty="0"/>
-          </a:p>
-          <a:p>
-            <a:endParaRPr lang="ko" altLang="en-US" dirty="0"/>
-          </a:p>
-          <a:p>
-            <a:r>
-              <a:rPr lang="ko-KR" altLang="en-US" dirty="0" err="1" smtClean="0"/>
-              <a:t>백색닌자</a:t>
-            </a:r>
-            <a:r>
-              <a:rPr lang="en-US" altLang="ko" dirty="0"/>
-              <a:t>(</a:t>
-            </a:r>
-            <a:r>
-              <a:rPr lang="ko-KR" altLang="en-US" dirty="0" err="1"/>
-              <a:t>패시브로</a:t>
-            </a:r>
-            <a:r>
-              <a:rPr lang="ko-KR" altLang="en-US" dirty="0"/>
-              <a:t> </a:t>
-            </a:r>
-            <a:r>
-              <a:rPr lang="ko-KR" altLang="en-US" dirty="0" err="1" smtClean="0"/>
-              <a:t>데미지</a:t>
-            </a:r>
-            <a:r>
-              <a:rPr lang="ko-KR" altLang="en-US" dirty="0" smtClean="0"/>
-              <a:t> 입으면 사방으로 표창 날라감</a:t>
-            </a:r>
-            <a:r>
-              <a:rPr lang="en-US" altLang="ko" dirty="0" smtClean="0"/>
-              <a:t>) </a:t>
-            </a:r>
-          </a:p>
-          <a:p>
-            <a:pPr marL="0" indent="0">
-              <a:buNone/>
-            </a:pPr>
-            <a:r>
-              <a:rPr lang="ko-KR" altLang="en-US" dirty="0" err="1" smtClean="0"/>
-              <a:t>분신술</a:t>
-            </a:r>
-            <a:r>
-              <a:rPr lang="ko-KR" altLang="en-US" dirty="0" smtClean="0"/>
-              <a:t> </a:t>
-            </a:r>
-            <a:r>
-              <a:rPr lang="ko-KR" altLang="en-US" dirty="0"/>
-              <a:t>스킬 사용 가능 </a:t>
-            </a:r>
-            <a:r>
-              <a:rPr lang="ko-KR" altLang="en-US" dirty="0" err="1" smtClean="0"/>
-              <a:t>또다른</a:t>
-            </a:r>
-            <a:r>
-              <a:rPr lang="ko-KR" altLang="en-US" dirty="0" smtClean="0"/>
-              <a:t> 자기자신의 그림자가 </a:t>
-            </a:r>
-            <a:r>
-              <a:rPr lang="ko-KR" altLang="en-US" dirty="0"/>
-              <a:t>나와서 </a:t>
-            </a:r>
-            <a:r>
-              <a:rPr lang="ko-KR" altLang="en-US" dirty="0" err="1" smtClean="0"/>
-              <a:t>현재들고</a:t>
-            </a:r>
-            <a:r>
-              <a:rPr lang="ko-KR" altLang="en-US" dirty="0" smtClean="0"/>
-              <a:t> 있는 </a:t>
-            </a:r>
-            <a:r>
-              <a:rPr lang="ko-KR" altLang="en-US" dirty="0"/>
-              <a:t>무기로 싸워줌 약물 능력 전혀 적용 안됨</a:t>
-            </a:r>
-          </a:p>
-          <a:p>
-            <a:endParaRPr lang="ko" altLang="en-US" dirty="0"/>
-          </a:p>
-          <a:p>
-            <a:pPr marL="0" indent="0">
-              <a:buNone/>
-            </a:pPr>
-            <a:r>
-              <a:rPr lang="ko-KR" altLang="en-US" dirty="0" err="1"/>
-              <a:t>마지막스테이지</a:t>
-            </a:r>
-            <a:r>
-              <a:rPr lang="ko-KR" altLang="en-US" dirty="0"/>
-              <a:t> </a:t>
-            </a:r>
-            <a:r>
-              <a:rPr lang="ko-KR" altLang="en-US" dirty="0" err="1"/>
-              <a:t>맵밖에서</a:t>
-            </a:r>
-            <a:r>
-              <a:rPr lang="ko-KR" altLang="en-US" dirty="0"/>
-              <a:t> </a:t>
-            </a:r>
-            <a:r>
-              <a:rPr lang="ko-KR" altLang="en-US" dirty="0" err="1"/>
-              <a:t>빠른속도로</a:t>
-            </a:r>
-            <a:r>
-              <a:rPr lang="ko-KR" altLang="en-US" dirty="0"/>
-              <a:t> </a:t>
-            </a:r>
-            <a:r>
-              <a:rPr lang="ko-KR" altLang="en-US" dirty="0" err="1"/>
-              <a:t>일반닌자가</a:t>
-            </a:r>
-            <a:r>
-              <a:rPr lang="ko-KR" altLang="en-US" dirty="0"/>
-              <a:t> 돌아다님 일정시간 지나면 사라짐 따라가서 </a:t>
-            </a:r>
-            <a:r>
-              <a:rPr lang="ko-KR" altLang="en-US" dirty="0" smtClean="0"/>
-              <a:t>잡아야 함</a:t>
-            </a:r>
-            <a:endParaRPr lang="ko-KR" altLang="en-US" dirty="0"/>
-          </a:p>
-          <a:p>
-            <a:endParaRPr lang="ko" altLang="en-US" dirty="0"/>
-          </a:p>
-          <a:p>
-            <a:r>
-              <a:rPr lang="ko-KR" altLang="en-US" dirty="0"/>
-              <a:t>저격수</a:t>
-            </a:r>
-            <a:r>
-              <a:rPr lang="en-US" altLang="ko" dirty="0"/>
-              <a:t>(</a:t>
-            </a:r>
-            <a:r>
-              <a:rPr lang="ko-KR" altLang="en-US" dirty="0" err="1" smtClean="0"/>
-              <a:t>에꾸눈임</a:t>
-            </a:r>
-            <a:r>
-              <a:rPr lang="ko-KR" altLang="en-US" dirty="0" smtClean="0"/>
-              <a:t> </a:t>
-            </a:r>
-            <a:r>
-              <a:rPr lang="en-US" altLang="ko" dirty="0" smtClean="0"/>
-              <a:t>- </a:t>
-            </a:r>
-            <a:r>
-              <a:rPr lang="ko-KR" altLang="en-US" dirty="0" err="1"/>
-              <a:t>스킬을쓰면</a:t>
-            </a:r>
-            <a:r>
-              <a:rPr lang="ko-KR" altLang="en-US" dirty="0"/>
-              <a:t> </a:t>
-            </a:r>
-            <a:r>
-              <a:rPr lang="ko-KR" altLang="en-US" dirty="0" smtClean="0"/>
-              <a:t>시간이 멈추고 </a:t>
-            </a:r>
-            <a:r>
-              <a:rPr lang="ko-KR" altLang="en-US" dirty="0" err="1" smtClean="0"/>
-              <a:t>한명</a:t>
-            </a:r>
-            <a:r>
-              <a:rPr lang="ko-KR" altLang="en-US" dirty="0" smtClean="0"/>
-              <a:t> </a:t>
-            </a:r>
-            <a:r>
-              <a:rPr lang="ko-KR" altLang="en-US" dirty="0"/>
-              <a:t>터치해서 </a:t>
-            </a:r>
-            <a:r>
-              <a:rPr lang="ko-KR" altLang="en-US" dirty="0" smtClean="0"/>
-              <a:t>사격할 수 있음 </a:t>
-            </a:r>
-            <a:r>
-              <a:rPr lang="ko-KR" altLang="en-US" dirty="0" err="1"/>
-              <a:t>데미지</a:t>
-            </a:r>
-            <a:r>
-              <a:rPr lang="ko-KR" altLang="en-US" dirty="0"/>
-              <a:t> </a:t>
-            </a:r>
-            <a:r>
-              <a:rPr lang="ko-KR" altLang="en-US" dirty="0" err="1"/>
-              <a:t>겁나세게</a:t>
-            </a:r>
-            <a:r>
-              <a:rPr lang="ko-KR" altLang="en-US" dirty="0"/>
-              <a:t> 들어감 </a:t>
-            </a:r>
-            <a:r>
-              <a:rPr lang="ko-KR" altLang="en-US" dirty="0" err="1"/>
-              <a:t>쿨타임</a:t>
-            </a:r>
-            <a:r>
-              <a:rPr lang="ko-KR" altLang="en-US" dirty="0"/>
-              <a:t> 길음</a:t>
-            </a:r>
-            <a:r>
-              <a:rPr lang="en-US" altLang="ko" dirty="0"/>
-              <a:t>)</a:t>
-            </a:r>
-            <a:endParaRPr lang="ko" altLang="en-US" dirty="0"/>
-          </a:p>
-          <a:p>
-            <a:pPr marL="0" indent="0">
-              <a:buNone/>
-            </a:pPr>
-            <a:r>
-              <a:rPr lang="en-US" altLang="ko" dirty="0"/>
-              <a:t>)</a:t>
-            </a:r>
-            <a:endParaRPr lang="ko" altLang="en-US" dirty="0"/>
-          </a:p>
-          <a:p>
-            <a:pPr marL="0" indent="0">
-              <a:buNone/>
-            </a:pPr>
-            <a:r>
-              <a:rPr lang="en-US" altLang="ko-KR" dirty="0" smtClean="0"/>
-              <a:t>	</a:t>
-            </a:r>
-            <a:r>
-              <a:rPr lang="ko-KR" altLang="en-US" dirty="0" smtClean="0"/>
-              <a:t>게임을 </a:t>
-            </a:r>
-            <a:r>
-              <a:rPr lang="en-US" altLang="ko-KR" dirty="0" smtClean="0"/>
-              <a:t>2</a:t>
-            </a:r>
-            <a:r>
-              <a:rPr lang="ko-KR" altLang="en-US" dirty="0" smtClean="0"/>
-              <a:t>번 </a:t>
-            </a:r>
-            <a:r>
-              <a:rPr lang="ko-KR" altLang="en-US" dirty="0" err="1" smtClean="0"/>
-              <a:t>클리어</a:t>
-            </a:r>
-            <a:r>
-              <a:rPr lang="ko-KR" altLang="en-US" dirty="0" smtClean="0"/>
-              <a:t> 하면 나옴</a:t>
-            </a:r>
-            <a:endParaRPr lang="ko-KR" altLang="en-US" dirty="0"/>
-          </a:p>
-          <a:p>
-            <a:endParaRPr lang="ko" altLang="en-US" dirty="0"/>
-          </a:p>
-          <a:p>
-            <a:r>
-              <a:rPr lang="ko-KR" altLang="en-US" dirty="0"/>
-              <a:t>보안 로봇</a:t>
-            </a:r>
-            <a:r>
-              <a:rPr lang="en-US" altLang="ko" dirty="0"/>
-              <a:t>(</a:t>
-            </a:r>
-            <a:r>
-              <a:rPr lang="ko-KR" altLang="en-US" dirty="0"/>
-              <a:t>달려가서 자폭하는 로봇들 </a:t>
-            </a:r>
-            <a:r>
-              <a:rPr lang="en-US" altLang="ko" dirty="0"/>
-              <a:t>5</a:t>
-            </a:r>
-            <a:r>
-              <a:rPr lang="ko-KR" altLang="en-US" dirty="0"/>
-              <a:t>마리 </a:t>
-            </a:r>
-            <a:r>
-              <a:rPr lang="ko-KR" altLang="en-US" dirty="0" smtClean="0"/>
-              <a:t>나옴 가방 무게 제한 없음 먹으면 먹을수록 칸이 아래로 쌓임</a:t>
-            </a:r>
-            <a:r>
-              <a:rPr lang="en-US" altLang="ko" dirty="0" smtClean="0"/>
-              <a:t>)</a:t>
-            </a:r>
-          </a:p>
-          <a:p>
-            <a:pPr marL="0" indent="0">
-              <a:buNone/>
-            </a:pPr>
-            <a:r>
-              <a:rPr lang="ko-KR" altLang="en-US" dirty="0" smtClean="0"/>
-              <a:t>게임 누적 플레이 시간 </a:t>
-            </a:r>
-            <a:r>
-              <a:rPr lang="en-US" altLang="ko-KR" dirty="0" smtClean="0"/>
-              <a:t>20</a:t>
-            </a:r>
-            <a:r>
-              <a:rPr lang="ko-KR" altLang="en-US" dirty="0" smtClean="0"/>
-              <a:t>시간 이상이면 </a:t>
-            </a:r>
-            <a:r>
-              <a:rPr lang="ko-KR" altLang="en-US" dirty="0" err="1" smtClean="0"/>
-              <a:t>언락</a:t>
-            </a:r>
-            <a:endParaRPr lang="en-US" altLang="ko" dirty="0" smtClean="0"/>
-          </a:p>
-          <a:p>
-            <a:endParaRPr lang="ko" altLang="en-US" dirty="0"/>
-          </a:p>
-          <a:p>
-            <a:endParaRPr lang="ko" altLang="en-US" dirty="0"/>
-          </a:p>
-          <a:p>
-            <a:r>
-              <a:rPr lang="ko-KR" altLang="en-US" dirty="0"/>
-              <a:t>과학자 주인공</a:t>
-            </a:r>
-          </a:p>
-          <a:p>
-            <a:pPr marL="0" indent="0">
-              <a:buNone/>
-            </a:pPr>
-            <a:r>
-              <a:rPr lang="ko-KR" altLang="en-US" dirty="0"/>
-              <a:t>선택조건</a:t>
-            </a:r>
-            <a:r>
-              <a:rPr lang="en-US" altLang="ko-KR" dirty="0"/>
-              <a:t>: </a:t>
-            </a:r>
-            <a:r>
-              <a:rPr lang="ko-KR" altLang="en-US" dirty="0"/>
-              <a:t>과학자스테이지만 </a:t>
-            </a:r>
-            <a:r>
-              <a:rPr lang="ko-KR" altLang="en-US" dirty="0" err="1"/>
-              <a:t>맵</a:t>
-            </a:r>
-            <a:r>
-              <a:rPr lang="ko-KR" altLang="en-US" dirty="0"/>
-              <a:t> 구석에 일정 확률로 나타남 </a:t>
-            </a:r>
-            <a:r>
-              <a:rPr lang="en-US" altLang="ko-KR" dirty="0"/>
-              <a:t>3</a:t>
-            </a:r>
-            <a:r>
-              <a:rPr lang="ko-KR" altLang="en-US" dirty="0"/>
-              <a:t>번째로 만났을 때까지 꾸준히 말 걸면  </a:t>
-            </a:r>
-            <a:r>
-              <a:rPr lang="ko-KR" altLang="en-US" dirty="0" err="1"/>
-              <a:t>언락</a:t>
-            </a:r>
-            <a:r>
-              <a:rPr lang="ko-KR" altLang="en-US" dirty="0"/>
-              <a:t> 됨 </a:t>
-            </a:r>
-            <a:r>
-              <a:rPr lang="ko-KR" altLang="en-US" dirty="0" err="1"/>
-              <a:t>ㅇ</a:t>
-            </a:r>
-            <a:endParaRPr lang="en-US" altLang="ko-KR" dirty="0"/>
-          </a:p>
-          <a:p>
-            <a:endParaRPr lang="ko" altLang="en-US" dirty="0"/>
-          </a:p>
-          <a:p>
-            <a:endParaRPr lang="en-US" altLang="ko-KR" b="1" dirty="0" smtClean="0"/>
           </a:p>
         </p:txBody>
       </p:sp>
     </p:spTree>
     <p:extLst>
       <p:ext uri="{BB962C8B-B14F-4D97-AF65-F5344CB8AC3E}">
-        <p14:creationId xmlns:p14="http://schemas.microsoft.com/office/powerpoint/2010/main" val="2682462336"/>
+        <p14:creationId xmlns:p14="http://schemas.microsoft.com/office/powerpoint/2010/main" val="2550670840"/>
       </p:ext>
     </p:extLst>
   </p:cSld>
@@ -18368,14 +19396,21 @@
         <p:spPr/>
         <p:txBody>
           <a:bodyPr>
-            <a:normAutofit/>
+            <a:normAutofit fontScale="90000"/>
           </a:bodyPr>
           <a:lstStyle/>
           <a:p>
             <a:r>
               <a:rPr lang="ko-KR" altLang="en-US" dirty="0" smtClean="0"/>
-              <a:t>기타의견</a:t>
-            </a:r>
+              <a:t>게임제목 아이디어</a:t>
+            </a:r>
+            <a:r>
+              <a:rPr lang="en-US" altLang="ko-KR" dirty="0" smtClean="0"/>
+              <a:t/>
+            </a:r>
+            <a:br>
+              <a:rPr lang="en-US" altLang="ko-KR" dirty="0" smtClean="0"/>
+            </a:br>
             <a:endParaRPr lang="ko-KR" altLang="en-US" dirty="0"/>
           </a:p>
         </p:txBody>
@@ -18397,173 +19432,117 @@
           </a:bodyPr>
           <a:lstStyle/>
           <a:p>
-            <a:r>
-              <a:rPr lang="ko-KR" altLang="en-US" sz="1800" b="1" dirty="0" smtClean="0"/>
-              <a:t>마지막 스테이지 </a:t>
-            </a:r>
-            <a:r>
-              <a:rPr lang="ko-KR" altLang="en-US" sz="1800" b="1" dirty="0" err="1" smtClean="0"/>
-              <a:t>몬스터들간의</a:t>
-            </a:r>
-            <a:r>
-              <a:rPr lang="ko-KR" altLang="en-US" sz="1800" b="1" dirty="0" smtClean="0"/>
-              <a:t> 연관성이 별로 없는 것 같음</a:t>
-            </a:r>
-            <a:r>
-              <a:rPr lang="en-US" altLang="ko-KR" sz="1800" b="1" dirty="0" smtClean="0"/>
-              <a:t>.</a:t>
-            </a:r>
-          </a:p>
-          <a:p>
-            <a:r>
-              <a:rPr lang="en-US" altLang="ko-KR" sz="1800" b="1" dirty="0" smtClean="0"/>
-              <a:t>1,2,3,4</a:t>
-            </a:r>
-            <a:r>
-              <a:rPr lang="ko-KR" altLang="en-US" sz="1800" b="1" dirty="0" smtClean="0"/>
-              <a:t>스테이지는 </a:t>
-            </a:r>
-            <a:r>
-              <a:rPr lang="ko-KR" altLang="en-US" sz="1800" b="1" dirty="0" err="1" smtClean="0"/>
-              <a:t>컨셉이</a:t>
-            </a:r>
-            <a:r>
-              <a:rPr lang="ko-KR" altLang="en-US" sz="1800" b="1" dirty="0" smtClean="0"/>
-              <a:t> 서로 맞게 잘 된 것 같은데 마지막 스테이지는 서로 따로 노는 느낌이듬</a:t>
-            </a:r>
-            <a:endParaRPr lang="en-US" altLang="ko-KR" sz="1800" b="1" dirty="0"/>
-          </a:p>
-          <a:p>
-            <a:r>
-              <a:rPr lang="en-US" altLang="ko-KR" sz="1800" b="1" dirty="0" smtClean="0"/>
-              <a:t> </a:t>
-            </a:r>
-            <a:r>
-              <a:rPr lang="ko-KR" altLang="en-US" sz="1800" b="1" dirty="0" smtClean="0"/>
-              <a:t>차라리 요원스테이지 </a:t>
-            </a:r>
-            <a:r>
-              <a:rPr lang="ko-KR" altLang="en-US" sz="1800" b="1" dirty="0" err="1" smtClean="0"/>
-              <a:t>군인스테이지롤</a:t>
-            </a:r>
-            <a:r>
-              <a:rPr lang="ko-KR" altLang="en-US" sz="1800" b="1" dirty="0" smtClean="0"/>
-              <a:t> </a:t>
-            </a:r>
-            <a:r>
-              <a:rPr lang="ko-KR" altLang="en-US" sz="1800" b="1" dirty="0" err="1" smtClean="0"/>
-              <a:t>나누는것이</a:t>
-            </a:r>
-            <a:r>
-              <a:rPr lang="ko-KR" altLang="en-US" sz="1800" b="1" dirty="0" smtClean="0"/>
-              <a:t> </a:t>
-            </a:r>
-            <a:r>
-              <a:rPr lang="ko-KR" altLang="en-US" sz="1800" b="1" dirty="0" err="1" smtClean="0"/>
-              <a:t>좋을것같음</a:t>
-            </a:r>
-            <a:endParaRPr lang="en-US" altLang="ko-KR" sz="1800" b="1" dirty="0" smtClean="0"/>
-          </a:p>
-          <a:p>
-            <a:r>
-              <a:rPr lang="ko-KR" altLang="en-US" sz="1800" b="1" dirty="0" smtClean="0"/>
-              <a:t>군인스테이지에 기본 보병 추가 </a:t>
-            </a:r>
-            <a:r>
-              <a:rPr lang="en-US" altLang="ko-KR" sz="1800" b="1" dirty="0" smtClean="0"/>
-              <a:t>+ </a:t>
-            </a:r>
-            <a:r>
-              <a:rPr lang="ko-KR" altLang="en-US" sz="1800" b="1" dirty="0" err="1" smtClean="0"/>
-              <a:t>기존에있던</a:t>
-            </a:r>
-            <a:r>
-              <a:rPr lang="ko-KR" altLang="en-US" sz="1800" b="1" dirty="0" smtClean="0"/>
-              <a:t> </a:t>
-            </a:r>
-            <a:r>
-              <a:rPr lang="ko-KR" altLang="en-US" sz="1800" b="1" dirty="0" err="1" smtClean="0"/>
-              <a:t>대포병</a:t>
-            </a:r>
-            <a:r>
-              <a:rPr lang="en-US" altLang="ko-KR" sz="1800" b="1" dirty="0" smtClean="0"/>
-              <a:t>,</a:t>
-            </a:r>
-            <a:r>
-              <a:rPr lang="ko-KR" altLang="en-US" sz="1800" b="1" dirty="0" smtClean="0"/>
-              <a:t>저격수</a:t>
-            </a:r>
-            <a:r>
-              <a:rPr lang="en-US" altLang="ko-KR" sz="1800" b="1" dirty="0" smtClean="0"/>
-              <a:t>,</a:t>
-            </a:r>
-            <a:r>
-              <a:rPr lang="ko-KR" altLang="en-US" sz="1800" b="1" dirty="0" err="1" smtClean="0"/>
-              <a:t>포탑짓는애</a:t>
-            </a:r>
-            <a:r>
-              <a:rPr lang="ko-KR" altLang="en-US" sz="1800" b="1" dirty="0" smtClean="0"/>
-              <a:t> 사용</a:t>
-            </a:r>
-            <a:endParaRPr lang="en-US" altLang="ko-KR" sz="1800" b="1" dirty="0" smtClean="0"/>
-          </a:p>
-          <a:p>
-            <a:r>
-              <a:rPr lang="ko-KR" altLang="en-US" sz="1800" b="1" dirty="0" smtClean="0"/>
-              <a:t>요원스테이지에 쌍권총요원 </a:t>
-            </a:r>
-            <a:r>
-              <a:rPr lang="en-US" altLang="ko-KR" sz="1800" b="1" dirty="0" smtClean="0"/>
-              <a:t>+ </a:t>
-            </a:r>
-            <a:r>
-              <a:rPr lang="ko-KR" altLang="en-US" sz="1800" b="1" dirty="0" smtClean="0"/>
-              <a:t>암살자 </a:t>
-            </a:r>
-            <a:r>
-              <a:rPr lang="en-US" altLang="ko-KR" sz="1800" b="1" dirty="0" smtClean="0"/>
-              <a:t>+ </a:t>
-            </a:r>
-            <a:r>
-              <a:rPr lang="ko-KR" altLang="en-US" sz="1800" b="1" dirty="0" smtClean="0"/>
-              <a:t>기타요원</a:t>
-            </a:r>
-            <a:r>
-              <a:rPr lang="en-US" altLang="ko-KR" sz="1800" b="1" dirty="0" smtClean="0"/>
-              <a:t>2</a:t>
-            </a:r>
-            <a:r>
-              <a:rPr lang="ko-KR" altLang="en-US" sz="1800" b="1" dirty="0" smtClean="0"/>
-              <a:t>개 </a:t>
-            </a:r>
-            <a:r>
-              <a:rPr lang="ko-KR" altLang="en-US" sz="1800" b="1" dirty="0" err="1" smtClean="0"/>
-              <a:t>이런식으로</a:t>
-            </a:r>
-            <a:r>
-              <a:rPr lang="ko-KR" altLang="en-US" sz="1800" b="1" dirty="0" smtClean="0"/>
-              <a:t> </a:t>
-            </a:r>
-            <a:r>
-              <a:rPr lang="ko-KR" altLang="en-US" sz="1800" b="1" dirty="0" err="1" smtClean="0"/>
-              <a:t>하는것이</a:t>
-            </a:r>
-            <a:r>
-              <a:rPr lang="ko-KR" altLang="en-US" sz="1800" b="1" dirty="0" smtClean="0"/>
-              <a:t> </a:t>
-            </a:r>
-            <a:r>
-              <a:rPr lang="ko-KR" altLang="en-US" sz="1800" b="1" dirty="0" err="1" smtClean="0"/>
-              <a:t>좋아보임</a:t>
-            </a:r>
-            <a:endParaRPr lang="en-US" altLang="ko-KR" sz="1800" b="1" dirty="0" smtClean="0"/>
+            <a:pPr marL="0" indent="0">
+              <a:buNone/>
+            </a:pPr>
+            <a:r>
+              <a:rPr lang="ko-KR" altLang="en-US" b="1" dirty="0" smtClean="0">
+                <a:solidFill>
+                  <a:srgbClr val="FF0000"/>
+                </a:solidFill>
+              </a:rPr>
+              <a:t>건 </a:t>
+            </a:r>
+            <a:r>
+              <a:rPr lang="ko-KR" altLang="en-US" b="1" dirty="0" err="1" smtClean="0">
+                <a:solidFill>
+                  <a:srgbClr val="FF0000"/>
+                </a:solidFill>
+              </a:rPr>
+              <a:t>크러쉬</a:t>
+            </a:r>
+            <a:r>
+              <a:rPr lang="en-US" altLang="ko-KR" b="1" dirty="0" smtClean="0"/>
+              <a:t>(</a:t>
+            </a:r>
+            <a:r>
+              <a:rPr lang="ko-KR" altLang="en-US" b="1" dirty="0" err="1" smtClean="0"/>
+              <a:t>구글에</a:t>
+            </a:r>
+            <a:r>
+              <a:rPr lang="ko-KR" altLang="en-US" b="1" dirty="0" smtClean="0"/>
+              <a:t> 검색하면 걸 </a:t>
+            </a:r>
+            <a:r>
+              <a:rPr lang="ko-KR" altLang="en-US" b="1" dirty="0" err="1" smtClean="0"/>
+              <a:t>크러쉬</a:t>
+            </a:r>
+            <a:r>
+              <a:rPr lang="ko-KR" altLang="en-US" b="1" dirty="0" smtClean="0"/>
+              <a:t> 밖에 </a:t>
+            </a:r>
+            <a:r>
+              <a:rPr lang="ko-KR" altLang="en-US" b="1" dirty="0" err="1" smtClean="0"/>
+              <a:t>안나옴</a:t>
+            </a:r>
+            <a:r>
+              <a:rPr lang="ko-KR" altLang="en-US" b="1" dirty="0" smtClean="0"/>
+              <a:t> 심플하고 적절한 </a:t>
+            </a:r>
+            <a:r>
+              <a:rPr lang="ko-KR" altLang="en-US" b="1" dirty="0" err="1" smtClean="0"/>
+              <a:t>제목인듯</a:t>
+            </a:r>
+            <a:r>
+              <a:rPr lang="en-US" altLang="ko-KR" b="1" dirty="0" smtClean="0"/>
+              <a:t>) </a:t>
+            </a:r>
+          </a:p>
+          <a:p>
+            <a:endParaRPr lang="en-US" altLang="ko-KR" b="1" dirty="0"/>
+          </a:p>
+          <a:p>
+            <a:pPr marL="0" indent="0">
+              <a:buNone/>
+            </a:pPr>
+            <a:r>
+              <a:rPr lang="ko-KR" altLang="en-US" b="1" dirty="0" smtClean="0"/>
+              <a:t>영문으로 검색해도 마찬가지</a:t>
+            </a:r>
+            <a:endParaRPr lang="en-US" altLang="ko-KR" b="1" dirty="0" smtClean="0"/>
+          </a:p>
+          <a:p>
+            <a:pPr marL="0" indent="0">
+              <a:buNone/>
+            </a:pPr>
+            <a:endParaRPr lang="en-US" altLang="ko-KR" b="1" dirty="0"/>
+          </a:p>
+          <a:p>
+            <a:pPr marL="0" indent="0">
+              <a:buNone/>
+            </a:pPr>
+            <a:r>
+              <a:rPr lang="en-US" altLang="ko-KR" b="1" dirty="0"/>
+              <a:t>strange </a:t>
+            </a:r>
+            <a:r>
+              <a:rPr lang="en-US" altLang="ko-KR" b="1" dirty="0" smtClean="0"/>
+              <a:t>lab (</a:t>
+            </a:r>
+            <a:r>
+              <a:rPr lang="ko-KR" altLang="en-US" b="1" dirty="0" smtClean="0"/>
+              <a:t>이상한 연구실</a:t>
+            </a:r>
+            <a:r>
+              <a:rPr lang="en-US" altLang="ko-KR" b="1" dirty="0" smtClean="0"/>
+              <a:t>) -&gt; </a:t>
+            </a:r>
+            <a:r>
+              <a:rPr lang="ko-KR" altLang="en-US" b="1" dirty="0" smtClean="0"/>
+              <a:t>호기심유</a:t>
+            </a:r>
+            <a:r>
+              <a:rPr lang="ko-KR" altLang="en-US" b="1" dirty="0"/>
+              <a:t>발</a:t>
+            </a:r>
+            <a:endParaRPr lang="en-US" altLang="ko-KR" b="1" dirty="0" smtClean="0"/>
           </a:p>
         </p:txBody>
       </p:sp>
     </p:spTree>
     <p:extLst>
       <p:ext uri="{BB962C8B-B14F-4D97-AF65-F5344CB8AC3E}">
-        <p14:creationId xmlns:p14="http://schemas.microsoft.com/office/powerpoint/2010/main" val="1552690130"/>
+        <p14:creationId xmlns:p14="http://schemas.microsoft.com/office/powerpoint/2010/main" val="1749074872"/>
       </p:ext>
     </p:extLst>
   </p:cSld>
@@ -18603,14 +19582,21 @@
         <p:spPr/>
         <p:txBody>
           <a:bodyPr>
-            <a:normAutofit/>
+            <a:normAutofit fontScale="90000"/>
           </a:bodyPr>
           <a:lstStyle/>
           <a:p>
             <a:r>
               <a:rPr lang="ko-KR" altLang="en-US" dirty="0" smtClean="0"/>
-              <a:t>기타의견</a:t>
-            </a:r>
+              <a:t>캐릭터 아이디어 추가</a:t>
+            </a:r>
+            <a:r>
+              <a:rPr lang="en-US" altLang="ko-KR" dirty="0" smtClean="0"/>
+              <a:t/>
+            </a:r>
+            <a:br>
+              <a:rPr lang="en-US" altLang="ko-KR" dirty="0" smtClean="0"/>
+            </a:br>
             <a:endParaRPr lang="ko-KR" altLang="en-US" dirty="0"/>
           </a:p>
         </p:txBody>
@@ -18625,331 +19611,575 @@
             <p:ph idx="1"/>
           </p:nvPr>
         </p:nvSpPr>
-        <p:spPr>
-          <a:xfrm>
-            <a:off x="-108520" y="1412776"/>
-            <a:ext cx="9613576" cy="5301208"/>
-          </a:xfrm>
-        </p:spPr>
+        <p:spPr/>
         <p:txBody>
           <a:bodyPr>
-            <a:normAutofit/>
+            <a:normAutofit fontScale="32500" lnSpcReduction="20000"/>
           </a:bodyPr>
           <a:lstStyle/>
           <a:p>
             <a:r>
-              <a:rPr lang="ko-KR" altLang="en-US" sz="1800" b="1" dirty="0" err="1" smtClean="0"/>
-              <a:t>스테이지별</a:t>
-            </a:r>
-            <a:r>
-              <a:rPr lang="ko-KR" altLang="en-US" sz="1800" b="1" dirty="0" smtClean="0"/>
+              <a:rPr lang="ko-KR" altLang="en-US" dirty="0"/>
+              <a:t>상인에게서 파는 기밀문서 </a:t>
+            </a:r>
+            <a:r>
+              <a:rPr lang="en-US" altLang="ko" dirty="0"/>
+              <a:t>3</a:t>
+            </a:r>
+            <a:r>
+              <a:rPr lang="ko-KR" altLang="en-US" dirty="0" smtClean="0"/>
+              <a:t>개</a:t>
+            </a:r>
+            <a:r>
+              <a:rPr lang="en-US" altLang="ko-KR" dirty="0" smtClean="0"/>
+              <a:t>(</a:t>
+            </a:r>
+            <a:r>
+              <a:rPr lang="ko-KR" altLang="en-US" dirty="0" smtClean="0"/>
+              <a:t>개당 </a:t>
+            </a:r>
+            <a:r>
+              <a:rPr lang="en-US" altLang="ko-KR" dirty="0" smtClean="0"/>
+              <a:t>5000</a:t>
+            </a:r>
+            <a:r>
+              <a:rPr lang="ko-KR" altLang="en-US" dirty="0" smtClean="0"/>
+              <a:t>원</a:t>
+            </a:r>
+            <a:r>
+              <a:rPr lang="en-US" altLang="ko-KR" dirty="0" smtClean="0"/>
+              <a:t>)</a:t>
+            </a:r>
+            <a:r>
+              <a:rPr lang="ko-KR" altLang="en-US" dirty="0" smtClean="0"/>
+              <a:t>사면 </a:t>
+            </a:r>
+            <a:r>
+              <a:rPr lang="ko-KR" altLang="en-US" dirty="0" err="1"/>
+              <a:t>캐릭</a:t>
+            </a:r>
+            <a:r>
+              <a:rPr lang="ko-KR" altLang="en-US" dirty="0"/>
               <a:t> </a:t>
             </a:r>
             <a:r>
-              <a:rPr lang="ko-KR" altLang="en-US" sz="1800" b="1" dirty="0" err="1" smtClean="0"/>
-              <a:t>몬스터</a:t>
-            </a:r>
-            <a:r>
-              <a:rPr lang="ko-KR" altLang="en-US" sz="1800" b="1" dirty="0" smtClean="0"/>
-              <a:t> 기본패턴은 기본적으로 </a:t>
-            </a:r>
-            <a:r>
-              <a:rPr lang="en-US" altLang="ko-KR" sz="1800" b="1" dirty="0" smtClean="0"/>
+              <a:rPr lang="ko-KR" altLang="en-US" dirty="0" smtClean="0"/>
+              <a:t>얻는 </a:t>
+            </a:r>
+            <a:r>
+              <a:rPr lang="ko-KR" altLang="en-US" dirty="0"/>
+              <a:t>힌트 </a:t>
+            </a:r>
+            <a:r>
+              <a:rPr lang="ko-KR" altLang="en-US" dirty="0" smtClean="0"/>
+              <a:t>알려줌 힌트는 </a:t>
+            </a:r>
+            <a:r>
+              <a:rPr lang="ko-KR" altLang="en-US" dirty="0" err="1" smtClean="0"/>
+              <a:t>캐릭</a:t>
+            </a:r>
+            <a:r>
+              <a:rPr lang="ko-KR" altLang="en-US" dirty="0" smtClean="0"/>
+              <a:t> 선택창에서 </a:t>
+            </a:r>
+            <a:r>
+              <a:rPr lang="ko-KR" altLang="en-US" dirty="0" err="1" smtClean="0"/>
+              <a:t>언락가능</a:t>
+            </a:r>
+            <a:endParaRPr lang="en-US" altLang="ko-KR" dirty="0" smtClean="0"/>
+          </a:p>
+          <a:p>
+            <a:endParaRPr lang="ko" altLang="en-US" dirty="0"/>
+          </a:p>
+          <a:p>
+            <a:pPr marL="0" indent="0">
+              <a:buNone/>
+            </a:pPr>
+            <a:endParaRPr lang="ko-KR" altLang="en-US" dirty="0"/>
+          </a:p>
+          <a:p>
+            <a:endParaRPr lang="ko" altLang="en-US" dirty="0"/>
+          </a:p>
+          <a:p>
+            <a:r>
+              <a:rPr lang="ko-KR" altLang="en-US" dirty="0"/>
+              <a:t>엔지니어 </a:t>
+            </a:r>
+            <a:r>
+              <a:rPr lang="ko-KR" altLang="en-US" dirty="0" smtClean="0"/>
+              <a:t>주인공</a:t>
+            </a:r>
+            <a:endParaRPr lang="ko" altLang="en-US" dirty="0"/>
+          </a:p>
+          <a:p>
+            <a:pPr marL="0" indent="0">
+              <a:buNone/>
+            </a:pPr>
+            <a:r>
+              <a:rPr lang="ko-KR" altLang="en-US" dirty="0" smtClean="0"/>
+              <a:t>선택 조건</a:t>
+            </a:r>
+            <a:r>
+              <a:rPr lang="en-US" altLang="ko-KR" dirty="0" smtClean="0"/>
+              <a:t>: </a:t>
+            </a:r>
+            <a:r>
+              <a:rPr lang="ko-KR" altLang="en-US" dirty="0" smtClean="0"/>
+              <a:t>죄수 </a:t>
+            </a:r>
+            <a:r>
+              <a:rPr lang="ko-KR" altLang="en-US" dirty="0"/>
+              <a:t>스테이지에서 일정확률로 </a:t>
+            </a:r>
+            <a:r>
+              <a:rPr lang="ko-KR" altLang="en-US" dirty="0" err="1"/>
+              <a:t>몬스터와</a:t>
+            </a:r>
+            <a:r>
+              <a:rPr lang="ko-KR" altLang="en-US" dirty="0"/>
+              <a:t> 함께 나옴 죽이면 안됨 기다리면 알아서 </a:t>
+            </a:r>
+            <a:r>
+              <a:rPr lang="ko-KR" altLang="en-US" dirty="0" smtClean="0"/>
+              <a:t>사라짐</a:t>
+            </a:r>
+            <a:r>
+              <a:rPr lang="en-US" altLang="ko-KR" dirty="0" smtClean="0"/>
+              <a:t>.</a:t>
+            </a:r>
+            <a:endParaRPr lang="ko-KR" altLang="en-US" dirty="0"/>
+          </a:p>
+          <a:p>
+            <a:endParaRPr lang="ko" altLang="en-US" dirty="0"/>
+          </a:p>
+          <a:p>
+            <a:r>
+              <a:rPr lang="ko-KR" altLang="en-US" dirty="0" err="1"/>
+              <a:t>방패병</a:t>
+            </a:r>
+            <a:r>
+              <a:rPr lang="en-US" altLang="ko" dirty="0"/>
+              <a:t>(</a:t>
+            </a:r>
+            <a:r>
+              <a:rPr lang="ko-KR" altLang="en-US" dirty="0"/>
+              <a:t>방패로 완전방어</a:t>
+            </a:r>
+            <a:r>
+              <a:rPr lang="en-US" altLang="ko" dirty="0"/>
+              <a:t>)</a:t>
+            </a:r>
+            <a:endParaRPr lang="ko" altLang="en-US" dirty="0"/>
+          </a:p>
+          <a:p>
+            <a:pPr marL="0" indent="0">
+              <a:buNone/>
+            </a:pPr>
+            <a:r>
+              <a:rPr lang="ko-KR" altLang="en-US" dirty="0"/>
+              <a:t>중세시대 기사처럼 생김 </a:t>
+            </a:r>
+            <a:r>
+              <a:rPr lang="ko-KR" altLang="en-US" dirty="0" err="1"/>
+              <a:t>동글동글한놈</a:t>
+            </a:r>
+            <a:r>
+              <a:rPr lang="ko-KR" altLang="en-US" dirty="0"/>
+              <a:t> 외계인</a:t>
+            </a:r>
+          </a:p>
+          <a:p>
+            <a:pPr marL="0" indent="0">
+              <a:buNone/>
+            </a:pPr>
+            <a:r>
+              <a:rPr lang="ko-KR" altLang="en-US" dirty="0" smtClean="0"/>
+              <a:t>조건</a:t>
+            </a:r>
+            <a:r>
+              <a:rPr lang="en-US" altLang="ko-KR" dirty="0" smtClean="0"/>
+              <a:t>: </a:t>
+            </a:r>
+            <a:r>
+              <a:rPr lang="ko-KR" altLang="en-US" dirty="0" smtClean="0"/>
+              <a:t>게임오버 </a:t>
+            </a:r>
+            <a:r>
+              <a:rPr lang="en-US" altLang="ko" dirty="0" smtClean="0"/>
+              <a:t>100</a:t>
+            </a:r>
+            <a:r>
+              <a:rPr lang="ko-KR" altLang="en-US" dirty="0" smtClean="0"/>
+              <a:t>번 이상 죽으면 고를 수 있음</a:t>
+            </a:r>
+            <a:endParaRPr lang="ko" altLang="en-US" dirty="0"/>
+          </a:p>
+          <a:p>
+            <a:endParaRPr lang="ko" altLang="en-US" dirty="0"/>
+          </a:p>
+          <a:p>
+            <a:r>
+              <a:rPr lang="ko-KR" altLang="en-US" dirty="0" err="1" smtClean="0"/>
+              <a:t>백색닌자</a:t>
+            </a:r>
+            <a:r>
+              <a:rPr lang="en-US" altLang="ko" dirty="0"/>
+              <a:t>(</a:t>
+            </a:r>
+            <a:r>
+              <a:rPr lang="ko-KR" altLang="en-US" dirty="0" err="1"/>
+              <a:t>패시브로</a:t>
+            </a:r>
+            <a:r>
+              <a:rPr lang="ko-KR" altLang="en-US" dirty="0"/>
               <a:t> </a:t>
             </a:r>
-          </a:p>
-          <a:p>
-            <a:r>
-              <a:rPr lang="ko-KR" altLang="en-US" sz="1800" b="1" dirty="0" err="1" smtClean="0"/>
-              <a:t>쉬운근접</a:t>
-            </a:r>
-            <a:r>
-              <a:rPr lang="ko-KR" altLang="en-US" sz="1800" b="1" dirty="0" smtClean="0"/>
+            <a:r>
+              <a:rPr lang="ko-KR" altLang="en-US" dirty="0" err="1" smtClean="0"/>
+              <a:t>데미지</a:t>
+            </a:r>
+            <a:r>
+              <a:rPr lang="ko-KR" altLang="en-US" dirty="0" smtClean="0"/>
+              <a:t> 입으면 사방으로 표창 날라감</a:t>
+            </a:r>
+            <a:r>
+              <a:rPr lang="en-US" altLang="ko" dirty="0" smtClean="0"/>
+              <a:t>) </a:t>
+            </a:r>
+          </a:p>
+          <a:p>
+            <a:pPr marL="0" indent="0">
+              <a:buNone/>
+            </a:pPr>
+            <a:r>
+              <a:rPr lang="ko-KR" altLang="en-US" dirty="0" err="1" smtClean="0"/>
+              <a:t>분신술</a:t>
+            </a:r>
+            <a:r>
+              <a:rPr lang="ko-KR" altLang="en-US" dirty="0" smtClean="0"/>
               <a:t> </a:t>
             </a:r>
-            <a:endParaRPr lang="en-US" altLang="ko-KR" sz="1800" b="1" dirty="0" smtClean="0"/>
-          </a:p>
-          <a:p>
-            <a:r>
-              <a:rPr lang="ko-KR" altLang="en-US" sz="1800" b="1" dirty="0" err="1" smtClean="0"/>
-              <a:t>어려운근접</a:t>
-            </a:r>
-            <a:endParaRPr lang="en-US" altLang="ko-KR" sz="1800" b="1" dirty="0" smtClean="0"/>
-          </a:p>
-          <a:p>
-            <a:r>
-              <a:rPr lang="ko-KR" altLang="en-US" sz="1800" b="1" dirty="0" err="1" smtClean="0"/>
-              <a:t>쉬운원거리</a:t>
-            </a:r>
-            <a:endParaRPr lang="en-US" altLang="ko-KR" sz="1800" b="1" dirty="0" smtClean="0"/>
-          </a:p>
-          <a:p>
-            <a:r>
-              <a:rPr lang="ko-KR" altLang="en-US" sz="1800" b="1" dirty="0" err="1" smtClean="0"/>
-              <a:t>어려운원거리로</a:t>
-            </a:r>
-            <a:r>
-              <a:rPr lang="ko-KR" altLang="en-US" sz="1800" b="1" dirty="0" smtClean="0"/>
-              <a:t> 구성</a:t>
-            </a:r>
-            <a:endParaRPr lang="en-US" altLang="ko-KR" sz="1800" b="1" dirty="0" smtClean="0"/>
-          </a:p>
-          <a:p>
-            <a:endParaRPr lang="en-US" altLang="ko-KR" sz="1800" b="1" dirty="0" smtClean="0"/>
-          </a:p>
-          <a:p>
-            <a:r>
-              <a:rPr lang="ko-KR" altLang="en-US" sz="1800" b="1" dirty="0" smtClean="0"/>
-              <a:t>패턴은 스테이지마다 전부 다르게</a:t>
-            </a:r>
-            <a:endParaRPr lang="en-US" altLang="ko-KR" sz="1800" b="1" dirty="0" smtClean="0"/>
-          </a:p>
-          <a:p>
-            <a:endParaRPr lang="en-US" altLang="ko-KR" sz="1800" b="1" dirty="0" smtClean="0"/>
-          </a:p>
-          <a:p>
-            <a:r>
-              <a:rPr lang="ko-KR" altLang="en-US" sz="1800" b="1" dirty="0" err="1" smtClean="0"/>
-              <a:t>쉬운패턴의</a:t>
-            </a:r>
-            <a:r>
-              <a:rPr lang="ko-KR" altLang="en-US" sz="1800" b="1" dirty="0" smtClean="0"/>
-              <a:t> 정도 </a:t>
-            </a:r>
-            <a:endParaRPr lang="en-US" altLang="ko-KR" sz="1800" b="1" dirty="0" smtClean="0"/>
-          </a:p>
-          <a:p>
-            <a:r>
-              <a:rPr lang="en-US" altLang="ko-KR" sz="1800" b="1" dirty="0" smtClean="0"/>
+            <a:r>
+              <a:rPr lang="ko-KR" altLang="en-US" dirty="0"/>
+              <a:t>스킬 사용 가능 </a:t>
+            </a:r>
+            <a:r>
+              <a:rPr lang="ko-KR" altLang="en-US" dirty="0" err="1" smtClean="0"/>
+              <a:t>또다른</a:t>
+            </a:r>
+            <a:r>
+              <a:rPr lang="ko-KR" altLang="en-US" dirty="0" smtClean="0"/>
+              <a:t> 자기자신의 그림자가 </a:t>
+            </a:r>
+            <a:r>
+              <a:rPr lang="ko-KR" altLang="en-US" dirty="0"/>
+              <a:t>나와서 </a:t>
+            </a:r>
+            <a:r>
+              <a:rPr lang="ko-KR" altLang="en-US" dirty="0" err="1" smtClean="0"/>
+              <a:t>현재들고</a:t>
+            </a:r>
+            <a:r>
+              <a:rPr lang="ko-KR" altLang="en-US" dirty="0" smtClean="0"/>
+              <a:t> 있는 </a:t>
+            </a:r>
+            <a:r>
+              <a:rPr lang="ko-KR" altLang="en-US" dirty="0"/>
+              <a:t>무기로 싸워줌 약물 능력 전혀 적용 안됨</a:t>
+            </a:r>
+          </a:p>
+          <a:p>
+            <a:endParaRPr lang="ko" altLang="en-US" dirty="0"/>
+          </a:p>
+          <a:p>
+            <a:pPr marL="0" indent="0">
+              <a:buNone/>
+            </a:pPr>
+            <a:r>
+              <a:rPr lang="ko-KR" altLang="en-US" dirty="0" err="1"/>
+              <a:t>마지막스테이지</a:t>
+            </a:r>
+            <a:r>
+              <a:rPr lang="ko-KR" altLang="en-US" dirty="0"/>
+              <a:t> </a:t>
+            </a:r>
+            <a:r>
+              <a:rPr lang="ko-KR" altLang="en-US" dirty="0" err="1"/>
+              <a:t>맵밖에서</a:t>
+            </a:r>
+            <a:r>
+              <a:rPr lang="ko-KR" altLang="en-US" dirty="0"/>
+              <a:t> </a:t>
+            </a:r>
+            <a:r>
+              <a:rPr lang="ko-KR" altLang="en-US" dirty="0" err="1"/>
+              <a:t>빠른속도로</a:t>
+            </a:r>
+            <a:r>
+              <a:rPr lang="ko-KR" altLang="en-US" dirty="0"/>
+              <a:t> </a:t>
+            </a:r>
+            <a:r>
+              <a:rPr lang="ko-KR" altLang="en-US" dirty="0" err="1"/>
+              <a:t>일반닌자가</a:t>
+            </a:r>
+            <a:r>
+              <a:rPr lang="ko-KR" altLang="en-US" dirty="0"/>
+              <a:t> 돌아다님 일정시간 지나면 사라짐 따라가서 </a:t>
+            </a:r>
+            <a:r>
+              <a:rPr lang="ko-KR" altLang="en-US" dirty="0" smtClean="0"/>
+              <a:t>잡아야 함</a:t>
+            </a:r>
+            <a:endParaRPr lang="ko-KR" altLang="en-US" dirty="0"/>
+          </a:p>
+          <a:p>
+            <a:endParaRPr lang="ko" altLang="en-US" dirty="0"/>
+          </a:p>
+          <a:p>
+            <a:r>
+              <a:rPr lang="ko-KR" altLang="en-US" dirty="0"/>
+              <a:t>저격수</a:t>
+            </a:r>
+            <a:r>
+              <a:rPr lang="en-US" altLang="ko" dirty="0"/>
               <a:t>(</a:t>
             </a:r>
             <a:r>
-              <a:rPr lang="ko-KR" altLang="en-US" sz="1800" b="1" dirty="0" smtClean="0"/>
-              <a:t>원거리 </a:t>
-            </a:r>
-            <a:r>
-              <a:rPr lang="en-US" altLang="ko-KR" sz="1800" b="1" dirty="0" smtClean="0"/>
+              <a:rPr lang="ko-KR" altLang="en-US" dirty="0" err="1" smtClean="0"/>
+              <a:t>에꾸눈임</a:t>
+            </a:r>
+            <a:r>
+              <a:rPr lang="ko-KR" altLang="en-US" dirty="0" smtClean="0"/>
+              <a:t> </a:t>
+            </a:r>
+            <a:r>
+              <a:rPr lang="en-US" altLang="ko" dirty="0" smtClean="0"/>
+              <a:t>- </a:t>
+            </a:r>
+            <a:r>
+              <a:rPr lang="ko-KR" altLang="en-US" dirty="0" err="1"/>
+              <a:t>스킬을쓰면</a:t>
+            </a:r>
+            <a:r>
+              <a:rPr lang="ko-KR" altLang="en-US" dirty="0"/>
+              <a:t> </a:t>
+            </a:r>
+            <a:r>
+              <a:rPr lang="ko-KR" altLang="en-US" dirty="0" smtClean="0"/>
+              <a:t>시간이 멈추고 </a:t>
+            </a:r>
+            <a:r>
+              <a:rPr lang="ko-KR" altLang="en-US" dirty="0" err="1" smtClean="0"/>
+              <a:t>한명</a:t>
+            </a:r>
+            <a:r>
+              <a:rPr lang="ko-KR" altLang="en-US" dirty="0" smtClean="0"/>
+              <a:t> </a:t>
+            </a:r>
+            <a:r>
+              <a:rPr lang="ko-KR" altLang="en-US" dirty="0"/>
+              <a:t>터치해서 </a:t>
+            </a:r>
+            <a:r>
+              <a:rPr lang="ko-KR" altLang="en-US" dirty="0" smtClean="0"/>
+              <a:t>사격할 수 있음 </a:t>
+            </a:r>
+            <a:r>
+              <a:rPr lang="ko-KR" altLang="en-US" dirty="0" err="1"/>
+              <a:t>데미지</a:t>
+            </a:r>
+            <a:r>
+              <a:rPr lang="ko-KR" altLang="en-US" dirty="0"/>
+              <a:t> </a:t>
+            </a:r>
+            <a:r>
+              <a:rPr lang="ko-KR" altLang="en-US" dirty="0" err="1"/>
+              <a:t>겁나세게</a:t>
+            </a:r>
+            <a:r>
+              <a:rPr lang="ko-KR" altLang="en-US" dirty="0"/>
+              <a:t> 들어감 </a:t>
+            </a:r>
+            <a:r>
+              <a:rPr lang="ko-KR" altLang="en-US" dirty="0" err="1"/>
+              <a:t>쿨타임</a:t>
+            </a:r>
+            <a:r>
+              <a:rPr lang="ko-KR" altLang="en-US" dirty="0"/>
+              <a:t> 길음</a:t>
+            </a:r>
+            <a:r>
+              <a:rPr lang="en-US" altLang="ko" dirty="0"/>
+              <a:t>)</a:t>
+            </a:r>
+            <a:endParaRPr lang="ko" altLang="en-US" dirty="0"/>
+          </a:p>
+          <a:p>
+            <a:pPr marL="0" indent="0">
+              <a:buNone/>
+            </a:pPr>
+            <a:r>
+              <a:rPr lang="en-US" altLang="ko" dirty="0"/>
+              <a:t>)</a:t>
+            </a:r>
+            <a:endParaRPr lang="ko" altLang="en-US" dirty="0"/>
+          </a:p>
+          <a:p>
+            <a:pPr marL="0" indent="0">
+              <a:buNone/>
+            </a:pPr>
+            <a:r>
+              <a:rPr lang="en-US" altLang="ko-KR" dirty="0" smtClean="0"/>
+              <a:t>	</a:t>
+            </a:r>
+            <a:r>
+              <a:rPr lang="ko-KR" altLang="en-US" dirty="0" smtClean="0"/>
+              <a:t>게임을 </a:t>
+            </a:r>
+            <a:r>
+              <a:rPr lang="en-US" altLang="ko-KR" dirty="0" smtClean="0"/>
+              <a:t>2</a:t>
+            </a:r>
+            <a:r>
+              <a:rPr lang="ko-KR" altLang="en-US" dirty="0" smtClean="0"/>
+              <a:t>번 </a:t>
+            </a:r>
+            <a:r>
+              <a:rPr lang="ko-KR" altLang="en-US" dirty="0" err="1" smtClean="0"/>
+              <a:t>클리어</a:t>
+            </a:r>
+            <a:r>
+              <a:rPr lang="ko-KR" altLang="en-US" dirty="0" smtClean="0"/>
+              <a:t> 하면 나옴</a:t>
+            </a:r>
+            <a:endParaRPr lang="ko-KR" altLang="en-US" dirty="0"/>
+          </a:p>
+          <a:p>
+            <a:endParaRPr lang="ko" altLang="en-US" dirty="0"/>
+          </a:p>
+          <a:p>
+            <a:r>
+              <a:rPr lang="ko-KR" altLang="en-US" dirty="0"/>
+              <a:t>보안 로봇</a:t>
+            </a:r>
+            <a:r>
+              <a:rPr lang="en-US" altLang="ko" dirty="0"/>
+              <a:t>(</a:t>
+            </a:r>
+            <a:r>
+              <a:rPr lang="ko-KR" altLang="en-US" dirty="0"/>
+              <a:t>달려가서 자폭하는 로봇들 </a:t>
+            </a:r>
+            <a:r>
+              <a:rPr lang="en-US" altLang="ko" dirty="0"/>
+              <a:t>5</a:t>
+            </a:r>
+            <a:r>
+              <a:rPr lang="ko-KR" altLang="en-US" dirty="0"/>
+              <a:t>마리 </a:t>
+            </a:r>
+            <a:r>
+              <a:rPr lang="ko-KR" altLang="en-US" dirty="0" smtClean="0"/>
+              <a:t>나옴 가방 무게 제한 없음 먹으면 먹을수록 칸이 아래로 쌓임</a:t>
+            </a:r>
+            <a:r>
+              <a:rPr lang="en-US" altLang="ko" dirty="0" smtClean="0"/>
+              <a:t>)</a:t>
+            </a:r>
+          </a:p>
+          <a:p>
+            <a:pPr marL="0" indent="0">
+              <a:buNone/>
+            </a:pPr>
+            <a:r>
+              <a:rPr lang="ko-KR" altLang="en-US" dirty="0" smtClean="0"/>
+              <a:t>게임 누적 플레이 시간 </a:t>
+            </a:r>
+            <a:r>
+              <a:rPr lang="en-US" altLang="ko-KR" dirty="0" smtClean="0"/>
+              <a:t>20</a:t>
+            </a:r>
+            <a:r>
+              <a:rPr lang="ko-KR" altLang="en-US" dirty="0" smtClean="0"/>
+              <a:t>시간 이상이면 </a:t>
+            </a:r>
+            <a:r>
+              <a:rPr lang="ko-KR" altLang="en-US" dirty="0" err="1" smtClean="0"/>
+              <a:t>언락</a:t>
+            </a:r>
+            <a:endParaRPr lang="en-US" altLang="ko" dirty="0" smtClean="0"/>
+          </a:p>
+          <a:p>
+            <a:endParaRPr lang="ko" altLang="en-US" dirty="0"/>
+          </a:p>
+          <a:p>
+            <a:endParaRPr lang="ko" altLang="en-US" dirty="0"/>
+          </a:p>
+          <a:p>
+            <a:r>
+              <a:rPr lang="ko-KR" altLang="en-US" dirty="0"/>
+              <a:t>과학자 주인공</a:t>
+            </a:r>
+          </a:p>
+          <a:p>
+            <a:pPr marL="0" indent="0">
+              <a:buNone/>
+            </a:pPr>
+            <a:r>
+              <a:rPr lang="ko-KR" altLang="en-US" dirty="0"/>
+              <a:t>선택조건</a:t>
+            </a:r>
+            <a:r>
+              <a:rPr lang="en-US" altLang="ko-KR" dirty="0"/>
               <a:t>: </a:t>
             </a:r>
             <a:r>
-              <a:rPr lang="ko-KR" altLang="en-US" sz="1800" b="1" dirty="0" smtClean="0"/>
-              <a:t>누구는 총알 빠르게 </a:t>
-            </a:r>
-            <a:r>
-              <a:rPr lang="en-US" altLang="ko-KR" sz="1800" b="1" dirty="0" smtClean="0"/>
-              <a:t>1</a:t>
-            </a:r>
-            <a:r>
-              <a:rPr lang="ko-KR" altLang="en-US" sz="1800" b="1" dirty="0" err="1" smtClean="0"/>
-              <a:t>발씩쏘고</a:t>
-            </a:r>
-            <a:r>
-              <a:rPr lang="ko-KR" altLang="en-US" sz="1800" b="1" dirty="0" smtClean="0"/>
-              <a:t> 누구는 총알 느리게 </a:t>
-            </a:r>
-            <a:r>
-              <a:rPr lang="en-US" altLang="ko-KR" sz="1800" b="1" dirty="0" smtClean="0"/>
+              <a:rPr lang="ko-KR" altLang="en-US" dirty="0"/>
+              <a:t>과학자스테이지만 </a:t>
+            </a:r>
+            <a:r>
+              <a:rPr lang="ko-KR" altLang="en-US" dirty="0" err="1"/>
+              <a:t>맵</a:t>
+            </a:r>
+            <a:r>
+              <a:rPr lang="ko-KR" altLang="en-US" dirty="0"/>
+              <a:t> 구석에 일정 확률로 나타남 </a:t>
+            </a:r>
+            <a:r>
+              <a:rPr lang="en-US" altLang="ko-KR" dirty="0"/>
               <a:t>3</a:t>
             </a:r>
             <a:r>
-              <a:rPr lang="ko-KR" altLang="en-US" sz="1800" b="1" dirty="0" smtClean="0"/>
-              <a:t>발씩 쏘고 이정도</a:t>
-            </a:r>
-            <a:r>
-              <a:rPr lang="en-US" altLang="ko-KR" sz="1800" b="1" dirty="0" smtClean="0"/>
-              <a:t>)</a:t>
-            </a:r>
-          </a:p>
-          <a:p>
-            <a:r>
-              <a:rPr lang="en-US" altLang="ko-KR" sz="1800" b="1" dirty="0" smtClean="0"/>
-              <a:t>(</a:t>
-            </a:r>
-            <a:r>
-              <a:rPr lang="ko-KR" altLang="en-US" sz="1800" b="1" dirty="0" smtClean="0"/>
-              <a:t>근거리 </a:t>
-            </a:r>
-            <a:r>
-              <a:rPr lang="en-US" altLang="ko-KR" sz="1800" b="1" dirty="0" smtClean="0"/>
-              <a:t>: </a:t>
-            </a:r>
-            <a:r>
-              <a:rPr lang="ko-KR" altLang="en-US" sz="1800" b="1" dirty="0" err="1" smtClean="0"/>
-              <a:t>가까이와서</a:t>
-            </a:r>
-            <a:r>
-              <a:rPr lang="ko-KR" altLang="en-US" sz="1800" b="1" dirty="0" smtClean="0"/>
-              <a:t> 때리기</a:t>
-            </a:r>
-            <a:r>
-              <a:rPr lang="en-US" altLang="ko-KR" sz="1800" b="1" dirty="0" smtClean="0"/>
-              <a:t>,</a:t>
-            </a:r>
-            <a:r>
-              <a:rPr lang="ko-KR" altLang="en-US" sz="1800" b="1" dirty="0"/>
-              <a:t> </a:t>
-            </a:r>
-            <a:r>
-              <a:rPr lang="ko-KR" altLang="en-US" sz="1800" b="1" dirty="0" smtClean="0"/>
-              <a:t>좀더 먼 거리에서 </a:t>
-            </a:r>
-            <a:r>
-              <a:rPr lang="ko-KR" altLang="en-US" sz="1800" b="1" dirty="0" err="1" smtClean="0"/>
-              <a:t>대쉬를</a:t>
-            </a:r>
-            <a:r>
-              <a:rPr lang="ko-KR" altLang="en-US" sz="1800" b="1" dirty="0" smtClean="0"/>
-              <a:t> 해서 공격을 </a:t>
-            </a:r>
-            <a:r>
-              <a:rPr lang="ko-KR" altLang="en-US" sz="1800" b="1" dirty="0" err="1" smtClean="0"/>
-              <a:t>한다던지</a:t>
-            </a:r>
-            <a:r>
-              <a:rPr lang="en-US" altLang="ko-KR" sz="1800" b="1" dirty="0" smtClean="0"/>
-              <a:t>)</a:t>
-            </a:r>
-          </a:p>
-          <a:p>
-            <a:r>
-              <a:rPr lang="ko-KR" altLang="en-US" sz="1800" b="1" dirty="0" err="1" smtClean="0"/>
-              <a:t>어려운패턴의</a:t>
-            </a:r>
-            <a:r>
-              <a:rPr lang="ko-KR" altLang="en-US" sz="1800" b="1" dirty="0" smtClean="0"/>
-              <a:t> 정도</a:t>
-            </a:r>
-            <a:endParaRPr lang="en-US" altLang="ko-KR" sz="1800" b="1" dirty="0" smtClean="0"/>
-          </a:p>
-          <a:p>
-            <a:r>
-              <a:rPr lang="en-US" altLang="ko-KR" sz="1800" b="1" dirty="0" smtClean="0"/>
-              <a:t>(</a:t>
-            </a:r>
-            <a:r>
-              <a:rPr lang="ko-KR" altLang="en-US" sz="1800" b="1" dirty="0" smtClean="0"/>
-              <a:t>원거리 </a:t>
-            </a:r>
-            <a:r>
-              <a:rPr lang="en-US" altLang="ko-KR" sz="1800" b="1" dirty="0" smtClean="0"/>
-              <a:t>:</a:t>
-            </a:r>
-            <a:r>
-              <a:rPr lang="ko-KR" altLang="en-US" sz="1800" b="1" dirty="0" smtClean="0"/>
-              <a:t>총알을 </a:t>
-            </a:r>
-            <a:r>
-              <a:rPr lang="ko-KR" altLang="en-US" sz="1800" b="1" dirty="0" err="1" smtClean="0"/>
-              <a:t>여러방향으로</a:t>
-            </a:r>
-            <a:r>
-              <a:rPr lang="ko-KR" altLang="en-US" sz="1800" b="1" dirty="0" smtClean="0"/>
-              <a:t> </a:t>
-            </a:r>
-            <a:r>
-              <a:rPr lang="ko-KR" altLang="en-US" sz="1800" b="1" dirty="0" err="1" smtClean="0"/>
-              <a:t>쏜다던지</a:t>
-            </a:r>
-            <a:r>
-              <a:rPr lang="ko-KR" altLang="en-US" sz="1800" b="1" dirty="0" smtClean="0"/>
-              <a:t> </a:t>
-            </a:r>
-            <a:r>
-              <a:rPr lang="ko-KR" altLang="en-US" sz="1800" b="1" dirty="0" err="1" smtClean="0"/>
-              <a:t>특수탄</a:t>
-            </a:r>
-            <a:r>
-              <a:rPr lang="en-US" altLang="ko-KR" sz="1800" b="1" dirty="0" smtClean="0"/>
-              <a:t>(</a:t>
-            </a:r>
-            <a:r>
-              <a:rPr lang="ko-KR" altLang="en-US" sz="1800" b="1" dirty="0" err="1" smtClean="0"/>
-              <a:t>벽에맞으면</a:t>
-            </a:r>
-            <a:r>
-              <a:rPr lang="ko-KR" altLang="en-US" sz="1800" b="1" dirty="0" smtClean="0"/>
-              <a:t> 튕기거나 중독</a:t>
-            </a:r>
-            <a:r>
-              <a:rPr lang="en-US" altLang="ko-KR" sz="1800" b="1" dirty="0" smtClean="0"/>
-              <a:t>,</a:t>
-            </a:r>
-            <a:r>
-              <a:rPr lang="ko-KR" altLang="en-US" sz="1800" b="1" dirty="0" smtClean="0"/>
-              <a:t>화상의 효과</a:t>
-            </a:r>
-            <a:r>
-              <a:rPr lang="en-US" altLang="ko-KR" sz="1800" b="1" dirty="0" smtClean="0"/>
-              <a:t>),</a:t>
-            </a:r>
-            <a:r>
-              <a:rPr lang="ko-KR" altLang="en-US" sz="1800" b="1" dirty="0" err="1" smtClean="0"/>
-              <a:t>수류탄등등을</a:t>
-            </a:r>
-            <a:r>
-              <a:rPr lang="ko-KR" altLang="en-US" sz="1800" b="1" dirty="0" smtClean="0"/>
-              <a:t> 사용</a:t>
-            </a:r>
-            <a:r>
-              <a:rPr lang="en-US" altLang="ko-KR" sz="1800" b="1" dirty="0" smtClean="0"/>
-              <a:t>)</a:t>
-            </a:r>
-          </a:p>
-          <a:p>
-            <a:r>
-              <a:rPr lang="en-US" altLang="ko-KR" sz="1800" b="1" dirty="0" smtClean="0"/>
-              <a:t>(</a:t>
-            </a:r>
-            <a:r>
-              <a:rPr lang="ko-KR" altLang="en-US" sz="1800" b="1" dirty="0" smtClean="0"/>
-              <a:t>근거리 </a:t>
-            </a:r>
-            <a:r>
-              <a:rPr lang="en-US" altLang="ko-KR" sz="1800" b="1" dirty="0" smtClean="0"/>
-              <a:t>: </a:t>
-            </a:r>
-            <a:r>
-              <a:rPr lang="ko-KR" altLang="en-US" sz="1800" b="1" dirty="0" smtClean="0"/>
-              <a:t>위장</a:t>
-            </a:r>
-            <a:r>
-              <a:rPr lang="en-US" altLang="ko-KR" sz="1800" b="1" dirty="0" smtClean="0"/>
-              <a:t>,</a:t>
-            </a:r>
-            <a:r>
-              <a:rPr lang="ko-KR" altLang="en-US" sz="1800" b="1" dirty="0" smtClean="0"/>
-              <a:t>은신</a:t>
-            </a:r>
-            <a:r>
-              <a:rPr lang="en-US" altLang="ko-KR" sz="1800" b="1" dirty="0" smtClean="0"/>
-              <a:t>,</a:t>
-            </a:r>
-            <a:r>
-              <a:rPr lang="ko-KR" altLang="en-US" sz="1800" b="1" dirty="0" smtClean="0"/>
-              <a:t>방패사용</a:t>
-            </a:r>
-            <a:r>
-              <a:rPr lang="en-US" altLang="ko-KR" sz="1800" b="1" dirty="0" smtClean="0"/>
-              <a:t>,</a:t>
-            </a:r>
-            <a:r>
-              <a:rPr lang="ko-KR" altLang="en-US" sz="1800" b="1" dirty="0" smtClean="0"/>
-              <a:t>등등 기본근거리 </a:t>
-            </a:r>
-            <a:r>
-              <a:rPr lang="en-US" altLang="ko-KR" sz="1800" b="1" dirty="0" smtClean="0"/>
-              <a:t>+ @)</a:t>
-            </a:r>
-          </a:p>
-          <a:p>
-            <a:endParaRPr lang="en-US" altLang="ko-KR" sz="1800" b="1" dirty="0" smtClean="0"/>
+              <a:rPr lang="ko-KR" altLang="en-US" dirty="0"/>
+              <a:t>번째로 만났을 때까지 꾸준히 말 걸면  </a:t>
+            </a:r>
+            <a:r>
+              <a:rPr lang="ko-KR" altLang="en-US" dirty="0" err="1"/>
+              <a:t>언락</a:t>
+            </a:r>
+            <a:r>
+              <a:rPr lang="ko-KR" altLang="en-US" dirty="0"/>
+              <a:t> 됨 </a:t>
+            </a:r>
+            <a:r>
+              <a:rPr lang="ko-KR" altLang="en-US" dirty="0" err="1"/>
+              <a:t>ㅇ</a:t>
+            </a:r>
+            <a:endParaRPr lang="en-US" altLang="ko-KR" dirty="0"/>
+          </a:p>
+          <a:p>
+            <a:endParaRPr lang="ko" altLang="en-US" dirty="0"/>
+          </a:p>
+          <a:p>
+            <a:endParaRPr lang="en-US" altLang="ko-KR" b="1" dirty="0" smtClean="0"/>
           </a:p>
         </p:txBody>
       </p:sp>
     </p:spTree>
     <p:extLst>
       <p:ext uri="{BB962C8B-B14F-4D97-AF65-F5344CB8AC3E}">
-        <p14:creationId xmlns:p14="http://schemas.microsoft.com/office/powerpoint/2010/main" val="2752374943"/>
+        <p14:creationId xmlns:p14="http://schemas.microsoft.com/office/powerpoint/2010/main" val="2682462336"/>
       </p:ext>
     </p:extLst>
   </p:cSld>
@@ -18995,7 +20225,7 @@
           <a:p>
             <a:r>
               <a:rPr lang="ko-KR" altLang="en-US" dirty="0" smtClean="0"/>
-              <a:t>마지막 스테이지 기타의견</a:t>
+              <a:t>기타의견</a:t>
             </a:r>
             <a:endParaRPr lang="ko-KR" altLang="en-US" dirty="0"/>
           </a:p>
@@ -19011,12 +20241,7 @@
             <p:ph idx="1"/>
           </p:nvPr>
         </p:nvSpPr>
-        <p:spPr>
-          <a:xfrm>
-            <a:off x="-108520" y="1412776"/>
-            <a:ext cx="9613576" cy="5301208"/>
-          </a:xfrm>
-        </p:spPr>
+        <p:spPr/>
         <p:txBody>
           <a:bodyPr>
             <a:normAutofit/>
@@ -19025,71 +20250,15 @@
           <a:p>
             <a:r>
               <a:rPr lang="ko-KR" altLang="en-US" sz="1800" b="1" dirty="0" smtClean="0"/>
-              <a:t>아이디어</a:t>
-            </a:r>
-            <a:r>
-              <a:rPr lang="en-US" altLang="ko-KR" sz="1800" b="1" dirty="0" smtClean="0"/>
-              <a:t>1. </a:t>
+              <a:t>마지막 스테이지 </a:t>
             </a:r>
             <a:r>
               <a:rPr lang="ko-KR" altLang="en-US" sz="1800" b="1" dirty="0" err="1" smtClean="0"/>
-              <a:t>닌자는</a:t>
+              <a:t>몬스터들간의</a:t>
             </a:r>
             <a:r>
               <a:rPr lang="ko-KR" altLang="en-US" sz="1800" b="1" dirty="0" smtClean="0"/>
-              <a:t> 주인공 캐릭터로 넣고 요원은 마지막 </a:t>
-            </a:r>
-            <a:r>
-              <a:rPr lang="ko-KR" altLang="en-US" sz="1800" b="1" dirty="0" err="1" smtClean="0"/>
-              <a:t>보스방에서</a:t>
-            </a:r>
-            <a:r>
-              <a:rPr lang="ko-KR" altLang="en-US" sz="1800" b="1" dirty="0" smtClean="0"/>
-              <a:t> 보스 부하로 나오게 </a:t>
-            </a:r>
-            <a:r>
-              <a:rPr lang="ko-KR" altLang="en-US" sz="1800" b="1" dirty="0" err="1" smtClean="0"/>
-              <a:t>하는게</a:t>
-            </a:r>
-            <a:r>
-              <a:rPr lang="ko-KR" altLang="en-US" sz="1800" b="1" dirty="0" smtClean="0"/>
-              <a:t> 어떨지</a:t>
-            </a:r>
-            <a:r>
-              <a:rPr lang="en-US" altLang="ko-KR" sz="1800" b="1" dirty="0" smtClean="0"/>
-              <a:t>?</a:t>
-            </a:r>
-            <a:r>
-              <a:rPr lang="ko-KR" altLang="en-US" sz="1800" b="1" dirty="0"/>
-              <a:t> </a:t>
-            </a:r>
-            <a:r>
-              <a:rPr lang="ko-KR" altLang="en-US" sz="1800" b="1" dirty="0" smtClean="0"/>
-              <a:t>두 </a:t>
-            </a:r>
-            <a:r>
-              <a:rPr lang="ko-KR" altLang="en-US" sz="1800" b="1" dirty="0" err="1" smtClean="0"/>
-              <a:t>몬스터의</a:t>
-            </a:r>
-            <a:r>
-              <a:rPr lang="ko-KR" altLang="en-US" sz="1800" b="1" dirty="0" smtClean="0"/>
-              <a:t> 공백은 경찰스테이지에 있는 소총 </a:t>
-            </a:r>
-            <a:r>
-              <a:rPr lang="ko-KR" altLang="en-US" sz="1800" b="1" dirty="0" err="1" smtClean="0"/>
-              <a:t>쓰는애</a:t>
-            </a:r>
-            <a:r>
-              <a:rPr lang="ko-KR" altLang="en-US" sz="1800" b="1" dirty="0" smtClean="0"/>
-              <a:t> 하나하고 </a:t>
-            </a:r>
-            <a:r>
-              <a:rPr lang="ko-KR" altLang="en-US" sz="1800" b="1" dirty="0" err="1" smtClean="0"/>
-              <a:t>권총쏘는애</a:t>
-            </a:r>
-            <a:r>
-              <a:rPr lang="ko-KR" altLang="en-US" sz="1800" b="1" dirty="0" smtClean="0"/>
-              <a:t> 하나로 대체</a:t>
+              <a:t> 연관성이 별로 없는 것 같음</a:t>
             </a:r>
             <a:r>
               <a:rPr lang="en-US" altLang="ko-KR" sz="1800" b="1" dirty="0" smtClean="0"/>
@@ -19097,52 +20266,44 @@
             </a:r>
           </a:p>
           <a:p>
+            <a:r>
+              <a:rPr lang="en-US" altLang="ko-KR" sz="1800" b="1" dirty="0" smtClean="0"/>
+              <a:t>1,2,3,4</a:t>
+            </a:r>
+            <a:r>
+              <a:rPr lang="ko-KR" altLang="en-US" sz="1800" b="1" dirty="0" smtClean="0"/>
+              <a:t>스테이지는 </a:t>
+            </a:r>
+            <a:r>
+              <a:rPr lang="ko-KR" altLang="en-US" sz="1800" b="1" dirty="0" err="1" smtClean="0"/>
+              <a:t>컨셉이</a:t>
+            </a:r>
+            <a:r>
+              <a:rPr lang="ko-KR" altLang="en-US" sz="1800" b="1" dirty="0" smtClean="0"/>
+              <a:t> 서로 맞게 잘 된 것 같은데 마지막 스테이지는 서로 따로 노는 느낌이듬</a:t>
+            </a:r>
             <a:endParaRPr lang="en-US" altLang="ko-KR" sz="1800" b="1" dirty="0"/>
           </a:p>
           <a:p>
             <a:r>
+              <a:rPr lang="en-US" altLang="ko-KR" sz="1800" b="1" dirty="0" smtClean="0"/>
+              <a:t> </a:t>
+            </a:r>
+            <a:r>
               <a:rPr lang="ko-KR" altLang="en-US" sz="1800" b="1" dirty="0" smtClean="0"/>
-              <a:t>아이디어</a:t>
-            </a:r>
-            <a:r>
-              <a:rPr lang="en-US" altLang="ko-KR" sz="1800" b="1" dirty="0" smtClean="0"/>
-              <a:t>2. </a:t>
+              <a:t>차라리 요원스테이지 </a:t>
             </a:r>
             <a:r>
               <a:rPr lang="ko-KR" altLang="en-US" sz="1800" b="1" dirty="0" err="1" smtClean="0"/>
-              <a:t>마지막탄은</a:t>
+              <a:t>군인스테이지롤</a:t>
             </a:r>
             <a:r>
               <a:rPr lang="ko-KR" altLang="en-US" sz="1800" b="1" dirty="0" smtClean="0"/>
               <a:t> </a:t>
             </a:r>
             <a:r>
-              <a:rPr lang="en-US" altLang="ko-KR" sz="1800" b="1" dirty="0" smtClean="0"/>
-              <a:t>5-1</a:t>
-            </a:r>
-            <a:r>
-              <a:rPr lang="ko-KR" altLang="en-US" sz="1800" b="1" dirty="0" smtClean="0"/>
-              <a:t>탄 </a:t>
-            </a:r>
-            <a:r>
-              <a:rPr lang="en-US" altLang="ko-KR" sz="1800" b="1" dirty="0" smtClean="0"/>
-              <a:t>5-2</a:t>
-            </a:r>
-            <a:r>
-              <a:rPr lang="ko-KR" altLang="en-US" sz="1800" b="1" dirty="0" smtClean="0"/>
-              <a:t>탄으로 나누어서 </a:t>
-            </a:r>
-            <a:r>
-              <a:rPr lang="en-US" altLang="ko-KR" sz="1800" b="1" dirty="0" smtClean="0"/>
-              <a:t>1</a:t>
-            </a:r>
-            <a:r>
-              <a:rPr lang="ko-KR" altLang="en-US" sz="1800" b="1" dirty="0" smtClean="0"/>
-              <a:t>탄은 요원하고 </a:t>
-            </a:r>
-            <a:r>
               <a:rPr lang="ko-KR" altLang="en-US" sz="1800" b="1" dirty="0" err="1" smtClean="0"/>
-              <a:t>닌자</a:t>
+              <a:t>나누는것이</a:t>
             </a:r>
             <a:r>
               <a:rPr lang="ko-KR" altLang="en-US" sz="1800" b="1" dirty="0" smtClean="0"/>
@@ -19150,21 +20311,101 @@
             </a:r>
             <a:r>
               <a:rPr lang="ko-KR" altLang="en-US" sz="1800" b="1" dirty="0" err="1" smtClean="0"/>
-              <a:t>나오게하고</a:t>
+              <a:t>좋을것같음</a:t>
             </a:r>
             <a:endParaRPr lang="en-US" altLang="ko-KR" sz="1800" b="1" dirty="0" smtClean="0"/>
           </a:p>
           <a:p>
-            <a:pPr marL="0" indent="0">
-              <a:buNone/>
-            </a:pPr>
+            <a:r>
+              <a:rPr lang="ko-KR" altLang="en-US" sz="1800" b="1" dirty="0" smtClean="0"/>
+              <a:t>군인스테이지에 기본 보병 추가 </a:t>
+            </a:r>
             <a:r>
               <a:rPr lang="en-US" altLang="ko-KR" sz="1800" b="1" dirty="0" smtClean="0"/>
-              <a:t>    2</a:t>
+              <a:t>+ </a:t>
+            </a:r>
+            <a:r>
+              <a:rPr lang="ko-KR" altLang="en-US" sz="1800" b="1" dirty="0" err="1" smtClean="0"/>
+              <a:t>기존에있던</a:t>
             </a:r>
             <a:r>
               <a:rPr lang="ko-KR" altLang="en-US" sz="1800" b="1" dirty="0" smtClean="0"/>
-              <a:t>탄은 군인들 나오게 하기</a:t>
+              <a:t> </a:t>
+            </a:r>
+            <a:r>
+              <a:rPr lang="ko-KR" altLang="en-US" sz="1800" b="1" dirty="0" err="1" smtClean="0"/>
+              <a:t>대포병</a:t>
+            </a:r>
+            <a:r>
+              <a:rPr lang="en-US" altLang="ko-KR" sz="1800" b="1" dirty="0" smtClean="0"/>
+              <a:t>,</a:t>
+            </a:r>
+            <a:r>
+              <a:rPr lang="ko-KR" altLang="en-US" sz="1800" b="1" dirty="0" smtClean="0"/>
+              <a:t>저격수</a:t>
+            </a:r>
+            <a:r>
+              <a:rPr lang="en-US" altLang="ko-KR" sz="1800" b="1" dirty="0" smtClean="0"/>
+              <a:t>,</a:t>
+            </a:r>
+            <a:r>
+              <a:rPr lang="ko-KR" altLang="en-US" sz="1800" b="1" dirty="0" err="1" smtClean="0"/>
+              <a:t>포탑짓는애</a:t>
+            </a:r>
+            <a:r>
+              <a:rPr lang="ko-KR" altLang="en-US" sz="1800" b="1" dirty="0" smtClean="0"/>
+              <a:t> 사용</a:t>
+            </a:r>
+            <a:endParaRPr lang="en-US" altLang="ko-KR" sz="1800" b="1" dirty="0" smtClean="0"/>
+          </a:p>
+          <a:p>
+            <a:r>
+              <a:rPr lang="ko-KR" altLang="en-US" sz="1800" b="1" dirty="0" smtClean="0"/>
+              <a:t>요원스테이지에 쌍권총요원 </a:t>
+            </a:r>
+            <a:r>
+              <a:rPr lang="en-US" altLang="ko-KR" sz="1800" b="1" dirty="0" smtClean="0"/>
+              <a:t>+ </a:t>
+            </a:r>
+            <a:r>
+              <a:rPr lang="ko-KR" altLang="en-US" sz="1800" b="1" dirty="0" smtClean="0"/>
+              <a:t>암살자 </a:t>
+            </a:r>
+            <a:r>
+              <a:rPr lang="en-US" altLang="ko-KR" sz="1800" b="1" dirty="0" smtClean="0"/>
+              <a:t>+ </a:t>
+            </a:r>
+            <a:r>
+              <a:rPr lang="ko-KR" altLang="en-US" sz="1800" b="1" dirty="0" smtClean="0"/>
+              <a:t>기타요원</a:t>
+            </a:r>
+            <a:r>
+              <a:rPr lang="en-US" altLang="ko-KR" sz="1800" b="1" dirty="0" smtClean="0"/>
+              <a:t>2</a:t>
+            </a:r>
+            <a:r>
+              <a:rPr lang="ko-KR" altLang="en-US" sz="1800" b="1" dirty="0" smtClean="0"/>
+              <a:t>개 </a:t>
+            </a:r>
+            <a:r>
+              <a:rPr lang="ko-KR" altLang="en-US" sz="1800" b="1" dirty="0" err="1" smtClean="0"/>
+              <a:t>이런식으로</a:t>
+            </a:r>
+            <a:r>
+              <a:rPr lang="ko-KR" altLang="en-US" sz="1800" b="1" dirty="0" smtClean="0"/>
+              <a:t> </a:t>
+            </a:r>
+            <a:r>
+              <a:rPr lang="ko-KR" altLang="en-US" sz="1800" b="1" dirty="0" err="1" smtClean="0"/>
+              <a:t>하는것이</a:t>
+            </a:r>
+            <a:r>
+              <a:rPr lang="ko-KR" altLang="en-US" sz="1800" b="1" dirty="0" smtClean="0"/>
+              <a:t> </a:t>
+            </a:r>
+            <a:r>
+              <a:rPr lang="ko-KR" altLang="en-US" sz="1800" b="1" dirty="0" err="1" smtClean="0"/>
+              <a:t>좋아보임</a:t>
             </a:r>
             <a:endParaRPr lang="en-US" altLang="ko-KR" sz="1800" b="1" dirty="0" smtClean="0"/>
           </a:p>
@@ -19173,7 +20414,7 @@
     </p:spTree>
     <p:extLst>
       <p:ext uri="{BB962C8B-B14F-4D97-AF65-F5344CB8AC3E}">
-        <p14:creationId xmlns:p14="http://schemas.microsoft.com/office/powerpoint/2010/main" val="3036180783"/>
+        <p14:creationId xmlns:p14="http://schemas.microsoft.com/office/powerpoint/2010/main" val="1552690130"/>
       </p:ext>
     </p:extLst>
   </p:cSld>
@@ -19218,8 +20459,8 @@
           <a:lstStyle/>
           <a:p>
             <a:r>
-              <a:rPr lang="ko-KR" altLang="en-US" dirty="0" err="1" smtClean="0"/>
-              <a:t>불편한점</a:t>
+              <a:rPr lang="ko-KR" altLang="en-US" dirty="0" smtClean="0"/>
+              <a:t>기타의견</a:t>
             </a:r>
             <a:endParaRPr lang="ko-KR" altLang="en-US" dirty="0"/>
           </a:p>
@@ -19248,6 +20489,616 @@
           <a:lstStyle/>
           <a:p>
             <a:r>
+              <a:rPr lang="ko-KR" altLang="en-US" sz="1800" b="1" dirty="0" err="1" smtClean="0"/>
+              <a:t>스테이지별</a:t>
+            </a:r>
+            <a:r>
+              <a:rPr lang="ko-KR" altLang="en-US" sz="1800" b="1" dirty="0" smtClean="0"/>
+              <a:t> </a:t>
+            </a:r>
+            <a:r>
+              <a:rPr lang="ko-KR" altLang="en-US" sz="1800" b="1" dirty="0" err="1" smtClean="0"/>
+              <a:t>몬스터</a:t>
+            </a:r>
+            <a:r>
+              <a:rPr lang="ko-KR" altLang="en-US" sz="1800" b="1" dirty="0" smtClean="0"/>
+              <a:t> 기본패턴은 기본적으로 </a:t>
+            </a:r>
+            <a:r>
+              <a:rPr lang="en-US" altLang="ko-KR" sz="1800" b="1" dirty="0" smtClean="0"/>
+              <a:t> </a:t>
+            </a:r>
+          </a:p>
+          <a:p>
+            <a:r>
+              <a:rPr lang="ko-KR" altLang="en-US" sz="1800" b="1" dirty="0" err="1" smtClean="0"/>
+              <a:t>쉬운근접</a:t>
+            </a:r>
+            <a:r>
+              <a:rPr lang="ko-KR" altLang="en-US" sz="1800" b="1" dirty="0" smtClean="0"/>
+              <a:t> </a:t>
+            </a:r>
+            <a:endParaRPr lang="en-US" altLang="ko-KR" sz="1800" b="1" dirty="0" smtClean="0"/>
+          </a:p>
+          <a:p>
+            <a:r>
+              <a:rPr lang="ko-KR" altLang="en-US" sz="1800" b="1" dirty="0" err="1" smtClean="0"/>
+              <a:t>어려운근접</a:t>
+            </a:r>
+            <a:endParaRPr lang="en-US" altLang="ko-KR" sz="1800" b="1" dirty="0" smtClean="0"/>
+          </a:p>
+          <a:p>
+            <a:r>
+              <a:rPr lang="ko-KR" altLang="en-US" sz="1800" b="1" dirty="0" err="1" smtClean="0"/>
+              <a:t>쉬운원거리</a:t>
+            </a:r>
+            <a:endParaRPr lang="en-US" altLang="ko-KR" sz="1800" b="1" dirty="0" smtClean="0"/>
+          </a:p>
+          <a:p>
+            <a:r>
+              <a:rPr lang="ko-KR" altLang="en-US" sz="1800" b="1" dirty="0" err="1" smtClean="0"/>
+              <a:t>어려운원거리로</a:t>
+            </a:r>
+            <a:r>
+              <a:rPr lang="ko-KR" altLang="en-US" sz="1800" b="1" dirty="0" smtClean="0"/>
+              <a:t> 구성</a:t>
+            </a:r>
+            <a:endParaRPr lang="en-US" altLang="ko-KR" sz="1800" b="1" dirty="0" smtClean="0"/>
+          </a:p>
+          <a:p>
+            <a:endParaRPr lang="en-US" altLang="ko-KR" sz="1800" b="1" dirty="0" smtClean="0"/>
+          </a:p>
+          <a:p>
+            <a:r>
+              <a:rPr lang="ko-KR" altLang="en-US" sz="1800" b="1" dirty="0" smtClean="0"/>
+              <a:t>패턴은 스테이지마다 전부 다르게</a:t>
+            </a:r>
+            <a:endParaRPr lang="en-US" altLang="ko-KR" sz="1800" b="1" dirty="0" smtClean="0"/>
+          </a:p>
+          <a:p>
+            <a:endParaRPr lang="en-US" altLang="ko-KR" sz="1800" b="1" dirty="0" smtClean="0"/>
+          </a:p>
+          <a:p>
+            <a:r>
+              <a:rPr lang="ko-KR" altLang="en-US" sz="1800" b="1" dirty="0" err="1" smtClean="0"/>
+              <a:t>쉬운패턴의</a:t>
+            </a:r>
+            <a:r>
+              <a:rPr lang="ko-KR" altLang="en-US" sz="1800" b="1" dirty="0" smtClean="0"/>
+              <a:t> 정도 </a:t>
+            </a:r>
+            <a:endParaRPr lang="en-US" altLang="ko-KR" sz="1800" b="1" dirty="0" smtClean="0"/>
+          </a:p>
+          <a:p>
+            <a:r>
+              <a:rPr lang="en-US" altLang="ko-KR" sz="1800" b="1" dirty="0" smtClean="0"/>
+              <a:t>(</a:t>
+            </a:r>
+            <a:r>
+              <a:rPr lang="ko-KR" altLang="en-US" sz="1800" b="1" dirty="0" smtClean="0"/>
+              <a:t>원거리 </a:t>
+            </a:r>
+            <a:r>
+              <a:rPr lang="en-US" altLang="ko-KR" sz="1800" b="1" dirty="0" smtClean="0"/>
+              <a:t>: </a:t>
+            </a:r>
+            <a:r>
+              <a:rPr lang="ko-KR" altLang="en-US" sz="1800" b="1" dirty="0" smtClean="0"/>
+              <a:t>누구는 총알 빠르게 </a:t>
+            </a:r>
+            <a:r>
+              <a:rPr lang="en-US" altLang="ko-KR" sz="1800" b="1" dirty="0" smtClean="0"/>
+              <a:t>1</a:t>
+            </a:r>
+            <a:r>
+              <a:rPr lang="ko-KR" altLang="en-US" sz="1800" b="1" dirty="0" err="1" smtClean="0"/>
+              <a:t>발씩쏘고</a:t>
+            </a:r>
+            <a:r>
+              <a:rPr lang="ko-KR" altLang="en-US" sz="1800" b="1" dirty="0" smtClean="0"/>
+              <a:t> 누구는 총알 느리게 </a:t>
+            </a:r>
+            <a:r>
+              <a:rPr lang="en-US" altLang="ko-KR" sz="1800" b="1" dirty="0" smtClean="0"/>
+              <a:t>3</a:t>
+            </a:r>
+            <a:r>
+              <a:rPr lang="ko-KR" altLang="en-US" sz="1800" b="1" dirty="0" smtClean="0"/>
+              <a:t>발씩 쏘고 이정도</a:t>
+            </a:r>
+            <a:r>
+              <a:rPr lang="en-US" altLang="ko-KR" sz="1800" b="1" dirty="0" smtClean="0"/>
+              <a:t>)</a:t>
+            </a:r>
+          </a:p>
+          <a:p>
+            <a:r>
+              <a:rPr lang="en-US" altLang="ko-KR" sz="1800" b="1" dirty="0" smtClean="0"/>
+              <a:t>(</a:t>
+            </a:r>
+            <a:r>
+              <a:rPr lang="ko-KR" altLang="en-US" sz="1800" b="1" dirty="0" smtClean="0"/>
+              <a:t>근거리 </a:t>
+            </a:r>
+            <a:r>
+              <a:rPr lang="en-US" altLang="ko-KR" sz="1800" b="1" dirty="0" smtClean="0"/>
+              <a:t>: </a:t>
+            </a:r>
+            <a:r>
+              <a:rPr lang="ko-KR" altLang="en-US" sz="1800" b="1" dirty="0" err="1" smtClean="0"/>
+              <a:t>가까이와서</a:t>
+            </a:r>
+            <a:r>
+              <a:rPr lang="ko-KR" altLang="en-US" sz="1800" b="1" dirty="0" smtClean="0"/>
+              <a:t> 때리기</a:t>
+            </a:r>
+            <a:r>
+              <a:rPr lang="en-US" altLang="ko-KR" sz="1800" b="1" dirty="0" smtClean="0"/>
+              <a:t>,</a:t>
+            </a:r>
+            <a:r>
+              <a:rPr lang="ko-KR" altLang="en-US" sz="1800" b="1" dirty="0"/>
+              <a:t> </a:t>
+            </a:r>
+            <a:r>
+              <a:rPr lang="ko-KR" altLang="en-US" sz="1800" b="1" dirty="0" smtClean="0"/>
+              <a:t>좀더 먼 거리에서 </a:t>
+            </a:r>
+            <a:r>
+              <a:rPr lang="ko-KR" altLang="en-US" sz="1800" b="1" dirty="0" err="1" smtClean="0"/>
+              <a:t>대쉬를</a:t>
+            </a:r>
+            <a:r>
+              <a:rPr lang="ko-KR" altLang="en-US" sz="1800" b="1" dirty="0" smtClean="0"/>
+              <a:t> 해서 공격을 </a:t>
+            </a:r>
+            <a:r>
+              <a:rPr lang="ko-KR" altLang="en-US" sz="1800" b="1" dirty="0" err="1" smtClean="0"/>
+              <a:t>한다던지</a:t>
+            </a:r>
+            <a:r>
+              <a:rPr lang="en-US" altLang="ko-KR" sz="1800" b="1" dirty="0" smtClean="0"/>
+              <a:t>)</a:t>
+            </a:r>
+          </a:p>
+          <a:p>
+            <a:r>
+              <a:rPr lang="ko-KR" altLang="en-US" sz="1800" b="1" dirty="0" err="1" smtClean="0"/>
+              <a:t>어려운패턴의</a:t>
+            </a:r>
+            <a:r>
+              <a:rPr lang="ko-KR" altLang="en-US" sz="1800" b="1" dirty="0" smtClean="0"/>
+              <a:t> 정도</a:t>
+            </a:r>
+            <a:endParaRPr lang="en-US" altLang="ko-KR" sz="1800" b="1" dirty="0" smtClean="0"/>
+          </a:p>
+          <a:p>
+            <a:r>
+              <a:rPr lang="en-US" altLang="ko-KR" sz="1800" b="1" dirty="0" smtClean="0"/>
+              <a:t>(</a:t>
+            </a:r>
+            <a:r>
+              <a:rPr lang="ko-KR" altLang="en-US" sz="1800" b="1" dirty="0" smtClean="0"/>
+              <a:t>원거리 </a:t>
+            </a:r>
+            <a:r>
+              <a:rPr lang="en-US" altLang="ko-KR" sz="1800" b="1" dirty="0" smtClean="0"/>
+              <a:t>:</a:t>
+            </a:r>
+            <a:r>
+              <a:rPr lang="ko-KR" altLang="en-US" sz="1800" b="1" dirty="0" smtClean="0"/>
+              <a:t>총알을 </a:t>
+            </a:r>
+            <a:r>
+              <a:rPr lang="ko-KR" altLang="en-US" sz="1800" b="1" dirty="0" err="1" smtClean="0"/>
+              <a:t>여러방향으로</a:t>
+            </a:r>
+            <a:r>
+              <a:rPr lang="ko-KR" altLang="en-US" sz="1800" b="1" dirty="0" smtClean="0"/>
+              <a:t> </a:t>
+            </a:r>
+            <a:r>
+              <a:rPr lang="ko-KR" altLang="en-US" sz="1800" b="1" dirty="0" err="1" smtClean="0"/>
+              <a:t>쏜다던지</a:t>
+            </a:r>
+            <a:r>
+              <a:rPr lang="ko-KR" altLang="en-US" sz="1800" b="1" dirty="0" smtClean="0"/>
+              <a:t> </a:t>
+            </a:r>
+            <a:r>
+              <a:rPr lang="ko-KR" altLang="en-US" sz="1800" b="1" dirty="0" err="1" smtClean="0"/>
+              <a:t>특수탄</a:t>
+            </a:r>
+            <a:r>
+              <a:rPr lang="en-US" altLang="ko-KR" sz="1800" b="1" dirty="0" smtClean="0"/>
+              <a:t>(</a:t>
+            </a:r>
+            <a:r>
+              <a:rPr lang="ko-KR" altLang="en-US" sz="1800" b="1" dirty="0" err="1" smtClean="0"/>
+              <a:t>벽에맞으면</a:t>
+            </a:r>
+            <a:r>
+              <a:rPr lang="ko-KR" altLang="en-US" sz="1800" b="1" dirty="0" smtClean="0"/>
+              <a:t> 튕기거나 중독</a:t>
+            </a:r>
+            <a:r>
+              <a:rPr lang="en-US" altLang="ko-KR" sz="1800" b="1" dirty="0" smtClean="0"/>
+              <a:t>,</a:t>
+            </a:r>
+            <a:r>
+              <a:rPr lang="ko-KR" altLang="en-US" sz="1800" b="1" dirty="0" smtClean="0"/>
+              <a:t>화상의 효과</a:t>
+            </a:r>
+            <a:r>
+              <a:rPr lang="en-US" altLang="ko-KR" sz="1800" b="1" dirty="0" smtClean="0"/>
+              <a:t>),</a:t>
+            </a:r>
+            <a:r>
+              <a:rPr lang="ko-KR" altLang="en-US" sz="1800" b="1" dirty="0" err="1" smtClean="0"/>
+              <a:t>수류탄등등을</a:t>
+            </a:r>
+            <a:r>
+              <a:rPr lang="ko-KR" altLang="en-US" sz="1800" b="1" dirty="0" smtClean="0"/>
+              <a:t> 사용</a:t>
+            </a:r>
+            <a:r>
+              <a:rPr lang="en-US" altLang="ko-KR" sz="1800" b="1" dirty="0" smtClean="0"/>
+              <a:t>)</a:t>
+            </a:r>
+          </a:p>
+          <a:p>
+            <a:r>
+              <a:rPr lang="en-US" altLang="ko-KR" sz="1800" b="1" dirty="0" smtClean="0"/>
+              <a:t>(</a:t>
+            </a:r>
+            <a:r>
+              <a:rPr lang="ko-KR" altLang="en-US" sz="1800" b="1" dirty="0" smtClean="0"/>
+              <a:t>근거리 </a:t>
+            </a:r>
+            <a:r>
+              <a:rPr lang="en-US" altLang="ko-KR" sz="1800" b="1" dirty="0" smtClean="0"/>
+              <a:t>: </a:t>
+            </a:r>
+            <a:r>
+              <a:rPr lang="ko-KR" altLang="en-US" sz="1800" b="1" dirty="0" smtClean="0"/>
+              <a:t>위장</a:t>
+            </a:r>
+            <a:r>
+              <a:rPr lang="en-US" altLang="ko-KR" sz="1800" b="1" dirty="0" smtClean="0"/>
+              <a:t>,</a:t>
+            </a:r>
+            <a:r>
+              <a:rPr lang="ko-KR" altLang="en-US" sz="1800" b="1" dirty="0" smtClean="0"/>
+              <a:t>은신</a:t>
+            </a:r>
+            <a:r>
+              <a:rPr lang="en-US" altLang="ko-KR" sz="1800" b="1" dirty="0" smtClean="0"/>
+              <a:t>,</a:t>
+            </a:r>
+            <a:r>
+              <a:rPr lang="ko-KR" altLang="en-US" sz="1800" b="1" dirty="0" smtClean="0"/>
+              <a:t>방패사용</a:t>
+            </a:r>
+            <a:r>
+              <a:rPr lang="en-US" altLang="ko-KR" sz="1800" b="1" dirty="0" smtClean="0"/>
+              <a:t>,</a:t>
+            </a:r>
+            <a:r>
+              <a:rPr lang="ko-KR" altLang="en-US" sz="1800" b="1" dirty="0" smtClean="0"/>
+              <a:t>등등 기본근거리 </a:t>
+            </a:r>
+            <a:r>
+              <a:rPr lang="en-US" altLang="ko-KR" sz="1800" b="1" dirty="0" smtClean="0"/>
+              <a:t>+ @)</a:t>
+            </a:r>
+          </a:p>
+          <a:p>
+            <a:endParaRPr lang="en-US" altLang="ko-KR" sz="1800" b="1" dirty="0" smtClean="0"/>
+          </a:p>
+        </p:txBody>
+      </p:sp>
+    </p:spTree>
+    <p:extLst>
+      <p:ext uri="{BB962C8B-B14F-4D97-AF65-F5344CB8AC3E}">
+        <p14:creationId xmlns:p14="http://schemas.microsoft.com/office/powerpoint/2010/main" val="2752374943"/>
+      </p:ext>
+    </p:extLst>
+  </p:cSld>
+  <p:clrMapOvr>
+    <a:masterClrMapping/>
+  </p:clrMapOvr>
+</p:sld>
+</file>
+
+<file path=ppt/slides/slide44.xml><?xml version="1.0" encoding="utf-8"?>
+<p:sld xmlns:a="http://schemas.openxmlformats.org/drawingml/2006/main" xmlns:r="http://schemas.openxmlformats.org/officeDocument/2006/relationships" xmlns:p="http://schemas.openxmlformats.org/presentationml/2006/main">
+  <p:cSld>
+    <p:spTree>
+      <p:nvGrpSpPr>
+        <p:cNvPr id="1" name=""/>
+        <p:cNvGrpSpPr/>
+        <p:nvPr/>
+      </p:nvGrpSpPr>
+      <p:grpSpPr>
+        <a:xfrm>
+          <a:off x="0" y="0"/>
+          <a:ext cx="0" cy="0"/>
+          <a:chOff x="0" y="0"/>
+          <a:chExt cx="0" cy="0"/>
+        </a:xfrm>
+      </p:grpSpPr>
+      <p:sp>
+        <p:nvSpPr>
+          <p:cNvPr id="2" name="제목 1"/>
+          <p:cNvSpPr>
+            <a:spLocks noGrp="1"/>
+          </p:cNvSpPr>
+          <p:nvPr>
+            <p:ph type="title"/>
+          </p:nvPr>
+        </p:nvSpPr>
+        <p:spPr/>
+        <p:txBody>
+          <a:bodyPr>
+            <a:normAutofit/>
+          </a:bodyPr>
+          <a:lstStyle/>
+          <a:p>
+            <a:r>
+              <a:rPr lang="ko-KR" altLang="en-US" dirty="0" smtClean="0"/>
+              <a:t>마지막 스테이지 기타의견</a:t>
+            </a:r>
+            <a:endParaRPr lang="ko-KR" altLang="en-US" dirty="0"/>
+          </a:p>
+        </p:txBody>
+      </p:sp>
+      <p:sp>
+        <p:nvSpPr>
+          <p:cNvPr id="3" name="내용 개체 틀 2"/>
+          <p:cNvSpPr>
+            <a:spLocks noGrp="1"/>
+          </p:cNvSpPr>
+          <p:nvPr>
+            <p:ph idx="1"/>
+          </p:nvPr>
+        </p:nvSpPr>
+        <p:spPr>
+          <a:xfrm>
+            <a:off x="-108520" y="1412776"/>
+            <a:ext cx="9613576" cy="5301208"/>
+          </a:xfrm>
+        </p:spPr>
+        <p:txBody>
+          <a:bodyPr>
+            <a:normAutofit/>
+          </a:bodyPr>
+          <a:lstStyle/>
+          <a:p>
+            <a:r>
+              <a:rPr lang="ko-KR" altLang="en-US" sz="1800" b="1" dirty="0" smtClean="0"/>
+              <a:t>아이디어</a:t>
+            </a:r>
+            <a:r>
+              <a:rPr lang="en-US" altLang="ko-KR" sz="1800" b="1" dirty="0" smtClean="0"/>
+              <a:t>1. </a:t>
+            </a:r>
+            <a:r>
+              <a:rPr lang="ko-KR" altLang="en-US" sz="1800" b="1" dirty="0" err="1" smtClean="0"/>
+              <a:t>닌자는</a:t>
+            </a:r>
+            <a:r>
+              <a:rPr lang="ko-KR" altLang="en-US" sz="1800" b="1" dirty="0" smtClean="0"/>
+              <a:t> 주인공 캐릭터로 넣고 요원은 마지막 </a:t>
+            </a:r>
+            <a:r>
+              <a:rPr lang="ko-KR" altLang="en-US" sz="1800" b="1" dirty="0" err="1" smtClean="0"/>
+              <a:t>보스방에서</a:t>
+            </a:r>
+            <a:r>
+              <a:rPr lang="ko-KR" altLang="en-US" sz="1800" b="1" dirty="0" smtClean="0"/>
+              <a:t> 보스 부하로 나오게 </a:t>
+            </a:r>
+            <a:r>
+              <a:rPr lang="ko-KR" altLang="en-US" sz="1800" b="1" dirty="0" err="1" smtClean="0"/>
+              <a:t>하는게</a:t>
+            </a:r>
+            <a:r>
+              <a:rPr lang="ko-KR" altLang="en-US" sz="1800" b="1" dirty="0" smtClean="0"/>
+              <a:t> 어떨지</a:t>
+            </a:r>
+            <a:r>
+              <a:rPr lang="en-US" altLang="ko-KR" sz="1800" b="1" dirty="0" smtClean="0"/>
+              <a:t>?</a:t>
+            </a:r>
+            <a:r>
+              <a:rPr lang="ko-KR" altLang="en-US" sz="1800" b="1" dirty="0"/>
+              <a:t> </a:t>
+            </a:r>
+            <a:r>
+              <a:rPr lang="ko-KR" altLang="en-US" sz="1800" b="1" dirty="0" smtClean="0"/>
+              <a:t>두 </a:t>
+            </a:r>
+            <a:r>
+              <a:rPr lang="ko-KR" altLang="en-US" sz="1800" b="1" dirty="0" err="1" smtClean="0"/>
+              <a:t>몬스터의</a:t>
+            </a:r>
+            <a:r>
+              <a:rPr lang="ko-KR" altLang="en-US" sz="1800" b="1" dirty="0" smtClean="0"/>
+              <a:t> 공백은 경찰스테이지에 있는 소총 </a:t>
+            </a:r>
+            <a:r>
+              <a:rPr lang="ko-KR" altLang="en-US" sz="1800" b="1" dirty="0" err="1" smtClean="0"/>
+              <a:t>쓰는애</a:t>
+            </a:r>
+            <a:r>
+              <a:rPr lang="ko-KR" altLang="en-US" sz="1800" b="1" dirty="0" smtClean="0"/>
+              <a:t> 하나하고 </a:t>
+            </a:r>
+            <a:r>
+              <a:rPr lang="ko-KR" altLang="en-US" sz="1800" b="1" dirty="0" err="1" smtClean="0"/>
+              <a:t>권총쏘는애</a:t>
+            </a:r>
+            <a:r>
+              <a:rPr lang="ko-KR" altLang="en-US" sz="1800" b="1" dirty="0" smtClean="0"/>
+              <a:t> 하나로 대체</a:t>
+            </a:r>
+            <a:r>
+              <a:rPr lang="en-US" altLang="ko-KR" sz="1800" b="1" dirty="0" smtClean="0"/>
+              <a:t>.</a:t>
+            </a:r>
+          </a:p>
+          <a:p>
+            <a:endParaRPr lang="en-US" altLang="ko-KR" sz="1800" b="1" dirty="0"/>
+          </a:p>
+          <a:p>
+            <a:r>
+              <a:rPr lang="ko-KR" altLang="en-US" sz="1800" b="1" dirty="0" smtClean="0"/>
+              <a:t>아이디어</a:t>
+            </a:r>
+            <a:r>
+              <a:rPr lang="en-US" altLang="ko-KR" sz="1800" b="1" dirty="0" smtClean="0"/>
+              <a:t>2. </a:t>
+            </a:r>
+            <a:r>
+              <a:rPr lang="ko-KR" altLang="en-US" sz="1800" b="1" dirty="0" err="1" smtClean="0"/>
+              <a:t>마지막탄은</a:t>
+            </a:r>
+            <a:r>
+              <a:rPr lang="ko-KR" altLang="en-US" sz="1800" b="1" dirty="0" smtClean="0"/>
+              <a:t> </a:t>
+            </a:r>
+            <a:r>
+              <a:rPr lang="en-US" altLang="ko-KR" sz="1800" b="1" dirty="0" smtClean="0"/>
+              <a:t>5-1</a:t>
+            </a:r>
+            <a:r>
+              <a:rPr lang="ko-KR" altLang="en-US" sz="1800" b="1" dirty="0" smtClean="0"/>
+              <a:t>탄 </a:t>
+            </a:r>
+            <a:r>
+              <a:rPr lang="en-US" altLang="ko-KR" sz="1800" b="1" dirty="0" smtClean="0"/>
+              <a:t>5-2</a:t>
+            </a:r>
+            <a:r>
+              <a:rPr lang="ko-KR" altLang="en-US" sz="1800" b="1" dirty="0" smtClean="0"/>
+              <a:t>탄으로 나누어서 </a:t>
+            </a:r>
+            <a:r>
+              <a:rPr lang="en-US" altLang="ko-KR" sz="1800" b="1" dirty="0" smtClean="0"/>
+              <a:t>1</a:t>
+            </a:r>
+            <a:r>
+              <a:rPr lang="ko-KR" altLang="en-US" sz="1800" b="1" dirty="0" smtClean="0"/>
+              <a:t>탄은 요원하고 </a:t>
+            </a:r>
+            <a:r>
+              <a:rPr lang="ko-KR" altLang="en-US" sz="1800" b="1" dirty="0" err="1" smtClean="0"/>
+              <a:t>닌자</a:t>
+            </a:r>
+            <a:r>
+              <a:rPr lang="ko-KR" altLang="en-US" sz="1800" b="1" dirty="0" smtClean="0"/>
+              <a:t> </a:t>
+            </a:r>
+            <a:r>
+              <a:rPr lang="ko-KR" altLang="en-US" sz="1800" b="1" dirty="0" err="1" smtClean="0"/>
+              <a:t>나오게하고</a:t>
+            </a:r>
+            <a:endParaRPr lang="en-US" altLang="ko-KR" sz="1800" b="1" dirty="0" smtClean="0"/>
+          </a:p>
+          <a:p>
+            <a:pPr marL="0" indent="0">
+              <a:buNone/>
+            </a:pPr>
+            <a:r>
+              <a:rPr lang="en-US" altLang="ko-KR" sz="1800" b="1" dirty="0" smtClean="0"/>
+              <a:t>    2</a:t>
+            </a:r>
+            <a:r>
+              <a:rPr lang="ko-KR" altLang="en-US" sz="1800" b="1" dirty="0" smtClean="0"/>
+              <a:t>탄은 군인들 나오게 하기</a:t>
+            </a:r>
+            <a:endParaRPr lang="en-US" altLang="ko-KR" sz="1800" b="1" dirty="0" smtClean="0"/>
+          </a:p>
+        </p:txBody>
+      </p:sp>
+    </p:spTree>
+    <p:extLst>
+      <p:ext uri="{BB962C8B-B14F-4D97-AF65-F5344CB8AC3E}">
+        <p14:creationId xmlns:p14="http://schemas.microsoft.com/office/powerpoint/2010/main" val="3036180783"/>
+      </p:ext>
+    </p:extLst>
+  </p:cSld>
+  <p:clrMapOvr>
+    <a:masterClrMapping/>
+  </p:clrMapOvr>
+</p:sld>
+</file>
+
+<file path=ppt/slides/slide45.xml><?xml version="1.0" encoding="utf-8"?>
+<p:sld xmlns:a="http://schemas.openxmlformats.org/drawingml/2006/main" xmlns:r="http://schemas.openxmlformats.org/officeDocument/2006/relationships" xmlns:p="http://schemas.openxmlformats.org/presentationml/2006/main">
+  <p:cSld>
+    <p:spTree>
+      <p:nvGrpSpPr>
+        <p:cNvPr id="1" name=""/>
+        <p:cNvGrpSpPr/>
+        <p:nvPr/>
+      </p:nvGrpSpPr>
+      <p:grpSpPr>
+        <a:xfrm>
+          <a:off x="0" y="0"/>
+          <a:ext cx="0" cy="0"/>
+          <a:chOff x="0" y="0"/>
+          <a:chExt cx="0" cy="0"/>
+        </a:xfrm>
+      </p:grpSpPr>
+      <p:sp>
+        <p:nvSpPr>
+          <p:cNvPr id="2" name="제목 1"/>
+          <p:cNvSpPr>
+            <a:spLocks noGrp="1"/>
+          </p:cNvSpPr>
+          <p:nvPr>
+            <p:ph type="title"/>
+          </p:nvPr>
+        </p:nvSpPr>
+        <p:spPr/>
+        <p:txBody>
+          <a:bodyPr>
+            <a:normAutofit/>
+          </a:bodyPr>
+          <a:lstStyle/>
+          <a:p>
+            <a:r>
+              <a:rPr lang="ko-KR" altLang="en-US" dirty="0" err="1" smtClean="0"/>
+              <a:t>불편한점</a:t>
+            </a:r>
+            <a:endParaRPr lang="ko-KR" altLang="en-US" dirty="0"/>
+          </a:p>
+        </p:txBody>
+      </p:sp>
+      <p:sp>
+        <p:nvSpPr>
+          <p:cNvPr id="3" name="내용 개체 틀 2"/>
+          <p:cNvSpPr>
+            <a:spLocks noGrp="1"/>
+          </p:cNvSpPr>
+          <p:nvPr>
+            <p:ph idx="1"/>
+          </p:nvPr>
+        </p:nvSpPr>
+        <p:spPr>
+          <a:xfrm>
+            <a:off x="-108520" y="1412776"/>
+            <a:ext cx="9613576" cy="5301208"/>
+          </a:xfrm>
+        </p:spPr>
+        <p:txBody>
+          <a:bodyPr>
+            <a:normAutofit/>
+          </a:bodyPr>
+          <a:lstStyle/>
+          <a:p>
+            <a:r>
               <a:rPr lang="ko-KR" altLang="en-US" sz="1800" b="1" dirty="0" smtClean="0"/>
               <a:t>이동 조이스틱을 이동식으로도 </a:t>
             </a:r>
@@ -19279,11 +21130,11 @@
               <a:t>총</a:t>
             </a:r>
             <a:r>
-              <a:rPr lang="en-US" altLang="ko-KR" sz="1800" b="1" smtClean="0"/>
+              <a:rPr lang="en-US" altLang="ko-KR" sz="1800" b="1" dirty="0" smtClean="0"/>
               <a:t>,</a:t>
             </a:r>
             <a:r>
-              <a:rPr lang="ko-KR" altLang="en-US" sz="1800" b="1" smtClean="0"/>
+              <a:rPr lang="ko-KR" altLang="en-US" sz="1800" b="1" dirty="0" smtClean="0"/>
               <a:t>칼을 급하게 </a:t>
             </a:r>
             <a:r>

--- a/EscapeJail/Assets/기획/스테이지1기획.pptx
+++ b/EscapeJail/Assets/기획/스테이지1기획.pptx
@@ -39,22 +39,24 @@
     <p:sldId id="301" r:id="rId33"/>
     <p:sldId id="302" r:id="rId34"/>
     <p:sldId id="303" r:id="rId35"/>
-    <p:sldId id="304" r:id="rId36"/>
-    <p:sldId id="305" r:id="rId37"/>
-    <p:sldId id="306" r:id="rId38"/>
-    <p:sldId id="307" r:id="rId39"/>
-    <p:sldId id="308" r:id="rId40"/>
-    <p:sldId id="309" r:id="rId41"/>
-    <p:sldId id="310" r:id="rId42"/>
-    <p:sldId id="284" r:id="rId43"/>
-    <p:sldId id="288" r:id="rId44"/>
-    <p:sldId id="287" r:id="rId45"/>
-    <p:sldId id="291" r:id="rId46"/>
-    <p:sldId id="290" r:id="rId47"/>
-    <p:sldId id="292" r:id="rId48"/>
-    <p:sldId id="293" r:id="rId49"/>
-    <p:sldId id="294" r:id="rId50"/>
-    <p:sldId id="297" r:id="rId51"/>
+    <p:sldId id="311" r:id="rId36"/>
+    <p:sldId id="312" r:id="rId37"/>
+    <p:sldId id="304" r:id="rId38"/>
+    <p:sldId id="305" r:id="rId39"/>
+    <p:sldId id="306" r:id="rId40"/>
+    <p:sldId id="307" r:id="rId41"/>
+    <p:sldId id="308" r:id="rId42"/>
+    <p:sldId id="309" r:id="rId43"/>
+    <p:sldId id="310" r:id="rId44"/>
+    <p:sldId id="284" r:id="rId45"/>
+    <p:sldId id="288" r:id="rId46"/>
+    <p:sldId id="287" r:id="rId47"/>
+    <p:sldId id="291" r:id="rId48"/>
+    <p:sldId id="290" r:id="rId49"/>
+    <p:sldId id="292" r:id="rId50"/>
+    <p:sldId id="293" r:id="rId51"/>
+    <p:sldId id="294" r:id="rId52"/>
+    <p:sldId id="297" r:id="rId53"/>
   </p:sldIdLst>
   <p:sldSz cx="9144000" cy="6858000" type="screen4x3"/>
   <p:notesSz cx="6858000" cy="9144000"/>
@@ -16907,6 +16909,1812 @@
             <p:ph type="title"/>
           </p:nvPr>
         </p:nvSpPr>
+        <p:spPr/>
+        <p:txBody>
+          <a:bodyPr/>
+          <a:lstStyle/>
+          <a:p>
+            <a:r>
+              <a:rPr lang="ko-KR" altLang="en-US" dirty="0" smtClean="0"/>
+              <a:t>신무기</a:t>
+            </a:r>
+            <a:r>
+              <a:rPr lang="en-US" altLang="ko-KR" dirty="0" smtClean="0"/>
+              <a:t>(</a:t>
+            </a:r>
+            <a:r>
+              <a:rPr lang="ko-KR" altLang="en-US" dirty="0" smtClean="0"/>
+              <a:t>추가됨</a:t>
+            </a:r>
+            <a:r>
+              <a:rPr lang="en-US" altLang="ko-KR" dirty="0" smtClean="0"/>
+              <a:t>)</a:t>
+            </a:r>
+            <a:endParaRPr lang="ko-KR" altLang="en-US" dirty="0"/>
+          </a:p>
+        </p:txBody>
+      </p:sp>
+      <p:sp>
+        <p:nvSpPr>
+          <p:cNvPr id="4" name="AutoShape 2" descr="pixel headphone에 대한 이미지 검색결과"/>
+          <p:cNvSpPr>
+            <a:spLocks noChangeAspect="1" noChangeArrowheads="1"/>
+          </p:cNvSpPr>
+          <p:nvPr/>
+        </p:nvSpPr>
+        <p:spPr bwMode="auto">
+          <a:xfrm>
+            <a:off x="0" y="-144463"/>
+            <a:ext cx="304800" cy="304801"/>
+          </a:xfrm>
+          <a:prstGeom prst="rect">
+            <a:avLst/>
+          </a:prstGeom>
+          <a:noFill/>
+          <a:extLst>
+            <a:ext uri="{909E8E84-426E-40DD-AFC4-6F175D3DCCD1}">
+              <a14:hiddenFill xmlns:a14="http://schemas.microsoft.com/office/drawing/2010/main">
+                <a:solidFill>
+                  <a:srgbClr val="FFFFFF"/>
+                </a:solidFill>
+              </a14:hiddenFill>
+            </a:ext>
+          </a:extLst>
+        </p:spPr>
+        <p:txBody>
+          <a:bodyPr vert="horz" wrap="square" lIns="91440" tIns="45720" rIns="91440" bIns="45720" numCol="1" anchor="t" anchorCtr="0" compatLnSpc="1">
+            <a:prstTxWarp prst="textNoShape">
+              <a:avLst/>
+            </a:prstTxWarp>
+          </a:bodyPr>
+          <a:lstStyle/>
+          <a:p>
+            <a:endParaRPr lang="ko-KR" altLang="en-US"/>
+          </a:p>
+        </p:txBody>
+      </p:sp>
+      <p:pic>
+        <p:nvPicPr>
+          <p:cNvPr id="1026" name="Picture 2" descr="C:\Users\Administrator\Desktop\my_friends\work\escapejail\resource\weapon\new\AKL\AKLIcon.png"/>
+          <p:cNvPicPr>
+            <a:picLocks noChangeAspect="1" noChangeArrowheads="1"/>
+          </p:cNvPicPr>
+          <p:nvPr/>
+        </p:nvPicPr>
+        <p:blipFill>
+          <a:blip r:embed="rId2">
+            <a:extLst>
+              <a:ext uri="{28A0092B-C50C-407E-A947-70E740481C1C}">
+                <a14:useLocalDpi xmlns:a14="http://schemas.microsoft.com/office/drawing/2010/main" val="0"/>
+              </a:ext>
+            </a:extLst>
+          </a:blip>
+          <a:srcRect/>
+          <a:stretch>
+            <a:fillRect/>
+          </a:stretch>
+        </p:blipFill>
+        <p:spPr bwMode="auto">
+          <a:xfrm>
+            <a:off x="611560" y="1340768"/>
+            <a:ext cx="609600" cy="609600"/>
+          </a:xfrm>
+          <a:prstGeom prst="rect">
+            <a:avLst/>
+          </a:prstGeom>
+          <a:noFill/>
+          <a:extLst>
+            <a:ext uri="{909E8E84-426E-40DD-AFC4-6F175D3DCCD1}">
+              <a14:hiddenFill xmlns:a14="http://schemas.microsoft.com/office/drawing/2010/main">
+